--- a/FA.pptx
+++ b/FA.pptx
@@ -127,6 +127,11 @@
       </a:defRPr>
     </a:lvl9pPr>
   </p:defaultTextStyle>
+  <p:extLst>
+    <p:ext uri="{EFAFB233-063F-42B5-8137-9DF3F51BA10A}">
+      <p15:sldGuideLst xmlns:p15="http://schemas.microsoft.com/office/powerpoint/2012/main"/>
+    </p:ext>
+  </p:extLst>
 </p:presentation>
 </file>
 
@@ -4189,4833 +4194,4836 @@
           <cx:layoutPr>
             <cx:geography cultureLanguage="en-US" cultureRegion="IN" attribution="Powered by Bing">
               <cx:geoCache provider="{E9337A44-BEBE-4D9F-B70C-5C5E7DAFC167}">
-                <cx:binary>1F1Zc9u4lv4rqTzM09BNbAR4Z3qqmhJF73acpLO8sJTY4U6CC7j9+jmK7bSMFkVfXc/UtV5SsUwc
-AB++s4P+7+/9P76nd+vqTZ+lef2P7/3vb8Omkf/47bf6e3iXreujLPpeFXXxozn6XmS/FT9+RN/v
-frut1l2UB79hE9Hfvofrqrnr3/7Pf8NowV1xXnxfN1GRv1N31XBzV6u0qfd8t/OrN+vbLMqXUd1U
-0fcG/f72j/x2na3zN+v89s1l9L34BnM+qVP4b/32zV3eRM3wYZB3v7998uDbN7/pw/9tKm9SmG2j
-buFZhI8s0zSxMOnbN2mRBw8/t/GRIAhbgpj2/edR5uU6g+cOnNzPqa1vb6u7uoYF//x3ZrAnq4Pf
-vXz75nuh8maz0QHs+e9vT/LbaP32TVQXi/svFsVmaSfwm7AXvz2F6G8/gN3RfmULRX0r5776O4h1
-vc4et+5fhwtbR4RRImwkfsGioYY5s02b3H9NHkU/oDY3mwl87h/TkXj/qpC4VrcKCF5Vw+Oe/Otw
-IHQkbIwsTDCQCD7oCYm4fcQtgTmm999uvr4n7j0cz5vSbky2n9WAuf7yqoABVRJW6zfX1fr2rg4f
-d+gFwGFHnDEGTPlLhW1xBcCxLUYRs+lurjx7WrsB0pelgfTH9asC6XIdrDem5+XgAVVmWkgIMKg7
-VRk9opZAnIsH7vBH0ffcec6EdgPz15MaJJfnrwqS5Rp8knvvAMCp3hyv27s0+vmD5S/HYRmpx337
-1xmFzSOEbUyR/dRZ4OQImSbFjD+oQfh6W889ezq7AdMe11BbHr8q1N5HSRK9pEfAjxg3TWLinVpO
-iCPKOQYd9wCN9RSa+ensxuTxOQ2M92evCow/KpWvwZlPX976YMDFJuCpMaDG5oOfuAa2BZThhFuP
-qGm4/FMz2w3RjiE0tP64eVVoLUIwQBGouhd0Eoh5BOwAn1pswiD4aB6cdQQGiCHO+L2R0jTb86a0
-G5/tZzVgFq9Lp31sGrA/L+7AgYdgY8Is9MAgDRthHjHLIgyL3cHOs2e1Gx7tcQ2hj6/LfXMiyFg8
-av4XcATYkcVtwRAju1gj4GvTtiwwOo8y75222WnshuLhMQ0C53Vpr5t1vK4bUGGPW/ICMFhHTFCC
-iXjQTvYTGwNumWAmwuBF36PEHkXfo/GsGe1GZOtRDZWb01dlU87Xt+vkJe0JObKRicTG47r/PIUE
-vAKgDaXmQ0pAS9DMT2c3Ho/PaWCc//GqwFiE4bppovplTTxGR9iyBLXZziSNwEcmRZA123ho21HL
-c2ezG5GnT2u4LD68KlyWd2kYPW7OC6gtcWRRQmzT2u1z8SOEGOXAk3sGaa7x7Gx2A/LwmIbE8nXF
-/F6xfjkcEDsiFlgPG+9MJnN6ZDJs2RbG9zho5mNmLrtR+PmQhoH3urTUp7u6eePc5ZAQezks8MZW
-QzLS5JDn2spSCn5kcwCBPvi4tgbCMyezG4wnD2ugfHJelYq6uo3q8AW5AakuhohJKWG77LiA7CQG
-wKA6ttO1mp/ObkQen9PAuHpdrq6n4nW1bl6QHVCltIEF6NHP1RxdBLkWbhIBv3L/eRR97+g+Yz67
-4fj1oIaH97qc3J+hLLi5L5q/h8wJgrIXuFYPmy6eKC4or2CTEcKZ5lY9czK7AXnysAbKx9eVe7xY
-55FU1eNJfQG3ih5xQi0w6Y85xSeA2GBhIGbnkMzaSZJnzGc3Jr8e1PC4eF2V+uMo+z9KBRN0n8eC
-UvCubAnnR5hYGBHrodSl+bv/zMR2I/T3ETSojl9XNut4XQ3r/CWtvX2EbAFlLfCutpwvDt0W1ITq
-PZ1AZn4eE4A8Pqjj8Lrs/NldBUXhl9NgyDyikDZB8Pmlop7CQU2w8RQ9xI2aZZmfzm40Hp/TwDh7
-XaHh6TrL1M/q79m6DrPoBS0LIZBp5zaDZOJOXNimlgV+wOPXmgK7n9l/rDP5X2+eMbfdIO0cREPs
-9HV5AKeQk39hpwzCSAsKJth+rIk8dcogMc+APgT6+u6B1MpZz5rRBD5/LUZH5XUVs87WVb5u1slL
-6jXwzBD0R1C62wGAWjDQC4opuwtZz5rRblS2HtVQOfvjVcX35+sE4vvb7u5OvqC9gcwwh9yKLZ7S
-ZJP5oti2wFl+FHYfSD5zFruxePKwhsb58t8ajd0Nt/fJ8vvA5clv/JM9yBhDUytmpmCPSa6nXpi9
-SVNaAvTazlzLQ/vv9Gx2w/Hw2JOJ/3v3El+sb8Ph/6BREowGI1AkZOzBzUVP918cYSFsi5AH66/V
-rJ4/rd1A6M9r1Lh4XbHJxRoMIThgTfWSBsQ+olC9goTjQ7oRPN+njjEyhU2h1vtUXz1zMlO4bK1E
-B+V12fSLuwCavNbDC0KCwZWCtiFE+E6lZW9MCzR/c3N3SvJZM5rA5a/F6Ki8rojlQ7VJgL0kJuSI
-U2ZC09DT/DCAwSnmYEMe/C/NrD9jIruh+PWgBsSHm39rc/5ktnDT6CIai+pFr6mQI2JCphFS8k8U
-1c9bRZaJbXN3z/0zJrIbiF8PPlkarOzrqwLiWuXx+tujDv/XU8KQoxcUI8o2jVjbBoMdQRJFYArp
-rZ8fjRDz89gNw+NzGgrXzqtC4cM6i9I3l+tb9XJIwE0hE20cWD3UgP5sk0PzNtPuNzxvErth2H5W
-g+LD60rKf7iDSyfBi+Z6ET8CN9dicIXuKSfsI9O0N21CD7oJvt5uB3rWVCbw+GsVOhze/y8zpm86
-/rokuoTkh/vzdunWZcf93/5cNVyD1R592L6dAeL9zp7cwg1UBPHErzurmyGebPuT6O7X799BK+Xv
-b20O5IFkMbhhHFL01AKz30F3xu9vLYhZTLIJ7KlJoEpJIKTJi6oJf39L+JHJBYL+IiGQgPI+5MDq
-Qm2+gmZvy4ROC8ExB/1og9Z8XNp1kQ5Bkf/ah4f/v8lVdl1EeVP//hbGkfe/tZmmAWqXU25hAdlQ
-+X19A5eH4ZfQf9o4aq067bnbsDANnXEchk8htvr766r3t1V3DA/6YefwoLq3h4+5kQxdn3O3qvM0
-OK3TmCGHm1X9ta3G3nZy1PnVokENDxdbG79D4mbkXQvaLHR7QdmYCJX4lptVLYqvcGqWwyIkG7kk
-Zbw62S9mat/gWGyLqS3Tirsgt9xwkC11ZDQK5YQjLsDG/zo/O5YxtXFgErfH53ZpytgeLFchSS8s
-2+DipjFyNJwPosl7z+CjVTnZUMqb/QKnFgRncFugFKZs+UZgm9q8Py1C5asFrVUYufsFbE7ULmDM
-pwJENHZmowhzRToU8Uc/CknTOqad+GxZkVIMlkNrlvbv94tDm3F3yONAtycL4lmdsHpgrgqCtlwI
-LDyS9dWiHezU+KKU1cfLgXY9dtTAjXOcmIKkCyMQOIPIZR+GEyvmoKO3Z5AGQ9amrGNuJzBbkKr4
-EbbDSWm26bLrg4v9QiZw23RkbQspgKydGBrmDkPNPwdVxd2BmOnx/tGnlqCph1TEkVWTirkJiaI7
-E15EcF7XlDsm3IQoHNrkw2q/oEm4NE1RGB2TZciYawR+6Pi99SdmDV8Elp0tRhtLRwUqWKaWah2c
-dR+Tpl3ulzy1gZufbymMKu1iKXHJ3KYwxtGtUBUHSwnXpYIDBWiqAvcBEkMaW65lBmnvJEmSBYue
-ZZE/I2BCV1gaszK77VisAu41FGVqyQKrk++qujKSM1KOtnnaGKHN34HJINZh6o9r6gnHg5EXtTS8
-vBi4dd0UYjTec4OawYwan1gT19RRLUxldj0DznKfel0UNqljtGEyOFlcVguj68PjMB7JjLipQ6Bt
-oV0kNFV48L3CEGO26iokW7ePsqL19p+yCbO0Mf7bp4zQwhedNACjRuHmOLeK3HTHHKW9K6Om62f4
-OiVGUzll0ZY+6TPhSZyMH5JqCK9K2VTXdVyEV4etRFM4XdIL1JnM9rDRRy5FZZic2Z0A+5QwkfSH
-AWJpiicUgUwEl8KrUjqcGNloXtkBqlII3vap5gm8LV3b+NFgwg5ZnuIl7h0z7ukXayyku3/4KRg2
-Yrd0imp5ATf1LMtrU4ChT7raBWOep06ElDxwh4gmIyL5kA6x8GjdJpGbDqI3nNoconFmj6YWoXE8
-sQ1W2v0GgrIi9qoMVWy6kZCqOU2MNC8P3CuN6RwPpEZGb3n+kI0X2B7Ly3qwycXQsnTGC51Am2nk
-4wPM34Sg1msr2DMvZANqlnmfGmSGdhNmkmm066OhtBpccQ8ZAeFOgZXFltJWfuHUGW6FEytaRTPC
-JlTjJhbfPlxDEAdm1gHwLGslX5lKGd15inHbLouAR+gyYS03zwVqUP9l/3nebNQOX4ppbEz7wOfF
-2PkeRCEhuiwCOtbfazyG0jXGqrDeJTFOA1A6adicmzGW+PNA4SLru/3ip/DbnNAtOg2+Be5vYvhe
-xg21DGmKF53F5XL/6FOuB9PYytqmj0pc2h4xYTHuiPy2cUUQp4MX1IMKPkmDdtkxHUXOLnuI4PIL
-DAFb/FkkmLEZtk2tUaOzyGMmiy6inuR+TRbWaN/Jvu/KGW0xdUI1MqcVsdDQx9yjJOq8YOhitxJp
-fmOIYvT6zFczccvUMjQ2K1RZIo4D6gXmGH+NRWlc+20azOiKqdE1M12SII8Ng9seSzszXigkstFR
-UTXUh3GLapqijsqB4b4SXjN0Pj6hvMH4z1ISOhznkZKZg0dLBt9lNtZ4BpkJNUs13UG6PIVzVFme
-JfxMOSP0XkhnTILyrh3AkZs5XlNSNKUx0jEplQXBQRikiWs1WbjMZYCXIZIH+lBUUxKWb5t5XPaj
-V6ug8XBktctUMr7az9IJ6DfNj9s6ALKVodGDO+vFOMoWuEHx0h8KfNjBohupWxoGoqhCoAiogOsy
-d8wQfcoDWs0gPDV1jdrIkjnt02D0Im6M77o2x2TZBgad85Wnxte4HcaqkaQaRs/wM/vEMEm5Auec
-Hrg1GqOJbJlsEhi98TFd0Ays2WAm/sy5nFK+VKO0yPEoWg64oqRekk4dE6O/yLLgM7WT970wPCOx
-Vlz2C5zxk/1HacKAbupv22DHplGZnV8D2DL+YhqR4QSqH5yUytLxx6Bc2E06I2qCdpsK07ao3Gfh
-OCKj8zqD3UF4m7Qr2iQy95qOWzNbOAE/0ahNWt7mceJ3HgGC39hNEbuIFsmMu7+Z6Q7TTzRWNzko
-v260Og/RsnSBgF+NJDnvJI0dQv3PdZEqx/bjmcM2Bc1mH7d4iJos9cUYK69mzHCKirBlMOLjRKps
-6RcVdmSfzixsats2P98SBRbfTxJEGq8sYh8tKobrBQ/7JFzuP2VT0GusZ35QJ8YI+Sd4KZs8beAF
-BE6bFemZnSf5jLWaWoJGfEjcGi1ScbOqVNDV730UJMG5VHl6d9gSNOonKGrLoMW92wdqXKTD+IFz
-aTupz4MDz67GfhYbCRXCb90yDSFBWyvslLatZkafcHqwRnQiY4r9WLSuzI0vQZ+HTlvbV7KOTxvJ
-4sO0O9YonsixMozaelgCxSV2WGvNLWECYqyTmwlfiRC1rt3ZpoM3o9eHb5BG7sRspZ/WMHo51oHD
-5HAdSOtSiUQ5loXjGRim1qCROqRMFFBUhIQKxXcFyYXrU2M8cPs3QrdonMCLU0UUwOCiFpk70nBw
-g84K4U7cvjzBhD7CGon7BtJP6ZDA1HF1TO3qfd/QzKnpuGol/VRzM5nZoylB+OkyslDivCCmcqFS
-4XW1eRkn5TXr428hIcdWlM1ki6fMLdYoXY9VI4uwU24QoRXx+3OR2MdGWi6sxDgOKtMNW/oui9iy
-9OmBS9M4bvqsIkNoNG6vBvAfYk/E1HfqPlrTBL3ndn+Yh4g0tpe13cfgpCs3tuzQseIodVSF+cwq
-JtT5ph67fc44iY0gMuzGLahhrQLDapx8rPkV6MJ05rBN8ARpXO8VxTnltvJGBK/8dYwxS9LF2Iec
-Lw86zUijOy57O1MyaD2WDPLGrpi1kpkALOiIHLOy2UU2iMzbL2xqNRrrUeTjqugz5QV+nZ7acY2W
-dRIP7v7Rp+DQaK8qX5JgYMprbPK1Nvqzvs4iJxfGzFZNja8Tvx7ibBiMxotC4xK07hfiB+8Smb3b
-P/0Jy7Rphdw+TXYUZRzlvPGg9Jk5YReYTluEN60ITu0kJgeeWY3seVIblS2U8qqIXZSVWTiQjLpq
-rP7T/lVMbZLGbKhkd7IGH93FVeTmtf8+GtAnzDK4+bJP+U4pK1NjtIi6wAAXYfCoP5oe6aFUnPhJ
-44yoSN2giCOP+xVZ0KopLvpoDJZUVdnM3k0gZGp8bwOmwgRG9lJwDy+HIc2XWWfjY2MQfCVFqmYi
-hCk5GulVmWIz9Qvl0Si+SrKkdeBehkckthyrtH/s38kpIZufbxlJX0Qlb6NKeV0rpYOq8SrLZORw
-LK/hZSqHWWJzc0q2hNi5RSNpZI0nUHxnKRadgsLh1/tXMHHUNi8A3x4cN7ipmioCbdJ2l6gOrsjY
-nknV3xw2vEb3kRZ27IeJ8sxKFg4uCtfviq9pKQ6cvsZ32tG+iwiML4zuOsn9VRcXpwjTGcsxha9G
-9KLz/aAhQQOmz3jXmmXvKNFDpFlEUBEg+QwlNkdyRyhoanRHSEo+GtgAb7E9azLqBG3x0edoGZTl
-pcLljI+yG2po438KtRFCyFEVsFeJAofOH11M6pWfhe5+qHfbJbhJ+3R4KruB9FBxcIuxPa46fEbZ
-DApTE9eoLAfWWIWE4JWg5kTWxXEG7sJI1Yw6nJq4RuIobfpQKZg4Lt6bEkrI9t1hO7JZzxZxUzuu
-5JgArqgQa+yXl4nNjw8bWqOtKtukHzqr8YY6Rh/GocFerEi93D/67gOJbI21cEuExmZqNx7yr5KQ
-ekWTngksPXjD3Dtc44OOPdp0p25vT4CbwJDUNFzQx+9GhBaGaa3LesydwCwdaaQHHkyNxHDqyzI1
-wSdgYycXUHorF7Tl3Yx2/ulF/p29yNbYK+qWN5S1htuvhNefhJ8pdSAiDr5WjTNctW7uFsYyfVd9
-9IvlXKZtghFCo3IYhCUtw6HxwjK4aMzoKwvq1CkM/9v+AzA1vsblDroehiH3axeF8jiCGsfSN+Kb
-KBTDDPZTAjRKV0qZUOsEASJl10Lm36Bt40JY9kFmAf2t+46ywSyFXbtVRq57nHxLcXpRczYz/ITG
-EJtVbREbdREnpEeNZ3eEXloFq49L2lsz7NttdJDQuB3WtE3BAzdcMqrGyZT6xsdiYefGRxSR+kAA
-NIr3tqJdYoMCgbd5d9HCTKDXaclENaZLWRb1nLc3hbPGcdll1IfqWOMFVK6Nrv3UseKz6acz7v7U
-8Bq1W0LMyiKwVTmNoCqyMclGCu44UWMzg8aUCI3eVdhyyP73EFHg8Lwa+dc46i78XHzcz7SJo6R3
-08UZNykPSe0NJbmoYiNyIyoib//gE3PXG+VUUEF/q2oh2GLDkprVibCEm3bjTB/e1Nx1EjMjHwKS
-1R7GDC9wRb7aPSoPO6Bcs8pDiGJIPDW1R4f2LEzJadEVV2WbzVB4gmSbO77bFMZQ5oSOYaPyks6/
-CYV1msbmhwKmvyj9cnT37/+UEI3JBetyu6UgpLQjsvBteSxE8MUqslsjT1b7ZWwapnd4j4hrTFYS
-10mIusqzUOFlNTT/MoQHh2bslnTovGx9e5kH4QkUZ5JFF4ZyGZnyPTWa0st8cy5ImTpqGtE7g4DG
-pQrgCvFV3bAbg/IPtU3+3L/KqeE1ojcdqUNpFbXnG8QLMLvopTwxs7n03e7hTZ2FbLRKvKkpuYGP
-4svWTuzzzoqz446a8adDVgDN508PXGjEpB3bNvGamP1Z++bSwuW7xBhmwt2pFWhc5GYzZIbVJR4Z
-a+mkmJ6UY/PZLouZ4GEzzt+9HHjRx9PpQy9MFox1n3hRlKcYgvehalx7qMNqOWalMZ5yKJiIk9o2
-YjyjeXezB26SPRWJShteY9GyxDOkYbk06dJVUGYreAVJ5DSQn5iJLqbEaCQNB18hUpHEK2UQQaO+
-AQl7PJzKPF9ZXV0dpM7gpf/aYswgUkmlEs9KVfQeHEZ6JcKgX/cxMmZigqkjoFHQ9G0eYFkmbt2T
-xFoOad+IHzWVY3McdZA1nAmXpvZLo2KFk0C1FrSewF8RS5KVYj1yuhi89SgbBV6INmtnFjSRp4Ib
-Uk83LQg5dNBUaeKZ2Q9ffAYfxW1G8kPGZNlX8iRBwoV3al021ZzEjf+845Tr3aRGL5HP8zzxxtw4
-DlG4hEYYx2zMxVg2To8yF6flqhcHHgpL0wmc+IkYU24voSuFNyd2WrNVIexycK2gTc2ZAz5xLixN
-NTAY24qgRWLZF0qe90VEF6Uq8uvUMuayurs9AWjAfAoU9BWWUTRUscc5a1ZWhIJFZJhzV0+mRtcU
-QRuZfUAUCj1rIGJVRUO0iNPgx369PDW4Rn/TkihNeeovURudmj5xaGHNbPzU0BrnN9cFagid/eU4
-UshXBKsWld7+WU9hqnF9gJ7aqIYrHsskwmdV2Bzb5XUVfz9scI3hSWXCC2otaKOXcVeeQnIwXvWR
-cROk8eowARqvfcbhwgYx7GWv4KaPyGXtEMNkbmqEd/slTKkOvTUVrr9UPoMeFC/PqzsclZ8hOXgJ
-9cx3VU9WvmFd9W3YOhBC32Vy7pxOaEa9WzWweGC0WEVeOuB01RZ+f4pK0I41CdAiyJiY0YsTWkpv
-VDWGHi7DZVUEPe/krCL0wm/98450LrxbCEo18hzO3ejk6rCecVPvUu1js1Q1KexlUOVGt8o3YSN0
-XYtxuR+sCZ4wjd9hYTdlSnMbGs+s86Blq4GVXw4bWmP3EPZ9kAXg2KWNgjKWykGVp+xm/+BTOGj8
-biE8GYug8JeZ5H/6HV8Y7WdRf83sYklyfNMOahFlc/HQ1CZpjB+hVaxuGxl53RCYyyYc1A+/yu3D
-mtLhj9081eB2NkAcmjB7KWgxYqdBYbkyCvRDtf5oOPv3a2oJGu2Vlfs5L4kNBZ/R6ZN3qJhrd/lZ
-39thuPX+UmqNkJiDKMdDg0HasyyJM7LmVm+Ziy73q9NwYGnlGXCPEC69jL1pv+uaqihdDlnxZh2O
-XUW9Bhz0asZdnliq3nzaGyWC1ozGWMLdiiY4Sdo8i1YxT6WxOGgvqWbU8yhq4A/nhXyp7NFgpyLJ
-h34FVxihRLRfwITDr3edVk2ixtaXylUFdKMnfnsd+dll4ld3zOxWqpzLn04oTb3/FFxGRiTJQI6M
-Q/CxzIskDnKnVsZxRvlMpmJKiKYGJG9p7TcgpFVd4hgZusRjdDKM6JON6hmrOSVD0wY0VNAaoXJo
-k8DjKs/H6zpoP3OL3fl5+m0/JlOnStMBRSLgUjvxG7fFYeYIw4B2kp6aq8NG11RAIIbEpAaBTgzI
-jjtFUgWXKSfNn/tHn/BY9H5U2klJkFU2bmPWuRNZPlvIxkaLUNC5HMTE9uj9p1HVoSIv0sb1oeT4
-UUYVtNNZ5shnfK6NV75Dx+g9pyMLu7JRLVw5quCAqhquhprsAkfiOJf0OA/Ep5DPZe6mlqLRG2ov
-ZCSC1W5ko2zFzDxfCGO2OXiC23rvKekwGdOkqd2yCFz4+06XlDShY9flD4UgWRQPt/sxn5KjGXbV
-ldCtyYfa9VF6E1nBdcbDs1SWV7Qe3uOQRTOGZUrOZhe38vEsUZZBSkCmQ+iqavEqR9lN2hmJw3N/
-OUTmYVqdaBQ3RpmVfkqgyYtF1dKGZNoClPxcw+MEQ4jG7lEp6kdtVbtc4m9RSt9BnflHIYMZr3Hq
-SGn0DrMwKwpJlcvskDsGpniBRr9w90M9of2IZttTlJQ4KSA8K3ylQneo1ACXIFQWZavBwmm1opXE
-c5c+J/DW+0/9lvgUxbAUuC39He6xXoSo/txiFkD2QZzIPv540KL0FlQZ+rxpLJBjZJBUK1l32cte
-LZJQHAvT9g4Tslnk1uFNYlAsYsSVK2RfOU3cgoGqytYRDb6uM3+mK3vicOENbltSbCi0Nhljldsm
-ql1locBOZPD0PBhQdxgL8Ub0loghI5Y1Vl3lIsgFOLYhv480Ps+C8Kqz2m+oLOZaU6fg1+g+hhkd
-C8h0ubadlk5iyNMsMWMnYMEVb9IfednOBPATh1rvUs35wBsufOlGSRs6krLAiUeZO5XVVk7VmzPc
-mWAm1ojvU5pWKLZATFOGizRIkKOyWM14imhqeI34Cg2jr6oAMidZ7vHEvAkGskqColvA7ZzzroOS
-TWL0nxjtT6CWcGlHtFzB7YPKQSVbNaw3DzwfmorwCYhS0CbrhmXzwyIigl5S+T4o0YWE/lyrPKyk
-Bq+jfnoOKUJ+AS+jsFfUYI7dGt+LNP+wn6sTLoDerJogjPyElHxVWipb0LLLHbtj/rFfZ+qsHQP1
-p9kk2EsyP1ztlzgBnt67itKCFCO0kK5Gv0/ZokaoKc4slOZiRjFMCdAUg6yFglhF2isRCreoSyc1
-D3QokaYQoI+0bAYMQ7cYe2PULG0+16EyNevNz7d0DbwmIfJDXsK2bPrtRFBXi6xUh/Ukmz9Lbduj
-m3DddhwKuuyzeMny5Dyv5LVp8RlGTk1e47vJTHDusowuoTi+6hm+onn0bv9x+XkSdzipSCM7g5a1
-sCI5hVuI4g6nHbuFi6PqVPm+fVPU7WfSxV+UrC6tahy8PmzVcZk3yU0CnUquykLT6YeicFCq2kVK
-6DsCfxjMie1krnl5QqP+TNdt7WwuURmnquBQWsnjz2mZdqtuRKMbGqg8hT+0VL3fvw8TcvQO18hI
-JBWdb60yadTHFVVDfocV/KGn4yAbu/CiAc9nLvkAfxFtg9yOXdebWvmA/byNy9QN677L+wVKoxRL
-t2B+WddOlTIEpzQsUYYXYYVtTh2SjANEEaakPhYLKMbClfYilVaYrSQK4iRz0jGBt9qE/mD4a0K6
-RHoQ5MdN4gxV0FWdU0URQWd2CC+LuWxrv0PWSQ9F1zJxetbJ9CMduCg+FCiveqfF8B4RaBYy4VIA
-iTOzlIsWNWUvV8MoEQ+WQ9l28L4oahcQaPhRYTg9F/EpSUizyPNQfmTwmisnTcfqS1WM9AfcFR5q
-h4+lwc/gelzmOzGEuqNj5z0qTqEXMDyVnWVeDLndqEU+RD0EfZmdGbWXM59GXzuBpHGa5zENlMOL
-KjpNrMjyupymnjLD6grXA1QTkwg5wyjCBG6MZwSuixR8yFaQ3VXBIu67YMWMkToRjU7S0B4/hwqZ
-n3JULUQfrFIrPylExTYUs8kijbq+X/o+yRZWbApHKHORWtQl2I5OoOus9URe49UwiGUi2a2shvOw
-yeMF4v0F6coVK6AvwG87b2hTr8R2uTTbCi0iwRe1GUNJckhvQgsvqvIW12dx0ZVO0dcLeB18CS9g
-OoNrGXAleWWXoVeX6Wk/3EBbySJHsdP3Z1kBFheug4WJEynoJu8KsFwK7s0lX+mYegk264WqlVPX
-3wKwOVkFT5XNVZ3033rje43iW7hL/Y0Y32TTXIwlvuyFdGSSL4bOXDUp7BV07anCY/Jr295CRGn1
-Nx1+Xw3VKTQzOVUVnUQYdkxWjjV8rG25DMf6XLR/dkF4CXt+Ac1aJ6zPvpl2y0A79HCMh8hh0Xht
-BqR0ggjeM9ZAY12fFtGNb6XQXudbxXFvY7Xojba+/F+Krmw7ThyIfhHnABKLXqF3d7d3O8mLTpxk
-JIEQiwBJfP1cP84c27EbpKq6WyXzTOuS8P4uU8GPpmyIrvJWT2c6ZCTs8G7eVCQadKUAIac5MHzw
-dtiFbWR3fLRx5VD18DeAnu17+oeE9GyNf22aJa8ml126SV95oHXRkPsq9SEO5S3l689pFe+NXP+R
-PNPwqw27AmLwamFuqZZIfqZBvC2zfco2vHLjSKoSJNneaPnVb9nvxESflNEvu7GbLlTdB/ewxH4n
-o/TdkRzGqy7UcSzjfTHKHyXUKmxKd20637Vq8V5065/INbZC7NGeqnHHl9euFOgfD2KA6GrNXIVm
-7BQr+9Gy5JUosqPDVFShH17IBhcJ87cs/cTigAOM1HvfZFeTFiCSKHtfnb6xWL8I5AGExl91Ue6z
-YYXFfdxFXQvC4UxydoiS5K5lN8DeZu8W2h9pp52Q8bmPm9NSgrZdypNL/DEf/IOQphqb5GEU82PU
-RmLXq36/SHFGilmtWvUTx63aNH8UInzy2O4QYlVvyc92K56KOByivKgW0KUB9R7XoJQ9zj6kqYzd
-FXSdcblWiXmkfX+aN2SUtcOeS/W02Oiw5MNd4JVSg9kjcWPv4BJPLGt206IfhZpOi/5X5H9S0n6I
-tDkaVVYY+/d5m11Sbut8op+pkphoZUW688DUa1qm53hA1ITAWAVH8jGlU7MTJrumJD60CPOoRoVn
-Wk5OX63LZLWk5VdImkO59k9kGbtqWMkXfGoA2cqvdBju27eR3a8XkZhrYOowwR1cdbFx3zfGGyJp
-nozbToKnr51HKZUhaet8ntDOp0zsEQH6hGrkK+cyUvUkGw75EvNTIRHjh0Xa9TDYDk5gveGlWHYr
-Zuedz1dViRniziWi9OfWcvOK8CQ2VGb2G98vS2relgZ8UxWULJ7mtKSvjfesrApnlleTqLAbZY/H
-3066nlVzjwP/m4Vpqk02znmNr13617UL0RNNFpiW1Iiow2MTJTjXXWxHW8myLY6KEvlJO3j56zRj
-PRzDUhdjlWf4cD6YQ9BgJXkJE59qaNFVnA98rkoyL290Xc1HxwQMJgnFlbrboGXsq1UO3T63sdI1
-1lv7+cGpEJ44fClkH7gWwyXrc/27BCn+oyyAsvXTRO6UztEt9T2tudNoodbRC3OwfpmifZcwtDPZ
-lrTHLsrm3yQqumMRqPoJD00q6lyK/kdv5HJMkpHWct3MlTtV1qHrzFmm+Im71OvYnIkel2zXcdgL
-znkTVnYdOp60//Ios8tL0nT01QsGHUqqI02qeYiG39ZL/5vz1HyU7Rzjmhjo2YM3vUFNG/x+QNX/
-F/SwJrvRDuwm1vVH27HoYS4Qh7Wf7ZjhiK0RW3ballLv8gWiN5r02YHPi5kOjZ4Z7vIl/VBp2fzc
-uOxxbDQK5utsbX+ei0S9TlsW/xFCBoO4FenJde3Y+J/oLIn3yGNZfkZq8P9U10w77kS727Qh5ynK
-6b1VPv1L0pUOeI6kP4kkDneFp/irhWwJms15uq8I8fvDYzfTp81odrQoTE8dzccX2rXmNXTjeKIL
-m3AGaV6aeu5zYHzcT/GJ9748b1Ik1Uq78lPhR+GUFhP6Bmq3dwvdRXPB2qfiPDaj2iGU4teUUGv2
-rScqf+nZpH5+p7GliMgrsz9zlC4HuzCbnmcLM/XjApuP3+kVhXgMtMf5osygMAWqH3Pf232ECKFn
-6TL3oysT/05tXLz1c9JdwABkB2WMOw6zVAfY39ITy4pwx4W5/s7XaLLwgbtm185zeaICv1MIlD58
-p5HWjJXRcxbS/hjyph+rAp8i7o8oCjXK3Po++cQ0u74J2QoqqGDkusm1y2o19/o/v43dU9bYAGPi
-Kh+Mc8WPgoiujqRMatNRUrssMfhXRlQwTICyRFRfS/JG/8sluBncd6VBLMXRjeM03VVJE19vZsLV
-G7wmw0sTRh/VQ7eMX4tfy5hU6B3LHxNj9FMrHsvbiKRQwc49gpW+DExhaoc4sKSoy1gk67n1Ks32
-3qDB4ZXf4Oo/+WyADGfLzBJV2+qHp2xWma0SX3gb6jyDTO8AjyLYVtnGQlTFIB3/T+NFdVEV602P
-AqLvYlmXfegGQJJnTd28TPshZf690w4iLCZxQTwp6P26us1bFDFWdrVRxnZTjZSpyK71OERyqSg2
-JqRoeA15UU2T/tJEvGaeR/Usxohj4Bz5K0Jl1rXKCM9x97mie/M+FQYNYCnEeBZct+ctlxkaGB6p
-ZF9kYY7qGC22fiCGTMNuwS34YibB1dU1bVYzv/np0AU/hBr5nnH0Gw3PEm5xJ1h6ZGVWpE0dRmno
-tSwcW/4tC/LDXl0bTeboEjuzi0ldMlFIi+Bf2uo17Zh6UHppi+eeIjGzr4Z+XuzVrWm44Y4pwyFV
-TaL3TnURu4yLy6IdctZI/OJG6cK9w4f9cwCUWKJHTNcYOUczeYdrt1lr0RIHdF93zW/hv0c5V2AX
-9JF2o+krFUtoBWKTms+4RWux85Ij2LXTfst2lqJh7GI08hXbjGJ3BsFo2Bk+ZNutmRB287Q21C97
-GpBIuy+R1OXxmXvh921XhmInHZnak+Ew2OxCb9Q/1ZulOQ1d0oyfeDaB3lckqy01UTJeao4Dv9bx
-6IoJOUcWDVYCheRUb4hga8Fxrjk/EFjubE3mricPNJ1LfTLU9MsO2UgbvSPlrPjS1uDyGUIj+70Z
-8qir1sHw5uDcumaXyDpAX1ncz3QH6XjZnOzUL+MuG6XPK5Um+AxTKpHHEWKEIzZ+k3yfben8n3BY
-joJYiyzXf7Zeqk8crKzfjbC1PZaWNBvgZ2dNnYxjl1YrmRpzXualiOvSMT3UCNgq5CFvkz7cXKFs
-WeNbI/pnbqkZaiodJu+BTus7EuFwdfNmjL62gfr/5pJsn5NK9FwvrIEKFg+mNCckrISiLkITzZVo
-0+0+s1gcZtP2djesSA48NHLQcrcJn0wV3o1kOTIRLfmu71oeP5AtIlmVjgW+RsDRrc4R93TaezaE
-cbf4EgkP+ImuPRBkAUAKaXHwkosYp4b8zbIZg00GavUX75TDVNCS6G+TjyQch7xboxNViEo7wavs
-n7nK22Gndarabz9rGldFh1x6pJA2vNuluRrpY+Jafk/6NbpA67X9YTrpqsZlYrc2/cRqyAzR38GN
-WrqLKB1ND+Oc8KyCiYH8wH0hugNPcw3zkC7Xez/Oxe+AtshUEg9T7nzC6T9TeL3dhRrG5VTQPH2b
-4NIu9yqhyMhxXs/rHSVo45Vhfe53IVn6vI7QZvCTtJ2AqC1ZirQOYi2+tqkts2ecrLE4NjGzbVXi
-KaYnSSI0WsLxaL02aVMkDytp8cZ6TdvhsE0JDmevS94/LlhnLA9mFaPfCR6l/T4hkGkeoiHEJQYi
-/GxMEH3iDs2GK/1BQJkOX9TaprwCBcLCXfp4sjXLSrrtg83nDdW00/YFlst1q9stXgWkmXHaHYgg
-PNkVEHQVVRFF26dqLeM71NI5rzgtk4/vt/IpM99GxybqhuQCPC3//d1qphUacjpXVsV8OeGKg3hZ
-StYMNSvbYaxhr0/SijM842rjWcKPbZiG4lhYBpWAc/jgqqwJy5fVnZ13s4Pufjdbk34rozoRVblG
-03VpG2njHUX5WXZFLqf5iqNL5otY5IZGX8RIpspQlX4UpZemphgoMbmmjD/1s4zlxXw7HaqCQzlZ
-W0Ptf9u08Bw4RjHcyokn6D69xSurc+nhEClAWNVxQQPslsKwr4XMwVQUM1x3brlAtPaG865r2qji
-CZF880fwmHLhL1nMp4uG7LkN0EHJKGrmakxcVgA+ETGwH7gU87NR6JIw+iIoBXdNmYg3IH5aQejW
-bpAeEJFv6lZEJrJVQBr0xAEPzYU3VbIN3/eAy7na2qrh+vuWdstKsg/k1iHu+zuwt21fmnixCaJU
-h+/auUTjHC8HbIDg8+84mtPGV7OjY/vgvBVSVx5JrOwU8wBw1wfdinuGwqxfmFhcfnPov+2z1bg8
-z+u8OXZcOpjJdqNLebgSRN0+wUci7Fs/DBxMSwBzT448Rpf3Ryra5Q/b2pfxHbjTxA+GRul4GcVC
-dYlZXc+uqZwnJf1jlVD6MSFZZM8eqtTp1sPDqMZqRaohxiUWqtFNLDknhNn5MbNjZH6nypf6mmti
-AW0Z2Wn5d3DT1F8XyEb0o4yD2D54lDTzs267TN6tUA05Ixgh1zcEVSBydt8usc7hYo8I/7chpcNj
-qJ3W5WtFFq5CD4qk+OYimzkMpwHKoVRUaeLWeG+HBPTYijcjfTVoQi4k7ch4Bku+prd4UEiyrack
-atHi2TF2u7ErxFYh38D9Ay7RoewiBnAeqm5uLUHxVqn+06Zd757pUCJ3UZRKJ68Z+Jn4v3hjMj1n
-EQUIME84jl+ihKS7qYq2b9XXCp16hA6KjK13tR0LOp2TaI23LzjP5Hzmg5zTx2WKkZaJToHdin42
-ZwuaZb1iRsjlL7L2Of+Mp4zMn7EPkHDj/o0WfOiOiA2A2rANMItUMk+2Ka5GY6LusSzmzf+NkD9H
-IMpJzDZDpseMynRdOLHkD4qbNHy1UzGIy0zKMdoB4YXvpRJ4Vu3BaCXKf9m88OQNIzT3hxW99voU
-J1EZvcU2Lfll7HQz3ZjK2m03xdIPLzryWa/xezkkN1Q29/Cn3ZoNpdRVbipKwNusWRwQJctQ7HC5
-R/F55jbuNNjZuESGdok2bgWcgggvDB0EuCg9iczl5uShsKa7XMqo3Zm4HPiXzgcHoIP4uBvvgxxl
-yioY+f0AtWg+41qDrGpIHrJE0fUxMTGcndsgS/bmhzQeDmXSyvktIn2J166IIwgyVS4bWIsysgE1
-xfW/PQy67yMPaC+bsA9gEG2DL8ionW6zmvC7fCtgW3Ebkac6vKEzTcVQ0QZ36IV3ZTNDomG+bwIx
-AQzNa0Td5WQ/xTwdaqQNLO1n00Ig0l3NwqfAgLTgxfsYcNDIx9RMgQDRi1G9SV1o0sefRTkETXZi
-xuZ2TC35qhdXxfEAVDNap249th6n4WcWT249pEWrkxqtnPWXqBdzg3ZILFeGftnNFUlMt15K7UrV
-113egVR2kOLNO2ybS5ZTZMOWPYB/LrL3mLBhiatF82R9gTGpmbva2YKtVxqN38lnoNnz8Nk6tNqu
-7rhuQFOTgAzpI9pDCmnKDBbscUxzTm6SCOaeEkRmN1ArZVZqqH1IPjlbrWZoxYGh+ymOfdqIGS2K
-tnNzyDqjGoNalSggHWXfmawHqt1O7roOnokKLTVR+7hJxhh/2DyzPTfd0lXuG8SAJzm3wz7zbB5O
-muoI+CoZZ4Emaeh/LfIbF10t5rsqFb1Kn5XbBvuwznlML51dlw1AgRnRRZiWdbuZZ4pcIEgk0x6w
-wvSXbx0pL2hRu/iO5BU7H9qt9w3quG/thQ+bHHcCKyTy18SmgnyFLovKGm1YlJ4GNSh6HSLlI1j7
-QxrOKctagCQqadjjSBYCqG2OlmxPCALYkzEhJy3GuT1sOAZwl4LbBvXcJYM8CZUh1x+b6GQOK5lt
-1a2Ps/kDggvMlbwB4rHrpB3zQwBfzfedcD1Oe7dgroTkiroqavJue+bI5k32iNItQVkAwRj3S+CE
-vbWzWPS52GKp/s4bBd7QUgXekeOIzj9jWEvSQ99kfH5pCwwB70WS5NurTLYsOYgVg/MZOUSQY8CO
-MSBswFCCXHFHZ8jsY58DTG1kE6HKTyyuiV3D/AHQaVvuUb6QZCdNrPghp3q9dqX39kzoktuT4j3v
-HgF0TY+9CqLda58l7GCF1uKAAhfZHV2VUkgF3sq4thatsKxcr5nbFVMZr3/NMuTtHozwtywFPMqM
-Ea7Mpv8ARLXNAU3M7CvCF2Ie+IzL7yRN4ZJb30Rl/OH7iBUfbdayM+0X4KQA1cS+KATULD4QQa8C
-ZYTX7WRUsWt8n21v0k9bA3wAEUMnkEORqfqNdeY+qRzMzNpHOe7rafHAEXFnfOYOjr+P0uFy/BEz
-geG1QpS2VBd0rX27GwLBKgDJNP2hFWr8ni95+7IgMxD9BtOre4bGvO0/4kJlHxhaMIN4OQPLZJzo
-9O7GTvD/EMTh+XvJxPp7Up00+8UL1x0X8Ezf+newKw+zL3Lg0mteiitf0GY/INy8tGgTeG/efd4B
-56BpJ9L33Ikw0Iq1gdOs0opEy+9WhrI/qWRo+bEhsXQnClT/v4UEgjsv2VrLK7pNfgKFAoXqVEFZ
-ox8XJqfbgu9F7dAkQMOBTOAnZ3Jg97qf+IuYOlAtK1/OJszFHfuBluc0WRx5Tl0KSiDN1hJYaD5l
-7cVIvo2AXQryzzK5HcuwsGuHpY2/cgzLh2z14UAlQLvWF4CFUwmodmYW1EHC9GXMoNSnzNkrmIPh
-CBi2vZVwaB1y/L/dnG/lbrBI0iZOIy5uI1CwmWYiR9cRBpQy8c899AU/F0oKKA8ig2+EfuguNdMA
-jpfuzfAAV0WZp/+o8PKSDqCcBr795D6se+TIGFflA+P/yFKqX8rn7SEqxrkGKrQdIqnSay4Bs1Qb
-Ku+tLRmZwQ11GTnoka0PWENAzsak0ze6QZE91RJaC8b4bzzO6FfDWceB0iAA1JkyqX26QTAjh2T6
-L5MG8abZtpj3eJm7x15P/giTIUYq2dPOH6J0WhsUBjGktSh7MG5UIB8RMmca9qzI4gs02tk5Tld1
-ShUZjjIfNSyOWfdjGDd3UI6N+0bhx1QNYiUU0GFKGpBZfjtHoSvbGhBy/OIhrrl3Vs9XlvbNqTEL
-oBaaR+Pe9WTcUXQuokqWDRm4Q4dxYJls9JgNbXyL4R+4Av5M9iH9BsnmLXmlc6f2KCvlQ5cmCQCv
-hrC/TZdjcM3GEB+SpOMHBCnkr8Wm1GM75CPs9mmx64hvC2z5cNtlKhK/V1qzPXKrDK0ykZF6NiZv
-qngkc1L1c8xwva6hdXXLCIXV3TbH0HdwpK14d76smGEoVIDjGMa0ik2c7HuRAhTkvnzBkJz9kI1Q
-bIcrQeuaYTX4UxbJsqwSxJz/UdFqkKyuV0x1QWtdTVhEUGGeMIhaYavctRAPvc5silf4J9L+d0Si
-cAN/wH+xxmfnZiuHp26doIocGQH5Nc7o4hokR/s8im9ISDL/peKby+rxnP3gUDVLNM4YOzOynoHx
-p1BUOUARYG1Ja3w1LGIDJDWIGScEdsk7ijcS1ZIyFacmmYs3quP0gXTKHhMU/VAXyVom3+l0wCFN
-m0HOqmFMhPMxc7sVASnXSRbFr1CG4cYb0Giy7YpLGoWkrzia9CuHyG8fRj1dxDY278M6gIPV67rW
-ba/EbU2L5CcgeQydU1+Iv6UWTc1IHHYzpo6HqEzsU4mJ5Yek/XTUUQ+OHSYcRXTY5U3ybW4C2ker
-Lhraa4sUsrUKxqJ1oSSh+ygu5HsT9eQ+qLIdq0nm65UXBaj/0azgFlDynzlJolekghX2AOQAzCny
-uUbQOdrNJ2Bv32Br2qOVsf10s+jDTnPXuvuak/7ZNZkCGgyWNEkRieYGdaMzxPULasExS3wGyaHa
-HrCiBdoloLxphrew0QodcE8aQPg6OTRl1qzVhKCCugtD92DLaTms1v8QFrrhGGAMpoWhPOddJJ+2
-TfwWYfWQmMmxYs2YHSMnQWK7cq0hRpixOEhNx5jRpR5QX6/NqkH7btHHjH9m32JSiRHX8rWh6f7s
-IR2qFYzA8BPy7pBkG+IO4VSpptLmJ0+/ZQCRRoJnLEN/HHUxHTRMsPdldR1AFcsvSebJf56b6A5r
-7HevO+XuK7g5vmANYwz6voz3rN3kcVrWFOkw5fIUyma9Y1d7Ckyno6Wu4r4xuzyLkwqTJ9nZouuv
-vujzj1GB34YzZzoB/mYnrLiZnnKz+TOLmMKstnVohtj82kskM05iBWO0KRn+FYQtBwZ9eh1K42qD
-6bQuFk9qLMeG63wS0Slax6GCUz1BiY0lQLDQ/5f0y2uJkOh6yZL+IIHWvwnsp6hGAUS3wkXIQZoD
-TU0n8ZKi0B7iFGw6os9lou4A8EZEHMTYWHIzU0GyJ5TuaTgQa35YzMQi7FZgoPORTp3CH71uDQy+
-VbtIKsgenVSWnj2gu/xHFjeIrRZ5HJZ73FIf/cDKh9Af5iZfxwRcK/fipS9mz28E0SWY72GqFet5
-xX0/6x04wRAjhrEHBLXbDASWAE4FLVxXwe9tDDiDTLR/S+xvGX81Qa1hP2UlcreNTAMeUamgXFDA
-Jo5TsQDAQNOO+L0rBhmvbvgMunS/WWQjUkgyOO7garLFnDyUfkmHd0qAJF2Cjzw6/HE1mTqF0cjm
-OUduePMfoovhQ4xzMyHqZgYzpf9gatKWVEmY+hVvuPLmcZ3HMcFaMhFP4h1SC40lG5CTbOcUNvzi
-QVpE9aP4W0vaGy942bxtcaDDv0IuovtH2dprVSUMp+w/Q1fSoYt3iE84sHXK052ft5js0zZtLYid
-MPQN9ANrq095ybLpZJpmaEtMJ0vR1L3Cpd7XCGa122nFJNM9y407f+xZ7Ax0AankD5OQg/zp12yi
-fxzkrEMEcFr3/MVYBR1YZZCUTzGCSVdg00mO2vSnAwvglxNaqTBDahQHSx5j6sGhAWmOfX+yHBn6
-QPE0NhxEqZ/bG97Vdjxt2cwDlOsDyMgM6Cr7ywYydvfOpHifu4mi5JMsM/HHGNkO/F9IwhIhFKH3
-7W9gWCOKAWJFIvs1FuNoTynSsedzgkI+vDM/IZryomOEpWPl3TKYM54AQ6JF0iDDvocrqe/Hv3mx
-2u7iOZpMVUWYlcZPok1XXLM+ibaPctyS6Zb2ftZ7vBh4rDXUonj7S4b/MLueYvTaNUgYcJc89g19
-76cEN1PVikwn/2K2TeodJ7FfX2Ee+470FTzPpksaJzHUBzkydIBKl4EVP6MVpetXnlnavaXWhASF
-FQmky0cZA5qGfgWY5z7Cppb0KenbVj1nRFksQ0CDzwNAgtjM+oaRdoweelWu4b4JpsO18IMewwVs
-4DDb75EVkRtEx4v4SDdu7N7wGFHYC2jI9ImCoOmLCpwnKR54Z8JwcKRw00H2yHnE/Ty0+XIb86zP
-dIU+d4vQmGjeqnNj5zz8WVfguujPC+uTt8iKfjlJ6gpIlMG35dsB4c+CnwI1BWBQEO5b8t5hN5aB
-7iSjLdbdEb+CE15m987KWHdDHTHs6zLnzjp0i6oNbL5whQXbFdmyZd5LTB7DM+iZAWDoWHacgOXL
-QE4gfJ+2jUn3Ft4wm931Ejvmbnh0EN0drGxsSw9ZobT/jLogWVTJZCb9cgAYtQK/6Lc8aX9J+b0r
-sbarwNlsAhfiEX21dQFCE5Kjx6Et8L8CErH+e2kfmzaBs5oBYcHICTFFP0D0Iocm+hbU9Ev5qBkD
-qH6GjG4AWbCRppjsTqxsiUMFsr1cmr0r6FK+TVwifh+3Pl3ajyGCkukJWMo0PjdTw8t/AI3Z+pq1
-imTvMsEBeRvC0iYvZYwBH+dZBrp9lYiG9x4azc4C4kJAhi/JDobduXxww+rFtZVtmV8TuqnxOR6W
-EG6699LttbZ6BC0fxzyuWzMs9iGoMjQ3LMGUxTPPBuc/wzLIBvyvpaC4l64Eo2xnpBN0WVysb5uG
-Oaz+FnBnVynpFv8tk2+/yglQfVuA4OdhgqhDR0DlynQZTiNRGT2kSMV0X8w62oCaYpw+jLxdIfoY
-iM3ceoZURTBcwnmc8WpeuU0AnYKUnuppsMLXk8YADABvg57sAuEFXW4BiTdGPBpYTdqrzaal/Bgn
-gC8V9V3o9+Myz27fa23M3rQhvkIPEb80WkIkwyYIv3YKe5F+ddEMvZF3QN/3xmFi4tEmXgkYd6Tz
-hA5cMVMvkcBdAwQ2TR0YHJNgGIR20Dx8YyRnCrgsVARAd3t0eM/HaplhYLwACSP6IaQlYJt5HUkP
-SJWn8y4PDuJCnw4RAHEtsgwlAuDY05QC87wzwP7saeiAT6xYEMkArz5igCqm7prHJA/I7RnisMU1
-0n3y6D11wn8NGu9ZXssZOrt7BJ4BWppt1f0O+ijHq6hQmKfS7/dU12vZ5teyl9jthkyCEogk9k5B
-gpKvm69jhr8Ro4XJ/2JPpYifAXVSedAQdH0yjSCORwFQucd8ywa3g3rDQOs3BbSK6WrTdK5A67fo
-FrpNdMkTFzT3N2PMTM9GbgrDKmg7YL82wARGA3Prm0jI8Auxdf0TEwy/E6aawt2brTDlicDHp+5Q
-lRZtvRr8OseNoKIf26YYs2ub4++pMCLb/EWaJAoVx9qY+ERRYcCPKYt5RmjnfmC9ENe3duTJ56Qx
-bNaisdFYNSlf0scEg5W+jpOk5qmPSdEckVoxQYrxP3nntRw3tmbpV6mo60Y1zIab6OqIAZCJTHon
-itINQhIpeO/x9POlqvocCqVkzvB24tTFESnBb/fvtb6Vo1W4CuxIC9ymjcvqObVKnULyRODgrqzj
-FPd1XbMGYq+5ynyzC3XjRpoQl7p6bY4om9hbKiuv1JPEdrtcz0HLMIGnE051415UpvyJLf48oTxT
-GYGTjWmveL2EDcjpi1CJvUavA1YYxjLfC6usS3cxtSV1A6p+hjPzlcr72Q70j4kppmgTCYmSp4Qz
-QNrqdOYKG+jK8FSYLRWnqEJsZDpGO0dp6rR5oqt+X07leJ8WKtscrDxh/ArGTWkbYZQ3b/XCiiSf
-CSrtNZ4SIgSWWIu/Lss0VRuq2oHs6MAV5F2RddXyjW4rCVxDcMcbknepEiTzrKibMIWIexkQbEmU
-1Vznn4y5a9NNoNNuMjlHGoHsWEYKyW4kWsWoJQhBZi/G3jBsTKbXFFb/3QjqTlzy1lIWHkkSPYtM
-MRoP7SBhIomhp+RVNcNcuHRvAQWRnKqfywK7Sc5mW+/N79NYq+e9EZmMK0XMjglS7Nm4tQZ6Q68W
-oxp5xJKWw7k+GVPotSXlpk05x+JcwLNiazUtF0bHuj3MuTXZKNHFqGltuVmx5CMXTAV/byqZMTkm
-66n2gYFHTbyoMTJxXTXokNyMWRH73Tn/QEYw02oPS8tKys3VfAx3einJX62sbD8xFmjKVmRoNV0Z
-pHC60bqwOu8ndL9e2UlT5rJ1Y18joMslZ1SW5KWvzDJ30qia7RsaWfwMe4tlj2m0qY34ih0U1kW5
-Jdc+MZW2flcOrYyMjoqPfKflIAoozOo1mlulkSFjZqOWBBe9aswyzgS6v41YyJhivt4pwotju/3M
-iJMkWyrIAmGdIanP0QQtDUno2BqJ33eU4l09mezsvCEWC9jRiLXBC8NeUjf5OC6NE4m5OYeuM5R7
-JZTmr00hmAbMc81ajCX4El3Tx5NoXCoRQ9uokE7joVJICE6w2KDnezGL6VpCK2i5uZSikwPuOVza
-LJmM3GuipFk+R2YqbrWkil6McKLQ5tQY+XJXwcDVfenZK7WcqeD7cKaYlubN/YBiLQhE2DwMqS0b
-ZwGFd7bLllxym6Q1B5Qwlmbc4/1kC7IEul9AUqutpZo+SRPjkiPZZdDOTmjEbXAxVW1dPU41/lCL
-2bJmjxslp5o8sWhl15f97o5Sd+LoDMZs2YuAiXDhoCXv8WWOcl/W9qaYhBF9avV+xofVj7A4a39O
-hy6jthIieAvgrJmDpJDwG6XD7P3HuLDOZEJt+SjkM5chYkEMC6U/IWPEZ5eifii0rnX1ue9vu1mS
-N3kUs2XdSvombgz09Ux10CNJ1c04V5/lyeq2bMz0d3Jq2OfUdYdPBHfZN+SDKakjLwNVnFRON2Fl
-KNu6VucdQqDidsm6wh9atO+yqchOItm6m1jzIZ2HbQ60atJFj0Dl1mg63ZVaxDJxkrNtX1a9dhZO
-1aF+W4odxajqERd6dT8M+eBFYW+e18xsNCfTuoBKL8WPbJxGauFx84i8qvdNvsENEQL5TiN844NY
-wnBryUqBHFjMzsCqxekanWpHKaKzxWSyoYRV+ZjJdv0xlNLJqUVIQFjYlDNyXY06aamlbjYokjtZ
-1NVMPTLcNkgbNNHT5YKpxmFJvHgBBb8b0U/TQ42a02dxEOz+o1msrAoKLdshYRNgSMMg1Jy6qXXU
-nXZCz/K2zeWHE/VXxpOVedRg4p0TWJ5tum24w9W3s7fqo7xRDVdsVJ9JuiMcDJl+6g1ucK6eWzts
-fRvxrXLpkrzx1HUccZfKKxOZnmnDxJ5ItgnCJ9lqnDI6H9DxvX2TxwyMawB6OWWoPGLT3Cp0jBsD
-wanmDmWMxhOyqBOxKfcRrauyt5S63zDNS52qwGs8jhpCChM58q5LkXyxgjp9TQfT4q8e/MqAVhcx
-+OIZJ6A9Nmq7zTpLRDclIzp1V5U1l0NBetF3qpa1sT90odm7SBoi22UTuDwVYnPM5aT97IILp4WE
-Rakxt6wpAbfGEbMuM0DszQRK7FCWGtb+7Xdw7AWvLGtN3c6t0DRju1DUM+87hRgHT8mRKezSuGT7
-9O3THHHGySv3GpvstZ2Pqr5lQ0FFKaQUm5qdzXfexMqAWjX60JqRrW8HM0exoFAKCHPHrOYTeIBf
-PiTdXgPWuzqs8yoM4BdRk3BwyOwDO7mae9ZF73g8nOBgS33lnuswfyJ1NPStJeoNHlC01diq33nw
-VVcSTOyt6iz2tyFCAcdqBnrIiJLt+y591UOoaaWh2+XZqEtuOGZHebRdyhNuv18awnkuK6Op0Sj5
-iOufzyaiavvcFvFhcmbMKh4S5ndYoXpM49SsOr16T/Qtp1y1/8gKKZYF7PNRMNY/irpprxKFLde3
-n9YPi+w/uhcOv2rZZjJrxjCHYptbNrOC1i4Ou5cK/3shY9d4FGVh85NCKIXhx1XykCzUguU2CD80
-ZRzU90yIok0zZ8/ToJGB5HTmQq3o7av75eM2FHPVjoaAlWSSicYfu3hjqpStWbbfhlrTO6oVX7Ii
-994+0a+7A1jFP3/v8SKCtkH84NOe3FQgc7bemSmwRi+OUqNmbH81fpQPzAQb00ioglWYcxKVOKW3
-r/+XHYKBS+vn69fZzUKMq/Og5u5GAkmdReIju0APbx/+2ONZtalJLtvMYCfIJ6O43UHw6lzDzrUT
-D//Yxa8aVXjgszSayo6WUD6OSXKnslslpOrxfRd/uKlXfVk01RWryKj1dTUWI+VuKHAuW35aeuL6
-fz04KsaqCYkoDC3qHo2/TNJtnKsPWV3dTEXpTzCa3r6HY49I/fkeMpYP5KdwijYYLmsrvCz7adfF
-p2IIjx1+NRpm1hzk9TA3fqOZ32T2OF3JUrtbJRzjE+PtsTOsWrJqDrI+xHygLDFap84URMZV5lSJ
-fQI6c+QEawxjjhWjm4AE+xT+GwdY63UQyddRYz+/6w2skYsdxVR0YbwBluvnw6yep1HhW8H7EMTK
-mrRoj2HWJ3XY+EUaP8qaflc31b0xhNdVfSrF7chnqq8aMZGojUxCARuiJCfqKdoPpb6YrPxibKzN
-+x7S4eW8amqEVHXs1ki1z3zwoxEaFzNBqVlaP73v8KuWjGUgT8MqaXyDZ+XYdYipVbdCdOHvW14o
-+qopdxpOCOrxtZ9iEZqm5RYI8W0v2R/evoHDhf5jsDUUfdWMZZkojUKnTGJZGTu0UVLT0qYyv3/7
-8MrhOL86/qodUwZMFvZvufy6+rCY+U1j1Zid269aLY0buTQ+xCb7yEWNGyNJzR6jPMKPDCnC2xdw
-7P5WrXxIdAMNKTaxBXeyq7SYbkZkyu86+Jq82EsF5dGprP1QXyLUAKZWl9WLZQ/pCQjPkatfoxTF
-XKJXmwrqH1WLIgTrJpZUqjVQkt93B6tRek773mryALGJTkXSo/pY4Q2n/n5q2n6kia9RilAfZDHC
-Q/KTYHwm5+kCUXHr1pDm5Qb58Nt3cWjMv/jI1hxF05wmZIhy5Wtp80GPZ92RDagoGikoJ970sTOs
-2nmXUdJrtYIYoGUpXtg1mM+oMKVf0nliz/59d7Fq6VRzEPBOPKoySkqno9hbpSqyLeVdtBtFHJro
-q64wU8sxl8y+8qkvV7u5ldvtmJXRidHu2Ke6auiDNmhzlY2HF60vH+UyCHcCpfWpLNNjh1+1Y41e
-FjI9r9imHNhuzZ7tQEcPSuMUY/bIh7oGKGKZSMsC+ZNvmUXitwRANY31oSyKL3oo3jmvXGMUwS+o
-NaZ4PiPR3cdhe4s696Nttf7bX9CRh6StWnMYzLh2kDb7ZmF/LspRoeQsTgU/Hjv4arCu89m0pB7l
-Zkeqx2fJUNR9n57k3R87+qHhvfo4YXdECbqcEmcNcEyCbLwmM4z39XLa4aSvDt7MEju3GQe3yg67
-YKHv0+Jk5PdhQfaLzkdbNds6RlxSWbigE/Q60ocQGUCNew9xrXZnyL3WnEtRAIu3D0xrvmnNwKz2
-ta0alauIXrf2PfBAWAnCDsbZt8JKG71xnJPmC1JWEEwF6WAMlCk4ln0+BiFCPRyNCTzfJNJvtDZl
-DwvtoTF8Br+Vxvc2C/Nuh+7CtLy4Rqe0HSck/xtDR+z0aTKFCG46ZJ/JVzk00v45K0w2Eqq0Q6hi
-EKiiANdJzPm807pi3GBqmmavahS2UOwpV2c41UHdbJVCm/udZdhLuBvtAbhablaGvAc4nOCoZgst
-uKMuHCnnch1gvXJEr1nFidd5pDNWV6+T+mNnIvjmietsfOtp/dgUaK8wCd293Y6OnWD1Sqm0IuCw
-qtJvuhoTpj3r5V4lQf4Ty8L0nd29uuqOlSJWEH4mlW+AR5+gQMXVC7b26dmUuCXv7Ts50qzW0cxd
-XmPGjDq+fJF9Hytxhiumdt8+9pEeU111yVXP/mM9myULhNJ4KDAEP6WLVD6z5zB+mmG3fX/7PEfu
-Yc0GzVE68qFqpS8RDOuUY+Hp1lyeuIkjr1pbDVtoSnAE1lnlZ0byeUDfZivhWWDG71sfrNGgA/mK
-VPC5dr0PGFSyM7O0/cWyT7zeI1e/hoHqSI9nJecbUm222ALJBoA1Jc+WqZ6YMxw7gbXqOSEc4dlW
-KnKHksQpGbG0UfpsJM3D2+/22PFXI1YysM9WmDJNWQYqCnYn23bYEnclJvf3TUzW9M/IiOW+UI3W
-N8lA3C+mpbDYb8SJruJwob/o/dfgzyaHZTJUAw1swhog2Io8Z4WzbOqpUfczhv0LsFwnauxHzrWG
-O6JQXbQBIaePI2FBBXIgTzns/aoXNUI4nKTwo2Zn4gF+efvtHGl5a+TjWBWZQv4I0xULj1fZjyQg
-xafyZo4dfPXqK3MMkiVkUNbmrnHtXgECJI2y/75LX81WRnmeWz2m4gUUO0MuWKTn+FDlx/cd/fA5
-v5pQtEkRpkFZ0qyL3jyLCk3+zCL31F7KsSdz+PmroxP8Uy945io/DbJs38ML88m4OhXYfqTbVlaD
-G7tyvR0fejwrt85EVl0xifusxfMj5pRT0YfH7mA9tjXK1E8sjn1pLrQX2EjLy4KVsDvRaR87/KrT
-1lWtwOiWHiwSCAH2KD4Q/gSgpU7EPCmHIewXrfrHz1+9gVlWA0BuVuEjRunSm7iAjOci5FYr9o1L
-6QEg35VkmdC2jY4O5swy5gZRqqTrpzLHjrwlefWWckkCPmEhKFhGnAtxN/oowG+hOF1KGMTe9RXL
-q7fURVkTYvUufCgK2kYow4i/vine95LWGEpU9sx+E+bFIzgYMI95QhUUZ1yVbd93+auxCWEg2vea
-+UcAbSS/SKfWoswz1d2p+Msjn5m86qEWuW9EO6iFr2lKzMg6JiP2kFQMtvP2HRwZ/dbSAaNd8gYp
-WuFj239qu3QH7eFjm0nf3j78setf9VJZl8+d3S+FXzUFEI5Q+76wy3ni2o8d/PDzV00kREnetimQ
-sUEW20xNz1S1fd+kY70TDh6GZTdPxkdyvFyEsjJ5WO+TB2FF6olv59iTX81dW/y8pYCU7zOAX5nD
-ch4Yqh9hc3vPk8ektno4k1wLoylpWYkkdhqgv11WVe+rImDJ/PnoI7RQa0i13BclAgu00c1DmYhh
-F5l9cSrP6dcPCAnsz+cQ9lRqRiEjdYOLcrAG7QJFva/n5cP7ntCh33v1+TRVEYZgU3hCsH8uLOg9
-HuOQevP20Y9d/eHnr45uj+k8IKBgWqlFgbq3daEv+6hLxOyNmNTM72+f5tdtANfWz6exZiNAlxXS
-xREnhyu7sC2MipJMCNLbJzh2H/8YBTCHY0LIfTXr77ISqWwn34VKsHn78D/IyP8c5+QfTN9Xz6kc
-6s7Cx8M8Jms9S8LFBZ6iFvlGhl5ZY+YrdXE5a8F3Gb6bGp+qxxy7rdX4XSQWvIYO/W67aMpOwxW/
-HWapui8ivXhXA5fXyeRZXCi9rLaZH/dBtVXaOPOrXNN9gG3W+17OOoi8WqRcxlWS+QNOqbLOzlWp
-jKlCLCeK/0eekrVq5v3cFehnuHAm/Vbk4jmqPsem3lwvmV0OJ7rxYydZtXN03dAquyZDvGd+1cHB
-lVF0XyXziZnUkRayDiMXg8xWepdnPnqRIHGaWosezL47pWQ4XOUvvl/rcFevvt8YYxGm9MMrQL7r
-ib6qz+aoe0pQv22yVMJnC0nwxBd16Jl+da5VY4el0U9Lw60ojXKZxHJMUEED3UkBHmCl8H/fbpPH
-ntiqyaN8N2cdE52vjCjNvLjH0u1gaq/b9ynBrNWsD0xbUDF95j4iY/Ygl4nrtkIttERK9c63vmrf
-sxGz0zCCwwmVcMK5gjvsSlUrvT9xCz+qM796F6vh2xCaOhlAQn3AFnp+jehY1r2I9APFF4GiD1tM
-JbBx2H+XUz9pAku/zBMrKj8qep74FVZ7NzeFdGeGk8VW12xouK+Qx0nZU1WqUMdGKN7QvdBzf0ND
-K86HKunOoMwOWzgWI0RAO4px/+axgEahtHNyi8VpmSEyJX14hfxaWjwNR3B7qZUaBDdNJZfhr2nd
-f36b/lf4Ut78dZ/tf/8Xf/5WVnMTh1Alfv7jfz+UOf/91+Hf/OvvrP6K/1Jefclf2vVf+unfcNy/
-z+t96b789IdN0cXdfNu/NPPdS9tn3Y/jc4WHv/l/+8vfXn4c5WGuXv78/ctzHhce/qkm/tb9/vev
-9s9//q4AUeBV/ufrM/z968Mt/Pn7Ls6/fIu+ZL/dNF+eX9roF//45Uvb/fm7af8hA57QTDj1wpLF
-QT41vvz4jf6HbgtLKKSFCaijh98UJfaMP3/XtD9UXbd0WzvkLbdl/+OH8h+aaWIv1dgdh1BAvuv/
-XN5Pr+jfr+y3os9v4AR37Z+/oxD7qfswyAzAzydUyzJtC1TGWpozS52QrTSUfQJwezec9PpCGIPl
-zVZdfhoKJfjUAXc+twnuuMQiBKlCChp6f0UW+0yqhOICfenB/VB9feLvN99VHP73I3bVmwP5HzW/
-KNNdkyiD0y/Ad9uyNJxUK4DZk5zowETL/clIpOsxwb1oY3bx9F6UZ9EU1RcYkmsXN04AMj0cok9x
-HKmTkwwi5bgjrC9b1xMQHVF7beHGfjTAmTzPgzxsR/iDXyGE9VdG2sW+zCxouxBHs1OhNT+WUhPs
-oR6L63RprQup64pdXeWS5kzDuHi23RFnvNgLMBpc+g7WlfguVxAYOSOSZ3LT6vohiuHbOWmW686U
-wYcG7G+dA8FK8cJXyz7T0h4a3YLLsw2l/L5TdSwCqoGJoIYU/D2USsrSiZRepWSATTDlVf2xn4xh
-L6dz9R13T+xJca3dLrU0QKHCC7dA03jE9iQ+8Y/NawHi7NpK9eFMXnJlJ8pk3MpNOt/ZNSZ9QP4d
-Bu12ArYH+v827oboZhrzFMVB0ddOlCmxH2Hy9iqtX7ypCqs7KC+RJ6sLEzB42d/yQNIfylpuwKeb
-lXatFcOMi16WtiS2YgDIWxszn6j4vwtftI+EbDonfM24UI0S03WRzTemPkOrhBNG1Ct0YhxLYgY8
-WS7ZDeRU5QyvdXwj11U1+JMSzjvEY8Y5OD1pT+rHvC9BLD5pkSF5WWkZvVMFebSNogiIlmHM8Sai
-jZwVVBqfbJAztjtSHcaNGYbmZgib9royNRBfgrJC5KjMjjEFt7lN7EY7ftdBExZelMnAIRpVTGdj
-YJfXujXWnFuIWz1tQ7/Xa+W+wMYw7qY4yPZGbyzwX1JDA7JdYrl1BL3vFZa7WNqZKmhWt4R+Xrm8
-iOJWjQd2aSqeLQF1pc7IlonAA6YvOleGXYapSKpIv7C7btpBTIEhWlSh9RXnO2TJbBoM7JYY2TFS
-CgPCLRsou7wrZCIYUkgEeJvqHZ73ZXSpwJJogYd+2LZdQXgAjtD2DJst8RSpbNhnmNOLM657xKme
-4qaD8yMblhPASNuYLUvOSVUVHBESxASblpgOQJvsNivP5NIUNzoGcdcgs2xfIJqfnNYslMsAwOJO
-68ruMglz9WOE247t/DZqt30fK99rYXc3E8En3+JEGq8X7HKPUp909ypXYbhDn0139CbS5OWyiK8N
-xR4thyauXRmShuNdqtPLuGyxhoK1MBqH7lC/gXpBoAVMmCsCAJEuV6PZfJWrJPDhGdfns6mYT6km
-w5EOGTUdM7SsDewydd9IFXKoCDDCQ8ge9+xUra5hN82Xh2XQtK1pTOI+T0rjBh+sjt0E/w/U0wXy
-hdxk+3xmaeJWZF97ZRjqlwFmj52tEj3YWky5MntK2kuDdeTGGEb4jtDZN+oALbhIIyNzUrUJQoJx
-JHEd5nm6i6fGwNhihIDbQ2QpH2cz1n07I9UIaKGqnZlGlZ6D3LX2nWU1N2YmSbDBlC7fwMVfbuJQ
-kj9lQZPcW0synqG3C88jaiCoZoUFpQRH9ocsKAVBpEmHobvJu68d8LCnHOTVpqvSycM/ZwBThV6L
-dZNgNRT550QERSFmVQz56lw31wFcw22rqSoYp1KdLue56M/GMDFv51gL3W7UZpfo0/FqKcRSQyUE
-6uTZZTj4dTWlW11T5acSN/hZScjEtku1+aOSjmCAC/YvL2AT1RtLsxgVBnnxEIZrXl/bzQ7DN8J3
-GDv5xgQ4cT5Rwe2cPm5ASIH23EczZjG1mureU0SlPgWNPWMrDPNvIwPCR+iDzQtbyJqX1Ha3WYxU
-YhhSdFKuzOprgghr3xlSRJoOXneJT/vaxjgLQneOIpBzw0RGSagjHNkG9TB+tmplepAD8g0624p8
-kl/GfdXpmh93UnBZCpTQWVNPO9UIlSf4av0DwvoDM3FMUP0oJLZ0BtSq2NByBPFSzvLWzu8EXOnb
-JE4pFnf2GAgcp1J5Z0iD+rCYWXs+hmYUbmoZrzehHqN2BXSQNxllRTOTBmAUH5M8hbTL493G8pjt
-tHmwMw9hvxF7FljMC82MpqdBUQtqxRVUhLjIaQoANKYhC/ZjbyXnuLvpiWoD75sE/cbJsRXCbmnS
-/VAto88S0vT1OJN3vQnTxwtSNdmIRPT3OR1xvGnAi+zSMZouJqAcW53fXMoyrFEJ9cRhA8g6PBkp
-o+8dQYQvsy58+IZ8KfWg1buwCeLHMJNs4gnwCkMjM6IBebluSH6y5OaVUlnZVuoby1vUQvECwCKb
-os5JJQBm4MvEvHoxwNpHUgPwhfWqaC9bAyJMKNTqtirG0tUy/OEulNpIuIIhOuRM6vyAQLwsPZMt
-hpkSKiyXeAH0iwuyvI+qARJVP5Lq64muoerOurq7t2sGQ1lW6+ty7DlW+jVoF28ODbEb60FlTOjV
-AIg7aCe3xVaG278oP05WXN3mQGBJx5ICaVOA4mbWP/VXeIVb1gvLeDmUB17P0tp3jW7YXg/5M3KG
-NIc5i36/2cFh7K7HxQzPM8rVT9BSpO1chQuU8krCugfL3LciWdBn4XP91GPgfCwmEgU6uRX7VpKT
-MzJ/IritwNitKCEDI8jyDbzb0U2ScB8X/UMWFIzS3bxcxkllUNsZ49ptEP27BR2Nxz/vYy9f9PgO
-cLYUOGESyZ/jejIdEgXSS7TLMmhO6O4vM67GTVUxAtqAOe+X+UBHUE39LI3j0ZeX3rroNPD00NPG
-a1vCa2oZ80I698E+Mwv2c2nn2XhXT4TxTEbfu6Clm+/yIspt0cJYTsOu9zPc85e6QlKLE8k1jlSp
-Se+xEC2boeqSJ6Ta8M5AFBZueWjCTifH2nWq2gWT1rk6SwU2RS0pteuuLGBEI9XPqFfW8RdJZ2fI
-AfxWbexRU4mVKIS6t9RUi70YmqIBnwuyCS5GaHBeI0gBn5I+OZ+BrbmSWMxvXaEw5TgQO1ypj/Md
-FfXQKeRadk25lRSkOBXbNiM8ZinW6ivIbd11Os/dGcW0+Jq+VN5k+jKfLWFnu6QYdY6shsNDlVjF
-jQF56TIi1MbNx8H0wIosm3jSo8lVY3NwYjCeOxnj8QUxIy3TqoZEIcBYQCRA8GOplICSAEXHv/vY
-GToVkESSrXvJCOOzUp+rD6Abu3MRszKWZ/iajm4ALVUMwF7ZZOkfc3ow5hjLvKvHePHgFgOQHzEy
-E0ofeC3kVnubt2noZYGe73I7CO7R8eQ3nUSedKzl9k5X5NwdzOiRFbK+Fbho75WZgU80o3Shm0r5
-qEaNErjaUNSAROzk66v12d8LoNcLHtU81BP+vUb/54JnVTdRzQyqs9VZzFNsgj1FtIECHDvDWDHl
-PFhmMxD0Dsm1AyS0RPnbMtsPD7DHYGsBcOm0ur0bSFB2qbQx0RorWLCJztoAtTKZGsHCjL+8lJRq
-W9I2yMCgOQ/jtG+G4jIaEij3BLJgma4Bgxv2RU8Ylw8wE0gkzEx1nB6GyXwqpDna5lIzqS5In/ob
-VOnqkAuMb9i0Jje1AmYadVc6Nhb6M6xJ0raM2xHDm15clBoFbLMcl0v0iYdwuda8mwi6+3wgtz83
-xQgdNWTImGsl300L4R28nuKyE5WrgXTYh4raEj1XxfNHgbh0K/dxvcPSaGHyF+aZEdb2M/WsnuEo
-mgO/kYJ+m5MonAJ4UuMPpqIHH+IoLZ7koWo8IyaHCHYLyPWyhtMajk+Ap/r9rMrsNR0G8VAlQAkK
-CuycYDxg/cpdGclQ0rHZe0mDHinu2+VGnyZ/gf/tgruLFIeU09kPsiLB9R7E1YdhKcuXMRyKqyId
-27PaYiBuZfujyhrvBuywAIiFx2LP6iQgXYqpJfO2rmlMoo+gfzhzngxQJOfJNfj8nqQ5nM6YnHRn
-ChF8sVJfk7c2PqlM6GCyoImt80T9ykZKtNfm1nSlYJF1xwoU69oWOYQTNQit8zpuxQWh9uq9oQys
-QjTw8kSLDRnk6CRdLkENj+dlouaXhjSWu2YxwbtIZ7kSmy2LlQhLP3u/xVmTxMWHmOS15xr06J2i
-THgZl8zqtzgKTFdpong/JVL9VQJuTmJdYHtQieQn+AyJUx8WCrY+lF6pzOMulfLh0lzywhPSoKN4
-mB5CYjC8gIVASwoBOZFaMzGAR+0HgPoj6WJK/iDkg+nfsj/D4Cg+5Uyq9r1qgWwiZOgaekViuhCR
-mdTisXXymGA0MxLPOVlMXjjZwwYg+IsZq+GHqBsB8CrKkOxTHTJoMISXVSfjs0BG96xXApLXoEAT
-q+CIOl1WqjsLzeLDNJYkoFKZaM9RrtJJaHlxW5D51XtGCSrNEU1fPUtVct02UuQpfVhtibJXrxaN
-pLpUBV8EyLPxK427RKM4fzRUPuFYtrMP+l/rury8q9VJ38p51H/IzSR7CNoyOR9HRiTNJp51OYjd
-oVuE/jLk9ZNVmjJKBXvZlnBRtm0/++WSR5sp4G0pkKeuoqQ4K7ulS11dGpaNgmfwqZ46GxJCEl7p
-Uapf89QJukuU/gLym9gGWU8w3VKOlw3gMYBjhqtSSwRux/da2oV5QKVeMEckUzvXi2/Zj06iwhVM
-OG75OWfSZ+nmXiO6hmRciayyJr1Z9JL1G8YoFwz4JheTuQVIfVllU3U2SUpI56VcaBos2VTeQ1FL
-3L4wvhUHL1JaDndKSodu6UZ5px4W4yc6ZWpcr/pkU8is3GRBtU2BvUA17PD7V3Vz8obMkXVegL4B
-rxvllFAD3IyOs/PyMm+vibIDLwJM7gDIUxWtna40OGBP0EfG70xEe6+IiuzcaKzmA+tp6RyVxEyy
-nBREFzA/CtBYjLob1uzsJXUdrG54dEt6BzmIKZsWtRpwHNMQxj6pwXwpULcadxw0xs1eSOnnE7f7
-cy3dFAo5hroQlopf01b/uWGaFOg5hGYhRyGQXReJ8e0VkDDtzPSaBpN+0tWieWlSaESEPFTSLVyZ
-7hMatdHaZEKnE4qTRXFCuRLfRCPBSehtGeZMYhBkAYw6AqAahQlT3sYAITqXhnUW6yWU55aUPumv
-DYL/j8u/AB0VwJ+vXu6hxPxTAfh/F89f8i/Fb1+K59+u4m/l1y/Nb/s244/t61rwv470VzXY1v6w
-IYrYhqJBM1J+bNT+VQ221T+gNmqGKVBcmwzkbFX8XQ1WtD/4CcJJQwhhymTf/KsmbPxh8jkZtsW4
-yufEcf9fasI/FIj/niGZliHzXXJlClcm6xZH+6k1tswxDMAaLCoy6TFTxl2i519hioLBMRmTYquG
-BsdGkGMO0dfK2ASQ+HVDOVPthdn2I0PZQ5r3totMVnWYJLhzXDKW6LcLRViSOUAFgejdWbO6ISPw
-HFx8dGL3cGXv+nELFlMcYKRU3G3dXt2CNgQ6bBTMgkDrYJFJ9t7soq+pod/CTNAcvOnwmKT4qwHQ
-JyKTiAwkJzUYKF99DL+Yba4wGf9zHUKzVZ4oXJ/1dmbKAnYkUhyiqXrPkLrTlmlwK4WgOinZl+Ca
-ohosWGmDSW71AzcJ+E9tNV4mtBsb5uLb1/Pzrupfl2NYmqwIXTaIXlj1s62I1SbLs5rLCYmFV8yH
-PtKvwAKf0Jn8EJSsPiHLsMBsw3+1bbYYfv6EyO1pu3nGiSbi9KtSf6oB6btZPRIqQydrd71nq/pe
-HUBERQGh0bnNrQN5c0n2fK4QAhKC6y2lTDCgdqOkxm5JnKxV8cXG/4ezM2luW1mW8C9CBNCYtwAH
-UaIkU6IkWhuEaZuY5xm//n3Ns7mSHVbEW90T1zbZBLqrq7KyMs1DVKDx1MwmkvinJQHuXB4s3KHS
-GXNCB1HDIkvXeeAoa8OdN7FrvVP2k0rN7ATIBZ6BzZfXJua4jpML2iXtTnOezKJL8IPRBr9ReRdS
-CMjDh/GhLbGnXbIeWMfWUJyq6AUgaCQwd3NKvGeL+NyN3ap3RbwezW6nq/ZLlCTP+BpZCCAn5kpV
-lk1TDSe53ehjoAffdQf0YDHgPapN66wwxNU9XKedwMQOQRWHsFAcz6gLVGrkaxJ23iICtW+XN8Fo
-h78gk+cNOVuoTZ19QiHsV6JkVgOZkQJQa2rTS5trXmrPJWDCKVvCI2bEfKSS7pXFejD75OIqOXW3
-2NIm+6LC0giQ/3uZEz4IAypea5plcKl/boLbCxK6YVxX27pxt2W3aSviBTLHMRubh4xdnReX1kMg
-BM85CjE5mSvYw0rtR3Zw/PeGv04wfdyIhqlblu3YYJQyon7ciDm+hlXr0r5uSKwQSEWJCddQXydr
-E7qCPOCo3AA44io8g8PqbYt9qL4DPU2o8PHH6BwrXLe9qviJ2d71iEP74zILgKFsN5i8iKhVfmdR
-SK1qnYH5j6ZNfNE1kaJLPm7DbDqXNYM0usU7LCa8gmX+jC6OX/Qm4riGucN9tEVrykBtG2+ZL37/
-p8yKl2FYtPUArMH4LdKNj79f7V1jmJmo2fYYz0gBexwSieF5Zh91Wb6FUUrJN7g4II+3C0fIC9ta
-Yq5bSobOt83kBhgCz6jnXLrKlbm6ahfeYjU5O5SzduntmIa3fUYBGeTW7hrpe0MSdfZ2y4EzNR5H
-27jHOX1C/uM8Os6xd+wd9osPtmEf05SevxV8EX802XD/9NppbArLpCYn1fqs2dGJWFEbBDC3iEvo
-HjNGk+fgVA1E0WwEPkRkRBVXEYCcClvaU4xMfLGETzne9cELQyCgaoFpYB/28cH3AsdS7DezbTC0
-OHz3uMC6cdd+kTlLzs3n30mwcVHG5kcS0z9+S5FBIlLqjN/ZkSTqonycX4cMjDjaDvM0bmEBfLGj
-mPAWf/lSwyVlR2zdcJ3PUx5ljvBbhFI4fi7ZBcm3iyVFv0dkzZEtRMM/pWETlIvMabcWcilMuOkt
-f2HSMHO7cZFIXNk5m1CJw3Ot2Gtq1a3bEvOKMDjmmEiQxT4gfoPhCjV2ya3c2oTjENejSfkBxT1a
-4aHg+mlq4PlFDznvTGWti+40a82mhLSFiUKAFHfPwXKy5xLHoP/Cul44R8VSwDMs+6Fv+8syLkdz
-ZokxaDjNgvgwT/eNw7mw061A4TmS54Pm4TlNsPvKXDzLNGqINHlUs/cyDdAdDEof7XYu8bk5IaT8
-MKb1Uxn3rBonHA/V7QLU4ag48QVZ5sJDIf5yvRXnCHlKpTq5iOtZDg25ecGUSCzSDUDTD2FmKesg
-dr+NscRWzFVXPYXFbK1w+yT/olPEpZHf0Pp9h+r6OnXccaLC3yvoknO+xGcz0Q/WwM7XXG6Ixryk
-ZnzO1WjxSvWxnW/bRnsag9dA59kWyVOA0oTX9hGGRS4doQbfkYR/jHba9Z2ESLop07LBVPwykDS0
-wjj0Jb0E07nVOgBP+oUcMnncA7ciQAwlPj7Z+boCY8n3jFaguvbejUgl6eXKaPn56JseZUJwjUlK
-l+5VWz9ElfOjc5KNi16l79rtSdFy3bvnojtpBS3ewgksX3sCvhwfgqbbgSvfvlUTz5pBUEw76G56
-RtTepAZ7oI2qt9rq0Qu2Q9LOptgNNllqaL/3T8XEg2xwVFplI49LdWa/GAvMO3CjQ4q08k260eAT
-6DWTPsRzs8shzXpToBFAw6MaDavRVA9N7Nx3RYxbg52dkzY4cjef5Ru2s+QCoL2zKvMuwqxSLjHL
-eZw5TyrsuiekE34HESQCRy3WjMruy8rcGUnL3eNwtZiTuR1iMgCDe6HGhrocd6Vof822tXU1cqAu
-AG4N6MCyi5YwvRi0wfC95H3W6Rv+DQ/w6AM/1PURAQhuXOnrwT6mnSqajdwNOsa8nllbsR+Fympp
-FX9Io0tq8yv1ONurSwyyaZIpVK91BwUTSA9jZCmfOAg18/QqQGHNua0fwqB6UyBuMuCrD36m82Bt
-CwBonNPLYvzGXBgpwGDLyMK57/Xt9Y2Oefk7V17bvjKIC4+lNjkrd+IzEAiPqM/Nm5J+gl+pzk4G
-mRwzBTIE97Z3SAfz9JIxVbydEENbhdCDaT1WHk23U7yEm0AfhY87IwFHDx6Faj/M3fLdrPVnrSbh
-wJNuRasq8hsl3SFsi1YrY5QBKsieI5JzO7GtpTlN0dmGl8roMQ/pRQmVY2MDQELp92Y7vOSTebi+
-7w6BemhstkdnJl3biGKotFelQRlY8tbU582UzKE/BeGldPnsIiIbk4FurvjYqNwXEfrOY7WJUpkC
-L/mZ2QQcuIofIIqkJfj9UNprqm+6/N9WAgFhoAOrduapFdmGyduzXUAzxG8LwxnnaCHoGBRQupgP
-9a3APqJ/fJwC/YAyKxm4KN+KUH9EDpNtPSWXqvy1qAjRk8Y/wFBCINgILza28p5mdqtrTJlHDt5M
-cu7DG0Ok1KCxg/tGwME0Q8KMTez4b0vO2Vkd7YeyCbHMis8aaqnEAu5Z3lgjM4egmDYdbgNm49yY
-KorOWm5t5QIrhN+RDI74K0b0dI0bZmPuK7c4zov1qpW7o5KNa4y5VlC52pU5yDsEXMcnegkcOkjN
-55froe5jnvKg8NVlzl5GOfdZi6tXLGPB2FVCHFQRQtuvfAbKtVR+OvgcOZiirLUxiLHgQn1cHWle
-Bt0NIlHb60No2uw2U0Azcc16xtzEb9ClRDOU355YwQ0CWfQyRbfLhnxFf3IDOGVho8BTXhaH7sCg
-3fXu6G7MLHqe4ukXHXJsrRbU6VyoicJN/bhyn0OHl4Yscu236qPcILT/+QTsIGUoblEOb0GBsgBh
-ibz0VYXrIrW0QzmWoT907ncVYXpP0JudU4RP83uA6MskTGgj+bu8cYfgaCD5jdTeYeGaIWSkOOyw
-yFw1D/3kl6b2olvuD6lmJndHPxoH+PgPQZ2wLTmejflTMYbXDka+5wz8+CLBhAWBwxaolpaVZbFD
-jo3WkRxP2Y2JEhCQBd6aC9XVVCN6mYy/VUM/yAgUq/WyweLWS4t0QLR5UoHRrVVEa29tLdXJFOX+
-msNlC6ZJ7eRfV2mnF0GX27dSQh3cfXzj2PrCSi5oedPs1t3ViKNgXVkAiNRDfmwtxjpAugI7I6z9
-dhP6IsRXsary7hdzF/vqCXOkb33sHh2M/jzbto9FVB1ILLZAl8QFtb8fS/nKcWphyXqrH4AKL9oc
-XpKiPclYXWChV0lXtbjaIPS+kxdwlai7Muv3ESZSRdgKOJwjBrrJ46i0T0vcn8Zwg+vSKe6thyS2
-HmQWc01XU24XUYSbKeA6AMWN/4u7rfLQB+JlVuIEix6iAf6yHMEuwhDovlK1Qx0Te5H17lEVtXDq
-okUfna3SfphsPijVzcOMPl4wiJUMYbKcloHItsThemXJvGzqACK6YJf21V0xye6BPl+UZMSNy35o
-VRTEtUJmKmVNVYyEbltw1xKpS605YXH5uwterne3xUM0m+SCM8UZ72I6Vbl90FroReOvRuWwX+9e
-B/6GjznYsZxNaYTm+rk7Ag4RCTFmQAo5gFJg4oaBmZ8f5D26swatAIVdbmTTHj+j3sfp7RCmmHPA
-FJg8pVoeaXIjKXfKcTLKNPtOQyScgYHH4r96PYFyM980onsOHJqcS4lYf3uKXX4rSp2EWFm6qNNK
-dNWLlpeX3q1P2uIiKU23lRoxtsJsZQQ568VmnRsjb06Z/pxa6gO8iH03RpchLN+bnrxIC2ubfJGO
-iO0jG+LSql5HPRoKdAQ9/DNe7YIKpJ1Y+NDeYzhCl0/lxXbYKXH52P6UB7d4zABsxIu2jo3jNe3C
-VIRyRjEOqAmFZMm/g0Xg5kET+Pqvr+ng9esyiw3RFhn3sH7QmmAtprpet2PPHBBPLJ15cwbhUqTF
-87QQapAo5FpzSLYxEfeq9UDPGHs9TnvjxryPirOcD1yK1/xwwe1tcKrQ09E8Xslj0CbNCaaJjhp2
-sVcYQ+aIPnRV/vOKrNShvNM5OZ3FbaInxvcRXk4283nI6Lte2aosF8ffkS3WY5Xmo3NPvpu03Vpm
-tZyeZEDAIYyIPGY/tdTZfjBDdZP5hmCQ1Ee6NF0p/AUfR8LvPXtEpsWpeUyd6IS9p+OZcDnXqmX9
-TnTGNWEdeZ08loEI9yIKH2ObVGPGsSQKzbMeUUGiLn6+5j2c8bPmZh6KeS/FYB0lXlNicyXUHLKK
-sbJlAjxzfyJXdras6sWZUhJinmZgWd+FHqOA3TanVtfXmEh+h/RN+NYOLgCSbymWis/oL32ioYnL
-17sGZgSX3zgkdYY/6sYeFugrGGLFQl7sNV0jxFkfsvYZ5kCIFEH6UiXzg2Ham6SucY+E5I73sHbf
-G126Uhvjh65jKqDl1xZ8uGIaFoPEKnwxRrkFTdRAJz2aVpXIXH9alEPa02pYxt+TZldURx1Sus3v
-LDYczy4I1JlGIKSN5VnCDnwoP6ikON3JbOacG12tbxRl2MGCQfO8NvZuIuy10oV3aamZfnqYUNTs
-ZxYI9Qc+R5wgoUnVhB/ZxSqCbU87K8IEaQ13ZxX1k7sLe2cBeFE3eH4Q3LsQvlnQkxr1S3ezzGS6
-E4+nTFbAnFCZq+5ZV5m5QKkqxw0CKWRTD/coAfVbWKJvsSbV3Q284kgUKF9KCJ2pDcsjkcPsfRPe
-6/qi3oRZvRlT43s7sT+0aG8P1W/iObIG7KBRgYmikibUzBKzFZ4HjJLWFeZHXqHNb1yjtLFS5I+B
-jPw4rk55E901AlKGmg1PKr3MRE+8a6zDO5BMj1R3aR6qtj/qI4xEc+k81KpROJcfgPbWOeWOqHHv
-Yn9MNIaNgYw90H3HpMqEMN7DFo2Hraozn9vn/tJgEVAR8/BQp1Sl/shzh8EzA99zu0pXeFGlK2uJ
-ytWQYXImk1bodxuBJ/VAX9oP4QTiiAUBbc6SNU20GE5QESAX636bWixIZvsemuilG/Jtq/YDMbce
-QAFSroge3d3JWE6DaH4P5fQIa3WXLRBqOkBMqopwzdNrN2EJXqHOZPzCNnYdgRZunO25fUViZKHO
-fRWNraP+NOhMGaVq627G/rZCcwa9csi0kYOLbNHhoG7Qpveipei9IfgWR2awmqzsiOX7UWsfYxrk
-/igwEg07ryihHenKcDKq4luk8wFJeaso4bIapyDyQRJ/ogewTsL5p6XNqOc0k69oEQb2CisKJ+V7
-mZcbjPkyv48RK4UnIDpaCp1D5etW6gA/Pr9JEgORfTAHmpjvlaY+Jwu28/asHHMIhImZbnSqxLEQ
-h7m2DlCZDpVJgoyxCNxlYwXc800ZU3+pLDywnXjFE8Z5j7SnaIc7Mb7l1JKEuXtlbO6s3n0X+znl
-kh30h9KO7jStf71mRDJyzzC/klw8Vha3BtI9e8yxEzDmgVf82NitBSQ7vKa98kNTIC4sVfaedBIy
-7gBLe929Y9HYDO6nMvuWNOoe06Pf0RuF2lFI1zgSOQZNKMSAAUPR/kjsGip2IwZo5dLJNGT/1Dum
-D7jxsAhRMZtQlyVlt8WXnmyfc4z9WECUjkiGObphCqs0X5lxDd6oKPeKqQarzrAv49T+aFXtyUyc
-9zEjkzdMA3c57JPTtH+M2eF9mCCxC5s774buoWiVdSWl9oTiaj6uMGyweqHIasVZ0bjzjeCoNcZu
-UnL9xpXZqTMTkouQ+qDsbqo2uHdlc+L6ZhUgjNkiCnI/r1IsHSClE7E6NaGZknI+iP293nGYuMxD
-18h8LE5a+naePXV47eFgBeGKAQYJGMvOi0Tko/RBi9vveD9wAya/08WWZtMSx6mU1o/td4kKOzIh
-SSP7eO0gmC7OR1DUyKryk/zflMoAI5Uf32GgnguyQH0AXdFMSHhY8J7xMeuNNzR2ueUR9ve04LeG
-w5trDSeY0RjHzvaxoZhOi+EQOWBp0aD8jorW9vTkBt7hRT6pwVEPbQnhjz1KB9nSQHwlCIGt05tw
-tvCiz5HYDmV0RGTmgTzsMgCORMPyUC8wf3GrxW6KBBh708hXNprGCs3e3RbqIgE0ChDA5rOjkQ3S
-1nsIIXusw/BOFTOVcMI/vDbttB9u3yzywj8lpNROSL4aKt8pQW4HsDm6GYVmHceGPV+nTeoho7bK
-49XYoYysl8G6hFEJzj5ImuhWPrZOsW6UFGIv6yvpGv2X6Tg43vq1bcMN4PZHusz0aFNuW5mT4cFJ
-/ujq90X7HvXiNv8eWvqqmiHdaUp0U9SSmSQXnM9Ycgrrm8jGTaNnO3y5uaMH0keZX3TyGpijGmcE
-cTCdjiysD8+jGiz0Ww9KrWNuVfHrMEI5IsX30Pf8ppbxLSg4xY3eRAxi0ZJVupjvLhdcjPijXnlh
-NJaxGCNr/c5O7rQUrN3OnroWRkWfIxXgwoPx8azHy0Jxyo2WZj+atn/C9rpdzTkkaFWrnoNonak8
-U0BzBdL6MGxCbdqosnUyztEZNZlvThwA/xsdGYpSPwnZ14zT9gROeMJIEVxgRt2ruastShfGjnAn
-LChMsheYUyuop3joMMBzi9uh5ZffTZvzYUl0AysW4C+cqleWvU7mDnpu1nCdBBxCzL2YDwiZl7Cb
-spGHFBks61eSCMXPQg2ttr6Fx4GpUtN+oxV2Cbv21DRDt24L8wGnYmBgTV//dxCK7DCk7ZMsa4vB
-/TUr423i6PpNBTaIzTGoNSVZmFJek5u8TLI/I8vhayftLS4Jn6OY4l0Vj29Q9gosdPWDmwFPGdGN
-Qe5q44mzQkrr0HdPYfWjZNn+tQPnuM7WcNI9E5xHQ5j4ZpT3ehffBRICD2V77BqCIuzqUfh4rIbm
-NJecNq1apG/Ivv9mDtmbkO+it2gXx5l2VIuiXdX9QGBTdmQ3vhJyCU2MEG5skuVY6czVNWcfikGs
-K0t7wfxl3abZb6Yu966BF1ajYp/tciOUFs5wXTzfQS/pvYwv4gAEdGxDrNrc5M51+JOg2XUqLV1c
-1dZNTG4EAS/2knq6XSIy6Tmpj46q73ulxyWyskh6aLRTdUSXJUkvZHO0Q6DE0yPBp0QePRAwK9Lx
-abMVCImnsII0VrEfrslRL0uQycVnk6vWiyXUgCj+m2FsJ4drN6MucINpN7SbK96jFMm5xp/Qkwe8
-juGvjXrzaPfmrZWRbxWZ9eRM8dZyOXiJwShosq7DGV9qbt8rRJZYd8Zkfped1KFndSqrC8zkXsTY
-5hbIYtuK9bDEmm9CoTJlpzbOpwe55itQZofEtr4UAygLRqWJlj5aCEfX1SaZitkrLQZRASgx5wbI
-ax3DU6KJZ8ozgRiQrsEwnvtR2Vyfkj3WyyrVcXkM5fSZ4hwl0qskxEtgyptWE4+AMfLUFTW9aDpt
-uE1tzZ6rKhjsYwf3vxtvr7ezKohlLZKJvpVrDLEY62t0cyduE0xRv2i9/q3zaOEsY+sOaIn12Smk
-F71aRZQkTMCy1jABFJIwrtHxtJKhAaMXlISmcYgl1vnvticNtr/0qCAgYPQo+G71s6b8AEtqCBNs
-j2QY6BKxUcriLtVlgd91J8x4SNZ4VmKyH66v4dqENdXqBuYK2aemZbxSrwHNYdJx4FWtTTcryc2s
-bYZVaB5qO0Kw3ykUzFfQGhMjUDq3Osd4aMlCtbdVZS0hEC6lb30SbOp8elWSYp0EHU6u1Q9jAMft
-Zcoigdf5dlqKyxhXu0FuQ2zyBkyYaohey+vQ9IcrQIDPyUsQWduiii5XrNjWxC+y3jc7hNtY99jS
-F/0ODB1LrpxDIgkv0AdOVdv5pTqg/A1roDamG0e3f/Wof8MDpFGNSSyc+4V2VFodUqyufCdRN4Ku
-l2MWd5HFzdBjxgSw8iMwtzMwwKrT5bEA3vZqoe0YGqJ3pHIBXaFt26BNgC0QJyD10yxZKa763ju/
-LBkSo0EVOKcdi5Yc0QhBW6aINkNAH9KL65ocHajZUUz6U+nPFJrrfzy1D1PKHxjgf/IToErR4Bc2
-xAAVcsXHnilOr7QpWck2aNmYtQBKLnX1ZCHgGlYkchL/K1a6NbJMgnGiPlki3QtmdvBNLve07RFx
-iC+x5HJoAWbKNehHEvSaF3DHAHlLGOOL/Sz5Sp/6vHLiFwoi5tWSl/Vxzbrj1GYs0n7L4gxvsgym
-ymplLaoGgF5ReEeIoKcK40bAotEmSIpLUXfbL1bxlyPtqrrr4C5jGoLe78dVIByo9XHq9lunnga6
-+jVxY+6/Bd1k3S5YxI/qrK30ZXjOHAd7Kq+ArQKTIljP7fA69eKiVti2DWX+WjNitdEwTm2RBH3+
-Ypl/OfuuJkzbgHSlavSwPi6T0WIVVJsy39GPI8Xmupdm66jSPxksxY0h4WblcWobsDLZLE4WvKjN
-ILsrZlP48yRGZpS+kB74S6MeGhTLopt7Zfd9XFNOkouAqdJt2yZc2We9NnQo/Kiyj31+rI3qQcmf
-/v0Y/vqN5A+W6RAe/2DxOV0lTEiE3XbBP9I3Ks32BArXkyEudY8B4eD067nL4q+O10c9Cskxg4nA
-zDqvWGhQgSR74H+4vHXRhDqa+d02fQqmHJ3ZmHtQ7ZxjNiW5b8fna6O5QxoyWQJAQmpHhoEv2ugc
-IxJHnHZlRKSOyUsnXZXFuGICeTtMtPfsZt8qZAJWgbuLo2jrID8YX7wo7S/UEUnMxEKcjQ59Q+6u
-/1n/WDKXgeVZv0WA/D0NEXXQpnHX0CjYXgEGVD9B/5xOTtxgc8CQ7b/f21Uu9uNZN02uTAOSkONK
-qufHBfSC5CIocFpxYvuhk9UjANd+TFfarB9kN0cthlUZGMRf0AjPUOnR1M6jshAATGnL8iDrOVcS
-H3uR/ppzcRMYxZ7G/d5wx1OOFq9XRV8xjdAd+ByiTBPSnsl5Iw5Yn6VdmZOo5tAO223uYt4O4YXA
-TitNkZXaEM3eUnBVysVKCMvoxO2YgEkozbwJFIvClKttEc2aIVtc3SVzQokYaI6V8gSwe2EoCmfi
-TTsO73lObZU1FN6NAd0D/Dlt4kuksXdiOALXTSSx7qWDA0+bRrjJRY+Y2tWf8yX6GfXOpqoMwLxx
-oJ9M6ypoSEAkkJtJBijaAhehLLdG7UTcU+T/dWI9xZHxbKUy0YOxNTr5jZint3wsTy2Nea+J7iWJ
-ssCOB7ILQhzgpzXjjMJ2t5ayHLWUNPjf2+RKofy4TSQ/2DRgC+M+ZX1m6braMHUAlEihBmAVTR9j
-8UdtKFuSI37QtP2Xs61N20plzhWxGMo9OAXY/j6ENv9APqHBDdZJWriMVJAPhQHI/LXy0cj2r8hP
-UFeYlzIl3ts5N6HGfM8gC3kh8tCPoDw2eb4XmX2H8hSZVdm4HkKBO9lGG/TgVWGkMcO146vb8E9u
-lW3K4WRDZx6SycJPN3g/dNxPDYKUtSV7uQ35ifpqIJOAtW3hyf0F7ss4j9OsJfwRSXpAGpIPuZW1
-i5v88u9X8ed9Y2MLxZZn8kBVofd/PLCRhdt0yEgUmtM8jZFHKdh2WvdlGnD9pE/v3FY1x0UtQcUN
-+nNshXYV1CJjxn6pDmjZv9QlDCmGuvllEgiZRo5YY64F+P1GZeJwlZjOpR66H7YNrBLL58AwLUTX
-kfyhYZ29O/sB87FlT/dorICKwJiTtLuL6AzyAKvKt3O4jEqlPmOixixht2e+5CgRv1JiZLKhBqtj
-f+2dqYW9kzRXXIQLYASay5p+cYJk+n9sAKiMUExNmzFB0uOPT7zoBmYrlgghWJuamXHzMykfDRA4
-fTJA5q1s+kugrab5MbXJsyzz5pSro6+jy5w7XziP/XnX2rZmQrLUhW78eddmokcfQ0OWuMlotpWz
-vi/D+mgKyAOFfd9n4I/YTX/xpcafN5Vt41XswrXVNdX+PDWjl1rnqBb6u/Po2IxcQpliYO+/N4wf
-4dnU+gfdpnGozo3qYWwGfGS8FHigZnbzHPT2T5251rXVj8cWFgnRbsL9e+DwJoVFF215rRFS74Py
-pmtejVwr/CvmaS7Lz2XYXwGjKoQmRSbx7izmTyHZRKKytmLI39x2+g4UT9eCwWIzGr748X9hGfPj
-TcnpZfBcDj983AKMBEKLnogBiIiQXwCeqb87cldPBZaA2N11e8thThkLe3JQ4BOa2upqwGf634f/
-SuT8fCaliA7Nb5Xr7/Ppxw/TGctaIPsp6XLXWhDBG/a/I1aD2wU37H/OTLhJ2vI+YU59U7nGus0Q
-lFG5biJJtpLdVmfqX3oXba2uY50S2nZ18AnZ4bxyYfTiXdMexr4Dos1ofdItQdtg8kzsvxe5tQNE
-TVZdCr44YuYN0xkj5iPDGOcJWlcU/h46iC71rKyvdPgYAnhkkWHpZneyB2unVPbxitAXkoilZCuR
-tY9dJ/D2lRduN4Lcx93BMZ8zlGhvDDX6mQ3DWx4y6TGr+S81tTM/rSkemwFRGdQivuUJSJSdvKaq
-Qfuy5XrJGX2naKI7bwy7ijlkTHlr1GO08IIfm+nTczWC0d0O6DB4cX+jIhVfGPi9XyObpA+5M/OD
-iwbxK71o3OxK2KIBflTw+PTTgUJs4r5BEAhWkLx5+ONvWAR/W5YvDQGvXjF/vHndYFrGEobKsMPH
-LVg5Sxw1lLpb3dm1k743ewBX3R6mlQlY2OgALbnRnIRpdEQjpniJzklsiHU/t0Iq5vjccbS2SVJo
-Y3ASw+ZpELy/Hl7amidh2czP9NTMQd+v+iHbS/7qkjTpbdHhn6Y7tCPMkWHSvNDQl2leWhWMic7v
-2XCpq5MxpiPfL8+YmvtXXmnh8sFLMoMNi00TTSalUU5LCsUawPz+5d9H4y/TLw7XIUUYIyCqUD97
-RTUh0/wd3aVtYQN79RNS+XrrhNukCpiwcMHKDXEXNm7ut4utHSZYiYZmbAwnsFcaR6Megpt/L0nO
-T30qpB1h2KbOXApjTn+6iNGOd0Fry62ajc6K/H8XpBKsUPWNMUIwMUPlHivXWyWq8QKH0RCYaCVZ
-uN2vFQOegFtpTMPWb9qyt+va9BqVt8ytYHmNIpAVYI9PChyEHqajipBNG6bASYULv4vRk9wM3sMF
-yX3SF/jLoMRq0iASVVo3hd2cklTx41L1ZfUTh8OpK0GJIdVYLVwey7npxwhCWTbdX3tzWHiLNUXV
-brEGWq0lhrpjpj7NJvRVuNagUY0lwUaazTm9uWaCuDMz0uVbPU1f5JRWiuZQNIzRri3hbdV1s05i
-LK/g498WaRjSh0GqKRziDWy2o67DFFRpbKH/mcI/LgW4a7nASpHtYWsiP3RnTp3DKEpeGXt1MLbt
-uHxRnul/e4FUtOiXuAa5nyVzw/8pz4aaPkIyRuW2SmFiDGxzyTkBx3JWugaeyrhj5gUZqjpqwCwy
-gI6NoEhCkJK27Pz25NKIkukLG4Zo/+3KZEJZmVIAO3qvnCL/2rBDbgRqDG0aVTYeyjqHupt1b9lL
-iC6CV1hGtVmc9Iuc/s80whEWaS1hVgXu+Qxc9B21ZV4gf6o4xlYLyOhkcF7KNVAM8V02JTLoRf8+
-En/UmzYHgpINsMQgo1btT8kUcoHB3KQAtWpQ0Xpc4pXlAtaOi/Erzhd4IISt3HHOeRKDW5JrA+BA
-zB7FqtZ1m2NNxSFx3Dqw30U6Q0sTB8duT9c/cKvpADN2W03ageb7l6asn3Og6+JN+kfEFznfI6vS
-/9kOFupGSKgV6bZxx2c7tG7Tem+OLTuSZDYfwzu9L7/pvfGIO/Pu3w/uc8HLV8vwxnyRjsyV+CMD
-SSuzhdWWkoFQWMncf1bI/ZHohqOucFX9++v+i03/e9/Y3BSEU2ZSGavTEBL8+FujZigtPM0jiTgG
-aIQYFJ7KlPlzOcCYNBp7NRnQG3IoChXQnKqO6h6gnQmdqV7HWASscnzbN2EDkbjcxeaI3J6UGQvR
-joKsS3EXxbDPlL7WkASw6S220TpqAaHhuP1sU3dY1VYHVUDQmhIablECCbI+hMxjQUUq7YTmaJLB
-BFqGY2cLZIi1d9RAlDvtptATOvxdOXDy8nO8dMUmw+uyYVrRi4fGkiScQ9OPKG5N/feyGr/BYTz1
-yxjd5Ppppt+xQcgo8FSjF2h6GdXN0Czsx7x760Q7rGwInj41YQM5ApJQiIEjCij9up2HlykYNxUe
-NuvZhDwytT9D+4zs3HcVuHk96Au18gjbtk8fZ/S8/IoJOcfWtzaqfJ5FweXNZeKrFlRlgNFbC/9D
-enbtvUhmk4ZUdghFnG6K6JBbYobdEuyzwnGk+MJ5cpe3KE9OIO6QwwidrnpS6YcAIGUL2ZS5RxWa
-1oR73y7RGzP+u5w0HrbTUPiV0WRrAn7nGwKUzEQBMeriDRPA1R0ujOBqFubig7qLq4BQrhRbaEwV
-aZZ7WmS/OHbybZ610Qrgel4xZ97V0bduoEyycibim0W7aQ0bS1ZRJmva75CRVIp4MogCUnLExGGR
-wqINdBzUKuE55lTynNr8zp2elQots1B5rjrUzKJYrKxoE5pxgPEAMJTbI3jT1522Ump1XuumshO5
-UfIfugGtg8f375NxhTo+HgyHOghpTdA6pg8/KxO7IZOGSuY6G23pQn8phUveT3FKanpgb1Gltqqx
-5jZkQkkF+J+jFPmhjWVhyRcqmyHLfjGVc9BR/UO8zf3Fr4gZdEmNFSqov58crpk7USOAZCePST9I
-CaDUWxQmHeIs+qmMSeZnZnF2oPGgWQbp20YzEllMgJI8gjrjJLDVMs2fO31lFE2xWVIF/X5VuXPD
-dl6rLNrRWvt24AF5htvU6zrgo9xqNPyk7B67SByTznrR4uFUGB1/TDW4UrdjrLe7jAzdNcengKoY
-A0vuYQycvnB4+Qy4MDxJgCO6MkjIJaF+ijz/R9157EiOZNv2V94PWINaTN3pdB1aZU6ISGVURmHU
-/Pq7PJ9AiUYXLnAnb9bo7qqIcCfNjth77aRvsIm1RRCnet1rhnk09/90vP31Yv/9M3w/YJZioFQz
-bpfjH07ylmqUwacM4qmbLtBPxk09smFdkItsStd/sgPvp2sRQhiKrzbcBGZziPv+85P0t66SX4KL
-0KGiZ7DAuf6X60SKwMu9VPtxKBUF6AJAG5WBxlMMYnGZvYNCaeyK9jOwAwB02Mf2uEGiGqLEFo3l
-P/m1rb9dbzZljuNZ9PEsqhhJ//lDWVpVjrmq/XjwGhE36pUfm8DpEnG4Ij6ioctzfrR0g5LOyGMI
-vIyoW3vSJ4KnzqypGyvFhDM0ULX5604Vdhl5XbBjETnH//nD8/7tL8uy1WIEgrf8d+39h2+wEDC7
-LS282MNnummEeh+XtjtMQkQWDcnGT4ocNaFBmYXb+mzWpgHzrorK1gg3U7rk99gxeHUfiZ5075bE
-hX1SpmJvTx56xyEB9+/p7Zjkznatlmfb93ai8NcoL5EGaxOtHayCttdHc2zRRt7MvlOcmyjlJ389
-YHOyN0rIL4PJSY6qRm/7tt4N87Bn2tw+DubDxGN1VPSqKk3LAy5sGaWWEWwRjG3Mdm4OPKI3Ttb6
-AOfzvmgYbA0s/E+q9JxoruCpGvlIv1xX9xrgOxIAutj//CEHf3sV6Tcdz/Ns22Z3SZX4lycCKp3T
-Uskxr7HyQ9WL+2US7mZw8SsZjcSjbg0ME5rPMsH+/fvz8QH1t9QqVzCPASqyBG5MqH91Kf/vuV1v
-iLfmLUlZeYOEzamTnZVKYX5Ni/GpKEmezA2W5GkAUCoXUTN3nP/ql9PQGM2r9Uut9qeewyoSIyJT
-4GYHa7Tk1sIMYPdn4FpkucDO3OqFGtZHlbGuN3deOV5co/4eqM7dr1fmtKzbybAPChwxwr0NsBv5
-BXfXuCm9ft0oq76tLfqnoT62vbVuVWOtUeJ5j8ig8OsFxs6p9csylN3BbkS/6RA/b43xe4/wJgpu
-j97shi/tROnkr8mXZW3e3AzrfqY1SpO8iVZHwwWA0ORThF+0I+Ct2vV7oSZgRkBTpiD7J/CN+7dX
-hm+Tra7FLJdFpf3X4VEThkm2Zn0YD1V5xxTllA9CMzIZL9BLn5WCv2dUthUl9FhFy9OfgTHYWj0f
-Tw+0eat49jdFUPqYaUv+Qq6VSt1UQCGTF9TdSMXd7gcwPL7b+lqYdb2r/W1Ym+vRp+9bx/nDAHN8
-LmRgHmaruecEFlFm8wRUrXTv7PI8znKKeSR/LZP6ZMZlsMzDVViJG3DRu09w9sc9dNatl70iSr4X
-dZJgdS8b8I82iuCFv+E/vwN/W9EBDDIRljhsGTke/1b0L3OWot/hUxtLXK1IZUvDZ/O9zP0uw43G
-AN3cmMaHiWIuWkTyTwoC829zeH4BipXAva27rND/q7kbiYiyjKHnWJbDUxgWRztL7+08g6zVK2NX
-gOW/wb86NP7QPRvfT6hvk++A+zQgzf6zXWtggXKm1Q9uD52P/VCoQztX4FW0+qJ9mvl5bGkAgynB
-7De+s6u5TNK7JqvbxWY2IAI4iUbfj03RMNW7HYx5/1Hk6cO8qE82EmvUoixDpNZedM5lJXVWbG+7
-MDrAX7M3uXGPX3xrjZ+ESOJ79AEeAsvazhYyknz23ubGpCpuQothJWVtfxxs7mPqKozzmHOscsb3
-1hnerpC2ZKXGXZkvtr4080PRN/lDcNPNAEglrzJEoot3hl0QNuZy+tDgrDdoMO4Kx4Q2MAJaKFWz
-qzM4DSIbr5ZT3ps5ci7f8h77oOoOQRgeG9i+kafxNDgeFoYiGz/LPjUPpibGfiqs822mCUghj+0S
-CCdJCOfu9pejE+IPwMjOqLsAQ9a5Gz9Lvlucdrzvt5vbcjFbWb6JhsU+ZWy3Yw37i4nQTOyBjXrw
-hu4VTno0UVisk6t2rqjIbpGljCAoIssYRn8n0zkGbrXEujK+tk7G7m8AGZwb7rJ1NcRnR1QNGkv+
-u3FIVxhhVG5lspdh8rMbKURbjzMOt8t1Dn3EfRhELp5mVtYmCcYGp8O4LKS9t2Zk3v1UcHPCNf6H
-l+uvMwgebV4pRss3dsGt7Pjz/dJ5XlkovOdxwFZ0m/uOjOUjTzJjvJLS2gGa6tIO/ec3+nfuxp8q
-eMdkU0GBY7sB9c7vuuwPpUMO8d9js+XGo5WqwzL1b0XI322F6TnJ5sho/AE0DJIOlRU6rjRwQjjs
-yRY7cFktzS6/eU9EMF8VlMON0KjfgPtxkYTicVnb9AyfsdvUunZx+pg3PMBe1wzT8jRhMdrAia0X
-AABTAIoo4/uI1qGOa7PUsazmjKsIa3SKOgdLYfXdPLTHhQIrBo03Rl6C9Or3sWnX8wMau2FTQOTc
-TDeGCCHC19DEefr7xN4HRs7YT5Glu6Tm1rSc52m0Pxrb+qXVcQl9dLfZD0amAypk9wIlNtgnWIAY
-U/r7KS3t3UTGIqWS40LBDR6we/JgM9zZJV5x1BKDQ1g6OABKzONNVdOjVA9GqGGkjgO9LIP//WTW
-h7GoVKRszkwjKxNkIeqBXFkUb2L+p8S9v5GYKKZNFlROgAqFo/qvABZ25kqLtYb1WTjbcNGUKmww
-42qkeLJy+dJJsvhaD+L6qmIAMQiHO/PkFNM/FE7WbyzFn58xqN880yaDQxSJ4V9q+wCPWWtJ6cQD
-6vBdtoSI68Kq2U1FAQZ97YpNwfRiK2460zzwNs0Q8CI62W5AOjNq85yHdRfrjqfjdgFFJhVnrfge
-/YlIqmvnzsl2ZjjJMJlvPu+Td2Pk9DEgE4KwbZ4DVxNs3Cq++Ma5dmr49CqZx8wsOJI0q4HAl8xe
-3ePqQp/jI9VbPcWe5HNxq/pzuT0yrcOVbnndJbM4WKEtxkOojvntFM29niWXhW00UU9hnw90q22c
-crnxYiCwDYyOSXFwDYbGhgh4hLddBul3i8kMhZd6dpb6bagonC3cWjuBu3472cPHgND2XDyyqoHW
-NcyK4kG/dDftay1YT4Tixdc9HQbY5qagpl6H1NqkcHUoo9hIqsljCWPXz0KV4MPIR1b+eJ5nlom+
-Fs/uxGC1UB6+DuCcBmKLroETtOKRHCu2zOMPFfZgVIH0n6uiAICegI9AoYx9TlHS8WIywcbEse0C
-HJ7ZxtqFs3UsTRmQG42tmBn41p+bOc5uvm5l0Qx1Aa7gFfJ/MXIvtJaXRMzLqJCEBvfqIUdFG+VY
-4EWyJvKXVG6H9cEulyWWon3MskLEhq0PIFkAMWqqroF0xI1vSFKo+VAbHSDDZBvlw/PCb2DjTs0R
-nZe1iP3irBY1xSl48MjR9seonv2Cu7szc+T1vOLUVTa3TNcdFs0/NSb2j5X1L5Y29ggZ6K5N8G3c
-lQ1TsNZzWTb08xqhDgnj5Mbskc14grZ67LV8pH+55zgHb+mlBxfrVuglOjLT7lG3fh+ZUnnbBLUn
-TpJvfY9CdMDo3nn2GolJGFsavYt1m1iQIH5OlbnsVrRd23G20TmYJ75spPm3T/73cdPWLvW77tst
-SGKk2/XQbdux++WEkq8qVQ7KE8thHpLx6k0OA/sKmmNtl0ieF2c7L+WDlFLvrCz8BSPozfCaay+5
-beRYrpHl91sKoTw2WmuJ8wX/YluKiIKcIxybzuCNZRR6QEWTwr/hxIz738OwJqSf4cOmbqYHWuTk
-7bKUX+j37fU/TT68Zt913dW/+v8fkm8Q1vzhCv933MNUf/6vfxd78/uf/N+cw8D5F+Ign4nOrU4n
-TYcj9/+k3nj8L0xYiHSwA1Zxt7n9/+Uchv+iJcKiD0DuRhDzrP/HOTStf1EkhDegH4sfSIf/Hczh
-X28mmmh4iV7IIilAI4lO8s+VjteVYjRJo4gZYU/dM7qwgCwwc22jNOv1gzUHjE9mMzUiNVQ19njg
-WIyPktgx+nxX9tL9hzkmXK7bruUPdxTDfVBlYYiywUbYxZX559/JcEcvE0yhdxg+urciAPqSeGFy
-5NBujvi17cee7MxoLEb7xKjP3btKqb2YAtbLVcXpinrV3matp96Akhis2peMnHKKCcntfy7Mddpx
-y+lLG+IzFqr7PvfDjWdrh+mmFXDtRSvgK8+yTHZ952ffU2MAeTys7nLI8WJgNCzYk4U3ZTfivWKh
-zpnNo068+dOy7Tpm9T5PW8Dr8NxcaM6kdrhUkShtAyCzNxHFDzJJXIDzePzCMpNMzkObZIipe8jK
-m4e/s4rk19KOTmRUt3rND7ojL7i+10We3bcKk7THcD1GFtI/SM9mDjdU/m7Bag6zVnTXyWykIpsh
-r6LaM6xXDCkiXtF3P7K/7BETmL771lEHQ5ZQ2C3G8msnViD3NiYVX0JNdd2y2npTODOFdyuwEI7c
-NVPb7PyhBd1WEA74Rbpe/+K2RhOF4C2j3jfDc+jQyJXV5H4YwRq8p9aSkXqTqJNS2nlNAzt7yWUh
-3qepHeM1dPRBlEG4SZA3RG1N87XmxvRlGnV9qFZyTG2y8HayC9TPxBPDNfSJg8np+rbCH1lsunkR
-+2pIr7I25R0emTwumGu9B4nQUZr3xGr0EK19JH57dLbNySCj+1kO3Et0gwzkhq6KJqWzw7IO+LyE
-yB+aoug/slz2+6rr6+0qZb+1Z5xzeTMsxxUxUqRamT4ol9r3FmzJ0pmMBmqeatfYnYqx1poIUrw0
-8lhOXaXuw/1EutD7agmWqsIcl6sgo4HkpNaC1FOacTHM88M6tdOlQ9m3W2QvTkbPnyTCfHgExuvv
-QxJIHur6pg1NBUsiAqnRKvpQzV2jBzUX5jvbytwdcP92KwskNFbVeoy3MoiO7Hjeh3DFHd75rTiZ
-U6heVo12JgiycjfkiNKHtPUOnpKQAHqnw3M+O8dGo3IkmUYxhLcJrE1xJ+QU6/i0iR45BWi+doSc
-lCe/gEHAUDbY9XmPS4eFakF6D4Oxr5WZq/uaSTVnR3IjNYhm9rFJUAYc8qG0yQdkONAMqBnxZiMK
-CEldOTu2Hu/mOVj3Y47y1Sr66dC4Up9nu0ruV6OcD9oxi8tS6xQvyjzwJuH0McM1uSzmZNyvvt1+
-SE7fw4I0jfY0KSNkOc21mhwANeTtnQ3CuRSzSgg47VhKkl+C7OTlvXuAzj18xyrSPnFABsexz8VD
-l/Rqb/oAS0PpKXhi2cCYsacQwW+Suxorlz8Avw7SnrR5Yq3IEkEHZyAnGOFoPjjmgBora8kp2+fC
-tFtwMx3zjTQo/H3m2Gy/FIk5W8u9CQua9LbA99x2Dt7CqeffRWa3Q+507viKyS74/A3DxeHFQWr0
-pkK+8BuTqK+iNSREBW55o6DF0N0wgYA6dEZjsjzg4BIkhyTE7Z3c2is/g7IDGepnwaHW2r5znF5c
-rblGGzyVyonGdpbswmbkODtlhsOhdVez2Cvh9p+28MmiXZzsS9WBjcCcKuuPukqHvWm2DtjStbok
-UxZsF6WqY0r8CcksVjJ3W11nmbOxS+h0EYxAZz56+TKGlwaSV/HTQ1Y3PPHQOM+zDNFuWKXAs9M3
-eG86nsrPJLGqt4AH/Iy/Ct/ynInrlA8EqzWh7/wkt2Jk2svY5irH8aNQoTj3PqQgTvMWO0Y2inCI
-yi5I2QPcnj/HpDdjiFfpmFliGPflYL1lVpB/WZOUknUgq6x87ruuPnLEZc96dY3vUqZLtVvNFNXT
-qML2l1SdbezcsR++iKyZf2aKcIxkYuW8lpVN9JLn3BXZbP2wrZFRappgaJOmsdxlfJdfi5VflYwV
-fTfKwPqeGFPvPKwVhpuusIwHOv32yQEq8Lyotj04YBXB6DteUG372nORLs3aOCQ1SMqVmfZmdFTw
-nvGvwpfk6w23T7e+dugp8hP6C//YwvmLjFR81abTVbtitjPviXMz+zK5OYU1G0b3ey+sAZw7juVj
-342tvB+cLJ8j1jEZ4zYHzUONKIOjYGFW5c01dDxTyMd0cpHYB+b86nSG/1L3pjqFZkcaVVVN+6ZP
-s7ixpcXi3V/uurAbP71RaNrKYcJS3vfBAUtUtVsWxzkzAWVAFAbiEYZSvV+8nNwRn08xhvHGdNoC
-DPbK/J6kCWliJ8nbCkDCpK07RcXtRg1YDxgQcHPcrb8ia58MUz0AuFnwhIzpuZom/8O3pdpCije3
-RJOSeoQS67tD0MuPoS890gIIaFpLJ22ZT+bZ2RT1bezLEIZerEjqfj5Lx6lSutiimT9VM0F50Fk+
-hm/mALFf1TeQO3P2XcvvzRKd3tMacnQmwbgOn/OccDObufUU6m7e4WJd43Sc3XOQhdWFJd3wRfpT
-FoVqND/HroVT4chhp2YqpHSkS25uWQql0q+BoeSBBocE7Qk7lnJw02uxlLvVr8XWDBiLZHk9Ae1l
-T4JOiWva0N8wwjz2vI2sYck7o0kukrNSxNctHRs3KB/2t1U6X/Ry7tk8zv2R/gMlefPSS+8xlS96
-OE9t96PmjjQH5I91CKYCKpc9eI85ssWwS1+r1hWbhoYLLetlWdytNVuXfKnONQrrkqjs8jqL5z7J
-d/WNmY0klKTdg1/aR58FfJ+zj5jHu8HpiGShHYZa15nzzcmBb45+m9lrVJGK0FjpMWB8A79lO9DM
-zVUWV6XYU2+i1rIEA8TkQtYeQUMVxhF/azjTR1rNPxvrrO30YnufhY0abm2+EF9zZlmINBWT5NI9
-8syXm7pQ+77oD9rwN2XOcnr41Tg/B260bnp0+MEtV7pVPWmp2GwjBgseXV7NLHwt9XMznIZiJU0m
-fCkzkCbzF2Oao65/SJkKVN19jjDILD7zYIyK8nHBOmK7TyRx41nml06Ic7SrIngnOVCBT/If0hVv
-BjvXX+M8BpvUdRBBOG3ExJKf4lu3eOK6B0+iW0gpjDvV3rPJD+NojRyPHBaZfbPI1DjO+JKu3lSX
-544Q2o1BxRJ1GU0pwl1eJRYQz1M2ZdfAm66MAC9esdYvDnmykW937gHa0EHY3nBqdWLGHfPkOBCE
-UuYGaAi3U4+o6M1oWiA61Gt9NUUo94XNR6YFSCqPetgpmw7OIIKEqxpAWURVqT/TPgDc3GFsoVhK
-6cbN8S7l0jtC7qHFhQdHyGA3G1Z9ct0KkiBpHnsOlfAK92ZhNOy7d20jKpKhkodm6n5Wk3jgtpcH
-uAjI5Oxm/oFmP3MOeVMvP0cLGvAWwZ//wYCMcQkYjKfCD5k55xCigB/6rOD9JmkpckCaQOzr4aoU
-MxQimBcdBr+NS8kKALh0y2MWpPyDGT8XuXhjxHBm/ONa6yb2CC7hOYMM7WPjwojLbmoDpZfxRoos
-5BsSWK6p0jF2zNe6cGeRAzxePCgWXgzxp+fZqPhMC0NKliO576Pzq5n2cDel7mZNh4FcJVuaMQ5M
-871LyVWpPDs7rEEz73sUZN87N2c7Y8+iJ8CloDyureq4Dka9FU2vd35JbxXo5Ra5YmimODpw3l1X
-rQ3qSQeprq2HMHZU4yOzsfG7O2m+PGo4WTy9euRaDR14mlbtbVPkRKh8FM9jMAbpZca+CcfCH7Lt
-FKxdZLp1/YZJZYWigXqFRoNmECCF6vgt3PZpnTwngcRm2XcwfJA1stvdWfMSnlwUVo+1KPOH3DZQ
-YziN2nrSoGsFC3RwgZlhOUrsoxEMYIhCK7C/1E7rR32IsjQjXHKrssS/LjCC37RGsenoeY5VXiWx
-mSfYSOmF+ot2ZXH2Cg1PLE9vvR/UFwgAqXU0HHfhhXfLrVNW57IuX8vQMLAJGOa9JQ2Lr5nqrMZG
-h80aSVCmaYIowfU1L/3f/JTp7OakpFKdrd8yo58/BhI491MTGMcFyA7Pmi1WhB8W/BlPNhcIu8OG
-ErM5CCe/CHN6GIeqeELmIsjUm4pzFWQaLCYDPrJ3xpr2cPQvir0ms21kCAdqhDCywIDDuyxzUP88
-L4R8ZcFkH3oTYRoukmyfcG+dh8W/KVktVextJOzHUARfiEBwtoEztdEMK+iKUP8AbGaLnxVOzdHS
-fr0D+NBF1boCmtWWC7MmscwvghQ/UOIkgXve6r7kiNg2I/T2YueqMrsEVWJu1h4yZJb0+SEpumwf
-zDJ/9UW49IDFB07UwdTLIZVt+GG4jUNkWS6ObuPn0SDnDv9TTflYlxanR2e+g1ZLSFZUVf3mT5bx
-bGeGeRS692ITisQJlXgS8zEur+Y4uE/F2nLk4ttj3plpzOHcNddUUb4bJGR9JxujOkJKld+axUpj
-kEnNzh0I6amEnzGByDo8cGihminsDty0/lGnBQ2thYiZaWnwtKyIz0ykF1vZ93jAmRVeZsKELgwH
-FgTeXuVEsKvmF3/O8i8GaDS60nzemYDTdz00uZOSxQCJOfgwZXdl9vw9GaoEzgEixgGvfjSZJZaC
-cjQPJFNBH+qnlcn9mu7QEKpD2HsaraJhnNA/Vgdf9cMFNLF5zYbKJismFTtsZuVh7qR8S7teEzja
-1KdAwJlevCm5AH71XkNXWHdLnnBZJHN6bAav/2aTT3UpUPsTWzdVXlRMU3dxu9p/LCFcHcvahY0t
-Ou8QmjPdXZ1U8oSlkDYml/NMGpFqd42Zua+Fm6eXfOzddzobahJvCCjuSHKt90RCICTrRlsM7CeV
-SYXY1+/rQEsR2MVthHyj8DAGOHs2TDq0iMO2s1sseWVen9MxKH9OjTvd4ZDKv4KvtfZFfXP72AW/
-EePZArh7NTsfwDqbPeTJ8BF/RrCdGyM7Bi7tepikmBgsUX1HccMGmN86ueTYelB7DqwJAuHpOC0H
-/1rko/Xij1O4k5ZMd5Oy2rsSHtDOMkZ5ZyXe8OxS4x6NDqukkefVvoAFA2CVLTVWCdP4IURvXzpT
-1zFnuNj6Zmrh+p3GXS3UdOdO0NQ3dsvtDbrditK25zz3+p9hm4RX/qx6N5dK/nTDlazGbMke5tFr
-nlueBG7Zpnuws9C9L0laZRc/3iT0Nyyk3doTFOZLEGY4lQHGXhJVuUe7vo1DjHB+c/qpuXMJ+DvN
-2vafp7ymJ52NICYvlAsj85liA07dJkNaxsbqQVxdgKLS0oIRp0vuYnI0uxexaGSrspf3RRJaVyvr
-RkKE3eKKDJxpRtB0L+yDqj0R2Gx0mh6wpODy3nWT+LCHgvRxkseGnbR9G2nc0jzLtp4/cqyAn8q3
-ynYX2krdj6RsvUwyWA5g7teHdh3lV+2p/DoW+ZHkv/A7xvcR4/uYHBtLNgfbl0ojHWnMkyvHeQEM
-vRDjjaVUnkIyET+ByXBjeYz3DnZPTmELEuYV9bq7qdq2Od74EjF8NQI4Uwze5YRXwrSbNBYrFo8N
-yk9a2sWYnlmSkrxIptXF7Nd2Z7VZeQ7tJnj1ySQ7mgtIX/ALS5QYdB5DZy+nvhfFPmwqfWjKqYHR
-AUc7ryv1XAvbvQRJ6MVhYntf09xe7zsEhQghM2BVM6kUuNGcVIBGJ2Y13xXEOxEtAcLWOq2LMH7Q
-obcPiQ0WtZA3d0wGtuGe8lnua/pxa1P7PQoWd7L7nS1v4eUzc8uUABB/2Ldopd9Nhot3k668XZ0W
-AyLZeeQRJqcQD1OWp3Enej1e6e5GeckmXb6XbacoyFtmRYQ/mi8ElpsLOLcCdG1Zq/wyd5U8+0lj
-HpBPhee5WRFiqQqr8mZewNRDsYANRCrDgUwrixDqNDlhnLfepskCNJybtbj4dWFftTCmPetYQRhW
-a+KnEmRn+rfneQsaxkFWbOT1g9FnKE5SW3C3add6HpQlT+ViWS+cCdV9PpsaRkE2/TB02+6tXNlt
-XBtsAzct3uJjJnzjeVIITlBh396gmsvh0wzQwuSJxupHlj3iq8KYqaeHYui/NYXsikMvK+9d4CX8
-2lg6OLqOPb8myzI9e41TBlvDZIkv1yY4cCwy4pkKcZPxafd9KULnLpE98UJrkt9xSfbvRpHacBeJ
-Sd8i+M2e2rmVVmT02v1EQtsUSEsSNzJ7W8LfncKjnc/qYrogHYmCZzdbzUxCxiEIX0zODZRDo+t9
-rZccvqA5lmTG5SmMfpGSAZYU6mzBxnsJsQgd9Do7d1XtOW8Vj7DYqKTMwT03yQbA2ASgYEjQBpp8
-V5Uv5KkgyQXV9mQ9d7lhrMDITTvYowWoi8g11fpE09Z8kPtCQOtEn7+dw2X6sa5N8xiubbCVekDn
-nxrpy2zlGcUCOFh/i6PLOHiV7uM89Q3EaTrIZISjxJm3XUXGpt+EjIxGWUCsdHykOoLp2d4MdfM6
-1IqCgYV27DUzeX8Y9qPKDvSR4YY+TErUO0y/NVbQG6qwsav82qdd8qDXdT1hFja+khYAELOak6M/
-KOM8FhPyPdsLdh1SpXPTNSnPXFIcSK7R9wvkjS3+sOrEGb4c3Akv0ZomuAPp+N5cK/f4Zc05op6r
-o76eddymjbNb/IlngP2Ld81Cu/1RVXnzk6tzfSr9proQygtsZeAjp0yY2kfCEZKnuiONpHbkRNZm
-OzKr6yV+ZZrx4sT8I4QtMwpuzJ71CvefVJizQXh6Z6tzi0detPZpZCEjt4vbjzigIWFtHLGanCQO
-HCuzqMUPblvMX6LvQImO47jo3WSnVJNGlwOnSF2/NTbj0DXfHDWln8Tg1BfIacVD6vfjYbIG97uh
-OnKN0KjAOMtTJ31fuW/fXZYnVKO4mu4IeG6OXproZ5QydbFxl2p+K6eWJHKzUyhn56A3fqzetDQn
-2ZedHfGtjmKjieK4HwyIAduwseHaFqlrbNY5IW3VAvnPSr4pum47TEn/PszWilMjw/gW8VjZ5xqV
-w7URTkAck72SR+glVrDjvvV7AOu8rt1gBOfR6jO0x4hoyL315uYFBnX1iEzV/WCu2UMra8zBiCtn
-RKbVQlFB9d6spJJiZHphsoamUjtWzILqBqfOE+uOqsp7Es0yoLKGQu3zv5Gk6/rSfajylsxpw6Lb
-9NPM24t8CZGOSC88DoyKtm1XVN9g983Pk9+mMQWtx2QlaRNmKqtovofGDFjO9+Y0mtYQw1owMDS3
-WSrSHkCyzPbVBAgAr474AZCIRB+vDbpzOi18yO6gWb60xJGwIzFcOI6TK+Z2gyUaRaMt1+zoGPyw
-DZbB9qQtCx9JDjO6ilxVIGpmT+bKo92s634ZjOp+GvzsbaqmLB4Hu3006gZNXW9+wQAs7iqt1VuV
-BQ7Tp8BAmRtmPNHr4EQ6bNEP0yZ763ZkXnHmVqgc8j2K9MMKyrnes06XVMCWkZ3d8AYrUmxDTn3d
-ANtmY+a8Dk1JAAFhga+37xjAbdoxwA57DDy5nzPWQXBffunwEyHHTvNLmdgVvD8ehyVT3tkl2xRd
-YV4y0ZfjtdBm9bnUXfrZ9b1/KJpGn7muMhY4nfHEOTfu4dTS0uJyXp74U3l9+mpKnpnpeXe1tJBF
-sQ4yH/hLHX5DZ2musCbcLQNXMe1WnTIYHIEI/fKKwiz3khOcuVWVzacElIW7Edx4r65gJhkOtBTE
-aHpH8qghQZPCU5+H0enPWdeIh9bApR61skpOlvSyN68yksfJY4rq1/bwo1QeolVRJoeSTg+obQvV
-CPswwBwEAuMAi5CxNnoVmTFPKgL7m7+Ow10xyZZUdzOFIYnfiDRQ3yJoLnIcqnQkRNm8E5OF21eb
-I6h/xnMb2ND+h1vkOdM8t0OgYwT4rIzCBvHcLmn21LcBx0YYsDLakOw9YdsUKntxCxfW802Qflg9
-ZpvbNEEXBoowzX9ZtYQ7a7IqHdRtv+tyNz2qcppMNMoLxlmk88g6+tTGHBbqoli3lW3PxzqtQoyi
-aLY/B6nKK+LxLy3z6lcUU9ir+I8RhU32o3EIFE7mW/gHgd/rHr9G+tg0lDu5dLvn2Zm8vT2Z+aE2
-VufXXBfWz3zw9CtnrX1RciJ+VJcLX7U0wuceXzLqebbMODUZjN1KTtSW8laNIsrzfo3ZMr60qyhf
-ViIA1u1qB31sEqDsxO683NPuU1g75Yl9e/6NxiSFN1ibCa1UxwtddcXjGCy3xB45LvsWHfVLZTbF
-1R/77Mp5SLnnhznQXryP+9EuGU0K4gv2zGfgKgse6bvcmuhvDK1YGLhwdkkUJrE+r0OmROxi/4u6
-81iSm8mW9AsNeqCF2dhdpNaZVVl6A2NRQItAIALi6e+X7L5ibFazmMVsyvonm2SJzMAJP+6f+7yG
-U3rR/c46dL5lv3RGRUirj6qGmaPAs21lPQpWPXEOJxWiaRd3OX/UGYuFjxiJg6atbrY3Q3mbsuFL
-6NBZ6tIBlSzDIXyyzaISlFck45NJz+6zhwPxbhvueMOZ4H/Pw9R96oYGTwbNZJdBdvqFM7BfR3Ag
-P7s5RTug40vDgOnmc6cDqLseVTFIKRKdPXaRaziu32Q1luNKhGP+Kuyqvg0I7XBgVFm8lW5DNbTm
-22SEnNgBPceQDHtFNbaBSt2mvnvj/spqUzlVSPSuaknsdZE6gLWC4Jh3lb9ISikPXmwkF7rk2TSS
-YHivTXzlTdGXh5b+9h2oFuYNS7ZnEWKjK5JYvEB+D07930KoshPmoQ6yklEYfrJS2TBxQvnOua1a
-zXuwr4+1qIi9+4NfriFAlV8pZiak1+qRqXarV2T4AsQ02xTYpPWjICibTpllCxQRP1qFdTTvAiOr
-0QsjTWyzq+tiXRuYFYQ/lJsEDO+Or7k+DI16LH/J0w9FXzONqMk2CfU77Hw91hucL4CrdZvML9DZ
-jee2s5ItYq63IxkLKdAFj4lC13rL9nGnQd3BYEkx8nhB9xl2ESzzZwwy5TqgMPrOvWO4iqnoni3Q
-yswcE57DJozDu11m0XsaWeEffwSpEz0+C4QVVcJSqIt3HlgAfbvW6Xee7cZcD7zoHVcDOMF6VseG
-Fd6qqLn3e7WX7vOB4KfAR7fi7Ml3nBLDCYK62je4RMlu06Gw16YQdPAMPjNHxmC2CelKeDKiwTop
-dA8Eg2m6I2di/lPA/3GEASE8c98rPEbRlO53qkJR7mx7/soUKbhFN4fRofbzkSzFBAv6Yd6n9cpA
-svTacZ/hh/FWod3wJffuYNNEJUqOU5otMB14FftoA1uFZyKQpkqwy+pDdSNtGPg4Cyfz2KcgRRvL
-0fe67vR+tKf4KiLhkc5vS2ro+9zl2gnt38LTjHxAz+KrPYaMlIpzxUUqwWPB4LbILG7RC9QZ916p
-0Ni5AvvDKnW87pqI0aJ6TDtrq+BVDBG1h9UfZMbJ7ulKDoIMlFuviGEpbA4ZiOFA8T13IG3PZW5i
-dQ3jI2tgbkUtCB4GbGSDm+tlxt71CuPipvZX21c6YK+NRsEX5hfPSQQFDC/j9FzH2d02c3upvYR2
-M5YSe5tBde0NaXEE4zq+ZiI1N/Rs+aR0Mtp/g2H8tuOyW5mzKt6jvGXvJehD/qCtGwJQVObDBkFE
-PmLx6GQG2MpNYDruUVu1S0DXkruGFswjGXx8uzlV9XNaTXdZa+x2FHOscsRt1k6mkn+KoiT23STe
-fRYkSzQhnKXtimjdAqbbmHldXee8npaiYjsxaRmYXAoUXgu0kHBTdp6xCX3kuI4V+CNSRLFFFNLd
-mmTGFtrqcJealuqgn+UxSx1utaiPMeAnZ7L/zKmbXyt6w68jSdQlb7hsqw3l87LLVXc1q9a51pHI
-guXsh8Yr1REUSaRkbj5omKJYo6TiZ/E/QpRHMMLlxPpxwCAuHtr2CBPws1AYOxGJGaHrnLRVFPMI
-9AWIrSWQu/zNsifx5HqpffINzbz8/8RauP3dXH5Uv+X/B85CwoGPzNr//Lf/9U9i5/9hLbz+yhgg
-/3t78r/+yL88hcE/XKynpDUIwZmW97AH/tNTGFr/IJlqOkTkPfx8GAv/01No2//w+EVqhoAcWI8/
-9V+ewuAfoWVbD2rhY8wh2/F/YypE7noEJP67hc8PH3gK55FDhg3DPPC/W/gyzUXCpfB9QzM8l18N
-vH9o6XGQlf1qNMH73HenpJPnrpv3nHbsYet+H1Txdszkb05KfNXUBrgmJi065DfDY9tVZbCu6tY9
-TEGv9n1hr6QczuWHqVlqKl6vtN0e2x5Ll6SYkYurPmNW6hEQsmAL8GmX8AZZQC8/IcGAsvXqZwsc
-HAu6ENBTnB/7pj5LkbziSideP8Z31nTZwm/9Q2ZmC0ObsMHH+VOxDCexrjeCpBm4u6BfeqMR32Du
-/5zKiGB0IQr+iPHbcv/EbUJK6W6CxdlkicqOQUXxAw/maUwt0CCZsRsc91ahd13nbudZ2r7DWFkl
-+Kfpg5f7xMI9BLI3WcyTsMl4yKsbNTH00TdYCLjwN6hR2VMcRt8OHFre3VPXYEDzyMTJdqyXJRMz
-3XBkn3K+0blvLBm8w3UF22yl8o9gbDYxfho6Q4gzw9qGlSwK9IPOfLOK4dWJWKaI7r336xevG355
-pXUmFbesXe+ipUp3oWCCUF5vb9kjJBt6KyA/SH/4mFsCM5PehsoefuZJdjVNV29ocWp3kUv1RFLq
-8SJM/9q587ivGT0JlHgmRxRXNJnr51zJ35Y/oAsVEF4dMiYY80JzgxrpnzIJ8UpW4rmlbuMMA+yA
-DFGcESEfZMMwXDqz/25p48PC4brrPI+Ua0Pyrwo6serd+jHbW3sgO+5SFCgR0rS+mqjOXyaIvACk
-kk3JRf7WCE3Wz3UlLP7xmsUIkp1OJhBT2FLIiCYbe0pedMDlYKa3UMQ2Kc3JzQ44QlYl265L57hi
-ASuTrrl6xi80Ns2pEzLeBVi1llhD1jhejCveU0KhAu8LkV3/ibK7ePzBA5QLkBLWOu212M9ho9ej
-2Rhsfr9pgdLrULknZ9TeBkbCzRL1iv05niOUKlQ79C+mQ/Swyjm2if9hRxUuh4SnifuNurcOKLBL
-IeVhxrWWiWtfVcQDoh3uHSGlDckGwgr+fQpEvZXCwbEwM6Gzl5PLR9vrosbAvLYsQlpYPzzQBwnJ
-BOHtZjpKVqNfRKvJ9778QDYbWxPLsCYkcctGtXKM6MuQ3pdZ8bca+AYWskt3iitg1bfl3qriTdwY
-eOFpV4SuvKHR8uCZ9A23wXfYUK40OV8icb6gS1OWt/KUo5bYZC5cKItzzbUe/ORvz8k+6S48RDUL
-V9Pkm6Ha+MmOlzErBhagOTVBv4Yq/4WFsbi1yp2XYcS4YkgemJOZ7+0xGHYpibVorvoDGKX6KBuE
-4K55VoY0V8U88/kJB6mDHu1HBU3yM4nvcdy8oaga+2qeTxbIyI2NOdOmXXEZ1n5L1y6SVorP77nr
-ul+RfsHQ7C9mrAYHYXHxQljxV73vsFZO3GdXDR0NIXZ3tPqSYF/STCduq9u8IYYzuHkO+TiLdpnZ
-/kqE4oJCPhHrBc1mBcm6k26biBg8/6uwGzq1LBQGMT5uKGO0VRXB5Kz6jcL60iRqM9fdvTYSCipN
-e8vr4X0sXnQ5zoSb4X+6xSVrGnH0PSY7e0jnJfls96TiKVqxfsQjGLYh6b3oOy4LeZl19WN0Rb8x
-jQj/r/Y5nKjbYySmw84ko3GY/fnTxx555oYD1Gsa91ZMg/kUOOkliEkpDFVQHCo+Y4SF5KsPilNO
-7e3Skr1xsSc1sm6nB8af6p5TlYJaRtQb8TP67Bq32CbM5dxy+/xixh/eHDcHRU1DC1iW3avGOVha
-WyG98siC5rPtVfHKPXTlPyWJsL5jojiLwhfjrbG89jj0aDK2FY47c0LZdBzuZS5rFoPdypoH7beU
-HlsYHnprA4DQfgw5r8eOryZzBm+tJg9btGHdcMzq09D7L9y4rbV2MnHsB/pY2sbEamWYW86WY2Dm
-R9Pz/K0IQK0WpuJV5oZqiYG92Uis2n0bXpyIVqky9F1qeZJfgcLfhH6n14LsAA8PN95mVfuOaPNT
-OjluVmCtbmf+qmbfRfSjSD5ANTiPJnCx3puctWMdLUfWH5rtxCHFebdNPXVgXX1M+FYyIwbaoUS9
-Vpx3DqW47MKqQ5YO9YWQ/Nr2Z38jmihcKW/w3yTBtU46P2Edjxc9O3cpk5qGHs0jvcp3PZbBTcCh
-dzG12GlMJNdAwINBjgmIySgKHXFEbswAoxPaJO1H+APWec3L5O8HaXOfGkcZ7uiOJKrYej/8JEVw
-wi2yQYCa9xUSxaLt8VzkQzduE1xOppH4L4Nhc2+IjDea2Zg7+njtp3W7wfWoX/UMXmeYxbj++59p
-4bNfDfqA4IMuVvxl7rGbg3dlF/i5RTyikKTox461rszD3A3hIfHG4ZjZZOjMgGTrzE9hBa/lsyoY
-Bai0OAUzEah0/uG7O2F+66rAOoRUvhIRcTGtMbJwI9kWpgUNjQjWwiuL7zbmJuBECU9Kr9oXIfsM
-Ml9PBVJewcI1+8hhorX2mJJerldjYjyliH6PAp45QITLaH3SHIcroYPbbGYramn1qp+nccXpYdAv
-QpSsT/Ies46vyKyd+T6xx4P+vGrS9C2rkuNQFa85fIh+J/v4Sgclzl2hojXW4ucOipiDSO3Lo2eY
-OA3n9NcYjZjOC5byBr8t2u4eWmm+sT66Up56L36did+LmDAVacHhECGWHRzlMOo59Jd29pyfUCDi
-DSfxpWzpxTVs4Aaeabg7mpm3mQ/qvSusm2WSTZkeb8bEdnn9JuPeBjr0ZBtFSIW166zJFg7MRC1n
-7MVKBYiGWLPc6bGbmVaXnoQ1WctI4YQlrwUKLS7UzmO82ISOoKMwGlbYnoOtlLO3Ds2kvACb3Ixq
-/lNMZbHXdHszNpGjbAjjYaniZT93c3QOKv3ma5Tmx2jrkuTah1F76sL8aXZpquSfiijyukd9g+vd
-7NDslSOWTVdla5nV4xHrqLxFw+wt0kfPN9YqueWFYhyLIt3mjv4sQ+lsmiErt+gYMa4Ed+AeHrjo
-vrR3pabxs1aP7GHvIn6E9Wbq3J+ZzyFe0geYhbE6RcJ5Ys9gHLLWbtZtPFnrIprNtVVF09pOx/pg
-Rf7N4df4KVZ70+8ZwPPafCLnGZ7SNKBdJVXBV1LNr7tNynj1bav+U/oM+YGHgQsLpW696cfXbDOe
-2Vb7KeOMQzTvjBfDGYq1Hvmb0+RpKA3kEobnd/wG2IpVa5ytTrMhqmGMj0P8uyxrVIfZfvN61G/T
-g4+NcsM4H4+fKQE8qzfbJ4pNLsC31bk3Jb76om0Wo5Ebp6FLny0n+OaEfDM8p7iyybPhXOX7fDaD
-J16rLLyzsv3lIHeGcdt8Y+0PlnmEZcWXPHK6wblMlUNKoM6NH11GAgWPyKvK8cI3Mkq3nLjmDtex
-sR5QLPt+eJNJNGP5wEIZiNl7dzOu47L3cUuF5q03q/41DNJ6k7gB130WfOyqZQdDx5E7RgQsd2bv
-vKT9bJ9aHDoLuhqcF772SyWT4Fjr9GR2tfM6T7Vze/yXpX371eQUv4kJn1R/KMpwOHUq/wpHx3zK
-ERTwZrXWqhqsKeNV7oM+pK5y8/e3o7icj0ilL0aQDyvpNjFRyim8zlEdXqfayI7gHK65rN4iw7X2
-40SRi+dSMAhuwiVVq8TFRSXehbL5NqdCXP5+8FjUQhm5Ei3jUsVOExpNcyMW0dx8xvAbDrwgeqw/
-/K48zNboPEeNU5+xooixunYUDE1LqOi6zOmFRIY80Hos1w4mjk0mcQ3QnUOiILT6HXFQypO46W0U
-y3FKsZdmRJfi2NnBqrVrlyAM0pRZ8shzsRE91p8vwVTam2mkby3j07767HopnAvhR/b610D9Rtkm
-v+HXMuvhT+3c0T8HbWjdKI1btrb5RtJr+omMb5XUi4tO/W4CeWiygbQn/iS/j1g6S/8rGABM2I+f
-FYLKtzfYxYUnWmSJJ4LpMMvcgzZ4eMcPTIhqXGxJZb+VPhxffDoI/6xjHB9N23WzqwTzTd9PXb+G
-ffHauaLbVKWRrwGhlj/gV+Tp7BwKPcyP3Y17iNr0qno/OLgUlufJ3qDaZBUEOSEi4qAUDdvflYKK
-DAayoIEywvTkKLAyc3CAk/9EhFtABVpKNw2X/RSBELESE6cIvja/GGBK+wUBdQxR0X5oR9i+vo+7
-Mn3modKhwZPvHgW2YzsLcIAQJhnnMNhVEwXTdWDvQrLMV/w02akbuIH77duISPmZmvGnwY/guUtn
-YlA2Dd7Yvc2v2h7eIb4Fz3/Nsz7AGCT6R5tK0r7i46zuSYppxOywJP/9/2Oc35auaH49rkptHVGt
-ltgfzlRxlG+b0o9uqsAjNiHx4nMLzw5jChWt+c4Cdgcs2t3A4yW1QZpmNci3OMBmDm6CHaPL5z+y
-o+V1vMCE779kCN4UpoCW7Ud/h5EiZ6To020nXL5dgaw3vXJY2SOKXvJInNg8jknwGDiri24Zct0g
-zNdpWUwfWYnYXOdSXPwgdZ5ZnO6mc1ap9iLtWV0y5A+ycG7AJUn3lx5Zd+E35GeignyHJtn10hKq
-ecLc7MOnyYXC/tv0NjEC1FIcEM0zT+GncsiqJcDU4QnIDmK8GXCymUlOR1lcHXsM0Vsdpbwn5jFb
-I4O2ayfX80rXgJYEjSLbgEajV7ua3kCFFPd4Mi9jWs3ULM9qLZSeliCtHDQUgf28tbjww47dVz2Z
-IyUokaTOfl+xC7m3HZ7QcjapxWPYWPSGEtupDo0zaDXj7EBtdcMhoAEywUrjxHCYkbson3T1uGkF
-6WeFaW/jKb4hFtNv5rAvUmb6wXscDybpvdp8tmRpr7IKFI/H3ZOTN90CNkggUJf2thrHT52YnwE+
-2BWMlBcFb/LU9t4rT4hsW3X2mYRQuJR+pbYIVLjT0/AJt3B/yPPkGCPF7GNH3yose/jkSbBv3CzB
-HIBN+pD3BZ4Iq27u9FDU99Jtj5661PEs/gCaqSq8upFVlsx/lL/yJQMdzIe037DhXYSR97vw6l0u
-AvphPEVVZ/mCoP6z6+fPaQAcMRb681rG9g/UpK3lYlkr+FkWYpgXOhjZvXGZzZ2IhRkEJB9nyJJP
-/08Xdsky66+kdn8MftXTTz+PG8NNQIRwCaW0zDzB3Evfcg7mlkjtbPRildlTSAboKTZmZ2vm7hfG
-apeAwCWexuIQec2vDuLgpvUTMLF1f/ZZnK6NvvaOuaXZI/apWPcOBS+TW3xZ3mw/Fpn1zuR8Pg0k
-MrvoCgYrvcVGi7enbw66mdqjmVyHqinvdMP6DGc8E0yyT5zu4ubOBv++LdmkOPXbhLqxLloDIDE5
-xlPw+DDgLDz9/c+IDT0O525Ns63axCMrPBGU+xZ56diG017lPKQzDP/HcUi7lZuO3arEsblULWZy
-qi3KbU8LlJcPOTWLlrdm45Ju5opa+EIAWOqLJ3b5/d1WaXLsPIzHDq1iys6jX2CfWdtHb53biR9m
-mm/hwLFpnCvjgDkyv7e5/GAXPJ6kjE44P/yXloJBhMxXsghXVbnzoeyc7DCRDABzVp6sTr0iE8yb
-knTumpOZd1mjsYmJKdmIIknhZuItyMfy0Yo6k4A2nPgJSm+1cT20lbbBQOsq0DyYIvwrgQYyhiI9
-ROTvGJdDF3ansXfM0T7//aUsKJtrbPL36F1WlvriOCXoR1Efgsbsjn3olEsTFoaBF+sM0NK5T+3J
-z+3zENret6ezL6u3OqJcxbjxym6LgBd9UD05rhWRvkGUGbf4Nl27ZcTLO5vWfjsgdAEtgq8lFrZd
-/Ez0B8HXl8eTcxV01QFzEQmLNvvw0vTQ8yzSSfRL2C20mSjMz7GBWbNJP60Glo0iw7qOozUFOukC
-FZY9dYCoF6S/ZDJxOyxZkZJ+r852OGykCYYaoN/yEZOxET0WqhMDL+jmY36DYY7W3Eq1bCwUsoLg
-x6rJBE5lKX80maZH1qVO7sEBtiqUZ+htS8Nx9knZG4tSQ2myEvuPb+XPGKjcrd/XJSoQt5EguqeZ
-1351hUN2qrYI+Mj5Ka6SYC1q7HHa+sLcMR4l2LogTb6a2qsvbZ5PC9qLUb5itr5tYScrbU81O+P+
-h0fw9ZXcY7xtwmBYlnm9cSb/7HoUNku0xUcK/g9srDUdpkhErtNf5mTiDTiI9y71/LUfn7NkLFeZ
-eTTTMTtk3GOWpVlhS7fr6YohbzwOZv+j5273UEScT2cIMM6NK6M2bqMjylMYfnhWP9yDhgLqoiiS
-V3t+dC0rMW6mDENcnL9Vkp6a6psw50mJRjI+Z7wPZ3tH8Tye6DQ7AEgCI2wbT0kAnSetjC+ZhbyJ
-2oiDXIarOgZZx1/5mFHmm1uVP+OkhQ6SVFAhiz/JdIGVusXew4RUVcx+QHWmriVnLrjnxrazG3tr
-WbYOkWD7Sw4D8z6OQNEHnD0z2NRaHnBOJGsztjfYvSKQWE4CGGxMWcwX7s6k5gykUCipdceyBPHN
-Ok5JRSSPV+LYGx8e5i8cej6hCsv/FJhvUF61cdMC7GM7zQc9Up7nTdK4+jnzRCQVR3Jc4n0GtbX2
-GH9WnuaVPyRSLPu0HZaQyV3OYDE8+4kVn/x2FktCu3zbxkStCkubm2J0KzYEoKsd7jlmU+Q3HDY/
-stZ/DypHM8cFATyvoHyNLPWqpjr5aVGekEJmQ/cHOqp09Nrn1h3b0aYepnnP+7y6ZgOIl6gPr8lA
-l3CdVIdR3k7z0m38/N1xsvE6RLi0df/aKxJvkSzzDW6A+lRk8yGPcQbVsm5eeh1tfNUVZ4PL8qrp
-+88+D6tN2UY5meEqPWVe/pmjCjzP4A3Xvks3u+hZNwBe1/sJGvE9NPpxz+qRyY7eXpADZLKhRR4l
-EZSbK4fytRVY7yxt7ZuCeFRTyUtGanQh3aI5yMAaVkYk2IuYVXQaVXJs6dreUbDxWns+NLFK5ZvM
-pNEDo3p1MB93K5Yz4u+16eBIB9dVrW/BtsQ7Q3EDK5EgOUs/RIxHDttWD8RyOTDO+UO1p+Ah92An
-smXJDlZ7pzwcPjBOJrxY9rHm1dua2jz//eBMj2iPfIqi2Tg8AgqkkfbgqQcMsueSMXJLwfedzW1z
-oDb7Pz4kBOCkwObnx+WIe862z2poVrHzkztPejHKNNh6imb2uvPaUzlAmcg52EZuC57J85l4B33w
-QfXOV0XRO/2s/kgLbNtNL6zSuKGEAeyAiauZPz2lTTeeg2IeQGw8on+PES6IynTd83reZ6X00fZJ
-jsxF6SxLqxOHtFUA9xSqRxtYXAo6VFfcG7y/Hi6qquAY0x6ZkNY1g7UfODdgGGo7d1xffJYtnExr
-XaTvim702ziO6U0JfmqNhwsp78/poM0XI3fzJw+cP7IzfR8PuP/fASCXRAmLyP5Bo0uxFxWfDQgH
-rIPzXK+m2fW2Cfets6E15rF6G2aV9ynGeFFHycHLsnOVwRAiaMcoVXdM7qQvV7ydEubQblhaf0YX
-t/Si5+5Ykkg5NpJrtuJOttIpqgDZSZxjWav2CRbRW9khZJki+GEHZC+KgHxtgYi0jseavmjS2cvG
-HMp3TFMo4KPl3qzW+FI2MAvKXXlFiQAu2tBw3fTCW5rE59RKBiaOpL+aSRfQMtmw0Cmt6ZQU8CbD
-CWxdXw1nnSekdAp1LGZ1wFjSXbqBaGKS5eOZ3CMhRe5OSK1sl3hqXxLpI7xMvl7L/DMuyvQemno1
-lG6+Nx3DIpmrMSxkrKog9EPV1u2BN2B3fCCDoXWZ5S6LwKgjmhxKY5xWthh3s2VYizDR6iWqByJP
-Ve6/Ua95mM3W+CZAYPF9IbOEK8Vfx3J+VDjKHEpH1q0bxui9UiRmcNYcs4LkwzQZ7+gh+CL96tOi
-cfbR7pKtsPGylTCLR/mtLPeDCy03mViDzDZlwQEepkWOhY+4uGhXdm/v6SzX+yDLyk1AASBODZ5C
-YU3uJhnUpeokz42oJnuThO3a5t4hqcw8BYPeRglraiibFy8f50OYbl07JUAzK6yEUbqhYosQBiXJ
-H71V4c8PdkaMWwxc3QfOMziuVgPVy/gKI/2GDoivjqksGc03IaKvGhitbpyX7nFVsqxoIkcorfOj
-vjBRb62ff7u+c9RJVl+9UTwMI+6Z7uJhaVhuvesV7RpWRUe1kzPuOHoa+AEM3qka3X1EgPqUFewM
-iyi/tnbYXKHDUQwcq0vDVbOBqfmemjxdKaDm/ehY0VLa47dvWe2z+/gAD5yCZEIkdF5ZZEtG/+jI
-P4n7yDLPzXATYC6XjJDXuNb6IT4I9hZJudUuHdpGYdOq0Fw7vgdnoUwkOCr0YEwcp6IfjuE8JBtg
-/AO87zy55QVvYhyW2Hp1ApNnTsU17G33gIpVbQCiFHBsq4IEjDeAwjC7l3wE0SvCUJ3ShkBKwYNw
-1j6XVVj2nBsIj1yFwB9nPffv7Ckz8vxZSJdZU071e00itaTZ5LMRVKap2CGsSJ0T4fcojjIMrs22
-C0x2C+kyCfxk6zhwaYPixax4uE3VS5j4RKhIfPjBR+c68GlE9dzE9nruseKnGpdYzLJ3EPmH4PVD
-BrxceVHWr+O4OssUZ50UggNHnVEhakhv1qudsWpOxoW25/BixVyCZOfC9EhXBfDoPTEixs/OX2ld
-+qyKtV7TucDVN0J568M83cY4KE+3OcmyW1CmH9UgEd3RxAIIDcDc0D54B+HYF8xEyna3XUpHSFo7
-PwtD2wchYRaFLBCKajwNgXqrkkwsYR38YY45iRyUmY3NrdPtpmdpEFfzA45Qd2tILr/aCA6l3/wA
-y1deKg4Zt8TP9/DuLgunoxM+jCQpCUaWEKDAWBVvTuKcY3PcDmX9atbTBZriLSLERhP2SEoNx1ns
-9Hendd6iykofhlLqMUtGCLLHnyVcf7sBbuDb8WerXXZiMnjNcOuBxnBOSeLIBVfTY9Wyv7awjRce
-Us5K85pEfuFwIZxL9N6bplWIsr5qnfa3Sbb4EQInumJYF8rrn+ORKSkVakWY7oXffiVFYh0MwbIG
-duL4hkPOW2IdFs9OQfVwNXL9q53AX3NnEE+AIFZ5mHMdacZfE8++c5RqeVZ5yRZuItDbd+aHbMrv
-vGOOjiE8rIbIrteQjdpLiit/62ti1aOciFtGvItFZ6orLw55wjZzdhPSOXNmXpB1D/PoeLdEx3ef
-bQgG0SxalpUgDTIYxrrRcFOtvorXVSzLFZfAcu3nVvXkEe0J7egzYkVxm4JwOLi2/CJh+NoNGINN
-17gnzsQTFTsCuIoY1rpLPFU7Tv08+v5zO8RU/85puuZQvpeNeMA4CIC1vcm1JDBvXM54KKmJdaZk
-xWTRvd6R8r+By233E/riosltho0k508WzQs6prmu29/ZDP9pXFaOopvdmlFPLOeDZdVnhvdZWgZU
-xx9RjB40em9Fkp+5+27qqXmWpXrKTLa9gfst0DjG2OcRlY/kvqh/9xLKyMwhOfQ0jJ5SX7MM5vvt
-+KexrZKrNsL6kDvODSawccnMblwBw5VLGSUrJ1TNscNZCujH/CYQNB+tri2WvirwXpji1MeNhbzY
-F1vlsaySOYcQ+aRgUatJcB6Ca/fLB1LYmaJNlVbhajS8VWq3kAnz5CNmvEGR0cWx8NSCsan7MBOD
-GLiiIwE//biz1siNCMeZOqRJCidTUY8uJ7Q3PzKuRq7vmGHDtTWxkbdQApelSMttoIsfZcdzvcTY
-Qme9d2YdBSzL4pEbJ8mz05fnLvQLniEo6roftj1O013QocVMSXlGVPJto7ozJ7Vm9T3bibMxMnGT
-6CU6j3KuBC1iUK+OIZc8K5sxZDTPgUuT2TTZZ3TBge4cbex0yvyd9/zp2vwNoS06uoZ9s1QkjqGW
-/QYIy262Tec4D4PasVsdlh0tIicb9tIx9AhwUwjFbqyYNiQJna0/kivzu8ZnP2dwzUt/Z5NVv6SO
-+Y3bR62J2Lq7Qsh001P6vrG9Ur5hqYeVQeZtJwRM6FGX0Yl4ztr26pLraB2uXW3rvetiY5YiLo4B
-QxkXnXiXPMbcQSO6KLpVDDRCTPsfWJ0Xtojdi+c33sV5fBCRh+Ywl5AJAJBVjmEsYlz4eyJ+wbY3
-/XE3duZwU1Q0SuhPB8voDw7n3CZC9VrxmR7tyUh+05LyzD+CDDBgolBuUz4zq1+y/NIgS8x58jk+
-RPcyD5y3gRov6SY5RXpi/OVhUejd7Kjy0dvLOmTZLpxzTvTzjOJPYLgmAG3wNrvg6HryBZXmviGi
-VcQlvxRlB4jdf5H0fm3CiEcRu3sQDzB0Y9Y9pqXecpwYCxGrZ+gQJ2Niu2364asxE9xnjZQvI2pv
-MMc4/07dme3WraRZ+lUKdc/sIBkc4qIK6D1Ts2XJsnVDSLLFeZ759P1RzqyUtlVSn2z0RQGJBE6m
-j7lJBmP4/7W+RQeh8+jiAgoCmbNt6+4xwj1cD5w2HKPiOxrFNT72b004eIndPiNiJKQTwEpY/Xxx
-YAQOh30CWpFcdZC72ox99+iuAhcYkM2EX2DVg4dm/AqT8Fc2LiezMT4pndDr4IUgXcWJ0Zgli1Ad
-3NXKMTzOLytDLiKuLnVXrQ6OAmmrWJd5O3icM1EUj905Oo7yVKYWNx5TTupVjU2TbSKYA9O8cLsT
-e76jyAyNvinFqrCSJ8w8Y3KO5e2nY2T3ohbXbRE/8Y5PpI80rdcauYmCKxaFeBUNPbxdq612JolE
-NPdQ+oD6z33jDBvrVghOaqlEBUG0IeM9/Mmmmwp4jiLEBvbRhJQtS+DXUOB/YNG69dELzo79NIbT
-mT/7LdtguOgI+eclFZSmpuNkFxi4T2CX1kxqG2fsvuaNxUk0Da41kQ1eQGeScUwb2YnDdeuX80Fz
-plNzxNtQL8qYrklOWWO1i0ERdunW2l4NJ5rrdJfYPdLJz3a9Gq4RtFjnysDPTXAmCAoKn2R+n1Va
-cSlwKZ+UFAEOKum++bTQR9hme/wCLva//DyzvSmOsUQV38ZgosqFKhoCH2E1Km9Xo27vw9xG2BAN
-2npKzEt6qid+np7lBTs1trysS2LYFZF/qmrtwQ2rvV3oPGbbPRsQopsM2dnx61NwFLgc4oadDMrB
-m9QeMFl9R1L91WzEeIkRPQdlKNjeD92K8IX03ikor4bQjZy5RH6tZ9+nsEPRx3l2PTZ0NztI3LVF
-qSE0BDB3Tr373DXMrYZxOCOf+do37B9jZ8VnkrfPCbg/ZYd8UtjDITIzhAFBdeOEFa/aIuuDztIA
-mSFaCmbNQSl2ZyOdNG30m43kLc1de2AF24Yu19ekn657NydxiTOF5aozfvZFkBfPiw3WgoqyHgUU
-XxTuxq6coifhkAyfnQ+SDk8EOBB3s76qLVD5+bd00Yq1wGJpePT7EZH+al5SFTrNKU5qIuIObWH7
-1DkLkqyMPvyCEBdWxxR8EY7Rn+amhcosiuwVek61Q/GYbSyJU7jr+nHtyG7yppAPMsTLVJppwjG2
-N8D2EsPeBb68nquH2UJpphfRekKS+Zh0NxMKAag6+Q26Dwa0/wDti0i7riJwwy3uo5CWA7sUBMkn
-eWhdKY7O11OWhJtWy+tbyvcelr2bGGrDo1FZZ1iJ2+0ggGYkVZRvolYbrgaT+oQl0nPdxu9QgMyg
-RORh3vg+VbnyWOXird8bsGoUZ1w3BC1Of8CCtBYnmzCJvmvEc/BWRrpdZKWkknwkg6XCjY0rMTyb
-s7/R6xYQpczXbgyyGRHDQw6kXfX2vV4paBIR3nGtIKvaALGX2uYuzA0HDSSiUqmT6zmDJMY4RW07
-igGAaWjkKiJDFHzPYiYOa6yo9nRJsQtNAyy1WpgMoQsOAuFdR05Zbk/bHGPySiXGpQD/hrm/icri
-rKFIzeil9pkVN1TjvvY9MiYZMC/RvgTd7XTGduz9nzDTzaYz9uwVnrWBzZ6ghOxKZHk9y+Xahx2D
-F6XuJYV8nLVuGT2AAVSryixpY1WoMgCVjes+V4Rg+ZQ+XF5rkd+C04RGn+4FBbyDHqKQoGvbztA3
-4rb/VZT1zYx/gY2rte7ZOSmOracMlmnVuAcEsKSKkZuJs+WbIpw5GFVF6vOwGThQJiMEGbcYS1Ta
-FeE3OTErMFl4c8k+svS7jImhmPwf7TPAoB91sVA9LOS3YWF/iYjN5fyyyyPt3ogQq1ZiWs7aMAFK
-DkiV7740cG8noEAr9ymTYqB3L9YTYnlg19FFf4FTGis+7ewUFj+5eOB4EJ9+G6zpJK47qBIV/rgm
-t2joJBC/os7T2v5WYBraZWP3EERq5vwj+OKaHygHzc1AJqNrntMJ6z8JINCxILxV7SsClsAykCcu
-lGMfxx5Q6K0y3hOG3bxptjANjE06Oi5wWvQWNFlkaOsbHG90JgVQtSVGyeyLOx8Rl93G3W/bx2/H
-w9Vvt8C/EXR3Be6ybf7j3/VjDrCt8NrQNXFhEzvEii8/91UeghHpxew7ybgHHo8VEe3OMBT1FqwH
-PFjK8ltZJb9ofLFY6NG9hFtZVi65kY39y8k1tXiweHXjrV37DElD/4xUvLDy35gc+H1YG/QXtwVs
-5yNOcWlZlNGzhvQrYCDrxEEGVEo/P7iO7FdDTcRZSLVvZRMD0tJ9gNTQfJ+cRyMuWWp6rNRhSITB
-UA9IBhiR/19MM/8tj5vX9FSUUx2hnPzP/0HWGowtQodq/ZG75n/XXf7wRDviXXb3f/0Fv702Cq+N
-bhkwfU3D0pVlktn222uj9L9ZkhwFSiok8YBY+afVRuHPAWOhLKnb0FoXxHVTdG34H/9u2H+zpSLh
-g3MPf8CW7l+x2uhvs5NcyZehm7ZwhKMrl292CZR79Y1oKizHlKgiz21UARM7rWEBqsxacNZ+gG3T
-gCLj59q1bllRuGlMM9z1PX3DV8/vnW/1bSDXP34G/TClS5v7O4pPpSVPTlhsSK+LsrNGMx4tN64+
-mZ7eTge/ryF1w4BpKmzLcI9u1VfTSP83tLzSB7ezUj//+i28/uuPLEvBMGk1YgXLSzNyz9gmyY2r
-Z9cfX+TtlPGPe7DIiXAILOBBvX1dlUN2SZXElidfamRs97d+be8cFivky37/yWtZ6O3/nKH+fjko
-6lTqlAFY8ui1IPLoG1VGFjtqIFGjsMtbI9XlBRCb8ubjO3vv7VALJi/QQHrFoH97Z42g9SHcxPJ6
-n3oT1b9qLapsJwCirBLdgFqrub+nuP92gXhrMlvuTgkSL7EZcMqX1vHYR+zTIO/upFcXrRfl2jd6
-pA6rDfUrgK43IBDsH7lDIB1I1PyTwfjngGdTJZbPmA9PAal6e7v5rOk9aDUJp0QtIY3jI2wRsf34
-mb6NIfp9gywvksAWm+UY1P+bj1tSYPGJZ5Ueu+hdG2DDND5ZY9+7DdNiaeUaBOgcD5BYTDa2g0h6
-TTHklyMqREBYwSeD/v2LcAqxLWnYuCPe3obThrT7Hc30oBzBV8e34ZZfPn5Sn11i+f9fTYNTDbGv
-IGrdc+uLoG0ex5rN4seXeO9lmERJWS72SIsN0ttLOGOju8EywBEZd3vaXDAk+2CfuZQAfZinLP8c
-xVTzyWX//K6UWIIjlku7Nt/x28s2sy2iIEr5rkaQi3lZtPQBh2TXJID3cqusbrO6Cz8JGP9z3sDR
-bABi4mNmtj0eFjJrEnqShfQIfLlwTVhb6eTFhfjkrb13bxbDmhmD0F9dHs0ZpSokiNPK8uzsCk7X
-zhjlv/CZ2tayRDJNSHn89BJfyLadGXqztUTgVtQAN3lg5k9/fWzgd7UNNqy43v64kRIZdO3m0vOt
-Ox1CO42Ljy/w3vh+fYFlXXk1vhOLrDeaydLDaJDSpaehFcmp/uRpvffaXWfZPvGsTGy9b68izA79
-tslVKoI0r8I8IvOmdEbaf0J4H9/QOxsXRdS5LYkPlCwaL2eRV3ekWeTK1iFzW2sV5YlBrtkPvxoX
-OZvsUrpamU5twsi/RtIFBYdSoibCQsq/lOn7MsMa3CeriDCYn46ncXZ8VWXrtelRyUzwFvhf5t5x
-//rLwwJAL9dxYCtxknn7WJUZVxK6venlTi/v0Zlr3mz6zcnHT/SdIcJOU6e0Y5m2hdrs7VUsu6xD
-UdsGfAuJy8b85oRD+MkAeeeDfXONo2k2GPKpzjOuQc1FW/t2OR2CUdNOx7Z6sEPhmTr6io9v650x
-yVflsjOzJUPz+NOKETEWflgZnt6ZJ71mUg/bfHyFdyb2N1c4+ramFPMwgDXDk6pcvl3bvLArir1N
-kQPLIRd7hTRebkHYptuPr/zeK1sODoZgRwiZ5Ghur4k6bvshN7xksjRwf6AwY71O/oUnqEzd4W+T
-tmQRfjswklSfQ0KALC+MYozh89Cem7h4vdqayk++6vduiOL5wiUwl+L50UgfzFjXyspijRxJrsG1
-/4RcKfjkfb1zEVOwJgr2fexYFpDC67mwCmcKbpljeS22IhCxeruI6D/LV31n3Jk8K8cyl0R1+VKc
-eDU/JX5DUbMXtmfp2CSINXbX1oymPUCr+ckNvXsp1za5GXa09nLAfH1DYl6kZGnheIqw2UBdVgn5
-of0na62pv/vcXl3GeHuZDvhMDxi/82KTYKGVYUKnjzBKRZuW+vmPtPXVGRVmgFd0LOKrprAqioJp
-oBEaRtXc3Uhzbr/XWV/2gL+GZF9TyIhWZg6WACDJkqqMWw0hRZqhmbIltZB1NdrxiV12+iPJcxQ3
-/dle5GRV3+yiGnAgAkxgKeDRaSUBOKhTyO5TWH8pnaT7iknBn7cGat1bZBhLwrhZDKhDJ+zFnV9V
-V2VcOz8GWKLp2hoWCfisDe0jsXPGSZeFBZ0JkAx+lsUZ3GLoTvRaUA7slNLz2zjFx4eBh3UndF10
-A2NDExV/TbTne+0psrVmfjVmmvkjNvzwoR7LaNd1qpzXVpE2OPUcq1fbsaFZR+u2ziB96mAu6VDo
-cbjxlzP3uJy+DTl3cOIbH7tV0zhwsdwBp9rCxRiVgLW49Bp12s3XSYSgkSYSe7p22d0l5DhS27VM
-L3baiT8T1GArCaZ1ZqvfTU7V/ugNPbrRwsb4BhfU/6aHdYkCugeb6RRhd55R8j/URFrAE+QLwSLY
-bgu7JO4xCJ0rJ9Tj21w0CRSZUOHqhngAuLLLaYqZQqbbrLWJ0klmQYAC0qBVQPPjukw1eU7wXXBq
-mZC1w9Fwr6zRJXKdiiQZV6TY4WistKphbBBC9xxGopi3VYBABkicJq/z0JfpHn32/L0IEiD4JeXo
-YpXXfvWEqn7mvab+phmzvKNQXtJ+oT1p3NX6mKLqx1y4grwVUaq1Y3fD0hpEGzOXkgaVjGgDpkKb
-zA34e6DiuAYh25AOP9crvXKzrxSzE5sbLUZ9H0V+gKq1Aaszw71qL6Bvd/rXcCpFka7TTtY00Eoh
-sEemEAaYRDWXHhpDCbeKKdLnNGjryKswf4tLV4+HMqE4aTaKEBkndG80cG9fpyiFhhD0AbBkdP31
-aE+XY2ljdNb97CGcx94rTYbHY+aEvX4J6JuO2MTOfC2XYCrdJ16lJFvrmRA5f90N+Yx5EchpoXU9
-wH7AHTWEwZ3fNdM692W3byI+W80KkMNA7ttV1qItxpqMKhfUqNrAJZuubT7GZDUQIUKPwo7rU2RJ
-7i9mVUl/ImiuE33stvh+EgypYef1MawMlhGkPBSINS/p6MdKkgFOtayklZ9GeIVqCJagCk0QEp06
-B/+CSKzPCF4OKEnNvkqeWh+ZhSvz7C5qUbJj3413c6uaa6tvgktIX8MWcgcndynyB/ifGPj0sXrA
-RVd8D+v0sjBHfwneQJ9qZaF5KFya9kUV2HTtydIkL8ncBTCldqRoPdZN3twrM0iQ7SD/u4fKRaJ7
-3/Q/cZBOmwXXdskPIk64x7aDTKKBwRyjHQF8wUA1hXlZRZp/aqbgap0YviqqKaFtgil27yPHrJ8D
-341/dkQ6Pdf93Ayb9sVRFrtl+h34kjoFBJYBFbPLR6jv1S5qw+DSsLL8bqhlfypK/AK9lfTPfigA
-1aHh2pHKkEMZi8G4k2CzjbDn7/PJqpgGdE2dBPqYe0BxDVImINIUfVNg6/fr4lzKPNhMaaUxNZuJ
-dssFB2Qcjn5hIxHdNpURbRUu3SeQpKMnOhctLDwVklEBlre6BKNgcszrZ2fcFDX4TAPG4s++i6ed
-IDBqUbYlOY4fimJpL8jnoRf6o0x1cVulQv9S0pITRFJVwxVFuuikQmPrGY4VXDg2ksx0MOadW1na
-r3xOg6e/vIkyxatl7Wg74DYNUwJYcq9m2dRqtvHKhun58UVwBLM6vi2lqTeXWVbXV/sBjegN1PBc
-xugjY1jnbaBOXLOA80d+hrXyTWrI6zHrEVijKBhvVWj+XgtfcmF9ZMGYLVDk0ytAzpIPsRZsq8xp
-T6xZxfnKych8IZ2KnjmascRZlxy9PTY6cEVnSbNMau3PIXXEedtnOCBCVuWgl/S3ePTB/aKFgyyp
-QKdFWpl9sTVj+uYGybyHAVRcDObg77Ehk5ScAVQ5BWjpXykqFqcmatyvbgjEBU3yhFRliPxtSYDv
-tjDiHmO3qT2SptVBiJhS/DRGEHmDNjRPpaDfOmcGZuwE0wTGJg0Lbm9VOpZ/cA/uIQ/7YonlsMxG
-37CXTi475kLw00aGSbz2Szv/WWbdgMEVBzdyKbJnQ226N9MgjiGgFd0ARa2oAbSPIsMZJILGS3RN
-knsdAhRBLeG0VnIIS2kbazPKU5jMFbkIsPZshI0EkG/cakyeCrJnPNEifjOnOLO24MubR4ipxk4Y
-sAdJB/S3Tm2hAu4o6q2Jx7VxZ4X6qdDy7ksGwvhU2gAbHDuO9ibukvOhl9Neycy5GWy/PGUPU+0b
-A3lTmncVQTkWGXkT0XAGleyfWqPZh3kKS0+jvLOdZqTMcmahGvuGhGytvvC1caCd5vhr3dIHQBr6
-M/1Q4w65xnSqjaN5Xr8shuCM1CZeVshsWSsppxndnh1B6CIr1F9y7mvrmnQTVlq2BwAW1Gzoz+XL
-WpxWQWMhBFvWaDEkCCrGnpbBGrGZf55MneMNmemPn5wY39t08jEpTlBUMP84vilS9eagRdOBv/kw
-ASmOneqTb/O97bMuXcRfHDz0P05R8wS8ABO27ZHbXK2B+dwpBypt60jtkyu9ezOWJVwFjc1R7tFJ
-asolggNCDbywJiiH0imvuXH/+jnekSanAA68lEeOCyOAYYtG5+17+OLKczeaA6B7kQlo+eMp7Z3H
-5vxua9G5hGB1dPj07QiZEOBiryqcG3jzw0aUbA9M5ve/Xk10kOHpJqcpDjjHrQE2ucQkabnuUfs1
-vFJH6zHazQZpZPvJaHvnKO8QEeTSNOas+0cTIpBzi6OvEB7jpdmSkYJLZlJfu3ncR7FlrCYUHasZ
-J8O/dF2K25zg+IaPj6R8hhbxKp3wZC5tUipidTGMgzEBJ0j127ABhb5G2zZ+CaGs3n38Ht9ZmFyT
-4j3tRGmDQD0alH6oo8XFgU0ETpOVX4aZrFjoPn2xz4uhXiJ0sLDstF59+jm8M4JcajIW1hwqrH80
-5BCOdJnVGZNXIKK39gVukGKXmWG/Iy3zk7t891rKFYbLEY1a3dFdIpFCPpEMk2ebdXNCaE+8pugr
-t3PYXn78PN/5yKnVE0FM0QA6z/F34RDGk09VzC4pjM77Jl2zUd/8P13COhIOYP0YnXCKRq9X51qX
-nFbF8MlNvDcoXt2EdVRSYHbxZdMmozda8CtQpJBjxG68+GTcv/dWlsYU7SND52EdzSEGnNHBBZTk
-TbVTn48Ime4mcFKXkIyD24+f2buXot5juQwB15BHdzTMs1PWfjJh/VOoSuds1si817HGkB/y9eNr
-LT/7aK/nUpWjue/obAFe9oKv9nqcaEPXmpvRI4UayzwWiGxr2TMlClKZ8hNzynGUZihW9nK2UXZU
-4Th9Ukn7o1FMQwRxiaCKxqzJb3i73TTYRqeSNFmIRn40ri1L63YFjoXzMbSTH3ZSFNEng/LdK7qW
-cOhi0G067m9ladOhxhk6rxmVdk7iIzbZpG+mC2iGjcHhXjx9/JT/+NCos1AntOkZs/7wd7+9xQ4U
-QB4WfedlBFe7BElY2fRJef+PQbNcAtopL1O63NnR+DSpWAVsXjvPztl2tLI4hxntFW3w7eNbeefZ
-6RQ7sEEJbkkc1z1JpuhT3ak7qiHuwXCbSw2aFBm3e990Dh9f6p2nhmqE/QENrRdZ1NunpoqqJK+d
-A2PaRgmrG3Q6BUb/X7iI0nVj6T2b9nHJGJtLAil74lQ6C1D6iT7FBzOS6q9uDJa2n6RfYSyFffpB
-b++FtmacTYDEvbDpSsBEmUbWxECIwR3l3SH7ZIBbxvGsyB25thAu5XaisvmHt9cjObsKY5JksDo2
-fbvx9QFSdBsV0yWRMebtUFD1L5siSggzK2zCIQL9OzDt/CavtMWskuo/oWereJ3JtKeSUup2ukta
-C420AXNlVeuD3WJHoXiyGsSw+Kkcn5wGA1UMvEwoaB5WXHe4HGXKsabASPut4bx+rWJRg3MpidfC
-MBPN7jkpegm4JGQhA0WHeiXwosAIWNwf5NhRlVzjTKWk45S9qta5avDtD6TLEF8ceSWxaJui1H5a
-LVkzYz1xPDP78WCNCJTV1CM/I8weXSn6+0D57bchIyxyJcVM4VTHpcMZRcJs5EyZ68CiCjnDNxjU
-PB1cu9YopJIB0yPWVItt3whm0zkPGiM46IHChqWjjtg1DWqgNEBOudZSDeh/Cd5WA/59mk2NeRVP
-TXTScsRbVcO0nc062UWA/Ai6q8gWRijcHIimsM6irC6v3FrHna3h1e9NF0h9QPbeUAz+OhBTS8Ca
-PV25uKTXnCudW0QgEEFY/7yUjul6SOjJryMIlfdmwF9YdwWp7K0fGNeAz90bqsP2gcYfzw8nI/b4
-yQD5Tuj1SVUTFtvEkw1doLWvesfUHgajsr+FKT7cYdC6LRCI6QvsqfqZibO7UEh+oxODqKef0vaJ
-smfJDVT+M51k+T2V0HrQTLNz5ejYW3ilSvypeHYbTsmtD/DjqzMFUQ9tjFP1oBvg0oTos/vS6nT9
-ZOwUqidBfTDcmFEJYi8kKyI6cZZTvjYG8wPnxsghCa0yfeBRciJEfowwYDYvZQV7qTDIl2JD+VJ3
-0PRQLASM5Hp4qUkwwKhPqH6pVSQpWO+1+1LDqIppvB1eKhvQM2fOjfXccdDyp+AiW8ogNkEaQMuk
-C22krOfvkq/9F4+5O4SU9dl1m8jWMV8gjE9iQuyKzLCuumnwK0CZkTtuh07Pv9kW8FZ0/pKYV7u7
-DmKlvneNqd/YZhGfdPBZz2ctAbplQj/7yvQAUDRzp1OdysPaxccKcQzt7YntDv0p5/O2XNlJ1RGV
-iftqmbn3aWEGRDVOw3Ag1rk41bOh8qxQorBN0GOtA3ASX3qJvagvO5TWSdcY8YbQHousvmm8r80J
-Gps/dhWq6dzNHrSy607zKbPVKg3LHksiUb1E2FPzFas4AyzILmHQqcmh176OdF89lE013uhyzM9i
-Km7UAPKFFznnunUYB5Xixw8nmIEiNcA/knb3JYosuK+mNfUEDkk7xK0X4cs/yLGd7gX+i4tBMOBX
-Wu5jGsgEDC4oAtW57DjRabYZ/4zho0RrATTjToeyTJ+lRKdy49giPDOanDR7afI3g+Sva+zIWGZ/
-IKTOvpajqG9FDdZ9V/YyCzdxUed7rUy4uSir0md6YvkPgFvgQgofrP2KoPA5WDdmJ+btKIfwkTQx
-gLtF66j71CqspzRxmnmhqcLSBaUdlTjAHAdKCB3KHw7CcqYCgIv9AQooMJUW/r5Fg/kWj0p4BYHa
-faRu3351e6tMtwXS4HRt1pllbKswic8jzp4LCSYMhnUWzP6069i1YPWxMBJHfSPJZy6zeTM6jfox
-zqn23HYyj+Hr2QLBLnMJ4vbUxJ8M5/THHJrmY6A1pGDLmH/jJIfWfZ3zRaldEjqBlyCtk5BJAuIH
-E1tv7XUCZsbztT4hrymL3CcrJSBmreVsHzUZ9td6rYeXKnHxPrRaM7LMhHMLuCJWlyQjKLBnRn4h
-Z8znC6qk3eYG+4AtEc8GHUjSPaJt5mLyXlNMjx9qqQ17aENA+2JaYIj/dVYtJuzFO8bwxDatmY27
-qmEvIUZ3oG2v4CO3MMAngtOAfpEhIKMsMklHyOp8G48RTqoqn+yJPIRyPFAIy/KNkXT+TY59+T6p
-CoIoorBK5yV0lWbIAImBlvkMnmFjgLz54YIkoZVmNN87aIbPYyDcbKO1DvwMurbBNx0NIu7otIrz
-jd9plnbWdJ2m1lQ5KtbMOs4Xb4AW+edzB6NlozqtX1xjtMxyFdaXiV7h+BogmvrANZswXGPhFNTs
-amFeVKm/VEpHM/UCeyjVfu4UyVCGQdn2stLTqdvMMqdATDmUiIcpr70OoNCF0JNxNShnylayloOi
-j1Sy3sNkhBOqKm28ykwj3Otj1nxDWNj+DOiBkRXpj8TmNV0K+WriI3yg49SvugLo9BoxZgUzjSrs
-akQlfjoH8fQtGOJUp3UKEBlvRolg3izDoaEpgeUabVKGgTMAl7vRHLcCT9m1N9ICgLiR/lhgYU7N
-HOs54ZinZIguyS9y3AM/xOsm68g8UFvnL6NAFmzbFjYXqWjLbFRGgnYYkyQRZ06dF7som4dpXSZ1
-0wN409iljpWcDrlwinkFv77cQmUCCsoiM2xqkWJMKas2eAJtap42rovMkbIqiByV20W7zojaPPhj
-YiVrIAcCY5SM9WptjqUsT/SpK+cNvdfpvlRsIkQXZ7cjuSS/rGRwPdjQ+Z1lJeE3PBX6g2k46e0g
-NMgtulxIiBP2iq4pdzOF2GdXL4t8U7opaJnUT3CFuRSPH3vG90kQdg0xp4DL+PId60k6QYNrS5XW
-jdPX8wkAItMb24GgOmI+xUU6BHLD11pdQgeMllYKUdJUf+OEkPLSAFVt1teOwmDplGz51kHTdDuL
-DO6fOEarx9m1HJo1Igell8jxJuvGjiZWWN/Xqc1MzzSbsLQKC2eaqu4Mm7pt70b9nl4OjDbYTPll
-oQAcwwaILY6VvUG7Dh7crZab6trCB31RVkN54HcjZMxQQ9yHnVkc6KpHyb6PJEbjWU/Oaj0rflFf
-oiVQgvfBPWRb4flUu8atrGt1FuRW9FQlzbDvk1RdslMpHttxxtCVTjMwRiP0o8Oimzvr7GBaGkzp
-fWwO+XmYQ08wVIrxrHDzbkMaqlq/HDL+1xv9bvMScfFfToKjf/zP/zv7wU2R8Z//AbkeHGZ1zqD/
-fa7HHZStf1v9yoOH9HW4x9//vb8bDsTfBMpwWxpKIpZFmPsPw4Fr/W0pSbmUNmFzvDEcOH9DYuYI
-xgznqEVn9k/DweJS4FiKsM9xGZfS+EuGA4Mz0j9rIw4lRqqNFDpNKj4OtZ+jMxRFdeLfEI3uYdP8
-YFt97khxM9okPsUlUH+feEKtWBvThabIhRiLr0Ul9q8e2dXvi702Br3Ux45+Axs2A7mCuxwfj403
-sTH6yIOUs6+NdN6Vlnp2aIzlEgZThYJjo576wddWDbsByAT2jmkbyOp25OSzIciPoMXKPUymtQUs
-bW7beWBDEyzJpeFsYZOs2aa7pkfLR1+jq7qcyvQZkSKsLg5ALbm567rlJATmc1OSH1XRiqPhFJIh
-nx1yHeeyHmHGnGv+C+et6UO3N/JxC+SHy9QZhQHUDhoJijty6q4kZzQ2lcDZJo9Xy8lGao8fP7B3
-nFSupNfkSlS9Bgav5aW+KmippiH6dsrcveXLm7k/DTW2Ook4iDZWqyKnM6NNPRqaYJnP/BVejnIb
-EiDBOpaflQrPo1DpgWyG00FE95/8uOWUf/w2l+6oEAaeGcM6+nGJC3l0jDt374qO9Ndy2jLh7Fwj
-fNIH98aiKbhmj4/TtGowLvMTtUC7+fg3vC34vQxqyQNCzW8ugjK11HdePR+HkQE/NyaWtrAOrEx3
-Y4pxuq/FnayTKzjbyG2Fv827JPs9Cb6ZA1+P5bcliZcrLzIZk8GMAJDv5u2VifLWxRi7iq4v0huR
-yRUbw7vRHYlYTCs2EoT6fXyvb2tiL1ekKLYorm3B52scFZ8Nnz3UYPlQwULwL1UycchPu+s+iz6p
-773zUBc3kM6B1rFcqsRvb83SZp708pU6bvpEXMwm0+LnltHXE7wBuhMEhe6ROvLx7R0Ji/9+f5yd
-KFxJSyDUf3vZEUACNGbp7LXMedId8zKd0pNgKuHdWd9RaZ9jAadSQCbvyMn/44s7TLPHY5kyFv0n
-/DY4Hdyj1xnpLtt3J3D2MnQu+MpgKJVmRa4bSq7GHvyTAUSZtpz6FTCfMRIHzqnRvhZnormNIoCE
-XeLuAkN+jbVkxlU83vU6GUY1IoP9y5+vCOtco1QA9JkQD0bKt4ScuwFcGm+V9HRyl/dxz5YlVOQB
-UeCp7QiMvSbTXdVH5MbNTbiGtHTHYdrYlrZ8JDvjArJ3smtROKxtPVk76I/WVLSKU98Eycfu6xCo
-flrhOAYlkuim5xfuyprwwQoh6pUxZo9FahKnO6UQBqv5atRHOK+NgV5yrk8Qmma7vANDTFg558iI
-ybLIq01QCiCaJp80PnrC4JZ4cMPRtwi2vyOW64A4j+h9Cj395D29SCqP5hyFq4bFlOLwn5/dkKPh
-sKbIgSKWPEOuLCE2WczO1mkGxjkz+iu7s3+4U3LPUfy5N8Y9EKkDiVYnU1JcdSo9K4ryysgmwQqj
-QzAuNogNv0XqFwKJ50quCUKMqHY4IOz9weKc5a7nnj+NgobCz5SsZye/+njwvTvyFes7IV505cgE
-eTvy63iSOWltnHuq4kTnXN/38Mrturus5uSCHNZoIjCukLpE/GltPr768pe/faI0LNh4MCHRovtj
-5Idl2AwqVu5eFkAMCudKU8lVVdo3pFHd27k4D8ug+WTyZB4x37ks1WO6NOyVHOrib++5ggWkOUbD
-B8ceettkzXke9Tt+CKlNVXZfq+GuqeGUE1VX8j44mEzEZR0Mc9hS6LkAfA0/DDhvMaXTyuyCc52o
-ZC0/EwgyV/FUUQUOWJoxyaxMznzkeyOPdQU4SFKFFuP5XpOogomiBmlrWxcadHbAWiFXzM2TIMlv
-2gbQKgUlEFQgYpDCpuRtoLMUBXXOanDWAkpLMsYEIZM5U07FmV9qN0j8b+a52cdd9IziFud4GKpV
-XPfXuNhXWZz0lMvHu7nKNeQ21yDnn6KeI1MqnmLtoOnaztLyXdcxQ+C/WpOrhYU79GiBNHuB6Rz/
-+6HI632qINwSeA7vOAfwkhOeA9wQBcvZsuuh+LvSa58KyEAB2x5AG9FpAQzGotHkPjkt42Nqgyid
-3fIsh5K1CgaKF+xyvlSDfbfsZOpyDNd1nd5ngWQNV3TCy+DOGEZKMiIj32MUsL0eiob/ARDpPWXr
-RxCG1/WQHPDheyOEcB70L+JiSVd1CP0SgcVGqobX0X9HtAcu0JQrsg7PMmruK2K9KUmH2f2gxng3
-raqoB85KC9eXcls0/V3WVxGlPvZ9wDEql+CNJk+fyRDe6WG37UZg3e2h7XmfFN6e/g9J57XcunJt
-0S9CFXJ4RWAQSYnKOnpBaSsgp0YDaODr76Dvg10u+3hLmwS6V5hzzK2cngPS60YD6CUxo09ux08T
-KT9kVU5kACEOLbt+I39uiKBJLqZn8c/Vf9sMVi6b9xZgY6MPCOxptx2ai/PkCAPcOLCEthj2abGi
-nk79l1RxnphuvFTTBHxWxKtQtzgdyLkkZHzAnTxkGQfIUPHzbcGj1KRyb7I3SPLM+zIG5ictJSmK
-Wflv1LodB3MRZilsprJ3WKu8qFEiZlJlXBv9GPakkrUFf6CA10k58IJ1hTVxFohdtVTfo3eD9IIS
-0e3uqqR5G7uqhQeQ/4esJ77j9UcDMtmP012mXABWm0765bDEW1+C/+mJVWv5nvwhuKKYhIuxdDvp
-ZyiQTNHFC6bJIONVQO28xKkv+KIYjSNWcN85SIuEROgqVtN0Mc4OjF3wOyugeyjyyBF+80YGoeFw
-bxQ67685a6duGov94pb/VdxbvHsNy4g2P7AhKdLZASLh+wcCioawZmgTmjJ7vT0xBrFK1pibYeF5
-790C3qUnUyxKJ90MEZKcPE0nv5NY4cRJIaH3rnXQadxCZ5DvBCyC5vXgVWYVg/qgiMZZ21XCKJLa
-1ByCtKFICxNsS7ZmP5pV9lFA1YJQLTBhAlQnrVSxWWtBmLs54YC3G5UTHDZo4IdE7qShBTwWNVn1
-vAz2vzFnOCdTiBcOQlFjqvdla+cRM1vaEcf/xbwSSkHrotfGoyh5m5Dhk1BRtCz+0xu7nweYUhMe
-QUE2n+bwIvX91ZVU+eiJ+WkmJUVqFQfDI/Y9ryDiFUZxyArgw6UR2Y0W6pOCuUiWK7Pi/q1wGbHA
-89OioB+uuj/ovIrlX8ODnLfLO9Fi3+nUX5v6hvTUm+s89mct06ubyB6KBVgb6dShYFbXr/saPDB0
-w+2I0mSEj9gucd9S/upVHg1SAvpb5KHTtfemAv48KuCg/Bolf2mz72m2bndro7HZylo6mbrpTy4v
-pJsOJ9UYH2K6QWE37V/f883UCwVTBx1QDBYbJ37XiQFq5PisrtYeur5cx3AugeAujdwNwgDTB+17
-McTbjfSw36qORmF9txSvYpsNI8axeY9Gck8HlXG8dX048ZKASHTdhAUdNRps96UCxiMIetcK9JLj
-7DYh2mA/7laS1IOx/hAQjMPUgx1jr+2ny7xWd0YNSlVzo9xU9zwwTyQHIKYk1Z3wpUPrj3RDpfmi
-ZSOrF8q15XZKjfxbFvCBAMz+Bv8eJAu8xQalOc6F7z6gm1kUJBZz6nf/e0i4mFCPQt7pR/2Q9vZ+
-0teHuWAAdEto7+fZj82ufKRN0rgOV7TeeKScWzyKPSSa0ZztQI5RcITzfW81JLykXLYpRRbFDyrt
-QcW6BWMMtolZiQcXipkqncgvOE0n9MdVxVhO37y3AOXqrG3hGtQP+mIYl95kJrsOhjh2M3PfrJvc
-ZFPrs1ZzOhg9vG8NlGIEeXGBI2m8t7e4lrlofggDfrKD9mu18v/ashbwlSDKl4jiNZNliWt2X4Rg
-cxNL9okjXjyWwE/WDP7VMporJcVl8+Zv1KTwYJVxMRftXa9AQ2bufGytJw1nR1yOXJksBEERbc8N
-k8wYkGORZNnZb3nzWDdcAc7U4cDMDtNKwFFa7uwbRtPl29wtJJNOaohHYl5DwJoX2WWxqkg1qThC
-/nfFzjMP2DBsfIHDBgwquLGA2sNIfAcniC52XcYCJSPRUys582373LYgkwOQSrUJSY2R48G8neie
-lsLNMXjE5GqFoKS1fSU4IvDMwHLUZtIBmYovKHqd3A1OgH/P9nbf6RLGjWcfANGSOyn8sO0DcV4X
-Gf9/BTPzi/YZGNdN8ZexO3E36/2zfVvPOuty2ozxo5z5KMqCv4djPdcgPgmWSH2G4NCD7WJ66DTj
-tGEPj9yNyBu371lSqPSkbP7oqUt/dWk8IbP/y6yOwqHkpPV7+T4r6mrXfiB/55xX/HlFMadRcAO9
-Gx39jZXzU+2meRaddnbs7CtjeHblJ6YL6cipRTRLC513BgLI42UCvNOIcneL195FQurIPt+bkbb4
-/b3fW+8j31lcimmM6qw5LFrWPE2ZCR7bhYZZ2CBVR+/ogTy7WtKAB6Z12X4Y8u6oFUbOykFoYeOr
-f7Mg/2FhmrxrWgwMdTnsSQ6RbCmr935mdqW1t7jZHLa0sdaHxtaq2CzB0pfVZ39fVmRVa9365szU
-jP8bruk11/0Io5XGMOM1W+SeOfIDPdveXzQHWVn7YQxaec28/r6233NGUneyAVdQ4P+y2XAWy2jF
-fkXvt6nhvjaGHMn5XeUWz5uRE7kmc/1gm+WRlhlckelfkGabEYwRYsKVfDAbkJZplx/5pjdC5ag4
-PeXuLGNe9/Ogy7s5ZSAI4HeiXeIwryhv3Srx8hqUFwLo1MPMid3I3GtuUFN79VZCpUkwaf1TgC1l
-qdnU+6oM9u4wvVf4VhBkAQIiVJBpDJv1K2/cHizctBPVsl90b2ekxhXynRHzJfxq/paMiB92DFZ6
-BNYkb/TrtbK79wmNaOVv2o38ZSVjEMhIFTuqlpnUBlTwOPFi28TKbTWCcsub43ExiVNV8lHa7TW3
-VknpWrHVdt43azv1jvWbFrcx4QVEOsJ4Z4TBHozXlcqGfJwbiCVaQM5FAUmTkW5hM5v41Z0yi0GX
-M3KDO2dTPx095MxhZooswXT34DCwj9kkJ6bmI1wnn2f8G+mmYqOltetuWECRWzJEcponw6oeG5GB
-4srPlihnIhlw2K2IHJZ6dQmDKDm0oLGPGaEJk1UfxPYmfOleOm2oIhksTP17LzGXC0qVwyh5GnW7
-T3eCiEM5q0QPVjx4g33QSufNpbFGCWC8khd/sP3131a61HQGbER/7kWEdOU8Lfrv4r5I10qPbmGT
-E5YxC2hYJGMmk1XT79pannJrG4gUeEwR9sVg8P7VkmWzPhKZ6UGcbG3aaUNoZytt6Zy0q8XqKjJ0
-jlC72+5QAb/pHZ2Hl/EpbcUOk+ZbZQNPRsRElz294cOYY8sZb9EP/Nc87huzGCjJWl6c0gxhZF3g
-p3MM/bLpcfvjqz5nb59fDKDoxB49Yi1ksaJIWoYXR1paYjmTferBK3osUixMiZSn4rq56ryOaQXJ
-UXtZHT+kJYZi6QxeHPTmz0CaTFiZ6Rm2rxdZgTVHckgCDT4306qbeW07mUN3xCyDVK1+xifF1jdP
-H725eFmKk5fOjLPH534wp8TwSwPZxOeSAZueW28n+immAmHAYGQvN9pffoMepgVOksnXfp2h+dY0
-cc5ht1N7Pfn49WhX4FkPTv5ldLenJ8jBY/blMw1B0roklwXtGFV5waE1dYDu/QaofQqursDo5bMk
-guPbgszbJFG5mRk7PWG0/URxaxbkQw/cCeUkwrEvmgRbzBybQfcyZ+rZNvxHZzC1xJHBPXtfBEL2
-BHQypSW6lWULwHykPUcYG48Ah55LPprIKidqrLM1yw9nhtvN28ZAaigFvZS7a8VixLAkfx0380JP
-o8TZRhJOzHZIeTkYw5N656Kfep0MwpJvLWugtsd29H6xDSEBML3LoOvsFR32sSLb66l/Qd8y2Qzf
-CnsZdsaaxZ7ECmkQci2N5WOdDsvNMYY8gqg9fI9pTVK2SQFCnZmCDQun3//9Dzhb+lih/toZjfdU
-K83fG7m/UtfRhuVpHtAq8J867bAVD2M2TwSQZse5APRMWw8xt/gruwa8aSkftRT3p/qnoOEmHCSM
-KMSJWgRSuEaHb47rTy9xCuglfGyJPCMsbcSVaLXilnOO+DYTFaS+8EVOeyIvyZoi8mPW4n7o6HE3
-68fucplYsv3wZlK41/xUs3bnmItZIo9A35sfIzjKfqmimewWvexJCVjJ2p7vdQYNYeP1BImhc2IC
-+YblkNVmw2NlVlmKWOBNzLyEGiD1wgyNZv211Zp0jcZc0PaeBrv9Ydmzt2bjBX20DNdRfJSe9m/I
-l33jTkeiNiN2yzgjC5LeCA0D55xXIS6aZxCjDwOlu0AsQQclaeT4veKAHDgl0GmRWhSakUGLQkkr
-DihZrkgcHuyhuR322HOUuZfDhcgJHUI4jX3vFVebDZFMVbpfWvqjaj24GlFiJNYJ3rKZv4SClx64
-kZj6gH74D9kSYEULwr4zAVCu6zu6ZUilBuDfMZBNIpgNSBN2x1qX3UHly+8oViiSRnXccp5Ci9BC
-lE7rpcafFfGVVOEgnFvKiAoA5R55X97JIoJO1a2PQKS53GG0LqwJBnH2cjQ8rplxV9obWloCdgLm
-TVwTmZSMJIZD5beHblwes0InL97nAV2HI0vqB+HdxpiSbKcFPWD5ATH61cg1ILuH3ldXCSEY+wLF
-4GSX73AsE4/Hx+6ck+zIxPB6j4ZwMiB7Gl9LuThhBcqTn9h8p0gjO4urnay17ylnVQ3wfakg4Mrp
-m91BmI4Gb5MU39hU95KXOBrdwmcHPzN8A9q8OPTkuQGnVNVlPKK4ZKQxlbG/lXXkieYf5KzI7Tb8
-i0v3ixqvIBOAGuymM1RbQMdb0PP7t8RIG9L6aBOvi/GRIrLMosHTP2QTPPmb7keicugo0ltmpJfG
-jqN20MjRqgFCjxe3f7f6/1g24MYznYxBVfZdtrA/ETw8KCOlh8D57bpY+np3V5RbQrwLU6YCfuXg
-OXeIuQVfIN/1ANoYbpD9PQlOJleRTRPUcT9XwZ3Vu3psFkpwdm7HcWweAhtPL0VeyCwv6T3/gm2G
-SEX5CGaB3L+BrF9Pfgbfa/rMh7Xt5TLHTjp9T09GvTFByjjfRWsTQ1IhP8Q2N1ZIPMalpdtbggrw
-bXsfyPaaGnZG+Pl8zoT9ODj38Dj1Vuwkmm14TTWSjsznsh3Ar5NL0WEF5TdCncj9+zHV1aMFkiFB
-rPZZbLhO2g2PzYxMUJlf5kjmRlu1RPe0M13OePDWsUtyZGxlY0LXlM5pQl2Lyih4HGaSBXRCohEi
-PoJansMeycveWouPmtHYHnZzEUldfy+7D1LWAzp6+jk2SKwxL7NZrXfcIQm6OrCxfkcgwi07Vjpc
-DEFP4zxadLx6duyess66aCsboK6qK4gO3mchig70c/Dio2g6Lx03VrnqB5inOpdgDrJl5478RGlQ
-z7KU3m9QgE5mRh5kTtE8KwvOsqYeUbuQ5V7V926hJ4GqX9Bg2Y8BP5pgbI2cla7fMx2NYLtiyKzJ
-ZU6HOiY20sZmwlu2wBEK1aLyZC2NPhxRGnPM5S0z38wpP1Nf2seqHWN9SPessEgxL3U7NvK8S2pV
-v+bTtcztYqdNjUyqbUD3FbgDzQied1eh4GAJ3McYqP68Sr8oS1D79v63qWXqTbag8V2O+cRn8kgc
-tWRllTXdrrQJNmAOcxm0bTh2dfbZECmelDTLjWZCZVe4CIXNghg7fTiV/hrbk9HHNQjqU6vrZ8eb
-1hN1vX8cvZsqs/1iFXRw2t5/HeA5GHo+HWDHFVHFWB47ms8Jv2nZwS/hOQ+IZhpbRBgXjjQSzBWg
-vu7KdeUH6CCsFyPzX4KUJGJ9vI0hWy+ugN8ThlVYYY0o4jAp66dAFHYYLedi6fJeu69mDW2NPv8U
-izCxJPppsrUPXj/dk9aWR1Np8myM6XAuaHRpBG/h6T0HaaVoVNsbPBmk7FC/6+nErNjpXbIvSkSz
-jhcFmfkzsvVY7BV5H3ZS7HyM90lcs8dEWNUd22svwqO2xvhvh/1kmZd6ORk4vQ03HZOKtMWuk69m
-JsSdpzwWZJNAmEaYFCX0XsB/CIfR7XcezcK6qadtrImcC3TFJMijzvVu2AmAzXJ+0bF0kEpe/rkb
-eZManLCIuRULg2ZiCuPsSFQk8MrBNIxZ6GxWW7TiZT4Guf6EzfWwNHmWpOg/IyJ1wmHV2WwI66mt
-nE+D1dchs75sSd+cB2ncmiRKoIcCM82YXxiISm+9n2Z0/02u/CghCbSpIWPCe4kTER+mL19L3UGf
-XTQxV8mHCjiQRsVAFnRGF0+yGxJbZtyuNpN4j31n22lVAnE8Zl76nE806wYXMdflEY69DXN3elqU
-rZgaV+/KbSUGTcJhcNwdKDUHNVbI2uFMYwN0F/fCApBFRqrtCM/+Sz0vOzHyPru8DjuWJVU0Vc7v
-smYvWG3IYCie8gwaAyzFNkZN3iHJHSspGEnn/1im71SD3qQVlhZ2ktkXaoYqmeryeamZ96GZHm5o
-8/9Qrf2keqFFm9SMxCvay9CdZuxu0UpFeMBemkfEdFURq8uvwRtfbwaNyLR1mHNkFwZEEazCXfeO
-Ima243Ec/U/lPKABjDo++zhv8sNgy9dtC/R90WJ6NszYUksfgeek4LCdY9qYpJxU4rcgkAK7sdsi
-TaVAGyV/7650o57Z3k7oK0FcFZRd2M++p7joCvrYmvN3wVuGPOY5KJYHve6vo55Nu7qbjajyZ/24
-CVq2CW6yplvjXSqt5tjgCE837ckyVQURJL1OZdsmGXml6AyjKR21mPnFNc/9ZT+WVEe8HN81IVhP
-LSUUVjx412Ov7WQz3SkHqoheiHf84DdJK39D8ddNJFiN2hQL/181lAQ/DbzVg0euOG7NfzYTk8hu
-9jznCssYojtzpJ5b2bVMVL2Yzd63Rm3xqjkISYfm3iSGfPOJmbV05quB039MVAAYz8wHhvC7peEA
-9xjvh6Vzq0GVqe8yUpcYjabvAkxxJAr+ODL9/tNIJAsz6RLJu+6ZChpnvserNQctc8Y8OGE0HiJy
-Vb29Emmkdeo2QueKVVlLwNXKhi34qJ/x3WUn3lCkjPUrF+8/x7bVXWVxBPrmbX/Quc4RYAQxwjrh
-o5LTG2L4TV+gX5pevepDj0CqpnQgjTHsTJt+h1KQWGsyYYie2pem2DvlS+ct9scMu0fqBtmYqQmQ
-Yqw/TR0dtEG4nI/PM7SC7K1vjecgyB5E7k6xCbWjTGcmkUMdMA5v94Zjvyyjbe488y8I5tfe01Qo
-eyb2NzeikfYFQcHuX2kbBPu2AZFgVfu52JXDFKAm8YbFaD45HknNXBjk6bJ2S+g8Wc6NNrr6tWV2
-6hBFdRMwrmnKKpVQigMQuZYXJKh0L8ToQZT9Nt4KDTKkto7gobW7zq7ixFhQw8+zeDbrHFw+Y4oC
-bkaE9uEOsj0zh3QmTNj09t82RfKO9hUDlO6Enr4A/i/up6K4c9wUrvsSXMDLHPFRMyPBXoE7cCAi
-dxi/7Y6qUZEXwyXoeWEFAXpjIMAfeBnXOk2CvlovLWQSrh/GxtvwjkTW2fsMk4RW7xzjFvxlsPWa
-blETggAOyvJkMccfd9zMWOkj+Vb0IoZXVTExEETSpAR/mLMVjbtymSzwEfM/Jy8e5SqamLG5lhSs
-vIkMri5GZd7Lpij3Zk6LN5gvVcA87zZvv89u/CV5+1gdnVwdwlVxQ21h4764y7zrc84xN6/etRw2
-xUhgKUPY+hiIxymnAq9aoc4MUjlfrYyLdNo33uzu8oXvcElhOcyNSSk+/7WEn4dl3vCYBkhx/bZ7
-tX2W1q2MNscCOlEUazyOlQiZSI+hqHT6ZHd4J1fge53UO+b4KRqm9g1vnxbKpXngYq4SlljXCjhH
-mHsOte3Ezd27poqkaC7z7eortSLELfBNTmOVLDZ5je2jYdJSeAy0qP4sEQ/rjtKMDY9cw1yfX2QJ
-OTYQBLCQ1165SFyMVWwHj8F8pG9w0dFQESMIMYPf0RZkATa5q6HntV/gLTMK8ERCHsGbnB3iRXwD
-PbXBClI7e2QYl+NJNqz2YQF+OrbzQzE1RUQ7v6XG+kbb6c8kA0Hp0lgj+llEtPqX0Rj0p+m73UAF
-GCvnAV/BXbN2hFk3STNwSm7EZDAA7Mf9sD2sSh2BXeiR8IoPXxuIyTPDjRQOOpj6OOVtlCGgYu65
-ARSNMOtxzU80MZv9Vcvupe/4C+fm9opb6sFPtZwmyv5XDKmKZ519Xd+x2PToNHkormvQfy6Fk2T+
-9O5mPNotkdvr5u7VqN+tm7afZkePPNf7SLEwSJLWyR9sQ90yz+D9KpBTHUaL4Cdfpp03sdd3Si79
-LcONFYB/ZzOA82v04Itp9mvdMQMkktdiIoY0fmiHD10iDrdQeDorQ/VW8z/1FP36uH429fLJZYu+
-ATlHUdosmMCehmld/jTpdCm9dqfw36AoeGit7XOY8fO4FgmnKTMZsywgRY33IkAtRxtnJ402nlSr
-c8sj2IinlX+6h+DCFOC5cjUn1HrElU1tCcx+8FkcidcldajaKNGGEtmCX+R0YSwiPVNfDjfhX4a/
-N1kD2EmD/ZiN4EMD0dGKFusXQdj9mIpoZUg+aPZRK88zGoFwHhwWt83fzEdyNFoNYBm6XKo5/zJU
-JDyURY2karaYXDXYeow6/yabGdWD4K5oJxhYznBJuQMYna9JNsuNUHtv5cFge5nr7aujc36Oqi3x
-MTS/rku2n0caK3ZIcnAK9pmy5TbZmOdGbGDYhMnpxxb+nWcPK8URaVAboVsV/ynUSUoLUzp25BaR
-mryzKFnSdAPXdk91Vc3Gk9F6927OFQ43SU3mY4/Gv2SP58gyzGX5yDLHCVddfEJl3PFWGaEOqjRU
-RfqYE1Hv2PdydY6m84LZ551lEFHaGan0JKfQVKWUpATwjFOl7nxTnTJ9widwwY1kHCbWpUlaoXdB
-cRLimQeuNK9Qstp/+cyIPEf5g8H2nQnh60LNdFkCnBZ8385S8Up3sTnbj9Uo1fOk/ltzslnAMl3d
-lRG4Q2yQrNJmzxbQPRRYtay0/Jxzbb5rjAeClrxnwRgC9v8f5jEyLC0VbXqAxcx6MbFk3nlNjlDD
-pTfkX+msx03mJLZDaIc2iITJWgzjE4IbSRbZbYdgqmddr0+BOz8YC2WqmOtIG3U+YedQuG/1IAnq
-Ekw/Vur09LbQEuRpt7rb7ga8bPgMVL030kokhbuFonNKYH44PHu9rENPLs4eP5Fv4USjI33NU3z4
-PQ9NmPUedWhVswIaSaSSKB00Uuo5Jdf9OHUXC45R6E/Dr7eUt7Ayi9hRj0ycDd4mxK17txP35jSz
-DGTIIweu/Vw0u3HAYenXHTlNa3ZsJXOlmRbEZJBD9NFIjm32oi+OjN12fhtKrzgbmgnMULEiUHuD
-VFJRZclSDd9m5osjBqsO7cTyWukLwhpB0xN4B6Idj30jzxWkbRo9SeBibyCRcdo3b8wesxQJp+Xp
-SSV9UBroafmkWbG31p823B7NbX1G2/uLyM/iYOj9RKqFaX3/2rIbwSJSfK2LQqqxoDwx8hd/pXAw
-KnZ2k0L2XQbN5zZxFblFShQS4+ROP5mOei68ctsTynbQzECEvrGiGyFenkDynds43aHoCVV28UzC
-wls5utL0cxM2o+s+R7dcrPWuyLIkm7wHYZhvdVnge6m5aqrU2kCf3SwnQQErCpMVAggm0BlHQzp0
-yIYGi6oprlpeeMICxtCjmAm7nnSmKmhmXhOH51Ebnytm3Mxeb7uC7ak2WTmYlX3O8OAhr/GidvYh
-gLK1jQNT29kyvzexa8XWLQ+tbNFmGBNqN574ioDC2NC8P8LI7tbC6iN7JcdaaD19OBICU/odYC1U
-ZKUt8j3Xy1NrZQNjGC/yCOahI4k7YxgxUfLQzs6RNsZLELx/NFr21Ljdu0f6PNttg60vaexRuhIf
-BdgPSv2Gdz4f7qbMA79KsmwSePOu1ccz2y39npEnIWAF7QmhZY2bTdc/gdM6pFFEFdDBLKjW0BNr
-T5r7TRql5likXGILyyXCV1HtejzujCFRTfQdbrlGsLNziWjLGpsmKpg/ApbJ5CCdgW39CBJFT571
-JW21J4jgERDjo8XVDVIrxLd125D0c+Q1c9J4jWKQrYq47jFBz3i5A4lrb7aJfR229K1zRpPpI2Mb
-m6ktRoS/xhn3/dpcpcpf1WhbaCb8IW6HCybXZCuIaNNivT1NKFkifxNkmSmQiZXPFUy2OhKf7MSI
-9k/fsjxxR/Oe0muvreQSccHiQt/yi9MQeDzg8RIlmyPvwwnmRAQoURedPWvf360SjHjzOQ18mlXW
-fRU6Hmb4fsmolw7rmvU66Qb0KvGCnRixqjafSubcizefhNPnu1y/1YacxnjubzGQK/O4VIgtzvL2
-uXe03ZK2NhFI2LnM1iRpt1fP27p8rZOGO7FDSZL28to34rEwrfcpC/bNxqViSULYrLlNfMN42Mji
-g4SxhtJxr4oRT8i8MTTTmyBo0RP87HlkknDAPoIZi4VvHbH23ZKjM3MqksU3ZyFMrqiwCygobz7p
-V12nxXnPUKxe6mPDPPKEeOvHWwSfXa7GaO6zJ9EQW9bMWrDT6v8YZLGlHC+l5XxVNZssYzDao2TT
-bRSVc6rd9jfr2xNd6lfq95euDEiNpDAwuXI9lyLfL/6TeXBUw+uyrCdP79kzOy1ZxHhdp6ZD2rZH
-H2Gz/5Pv+KhllDICMRrtftPtL49C2y6veq7Lk57LP8V5GEnVfk/WP/A8BZGtFoLoHFPzNBuJWmya
-Pr1IEV5glgw07wOL39dqH8ZOoCWCcTjMzULHo47AM/Z0jHaiPa6Cxrhb+n23iQ4lu/ffanjNHvlh
-Fm+ate0ckxDnmowlroyvuqR89HV0FJ6rmNM8uvbq3hnPLnNLNufUjss07oiOjhxhZi/mUExIYoJr
-wXI1nCuGhqWpeCCQdugsUpEV7hQgWrijb1Uz/9MkRAM+xhMohSzpUsJTqYQ5/ew3gAnGESv6nWXS
-X5fZNN0Na5q41vBer3N66ILt3a77/0y58MRmI/ZTXqdSUuSPKWlrAeR53dbOZX/zGPnkh5rubU/H
-2mlAz4tVPcnS+hXDyxzidH41goJ/Tqg1CpZHo9ROm7SHl6lgSq6C5l5oO9ATxqnl6O0G6xX9ThDZ
-Y0VDi88aiu4dDMjqiGzseSwNhuU2ryuilDNxi0Noy1W/07Z37II3QXTUNVedDNhdOXfF2SUlHRWa
-Z8S+MyQFy52ph0qXE2IXFaq+L0frd2j0X8XmMjXQNLctU0zjaDZJviImrAIf3WrWNLtBLpjASYFE
-B31TUKREMuUAIYQxPQ5d+QRHlATo2mQWw/TDHXdW7V3p9j7UXO5Qtgd3WtvdNeT/MbtmcUtccde7
-3dmQwxO0qzuVM2LZhofUzqls0oVALYM2D20in8/6Aap1Az+7veeSziLY3GQtImelm0ZzNCRWV91X
-dN5wBdMYoeYFdAvzgkOuFtr24EdOv30TePdTWeAcDp4GdzyLBQ9r2T53NVV8tWWc2AHfUAuMdA7S
-y+zYzM7Yl87SUHsguY8DefDkB8IVWG0jaeeXYuAZmYGDcAkeyQ/wwHqIPQXvyrbAmyKvQIVbtdaX
-b2tEPdtcDzrJhQP4QB+GaYyKjwPCINsUkf2hzoGNjKPzQIoczSjDiZH5XdiNpkoUqE9kQDtR+NPt
-BYkcoP5vqQJjbrpedWg85CmD+0HV3z8zgS9WEZCNV9zGgPqR6RJObV9zjpPJUCPLHxjJNKe6KKsd
-h5W+10t5sCupPeWdUzx7RnnIbVrjGv37IXXpmVh5J5Zmemy8gfg6OR8Z+UTtXZaql3wZXrc6MM4+
-3n2cXu2CkMHcTmRfbCdVe9BS0xSjiA0+toMhW5rTXddq66lctj9sh8VR9M18mBfzH2zL5UThtpyw
-wW9J4BRc7Au6tsw3sljDu/aimKc+sGG7EBdu30SCibba14prcTf02XpqERKdGtd5l3Ul9mXTbefc
-7hSCLVg0Zd0xMbTyR73+b5sqZNK+0thZbTFXa7Cz3QLfO9RN1JH2/ToGjKns7cdNH4lP/pSmbO/c
-Ok8cUT1mekBnI779ieNX13NELDPLgqbEaC7T8bzlBoPWagYjVaVwPxd89elEjqehIrGyK9UrYkkr
-x4pWgl0jjSuEVPqpODc+E22KpmNu2FeECl6S8jUwau1eSo0BKCNyG4QsmNL2JRg5nfkY/hvXLk+a
-VbETVH2ctdmIDr4l+P2a0mzEDekndwynYs1XpDCr8ksZrLbW2bgxAdwvRfr2AT2uCtfe5F4p9Aup
-zt6DPTtPEmVi1kqyu/8DEUCzrpPmPLt4zETHuTP3d0PFxE1HchwJunyWCVyNpB268dTVnzaFbpFz
-ISPQ9xLXRzzdrvm5SYlHaiY3Hup2AJqrIjyfzw56ksjRzKfFSMFHKPJ5DWJSQlwHGQRqiac9SM8c
-ynTUAYWoOTPqbHoE+xU7VXgUZGx6rB2Foj2dyuA1GA3jLJz2/9g7j+bKkfRq/5fZoyOR8IvZXO95
-Lz25QbBo4G3C/3o96J741GqNRp+WitCmYnoqqoq8BDJfc85zmn3aaVvSq+yNNPvnvkpQkEs21SKA
-U4o/FLGTTTcjCUHOgdjcGbCxHJWSJZyka5lP+iomAnJjg79YKjK12YWhTg+TgK9IRECd38wBtZmk
-fsoL5uS4saGI+2pf40haltae2WZ2BGh56oxpOljzzI1E+ZNuZExBB2Yjs8DL8+N1bjnamjzBbENO
-OdBsn/1mhTovHviK+hZSKDSXilugJSd5jDrvpJLpIQoZRErQLCPfOZ7ybIsyZpckIRshf3hQPXmS
-WR6isd53kupC9eaS+WG/NyfydqHHG+zv4nHQVlaPPSWX5a1ORy7eNttlGnQRIG3cfhNkc5CvB9Pr
-n3CaMeexk2CTEZjHiZ/NoNZ2rQnl02vEmxpY4hqdgLsMOLYYeSlr47O8XvBJI4xKOCUHtWMMzIRn
-QJCDXTRGJSQoxVoAs1Okre20WdWjoTPL+vbZIG2zeRcpo/bmDX3Go1LwE8w7rGWcStyRyaqDmbwX
-VfhphVV2DuNp07RjRPQvrURUm/G6brz9xD53NxlBsY0KkNIt0IBJPgk9uY/ZC2wdi4kfXJv5yE6P
-em4zx1MBBYD5K246uBwm1jYhmYfAq+XGjm/4PZY2omB0Se9mbzH8uyWah/0kOYVawOGHjtE363v6
-FwpcM1ul4EOQ4Rm8YvLim/l2yvqLRm+80ac7WvFiXeeOiXCKc1bsGbiiGDLLmREgTkySTmlv0qmo
-KVnZXn1ArK7vp+EzJGlnrErOFIWrI3GSh7RieelyUi/NhIK0nO6lSf4qSzvkfpBGlDVe2d+vTTNC
-09XfwdRQVAf5wXLTqyIRF8kcAamy4IDTDNhDTGF7TiQ4FKYatmCoj83gOSdYTsE6nxj1yCj+GWpc
-Db5RDzAR8ILmP5yY0d7lo43R9VkO9KpBoBFTz8bAO5abxvPUlWfP9cV1Kx2mq0FnP3Oub/NWI4F9
-dMIVmPUl1+i6j9A5hqFZbxkA3Tla90IK+rAuuu4QVfal7t1nAi3BzFSzLndCKglGGhf3gAyNdn9d
-l+7s6X63JnDg7FI2LQYwRio/WZIpIkGhPg8mE4yenIjV4KV7Fujodws32YzjbDNtd4HLRHy2EoWJ
-m5Jy8Dspxv8BB/ozV9B9SqeI4DrYxhaiLj+oVukYU7W3OcnJ1MlQOy5FIV8nxPyAx8Zdh1wDjyh7
-Inb6JsKu+M6a5UWt1PfgzKojemscn2G54pnWoQYdkj59woUynDLm7UWSRE8WsZ3VGNzpWakO0vRe
-EnaXgzFMyyDPqKxsTUMeugCzhBO1gSrcjYaLyefbBUSzsBRScm96rRV7kRpWILIXSSoxEDVsxP7B
-N4x72UTANLCfZonzKjr57ZmMWwwSoNcyyLS9YcAD882Kh2iccw0QUpEtvWxYf3ZVczN0rz+VxXBr
-EtgftXDhHaN5vcoYhDzawMPv/+WioVpq7WQsu99rugLxd2tCXh6RHm9jQ+MZLZ3XEbfeIcGUdNPT
-ClBJ2I9QmnnLyJNFCe2M8SnQaB8WuULK1HjuARRPeAaD1i9bKBtOGN3Z80hTYuP+DGedpugOupc2
-m1LR9ighBqRrdrDFiWMeusSqz5gznqImflcu1Q4DpTxF4/6di+a5bzPxFZDCMFSiuufor+a5mraG
-KoASWkfAq+Zf9Ao4vp+e2iq4UIg4u1Sj4DNK78kkANwqp/bkzL8EMjhHicqPZQ2uq9VS4wDQKcJe
-waJrCstj5DbHkjSPhe8m7GaGh95ssDyRgYBKN98i2yTQ1YpSNmqau4mZ6SzzDIFc4Wb+wpmnpHWa
-Mm8ZKS4ii0PFOJtZ9Cxy51ggctXtr8Iz87NCl5/WOYM39lWqlXtHhfqyL3SNFQ/ZzESnfU9O/Ktw
-m0OSVxeHnfIVcAtKxSBYNTi8Vq5ubrWIxWoUsYJJLyEKEou4taWXzUpTsOrjGEarIizfqxERgg2U
-RKDAAo3DmmFoWb8naG8iBtaXiSAL1s7hLajYqFQtd63r2OmTANO/MK1co6BkGxbXTN2pbBLqrSm8
-tpVbUo+Wr4Ut4yMzI3/TWLK8VxbEP11r2o84znd6XUUXe7RehrMdmGdnLh/1J7xuD5MnN17HbNOG
-ZTmMznNT6hMJyO0VIdUu1swHCfOceS4lxVSVT40yb6EMEfSEw7au8l2Zcx1aw7L3jCMqGm0RBmgf
-ipTclHpol9OUvZMyceQe7JFyGs8hM75lKYx+F+QqW9FIsJifEDXIdS0zBDHsu8qx2SJmo3ngw+SY
-WPnGRfnIvviKF96AQNTgWLAuc7cQ8egtiRE9oI9imSnFPg5TtpHYmDaDNFC+Yt7WCvdYEViSJA+F
-1Pn8KTnzlqHCILN720Vo1dMKe6XxGsURoKLQQczTXQzN/hnQLBu8EAkav11OooZvBfObFoAbBXW6
-AGh0GgBtLOIuv5t6YiTdriuv5Zgky7iLP7uaJ2CJwajas9wOPMgcPYt0DW910Pra0srKNyNBA6E6
-w1/4c93djizyFLttlCXapYqUvWfFnKatwNOFBErZHhV3QYdROMxG6meFMP5Vy4munqayPki2hW6d
-XkqpI3QZTQ1SHKvE1LxBpHARbyGSzHTz1Jf2AQGcdRyz+hOmjrWi5kWTxRnpE7DLgAel+DTdithl
-n+Jgh8l45NapIJzBQnxOuCsR7DqbcdVf+bHe2TAEfXbjJxZ88Kult1PmcAMF369rSgKaz0E7Gonu
-4sF9Cwvjs285qZtaiYvekTzcjxQc9BBn7rTp7ojcb1hZmvnamsNHFczbFV/LHmL2eSetYY5YuG9U
-ee5HzP8AzAc0zc+zbciZfcL+Eq6G3vaQL1nHnvdlhSjxKXSQS6cuQfVdcGLNwlvk9+iyy2DZyNxb
-iX6OQx4dehRjGbv4pr1WeOhbRHMbQbVsJvYx1EHlcBxHxXNpf5DrHvMuuvoTHiYsOExILIHCDMbE
-YjSN9Bbgxl8pl43C1IutL8CSoiRYtHVBxoRtr+oMrXwlm4GrE3WOipCb+Q6drEFuz7bR/A+6vK7i
-EpvWYeeGF7Af+jpQLEa9qb1RmDKVsHrqSia8JZePX/rtwScVmMMCLoKj9KNbhN6qDeOrE5XMNUHU
-NcbUPNgZ1D4nuhQtcSsCZtJ94jinLmvGpdABc/YTgnE5wY0bJpx9k9nrjN8pJKKwj8/caMc0Mwpe
-BNpXzh6NHSjm8sEzIRBmvjqKoDcW5aT1q2QqjGMIP5q5R9Xe27F10il+FhFN7ZM92eJspeLbRqV/
-IG4pXpup9mbRplxialeczT19RD0eTKvmiGpXvs0MWfo1m5NpZwZVcGCNTYZDnvksChl3i8zvzi7h
-PmfTq7DNEyC1K30zvlNVhcgq3IYFtlV2+u2hdpoNGTL+YRg5cjBtuCuoVEhr9MRfNmVOGhJhxKjP
-kRzBH0svonzT89Y4sbGvDj1GIK9Nu5NFMM+pmdJjHHg3DTjfydHVrULiTjivTn0Q4ECLwi3NAFcO
-NWiY++lb7Qrelqy+K2G7amaTrFLyMJYOAMZToydvA1Y4YlZCsTYEW3iFnIoIjSBZCZStg+NPh8ak
-MvIL54iSj3Cdwkz2yTdz3xA1avU6kgv8oJ1JAdUPCkszbSc6DcygiJRq76fGv3xHjlFA+YuUPkve
-kG5/mKmRnoZxZCQliZqY9P5KbMqw6snZ2BpVw+4bcqEeJFiYAm7vcczoQ6JgFaq03qiRBTzbw/Eg
-bHEkXQuRKt5/OsfBOxoGTiJNFh1FB8cQXCZvKduyWeiyjXdmywGrouRSjTwRiaNtArSESDv1czHr
-hP3MqbeyHbGwmc9awkInraKdJ/tDmLXp0W/UW9PAEhngEBasX86ap+/sUWLDUk+9HAkFm8doTpac
-rGF4t6pu7RgSLWsJbtP3cdvRDS4YrQq09OV1qn9RhTLOHRF+hTYqVKiaXgNHqWls1Ppl/4qMmna4
-ih+qLr/XM0iSpYzZMLI+8RLsAFHI1WDS2YzBrWi4SSu9t44MCxYdLvL3Xpg/rW3Zm7rqqRMop7oL
-gG2ml317RI3yZjj2nk1YsBB8eGE2bkzFYlzCAl72DsZVFfyEdrrD7cNdBvjAVXTU7DjeytJ+hBp0
-aeJkNQMXFx0KNMa1cM+TmpKlVdUXqNEA9mLxxWAw0RgxWcmYLoRTn5AW5MskWpkm+kpJ0MLa1otZ
-D0zFFntctBEZGUvX4AlJc+oGpGmpQgeis/sSTXdRjfcUem65qRAh9wkuFo2wmUXqAA9wiTPty4pn
-R4bXCoUqYMx4EePjmCzzTlrTW4dFLzCiH7M0bn3TL8rafg9TxBfe6DzamFU88j1JWMSzHv2aQv+j
-rtkpstkqFzX5IUGjfunm2fPbuxhE8iL3+F1V9r8mo7iFU/E+Yy+0mtmVyk5+3fHZsK1fNFWzn7yG
-Cb+9x3n76o4xVEXpJGhefMIm0AMl6aJrE7UK0QguTHu80c64Vnfi/dwL4Rdsr1dWzUrJSr/zJkln
-dz2nEup0ZLqrLBpPZuVDb9Y1cxGTJop/3Wa80jevbt9Dw+OpkRPa86FdtH396LKhmVBDkhXjouGJ
-DphfdgkOLUZGDtsYVNFV26zpxRrCszTa12IaUMRAxSy5L/wIjELFGEJDEhvSGuTshFaBtN2lgdeh
-owK6QjGEjIu7s8VIDmcUdQLGzIXmWZtCpOmKdn+lew9OQdBMbbGMVYk5YwbcB+cwZPuxMnncdCxh
-uXWDLXFxLdiag2AqV5Lzu4b4oAc9TnA7eNRrALx+XfIvuAc5aXeunEWcUGgEPSrgnneTFT++kWli
-5W2w3fAQiHC9BbR1zTaL7iHFnEzN0ff1FIcU3K1ceG4f3praW3YRdIEqt0f0ZU1KHywtQGbFE4iU
-7MooCcD2fHHSC7JFuTDFumrKQBURthq5d1O1AZjxUwuG+3A/7mVcUZE5GkVq/GF3aApkKeaqABZm
-1g1ENjNqqcWOtnSa21D3CHkcOT9PyRQGBHPZffOY99OOqIcbNeVzy0sToDGFVkBqZpib6Y7OLlmq
-cWhWAVMpusK4ZK4K66BGc3o2+wHflViZlKq8hWIHEQiGa8ZywvXb4ZX2bwnFp/0wA+NWheUyyxJv
-b8mG72vIDo3zULGDPUxGiSEkIU9z4SCUWzsBikf8Bxq0V0PiEoNmUDJLZNO+i7PAPYt2OBkxAU3f
-lUpmnideQYNZgOXdyQHyEbx7uBy1vDoIlcwGE3RYOE+VhhfEddz1aJpP7YCCqOnC9kBMn7qyvLv2
-2tgvS3w5qyZv7jU32jaG2MxQz/V0HiymL+NwDQ/8rDYCjwYZIMbakViIu71lNA9qmB5NZnErhFuf
-RNOmS716IhWNDTnBlmafPgwqRgtWWuuJmxzxjfbIeVaw0QmeDdDWyIAFenfQ16usxevWFAtHaD9e
-SbPHpOCjFdkxxPIX5dU1rrq9U02fsFW3BopRSGPJjyizS4CVZ6tq7OVCwwfJvqxq3WPDgvbs2MGd
-y0x51+rFxa3q8JKj3w4j6CSt71CEMjM66m8sdKn9h87YdKBiz0mSr5VkDRRapsvwnC94qu3mNHQ7
-J2nuNGg7T2kTx9sxZ00YJfzhOJwdozbMAs4bChXUn5AVhH8Xw16u6DK2bcBHjeDoFWZ7AitZLjA+
-eIcJ7OEOdMrJ00R9cNMs2ucDwyez8s4Ou12fvo2uyRVHy6L7cEr5MKZC7BkjflRhTQKUl62DwUSn
-h6p5aPpzF6SPeuHjy7MGxAKFUZ7MNJsOg1nF8/btKw5yWk9WbtALfpWJzSbMtLZxXUnem3lLh6Ku
-s4tVWNGh66IfThWKNlkgDFIGP6Ww7Zec7oxFWy+551vdCH8u2vAs7qu6v2NOXDyawAMsL4rv4u5e
-uLZ/cFTGM0l6FqvF1Dp6zVRsXCNAMpYWa3sMs2fdl5+iJurOD8onC4We4XojbynikSqx8G8RXPRI
-cbp2ozsrD7J3AWVl5YZWti+HbDPESTrfzeKQ1ukEATu4loaIDnEQ6qdpHA8TVHmOrMHaRhZt3oif
-9YTIt2MRf0dwwZFs0FemDN0uaKA7l2nBp+fRk3TjxNGKIm7GUVLTw3le4Edh5oDegvHQqA8/Riz2
-rZ8y4xEcnuiYTrpq11mGPbCVkAY1WM7zEhNySAqhoyF2mbdUVmtnmBa9qMFjhG6w4wtG71RTOYg0
-g00cg3YfzXo3QDd7n8yI7IkJh6gz4btzxtPQGDsgaJ9IJIbn0olvVW1/MpMcd16avgSshZaBnJMd
-lH4bOKyPhqf9DGbzkdfOcB4GpW+CyXqgm0eUJLP0MoTi2zHpThpZsN7qPAPpvpgdz3i+IQDThOvZ
-Csz6Cnuc+zg65C+ZdrnVq9DkMumis5c5z1pnhZdgvAyzxEYv7Tv6P265uBjQE6Txhctml/ZFum1K
-AW1uro/B9PTICTOEZkKzQTYwsBeJcZzaOjq2aXVsq868Cp72tQPle+02DkbxKD11pCX98UtOD8Bu
-XOsXZJIka/RTnzXi/BcC/KwVOY9H7LUWpE7c9g0SmHWXFekDUYYxstljU7UjPL3HJEvCK0G2IZx+
-3o9qPNk8oztMXOG69X3uCaLtHr2G5S+QomhVG5SNZaJQiPt5c04Utt3CbjZDX39Jcg4PdXSxNB9b
-VaW+w7ypMd0wqMGXY2CpWqUMZ9saGDvrusfcnLdGg3Go62TCADING7guzSVpgo+KR94l99MwDaTY
-wBzaItGXuus/qThepwrHgDKQQTC9RNTWcjh6xrZX2gv4oygWb8IjFKFqpjdkbZ/4LPOe4Y7RCG/T
-WQopCvVlRn5C0ofNRoV+vFg0eYfvua3TtZC8DmJaIfDSvxHJzDuBIxf8rPw1xu+sM5yjEQU+n41d
-b1I4FHj3je7qxbHaC0xxZijqUxq6N81QtFVtaG8Txg3MntVVoh3bZrF372sghsdAvswvNKPr4blV
-NrJJV217j6Q/y8mqbd9RHRPNFwr/zXaD2+Rhy0zZyq09vYT1oKfR2eTAy/BFt6HmnqQn0PSJFKU9
-hJbQzZhoALrw5KCvCSYsTzkmH8gG2XIIcIvbsToPE748pcefImcvqOCd8toe0Uy5R89AjNuL8qoX
-yHLDDA6sje3IQI7JTBtSTpsHGDA1QLJsJ08aakxG4OmnJZMHjwYgr+H9NWaysnQcjJTRT4M/RFvN
-rz670k32Oj9GOI8K4L1Oxodts8Vs3INia0+N3ZLTazTWMlKGtXeTg6Ht9P4WRvfUVOOK7whVl+9Y
-R6nZp5ZOGafRhwx/VDU96HV9DZnRlvr8zef8EipvgwjSxM4CtfrdVsi1XUQdTyvB0KDNAm2P4rLd
-FyimnTVVmn81YwRvQE23VcYQLYowOQjkAM0o5Ta3v4IQdVM4vRSYWNauUAqHpzgGpBptlYMNIGR+
-UrbWCWODf+XezCqDPVKGjrsJ01MkcwY4jwqyGqPE+OJM1s5x6BxCGwR931yrYEZZjTOM4qOo2Uk0
-s1I+QnscTBXSbp+XXJfV1e2ZUIMg6HErcvvl5doPCTHLy0ez5HeIoCFx1HpluUzJkVtQ8JOfOERf
-hviDPES5aYueAmzgm+jizuMsl8QaytVoU3FWuNM4k9kLBBFzxDsntxHdhHCoZAJ8j79rKwJ42AjD
-dqV+P05sFKrBpcET1q97sW4FX0oyQQVhLgw0i5gSlBYuy9CAv1QkyVZVhCyX7HP8HvBJPSJyJn7j
-WKbeR+eC4Bn04FVN+I76moe2qpzXTMfd6A9iCePls4gMNJ/Tkag4EFhOCxAJxV+sjcRWtJhUCX19
-QIK09qr2C94Yq3cXrgQoClulPZttfJhj7f8UgXOt9fSRnQvqpuy96g0yXx2IEK1OuW3SfKWhs+sA
-Nywn9kuULKuUGRYgv+hHKpb8DtF1HrbhHENh46pfcUnNBW8L/q6H1c5umBWat8ann/VzViyBYOMc
-cYuXDp1LyXlUNwDgBuJIKjdbMBJgQjraXyobHqxipPmkqR7ragF1SENsW7z0pN0TZJ0QUByGHxSJ
-7cBvswi+CzTN2YgQOfAgOb1wOC27cURgkT5Pcqw3Q51tmSImGyujz8ihQC2U7CD9VXQyDUHLjcRC
-4KAN9dnQzIE2fCsj6QpeeCoCRHUBdH76726TRd1zB/xWJ7V4zcY9HcN47zHnstV7EJMcKKEVoGou
-r900/5ERGrJF1Y2vkqqVDHrsNa1ARGBuTJqZACR+w9261Bkbd632HbbxSQf6CrS4l9kP78wJcz5A
-sxyiC/XHfxN59TvxskjHoMj3X3//28y/JVOJcQTjZmniBJv5v39iGYf4n8oyrNxt5xvD2vcUQDdA
-e50efPKWL0ePzQxiJVR7MwBLiejUN+qaG/YrdIuvWam8tAck0IQUHxzqb2TsW1k+Go48T1laHrAG
-n9FBRMup+FWE/RtX5X2SdNCxs+ImmmYNDYUiESkDN4tXur86/QibU/03GGPd+M/caL5R15YCKjZp
-Tu5fQL8TZ6YbeYO7pdJOF34D7rAM8CGOFmId5AAI9V67WtlbV2YYzbpSINTAQK8VFsyAjme7ts5B
-q3Zsith4ziBkjxPMYA5GQ5ffipz1iOGzOYfJxohRruyp/IWuIi0LwCtMrWL30AQ4bGvm+XpS5xxB
-xdEo7EPa8NLU1UNaIvkYZhqJspNbZ6RvIHRetbS/6zVtfowYn7AJxAvhP0/8lQsWtccowhoy9gj2
-krDaeb4259L29Ra9tFXdUW0czGIrBXDF1rDuyejmHw+Ng0ZIJH3hfMJwYKCAPaJAxM+pxew9Gv7f
-0dhR7Z1g6gpEMYHHI8s6342ef39xSgsQI9gi0u3cF4wL8IY2AWFJexPyLUibVa3Z+8yxh4UTo19Q
-afOQNsYeoafD4BPfCigt2whflN1cpjj5AZzzk1cxOcE4CGNeXyNT5PQ4414ELCoqbQuLDD6FzZMo
-4/Qu9caNsuP3ppzXsHioqnnn2XfDjoWmt2CbzvxDyidHBwiQPpreCnYcXpoOYFelYVIYulsfiRf4
-eCgoGYVwronPQVXl2s1sqhtpHkLBv2jwHcf65l/Tb3+HWf/lrfNM4cHrZ85ksE38j29dliuTB9KE
-vev6i2yirigZcsIJEUxJULlj9rMhZWRfhar9LSZVbGFc6S66bByR1dkd2q/JyeSqdpgizx5Q39He
-aYHwNac/Sq8VpjL7Be81CBQb44YX7ewa7YYkYmcVggTKML6yReZvKPDIajPyYEj5Lav6yYUxronT
-OmKimHaiZkOBX3s2SRXPdhzwj3M5DJb/6gztoz9bUUoQwktWRFwTUDZBtfBtkLspZriaX6IRd4ps
-/mD3ngVc22TeKvlO3Qzm0GjrAFMoTP/1J2z9k9fds3TSEFx+BTM8o7f/dK5FOWEmQCG8ba1ewy56
-0ctDqjXH0WbZFoeMfnTd7hC5pHvYhqB1zXalJQHLfn0UFI/mW69ogp0uR/6YrJquA70XBp+exVCn
-1dhwFjEMh7J8ZqfHGG3YOVH3GUS8oemHpWCI6sHZqM0dtLpDqZqXPOPJ9XTnxZX9rrf5YDAGYxED
-C2AJH3VLevr97qToxzDipCumKHu+2s+0ROxWxe9RTnXkRnXOXfT9rz+sOXTirzRmUDm2y8E45xR7
-f3kcAxlqtm5n3naQxftoxJ86skJAtc/vg5pLCpbGsMHTd0K4flxzYI0NEhjY7NonEWAlrO7lX39B
-zj/hNHueKcV8WOvC0//yBZUxLwczH2/rIARjeRN9uOlDmkCMMvtV1feHXGhvUwfAkyiofe4f2rJ+
-IE6CMksi4kM/T3fP6zEaxieQUxmHTAFK/DKtXCcDrwAbrvcoKw/mDOU0JVRT37VeDegdQoPaD7r/
-K/mOo55yLO1eMpKBi6THZ8d9t2qVp/PIw4Qas0dJltUuqTD1zwa6VJ5hYPQrD6DioiO+HWxGc98H
-Tn2byNzrMwCehK3bm96ol9pX7mLOgjj7MpEgd0YnKPRZ+B2klDYZ4cpGus3y9DQfdEbF89aZ0Vsw
-0Ps5OgkHRH+JJT8Z6HPvfWk9hOX0+q9/DuZ8Kf75nHIEuy0L3SGYWniRxl/CFtBlThDgOacKvsoV
-6YtkU4C3HRiPNU5yKpN7s0pvURR9QoDdjyL/FftU9CkhDCbpOcthxiuz9MgXeIAXUqMLiCHARiMP
-OMdx1IKHRrlg9C4yd9daqcYc5ySDtTHSiXTjU2dTThN58ZmluD+1qrgNjAhWcFXX6N/cpR0Fd2p+
-OWE28UGU7h/nyP8odebxn+bJkNnw/3Jq/j+DabbfxeUj+1b/C6JpMFdwFpi8l/91Os0y/Mi/ouCj
-Dv8cTvPvf/KPfBrH/s11BeE0jkcgM4cMKHhIVQ3Fp/2bg2BbCNs1iF9wOJXyom7Cv//NEL/hlBAe
-hxLhCChuOb1V0f7jtzinEDhwbXIuCI6G3zODgu/i+seT+0do0L//95/zNP5T+Us3RgFMCg5fhTBh
-NP7Ha4JBhZOJLB6hqZT40xKLDieoSjZBgcMZTsO7tG1v14tEP7iTr52FwKeMBaG/Npr4VWey2XQD
-AqBQprdQLy+y7NsLAjEUYCglNo3EZVuoJFlDRw5vliOg1aieeWhHO1vmD0M56gScD9XGwou9HVB3
-dFkZoBUZCtTC6pnsiqdBS9ptnuj2+vef1/893Y9j+f33v318ZQBWIkUt/9n85RkVjvRIV/mvn+7H
-Oirb+uOf/7F/RC/J3+b6TdeFOz+kvz/Bfzzanv6bbnF58bjz+zzlPPT/eLal+Ztl2TaXLH+Ep1jy
-W/94tqX8DTgHXYqFhYGBi3D/J8+26801zp9Ob1cQcGAa/IVoKsmwFX95uFEJ6LUw9XbHgPxBVv1r
-x2AtjgFvCcTvdSkeRzFH+NnnxikDZmDjKufhW4Qxeu0ePWBVhgdgQ4AMaV7c13hkmdUp89zP+eDB
-bGIqza5dldlssxNHLNZrjf/2ep/IQkP/Crhc8+qWhMZjMwD/0GOd4X//Edx7krA21+7qYwGCwqu/
-kwGPfT2gz/aKtaamvfCju5QkDceyZkwHi9loOiiRbSK2YWsFEChqGSgNiHTIlcTQt1fRGK5xmN9i
-50lkWbYUqOrGkU2EKjaGlt8TqQIPYSgfuhG9YiDKTSHfRWD8qgeITon2xUbvYqQ1u4DQYnBiOy8e
-3S48ITD4IXvn1vqyAG3vkmxnobalizR6khmwTNtY6o9F0L1HCt7eVJzA/OAoLnrQtou2QmqII/Qa
-6O9AyKgkU/RrsmMCHsPuanz90qSNfUDmhAnKJW+pxbOLYZ7yUIINZWMQ2UO0i6hEdeFvW9oY8OWM
-wMwEhU/amfexwLmZw9rcM+Aqb7WuYyBsd27Zb7JuXit1erFz4AR4/dG3C8i8EBEGImFRfSl+qF1T
-0FUm13gY4IQIaOR5Nq4q1MisnFlnVDXdItuefU/+3dJ2gpvnAW6zQToubYaf60BygyOsXMtZ56Gj
-T/Bs29gLG+YZKooc8fHKg9O+jcLRZeSG/slX5tqz+3MZosG0nkI3Fie7iPRzAy1oBY06p5tpQqYC
-IGt7Kus4CEgN9CMTGqe2j2xijU2bxIMGvW1b0fZxEKTLqHS+CTfclyNmtUYSHeDEeD9Hlpa0VFgO
-ghzlsKKuRt8x/upKpKTx2OCUcK8RrbvfZ8faxhoRq/RONVm9oU0WC9GxMQKXuoztpF3gDau2+Wyj
-C2p5nzavNXkZNK20l7JoX7w2vmTamkQ8oj/ciMPbpudMkzBdmtWzbLT3YgrNTaYrd4kKDe9DgLAj
-yRYe0kAGUmGNQTjdToNzgLCg8YPIEeqgEF36qX1w+n1RYLWN9abf4qZnSTyNOLydTZnkESAr7dOd
-O3twr7B7wjGeoWlU8ZiKpYWyrrXnlO4wx8IP05W/PDEW+DTY1ljREyzJVW+5R0wAX0hk6TlyJgAC
-/XFnyX7pCSaXjWcwfu3CF6fJHtDFsJnU+D8SRGZR7l5trz1m7AHMKqHRJH5hOWHpmEYk93CQfqwY
-01fMeHxEtecU3ruu0zX2mVxWGcN9VAemqVHYd8g7Zn1X5zrtKfdrXAWgLfjC/V9dJg6FQ2Mb19jN
-scRJ6JQRNEEm0Pj2dpGTPka2Td/PfD1Km72TyldHoyA3O3M/1jpEfb9Wq7jmuPNKpuh2am/16duq
-wo/S0etNVcFLR5617JvQhZrp/RSmC+nFM9Zw16DGmMCJUixW28wvv8EwW9s+nR6rHps1ju9tGuN6
-qsV4sR0yQ7IJRXtRT6w48+bQIsI5DDExm9YZe/4ArKGFTUDmfNSSfZHG4TPahq5glfTiE965UjkH
-aVSrW0ePoQnnqKrxaDAn4k/DruP0XpBN7i7iV87xX9hiSWfytWFTyv5bax4s273vRu9xGmImdxqP
-mnscDQ/6OUkPXYhdiZ0pJUfhs5nCJrRP/V8BQVDbOoBP6Q+uvk3qIN6ndriFqDUdSG9wt5DNjTu7
-Z1OI/cV7GkNGUCNjjE+7bTa+bOxTonX+mrH/fT1Z9dIPVbMJ8LktWzvOlyS1ASbUhlUiNZCiCJH4
-0XAB/Rt757FjOZIm3Sdig8optlfrG1ptiIyMTKfW7hRPP4fVGMxggMHg3/+bqK6qrsyMG6QL+8yO
-ZdBpQ4Adbpk89sYk12YJTChb6KSB2z1XrhyObe7snI7wXU6DNISIINk1qSB4HPCkSqqbCWrtk7lj
-GhnHbPQheJvk1oCSujqo5YewHa60sqIv8+iQ3HGXkI1iCAAvd7Q+2baTXR1mmProAF3ZtT0BZu7e
-QHe+yjRO9vY/bqsS9tLUe4+QsocTiUrG+tNb73qveQteAwttj/nhZeSRuNmO95LF8NAqYzgLmnrW
-kSE/KzvvkUyC/NJOFi2s1sfcSiYBkYrWSqsKhNMaBu/CFewoGJfOgahn8+jRS0/dLDF7VQ/uJYmz
-Qx0wjKmbFre0rk4qav8EhaRZpvBuw4jDqsJDsOYDCpsl10gEiLWU+1SGORw2gR/C/i4YOyXcqhos
-sbH/2XfeyaMU+dRT0U7Y81gzyNeLUBmAaV2ZRunuEqv6MpP5cQAXs3LEgn6K1TqWEZF+v5/YCirv
-FYN4B6tYkLCdzeOtNjFIRXEZ72f6GExY0nedEwNOpmXiLb+HwvpRBrY7w3cguYXmaVkQTXpRiH/5
-68xyIDuAaquiwHjGeb0eh9F6VnTLWDbFMjOo2YgxynNiugNXxBjCJzwtkvRwh6yWraO+MdWEa7dX
-wKOubec+AInqaCzVcLEs9xkQlM8Gj6ENu/NZJKB4ctOHpRGDB4oB4PsF/ycrwz0Jj+PoJ/0DjvVu
-7RuBRXfOcDAxYoFRjAENCOKhduqsEvHtoLM9uXHxHAV2dVMlDWbFXMstw+aHkQ/llI8XN4HzniU0
-qDBuiBfVotjadfxDtQnxOCumSUiOW88crzHetKiexaruxocwyIx9jw0cm83snh2Q0JSgBbsqZEzj
-NcOTEaNg+q42tjUAt71lDXQIqb+qSN+16TJ4DJDvvAAjKv0Ywy3sboZhd+csnQXBJWY0ZsaB0Ce8
-ZpIuIAHCXT5Kqnjf9wFlKhbLasA13fChuNScUZTfHJWY75xY0bFsK9swZvmDYwlotGZUEIXlMaZy
-KwtswHo0DQc+s7G0YI2c7PKDU1p7a2TKtopZrhizaBM4HG/wQAzbpoqfQT7X5BtAz1lTEG5GJjA6
-BafdMQQDdInULTuPR8Skzj38bKLS3k2kLzcCBzgDtSJcjdb0wjOw02UJaH8oH7pJtkevLv+UQ/St
-EsveFlQBrO1rQiZ+13TOO/ntYMmfrGfyFM0s+ab7htOzG+37maZlI1V3WFNoOHPzaAeltZGNB3Zu
-9H5lsOoSoqhcIPfKKnp4ClEI46Lf1EI8qWxWhywKo3UueGY5fl7npH+CdiER+7ezQ6LPSCcQLczR
-0Ud+pS5JmC7Vr8Q3EmJA8COIjbyWdnIJJhR3C5bCkUum2Kh6fhuBtHSqJ3fIYYBrML3ZJQ69ttlM
-c/XsDJgG8k/tc+Iou/Q9TJ3pkPl45rXEJOJqDQUlB6631N1oAczbaMQmohB0zzttU/XlERvpaNOB
-JFMHxqdRNP4qKvDPlalpbBzmIHMi/sywOVaOVbgUEYsfEFO/RaL6td9mYGMHWMMYv19GR56INr1n
-tOksGUjyX+2z3DTgvamvIttcldEbDVM5y0DyUonyZOfC2TrK/dUS5Fxmjil+RI/9KqT4ZJ7XQ1Cy
-mQXsmpJdzu7EuxjFzgYPc3bS1GBSSYIx6UL3HPOKjfAL10EOvdipmi12g/mSao8QWLB2aS669OGl
-yaEJNHUXXaqxPBlG7W4CL6ypt32gNqZ3CUfYdfBXdJj0B7IG6NB/RNAfjah+DuzgrlE1qELsMB41
-HjBG2qZIj/sz8AyXaZtP8Z6fzNyowj+jD39M825DT06f0sUXFMxrM+SU2NCuOggFAwwOl4ePELlk
-29gkKJVBxJAAHpTE8qkiII3YHZqbOmrTTSiG/Mhv+kmUc+U0kNETuz82Yf0TkUA1B2AmchC4F7Pv
-yK+qjdPM6zgI3gNJXAq7+RVbHLNzfIuB7jm8TMRfx+hUxONPymVoph8vAk7aKYKQNbPvUHp3/P5o
-Q6+qPonQOLQJwCtHS8B+RaLYgwJkVfMzw/648nWHJRG6+14Y6tmqExIwkrFP6j4awnoDqBVv+dz/
-UIBm4e/EuFKTM4nkAxCMUxXG07brgbb4BrwTx34cg+5mjRNhL7aDdZwHcIby9BqojlV0hu4mmlKt
-1YIOT0TzJLKqv0na2jegVbrUv4VW+ZrSf1TJgpMO/u7WvRl+2OCtKD9T28SEnjZ3NaQHc6LEBWJi
-pgpSbtV2Ku3DAJ/PakMBph/DGDUva62Cn/8v3pR90k//h3jjhDYy9P8u3ODs/9X+d9nm3//BvyWb
-IPiXY6I2Lo3ZoFrNZUz8b8kmcBBzUIXQShzhMDRi5vCfko3/L/qGgxDIfYBs49sIR/8p2bj/4r/w
-oGqYpnCWWcX/i2RjC/9/aDbMPCiLtizLFcJlNf6f9cbQBPOuDAsHDuJjMA/DLiimYEMVFSAualBE
-U6lLXhtHywiMdeQlEIFKY4u7FUPY4D/YkchOJp4Z7UFubglob+YSjzPRL8AAdlHdvGyg6jMYLFhv
-znSqWq89NoKXkbPgGSbkeLZhRsW5tK75a4IBBB8exwaIYHV8qBzw8rZl59hP3J1Rm9iHhulujUuj
-lj3Nt6m3mG6lf2qzEq91Yf/YI70AMpifTG/+kweWdyZA558nsmsFfZDHXGEFD2O+jNN3JmRyMMYl
-Mb5ciAdvAUuNHMvC7B5G9QG5gTU+M28KbRU9qBAPDmYcN2reQ1uJa018YTbTXRUsDNgA966c9uZs
-t9sAtniIKbGIlrh361yUO5XvTSQf9XyjydF8CCgC3iUR7TUSRKhyyRBEAGJ2mUc2SSonOGgzvYbT
-lOz9IbEP9EpuWtpT4X9ZW4Y7eg2FsgEIm1/ycdmJqZFpGhNDp0Ie4eqB2Ziwwx4YINRr5IOtPRCq
-BMQvmR8RyMqJCp2qWKQUg5XATn3KdMnCgARfmgAsR8mzndCQ0+PGDIKRaGqW1ReaQihbDIi2ax/g
-Nz6YgrG+FPuio4YqlOlDrRSkMSC8K1hQ+6yPnYuIwl1VEIp3J9N6EK79u1g8YFh2wF7kxmHAIbdn
-RrufJlIOTUQLWOU4zak2iQm0EMuuvYPmUk6wcfOWUHad1R9ZkqidMxnPjEabfWXJiDEYN+UpzKwd
-dKT0MJbMQP2Zo283ThTUVfmPXTXTSUjkCyG6vxOVhpcm5Q5MiWhcW81FpBqWll/py4A2GKdwxhPT
-pgCwgKYTBPaunyBJROT8vOVsXuT41gqqpNcJF8ljXzG79nz32yN8tXMk3JVxrobzSD4jq0xvx1Vr
-3MRLYcw0u2LjRbF9DAPp47AMig0JR7rH2ujutdyOrIDuOBoRxssQg2NrR3mKTL8hG4QqaoZg+Rpy
-g5w0HHWKbZPrjy8voeZMXLCBMJj0/TWdV5Cvy6LcWGJSXFq56KR1Zx09KEe4h+YbcJngICJcyxVu
-RiuKruU/KuqQYhekHPGCEeje4L85RWREC7NyLxXOMzn53U7H/rCrvZQsf34uYpTLbsYlkkUR/lYm
-phdVWYzYyLbAnmh/JhqSEp6jfoynv7XKDmrOu1/u1HEjaE119ikyuyWj9wOpQO7jaCqeRnd4L4Pv
-JMUsRQnX1S6C9BpZrcCcAts+yZNwA6xOroo0MYheeW+EqylDYNS6DrLil+xa+iL6oiNlk54DJ7lW
-SZ+saTgUx9qpnjwPJBAVaVY1dRdBu1Sru8sohX2p28TfBDJ5pMOLdY9nd0QGLGp9gP8Hwx8cWNvq
-vW+QOTSNdGZZ7C6pQMisp/jgJaemj+tdkbfWuu3xwJEG0bvOb6k1IMXppL46ld1L3Qj5ZCbS5IXJ
-AHfNEnpeGh76wqy388QyKQrH3qf47OuuoJSrSziEhgqFOjCi55ger9VSN7Mvc7c9NO91PsLU6KoX
-U7fuHlvhI9BpkOYubQ1Kp9nRCYprUpnWiQHwcNbRfMcL6K27JheHuBp/IfGpFzjNeTmeIpTF41DW
-ejNY7gvn/mCrZ5TlWGCCsZe8lW9xNo668LeYxHTM4c7zM+AjiLNan6nZQPx7tDHOirB46yqRvfTi
-pyzglyaj354cgPO7MAs/MiWArxT5tw49ny7TxcLNyr+trI6fJRgbKE4TjJsYmt7opgA2ZQA5Prt0
-oalfDJtnh6BruXGISn7NjvlWjYmF2wTt2TWtYpe2jAFK3/qNMRutLm+KcwCuVIP8PZYTWMZORb8i
-KesHCGv00Sx2VbN/VdLD9t5ZmOwxtiwZ+HqrOWuOQyk3rdX+JmLwkrZ3SSp25c4N4Jqwp7JYHAhr
-fRlWNhymEK8UBViXpL2peIpPiUHMxKpJCCVeXZFC6SATmtmhT9JrEzT1GkThTB7pnBgp8hLlXIor
-88Ed43FtVYlNfy6eSZj7uC+HBfTObg1dxoOn2HhLXRVflE3ZrA44ImNVDg4+aKpdN3JAbia3X7sw
-PMA6DOZ9UnF09KPJ2FhFSlCc8k7gVZAZcNCe2kq0+9qeK35WlBeq0po29Ci260pRw1hL82BHwTsX
-1ewcxdlnUbXRtqReexiyfe6aBVPNag8TwNnL9wwDC5ir8QRDBgEFr+G6rT1r7fVqoiaA0reQieWu
-FRPidCFxQHf49kaKIwtNVxB+j03Mx7Jr0/HNVsGwKjWgnhpfLvFZPlLzYXKy+uA7bgWyfFra0DS4
-Mrobax+ckDbBNpUgvK2qTF5G/IHk2JfYI/FSSkLyeaI5Lw1vUfVT4Fc+YnxxGZkEzsfsQbsGWCEL
-FZ0NapR4hYDWL/n8KH8YrNQ7kuyRd66Wj2Vszdd/vshhfGyXjH+qdXyauulYjcKAye/icTbDwxyy
-pA7rNOmjQ9rWzDecGBGagAQZ7gUpQMpM8Qa0R3Kvn/nQfJbUB0CNLIbrP19wmzEsgFJggysYwBaY
-6ATgHvUtawufXSs5wwX+wENFohXmAcbOp9bNbIAo5kbY+PTxBT/TFgTF4Wwu2ATID3vCI95OYM/f
-cVU7osRyB0FMixfsAvGWj+k9DE+19eb7Jrx6d3iuTfQeLLzUJINxcCdoAk5RfwUAHgr5PLPTFTm1
-DxHTwIPwzIo10HkjQQoegj/hAC15gduN7AaQxrxkhYcThKI5HD0zWOqDFk8YMLkRKqNX8aA6r87U
-vnKDTlaR23PkzPxnHY87s5YvXQ3MQlXyvTHxurdgtpgH7lq4F7VyXo2EaGr2OF19yBj2gsgARLgl
-+jp+s417MHJc5gqUo+8kWMtz3HQfWTFFOPOV8yBGazF7647mafgGhukaJ0NRsxwu0I52wXfEC8ij
-L/KdPTnNeahDgvYL7sMZlu8o874j4mgtrVILBOqpBBKSjEWyMRxrY0UEUcMZ9lc+NZvaLG90tewg
-tK3onT3FoEk2XSA3sgea3fdl/sic+dxENlUN6feIN5qYa4zRiKyhpuZh3YI3SRdYsDkZDxkx8HIh
-oAxO+itFCJ0ho4SieCM7d7XxnmpHjNuEFwccADwcsA7rzqKcmsA65EaaY5G3KKwXFPZs3Ewf56AG
-Z1tMas1yCjXDfqgWfIuTjmfD5DtfwC7jYkrjR+ecTJMW2dwvp5OBO81bkDDu8sWBEtNZXNPt9o8c
-QWmylDD/yacLBNl+IczEdj091o6H8yZq7W1OKfQKoHL7pOm2t/xU/Gnb9lU+KWUTzRjIT/zzpQnz
-rzzVDwZhkBucoYxDSzvtqdiwHpMY0bEemAmEYNCPBKfbeLZ/xwGzgdZqors9EMtnnqbtKgGPZFdn
-Jm/r1LY5EWL0SS9owVBBxyAHuI6lHB9rdXBqmT22TpGcawQy3tXxbtZ2tDds8tNWzyRT+sPEABtq
-UbgggbqFF5QODtAcr0FWW/4WWoz5QClvvdOBU59YUJAmjZPZOuT9+Qwk6wNikXy1AC1eILIy2qSS
-r0tCPGVYyIqBdTmrXVY1xqZNQ1jEgUlvGoxbhzi7jkX/aWrXBLcHFbNPX4YSvcxqfeQdHsE0reUO
-IU9BLo/bazHHO7plMSHbc713bPGU9uKrHWgtcAoIGTr/qOaOQVV7bZryRtLnCHpgqYkK1YF5KnNw
-f6QApHWfqiJMya+xw6Kx9lszlw2L+xIsMtY1AyeOwvz+USe4y3RvmSTQCWLAgrPcbnovI1y4ZKPI
-ilZnqq9JrNb3dIiDrQ07/DzYp1nyksdKPQhWhjVswysHOfB9M3kkpxjunFm+FQVeZ25cDlRuiEwp
-yHl4iA8tAaxNQFh/S0/BMqiYDkEafQ6S08kIGFx1SPIq5kTDoIn7QTxKugGnjKhnCMMr61HJxI8T
-dgpQe0f5ouXt8a4/2JylORCOf12nfC+7/MOsarTdYXqboEqnYriItvzSjTFyz8JiNwLZQ+ti0Zru
-NKenaJM7+oEhxOYdQjVboueVV72MlNrixxZHfthXDnsUrGXzO7j0H4Dj95wL9g529VM9OBdif0xo
-8+mVyJhD1RuUHkrnOgDZ811z9VnB4v5tdg3PS6M/GoTIxuAOMCXBnu+r2uhYGBt4er8Twew11VFD
-Y2M5HAqk0HXm6AsPN6jP5I3y2WjHXiEyWZyozvyLxQV6pSPvVW6HhLf6S4LFfKXoMgGowQwkh8Ax
-x3732KFGr0Kj/+4rqNPSn59c7txW2+tDi7Haitzuwv3KajmrzD76ca+rPWz/gUfChgxJZ6gLUpoJ
-JyF0t4Ium8rk2rdLYZqJ0E2sjwYrcD2HiMJink/MgBlHdu1cBpt0YDpEH4gs7OjImTh33gUkwjCn
-ZykVydad4m8nksd0sspDAhtuaGJC5j07DwS40xCJS+P71RtXTSbUs9ArU8XiENkUirg6uzIHyg+e
-07/YThrQw4auEPIJ8ut2n2VaUpk4+uPy2r4k0rIOfpQqxF6aW4lDAwxnEifo2WuTEeS47d95bS7V
-YDwOJu1aaoCU1IMd3VDu6KwKn/3DhDxzTFt2TSNhQFdeGjmTcZJNsZ68g+WGrFsM6naNF4MgdZ2P
-sN/FFsC9Pgg+aawZTo4rgV12iO4wz0AYSnfc6q4Hghufk073DwmV5qkSFFs6nD5CYF+8PQ2de2PV
-70onijeFB+k1TuhFmYqJbhupIcCp9EWat0SBNRnwjsCgpZy1BZafDNaJAgmGMgrrauh2n0mdz3tp
-GzSsygMBFreVNw1eMnCz9skUTbqby/lOUxY7PzAEbheY+znlnU1mAWeGerfAhrbGXyEgJJ/M9Tde
-QN+5dLeQsdJN4xXVVr76uj+FXeGxaT/XwlYrFrHpNPlF8pLRpkL/LjpXbKQ0VMGCHxoDoRdMkgrk
-k/VdCbiSbn1oNU2WpXaYe0sWdV2Mf/PG+uNoFkh4jbguKJo7DfI3TFEsMoH5KzYhtnsIFaIvTSoU
-K/MATAQIBLdBxvpqZ42zD1rD3YAYcx5KK6CPmAilq5fCxT5Hs6GfSpR2s8OkQHxjYADl1yI4eDYA
-9sDb8DKX+16NfzuQTa/N2Pg7J8mOQoqM2c9Iw0GVPsSKH1cVo6NIl4U47pLqDByyWSc5nD8NQ7V3
-MTTTBLGueN73IaWHLAdAfzBsweb5bKna28pa3BToQ8gYemOYmndkxAijaOyxVMKwD/V7ImkwdE24
-1VXw3sbT0+hTfZQkmuKkS9HaWEAcxAAuD9FGyYIDPz8LNxgcIGqcRWyPAGyl2YmydpeI/rVsU1aM
-VH5qIHmb1IV7jamCwC4VWMVzlxNVDU06q7nckVsFJz4gH8V625PCYS4T87DM6b2Y6RWoqXVf05/A
-LSntjV0sfY4A6fQw8yzFDGgKb9noJ6zBwGn2wxh9DSwlW5mW9yrxg7PVY9niogHshTLiTnfRjmPj
-G6Rjfx+n3nM1cOxtTUZ22Da1dhpA3MhhWFaxTImHmeLya6989lWpX/J3N36L8giJkDsxnBZeQZTa
-Y9jNOwsDD8c6kPOjifuL/XhD3PLLz8sdtniHcQSeLF25P5jXv+JKvGOkg1UpceCEzGiOeEGFBafe
-4aNtzVRjX4Y0KtLnvshS3krgOXP1xmXujyX5lDKXc0Yb6YNXsi9mxfDTUqftGs3Ni7QDQl2N5D1B
-PSdsEFJp5tahu6+auTvRqHFsiiBBBFB3yQ2E6iwSml1ouOdyzM9D1/JsAAjhGpOKnSeKAAtsWK5G
-COocPIn0DPCNODJiwrE1tWzwjFEyO+Q0kKilgwAFaAGm2EJ343bDvpQf8G2lTz1J6y2eweIwotFx
-rrZRx3jJVXZsVpXwOXMVDvDbzOG5/R4oBZh9DByMkg8V1wlQDA2k2+NoqO7UT0SxCr38OSSgjYSW
-VMZmWFI8lra8v2ANuzFTMpBHmUkbhJ8d+zMKCJnbChRAMcpbEAVbwvWPRmVHB1+oH1/1HK9ifYxF
-TMOQ8WW2vj4YnEnxiKGymfoqKhdEGD5HCJgn19uWdtbti2HEiOu+AkF4Kgt2aeljmglVD1eZe1ch
-CTkj8SF0wsrXwVWCo+OpxKOPMchZz/VIRLmctmUL/4C8O0W3DzNEztale2NyShiQrGlDGnDjNzq2
-I6cPt0FNMZbVgb5vRo6YfRhriiAXzVbxZw/fqdtIiTmzDuq5uDiW/4lbawOW5VODYXMzGh5Ay+L7
-mkmec3EU3eDv7T4bAd5t3BpGetP0zOyaqN14hfNs25HxlLDcnmHHfciQ25zLiquRT3sRvkqSyYCU
-6LWEqL2W1vAFjZW8BUUKbfABeotUu20/i7Z9bA2bwV11LxUl4KOrls/+0hbOAwPkjpwagzPeglDJ
-te+ZryOXbyxc0YWfIw4oAmQV5br0TyWrzHv2KiSPPBuedMjummh35cn+SXBi5yS0MC8Gn33ErDfA
-J1AywxTRGbODcqjTYmPb0hwzvE8LmUIPojuzFcZLOjGkkvap7iDkFnZg4lTTJ8sm1ur6rCeZmxhX
-T+cXyDPlFqwXPMTKFZce+tU2sH3C9V60QVuAqRGrB0g2D672sZR13a2er4GAj6rKtZFP0Y371DWl
-ZRu2NkWsMwDkMSmwDjq/fXgfF3SlfUHG56icHL9f2+zBYiyUK0YEcQqVvjlQxwt3yuCMCIcWTmBO
-d0h0D4jPXSoAka4saL3HQY8hV0IF7pIdYY218hEZpI0CqNpiJBdr4vwoIORaYgM19sGaWxL+HES6
-NH+FcFgdehNpdvKANBZopqHfvDAXorwhY5aZa1vjZ+kh8DL5jUsYowVvXZ6Cb0/y4aPAPTZkxx6a
-34j6gL0PnlOHkk1rAi8kctIJkJrnWbiU/B47gd3fy5bWp4KxEy7EnBQo0g8apOmra61cft8cbYpv
-l7Om34Gm5ODG6O4QqOGTLoXpPHCWDs26fAx6Xj8GyE2TQIuGydsJt94lRsnpOlIb+tMeDRI7qmcg
-MXa06jDZIIGdMCwC10GJCaYK6quwQxsk5Ih3egesQRyxaMYtLPoNR37rEl+gM3Xedmbpx5O8kImp
-2jZ9mmosAUazy8gZgqagcUS/pPTvJVzcYBinu8KYjkFH+0HHKWbrtMOOozlOTICpCA2/fdZG6OA5
-5SPHMaZ60VpiV6yjkq7n3ZjkxdasUu4+9D4UCd5X9sI6jbtLod4jM/vOLSfdZRmZe5uWtb0RzH8t
-DHS8mOSlssaUuzSgW8OAoX6dxuKprivx1kEl2KbKxCaiK/p2HIuVN6XNSZjhnuEbxxjUsOd0gbQO
-+a5G4Dwa9Qg2zPcwe3TWHeR6v+o1Q/0FESuTPnzg3ErkafrMnX5vWta7zlqPgX1xgkCYrQOR2pu+
-DznZlPfJlr+h5umV4TmH0k/fOUuuQDxNWDzxcA6E2BPy9gCqNIpaQwsyuassEEAaXUYXAwbYrnmx
-fQadeF+zQ2IYHzxWxMHNkt60yGQGOBzaq/WWFWBlLE4mYUv3dk0FpVDVDfGcp5F6mc4uL7HH2CH2
-npUCfGyPyX0gzhtMFMw2DFA5eIhHaBVfrmlvVDqAogHYXo/lsWYUsbIaHlP4qXS1UMUcEAyMiUBO
-nf9nMO0T4yuSp2wwKyTpMAm+gyZtV8sDow33WxTzr2Y0sAz1X4ODQqAQnkiythSJD1BtdHyzwqfc
-bByyuGzExPO/3MA+JVY9fiLfYErjKly7vovD8AEeDVZb6QAaskuCaU4bb2qmmk9gGx8TzffE7ETc
-wI+IFyJZ2yCbXx1OQwdokHyMI8xzETbz2eUagUPdaFbQVAwcZOUuy1lSOcodmcQER7+r9nnpDNep
-jMfrP/8LhXS8qrb/MvpMHv7rX0pb22QCsDojW/k3c7kYUaVx1u78ByiuOKUJ7QmRcji/jr18bGMd
-U5w+NLcCzvZ+KQcSvT733OJAFSA0WhBRFge0y3nTVE9y7PRTRPsV3QLYpySFWn5/LWfoDsLe2TGH
-U7hfC8irZRpm95pGcIsYdsBV0MnTe5jT1WP4c7CeB9tGfOLtHCfYLFWQgpgccISADa+OTjyaaJ+c
-PDodH9yiK/a+O8TQ1A5Oadh3SFjykmT9lTJi+1745qUepvbiSPHdz0O4UyY4/mHY+pGw93oedhE2
-6o3NQLmcPYhMTF+Vn7PMW3ob5rwLqOVbhJprVZVw0+CTiR6tv3VYIHW9Q90ojzpMo5WNz/MhlvNr
-OuTOrTLC9LGTrKBMeyCR28BGmWPxQ0DEYF7Ej6L/ZiZ4NEpC6V7+leZL3e0IYk+JAk8UUmxXwGsD
-ZB9TMM0hLsvVc9dlHwZTmoC+cj4Z1Og0nX43HSd3URevU7Ml2h8vbWIWE5nAPCaGBIbQR8e0Nk8p
-psuqdsxt0/ZwFMAGiYqi5Mz2j5ZS9apUctijHSRm5d/igU0kfZtHyoKEU6mdNvWjoblCx7X2WRPL
-ddefiXCiWmkMNvX4UtcOxGFJMb1KrVsQqtfUUsPeGVx9YKSKOWKpOvOHcn5o1UShVHFzvYGE10RR
-UmqqD0o+n5pMd3umbBQdhulBuQkFyhg6ocvqU0QzG20jRYTRYsLwt2kknIcqdF58Z67P4NLMIH2W
-gzVuWW6XGm6LyGlPglPSUOmCUuoL/ZyJvuPcWBOv0Mwz4RA/JgGfuTHUTA2ITmz+IYDOpctEQRnV
-Rc7QBwLfZTCRXDinRvfR9/XaQT/aFZIhsFFvjK76penQeCq5eWrfeNfFVB70bN7HwmRu7U1cIP2l
-2wUxbJfmNwe9bjXnINznSLIXG29M/7m81SExCVCYTT4RoS/PwodYYiCmmUkDJFzsa679K09o8JQT
-hdIjEkkx8lMj4fBgyZT2N1n+TkIadTTq2YRdjVK0FpsZ+75tcOMg2trtrARbhS62ImOlROwe9v2A
-I1pYVrqtY/o2I2QjKjPgMi50341PMHXVx/GxyfBPUAO29TOru/zzpWunep8VJZoVtJRVlTDpouro
-sYfsAnmto8cv6NBhud7mDuPkUH4pCOeQNcE22Hl7BdtBmV/9Lf3oxDj41oytoIxUfWAgALap3Z0K
-xfuEB35jOdk3AMl5lXPZ3+Zh5u66JFPXQX/S5YRLOZzuDMF2pmzrrduBuwsyPH1DO6B6dKcOEs7J
-w9sA8r/fT9lSww6ysYquk+7D50FHf/3J26eo0sCVMm9vuqHYJP531/TLScikReBMp9DGWzD6gBMV
-HCd0TzthTtXNVM1jR1yZreblT+Su6zmGOfHVQsjeJJLoRma4nCJCnpF0fprLgiLLHuof2KJtleLr
-oauoWcq46TRzuQ42FX87tYqVEtWYAJa5sQOO1kXZ2FuWYRShpTZ5ZMKVuRjBXfNT6c7HYtP8Dqvw
-cXaB09le/zxAm9qQWn43angCCfR/PlaCYtEPHy3N5BlZc6LW6yWzAm9d0TpiDnTXo5Cv+Udop23K
-voUoczSttw72PCex+cdvQzoIPMp5C0vcujanT9VHqQdDP+Wl3CLQA8gsUeJH5yEtQbW2/sdsf1hu
-8u0NOd9lHSMAMLdZ2W1481PGB4wFok3WdRRsd1eMnGTDNW1f9dJ0ELbvAeOQMEEZu8fx8OHNTCfw
-WF7S2DlG4YyteAr/KK5zS+f4vUnit8z/whnNvY2uDyzd4JsTOGyugd3dmrdMRElPeVutvP2ExWV0
-7UvZAxWe2z18EbzH8XtEpeMKHhxBHpAKmwS290oM0kVCic6yn8UGPsgXBdJYdLp74CBjFS0GgxJS
-8wLeYBqAmcimNlMkJLMVv3xHgs+KknRttu1VNhSY1Iio3BAOWUUhJ0PZtRySUyKps/UQlbThbJOg
-efPCV68WF7I2UtmIWXpm54aQNsTyhZzFXvm4Px3T9xARzCNdQefCF+/5HJxzEBPo+2ugz+RAjHPS
-zE/VEFyXgVDi4ukyvAKtza83ymg/SVS+RxmNSQzbhk3iNBu7wzbjm/IrsYiihXuQuPAR3E0pl3ZN
-ozmPGRNmJmHpPG0Hsz9OC8TMDeR34kO/MgiXGGN3o9Yizz0a10xEUR0YL6mJzazCJco2t1Bax/CY
-qujQpj6NEIpB3HhN8JEweYs4bzm/e/uJrMK1t+pL7YIDx+LOrx877d7KSVj5mJGzDgSJ195sfELx
-VBxhJkHNp4VkCTTsK2Ux+0P3xGcNXjmPMCQtfpv4P9g7r+XGsTTrPhE64A9wOTSg96TcDUJSpuD9
-gX36WVR3/H/PzcTM/URUsKSsLCWTJHA+s/faio9uI8VNABIDO8V7SR5RaaASHxdUvbhBmGbYgJ6B
-ylHfObr1MjUQ98pPQ/UN0t8w3PsG8fNdT/Mg1EP63GcWjWSjRYfdEPQ+CnVNGjiDoN7cuK3tJT7z
-L5XQ+DjuTl1cnXsRPlTdZHrMYsbslUVTZhcdwgq39WDfpQ2n8nCJHTafaFxqmBkBiyJcH7UMQBtT
-NUCfn4/SAaFTnMrWpqNX5AfA4vgoJ8ME9Yd9C6BMvVc0/2PAOLbDHbVj75LfW57NagyqGAuHtmw1
-p90OFtXTUDntBuzQlVs+m6DafskLZ9pCdF8CevE3k218ZUake5E0H9wiqm3E1qqMgcWL3EBhbqWH
-CenHnGPqubXsA/UO1PJkDgENVkTnn61LNsG8uuS6OGa+mzQ2lGQyBRkF6RgMX2R5sWfIyGrKyiqn
-Xln44VKAvgOt3OWequc63Ez8DE2zGexXwxmCtTH0BWycjrlj1DNnSKtHA39oVXZa8pCh+kF+CH63
-Bsmco3aIEUQTrVXDuRekukwaofHJIPnMJ2C9sLkqZFZgs9AraPqj9McZaJOjOfwtSBO4kdjMQtQG
-SB6wvNIGyPaDG+gLx2GUiwXFiCf1IOUQIWrW1qOOsWLgZIFTxT4TFVub9IgUihOSJ7nizSIuzexy
-ArnUsxtY+V761TOt/VTT9+0EMGUVajGjMsZeVYRJjh5cK/MKeWFH8yjHeqfmW8CWEAFZSDBajCBj
-Bh6NsbKKsvbOqlo5w9zd2EWNXaaHu4zxZVZDyDpnLmpUg1elHAPIpSm3GCj0FSnBBxEtROvHOAbl
-TUN6uKsDmsOSlXucDNkanQ8yRxDBDB9KzbNhsO37nOSnwJbp9hno1FNkm3njLHPBdadoWrONOxwX
-TqmiCjBh17Osa9z8J86yrSanmGsz+hpC51vA5SyYerHiLW6W2q3MAEtARwJ0FpXOOtBI0QarWBLp
-gTaCnilA+KJqm54DiaX1o7YZI0EifPb99Wqs7F2nTl9AV166CUEb4YZlcVUsdAWoBCwYnQxWR7Yd
-gmTKmpmXZ+ZmsDDCYNNWrz1OK4o2QCS+ENc6KVa/6tQhMtUZS1pjaUbpZxVrG1NrDoHM8k2B33mB
-Av6vXk7WsigFUMOna4QM1nDTYXMbgcbuhYQw5JfZClq8cYJBDegH9nSps0+wBB88gxvqqjXTlMaq
-/oH5TUcaZltVGgjwYgtNULVWnjBoGwP8rFTrwfPBz6ajWFs0kDM7lBSE6BkeVswFp7XZXBpj8BZ0
-3avVsHFtk+Eq4mhZkAKzYolL6W35TD60mBU/hXUhDOfc5IWYl4yDN4Xg/WRfkCb6dEOfRg9pl3+y
-nCWj0pZzpX7OXSRHaGwkm//T3v9PtPe6Zv630IT/aJrP7N+19//8H/6FS7D/oTJ/hwJiQCQQKOn/
-n/be/QfCL0t/WsJV+EPGv+ESxD8QGVqwQ8B+CJIsEcw3/0SBQFJAlGLxXzQgAIjvtf+V9h7y3X/h
-JThPvb0raDOAMAhTM34xSf/GjGLPRXgDqvi15oTVObkOgGfYxNpMVLnJHeyPQJ2GBRYCvJbt1K3H
-qidVItPgTibOg+k1RZaivgdpTZTnpOi7oTTcpT4hApflSU56doypgly99hlZW+nL0DMAkJJz1RzZ
-0GmG1wb1sGVfs0PUOG7SySJ2mm6DkXUVIdsejtjH2G6XDAJiUNIrXNrT1u5ZS0mfqHnRpdTRuazu
-WjVspkJqHul2tScJCH/NJnPTEFlGDfkMTdNSRLUAdX+/gt3dLXVgJfQrSbtlEeuRqwuzHWXf99Bf
-pN1TqaPPY8VL853rT3YpGTENyQ0DgzPDSheZYZN141c7pzdZ3slyZpk1KnFQenM63qJU0bKX1UtR
-UCP1GkRmK/JaQKiz9DxWo9fGAYd2KoErld0XKDFgDsEuQdJCes6yjXruGVZ9B1jkGS0+RGGH+6hn
-5G11XxSWwjMr8S6YKDRmQdJQ0JbL0knbhcQ7NEeCxC7Z/bZj1EAFI51BUtgZqVbM8ThdfcalcwI+
-hYzPA/3WAh3xlbUj2k7lXLnFrK/sHhVufUhKPLAw1tehxbCuKEZyhxpl13LnniVq96mRnDgG4DsB
-5J7cjlrMCvRlnl9GQmmrJxEdVh8JiLFyiFP9lUUS5qCQ8WY5MYgvsM33hDq1ThzsMhyIbht66A+B
-cGYpusCVorFjIHJzWVjGHwnZFG79qo+bPf7DYunrCigETcm8kff3mMt+wyCvIqTa/8aN/eZW4uwj
-5nHZDHmChCZMqBkK8opRiCORonSVay4yWZLNzaCmb5q3KSDuSAn/Jv4zAdIwWfUQlWE6A6lBDqEH
-WgfZQH9OAeg0VdJgCTE3VFpEy18llvFeRbWDJqOBz0+4xyTFZbKqPwOJoxlxTnKsPjWLHMYJQk6K
-wAHkv8Efs2eTC0/qKfxqNijedCRAfOD/5DmyKuG7tHeleR8gZdpGvcvxJ7umAkYrPYlnBcsZ1eB6
-BacQnMIoWqnJBvGw12nnlEx7hgnGOVVaujnk2eUQscTgJxiq8uVD5FoKO9bmUWVirPOpt4hLmTsF
-2qysRAE6rJWu+XCD4DgwbgkkSby5pZQsQYmH60jGcigekBQUVVJB8LL/+Cy0HJPGJXtwdP0VdvvO
-oAe7pc4K38SFSvMbbTrTJ68gqNdJw8w5mZyzr5XuPBtBlrjupiOOZVE4qAqbzISBIFUKG7BAsC2Q
-/jp+t80ql3DBESGyLY27H1IANyGLudjoYW05qbJLSpX1xMD+3m+5UoOC36szDp5NMSMPoRu35qmG
-5g/A5KFWGjNKqmGWtQsHfuBMyUyWknHiIK2fNCK96gdTqHxVKPLbBey6RidBdnlhj4vGJNy8nKZx
-nUXZTtVG6BOGkq1i9EuVyjTOZm5KM+8zjM+zYxJinQ5cA8kknDBBOHgApKCNR7zU7PqsPNwC9vcK
-od4J7XrthHvTSASf571GcAqpQdWoMTkYzAvhQ5J9R4Yjdsj/KGG6ZFPL4g6MyIwP6sQyV9yckCoi
-DNpZxx3L69JLT0MNAiV51/0PUomPmkLyeJPcZIj0iX62n9UKJt6IfU8NL9CC0l3l8VfPFC1FsQP6
-D8msiwsUsCwrVmOvh1p/jA0ElWZNlzBkE1gBls2kCRyqpNkNklg9IS2IUwOxz63RAICsrLnl93hW
-aR/nk2gz5h71tgrbryYEMh0ZOK/KhFaBKXvoDMfOzqtDxJ3L3le9W9HVvtY1EwkdW9W8rJz11LAC
-hE7zXBwqOxJGyJpxMZcjX6lWFeKkaQj2jt4h6emdRWdH9SWVqBisqPKvboWDOnvGP4wZPwFnNYoA
-EoVWvlJpNxCZ/bzzCQb2fb06xmZjII8ZV7lOzsz4/LRA5h3PeKxY7unhKQOFpeqyOYhEoP1O8X1L
-q4/3fTyReW/RTNaogTwAjISeCRInA9VpFqzozJ0p4wt+jmTl+IqCi+MJTcQjswqn+uDmkCxEnLVr
-X+ImTriYLtnw9LlHjs99X6Kuhf0yAx48AtTwIRgkjXEoEqtcdATVNEQ2v2qMygt/HC/4+cs5ul4G
-6m6WrRE1IQzTc1+Bl0FbzWzX3nYq1gsGqksjRp6qxPo1FG6zHEtgFAFbCVZn8aYi6T6xivckzusV
-2ALINQCMVgp0hbZ5nt4W5i2HOQr3E/hfP+YI2LzNi0saPBdrqlYe6pCQM5sIOVAF3Hcz4kVOheLo
-y6L39yRqp1tRtWi4MsP8dGdYCNBBBsnWUjIcKDg6Vs9Et10TReMVc5PhNGIbRnm8ow6Pd20E5j/H
-DauiY6ffdtpbW+hXLQmaDyPpJQpUJCJVpnVzpjdIP3VTHivOjxmtIk3JSEBMiW6nsUsmB2BOxtg6
-uWVH2GCZ61vVKoeFX/v2tdbLcoFSm4YNFUOuQLclj/arxxDWRKo9D9FVgC6NwEzE0NGX0hTVwUWe
-sIuZWFG8t+atRoKCssNS/oSTZ8acsn31dGCEA36/Glf0LNV1ZxZWRNZkMaJYjU4NTw1XSTJCDZx1
-HEkEPMn3KlPoITi60SYw3SDKnFtqlweenCJiOoR2E09Ejo8z/WhPlk7685B/5+UJHU7wJUpayxpc
-KWPoZtOWAR1T2mUeUjr11kjeTdVpx5NMxatT9xWeMR6Ugo0w6ZXFomStQlLGk6iQNDCtDRnsVISa
-/3ogNRKtXXQq2Q2dguJs6FOyNqhW53YYOJcRWj3bzlH9HIlSmeHPQ8+VaJDsC+NWue2mVoW7dg2Y
-DL6bsEQPh/pFdChRRiY613aqtIWpv8MEaY8RDoGNHSdQ7SLbOprCekrIjTs1pTiQvoPa0LLal2li
-lypFNhD4Wj4GOdRnp2K0+PvAlFCOO6BG+h45Nu4sLvz5qATtoivi7iifD5kVnv0a+LuF+HPHdN7Y
-x3U/C3uoMbZoPt3WWRsqgIF+jJWN3rvkKXUS1aOFAMIu2KnbtWmcCcPZQhYKeUmyl1Aa+rLllDu2
-hm2sLKvXdrFEZq9GGkJy1tG7yI5rJGuB9uxS0XbV8hZhRjwAMCCYBIOJHZPk4VvGi6NO4eX3Adne
-ZzUVzi3hdUhbQn6Cmjtt7QTVGdwHNpwxFBsxTsqhBWq0LBOjOiWk/kzkR75AhfpMhrHz5BOVO5kq
-aRk1WKKpHcNjWnJ66HJYUPQ/3DFAZEmkeIR3czkwJsPOKr5IKYi3kOpR2Sni4KYwCCEU3ZWSIY7b
-wQsrXW6vQrxptl6vjLCjuATMvRwH8VoaFVFahoL1rWfhO3QGBVroMrXXaeyTkMO2LTXmEkUWbIMu
-ARcSpfE803Nnr6XmU1HJ+IGkNuM4Jd010/XwZvIrTID0syG7E+++dcWFfzAV89TWljihxhk9C/bA
-TkNmxraGMOmw7Hfo1pd+063b1D2jkJxlAenCZm67s6JvOua+zdbs0jOMBOriYt1AnUIFamEd8v0O
-TpngVoLc+9R1dboPg9RYZgTkeaQwcwMAmPxtpibCcKVYtLpdb6O+m3b66DK1K5C2ETnYXn4P68p+
-huXGgbZOiQbEw1p2t65kwlxrE3eCnADk5LlObwpD/+dDVjNtjjN2mDqcXnXO7643WvPZBQUh2E3V
-pDOsP/yVWrS5npspf9N8ClYqdzbPTD4KVydwIJzb/rOL8eGpYV9kd9IUyqaoxKVvV7qNdK1PCYCB
-hxQTGfHkiv+ZehJve5KkBv+9AAc9j1MUVIMsVi1SnTlBEvDUSPVG7Wx742iGs1aFf8TKp1lGRWVv
-SVQ1pO5cAAGWR6cAKpKl+jZhPr/9/er3oU560j3MpWT7yIFThS+GwN1cNB0qgirMHoXclly73Ij7
-7BDrUfDaT7HnxHzmQ4HCR1WK8CGL3usM2V9+v9Oy4l0PuVsCQEQQEkXafjRqbf/7VcONAWmVr3p9
-gI5Sc4ZwpSvTPIr3I3rSdog9Bu/vIuKjoZrtihoOwx4pPXNfe7Fv9SRfYu4M4L5YPEnCYnk/FpWX
-sZmCEgOGDwWIun8oMYsWhILH8lrds3v94t+EUM/I4NKt/TYW6hWF1El5kgAxSTbxZiRsdB8rZ+si
-DsHeOIJD15YlVGr5iftOuRBESkgwrQ9zxcj8EzC5t0/ioG4U+YLWJi1ewMtkx3RnnitzwVFtUE9v
-rlcsAtHzxH5onUYihZMXx1GxtUsnr67SnAdEl3fdBVxDQc2awxivjNJmpDFVt6zIn6ltVroL2qi+
-aalLL6TrazvDxz0y4L73dEKH3gn+Yhf3txoKJpI9yp6kBbqNkdVLxWVDRuqdOJucFyL5fSESwnNO
-chvNZfqymA+P9mQgVLo35xIlyMn6cb5VuY0/ndt0QY1mGnRrZyqw2ZJz2PNPGrwxHCv+bWTqzbma
-qLOEoT2WQyYOsM22ncxm7M64qxFPtHHCT/OtfjGCw/hmk7izb7yVNR5IfeDC6WfHvNtX0cKaC+BA
-0bv10ygH53v4Efo927DjD3CV86/0RT+RaWzv1XOqLXVyAXXg29gDq1VMqnZElJ/Y2Iu0QuMfMBiQ
-C2AvcbgBdri8Jk05Z1O9rDrKS5hGyggHBdK5fQVvvHgnEfFapcxeVs9VyzsaqltK9mbdeFzVhnvk
-n/pH5jv9ZByMa/CI+aOzuXKMYmWVHRDErTENgma+pKcJyQMV+YyV50PjWfp2t2LQPY+gg0kKtqsf
-q0/D1MEy1iXuPTIXYzEvEJKIDSOge8wh3851CZezL/JXN1D2vuRnNxmqiNqJcLGr+AQvNiXEOFdP
-6U4zPvhbSZ7uDk+F/ilfB6Lv1uVLQfDgtdd0Pq4+HkKCpVjRr2tu3/Kl5HLQTzI05zndg/nWeMgN
-i8GLXzULMdbM3htXNprvwYeBSOukWq9ZQh0704NFPq2TfbBJeft2+pk1YPRQrsWjeFSHBGaSv5hK
-9LqzVgzeXxdcJzbJpX1uh61awWhecvVjMqSJf1QPJAKz2LOfY/7nHlJjDfrl42w+zsr2M9r760S1
-Zq3//bxp8l5RKjvBbvgkv+rT/O6SrXN7vgD+XVy7V0VbMrQuw9lgbe4WZT1KqTUAzVlzyE+4BMrK
-3xTBFTIaq9Blx7ofq9us9yrzah3svX6uX5PH9Eq23a25AD8U5un5l+8frX0cDyaAjKHY0IWkqXx8
-GzHBnm0AP6geg0XXsctuo1H3LHuXN/SzVqx+4pRFicLBUnb9YnxNEzQp/Sy66ehm4kt2CogZKi9B
-vVVpzeVF9NfhAzOH+1JfCQijnI53kQBEds8HMTM9n7ItWNUDVMJjhGYzMf11WRRLrT/Qzdwy1V/r
-6/gSc+A5Yr9W1+F2aE/h0jE3ytk31uNXkDJUwo0ydYghFa9+dI/mZu6bc3V3uD7LF+dGFWm9hdo7
-jsroYfv9Du6V0hVkZDkLVfrnzK7MHTCmY1nG6UZRt07FJjrT3chrSl5zdP2wyIB6l7tmk2FVj+CQ
-wMub5ceEW1E1C+7+rTYs7zWazrazAuqqEqic/5Rx7lGTXgqD3YBxr8bCOPeg1kmFWtQXf0fA6azi
-iRbcv4K7llJTMNmyxZcF/lQ7dMfiPLxk95IfgcFnK5fk8210pVsyXklYsflNvzFgIEadv1riBJ5l
-myH/obnZmpCKyFBwrVWvAEFs6naH4VXFEaOHbxR2u6RNlW8jTX90bazupe7sAnZZZOqaYjuNgbsv
-W7KC9KAZ70NvY++xzPCs9aQxQf8l/G8YglulpeNGphhHYnuUb6OYvHwga0AlLOz0lHpi2DH/ss94
-T6NOffOruxtUnwRpT56OUmq+9eOeWW+MEcbxCEc7BKNF36or2/KaX+WLweBQDdpsUc5ki3HD/o4t
-PpNqAMe1f2ve9AJmYV5bJzVRX3CkgIXkkrK6qvhqWpUY6t78Htr2FY2P5pWZ4y59Yl2OZHPFGwRg
-Nya44Zw8Edwxkz3dIAZsOJ+qm+D6bmB8VXjA9H73zy+RASAun8IXc+KO6HTGbumrLwZLydmqd8iR
-iXV+bVLvNM2IXkKmmWtTwyzUozxYaaWRreGLaIa66doRvIEhjrqrI2H4/ZLp0gl7YwGQkvdWQn3b
-Qyzs979fuU52iwyrWIUISZy6tefdthlTCAEaNmjf881fy090hBQ7+MoaVNSdIL7KTRbX1nCoJNUg
-w+ULBNIi34akZ7HqbJTopRz8IyM13LOdMqwIZwvwZiYxAMvxFsYp9Xw0oSrF8o8N3eO1hHk4WuUq
-zHDc6hqA4kzXQk48pL7d4GZHVz413nvtqNVkZfbZpw2VbdK3ck1O1UMbqZ2zxqmRJZpkmhfmluiM
-btRmJTvqGzmPwE2bj5mDmfVEfJ2LfQFixys2TX+eCDo72+bYHPT80NRVcUBgUxzyMr0i1Mk3Ar4I
-P8iaMJIWiKs78lcaVF168oyWPU1dHnl2WkTr1ygb/hJLVxVUkLhxP4yyCBcgvsbxpwn8colmZYLt
-K4w3nUH6cYiMGmmf+wMWODkTfsArhy5t7Qc5M9V+XJsO7DObvDWYcaxCQ1tVt3VGwIoVqWLpdpW/
-n+DiRb6suFsDj+4m/5D2zJNAnBom62qciM/DKXg479NX8tE/mos8cxdpQA+8ct2C0zpXEWF/OYg8
-nex1t4jRyOQp5ueqPAfVcLCRVuzwBPguSojxLpQiX8I0A5PRHrLaZVSEQBUczdNNnyOl0ZnBZ923
-1dUx7rKCgWkchtREDDvIIw9AWTcBwxZEQ/IYJsJl7UxGN7BkxgsAe4oxfLW1HldhebY08wsZ/Dhr
-NbJOWYe+91AjoA2jbpVbngTRhgNSA/HcqpjihW7pQ0/Bo/gh1DoCkXIr2PhcMEoOu1akN6ew13lQ
-E2wmUsRMtfGtu6QrCqBsfTjRQGVLVsek9kz9QtJYjEzE565ipOx9MdMCm1Ac9YOEB9KWFZkfIEd4
-SRLIvRBc1U4TONTYqQSReKqV6sOVyqoMYJ5M27zNUC8zsgK2iBzbQQ1m61f0wbOkNR9j2yYricKh
-67Qfs5IbzY3LtaO5H2Plz22hNMsSWvAiE+BDVNks/Kf/0ekgZ2aoHLFDXiM7aE6t/6E03Dnwg+J3
-KVDgWpmGnTca3jSpvqaV6hNmI/3lPZ6q6CwUBnRuyDFnZ9AnDbutF1lcQT0e3hAAuxu7vKRE5znt
-tCwJ3FgMSP5r0z1PyDjmo9F4ZZN8UnEqpaGtC7wCS9AI0dr4CTERLX2jjT6ldqgd+a2mtXuvAvRb
-VtivBqXu1r0BXqFlJLcUTrkwfR/IUJ5844xn4skOpGccODejMfB6AzPukML0xWdJhJqt7XUtildB
-zobQZPrTCDzl2nMEZC46J7cZQ/Xc7pCw7GwkzVBOI6blA9LJrrCIlG/Cd363p0xINTWLcHFI6dM2
-YpfhFXHzQnrCn9qWOZ35pG2ZVWggRZkL4mVBVvv8AwddD3aUbuHWDj/aNrilaCm96fmrsVIyakgp
-irrKouXt62UoK6QfJVl6fh5/BG73zUU8zOkHcxh43Rd+cRsFgUlRRhxOr1YUhH07ev7ZmMhjH4OT
-Mvp4KTtXLKy65x40BNnSzeKd0aCKi6aAfKHyPa9cTspIWJ6jMEymAiNAQffSGH1DxJ143QVy50d5
-/uJOX8ozmB5PB6xpPd2PdIz4PVFmFxisyY9/aRxYaECkEmY/NNImDM1p1E+wfsDSYjKcFRIu96Sv
-RPqEMjPRPcAaXivkf2FUHbQVVJa3aeBcbcAkL80O8HDdMEuJw3LB+HKa+1VxzevoUJmhu/Ct6hhI
-3vqoZgbslm7plZ9da+GYxfkApMZYjjF+mYCAvoqM0oNBilKHi45uB+MJks6H/ew1S3zRqFbQDWaD
-VpwQL5anvrxMhWvtkV4HQFUxL2TGn868sxMwGMeXOkumTDsRaZjeG0snpDi063XaVryKtWovXaRx
-O/F88Ov+va18az04hr7GiBIDaxLpLjHGvcoY8PD7ALl3yRqj30wslHYC+cvOd1M2qFPHNoKUxb1Q
-3Tes95cUqeNWTIY5m3QjWaZR+BRGQaPUdLka2LbxLJSJUGV7b+Wte3GQb9xLaE0O/+Nq8pvGm4YE
-+2Aa3o0ByV8M9oetbIkQDUIwgNclIzp3I7tHHmblbWzeytIhDTvMupUypIAUWjN+KRnchi2UyypP
-sGwpYJmbPJ68ajKgc8dE+5bY15aW5i4Vw33rSjAomAruJamuIAQB4kyTMg+zMUEz/QJ6FbBHwQgS
-KSWBmBPveafzw3wQurReN1gh1kCKkOjtFzPDaBUoxciqiXm4an6g24Na1LR7bpw5Fur6WmCh060E
-qL7g5SEKdkYF9wM95ZKTbhYq+j4gjCGLg3ldoARrJ25hiVLvyESxUQi4aOzQlkVwL+A7KRK3cH6s
-/WCb+KGxJcPVnAsNWeNku8ywUmIwOkB7hkJMCTKnl0CG9UaoEWJQxV1MevGtpDGLE3AVQT5+yAqh
-vIHGmIR6v14Jl0iuPorRnJewq9rmUnWRtYd9cJCOXDUD/sHU/SHPkEaXgbYLS2umFmSqoyDl+FQd
-jkHoXaSCsSpSJ9oDra0CxvlUN4gKeJavPsa7RSF6BAZU6lsEYZz2cbszRCc8SDpMcJV3tyaxvIwB
-syVuIej9hx2cxv5QEJydJGKbNmeb1PLQwuJeBCyNwvwzKdvxNdfDce0PYcDtro4I8OzEttSHv81o
-CThC0IDejakY9sIWw97tkQJ0Ph91Ipj5qDfQW9ENmRrh1kpbPfSw2qPRN1eZG2ibzHXOSGrHOytH
-6EFGi4ED781nyDQOqFf3PpBjTwBa7dlg0JehHporzmJ3rsV1e7TCGpVmqi8rzl/26aLdYTKBeUuA
-6BrufrNUyihbtSqZbyMxGcTFr7CqZ2e9Vx60JbbHKfGthIjYKyJR8aBah6Iq5KbL2R7nI63imHMb
-imw60NoW4HVR3ZNHGN7lU/kOWzjE4M9CLsoscR7NKFwHEd+KSTWhVNf//vD7a2nioNX6/S+aNfTr
-gnOUwyvjbFOtP40lp4OF/G6ls0hfKbI0XmWHqdzV3pPcd++FRgVrVYZ+zuWqVVqouW1a74M2Ecuo
-B3vGbsDe4UGydmwP+m2Pnev3OxlmfxF+wRt7WoKGWMJo1bESjdW2LY1ui3RWp8QoYLJ0Xs2FdHcV
-0PgAfkjjFq51/H0whf6DvaBZE9n6HXQuTIHaYcErxzXyA+p9nih3HqT9nZrKa8ZmlnesOYlAfA9q
-7IAJowTusx60bdptUj2gH0CUg2pWyFfG+2E/Ar8Y6vSIjUfl9syMXoIsuMm0O6dVsQeRID+DzNVp
-mPjUkMwYL3UpjCMLoQ/oA8Dmglx7AEpgWZL5TL8GphpjMxGDVaLSd54e8yQykIhK6alRH/xFOfwJ
-mCC/GGlwEJXMNnYIcQgMND2+m5knkZGooAfCuiT6pbD5GLINU9d5Iq13ci75nGWMrNqGUYL2QtqC
-esUjUa6VkhlmNqZFOXNsUe7AUwKgGRMiR/xp2z4ffr/6/9/qHQrSzijZvOAilAtWEc7ZyUuvAm58
-sNvJPyNk8M9uD2ZkKGpjI3K8n45bzPWGGVnwbhjPBjqOW0QFeIEn46hB1cM2s4NMssDqigkUKtnM
-DPNpMwJsLPy8hG0Tp9uBODxqKwA8+J2s5Ws0KvUmDN0Muki9p25RtlmuWIs8RTtSu9rDHommHcDU
-eQOD6+dO/NsZ8DKbj5hclXjSaurB8RVkOa7+wV3aUBn8GnREoOL6RAUyy5x+67YGggvtCT6Mxcs+
-C69OxTg+sGj9c0LSsUa4JvhULmHMQQAjR44APYldNlNutJxAzik1M2PJOjkXlXMMa8BzyRA+xjiy
-L2YWATTDsbBV5CJInfg39ckg55onXADZzykasMpYhKkpaxvNAqMEBURVvAAergyvAUqfeVT7V1WF
-tqK6xpoY8Rbn0hRswDseK+kTZ9FmJ5tLosGevenK/MoS9a3WQ51c1vy15ZTrugKIjHZwNf2PVtpf
-Si2+CFcZFgrNyAaZyLFtsqVZ+QlXtDkzCn4hHdSftIfdHJJAMZlRdlZryB5WNK4oaZpz3oYQ9NLC
-/AYSZITGt6817lmg+YKJlaHtL9YgIdqrFQzBuWnJn4V6cwvcnBERLcHKTnQV9VfUIFHp/vUtuTql
-N/HGEBXBGaO3oCNHe+ugOE914zD2ZrIaoqgBc6A8giKj2kExdg5kZZ0zpxlOdfspS5HTPWn1E26T
-zHMjHT0yzMJ1Pla3oInKIye8xGKdzwsq91eHmJkddDFE0Uqo3118bF2NIkiChTnlhW9tsyBNMXW4
-04sFIxvwGZEakXXqoNFdaeru9tQtCKfONnEh5VaUUGgnyrR52FpbYY+4VOQk3wn6he2mOE/MNvPu
-ymBW3cbC5JXuoSYX7j62W3U/tuzDJB5CX/3QFYOtrZDi0NLPeiAhoMuqpuVNLjoviL/IS5om29QE
-iJ7yyfeot9epHwXnFDTpzp7yHz3yiQx3nywjSzR3J0A+nbdOtEw7cR9KgdsnWTThsM2fjmPkOyOA
-CHY4mYLyu6POAe2ERihB2iiAc4aRJCclmifgcn09x0amQHwF3niJBEaLbtwVBonqeYy1M2y2E0/L
-LO4Eaa81d7xXEyaKJjcIQwrGbRKpHnYcgrcRgc56Jz4Wdf/CR4C7i116VpD1q3EacTkAt086V5+b
-jT5ye8ywl5flJyaUbjGOCnEZJdFXWfQWmydSeZynmxXg+9jQZ6nQBixRb3w+hZ7bjzs5FSbGGAQF
-QyjZXBDboTH6FKADulwe1ZSAZB+pEUMaCW+hnPPXPOWU7g+8L65imft0LUSgbHJk2rNKN2mmcvcq
-/5O981hyHT237Kt09BwKeDPoCQiC3ieZZoLITJ6E9x5P3wundXWrSmopet4aSFVHcdKQ4G++vffa
-NfAEz2t0EJDesJJSMAq1kSt7GoHfQlIV5GbDczNQBz+I8UPyJuAX2EIA0A8LsVZUlw0hVbNXogFw
-jfAYwUabJWKZrhWN0pUBkfObQyobIkeRuzZ3s3RzS8tk0teizs0tMRUu0dzlQhOytCqJDbhqNc25
-hC+hmIRN20rKdlJQUtpARTXjCKlPTLj1cZfOzTF0Vp2jynhJFIb1zS2nYCYoNJpmJjl2dcpnwje1
-VhUc+0az+/1frDcl5UyXoIFuUamkqdAEXeZQwa0hw+8UWsF2ksntywhnXwFzsU6BW6A5edkNSC4n
-SJEb/SQ3e7w1lfPbyE05478uAJT/3HD5z57fvzSNKkObiXneDBvwWdGr3yMRNhxM8M6RHvXZnuM0
-eqfCwh071QFKK2NowMny1HliMO1YXCpK4e+9fP/Xn8r4c//p//mpKJQDUy7rhsHXxKn8BydymWcq
-y5eAZjIcxVUxb9qIRI96i3fioqIijtmvEeVKVHK7gAlaQmQCef+Zz/nwpXqVj+pBOVm3rry8lT7u
-Oy3ejIuomQcwF48GGflafhLtgy5syOf0oby1j/HRvDRnw9v4BJK+NG3vByWxWdtNW9xtbo8GS8DB
-pudkhhfgnWy5fzQ6amZwqHL3ctE2sgWXiCy6w86++/dvlGRiNP9Dm938mki4xyUVSjt+b/71z68J
-XgO5ITHZbqYTeP9+N0dGCK3kpyFn5AqegLgox15Q2Tpa0Cak8YaRzZWRikp2UzOvI+tYZnPSw384
-2oc6gdVRLC4l8mGLjGjy+jjmLCxyqYMFjdiohccwPPklH49DzT1mrs2CJnKmoSN2+SHeyDv1GlNY
-RufbLroD0xJ/xOIIL2L8zLLEkZwycwx1/2EONgZYY2WZh52IOLMPH+HnVB6Ut/yz7j8jc9NOa4oa
-nEhIiXhvY3FFXYI4OeYBuKzNXWiUnfTRcQAF1uWRhrbcg66CSikvvrfErKTc4ofyXWO/+pm/vXhq
-Xuqr+aAhpDuNdxex7MEQZK9eYtpweMNr3nBARtVCf7TgUQe7VfJuDSSZU1ghGgdcHhQIJREydrye
-OiNztKjNyBFF7zn6ZQi+IX0x0TQzqE3GAisVWieffB/l00IBvdRooQCs7zHnPguNVEQrne7ZR4V2
-ip9pEZ+CC7Aae81Kvk4OAUqrd+Qkw+ssvMjXf//4kBH8F4+PgZKgWuQIgP//5fHhHB0LBYP4TTRQ
-BDxt9HHcme3dBFD5kenGm8OK+8bL8jk+6mt/JLZ6r++AXl2c/ivuCwHaGhMofsGLpW5oWWtP4VZa
-gws39uB04gsMCxS6F4sy5/5Qotsl6HelykgNMqfsxAUmiIW/juY45mOM1ZWyDxAUML2+FO9Tsxg/
-FPPaXiS0wgDfJ22inp2d+LqzmnjTURbTeDe9lmiNDStyzCKxaGT506AuDjjOXmYxcaNOIh3bBk4b
-x/kmAqdl05HIKCXJ3R6EwSxyHhr92N3lV+FdV0+klKtLfos+xtfoXr4CTDxIpzK+gZI3RtuA2JZT
-Bm6BQKi5NHgbEULvqTqEyK4N8qvKvnjrtQ3dQEEM1nDZvupX6wVw1yV+RM22/zG+g2fyNIudh008
-vXHk5Cr6jGbZd6sfLPPTacZju22/RP0D9MbUb7R+DR8W4bi4+8p9ThzPgvKSC5DdDFvtrC+j+Uax
-fDYI0GDLmgjTjRPJbnHI7tnduwZ3wVtLLEGDseq3oHcMyLzOQJVhTKTgtY1P8y9vvJev8pVfV0LQ
-24avvurm6VNcdek7UJbAhKVySXkmtLdMZ45prouNadLEiI+HwY6dvPTCUnrrlXVv16+1/Bkcyl2K
-SN+yKn/ML8CY4E6/CDcP3LkKVoAsd4uFEumAAyD2tlbp6FQr1fekVAwSHkN89FGe4LbggC/6yk10
-H9CbN+qLRlTPoUhLXAF6YGllDPIY0fxYvlETbaujNQidhdZhCghGps2elRnrIWhpN/1Hj8bf23P/
-1Jb7zwEZkjGiQYZHlJA2NWI6f9yWmPkFBkAxXggqXGSrRGTs5AeSxskTfRxDH/5nXeX4/1WewvEn
-KEmYYvGhqIEQP3mzt+qleYk6fLyYnHkzpUO8rnqi5LInWosT43uEdaA8bieHpEJ6SBTdUHE/MOhD
-kEuIHJ4hb4y4jK5phUli8vr6pcppeYGi4Hhe4v6HX3je/f+7QXXecxRRF1VJMufmD0P8y+mggioC
-P9Ii+ar8YKki1nYoNQGrHUqaMWxqakTxLssBc0Y93gyuUA5b4Saxm1pv+bU6j0cd9Vovv5syXAUQ
-+HJW3p6Vt7zSvWdr+/oioH/nIhIRI+XgP2ya8r/8+Skl4f1SDEVVKU754xuGp17OEjNtNn5j2MIN
-0GSWu5Py0zFHHxdlvC5R/G3B0t30kT/0gOaNR8Qljki2gv17MhbmlgN7BcErFlxyPWj0AwGUf/8y
-/6sfk21dIwJmGLqqaHMpyh+OO3JaS0VehtlGM710HWDU0g8+KrAkRDFQuE7bOllwVzxV2akWQ92d
-ofk12cvXg0bEZOeL8SW3oocqNtnit0zNnRXWAWwIqpJ8r8dlqTEqqiPUqEhTj//+x7f++WRCo4yq
-AHbUFFnkYfzzj+/HZNi1SYObzNhsUXeQLqETA5xeSKwinJAQqgfzIKSZeSCWtEmZFG9//9vvP5cV
-gE64FPehr/+0bZVg8s14OFIBADBnwDgVtGsRUMsWpP4O62i5EgmksTnjb9c62dj9/qfCiAz4+sK6
-LcJ+gwFJ23v1pO1//xOSFYVkg08VZ97tvDYGCzDoiWtKRD9mRXlAWq5njTnfGbPi7FA3+dEzNcln
-NVqcdemE+xIqtVGpBPqZ7JJ4wjuFlF2vlVnX1jZd+gkkuXFEjp9FQcpt0jPG1hykuC+ZeJNDPBMW
-J2o7kjlVUdMIhzYPehf3cDbKve3POnuA4J7Myns6a/DyrMbj16bEcFbo21mrr2fV3pz1exEhn7Un
-dZpZ278os86vMSadXrpZ/SckQ8bbmj0B4+rfv+vyPy2GkiSzEFo6a6FGtP+v77qg+g0233CjJO90
-KJMUWdUmU3yzln4462VNAB6m+xjHuDz2wp504C8saXKHm9ggDqFe5KRMOC8DdGBpJ9KsFhBdxeQY
-FbHlan014u4IoDeivk1mdpQiRs+eHHiLOdLyH36Zf3qEOVtzeNYIWpK2VKy/fAL1MqhL32+DjXww
-TPT3wBscTsHCROhNsryDD0StjOSSNpt6rmREAlfotVhGsAL2gZKcw3bZZK+drJLjPVaX7s6J4st4
-/8dJ7v93lv+H2itJlERY8qzw/9iyHXxw/+PX79zu8TOl8PwQTnn15wDuf/+1v4dwlb+pgPtNXTF0
-S1MkWfuvEK4l/03m/1AwkhsogaLCCTrLqyb4X/+TpC3LmynyH0XUuH3xrP9XCFf6m0WaV7PorcIV
-auj6/0sId877/mXL1TX+TNREnW3AZOv6yzldwQ/JtAXoKZV7j0IXH5IIvZT+mE549/RjXO6pXRXC
-JTEzxj1ECEEqMopTaEEm8obRKpCAjtrZD5s1LjC1gHtNKpHK6WWlPky6ZbpVVS21jmPdakAmSg80
-W8gYACq0/pdQvoxAv3a1HX5w2x16V0pe0AgF8Qh+pQIS+CFjLADhfeeemzPD1NyUYIhO1tTWBUBj
-dqagOC50Zm7g6B4E2LG7FCM/nrh0IXp5LIYT1Lx1YNldsBzqNTJXn65q2I+YTAiA0ZfZU4dDIaND
-YS773AaKH3ZBUXNqC+2IiEaf4JhaGO1WKzYCR9SCAuSPOTT3Tf7H7yjQsm34+tIX9I/mTFyXO/xE
-w61uY6xDjKTNXLxT36g128FcZ9EVQEJuOriIFkyTORIHMFXfpZPyLA0bGATFWlK9TChzdGoKC/sV
-cB1GOfUDxWQNm0R97S5wPo1sqdxF0Rbe2QKxcx8FdtxrA056EUwgZcz58toQ2OPO6IqHYafvkx87
-HGxbLOHkMuFjXGzznr/CwyrRNKDEy/RhocEucJ8va82V+hs1SV1xyrBnW/RtyFtao6OUvDJACkgp
-ri4tzfYnGS6CU5l7mUUKSjmlBYwEv7HGGtU6lVac5FX8YiDvy738ClN3FU/LhDkdegwbpJXR3Rdt
-Sct1PEfe9NLyoHEBbNca3R3eIcxWTAscXTtU9GN0d605VOI8Azdu1I7iDstJ/GHux59Pi1GDSU/N
-SqSmmzS8IOoVxVNcEw95nWL5nQ/B0owOhXrWu1+6uplUlC+zOERK/Sz79Ifp35gqP4mab9mH8LIR
-+2R338FrQt8zflR4XErZ0zvfUJJMgrd2ZRQZDh+MSCb2Gjse9R+hEt7HIfiQs/YZGf1z/t+uTr8+
-tCh94vT5guT0lYdvdV28KOPg4q4DlDyUL6OJOT1IN8D90dVFJ8XAU8g3p7XahdaAYedS41OBtZAG
-nCrDdyNhAg3Dj1I3wlUaSk6v6Ie+pcqrxzGBqQ55eKQ4XfAa+nZyml5B1pS/KCZOuh3cSzss9ybw
-o36DlwGptqw3gFvT2CGTJ1fGWsnXarQrZzSGiPJHRzh38YVR29y8DY3OZfNDLUgjT/QjeLuizOau
-Zbvq4Ui1x1Y7Gs0tBdg9JsC3d6W/1TInbLZ+ciehfog7zFQH7A4LZCKq5F0OYla418vdZGDKvwmo
-8wCqV0W9zaRfuYhfeIkdOatuo8I9gI5h6RJE64ouaqYwRY7V9suPHLCTxfDl+bugOAvWAqVg2wBC
-xpuz5pUDpdgYa/LqjqXUqN6fiWQ4TRasK0hlQw6ndFpx9w9b0+6nN6E/Ny3kEsluW4h+VbxsGR1w
-vWqMnyz4KIgHC+NDAu3cCTQy7OppK/S1bbf3vnDJIh0JCi5U+UMe1gXO8Untt/lornz612XG1YGe
-g5e7D+q6sqpFwuqofZSMKUaYITbw/kYEg30PMW7U1YPqBEGlCPYUjN8yzI380A+Jk+dXo1i7Wr2p
-hVd9OJn6S976qES7qQK/Bdl2ggV0a4gFegSwPjzyEtmzKzeJD6WKtbu6OKSUu+7F0uleBxQoKidt
-PJNX4z3iUj1tqOppmVGeK4ioUnotpJtcfku0FKfTCe4PsXkWmoq1UZ7AsgspZilQbC0RwzH5ypPu
-GXjBF3TPZyiEX1ZZP+c/w0jyI2qnKSgg14hnTWzJB57JkQiJ/tO09TOt4y+OPc+ccC4Myi+E9I43
-lm8nKjtlspzI+yohqAwUujbYtuu+Qugi1RCVDmZKbvVr1X8WYbEaexOgfb+YJZR5omeCaR9Gsgzi
-tc6MBX5zu+tY61W8TE2sXxDo4DFQAYBlRUfWWgbKPDdRFGAzPXXGzjxPQaXmMZCT1ZAAmGBcG4B+
-6rQZviAFbB/jRS9/KJX1oZUq4PxExCEh6FxRAKhc3yojfWKNrPW3kNU395lXwdtTjQUNGXY0pou4
-Mx+RBU4AdKEng4JElKTkK4PMKp+FiIJ2C9wF48jah+QDHDv1cK8T/vAHTHPIo97DbaVTDG9cCt+N
-NsRG9F329dIjLq7GrHwAhgFjLhhYkf+IbFNEthBEtmyKBHhHKxE5RQ+XXs/mWjeLFvepYo5XEfJv
-HsRcwtlGy51cPkhnSdIT0lVW4rfMvltVBQp1hQMgCacmas/Qf274BGxhIIxpJjaloxwUxKUVf5jc
-kqT8TQ/YbwrrDZvMEgLDssIkmoHeGTQCPzi90mEdAZiS1QanWSns1Dmbzeh8CuQ1tdxMbLeWVDpZ
-SgChoU0xX6FU6gb7HLtWo7eQSeNtMCffecey5LOfPkf6elW2DqkZ3rz+YMsipUvQZzUSzrlsOqPf
-bDs894LG9K3KsTEbV3k5jttaMZ1hUwinWDmU0lvakdcBztdRXG+Nr1Sg0DL4LivIY+krXUKgm4Z8
-V+bQwRuxC1e9LtMNCLgTiPiujtWLN3TdqqtuEMxIULQ4H0QslWryK+z2YXXPxm6JcuEYXbwzwD1H
-YueQXqF/nNULyTugOYAkfMJb6Y34ZfTG0eoXuWRIGHqLccIQf+9J39Zj/ZRK/hYKyNpH2c4DAgUe
-FpWEUKDEUjdtWHF5FqVVTfgc8Bw+YhwtdGBedN/atHTWlEGIiIhH0zPIdjLuHkrH1zUX+8LpkIQg
-aYOzPbRnq/OxO7FMsqAKRb2wcLgHzG+Mszm86yU6GqIh5HHWvXLjo8vS17EdBfOW0dLmxDiu0Gn5
-CXgtxbPMqMQKYOlZxScwhXNsZGsVRsXA1Z1bbLP26YvrKvHkwziBvaU5pP1hXE6IFWZwbjhDlgWw
-dDTTCrpDItDD9qVhxxjwIGSYzGehjAxdz6Qf8tIRwfBVD8plgc1cFH5oYr5JU7B0gSXjwE9QPyfu
-6XY+qfQ2W8lC9n8NxWzPPev0A4BScEXZXDUksE0xPzNeWGBM4qGnuDHkI47h0Qy/BL54iWWijM+q
-JC7cumnsiMfN59YutthhnxKGhOxG0+dvnJxopmui2TESEZF9BT+bMvbY5GG44fgSeKtVIVmNlr8N
-GYfxKSl2lZGQXt4kDV+VaCo1WCXAZrRkuX01reAoBiTp8FSEM/pEeVSxfCwzdRV6HWN0Wni8Tj8G
-Zg8LZGulFyK1rXkri28803ABWeymG43zUXmhZNbNcdtS7OQqeow4AZGQtzERiRWo/mullm6A3vVl
-eFwlJloBR8Vt0+FkyDWOfhFTe73S4ZGgULxLng4p1i/WHZ0xfhl8exYdXKimfAAjmnMr6RB0CzkA
-qQD0NyWcVzbaKbT8zRBbH9gUNmGrPfNY2kQlfIPYXIb2h0QRFBx4XNUJye0aIoI48AzWm7I8xrSX
-91q6l7KQkBFNagBazmiC58HPNrUWQ8IaTIcynquV/K6t55zniSfVj5k0+8GbgMfrIFgk9Dlu5eNX
-0f+C47s1w6MvAhi32KE4fOWRegmUuLRJaSQfeqeesT/YM1FH1pPNGCpHIdKXfcuQovIubmOBF82A
-4+bdgRNnaGYrNcBUShZdxYOeddk1woEg9h/Ar69Jli0jWK5BdKEr8pEC6PDOdBsdx5TzoRzFbkRl
-p1n6b146rmudPGVHwauhr8vMXBQKrzwANjeUi4UL0Vtv7zFKVDWsjULag8BYi+C2Q7Fwc8WDeDRn
-b8JNpT9xvG4lQoCNgksBP7M3siVV6Tai31D19H1fCMcKE1yiJfxGvFO4W2Faxv6HKFinluGuFTIi
-NSwnjwOHg/PMGrUNGehiH63G9Ecc23f6wrYpC4LZ/UgiDUq8g6hfv/wkpn0jsrm5LjP2FZ/74Egj
-uEidQFi+5l5+ycgFAR5yulK8mk181+r5YiKwJjLLEjTcWBlD5A+8Eza3O9M1jHOndEujT/aUI9EZ
-tJqSwJUqOq2oemCLpMqTX2BOeqtL2YTjhz6Bg2XJ5C5rMGRQM+lN6qNKv2UFf3oqo0BMw5Kh+/Jd
-6Sh+C7L6wpWv83FC4O+OuYIZQY2Bk2bpEGvD7M4iMe1LXwJrwmxM1fl4pB2+VGoVS2lXaXxismqT
-e8oBO8shr9IdbZdXn7y90Kl3sWU1Y490RJML2xQsRFVYwQBeq2GJn4b0QVUvZf2jio8dwSZcSAE3
-ghbgan7AtrRs6UIU8hNTiGXovYnFE9TSSZ112OSax+oyLRACfMTcjoOQKmKneU6Vt+tjeVtR8yh0
-7XYKOspk+MIzczpvToIZsAoZ5FGRz7kayqh1k5gtYwkGNflCY1hOkj2NnKS1ZyxD9pvgRWTbsm+X
-ufmWV19BhgCM8msqFe7sF8wbzIUfpf4eALaRCP+rEgRWuj+Kt4zJRC6Im5pVVIXlIaLQY0zjhMue
-1VwqbpXTmd81Cum2zB18XZPMLih02zZp7DE2gOQQ6tkVLgOELHPZXHIootqbnnM3ER+NudG5akbe
-PYr32H5NylrYRDSiyB6X6WjGKoRMYgF1KnVlB/h4d9qY7mtzlatXW+zoltyn0yqkLxBfc1m7JbXW
-Bi+bqsJFBEaUf00m6XmFQ9OZFZtv2M94cB4DI/y0hBf4muzgzAwQhEPA8xdNHOzgRc/OdX3uh72E
-lYqOE1FdDViDeDtwzolEk5H7hJqneW7B014MLIPpeNCsTSpx3sw+1OklBcYjn0cpdEkV2WN7TcVs
-1lNHH0S6tIjCF72B4iKxZTKkeeKTtz/S7NVXLrwQJe67yngAFcQC4VAvV1fmljfDM3eW+TFqsiP1
-GrhiZZVMxkmSJwcq0aqSf0XEEsfgzSzvQS64IjFzuo9tXNKLPMWQ29MuUX5BFeLH1FGsYuA7xKZt
-Ew4ndSO2koJZCeALt9UOrxGfuVvebeiaxrbBfIEQiCuDyIbgvNatdOsVZ4lpC7uC6hMk+RipC5+p
-EYGwrVnP4WfZUsf7QBITmhPpGkiqGWgNkzSV6S3VaO6QDRdSHe2s5iFiK+7vEFkI7NQHPQ4uRGd2
-Fgu7UjlSXLNuXgcF7MNIAl2LjhZkExyZKQgay/ouQsHmnhoCQujeKXazR82R6V6xw2SV1NAaMFfX
-7RcWNS6SGMujT6ME8yY4WS6x1PkXT0jJXjjSkzjtkv7Aj5ecAiQo457+VWgHy9/T0rrQY87ulrJp
-Jij0V9H8MTE2JBW5FP6cjW9JHaJqYDGR6bfF/D4RDy2FBaVKuvbeqea+mt/GtF762DYCnh71JcYU
-BwFjMVnxlz+9TGsx99ycI4aGaaNj/Bc+INcvxOCZK7jLl0yTVFeF7AVvhIdLB+byoSvmJuOqPKa6
-I2hUSvEB05B6Hd/Y6vFpDDeD+VUD4tLHcKmYxYpRuDQaswXARn7lQDnqR/Y1mWGjDsIEsnIKq4P9
-G1g8hyT9JopUsWiijX+CWR9XgjE8erglSwM2E0co6mCZ7StCu65gr9MWA/e7X9fiG7bBhRZky0L8
-jgkodEHPXRCtGPq1YbGbJ3fDFJ7hQE8t9ZgNtowc0JwWXwtAyC3XAZW712SS2GFtkqRvVQN0YyiL
-OvyJkzPaD63rdl+eR/mFbtOQpJ3OrU5nVSNRq7rsW/uAtjY+UCBdvcFzjZsnF1cZgonXILmAQht0
-vKIk1s0Mf0e6G8Q3M6SaTN2kLKn6zKcOOOvp9B5KCP8kqzn9fWu9akvGXiQfxNw2xQGjKAqa9yqM
-f6Xyhg+FhovQ39YQ++SaTwRDUg2Wu4awTA6ttwJqvBq7MnS2zzMO+N93ztB7VSXP9aUPSI4LC97Z
-txXDImm/ueIxSFS/SbY24TNMXozkqnuvgn4NqhMOlYVqigxrdz49A/DGTsHwM7ObC+SneHwv/Vsb
-7iq45IIFGe2WCV8qw+lg/FU08KaD9DTFhpMZnDflfomJG0L7ayK8xIbLrpQ0rPGO6D2kktJqmMLz
-tErFyugURIaArQJSfsEez16MczZeBQHDL2o4Skl1wEk4Jb2lNOHkuiP2mIPrNya3gn7SQK80yQvM
-8IJh7FjTTp67ssD3xVPkrXvGnIaOsopHqTvITG/qHe3Xk/oDu85mjCtPCn5aQl0leiXpNrn56NSH
-LG2r6mNAumtXIYost4i6P5VAyvMTw7xI++yyt5GgenlMsD/5HkEWAp35jrl1zax6YI0P4k8+VWoy
-vvY+GwpBfe6kw/BLFwJ+91k7zGHfXSkaXEwsI0r75km07HAnoqGF22dYl1ANdsRxGGhP72oKGddf
-qXB1tW41BUeB05kMW75UWsZYg60jTuoHXTtLeBFwx1HkQSDvUFK4Mz7N+jni0/HVfHnI6o0zlJtS
-wYwItT7gTlC5VTu/3D/5QCUqtxj5S1YKO5hetQJgGPM7rqmewLIMci2kK9tikm9yGwWtnY03Ae21
-GtUrXCCyCr26ZVsfzHIzBgTCI2Aa+o8mf5Mjh9MJI8EfF733EPXXMTMwmWMtf6YDo9SePRs7eMl6
-7k+kXnWfRMguK9a5sOYkLY9nSn+ZfnbpBXBx2bjS5Eb1xktXce9AP3RKaTtVG6rYx8EpyF2W20T/
-iKc3CDUWYE6uz1Ae8mENTA6lQc0ZKu7JnXGpjRWIZ59pQGmUY+XvDbPMkeQeCzSn6dFkGTCOEi+4
-JR4ZfkrRd8jnLvezpTGsLNqRKdPBT22q2zj/FcD3KHAvDbJNhswWOB6V42djPH1G21os4n6nvk5S
-l25vHs3SLVC6KaeWOIIy4gSgQH2ptlYREqgWjOkoEFxXs9ywvCrWhVZzrWNDpPF0y3F20Y4rIjcj
-vrm449u6MVFWNAqBX7EkQsBrpG5MlWno8KBmcI7hBleKuRLzAx5lUL9o81NI7B2wXCJ/sUjDSI4n
-9AvxV6leWoQTM97lhsT8DCQTLM2O22mHIegwqXff2yeU9kWEknfU1PfxtnqTFVoljyS03XkKPTh1
-Nr6Q3oewVHN1NB8tnZLD0lA3hvG0sEB5KxW3oLrn2afQD4q0a8TX3npjldGe3BGYlDBrWNFNxWGj
-E3Y++fqS0/TejFheHRuwQahcaDdgTIptGVf1tWbMrC1VlSaUK9fehkmFZHJHcXvxMiH2VHyKXKgv
-kcl8mRoBiKtOj4CU02on7C3ejnAvDHQ8E4Ik4X4QilOt3zh8GqQ8PYxdCxordZnH/tT3l5rX0by3
-0dakQ7QCz3CNpF0MF2tXZG45rlp408YuZAgPptIgRHjCn46LRFGvRUsL2jZptsq+NfdNvaItDfD1
-aLgUFyXibb5GhdJJDA7mPGCnpiGmUs2dT+kNfbkiPURrNk9HwoqgEdhgXK9HjimCpnL5hIb+peB+
-rzlKe8YtEGbLyfgUp4O4EO/psOVEiVmPQzZX2IGMrs0xKR+3LRvLB9UWNOgxN4q8hda6hroK5Lsf
-7UDTqNXSYipKHzvCF+uWwSqwMO76N227ZGO4Ypu/xJ/8Ov4yn8pR3hS4+H+p8kr3F+zdhDfoKMSM
-7igaFESm+DYPJVM/t/xobtXZ+M6CpQJTHdydP/9Q/b3hm/DEU8DBsJJ1Febtqxw5WQ0/nzkScqir
-CNjWHWpUrOTitadMoPZiYYAdAS90mS7aQd7kh5wBMNwAYo12d25/deoaVnbOguAzmXIwLODD2BX9
-Y4kotfNDbodgPJmNHsJ7/YskOg/El3BlYd71YIsCdS0/PerJvCX9ZAW8ARinfLDolAbzY0BywZ9u
-k7oVgdTazJKgnGBDwq48Ut3AB32wi/eRY060MWeT3zqNXWISSev6SIdcn026rRw2lxFVcIEFU3lF
-k6kVt5EXXbPIk2WpO168m1tzoiXIVsZ7XKTtaqi+SJA3eMfOqSG/dmVMIWPwGOfrrpAWq1RkClv5
-8mqIgF+Z0TvsgGrB1KlVPGnRT9wsMi26djWmC1EEdxJNJ7Gx3jJlzYHEzAmqXv3ZWvKpjitO10OA
-8te6cQsm1k7y5dhswnApkBoSeD7orAKP7tAPGRA8pT5NZnvxGDUOZzmbtiVoyhjvSkZavPvlsTV6
-NF2P8ZdViUtFuw6M9WQE7cFUj64HXNI/ZBh5PdNh7sDHOi93zPfrLlm1ITp2kTl1XEHX+YFhQi8z
-N5mSsiWhhWx5TxHNm6Lhem7YEf51jXOHD2ND50HzuQ/r2GYatGKGNSbvp+UmeHj98VOiXqJjsAk7
-X4heahRFhbl1z9En8lgeQkR3gRZwPhG2M0p87Jr7IH1RrjLs8uC1nayaiARDle/JeAqtvigyeuze
-TrrmO3FOHvMH8Jg9Qa7HKaMvMsbFlTnxtbq9VCtvhfgOJ4CEVc7ZZeEqlHTUW3m4ZgFNl/W+5h4t
-6e9Dr7Glfea1O4uMldS6G3egq2PifkAonCOwrxk8zg/OIjJVrHjcBizczb7zlnHh0uHOrZvGv+zc
-7DFTWmvtTBGg+sqhdTjxuydP7hzlRZlfPdKTDnNthvgnQyehC2hx2fpOka1bAaYhP+qqz1Z4Dd74
-9vS/ka5lTkGrGj9jU4+MKtfZlVTt+EbWD62RytUCau7o5vUa7iMsfJJ4mrrio8hrAeWWZ8th/e+e
-7KiYHSLyCd6yUlg7ZutrBktQpQh5lag/1rjr+p7ijQeSlC4MNlKjoGzmWWAJK2KJCu35zlS58sD8
-y8k8x+zmz7/UuSk8oYKwyUbjt+WM/c7W63AzHSXqQxlBMmlxBOq3qKPXdvm0nriZKcKnSi+RSjrd
-orvWycPdeNJZaVUniBmnObyuLUKm5XbFNlLOtbRBF81TNq5Vyp2nsD49+c1YafIlIkZAu8sbi2ov
-QAfk720YbE3kmTjbEWUhpA8He5i//SJozmO+b8FGwI0nbUcvLI17YXyk45TTp/cgNAudu1gO0arO
-t3rmJCDzxnuZvvYcWtuDqQauwWWdJvZHX+o/lu70uIXpk4+5Ft7Co2DCCuMq10s+E9587Qq0Lsko
-kBlJorDZmwzeUhinifnikjRDjmMEIHQiCM2VhxUg5FWEN09s3GOwYbYHn5XEKhyTrIlYfYIy0YjF
-cSAzrKsnYnnmgzd8G2QXzP7LrdU3yNykhvctRxcLxhLDRYYiWJhvVUPG4GPQHtXwbEvVJpe4YPQL
-ssVAtwIuWFbzkMlWaCCLKo7ZDED0m9tpSxG68UIwpOpUyJpyTDLqgdmt88ioD4lkPgrakMUukW6j
-ye07KLvJ7QZqS7EF7TorLr9UsdJYxjnnWCZxn0RfphaX1CBgPl6YzY7iEE4peg83QJjSrc+EFa1G
-6rd4DUEwCWRZFENCSlNlx5N47IiCDQfJ2qhjL19x+YXc0L2TYk7oIt1WYsQqu3Bbp3Pk90sIsy+l
-On4rHvu0HGLPUYbsqMciOfZKS90gCFBRKUn3f6SOwaIZwcDOfLaZDn/MrE8UM8G+nVn2Y3/RZ7a9
-r0K5L8HdTzP3XpEh4JszC98iVbkvZz7+73+ihSTcNMDzMyD6tDFNr8LM1RdzCPsYkzfWzNw3O+j7
-7W8O/0zkpzGawJUJpV+aef2DWnQUZvf/m70z2Y0c6bL0u9SeBdI4L3rj8yi5xpBiQ2jkPJmRNJJP
-Xx/zL6AKBRQave9FxiYzpZDL3Wj33HO+cwcFlC43njnnxsH2TJpoPNZ9co7qdDy1UAfoVp+AAxfH
-bpqSzTQomgJ8WEKDxoLZqvLOxQfJHfdoUcG2DVohzvHMLrfT03ufm/NdrWz/pTOm51SROrAE4BJj
-sNRGM4Bs2jfg0unV72gFhaaUnvLb6AlEqCVdBRyju9gErrwleVUtGSy66LgzL7msmYCWtyS12iWz
-1S/pLXvJcSUEumDugxn5J+O1pL1swYKWCNg/f7hLImwoPWq+Op9btlvbG5A3EBCnc2tJ/0w+MJHq
-QVZAJULFpaz9gylV7nkyZsmrV8dgVTXP7L5Rz/zf43pyGYUB5QFoPWkhT9CanEMxcwWexnnx7Og7
-d0IEDVjSTKNKIbXoZ7u03X1ZVj+uw9KLlDniUKQ4vQ2BXu8Ee6XD36Hjh6wEb82GSD/Xfrlz2oQ7
-40/fRzTgOcbfIc8ITNslbVyIyPiiKufoGWLtFeItSYvuaHMs0QPznFrZM/jofUZ/eqn9ap8XbAKM
-Pg8IAnsU+5TmyVQUvKU+LAM7Z63VTj0XYb+/GH0xXGrkOMf79fr4OmDPMK2YhickwjYydvbc8ywh
-XB5Y6S8RR+7FiJTCREKz2xxuqDVd3LA/J1Vw0+XAo7rxki1Oc7hYat+J8KFF1GhLHrhhygBXd+kr
-qJ195XHJErPX7ch30UrPbD3a8kqtAZ6H2dkHiOjr5Wy1qBOjm2bZsvC8rQrSCFzCEUd2oL5ggJgP
-EXi8Xo4X8Eh70+MmjyfiBVI2MDNxjaYMM5XFsErDLRW7yYVd1EEEBQgtLH9sKXCYzYhZgnUKlWhz
-cNH6zm6i4QyO8kBC4JD31rNKQ+4m/giyHptamgY7x3W+JZdnM3QOpsCZ74Dk0aqtsAxGK98vGTNW
-jp/dOYuSQMIJM1X+NFCcu3Kz28Q3k2HyHql6WWZDFOzaP+B4/oLBI/NwTiNkAkfyljIVb+WIXGSr
-IIHN+Sv85n06V3/bxieaFeysCvHDpcXJG+Uz2NlwBcUeKrv95S3dA3SGvrRLIfKQnFGBuMTk+Sun
-7bO0qEvrGlRZOHys61FWK/9mEr5bZz6bSqr+dG08tSaldD7GPIDVlDPLhgZr+6ZtIFXogY9BUL3J
-JdeIHF051MIpNP7ZTS+DCYmijrpxyyLdEzgaojbz1iocnonD/iFz/eVF4w+eNVa54TKfSPR1pwGa
-sZTjlRNr97bZ5vSfXqYGYd0nul5r4jqdsjcZLb9N0w+HWXsvKX5W0FdRuM5ty1mNMayskC0B60yc
-Jy3Il6b8qkoajEymorknKW+heCcsXjw909GUVkvbwqGV822O0ftt73lwCnK3xvtoMWLIUWMOwZxm
-usOxqXnDUmAD68JOIark33OOs2WSMHAS+Zxzcm7kXIGnCMVdVlATOIm3On4BXgha+6UWWFyWV9qb
-05u2QsqK3a/Eqn8ch98hVeT7sWSPkgxvmXLkCQQp4ZwyT9H+66sREJMmt3gwq5GwMy+aYulD6khJ
-PC2hw569hjLAG5sjHOxwWKh3r54hfBW5h2mxS9cppau7VrDkjtviMxixU5rOpyOMy+BmJwshCUMd
-iWEj3lkcBpSFTJhVB4fpqffGVVFlXyou0EPt+W3Ib5PLbzYNFA1zZov4OhpATewzn8MGBVZ++Q1d
-D8MQb30l1wIp0YvqN9cbaLVTF6uxwc/VGj3Yr6+OGR1Dxb2MXI9Dtlui6NMO4FkMKn4BGYUcG3Qc
-JtLuOpMdyJvA3TU9Sa15KFZFxrbYzAOw9al/pd/qKaOFb+U4DSeaWR84GNVZQIE2lbdu+6g7Y2I4
-zhUvrz+7cPeDamf7zb0sgnPqMkMFXnvEqlCjH6fA1RGe2gBkbc4ir2I7afPbokib1XMffdoQqjex
-YEtPqzn6yWQfLfE2kFwLsyQ9xrH4aDkxQmIJcYo9pQ76HUg45Mp2QlHwz5gpvFXfZi9lMu0S/YpM
-V+0iS3a7pPTv8CW80/h35wXtxY37HyHFQ4oOSEdtf7NT274jj8+yVbp73JT4PYpsn8RgsVJpcVqp
-Zx5Q3KeY6iOegaKht93ycTjwc2Qw5NjGVpgkZwzPNOmuw6D6XnaTvLSHXDzb2HqWCS5gD+kMwYbq
-HG89sfzF9Gl9ul+LNzS09DcLoN/F7dkcWZF+mUn/yAUKOol3yyO9sa0eBVuPn3RgOBWOUdP236MB
-o0xsdN+0W68n9coD5wf6xRHaK608FT4RsqfOYnSJoVvddSrGn4fSRV1SFlyUi+Dn1hygKEmuHPeN
-W24Wg13thbwqq4b7L2+6ZJ6Ls03DwBojiYn0R+SA9V7o77vWPBg1dlTQoWlHTnKpAV+ce/+Y8JhJ
-K6u4z6jvYwwSZ196Byqpf/1RfWuVf4W3wuTrZCmtPEtN7vKN+WcMeCojudTA9/JFSBjzT8+gx3j0
-3d++Hb5b0Ku9ifOUrxXytbI0fh64Qv7zjdrReW+mPbn6X2XzKg2N9zsXPP3z+iXohu9//qMhTO4n
-2lgXu+7yLRdjIe4u2rydbzy1KEX6PQ6m+9nLWYU1wbYFCTVY57HCyhrYCjLe4obSuDO5yHMSYswp
-cqCqtaKJOwA3rZR/pgMDs6uJBywTzhtgJ6QYr70PR+s8z2wLZUHZRs67a5/9xOye2m1Nb0QE4eKu
-qdTLvy0Bg/8fx/i/xTE8i5Z1xyRI87/nMdZJ8tF1qYo/ZPLfW9Gs//qf/5XKCAhYmKbDNi2w/SA0
-PYJ6+kd1/+ffAvPfxb9SOSaeK2hX/Jv/SmVYpsAdTggJd4Fn8Xf5z1SG5f+77+C2DDzHItDj+/b/
-SypD+DapkP8WhPQdj4iTI2hGC0Ro8w3/R9jJjLIh558RZ7vLtsYtsC3SwQUyjkfY0Ndv7STtzeRa
-9TG5WXJy78ek6neJP8RnQ8hHK4PTWSRW9sJZ+yATbV8nkdg3x0B3VbK567U+VaoL7ikHqS/jWO8a
-AYoiE020yzXjeai46MwWXzKhoK2pPguTZtnUgUqpCsEIE2zt1lCXXNtcgBy6B93sNUHfNLyPaOZ4
-jHtEeHlLjAxWJpI0xlKAPZyf5i/IQMrV/eBFRgFmzwabhO8SCUiXNX2/XMRmftEwDal3pDfJe/Dd
-ISJfwYkeRfY7aRBqgP/2Y3RpC+ePU8TF3spUsqmqK9detmwTRb/mcsOsWUFVNgedgM6SqOESWLDl
-A7WT6TyuVH4UUzLTeFQNZw1bQuCvN0POOdJ0zzy1fsaM6x2n8Fok3YvFVvSgMI+2MQtT3bz4TXps
-VGHvfbx3sAxRgAfyIGmG+IqSRhTXzz+KrGXZOrJ9EaU4uxeKWjA0eP90NHUQcAGfUoX8m5EdIiiz
-KarkR/i92A72LNduTGWSHngl3d54ChTWl6IKzjTvrHMYthcUBtBw5GOce4xZ+Yo2KOzp6UbMyF6m
-ZFUt6wISuRBEeppdZ9f+PrZ91K7QoYcgL1e9U/hbkTPYTDj6bJc3GgW9oOvceRVXgjJ6D6deWCwM
-R9KDCrEjidBICUj+lRLdJc8/TAH9cVCoRY3Z7+H84fT4DTMKLRRxGgclpaLzBZFkPGadi600T996
-rNa0l5DY8JOKBu4wZDwehMJ0PGTbsa249pYeA159LJLQPI0i2XRWVFwdFgv8lsebqaoKwzhUUcts
-uq1IfLTFevjk8/GMMfvo2qZ8aeEAcG1MscjH/i23QptVYYGniihd2/xVvOIJ4/XaZ4H9oeKHNm2f
-RxiQFBM/eyyoP0WNRuKi+pot/RSR8yhjtoV2Zot9Z/f5mXv+ZxuZycpI7OkYRTM+XAcMwDB35Sbl
-8gGriyuNbxt6C+1Cn4spfaBdgzd57CcPagb32lQUpNpRPB/KOW9OxkTFW+ET1gQFqtHTLEBdvNSD
-qF4rXGk+I0oSsowyu2aLleOaZ4eiKr5ABQvcPfQ6eDrAh4aoqGP520vNhSm8hLxCKwn6Eg9mCUcc
-t1Ru6m3lYXbmEhMDCiQFgc2uEe1yRT541v0YFIfewtxNwKmSLN0pPIIZBBS+ATLv1+mpLlJ9dniD
-dkGa8z289yKX7Gz9ClxgaIPiKVIwhkA17IjCg773wxNNHTdz4vt7PvH6OW3ehoRsBU32b0HNc9bv
-5uKvKzR2Qsfc50g/fAdzBCwaPoXVW+khuNpJ9mwzGax8b84Oph9h/hEjxrnuojgYfOZlmA1yH9Al
-VrOtwS6x0xO2Br+EMdeH5aWktWPO7fss1QY4qLBbdYa/b5CW8P6zwgA2y/WOPo6xlq9zll0r75hy
-PR8RrXAW+cneIPmVDBofGuKNlVL6hN/83nDM+JIU1DalTtEcmggrT4SAEurHcorKneI3F/o9LFGo
-udLYj6H7BWA3vu+NArHbQcmXpAYgnJ0TZ5wPS82jTSXvJgn8BGNgqY91ET/WyhXnYOyfyAhV6CZ3
-jd+ecuZtUPKsy+KMqqbRQTQw5qhDf9f0dDhfRFOOgem+ZF34PjXAf7uEkmH0xKJAukT5qYB1fts9
-lsTEZ+kUMJVgSMbvDwEvW+q0dFj4mxnVwO1APGkMN2NItj6Vt4z+rE3ttTRasGhpwuIr6MUjFYJ/
-5TB8izG/ttfGzb/6uGPHoghNtMmbaZ/qmYs76Sl2oiHlhSJj1Uh3CxYQzqxz0OhrZcfFuRssfvKs
-M9e9NatN1vNrIIMfrAtkLPjQAqJU9KqGEuGKCjwaKamLCunKduL01HvEqToVfQ/e/KNHDQIQm0Bs
-Agzu65EQNC12MNwAPaLFrgfPkhtbA8CgNIZAGq2QrKVn/dslNDxaxWtuiUebFx8NC+kKwQm/gv6k
-drqmBAEMdz/1RzrH11EeG1zNI5Qdc+Kh4AUvcFDtrVfOPAiYDBS1B5bVvxphdxA5fgVUjVXwLx03
-z9hDeM9li1UrCsazb7Thxsdmx3Igfojh2pPjwdpFWWqzrZLUudIseDVphDxEg+seqZlnfcrCL3TH
-79zGceQQw2ua2nm1cJAiko/xu0ObKH3hFS1STl08Su3VK0mf1bku4ArjMfsBD30OJuQ/EdkQEo3u
-JFPHZmtLjaMmHdV06XSI2WftwxBzRGFjX3XBue5nn9UyGjebnpriq+UPq42cO5tf/1S9RSqAmqn6
-7TDwpDdynhW+aKPDYHm0XiHXYuBl6BwEUkNVBVvLrQqiaNVWDwUdAS3KR0ta8ECapd1YbqFelVda
-uwx9aFfXnnPwZNtvY9v8TCareh6TnwZM98qVtXfnjiYDa4GRwQooEYprRbdAEO0gT+Vno6jMS+Wb
-mnJW3dPgjRzvT+4BsEa3A8Qoz5QHMcyFmJJi+2eYHVrJyL1lPfxks7Y4nZA60KTCfQamNbTS+c6X
-963V9WetMNRmYXbiMbfG+HeraCDbQQ/+LOX7ZM4l3kVW9CK/ejK+V33rHqqh02SHGNYDpqe5AEA/
-q/jRjF2wgIbBxFZ616X56+a6xbu9MFrbpNibWdsTRdIBfaZhsI3z4Ul4oXEPl34irzVvLN5Xa8ME
-SyVy85ukJ+aJQ708/JCPjFVgWfKtwI4cE4k4U59EY0gWv+EQlxtUhU1EW8cm91k1tQktYdphSVf3
-U0sqH6Woy4hf8Nsxzmrq8n0f1dbWMNuL3+dyI6g+Xw/hNJ/DxPxU1dzvHbwyQPcpQ/Epes9MZsNQ
-+MZdbqOxGUF1mpoyvne8i1Si2qbwjSDmQQIydUxwJN7BrhZbKM/jaoqYyvntArr9zEzj0hX9A8UG
-jxUNd0WcXcvAf3XJFsXyMyczlTrTgcXie5l5b1yTgOrEJsQf8NlDh2nkJ80tcwtL89m2yLlpwJ3r
-tId9NdvE3YgGBzfhTFtHLWYIDagu8wh7hE5p3QBocfkb4ksJ/ZMipfGpnbnstTqCuxQFj3LI6sem
-F+pUYWVbmQCxMVo4ziY38vgZ/DJZEf1CjOXv7MPFjJwouYUifPdM++BnVvkQzILCzQiwlqD6gHVN
-zkcX8/gWOk1/CI2UxHIVBNtkiJ4GN/VuPMBPdmjd1docngcqVTX3RFYjZn+fhT3VHgrKvj9gGkrb
-QO2Dsm/uxpDXG185q2NZGbeuLj5jdn+QTYpLhPnxisqorozR3bU25m/yDSHN4saG6uf2oSQVvy1G
-pA5umLjPORofY9t119Sajq8Rn4hVBYP7hJ3kBbP3c9EM/aYnIyDq6VF49h34WM5HZm5Isuon4PXe
-CHdadrekkeNGYETLJPd2f9MbBO+Gt3LEMjRzYTAM7pKN4VzSgX7Oygpfwiogd1cSyY0bWk7njnCi
-+V4Ojd5M1D+iRhOVlKb7KoLhaUZUyir8sEnCAnU0o5uZmne6a16icCJZRrHGiAadsyY16Twu44pt
-nNQCl+fItb3guVJxjUbFL+5iv/4IwVLzUPrxs05u+wFjSeKNNDaxI5vLGIcGeG8ZX0Wqf+mEb9ej
-378W5XgJAmxfkgEpdx3qwyqQY8A/MXoQ0mmbkPgJTr5hxlgfWBAWPSsADo61wJ6yN8NQ6e01dNMY
-8znlLi2rtZWtBtqQRgsMf9PgT1V4OJOUOqQwmI49mKRISWfFXEHr2xzc4cDj+EpWVWIRQ8NfJLzh
-aqbqqpYHJpSla4jDf9vZXHZjxgn08LcuggsT40WZOs3/CQg8bctHu8PTperoLUfO8mPvkk7lc26N
-p8LPn4Wtn7j5gSxpU+qZxc7A6DCG3NTyUV9cr//bRTbXg4VSxfsfYlS2NoRRIZ+HUD0NHCI6Th+c
-FhimRfLnoEd0Vy7wnCXz4LGpz01O+U0TBP0lHUNYyX73DPQDp4dF7cguS9GRiJOXu4DD/eQ1qr0v
-JWOqY0TDuoJOiXOrj9mCm5pXR3DitPSzlN7Z7FKMjBlIuKrwh2tNDaWPmTmrVUwgoir2lPlwIYi9
-4b6kx6ZdOmV7Z9Y3nZVEf9RvCRnmXMUh0Hp+xa6RBoiEVvPoLn9IMX7WNuo4hYJozUOMkbBPvD+0
-/R4kyxEcZ95zK8CxFmF2n+V8inkHDpcK5ishdffiDBNhz4zooSitccd2gbOrievDOJIuZpd7LYbR
-2IHlru7rwT1bXflpA8997dFklXVFpKDIecTXNA/usyTWQ9XEX+2L11FRTjUyU+T19Jq5yUcjmm04
-Ux86JM5bFJUBbVP+QVklgccxe8tiD/NlF2IEmPurBoVxCUhiB+58msfuLorLaB/oYd9lRUr6pgIo
-H7D3oPyAHmAuzU6r7/K8x3TTa3WonJEUjWa6dSw50OBhH6N8WHpmXQT+1jVx4DPvE2UUdBCSZ4sb
-ejhFSQVZkDDuMBxSkTZN8AHc8h3vLwtzI3mDmepd2qpEISc/ogsrPyqzltvCUNnJYCG3YsPgbS02
-KrsmyTFbmY0B9aE5CZ4gr65LlDzXPh1TEteIEFQyG+O0KajiPGWMuKpiooJVygQeCYmHUZ6yCOmi
-nakwEcmMT9PGNjkW7BlCYp7GP+DO7L2aPHwjljFw9Pl3QezQn41ffWdl+CV02o1Xo8Vc3GAzulNk
-sgJ7OGdzU1/oJNfXLLahoeNpM8CbXWqynVs2OLS0a9ndE+7UcN+Nq0UpHZYlVvxzFTwVsNS3Udpn
-u8ZPPlI3dm9VzH5B01PwR3oGHhSu9/s8tCn/njSFXxZzLurZR8MFHgM81e64DfqjO2N5ksz8+8hr
-6RslKUT22k7P1DqtOtOdcAahLDeaQYOa1nsTcj+2dC4LnaBMV9R0nXRedpVdepIjZSSg1d+9sNrH
-vFmSHJv3PDvu3pjnajPVOL1kKdtTahbFMRjcD23azWVk7b12TfIblZ90Rzz8XuyEL2mCQduJcMG6
-HTNxpolF9gsA2jCq9m8xaLCWc3UU7Di3sk6+S13QiRwr3pzYacOtLGcXP+iXlbUESbKUyq1ZYaxD
-yuSDjjFLzzg58alXA6mDbIIowIrbIXbOhJ+wWl8Wwv7em8rhRU/UwcW7MUfCYGqRK9YMijPxvkk5
-fHQTOrs4MmYerHStZqFxLafMuowES07SiS/ZuEh73TTSeMkrSZboJxiZS6jgwBjme/dxR6CkLLmU
-pjon40ywnvEpsM6i1lvPy7GP2F65m1uGTLsmbAQFqaRUJH0s0BegUIDNt3IqdaoGWgLEjk1lOmpT
-utHA7TQxuS7Y5HCtVG7LiYKMxJEsC2uGtLTzXst8sg8s3sn1JRgT3KwKLxJpJo4KgzKjQu8dx3s2
-bbd88vlMi4ytyzA9AVpHi5j99JwEDxafauopEPiMkJukLSu4pMUpKhqIjymqkYI8sfGy9lHioDkl
-AMwOKtB/OzF2567X+Mvzha6xeJ260npN2bn4uO0KNi5LyLVLfKYzQitzmz93Ve7e2flIgIzD/0Ks
-OMCDzjkdZxdBT8sFvLTGE83uCntC7lYICVHQXh3CU6XvtE89FtfccOOHyVlGOPE0mHAs8T68xR3l
-tYXNo2qa8zvPiTAoW0y6o4wX/KP6MZafqBkuyjIfM7/w9rOnegCsPZkYjTEWpsyYVtzchpL4j0zk
-unFNqOUCTFeWG90tCIODr20MXSXLZO5E09EJEi7IEs9CX0r+WzwQlzTTt8yAE+pHwB7nUD/pqBa7
-jgRNpdpdFfnQHqbEQRNlwZPzeum4fKJ3+yPKfSoLo/FTUGvQ1Zjx+/E8u9nffj62Y/hV022zNevh
-ZxzY1tfjmB0N2VGCXQRs5nYm7L2tLESySiOHHxk7fpq+zb1xc6ra3EhfEUzpuxGLTXZ2Kv0wZTx2
-hcQf1rH55X7dP/p5FxBRQr3InJRYKhbQkmNgaMz18pdP7WnT6OZpFuopTrJTEcNPGQzzw2KA5i0Z
-P3VleRFGE6xnm6ze4LG9lMb30Df91kPGghBd7Ae4bZ28d0cWnh2QAdXRcltX3SFJ1B6aQqPYH7kx
-hgBd7fBnEasn7zgn+SXL4TnXhJeSwd1L32cTbwa4D9T36HHtDQdILWmReBtLWLvUa02kbXp+Gzbn
-oTVv3XD4nBOzPJV//ca4+VQ9ARyn6Ybd5oZRyMTsKnamtFnOY+NzGfRQPbx3FY8QjSyT+B88uLr3
-6m3o0XAXhDfrD7VW5SWbiDyZtX00FOW6uVvc906Ev9BeF/130nw1IcErL57vcuO397jaeEQix4zr
-uy1ioM3+n7TVxjnzKAC1K3fDt/6Ya0YPdD/ErTY59w54pdawjK2aB+vqUJpBOdN3mhXqljWdXuUN
-yjszbrulcIVq9HhIHnKMMBSK00rDFHKmJ4bwnTLURtGAdMJyvlSWx0dRMCFTkR6VTKlDkoGJZzGK
-rotV24WMFv5x26I5UyZgMhc3f6OMSIbwMUOyafmmBtneyoE2dhkO+0DZD+Ng83HlatYjregUs4Ju
-MGg6KC6tkzMjB1g304nMs+9i/WgyDcK9+5k9BgMtXkKz+Oib6eQJcYlqb8YO4RyYk+xVO03XxJv+
-Rm57XwFcXJnJkSvgHdy819nKnvD5jWvI3tex1x9TW+yzMXjzHP+WjLti7m9N85VHyyVtoffYdkRy
-w+J1w4DPK41/DmTGbH65Zaa2ytLhIcIHHc5QAwk7obJnnB8x4qiumSeHgDcHb97E8j/LhqRVM+BV
-njBYHTiXjk7tI/X7DWjtOqXNo37LB/Yp/mFyXnvD54sJeODjliJHTuk2xher+IJOHT+Fk//sifwS
-dM1bbIHysFtnZ3aQbcmQJ6QdkkY8zHHwbNhM6efW0Z+dG/wpdf0m5zFZE81OVznni1iQH2jQsr84
-nPB36IcwKoNNpTkOsPEnmN5NI5abzHsJKrZLnTt126SxNkE/4Lq3q/tBGxWRu0GegYvS2G021qoP
-DH1nUoeH3Yq5NC4UpL9CEIXQQXCctKRJPRqfZfiUOwU5ARKUd9DQ3uzCFX9Y0ZGjjNVXTe0WAHv9
-jcU7xfyff6im+vACK39473AdrLO2jVY4Jr072RP19MQHDMMFB3zAWlQ994S4yx7zK5Dzea8TPjRB
-SK7A4lQ9Fe048V7ismD0zTcddvaB7JzcWhY8Lr9I+41RMMqE+C/xotkvtez/qKIkKpbKNTB8bPrV
-j9FwTesUu6A0R670IS+vYuSzw9ileI2XL2rDQlhP2UB+DB/SHATjfSJanmrTRKLKRsCMcntp7RLb
-jtUk9S3pQcWzuLDw3EujdGBdSsMnRbBMAXlJCKdds0+i4Qgx1sGS8ICyw8sxkfdnzBx645K6MuWh
-XLII64bgnLSv2Fe3ZdFv3ZTqqdk27howA5Wb0GQspwtbkewK9JKIPtFwrdixuDVN3O4UALcHG0CF
-9apPfP0QBthpW+ESxbSsDSr+q9BG9uBOEGL8vLnzmJTOoWcsXiaT/V7Hfn7siIhnADVaYo+SG+jB
-4vfNj4wBMvEqMhAO9hfD7W065hSwhTA7sKn96saaTNGy4SpK5FWk+3UIQZXj36fopDm0nbbeatjP
-h8QMHz0PxBDVGDXtjv2LrCt10v0o9maHD2JqTOwOMnsKa/u7sAcivQzV69TsX3WSJ68bOgdhb1ks
-JJo45/6YBjgE82VkMznXvQinROSj4TGJqiGav3Psc1rma8uvpxfZca/LUwAmuN+Kvd3yI9YOwT9d
-sgKNbNq3EcKKbTl3J8QptaK0XWKAt/Hptk9I+dFNzC6UPMT7xhrv8RTHJzKg1E2s8AmmWxpi560O
-SD6Sdy+YGIohfxCDDk65yYAGfZWPtG/+zjEBf4/Cc+Jo6X0fyPzGmvGV3KB1kSH1LkNj/aomns5u
-aqHCYHnuWFntPZcTh6rrC1Zz2RTvZmO+ULy4naTr/PEj8dr4ytsiuzeYz3rGq7bpqVhgtcqouM11
-fXHibN6MQ0Oa6uhPpPrqrDwMsn+sE2u+KuW+KK+1dib6aISeTH6tIjTlfI5iqk9hqovbnNOCEdm3
-vs/ukBDtkzOArSi8ifWCcnCEhIQqvQxw2WyJACG/Ndd20/4G9fhTUWq1texkfhqG4I8V+q+1yOab
-cZoSnz2P6hdw3EvZmFhOLoHPHZ8C6/KQjiUfUk75jdu5H7HNJDI2xe/oVdyUAEm1fa33td39xv1i
-2K4ggZQFcMLUsvz1xCSIrNbudJiFa/Y2gBOqR6/y473LdmQ1r4ldovzzWNvHwCwg6gBba221aTr2
-iAaAipjiO5zI8if3MK2z8wwgFroezdgqxjekpxoMVAN5O+qivTmV/QU9pEYUacbd0Mtdbrntoe/a
-VVSYKOLlckEW3x1uzp01Ujk6u7SfahFyjruslKSLw8zlF44By49Ybw0/Tjhuw5QKlFmHxyIL/aPh
-X6kpAZ9LaeAWlfLQ2fe2UYYHs53U42xUzr7o+vmckp0rfgo+90929seNHXcdquCUumQ0wUxgAYzs
-A21GcjVOuVpPw3iEyNsAZMr+0Go1bQy07K0bwOY1BFAiRSERRjcCVQbRPi+0NfElBKtJTNBCOhkB
-MyRfAP1nO8y+PLmLJOmZ5hnxgdVYlzxaOWO7688R2HjskI0TfvYpzx0LGaq18XNJj7B33ZkJZYlA
-yiI+tGFDd7uXz7/URWL2ywTDLk0jEaYG+Fe8UlC7ja2Ho9V0nD926Z64yX1Rg00I1ECuGr3mTxxW
-40WzbtIWSlGVJPqFquDr1ixb+0lZIjxhbBjXTT2d08nhtteZVNH1rf9CVeJ30ZD46VM2IOZTHBMj
-KGfzmpf5XyrHXkHDELjp8S3ELaIR1Lx+15Jmrdj00eEp8kqcu7F4yVRX7GekbzwFu0CmAoKxBamn
-8D9wTwpPblrHRxrErxEGC9i9KIdrUxC5mdrPfuYjvIAfxqSsNl0cgewgyG0YmC+NkGiwDyAygHay
-lr6kqcTl2mCBbJNW+BZoLmdJW74s7/1VkZQ40DWujeDTrtjkZRVgBy+enhrT/gxJ5NoCO6OZZMOG
-SpmHeqTxJncGY99GxZc/NdmWensSD9GrE2T6Ic5a6hn4ELj4FzkAOm5aiIKNef/Pxwx3pclfWh2T
-xpzgKHCfDwv6eurcBttpO1fwYPqgZVQeiwlxeHwVPhcU1WAsVjla4CA3MTQQ519TD99d+c6jlgNV
-V/0kuWD/ljMy26jJvY22Sf1GOv0h1oud3NRwthtc2+MccltKC6AqIyXjQxRc8/qN3bzYqyH5wWLp
-b0ej49CYWNhk5j4qJo/LpD60s4quwfCW0t23t0rS/tHAhcOok/CSD6xjTWTzJOAo6RoqEvMJzwNN
-LScjdj5sCy+lyEhIsw0Sa8Un9xB7VkJpKMezbTURXjjPPruDzK+GGtPtQFPoH5hCMGThc6ZY+LnQ
-mLsW8OZ+amwYZKF5IxgQbMs0Jz3XG+pJlWLHj/0Z0Uh5dRAB7p3xP9g7s93MlTPLvopfgAckg2SQ
-QKMv9M+j5iF1Q0jKFOcxOD99rUi7XXXcVXb7vg04cY6dmZL4k4xv2HvticNCHBkX9k92F2hPvMHG
-Y4p2uSwfK2Jnj0GWOuvcRtLPpIssbMKUlZMEOzNLE1zz4SoI1fQYG0W89isyWkVeXeoiRUGcdncd
-8qYmSyJYLeYbf5wDBajYJiLBfTXqzJ5e9WvHkeERcER/WXi/ZLY5ssInq2oGxRo4JGLa3jJdfv8C
-iAa3os8Mb+5D+kkuZsArC0UxcA2/rhDjxuy1R6qkevZ2gteAAyHlfg7NZzNT1doc65L8IF7xkl6j
-KRJxUnb9OYDvP8bZoO4ZPO66wZGXvsyjXbN0jD37CERP3u1MoJNwDhmIAsbulHmlE4ipsXnLN906
-DzPrLLL6IYhJe3QjsrKoQvo1VLxuG5rily+H9DLznBA3xZSv1C+RaMQf5tZnUqE3nmUlpCQWl6Sm
-Js2XRXO1sFYz6p7WZaB9Ra21wclj3jlV3xwKkzIumdJNHhTJr8oIXgYmqQh6YxB1DZSOfmmB5+QE
-M3VRd5iS4D5uKux5oqO2dZt501SsNUd7LPZyKLpVzQE/kI5Kzna8IyAWWgO+CPz1Uh4GPXgKB7QK
-RRb5d4ZU36gR7HXCsIRMPN9fK6PFCkmBs8nHYtYcKkBUU9NuRIA0K0nr+y6AsYEB5ZhmytkIEqzW
-so2q41LtvMRNbsfUpvzuI8y4Q5/cGgl6fD7s19RUSOr0L0kEH6dz1N4Xxsrr5MAs1MQPM3DMec05
-C/BV56iYkDyjEIjtS+Gk+TvZQC3umxhANEEaC8srl6JHdNW+DBl+ZGn2TjGb7TP4Rsi00cGk9BFy
-ijzOnmXatqxpvToxD04Iz5QBcXYMo47Mh7bm0sq3HClVhPrpqUt4TPCZLXAlPufmYmfBM4qTjCl7
-SjYzwQR7I2iHTdoSDeXH8naaXOeuL5SzU1gO2rz7YO6pLmUpknUfNb/swiQmkHfwOkvQofAOqS/4
-lKbbNis10TY9e/4S3OSeWujgM6BqE4yoSIb0dKlcG4Eh92EIhdgmTe9V8mCjT8TZVYNDdUW0PFd9
-evJMI9tPBIPtkmK+I9Mi2TdNxZI2IwlcNC084smZVx72w7a3Hebh+UOcUC0rSw3Y3LDneO68ET0l
-prKYohWLxiYtFjtsY7nkc8GMq1z8NWpwGEGSxfdQK7huTVS8AP5L0Z7UTqoQZfVopIFwQVrlu+mC
-BJ/RhBpK8OkR8lZvGDvmW7MJoztAT5sh6YbLIuIHPI7+IUpw+uTGsk+G6qGyvOKYqOVtbmpYfqJP
-d3aRQ+Im2Aj8ULmz3aW82AywMfeQ0zdU864164JI1Jh1Y1O1K6te5mtJQCFaRxxhM1GmqLfoMM1z
-Y8IsNeJeR3t/u/ddSIBkGrtEjHm6x2nbJ6cfv8pkOCyM/ryqXEcu0di8RCMi8upvg6K8s91Xgc4J
-QEaBYCjukLUZL3zC9GExsiXh27tiRBtQGGBhMuvS+L08hgyDM/bSW5XYMGtC99CwjJwJ84MImVb7
-3mkvrVXFt42EBzwD7Ri56zbqgQDKbVZBv43VNQR8euIKNwhP8Ko1DmjOvvUPXbbPu5TkqeFzDApm
-nZyfCwCrASs2Uohh7WjEI8HIkEh8RXGIgq91lzNmc04kCVGRRc8IUCWy1sFYwu5QyEuNgMMgzIC5
-LsslLaf2xqabvvUyBkLWCGoGHoYl35zZlCQrdsCC+vzbDqgcjBBppmFHd9lSAjMGiCMSpLcLppFF
-a4uch3hOd4IE2n1tdNthINmrl8WLkaExX5KvcrGqk4FveeQciBdf7V0j3qdjCNzZTZ/mHHpBPjPW
-V+FE0Tl9BB3q9TYfzzlbLFJOb+wKnGKNmqHo8Y41FibpYcA3ns7GLit6bFUpiKjyVEWGs2kwZll9
-9RK0Dr3ST6dLsm0TiHd8aFtcJsuGN7DccovHpiAQD66n9OGJt2Q0rLIGjkqPGDNOUPPzAa8Rp1De
-Osz93YzviulYPrftqU2Dn4LhttYX/DJHAlGieXh1E+JYWONDnQiBiCCBxKku8YAbKakOi3tcFh0A
-V4BfBJE0bja9w6Wfcw4QuxfL0Z+vjZXq0I+kR+rHx6koqupBww3Ku9FWaEW2Y99U+8BF4+Z0oGfc
-/rkJU3EKiu6zAlPGzhxOfPVAcYZVfk6KCztMKuOFHrYmkjuK/XMKVvhC9sm8JmZyn+cBo5KgGVZ5
-oy/8iCbNVZSU7CZyGm22h4sEyBB3DZsGVMpNOsBhmDvMUxLru/cgkvdhCJ1TP1Ll56wos5G0iTx0
-Z4p2gqiiAY1u0GboIwJ5l3si/gBO/SEz9DSic1/7tP2wsnBryghv1dyGj7j+kXbJ6gXYcF166T6I
-W8DqnfkltNLSStzmh4/7vO131DV41Vq60Wyp0X6BU/TpAdaeG0z7ePBZiQtwDhkf8NqKSS4f0mmn
-XMjGCvgUa26EpcwvnY2DiXI1mjHT9ginc87G5j5W3bJBfmYDluBf7dCbiQkxGRGFhYFKjf2KX2IU
-R5r/qLB89/7w02P0Z9vsLMh7eZhM92RgQx6cuXuUsmNI3J6SGvKhVQcPY1aUO68di03oJYCGTPSw
-tUlFwwDdbarsA+waTdJaGO7wrS1ZHKP0/8uuQmx7cjGl7Ks0DDdhnZ9tcyj3COVv/LBt9/VMUV1X
-12gJwlXEfHAFCfHoWgAlx46Ni1Hi3UKiwGCD46Vwn4cF8ZhFP2uo76RqUXPUF1uIw5hY9lPIwO6I
-UJqX/VTWz31koAdr/JPb8cjOXVrcksEIBm6pN43p+/s584xDKJAY+Z63GSWKKhccM5Hry3my0b4u
-eTU+WQU8lmgu7cOMC/SG9SgfzAwMOcbyTGRBba1EyOzXoIi7SZmt77riCkTeOf3+BU1lucNm/pg4
-kteC8i+0vOLk53paNLM5/f9eld/pH//Kq2JahHbhAfknVpX1x8/24y8f5c+/XD+wq/xl/zH8ypM/
-mVb+/rf81bMixR+2DgVhsczUkVxhPCF/9axI+4+AxULA1yTDA53if0kSMf8QgpAZ30W57+Iu/btl
-xTb/MIXNZMKBRCyQMFr/jmXlz3k2Eseeie3F09YY9t7S/IcUEYaf9oQ/LtyMHGUu5OgG2bwH88FS
-vNsmZ/dfrtV/l4z259QS/fO7XkBMGF/UEqBI/+HrRYWB+9QFyuESsBVI9qGwL/LpVRH3LB5iC9s3
-6L+a/5aaN+iRulRm6+6cUG8UJoni42sgtjgHOcZRVydPUZtepJw/Y/FGxDgZIMUqqtO1gZ+zij5w
-4e//+U+gr/yfHT76JxC24yN38wLP+weHT1gnVcDwENlePG86mMUugqk4c7YwniZjfEwfR1tu0Yds
-FjZtErCM13pbn0TNAMaHCfHUDVYp8CUDG2/Wv4YRsa4QO3QJEaLO9Pp/kVnEq/P//pZ9G9KMKyhR
-GHP+w7dcIDyjO9e8+aUHVp86hyFCW5ZPwTvlejCoGhcShtHOwP/Zkpi9zS1kUxrSxTb9x1SFzC+8
-5QjoqEBwj7SUMSoU+rh8N4lPvvge8sR6F3ZWfmr8qdlYBmgVx8FkI0u2Yhz3OMTYd4zvdvg9+hmn
-ZrwZKgeL/cjmg9wxtYswkxSFS3kAR6R7d0FJd12+HmmFEaZCnFvW3psl+Wvmm9Jmno8kJagRuThs
-B+BMG592gduGDn0+zNmH65Fk6FAL4wyq/OCm+hUpd8UkYu0aztqhBCiGYXXsmgduuPXYB+iLVzFG
-/Hb6ZKixHkfCHzznkgwTXQpLdsGAEroxqfE3KLBR1kXdQMmeX7O2PTqjOAICym1nT0O+MyPiBl1J
-Mqx3KOzmkbblFnHfgTDsmxpejT9TgcAopjri6Ngsy7spsBw3/kF/U2Xi7MzYXTl8wz59TsG0wmVa
-mTloaMKchKxsY48cbHl1J+B2TwqFBp7tfK5gWBbdFtHSfnIvTthfCupUVCF//W4r2rSQLz2Y0Ykh
-/2qAAMuzks+IO5yBZR66ecFCzLz6foF1gYFV+5oVaAnA5qQFZQQYg6G7Bu6y6fP+xlefvdETJoLz
-I2ZqMqMPnT/HhevJgAFsu8fd3wcc6iHa05A8SwasybxJF9B5FEspKaGtIAgIBl4FZSJC6DL6n7p9
-ibcQkPmcb0iyCcA/+sOt1XxO/tGP6DSiQ4kPhyXLauTHcxmOg4Pf1I4e8t0bY7EyU/gtySObhb3R
-XueaBzKtD1hVFn6SIYUG63wGLhxtBxQeHVMZfTVMSTWS3HH6tV8QZInIATDn75/KZxiK/HibFNOq
-rYt3tZQYvkbnyymNF9+Q/jnpwveiZqwA2P44s2tdI5i+hVIdX1yruR8Dq9xZmcuVjnh88B2T69Jr
-DZxw5bZYcnWYLVrAqR/cgxuHBkgFiBvG8I3MVYsZB2B+Mbl/RpGRlg0iwjP4oTC/13ujRl6QWn1D
-SIblPgt+z0rRIkeSeDJ72VZTvJej89ikTfxcqy3gggEOB1OMuTZAX7mtvx4Hnr4kaEm1iMN3Vmxb
-ZBXGJVPyy0ErrC1AzJyTAmRZ7eWrIIbHxjZU1H6OnDP0r0HO/NEQtcI7nUbHwfCe7JRXsw9vdmt5
-Sq5Tiyg++IjpcXZNwtwL2kk3hE/ABAGfYHbux957dkp1cQXVfxPzqAZjukoqt/tBxMchNFV07uvX
-eKiRGfaCxXHm3TB6xMSQNXe8fYaL4bAO7Pz6/d8viC7JV1up6rv77fn9quq5TWiS//f/Iq36P//t
-f/xd2ij899+m/m4c1tFkf/qXze9C5b7/1c4PvxTk6t9fgJBu/Tv/X//Pv4Wd/atyBwHJP7XlXj5+
-xvPHX+7aj5+/VPynGuevf/Rvplz7D9/1HU/isjVdU+oy5m8FjvOHSYtKrfK7utFn6f/x5Hp/6Bog
-CBiBUQ9YgqLrb55c2/rDlJ5NwJ6Hvxaztv/vFDi84PXx9p/hpNQclul5FlIO15MOSrR/CCdNLCNA
-8r1w5085SRVhG23ycgKGV3nxg4zH24p1bpbFp8KF7uO4EI/8OTrG9jpePOsgGIGsUCchHreJKvHq
-jTJKAWCRmTVF1apzeKd0PXBFZy4JpyxyKGm4zFBg9eZpbNmttXNM0TKMNRZDfdKUTr4ukfXtAFrT
-NCzJCF3CZaCSyLsxQ37RV/0npmXjIcXXaScvef62sF9/yFIWT5PMFSlcZaVX9C4ZUH1+jtGQrew5
-R7MwYWYsgUhOCoXUBNwFDxpMIpudWqTQwxclkuciVoLTK2ZVHfr2Y5exp/Bh+MCny97dLzNgYuvH
-ffp6Sfyh/BEYxalxUu+SZACEHAteB0JiAkiUmohFc+WXvXwAEZm2wmPr6sNmC9mY5BPDHOsQkWR3
-6lX+wTQHB1GYfS8K1TajJkJcKALK+UWCt2qchF5oaiD7eNZdbSAqZpUZzfaLAVuSEMy9GbjbGXMr
-+SUiuqu6c1W48z6rELkEo3lsI36KJTxy0oOKLtNzRNbQKg1HIDJWSr5VVOABviCdtx6mDJ9GNpDj
-Frr4A32vemGEjaiUzZQfMVPE3BWtnSnODgU36po5V3Nsy/AaK/Kzcjmauzbi4JuT/i5O+mgr4+iO
-/hb6upN9T5MAgdWH8yoqZ1j1dbFNRVZts6R9EwWaGx9TF7SjRFWfZVRCw6+jTZiPDK7mTq0tmnSq
-WgF8oa3Ntbfs6xpYI5fl1rdi59nqop/+nIT7hP1YJ3DgGIA0tnlHkCtmweRa4CXXWjm83vomtOXy
-WpqmdSrTWj1ZXnmRaFOOZSdfBda2R68hX8qP72U1ypPRG9YB0hVBfEmIPAdKgi/S5aaQJeHlMQUH
-o40NIjQK3YU1e12yRI4agqVxjZVcv2vUWMUa29wxZI14mu3+WHtJgPVVbwCcqNhgtJ6v2dA/orKw
-tqOwfjTIHO9INb1pQzs4x56Xb5KgsVHECf+KIePV1DK87Dh7GCPp4oKVLUzyFBgYEQe1PM9SQoFC
-QeEqVV/9RWJXScT593mQDgV2VjXb+7bwmWYyd1jZJduc2h3gpcGqURN7on7jKxLlW9Owj6lPgp2X
-GtvGC2AjlhZqqtG9MOZJHpFFoMV0rV0jhbkV2UKqiYb+YDi6xcawb8vpg5lXuHcnYIpJZSZnh0t6
-Y7Libu2WZCVqZcsO8QEseItbmgaIP3yLZentMStBl7ZngS8LN8gogCO2rQN2ZYiCk1/l5qpKML54
-POdoZ89tDvpPphaLeSKDrn7uHs1Ag/fqCekBwhJckll5mExzuBKKZx5HWZF0RrhqOrTAcRzCpaYZ
-N9IcqQMKjn5vFMM2sSbrzlNRi2hBGOsu9woMKx3UQFh5+9jKVixBsDpb5SVb+q8mmqNDzIatq1T7
-ao9SAzxuuRnKMjvj1NxnvJyPWfOZ2yUFe3pO40ms8d7b+75delzPNIKeFYENyepNYdfHnIiS0juz
-1ph5LII7N4/w5bRuexal7FYYx9jYWWeMjxTtEE1JksiBWmF+mZGXVToEweq9feyXVEqtjmnOhrNR
-TfchNsaKtB10McQlWXCBOA2EBqWO1XWJkedJGV8sCYzET7xPK44OC6u6NShr70YknAQBK2ZGuon9
-UJGw1VZAitjoogkcpTYhp/GFCG9qd/kuktS5YyIk7uJcPFqih4yXAmWQYiTTZFS0MCky05rdlewx
-BwTdcFPXICHaNue1ZemoL+tkmo1NZhb/9PsX1DeADnNffc9RYe/htLPebdNb4Mmo8IR/QeOVrODM
-j9i0HpLUDXYR07GVyDuHpVt6saM4eJQY26jlHZm7r01EkEJXIsONHSNeJbGw1r0+tayFYf0UelAz
-/TFCouMwaR8WNC5pd63sexHI5JAmsbktzAVJdRiN20KEZARK2DR5OZ+txGN2rglwkhttNQkbRFFP
-HNuE9autfiWLIkxeO5FDNAfoTXetgywnxbHOhLThxM2b00xT5udtxMuTdzPihWNFOcI54GMzN01s
-vcu8KdE3175xtiLkgViHZemcUGvHK/CUMLJRETwoq1otwxOPEJvlMJ/WXVDRtlYWRHdqWTPITwwA
-jfUyA6hNoHj7S/SCBGaH7y9eK2set/FsQwFXbwYMLP4U7CfDfTXm7AyL44r9Ndr7srtlMb4TNjPp
-xs0+HU9pDq6DP3H+IlrTMTPvrMLxtcuyZ5Mc+BmoGwbgcr5t44lJemFd+9z7EjhKzFZiJOlhVDFC
-Ar/n0X4qY+s50/cQJ2wVO0Uedf3m9j5ABUGaDdsORoc1iTJRSpMg2JpBILo1hv49495DYuLUFD/I
-EinlUCLjypjd5k2lTLip0bFQ0HxnyxkH8iUyoAXEJphU+WFXMGvLBJukKs1ga9fukZdefTOyMuND
-qMLd3FafFRzGLWpEduCsWeFtynYtS/dlMswncrsbPGFAMSyy+JrFg2DoS+jbE2lcYMSJDEHwFsqA
-dRuNw0aZxQMBn/FKOfXVtGpIU3Nk3XSZBOfX2k+JdiMGMBBA+rqftKBgzx37ZLTWczQQoJJ1NIWx
-2SGj+Tk54ZNV8pFJE3u5nbgnX1Qg8rJgzXahZJME27pEArkyI5y6SRLvqihvVliBohu/Eux7G27f
-omURAwcf2sAE0mk7sxi/VjH7z9pjJcYYQwQPgxmfkBM+lYt4T0asdoWt3/3ho2NPOnQqWrZ+H9xP
-cfPoxE8hO5MbjKAvsWB8MFg9SH4yyRURbWDoECPMEZsTXI8mVJFdnatX+ATHbMTpIsYADLf9EHoj
-IRvx9GoG5FbKknY6ECRTJ8PIpo9dL2yFFBHLxRE+rIiITYL9bC9zfuFZxVjkw1syI/My13juPAnZ
-uBinTYwZN+vkvrSRsYJ/gFGwkjPioxHhyJQmK+V2Z6NGowdL4mZwMU/xDBOSZJ1qsmxHL3BWi5mI
-GxhlJNHwyqpHpvNL/QP+GYr3QhnIVRiSMb3f2NCwey9Zl3mIyat8GT+l4XGPdrSxlpudmnz5FMJ+
-89EDjzFIdwtJeMXKOdSozBQTm74gVddNR2WB5iew2KS+LHPXR5xvvSFij3ZeGT4yRfnJchVUSlG+
-JJ3zZI53fP8/i3y8QZWabyxciVvD6k9W7FIZQgvYRPP3jMkW1RCJFwlgspu6Jy6IaPjjEHgTzs0M
-4B4T0yBqSDau1kZsHuK8Q+gDU3eZQGDTobb+tCknFr9NwADJSKq7Akm/dBCn5SjsdqRCVlTsFhhB
-ITDl5beOT+xEis1rytCnmw64vHLEeMVCkfnsKxXS/WLwWdcfsvBP/bRAyKgGeuaB+qlAW11Ll+KN
-JiFp1m25vMkepp5dePdtG/6ABcaTLsGiGxa+Me7K2o+Zm5iFu3OYb7mswdIp/2pjBbuntt+nYDm4
-Zh0es5zMElKbAJagL+q7yGV7FqwwswRnQwuQbC1FaozI35nBW+La4UWM0z6cPe8wo75F4QcvZmFr
-1Rdyk5XZL+ZX9i6v3rA7+xdMx6dKy6G6Ig3YCOHvnX2rX0OvTXno5tdZC6lmLakqes0Vc78zk92R
-Y6Ph8kPvIS0wFLlakhWjzRq0SIvdV6dFW6EPrS14qwMLivlQlIe+9Me9j0bqUqL58rX4S1PNt9rc
-xoXsDoWWiCUFL4TcQBefYrykTrR6Ap6lFpbFKMxGNYz3dhe9KsakZcNXb5bqS1E47aqGGq7rh3tL
-S9YcLV5D0MHiSHx6QPvZMPFK0EK34NPVsjdYSska1RsJcUX+HGhxnEIlZ2m5nKeFc4bRPWYDAXC5
-mkARjFimTco4H3RHr4V3BGNCcNZivAFV3oQ6L0CIXuXjcEEwlRCuXHDEIuVbtKiv3goUfoBE4Brp
-rmpU/tbIxZ2hzHyn0AVaWiAYoBQUWjIIgoJqbRt5qBH7ACHdwptpg53rRdnFe4nuMNYCxBAPfAON
-CloTgULyZ6mA7E6TbPHRIV+E436KJYM0czaCo+pt8XghB+uSym58dibOnEighcQHfM4L9epCnzjm
-CVyAKKq/aPaPTVa4ZDyulJZWdnXI2wQfyk0p+VCcqLcR5nA2htZ3vPTmzuC1bGq5JgoUFgYzJtNZ
-9RFhxHJnE3q3DVT0VcPfoMJ2wzVC3mEN65noC4bHSc2PvxTdGp+MOgqG1j2eo5tekReDQo+HNcZs
-muTGSEBR1exS4tXwNUwsL9kPB02MLc+l0Gy0YBUv1eusJawTWtZRi1obLW+tW3ePcx60kZeXOwb1
-x87xGaROr66d9o+kJycFRHyxoAPiYAOiqx5sLahV4hacyn7WQttCS25DSf5E7DPcNw6xF0OriRYC
-44ZfRZ0aeyvgsxFVWm19n2MJkxk82LxPtpOb9yDZ7ZCj2yXhekjPhWedQqPhwY7RmTM5aS2QZi05
-qLT2Y38uSKYrSnAGToxCRbVjy6ycXl2iP7bSz9RDjty3ZDkgAiFuBRWyliy3k6/WhluuYi1nHkcQ
-SY3N2mlYdyOvkt+Pmb73B7TQkxZFp+3UbL1CHZoeeoNtufgvapJ9oimFyzKN360WWFsorXHeiC2B
-hN9RUBQrisAPCgJouFMTYcmNyr2faRpncrEDzWh+5hZIUL0g7l7ODoqBO3YcL6kfvsZhtzymTWht
-0PX9QlH47bm9jjECx8AAddiYES5OnrWAwAeJB8eIJ1TZmXNkmntVNeHkJVHxmP/u8kZWRyiVn1lQ
-new5rS6KyGN/ghahLPnsJEiVcOY8OF5TMMTlJ2JxgQIeBMuy9vPmbKVAqw3pbMJoRmgfwrQ3bbs+
-5MnibYbafZklT0IcDBt62+e+EvmP6NqHNrjZTMJUQZivfkv0c5CrAykjqIG/y1K2kOAc6wwg9mXQ
-Ev8Qrb/Uon9Ty/97fAC2NgTk2hogBkwCBW4BT9sGcEKwiN8l2k6gQGJvzIAydTnngx8dG209GJcj
-Nn92+9qU0OBOMHEpoKuEbKONC4ztUUADlTO0qWHS9oZaGx0cbXmotfkh10280oYIiKrz84TqK8cr
-0WnTBN6xu1DbKCR+ClMbKyptsUi12aLRtotSGzAsbcWg9sOWkeLPMLVRo9CWjRDvBjbr9HHBzWFp
-W8ekDR5KWz3Q+D+jNK2uUttAEvwg2ETp5TssIrOo90wUtqE2j2AO6FcW2quLaSJ2nMxybSTOVzVa
-6T4GhRd52FAMbUhJtDUl0SYVbU8Co6ldHdrCYuBl8ZZZo/YnOmkDJtuEM7HxnehUGs0VDV3HuqHJ
-7svBfckVBIraJryGKwUmtZjuyZ3wbppUnidtsGGMCSgutHcGwLGdhTDB6UV6SRLzLGfQFFYu7mcc
-O4627uR4eHK8PLl4UY7jn+iyghtvQOCb1o5xbnAAKW0FUuMapHV0T07WWmmz0IxrSCxNweZEPlWL
-bRDlps1FJi6jDI/eGa35Hv2zjZESK1KlTUkF7iQMgBZgWQxLzP6n2wwPEyGvzRWXPpKqltUV4AKq
-fx/iVqnTwfDKgKmvA7xOtolYSfzCBovQS9umMit9H9lJUSM9+9pYRRsHLUKbrUxtu4oTr938/ktD
-PFmRNmehc5pX2gZ79F22Oc6k3HXWUEwXAUWfTaDT5PYlJxZDiqw+VBg5KHhXYvS861D1IaANtB1U
-HFWc3ytJtWUWH9VE+Z/5889x7hwKP/UlteeM5Ff7dWTEF86JcVUCRJSon+h35qe56M4yzIIDbZZi
-irYE28geA0SLtEV93UxXt+4wCgoqFIwBAAZE8RDM6l3Ux6qooR/17m4eFxhEgPQLk+DlGTMlkWnd
-+BbVv9IFOy5VgGtX52pqdkVV/hCFc1UtPEhrEPc+DS0AiCcbOFZWJnsxVuvEnJhPhj+LFPASYchL
-KO6XicVrnp4t48uWP4zK31GLXyczP5v4IKYB+9vA3o20QQphtEcuB9PYOPcIywJcQ9UmYeVuZw48
-4pj/haP3Ow+mE0a0r5L67mYonfsoC8hhrJq32Eg+abh8v6Kp0AqEbmI9KRDUk5hJzCcvoTz5liS3
-SkB7Vu1ci6helVn8VkQh2nnffwqm5KO/wv6abiSXyOjxPAqmsKZLxJGlvw+N0mEKhoN9Vtl3OSGg
-YYKxaji0wsI7jFb2zesc1q1w733lHZwySVf+kn5GUz1QzZ7AiXzOlbzGDMd5ZQQ/G3KO4jT5pTCA
-hw1tcIAuDnJ98llATVehoHvP1gRrqW0U99ygKFw/3B51HbSIbZpBU1N74iWuA3KF58lxbs1+jm7d
-KjA3bU3T0saah7GEKDGgTelr6DQ1Q8ckXBumx4/ETUQYsXqLCVsuw+IjMJlxjVxaZxAkLHKx5ig4
-TnF150f81rrgypcpWTwUZtchB+xeMrvrq3DftVyYYKm2oCL1yLJNT+NkpieZmBaRCcwdAPZVt71J
-jrIRRw+0nMb9HBHhQlXMOAP/yS22UDRsCczJklsZY0xtHdDzMmYhEBkJbbicKl7CsE3FOvB4m8d9
-js6y4xenXj643eVRzVa3wi8GkJyLx+NO9eyI5JgMFlCJ0BGnyiIjNLHzCpxMFSPixYPkD7O5BthQ
-UvmRPWfjiF25TRA/jnMAzgA43NoYqwuUhOmcYc/bWlnfAWJBUJcEk/089Ip8HmkNSAbyR8DG+cno
-JFyLUn6HlAwoV9mx9763DtLoV2f34U6SyQxXLh02uSKGri3Z2NfBYxpXyy5ti0M8kCTrDAAw+jmf
-Dy1OW78UNFAgp1aYJ8xVIz0GfSYRKHythtFr2dCF5eOmISpyN9v+qvXj8a7D4Lia8R8AyTa+Ofnx
-Z1bZYUllg4suC6hoE+w8UUVseOECwfMjFgxLPbPsWOQpyPHZtIvYxVWCsaUs6lOJF4GEtPoute0K
-GBzL/KbrzlOSvNeL7dwGpdvwKaG/wTt39ctHLsVlWjDBtC4RALkDiGv+RvqYHRvVkz08IpPLonjY
-egpvY+UNZ8shn5ixWzKDLxt4yNL+6o1Oc+8LYAtOAOPdH7uN5eUXAXvq1IZEywPoL7j/Unr4Blly
-QxvSVAz785yFAPXMRmYpn6acH+0RXQQcOBhPrL2OvR1dfHOW58Zr78yQpYIrb1ynrtCTe/YGZqlY
-L4V938zefLBNs0Y7KsmpmutP03YPWf2EBKvctOYccJaixosn7x4/6kb6Um1VikdWKcguY4E3MQY6
-LaIz26YY/TtCnijVIVSTucUN8cbI/FRH2PslrGPXr0iFktah5oVMPWEzpPO5w25K4lZuzF5ulrb/
-USQMyjUKqvHvkGbCr1CABIZTP48urjoABUkaufu2JbuytSxeTNVdnT3FJSLrKCObzjScN3iA0A0K
-up6BIRoKjKoE44pPCn2EEz5nIHuQHNR72+vwVvGfLY2VglUC5J05TW31CH0CIktCNpcoNsIUob6K
-r1bqIboZyR+onFfTB1HltNTwqsg/zPI1Swj79jWLD7z2XqV3OnLjEFp9uppNAlqDBkbA4o7ZThZC
-cNeQqDQC2BA5CXUwct7tABtZU5jfjTsO94W9dDcxJMgX0fXHNoOZkXXBHj6ETcpqe0Gbiv7Y79xT
-jjebifSIUoJ9XO2EGTC+yd3XAZAL0ZGxbiaGcwoYevF6+TH7tvlUiOJFVKwW7bLG9f/2W1KZhRa1
-RVce4U09w2CZj2wucTZDYjV7+C4Rg6ZDVY+bwrLd25Dh7sbp1gnJNWdHved4A1sgLSikP/vRqB99
-+97K78cKOCGQpn1RhABzqmJiTMDYPAtr81yb9SfnUbPhPU3fW1Qc2HUHKsZ8dnr3SrS9OvBY/wdR
-59EcN5Ju0V+UEUDCb8tbVhWtxA2CEil4kwAS7tfPQb/FW0zHdM+0JFYBmZ+599xdi2toyNm5UWgZ
-PaOmiGXsJUFHm7g52iGbNRuDmO7ZWU4qQH/Bg9xN2jAEyPCDm2xnNGI8GdoC9OAX+5mjcR/gNyG0
-obl3Ex98jheLVZP1u62c5oCtMyCqtw7vnY3XPPZ73Cy4fIIulytMXnRozAEuiYmJFBf1oR3wG1PJ
-Hib0av9F2VTkdBBHMQf3mXhhpxyeNHiHZ9q/FW6HZEFcgbFN9b6hczw5o/iygrJ8lQUCniQZjgYn
-i0sy/C1HV9PlcbkDDsfPRjbFXhq2ZmgQcydXSXToZGohPcnlmhiUaZck8BHKmp+pn0NsZ7GiWCbu
-ZQueATduFE08VwSSjOlInNJCowgbPng59vvWRVTuNkFy4xPnx96lhIr8uDlBUNayIBpLF2oeAWPI
-/Ie12zrjvpzVUkI25glI1kLOXQ4iSQWdxD07Ki0vC9LCn+/B4MW3DjmWb4/pUxwVd1exZE4ml+X0
-vyQl2tyPaAWSIYRol1Mbzg7R1qWB83rQ7bWziL6trR4ffQdFKcxTxodpNd/YMsHP6GWzR/G0Uu0M
-o0vrh2YPdO08953RuOQJgsBrRofaR34ezSU2hwLWWDbutVuyWLXAPKkAyR1pycSa2dh9Gae5CWlN
-ZhjzFF/a3rSeCmagGy1ryRA1FRsX5tChSa1LY4YzYW1dvMVgXB9ajv1ZiF90we0vatVgNWuYpH1w
-C0QNa8iy1hqo2klpwMo+2OWjwxW9zJz3XFb9l+yqc8EOciPKIDgGTSyPSUqS7Yyu5EZy0EyuYNnc
-QpcOzK1PtnG1PTvfkv7zajsTsrPSf+2y6ckURLxpbTCCyVkNAa9imxw/uyr9hpKdrDMf8aCr/wqS
-H451YRJH2jJQHr2IJN5B9Svtpt9DPT6W4yWaVwNtEf9sZAWAeGRtIR7zqnIH28xeZZ57CXPnVyF9
-LMUA6PLI2abG9OnZ9ps0ewdGa/xZMRi0W32kWPiX+ErvSvfaVoRjdXNR79QSuyuNkCuO6xSOac+y
-JmHTtW095ziQEWuYFwDYDlGBrDn9iAjrmu2mMAHFTIbeBwa2hpa3NQ3qq/LKd8kjyMiY8jWWyTdd
-YL7/r1yMKXmrWt7M6O6QRq6Nen6KWZhChn9zZfnbx6ZLxWu+YfcjY83FRmdWH5EHloLulBSb8THp
-SBOGY1ibVzNDlWtMcKZM2z8mOK8m+CMwlfEQQYA0B29g1frX7iTvhZvI8zCb+sPCjTwp71eEXfyo
-hgz28fK3nRRv1STyo5d69qVvcWZVFoL9XLhsvGT3HqZNfCJUi7joJEi5+1mZ+n6OmEfjn5wYEhrb
-PIYcAzvkMx7VvzIn3bxDsQC91iZztctxUxQcSw2zWFwM0XvXec+AIIJ7GbCCUxbVV51tBtIqkLMg
-S0SVPRwoOdtLJULvXFJCBbJjYkDhkjkyIkAq/xdSB9+FpS4GIRZgvXAH4Lz98JIbbR1EwJ59qi2H
-N5cSRoSq4CIgaNOF/873Ayo8vSpXeNCtyVHmkerZtgjnmaUPn1lLBVZ06Y4eyz6a3MNM+e1PpQZy
-Wtu//ujEG7e2/+Fe3EUB4N1Z0ObknM3c8rH+nQBsqedHKpPyxnTfgQh3+g8Y5peZvXdU5rMes69F
-0pHWPNjDRpi2OlQmzI0ksY9iYkdoJxq7VAQAhV9K3mHW88Wm35aTeyeCZpZlfCNProZJWUfOfKxN
-fNRZwak1FEh6rNK03sLS81nY6asv6AnRAFgP4R9MzSotKZrmuWomODX6q0fAcaD9AEKEcdVq51dF
-z3Aa/HzaOFMv1zn7azHn4zlNY9CtfXRNKxI/GjSMu7LK15lXuJciuEZxERF6mKdbgAfFZg5eYw1X
-vzLmX1akSrIS+c4gVzyMIniKWT+cGvZgq6JNH/VY5S9lITfAnumYeqLGl02qif19SMI7/BegghQZ
-+67tblGMc8OEEsbcZM+3gECWCNw5KQ2UY/61n1hiUmIXO9WRCgsUnrmL5IDVSY5AlJzhqqcTqqJ0
-QzidcWkEs5XM+8tPQb5sxgRbl6S1ziMxc2Og2EdhlxwyXIpTmJ+qgZakM59R9f8MIrDOcd3/OA2R
-KAaeciyWT5F0rIPIZ/LE+mTvjUqflQa6SNBZNnY/ZqH7t0TRgZZRuKnGLHzKwAxAVtj990ESRbeW
-Kne2uVNO9yar3X2hqnwDmUu2DxmThhkHUK/dDHKENxsEeGpq9Gaorbf//rapCG4Di0SKlPCtqxx6
-5xoDDYoYOS/UkrVL2tIujaF0heWxsJT3yFu+0gHhdN4TJcRQ6khQmj45QU0Wd/IRzot4DZjuuefQ
-20xk4ZArmTyGCTuxojRQVYHsKyu8XWbPn6oIDcQ9KFQilFLsleY/AaYDwppdBkozJzrSFuxUsdBn
-2TXkgr5F8O2/JcTkVdwk4tlnjrDXtJWlSv0jXiZoEhnpd1HVQmXxHUbS8YwFoGTNyWAUwo9GG+sw
-XWTDxixPgvkLM6kZYZvtuVV+dSEygWffPJQpv5NREnREOB2u3r1ODe8JjImJnYktSy9QCJoM9a8Y
-SugJAh41gwgIt0QOrlOhCZKDe4pJrFqZvhxOgb3EYjgm+giytUyBoXGsE+Lrhvru6aB8AinyJ0lJ
-EbVaY+b60NZWC5sExpI2MR76ES26iQ6jTbo13Z5xInnlUdXg1Ihek7dJhuYNMLRs/EfvMmeo8Xvv
-ukpC7xiLJ9gvZ8/DUNxrXV8zXR0rO/7Sv7TR1ceCHoSl/kX31jfQU70bkpHiSIERybM/ITR0Aj7Y
-67EUOg1J/fAHszhOQUwyVc/gx3CdU7GY9ACrN9vSgT8edun4FPDg7AJeBO77zP8gwejJ3Howfe4u
-ZgY0N55xUyH6pwpuY+c5MAmkPruOGT9ntveyXA5Q4sJPuw62g0Z7XJhoEga6/2Qw0EB7Ir9YRdns
-IWuOe1al9wT72tP//wU8/J+m19hXJw4QRh/YzyOdXEifLOGajvg3Q/CeUFToPU10TcJe+B7Rq63i
-4WlEIrHgiwDtViklNLi0vWs7SCPn+BsrNtmpUdvfVV9uMRoUj2IoX/Mhe1OJoc4WZv7HbNNesTeA
-DBD297pmVxJIxKaEXlz92IyvSWod+q4+2wU7sBLI6lNgmHgubwjBND6E7hlaJgMXLIxbKWibbG2j
-Y+K0LBgr2SXz0DwF4TVivw7ik1+41S6My3+W7G6Y2Zkzh97OmQt3N+bhM9WpBGe4KVlxMeb4JCv5
-MZGTKnjijgN0c7JvqHosP99oMlRXbRr5l2IzIJDbAc9/MdX4m4TB7CWy6/YylfnNF1SFvh5Z8Hrk
-lSljQ9wWYLYhuZCmcO9NQYgaIdTjopvF5ASBNq/3UoYI1fISpDsbdr92HxjRYZtvzRKNUG9vTNI5
-rlWY/CqYQA5AfiAmOIxrIvNPPjr1lZca6RaDCLjQNBxkSsBuCk66c+hDOF7jWHLG2g8MXf6xNNwD
-jvyegOEOMnLv7FojuU9ujW4vNU367+44Vb/bgZobyQb9zODf0ZqdR4tKI0xIJ2+zXZZhE6rhxTSE
-mRYEDSZfoA/8R9xbL2kIQ9olnqUy7ITVgif5odQ/D6XtmYbmrwJ9fSkya9xB7Mo2qqqtU9OA2Y5y
-r92GTtNsYQ+KQwaTkTzNKH0htmbVuU58RetenGyCELshad/GkLUZT4n7iGJamj4DlB5lzAcAvOas
-kq+NQwJHanQTKhj5Y/m6I9eo6teug0csIUt00yNEWSWsL1QPUVKWL0qy7R0d2NKejDbCLcKvStJx
-tcI8GGRgrEabDWokphT1tXxuW4q6yR8vHa4F0DSX0creAqpRlm+kJIbB1yKpmhGlMXPR3lPX3D3Z
-fLK8P0OlX3YoW3psk81gAG8Iyh6NKMl2yA3XDWmF265yP7ny/+CwmM9kZG8jNe4lMt7nqWN8WamL
-MhVfVnoPdfvR4NvbjJ7zg34b8Vxm/+VkA5iJp9rg61Ivk6v/jQPTCDrZVd27gqT2crq2fn6MHdU+
-YrGGnmT/6eMQhH+5QKmnTzS75IQ3vncw3YqpRsKcVkTsoFVHskHgcZ1W0YNgwjVWEfs810hL8lSL
-HdSh5ogGsT47U/4uixnRp997b32e8V4NRvWhxpTDkUCAXR2SdazTjiMtx/C3qgl4OlHmRZvR6vYj
-RSc8f9JzHBjmrsUWZnCLeuvmmiTHTFZrtHe5n6dPbjfAOSjLfUOK4SoXUAO6hAcMfNannTM5yQ1U
-5pGPrAt3G/Vz+pU00afvfqgYY8YQWf1RTuCJjB47tHDtJzXz+8Kv6Tc8Uot66SkSIJo7+wdOPdug
-Ov4pKUrZHLBaRM7AxSAfWQJrx/btO8FapPOM/jtPkk9GVkIooAjBlLM6c1S+behOcOv4PWFX01dP
-5dGpGoF/OOE7sawvr0dzJhIs5Tbxc2Sv/lKN/uZD4htcs3hgeBZibXGstwoiXcBzjRaR3pvP0R4M
-l/enpDsXAiDdrOjlEQ73HZTHFMi74H3BeExMwAtBV90tS6a3UYiLQFMjs7RfOyQ97S0wxGtQ8KvG
-Aypo2cSc5Ni/+vmlkrVxMOPuhdHwH1O3v8Cm8p2wg7IDflgElagJczYNxXwLoZi4Fox635bsnDrM
-VKj+jJfWwUfXLJN8iYscr/T8WwDwDxcJ1xDvhlYOT2F8lQ2xppkAd4Hzf+fN/ptsIusIjfQWz+ax
-Hz1GCjEWntoz1qh7uBpaJpcs9SCK1cTiop/mTl84/kO3KIE1KvhEXYrITPf5TDa86obHLztnwQSi
-CGSvN5p7fE47h8JuTYn+d0ZusZtL6yeR/UsteNyjovpLPbmZCjrFKUV1kbL8qcvmBBvxOiQAu6Sh
-/iHU7A5m2fYnlWPHKrW3rwCmXByzgx0e+e467avkgoF6QsMDx3SyyV93SqcmnD2db2W8icV0z+qi
-vkSNc6/IdDzYRSSPPllfWYmHoBUDW7s4gBtCebObuzDejdHwBfYKXUQ8/VUdWk65aDFl15mMKoiO
-jWtAw5FxG43OeOj3PJt+WLSO/BJdsGrRSTB+r/aKJIB9a03ZtqbkBTHibwfGeDYWcAI2J+vMe5xu
-dTIlZLG63GhclxEPLDW6aR1aWvmVYZFODyc62MrJvQ6mMW/kMt4L41MyM06wE4Iz2fbUpByKy0zo
-jVDUUMyLLmGR8qZGlIE8GQ2V7LmdBPcDQIiiVCbVYHpEWP/CSCY8AGJRF824pq5Y3MbID2zWUizf
-BDFeBBd0vurQftXDtUJCSkTJBxEZ46pJ+giuAOireQaiG/jMyZR3rPGCbAyipkYfF76Xz9sUc28C
-O4jxX6tpr3mzXMv7nTA1gaoRlwgaNzCR2k1UEurRLNv0fPyH0lbu6kJ+UDE9zxlbL65NsCjvjV2x
-DoFdsKpNbxd3A5JbZEZTRVXr2YRzhTDgBEOcEU7OVvkd0LhzM5k1PL6FqYI3hAQ8HnJqxyybXz5n
-09mYXfk2e3CEa1YqrGL3WUZNZxmd3qStGNcibPYib36ElYiNsAMwWCbOz+7hBPOJzm/d2PFj+pTQ
-lDeFJYZNDWK3S+t8F2MBWaG9GyExzzSOw1gcKk3qnXKcm9lAXYHW+5kCW9CkcN0nbI+NnU+kpwAG
-cNWU7pyqL2HcVgJWz2wSaIZRDrx6fjIqGBbu7J34bEBO9YQwo+BL9k6h71aROSenIEKliOuj603n
-qkE+Mcb6nHfsJSCyb1Eq/HGRDjwqa2CxbcEi9C/1OJ5qzixGhOheplKcAijRjj1+pzFPohKvZTE8
-T7KNEPFEn7mRPnNov6VG/1rUU7YuxLIazsGR2O4a61V7DPL4N7Ez5KC8Z1H92hq4KUz7hXbuJEr6
-lxknqpg+qsa91LZxQv7MHyD8aEv9Olski9QjTwKXwjdonovryHfis3it2trhdE7iXeIVpzlAfN7y
-ihyiRi7JzFH3rN04OkDCQn6UtoxBYDA6tRRs4BkZKxaYhLmog0/mDdxZjVNUlIfZJYOI+eIY86un
-hUkgQwWJrpiffSStbVa/2N4EXYlZd9gPG5lOz45sPmq3uaBLq9e695kvOgzl4mktCJk9Iqi2qyw9
-ZbHzx9UmtHWyAVeMTOWmDGHG5zh/rvgmi7JmeTNAcEvYTK1sW31qT714qabKlahDmDwuwbWGV760
-SKVT3yH7gQjzVmTl1sGbJvFWEviBIOhUSqI+HIF+v/W32HVJujB8fDFLwG6ma032yXCjeH3OZPJp
-22yyeA72teediSRklVZZK2+0n8eYeIRZI3IsaZbhNx2U6yOiAJ6nxwC4B5RggGe0NIfWYD9RzEfN
-+BUpmbPo/qZ+hQCflGEIPkfPoA9qevzgjd8w60HhhBBxqnZ2S8RYck9yRAkEcWUbcGrpFSNGeiXi
-4K8fHtNcMs7BOwywJuLdRsRc1u9j5x1Ne0aCrImBGwGdtBRAbYnuXlOMSlrmJHZ39WJjd9isldlN
-apBumX70iCpg5FqHgh3VKvVPtLP73hYM740vNjBnU5enwXopBtS4Scy4dswDWCd9vrGL8CrHST4Z
-VXuMQKcVgDl2TTN8jbb33HiI/IjBYDKbjyUVKqauCfv51JFzQHbfRUFe5Vueuf1iDtkpfSr513vP
-pnQY0JgyE4kQfl2qudoUU+XzyfAMIgR6b5PqtPwnjO1oTfoib5lAgScXZV+bvCEn4Hoenc+xN388
-M4d4ouvfNNDc0wgmbSrb3TAhk1Ap3zzC1TUadRdDQITmNiSh0C6CfR4jqGDHzCQ46NaDgqOGSHYk
-57Ix1SkaI/9QDdGzzgrqpZDVlNTNtcjsn7EmW7GcrKNG5NRihN6PKvuNOJqzefruo/yPtmOE2i3Q
-ID99MpCqd5QrQFGOUTHfQ+i5a5U5ryqsCBvAP4gCKy+RlpU2yQKu+1kpHqsBhcLai9PfqVNGmJZJ
-QKwda991nKZ5Xr+hMmSgVzCEbUc6MNInvvTYKEaKcb9l8Vnvsx6xPXs9BH8WJg1EVJR7nIZD6gaE
-7AHH6g3SsiN4UprNJIET7LCTalOpvDsOMBBWcT2fieqj0hE/cPKgt3fmaSiH8BAJFI9k8300vaP2
-pkFrAg9NwxUL/cCiJnEJcSjEzjZwKwRjKXCfLxkJdJ2ugzsyCN+rli+oG3BL6ZTm2TU3hRtv27Eq
-VuSeAZR9OGIszlbhnnxVPckocQ+Dcl2kI3Cci0WQyVB4hw4js6ZFROvjaoTbq1T5TwOYPTCjOFpN
-1G3agQkUYTVw15hxx0WebEQVHO2xYEXlVFdc+6/c9u9Q2kgGkMgLpni8yZQGSyb2w/CSkxEuh0+G
-6i+g0UmCG1Y3JGB0qMBR6XMUzyBjEkTPUJ7WZYEYbJwFauSEsWsbGN92nDy6qfydWd537LPxC95g
-Du2Uv+SXoBVYWXMFJ5b3Hh9kdPaF/Vk5fMMYn9x1x2xO5c0fdwSkVctkVyse85BYxFbO/4qify5u
-KEdAzOF7Wnd8qPUAVkSHcPMwVNbwAFIahmUCVDRGtSlh6xMy5DwYSvG1TMF1JNmgd8zh2lvoouh+
-ggh9OAftpiMYY8VIHEE24ZMVfiJhexyPPfIcHh+aI0LKXX6KadmYFbDZvD5DI2SX004BjwbnpyAt
-eayWNKd6xvAFPK+9U1SKqkwYhsflJjUcdwMPnIpLsvVnyNAAQAM9V/YHpMfXMvJbHj4HekUOlha8
-sqeQMOUuX5G/qGXmCGHm/I8J5FvaI8S1zZ4bRARkuQ6kynh2f5hIglvHPXAKKZEhyoiVEplOON7q
-cY0oTQNbJxc20b+yxi42sv7N/eSic0SGLpuGEtXU16zhAXRC5Ok4pejixDwQKhGxLgeyMc+i40kG
-I6ovUT52MFEQM5mZs8JVgLl6wVuGjrwbsn8veue31zUzdwNgD5x+KzTk2batr65SELnNP7Y91xuv
-ZnzByvTuGkN+borozZo/I15usuE50HJu8cli8tFb4q0kjYs/z1pF5ATGcbOfWe9uwow/v/bkDw5r
-UhmEBqSnfypcWPuJq8elHAL6RDlZsqnJ/KvRB/XGB5qWNOUpfI0K9AH0VBYKc6IfcBIj0PX/mWHw
-sHJgEm0+H5NOci5bVrsq3C/XaNoHYiSAqznRxJzwBRaNyeFmR7yZ7WSY3mGzl6jKzGI79Oe2a54d
-w/IPNXQw+lEOxRiVvieM3RA5gG8FWQrZq4D7XJdUQMrrXpo6QlvtMYFJkjJEjN9QZfTJpomvdUPi
-ymQua8yCXtR3Cb4gXO40kpCyGrKh2zQo8zcWQ8nK8L7cKXBvZlGwjqbxTLChRKbzuyg5jnRk4rUN
-fkwrobjr7SfP7h75n0GY36oLMElxZrq++Itq8Gm0HIXhEW2IsLpvw59yqqv81UtsyI1Ux1HCU5E4
-PQYd7pPV7Hi/YaRRd5p6IX/ZHdEmAaEVzq+pQ5UpJdCaimtunSWaRbAVT2i8lzzqwv40QmqC0Il+
-G3TJkRjHgzLuVSGPujbnR29nO53xpKU5C9i0piNqMHvj5kGuD08QVTw0aDi4/G+Fc9Ch+bcr+X8y
-FEESqDeJj9SGlMlsS/PkbeycYfyyFMTfKgfeB6MD5x97vdgq+tujt3c47FdRTmGiw+BdRs4/HbTF
-rhqe4qZ+byP8SqBmDkbECxESlzITd4uxgalNPVdvgQqCU0hqMHuLEKWF98sjiWWlmmX6k8Lvne8e
-UW5rKxiNp0AODUprZ9vaud7xI2+nYcQqOgd7xifdseLsPFeevOcJt6QOXU6lfIaLnSCGC00GjWAQ
-sXtL5HXeF8i2gI20fzBmer65y9F/Q5Fc1xr7yBTUO+HOX03eH42iDzfSXN5gn4dSkqRavaYTesTE
-jKJLHnVrx4mYk8FBgJbosEZ16ytIFA15BheHNLsX2Izdyk75I9A8IKukvoPLMM+aGCfYctT9ccbH
-iq05d7BPWcWLSqyRfToYmGVYm8YdvyWuLL4EZFEeVS57lwcs2/QQleqMHekTEk13VLLi66j5VIAN
-sRDqVU5W0zgjeH6zYwMoQwE8vIrH01i19wC7CxRMXAsxnvQ57eZjljA9myQePbKht8LNwrX0gOUO
-/fQ0Z9SogmZw/IbuFzKZKKnaAqdHQk668cx3h1hTY5mN+1tO5bLDLx5vpuVW4ts+TmHM0C17hMbf
-JmVQE7ZmstVZ+svXrmCaaQF/ZvV9zct0wheEk6RiyLSzqtx8cWEojLnKnxrKrhrt7rHOQ6QLJf1G
-jSB5LHt5bHNz4sHoMux1qPIxf5Ask0c7U0H5NavwnwMW9MWimBPzS94WxkvxwfZmvDPOTUHAzBw+
-6bwjjdN+0V6zaDVCIhIxIlTJa+fmmMC6zD0EjbgNBVPwFnoI0R1VtAm6CBONTOodhRkzsnZrIgF4
-1RhBbpE/3k0zMp6TMiMewMl+ZGVlgL5QFrSOiSAJmAwPBFINAUDkeRFhmFZzKAfvNpTkwxVR1G+d
-uPgCViDxaekc9qeSbreEETbnLB35kjDOr5Ufejc/AJagYEOEcRvfHc39oLG47HXC/pshMXN9T6tD
-EE3fIm2zk5eKdVt69gtxQStsJnvTRZzdxFW2SiUqFUsb07Z1aiLt+nlHtjJ+U2bY21SnqzmyzUOY
-sJXrNbGxQ0s3TMqMsZsITgknbDymxoSOPHQ8242fb4e2uJoVIxMyYAWKG3hcmcFlxLJ9QVT5ZEeC
-kv47GuTUaQxCVSzlPkb1DXg/kC+FMOJtOGO8RsTDLJaZ2aFyXQwkdtM9vGlEZakU5DXctA6KOfb3
-/rCdEc2uuKPda9o+4xKmGIm6/uIw2FiNIkNaaSE0UEkhNkOjNtCR4ntCfB6bg5vuNOEcCfWriQ0X
-55mxJaHkK9YBVzSyVpUjoZoKIp5INcrz6kV31MPN7PxtBcV0QSYlS/FdJYd3JoqHOgYAHCgoGXUx
-lhtDTPWyxIn2xlEw+zipxD+wsMFaOiyHgVkwIOPuMMuq2AHnTg+jfAWrYmN2RiMi5wrE/jARPDjS
-d7KYWcWmSn7ZS5tsh81GeEn/MnLkEf9o+Od5aDvGNwQuCEwbpGlwruUAIXLvkUQGfZTE0RmYNxpK
-soXmiRUDZhGluLjqWvL0deZvTqpyF9v1myaw/tx443xiMtBapnOuZHyAz7tsmfx7Qw+5l635FvYf
-UqAtDuWA+aRoDvHwbXKfdofBBME0YfCqrHMRaOtU0IRvNIKAoJCMaHwUg4yv0E8U7t++htts4slm
-SIe8i7XHGwLn+IDRHVdgSq06J9Yx6A2Gm0V/qjoBktP467Y181q/fUkb/y/BrTNR62c7tNRJD0w0
-sa0xiKd1C5nlhFmF2mWXleniwusV3SKbqzhhVS5Q6yHMgCAXJxdD4G4uVDZzWaTsllmZsGe6Mo3J
-TsI0iWrLSSdqE9Kcxmzn6gEsSVtsBUtAaivyr6e6P0GTX8P8XqHhLT/aISJKupG/jIz1s8lcWqGd
-xG1SnDMRL7QwoMEQJ9Dqh1DfPWYbvOHwqySesiz0vqwy3IokbfdyLizm5oaxR8TWHIuOe9Ub2SjH
-wu6fSW+6d92zmu3079Clry2ccFlbBiJinMLkXi0AFaJgRQ2dHFcnTKRuz77LPFEf0R1gaO1GgXe7
-IUOZDVxDkI49nQHKjftBCRZdI+GxqWQuaajBvsY6WcJFNbMyZ/giwSYD0hEPmOK9kJmQwMPR5MVW
-QS8Ng3Z6ZUaoj6XZ4vOf0Kha+FUZ4FrTSUj6Hrr0ZtW6TnsWpNGgMbaTRxD7m6AiAyCLZrENqt5+
-pzt8MePgmJqu8RxoFJ81iwBKGOeqMa3TZ/HEJHzjuCdykHO5OT5nfvQ3UE/J6PpPvc2yTQZNudVh
-DCrFASnm86Lua4E6zMKRc0wY5KTLx9X7NGf+MLVs2Ub0dvWEmwaC8ypLY7ytNGprwdSjLsec4SZ6
-exMx8Qs5rpsW6V5nlMab3yOgb5btMaSQp87RT4SLFwB7wnIrvOqTI765MuRdlNaHaFAW29yG8Ztm
-yX/xnKJ9GZeYzrn38h3t2KJLcBhBzi6xwAa+7bxnQN76guhFI81fei9p2ZaZz1bu5OzSM1ZNtVme
-u7ibD7QNrm+Nr1SwNz/8cWBKHMu2nZ+mpgf1Leb6/54Sco2uFhrGoxnTPxCcfSsgrWzKEqLEMEc1
-i9Ji5cMVeRksLMl9u9ZOb2wr7fXnCdH1NvVS1kW+N+ycNrr1HTqjwm/FOphrcarDmCn80L2Olt65
-Y6vWBjDn0Q3eQjVDj0MMBKotaS9t5LxmZIp6SebdGVcwB8fuG1c5yAeghruWH1+byMRQuI/bAi7K
-2mN3f0nz/ieMtyOvyckY7eBUWzH1VRxezaGimmn6AAphdBHZiGMppt+LRJNgfxNvfTeoK+0eKL+g
-g6bX169DapM+wWku2TwR7vZdWguvJC0QyJvLjrydGdOnvj6JJUeZMSKhejRjOTazykd0r7xwJ2pT
-orooAUKVYKzbLH1oA7TiGHaSPoTo0yBzwzVlJRxjcmba6reSwfAlmh2lPp5lgBMEqtDqdL0DaD4N
-ks1YGuT4IG96mhnqjiNokNG2jnZNKhOv3Amz3p03Lt93U/cWEmN0M1pqvXoY2lXcEaQDEBwQNpa9
-NU7eh+78bEfGHXo/cyo2tmmjU3YExbsRz5cyeQ0rI7yAUxIXy8GkOQXF9zQuXH4LvaAfUZr11AyM
-kogmNxONctVfC8N5LWtUy8ikNlWTfqMJ5O52ItiI+NlWzvSjGMbGzcgQqUJTE3rcCugvj7TPNmMW
-ew/BZJ+GBCdrln2wtMYPFQwL7bv9bBd9TWN4jC9Zf/33q3bNSK64wX60DluadvfL7vpP5sDQOxc5
-pKEdAw8Qr7VWds4x9o1/cfzVmP5zQus8KQwcDhu0MsvyA/a+Q9ILQp1rqDx9xU1HBHiFuZmAa3ZD
-PjOSIl3g8QkmemRfGMVyVhwyFiwH6Y2apiKCw5qOCgU+cZhAkLv0mEC5hlT7i0s5OUoWEjdFAVJI
-+yOstogOJarKSd3ceviyHIZSillOGBIDg4995U0usvewbNAjk5Kco9r9g9/tSOSycaz6Nthr6Z/r
-thw/4rLgEGz1K79x/dS6VrEP6mQ6D9NvNvrjaciXM62B5+oUyYtYKFF4wqtVr+1jymnAPZ2DGZKC
-wC+sECzTi32ft8kuNjZ1XJpbkquYuhQNmXfwEAzjD/o8TPmN+5kRzIyInisD1aXeR823g7rYRSZV
-66B5r70RUIF7dhH9rQbZEBL2UFlfvUbB+DrXECLYFIPhxr5ekzB3mkX0LrTKzjH/bVXULa5gnRZv
-jWedXbtjx+WZ57YRALvDglcEZgjrRn3xPHJ4u9qp1raQZ9A77UvJId/ZgbjrmIaWZVXmxv1FZdRs
-BbP+qBgtXAtsbtnqfRUBhZlvB8G6hcxrGkAkUm85ZroBL3OqnvxeUo4ibtw4bnq1Cnu89jr+SeOo
-P3qtCpds0D9Dxx8AsWtxneKSEiTBfUu8y//YO5PlyJEsy/5LrRvRCigGxaJ6YfNIGmfSNxCS7sQ8
-K8av72NR2SkeXimenbWqRYmEMFwihG4DANWn7917LivhWJARfrXuurlMNhR32dkMY6xTicKzLrNw
-b6OGZi4cntGyG6eS7mZl4hbOnNa8SXKcx05OYGofOPk25Dx9Kgbeayrtu0mM+UWm0RZhM0Wh13/X
-ZgJota2LB9hGzpaJg7GbB6B6Y48HPKczOvphdo0gsU8DwuA+iYO9yonjJOE4WsWoePelqNYge6IP
-W5H3KRr95c9ISrvWDfaBQbLfn1kb/neI4Nmpp/VBDEf3tx+4F5bOOOYH0MMkuNLK3Vm1dWJ5lQdt
-kCjPgwWtqnEAaRn1S8y02xhgQmD/Cq8yvTPpfham5E9eEeIUrv40deJL6lPid3zQQklopZSQWBC8
-szeV4pjKCmljwyHMC6CEenSHHnF3Fz2dzIooRJC2vqRl2MjlrKp0a37Gpt2SnNGJV50LlOtZyuIE
-NgSnfrtLGxKN6MxubRRdCAyKYIVviPFYXXl7VoRnzGBvDKImGvyQSVM1ItiduuXUWXBv51nfWSOF
-ZmJeY6VtRSxYXnwoJOpdNxS3teMla6vw67VVwb5jWo4XoCLT0dhkcdbSXJqw6I/mQxGXgtXSojtt
-gjH06b7x/Xu0iQjr5OzDYVDMnI8VtZthCL3tC6WXwr1KPen9mSQN6DLRBwKRE2YvWYyYEzkQ7hy1
-TfoO0W5bbWUx8YDnqzhdI0g0Vn0/YsK6mqFlnG6zjw5Z4S61EiQO4cxyKgDxLIaWYeAQsS5pk5xu
-c4pQgdfDtO8ZCh5EdEPSjiTkQfYLD67ZBoj40tbqSushgriTgfiPH2Fhm5tAR3hmWBaWOdzmrSiY
-QRnqSgtSWJ6a+bu2CNMc9bQne8C8aQt88JR2SZ25h6DiOUjBr61chHQbvo5paVX3IHUd8MajvLPj
-fISKGZIT1IyoEWbsQuGV9+NXH3NFl5MFzllmL0boYAtq8O+J2JyOorMeShaUJQ6cYAmP+nuJU2Xp
-+YGxnzEWLmkykbk4EEgtuuZJetbLQIYEtliINw4O86k256MMrvKyNiluO+5e2uJ9f0OvMIG4RmSJ
-12p4vl2VXv78b3/+id7sIS764jTpFqzONdo9n6srR6bO4DTi6UpAYaCsW48ScBOjweHOdB1vGehm
-4jwHGwuf5RFHV3mcYBI5siajOtbHQDDICXVo0nplisF5Zxqz7m5m2GR1JM/BLcUgUYTZLY749BaY
-88tgkihY6r49gVq6lMXU77B5Dls5j/R1QqqbOa6eImk+Rdwud30WPjWFM+JDDWlA7vq4r254sPUb
-OWg3U/pNx0F48vvxwkkUpSuJkWE/FQjppgFbouOcrCQSp6wLnhqIZ/cUMfY9iwTEadzutCyvc6cc
-wBGpD6jV8+ZTdQVGtzx+L4kuWUVkNTNGhtHeNU300orvTp1H5yDE/OE5FWtyjsnY7J8zX70EEnEm
-38T9jL1skbhUiU1PJAPF46vdXdOhSXhcg3+ZSDx1x0sTO/5tWSXzEjzCnqa5ffzzx9jpfmlzzD22
-busjtsI6OK84UoOeCjnrOGMJr1lO2aZTEB1yn4px4GR6C7lB7yts4quskQ9KeM6T5/QnbPw4ulwD
-gZOD/w1gyqYNB7T8Hj0DAHibalpn+Gd3sdCvjNk40KUp8CjyjVNC5GqQSlGLR47DQRG9dklvHF1N
-8qt210Bp77BNgyw2b5SfPCJtRt/ItlBIgI1skInVniyZWkfEdt9cwuaRkmbnPiEuqdTnnAzjsHIZ
-WLmHFLrXewlUPhuXcy0R5xPPyKxbfAcz8+E0yKWNgG6IZuxzavc52cukeIJr1deWF1PXnOWIGjmK
-0+gWTRkxxHS2oePbEAisYoW3QK6sGuVHOQfVKoiaN87a8aXVnCah7XyodLCPTj+xzenhADC1WxYd
-e2wPr/9kdXvZudlz4tNoTmx/+Jbp8o2u8cIZc/PgBbm360f3Psrs6XtEm202Or3Dwxssx1hHWG1r
-iR4IMDiC+G90c71LElc3mFLxI5R2d8t1SGmyZMXKAXG9Kho1rkyfTCb7GvwzmuWWjqL5wXmJHid7
-421DttBJWyCgtLYZY/a2cw7dbXAzdnPzBrr7GuyWxKwITCGjtPmYw2k+j5HxSDlJlYDu8j6QNuab
-NmxXNFgbQE1RdWu0gCC9SRVny8BEVcfpNQjJrFaD2W6BX9dHJxz3iHM5ofRIdHUxuksJqWbF9iJW
-9tAqtI6IGd3GOGA3stZjG5ymcJ53aQ9RH0sd8JPEq3aToeITfKRblZcbTcHzvUu9D+0AJkAG6qw8
-H1VnTztu7X5HoxeRF+ss81YaF9RxD3k6yjWHKGx1Q3yo6SQgEMOb1qX0zYKaQ3NS6/nQZNW7ZQNC
-RW+Ia9c8dmWRPRjJQxPo+IZ0LZhnZjqtLU0oLIL/x4wtOh+BiMTy+vE/hzltcUvV7aJ0eBpzuvML
-le/GRr8Pfv0ywS9xMeaU/Zdtg6Fsp5JuG+wNhm8+o8rcvr+u2Mw+cY3BhSLja+BEy0mYLKjwZdLu
-nW8M4igG5FN+zzyesAXrIvXKgzV611b+YSrojvbsRW+mPy0BooXw8GVFyYd4syKR6ljiwljMbfTI
-F+zesjeM2I3aaDcQlrYCI4Lfp642vV/nj2POd1IkMTnYkGA1iWy0bvOdGmbzqNy1A0wfhoQ2H+aU
-VuM0I/E2ff2CLXVf0/AOh0L/R6GWT0SOOe1FZVD7YuWMKD+ru7Ip7NWknOExjrg0Dffs2i9gJDIS
-pBgo3eA45aA+dcEwLk/GcROhbN7QqKyxrYdIr/3BWrsxdvC2KOKtqW/a1IAAO+cdO6IbH8I8+kyH
-g2U57ZI1G0W1yz2l3cOIlX/F2cZFAimqA2kx26TmV00hbSpDEP2mWyscIYiPmggzQVxDT5ED+WM+
-Z5sQh2tKbKnVIJmZ23A+NaD48nudoK2oCmyhRYBIuUcNPzaYKEnPgqDIAYxOX0hYrh1xTmZJHNPG
-oMbHo8fFeE3RbtvSA3IRR96B7vFT2qr6AUUYhcMU6G3eDRzQe/dQWg28Hvd2GiXKsMS4AwAbbUNs
-ydRaxXigLthFwWRuqwQjD1UFvelpDI6zkR0tHyJCjZxsqUnK2pnk6x7qRORbNDgQJhpj33t424qi
-2zhFGu6JpXuKsgxeIO3zVYVab6YUPzkEtgG74cgWO3a4NeuJRYPzfuXWp6zJD0aFhnEymEa7fncv
-yMCdZukTVOIREWoWOQ9QsyeEa9zbrYF8aA6LjQ4IzEqcKj01IaCnIr2Ax8vv/L6+UuYITe2y4d3p
-O/cShZOiN8ND19TGuI65JR5Nhyxru0YmX8cZmbxV6C3wj+IiizXZtzo1d2ik0ba44bULX7VLnCuU
-4kyA17nTNsyba9AVIbqWwahBpGSNeK/6c5hfs4aedYTyqpXirsHLvxBeN2zgiDrNGr+TOkz5DztH
-V6+UP0GoG1oGUsO3kdogRdQqUkq8sn3hoFrtScAwlr3qtlUPLLPFLlZAVsurhmA0ZgJgTAZvNRCR
-uncdf5dXZrYX3iuNFrbQwd9gWWIumud7YcWfKbqWtiI2I9JR8pDzzQHiSG5S9HxV652h4Fz6q6JR
-9traCwAflUXIZ6lB/k2RFRzGOrjpcnqdNbMX7BIWygWKLsE2enYieOVZ+9kliOAVKYMpRw0DBSNT
-Poab+ZA2JyDMNtN739qQTWpe/IakprKolyWHy10QdXJlI3lxcLLvK8R+KOfxEhg2QMI+aNTa9+pg
-U0QNy4jAD+8LbAeNhzIW8EyM+d8rNFLNBlYb4caMtXIIDygV3oh4XjKmVuvEDIxl6KTTpfW8pfK9
-8GKNebWKmPrS/443Vj0Nj0EIjbJQ1qec4GRgzYe2Sdxd6TgR1idCdb12ApWZts5rWQzFYa7tL0Rq
-5gYoK7pCJcSrjzFq5WZtu5dqPPbaTe5pbz14Gc72KSrLFfZUvYvNbBeIQFzmVr+7BrHSrm6cPc6e
-aeONNBqLPH0U7QNPu7nzanSo4KeXYxT0r1NnoqsLTQywkijFIXHiF1tsEZzO+6GNX2GQ71rTgDdX
-1VusaSjsVDSvsqt4MEWHh288ugYHmlyvpczD+6SdqCyYMrqaaK8ZB5RRI61AkAPmNVxp9P1AqsqU
-0oWBD3rAIQcODx6PhnPT+Mai7ZhfJIb5IFQQH32fz+iiJeqyGi2ByI7kmMlFJH2MNTHYOD1SA1bp
-jRzypwEJFCFEVO9D8No6oVylbboW1+fFYNzgyORbLwpjYTsxVo/ms7aIHBcxHcG6jjZdgnQoDVAh
-egCsrvkr5MvYvHtAI09YgJH5zfEOwBX1iF/qi3SCZxEFIwqvvLn0jrUG5r6m/2NsUH1UG2U6mwwG
-LzLFBlh60kAQth/KoMFhGRreYbz+sJukop+GQ5tkxezGZ0S3dbvmyygmfVQNm3faWqfJDd6jOsHG
-PXf1FtHNS2qCDQuzAMJJW5wHg5mkRUDJusvpK/nWdNN0LlHihniYCo3rseReHyLCAxtO+PggTmNL
-QGIVZ4t+CrdhxmALYgu9nsh4ar1A07LDwwL1CO5iLOwlBv7qUnqSRzELNiG5yes8s7x1o1LvNhSO
-Q9gSSnh6FRzkK62YzXwkndIX3dIg0PyFqYl4Y4Eham30ATS17OQ3tSYjmhihZq7zg+rst0xW0QkI
-2YNXSTTvSf+AqfSz4PkRo2zO3FdxU6ObFihJqNKOA9MUOoMYxhqwbkis7Zu5Bib+55/G+PivB448
-ljn//NfSRn4OG/k/2x/lzXv+o/31r/rvGEkiTGRlNqlg//vn3JO/5ZlcP8W//9vqB7PDv4SR/P2X
-/ha45pGd5tPxcBWsweu//55HQuqIaUtSR0zfIs9U/RS4pv5QypOO75q+aQvX+ilxTf1hC4vfEq40
-KZAc618JJLHEr5lrQlme5ds2+gDbsX31SwZajB0l5/2xyqXtERRueUn890HQDIIrWmGweMqd5qGt
-oQvNBBXSR+zlMujonSYya9dyHB77kcEK9ycyYyPQKLk7KrfIg71FzbcNEmyItg+2GpbI0xAkP4bK
-a5/MuHlUUFFKHsRLm2DwdpGO+EZ3j3BvPKFkDU0OWt14NwBLhsYM50EHGUHvBUrSQm9maQX7JgyL
-hVfe5nImNHIGqA2bBzKmf9tzHFiZ9QA5nfNHa9qLJmuJ1mqhZw2TRE2KqjtBJwvClCys1vlA19Pe
-cD886cmcP1qL4Vq9qs32ZfAyVifbkOs5xNy4thJkuVMw3owhI6uofbOoY0+WJ8nErEmtnNZ0O3pQ
-DQV00+4lTJiMKhZqeBpkTghKuAjBhdV8Fr5FGenDE8aBX3h1yXnrLXHd1w4fEoiDsFzsZRwM65aD
-eG2S21rpk7hmyApAwhAegBmV46uXPvb9tB+rqWCsHb7TZIz2nbxS4cE41x8EEwBOMhrM2g3zrH7m
-wJZFUFnakK5HkhOGEfqI4gcbdWTBmWEIbnEk11srNRbxqK5Gs0iyvAZUbiPDkGZAsN3FEVgA1920
-isA2qY99PjzoiDYY/v9bRSodIAK/O+JLvKrEg6VZh90hs5iJJJ2FYEUQ7ESvBFWVTPU2KGB4KS91
-l7mRov8TY3cyfdJ6CVHG/A5zeCpHoiq0YJYIr3hN6AFC+jiqD20YXsImfyZU9dG1nW6dhHR7Q5Av
-ofgRZpZ/jtQgzlaEixY84t7L5/iliuaDJRv3MFXutOJspQn4i19Gs36oUmyPWRK8+ANXI8OOU8X6
-kVhQWiJlc5jmkSHzFQnEk9UeaVT1u1z0uz8bSd1sFjsE1mfE8XpT6w47ATXKqVbdvZR6uLDNP+kB
-QLwTOtkWa7x1thH3h+C0kdxP7nEM+gzGTnCXVGIDw745j1C9D/+zpP//hGp6EBksaf1uRacr/t68
-65/X9L//1t+WdPsP23M8opwc21M/L+mu+sNkrWcVxeUNzYs4zL9nTNl/MEJypI8v+s/f4U38v4wp
-8YdpelIJxEiWeV3x/5Ul/ddISBindMqF6QvfROTn/bKgkxjbu2024jFmmWHRnkmk9eHp06aMktVP
-38w/SNC8hlX9HGYlfKBS3OWuj8SND/fLa7WucJMhLDjXD3X5YdRjuaniGd5RqtNsG+aMiH//guY/
-ekUa3NdTAOGlpvolPsvP51R1aeCuPXP0wcrnIouWHc7WAea2LPB39t5LAnh5G0niqtC6dSQm0IM0
-twWHo/2IOfZo1r2FFisUNwC5eaxBJFTnf/JGiQz7T18NF9x2HG4FT3g2///zHbVg2P77v5n/K/GM
-FKErVu/AM/yzawl3q1xmIgt2xvI0EI6EiQDcBXKPpv3WN4RjISQ0vXvgHyk+gxE28TiXX79/W9b1
-ZX+9YoS8CI/KgzGF4i78+W3RuBNV4k/uugNgetZgDsoloIboy6UjBbIB4rcs0v4o0mR4AvujVkOI
-3DbCPPRiEfJCEyQ6mma1F5Fxl5ghfh8/SI9B36GJsGM//W7YzbSXVgKzAYf9B4rsdJtPdXX/+09i
-/ufKhZtPkTulLCltqqVfgkRVPA/YH6XD2SOLTs04hBtj9M1DZkY4VXDZ37mIrxAYFF1zb5Tt8L1w
-rxaLLKf3iX4je8iG6CTw2unKQw+UA3myu/Dd8Al2txNzF4qE+JRwH88FhXgB2KAr6KP6tO3ODKoQ
-OEfzpbDxTEb5U2I75mMqkx3hNTtj8qiDWn9YVw7dW1wSh4T4bPjw9bLFRskOpo7NHG+6/uj4d32t
-XlKND5CuGI31yXroGvc4oSxUKn9I5mljdDmJpgJFh7MBPbqOmTcOlFlkfT0W8T0Bb7gtgbIGdXDM
-qJVIZ9C3OhavwL1pVKOLXPjTZ4iflKbyANsjB0aiuGjw7efnsuqOEVkTwlMbz7M/8iDD8ILjcEZg
-U4OMoXujLPMkr/5bCxeYizO2Em0LtEs+gSr57g4eFhAJC6o209M8B/fauKrwEOUT7OB5625S9sLK
-BhRIXefjgmoZBiygvwARcOv5rLFJ0+ogYvhoulYCAJeOBLm74ciQ/fd3znW5//UZ8Cicae6Z0pSu
-+8saUnl5mzrt5KxNQtZvS4E0ssRvcKJE30oazEvPC40HNALEZHhuS5OZBKLhy73aecY67wFU9MZ3
-MLvpzsPstk6MCj8Iso18ZdD9veDqaXd9P5SvDBEzuQkJVfrud4P50FVBCQt1NF5NmYYnMU/NtoN7
-ES/MmfQ7zw7VUaVdstEdKrjff2x2kX/wsb3r9qcwuLMA/PXRr5Soeu/66Mvan84OU+9wiR7E3ldF
-2VzQv2OJMpmnBWY231lx00CxmkdidTyjOpizrZ6yvm2+iMk0P37/1v7Boq5s9hKLawGr1L1uaT+t
-lVk45X3m0FgelOUsZVN+RdSztcDOOIzhP1mZ/8HXgLTDgq2PQcVk5/rri6FNhkU/aWc9Ta33GjaN
-h5RHZLv/wkf66VV+WZzISIechugBo1sc/8CLCcawxYTFfeni6dM4rX7/guZ1r/1lZVe+T4w1NYSS
-0Er++rm4Q5OqshgVF45E86xShO8OXaVDM83OsyrtCgbQoOjWYS59lUIUF5/cudW//jZ8kIc+hZHD
-edL+9es1BgdrueOsjRCHXDC6zxZo0CV9XsDZvlVhIyHKMHNhdFr58JRiYPwn74Aa6y9fhKOI4aP1
-otjfcAZ41///091kjRwcpyxx19nsTMki6truXGtsqGyniipomFZ+1xEvBAEaedIMZX42YYD5nYKG
-9vs382sx5ijl2HRSPdv0WbuuwaI/v5fZntOajpS3jvCprV2dgyWqmNxGJiF9v3+pXx8iygz3uquz
-PLq+6ahfrj+wIAsBveGvPVruB50l3j43x+EMlKkjCcz0/9n3TMj4L9+0KxwqG+o+VlHPodj866cb
-LE2v2RyCdRbU9IRDMF6gB4dXEoXomGYIAAA4yXrPUoqlEpnOMdQQztLJDBCRjN6W2iJbC2s0FyFp
-djudNuK2jfx22fvpfGRuITFp+Ca9ZlskW5VPokfYBX4ESGP8adELeIlauK2FZYBxnk37gLFzep56
-1IjCIAuJtq2Eo1daM9E4HLu+8w1F8ECb6keupf0W2LXLAMP5oXsxffqGM6wHhiBL0CH5tsK3AONx
-LG2Kg5C7hgS0baJj1BgYfuhcyuxmduziYMvIoYh0A/yIjDbXZnId3vYqesyjHImwxKOX50Cc8R6Z
-K13loNT0nPh7PdeIagomZVeFz+Q9lW3EmTtNzbhfBImm+z96SXIQ2dCcKumOXx6J1dcu5Oj79X4a
-25XoJErPhEL0ObbKdDPY03SCg8z0pNP9ObBq8xnngrzr40kgcAlk92kTX7T3lcRY2+LlpmCABgpH
-ddkDI0kWsHVb5NmOuklUTst4zpyL7lVOeM7c3o5tiwWmEml6E85Bu4O7nyycvrUOV+bva1FX2Uth
-taOzGVCZ39dZ2l+MNOsaciWvQeJEkE8rgHHiKdZtfyeDqXuqrMRfFqZXPHK4LnEHGOkNg91whzTA
-wFrTxDddAs4xISiOpk7ubcPZrW4CRvnArEZBLJky343ARD7ZxN05my29ytAQLwwmGN9G2sNLe/Ig
-2YTAdJm2d2/4d1FqT2lw6BMmcKWZlp8NEKlHy9fBl9vY9TPjE9S4/bA0LW28dC4a4rkK0gejlP1b
-g9Tmc5y60tpMxZW6S3s6AUEfIlk1kJCuB9P7ge3aOAbAXWDrDdZiIEPsjYQHTCLIBtWZyLDuqZno
-uisDz3cFHQdFo0pOA4P5VeM37k70Lci/llavIydzCSxofCPrD6oAUwmwHXJeC7TOm47jBtQXVeyz
-ZmC5ccjzBaGBP3QMZtRTApMpVoZgYxlh9NCPvlr3Y49tQip1G7RVup4C8hZHutVnmMdXKKZmKEHS
-3rao5HzblHZ4aMuo9RaD48XH2o/SZ07HxRZYMINkU0ebyB/IJu6gbhFJEa99p6vQSFxf2MqrF2jq
-/aVmHgzaCGOiY7fTitAljKvgTJ4AG4QHN5rgLMxBdmd7eYZKpMUtE+rXJsOsQtZctC/lGO6CPlXr
-oMAiVgFlA1o1MmsaYBoMqgbEBpUfLlarbyyCiUAO8c24mzJ07YOeYQkt6tZx+gUiDYGF36YHYwnS
-S8UI3QqzDnheI7gD+SlwH+G9POasuNNapaBjkgSofZRezZZdAyjMxhaiwUuta6aDOwyM/k0bjfgL
-cohuqwZt4W1kjkzW+gyJ4WNfGS0vpyOLmNisuAk7P9pqazCX0SBnHL+pO9DFy4WFWMkw1gJ71neS
-C3h+TAx+duTokx3AyCsb+x1nhHgrAqe7ZdrRMJ40vbeI5IUdLLz4OQzGcNsFLHELwxz6FRaKmMac
-qTf+qOZt5FbRuw+2Dqo9piEE+gwnUy22cSroZIrSS5YlvpvjLCGApE0qzkCY42blEsHyqDSZXS4h
-AUvPIpID2Y+8Z7aLPLnJpuNk5OG7AAlAXTmmh7hy6tfRQ9bp49m4p1fcHY3Ukes0shLS3XT8TZUO
-AzMBdCMuqvyhnSt/j241QAOiyrPl9f1LoYvw1dFNf5Nxa78ZE6f2TgrOcWZvEV8XyuHE+NdGPIO6
-luFQCYEry84KVmarzJGFvp9X/VSe414A2unq+Fhk1Akcgobg2JvK2PoRWbIIzCkNC+af8SIxVL0d
-spgpeTjYn04mjVNqQ+xu/TQ+zcjpwer1g7EeOmE9etHVXlA4zc4YFWb8OpXbPBdoIvuSmFCvFT1q
-UU9m435Kcs5yMyS2t0KjM0xENn/nYs2Q3g0TMDX95OqchP28x736grPEWkecyl+MytBLKV15HmUI
-SVJmTfHg0txY112UvqZA/L962Qv42jm4vxBGVz0oD79bUrIXpol4KrEt3mjd4kq3lGsuGAhWW49H
-KFx4bd/cMLAIntFXm/dMRueTWVYe6q4iOONEaL+3TozjrK+j6HHAAHfBYeX8kKPwP/HfFQdrNKI1
-9FP8F8TbrYjNbdjaHXdGKjLMb/Uop3c5BsWdYh45wP4zhjPiU3dvQn3cAIIHg8HVOmUD9qxFIo3q
-GEaq39qFrb8K+gH72FftzoZ5jMF1lsHKDIvwHOID3hSiU68cXYJzkNvwAW0L7Q7PEiC6AbLB0mmJ
-emxqL9xOtQQCWSBz5zPjSl0ldtm8JTIuiKAaW6zoZVkT0OUYXFsdNM7D0Gl5TLEm3qRR2m9EPuTr
-iux2AK2B4bzZRVEC5zLL1wlSyGHIQxuKUNxf5ib0t06uMTZG6hop6s+JxIxvoFlisDvfjikNNjxw
-5OdxHrM25HlkCN3DYa/RG6O8JT9wH3oaRw3u93ghLBKB6VIMzKEtzhinlJxA/BxATEEmBwe7GLIJ
-Y6hR349jmn/aeVNuC6OLvrSbd89eYGDywh8VGphgFIwzstaHXekH8qspHVluU2BSJ8Lr/uT3FGeN
-mPgB2MeEsi1uDlkS0SSJeh87QWR3V26LUqD4EBohxhis7sJrQQ+i85XeQ2/lhm4GiGPQgIcfaT23
-77aQRB+6XbmBZIWuUdUFsYIpWHS/s8ZVSazEzsZYt4V/hwski6fh2aRiXuMbA9LRKKboFtlFV0Fp
-860SOHWFRRaChqBxybM+XXcVE2MA/vPwfWTIjcIjcOMvs+U7nIHif5ttjFML0x+J7QZENfTw0wv/
-PrSgIyGqsi5NjrRl4zZTPa9sZHh7P870JvEFG2Jsl2QVw2aFQ3E1BTHiyO1X+NLNcwY55yhLB40S
-RUb8WFL54vXvx2EVUwp/aSutvtWMVS4zTMQtVQayQoIjyr0zC4k7iYAKila3e8Qgqr9KMyu3vqH5
-5NR290mu1DsAOb0VUR092BbWqCEUzY/MrhSSyd671G2af3HMsm661LJYN0Ww4G8JPzvgf9/ysIwe
-iCHA8DEZpoXqYgAdmRg+mGStHyujEbCQCbzHmWjYq8xIK7wxw/g0iClOVmlCWIeKBYvBQCYapJ56
-L4sIGX2oiFzTcXiDqKi+K/3KIExezOolon45R4PXvlWZKV7sblSfYWeQDeX1Y7kC3AdSroZqBNtn
-KvDSJPh5RRfFt30b9s+pTddkNCBYtDh/LqqzosskmvrOnNkpWpeEmT1ron+knSm+KkWoxAJ2Wnwn
-ubMgXno24VL9MPXhqrFINVmkTUEsNYlLcA/bNm/e6sQmVkiKDjIUYUjCJ7dnSJ460/FXM/XtngG8
-yYfJc4pXs5b9LRfbfxksxTUkMeC6ok5WclSzsM4DbTuWk0B5PA4yUmc0L/M3QdpCfhjsLGnWkakT
-nHOxzaRd6GTc5CADXkZXX33kY47ZM4zrzyyH2sswtCjEVtUcdVeB6VDHKVmlwVr1kg6kjCK9zWqJ
-Yccg44JgUcukvATBU9/TGghGwuSmHB8d+J6pmQ/+FOO2ngPTm9B3pA2x8yEFxi0EF62OQ4UP+cTv
-pc/EvNTTIu9LrRCz1An+liACk0qfIOR5rs2drgfghDUQhHHB7DGCNuBV5jqC/J6vygC92YXWQiDg
-9qCg0g4T0tr1+qcgaPMbw0+mx0yM+oJLA9XNFSIIMwkh9XSlLSF158BTusV4gvLZ3PdcqVMwFBDv
-vMlDyi+GXmJVy+cXvP7tV+Q77ln3XTyyJJlgvTmnCs7yYXdq8LQ3qMtau1hPXa6aGwcr280VVEBF
-KMry0GNtPDV/qoPZSTGLgnZCYgtN5Lb3Zf2mREsl7w21+kiSBmG/xdr0UroWNFAvKpCIln34kBfY
-vOaIE2I7IsvEcer5T22NegdydwjImzuONla8Fm5cPow6mbNVJCdi3RILW41VruXQRkvRx+OaEsXf
-CLN8Q6qkgHhq3LlOr6GE+SBCpd/7P0bMcnDRO+OAxiS8QCVAk1eFmQPjgLio3USk4X7KAb40UwuB
-ouNCnZhQl08eeUg7nQTwRJl6U/6yrZFOYL97iIcPiV0Df7NAQbWqgg09lHpXItfekc/iXQgJb6+t
-cUTSZGpl8X3eN2ydlH0m8KRm7vN1588slmM/n33m2B8ikMO7ILdhl9WgC8IISSDSsByNcBMerMlz
-EaMJptciCJZ+lfCuwJBBUa98bAGu8aMm2RTKl2WOu1h24cYzdLUpcsGYWlO4f2oo/IeJpNe155T5
-B512nHr23JKbEcSl8ZElMYs8fh7t3yNC7mFi8RVL2C9CsAY4goRV3GI4KqFN+1CZVyoK8hckbRgc
-5dBtJhten19aBQcqVxf3qjNNfI18RGMBFjeJiejuiSMzEPqwlfdhsO7K8MuzUXFZuFcvAhbYq6IO
-Q68OWVeZULpAqSVrfMe3dlh+731ILi6ye4HWaQ+PwkbnGCj4I60HyywHcAYOjf6VV1FHEO4WhvA7
-lURKaxtoo0Whpm9I3ZAiILNfs5UZ26DK+6UxJtVSZ8h4MTB2hIYHXSpvClz8X8z/Zww4GLK5561H
-XOH49ACCLF2pYEYggNoGNG+WIRYbTMP5pCgzMilXMXs+FXUPhrDOPNAgVpij6uayL/8vdeexGzmX
-btlX6QdoFmgPyUkPwpDhjbw0IaRMid6Th+bp72Lewo+qv9GNvoMe3ImQiTQKMRiHn9l7bVR7ypNB
-2DHBOIHTEPUIba9xDAP7AxLzTtGUa5EjDGs5dFcQ/KNXYKNWjsmFrdAWhISDQs+O9vri4K6SKVGX
-MPbGH7SUt5NtwWZUwYd0trL0C3mL97oXdI1x/SY1kRzbUbWPITfbtnMnNhq9I5FOukbEQqHXFCxo
-0kEUv7KhV/i0zR0esaBZqxlysYGoyp+mU6vHMOznB0UJ7RcWpiVq1WDuAfg4mbl3Qsxn3cgPu3Ol
-pv2edXBoWiy0V9RXzpX4rfHZUuoOSGZCHkebwC+sCGReeF0lP01sA3ei58Fm7S5wvDzIu2cydzvV
-U0I0lT4I5WnH2o/3YEIOnntNPMhLX9j6MYuCoEQ6QyODU1bnQ+Fag3KPM8h8dVkGpBGDCFXTKrxp
-dm0ftIZXR5miB+Cu+Pw8LysWmPDo+MHah8Mq7BLzZlKXsyNKJ/UUhpH6gHqYLGQszIdyYi8GfaEA
-YcPPdI306mY3pvmUK4Q1rUDeIdNgiKR/YdPRvwNwFI9ihj8CEgr8eiAxvoG0JlUKYCHLGxJJ3PiB
-ZPnxVnV55bvAzEhb6H4URSP0m5n4kgRbYueLzJguFptQoVbRrc1LsTxIEwkbfjK/J0uftyE0JozQ
-Ls8op0fqSSqO010IijR3CuDfcz9N3YsgmeUO77d6BYxBuzQY6bJHKJ0J16wxqYeuDgLfKKW1r1zs
-IH3Ypmdeb8jtG6r3RGmmtVkZ2rUjiN1fEuU9elHRAPwC1pJ0lngaNWIAOxVd34Tr5z03A/OH2wNR
-pUyAltCsi241TfHwaGkqLgj825o3OAVR1bSrLfYPt4DMAuDCG3qo0XGNMhPCeeqZMxzqmL3Lh6Up
-OFZJmjqoNkjbTRZbXyWPm8ecIfIXQ4IY/3gDej78nEQp7edscvWzA0UDRDhM46YFthxTWtRp5kAW
-Aor6QvOGjZS83O67tyE4K1hDWUn+ClOhDe+2ztj0gvq0srdURu1h0mWPY0AJ5HJiclKZIT5xb6zN
-5nfMifQOS944w9OdNqnNZrExF8/i4NIWSTBG7dY0HTT5hNZFmoexyCDBE7uiR2yOS7Ai2UgVneVL
-X5icr6ZijavZ6aInV/nj82yLNwvi1Fdj6j0VR1nz1o+KsVngjvCtmLlyH6nlIbdqHV6fbhFtRHiu
-59ZwNlpTtjBf6lCU9w4FByNiOc97x5TENxB4ajAxtZjjhH1FbG5s1AA2wvYaQGw5ZoEdvBT9xIqV
-0UOBSDoqh40FKvAmS6P7iLWkRTcspvEItBe0flm2pqdDdcKBpai+QQDzOoBd5qzqvo0eGj0q32py
-eDxzYHASM5hecxZ9J3oGIovjiUmB3DBYGc/kKxGErpiMHCwz0p/HxDKGRW+mflVI8nZ1NqEJ05g/
-eHm57JjrzKLMEUp6LPuhEkeOEziaxXJU5m0YXI0pajG/5gPJ4UlwgYiMXHwEQb8kXCf2fFeUsbRW
-42guWKPantI95BPlgXBSagrNUoDcIfe3tZWiVMa+SqeSWZgV9NuYZTazwLDQ5m1RFJ25tykd7vM8
-ZwfIIqBsE73+nYTcrpsc5i6lw0IimMHUjp6ZU9GCDo5AR8z2yaY5ftZH0ZLKHukzWEZQjR+A8UI4
-L2F6d0N3ecesGUEgzkh6XzMf5oc0MNPj7BRtjJSYe9xJVfLSirJHEjslydsA65HYtip7stArr3mR
-9QM9E12mbEith9xup2tZoBLza9ssJFydPy4KZHTsnXmEpzbUd2AFskCon5FSOGdI7VdI0MxNj4I7
-WdNjE6YK0IlyiNhwAhA1ZSL8MsFhg982uJYpCITRycdjWHRYHWY9fmCjMPsF+ZnbaCb6bc5H/dpr
-ZM1mndFuVUvXblalNy9qJoytw1JikypZ4iEG5V7DaLJ2U4aVfNJxGuTCfZRdwvSK/p+eSnWR3LvT
-yk4RlqVWBg6nbOjTU1LEX/M04oTvaxtfoeFsywrFniUL5Uxxrbw4MA43aYdvnFDdJvUHW5jGtguD
-JIOlFFmPcwc3KVKV9gT6wzmwoTePE0NeHwBqyZFBIuIsSx1sHyTzVRXFut8o2fSUNB1YtVI17MQf
-CuQAKyiGFvg2eNfZZVyGtnWvmA+WdOj9mq5TNgyWQ/TsstJPCvlanCrkCX9mqstOsVfN7NMc2fPt
-Sjxw6qara2U6uzObB7+inu4hkKs1j9wwm1ZmqrU340+JPOROtNeQuz/bmEonxAsMAzdkDU/ws13b
-vmnj7J4KqQU7YPb5N2bW8qHUbeUhG0AUrrVOs976xjZusKvFo1nZOEqMQXk1pZ3Ay9RhR8xCOVC4
-2EexZEHRLJSgXwcZ+ZNIkgecqc1rPJSNZzp5zYQLSe0+VJV814lee3TD2dlUIDq30KKnR4SFFt1t
-hlJ+hpTcGW63YZoHk2YahxVpPVTDQZcNB8w24TE0Z1iwik40JJScNTumbNfHpjwqndu1K2AR9VqB
-VQ6KwpWXUerTfmbZ9JmGoXhRU5TwXau61xAHNt4wCmTYClD4TQWuCKlNi3IlhHo7NdgXYR1Or6jO
-m3fyPbWfpBke51YdHgpMzuMqGfV82tjEnFerImY4PNiEpx05O9RbKIF6IJPAksGwS62OiG2pNeY5
-tl4bpG1f6mBwA46Ta1956qJDsSJ4Sw5F6FHl+NkABDJ3EHLo2ZsptvwULdyrhH/l63ZL8ksRvGfl
-LjehErdDUx37aGo2cZnAEjb6WhKCyP+/J0HOfjLGVD6kSTs9UHr2b2kp2psVCiotLaKLAQCh4rIg
-bkNnVtyqPq6v/JYX4eCrdV1h+AwwPw3oeppc4n3JsbYNiKY3I64BDxoiHegoa6CmfT3QBjB1PKZC
-LIiKANXriL/eU3JZvZRxidTFBP205gM8bRqrIzQlDfq7oYX60XRBMRR5SAasSn6fwDP1hTsQVAH+
-daZNCZawiN6YCINiSOLjFLeTP8lu8plq596yNMYOpEbXAvozJ91yWGQNFFxEjs6nMikF8mhMCCOU
-wbvKrHFjNi7iHLLJ7LuVxuZPbfTuq+268Xc1qAoUcPBXO1tzKt+s3cwHJmkvDZK5a50x8UzMmifp
-JsqTBVLMBzJeUDiWSfUIl1i5F1revlqkPXFAQifLTCG2/3MGdMZcAh6W27vxh2sU+oV6lALZnvVN
-Nwrx8WdbvrgIwu/y9p/CiPaPbP9XWYHlpMf822//1/+Dp+G/kVthEakiI/wX0cDms/v8N7OCX37+
-Xdb651/8JWvVXWGpGvMtIQjxcP9yKhj/EBaSkkXPiPfAXKR2aIK6CCWjtZgYxLKE1wHfi0Xh8E9Z
-q2ZiYrBcDZ2NqfHfOc5/Rdaq/W9iA14ZTgi0Oxa3LMCufxcbIGqXJK0OAxQqRg3O9AQMgrlDfxgz
-EqdyyT7BVOEUu8onHRgDDmgmS3i6PVRv/3LR/nnr/I+iz29lXHSoNf8u6liukQqfEIULqiWxXKd/
-FXVkodGmKNBBFJLOhFcq/JEzoNppUMbV//07mdaiE/pXVQ/fywIH4GLRQLNlqX/TEfXCQv0YMWbT
-Nfjps40J3jJNm2yTngyyOnOJmsoNTFz6QTN7Y99l5oFkCHkmwvCVUEsWjI7xHZCeeRnLd220CbmN
-uvyKLmpbx6O9Iykz2xi5rW3UMS79aCIUcWqFDwYXnR8t5OHPlyoz8LiSuYrHSxxrHYZAFwx7anfE
-B0wstoKZ2CZkP7Atmv4cI/K6YO7eEluONbEFbTi71cWSA1QfqMlU4v1xJl4HKsfwrVrDCkCSeUEc
-HYHpDpJ9NwbO0rQ8slnILjTL1RbwOx1cjR8zSfoPTc0pBVzIBwmp5Bu9614L8slucSy6lync6wNO
-D0hM+JtZft0d18HZNyCRZP9V3pcJ7Q2RCAMZeSyn4V6ZaBFy2rlNESnZ1h7NF21mTtIk4nfFbuvZ
-nU5SNDjSid8GTctYtiijY1Ep4XHMx7PdV8qOy2vshoIM+0AH1xhWcbkPiakgzMUmZ17TAG03C29F
-VwgzUxD7SoEdwp5w7RrFYRL1c9m5MBTK5j6VIt2rwvRbJYCFzwSA1BO+jAwfiFDhixhcrGrgu3wD
-qqttp5cKj9EWXQ08qiSK9qPVwKBp3MEPJVmUOTRldhcIUrQEWoky0IU5tsk4Xgfg6ASE12NIjs+2
-3vgRm9cNfUZzlWCuMNmwtMW359ez2z2QzrztHAtxBLbjWzoSGdW12iNal3olJPvkGkrRXg0YUjUp
-nnHQfRroIQzWIGf8hDKCW9SatlUaf9mt2Ns0WMQsrWI+doCL6zfFLk7FJJ5sZyLqj9nfiq3CE+lP
-wKnj+xBFP0CMNjULV7SXEymb+T1NjOBQjdpBqsmn2yOVkDW0JCIY0oqUQNFY6WYcs9My4V9Nsj3O
-GxXYtRmoch3G1Rs7uZWc+U5UwXd+eir+IIC7b2Sn4jixplkZWbBNRnWRasM0Cr8KMwf4mvwEFDoY
-AF9KoX7V+LZDkuwVJkErtSBsJixfcAyDiw7afU1fmw6GwY2Ew0OvDQ8ZcAELJ/5yJADJ8RdkEcw2
-KStLNoY2M1ad+bGOUKEwzGc6xDcMNQCtRjPdOE65x/p4ivLq7JbD4yjty6zj4Y4qwg2114zElShK
-Sd22oy9AZ/hA0YYRVTj5oEPuveA9FMVlqiWp2f3aUJrP5Wr9+Qb2EqyouTkM1arYWdBY0p3WJDzP
-jTuo6V+Fop3DEY5eM76oGlNPqTypmnG3+uQHDCecpPZWpwxaE2RunMrFCc4h5nE7eZ2daY2KRN3g
-p3JWuuB7+JkgmTgmPWeJaixBnxdm80b2F2u5Hx2YwsAF1gWxkUN5AlgLDIqrS+XDHN46jIrzpEb7
-yrbPznIfKdJ+qgixXsngNqXcAlYIOaDMTkNbvCrKK7X5XhrPSa2DDc/MTWwHT8sR7rrJr/I3c467
-TN2bfYgOAQ7uVQc0oSunVwKe98sjRa8b6EWdvEjyCFVdpNs0aN4sNfmRgXMxuB9SN6b6CfZxyEUM
-tOLEFDVea737QjzAlJ/IOX1yFHERARetZuVluIQ64WFfMSw2IPtP5W4022qj4GlH4QP2ciR4lrNM
-JHerbIP9DL+G7IRpmWEL3Wdb2N/wx+ccvhebec5VYygMR3Q4K4K9beIc6866VPU33pWrCI0782aI
-U7fQcV7kqHpt4z4FieonrkXj7HpVSDx7HrM0jXisYXpvV83osO9B1WlqVHDkqqzQOWtJdy9ysQtM
-0JEOSWIxjNwVUixuROTgYYBRgD4iF9oduaUVTukqjdo3ByuYzQBiuVhdz/87Z+gDxuiwXBGG/bcx
-lB8FM40tuqE36F9rg3hOlFoca455b20INY5M37swP/HSD2qDD7vu0b/3r0ExZxxvtFzxF/mifoTq
-kO+iFaDtZPOWTo9DqD3lKq8zMJr8BKujjsVXRl2dF5IUT/GhqMp3j2su0MynqrcwpZliJFYhPTuF
-fpO2RG1i4ZhOebPG5ebiM36I1PxO+wLAhZ+nsPOT1Lp5VTGNZlq7Tbtg24GNWTFNevn/Usee418N
-GuOf7u+22/+23lzDWrw//2dj7u6zmT6Lf6t3tf/8N3/5ci2ctwSZohUWApPtX9Uu9i5hCFVlLIiS
-9s+f/LPaNdR/EIWiU+0itHAWQe9f1a5u/0MYeK4wXTHTJXLzv1Ts2s7ffbko7fE3uZZtmCprJ2Mx
-MfyLijnVdPreNCr8WNWfK9KD7KHfqU43PBEq0PoEBRAo0czNh74IRkBJ5DOVUa6mX6WZDhcbk4nB
-QjqwOEm7+nnUT3O8EEoznWSm9qOvHOUkWBU4etKRyDSiDC3FNtffArfXfDmBOmvaTuxCO3xSESxt
-pT2QrOFCANCmoYeAQDlapmcCtCy/gaVHOitcgynTiQO3AfD3sA5LYro9h835GoWZve9gEpDwVTIM
-z0SwEizycRnDYG1dm1yJ0cF0rxiXtv9WXFJrK6sQ2GUAttqRsHgEyHElRog1qWLqXjGyf2sE1Nze
-EO2navfbmoC9s9I2D31HeF5VQtKQ5RT7BhsKdgXokhXjtWsIc2BKfgNEXeDhJxMmywx7o6cuTIMu
-fGlVwPQsuvLmua30p6xn/uUgkRjsmZADdAKYzPqzFZo8uhtxC8jMresrGjrW/6N51QUbXgN2bvcp
-mxD0cSQWsmR5SEusOHPNhLpY4Cp2/2NOAYoH6CXMBtKNGrsGcRlnKyYDATnXMq4TG0UxwXowCa3H
-g2JYs69KBstEPQzSfXNB1zK/pKIRBbFu5B+4Fbwhjtc3DXc0uVQnBC4ak5IcJY4gMiGsWPwEOtc9
-fRWh627xpAqQFgkRzabhmaxPV1TbN4tDFcTt6DUUvaMSf0yS2n/ZflbuVbOqEIRD/x2QcLjhe0uv
-ZSafLKFGrTZwzoXKr1zR96aVncZJJf/QwgybMpcMA+0pTm784F+Nob2WTZpB6NUUFjr8oW1ubNUt
-123MwtlS3XAtqoq6oPAHnNS8+TH0dJZ7zNnvNBbk4PYAklgbCgcMsg1RgWH10dbja+gKHcG280RA
-4jtkF4nvDvKomfxuAz25Jn3z2/wB0VxEFR1Vyv4/BwWE3uNYodhYGR1lcqCHgFRnEuKBDWtOd03s
-+lPG8T2O3X02J/OhL4Ylo2LHbyADOna9dSumVYqDWo13buDyK4hFC31l1VWyaRUmYkFaHIjGNVdQ
-ji6KAYemFb0/ZWjJDGXypGoyruzvWdWQbDgrm7HOorsZ1gRym+C/M+mZCsJmExl65eiHhmKeejOY
-NkFneo2bJJsAASDPUB6C8/MQWzctnHGMh8XVYUm2xuawL0Y+TjL7wG+THvAjIjxixbpqm+SWGICt
-TUXcXZZy0nJ+siA+49BhowqnP+Ms8eoZboqoSXi0VRRMNXWw1hn8YNWPuXj8zTxClhS1zyARQl5b
-fGPN05AKABIgVXGt0dIAaOoAKNt9TpJQ0z8ZFvGPwWy66zgGMDAtqAFgQxHsE3az2bOjqdV5IMMN
-ZOgnkNDyRqDPcVqc0Wz9mjODMw9Ex31a3NPz4qOOFke1hbW6XjzWYnFb94vvWmLANhcndoMlu128
-2c3i0i4m/Notxu2AzPJdKIsEHlm/o9+UO4wm7VEuju8ahvTWbJT6UBsI5RdfOKMAFG3De7A4xmus
-45NWPxLP8Zpbc4fiX8FdPqsCEY56KIYwea0kOa5pQy/mCvU81CHaSkv/Dsub5GPhxSaidqeyn5hm
-vLRBdNP1Cj2AjcUMcau61Tsc8EQIVL5cXPGBlqt+ZfYXmdv9CXJ8enLmSlDIjcgHnQbBmIMUYuws
-wzMkvlirx4lnhVV/ELAus5oMt7HI5dHhFFs1PPyuo6Yem2Z6dLOwP7bFjaUcHLCuiY794vzPLBgA
-DjAAZ6ECRAsfQMO0EC3EgKG6hVYNjGtgPhsuVAGWmatm4QwgNCS0bGEP6FEG6r+VzDxJ71h31pdu
-Zk9xH72JMVV92UYksxb6Y33psRWvKxUYTW6Zb0OfPgShiVymdRpov8YqVN23LtF+Gap7bKpBY1VH
-lVWK3mR0Ea1jRqorNaKXQsn91fEsYPuJfnCeH/Vi+cY9xSIBhqTg0J6MKed/cCndmjRuGXylSdGs
-ceQJPBjOTyI+WHEnGziAgB0JyygNo/IxFrNmbEgOm0Do8iicVwBVX3QWL34/GRyODBkUuwnXrOd+
-mqT/YRqKymFfgX5cQjLf89qF/BrSKyGC1guYya2GWK2Y+jtHE9ZDOjQWcT8WotaNUMO3cdIeQXw2
-+2a0nkMkZPxp9cgTj+AKUm2mi9GF73FDwLJaCS+rpFe0qrqe3LdCLDt0WKAtvezazslaLS0Ot+rT
-IbPZUrTPCp7YYmRgRDAzsTlpY3ErSHxOZ+mXC8cb6OuMfrZ+bIHQRITeyDdwg5dgglUrM50Ya1hy
-dmFxRHf2jxlmGbpbVKBJU99DowTqQYLiKirmh0xnfaiE5NpwghFVoskPPseg5ghH4pnI+6Fk6DXG
-oQP/QJhrItmHOb9yq7jnVm9CZstSbGRI+RpCrCS+uPWMhghAOyS+lps9rPRgk+nNa6d4mhg/64EY
-DaRcMYxuxEKykteaQFuPsxNtulLAfGp06EXsV9KuWTd9lPh6XdGeBGRSAVCHx6yygDCNtNqoSYOR
-WMu/8AE5APTXsT0dk7i4M+QfWNJ1fhx9B81Io1pPhzjhyd8NcLbJhr0qQ92tkZyQ89PikELSdVJU
-G4YqdEdUS3LL9gRKoOEcg5LEx4hoCCaGxVqaMNQlipWV6c6XUCqHVFh4sIE2dnIYVoO06ajHeGfI
-MV9HVfSeuMCUYob6QWudsgB+FR/6DkhnB3SWhYN7N6vqK0iQPynZQMgsCU6FQ06sawUexhxWLAZP
-31L5plgsHaIMSUoDyd+Q1ESBBgS1MK5YfW5GC7nUJlVvXWYtkePfppOkCErw0rpZmXlF0j41vZPu
-qapBkTgSwomTHGYjPEckViD/JiGmSo32jGL33gkNCG9OMjsZIxYrgH2ZSvsxGh/tsCsQBxHI6krl
-0XaZhhJ6+1sZo4klq/PQOm/MdRXuMviLRhr8JO5MmG+5tdzouxnm2SM/ax+a1pXVsf1iJ58KgZDb
-aCzWE6mSU2+bW2PqpvcZ0eMU2ScRVPKxUhOysGxXW3eVsk/YrLzjrtyN6bJoNqyR+SYq/BwPVzBQ
-HC1VA1E7/RpFarVJghj1VEMv6JKVTMo9O/yVMTjPmHG0dVKpu4y3ygui7CGZsNhmd1Ww3bUDpD5/
-vmQU1+hYw13D3mcY+MDmfRFjnZk2SkHc3FQQffUWxYAos+8o47YpnQqy3Oy055rgzHrqWb6icduM
-kgwYIvWObT3gEk2B4yVhvCvIrHYWmazJ3nrDXAPPRW96aRO+UCJH+5A5WTd7haWXL6UyPc1WaZys
-yPpRXfKbuzG+EDGd7Mpg0jchQSLDMpTvoS7Cj2Eg085Z9QSpRVj12W1PQTU6T9E07ZhfYPhIMWio
-InuPh6w5OiHPf1Bc3aZKFn6pEBACayu4dWq6YW+V+a5hsqFFSrxjgJETCTNEQDgbNNrZFHhjFhyi
-Vq/usXlXm99NoJTHUTYgy5cvSeEFtobkJo4yvBFQJVu7essNB6igoWXHXjNIgzIHEi8c7R2uRPze
-xuo9qFFwt7NJ7g+K7T2eCij05HffbZobQleieR9yv6YTK8haS296QSdSZuyuDCxmaxSZ8Sq1SGOq
-Oc7XleHmuwivH9SifJPkY3cZnFz3Up3PNZDVFDFYqVKMRukpECiVs84ZPGlmxkO7MV8R370htp+e
-oOUmTz3SAovBiQwryS45rymO2GtrFf1ZqFUXaO13RGPJsc51ihtF/cIiOqBdxp+idqpyLm1b5URw
-dmOPMIYQmkUOGDcEgdTA63s5vrjj+NRExc5EcPWksjG/zJDkgoGJceS0rLVBaXg8cEkCGVyU5+xV
-t7OjfMylewO0qN8seIaQqgmNkZG2Q5aTo61Gw9xoRE+pCbt/pbB+Z4KsA6EvcR9DdVbigiF72dAT
-WkTBlXl7ixxR+6VeiW0UhTZGxbJbm4NjfCDvetCVPaVmeoWtw7OygsfdL3EmGk+yleBN3g0YGnzT
-7LaGXYZe11GSptaf26/alWk874IhyJ62c4W6o2qt+hczav6G25Bq27rezC2277FzP8wjoZpE+61L
-yxyezFHTfbQYFDeqmnixW6C+sCKYpUPwMbaSyCqtdM5xrjobu5heM6m6F612d8yXLc9u2jvblytK
-raXHvCLYPGQVCgQXZ+lZnwUsevCd9uQaD+7yJR7Q3Mflb72CYNkgkUAry7Q9dCLeXItrkBndKdSO
-SZZGLxpxFAvyztpbMslfpRXiuHCPqrTIs8feBj+/C3djRswMxzn2mM7JPLudxT0M2WizAcqk7txH
-oIUQrW6EFiAQQgvjj4k9UTtjOgi08FTH5SeDN+eMd+3cqdJ47OBrrNn6C5/dt+6T5m4Q5KHF3N3K
-I8eU+tmRh20a9Em2ZQTbWR/lkUlssrPa4KOB/Y/V0cW9Z5byKpoZxxpzDNTs6nttK29Us/ZvOLpb
-JTU5HbJR+NVQ6Z5IeRgwvtU2sUtHXdWEKPYhWeoVwL7DGFSxn5kwuAjvqY+DwvRYxpX+4dLnVaNl
-f+F3Xdp0vJLow4ot8njlXvYKu/DRh4ggnnIxjw+181xoB3bU46V0iulSxpg2DArUyzDc0azkH4kC
-E7ohnIo3wH3Vs+Eekrv1TQTMweU6vUXA6fEAnDpO/IHKkgLDLYvYI8W3Osuqs718VAl/J0rpzNCY
-+oZx947nhEo2Y7QSRn0Hm09G2ti/jFPreK5ZEpYK8B0vT6jxAWpeIiRk76HxS80t9cAjW8A7JX0r
-cMP8gcnOsVBbLKEVYhMtn3UctDiBB4n3kk9UdEukIX2Np4+vorwEQzkQimniCDTR0b4li3UaZNYv
-PVJ3JBlovxty/1qpJJdyUQoZri5JIIxJVdTi6SVUumijsSDejgjIl8dCtQt4SatMj0+dGtq8z/FK
-DwUplrkouWABLlQqAOZdpbEzqvy1D5vmMnVB+LDYmsrxbs1G9GP046b+xvBjvpHYMHpOOWY8mwlS
-TNOuvXZK5s1NN516U6tRT7TatXJmQoT1sL7Cc0sBKCeZh/f0XbcinMxF4gdjIomAtryRY+yEo5GA
-vKHcKXkTPvegvFaFk77LotCQ+Dm9n2AmBa+NOEzWHWoGvORXtIPZkYjcnzr0qfqGF2OR7CqWUOjw
-3d2UWfF2SCdtRyU/+HpZcUXwOqXDOoc8flokuGvmGUtl/sjYAGA9RaEuENU0Whlvm1QxfA5hIDRN
-wKGdEWsWtakPdSTxmjrH25xjOrKNZNl5DGJvTBVxO7pZbfqeHPl6KsZ96YaXbmQaRyVzyvQ0Y0HH
-eeiMTBYck916QfhgG9fpro2V6GbY+bHKo5fYztgK69kO9VF8DZyaOtqx4ZybzYZVeb6pahiuAgP7
-OhGKcU1JG3ZS69ZETXJCunBrJ6W6DYzZUMG5xq4fdLwRZZz7lG9Qa7HYESJMos0gFpE//CBn1t0t
-O8zAc6YxAZlJ+LQ+kZqLcvpZBCzga9XotpXVlBR7U7dzcjfadVT2q5Ah5lFJjJExwKYPFWNFtVWC
-mkld9io5xeJkrEsEbn6fmS3ys2laD9hNLyzndSY5neEhxLaY+qjArMy0OSrY/bYJ1g4eMMniDHJO
-LO5Qa1kEeAWZvgLovQqYY2IujbtnFPr7Ohzf5iBIXuoCa0iX99a+MSEQs9odd7Wp+CXRLlsnUZgG
-tsIjBSzdOov7h5a8bGZ22JZZbsv+Qpzia5SS5xZGR5rn7uKSssL8CMflrJraQ1u/l6TerYdYFNtK
-NZXjny/N8ivyaXMf7UTjG+/aYKXniIkNA9Vy4CnEjcAe7THCLtmHzE0wL50Bi9lYcRgoGuEUbZyZ
-rU9V8WpkF2lrbgvQCkarenpRux4B5fse6xXjEzAFKDJotW3R7Ro0XFOeZ4fJyF1epAQrlai/FVdM
-+7JXX/Ohn/jJSN5MZ+cxk/FhnEft2hv5loRcAMi4lJuVSMt8F4juZmbdQP1GnAsfnj2x77+Q9k63
-SmFCWLg8eqdWK71es8uLsagiH1PTZmMNAREUGx6izn3ttWZdVnroN51arxu1NU5Vj7hqsnACK3lH
-KjFvIPomogjI8DjB2023oZc4nfq7wySYV1V3nFQOpmSNiIAxNPp5bHauIb4ChisEyFTxBo/wPjMJ
-NTWEtI/gnPhblOvrcQpRI+TkRXS19OwUdHDRDV+4fQu/LMZNWpPQak0whG1sXatBdZy9vtw1blKr
-L0zRqkzXVqkIIw/j9co0CSsHGdicMKd3ry4wkXmO1hmk/p1TSNsvWhL2Iq32cAinK6uSRCWpk7o1
-cmbYCF4/tJBAlETuZ7cwHiw2HlsdujIaukPadyPZ6JxYZUuMaex2X3NbNLgJiv7kTqz5hq7sTrnz
-yLp9E/TYdDQRXHPZyoPp0ohFsqi91ITt21k15Qm+g5OM6JEbBIZYE6b0wLlPFD3JFoxMQEmt1FXd
-1IIuo7xhmZIPrlMwc6+b62D38hpxp/OOkV3RMM8Z7PiGgG7cCL2NzsxOrVNt7YaRqW2flIM/xcaH
-xXDgPKF7fPwdsp/fFUZugHgfvVQlViQUxezpYSBAavjunP1g5wFsJpXeJ0Ch8IkgH5+MgTOjHMrH
-WgxPjPOKx6l0D0gWR69yFbkZXSrmXK8ebVjqa7buVBpJOGLSGBkPIOn9oIHY4vn4redJf0KwZ98r
-jcBLHAAaThV+C8na3XaaY3E7BZGHh6jeBXAp36FFu+NgnMPlJefCB6sWPf/5og/OVj+SHj/fQyJA
-ttpQGZtpoHAOGwesWDjNePT77lRl/YDSBu/IGKJYGTW7OwhZ2Wu9ox3nFtmyDiBz3u7TSx6w/NSB
-4c1ZeiW7Pr3++dV/sHcmO5IjWZb9lUItescABxGSgkJtVJU6DzabuW0I8yEonOfx6/toZnRlZAKd
-6FwU0A00EHAgwt0s3FSp5JP77j23U5Lpp4z2XuJeUxM8rDtnDu3ci7dLl/5NzYTYaxYiz+53kGsd
-h8yof2BEX2eSt49Uhv+eAe9fMXQXF9yf7HHoXERtfFdUa57RSaktGeuXxTDmIzERkqi1eQvdiDLj
-eJsAt3jNl6eZzc4VC4+xcpO0ReVm78pPl2wLq9QbmS7hIfMphUv6vNk6HjjSkel4jHni0ezThdTF
-uk55m4vS4PbrUh7mK2yok78OTbonCOAeUYYszMb3g5r7mWCNeMTM9N2qivFmJuUmzMaTB6b/pvuq
-uXYDxeU9HIY9y/hqxwVTEe3ETZqE3LFm211HHkVOBpnLbUSCPRDTcpjSBKD6qNTHUlifHdk6DC7j
-GeSsd47q/H2JC80g4u3Br/7CkRk9ijEkz3DPioxDdMzzyvmg3HnFxkJ0oPWc9Jkqp/70l19GTZQY
-4qIVxJV/SidmwUinP7scu8HijDfXr433BDgM+cDmd9pNjrDin6kPfkXPHq667OQeQXc+WCl0V6Kw
-AWMptxQhkkNv1JuhntObwk60Eiz4rnB3TpWoxV5OyIWdkfocAz78SMWnOMef4leUWwvN+MTxggwo
-L3p5T7wTmDsNoskObs2NwBwTY49pXCDo5NMa3+9Wjgn8U8PpA8SRu22W23U1QS5owJnwQeAKquL2
-sZ+z8EZR3IclE32WCb30BiV4WLCytTXPNIAwsl3DgsCIuPjexFzfy4uwP+lPGHdear6E8SyeMtrZ
-VjGrgrPREC7FoM120jSQcaapzQ6CSj9+Zp4/QwPLl7aFpMtAdWCJ2xVRtcWOQQdKPs1PrpnABmcV
-RzQB2Ul2I9Ya480QubHXLZ0M7I1AwNtjjM8r7A86qY5To5Yvez4vbsVDsqhxuz4uPL9w4Wdk5rPy
-5k5euHLS9i23mAJEREd8bBvtBp93fhj7gRlktM5+bzyZZeEe6soyTkQjsVGxU3Qls19PSt20WR6o
-Fj+6QQWia/b9NhxaLFo+psnYTuctN+4rYWbnMSZV5zU29dx6il7LkdHPx7sWU+CH4F3oS2PZD8Aa
-sn3Wp3ecckI5XFEH7AS2aX/vwVblp14AhpTlYB1ShUpcmSMlOsO8LsJ5DtD7yCPUGi6ywhg8AnlO
-a8LcdjdzJ3BA6QBLI0iRyL03+zc4Scb7MMNinxvbvhIQEgfsXjTpwIzfDp36qXBQUwf20lCC44i6
-wtYkjGeOFlR/uFt2ATXmNq5pTfKNWwXyZtn01sZmktwkU6E3unNS2ipIg6Oe5Wyz7pMKTcWU6GqZ
-77Ok/zlW8lyl5vDiAWJEX83pPut8mBmtpoJAqFNZyOgKBYcnMhbabWgMw7ace/5f4VidWjqfqVae
-0YumkjtrvhBTZzO0SzWtczARFq7ZkIdOkrzNoT/DSpA//r9H5P8E9mu7WKL/mUfkoS+SL1iFv/7y
-3Q4///Pf//iSPywi7m9Mb/iaieehRjkClOD4q+3+8989525tdhRXu4ADbCp+539ZROzfJNxdgKQW
-PEMLrtrfLCLqNylwh/CV0ruTDv8ldLtn/aMPmZawu/3XVgAg+Ef8gzc4isjtxYVd7PAeILSiMlE1
-7DshMGysucSD3SCWhX4obPbE8xD2J49SRqq9wH+tHdonMNGZBfLeZGF0lRIUVogel3psbQiPxfs8
-n4y93zvssiqyuBo314ndiPHgMvSsldvo713WjjvtZzQJFs6igW6NyY7bZ3IkSV4+aCOeruAu2KBQ
-cdN+13Hs7K0h9jmcF/Yt0kSjibepz8oV0dtiIBrDv9RihWtH7Z1e3JmUXnVbRG7+mhU7JpagUfOT
-VGIe+OJ+cExn3R0TYDxU29TJy5gXyK9aEvZu25JKSWEb4ghQBmdI6hanMhr7p7gvHRa2KMGrcsn0
-Yc50+WqnlmAhP2eIBCRDqFInKk/CLm4+YncUjyVYik3eT9kll1Zxlfw1F7Qz68MgOE9vXx+TqAJU
-5aS1xHtLijVA1El3gC7sFVgZ+p4aai5VVCZXf7IBbbaO2DhtA5cgxvkM+DWSz2LoKTSuWAhl9waP
-tnfrDzeeQ+hdc/XDXcLfvboXX6PuP0O/zBt0jN7eERr273z5JH1AdVAfWNYqOuZHtTdRki50D2c/
-fTuHuchl8NZKHkVzr9JbbdXGA1sEn2cGxvsflaRoQxRpk3GfVua1S+WEVQSeQx+K6IIMGW6r2pSH
-NmGVxSKv4RlguzQmKauFutDZ68YX8dVO+iqIS5ujPMkpHeTGvQh+tvL8gUhmeiWPxwmxFvXyjsXW
-X0eirN+N3pwv95DZLh5axBB4FTgXO8rjc6ueiDvzRzHiNdTHd4PY5GwW23UNe23bWDWn39TBbm06
-+pqJDqmit8ct+AJ/25JZelGpMWyrLM++XM0+2W1jB6HRJX1rVcp7RtVGTMcazuBm1mQw2fCsUsb9
-vTkafDPVZU+0iC03sMnOph6LBs+f+1CX+ljq2QQvQStNFZvVBtEbByoupJ3MSrVzrcbdTREE4A7E
-1VcaTzMaNduZR3DZ+nPQPHW4LliRDoULGib197BYcHJYeXiq4gSXe8nZnx5H+gwqGmRXOTAxPm3A
-u0Ijb7eOXad8PkN773Z0DxlzXVbw9oV6SkIqrOcSr5RN6GZTzoV1MpOoO+Y6RfJeiOavQMsVl4ru
-91XqZJzndQ9aLfbUM54Hk6LQPDqJlj73UpbLlquoCHzsX3QoDgM0U1DIeFRJhcggdnKsqP6EKD1o
-96MQo7q0/oLpwk3TR8uqwAnDXrwjEMn/VTLeRLRFcKyeNEnD5j7Ecdq/YCAJoT+I8YjmFD/nwrO3
-HVDJHfcsCx9yGb475PVgSDrermM2Ppr1VByLbGSJAbSP6K8dd1s7Znzho4N5iHYvODjmwmsx5tTo
-rQkOYHLq5gz4AMawfqVaX3+FuZPtPdWTsoDmQKpfkCPMKZBny5ohcpixcxvNcGAVPMTFuhkwFpNX
-dpOPJsqXoNYipTusoFQBqrBFYV+TXuxi4NLpyBlT0xfvTD4pvzewRtdqHr3rAJ4Pe30dqhUwt7rE
-a8zZyZkk8sTSFbdljNXa9JiusbwOu5RP05GKWFavCA8ky2mnnEKnDvp8GX4tIxxj1oTWfG4pNeNz
-PrpfGch3Yv6LjAn06h4kHUlB7u9YAHrad7t1nCn51HVtexmAAXAIT75MazoORZvdF4zJWWZECfXU
-6nNjmMmRCUYcgPulG3zC8RvWevFtwL/orD0U/v1MTFAScWdbucp1UX1MixexxXaTfUUX+UNpeN2v
-+x4Pm5ik79pbWvUUL1N0oINzuWYq73a2nHq09dl7N3ODZh+lB3m/jxYUg8pkggyDqRmRmOYfggFx
-+uhEY00NKtk3XAF550evhvDbWw1aC02WbYfEelvshjHu3E1MEI7bFvw4sNpsZdK07J8pb8AQMLsT
-wCcvGZYXk6JdvZp1QQfzQsWmZJU9wkkHBffIwrI8VxNNJM2QGcSo7dl8s3qXDCtJ+F1Z507QQwhC
-xyqszeJnNKeNmH3KuivOkiK4Z1gC6U+OkrlzDgviIevaGopTw5Ww90BVVSsHzBPFVnfLNYlHloxx
-LdBWJMXq5LIp5cpmf5sp/lsL5m/fZ2lNUQl955jcRpdVBrbFs/ZMjAE8N6McokmZB/mUmAec+2Yg
-EXg3bDXxhEecteMs8eFA2uVtGFK9NY14VjAy2+jTshJZ8g7gLqqEro6d7q23IqztbbjY0XfyvP55
-XlrCvt1giAA4cXGwrPjK7vdqslc7GVNrbGI8C3vYX+bj2Pi4ihw97giMkYP0dbSdxFCf2D526zrr
-Ly7VKseUBdGuV2344WXS/gCAiH2lmFuS+Ua4V9r1rvkksabmZfeqzKZ4442oj6kNXNv2+p+Uwlo7
-IfFSicXUJ0d3xpPqhNplzd10hDWNZcOk5Rl9dUGecEXCY9THFdvAKv7IRJw+uNSU1lw/dv0F0wVp
-hRp11ug4IbnrqPnIPBEGduY7D+M8YwPgYcUgH9nhE+Wr4cEiknHuMMpD/0T1NrIWlZgUNLUjXX2W
-sd98CxvcLniEwvDuzDRoREzrPRVVxo4lvjiPEYVablYDMCtmXT+ake3fLT36UvFEf/Rg0F1KSJyH
-ubqD74V2fiy8kzvFaHFFkIR4YFrhJQ3z+tmUJc04YVinTyUwvk0W4TmzaQrnAjGK/GvOvTTZWUNk
-PuVm7299o+CAx5YU8UKn3D2jtn4rhVTvDBvRY01acxcuOVuMUhnXuK2SHR7ccDNTAPE9p07uUZpp
-/2R0HjqbzOmU7MfxEFqS+7YVjse0TrLncpzsI7ZOYB4hBIhX1gdUk1oiWbdtXQdVoR/bRGxp0cQi
-QTPyC7FZOB/thLnZGcI1R2nJGzxK7PzSC7Ja09Zrao3DkvQ2T4Q53qJihFuLyNp3Mtb6SLkNYeTF
-bYPl7hLoqmp8xeqCWm+PVN7adfvm0SYfqDGZDiThyhvuZpxxZjx+FV7XgOptHGBzYdz0z2aTjE/o
-KHZNhTflYGWNvRYyUHbMHNJT5JYsbBJjk/5e+4bYLqOFdzFpe6iIQ0V21zXllrIOxQPVNG+am/gx
-8SIG1jYpq+tAccWnihczSMD+7rO2nUDOxMY7ZrLho4ObhDmnciKiJgv3uYKo4sqpjQT9odHqo6JJ
-92n2oaKuOqB3OZpMq1l5RpSD1VnovuYeZRhFCgxBWD4OvcxePipZQcdyGn6Hla/4LsK2vbqZmi5w
-meoT+0KLzB4p5aiYp13de857ZGeGu+lCi2dzmdRXvoUMALIA5vRGs0LfcWBqdg1w13jqydPUjOfZ
-tlQLNJJQuUnAsoyofh4mPqwGY0KtBj4wXb1y8NGudPIMPCT80RDswHagvYlKcl1P1I4yF36bhIQv
-gaw3AMzyuwZHYVGwiMzT4hpTLxet5wjY7qiraJOAmNwXI6MkmxNritaWoT4mWtNfU45WEHkLbLhA
-y/4C1IC05BR1FKQFjw4XFtPOqyL3qbkTTfNIW4fOipxbS+h631ewPLgOo4i6Tqv5GpPM++50S/XG
-D6xO9DaVB88Ox8eRiTOhr70JN5VrRHvAZfmzjAuAmq4bs0FUmWvdGMimwM1y42hqRK1CzdbGMmoe
-5kI2hJis+jinSfqEFRaDAB0n6ZsEOPlC+VG0l4YeYfhyQxIeS+tVKxIaWUqzPZWW5V5wVfdAihCR
-bFlhZ0utJEh9t/XRLYf0yPje0EJqo7zQbA+ysmyxAUeN+1bWhYGLTevH/xZl4v+hFLaFKvBPNYfj
-F7jAf/sfX3n1H/92+mp1Hjd/FiD++Pr/EiBQo31HWZYFjZX6oD8JEIRNuC49k/uEuGer/0uAkL9Z
-tAzh/fUJchO8JlnyRyLbsX+zPZd6AAEexyT0Yv0rIRXh/H1GxeAJ4QnJ4/GOov9TNqWwKXWBoL/s
-Gnuyt5Lw8Ft9nw8YMQcmhRTDnSCw9+lnklGi/+tUUWPXnobwUN5nDrx18groD9vQfSIp7rNJdp9S
-aL/ETpDYfu5tpE0JsfKmZGVokGMOxCKeyLg967KbD7ntId9CaHt2MZXs7Xb0dsvoslWXxE2t3k7f
-JZuFI6UJCwofM2/me/0Rlow6FAvbHXivTEXEAo55jFWnKmPrm7LUcPZi24txww0qQ/0k3uqjDO/S
-PM2BzLrF+zhGtXWnRaU/4NQ617iAXgS7zYPCxwCKjm0MwNUKo3wCg8yMiN22sAjYmOXLsrTTLa1y
-uNkNB6ZZi5/52KbXFlLKh1F0kCg9bMczYncGrc7tX/iYTyQC6u6yLIJpdqrmq7JcfaAOwNlho6SK
-OUzlMfX0/NKncPVObdSGDsBzzQaKaiP2vVZmd7QpgzTSNqpwaQA9lolXfedIC+5F8xCLa9UFSUcZ
-umrhipZJkb7jRs1/hFALA7QI+2PG8fqGTZUbj5fl+nnJVN+RxQPys+FAEUZb7QHhWcGKJX4Emws2
-nmHk3nTpZCiMjUuN+QNCEzRF2kHF22Bj7wXHaMlH+FzjjePj9GqLQa0922hOXL/lF15Yz1r3TtMF
-bYMcxU7LfnS8IYw2tN7aT0NlTVcjK7H7DGnmPBpZgSjiq7qKXvMW1DhWBkh/a576fJ8SsF240aT5
-ApXX+kHauY1fjmTnqmTbh7HeM1DA0YKrtZ348lSPSkLgqCu4sIlZfvUJd3XGFFaGa5b280sROcUO
-QdfEglkROOoQ6gM65e5xilxJXJmW5n9vcTXogMyC/eS5bfilTHBvmKQlzJw8lsnGzVlAnA3KdB6k
-15EGJS9vURAEWQDauGtdlrmiok6F8Y8JUmUACZXkkmE5GYCZhggDixuszKs4BeS+a1k+/gqlAW55
-TtM3b6gcziF1Yv9iUOQDpiNZ1puGzvl+NbmjyauEc2T+DlPId6i5FZgc/cxG05gGeCtK5sMdHe/5
-4sGtjDHlTOMv0VdPnvO5mDoc9k5lsIHtZFvYQcIlg6PAi5vfqYouD5zTSHZ3+RI1mzq65+MNM8Rc
-MXtsVaxMqafBHQYgPM3SsiYKJwIvcPqeGiU59MMZmd4mI4m+dF32nylEgLNVhYj9Arpn1oCALcCn
-/syqFusvIqTtrHPSUcZ6LEfrFGZx7jPMGv5OqAlf00xFNjQBRpNHCQ7wkhkwBUDNGbG3Zsfg/MRw
-5v+KlSAqYKRMwRj44+bBTez+TEQWcBHKBYtoYc3iE1qcM9HT3NDAis8vKCES3jgMQyQgT/CJRWOA
-gcmsYDumQ3th5+zDxB7ux0pSrD0FMS2zCC0WYdaSekmSQODJahiI9ATYqIEYwI6JdIdui1OVwbfd
-ZHVYN1vfnO3sMNyppoOzVLDgDLPOOMJ7bRWEWWd+EbeK3vKmV1wNpn9F6HxchhHiFfQjAr1Cbmvp
-kGnBa1+8+yPhb8KSZCH6HtZ5ZeAtKS1CALXvYQGXywtEThbaLSlCQOXp3o4BU1lDi1gWhXZA02bD
-gciLLxRahns3msQ3J0F3XaWZHHZVtDgbJllxm3u48ndd+DIwNK1SHzOYyKslcFRUPY1cb+fW7o1r
-LUf/uZ5D7yx6bG5Swc10+jl6jhL+5D3jpjTAX4VvkBDVvtCcoWpi5nvic3AGRZjflmpx6POwAcJR
-YgHv2AFpu6kpj76ouvHlhuHd+TaLGTsYruOaU133OImiP4oQoOyqaKXm89ELBxSBP12sxRafHAbK
-18Ws2hWiIIejqXbN95kS9uzeQcZbkEzUqWWJtJwdHsbiJuOYKI4YLXiyKWHhQFL7tCmablxjX5ou
-0s5YDivIYdvCpUjmzpT3HvPJ8ah2x7vntikuuWYxnuhnptl+SmV+pehsvHV6aB9bABPg+Dhoh7mK
-XkPWSluLQoJxtVS6ga3hxJpa02EByt+4h76vJbIuyOIVappck9fHrlO1URBx48D92hfXtu2Gd5t2
-0C2gD/NhiqvoWzWP7OYJEhySEZ+0ibF+B7iuupo42NAL+JJnZyiLq/a7KQD4OS9rk99bydaJnkXd
-obVnosQBU/vjYVa6xK8BlpNqoDpKvzgIiWZFIWp0W+oUqF7TxwnGDriUDKAO2fuGEEvjR+PR9Nnb
-DjmbRWWY/Y4atfHgVnX+w8ia+IC+mJ7zymDfhti37RZkq5YF+BF8av0KTbhZtzpejvHdfOTcZQgZ
-4hox/NB7aRM1PAC9dvZLPhsbbkHxqbzcw/ratIoDJkcRTH/ROxi+vbO6iyD/LQPx/zbO/X9hi7Ij
-gNj+sy3ca9d9Nf/20Hz9/NXqP8/Cf3zlX2dhH5oQ1cqm6bM5U8q+79X+WMZ5vxG4thl2oZ779zH5
-b7Ow+Zugcdmm8MyxbezEf1rGscITwuQrlWIchiz0r8zCf4lj/5nTQ0WyZBxmqDbpw2Ra//uRuAPu
-5xJI5TMRu+x7YYNoTuh9+7ZMW6+YdpkX3YbxVy/S363ZeRyyOysA7MJsHauR8QAqhei9K87dh5gK
-lraSHMpKZQYWt7zbLMTNG6zs1YvMq5XuiU1cinqBF9q7axma8ZcR9Qgfjm63f3orHv76E/wd6wgA
-/z8giCzaoV0LG5LHS+v68h9+NKacdJjkMFAOcifi2+1xrOIR+3RhrXKmqdyZboC5423bS3gQ044K
-gOTEo8QJWJH+tBg+jiqhp1d31Wc/wwLNuh53fv1ho3aeTXcD6088NNj6TvCyYT5OwHWM/Jmb5aHx
-5vnY3X9JW86tfEPOrTx5T71XrVMe6BjmXBJLWZScvBndqG3M9DAI8lAxg/UD5oRfZYjDwZLWZSb0
-HoSSYzWQDsLAJcztuTzriqnAVpxf3Hx61nM6E4Hk4ULPfDAlrtpPsHqPJlV0K1HRPH13MnFvCOkf
-IilHMvOrzDtcEWBIxkb54F1gkYR9/600922BDWsZyg+6fTY4yx0aPwywbxKmCx5F8hNVuxn8Jn7U
-syy3USuWC4EzUnEsfnfceZcTtGB2ElrRk1BiqNbWQ+2WFY8SPdzGsmGsE/hxSsqCOP6QUeu843Tn
-arsie6pYt0rTI7WRKfOSORtz5B1DySK+kcBmr0TuroVOSMuje9AELp7l9AuE65X85LLKG3LpnEVs
-MJlEPMHdU/kI3nFtokUd4YRg7fZffK+N98ocDGIDcb8t25QuG21+1oOVvnauT3F9Vr+28ahWHKry
-jZjG8ih8pOvZfTfNw2hgLPUjwgJJbxdbmKstScgAdGxR1cXBzRdrM7i0X8zm8r3kE7iikwDT7bJL
-2+rk9TVwcRg2rBzKvVkjPyPuIDvepsh88dg8w5o2LSzWzlRcSNp1a5UwnSciJAbb08zZidfCiUmj
-uM73NAbdgpoTlKW/HGe0j8yiqKgz4ycSb8PBqv3mHDYEWAvIRnE0kAhtIn9nJWPxUo/yNIu2OaED
-f1JvgT2TGPRqAol8cieZXPNx/Mw6FN92qW9T5+8ahNt10tSBw4HOBofXU4S4xiTcMBiF9EOUPMdg
-uhuWPjtdhZRW5VjD7p2TYH5TRRtokr7SjfUQJ8MtTQwMr8xrfu9u7VEcgEHHZAzMfQpFL6Upd+T9
-Z+vfQEw17UvPMUNhfqG6A2uMRx/CWv1AYGQw0f4brr2CwPM9MDOQwEBrWM8BtTYhyMzwXKblNzdG
-3FN4pSz3TsccIq6QGJkugbw9ODne5cK50B62K0BGrSqOZjSJFwdnmc6l21xTMe9d6QTEivQ6cpod
-ozDc7dudbV01zZnt46W1n7Tl/HCs8Oi6TMPuwh5fDEGdeLuYOTPRxgFlc1yLnCZOZ8Aqm6Tx62ym
-vIIZSq8/nXliX5sQVBtYqjX8p+8L2vsqwv1aYOkJ5IZoNpbxBZUsYp0ZJWLD33fjpnu3aDkCJJ8w
-onF+OZyYLH/c2EVG02ouSJY231LyRRtpAKu2YzLPVnvEu3ZJ6uXJME6l2eM6vvtD/Rg5LTzZhf/O
-+8nNDziC6bmrfiR2MpXxbtDRSxybvDHDAh9AkQNxV25EBLF+i/Purad+nhgrTtkuQkPBQ1s3MRBz
-Tt52sYejcKQwjVNj01zkvegceOyl67INywxAvvly5RBkTiOUdQxmtpdvZAHZ2zH3RXsrfOQQz54/
-RyUkd6PwxCUm1u7oKqhRY7speh5mwAMVnxr9ns3jpVkI9PPtZ2ETkhzPDUw6Ch9Qc2hRMb0laI17
-rsEK+oJnEkLWZ8rCEXP4ZxPfw0nNLVTq93lWoD4WBRcIuHCszzELzTWPvA93uek2+5bi4G7eywLY
-CMMlE2McQT1K+otpdjttYjtxnL7c94VxxT4PGivNPDa+hGqIlXw37Y+p8T6MCUjEKB44bTZrC9SD
-6zLu9stc0qqhbuZQPNvsYynwSAFk6Xv6yf7pDxM3vPidDGF/yAaqXlRYIrjGimWU4YhdGXmA1+lc
-WQ3eCNOKyEVOo1awFPoXJycRuP7ag1C9t2T8PuqEM7MxPBd31oWsjcd+6X7knentU6woZtl8Thzd
-iCQYZjCw2u4bbi+2H4E+VRBHoiZON64/AH27B9Cy3t/1Cw8/t+Vfi6TjJESHT6C6HI8n62gSNk9L
-qSw6rATdk/ZIHlhmm2xILsCIsFbzqTbb6ZGGgRrsQ7kO6cRdNzoFtbbU/Va2k1oVGQ/3k8zMdmsK
-LPC0k7DqcTdVSjpsqEGKOD5NfLWmPENK9TyWV1MrbChiQHJvO7wPJXfeQR4NozlOAKkCj0cDN5ye
-Xu6mIucwbls133TUuquBTr047S+pSu/h0/EehDcWsgbp94lSqE1Y+e+zxaG1KNgRFP1HNTVy3XjN
-1XDDI/i36rtsP62suVgx6cW4qZM1ZOTPyfUDv3UxLvtxFxhjd6CTkXVqIx9JVeZ0sfIWwmjjI9NL
-oAp2CN/4/gtYxgC8cLJrYenBS4Ty1vP3AKYNhL/JUnwZGIAES9Jg8gG+1LEx7rrWgD3ZBlJkyzae
-MdDnPl79uuFcxw6ngTVzv8DUrYZHzkOv+GFHCXfhmOqkiQYIPaklkFyZsUe6xGp4exW5a36klWXg
-P3K9Gm3giBcf1wALxBaLFMMBXox0VG8myDgzm5a1oL+X+9/VtUlyC8/ggUhNGLIiFZDjYt5GDJ37
-0TPeS2IFo66zp6grv2B8M4u5R2HBUZ89bwAeN4S3tInPyhN7TRRknfZGeTaJ4K7JOmRnC0jRJpqo
-gKErEqtAH+KTir2N9u50RdnBwcmHZzmT+aVVY+ycbOeWwETQr3/XozUxIibPoN19NIxTpZyXJort
-zUIrGqUzBQ6LMQy3xlemeOKCitznLCzJElvJPgzzC07pdkcE7yk1+w97nhPuQaNcZVEORAhQOR1l
-D2XFSjAnzcwRXAx7pJlxp1T/OiTW1Y7u2P/KcXb19FIPBgV3Tmusu+509/NjFvCCaES4GM3hERN5
-vzUngaBdJG+cOZEDvSuzBbxxROee+dtPbe/gliSGVKN3iHLrqoIPYeTlGoziETRJeHAdYzuPPlNP
-PKMJ06+zWmqQ6lX+2vCQAY75o8KCz8cwzbbRaG5aCQStGp8JOHt8GiIddLmm7Cerg0HykqM0Zisn
-By4Qm59JxtxKLv0o0/E76SsXY9a9mMPn4VgSzXtWfv3oi+GCWTZ9HIzBuUbR8mqNufvQK+RD8AnF
-gbBJtc1msc1oy6T7hkBKXF3dyrl0oYu4hJwxWUMw4OJfa1fuCTmhWLkw531fbxJJGg/jxc4H1jqY
-PRrmqLaJ5X3vNMNT4ZnnvqztW5J2l7lNorMoDPum7L0vRn2TectP0g4aHQfKjZ7MnR7c8hCOhJRQ
-u9HM6QjdtlYzbk20nTX9U1j5M2LbjpMlN0009ZSW1tFBw1Bk5lcxa849+2w733iou1s0tyn22Pc2
-Eab9JOireD+yQnwy7Wh4ipBGVxX1jgcFdhh1p9BbFdrDKam+5UQSdmRX6qvTWnob8ao+QtE3V0My
-5Lva56MD+/pX1ehzSlJj0zsOV0hN1KCE53VPNE8XXMfTZeEvts/94TOec3AAf/sNg3LCATDnwZqN
-9uBzl15o7lhmaTw5A7Y1OZUI66pecPlDilBJZ6whQBR7+nJfYyzWbbrIF26I8poMU7ECB/hYx2Hz
-lLEW3igyW/uo7I6976d4r9uHmg3PS4vfm4zQsgHXOH2TmEUHy/vMxZAfIOU5Z1s9OU0GQJaOxYHy
-qCGDs1H6Nh/EbvzEe/rEiP7lLd53W9oBpo5mFcb+d2ISsOupGmrvQVeTyrHW+xXRQruqKZeZ+ojb
-sj7J3qMCKONFpAL+MBOqXEMg20bUI9GP9bmAuGiWYqS+nmocYTBmWZykqXRaxe5zjD0XY31xz5KA
-gyxMQuvltavCMaA9jvgmHZVmF73qb+0lHPeGOQVQ3bBwzbde8Gw0PiBmZ/tcOMZ6oNmS4KMh4Aya
-ieKeARwOHn6zRstkTU3EIoJPjVNUkzYSMxJqy7ImeYfBsl/YSHA/Tn54YXnDdLBDueYNn+OUkwwF
-YGnj8sIIICs9Dg3zm4yMi4479QBJeNMDEt+0BRXJNTFVsPsVoakpWddMYYduhEdSVJu2qeLnZKSx
-sS58tYvhQwVO68A5Jdx1TXsw+EZYAxkoJZpD/pTAXrjg6ODUaHSM8HwINzZA5DVdCr87eEh2Wbpg
-mAJhujWgxuFNqRPdnhN+MoUr9BCDOUVV2ymvzgMeE+nWprOLdytbUypBIqDnzwz9jet0RKwL6Ipg
-juLhUBdYrJranM48sYbXrEb7LzKIU0Xi1ixtXP+5TQZ36yQ9Wbs+EQ+RZwdtHMbXsWpfpTXrHhjZ
-hrf+wcSLt0+HvgT1FJZH5X6DzCcIzjgmvsOEBHM8Itd55SzWNBHywkUwRO1g9PxjRjzMK7QEYrJw
-UCgXMnKBmw+UKEXpzcKVaiZdvuNOv+nuRr3kF/sfLymmU6grXrbljrLrwAhFwAsKOKleEf6kuXQB
-tmvvl375tZj/k6PzWI4UiaLoFxGBN9sCype83xCtbglvMkns189hFmNioketVkHmM/eeq167wIY9
-R8qg/4005C/5O/nGrHvGcVbvUJUaxKT55zxgxCCKNKFvQP2LT5pEi6uwbAyG2UsiUgTZpnpkyH03
-+nDjpzSRh9TEPrhKF4bpuJ8YuJK1RIfUTfIRa/OKsx3HUgE5LGwEMVZmUtZ3fkan5yZLG5dBTV98
-GP122XtZJSMQAuoggp+hM7NbS3hbaCnND3XNJWa4K49+2kXsMEXMSY7eSWcDm/QG45gKWV2LdX4s
-1V96u2q/YNjY89uRr1SYMHpaCpct757Arvm9tUV9Th81SbK7PQKfW9K+2TcmB44PBrRR03DW3C64
-4K9NI21NOlgvqbwULudJ3Tg337dDfozIoozye5TGqTDtY03q7qkU9ketlTAxRpPXzzy1mJ1zx7Lu
-bXHNl1keEsyUoH2icSSrqcrHyJfDfZB0DFAIHBCTeB80Dz/MVmkt+m3YDjGVKAQ1+JBgweHbMtK3
-JPgFNRBjcKso2t0S+ebmUBbuZ46AbUmWnOAPiTzMddC55JyIvN6s3Z0dBKIyspW+8+R6kctIi1je
-hs7ZD3izLRuYrE/iDA9IEgVpc7M1uZ+KlIbORa/e8EaTz4Lycj44UFJSu2LjBAkPgkCyRz+D2N0y
-tavhPbMHQi9OnhglfX2lrDVqM2ZZL0MNC6Xvtmc4I3soY/Ieo7mHAQUSgpwNxY2a7zEOyNBLC3jA
-Lf2GZ5t1yCblkdpKogytII0R5xZgJ449rb8ZS35bDLUweRQPjoWsiZvfZ/rA7avnubqoVst3jYEr
-ywNeEFrLk4Az+IiJlHIraZ+yuX7xg/rvTPV2DaTmR2jPXlalyz1bEONDeO5nhzP/bJrA/TCRYm6u
-rC5sypAfuHHUeTwjSUUdQxU+NT1sWSUwyhtZczBBc2yPetijMpUJP+YaBMwO9GdxabyVYL5JPPfA
-FqmWK94rIZ+TNIncRsjIMmx0/O6ZK9G7aJ2PkgYj0iLbp76pUGd5G6fMnNZoHYNHXo0MkyzhVr3R
-WydR6HtX+jcpBE9qt34DroIC00F04rc3rPa17hOeE8WCTCMyAy1guWvsklUJjmB8j7+89dWpEYTY
-prbYIcBirW9PF6SvqNHLv5mFoFfoDCi8pvwXlF3/ZJrLH7Sp+mvpau0+mQh8JaRxvbP5w0a5XCEZ
-SeJkuUz/VJlSV0O3j9zp4kQOEZv/QNcgKUHszpPlPrXfq6Bkt9wZdBFTCUKcnc2x8ISMa10Sum2J
-J0qUB9kH6M8Kf3x0JjRYBAtifl1NTlpZHq2guKvmxSeai4SeqiCkzG8eF0BnNz/Pn6cpv9p4G3eI
-vjJWbGbJjrcsLuX0UhcPWV9nRyuXz20733AsV6T/rHun9DxmKGPFeLV5Hfk18SZs3I2D/dkT5PvD
-HDGWBJhfjJJ7vp+L1wkLCAdBzG9HJTOwM8KZbZ0ahPLhWhJpyoR3J7f4XEMFsY2wZi+bfI3YcL8Z
-mb3XGXmhuSKed0YAq4GzJ1R7QlZXtgtjKyKiOlyBmAyDkIngS8pIO2xrBFWz0Yaz2+1Z+9WHqQd2
-7Q1Le8i9/JAG9ZXwuEs7bN60tRKRzmxvN9fp2yLhZFYAHUIyL5L9yIq7S85tuxSXIBC3sfQ+AsTn
-uW3yJ3fBMTf3CpyNNIYnEpmeEOpf5034B4LKQKwwiAf0nFzz415b9W8oo8Su2zjjSzEz0WIvxshe
-c0jlqk0wTcBldkNbXpalf5Ljgz/wWvC/ULHUPxRIMFQCbYe6+1KuXFaMVXWLD0XnsQL92pk5wDi3
-xsdQvtBHg+FLqA5aYv+421sy2wAGYKOkwI9WxyRhNnEhxzHZcJl9w5M8uoRe83LisWnwecDPxKXP
-yVdeAT7zRtv3do/Wh6J5Ia2G9WrKsjeeXc7pwEeCQL+HtGDO4a4phEF1cCp1x9xZMxfSthIgafyV
-n/E9La3PF6BkNhfoW5Pm3xaWDfNiv1jaJuTNrV07+cDB8OnndvOm1fqLgUpu56mLWXdnbFdN5ASK
-Os8YPj1d+1cMzo8r5WX2FWfQp+1zBJf99AGZBgFIQrKaO+BXlfb3ZL71roGIkp/PWp/V0mGseFGV
-p+0KuJaO4hwea/tGTm+1OwQ0/YW5y8BRmjMSAWOf2krivfAf67GmsUrbkB0Xkzgmn7+9vkiGvB6Y
-mjfbGD9E4L+PnXuxLGQPHh1hKJT+yOn20lfqoEBzo+p7cMn0oKDtBb3GiJPLRt7HJIIGglsXheK/
-ZPVrRB3mWVEyEu5FKjIF6tCDF5tAvBV3QGrk0SZyo4JEk2T5mwB2hUbES/EtmH2skZht64z4x2p+
-Ln37b9GB4mmDq1Lde8Fglmfi6sngMpjyxzPKf7Y/NlEruscxSN49LF+ZGB/QL/4IIW5cPb84rnNc
-3TSfzRXtabNfA5343KY88BQyPwF1sR2RsIIw3GfTPXYbppzzcKy09k1PHR4+Db4fMgmX8STwwsT7
-Qu1rRrW+PsmyxJkA5DbpwEnhDEMpNWDgbtcWkunAPNhyjI+hTH4qZVIMOmSzGq3nRLTku1YhlNQp
-Sgmy7I+lh7mtZ9M9NjcCCr2LJXAniRFmiPfZq2G6SM84MmQRUeAB4Ru7rIqr2v2Cbknf5Ren3jfj
-uVOwfGG97tgB7knPEfHSg9BNsoWhRt7H7qLeSUigKq96JzKLMhY8pisd5NaufAxK2rHmosQpfb2O
-RQDOxffXgYQoH5Wn2yVoubWnohanHmVXqxitYpqr45m+g6xBA3LaYmPwLvV9OuD3crounArlXoOa
-ksP0zFAElFnakNrnruv0gwHQ6TQ5HBleX559Hd/vjP+ZsETCLarU3rejNZyB7p0Qx/fMpxYUFFkS
-zX17sbS+/mzK9XkJXopCTw6oYDMmPqNCyo7jnBQXSsXaQaX3h5yMnDEDFv8B3TfCj+nMmfUREHaS
-5GixuinZdXr5Y6GlUjWNofOO6CgICYKVSAxmOK7Gm408JgSRzifc9cc5wK2BP90Czrca2KkWrLoh
-mvogIrqsvDDauVvRUB6xdDBmcAmjHxrnC+kic8V2+jMxE/bgjw4OnovBmMHxTd+mIF/eXb6bGWkE
-VvOz6WpmmKOt2DWo5WNS6H+IOMOiGa0L3jopCDzvFtxJOmYrWrjuOQ/Sf21vckW3SMJnmyJrLhGl
-1ZB1um47ThsfTbDJZCRTmQgH8h19r0zfRtv+RSd0oa13b0g69u5iMzUsSfFIRr7RjgJgX2IVuPhJ
-PcPjqs6+KooHv83/eDVui86CHmHRgWdmTtCbqWPRWBDEMB5EhyO5lLIlNrQEd1f7goQZ/qnulwe/
-h66QpDUDzIRk46wBH06nY9loyhO5/HBD3DFIqnmSgj5aYQVjueFYoFgwCBIPe57OcCSqkdx4eP92
-XRy0tPMhxjD4zDU/1nFcRL0nieibqEuNVeSHuoDvVA7Ia9KIyD+IQan8TslzoKHM7tX0r3BL/62c
-yFAJ9YkRNYO1Ke7G9eTm3lVJ2Zxdi6gQIew/FZudXUHxAcxAnpGidw82YQ5ZYnw0VeHGdGTgVjoq
-IH0QoSqtcv+XZkEA9GB+DHS4gtLNhb9wTCnSiqVozr3RrafWamwAg1mEnqi/s9xxwMm6B+gBHNLL
-lzufYxisOQBYpInnaunFywi4hTdo86jOGAjsRPKzSfpb1ZDn09Pnoxqrgxi1a1TWjcJEieVqbarn
-BIs9kItxiGdYkjuxYncqiTMnV/HXVZy8pv8W5F1wGigcT0MnH2g4H8rSmPbCngXil6hjUtJP0MvZ
-9Dx4Hh2MGFjl8bLguG1AdGlF/RfdXHEhXrDbjxosFKo8hmuKHMZZERhvUS+48cDW0vHV37yv3Mua
-wA7IB4isRmLrYYXNGpcCI9OERNNghqi0rNmb07VmvJD23hQsAlvO8nNHa03BhX41ILbeEhO/nIsF
-dD1pQXi/Qte0AOokNAEEQu4S5lKhD/d+58iCckHEbWHYh2al6dSnDCQh73Eopm0JvO3DhFo5qMCg
-nPEakB6BloLasFxBuE2U9soJq5zBLdq/Mu51IlOalu15mtjxOmWs6JgZKXKoETSBw3HYsYDvQvNM
-pcSHKyVWGtHFRJQ7PFFwG1ycDjv9z0pW0jDgnRx86wbje2U11K4xzLf7MtPvSDTNCR6smWZaAfgS
-Y8tyrF8qHIlFlaorcCmGyggSdiVrwXGmNm3K8TEoavVUdB6RpJ7+MkKPPA2yRq2RcSBnpvFqZWwr
-be/Xmwfnbm60xxEgQ6QM/S0Ah3VI+IKECk7nZJ2xBMCmxWD6UazdDcty8UqsOZF53fAs8yI5G5Vi
-q0KqJMJR7Y2US/+iGtZfipvyA8kyG2C7eATsYh80PFlPrpn6F9txXlvXoR5f3wEtXz3fvbPn7l81
-4+zRnceFmFlvSJhdOncOJUKoI83knzc90yJsOMwFNmG0JskHMLUQYx21G6GrIPuBmwXJkyOChyk5
-aKP9oRULTqomCMdAfNi2ohS1/H9ZTRZL405nqS3AVB3v5HOy77bsGJgyH3n+LxnaP3n6m6oJFIPd
-XG3p3RHF8jE1sZEEpAGl6DT48N9NB2NtQADPupCRl9NkWsajPxpnmYmL3gxIH7akj7LtLrm+wnTP
-f+FxfwRswelwsH+CruOASdjlYuwqPknHRZH5YRTu4TfXGdk6/GoIbz5YdP3XwIik4znx3OVP0Lmn
-EgUjF45/RwP0MuniKgPzZOZERqn5ef7qW3TLA/rC3SQfIPEc1hKIZFt9WuzId4sJIzrzuU/4rzDf
-/to+MFD02nmAYmL0T1TKSzwlwd5eGvOiBYhv02SVt1aHIhBIZkzaHZsq85st740thP0GI/h3UehA
-goLaaBSOugESFiFOorucjHuGXsthqlJ2nmh8nsdMu1WmU3yN9MVhkgDF0oEDgATy5H1huOj2Z+Jk
-DRJeZhq0Pf1wf8+EgmBvjwGuv17qtTrNufgm9Eu8ZZrzMK2fTi/0eC2WNhpy9A7d1KrTTCAFMJD8
-ubONhK2f2cOCLjFy2l0FVwnfThrgCquqJZZpWdz1Kbp/ZktXE/NA7Xj9Cxa+bGfYoKcU0BlwIcKK
-15ZYcjaWO1MrtQhSFmZKgiD2bur/SU3ylFPDPc8uq/fSTsmeGZgxzM4U+hU4kBntxJ7v2zlnBLKu
-WoltP5V7RcZShOD6qBARIOVn8b5Adz+72YhMfvTxAdspLuppDWve3kj01cFkjZoyGcFLRvBB1RIk
-kAcdS0eq0G4hKDIx57OuvjRT/yuz2gFIpYpLO4LjqkG6EL+bP42F/ZZOBJcN8gx6WR5MxccVdNmp
-9nq+Lc7viJiTZDfqyZ7HVb8B1kxiI4V972WhRkvxRxgRuW/1zhuD/jCS/sYUeKXUgwW7t+vJ3ScW
-namAiHasOblC13Nuyq3LF8cS5wo60NGtqzAt5vzD7X4Z00471qNIalY04sjpWQBtXcqUfuS1kR5T
-p8T4VTr3fsExUmCab+D756OHtzGfP81kRiO0+Nml1G3IMOY12JQu85qvD3mnP3PXIKDB6H8ocJns
-3Fp6p8mbPPj8ns1rS9p3oIzz4NFMJq79gORCXTDCyb2Aqg3Ez40CYzXijEbuZK4dVPq0ddj/KQ57
-/PqYop2CVVSQ3KFTMG5Y+XKY41kfrJ9mQyWF1U7dUUw0p9mkF3SalKknpUoVuMvVzHy2yYvlvRHF
-1hwz7MSh5M0qnVb/mmG1lsO4/ozF8qjwapVsH65DoLKX3h8h3UvIwW7OqqjYwrKzBRlJnkfjhosm
-BPt7gB/NMHAr1uBR/v+3dcNMl9VjDnU6gD5N4cfsAwDNhFQuZH31OjlEeS1VdTYGP1pwkTCij5yC
-PFoU7UOYpcGWOuMRKQXhnYit5wSqwxE3MqMHhnHjoM2fTBPoN/iCgedNqH2C4XkRztVyiH1gzvnp
-bkqJxf6taFwJnkOAYXwls+W+Ta7FTtA6aVAe9i74bi5Ya0CFIIX320JdDIuRAoW9LyFYT0UWIB0a
-239Nj+ekg6nf2VAKRlBU5Kk9t17OUG09JchtII9YsLsg/oZ+Jh+50frb3I30wkiqTixYobDCJrcH
-9VF3Np7STVDo+d0LFmhiXX00JLatFZwKP6klTlrjphCTKLlNNT6Umm/eI26/mBXyCECQc9zOi3Uo
-zSsexR9MqDupbaHSG2GdOGIw1ey7NvZ6sFHYW7P+TmfvcdZRhC+My65zdcbFEfnE3l79bHwcu/4C
-bu/D3BjvmJeOPDHwjbi3dlxXbGsd+3Hyg7NNiclmJNlNGzUex3gTqiW1oloF0Ea8i7Ex5jP8PTEX
-AjZggzUUejXPZFE8k9u6rX1VqHn1vTPYLEkKCPbdcuYSaIFeZz8NiPtuY91bGY8QOxOdBQ7MW0h4
-5TfMIyD1q9ZGa6fhW+1bG/mORqvkVpglBhcWAhBGn5ExjUoJdR/8frJx+LuNyD+A5tc3Rn9eQOvv
-Nm5/145/ZoITRfeebVz/Lc2i0u0lXDbm/7DR/6XEGQarIVz+Twbg2944dI8roQGC8AAQqtNElgDb
-6wCfGOcLjx8lwIKIQhI+ILYUgiQljwAfOdRCIgqwnGg7eGAcRVI8BvVETe6lbENW+9fKmAgiZKQ+
-lBoqJ2qsiczaJv+A6HGVxmUW4rnb0hKaLTehoCWsCVLo1upBOztLHScDPTEmUkHOsvHHI4DB6v5U
-Wx6DSzCD3BIaWoH7w5pYWo0fBaieEJb2HlctZCviHUxiHozbhFYy6SQfsdE8TxZeUjLq0VqSDzER
-FOEQGIEyDvhV9zuUQP+V7PuY3d0jyBR/Z2x5EznBE3UOkdwsvY11/6mKoAyDAwIatlKd/FVEVyQe
-GRYzmg61pVoYCDpJZbDfpi3xIjDx0+gMguotDaOxyMWoCMgwtqQMuWVm5O4XC7lfi8XErthSNVLP
-+049SFq9fldhfB4cwpS6QVPhzKaZkQUNAyEdEgdOP5LawbLle82YbYisp8ZnJ4dZ1wZ3SKUlOnI/
-TD249ASBaGvw0dPvrr0v4VwirhwJDakc+6MF0swICinGcg0yHWyj7zKUDNaDyLR38uJfHHIULJCh
-DBgQ8rrpn6njrRnG5eSWL2ULy3VyTWAyHMmJYqS4Sg7gkdxUxBg5k2j4IxSKw+paYe66H2x5C+bD
-93yjkZYGlLircQjS7u+S+nBesSGVS4yMjUvebdAyz/17bTVkTwzjJRiXuMjZxC3moSbX56qy/nNC
-r7s46x2vBwiLeElndHWoAlnGiAP44Pc+41E2L/1irN98lq+ak6u7oXe+a2aqpxwAIMIaUiFzZcFi
-IR6VdU9UplDKoeiCzPTuGEzTnYsxuO+R4Jasw6HRLwT+sZX0SUVqh+S0rKna06VesSzd6sp1wtFt
-eCPnR0335yhtdoaU89XXhqfSLftQFk7cjEv64E016yIJiaf7ZRAPR5RxwBU1ryPkBG2JUCGo7mLv
-kzMEIL/dlSQPDSQQzVlPaG3wqE0L68quelgpidFdE1s0+gQYGWP15Xk4ODUKZGVkW8oZay8AsliF
-HsotBSkdSXMyXyy/LaKB8f86FmvEK29sOoazRZaStYUqjYp4pbIz/06oeSCep49gHiIwJzg70+Gx
-gPhTYWPbM+bblcV0wHfFDUmOU9NZRBzo1bknuZGXrMTQR6exVZzJFgNVR7KQv1lHM0X6pogz1HpU
-HNmxHsaw3KKkMjKlhi1bioyp2Rnv7fris3gLTWYOO3OLo2KUTxQkRwv7ndjeIqs8lBiYN2/pv9Fq
-//WiL+7dLPvnqe6CHm/cwR789MnAmiQnv7aAe8qJx0oZp+WdwdyyQCbdHEvLcA7sZ57IfGlRmOTX
-dHRw0qPfpMZHiOSkIRJBawcHraXstCKf3kU66CPtlkwP4hfeZ/K8suJBC4yXBX7vzkk4qbbgL4sE
-sIoxJgzmv0VAkMsGCsYZiQKszsb9AB024k36yVARMii/T5dRY1GuHycyxwTZY+UWQmYzqB1JJWsn
-LweTZe6LLbDM3KLLXAb1cWm9JWo+TAOKnd4VjLKAKOzUxPZ5HPSrThaaTiZaltqSJ5rQRzcghiAJ
-chSe4G5IUhvLeN2C1ZItYq2bzxaAs0QD9QRLH8ABaWz2FssGLGnNiWnzu4WXCc68tUW44X/89bdQ
-t4V0N5D8xLUHBL73hhnyq0nUSb6Q7PSILSIfB5y2RcUtqr0HsFpL98HeouT4Gjeg9Xo0bjFzHnlz
-JaEAkezMl0q+Br2K8H7uAvLprC2ort4i69IeEXhay+aeQIYH6lyojOtsvds92zsW9rKTUO9NFs4D
-2PszjtGnnFiXm++oeKj7/k8D6CYqXCJNfY6aPVgSeJCC/WrTmiyz8fzCTAqGg2833oU03jmi7GA7
-v+laPJe5K+Gn9v9AlS/2pMdmtY5AtQFtqJk+Pau5UWXJ8ltvx5DMLhO5HFeuDchINA5CXaHavW41
-E4wpGypZU4U+Fs1nS36Rp0BfH3AmBFLn1kjxcrFPQfvbZY9u03pH11gPWMs475rVvAwAXS7JmF6t
-6QzAhWiLtjznCCEiu0OOidJoA4aROJb2bXplGvWFxGd9GQsaRsdo+1hv7XwP9VphLhDibkxMMqot
-Oqy6wzluZP5+GmucPbMsrsrjYslr0mN1fSMHQduHrJRc835+7gHBIG3oxif48syr/DmWAf+WVo57
-RYNJ+25mkFhZJB6Yc/THzJXGM+0CWsfmtyRfK19pkPu8O6apZzxOWIZPxtBlodCaq+Ho7YkPKLtB
-9Oehhaux1sOTNWTiiI/oxQVDFaV+jzqqRk6AhwAHm9PdfEhZxxp/B5DOiVmyUQZx8lH6zyrT400N
-MbG05tIcosBZeBUGY5dxeO/d5rlZmoAZHtX3yiQ7RYfc0GcE1vzuSAs5W0QJe+cl9ac1052tSv36
-FiIeneC47CwHTAGzx8uScd8euqC5oRtCo2xbwFowV2BUvuTGmceTxUdOjzEj89+pYfig/wx9raOi
-FMS7aemva/nX2Z9pSFMuQEggSPtM+7W3rx4Cpw1kRpAfXn9z0r97LilgSOYdADgkF5wKvmewOvgc
-V8RFeYvRozfObg/3lfTcCyZUKP12CYqmGmJnar7akN6HiVGsSC5ckreCmBWidT/8Ujlo5bggjTby
-/6a9f7NaCMRqhbGM4cJY/7gDEbpt96N3jCE6SaZjkkNoW2wDglWd8+3gozUosXG+It4ukXAWZXBS
-Kc8pMFOf0ZzLlrXXChyO9crtSStNBuO4XhyJ376v+o6BYf8z104HXSm16VimOo5Varu3Ae/nYcqq
-fyy6rMQ9BWbNACewzoEzjDuouYwv88yPez+5yTzBPgaE0KtH8zbqNmkSckuqWbAlwyR8KV7ojnxy
-AJDnwQfwI0vTX8xuYOFqFMhLjJTQ3iCLStnpEZRJNHAQBIlE1F7KqUmvruEg7ls55/KidI9OSeGS
-0uQTed+9l+Nq7d3Zf4cn+M/dtBbKyeTJW+xYSmweJE2gdbX/eV3nfjoGUUdZh+oZZhWsuMD79Ml4
-OJseFOsBizESPOt+nr1/uq1n0aS6v62fTcQalD9ZOqYHKAWIJvVyugAvFCJ/ZMZzKFVg3LQsNdjQ
-KASo3tREQWu858tWGVzsGZhMo/XN3aT12g2RNeYYcQOvEad6d2GWW9yEm0peS1IzQUzEo+ue1zLo
-jlACn/jj0pVJJv6tN11zQhJDtx8/LMacvVY+goh8hVnIaElL2SCWnCSIK05OO0dAlj3fO9ZN+jo2
-9z3RRkU30ar1EDAwEyodB0bmoUjzYee4GdvBrk9e04SCO6McDMtNw+pUZ5tyLm3IakHK+mCwUmFT
-wpvteBd0mCFIK5bCXf6SThhaxBS8pwjaVGv8paKqsfsHzwrBPxTnFpA8nHyjlWM8B9ltGiFGN93/
-0YZj+ejlwZGl49Oapl+lEBljBZR0C96UTMPW1A7MeQrxmxojTgCPpY3A6cQmBccH+1kbMqSYstso
-XEbx6AOPnmjvzBodOs6NS/Vo+PBxaTwx6bugJGcNO1i+FpFjRLZHO2oFyZvjOiTSBPD/KMSgEGqh
-peOKMOBv7IXwL6bOhrlFIYAAFOsD4PLREXCc23ct8XHgNVNybBj+bCVuqLSfJVH86HDfcWBsEe2V
-Ovl5i7RrjGoM4lzf298IhCPflW8Hl2AIMJrUjYousc/R+rgjNJO28MNpCqCH4NaL1Ywm1QmaP/1E
-sPbUbHkdPtEDnZKv2dpD9ssd+NRI/NFGpvtxqj4ng2qjEfwpGUZ8eRoKByKCCAb19lqgX7qEnDLo
-luZCWidA/YfFpYxSOBRW1jjF3UpPQFJi5h7Id/jOl3/YWwDZCerCaciQy1XMLpwTTHXc2aX9Ywzy
-hrGuYtNVsz+Z0idtSv2jgDo0zugq8/3IbJ8pX6B4yIhMKzPz0bNrRIBJF2+A9l07kzCbDwTpENFw
-P+IwASlVtfuSoWfAzvEghu7TNXjiKM9+nNn5sm2oBGwxX1FEIZjCd6gvGuLhDHF+uQJg5C/2K9ig
-XNaZko1hOyGITW/AD0g41ugeBr4H9hbafi7uILtBgxpXFSEN1He2619zGZQnSVYVicQ21EMolRTL
-tJPeprW0vSc6kD8VFNt9WhP25Qpm6lQrrULfBXYm8o3E32eoXqvJJVPYetaH5owl5mIs5p/B1si9
-Yg7pn80iRww+E25i1vquL4dHgzaVyeG909tH3qpwce29wfWluAB7rWXhbiMoYINmxy26FN1eLxMk
-Bmm+JaNJHWazUtE1Au/yyoR9cnbW5u/iJMVtTvTixoCCmxVzRNjlD1a/DQyXdm8nIM/xKS6RNeDf
-bBYkqUTtwPtiiUnfBIBUCgc2fsljlYiTrtswBk1qkZpB8+C+qzmI2fzuO9evdlRxx8VG3twg8kW8
-t5XU5hN6Tmun99wVHpVhnh8cO9URseVfiGmegnagAauGkP0FSNLBtGKoq2g2/dhQcg0LfSHgyz+h
-oWDi7z9i0IZfURLq1PeIHH3noJpsS4l/BsvwzxMs/FoJ6RECm/IEerH2K58DsiAsHdlmw1hiHfbI
-xe1bm8Af74Qwo5nge35q0xT5vflttfzwWvENFis5paRUyIlZrdq4YQNMUFUKYAvdu5lOT47OlTLL
-HEaN/ui38tljVGjW65PRMp6E/gCXg77O6NDq6kQjjRb+u6oaor7WY33qxFGiGGFQ18aVWLSdEt0J
-8Jt/QKef7ZSbIf23U/WkCUbC0tDX4yhYHC6iOkMqSfeVwVcniQWBx6i/9at/nSrzn6IY3mvWZkpL
-+5dWJu+ZMM8Y+86EUF9pC98VJJikIboqgRM6mc8lS/Mi7WjIqjegf6jSP6Dj9adKrFRWFRoULdhV
-NDJhro8vAtdktmRPWZ1+LcDOSNxEbia0FyvwYtee/yVwlXMjOCNuCUAEsRImBuMMzfWapHCIrIm7
-3FwfkRZ9VxWpPEx8eN/7SyOx3oB6YnWzeXlB1Jo1uCK7Hh4CPu0Dm3H6Kb0PQoNkiTNrWDJlg/I8
-WFMRrjZDE9NvYQe1yIU8sRT7Qej5QTO1mZAuFyalqh7ylvBV1/max8o7g0W6txn0cC90NUX0iLAE
-YN1VTejDHSOv9oalnWtyrSKDxiSav4BXPXYK1Vywnn1NPIoUviG8yMTKoWpU8gd/C54UbQ5NXfE5
-t8y6ZiEPZMIwgfSWk1NVr6NpR0RgWctzm9zjc6oQBWl1aCYosRaDkdhlGZpqHwDqjIH9oWbhztp1
-+KrWFsNbu1xyMlyBgXpEehkm3VcLl8/UXmebnX5jfhW99iRq870giXJfVDOCD07bYJiidWa95fnh
-ahCj7k4tlN3W+SSObkQph5KwyEpG/S2Rcx4aWhYkTOsAA+JUBgSXeacu8M8Ya3G76DLqqShDUVCl
-ZeX4DumUqUg3IZWmrXYYwCIjS5IbTEz8DoQIl2jB9sT/+WT5XQWU8aOpe8+Jk52gBZOYyQS3NBwZ
-p9o5yQZakpGXr8ZphgVQXFfIAuclm07+TMJonXT31gaxzFbO9CA7G3ZaHiaUGxETwptQIoj1BYW0
-X9LoT8yQjq0bbFdBhTlySQ5DOTIfCPIinqzWYuGVqZPtEduXbidPi5UEHFLcQWk/+E3dHqRuHcsK
-2F/HfC9GIvlTv7D01x8ZBt/zsmjXjAWsoZRBRClKuY40cTZUy19OvAJE5/SHXLJsn02SoPTOKmOp
-TWj8mkk/e2R/WnVqnhoURcdJMohy/PYaaBPheSzC7AVRp8mMW0vXYydGLc5ra9nnY5tfFYPS0DbU
-FhJEOGc94HXengt0guN51jUOaq/5ndQiz36e3pQJuiB3Nwe3a1zon95FQ07EXP0NekyGYlbPoLV/
-NMe39xzt30Yy4jRlnG7OwjjkiI2jFllTdE29bHrsbCcc0oEPAVApgeG7tJsZBy+oeAvkzRxsjO5x
-bEmMnDjP+pQJ8NB5eoiD+TzMoFvT1ThNSt4bjJ1O7uq/ko2xL7Q6OcDCJj3JvqJ7n+4KurYAKkJC
-tZInCbE34MKPjlxbLFoTnXauP/cUOhH6dOYlFPC72tGYI9wvyUaCg9UYUvr5iCPdu5yDN9aH/sN1
-x289U89U//pRNs+dWccMPur9iEAWYDnDtHoiJyTByrVRDkNk4WHVJlfdGV9R1ah7vuZTaYckRe5y
-9GKDav6j7kyaG1fOLv1feg9/yMQc4faCJDiTIiVKpdIGIVWVMI+J+df3g/uN9qIjetkRdvmWbw0a
-yES+5z3nORhkYR+to3GuDxXzGu8n/IEDuoQnagwtOpfDkeuSltxdy3i1Z7YQljGuYRkV68+JKlJD
-zO+GFz0FcV3u7d7Gt2AYn8gT+NOBVD8vjpDInD4Fn+apDnTWuPhafLTfvTODyU6j+GHlfK7d6L7N
-uHh4lcsbxVspl7k7oE6ukzVjZQIIh9E4+D17fOet8g/Lh8avw2s348iiJLXfVDPOd9ab15k8x0pM
-DPV9aPSHKkrtlWP/YLfw0RvJJ0BOOuydpbKdlaGRtcVxEvLDckeDVxtL3yKJnZUzdwAyh+nZoraD
-BqGtam0k9nD21qGERBUvBRcxj9RtKPh7J805ZSH2OCFC4FExi0xHX6JfLV9Int2UwUgMiNWYcH0a
-WIoAN47WBJ+dVx51/dqcMpxMojoVhAcOabJoCRWHW2JN5okMKXyAMrybI7AMzqvriPC+zWqcOtZU
-X8IKuHpaFbh1XP2DuFL9lGSaL9LRpIlrHVq1ujdudshpdryUva0RnizYGiXJfrS777J+oeQbOYLG
-7wDnpW3/GmYYbK0OfDoLzI20ux96l93qtP1Z1OexxYR4F4POGwIH0Vj5nYz1U2B7X5blftRT4WBT
-4pXIfj3iqOZWx5LOJLuvrvXoq2pxZrjmiazzxyhvQWw51yIzhpVUzhrGxZeDLY0dnM28kr/m3bmz
-IxzjAA9UQO5YK8xn6h6STTbxnEkTlrV2UdB4xCDtDCKADBdtWo5BHjKLGmNXL2QJTpOlrlTuQWqV
-JlRpVie7wVVYz6q5XReN/JPqbGeURRoz72f3MrJzj1IkgB7LA5tBTKiuYd9F2iwd1L16LXPrpkqV
-Hzvbimif40DBKfCSGV27wlys7bGmN8tOXbFKm6gE7kLjaJt5SrfYMG7jxF7yJtMvwxHmSQ3FdzkP
-8hZiutwZzI5rjedSzJV8SCcXx1/22cuE6JVwo5VO+9Oay+PWJSq1yuJ0n8TmifzALe0ZwNKqzfxJ
-/pzypSmIgPZsU5AF6uPm9tZWGXjf7abq/VK396ZjuYcmfW4rp9sELny3nIbTegTTOkbluksWxDe+
-CtS7AJ8GkpsVii8AmK0/ljJBEI4XHegdQtp4IdxG//zkM2zSgrfG2HNP4/JWxjDhDBngpoRgRrlJ
-sJscZa06iqIH0ALcmJ1bbJOpEIZzaVBcIFUi1Ahe7JFRnuykeKJrVJ3HIUtfZD3+7MgND6WENbNp
-kxAyTeKoxRCVbRJMAyM7HzprlH6YhftGg9pdOJhcx+SH0ZMWTUefoqXnrGuBiQTOUgANVlu2T1pU
-fHvMYpRWHydpnvKk1MFJwC8vBvWe6TZMjc48GwB3yfEI6YPHaddD0z4Lve8OzdMYh/PVaQvzGg5C
-3zmkv6be3KNWsssYSRv1KTW2xDvWyVgNNxzeOR2a1C8WQUKqCBZxZOavnaweadjmd4jsfh6q/pYX
-BneYOfptQbLDmmgS5jE9E6chipVHjRyVPLK/9oLgLzZjrDJi2vViDO8ZwXlDsFWy6V/cFmEXn0vI
-7ptKF9zjIpnutTTEdJQX1//+QdnhbWQ82jl11+waR8vO0QDIPMYBdMo40PrOSs9G5flRkAYftHJu
-EtN5sSwRPQe51p3MObJ9NrignrJ9KHNB6ZNR3bQ5JmfFfB8+YaFwf/DARWvs+cCYn8drbi35stZr
-/Gygga1nhD5GUvuDQKeTdoWHHMbFXavK6dhLds9eHd5bKZOvSJFUSfqbDUYRpgugQwhzMRic3BLV
-IfgI6/QzoY2dYba62A4ePssyT+k0kqYv5Z+SaPS2s3HS8f1z72S0ZCCe/gpv4wfvfCPQ7kJ5+tHk
-fbC2mHxBb9fjOvcq5yR7feC7WRo8jLvZjydugUkZfPbZXFzDqbh5moe2kZUFi0/ioLUlti4c/22k
-a8PRG1gHsqtIt9wKOCkB85HASyjhgqlCRDylCSETl4Q5n9L0wt2KqRQ8VXTn6oVULeXRTo32zuG5
-8DsivNnM+V6BCcTNHqhTMBGRxzp8ZdXR7sE+EoLr8tpPkTnWZYG3gFK+gAzsqA4Y7Dj4yM2T6l8W
-gK7tHIDVbnRRyF3bwH8PRmblQQvs37PxwOK/UZwWJ9rCup3RsbTr+xDly9XUNkvkV1k44XtphWTb
-Ke96Ssz5I9SUs7WzPjhOwNBL3q7bNEgxMiyTII1HGzPE6S0Fi3IWrD9Mr6JxNuuO3Lvrw5wteRb0
-kV0VX2Si2fd5yA+9BRnBVcF2SjnpZRTtw5H5euitS81xfVlErg2d2kzDDN27XknjVS/dnFwhP2Uu
-gUIxZx2lBJO3iQyp7uusLrNNneIxTK1iugmeFH5fuGs1Dfa5ZqCJoEaVSQ8lqyBvF9Vqr7PsfE3G
-9o8+ne0Zw3Ev5+5UTT1pqXw+R9Iy9iYnA5SNboOFZN1G0x+cxsbJduw/SjwX9KLd+E4f+xSvFCpz
-uset32xTS4LB4k3HkSIvBiDatap/I6DX65kK9zO1KZuq742NMxYtZXBxtqO5EQx4phNhxuHMSi3f
-dpOXbS13CQoV+l2PI2Q9FG0IG/FOYpaJau3UqfZprLx4Fw9EK2joCG4dzaOZjS09ckjGzTDggWsB
-ws9eOpXde8EBksGlPFKme81S4666iPej3Rb7Qp/fw47TkhAE1KZ801v05WlhztsMCOPyheRMQf1z
-QgY6DGNN1IcXMNwHx+rGU4VuIQpqMUkMc1LR6X2Uan40Y7ttPfTbxLJoE2vVZxgNb3FLd3KFqL9O
-BBWhjXF3WURTT6fgIOAgmlnw0vkGAcrl3YIwYjUHQfTxwNagW+dNI4+aU3C3FJ1zxPL320XGielH
-uLG45Sky6OkWD2/lV3FsMvOofSDMel8OeE+yuK1p5zGBTqTujjSjuZMmLHlUgIaKmpe+oe1kqsU9
-rk45csBPdkWUP2G1Yjs/BaSOjG2cLgZmi8a2UP2q6sHnVDE/dNozHKsxDx5tztvIJuXY5DNFfZr1
-rDkY5gebuQ7aunNCMitkU2HT5ZZll61PHQIQJMJkAAFeK9xyvhgA5th0G5fRDzBg42qeKPOASHSm
-Vi+8U+r97Vq4vSIlWz9zww5S286sSvfUUC5yrjBMYLLDMYkdP94DBN2khVf7SVa8urki6986QMRG
-0hrKXee6oCtmwuwh63S8V6TXN3RkQCqt2+/cqbOPUYe5b/s868fzZBwJT6stQjAdVLGXrOF9OUuS
-KTrOISx9GeCnUC1YI0VqxE4ck4JJLTvglXlrlOm82y4rGrNuuMUsP3Xk2wAB60ccK3kaGnshO/2K
-0mw8G7Faz5LnaAqVKgpDX2MvdJjBNugpZo+XgukEh6G7dMj0d2yphxDu4CoR5Q9Pt6ON0YhnrC6v
-Csb82pLFz1SfX0M3Q/bRpmsGh9gST6HSn0JILoFuqxUqZQY4J/tddDn3YQtAdeUUbzhaL41Likk3
-pk0/gfpktbq2q6n1nTD1R1A/BGAo0dMb41zO+8axDjSRNT7VBph/qEHsDvnkcLIK1AQ159W2KcsI
-UMklcmEc0X/9bajuUPTD3Q2Cn53bWOjG8rVIhg9Ds0yfwhnSd4spQL6nqXUOEcVXhoqLLTq+C5YW
-IYP+27BmYz5g2Gt4wZX9nUTIb34RTFci0pwtIJaQYviotSQ+2NqXW5hIvqQbIGWFjIYYW1CLlGmC
-sGv7bGM1FSkp5MUodR6l3WmApayHGc+Zb9aXvF44CODBMFI9RfSQ8KcsBRKwS1ckLuWBynAWkiM9
-ZqItT72DSuFWYseFm7ziqOeHekB9bZNSHXPdQHuD+qNMPD9Tdy3yCr5NjSd+Ao7R2P155FkCKaiN
-wDEF81ElxpnyO7HXgoTON/4+rkcWpRa9MK59edaD6G7FyfxDh7rj9OTWtZjq+Qp/cN2P5iqfuXM3
-vFN2Sf6I5sLZ1K4Rfcpw36qBlBVFj9vOsd/6JNUv9LDfK75xSEAU6/YSEW4gSs19c37ysmT0WYS1
-B8EDCfl5cVj3prrowmA4nwmxek7HhSwwVw5KLqNnISBO/SF8Yx+t2j6EYX5zTBYGipyYOzgRDnR3
-vhk3YvfyHIfjrZ+XfWMcWX5egv8oG10c6W+MVpayxl3H1nWtSgIRPFbsm8RBBD4nW8Vj0v0JtxwX
-TOCNFz81dltuCjn2O68pEcyBWQ5YwwDuApygNwK3foc3qmxRjDluBQtB3ElNgz9umvoRphy2DKet
-5bpq0S+cMg73FcCxNfnubp12c7qLG0DOlV4U25GO3MkTGKDIaA11Te9K5K0ZZIuHOWqfdW6CxOcu
-knqJd1ZiiJ+WXZSc0+pZ4BnVMl7HVFLdCo11cUSd0vMYWKBwJ2+vhvCuTxnrICzUQ1rIs+p0Nggt
-2754GBM/5t06ArZi+aAHN69vPaxyodo3mf2TZLXY8+rDj5y3IIX7JeaButcSaBMdYX/RaIvtpkmp
-BI8kpiAsrWNre3fRBgkRx7p7dmisIQmYmWhT1Lu7hBPnnviPajL3ESo86/ggU28bKMlNrXau6Shf
-kSFaaMLQCHsSWYmpCAfp1VcSVPrZLnHbF2U+brI80DbhXIX7vmT/lN1Vc88p8XgBtv4VxAbW1O7L
-UB9Rnw2QGEkjCdtntrGeCjKxWh/VB1cntGX0+GjoQD30VLAcET5fmSOLYxaQ/Up0hvnqPSlk9dnk
-jJFh9Wa3iXhwwf85liGou9I6yZaxCQ0TBBQk2H1p0oQ7dA0trjbxpRQxArC+dQK4rNa0zF1icwFm
-ZRlPzEGdZlcdW5XLt7weWCxaQ3+vcv1bOgEPdV18zE3N+naksRUbtm/nhrHVLCPdRQXsVGRqgBfW
-hO4uQmpVkhutpntnJMeSxCRPlf2mw5o1moBZ2QUqVpg/qoFgwpiDOhCQTdAw9C1dNpgpCI16wX4w
-8APEUbRpUjJqA48XJu0tpeXxRiPzkKAfLWnkVymRAwpKXjajtUZYCNcwSi9h0fAU1pZYjwYPBSLY
-qkwfRlHezEaIQ93YnHuhtXdjABTtNFh+d5pVP21pAoAYWLs3yXmWoVNNTfdz7mi9nlhL4EfJViKo
-3k0ogatyizfk0DZ46XDPfRLy1Km6JEuZx9Rw6xxgGkwtW3dXnDusSWtadwbGZ51e7VDgi2sSbIyu
-o0jFUXesu6gfXXTWlEv4mQIWXxePWVo8i6ovN+f8ou8H1tlkT4cpl/cYL/Omqm3pm9wlEBpWM/7X
-a2U3N0efyCtKHOmT1R2LLrS4o9BGljnTS1Fytchl5lsJ96+JN/BxyhjS66glLpO0hEbpq+BqCJ2C
-WwMDSAZZZaDiwfQwDhgoz5Q93KfUaq9Ns64bFsoxZnTd/EhLzn2bdgR3LvotGXQWP8aIzW3AbJlO
-331mzlsGtEPrqGFvJfHFdZ5FnnkQotqVW5D/KWdpPg1x/NHVcChqkvKxlOVxDBvMmwohve6rU6uV
-YqtLhNgxtNZJ6KENzmxUZjcst0luoUyxYj6W7QKVLSFnTNApDjWdmjzj6AMutW+GwM4n2zRx5OD2
-ANyPyiIrbgoZV0RWBfDrIwZlaRFfqYOeyzk+6tYByeVOmfFhWN6jc2gTKWNvXmdtBUrFhFDKymEn
-qkdd9NgzFTZDt0t63yZ1vQJOH+zwC/2RnUsghIlE9l1z9SKaOZeTKmawPNll8dI7omeWBuqW9Y18
-7Ts32FCLxVfIdghedt14TqqaxUoAr2ZinDdrL3ohZD6vjZBwclURknC4+GwME4ARmYMIU2mICWHC
-ichoYrBRoophKPr4WI7BTsoBYmyDhbwB17IOzMY5GtX8yQFdnsOOH1w7BQGcMAkVE9O2G8wnmDGB
-X5WGxgN2FCyeYQQgfTisupEvDUoVnrIY70TdRsV+YiF4H2up3QMKShNlYk7Bd7MqtFb4Jta4E61b
-yUkULNOi0dV9r1I+NtCVXbvuaoxMOq4B30Y1519+7uMI9oEgBC8c7yMREiVaAe8g7wqP0j4EOXfw
-Mujf9RrOsjkhxiJtkzBgiz1bduoH0gb2O/6IR2BVktFtpdfug84SiM3toWKnYhnlU1ff0habn6un
-z/mEVSakGa6u9HddDPcGeeNqeYgatEVC5dCzczo2X24JFodb5FRFX7yRuQXJ2LdrqAaAYgfwDstw
-5vEBhzHABc9boPLWm1fDZTCbejtrDCZWyw+kobEooF+zxdexL0KfDVS/JVVzyBXtN1OzNwz9VOvJ
-L7AF6TEUf5iETBw0vJREY/ihKdMVPXw3GC1cYoCIrIPUuHnOux5GXxbMY45logR5HH8bdvItmyRa
-A2jDXga3PuuxlsPJvQ/2x9SEJ2IFNF+km7QElR80Ah5qs8qc/JxB0iADFxz1JL8VgHvYlPVcDQv2
-UtOSoLb5/ikaQpHQSf8xJyXGPT0QWP8j55Egd+M9wpm2laRV3LyA1HXJt9Da9yVMCdbHYJ9j3WX5
-guUK5ajp3os2/yKH9qWX5W/KIl/62P4aYvGEqxsKHOcX15I2HN2NNmp/zBTv59UUucKQeezb9uZ5
-Gml6/iz6y3GY0EAzSW5Ihgq/NYOhgu3FcqUEShK+lMAQK6996OAGUc8PWKovcl6oGvypicccYlAR
-tubmeE8klkBNeeSRwxdLyUsSudO2466/AdBwN+eXQvd2SWxQRW9YvGDTu4U3a/3Xp6gvH0qYKj+j
-/GAaeSlNwSNmLKET/l2fWSBGjBfQOB9cnAmghca9LkduZ0Hxx07eZjayK73MWKOajwReG32HfmXy
-le8NnIeBeieZfF3+1+ufHYfjnz4g7sjBvuwJ62ULrlKE1hfPzM7tKCgxJ5NPX1FSmYirXkfjwZ1x
-pXNm+Q3D7p64PcbXWf9Vq4mwz8R3r9LpFBHLdirYDiObL4WfoTV/pXN3+ytw4Ny02H4fKenl0vpJ
-7uzSjcm4VJe8KMN9A/h3nYkQSnbTnVc+ZdXwUU3TJY0xGesmVTIlDhpLynNLnIiy+0/o868TRm9r
-bikdGk42fVLAuYxgrbtz8+84+6X2IPyDQp5x/hXqH3/n57/KamriMGr/5af/eJQ5//n7P1Ul/PPv
-+Mcl/gULovxu/6+/6v+nWjJbmKDxdfoP/u2vz5Wv1uaz/fyP6vPrZ/7nf/+vY/TZpNFn8ft/ljAQ
-uv3P3/kfRQzO3zw2xZZOOcZ/1i38exGDa/yNs4r7m8Fjk2jof9UwSOtv0qUhxTNd3fJ0lwYBRSoy
-om9d/M1zpPQ8i/2JzqLW/H9pYWAv9a+d6LZnuIZ0YfMuH6Nt/Es1mZ5TcBxoxK4AlgI3g7o4ePUP
-w5vJjMbd1dRIQgCX9RvqLL8VbP8QYO8f3DkXq6AqDwcowT4v2JHeGF5Lp/2ckSKOIsK1SO2Os41b
-+IgEowgZFlYBbi/8aJVOM0wynZzkcyqwDeZdDnHANOa71cptP0Kcb6ui/ijqhw5U5HOiLcB359wC
-8ZQ9W7b5XYkaREaKuacprIPuqTWTEoPY7DhkSBDGkdHOsdZ9lp7CD0aDDnkvj11VpYBi5pXcaO9u
-07z3DX5QiNXjymIPb7sud35tBNM8bNtMyy91RvK7DTkDcif6LdAVCXIyM7lE2fFo4R4yfVniQqmi
-n5rGSJl5bnJpcPwyp3q/UYPYpcRHXNnvbg3l0eUwbkcH/wCQTdN9N2T6i7LwBd1hr50lmBWks19O
-Vf6QmDG4IvTxdcniDy32HZqQg/esU2yD63GrtwLAUB9/kOmxvsBnkso8h1piYCbpKEUg76hcI0O7
-05tTXBdH+RfuNcv6a9RTP2CsKYkrn9xgMO9SH+Ulg3UBOdpE3OH/gnt1HB24ZV1j2hQJcaqXMLzw
-tdKGlLNv3EaaEdyzHDRJPGbDjyzD+1ClYXTo64lxviSO3dCe9ZqG8Pcnx5u3etO9TpHMKME1CdZr
-8THXQqwfU/mkmR3QA27PuWU/QKidzUSHep+o99CtE6LIFDx29KWuiI7uau4Mn473ZhhYIVqZeL/Z
-BW1qi00gk0R4qluvfVHpPakRKKe8sHdmjO2kaOIaQJJmP4VRsNfGKzSV+GqN3tuMIfkS2TnJM60n
-fdbU+1Hq7kvv0pdDUNmkb/mUTIa9rhqr30CcMW9//WBOzYQRtOL53brptYjg1hBD/TmNSmzBeI0X
-asreAIcwcmCwPY2iu7a2oJ1jcICIJ/1nlTklUhzmidpJ7kHhjG9IUa8ZDwoiOtM5TmEyp/l0pPvn
-MIWV/tF23sbSR+tJbzEvWAZXb5y0+lqOSbTn0V0CZJg3RktsqrOgfiQBXdmjWqNirAtH6w6aZkBY
-ZTayCS3OzpngDbs3fFsbu0cDSSqQ5O1uMMDUUJt0yzriNn2IHTFPEQ/aKVgsExl+pqzUkDxIQ1RC
-Iy6Rzu8E6k9OL9irous0tn2eNN52Jh/tTle4Ugpc47xExDnBjXSM0vTcUHx80CYrOuo5ngRPFFtb
-5ONe0AXlZ+yVaHV9KlKwOnTRv5GOMUmWCzadapruLZIp24vqVaduxSha3Jdu1L4GM9KRsTx+ZeH5
-MAFpTYlGTJ2FhzafF8Oxlc1KjG3y5NI8g35VPQxhPtPXnB/EYjKh4nqdpa160SO81Lb0oM7kqE/Y
-IndEJPaRawenjJnzGhkalv0p80WjzpFXeDvPtHaT7hYvsyHekJjWVhpQVQUEdNXREc5OtZuPdt73
-J4qumjX5knKXCfMNE8dwKciLIEdM0Gy81CdS5uCQnWGIMTxW8kUsQ3fr6qdomIxtb8a/iRd6Fwfh
-lRVGfNBq1RztUp514jas5izvaJBUCfpew7EGO7tHRFvbcVTvTBsiNZuja2/PE86+wN24dWVe41Qz
-NwKmKQe4gfVjsSAztsevLBUPAvA8KKCIPSgnqRModUihPPO1KsC0pcFlrqWxNUqCoPIn+HYaaoTw
-fBIaOu1t6NsQXq+5k1+9JHHQRIOrpnUm6SHPtxB5ywxSYFCeVQ9fVlT5dQ7yb3wwv7QGhSiUv8ha
-HuxM3RqQYLAvT3wVPitcBQwr2jcUdDog8XuEghYW9uqrprJ/N/nwOTck8VjpPCKwqKsWbYT0gVrz
-8nkZEaesxbK0hH2wfyCYAZM0DRpwOW4eOpQp/k5ikx8VpjR/Sq9RLvfxMZnmW9tgQT9NAjR/H2Gd
-ZM/FoP5cV+Q6J1zY0A9DkNmz9dSyhT9SoskHN6grSIZjpaUeFg8NI0oM0SqLdmFj3sS4pJxH1p6s
-UG6JpDmy58FmBvEBowwRdDf1Lika+8XYphqe8WmxHBeg6jWv5Aap2dQG6UlzdJKSZ7nJVteoHfqM
-7WkWR6t4CM3Kj57R3GKYEfsgGnZlbN0H7Isfjtn4Y1tP70kuQFSApNoaxCb3utVu0k3FWfyS4DM4
-Gx7QtURTFUUhbbH2whw3g8UUMxdTvw9YkuIe2qZxDVsSZMmdVchbPYQn9oDtQ9SS9LeMrZVI7SeQ
-SQ55K9KThTbtncTP0LwPtcuHvdh31ijVw3rKYrJ9wR5osrWNavdPWWksKiOOKehldGhEnbbBaO3t
-Aa79IPgiLl0C8d1CyL14yVkZTX3L6S0GQ8AaPJEOwF/mpCYRXMppDRkLwALkFwh3lMLy9TANj55w
-z/XbEk9pcmbDgTQwa3/KGtzOBVwfSD7JoPxwZ4IZuA08zD/I98mtyzKQkaz6SKovyNgHOFlW2ry0
-CwtDE/vDjWOh1Bilx/sguhD62E8lnFBlOY82NSXVEFUFDIB1r0NtQr5vJSuOgOYagdNmRa8WiraW
-QIf2LDa5+mtXdEgqGf+qTikCjdIZlxLcJofxVxC64rXTQ+i3Z0qrK43CRYKO81M2FDrbvuzc81BL
-u6/EXAZfQUVGa1jjRntCEqPpU6IamEY97bjGII/a+iO0+nePkYrbAjkPEk0r+voOhuBXA8mq1i7G
-CWsozwVmOUKLzcpKewOJvEfath8WFU9kjgSOhaZPnxvoC4r/UrPjbujkvrZT9lVxFxqRYsqSbF4b
-Je/xSu17E64bPc4vorL3NuuXNYMzEF1qa0pLTFuPxOJmTBQWVYJrfUo0RmPHrAmcB6Oe/Sq06IU7
-8NcUcLCPIlg5mN+mNPenHo089QyCxsyYC5CWTBA13YTYIP4V3BshPOljC9aPzTQ+0nSrBfwDDEjN
-Xhp8RPHb0llqBF2IAVfYXBFZb+mshXT8thjaaXms3y3gzavGMSiYn441W0y9pZyE2FJAIDOtjtRI
-UBJQpd+Sr76uY3PRsWwWCwoh5P5ne4nfdCPdI2n2jUuXUT+ividOePYaSHLAm1oUhdSefhBUAZA5
-7/r5PDkgLuUbxlAiuYuoWBBgr4Poi+U4MgXfbEuWZ8zQUM7BKPL3OE5aYXVtWJoYfsc1cB7p9HLd
-x1/D+2yG37pp+2GpEfYk1Kw1/B4r4PfoiLb1AE88Ir/ZvkMj2IMy8PUo/hkN1MAIlAfTQG4hYlfm
-LggjWFIOA/1fn54xoEW5I6API6z2dIj8SSq+HhLvmDRRbBIVPICmSXoS5WGYwyMbpO/SxTpK/pPW
-QXTiJUV1dZBwxjea7T9SONuDnB85L6qFoRU1+UsOwl+zrnEi706v8QfKu4Xq0nRLsKJ+T+F94tGn
-JcueNqSEk5VJwxzUtu9WZF8mECosHe/60kCBjGtUBuVtwWNO0u+mnz5LdwsXpPC+nDB4WJ21q2zv
-Ec8hMYv8HGbJl14zWeTSugplXvMkeCySXtRrf8AZUfr75FXaIy7UOyG2bVAnX3ClvzqiNjHfRxIu
-vKcI5x0Vv8mx+QQWsWqIvyj6uweVfcjsEVwg2zqdxeFI5SoGRg59HpPL3+8BiHKxSbF+cw8V12Lu
-sSShe+IcJHrYyTtf6B6838v6vSjiL6xfuBDeYdTgSqveq1Hcqdv0HU/eS4fFdtbelk+vrrPvNnMP
-WdMBOdHir8Kjog/Jrouie5QOz7pJMG2HX8ltAN7lRypeQaAfikrEGz7AivcK1JmOxO2Hkri6ApCU
-+Nmo2YHCF6gfEurkqhk4Skr2kxlXrZVOK+7aHqtnxVhA4GNeC7P5GpGCIZxr4cEYsMmAd+7JRHDb
-iRSrjC/hFregLXXC3xqr7sC5AS0AFtJx1WnoHzGoAukJ8o8pOnIvAUWRr/01ON5tHvW9PQ7jxSuU
-n2Bo3nkpIDA1m0dXDkdLT/ZuazBtZD+iiUxLkSh7F5C+4ok0igukItJt0a7WU0F8NL2yu4cEhMOR
-CSzOWKO24K4x+xAor6KjCXOIwFrRnUrIEjsijohus3uo+246NgYkYgicZMqSttiYIBmgKWoUbKTd
-dkpqHBWAm0SLsu1SPbiJTFaypOvJTiOvaX1fn7SU4GXLpuMng/Jgq1+s7e0nXHJIphMETntsom2f
-afM67NL6KBc2u6xfOG7fa7OrMJwcE77kvEM94Prl5JwipqN2CctjJNiw3OfERi7beKjPKzKEhW+k
-cBSJ8VJuq/V4PnSmcCLTGzFSk5W69W1Q5d6riO5JMmKZIygYreIdIaNFvXfepioWBwTbO0uO4Vxy
-0dUHskYe36TTGPX9mbjDAZxJcHCnEgZvvnXyAdWv5YFs4ybaaVVibMfFHBm2XuR3KZR70KrMJx7L
-Xh5OQGhEemxcYtuwqCsssX47JekTP3GHfNeC/SbwW/cXxJL+ouWeYjkD2ANrJ8E9PSDikxw66O+b
-VAJNHcc3y2qcN5NvjcdbkvIUu9wPw1Q9daH7FiZioThK6gC7+IfnLn9/YE2v5FK+urZ5SQWLW6Sh
-X3kUQI8FJAHEhBuinYbB0Rn4qqUzgCFF18TO7TqLbF9jXgyvPiTRkFzcLBVERAcSuoqApKW7xiFm
-e0jwI9T2lWDzI2y1ZDPjlyLGwOksPnTF/kpE9nOg87KOK4zcWnrDYeVtNAs8TxURRRSexXoigFBb
-6OmuBKEy72nAKNdKad29rJqNOYckspFLrkbTbUB/6qd4+UHLiz9WnjByQJlAGscRiHgxbbpS4/UB
-3fOBBJX4iai3DdHzwQMgqZVBtldpcWkmimubIG2BdjsrW5fzGdwjHUA68S6cb68Z7pU1EvbnOKlN
-XlfjaVJdygRLhiGxtfYOKTcjmkqYCasVpuPJWc8D15CKdbsMAWgawsYv7FJbAA9hlLRxZZHc5ln7
-aojF5x46F2GF8BYx3a7nZnLPFBnzLRCArujl/lMak/ux/IPChI1EhQzDdeoladqWk1z/jDPtNdMx
-Me+KxYnBBeWiYaxbDUEU7mhl1q+Djjg0Rs47B+DKTAVIy2LUTux17ZWZNGC0jP7eTQHymxW9aAVG
-VEelv2lCeIKW3qZh40uUJ3z29UYPR0Z7CJqb2c28VUn4YmMbW7nUI0IMmu4ariBV6jRe1PgGHaqF
-wTQZ1glvyz60K3AbtMboc+9upv4CzSl+lK62H/TcQqIgKppR0nGCO8LqbMIIYpiEsJL/w96Z7Eiu
-ZEn2Vxq1Z4KjUrnojds8m8/usSHcwyM4KmdSSX59H74sNBqN7kXtaxPITOSLiGdOU+q9InIkIKZh
-THepj9QVM+MuqWqWRviI0vEtwQy/tRqTzUlGcTXpBTL8df35D3y09aZV2GYZLQtQwiZIIau2EnQn
-Gnz2pH0yXPQwKhhtLvG7OSuHno9ip1zQTVpX2c4ne4ZdmH66+JOhNDuxcXkPBndmHoN2rSqI4HKY
-1vE4gIhCxljDvGx2Q7eEjoCNFEole1txk4IjZ/ASjTlKtAkemzOVhLnLNnKkgVxGNXZHGzvHXGki
-PE6e7EpsQNd/fhEaeIkDgRbztgS10up2ZQ7EaSszsGgMDTQYLDKtpFQYP8gsZBOb+5goE0P3qk3S
-S2C2FCj2NQ5TNPCYdBB7U4JzmDrjo4iuiRuIs0gQfpHHFgrGr1G7e2W1O4fOcWhmmAwGqm/99KWA
-mmTNSYTNAfAgRynm28xb4MMAOYoJl2PbvLqDjtaViVnKMMt76/tfqUHMPE3YqPqDSUy2VqeEt9Ie
-J+1vGukCXkoD3ym+kCdXhpTUdNNb04nqlzUVxZqHoT/JrhxeGmY6qoByeu95r1n5vLYCvteiw9Na
-Wa2BOROAkmDvudY4s7jU5d9573HtyYIPNw8zwCpEtVK/4qeGL1W22UJ1fbMtH6vtWD6+J1k1MPtj
-fFMlTQJi8qYD4uZvR1O+4hT0XSceFRiwtOnJsxLOYMt9cVm3QXeO+oNHsN6Hl5/H/Ytl9V+yC9x9
-5xHzbGg6SlpnQClurKOf5Ze+89ODGifcWb4MMECVj9bQuDvVli81rrFz8z4PutnrdE52GGA4c6c5
-fBagWlBnk+JYt4o5BDJRJ2lsLXK7B+AEAGxRAPYCAwd232DT2kROA7qXnnzjuemmnh16QQDYx7AS
-UmdTjOSo+lFZeJpAu3jJsZ7ifbZ4/zDE0xyU0o5n4PNsm2HH8lDtPLJLoaoGwshrCq7M+8TuKYiS
-R3owAWNFHnakoT0T4WCFPbXnqaEbyoc045RPaYcIVyUdeqxDuoDlZ7UQleK28a5Bpr58ngsaM2lg
-16w3MWoYO5vhgCbDIkAusLs96y3QxYptOLJqcElpumi6b6vt3y1VqKcyHaNdOoofGUGDqgoenWXl
-8sAw1n7VPT7lMZ7+ppgoZjwsdiGan67j7jKU1nosTOOcw07cd3MksNN1TAr5qRapusAu1tuYFMi2
-Mr1vipVcLOvcDAk6HJNC3kqVz2dsu8zjEeCDHFbnhZZKfmtIGyqV+yIv5mstjXNWtaj7KVGuSsEC
-NzMc3yaWuFVs+/6KHA4X1CHPto4fnRMbCMgcQW9vyNAyo2sXdkHMEmOcamApmDKW/wZvfzzb0uPi
-2SiPX8LbgOYA4MZRa3hWy20ClwhuQG9N4csMCaRiGGR232pmeD2X+mRHUI0IdvKSL+zvkXQ1C24Z
-QarGIKZiTsuEI5InKV9jllV7X9rbTAHoi0172kVpQHoaZaD3y+Gcew0mFXbp515tk5B5XjBGnPOo
-/ssgMB1tHU/HeUp+2ENnV9j4MAALLAiu46b7OeCiEeYsF2mDDtd5Lqtd2gXP2eB3W3oiP8aKtLs/
-4KCulGKSNpWAgYsfwE2Gmh8GWwEkEYLPpGTGkdiyUPifaNvY16G3RKjt395kWvfF53+HmrLNu9g5
-K1Hs2oom7Q75du0l8b0vSLRaqKK7hqZqcuq+s3OlzyWrYDXmmqJEVu6xRtdztVP1+AfQR3SC71Mi
-FuSgEnvMR4gIkl5HUKpVDiNIwumCp9pGe9th1dLB6ISyu+xReEh2ocdpDhw42/B/SfBSc6MkZ3EO
-fdYpSOgnx080JMLJ2gwDIc7IW0ud2HtvBi/lS0JdZBT2mdtD7rNc1PIZSKI7c+MUubVpK3BBHmvf
-e1pd6zC8211evGdgdm1nAvpZZtU+CE/WbDd0p0bTbrR2pd+Om0En2xotOLR77+KF9fuC1E2Rze6D
-QfGV32Xm1V/8h2G1d60gu1XjuBa+bbI8ZeHYGDViOv41AJzfZRAHsNYCPPfJeCBxSQGDITBhteKU
-JeOfEUrck0IgyIf5B8e1+wr4908d095a0irhFVzayJ3dfN7IhyzHwWbxFS0cECO0yFHPydfEh6C3
-F1v1muSRdXHUsCmW21vG5fzUsBKsGtEcos7B/Sm1Re1kw/ubAN61bT1SpD7txgP3KPQNrhMLZihs
-IT/P2rtrh6otP+VOMFC0GKcuiAO4qpYbduchhHIQIZC0ZivXiJl6m8ePyGaA2br4PWqbdBsNyAqF
-V+4J+f1A+lc7ldnzs0cTeUXYpTaj6tDB1FpVKL73dGnltNJ8lyNAbfI20vsqZxWMgLqZ+mx8EiAk
-mVTee2eKPuxeYTcnKte1lnr1Y3rJBAExxJSJhbjzjcw/bieTw8Bf9pNd2FAmxHnQOTxksTpig3PO
-adD9HUD9YoGT0U4svCgLm8ze5G690hy6rjU5N0VuY2ghYSVmkZ+bpgeVORCGsPBKVpWfb/q08zZE
-R/9Q0KHWugrVAfX3gmByiMbky7NCe9P15E3/eWDbDGXJ959yn43mCN/mYeAZi6ODV7jRuh2CYCsT
-5NWJhdoUG7A+WLZEQqIEl0+wVvHuzo8InW9zaX/PtTi1u9KhlbKszljAznwIr6Ub3EbTOrhUuMCE
-rB/qwN5OCjZeHyKNVJI5CiSgF2HZN4ddl5TPlQUDXC7aWCx/T1PybXc4UqjCZj6v/5Yx9CEGtmC5
-6GTU3HNMdy3DngC4auRgnXKC2XjeI4gUiGIGdlu7AsEXp4wXBEbXscm1lTCq2nMF/VMAvXqI06o/
-sXl8lsD/mbXXNT44HmBrHzRyOoKJ+GocPHhhXx+K2eXNS9dC6/bwM3Wq971VHJqxNu6T0bzAYTR2
-Bmsinxn5EFPNwrUGQFJBzfrUnIh3cLVHDH+oFuvlXNUJSlJLPjKhDIznd/DFKcfY3of1Koy8AmzS
-dDfHpuBlIK3vIsNIDsK2bxqf2lvjECJCrMeI2mrLhTXVuBmeNwuLZJOKfSLm/FQCeJXa7m/8HFlE
-x6iP4fA25fDn7IRiuMA3phN5dIpFw6RnBejOl2jyyi15gASzG9x35fqED5RnbhVfGZ8mo88luI7X
-vfwwwx7xZd8aUf/ZC/8yNIE8Z2Z8iICL78vS+QpLNJDeSsIroaeH0gGfOWu0BD1lHUZwPAjALQFd
-CXBFrjfeOlPo57AtjxbEXrA/VXlOnGKTkajdshIoH3Kpv8yC4MMw1au41sYpT/13247edFriGxQZ
-OwkopKnx1yNORdQ9OeRYePofAH0kjMNT6uW3sC30lrabA/6uDJJ1o87mO+jguxSw7qqo2swcUINl
-RpsmImWA5vXpVtiKdNdQa9Q4z9yvt6XCLTt0DSTDJGVL7xZ7owru+a8pNtURq+m3tHAAxM1LEOLL
-jQVquwlaJs5jQaYxsdZaWASBg9+jQQIXmky67jB4a4NhKXPFwxRnZ6PobmUuzP1QbN0IraVs8fuK
-+TfrsB0cynZPf8K+CvA9uGN4U7AHfHEQYZPvPFt8EmfsN3Zj/PQi/J4cvIKWUclVLHm6xuS5Ih7G
-JGl+ZVBaV0aUEmptnwPYAWBP1k1BaFLiDUUFLRxSQiIFFJjN8uQguiwpkCfYcqwaGx8XvKkhIhf6
-seWKiaN5XNV+i3+T+ghYPAFZMeO9mOgjoEmizvkWzW4cb3yH4TyXO9BGp2Ic0wMu2GUn2/7RaEEE
-BsRv1WAoj38NYjh5s3fC+H80gvE7yHw+nST9GiL1TFkFLeAmjRdTzFw/MPcvf/l4Sc+EJedOoJ9F
-WIMSWpwdcapR58bm3KkGS2pDjZAjyY/nYzUdXNXg8NMOh2sg9yio3R0bor8rUQYwUMS8MwaqgzT7
-XWCIIbgnCtHZh90YpXsC693CNrSfAvc8m7N11fXwBwap3AirAk3qkpWnVuKaOcjyBlsIrBe289Gb
-7gGVzHpO2hdp9tFjGOKrc9r62cWvXkQz5LUAvDYxC5ZHERQ0gA4qitKzP9nJuR1N78SPBqyIcSZg
-QkzV6b2riX3hhX62FStVYkh6Z9K18mbQpxADg++UhQa/bkcOCi/HOUwmuOxOGDt+WYLaSVLHzrGO
-yycZ4QBqmoq6YCcEWhyxXHSa4hHk2Hlsa7xttWc+R/IRYEVyynuih2U/TM+Ug1OLsZ0dTz07rnih
-VHbYUbHAzZCFoEuDxpkWGPnADFNgvJicfdzhsi+xI0QuXbthCZreHUukhwAYxKxic3kvQ5MGcb9u
-qaYA4dKTBGM5cwyRrXdZRjf2lDwZk1Q3u4RDNcHrB6QfF1vM2OpolXrzT/7OdXJmIEpRHnIF7Qb2
-UkrnrrhRtgF3uSLz4Bryz6RaStrMetwnIwQc8DVn7vHyqALPJFAeXloh4NGOzHs4Y+mMBsO1omU7
-vjHHwKai2rD2+m8BaQFeao04+lp7pb8LQtrhDba0D+XQuZxCPXrlkEy7JlbkmubqhgF604+gD4BN
-IZKZvtp62M5+efVvo2Ucsy034GxqkWJIhhrHtox/Qqw4/CENiP1oOMwum/jQR+oreMe9BwXltS7h
-ZWCGOEMEceFXZljf9KAikd3dWPjzKRjoK1Cengskmfx2Jpd/n6ylVL2HSQB59jHSg/lSp91Fo9Ud
-odKc9TjG925SXN+z+D3FlR/O8W2CYHjLkqjfeb5zL12a1XqPnwWktemBfpT2GVcO0bEmX668Fj2A
-PWJMVPUZHyCJD2IKzso2HHyjOUaFtpqoMEKt3tDBHq5rQMb7wbQ1lDtrvCBkPNbg1jCUc5ELOCGA
-cL/QBzweXQKxNn2Se4qE3yE3xmdrNlnv4qc6emir7Ai3PLY132XEQexL/s7xB/LQxU/PGzwqIufC
-kANhv9YCKRgnfwLc8N+/jG1XQlNiUup6Zzcs5bJAgJIC5C4+hlhK49gUQ/s4i/0/Nvx/fgHkRHo0
-sE8mPYUqTfAdV89iLBN+T8UROhxiQW4ZH9b0sQwrgGmYk0SiN059cQehf+Kc5EVxiOdpuHPWkYVP
-yQUbVb0ymY5fbY08kwQNFo3JhKeOk3mNQ+G1zAO1130EClIFVOoADDRHGGFZLmmFMpdKCdVeYfn6
-zIGDRYrIWjutzl+5cJT3eUFQ+NyfA9NeQr4htYtOPgK5qZ1nJrX+kHQq4qrHsc2WjyoTe9JPUx1/
-xlUQnanwIodtWmoL6oQ4Ct6spZPiMiK2EdUuXgYt6VvU4zHwm+Is2zzdtj0X09EZMJNlX77uxpue
-6G8b1h+6vZdFpI4GPncMYpIvDVE0J1c3BXf+0MI5bFPrOe+H4DWoM42ZLvxtFrRYTUX0G6fMq6n9
-/HW0fJ9Zlev4ZMHinLOvtkT4Z7ftLE88rGawElkLRMLAWATTyMAuYuIGAHARnue01k84iFzabbBB
-D1HL769xBLJ38FiHUQlSGhD0RtftaJAHmp+PjnHrEWZWJs/zsa+plKIc4F4V8C4CLhnY5sFMaAic
-uAQ/ooHr/xgBzC9D69RW0oQfItvrXGFlnG1WkIFiyIsdhzhSU+JKCe2t8Hxyq6o9tiMQvYp21wJ8
-UqMhFteD/SurHAihdFLYzj6oKXcbG2JCwu3Ys6Fi4m3n1F4EV3klcfd3ygq6GlqftXLxm+vhvatH
-qqjICazp9lg3OXMpG89sZ5FkRPvjKu7GT+6ivMsxpXpzsXIazp4XQf7QR9wWTZWeY/Wdk4QJUvTs
-qbmhBI3gsCFTtoNjvBhi7PkgY80C4iOnMfCclsGdhqu1rf2DZUnnsxVof4PZfU21HE+GVUw3Hmq1
-icWQYCfBpxnjqwIDtf7HFPzfHuqXqcIF/fWjkmKdtJDJfnf/pxPataSNnfj/75++fGGg/mrjrvn6
-f/xz/+meNv8VWJYTBNK1HFN6gfsf/+Pf7mnf/pdwMUJ7vht4luVbeLWLsvnHJW3/yyShBAPAFY7D
-Wtb63wZqy/uXsIC5B8KxSUpZ8r9koHY9yZ9S/ds2f/j5n//BH+BKl75gx3GkwI3s/18Garuf4O8v
-cD3EdoJE8MuP3fKLJl/z71/aNM0Q3dzdXIrskFXdIxBTEnBJ95qMUXk03A3F7Cwjw1g+sUew8JdW
-KFPIRLZXbmTK10qkJT8Dr+V7iM6AnNHf+QConTEDIgfw89dzaaIFlohJuVe7G2BnByTkH6q8p0vl
-j+XW1oD0Yhv60ejlv9gOP7b17B07tzd3cVWfCnLN5GqiYjvJ+dsDhHCqUrjWNSv02FXHWbLwsnxK
-1rrcG8HDcDuJm+GtyN321lTmJoKEFFrdfMS5S+ZzCN5oiJMHlJHpTukTSUSqdnpY5Bi91PvsNs3B
-BgmMZxq8Muedv/fVKLeVS34YJXR6sJQ3XPD4ck75CZx4RPPMNebDFFS3boIuMTBUH0ei8vnCXHGR
-NzY5rgTTb9FZnGLnIxr2rvmUEG/bk4RiMqhWBgySZzbA7VNv/OTMUqWhxiNbHiBZNdXSHpiCZg4u
-kEv+8xfafxljMJVSkGtiMZ0Se5t7+R8SOujFeUTpeJoQQ/cWi+nATxTYPF05CUuKRMKvajGuey5a
-xgSMIDUKsVSte2dgNgOY8572I5I07Lfy13RS2VkRNT6PcfqaBxbCvtG3R5jU5WogCHOJHNh9qAy4
-46HkWkLn75z6f2yHe63VJc+jO9ziQHGLFLL4DGFSdnVRfPQR69HcSdDkink7mpJb8aTldjbN6pEN
-LFTX1pxP0qMFmOfqDdEp2vc+npOwmCg0MsmauF+6SqZfqUuOU1qLWQ4wDSzLZl0sePfcnf4E4A51
-4T2ShSgviGbsF7XDbdncVbr9i+A+b1EZII7Y0aprWVuXGOBmUtyG518Ylvz9Lwk9jbs7IqrbTZ9C
-KnmSpLm82kC15r7JEpHGx7DP3kPoCk3i1DcwkUxCfT/u4kDqp1K4UAd6s/rR3dmrm/7PshOgyBeo
-Udz4tGnPut7kudHTHglauix6rPN0O46o/sQHLPcc6IWTz7OJtFscKFA8aspgV/WU1+cp9DHJ1XW/
-iXRaH/02BkW+1JOMPqFRfoHFvc64E5a4rWNgfCTmvQJfsC8icFVUqh4n33+My2bh6GmQ3mVLyMxE
-zQEGjjtc/a5DikN5kPjOhNZSvVoWO+oA3EObT3fRqjtsYfUWUyylLBpD1GRlv9grQ9FMjR3zKIh9
-VLSzN4lhy3+44UQBiDT6/kGrTKwXmPDGMqmpdawrG+plmp86CMf+X3ap4H1wXhO6L7ftt7KhvQ8S
-sbKHGoHFtzSJ707+LbTHg8cmOppz/eFwdFDtzLZhSqtumyFYC0dbH+2sXrIh0teRxSOUD4KLRSW/
-pyS82MF1mKT1aU1YkfvehOKHxW9bxFBLIf9bKy9OexDr5m0ONP97pglMGx1kCJB2j7wsYhDpSxNR
-058X1CuJfHDdHeKIMfvRMR57b2MU+bQTmGMfOtMdcatRn72l3IyttVt3WwsPEBsIMvVOC5tBF+EW
-I3i88zSXeqP0jHPrdbhANnNHqrVTvrctYIdgymT2r4dmOmjrlseJexHE74BWcxcm+4rcEQN9ExfL
-sBMyWQKSGq1ndoWHppx2+Ygn0mImWM2h+TN57XmuMRyUBiIvq+mOyhZbBh6JDX+PvHUne088sE/w
-HYWgmOsnc7KKXSHUoy30WThouKRRyb/UNXteRgCjOQMxTTfekoiJZ0S1qLqCW6JtyjSZXSSdoeDf
-pTXqk4O3zprbl44+LKiD06toEopcWmGtVXpIG5/OyATzidN6l34ef9kJe217LEPQEXqdgEKnQX7n
-OCkKXH8i84juJuzr5HggJUz96STFt2VoEnsq/eMbHdZsh9aYYf47JQZHpGWsZdL5Dw3pczWkzgOY
-AHDkpnej6OB3DWthXjoVm0EzuE0buFNvpR2/zzngsSArVg2kgQdOpV9DPO5hsANbTZNyJSS7wT7/
-aQaq1YOQQGgfWdRR81nHaXpOlfGmKePuQmDRY0DAfXLHo7Yo+orTYy6zi+9iVmGUfjBi8dfKoooV
-V5E8PA/jKgioGE8yaHmRNLdyIlvBMg2rLo4DwDAeQZ8SZzwgwrURYAjlzbDkMzUZY5ACVT7/HWbK
-ExKFfKPr71oq9tl5Irc9H2JcoQnRaHqto2ra4kiv+ceOeWredTC8jL54KgNxHEdMrGlzHqyKN99A
-VQ+4Dx021bNaKkbcxn2YQnvFM/gICppbf4dUoiLrpS9n4HBolgEWYy9FapTRlzCsx7mjiD3KgnXU
-4UvJaJLofXVwcCsihOPcJS95FI1M0f+8lNp6z9j2ZeKspsFMto4MxbrSlfsUhZn5oN2h3ads0+lp
-dN/USKQyFcObwB3puBFst3bJOQv74DbwVflNf/k1dcParaGJ+3OGvSMprkOeZxfdv0XYbs8If/3J
-9DtcIL9yp6xv2TCO9yBxEOWKfk2jA84J8PtHeqbWpY/KlthNvkbrDU+8xH4VphnvApLTdOQG1QgG
-orfXaWrvSh43LMZFfw2lfjVmjE0u49YDvKfuqWCiCvv2d03c+clz2D7GE+6ROmRxmdUF9AJKzApl
-zSgUabLPMtoEcpf7QTl3V1TIdGuOR9Vb1Vvv3TEQFLu8qIedGUbWSjoG39lKu+fKUd/2ID8zm/RT
-iCvupZcf5RjjTo7r8Zoqt3sYgDSttXbULjEPce6WX/Mi+BV+r4+p43+ZPdpqgMOD4kHukR7MXNRW
-IqKt8zEYpaSYqMUqrrJVhWP/ROsgRau66riWpOXKFoXaZhktRxTyNrDVLW8XJZAPhMdjm8jy6rrC
-p+dBdke/G8E6uIAfRPeYJJX5yIOxFIYSHv9ozeTJ9PW1NCy97oiSrUYKE2RIGkNb2NWEWf8CtNwg
-LLPOZzCWm8ztAmau7BIp4P6c15L2jv7qgcu+jYJ4vs+l6dgpk4wZvjLhISYpp7lJTPitSVmLzY/8
-FFBTExTy2Mkx3/g5aWo76rxV5AxUOlJ7sbOQSXaTwTJnxBM5Ev6Bj1HdJU4KXqmA2NrKBxkNyKv1
-ieTw+YxsyxLxboX4XMzo0RLcmDz/R3QV3iefqkzTaYdD4Jb7OUuTkzLtF9xo2cFK2mBL9+ZaZdST
-AItqbpoUL6z6/mms54EnvyYbYu26gWHWcQeJniONlY8/8Dms6W/iimon+fgyeZ3cmSUC5xSEbBYj
-8xWXOvODCs/l0F69hfFnx4QrFKMvqa1+VSrHOEVmxWU/gAPhL+R/DKlQ7gVOPiS3dUE1K/vuoDm6
-y0UkpUqEA9JpNk3YA0mEZMj306jRcvA8zI3cK2mcZlWUL7m23r2Jxyur0vYpop/hIYF9zp6rSA+z
-z/q44XOBqh0NCKT102QqwO6GkDsGa9sT+kVr/tbF6J1Yuj9oS/v3UrwOqqiOC3uqsjvnlNvyt1ZG
-d8SuRE5NOHdtdgbVzoIKsijpXoIASk8hvWzl9eO7P3fVQUC3vxcVzU45f+S2CoKaugvy0vMZqMla
-I1fdepMLT4TmQQwsAHGBfZ1M3p3EAaCgto8gQUcXCMDiaezwYKXVzanQBdvyT9M57W1US1XtG+OS
-cwX7yQYz8y9TxE3cKTKoZBHtnnYD9BV+E5fXKppeouK5WXam9BaRw1IFbFCvN3AX0gjuh6laM0ps
-UzK+sDyweCpQSfAdmbXiHjEioE3UsT3KnHIPuSst8S5GfINGX1crinfLWt4Gw5w3Bg25xOr0FO/i
-2NEH9RcJmEIwmLXa9wdYT6lNNbD313D/zmYUUYOdTbdWlj9R/GHiqepCPgx6S6d9CIt6E9nO+2AF
-L7bR2buUz+cpvEigkRgnfK7mdH3RVGHy7cmeO0O/Z4rmQ8Bw+YNOA3OT+h0GL3WqIsrFgnzHB4nj
-OrMeR6v+kwrvW7gqXk+J/1k5nL48P9M+zjBGyCHfgIYmPzcbmzRKr4ldDFdsyzGCBft2TGRq37u4
-RfTsuVenkxNB0AU4XOtHAejxrQg/5/dujFIM0JOADEijSZV2h1Dm7qXpzUsQoycVA1041Il5a77m
-/HWVOOPZfPU6rS646o7WSFM5K4Yl4xGHOzPOMfDJ4K3QuP1rxN6JQXMz9MBprbjmsjV66GKW+ILh
-Gt9Ex/USQe2MioCN3C3ZfNc0E0FG67RwzqBCLHb65RUCYHbO6xxj6/JM9l0AZC4q9iLCLEqI7VBa
-2G/SoQdK7ssLfN4ATU+BkzeMPVAfxlyphx1amr113eTSocFRSZyfBtvbiT4G2V769Z2ir51B/cnB
-q9A/YHbvlFBbIs0lyipLcl7h+c4JyJhp9ewNs0PxI9IeRw2RIF0HN3r1rJWDyr2r/Mq4oiKeUlE0
-exmWIGUpPKDzELIcPWH5ycT385AlrdqXlnGt3YrCYlxIuI18D0wIJ0n0wmOprgzMAycsc+HEApRS
-NOdokXJ8sO0+32SKDapvx8EhcNxPjHbWpbDiHhOQ3vBOjg7ak6eyigPKXcWH5xczda8aAspHT4jG
-tx39haWaGLeNfdicynf+bcczLujgway6e4Eq9eDFvnlLwoGOwoqRpXXnZgdTNj+PSliHKO0yuLzF
-Lu3bZBPiaHvWEUe9Y+f4DKCIXSxZe/va6v7YI8FSl2FDeAMChrbhbiZI/ka8wwzhH+l5PMfYyB56
-H4U96IyD4O9bymrpP1KA/2LoTkW8U4A08d9nOxLMGTXBzmFIMF3338Dan9Mc1DofHIq4/4dFbM82
-Rj/OTJZzDocN4RRTHKDZImywjAx73APjuh6Se760wxgCg3TrMHa44iocbEBFOT9nuvLv/T7TkuG8
-lujDE6Lk4n4SSLdbn3ih5wsW2AglK0V/dT60GwZdej+GT4nf6cFz5n0xPEfKOwru73nA0aIL+Ul3
-RvJQxdGPgTsWkzR9ugVLXDmIw8gl+6CxXnVWuzaUGRyAg+5ieySJUOb41uBMevb0BxA1BMEkLlYu
-IgOBR7ZDIiP5hBVr12CdfVA6uSbcLtcwA2g2TcTaT81ffoRt2krGN2ADO1PMyQaTpdGDWmRF8Ryq
-wqf12f2WY/U4dOthrj5qy1lKSPK3YRhe7QnFzLKp5pqZj3LjZNTV39bQ2yiFAdTOHf4FM75YtPTt
-wsL5a8TdzRsx+8mCc7+PAjbj1V/fUfPODhdXrZwjuIt1frJBgmdtFR1co72M2SD3oTK/S3Ia18Hw
-w2tGWc66KkSywSaMdYWK3vVyJqzcwUuYMDhs+t7vLh6kYvaE+WeRE1UEx06n+VhTPJnP7ZF8a8jU
-Q6QsuzldebUIxF1Sz7y1ETxeiU8fR10VrCl4ykCl1s0BGsC1oCd56bm30XfwwjELesPJJ629dQcG
-NR1nBfNm/UeYhLyNLNQ3s0aKNz4dXxHX8SFr6/G5JlV0UqRMt6nEZuJorkCgwvkO437HmeVa+zYd
-cNp56GbKGK27T6tmZPS3jMG9T0PaB2HH4ZiIuo3K6DOzVNCt3bbkJOyTJ7ajX05Gg2oXmvlGEwZb
-l+TgmPvpym34atSEMF6SPrlzxz35eAw/RxmlK4lJc8XLCatqUsZPKEeCAF/VvfAiwYme1xtpiWnX
-syM6QlpYB71Bf23Cx09byAutr9tqQX9GXfyEG4LCb0bxLsWQ1Yg+WVsF6l1ofaYLoZxZ4MEWnICz
-5IPxjEE/ZNm+hsfC309vnSQ0V0VFKg/yYY2dgmN2Yv7hArgQegjd8ggpuhOOkNw+W0vylicSzJJV
-8Coqac81QvZ6duWhXnffUVLdw2bwL4LgSTv/oJpQxsIht0JIf7fa+Pfg+fT4hM5n5rHGpYMU7SaC
-7BZjwmvpJaJ+gc41jz0zhouAy1TVrorJjZ7B+n0oWh6gGaQf3uA90aJIbF+nxV46N0+76tpQMkG5
-kcFuqXZ4M7SgGHlvP+F4F1EebXiStgMWuW1TlI+qImCUyJZ0mliVJiGIhXYfmzQymB7pfR5T/JJC
-ngaqmMCD1Acuz2qVd01Epjp/qSUXrNmkEc1ov+0lc2pw82wQvl96pL5NQYiBdK578yffvCdxu29U
-F+9wxAn4aweyO94JOwZA+ALGsiipRADSsKulOEn05l5ArsX86I10680h7nE8sbA8PLpfHOdsNeYX
-X71iA3YXuFVt4KSiScWdkwcDmxmVJ4eCc2kniMnSTNdyhbMJFk8Yp2yHXoeS8ZXoGqUhAiKGW77E
-yRRdCpS4MSr0eai52Hl0A+95vDlUuQWiXBNS7hpr3Oo+AEQgZba1PPHXYe227Towt1ElD9kESyW0
-F3Qu6F8cl35DG3HUTJusJPdbRxQuVHTwreZmjKhgpSdgCtceXo2rqmb3wQt8AqNYcIWbvXN7z1ZN
-bjxMvEyixPztp1GPwYq9oMPnChwawNm6iEMy+bjjQCRJfno6I0+uS8LDyKquQxLGWshM3tGv5jNV
-GdZ2qINpa+DEG9XimcDOlsNE3UWlvVyct6FXvY6ETVbJhI+s1CiVYhie4yH0trX9WAzBumRl9+A4
-XkpfVQ2q7n+RdB7LjSNZFP0iRCDhsSUIeoqUKbkNQqYLmfDeff0c1MyiYjpmoloigcxn7j1XuWsE
-txaMnXMEjg3qH4kAmE0OwZQUNbriDSRGhtmyfplnpjJMKl65ExCWC+hkjbSf4K1dYmdhMu1XNWN8
-KOt9z4tTMHiiJ0cwZm6ivPtuosQ8a4gvaMBJUcOXM/VkkSQ7i31yiBLu3lQD2K8C80aO0NOv+v0M
-JSdoeUYKqCbQhDluOlAyVw42qMo2jwahLjpFvXuKU/HXcWVNJvcybJIIC25t9EztlcaWdB7e6I+0
-nTdY/1mI84MWxgnss+ZMXeikTIoqC8VLt7Tk/OZ5vRVSrVmz96wGBzksgGwQFhD9tKCI64hQy30G
-Vwmcdwv/jWBMN/fOp+WU6c51fifLPsxL9dpY4ljFrKPyvjqrId143AaDFx9cnaismcyaTb8glHdq
-GwHc1DFWqIHhZ/sWxmfU8VOBtf5qfDkzA+F66Gai87SMaMtIbB1NHhS0zYOirmIRvWlEVJ4Z0f40
-gio/q16XHhqYSIddYrGgFna6T1gFPUmpB7YGIdNUdxcV+FIQuGzGd7cnHsiglOGRKP/WxPKEVsqc
-gvvkXWeN7OR89HXDjriLb+aoNzBQxDVd7Z69BmWDu/ZTtoNxGExWbhj/GdGBedggG1QASsWldglT
-dWXWnfQuuwJ3AHRT42N3SdIYuKihJT2N+TAfq+h7msnP4vBxPTZeOlJ+CmiSrnNQKX7mGOdGtg90
-cduSkVd7X4n1+K9xNlQuRHlRMrq3GmqupDxMRRltKlvA5bePjSJfPeEL3vlom2bLdJEIGteoke+9
-yokXlamJys7ZCN0TWzfWXosYnqXA3QgzpD7AlH6LquyjK6u/Ai8VkgRAMDa7RCDOG3ccj2W6/LB9
-apheaOXWjN27LDVYtM9m2/1d5wGrJ5nhohIr4ZfhOlnjjtGdkyF+xnk+PzSihWGCBY35SQ/Xf2DG
-3YsRSrXr7014HzRWIFQAUxRoIbKPGj3NHpVotpft8l4IJz/JoXwi+ks/jIzmkxiyHm/8E4jw4eoN
-fSjqKL7jZctI1CCPMjLLKRBIvUmTxwWzEJNUDuDtSfayUFsl7WsK0dvGg1rH+etI0CdhiLgTYzNK
-Q1ksHhBBtmydtqx/OzbGiD6yE2j0rN7tgZ/bc9jkJKkKuINKNSmazuIJjYF1rl38n8onDI/Yqm1J
-jsbG0VoT35euDkk+3xl6RMij4OxXfXJmOL/8qTud0wyTkqdN8c5Ez/1G1kERYHl0D6pK3K10oxDA
-pkTFnDZHTOgL0dFkVqLdBV5BqFA/meONsKvqijlrIQ96xLiYDjkGyuK/EpHlVm+d9tpm3VeH7Y+Y
-M2s/T7Z1zz3p3symeVz8CXU9Ih1Kl05cSbxLD6jm/8z6tTBb+Y1EapI5+eRmVr9MRPB2HQT0pjpp
-FD/M31PO+ihPz7wR+rHV4Btzgu68KXYIe8cW6izJIZtBITdeim1zydkSrouMRpRAOTxjMxN6FWMe
-DDUAfoGPvDbJPrUYYi2TjpTWbJf4bG1zp75Y1DU4Ykiw0hXqwwUOSxJ3h7pvj0MvzNO/P9rKf1sc
-MRxsZasb8cwFPlgv2c1GktxMWmNIqCcQUmSnpuRvUmWdep80wVQl1aOFDTib6iasUkC7+ZjPW9vj
-I4ALYxJiwTE9pxqzMgIDtyCj/hZp7N21oat34yo4RNHmHQWehYPEHUU8hNqPi2Hesn58GkhRChiF
-54hAyaEYGOvxNlIydGKwaIi0R28pu2Ni+accd+cGumO5F36GVc/oxKWs4zfUBOq/eaKtZqq7iXuj
-PjbM6u9AZQRB09OJo3raopKfcOAuzLEr/K9VnV8RxKlrlRTh5CNN4wxADZm1U0C9kFyAvHiGnVzx
-LP9ndEQeeFnVb53YyINIOsvVSqunaumZtZf9dimIpvQy9TAVBhNoR7t0Bb2BhTQr6/YVkhxy02mI
-jAqwkV337tVvqA1EgmoN8OepM6pvTlHz7MEtbOLED8TI+JvMOMbniM2sXOmPDXOHzHP3OaSZc6tl
-JLOkPbsbR/MuUqU9amJu/ai5+R6kIhtwbWDy1F3//RFZoKfYowSDZurgavXxVpBVbzp6f4W6S1wh
-B3VcMVuI64SPoMcTO7q066U7vdfkgSGAcqmVrJYrU4H3zcqrX8qT0hhQRRhJnmuAimId7XaW8vdz
-bD34gKF51HhNKnxlW6uIu9OkMbXlxcaPKrVDz5CEZ6V/cRoCG2kt6GvFzZDjcG3K5ltvzZ09N91z
-jslj61kJakzfuCuiSnnZmO6XSuiwnmfjHXFEQEz7HtHF8OYmpgqzRjAl1xLrjG44ChPoFZsx8+Su
-lVhScd5jP+XJPFuCCLJYWl+zvxy1yvg02fpsCk8BmjPXVpshhsajaBCC6sbLDjPtQ+quLkyAX5vB
-dT/M3HkE35sFzI/eO4VJE/6lb7k3hf0T0xuzF9huVBvQluh2zs3QftHwuk726Fo4aPCasy3fCAtj
-BmX4EqQNrTKUhA12xdtgmq9zK2wIFXie8xHZ2KD1qzg1xTZd3mff5GqduEAK0sTjir3eIJ8c9Ml7
-lXX87foRuEIUY3lNLblzBWlmuEhZ6vQpYBVGkUmRJbSEnr5dEgTq+Ai1lFAlA+w+GWv9GUAgriPO
-5LDIGC2W6pdRcNJZL9ZQvfqCXsGRhKgW0bPFOHevReK9zPA9E2caFBKYXCe+qq4Dvk4viZZff/XX
-ze3UaqHX2r/QeokhhwZU6e/1NH4bdnqOulaGGCGrzfTtOX/c2QR+7SguxAJRwUy5gYObcxvGhVrG
-dWv7UROiyk4MBmiJQl1nzzk5dPK1xuK7EOdsihjb2Tg20ZKs89hDZ3eXOVFBPvIAeBChanKRFz5S
-7vlt1nHZEF4+5uMUuu7ysqz8CxHrV8bWMDlKMni4WLNrmuh/SkPDsQxFtZbRlVpYg4d6dxVLWHLR
-V2B1geSorvjs+zfWHCqsC/1pQZStp0m3oZ06Cbt68/Jx2fcxCRBTQs6G3kIemFemk+jBUbd3ZVaI
-etsMBCoSX1u+sO9CE+s+WjVT+bjFstfOz0bsCbz8DD8hqn+K1n0ZdXm2/KeFlqJ2BMMmbs4Fl82D
-pN7V0GbE+UeU0Sh2Jd7DliBfcmeACo9GXK+ny25VuMMPgIayDF23mUgLDi0w+Fvdzx9yAHaePtPN
-I0UNZit6ac2fLOm7EPcJG0BO8bgVfxJIsp4t/R3BL99RgSQyMW1yIBvjpU/dns8/FhshKlT3Ftt3
-ek7IkjnqrobAGr4ydrtkiVUpLJPYmXSIx+69WTjxJmEiAJ+c3VzzDOEOfCl84zUxCOyxYnb55CTz
-vZsEHAAa+O6BROxjniR4GOUmNEzzxMvm75J4Zo+MDByDg/VFiJ5cu+a6Sa9pujCHZgFddfhJsnbL
-8OZdj3sS/2IG+xKNuWXPVZhOiDTjsYcKdrMkvRPBnvVGslwKtAKwUtzPpBsT5UZfWb27qMWCUWIy
-tKa/FQ5vJi9Qi33XRHya3j0gWFsXOQvY3R8tFw/tSuMDDXEjPfma2mRdf1Vt/gdB2ptNasqFh0ab
-f9IEs5XttGXQ2Om3ZUwrfpEkBq25YUmPD54DIM6nG3DeohqZWFzxlZF3865m1j9iRtETRXKr2wUg
-jvh1zm3yAFnV1PGkbfU6PduOtLdA5EUAehf5RTat9k962+GlE2XgPi2YnjHXQ56EX08MybkGoiEn
-54gY41LiIZkFsXRRthzVYuFY9GxvR3V9ypTvUfg38W6hMkFVVZ/bpdoPetqBV2GbOboE3NaRAAaI
-tQQwAHiE8r9kEKG7jA9dObJeNnh87VG224ncp409jiiiDO5LaXSnukbaQ/Mzsht2EFV5izpaNbFs
-Fis2C/4Yq8AAxlcMqFqkobHQjQxNpp8TaQoYFWSp9AXmHJKvAHw1lvUmkfmNRpAjwnxGz3Vdqsw6
-IIYt8U/a/t6vnyxDjK+1kwKLoq29tuxIJxGv5RZhzAQ2HCZqJd3ueIAxBrEmXf/QW2n8/78hmCYb
-nU67K+xb1A2Q1Gb3QVVUX6JGGOd3Y3v1zPEJeJuJ77ZXR5WZzxNzmLulEutut6yg2DfViKSvKeut
-faZzt7elaVwqpqfDYoinaUSU1MBqJPeUsmtwbLU18Cj6yvk2XDQIqC+uOh9hMI4lLZnJhESGlTAe
-6dPCCk8gozbrIamXR+WOF3cFXCkP/53RO4cRwttmIU8HAb6zNcpVeQjdAe8FjAnDvLjwOBa6owDB
-Q4NFnSV1nrt3MzLnsEgi+2Lvocqf0E2FrojJwRsZuw/N0gdDYRiHYm5wbttnu+Ioa138Vb1xaoHH
-lEWBLDCw3PEWOfDqwHy8CcIt8riPMT/1P7kori4B4ljPQWiQSXdgLZQ+2JJgR2/maa8VUAqnz8V9
-kSx22ZofmtZqjj51plvkil1FbqxjUi7vsjgzMtFPWVkPD1Hq5TxZNXZoVY8gJJJ65y3myR9M/8Ek
-1p3nFFZmg1BELhNKgQRvgBHrgSS56Kz5OmJx03PRs09uYBizGVqiYBKICHKOSYtqJw37wmyPoe0Z
-y2Eayn2hJ+kRNnJQ2i6uKqLCLgDjCT0VZFtpev/lGM2hRS14E73BkgDeH2A1fTfYYj94zRp9OCt2
-HEiWULEfG8enNk60nZa2/aFwDOPEU9ac4oE7aaouKUm1tT3ciUFrbqBcEZQzOUDwPIMqHfgRcVWS
-YWUqEx+Pu5p5q4eK6cgW2PBl5rf+o5gDAXpu94bu+sHipAz1MKiddMo79RYXyn9weIc56Z2MtHGD
-ZR6ioMry5H0wxUdRwIpl2fcssXw+VKTVgW+hb+jMHJE9sFKDzwE3LbzUGtoSHlnvATsycXBxvbXx
-hvKaYkxppuoZFmiIJZGwI6vljQI9SY0IL0pFBIY5MP3jQRNHrxzdsw/z0K0jouQd77ns3DcPJ9vJ
-cIprmVTtS6nrAh/78mbNPacGCsewFwsjtBWZK3OWZ7Gs+h00q/Jcw4vzFnyZk+n/6LZu/snhR/uD
-ar5Vy7Iw0beea1oBgFrr2qFF2Wq4T7YK02RYxsXHzE1mZjTwTMUXO39n4fwOPajc6SB8ZDGX27KP
-uIwntj3UP3/dhjklJOl7Z8JKW1R/J1SZGZI76qSO+9G2LVitWBiC8lK4W3OScHpET4/l4pK1Co9w
-K1bz6ZS/UtzYRxTqfUAeBWzbUdOfmviaM3xye9LIh4GtfukxIFSzhEk8z3tTnIYV61VpUHyLbgpZ
-ds+gVi8K6/ddtQrllWntKoi4C4kQ0JJeYUMRAabtB0fc47nuL42lOkzFw7X0h9fRIkVuNLZDmXK4
-Zeovhw8e0Tb7kg5RB8ZRzsDv2UAhSEBFWjOoApIz4YH8ahL7p2kn7+DLA8yaV1NkWwCQ1qGyEgfy
-Rn5GdFZ8hK0VJ2+8us4m+8rsPv30xno3VfwWYAyMZ5v4MwyfhYmUVDeCUVXRXcOOuyF4qjoUQkBH
-4fXtyS2jAunHIxUEIEgjRbbS4yzH6ntJlqKkxcrafQJRfDNPc/mUZu9CvWqMPCW7lSdDb77jJnKD
-eTEdHn0LQ7g3EEQPUpACItlbhYWM2qmZfeQtVJxZQu5aby1jfQhlR52YMCmkiSqqS9+79O1lizcS
-kVlACvUuxSH1YKOZN2UPLy1e9s1QjEFXzuSR80p3dXyyy358hMV519NUntmIaWl/i6H+PNl5m6K1
-zYFV+x6KP8VeYrHIAeA++PffvIaDgB41IQm2PQuLSD4WY5+ILdXenBl7dM0Vbzxp9d5PPSfDs1eZ
-z/iGnnOzkhfGUx/tUudk+IE/jJq620ckoMZj9ECWW4glwEFs4A43FJS0ulPR3zvjW1ad9xKlbovm
-EKCtZGmyab3UvQGScUM50f3GebSrXBPcjJ5VdyY0dAkoKrZ4u6k63ai75VL7w47dhumTQ6qZY6wI
-+AjJTFr1edNF8iHaFhrICOf1UnTaNdPIEie7dBcZ88OA2RmpKOEKsQaPb7ZUcbUM9z0Ti34k9+0N
-s1m97zReLpgbX2pV3/hN/RaXc3d2++bvikHZNzLLHkyJxMkqonKbpYZ7StY/Rj8lXzI2nheScB7K
-OQGqHHn7dsBkB353J0ZD23EehaNthH6dN3chI0x6dvQKdopkCwOHcjEv6tAhk7PL9I/JGGaTAyVC
-fEZNl0UFb/KKchnrWu6E6kLVj15oOM2PbavDqBcaQ2T56WgDTUfMvpAy3atdYxsr772dIRNPFP+g
-N/6kVcoKqEJ4johJIaZkqUJna0i4UzmjgR62wybyyy2rTcX+YHnuqGeCobGZVzSkmkTeccLqTepZ
-H1TYPpkluozVOfTmmHkNxKhC56dXw8y+tA15rjTClzdWHj8NSSC/xMQijU1wZmkPeVoSV+vJZTsU
-C7ouFEK6ZjYHzvXD1Kp3FO/Lcez2U2KrN6hGfQi/F5J1LzC5SoJiOHICr174DrDaH0T7TKOVvnhT
-e4FQsmaoNbCgtA4lTNt9aSSkAbvIDr1m46yVJZryTA53evVnFjLJk4WtigOgPUYpKCG0Tfo7wIKJ
-4UPGMmgUf0to2Kc0Mt41RAfexkik2saJLkNfEYcZ1dx3gBEInTN+wAOkJ7OexxfqV7VTWPVMZFhb
-dBWc+y5tpJ3Od1bnqPLF4oV1h71jNqePmLArvUQUa+uuCs0GvoEidwYrm42sht2dGsrQ0MsnPPZ8
-U3xUuyVHdphoMCpzjxO7HpAFOkbuHe2BPZ/siZuKVX/gpuW1rSAwzaa4s982dvbkWixH0+aiQDoh
-FcjjTUrJv2Khh6Rfgsr9yfC971qO/StjBZ4ZSj2s+KtAKLde5zoi/sOITgwUOPwN5psCJ4I1dHBO
-c6MIOMjuZdW61wwx6qqMKqr0oqDiPncgPLFWOCduwp/RSo+wPfJdV3m7WpthP3fvPbkJR6cFmuFm
-89EYa7BPOF5ZTRbzhgRQFoIgUHxt+kBIx5EAYQpZTnWcvOqt9TVkAz3GTe3TWLrPoapbijVcLODw
-8kCZv5Y2eieffTz43KJkx72qWFJjfuwl1gGVvMo8f4CaSOyk/sWeD/AMMkSe+YLlEZb4x0rQmWSO
-A1fJmQkSaKAxEhPTdF8NVd7G0CLF0R6vAQxiZ/eIGacYee1I3RAAcWQYqydPgK48Q+9e7GVsNnFs
-DWeey+6FvMA2tC2j3oniPFp+v09q7dM2WYyYqdvgngVk1aOoaomk6nw4YllVQQ4b0kPmlGcMnbu6
-SLYjQ/cQDLgJDXUiySinW2sMkAz81B0tMb1bmn2mtsPrCxPOHEa5zZy7hfIuhyXn900Q6d2xobY2
-ihOLzVfbml7qaUBT3TNkTagg0nxbeCZMcP2liYghrIffFFh4mifoc2MdX49nXhkh8q+LtE+lCBEg
-+DhtsCPkuNsPLd44Akizl7FnwcfePg+XBe+xUXnO7R/QgKVVqCPoZESGNH3dxoFYQgMTVQjmFbFt
-QSNg9DYSG/EZ2va75tr7sbjqgGWRZOunlIYay0u8m6ClI8tkeOzHhCzX/MqGH7r9KEEFbOpZ3Qlz
-3rk1HrCsfMySAam8ZrLRm91nb+hOJeLpo9uOW22wzQtgt3pr6dDn6Z7thwqPmLK86on0KuZypGd/
-Gy0eugS0k4xmc7+kJZYq2vDAXsWzhtX0N7iXRU4VP/XFdEyH8dRmtXxwEe6wb0DL5IFwfJggR5bE
-REHNd/m1TGR6HT27Z8y0FpP+YkIKPnLt5QeI+itIe9yMfa+FjSMPSD9bBK2ZDr/AOuZ+jI7KKLet
-Y0YfXic2Mt/W5mQjgtHKF3Ootos2g+H20w5YkWivS9+014IswkM6i28kRpSaLQ7k3hw+fCX7Te3G
-6uQJfPet3267nlovQ+6KGWX16Bf1FObDi04LeS4ZchxLJ/+Ke5IqrGr8QP/ERL0qoTojCd6wxPxQ
-KLcufp00mwKgRWHE8eO/P/j++bFS+9fnP0FrwYzlPDpWSeM8AFXIceKFUxZr26SuFshqlHsovbD1
-qvktWcoProHdlJcr3NQ++VRl5zGTtIL45vUIDI+BFkRO4haxQkwRtoI4VgYhY6V59Q0G5B7MTWwY
-PqqyMTn1WZzfNEYQO+7mw9wN65ghBUwulb3VLHJTDKAHVBGGF9qha8fpxrIqZkox1gwkkILhKzrJ
-xWum/dTGL36vgx/wE+0ZukOztacBxD/uhrs78WCKMkL5bxvlwQZidI/WVb2x1OGYckAg6fsQrT2i
-5CAGoy5JX1N+6V6mTHMuU8fkLl0SODdj15PCjRNomJS/88eTxLTnemN3yzLzd5gN55phVd8w3cM6
-DyxDZ8nFAF8j1rtPP/K6aR8JHDk45pLDa2c7kw9dH1L93OY3UzpHPGful7DZUlmVcXAo3I7OZKun
-vLhmtj7d0skLozkhqzYFaTcYeXwpWpcxrL26ObTM5QxhOuBHq+BuxFFPCuJ0FgXVg4FYkxXz8tAt
-2nKaTPXs9UW1dwQx3gQd6ttJYegmDbY9kDAxI0009w2g4RKT6jEeNmI9gYUSLwZ8jT2EBcU0THYQ
-r+V/7HnuHvjyYyZcuWuq5ZuTk0deXzenEyPVweQybhhCGWQ4MLZFq58YFwRFA5a0l4Wmmm+j3dqr
-sqyt+Bh910Gh4zb6xQOeya7RPgqcZ/d/f6Ct+3BSaL6LIaHNYCthksw/Knt0CFpNmaMny6mADHdT
-Y3tDHgRos20ZUfk/xlIhhTBbqi99zs+JhVoIihfQeetxqlgyL6I7ZoP3k/eddmLm+tq5eEpp0G6W
-CVltsQYwa9LK9irxP8eoM76y/ltadQiIInvrcL+h5uf1MYRfvk/Ia6Rlzp8iw7qoF9Y2tSXLYPI8
-l3Yg7Kx1EIWTGdiz6LYLhu7EJins6Pn0kHm1RZz9dFqaJHsghKkMVU77q2edAoCS7UD9OBttzfFL
-GmtfeVRErq2uM1VzAJWd5HnBrK6/2z3kAcwtx8L9yI0WZ2DcX+Wk/8p+QStaKHqC4thZWR4UlIz4
-z1wWzOeJWO+iRXXhMdkDgGNuzVR2e00x0rJcbbUWdnucaHkwpX87KfZGAYOMmom4QM7AEjW7SVNd
-tWUSsnf/smq3CBaCVUmv32vjixzjezSiYXJWD80wczdVSXwna0i7jVosrxNwKnPsEnq9uN9kvc8E
-1JbVLdEPtuZ8NrqlYUk01s9V7nuv+vw3pUHoNVxlWt9RGcywwhCBNZxJvozVZajeSBREpup7x6S0
-uw9A5fA+Ob95C4pwHIiWRFP+Z0iTy+xM3qMTaR8eUSzBgtUc+7PHbS0MC51fixsGpuDOZJx/ZdT9
-Avg1PrGSo/TNbGbeZuQ9WBXjwdLeRhI0nWElu3LBR4+Ik5ko2/omanToMRi/yNQtrnHZIm8y8mOd
-Y/Dumma6q5GzB3XZTOebXQFfZQEgQnkUsCSxR5qQR6IiO1Y1K6k6BTtFdty19eoIoByqV1Ro9wrW
-OxdM91zlQx1odfS+REjO6tiuYJ4XqzE0HDQW9UaB/yVqX91U/TaAAoNUWidyo5kmTvx/WdjayFuc
-S1qnIkwVseO9az4xGACK7ldf5Rj9HczxvW+OmvCeZ1KkaI7m59hEvEO39mOj3SWLEotPkVakevK/
-F/5wHdvlSCDVWaC5jm+dZoEocXiZR29GGrI8lzdU++PeV2yHUWdwE8SUYb2pf8QVv2I1kV9vqYnw
-IknypTUB2eCzmdFlb5Qz1hTUoMxnP3kWIwsP29t2AxRrkrARJq0OwHxkUtm0LQEou6GfngCgQKJ1
-/suT8S120SFIhZ6+00k/QYhGf+7CCCJNgemAZwgYgfAplADNy4e+iOW3lVBNq+xvlJApiPjhTUfn
-VmrJgw5h2wf8zOmjnoZoScN6LMb9COJbeooXpoRpHRkbHBTEhpCXRuSLSPfrZ6AP/FqlS4YWW1qo
-iRHUrqRZfw35V1Rs6z12Is04jOe4SPeZhszTz6KHcVFO2HXUSWOZrBG+2go92kBsmfiHCjxjPhKU
-XHQl6Ut1mJAW5apeC8ycZV1JRseY2vQX1XLSlgyopEqdsG2cc2Elf3xrLJhgsxXytKw4dSI/9onJ
-KNuq4Xa5NKWNSx5yaow2O/T6vZmCSl9BJ0kdh1ME62kSy3vJLCLS154ukdWWM7L1LGPn6u5XNT0n
-JDX62KXMWQ40AOmaE6lRflE+5bA5ZVr111b8tQo8tqiNdBKLGiB5SXzL0/jXsdooyKT905Uu+hUP
-G6iT8x0NFoN4H9XdKOdnPQbtWTjmc9cUCJS5BY2yJ8pmGSXGfYejkjzG0nvJm+yVjBMcYetb0Dvq
-dyQLeSMMhMSMSgiyCJgyMo3qGDJwPoKV+bVm9YKMFvvLhN22nwpksfWNjdx3bvPDtjUUyJlXirlT
-MLfWM4rg/BjVKR1jkX3itXryGh/+UPvB9MMMaLnWoFzSE5AkVFulE7uyJkfDqLoZk3iWqaYfCLyS
-gYmVAjmueAOQgQN6oaGKi/auMdTdYs/F3OsJMj1jJjCerd2kPj5UrBgIpTHKcNYYLxsstX06EXDC
-GXw4LtRJ1w+dKALolTN+38CP1vnNMLG9ku7eVYu7YQEIsj/mu0xR87FauTAYDCvfJvxPkSFrc3EE
-jLdYUJEXYv3xkuRnqgtesqI+eSM1L+/kLdK6Hy0qXtz16yOFBM5Y394652+E9SOsJy8PPXSO0l7q
-oBBYhvKIv19CsV0iTjIrTXbklFyXiHWl7sKXaQt969aP8dRWL9boXJeMqG4/dz8T/zi40YdmOPql
-rhk+ow6AX9NI+P6OexZMx3Kzdh9LwlPzkghxE1tgnibkc5INpEx7q4uyC2aRVSGNEeaUaheZPB62
-bukHlHKBTmQAWGLVhnTSIVnEiPcpilxUW8LXgpyEkLop49B2YYH2kCfI0uHVx2BEBQeedIrVL5M0
-ljh/e4foNQRLu673kIRUzlOBuyBwGYhsrM7dtShRQkvn6agaAm1i9l68J0Tb48KuKXs37ByQwICo
-S3uHlJmxQppuqHfku9DvF/p8PXYex9ndDvwtQToBhRpyBRsw4Zcmhj3wK+YERcNuTPGG9z6isKjt
-znHFtmRuPaivDp80tTXtT9deEhPA0OyeJiwjW3PhnmVkGPQG/C3MiU2gGzmZZE4eIa9EzAE/jeo8
-KXeT13bUDdprD2g+ZO2Y7m3PFjsuwvrkFE+KPdFONQn6Lj35w+57FYlg7SnmZNrUwm/DKVUWIkfn
-iaTbA/IexvguN5/powwj3QeH56+0NYtRWXwn1f2Hj0LfphyAAT5wSElJhXuRFASgkCg/1pemyftv
-CHDE6QR+gZBYJPMq248WxnnysY65IpdacOzBS5kML90vY0+uDpzILmbqSkhjKP2z1UvnUefhRbDt
-b9KyR3LuaFCRp7rZel1is/sOZV5/dk5v3ilXIVfaNpUwOVkLvuLKqVB1Y03fe2W7d33tBV8IG2qo
-w9lgfGiMxvcDRekm9ScwkViKhpLAZO15dNgR9wkvDLF9BcCJlZVseqdUt17Bv35qVbPDqzPw6NRf
-noz+gJExj6Ywv3rbv085zHxvfd3/Pc7rc12nrMIJwR52vbPWt/G8YbfdhmWzT2il1uaWcSdGtQCr
-7xsl6IdUpMfqye8ycbOTvldtkz+L31/XSSbFlIO1qCdqSS7coXbPHyRckFAzFS1SRmZN1NcZlSSf
-uusFeApi0ITj+yQ8JF0yeo/G0WIyExOcYOrP9KP9JhbFFilvHPo9X343aSdmUx9awf1rSTZ3/jR5
-aIyWgvj35c0fuo8ymt4nGJubuor+M6Iew4XJtiGu+JFr9m+bvq6BuNf+Fj1ENcs5TLDau0tEeTFi
-SYILAT3AourtgSPEBhWUrdaUJiLJwNflrMrxHsL5wXY3e8N9xJ5bcw91E6pigs1WCCnRITnMGL3W
-X/7VBGxpM/pRWlcQqdWGnpqizeavymzeP7fDk4vqQniCWBvGN3HGe5hq2hNZJxwASMC7wpn2DO/L
-APIizyvxOqGnO1wLGZ9WzGJuY2ZYD8LhP9lM+r7t4fi66Hf/3cqlnGuycyBjzEg5liLaYzhNiAgy
-XzSvvKIHorT8lzl/SiqWOv9uxzhfk7sdin2G3MRQGM1n60m+V46HnEIPEMdpJoJtC0qdjXL+Sy4n
-1yCl4qA4jESrf0JE2At0F35vYvJjFfLvwzCj6Jem9N+9rCWNy0u+9QHDhLFnsNimRCs9CBhsC4+p
-UHuZrjLkaSEZxJ7eDW286r3wnhKw6L09aNfU4jxaWuy9a62rcXzIekZGxbnUJPq7M3HJ94SAiJEO
-vTpMDv6YiASV3b+O3Bi66NJl4vbvn5ASwQOg0PXAtDjO1EI0prJIQrfL9J1prDzdrgv6uT5FoO0D
-TfDvjOzxBUw9apu1zptTY+/bS3VkZIsq00WRCFDXqyu+lIg6VlT9U7oU97GMf1FdA1vJtWMvmajA
-BOLSYSWNLT7FVV3RCevWA6GNM8FJ4rRWmMm8vC+NzjKhITGRInJrx0w7VEHSHq5vZfJKtGUMwdc+
-JtzMbCA45ZGb0fiTn+Q4fDzW/9g7k+XImSy9voqs10IZ4HCHA22SFjEPjGBwZnIDY5JMzPOMp9dB
-Vpt6WEgvoE1a/9U1ZDIjAPd7v++c5VRH9xzdlsTqMCK9XZnauE+K9Bu/ucl5YJmGWiybDdpj1Dlp
-AelKk73kGbf+e8RLFoslmrSVTdh74xTkROyEJWBNXg9pw8nNMb7LZM2PhFwdDQcYAZu8WBuycvfI
-11TQdyufv8+kpG9C237bS76prXxwvRGYD2FR7qvGpjG5PbTcCHJglyArWiyn2bdUlV57L04wv6N/
-pVnj86CaAu+Ruut9CHuk65Dj0BNcj4Jzdmcvx36fvaqQlMj0awyyKQEViY99rVzjya44txuKo4sK
-+dmoxD1b1CTbgTMuzKdwTU6bMaL9yLfj2oJ0QdGS0La3jlPJMJ/E3aYBHEHcirA/h8KdWbiLmwTN
-SuPpx0pBTefyO/JgjL2bKpi4OOkxS5KPwOpOLJ3fC1iVZLTA+IBt3wWwq5N+bP8+HV2oetwib8mQ
-j+ueCfymtn/Vhhuy0Vr1U8/0tOZAbrjxtxFQedZ8C+DCUz/h3Ct4MDDpOGewkFh6cSBogu3ylVCc
-G1deMr40Mbly6e7DrL2jy8bnxOv4S0ZRylyKl2kUDUuckJlEjRc2dL6ahJP1PLQ3c1jGSSEf2rSM
-vv++YdHN8KAceCs7ajlXj6jcyn7+0qVcjzxDCRVyPKQiJyP55GWoSUTJj5ccIde9nIci3K1vBjUg
-BKjClz2vy7xhXd0XBGImyevM5dOwHgueNH2TEaDXW4Ol1pr3Lj8/k0MYub2dE/U02jKXd8Ry06wT
-gAKo7sl2W5gKQk3WwlY5L0voT0l0Laqaq1Wb/cmYsxL4LElx5j4vNI8miAuADu30KpPTe+npsy/l
-tRIcz2uts1XL5miu+YqBNX3vZ7Sbths9Rwo5X9C9g6G48zu20EM7/eReeq1L/oOqZ3mYBeMp5tPG
-vQH7znK4AtXSbGWW7XCI8YVc/iXBGHlbQEqSErPF4LAdMIecwTyNOmSHL2PUp5dIYxHNPlVrMjHP
-WWWSzBufPeR4PdTugQfhdghCHMt8GiMLnFlFgeqgkmTLh+grn/G91UnDdZ6eWT7xbfIGde7a9GmW
-fKz6CB5U08bOP6+sCVdJ5jAu+ewhuVbj/JJBllvNFS/n0p9oFcOcwDVZAypJ1qNPdcxO+pwYLrW6
-sTObDdEPcU8Vm7cmN2K+rG+ZKhjuAknmCKL6gxH25jWowoFh7aurBJRJtlzUIblOm2V45lv1z/OH
-dvm5k38EKvunts88/RZ5EvF/8MeKP6xdphwkxNHl4h469XwcS1pA1lyQSGxCY5OaNf9o6mY/Rfwl
-DL77SsZg5AUwPal62f9OejfPcb+r9LM5cLvN3JyfYdPCMerhTVX2n8oNEkgUPJsi8RtAH18uanxM
-z45RZK1cUXbPFFC8R58DluTL8/clxeCAv9Juyhm6ahbFjKVgt9/X4NH08AVSG6NVYXLWN/UPQS88
-k363AzaySuyOUVhkeIyw6w3xPk4RkitT1ASsaYq62FMJfikjA7NrIcS24dK1jrQ7HqMahmdWIpkO
-LWk9JZKdBAHRGx2xgjtoxdKV91LdZe4egWF37uzpaDZefR9YPMlIae3Huo4u2p942gte+lpLuWXs
-5q3N2II2N/CaT1vO5Qaf911bM+oZFJqCOqZYOY4QnqlTWlvWvclVcCP0C3P//9mc+C7b6f/B5rQc
-ZEn/Nzbn+bPOP9vP5D+ROf/tP/VPMqd2/6GUcDwCc64pyG/9O5lT/sP0bAeMtV5+oZ36f8iclvsP
-qSzPNCXzMa35T/07mdP6h9IMxqkDgdEUxM7+5X/9j6/xX4Of4vZP4GbzX/75v+VddmPw1jb/818s
-EJ//mcupXFfDlbEdGLiu/Zfb+fX5GOXB8u/+70AXjVK3XrtVDe1GWK+On/yhrL/rW3R+yzBrAs7r
-PNlz+l5JGtb/4af1b7+f//i/LzxL/NffgeNawlLWcqQmvPj3//8ffgdBCCQBoQJN2qLYBfbytqpG
-5+JLLppJaDW83Mi210n3Mfls3V0kJ/taO2ekONVL2VuY5OMG6mesPnl8aQKeIt/4TXoZQyku1Ekl
-k0K2x14RqD0RtmCtbCYwIdvmndbeT6GXrluZ0oIUL3QGul84fd/i2NEPy//hdvV8MCPzdxyb+j5U
-PkAOZDRBTRuFN3potU+sGOu7Ejqmlnl3ilJgEGogmeNG33Sv3idpySvN/QYFcLGa7So8FdRnuByq
-Y6SqR2F79EscauFVEFwcu1xz/bEwdPbp+e8vVpvzah28g19Zf+Ap7fpGfBccR8i4j/bvJj1EqWQB
-GH66eEY2pVM4mw5g3Lbu4seO9PbKGlg5TWG8z2MaSsmcrctCvTpC6pPASkISh6oql5KN9Huf5VRw
-bRWInpaCAsi8CRsT7y5ekczdnGRtmnaxG7DqQhmkWjAb5OOtmS5qY50SQstWCOcPuPCqSjjFck1k
-MmluE03Qlg0zDUW07SivGCtXHJw829vGzaxAY4qD6W/ILrPupsGzYYXcKt7pbHiZH9/PvOvM2L+j
-axGDxNS8XCGjQBjtj3K0bj2OLy+qXwO3ZBbnwZ02aX+H5bgHU6DOkK+3OSku+OYEjezyg1nZ1SS6
-pbx2euxLvyC5YrGo1tjHyyz/HHAtR7ohAlRbN1FgUOYSBoE9ChSWUP5NbKFWuqrbSx3ZxKKLiZLF
-0BzHoAl5g/MzNvty17HEvpMRegSzV2cE8QDfautTxEyFYwlYwwsZZaGvSCldkFauXsPOPbQifS0p
-xgGLhIcJd2p29m4yUgTp3T9h5EOkjCvUHb4i/ZRYR11Db+BkJlfQga8OQm/ktXzWCrlH0fDZT9PZ
-cMxP8ExV0dGuEUec7vyUqBbyZ6UJS8t2Fff8sIPUeWNPHhb43keqXitKwLfUZBQ01gcFl8drzLVo
-qZqnKRLa0ex3XKbstZndu1b2OUmR7okhfmR4YE0JeAKoDmMJqsNTigRmmZdlvkeDqtFfU8S8Opni
-VzQP8GXjvQePj7YHu8yZ404l3e9AGrvGQkgVTy2Qs6TdWLEIN0MMb1STRCKWD1g1lChDMtf/rXiJ
-r7Lc3lIUCc5Z9GYt63HALV7MzH8Getu2BM4ZWrJ0igQAccGfh9AoQEQEhgA556rDU0rs1unlN2uB
-s5+J8uh7JkEJwJx5tVztKPYfbJp/K6txuXahoh4T/Y1l7EWEVnzErx1tXGNLjDFgm7fQafkI3pvL
-L5WoDr6udxlx9lPtceo0KiaSnl1egTHtkCqKkTR6owtkKClzA7ZlB+8NnQtZugjtqBndlQWrGCHs
-5iGOGDpAvSUiA1EMBlFRHbp0hjduEstMsvaxrC52HbnXNFLejqwqdWbcXKtu7IgiURe7k8746g+Y
-/kKVfnX0AVnI5HpnpYLbdWEijZUpuLWk/0mgDsIVJ/7a9pbxCuJXGCTl1PSIjvbL4SW2UeBX70xy
-f5Ep7KsfeUcz6y+EXKcbq7qfYfC4dICehCZWqY3inyTpa/gcCFr70H+1KbM9O1YOfzDEYUzh45RV
-6skp2/okeHK7spkuY3Wt0diDK96XJZ1pP7ZozqI/hu2FZw1ySEp4UTD4oHsaA4o6z1Mm14n+iEIo
-/Smm7PvOWe7dhg6OmVTLpiDY1rJN6WXq+trS8Fxp5u5n3+AB1dXJ2RidG2wRaiuZ8VB5i3Rg9KBO
-JhlrETE+hOUnZ2jknn1VX+LU8bZlCYYYNUBzFoNxKnl47kK+ahuP3sPCk3mAEJUesjZjmhHET17T
-WexIfJ8ElL7SHKEL69g5X1t6fqUKop1wovIOUGUJrJdfYp74BJuCB1HvhsYnP2AwH7NN5tiEMNdm
-OL0Vqpje3NEdN5YGEUnsZz2Ygrj3Y8//h5uHxbpX+/6L4KOygjkRH0qjfRrK3nhURP9dcjDromqa
-XZRk8iicQa99MNQbKB/FSfil/xblKEIBM3iq+KXGod10iRdthVEyRFeyflYQ8lZ99oF1pqdeI4ID
-HZwtYXIwssl1ytinwxsMtwnQWtSe0PhN/84gbdBz8C6ic507IHPc9WSW/Re7c5rW/WNtZtYb0ewn
-rxTvuRPPR9PT+gEFw2pebkBs+XfY2ShM1LG3GZ/J5rBOUQ6CpGjUd4hMIX8k7XkqaOibQWNyl9dg
-Geo2AwlGVeBcJOlLSOGZYoxkl9VI+kiihfKw/OKnv6aIjy/YB8S1BIJWPkbJVTI6bwHDh+eyPFtF
-LF943ljPoQfs5FymjfdLyzTYq3himRAkz+R3L2asf3Ej837VNGfwCrHvsCy1M8FyXiS0ao8oagWG
-zB1VvqBVj9BUvq0lhQ6rzjmA034IIIS6oGC2cpCsP5ymRzMgrT3X3Ey6H0TwN3ONLsSX9hPuuOim
-2JJAxoC/aaXRm2aF4vKpRD04PIa8ji3qJeduGh/ziJbsGKny4DcMsZRGJN33NswKnvHbzPGZTKdq
-PfRmt3fCvNqZLflSm4ZcmcXpXdFddMJoij+Z8zp6BsuFqSVL1RTZKqgoLUm7+Ey8jnw49zhPtxar
-ohi/Q1+p099fJlusKY5HZ9WFOXizHiGXOgylbGCZJw9+XfvvwfJlqrLgPFXpt7tYJJcM9RkS5MGe
-S3XMpVldEuFXlyb7pNI1bUU0il1U6n1iteq+anicNxgxcWRT8fYmp7zMxfSVF4W/rV3+/RnmTZZ9
-0OM0fJzNoAJzDaGac8ASDMiC39jg1gLqwdbzy3sTqA+TP7kx02zaqtoeqXxF7hHrH8H3nmtdSLB/
-1bsdMLB2SE8ef2Mr3C7dvouUuS0ENdFQds7GwIK+GZgg7wIclyxzS/e+Ave9KvPyR/pm8iD4CFxZ
-hc70ICNrPxiJXBNrHo8iDmaYbcWD6K0FUx3bECOm3+BxvRPx0XkFlgESrZf8dL6LHdt8jZMuezEu
-9eB5z7EB2KtzmTB0ns+jM2G8DZvuiQZPf1dIhq9MYFymwsWi4zH7wxiW1zEO1XNnUrYB+Zi/9GP/
-lktOtfHAmD+26vFEaeORKFa4YdVQ7eFnBfy20R5LR9+ZbvgysdQ8R0ldQ9ojCJWS5HtEnYNUUvKH
-o3NIxKKIOPU3bN6U6cM/cr4H9Qk3stphQz0CGrxzKFbfcSquqOYDNiXgMxIa5exru/SKKkprHFPT
-91zZcL1sv9ua9roveXFaSaIuPhrgFYnIQ2QH6uwQXUA4/e4b8/AUtSxqGJTdG8Yk9i3MjlfCfji4
-ay7fuRp+k24nm2MK8ZsvH5JSp2AjTZoo8Po7NiTYhybAOT2618eG1WymISYyFM3Z44PP06QcWR4m
-MIAh+50DSvUPmGU4HLn8jICbo7Ka45sR0E4z4z4650K2J8OujmWZHIvUeO5bthosoK29a4+4tEIG
-ChQFn8y07m6lrPGMCbWNWLCfazu+2oLXRNc7zWNXWKidanTxRa+QkYNIVv3S022zbm3Zs/lyGL7j
-ioOa0klxhg4HasM8yfmHBRflJjB5Xu+/DHSgj0nKJpXTEBEQ5RnXaG7ZaM4xyWJBZZs+RXYmmrrV
-3oD0SI4QdvD/kWyFsBBGwG1ZMpxlIdtjxGw4C1r+tvn0bjMzjNhuJfXZN3VFNTNQ26b1aWJbGQoE
-h8+ZFS5m3mT4BO7Axyj2oIFpiLmlgR1PmD50Bp4jvu7XrAH1MeDZR4ZbcmvLQ3o2doFOpZ/umD3W
-rxTsZ6doT3Vl9bQCpkvRjGofz4H1MoOt2QxDaHLEbavHkCCvZ4hzlurk0hdcB3rwhvxQfGtnWmCX
-ZB3qs12AbXaL84iuaotFJiZ3/OVLp34KoO6RT8W2WGVE4vpwBnDb9dZBDE4IYFY9l3UoXtrGPPH3
-0sHu977s57ob+O0YfByqQNIviMlSAhW5H8W5rJ5FyMHTM8v64M0upDoBFCbTbN5HPXOg6wfohxFp
-2LwLSasMvPIDpVgD4mF4QC++kyL+dLq627EosfZely7pFmk+6NIBedPa91OrYZmGHNipVUZ3TQBA
-IFOMn/oYUl1jstOGZUgzg2zZ2s6ItHIMG55yJi2raB6HU2KkMyzGAekmtLyJCwTiCP9OJQxb7Tmf
-tyMZUFIflnXlfbwuF6+tlq19ggYBkt4ASJKlcjhqffW7PD7z9QOGPOS0jyl483U+9RBNTiB837MI
-WWNF/y5TNEBN9qWEh+CWVJYOSI56JzodxR3RY26QqckymaTyG7qGYz0DxRoU9nryC+k+0YCdeI7U
-D2P0VjquJFNDvjxoxesQEXLKdPVdKf1kB/GWFWJzoWNbo42m16VIcxpD9YqQrD42QQRBrOvck+Em
-bMoi7549Dy1kznabJHB+vCwTP8YC5bLvAmHgD+Aj90Q/8SOcvORIi/tXmaXiJDJW0oaLcQKZ1HKD
-dRE1EPwRrfxhOADnPeDoHdPjtQI3voZpkmzGQT/wm9OwjAZOTsOjnAbxqLmF6FQ+cstciVY7lP1r
-tQeSFz8Klma7WdkTp4MWkr9VHWUHL8Zvi4sfVh4tVwFlFLzIoYwAHgAVoDeCh5IVZpbvRc/dLZEj
-lChhYntIkivsymiJxaXUUsxgeVJ/js3IOlb4dxRWoKMOsFcgyPz4efHWV4Z66OxZPVRlSQ1msLZR
-1Q4H1ro+0US6KGFR3pVG+Cy4Jl6ilCaqw8FR5tb44pBFKKRu9z1xrb1hOf5m8DsI1PzX7Ia5/M5J
-vdwmC19UbVOfTXp7X4msean1SEpq3Ccc8fZ5l1ivAbDItV0Y7coRHubwhZeUhZgzRWHebAqAwMlc
-9yB6Lgt9Djm36njJZIR2WxizJ6uW9/jGxnNb9nsizvoshHeLLD7RjtCrVvSIrklybEjQJ2BnQ3Ty
-RcRoihVxuYx4YtOwSFGXzSHo25aLuFUekmCGapVh+xblJ//rq7izg68GLn9MSfzqpEsWjYPRvog5
-Nk6uWlcggS9OI57nYOweVK6JBiTy5NfFvG9jWH+RRf+48kMk0kn+e+QwyruJlY01YsccKOGmcWRs
-JOLCNBxPqRjOfsyhufWGXe3lNkTY8Dq1ExzwoSK2yHVolebjW0K2daXwo27aie97RHg/idrvxjad
-XTRBawDHWBv8ReKo2sfw/1I8rs99zGoxmOZNFlYfLiFeSi1WRB5OD9js+pvyoqvlFIzFouot1fyD
-Cj5HC/lACvkM1lzEzjH1L6yHeJAG8d6uyHRFI8C3NrPPk04RS9hzx+ZaOQAa+xfXkBxXFUIktK7t
-wHa+NohBAK+uGgS5kMn2YWHcW4Yj73lh8qewuStHoYjuWp1+dmYf3dW9KK+S2YALxmdA/72jn0gc
-dZB/YzoOWyHOPaWe4rsqbJ6cMK2Penk9paOxQyOwT5vyCZCbcSmH4WvR8bwE1sUJyM2gxB3vC6M+
-Rj2dhbCW+ZYFPYmyMaBNXgJ2th0SflyVsnK4OnkUHK0mfnd9El0yvNIl/B5GP2BDF5yho0JncZBf
-NCZCOpFCkPF9tkymaHg5umF4MOrxy2Arel+1N5660EOMI/XLO6UBERpmD7h1TtKdbU/0q5PpE7cB
-3LKmftRW9d0SpeVvibWap91rGOXuXTBaP8EwttvUsp7bNPV4HXKQLnmNeHPq7karARAe00o3Qy+5
-ZY1oN8XEdnKoRENzGq1PUzOgLvr8VPbchsPS9ZdJZvxuO8GdAT2LpIqV7FzcwquxHr13w8+g4Jux
-cWLR5W8bwegtbYFmqgw7B7rOdFMYo7+RhHPWWnO0ziOIP4xHeJdFE37bTN6bna3WnEXdB5gs6FqC
-CrqY7rizF/G3CxyVXVNyc/g2/0a8ug5a706wCli1NZo8KwW143fiuZ+no2qNcp3lyiBiMW1tCXGq
-oB6FzJtaYCmn0yDcdeQmMw4dp181Ca/wrnweOtIyZp0C7nLiB229SLPPn3oYbUnKGb3qOKQUnL4P
-YoST4PNHFyD8ddetYzdUKBOJxPPsZYD+FEFv32ZRcOrVxM58+EMizUau6X27ZXQA9gp8eYr58EbV
-TmTVD82i8S4DcO+a/u8UoPlGtv07c12MN0PtnZqJiFeS59GDNQJ7o8dCxq7qETqT8NgmruLhwK3x
-MqCAjZmsBjqub4Ty6UwNXJfwA/Nn6lp+J5lJiG6EnWD2wTESUQBjhmpZDXx+HTf1rTaJB3mq95Bj
-ldk+yA3iFkMFQmEKmi39KgjgoXGyRDceCLnFhyyenzJLhWd+aAE+CTIfkXIy8F78Eoc8sSlQHlur
-to4Cve924RTwzf8Y6tm+eYgdi8oyznhwTuGcnF2LWV0oiCMmQ9Fv+jgxL3NOSjAnglPggzfMybg1
-wnt36BAdNPWIOwqJ464v6c4lxAmudNOJzenuLe7qZ4ImLGAgINMy7DZyMYLrcQH5GuLKSVlcaW9G
-+9zXw+rvv9bWlCpyo+PVF4DDIHi3bbqZDlw9vbEXKQ8p8H2QK/bjoMyjqh7q0bHPHA1acpbOV8vf
-966WfXWkcXjyVLxwJUV2Vb5hcl9Gkz6L6eiWVniq9JCfWU0OQGMsgKhjx8zWacEEtBLqPU+Vh7yi
-oVEtWeZR6Xdyx8N9MdnVCULBk6h6npKWH62dIhieGJLTjAousrMUK+umuC87a80U0bzSu/n05lbt
-2lCPO1P2O3vBO3ugH+6btMs34wjrvtGyuAU8tYw6966BX+d8S8qP0K+9G6W0dF1n5OkoU1rAaDKf
-tW0LX7WeEY1lLpc72MztZPB0iVnrBm463yeK/QaLkGEvTmlX1F/1DC0I1vrFpNf05OQGOt7CjY4w
-h0ZW+pk4xF1f7JgjdGeQTSx0eQUrFfg/aDk/YcAz8+2ArJGbMnYZ+cMdf2rFDkbqc5RNCHjyIruN
-vvVF1XK6AXupmdom77mknNxb0P+SylUPCd9auiHupkNIb1fJJ+vwq5eLfTViJLKH6MUEOQCAivuZ
-7WdUtRRRbSA2Ldv1egJYHlb9vOMvCdVTT4ZNr5b473a0tUWzBMvs0OaUNcGUsrYnbZV/pMiRd05s
-4z/x+KpCCk+3S0pq7rJ4Y9npZ9ljTXLdfB8E3tPsTx2DJvpaRA4A0eH1pp7qOeey7uVzYst3CoX6
-wugHJLNlP5spvMN00V3kmVzBOohPUWdG3IjLlHsAyL64C8ZrmVREwNoGCr45CJQb4LTiIT0EDR9+
-pFlM8xdbBf2TYl3lXo6aIMVlgdSicLFbIDwmELQYL3qLMuBoYsEItH2jydMdh0FgyECVUQmcGYwx
-V7XTlyc7eA18rW/5xGw31WepVXPlzDE+T9GpMTBxzPxPslyrHl0XBn9fo1/KIb2xIMHhQUKZT3TO
-3Mjt7foxdbCowZJ465WTP2e5j7/boQ2ZLakCWe2MvmCG55MfAzNNgmUYiBSaMdVaz0QsYpDFipkX
-b4zG9DZS+zV8KCTiAgr+kJD1LZwWV4lIyPOzoCA4Cyaj6snDmdW1gWFyV1bxUSYmeJWIqA7qzw1y
-AZcLqhyeEbcseTqywhnQE8s21pAA3F0IFJ66y7z3F8nKYlsp/3pXELBEVl3fiyxttp2i5pylHiUs
-MzmmpnieFsyfKwuA+AkvnRRoISdM69w23+VoEcGzbmXF0rZLLfXm8bZfNQMwjtiKOGOPHEjrxSGj
-aY3nXlDePM4xcQtTLjLztzA2nT3zV4NDO6DBjvXkulcK7BijSjI2hj6FctdphgCuaUVnk+McD5sa
-QYGxdmIxXkc+4zYJeR5wbbJkP1kYetBkOQ9QYIyBlhTRJWkT71z7jM4BspOJWSw7Ct1OwEB3iRAm
-G4ssx2iz1ikXOw/HzWuLrieoeuNdI/DJTnGEzQe3dvtAJs9dPD/+YvyRGeUG5qDXqmqGtYwrALAT
-4fWghqjbgMVZdw2983gxCdHMpiOGPWdVLZ4hfCzJmjw4NLDCxV9tvjfawq5jmsMtFHy8oFbsTZ4S
-ELHZcSfZcLIpv3GUKotPp6Z4OGRk8oE6MKXHeW8aw5XJ4bQW3TvOv+aZ0zDOJEOx2E5+p3MmCYxq
-G96gS5xtcS0h1cn3rbqlnVW+zuOp11iZgsXPtIxw48XYxMs9POi+Q3sALILSZrYjzUprYnE9ycX6
-VC7+Jw8RVBZbPBrs9tEecUT5iy0K3+BLs/ij8h6TVBSLvd/glkoXy5Qb/hVOmbinRNV9CCJ5Zx68
-nM7cBIvawEeUoNJpCGSCMwOPFTKzLbWK8ZbZOK6y7sPS7alb3Fesdywqzq/DYsXiZM76dzFlFRqs
-UV/1zAma8APKidz5jM0jzj9bubi2FuBVCYzqNZvsTR479qttxqchKpoDgy0TCIDHNLJWzgZoVLTL
-Zg+gUjURcwXCtNHIuTDT4f6akYDJTKhzjxYsRQ8WLp4wdg1A81CHaRRiMSoxbxLHOWnJKkfZTuTW
-jY3lc09Zm1smKIXUdB6YEzGyqxdqAme6xVlm8OQnrk6WCp0ZJAWQYqxzeveUGu4j6+7nLDZvzXSi
-GMdeKsCLZiNIS5c2gqDzz5lc7yIXc6PU5CSwqmnqw5xThz/MhPBSmjVKvohCh26DE1NOuWk8WKKg
-Yt5DYoZnMx2wty0et0Aw2F3Mbv7ieBvG9fO8WN8IkpenIHL+qMUI56KGo4F0qWa+kvC+IsrurWO4
-Kxqg2OQolZHNfTVDPHMC4RygXHaf7BernhJSm37/7eZ1mhCp9nHtzRaDZgR2zWKygxxFEgC5HVJw
-8Lb8fSO9C2vAi+McW+xJ70s7+mps+360R3LlizHPMBhx5uirdMjjHI34erYGQokzWbYGwEUX/BB/
-RiYR5b8lSr7ZXlohjkA0CQacz5a0ueyOaPwAyT5PaP3sxe9nR9wl+nn8kI26iMRfcMSUdDONR9W0
-qCIYBYn06aULMAeW7TKfAzRp4RRM2GUsjsEwxR7WODy8pX9J4ZesPMwM4Bu4nmED4xGbHi0gh2tv
-xpwd4cDqkv5Oq+TBHLp8H/KWWoyHbov7MGeTNQXOrfLUIZtNdS5tzVEM0wJf0FOOFGVEpDghVDQX
-s2IyqnpVkgC3yv494UTRDIxxQsQla9eRF8q639oEDBRIspqOh3fPt+2LrO7LvubAuPgds8X02GRA
-Fiin92vKRrVqSWoQeiDO35LHjGhcoIwEhWRswsUiaSb4JBOJWZJoIPvtxTbZmJz/V2pxUEJFQopU
-FdyYwT6ewpxtfc3gjp6FxY4Sj2WM0NKTmC39xXEpFtslIy0ckosBczDNe2dxYmaLHbNYPJkcUJJd
-zwX9XPZOyS2ps35lM0g996JKR/8u5B+uyv2KtVtP8zt7JgFivadLGCBeNJ1eke9iizxg4do9E738
-kBXDESOXvk+pI8ATgoc8uMg/c9F25/a3u0hBjUUP2lfN2RTyTxak7a+51xyH6iuuIv8OmVm6lZav
-qAMxk7PboWAIHt9b/kwm0jYhb0c00js7NvYMZ+85rSQf+aIxjfCZDiNiU4wS4FWmW1+gPK0X+WmJ
-W2AzBIQw60WN2uFITSsQHkzQD3rRp/Ibt3fRolStPA/cNUcQm2Lz2skRr7qLgpUiIMUYFykDl5oN
-mz99ht+tua7rFWnto9Ejc20qtK6jD0S0XFSv/SJ9ncOGTxixjJqFqEtJ/wxyVt4NiywWvN2wS0qv
-vaStfQ0Nu4NGUiGXraf4HE0VAISYjxh7lfYnSO50kpbfkjDlMrEBdJjn415ol74NYWx2bmpNfOZN
-W1huTXPOzi1OiWOT2LdqIkQ8+P0vswV67xquscEw2OhDyjDtMi4K3fwSNmZwjHN8DZXUl3CR7RZY
-d/nY7x1eaGlTjZBW6gLXnv2gJET/oZh+OIHSbKBr56fFvHWZvCQSwS/PpOmjlJ+wVX6MRQHca2TA
-oF2YL1Mt9xRqnnFRBsOsATWRl+XDKGDPpDUHplkCFrYjCKtMpfelgOmWhc1j1KW/0saEbsSL7d5n
-+/FECWwzmO7POMTpW2wB/yOA/lEIDV4vFMHFXsTH86JAXqqfywXn5S8WPVkQ7hzsX4Q/UI+cY/9q
-T1ZPblzKu2hRLAeLbHlK/GmDbUftKSCedUi9RiB5UFFZIAtk7hYt4uZiUTgTpSr2AIp/ODKJnb+I
-nhUfWeBhyJ/zxQX995epRg1t2IrvYbUhS4Q02iAgx9J11RrffWw2j4y2nadS4/ED4cvKJD0YrTQf
-nfYmFyl1SXj4kHjPdsMWNsEndh3I7LCK7xg8ILUevfK+YTp8tAXWk9jAsFnj+1Ss2C6+htxDRV9u
-87pyd4OUmv8qBEnWsq2fJEptdr5v7COLQ0A7b8MiigRJNd2UqNyjTvSrERQD5PxlHONXVyObqam0
-zX1Q968uKa9ts8i9TY3mu0+ANrC2ydjQr9qOHXoaJw3hgvF3uWjCUQOWVAArnj65uU+W/bY3tg9l
-XdNg1WqdoQ7Z0gDhkbFIyHNs5GM7HTOFnrwsEJWbdM3QA2UJRH6Htzm113XSwD0rtLWuAIVvqjCG
-DjSl7lUwF+yI81wayP5OPUrWx0QoGybkTG8Kf2MUUXH0RJfD0mR3aY7aPjgAuQ9DNl6AuARnLy/C
-c9hYMDYtPuHQzdbudMedOHypYuebUE69ckb5Chwg3TLOtkhWhv1DPg0PNIT6c9GRpQ7dWzx1xUM/
-lAvqw51ZDsbFg4FihZErNKExOLIlbV9paIa46No3smAc7aQmDS1juB1T/cHuPdvxd2SsxgkWaD5n
-6TXJs6du9Bm3234MrtAj2sA29DqrYRGl/UxRW/3WsjvT7JFH2YP1wjly9dha8kKpuwOs4K1TD+qq
-p+YyuNS8gNaiiOAltoXHSAGQ0faxFFDhk//N3pntRq5l1/ZXjHo2j9mTG3Ddh+j7CIV6vRCZSiU3
-+779+ju2quyqMgyj/G7gQEjlUUohKYLca645xzTcYxj4xo67zc5lvUBtFG/yGTMYaxh3i8rOVt+j
-BI1tFUQbYlMlDpPd5LoU2EUZ5w9EPcN9C/RBXjrf+gKvw/1QpK9pEPbnLrUPpt1ZeL70Q9NiYqt9
-4XMlKGp2o6O31cqGCbjB6CZ7YjQzdAqzwrVfpJw0vRJfpG7PT26jEyoP2i8Xdyt942G2M/yZGHGc
-lIva4/cfzHiysna+udZEdSn9zQwctDgRFZ+7Fz+oyatIHaujBHk22JwXIZW9UQ1zQbCG6Ww1H1XY
-IusEQKWcUPwEL4SQAF9ywn43DPcYn/ui4OWwsiYWx5h0N0pCopR7xNEvy/KlyIn99oG2J0mCryMk
-AJ5Wlzw2sbVnrLoH3/mpo1musqJ9CUz9Rhl4z4uShKNdvbhae9N8v2fJpO35N8YxR+aJ6uqZZs+b
-qFXfyNzxrSmdf6LxcZZAEEUS3x3cayqDrqELkuhXDE78xRgBJmdLQWW/xGq4Cab6BesagONCYEAl
-LdDI5OqhRG4pQ8BYuXLMNnhEuANj43iHuRS/2jx8nUlP9elEpMD+gW7xSLMNyZeFaeEFVkF5bTSX
-OfVnhCvN2/cDtAU/3ML3BGBTwiY+FJjoxaIWzmzGS0ATfGiI9x4G+5lE+/xYpcFrZmMpYFXL/inY
-9ibrFPWbFDmrFpxN9cKjGtQ2RH7VIFlw15h8WtDSsqz5nRbOJlVYtKackVKTwN24Vgv3pkseY5dn
-lO4z7uqVeEDlO8xe56omeHSguYKVMXDvmmCafP8ii1Z9KRhz9EIS+a+di6F8JlMxRFu7L9IL6ohK
-LjhorsSTBgevuNDwyBHBWkAp3/hRY6ABfECi8ABxBqsoaftVVPWfkzHhCcqeeUkdoC1vmAg59GHf
-P9BtRtsK3ex0DY1qvuJko1JkFGqCfMQjKm2o4DY7mVUJPaG2CXjaGc84Vrc1MH4sRJkRgb2rk9No
-VI88Wiqy52QXj2J+GCfrZ9DUxb6uoeXLpCR3GYALkem4ptG2vSCFO+xryQrjVNZOWMFtqvPYdIDy
-6kjNSIGQD1kir18p/Bn2Ruhc43La4k+6azEnqS6dZpqCvYlzxjidK0oH13pM6tFDoTyZU5OdQPD4
-izny8KAbDrQb25tgDfKTqWOeKeXg4hFRPZJhgUXHZGnG/WZeaTxlloOdCg5NvNK7lIuCx5XXsXrO
-Na63s+zMOmTKhhdlrEy4WOWVNBYxfWX8ugAoWBnorajtHtwsEttmzBAVe6u6tJx09nRyzosOGyEt
-O/RGgI3FOBzE1+83o18k17Yb36OsDcCG97+6ssTtPGRyU6RtdelZ+B/sxMItUvmomD4LpIDUkm/c
-c5rGTjnLxRPo5ydhOr6iDfaHhickmOqXom3wBlZUzXC96Vcje8U87uMHW/+Uettsy5qdYGeyzWaz
-/IAw/xLJvjuHTbl1dGMG4TnT90Gl9APMiHyViQ6k/hxQpkv+jMBz5q1STvU1pBkdTCTptI317fOc
-yGX7zYtX9sOWAj+SzLJi+waWOhAWDIKQnlwPthP2dWc4YiqKlpO08wWUnfHMMQRLnF4Th86M57b3
-wiv+60bBH0hx5uImh2A+zYZ0lmnFVSbLs5WnkvBwFXkphNXFCuZ6lfTIKL4PiyJKSutIxVm7s7rs
-g832ze/DXUuO65c5MHb5bYTxOY20zZzDQYx893dOB+ch9qrnjmn9NNeQvsuGdh0cWPNGcfh2aFjl
-ngUaTqaWH15iQO4LfJ9NqTcroVIz99xNDi6aJFwbqFUQAPa1Jx645k7HaJ5Bp2pU0ap0sNGCG2l0
-eUkLm3tq6HvcVJPtIAi845GEchHN9aUPoGfFWlgtem9+gJFtPYTkqY4DDS+LcKz1NZ0gNEJi4lrO
-zZheHMo4WnbodHQk9CnEAEBOvBApuwHHns9xvS9zuibSGuHBd6OORsuIBUDFiA4NfeCqXgzrIsqK
-XcARfMH51cdp3baH3khoIQkx+xghJwFuj+NmRMhe1ygqWQukSB+HcYeYi0mjjK+jBMnBCQwLl0JI
-47iO7vBoIVphlDel1i6bHitEpd58/8lvfLFXjdJ4s7E/M93xJvd2Jp5XTKvZF7NzhSvGmg6dp9cX
-NoYkW4BgFAqA4UdgqnxWUQcr8FIe426kC/QwDhxKSspBVnmadae2018S/AuL2CD3CPWzXEPR48OT
-zMdlBqU5rSjymbR12g3gyJuBmm9FZGUBbt0MfvqTPmr0ADRADUfnZ+FBHIoxsRbwHNDNppVOYPlR
-oEAvXLLY+1RMPzrmiTpzKeIlc7ts27zZAA2BypYZP+n5+RjJANB9XJ29dKZnHgaYGDp34U5WuJZg
-+c+x1Sw4poFnj6qERbpBiCQoo7NPPeB5vg1OZj8ZMUb+McrL9TjotzgRnIuo/XCFzy/NC5dtQscV
-/eskUMty5/gINRES67Hpojde+j3BmSN8kfBYNJZ2+H6XlMmZcw4k4x5PZlDhNSchi3016Km7UM5A
-cq1Fg4rvmYfvUNO//Tcpq8+inOqIsrC/hK7+893/91Rk/Pfv6t/87S9VTutv752jz7poit/t//hR
-26/i8iP7av7rB/3DZ+ar//XRrUij/cM76++c20P3VU/3r4Z20v9Ih6mP/Gf/5798/XNpOVsQVPu3
-v/8Kf/2X6lv485+OX/WP9L9E5b7/yV+jct4flgAlY7Ag4tnoqE82fDXtn//k2X9w3fOJiGGYsmzL
-c/4WlTP/8HTf8ITtAch3hWP9Z1TO/8O0ueoLMmeeITzTdf93UTmDQN4/hOU8IVzHcHSTYJ5rWS6P
-r/y7qJroYm1IEnCsVtCuZS/liYStNQTnLInCZWB00NorVdPqQtA1Z6aGxGDvAVeWNuz2aZa8+iNJ
-hLkoEBq1ZuWPLpJQy+BYwyjEEIa2E+Dw2FWu9YpLETtDMR58sn2LocmgOdIiCBs6WoeBzZF9BhmA
-yn0w9eaoDSiTCNphwsZAH6uQy7rvAONgezll7UNWT/YVFWztY4ATdF+sadcioxZyB3RchuQc80Ro
-97e2xFRIfKTyuHJEOpSxataOZZyuuXQWEHw5edjDmeZgmwaJNuUeUkXPrr/G/NI9TeH0OUqao62N
-5iXXzpub1xqe37KxxNUsuLJVIImfYjCymYzS01xRuQHszN/lOmdCPHVgAS1xZ9PtbPCSAe3L8WwQ
-HJf3RrPSbR5WD2hNJnsbsBVZm5QPs1W/0JnFln0eGc96bfe93y5qTvepDmNajulNRFgzgT+Uux5j
-FAuEAbKiUeJ5QHZYkBm0Nkmm66D96823T1ez9cM4vdqBXb/KOr+5OjL5UGKnKiCMUnldV5vGqbmU
-hhUubT+gOQHJtfLt7mKxLlnK0aFECJPuUMrkHYFwk4apeUTglpte4F0SRWxxnatOnKjkGxiBbNH3
-o3XpU9N67jB1CTJqb+Pk1ATH0DZm4FJCb0Z8sKwyhK6dqphY8mzaz+bQKaXXxE0wYtoRIJGnSDs6
-QOWOfaBYVHIA5GizmRY62rnQL4bkeWaK2sXQl3artPNfdKwLV3ZR9tkP9QThrT9nOk1ptpeyqXeH
-ElNf9A5JexskTnaH3/dM2nvcoPdeR91eJ3d7HPJ3OdMcj//DoACkZf7QLHgTIckfxzs7deXuWj19
-HHNwNSPLQVQUm6rANNoXFlo0XYrFIpc/E5Ip1I0S4AhHisomrM1dNf81G2A5/tmP53rXU2iJbdee
-kJt5aVBudZxp00AfKeP1me3a+NT3Q3NvTA0TShOdRsp/luz31qDkwle7ZxkxlSA/ypGMfO6AQ02L
-5KJV6bsTdkRlRl4VQGVvRYwnLImY/JuK3z74z/4VkBXR0tk/4VQb6JPB5SPL4NEvg+qqe2W4aguJ
-IzIRvxrLLD4mEgxOOqbWwunAUU11GK1jJW/bqfnlGeUr/UeMAqOuHYTJ8zTNU3fTtrFPLoije+C4
-t4gp5WJhsn0ElumunYlUU4Ujzh29I/kfnI0+g3VYswbMsZfvBRGUY2HrObvXtlgbuYlzpU7yQ556
-2GgiPj8Jlz05GutkZvm46ZoPX0vG61hwriAJgadhalux8DzqpDjvskqtYdDpT5Uf50wN0j72bcyw
-Qrgf1EQ9LZGA2C25HGUKF0s3AwmNey3XIF6EixiYiTuO4jmf+2aTIlhN89A/QPHETlxxZpGYDRuP
-aneT0+9WL6dpQ5vEHefmcqD+eB+22AWtlp9aL6Lx0CZJtw8L+aC7YbzzEwwgpncOAv86Vlq7b/R+
-0TetvMDIxrVnxz/seDQB6opqleY58+zES6o03QweALDBcCIrxf5hWqUgPFaW4TWbpu7PEQanXRI0
-PzmBihVsRHpDnVw71kaFQcqLif1F/eMQsdQqbXyVDskvPWuvbRDtmhQnZWJ608ZxHOuh09R6LTdP
-ViNgJadhufXT4REP2shGXJW8t0CdZOoYyxkT7EOgjLlpcpJ4RZlt1bU95JYyxVQJeNoI0hYTIa2e
-tn9FV6M5cxxLXlF5dsxkaa3wqi04xeFHz9Ji0xrdQHNj/JYX3ROnUJJIErqSwIba5J5NgQLrKnDz
-lIgEwXTBe7c+kSnUzq3sfxlwgm5Nndz9CN2JhcWm7APzpLHGHnONxScZp03Sq8/Q28OWj4SQwc97
-7aKLo+TP0RafWrIMk+HNLQvr3RmmE6z25MlIKFQs07mFuyXLp7ZBjTRALE9GpEJ6LnA6qOsq5Zlj
-dcBpmpjtviqDTaTazYbc3etWH1yDCGY/HbzPtEqt+9/9yB/jmHuyoL4H3qHLrE3gdsoqLpwdZ9wK
-c8bB8AVja6wCfSHZLqyr9Ah2S1hBOw7fGo7qc8ErTHexkA29+VQk3tJpKXkQFdzXmeTspY2wBTPJ
-mFR51cF2jJp6zSIoDIm4aRDQYn2wqXeddoaSaFkXTRhZ8ZkaU+asUuK8pBK6Xd9Z5RmYllcJg7Wz
-QaFBpp/o3sxY+ZrcrCQ/iAG29YEEOdVY/jIOU+OX8VYVxDdg07WPcNlo7RTjnjEZpCv63zUvSF63
-zRlStX4eOa/nnNsjdYDv1FE+U4f6Rh3ve875Ged9Tx38AzUCGGoYmJgKSjUeuGpQKJkYNCYHqUaI
-WQ0TUNcfWjVe+GrQcNTIkanhI1VjSK4GEtt74c7mn3Q1qsR9U0KVCeE8SkUFTyaCND6Z3LiCMG/R
-9wv2yz3gorPVIKRXWYlThgKWImZ6mpiXYjU49WqEmlJsyGPK38dl/MUIDltWjVyxGr6s7zmMG3MT
-zGLP5JkfIvXm+0+d7lI+xSSnqZGuUsNdocY8Vw18kxr9WjUEguHYs6rFU6gGxIZJESIQfRhqeDTV
-GIm04S5JkTaHTs2XUyt9nJNYfIcuyFlGR8Oa+kc6vdWA6qtRVaihNVPja6UGWczzNfUJDLcaU26i
-xl37e/Lt1BBMsgVQCGMx8mS6DIEw7aQamkc1Pks1SGtqpKawE+WdIXtQ43avBm9LjeCjGsY9pnLK
-AdG21aDeqZGd+XyRMMMPapiPAFoiP5XzMRfaA8stZ9/gXarqGGYaagDcJBNLsBIIlFSQKtFgUPIB
-2wzS5Hpe7eH0tyigyAyVEhx0JT30SoTQpuJ5jl187tL+rU3sAInXBhvxLV4oGaNTgoZA2YhROGKt
-+BBe1u2mZrLoXUIGIawD5VtJI4ESSTTUEl/JJjn6SaaEFF1JKkZS6Kc5126ZklsSJbx0SoIJc+MZ
-vHa96JU84yqhZlaSTaHEG6FkHI4o8PyVtKMpkQc57RZYZvpMOROcgm8pCE3I9EilzVZ6NMyYw7IS
-jrJvDUkqOUlXwpKhJKZciU1+pkE4A/5Eu1FUPM3eBNG2cX9rlUH4RILTzgvXeZxJdvIDXVZcCC7N
-XHSXYMxuuu5AhxYQaTjKiQcw+YhyHua19AGRznxqhkw8FZV7TMw8vWAyhyppopu2Lrf7uyiaT0nb
-1FXq/jYoIQI4sbUNWooaMoGnXnK7WiQhQEqCftkThseImBLgfNF67c4g6ce12dSvWl5vQrty4HdR
-Prkyud8o3EVwn62yfmi4+fXVGNy//ypN9GTNE9Ndf78b8kxFjx7cjTFRo6XH9Cw7Jns7aw593Lr6
-XorvOo7GJAIi6tWMz8uyqvRn3iY3FW5euaBU9uWMo6Pzc+0QNsN4C226u4tJyGfN4QTRBoj7ZtIX
-txm/Szxra0mcZm/0YbAzKvhJnil3dIeYS+7NnLbGGJJI7fhYKDrj2XPgKRIY4/ddw8LNbfedLP6j
-lZrvDaDU7feXYCI5Yf3JVpo2HqPBNw/zQF9oLnVW7vZwKpuxXoMtWis+FVyxXZlssfu9tqn1Wds0
-NPid/lqJfBOi7kTFS4EnSoYHa3g39OoxKRH0KM61fPnYy3pV2vik8KhLAPILkTeHdObTFy631ri2
-PjWASWHf4TUG0WZ2SBhimY1yHzsVRwK4CnS7BPCLs4ce2hXPnaJVXsX6zrGjuldN7ixlxnHtb3+n
-MZCCLe9YZgDp92v5OzSrLxZvryLT9yxaCfRNiOAq5tXK5MmZuArELRGY0PKfQsB7hHLlpe9AQaVp
-duAOUT3bUgR3Hbog9rXqOSr4svgIuNwTuOJqvmKtwr5AwjcZv6Yu5ChgcDuWYzVdLRFl95ToKHmy
-7Hn4/p9gj1YO9dALO8KdZkgI47aOj7Iduv4FnobpR2eb3d05rnntzz598LZfWRtW/dCxaHNe1+pY
-bkg09rI0j+nUpjcE+GiZ11qoDJLpTdcwMlCmwL67ik3ggOxXm6p0t/AFjQvbDOMyGhpNCj5HnrBL
-myXfMWu4JsYBha7NXZg4M969vbSp4hWtZTzBS8ROVZby8P3ukJFb0iIn5brH/2VEr/d+2DVg4HgX
-SS++uE31UgVO8DjZaFu1ebWN6GPMeI2mdbhqfNgQE4ewOaxrqut4U/r8JuoeKNn3u1z/soOLNXxh
-TAbJC1ZdQB3N+OZCI7x65T0Yw/hmIK5SUdI/R+Vo37QRDaJujWbtutnW9oPmgtT/M/eNksD9/B6a
-wQPC+3AIkOmuLRQ6gN7DsZajXLU8WcjQyQNEOvfMTf7NaWN753nui4Gzc+O0xiHitcE4LpaGF/sr
-ds3dgq2odRumfu2/2gWxxJpFGnE++6D6Os8TOihVKx6xo4YPjhmyNxVXq7NPbOCIesqxv3dPf3mD
-E2FB2gFWYDdWJyGNfJcP5GMqfn+0eWYbW/09OeV2l/ruxWcsOn+/kXIGXOtGJzZc4lBRdcGdc6a3
-qqs+Zhrh9pNlNDcL1YPrdXwB9oLvWEdzbPXcOfUgWltLxk/fbyqB50iX9hIbd7zFUFA/aRVLOacy
-2BSrdyNyWJtyJuBJRwktOs4AcEFEw4GtvUfPLM7p1iG6mUjr6tKM+fT9plzmfewxJLrpoSRm8xTR
-AqLWWu7S0VmGdxWVN6gRGA36cL5OaRoccCVfR2cgnOf3r4Lv6T7m8hwN3IdCCqtRGUgANkm7htm4
-mrPBYrBfcPycLmEbBnSjPeQYV46yN7ybQdQDF3Y+/xxx42ekol/MDiHGUxNZyNXWEFP7mKrwC5Wt
-7ucY8ewbi/rNIX4WMvApHSs9oSolZ60AQMBgmiMMmVua8c69Po5fvdOxkUEY1hoR8uyaWw5AHQ3b
-rCgPZA+7TVHM3hNDAAC6Loi+zJrhwLHn09iUdGDMRF/SxkASYpu8FVCfD55b24CRuN7PbnWFi3IR
-4Oqw8FkptexOCrwfWibOj9r0w9U4qUm0ZLuYSePHoEUbeAEYf0f52haaxaXDmY4Gt/lLimF51ZdD
-uLVG+JoSLhFulOQakYhZCkcCKi2y/qLJQaz+lcW0lyQw3NdjZaDf2OFnGM87LWwwKzayW/yrU4pJ
-78oOKlxufUrhndKqGzcOrCI8iq23jCuok4GC0bTW+//p0v+MLs1l2tLRlYVpufwBhed/ZLqdfvz6
-kcg//VW53v9S8vN/8wn+oln7+h94OFwLRZd18j9o1uYfjsVc6NLByh/Mv0nWlveH7vnQ23zf/w+d
-uylYp/75T5b5B4/Otw3CKRw5Hdv7X0nWKNP/IFlrihFnO1DiFPft76RqG7kHobqVO2y72abj0buL
-KE+tq5M3VEJUzJ/giptyuHlaDlCSj77iHJ8OrTNHn6WQQD67ElY/1V6CzXqOgrfQAQ6f9KbMfpVx
-RvPsbI85YvHYVysiNdaXngjvFWhl8+ABzh6XHjEcHR71zOpnUYahhmCLxryN6xbriAFCg2BWzQGa
-dqbC6VDpHOvQwJWhkTqtd3Oddr88d6A9TaNu4Zgkg/41MfjsQNH39mWgmKVZycmKj1o0xy35G3sA
-CELYVmzkqIiRDfdqd9mV4LIO3Incu5cLxT92rGQ/ZkG2m9MRywuRSwgHNPmaqGe2MY3LIIb2IPIB
-5A6tSr/qeOZSLiT8ixVYyDhaZdxm5FIkrcellrK8BYft/jN2tPEg4syGtCG75zLsaJn0I5Nuy0An
-iVlXbFNzKnTETEIU1+CyGSjDtSmQoPZ6zNcuy16x8xBOfoM2h/Elg3LD/S2ssLACWcd93clPnYxF
-uMWskJqb1HTh/WbJMB9LaEG/c6aPdUyOWHU82gR7hiyjRVrTqk8zafQ3YvvcXYohs41FlYr5JbPj
-8LmsDT4qFHXywLcfPdRDX71zXaRlBdpmvZ9y7h6Yc/sBx00bbRrm4j13QLJ0YIH0Z7/jSL0QbjUl
-a3Sj9o1GVfceG0O1LbMuXfl6Tz5nrsbjCHHnlko/wmTk4NJaScvQXmIraSk7kpzI25p4hIscuc6I
-4KNFNTo2GsgxSM8sA99hTiBYMfPDbcJotjQ6K3ilc258cnr8HTBF2gA+aEvhhBd0/rkoa+B6XtUj
-rjh5AguI9BoMV7cS4AzQD0AAo6eNmEYgoywityEXN8xA4zHcV4W95tysWZvMnr0vux47F/wBQ8Sy
-z2KHcqjKBPinYdrGwOrU5cecV8WRkEazw1mBGG8OI3NXY5oYBt0hzYYde5kS7hdVrOTG9NB2QXF0
-PNqGS0m8TCHwgFzh5xkj1ltZgwHMCn5HMbnhA9RBkmfcBC8zihpeptgK3XNVM/sty447564kUPes
-+XT+EuvAV9UkZfeVas00gseK+tdOKEu1kY5dT/42zIedzIJU24EJDC+GFhXgortOfPRuQJgiLsbx
-B31h4tEeaYbssV2T0I04dOezOM2JxLpo6tWKNVdA8q3EqhcmAQlcncqL3pkZ0S0Pv0QKc8mvCTfk
-Kv0f9/ZnpHPmyKqbHAt6SgrHXRdiLC6RX01nKJFM0sP0g28Gv/yUleEvLTCotNDRLaoy0nEhDQod
-wuomz3lMqZHSTG3CYjCJTDI00xls9fIj9MwWcKvzPnQDke164NycDYDBU9zqOKPSBRgv3KtNV6Fh
-42DKIq9eGBjD8HMk4ybV7EOpaVw2bSLqicS5WDnke22juCIR0U+TDe+JVQN1k5RmFRGtIJMJL8Qs
-7eNYz+c2JUsJZp2oBt683u0BNDlj8hUSTz7JpAbBzmvUa9gfDozMy44UpyBNvRhUvWiWGHghavpG
-ktm9WVas3ITt1Yya+dgEiEmsLAif+JC+CE6xbG+MhB2QCZ1atvBnMrcat6Vs8KfXDnBhTojH0QqM
-VT0b1r4wM5ukxsRSMMzoz2jm55oRf5UM46lv7CvSKHOefZgtsrkuWUasVLch6k4WrHAt779GmN1Q
-njHLTCz1J//BmygFacFLY3J+qwUtEqRZXRf6vz9KwgfGjgGVgkf51AuNq4MNvCh+A+2yCRzyMHni
-IaBF4s2U5rn382oNTOba+uODASCrmMqdwm6wxyuHaFeb1prkg1g1qS62tIuuYx2GQ8XF1Sd40MEG
-r8QbMhMW2OAjIb4keTmyw6lfmLvPtqCSGvmclzv8roM3gIUn6pvTsATxqTbACr+UxCi70d9GKgHl
-WcZmDt1fRnKOyM05DjHMsmsPDT/YgYVCDubN8WAXNQNP0h6xkWfJ0SlmJN6cZKVMdnjN8I1L8bGe
-bbHnOydTDmlAIx6TsZhV/enlMXaTB9lcsgnLVwjDyFx2wzYNq2si/Lcq4SpsFx9m0JDvosGUZF3Z
-3LlFPxR1fq+HaoeckuF5JXWZ0UKzSr2aRsQOWo6Ux85gkghmm8Vu3v3OYrR3mEejgxFZAyVZ01qD
-dj8uBlPiDW4NAw2UG6Nb8v1lcz9vu8zrOW8XnsoHqvUrnRfcSFKktJp4ajtoK6syqZ1xEM0HVgBr
-DHYo5+zQzpGY0k9X6kC6EkAM/kRAI6iIajg2okYwpOEqcsNi7+naL647PQ1mZJ60Hlokv72feTZM
-W3MkeMBhGSFrKMu3Jiazt+hs8iKAopruh9nq05nVi3buPBmeReMkEj+oEX80GAR/4mGSd9sfvC2j
-GOpxE4xqq1W99oJehoVmBT3rpC5/K6jsWXtWCe98SDvKibnHM7H388HCDy9hrBnh0TX6JuIQ5Mcf
-cWTrx5SwYbTMqjZ9zRFc2GvMMd+A70z1JkkKC/CX2ZCyj7DsZZA0oHxiA0MA2nlNPWa0rCVEYBO3
-+uzKygkXHuuatxjVLN9bulG76pYxA8xjG1XwNMLqv/SHfvgCjlX8pFDNfWrtDnZTx9kP/bKvm1ej
-sMs3pxoGQcfllPwaAr5PpGivvleptCmqHybtbRYhmiP1x+XWIPq3b2JQbPfZtNroQRKjhz9WjmDm
-ZTzpwyoXJMcXRVoU99CQ/vQcZzo071qfGutaVmV9TpPcebfSOLVX6M/YbSACnWVBTdMoQ/kbzkp5
-9ml/vsP5TA6xi4wamgaXcS9N/G1cBRBa05AnWTAZGAXC3INPkOtU02ux8DoYWGbdLMkfVZDW6BCt
-0PxBpowiInBSVta8qnlc9cJuSyMCz9uV2wj43oYhla/Jbu/FBGVEyY4lEQG1ZJ+3nvvFusn/DbDD
-gCQ1AwmNfYuFmiiQTVo9Hp4zhL1wWRCkJ/ppJpQwd70zbDvgxic31Ck646af+auGxnqKSUunYBM3
-+tid9YxE+dy2FvZRqtQerMY1X32qUThKoN6jduCFuFGEkn4gytoUutjOvC3dCqBe5fPigCSv/xaJ
-jyYfJdisysHYQ/SSuyqXwTbpuuljKqVzF2FtDgueS+7eIkz8FoV9TPQ7D6drGbrzfporZ1ZbxOTG
-xtZhWdEGP8Ca5Hcrimqc3FHMpZ/dP8hgq4/ukzfAirK1QPsyxpDeB9s3NFJko2+IRcRC+1qrjEpr
-9+U7EkAFAYPN9RlOkX3sZIcZ2U77/JpHjfnQTAZAKroH+kfXmcJHO0v9Ow12iKmlS18Zsd7mBqF0
-3Gmpj9aqSSBCIQh9FoEc4Y4FLK4HPdejLQLgfCpEJd+MlmchzCGz+wDAZjGydPJE8sX9NKIWnt6I
-P+iLpsJ4i59bPMASaT4ByZQ3t2UboBns8iHh1w33l8TYjsbUn0PXiR5F4coN3af18+yY3kc2W/FE
-PWkKV4h2hXrhDFn4BQNJXrNAA6DQlRTwZKnhs2JUpV5la3BBKrruvbcnLiR95T9qttXr7JmD8J0W
-BJsXbEkMW3Ol9qFlFdVCBb3Dl1LE7lb6pXdtnKpYlUlETNZ3QApHwCsuXthMP5GxAUn7jpWRC5kd
-4ot97bdPYhoQm+OGU/XKopGd/mxnmh5w+Pgbj0qol9l23Y1X5dkPXFiCY86YjgDg5uHFsXLvHtRt
-XnNTsRSyyxxImIaKAR4F9UNUWyDyu8bkeE6GBpiHWYwtzWUdoLkD8dqu2HYtRMZ9P4kQYJTmj9q6
-nQLvKSFa/giuSLQL6F6ccFi3YHP0PA5gsu9rYhsiaB+j0OPSRjchi8UeG6lckmCYrWVnVqBvg2mo
-34eWTqtV2wt8P7odjIfINa1i5bSu3DdGLhRHK2p/YPIcTUYL3MZ4SCqwMn5nY/1xyvGq2NBn25bV
-fTCE/eEHxnA3rajh2eTIE7vlwl5GrBBQgZ0mNwkzDjn5FT/0YVhz+nvMks4MfzglPrCVgcHKvvkk
-joLN0DsIoKmJoJQkVFoizdFWvSIUTGkpxzXOSfEUGTHHwBnEYU511XYWA4K4TPzo99D5nr2aQkh6
-+F/MnzVb4a+ef8ZirVaM1dpOQZAl1YRqm8ZxuY40mZ7bvpSnphXTs1a5tXMKKpYlOWibBid7o5+t
-wk85q46GSWlWQEeQ6zbBD8F8dtdzrZBrhgyoJjXTULoeS5djXkPMei38SPV4zXxDi7lniYrMkGP0
-qhL6rKtYL35YoirNW9wDwkxMSb41zegFBzLaLfOyGLiNlXUgGeU4vgRZJW/t6CXrnGNMsJpcFgSk
-dG2+dNpMDnHBENf5qaKPm+dvZPMwCGSVLypqV69rvxovRRqZVPtQ07z0KNqgmi8lAA64ZLiySE2z
-hQsZ5sdE2p7AUhccRFKLTZpT9sK5R8y7FLKmpMeltV964o9osUEmbw0de9oq0DJvPBvQrZ56rdeZ
-5KVl0yeOaGLCeuSzFTzzPqdUdC13eyO8cxeEGmJxUj3GTGhrw279X/Y8VCy56Q8fq7r4gXbYnfSE
-JSsjmDW95rGVbsK8Re62TP2tLHEWOZFDJ6VhTUTwsA/hA66n8Sx6nFExdderETDn3XWS8BgU4XSu
-LZNlLaaFaFukNIF7ADfJCGMg58YZexRbGt06bHxWz0ySWz3ifyM7UffWJOQuMhH8GP8/d2fWGzeS
-bes/dFkgGQwOr0nmnEqlpNT4QsiyxXme+evPR1ehj+2u60ID5z6cC3Sr4basTCXJiB17r/UtO26J
-I0uJf3M6dXgMmsK6C2atISwTGvgxTQ0Lm/PoXybm86+R1c0XYoYyjHRYdtzGtgnLaS17b5plchwn
-XaCRa3Q86lYkt4Sz689VPbN6B2Y5Nqsq66hzKwWQEmEnXLthcbBpvT1t7KSb15JHfYcQEjmAA+nh
-JtHowrK40tifg3zHboP6gpvUSyfmJm5ACsE+Gub42WyT7lsRMG+n9jEvxEkZD2xHYjMrcroWjeTE
-YxaYpwJs/ddKKbEpsyLqe/TYkLUpC/xXU4vtFwZX5ZvtBBGPfEdvHmaZmp1JJw6RYofmpecwVa8q
-256ilTDV5EbiXuUkEYpzpM8L/SGP41sgpKx6Us0Wj3Nn7UFPTY3nkxwHEzAPnkKEo7cOdJUPU53a
-S0sa6mfVhM2mdmKOEVY/EWdtpQjLlMHQnnGfKQgLVBXrjCyNbm9kVu2KwCrvpBmjy4be6EFR93E1
-KiNaC1sjP9CYj4oKiNaPUL5QvRTyxs6c8YyMqxcrBpU8kHmuOwA3SKDx9dS+tmGH43/qSr2B8cXY
-FtAnphqhjzdFoWj4DNMBNDdXkDAr0+jjS2Hon5ZV07q3mjnAdCIrApKN0XpKOhJ6+iSx8/t0NIYn
-k+2x9WxRWajmtVy+4diY3P9Tz3YKtZtEtaLJyMVVzRjfSsQadVvVIDKBQuAOdf+fdL7/N2mtLYfk
-j99orU/vSRO+fx2+fSt/bGUjlF7+3V+Ca+MPDdigoaom5aBJ4+Jfgmv9D1WleU0AibSFYy+pJXlR
-Ly1qTUNwTTCTIyxD2EBs+HF/da8RXJuapvM3SMZ0g477f9K9Fii3f5Bbm46Ac0X6iaqZJtkp5C3+
-3MPmCOmHtQA3ZQ4ZpORmy4aZnoKsfmsbkrMMi2goc8iZkXdbn5mqKy31KfRN9VQ0/YsY4teurM+k
-E01b4GT0SJuImEOIdjEnCpdfZSHcT68ae/Kqy0KmgGyvqxDqpOokLwMOWqefDsKh35N3i0+Z/AR9
-iG9/uCx/E4Hys6j8+29pC4GqXNgCz7rxy2+JmyZs56kwvHHhLsluk/ifeV1eVNP68yn4yZbwY9jK
-r6/EddaQcmuOxn8Mw2EK8uNMAFWLmEWWGZ7WTijankepg3MtvLa21r//nYx/i5WB22xoholMXvI/
-y/Djx5eCxDpkYE8VL0bzjCa0remuz/tMSb12QnhJ8sHeB6jspibotaFm3sWCn28GIa5WgEeWyqzd
-zRzccAu+8k1XND83Hcg1F0H7vTk7h0AZsBpa78RBkFPgYN2EtAPPV3h1Q2puXp0mI8DoNZodtNsl
-d0J0zV6w6rptn4wkwUaDF/rTu9nPr1UVvbFSwZdFw/0PH7u22AL+jOL5c3jEp0BunSoxIEhTEnbz
-84fhSyvsJ6Fg27WXASJzl6A6mgrYJFxWZeFvneKlzMx3xe5ddK9QRnx0HX32NVXCb7+/ML/Mgyyu
-iKVpQhdsHobO+OmX94IKdwwgKITrlE1oZYsUgUdZ043u6TSOWvqRIqE2k2LbACjAb1hsJBGDLp3d
-dJU5+p3o6od4pDSR1dYIrHfor28Z+lKyKu7/w7dqMTrDB8IGC4VSsqj8/LHlsY0UuR0hIRv+axIg
-+bDUAaC+SVwGWNSyja5NV+zRGO3m0dxGlfqkoI+jHUSFg0yhnmOv12aANppwmWK7oWlehxKozu/f
-6L9dX94os2SmgByc8Z9Yzs9vVAaVZUaRpXh9lD5EJrA7Ieov1OK3A3Puxm84LtHjI17209SDr/g3
-3/pqfpiwqHZN8A/vZvlUfrzZfnkz9jIQ/GHwp5qlhi099T2fkmKEOpjATYFgiThG3zb/+HLG8iT/
-+nqmyt1kcK0sXf3lhrIEtj6SzzF+g06B2VpyMm1rr8sG7gvjQcPysLGnrPD6QoEDBgPpkGRFdhPH
-frMOhgxevpO/+FQZAfrhLG6uc5QmRz00oT34zkhnOLrD1vxmz8G3luheRWD8xmXhwaBbjLTyoaQ7
-7Na9DnYEcSW3MwyU7mg7DFOUXGbrpPAxJNt+hmVyfCydptmBS5/WzNdAcPnKfVRK+EUKJwTctJff
-3x1/+/ngy8XWZGqWwZb40/WYhJo2Rcv1mGeDtm+wCY1XI403v3+V72vIz5fBYhNns2R2zL68uKB+
-vOxo2io993muxXIQsEcYgFX/ZNgEss4OMqukmA4lwu54HB4w/+zbbroXk/7q2wyY+sZ/q32brm3z
-lXM4waYJHM36OKbt81ik29+/V/nzTNqi0vj5vf5io1J9WM96yYjFn83ThH+1SSzoTHH24rN585T3
-vQdzCqahEvLmJmAeYxplXoCJ1y2GWTmbDHnW41iJXTIXzhb0Yb6L9SHZIfnxt1oP2g+JCfJCTKlP
-3WAUblm16KzSU17JWxqClLttT282Dt8Yrc6eqfYMImeE6ijA9ZUyEDfUIsCmCyHYsjQUfUypn8c2
-fmfQQz0QB8q6zIJgP8nuSQdl4s1j2H9mS9oRnF0GGl0VHHOzmDdJmD79/hP8eSP//gFqljSoj9jH
-BVvLzxc7LJy2So3c8fzJPDlV65ZcZrvOj7BG/mnz+vf15HtRYonFeKfhfvv5tdBOVl0jwCL0+oxb
-aVxstX3b7zJTGV/DAUiPQeOmalUM2LObdBHa9x64TmuDZpVCnDDGk3I1a1CTYlAfzvQPt/6/P2AW
-ugueZgcNA+XtL3f+ZKIuaJzEByuto09rd051qeOP33/if/d82aTI6KrFa+An/OVjqKGbdT12jXVM
-mzqI/ZKcWRxBEwpFj9nVdl6g+lODhsECREALpr9JK/kYD9OdZPxGz4QYOuLh1tWc4TygqcORmuS1
-gFMZKjiQhQSDGP908ajff1mcLRscPbsn94mOE/Lni5fUKlsrbDGvTfwj1f6egRnj7y5cU1e7loPU
-iJK6WkkS7Yx8wLAOHiep/mFLWl7lp7WJgbZu2qZpSbZyXC4/v4uegJmZ3GTfy0qLrKml2Hixm7fM
-ge2Q6/dAcN2IzuXvr5j2d69qcrwxcZiyOclfrpiTTapBgJHjOZW/zXTg7JSUxj4v5eC1pkNTwH+p
-cSP4pbOrQuM9jsx3E9QDebzpLlSK4gyNjYxNib8hOHF5meT8U/yh8W9LoU32IgKhZek2bZ60nz+a
-EVl4oQL7ROXZwUWst8hAN35MH2we8I7VDCKOdlc+5qGk/zqbb01Rj1jx/Ncast4qNo17feg/CQLd
-ZKO6CXpkbUoSXQYz2WJ7fK5yhmBl8VFPMBOkksy3uLK2rSP2jLenbWQP177TLhP6x00im29Tpl67
-yXjVGoSnhKj2dbIpGMqimgGdLhjl/f4qWX/zAZicOywKZJ4s59faGNwHgD0ttLymt656Ju+ggXom
-swNiYJfmKKKS1GnrdSPDm9lQ/Y1QG1iVQXPf1sN9UZMyiAIfgjPpNyOhC3YLgdTO1BerMgP4Dw1Q
-AFGfUL1DGp9Y5Ksh2NQD4kkLNJYVGINXqmq2eHTezcB+6IXzqunRjRYIUoP1veKU3yylTd0sRhOK
-+mTu5q9h3JdQKMgh6yKvH3HgE3/H5OI0gjNMUmJ8Cft471tUjUIEqzgftm1r3hRKsq2kPq9hVihL
-9Qw9PBc6kF7UgDLKvUAonEsn1lSy6bFymQpoae2gy/IDp8Rtkb5Ys7OO2m//cBF+fT7xUqAXZVKm
-oTvDIPTzTdiZuQ+pQ1DCEZIz76S16wskVkCG/ypO/6ed8f+b+jAqS4z1e0HhzXselV39UxvmX//s
-z06MY/xB1abSA1jUesb3fsuf1ndH/4OdzXI4ORqg4+0frO+6/MN0VItMVUPTKfmk/q9OjC7+sGlH
-Sn4iOlsHr/p/0onRpcWP+mENtw0aPZzjWU+XZ5VE2l8WKomLoFTQ9+06O1sCxOoXVGT7ZoDgVTZn
-jwPZflqih/GGx92XYnoEnz+7mJc+taEJd73eSejl47W1vmU7zJmvSZaITfzdKsqwsWGMr2aYL2eD
-g8BAWrxilA9RnL6nHDv2Sf7sK+UVmFYgaYuwtEd7K9ftbT2o7VZvNDiY/WWSJG+JPrjVZibPRotL
-odceNhoyI374dAkVFFPMow+h8TWty5XlJ+GdnRCWF+3mqlSPnBS/ajTd15bqrDoHCpRxLFJsxr5I
-L5iu9k2N9WKQYkviebghyfBQ4/Ga9GwNWUrdTc6EtRZQUa+ZPaV2+GVZcnnIq9vJaty8VdFnY2lV
-00DzYqNilJM2lxjY6ET9yJQJkbD97rcR853KRVSDfbA6gCa5zSvE8WFzJOPuPOXLhpaYTAcz3hKy
-RlcvGu1BVlct12BaRnd9rtEyj2psUbD1SguTc4EohTvQJfASPYYApNSZhHJW+mdi0jozGwZvGhhU
-t++IeMhouq9AFukIBcFJljXVAgM8IqBok2ubzuA0TuD6R5m1DiM5FUCXEaydxa8unO1cX22/C2G0
-I0VhUsS0BmHE2DVXAlq/IATlKG92GfN4rGiUAdk2qyok7kr0UJXTaoLStRkiOIyd3dExSXp108re
-plhySA0/Zb0FdbpW0ax1Afwc59rfVr7zEunxl+9IhBskjS5e/00mx1ttuW4MyyLC5SNWdr9MWFHp
-sglUr+k7yjk8ZsXXMcVoCZABWE5JtgYdz1UjGMXnxvQpo5Ml9G9eu0yWGrkKMdOu50IbXDT35qq0
-GG7y6cdVcUgqMsPrBkdxVIrJ9XuJ8iJyTg681ypTHg0yqIZMIwYokqM7sLXH6fhsmDVaGCNqMOUl
-zwOZo6uC6N0A+t9ANoNEDAnj6bmMhqd+HPZK3sIyCx6RW94Eub/mjtzraoBQqyKLwnFLmxFGixO1
-vDbowFDsaTO56f4HkFdOPoOP9qEjaYXfmBl95KagLnY1UOtjxvQegxtYqULgnJI6yGXbQ/270vL8
-LmzXcQH6lphK3zV16FLRbOCvrfKLg8OARDL9YQ6ZJYiT02evQ0YWY6O+DY+DjwFHN3SfRJ3wdsyG
-0Zt0un+bgqtWWKcy8JkRxIXXWDlRHzCF+9xkBjY8kOuwxLX0d/iDSRPEy7CZek5kmQ62JptXKH4f
-kil5WwCu0soxTCXZOYiLdFWYzVYGJKwHrdWtS0NFZsjcdkfEGoItkxx2APl7/v0uMEPAkUa6ziPt
-HEmbSg+xVogF8dhVR8xMBOyK8FlX32iwmjuq6tlVk+Vdl/GdJoKvleBhjATg37wbDYyXyApk95zG
-YtjSk7ida9SlgrC8VS1clEY7s3yqagH/vJq3MhnPOUFDz0GPa7vBAQ32gD/6JsFVIIheMZgyx5t8
-bd+otxLRy4pjF6EF38mqg3zymw0URvhBoYO7OrZ8pAHcvfgaLUJC1G6t+71GgLIfHQt/oOUajl8H
-w7a9MISKEOtkFPaavZMgt1W/GEkNVhIQTWAV+uPCGQR9t5uEf9WMhrggnY9xbnccOo6z3DVNclcw
-v3Qtxu6sCP61VQXUdri1LuKqJx62VZvjHh7Nc1G2z2mO8dbKxD7O8pOdFFc+x8CzHMXfm6yoqvat
-glGRpejCC8IdVr1q23v6RghTqX/RZtzboyA6b76NnHiC9dGi6rRB+2iQ98FBE/pahMODA+m1lc6H
-7y9SACTjtzGIMLdNsfXNTmw9OYI2FQKxLJnCI62b5GzJHu8OWI4NAqFmZ6sWkbj+1B8kuql9PBhu
-F6HEBBngqXGo0aAalKPRRZiuMtXcFSi+Hhvp4CmG9MEVjPDpzUl0AhzxrliRtZEpfnGZqtY6tUPJ
-bH7ZGpDNRus6wcD5PdcrNXXCvYyQ3N+6wJE1NxmLKoITZw2C5NDAZls5hDkxaCVIFWJzUtcIT4Tc
-qY2irZ3sQUOrbcbxTVWFj0lKgpHdHMOOPhkIU07H60khyACtcrp36nzVo7Fx6Q7VDgR0goiJD9Tz
-9z4kOAOytb3FsvdaKSOJfDD21qWmxauqGqcdAkh9HXT+56SqhzrTsz2qALeTTFENXU0/GokQmT0N
-Ny1cWgT0vKT90ar06IJRvVftJHDr0vxWLshvSA+Tp+PcWKn1eAzMgQUN2u9aQGBh6DlpKMLKvbbE
-zU5lZO3rlOobkLH/DNWsdkPWoyYQNwBxtSzxb+qJIBF9HNE9RflHHKrFpx1vx7r/Oum9dY+0p1nP
-mpYv1mzGpPUgT0CWUySWcbqVaZqD7yserbjV1npJPV4z5nWbFq2t4nAoqEkxFFW8BC3yPJPgCgdz
-rsSDwgHfV5iEBzYg96zVQ3cK/Gpjax3BDnQfj4pWp0iQOaigmkFQm2lXzIGLpZDdQm27g1Ia887o
-bUqhcqAhxsib4znZJnGsY1nS9hxneJCtxHEb5MApZ0YYAPgkyrm9E1CNWY8gCVkwxHWL0Ydpdq9I
-Nb+lj8xquIcm0AyC1MxUKVHNzG5o29kht/qzGjKQkRj2UI0jX9YYo/g3ft+8xcq4g0qyT/oJN7oJ
-hydMPDPXEP2jgHSZG4ZrXVW+hFygauRZCK3hhOIHaU+kXcYGdkVdXQqViBd7F0QRq2FwWysht2Ca
-rntg1GqVkk2rPC+XWIr6OIAHIw7pmpfUExZuK3q28Ve9g7veb3LR7GcValiZ7Qnylr0kAEzidsVH
-v1altoEM/J4GIaprbYOU/atSSyYWsytNnpUyqm1XLbXXVmznIdFBNigVMQs9d9lINFnZMQsPmh4j
-gA2GZOr6M3WS4YKfhDjJKEYNpuPYNC81ZjQ9Z3WaGauy/PTIDEbKAmB64tTH0Qz9PiH/I8LZW8uL
-OrYvlCwfbbAc6/1uH411em41Jds4OgpeP+4ghcfNqa2irdTyTzAVXyFf4ztgR9GJsiQ2Na6M3A3r
-YJOR89XacQBeYnQNbTppMdi5WvQUjCqOVMWYn41YuTFkN7nlYjwbzeKU5XdGgAqoA9YWotibAytZ
-6b1zStX+3Vc71rVGwZo+OW6rMlLtepxDONZAFSKYMql00LSsOvVixgNh40V3PyyMSsSrl7k4dp2a
-u61h3mOFAO4awg4I+CxlzIbP3frhJ8LFMW3xs4MOKCam4EbhlGzqkM8rizN1TWKz7L+QDrcSaXCC
-sb/gEA3Mk+W1jwZmtzMxJbZ9o2SorPNgXZT9FzNtNa+FIMJxe9qUZ8xG+D6EjDYw6oFcjjujrJ7y
-EpcN+2HWl6pLFTNBjyhYalpoz1WJJJonlXMxTMPR9FJSMOYep4EqeJTMxNWJly16Or51DsHIAmZO
-+JntxcEnVgKtssJFWZ9tZKKaK1rF56yRfK/e4y6Mho+2DK+5T/WRKfPF0iHnwd088Nc0lmP7Nu4s
-9HB6ot+X2j6HQXTjcOZ24RnpHnJhbV3Girpto3wrUb0fAoe3UChzhvJtKAlw6KHBlHZ7DEJs2A62
-DmRykIfJm6C2Y30mgnTGTPIlKeWxG+PuECwhQaNNDTr3qfaA6u2SaPZTHltob4pZ3if53kkT40zc
-aUMQk4LaeBSbIlDchmguRG7sBP2ZZBSyaSDfYrZBjNcOKF6we41wdUfKCcd8Fwkq0UVJBN9sikz6
-pC+xv8u6czI8xfG5ns56cIeEusqeO3Fn1XcbohpNiMxlQs6SvYNZbOpHeFH9dOyhDxc3bBtOdkcS
-B9vZvSEA1V8s+WgYh0TnqDVPq80o97zTWzmce/1+UN8qekOU7PiFNlX6QO4d4OfuZDqn3LzRsB53
-OwKwmDoxZ4IQ2Omvvfo88/YRTKLqiVayuE7pN0KWkvHkfwsMlvKDop+wlrtR1bKcIFPrydh5Tadr
-W20c51QN4NUPPaGj5TfNv4W4tvZZ6Tdgwez2bFt3KhkcLWkde60FKnLU/fsovtQLtFZehvicBXtB
-fC1HIarIhkp8PvfKZfAPY7ld1QZKKi+wj2zHQ3kfwspNbhjSVtFJsBw6d6O51vmnoNdXS/2UVffY
-Ss8if4VNYeq3tf6slufmieilgAKFsje5nZzrjLqTcuHMD6ZZnwNTBkxT8jQyHsPBveIe89dmcRi0
-NQgokm5ClmTWPxCb2QZ6Nr4PKohz0a99Y82DU4a7ggCXbI9zy0xfkIE2xrqp73AgBMpqLreZsmHv
-8eV2Lu6QT2NOnlpCdkCcgaeEUoszGf7sWVtEQcxOwCq4RIElUEY5D1LtKdxvRxKya23DTrJq+73E
-hqOy3OI33KagR+2NVqM13Hw/Rns4/JPGg5iJYO8Q2kcGFD2dT1wcGZXXyZBkCbLd3KE1MB9LBAaR
-eHM70ufGrbD3PDSi9XBZ3OTRrjUvhtg38qCND2AbYh/HW3sT9PQGnkBqy+TE+ploa6M82OlL4x+r
-yF+5YrjJnA1wLdGtB5Uae0WKzwAWCeQPcOmXOdiSTQoCftWjfqIPW1PsQSVbp8mmdG6j8UkkFxlf
-gu5i87ApuMg87ICVfrwWb8m9pnsJGJL6aBZ7vdgL49KWN6ADM8V1sTahdXRV0KScmMPD1J07/VHL
-39OYtImzqHZwy/v6pVRunfKmpwMwbkgBLZ0DoL4egZ9+NCG4YiAd95tBOS/RuMlGa14c/1AmGwLR
-HdDpEKRCklvqLd5oFbYdKIxypyPulJCS3OHWrTlCml6meo6yZ6zYkAVmbIS1DjFzCb5ird5UDO6T
-A6K/esC9eBiA7RD+25Od5XFldWdLJDJenlDgIl+hizMJ4wFsUp6VZEN4UyovHo0bvrVCU5bCNHIh
-IU98HtqmrTxL2+DaA40PDnZtldwaB8Io2/CkpztOT/C+jqnYlL03D7s0QLDPGd9NWSZz4o+X8M51
-RSOaWhY81MJxWW4pyj9Oo0zf2vwEJRuccoMpAe31NeHyIZdAkIzOFQMX5H6wDBz3Z89Bnv8+pG7B
-fUY5Bgb8HZyeTbUXbTLIrhz68XjyfNEuwu8PF/0ubz2dcVPqeRzlRfFePwLoVbp1BhAc62q9QttI
-xRWhFSZx8U3C+lHJbGZnXIGWAr5X4FdRQIBwJLzW0efYvlVAXNI75KGkx9fxDfbIlIgnrli8ZZu1
-hEcuE1HXScTTQxuY8wba6nVGeEa6VokfsVcuMW5ILhcIpUuXSHvP3/Ar+u9A5SPEpHyTdrOU1zwh
-n6C8RhIaVY94GP8WK4HFFoeNj0PBiiY/2QW8neKr9V5BpbF3QCfyYZ8O7/ApkUH2puua2VvQkg8B
-GrDoQ4TGvnTHOv8a6VPhDWCKqmS+7zKfIjT4DFgme/pTWa9f9JbM2ny074IEv2w29F4DmAGCr/+M
-ioVibdwjRCfFagSfpJZfxHyXUdcUmn+ntuwB0+S13zL5JlVlzWAMJht6YR5y6HfTRk/92zzLvrVU
-N2ZIgnNF35IojkNTteWajJZnUPlrOmEdedfqwQLZCU+QXAEjWlUO2Xa2KDJXVNFXw89va6QQ0l9E
-03IQK+YGD7aJpjSCat/v0fSwy9+MMx9ZUZSXpOOINkzEGRUTNrb5AYCW14nw2qQmBYRSo3tmPpst
-v0KHQ9BBjeUOzL7NSFuIH9OqU9IbVWVCMR+nLQHBxqpj5j0S0pjmmBnaISiZkTduPLTFKtNq1pyR
-FFWRccBl8ERYb0jGiox2I3kR684+azoIA6LGDz7LTeT3b1mRPvoOS5y03gqci7RdLDPhV5fzOkWY
-v0FyV2wH2gX4ViXRgVXulaDCXK3AhJrHUwOEw3imrUyKT0jceImyZGCTFQTLKvpLFZa4yvP4fhyJ
-vg0x6oZN9Jyf/PJJAZJHIzPemKRkgy7HgpNDIY7rD2SCGxX+I0C6HJWZTalqYTAbIjKg1cJyU4qg
-qDO2eY9sZgjgWPYOsFaiI0c+8UxRVjpBWbXBrulEr/RVYh5wzap3Y0EMF+teOF5r9YWhHIHU8HtE
-dhoigw9OvtAneRbio0XdLBLbUwACrMaMBFAdGyyQ569tcWoq4Y1L7zhW560jdPATQYP60DnZBIEV
-xi3u2lsRDoVL12FEZY3httLf+e9zVpfbqWVrndGD67H0DEcbVk7wEHAKM/TxLSVdb2itF93OhqMy
-TWsrsbGkksaOBnn3faT0Pz3o+f8PgfznXIcJ2v+dgnxDci4Y5On9bwZC/MO/BkJgjaXKcVwiqBWq
-YfI3fw6EbOcPGxknsxjHtv76m7+kubr5B6rQRRbC2F8A2WTm/Zc0l1kRcAjJhJVBkoNM4j8CS1jG
-MhP8YaYPiRlpsJAqEymDH7aIgH/UG3V+2OJ8sczdqDvXOo3IkjaIogdZ2V4Z78i9nkTsxW31WfYo
-CqXdBpep1Ha1qWwAzONh7lUQ5UU9u3lc1J7WKXITOBoKSLsNN0IRFnLPyL6Ze/FWQ/WAvL5SOkM9
-RdHkQN2cAC2l8lzNFIQ+Fq8z2ORyw0fJOSQaXpW6LmpMhNZBiaXp2qWeuUkBCb4ieWFvzT1bcnsd
-kjy4RwgqISMz7DSLTTxBRMgDYA9F4ctDJ8f6diAj3fWFuqbe1K+2SWAWE33jWM65+dz4uUvYeeux
-+JRn8l0eHBVjntU004aXpiOLJKWUI+AexX7vNDHeGsh0wbEH5iXI2TFmM3xKs7o5RiMD4rYIjBt1
-vp3Ng+gsuS8SUpsxEA6eSQzgxoLQdlZhrG6zOUKEv/yxIrF3Gzq5ucL8EC1mVVJ3x+AC4be7j0Ec
-+dng2XSm9zjenIsRig8yMWrQ/R8FHEx3kkXD3IAcuBq6n2pE2cUOLbZn9vk+HdVPcE3nrjNoRpFL
-ppMPgr+LZE013mMsHr1ZGF/U0vxCENTXqWZMD7Qra7BzO8mzEuJSNezxJc7T+zbHgWGF6kc0cfaw
-RI3HrjrjGA2wnDJDSUZ9x0mcWOsca+DMYH1Onp2WqKjYg+qITyIjp0lXdmlLLPdkRe0qHckFnUF4
-uUbTPIWpHd/SYginND/ILCLpGFnHHd/0GNVTeCiWQAqJU5A+TwqJ2XRzzIFrvW+c42SSMesTbEhV
-x2jGxk+5iuH8Qhlgg2BkZ2385v6lBtL6lITzs2RoswIMduiwzOIZ6to1qdKfFp7lYXTWVQUfaaqH
-Z4W4CxeI6X4u9Ee75i/sj0kQBzipYY0xL8Ux7miPcQnd1Bew/isBAXgq21MbowmIjLzZAxlrAxh7
-vTIjRiNfGYdceijyJWpAxYtb9yj6FJoTLQxC9u5F+DoeVckUoJdnktMvGiRUCmRCZIZ3Xe+IE2Rb
-A6hI5edEYi9hfqww+/iXKi34wg55s8TPsllZl9Ftoyy7r/ti62MK3+k4Xw7Gv7789x8brUr22Fhd
-Btokfk00egh2AUZQVoITgRaoqFW0J1wnBGj5EyX65xwqxmuVBurOGMG2qtWd3vbyru+LeC1CW9wO
-I+GdUaNCzIUisa87/yTmKr8LbPGuRUPwjYd6k0ZCfXMQ2q2MUh/IkpgBZI4c0OfCdFC/YiupU1N9
-TGqy5iKrfcvIQzujuYixMCrjFfseXZvZat5HNTuNWXsJCz97aMD+eEo5qKewDNMzNi9SaSlqk659
-tlIHSgfgupU9pv2eMLiBznT9lhaa9QbV7MPx9fq2w6ZvmbK5j1OOSFJDzSHmXmdu2E67qrbvwt6p
-HkIeiViZmh1z+U9YQzkQK0Gz0AeaCd6AkmKwydVwik1Ju2rfl6I/BN1UHbIXrbGYDbZpLw9EdVq4
-+OJvlTaQwpMThFS3sMaWP0lf0gSAoABHzDfXo2NVJ7oe9SnOIJgI/VKCjsP75DvXwdFecULRPirF
-s1jGpKaWT9uWjjFNGPkVuH22NEvn9RhWjNOW3BHkQwADFAJLD9///N9fvv9/A1lDTKCtgAl5a12+
-N9NVDHnAQkSzVgA+XzvQOixEquVFNqlATled51zypeHgDqCm3XdwDG+qruAu1gF2p86HXhnmpsud
-xy4CnmkTaFwHmn71zcG1EHFtoTZwFpzCbKfMBEsb+dQdJ0nglEYR3E7Z4EoRdMzTO8d1KhN4xMAt
-yFm23pB96c2kSr1qVJ5EWpXvlSBaZLTi8BDqoGY6x7z48Gj3Rh8ZW78uTgQ5VY88H9k+G7OvfYvN
-E6vTUc31YT/q5EDl03iqcS2cSOooAGmGvUXSe/dNmTLrkLcQUnwbETmd+HHHVGx67vvkvVYwUWuU
-5oylbzRFBmuDlF4OLEygs1eY0PojegFxCNtgA6jzYWoHUoYz8di0HH81KPNZQk9BwKLB4TWam5E8
-LLsoxd63sq2CX1IvMm1f6TbRM07D+D+nO4p5FmchNX7M7hYir9tMRgfF0/gwwEHhEWbTzcsOLyra
-6kNOAvJqLE6MEadNgo+Q1d/3CqtT3ZIlHd2afe0S0sjzAOMngkXsm6YC3wG0gEeWSu427PBbwYKZ
-qHFDCymTG8MhYaxCtH3DrfaiWFZ1a82Ddh+ls1e1CL4bVvW1QuZ3mtwiv87//DINclrPjfWQ5fIh
-xtJ60xTDeDPllrmeajQMCnX/KjRDQJGqqrhyaLRN32WuJUbQLYs7COXCiilm5OX+dJoQT1BRD/3J
-t4sRbx3KkF6x/DMX7SbVlOnUDUxSFgisErJcT1P12dNwSBu5NJGdGhwncKiBw8VmbuIXJSinfRKx
-+6HUIxw1AgtZ7VsVcXhf27dDYfe3tNemEd0fMQCeMsmltCrf405ek4b+HrNNSAMMZwgg89oRUGjr
-MynuZX6B4lDSqGgaotk4eI+g+3PEFCt5azU4owqCj+u4C7ntnZzzGuiPRHDUQxEPtICxWBDBXuXI
-RJBrYyDYIAVzqwnrEkMdwbjCYhL7fkyOGCwdwUHz4ITjTquqjQltUdfTO8cvyB34L/bOZDluJM26
-79J7pGEeFr2JCMQ8cCalDYyDBDgcs2N++j5Qpv2Zf3ZVWde+NkxJaaREBsL9G+49l59mI3SAEx3R
-bwbphhqLLJrwFPVbnu4qJmGS3aehQTIIIns9dY26RI2mLhNsl0EIYxdL9geCZQidS2pvW28yLuz9
-37UgICcbPAFh3P25r6roAsQnnJvZPWTuxOQvy3/Y+vyOgAXKK53e2h59F6gnKHea94R/fGtAs7KH
-k52C6OOuXDsk+pEuV5DmVDGoGPoY4IP/a93CBY1mN5cMYFKjxwBLD5hP5lrTnfzUq/JV9Wa0n+Ym
-Z8qiNSykCeMqwNoDzWA0VMF+gRgGW5EyUKAYsohWKKcSvJURJs783THKgW25ZMvOvLEuSl72imXb
-YAznbrbJ6DWSewg789qQp8b0ukPejegTmC8QU8aGsk4Oo8/QgB53kyZ81WyYqp1eQOmvanHIkqBa
-jGUEBKfxi2WRFzIWlCxtfSuTJQ2n9F4bZgz3cFW0oHkxB3V1J4fEY8EQotYytp7YMiwCik+8/b5V
-sRmEQx0fAMdrRy1zkIlWtbF2ZyqVdIoPiJ3n9agB0Jyxh15KX+6FDYbTj4eGknqOV3OzpEZAa636
-JN5rRDIhn9iDbap2BMyzOlV+wKkdzvBNYXvVDDEJWXJq4BLV5GXMiuwfiQb3X+/m9K5e4vvgraXb
-4Jub9bch67WtT7fLwDN3nbtJJ7BKzhWRT/0L013c2bJ/pMQdQsNUYNRHpmQQu1bQJJPQVsZ3x4lZ
-D00Wqs4yy/dMOQhL0xzqbRwJZBKiHNV2ga5HZ7dklD16x2qwvZsC45K4Ft8WMZX7rph3shIu2/tg
-5ZLB3Q20A1X51sNkgzvjsyNqvtWJJKNY6WGgZTb+9+ylAVrhs5rCvVG8JHbaHI00zMp0ehSm+1YW
-drupl0y8/3Tr/xcwJOXWIt7EXvHPu/Xre0yzXnz9g2adz/ujWXd+Q2eO+MzQF63lX4KLAgueI05Y
-hJMOkhrTxx71Z7NOM24HKCtNm05/sdiq3ymQNOtGwJfyAVi41Hzmv9WsY+1cFPZ/duuLejMwSU3i
-CxJoyj/zbwp8jm+vtPBrM+ysrQtbUxeJ3RrTu/ZqVcxqXbP2DtUiqSjs+gAkBs0F6dBrO2YBP6RW
-FIKGPEUd2mpjkBCtNGRAyNp+GIuSAwX7g1q0HRkiD8uhDelijwnV6AHDwOdtpflnBAqXoSf7zypC
-LZKbx6FkTlVHgxlOJKTvA91GXKJlXihytz04XvSNJX2wSymfAZzV77PeGDu1CFWIXBwW4UqEgoXh
-QXaoY8Xg1dsUTgC1FYeDg+olQ/3SoIIhavFioopJ5kd9yMwwSgltHdnA9gan+TAYe8hJ62aR1sRo
-bPzQXwQ3xSK90QT7EjWjxql0zTxCHTahAqD4k4tsx/yl4JGLmMdeZD32IvCJFqlPgeYnXsQ/cpEB
-eXjg1oqM7FUctfkzwA93b/0SDi0SonkREzHopYhDXSTQGWWAcw/ofvuj38jhaHqB2lfswguG3PpK
-BJq85oRLnhZJPMKLlSXpSEejreBcE88aY3O+5UyVVmMffyVGRYvTDgTGYKTWmeGeUvRS+SKcEoaa
-jl50kzmvaxdlLiTLhSBDjIbIAloavHw52RCEvLq0IT/dRmw5uTXqFxQJ9FJPZEuexSLnkui6CvRd
-DjqvamzPES+m1PsX0rVT0vN06q7Ef9IyKKTAvhD/oBubnD1WpxP47H0Ep4vLtzsCp3uy0ZtJdGcU
-EifSwIvSlAS9saCAyrchT5aoKMFvkkmDLmT5m6ruvopF2NYuEjfqAkIv8477DGoC2RdZRzw85zKh
-cnKNhAPaYr6tcuulXAR0ho6hKahTFMIVIeuI7NxFbmejuwsWAZ5cpHjNIsrTuiVUZfmtjWJPoNwr
-JJIUd6IU9t5hogcrEJbwC62jz2TDB3azjrIe5kJbPFdukGIyg+/gPysK275Q67Ki2c9s8iklxe+j
-0vGYKe48CZtnS94yeiXL36JnblZjkz64I9+clexVdmwCdrBN/JBUw11eaBdd2CHZQc+QEbcOP16M
-cwMx3lG1aXLxMwXV8YgS0sDf/jqfG8hwMDX6Ncb4Dzrjlm69OM+qYMNnkuar8EyueEtDI+mU3Ph1
-BDsOEpyiLZTJcTR4O0hd9HA5gRyZFtsl08h+yrq9lep7nMPZqvoA6hp1dZVf2yJl1d2sIBjuVTEV
-d5hDTQhKDU/I3JXVdcgJHvaAuux6GYQToxdX8MxZg8vafXh2y1yEZAG/DrUkHI0gyTDOIppwiI3K
-nxG7qrHbzcSarKwOuyAJBI+l2e+rLuJMGDD7JKwZ5VDuBBZ+e8ZanQXEOurGxonI8lpKa59sRchG
-KXwqepgbpNM7jQQtHSFP8cowddMTLjUMzyWxEC2sD+Lb3Y800fyLCVplRUNMGW9CaRmYDZjE8ibN
-ozgRLvIdkR1hEbXcW1HTs0BkQtHPGjgymH7tVz0WG0iZK9W3d+yCh5nXrw4SlqQVItSqH7cAcq82
-tMWua7aaPt2NbPGKqr44YCo3pp1tluSd5Q/8BUBFiTUNbJusDPhIHdxjJgIrVew6m5c0enEI99BY
-4Yq6WTflPd3zAQ/lum8UpnyOPAUlSENpSh69nh4beCa8bkhe4y1+WjQcmCSJvJ7vC3/PA6op/lmB
-rQ59ab3NepeGgZtuTWhmhbpfau4xGRCHiW3fM8mEIcREUdpOqPFGXDkxs5icb4shClU8lkJSmokA
-S2JcMN1w1eZ0P7mYWA33fpTaRz6hDJIDFC6zOJPqqu1FPiK7yghsmnjrl51F2Lv5IRp1R4gI9wrx
-EzbwdquYHBxA3j3ByeJC7oquUOpEjeHwhm4Ay/Q80uMEfNVz2KWICRrlHJqqe7WSnG7pwSvSt8xh
-lelaamMvENwp1tLdxLTGIKtuzAmudXznEM362k2j8hZlMrTy8kF64IMMbz6BQAB0TmIHi9L0ZTah
-FxGcGYRe7TXYdUnFKdJ3McavkAblGR0+FD5R+Ws8bVCZ3IvJ6ir1zRVRcuvuAWRde+hnPI4cFTrS
-UVpYrWU67nrsiQZn3UavlndtUB50GaO+66rByooMU1VchyGeO9B52LXbijVq2NIqYootXtfs+Np1
-n8qN1Ox1KR48sjqyg5++EzUKl8BWN2t+UOXDyM1vRDQCZ9pqT1jgnV6Ey6ziSkRT9hkDArPuxxbV
-BPqUZ+Cia6n7m8sgD1J91hrKsPity8fV1qj71VD/yPXvtAVro7qM7S4iSYw2tFEHzd1NxWYWm+0G
-Ll1zLtrkZP/U+w8NejVBLBeCIjYNKnXW8/nzKMKp0K5FxcxjACXXnjX1Zi2SLMLm/IPFxITJWhmV
-L7J4bLyHoX+YOIW7/DGL74qIpuqzEkj2wYIk5Ebna5e0DCKmHYgS0bsXY/0qK7rW7yXdHADdVTpg
-mmQ6GZB3pHfwKBivzHCKGr1wN7JDJeaFlnPUQQUBO2Nike+V+FnYN62iBU1venXOoUVZO4NhiIF6
-LiYwsid3IqjIjCHu2rs6MBvT6FYJVMqrCP7OMNAzo99n1rYabFQC4lE2dylfgMJstU3xLc/ml+w5
-nuGcTl6xEhlnvl6tynoCfOE86c+8WNs5fSAT9w6O4zu9rTgRIbwq833qfdbuKl/Sret4LX19LaLp
-iRc56E4WUcgj4+yW9p5roCXRg7Gz7trTqrZy72DkpEKU3cburKflv/6E9Aziq6m2WnCxq4mdvcYQ
-tkp93j7t/jJHqwIcszKIRmASWZbhVvknT73hl2cRb4MBe4/GjoXG5yRfTe+NjRh/3xsZNq9LDElj
-3G3M4T0hwydg2HCqRyY1yAa+mfqO8OoVW+DiK65efP0pB3MUQIntXwzrmrhnBY+fqWzlfA7+tegf
-3Q5Jq3mvq603vOTJvWP97FmDNHm/1o1vhjOsy58gtq51QWbyqP8ogR3sGKeVCGqNgIvI9w7Mu1Fn
-ISJAdyIbTsRDYHbDt0nirPTl8xhM32eYjTeQ5z+cIknBESTVJ/trl6vE0s96MpJoZ8zB3u1alNm+
-+Uhahn4pg4lzR6sYrab6uwBTvRKd7t0z4CN6UCpgtcEtQyd6i934huCeRE/P046/PswLOAwMFKzU
-fna2tZHVt8AbMURUMth4zcBvlw9d5r0SvDDdlMV03HQLHRdkmW9zz5RnYdYHzlDj0ANj3fjJrL3P
-0dVhM/HpRjrx6p3dXgsyPtb4wx9H0/FJ/k7irUBwhTKo0Ta2wGUlMrIwS7/+NoNS3Mhxkth8imSE
-Coq0KhccKuAtC1C0DGpbzAEzxXLuAP9SNo4N9KktsCxZa19aBtsgB2D2qGkaoXqmRKbE/OliDaZk
-HmJMRzPwmMfIGuUIudvbAPDihyORWo4FbqS4fSwmSgmzndwHhUp0Y/eRcYyqPj0pWhE2DqvWrfpb
-FaA2J5p5WuUN1Y7h4TCpu/aKSrrZTNbQr3vBvKbBgL9BMdx8zzP9gSlx9yglzJk8Sy+/KtIoKdJT
-LPhg+so7lv1aFub4YJc5fpt83BmxgbbWGKz06HCQ8XaFBoSQhuQ2e5IZkRr+2cYYEFLetLe8TOiT
-nBYmC56tTWA21QLQ5RFJfLYiE+eR7ow/g52dN2D4IoOSqFOUcHUoiKUCFkqOoIQGv2OY+M1dhg+T
-kR40kR7GqoQXTApb2KS28eBlDOJpz1KBHrvUlYt6buAmw2qxhJCwRDOCnHMtkuhaXJviqi2m+6pU
-FzXUySsP8cXWOC9ZzlmXzEXjNWu87JD1MddlrYc6zscTjq8wVMoz7vMELZWmItqBQqDTm5uLLxt/
-5xK2RfVexqdGYl4mhud+ops+xR58scqDz5DF03yP56qkWsZVw14s2DrsMs9zjkIJdB1GCRu8HCGy
-W+rD5BZzhLe5NsJcZTORE5O0W7JHQa9aV/Y29dVb6BBmjdSDoF39sVRcCN7MspaiBMW+J+enESoE
-GqsoeCDc3trMvHvu0Thv9E6xGCrK+OyaG2DANTeJYu4GXWI91NjwF3+AribsKJBrTMLm10WCeptL
-2GXrE0aRfRZ3GKarS5YQKzoDkGw1wqIyKkWdo3lqm4/MJRfP65g6+kazdiNm0HXtrPOyYoA6FsDp
-LRrAQCtx9g31ye04xgVSrTQWrLIV3QdZI2wr6uGadWdGbYjejRIdHjHZDjryfcwFJ/T4Y3KQ0UFM
-xALgw3Ye3v3GGlbJ4rJGW/6oa8YuN8pr3r53vfwGD5dbNbvvUKlvmwQpm5f4d5brPcL/A6NbIXnJ
-8+V+Q0jmjcVXWucs6fKo3SDBv68mAxegRF9NaNJWb9TMjzp4pDh9LYX1VPcou4vkODuIUtt02uux
-BkFhwvHETeFbGCUSH8VdVeTX2YiwdA3JodIJdsVwvUpMO99JnfF3jrIxcxs+vxuGjQEKho3CqAFb
-xfkf182nXKwg5mIKEYs9hOBL7r7FMuIv5pFxsZEM+EmQm4rFXtJzGBqL4aRerCf6YkJxqu//GdH9
-X0Z0pmsZzMz++XzurvvqPpMfTTP9dUL3x6f9Pp7zzd+A3Dm2bsPg8izbQqzyR6648xsYFR0mBVQm
-RnDL//ljPGe4OLJJmgZJgIHaN+0/zdWG/tsyyQNJBXDTY1li/Dvm6r8paZgNLoEvuO8tQHz88m+z
-uT8DgQCFf6PmAbKJASOOCXTOBngcsiYfKCYoqCIw6C8/qbvfB4D/HAgHDOxvf/XfQDzm/0srYjRC
-PZnQyybEFVUy+hhqliP/+m+zli/35xSSWY6pM3rEBONQGdqm+TfNUBr1qduyhd32Wg70rVo2NLF1
-s8wA0Gh8aWBNrkbflNtJVW96DLVZJ/RNs8pikxFPHRoNWlalpWtZ6c6md7s3o4NRqqEEvNlz/ELE
-7MXvtlNLzHSK4bLLHG7FVT6VL5OpIxvQ7uoBAXuBQL9MGabQ8f7rb5Eg+P/1PcLk8X0HR5Vj8tQt
-r/Zf8FtmkyvP7Ws7zNlg2Gmwox6HJ0TE7Z0NMn9VthqC3Tl+rg1aaq2dHexOk79RbF2NpHpzyRA5
-oLS2Mk3bQX0t1nbk3MyRmEFsMB8ZgqJKz7ZJ8j3iU5P+OI0cxb6Zfmh2cU4se2eW8sO1emrgFDdm
-jQo4wTAQUxGZOak7qY/mFwDc3tF975gnRX8o7Hja+VN94I/zfYxdcoOa8ThJP0NPmrlrZQbsdH6W
-0Psm0k21FIEhbXWaiDDy2vXoTzsbx19mkZ4YZ3uFtUcOSchadVP0UZjnyBdL+xjdGdzwDkGzzADX
-aa3vyti8OWpv11/KOJsjkyVtXH3vh8Q5GbHal9gl6eIdfU+QNSd+Wx57Gu+DUSEzyUfW03q/gRRG
-ErVy2Qz5/JTGwnqxG8PCZ+CTZFibN1fq94jTXtJpyUJ2kocpKYytLY0vs59pAdKSXHfZ7It+kNiX
-0x2s45AMr+zQ5XmyKg04UaRbfudH6IZZVh2ynPVzQtvQNT/Q1YJ8bpF4s13m7mU+TUABhmH7Wfck
-qBFvjHEDRjtHi4Jj77tD2JK/t/J9NqA5wdJX4WLI0Ik5N8poC2muw5hKvsSQi3YzEHB80m1iSrog
-OhPYXd5sBkM66CdmbNlRRk16KFz3+yijINSmGMhLYLIyb+37rnFKjBdTtw9wt/Y1bG7jBKcOmD9x
-CeHgihiVkDmd2mF61H2ltk6HouzX+svoZYUVlIkye3v6rnltgxTYlm4ab3y0aKtMYeMQIv3CMA9b
-mzSEjT5pKOAd4ogRDFOH96sjxrF76TQ3ZSahXgwUtkiwANZnVr4VPkqK1kZtn6NrN94ambFmpKeP
-rHmXZ88Ga8B1lUZiP+RRuslyVV8MH1hKVz55wK/O//qd+784dr4Dwo4DEeCpZ7re34mVQVwaddVO
-ZNbL4GwWcXscVQZH99cvf/+g2ZgzjO473OXuXPT2GqAvBZpPhnc/LmeTRPdojd+FMEemIw6hs4WN
-wByCOqlS0g+zQguOlc/goy67Ez8wa4/E85mCAj9WVJyyJmdabmXFiSfzPSla55KZ2blKX4T5jW1F
-u4VYreAY+l8lqvJTD7LnKgA8sd/uukszkJKSDIKs4IJ1N6q931Gl/1H1Pk3Vj//+r/evfBHUqbYh
-xvH/qyY8tmd/eZ427+37H/Fw1/ecz3x4T9/JkX8v/sFn/V6DeLBxPTAu7ObYD1oeytzfSxA3+A0h
-LY+coxuIRv9K2rX031jTBP9wQ2j9xuMKhReCmu4buuP8OyWIzS38t3sLKmkAlc/30A5ThLh/Q8qV
-ejVqhUaTHY8YaMRPQstKekYjvoyVQOov1FPeybCz6ilE4tPRjtjimg6PbVlkj01qnEhf2hv2ZO5p
-wd6tRR2Yk1KDbN+uQtBpDH5anJB+LI+0YMEqrywrjMvgMTdFfM+Nuu7GJaDrq4vbPnSD2sYCJZ3N
-WIOAIubnw/Gc6EtHAitM5ybaPD0PtiDuBqnSKu3d+TjG87wPUgqJpMGdbqOi9PAFszxHbB8Qnm5T
-6m26ArdAPIx4kbEPnxDKHuD91yd2czs/d8kUg0K/xfILIGDyi0tMSgvhNGZ5EyQcrFzydDaaRXBR
-Qqzdw0DNEk6J9lRoBWFPQ/nhqzjYsv4S28JHOjR1c/NNY+60C3rbYW7PGsZJ2PcVVtGcsyTtFlkT
-iymb6bURVDuwB6wWg3Kk62K47fpjtFFmVmzaxV0/xGl/YzYXbXq/vhZ0IncAyb/rvnAYwA0WLBYz
-OetRH63R2rb7FiNqSz/4hdblgUQvb2+PuXEsJ/79TGP6RI3frRx5DnEg+YvRHbqxc855V4DicJxu
-babmcLQxOHtysE9S6B962w+hqFxxFw3tt9jGd5L3NWdRPGJdmEvGcnF04DnP8LCY0TYzIH5UnorW
-MCqwVfX8ZVXup69RDP3bZ+RRZWcYrvEOtdF0TMv6A1bHF+oRTPEoE0k6RkVmbzNrCN414fIyV8Rd
-G6vSIvkXedo8FJfJwYc2mcN3U2vNE/rAs4fHuCgstj+ILU3BCjnNnybt2i9oGKMs7h0kQ+Fk7Lve
-1k4epWRcq92QQQdubtqYmRsRYw6fiE+Xoj5OyfCWzJ63b+0wIw5l62fZ3h9om2mhky1Cs2+Dq8Ug
-Nklj9h0yv2k6SIyxHus4Io98MNrDKIv0VgQNfh4fp2xgTRnCKaals/JZrFZTvsfBvJEou1wVrBwC
-YeH9jNwN/BtPvz40s3OoKiJdlHCCW+KOd3q6rG4GigHUwYyY6tl7U71WhhJY4dmKNAYd1A0Pi2iJ
-2IpXL4chIyC1xr5TXbRYIP/Mk0urf3W6nbzOi305AMRzLN2aGZYt32VrBh/Cbz9rr4eZxFhrZbT1
-AuJ0qQydahGLefaDqgvnIe+iZwvkwpmluHOerIlRAfzOc1ZmIQkfyUPSz3eLm+fsTihlg2vDZunb
-UGBMFfLAmHhjYWj6kbbiuVXldC8s47mdRfXsxexDZjY+CDqGXVVM/d5fpOyRrc5wRaiAZfIm0O3f
-LA+igIG/fRUpjEJTw6s4Zt29gJLpJeIeVoSxDSD1b5VoT7ZVt6cpc95IKClPWVSVJ3qKs5lCaUr0
-yKPYdob7rMUMPmlh0WXaZzFpJUABIDRd13orFl/Jdm4ZVaRFX5wLVR+drpJ3JvvHu1+/8hVib5Hl
-9fbXnyUmuxITLDYCiq64zUmZo/YxZojQZkgsSfU+draxoZt69c32mXAkMkn8zLgwrYjXPqGBhyqe
-i/UQiy+vCSJqV+C5/mw/yiqimmsSZx0thYl8LRMyuKeqUfdlUH10sY2U1J6BL8wNs1w3Di2q6KPG
-O/d+rDznbFQP88xsHHzMtGVtVW+CaghwO2fuUaSEgJrl1WcEfx3a6eDkzfTEOf9lKe1AWG21VZFj
-r83etHezzZTTlBnGoyjCFZJVxvXXBzJdjGvpA+k2BvKsdFac0Ir7VS9dixzya+P21bGZbb68ni3I
-KJ5rWw5MhVzd3MxLToERz9TDqYk2qhUy38sP0EO7wffHG2YEZBJNSQqDDAnATKUywiHJqM9SJGge
-wLAuIm8E7Vqys2pWwQo8y7ExwMUsBxlPc9i4yC9nt213MIYxn+uzWmVx2xFjCfwK8qJ3VwYM3mjQ
-mZIBHGATgIwsHY1HDSKNFISEA2PZ1nqARXqqg5DFMAdBHVaOl4ZtNxQ3D+DWmBcfo0jqtcWoCmOZ
-x6xMaO19zV+xyhg4I9MIrvgYS77Xhawx99/8tn1p7NE7jMAb15Yqoo3l4h43PQ4kt6Antnu1JyGr
-2BZ2kO4TVpnoG/Q3zB1qm7z3Pj8pWj4gRFOA3DkjHbAkM349149+0+FtwZmztppFc2ZVzBWhhp0A
-EVz0iBSrnEg7FlTaVgpYPzqoV2I8a1asybjqxtH6RIuRmupiN3G8i4Zp8dCSmajVr2bjVEevLGj4
-lVau8MNZR6M2zzU52ABPTO9kj2OOq7oHz9+1l18fuspuL1FM/esEX7kM0nOggXtQbnTwZ8y0Kht+
-lvYQYZglHW4wmG+XpUJaxFbXy6WHh1vQ80TjqreVfc7MPAubPENfM/bZVaut9Wh72p4b2NlFnVk8
-jhHOUA0gzFfMl0+V2JFYld9JSzj3OW8DjRDYM88Pcek5qd8CmP2OApzn2RjQgGRiQ1CmdqYLji+W
-lQGICbT94FolMBQfs7ETZxcnt1LaKAygJSPijRod7YimGBlAQsQgp1mOC9vhZ63qD1eRTCqSuD94
-ZvSVIvy8ZKm4JAUYGa83KWXS+uq2gxsW+cjpvqjNJY5icKMkJnUCe36l3oUxNcd4KKwzKdkcdXG6
-0gu7O1tckH0SvBCep92VoI8S5B6PjmaeOpLL1sikPfbZRXd2phnyWkezqebgQfmjcaoHtdNy8wTv
-C4snuk9EPExiQR7L06TFL6V0WBZIdTRJ5DlNFW4MAqGeKtmXTxmbeBxETmxyJ/cuN9ywYQ3VvLBL
-ObQuOGHvU4q0Q2+MDFVWAwRz1/rOOhNwmq5/+HPyw2iqKy/uYmKJjRBjcZcpsZVaviMZ0FmZpibX
-PkKUUJhIsnAuHSRt+ipa3FEptqDHplmMHKPFwt8emSl8c1JnPPmYOHaJCErOKlB1hSBINHKGVzPx
-Tig3CJmUsX5oHPeQMJT4MBbaQu1o9cGfXFjMDdKHMYra0Ahq5952Hr1qeM/aqb7FJfp/7uTCtF9F
-itM27sYbdi70Dtor0nS59bXksMjZGpgaIThASIMQFYjM492lQcQBzLtxA3KlyAbAWIUsf8XcGr+P
-nwKZKYwflkbAhejLV1m5+7Rnz1752Z7SV2KWGrauPcujK9QPa3Qf2OINb8r7zEtKZ4jtRN/o0Atl
-pNqLppAAWG3/fZrddy4UtR6VTnxtQ2CCEyPjSgdtVetQmNqg4WhW3ytSOVZzML62Y9vsRTRSt03D
-bphBWHCSo7UXh8BTsH5LkSKxG7V1lU97e/rhSSCjv74qa2/mj0b8RQ0L26nqd15rPREAsM5Jo19b
-JdCqAj8vO/d42rbW8DyOjn03BvmX6Qz+LvMK7RyUaHJz8VRiKjyjJ6pDsv2m7WxZ+WbWyjaMCFfG
-/9/eoxhp1gwjWHG0CGuIR+RaYQWFOmvsbtztz30v8p2Y9Tv1u7MG0MkI+sEbR/Qm84MO7O1K2YLV
-Og0Eu2VH2zhJgNAFkcyRjDo8SNN2KtX4rsxviWHNJ6MnqozUV8qYAsm+55gP5At5B11m9xUkpvXY
-UiM3WWDuK568ra0Evg8KP6PGAd4GbbHjUjAd2R/1jIUWxQex2HElVg3gN5Qt2NTr8ehhkPmlzR6N
-5imbcV/UjJPRULj1pRHipYxBZyY1WVNN6TYndITnrmK4hiq631pWE13I33nyuyTihA70owknKxh/
-9GPSortxsLHU1hj2RuYclcUSVQXF1nBqCApGY64Doa+LhqbEj6qzXnhPFeF6Zw92Hwab2aQV8Z51
-OWyckY3YYHXbdmifSrykK3+utGPmK23dtSJBaBPfihEAiMY8j6GwFlN8ef0JDCRhtd6Meg6Wk9c1
-j5OZr/o5rpDmRch5CrK0smCab3oyrExBSLU9WRdsnj3umblCSddziSk1X9Fsagcv+uFN2c3xrfEp
-bnbQEud9Tp7AqYOYDXIlzveBsB/SpTmIzT57hO67BCQhk7RsrdxoXsK0CibPphGwv6wA0VDAWgFW
-2KQe33ILI1XmYxyIZ926eJPcR7N6G4YGm2STY4t3CsbEBgChCM5MaY7XvkToZPLdKbIOn0ka5xFL
-gIYY3aNdgpkv4YtSUGmgASEhpGy8ODRg9jfVxINkcKYRsqXOnU+RREHcXxIeq5R++tDOSNMkasAd
-QsQFEYZ8PSLvMpzROGHbyIIrZZo/pJ9RnEwPXdzIUKQEExNgwc8YgjYVIEb9OsY8BE4olIaLoS8J
-DikiqKjs7ZeMeyCMykmeosTf2JUt7uMaPlOLBe7EYAHiIe+Xrcnm/tjkEZmKE91kEyFbtYy0P3Sd
-M7Hm854TRmEh+1bsii74iBYHzpo3mDwVzvDe251ciw5ehVEP9kXrF8BQ18SbOMharE72uJtbard8
-YNbeNq3cMTuA3N4O5i7xOCO0zjj2VtfuMglRItaqrZsBgPj9KdEHEnI1/aC7cjvM2VM9F/Kzch6C
-rLgzHDk8FAbBjCaYuVVN5NVhJu1gx+SUFXDBU9I0WijH6D0lsGgjvAndjnCBYiSRE3ImXaVoevTT
-iYmyKD9Nke6E4EAJRZPmD6cx3wAvZPtmcovXFFEEsgxqtao/BiAlY6dSG5/Ra+h1A3YYEuQIQrrv
-iowoY9N4UqYBgzPPL5Pb/ay7FEkukmHYicxVCBg9szrZIvYhylDn4BEELq5kybI6K8hbjXcmgdcr
-GWkBbARFCcJT2w/dS1n39bEPTqYGKYB9/Gfjq0dPVTz8+mfVajnu5P4YsULeciwehtSwN3XJEzN6
-RrLvSve580sQJpSQq6FC2NHm7qeLtWLr+twKsE6tXU8QIrIYE01SZx210jrNiNGMXq3UXu/tazx8
-lXA79oE5PEQsjxiHvxrKeK4peAH3+XeaPbYYjpJ9YxnOSUwPtTeyb04tBjt29TwksthCC/uGaX2J
-/JhJbO8YjJuYAaNaeSvLtW69gOCbAriYiuCeoN5u7/UJRGJrr2ywQPqgWizkun/C+gXHkIzER9eO
-kEnKIiQ0UrylNo/rGItDjBdqnS9+P2jF46JgZmqQPuMdoyY3kR/7TYNsr7P2xHGgfAlUsar7gBRb
-C8jj0cFahY6HuVlWmcBRKqAfweRPOJ7dPXbCl6DvrS3kkVXDEVTPzmfbGjpZbeVjrlx/y0kLt4u3
-FLIQpITxpzdN78NU6yGZQCcNrRJ6jVknIeaudmrmFYlK7rDiI4NCrxMIn9vQJanaKFp4alATz5Wm
-8LdZiP9S72KR7MBWxB9CnPOIwelcKsQHi6eg5TDjfmUjAXazoReJGDWuOheFKX6sJCwwHj5mrWKr
-BXJy1yEQRv6i7+lHrU/NRugUkAaz/h+izmO5UqTdok9EBC4TmB5vZY68JoTK4SGBTNzT/+v04N6J
-otTRVaWSIPMze69dWJgxe8ex1piCrYvb3Cl2lMaiC8kcXdrp7BpNRTUvPb/VXDI52zvG9WgKqsTb
-uX2FqpWkmYOFBrhuo2JLxiibxBD6mRbq6Bv8RYXLxt5LO4TnJrk37YiDWMXYA8bBwbLWi2Mzqkzm
-P31g2sMoAOO4FVQmbHNmX86YBOMsTdHfcS0zlsS7sASPcQQHDdZIvA4JUz1nLXQTVmQAxVzBoHDl
-p9VPnEhAUE6BIW0Wj6pvD0UhLrll3FvjVoiMPCS8WtCE6RRZoNcAMmbv9zevC3Ny7ybqNJyeGNqp
-x5SRzqtTQYBJ5jdThc0u1gk2prFJ0OcvkujeQR9TEz26YwiAm1EKZN/sNRxQCcXp3yFAlSzd2seC
-nC+7QC2bWRT5lpeDINGPqZTLiysntmJrrZvwRZng38Qk4ximxLtWCwxBQUuuKl1sdYn7c64H99gq
-tIEY60/UKWZdGk8eLZGvy7tzoUWa7Dew5yC95DsuRAxfoF7AcpN82aOqOkQGWBFAh0+rd7ItuJ54
-z0HTN8XzEqd7ipXmSDDpGqB9uqm4P3dLOjxOSF/RXBJsbnGa3mmWw25IalRpCxMSZ/pD77i3i/p3
-Mw7zg0epBwAxZk6SjKC73WVdZu2OWdpdHO3CzMIaGbNyAzHVP6l0Ok0VYkS/kXIbwHCeneelgpJd
-6ClZ9WCF3UPnNnKVtrE+5sL9TuuWgZ2XH2h6n3VguSjRfQ7XWU7rItWvLQ+5We46xswDNeBVL8I0
-FyfgMNBTUbAvTrxVzcZqm3jZWYCaHCcPKXeX77nXNW/U8GJXuCAk5mVqC7zBBAGvQZWqVWnuKZSA
-t9q0TS5DGFBpvfuRxDAXZ8xi3HYL3CMG/DOSSe3+dHmBoH1pd3NBVexNfbdfFvh2XRAe2rECYJTF
-Pzwi8OJIHzVRvu/c0VlnAYDOOEGJL+qeDGbpP/mdJGJ+CsHFLtF+GqE5JMrbouMxu87FdZ4w+837
-0H4YbOTqNohQg/0S680akCgM0jT4HBX3KgPlrWqq+KSD9s2NbBaVLoGrMZZEaiR9v1YPNurHdWR3
-7wreX9RXu1gG/4xKPmCBMkbQgiHxMVM0bGXpojBrsJ5UKpJr4+l8Nzn/fBDAsT8EG4nBZDsvKCrv
-PkwS0vg5IrOvbP+3V4KtTxP6wEyiszeEQoed3FrCSdd1JZBvg/1dGc8lZSwsd4YY8OfR8Y6zBSgO
-G3fI/tg0+Vc/wBXE5vjdVBUZH4gmYHLf/StBipe3Zcud5b239hC6dlPyKw5jvWsxUW6tgZS2QcVf
-JBf7dCv23S+IDryIsrNXIeLzkua1IJjmQEnwpyzbdjt6AhRUFj4gh/jTkmZPuxazcff/oAvw9TNY
-zQfczUzf3OivTpxbjIhrw3rya27wRijQ0hNn4Tw0wWNTxz8d4umBpdEm6R0AcT1WK6ui1enH6hI7
-ICAzXQY0X8zb6u6KU2UDmDJctUmHFzImPplpOkLChFXR3DAqZT7Wv/d962waP+aoIR8syXDrjzaB
-iyXGFVQy4aEY9Q2NX0ywNo4EZDAO41Tt5QWYR6ZvZb2gEMG6EzA1T9sBMzdTzlr+jJ5HUqmRKfUz
-yI0Acid5U89Ghf8Qe5HonDcnSlB2t6WDO/O1y/B80ZH0dtZu7Ci6jsm4doECzr4cV21fXpss8PbW
-Mv1ldIeGPe94MsRfV0BxqIUhS0b1e2xb41oaPuQsnZLsvbUR6+F2bg6JxdSrKYHjZT8Wc+3ZEeU5
-aPIna2gJvI58taGK+cXP/9ov12wmfjnJHeamwl9J3S2bOA6+6HrfDQ1vL3nSSN5W0Bkg2toDBUfP
-C1E9uJqnYggKs5miqFv3hO2Olhgpxt2cPww1X94xr18cc3VoBlcy5OtPJt4H1/siQrrayOAzThpO
-dK+C2TWqCYarOhjk3Eg2GVg6k4tv2XeZWEJWtZQdrAWbrFUjF6YULida7UVvBYECES7fKAD3KRXF
-Rau4YvB9+MbZN7jnWHfAt7O86lo79XAYytuQQyceKxSXeQbcbygtuUmsCjM9kliyncBmip1tg7m1
-Z7ugb7RwMOFw5kso0WciKJLkzqLYZpI5jepA5C82m3tkexXfqe/VcIj9gC+iF9jW19ZClg6jg5oY
-QbHhNmZ7kIEA88L9KBwKa80/feFJ0OwgVRM8LxYNHQl1oOY0+daYQsoJ92EOl5hxZzviZcZht/H9
-+5fTEBRE4n013PrR/VeJ/A9JRCkdUL7LkH9iate/BLJxa8D5XAs6nMDyvymVk3PYg192FwD4HY5u
-Fd5RI4BFi9l6i9BXmPiPmesvwRJDR/YfO4PXNi8A95qKYsRnEYuoEwWHAvlYx2whcfnD8LcQ7WfN
-E340f42C+mWJ8TEvQXZyMv8ZeHC+nlICJlwmo0OBPtN3rfeBfKQITbWv+BYkCp4biuvNnMOWs5Pk
-m/XJLcyiw7AMxXNgYwglf0IcSie/IiEe4C8wByybdmd6/niSL19onelx5/m333Vv3Rh9pOP9q1TZ
-q5yzcJVm8zoTwXlKOrISsZ6JyQcb7YabESk+tEK8l4LxFt9gX9OltH38xjKn3w4aigfB3BsquvHa
-THtdUuIMqh2QvkS7IHxwreiVtfdhKh985M3QEY4INHEcWWAT/WhCQj3Ob4WVPXcKJAy+kdTBCZOU
-A6FBdNN+gUO/8b0bCZnq0DVwVkyEU+o+eJFJdxlMnV9TW50jn6Ii7PBmBavJ6q0rDqn6QUx1/qDO
-+cw7LcL5AzlMvQFBxdWYJRBXdORcZdDvddtmzzAMmI6coyFZzlkyJPsyLP6qMB2feOV/O77NgEP6
-f2rpPMZ15B+quRw3BMSUGPoFvU1YrZyuRSk1GbUh1Vx8pepP7eRwMpRaaJS9rRFpdwyQdp86WC4s
-dj56t/ewsdfqoxw58ogwWWUVxaLKIfFnVAqgA2ILxnP0qhT1HCIcuOdxbpNXD7+jcnqCJyaa+qXF
-o+TTv3ssAgqDkSMdivBgIQFybLr6OwyXursbrRBnoHCv2KM3lszAQofx1ctS8D/M7IlTM5Q6AG1S
-Z+yunQmPJmQ+Xv4ZHCRjbLHklfRIMlfaufWvZYfNsRfmL98H9YgAAR5nJRZcLYi3lRYC0a4i5MmZ
-GKX0XknsQTyicJj76BhQ5vf9/XFzqeNKFu8wqTJ4fDCrgGoU+5Jv2boggJvAqb/SiXdW7f6MDvNk
-TaBGEx/HMr7a//oZ3GVtPQaFxmzW6c9swlWG4S6m8AmnreOs6HjG+jsqzbZrG8iPLlibWpuz6NnH
-5b1zShvvl1lSzEsc95PlrKiDOQ+DTTO6D3ph9OqN9i9ZRJgS+6ZeeVPKIuaaWfLN6tiId8gciRNg
-l5QN8aW0kn+y7a52xBZNI+EzhhX36HWrLDM4O1vMOW1/qoALAd6V7xwOZKQa1lZRfc2IM9zP1OYb
-XNCYSU1yko79L/LerKX950+FvYbLcv8qrw6vTyGujJE+lqjaEWy58RfVUxPUJOXlsA+CG0ApzIvC
-vs/fC4R1JJ1NPbNAkOupNWMuezE/UcSibHGAtcaR4t8ejTg4WVCjfcHcozBlpSHQhCD1sQCP1qtv
-0vYwqPHW2WFyMm77SVOOHRpIyzFz1CUdNaI+KvsjegfMPbo95IvIv8sx5Wb4NwcMwMrUd15CY/Uk
-0M9yb/KmoCGB5ZXiwL70UV7iguKnZ/OLTqnhpmO2tHk/vfQMBy8L4CrH5iTJWSptDL3HGtJXfsFa
-PqOik8HOE7jzcJ844H1ddnZt++ARWQBQ1c920ml6rPXYFItILa9u7H/7CAuIcKRaAzXgcaaW/XZm
-IrZRTXGq/Ayo+3iyBop6nq+zrhf3rL3EPQfOsic3JTjEuUqfLaYmRZKqHW8b93zkANS08/jmd99R
-xJZSC5yIovexQ9XjOW91s8vyCGOrbcmTI9nlebP7EGeaaXPZEZST9zPJAPexfSDR7zEPgbF1qPzU
-fJcxabpoGmP0oBk381QBGgnnaRP5Nac5Rk2QL3Bsk3iiszF/VWZ5Dwj2idDg/WWiwlaDzo+FGsPT
-soVanGpHQeKK8VS13rBWzpjvHAZIa4SLw1EVibtxon49NPehdlmKvd0UV10Bap9HA5Ou0U9jwGq5
-547dgnF9qYdSHoJg8lkWUYGU7qeIG3qRYloHbq4vgj2UVqGFc7v/RoToMgkN11F/QcfSvlX958Kb
-GjKhVuyhH0hG/UVqFHeZ4BWtMMnnML9UEDf7BuMM3Vk6vtYlwhvjbdvOfqtt8Xsh9InuKX9357hm
-LUggATN5saltLLRcx7yPU1M81ncXi2aCjeRVqrO/4JqLF3fYNQuxR+EiqAlqkTzkfnSuc0U89pi3
-+3ghwMdDxwkYKBlfxyS4pHL8AwG1vvsbUBVPfnTKhUJJ2wM/ztCq0olONVqLmMtVUd+jrmSWrANu
-E2uG5aSRRWzLlJU3uTVxUSavXFjqeZjbzTJMySshSaOO/lgpmES0zHKfSOCCS4fbdJzBd7WVb32g
-nnrsTS0OPhi+xmvcnafnfl+23QxKFgNOuAR7GchqxzS6XTUxRNIEednatqiqc7BodTM4tJI02ouu
-voukRifQJ7uoJi6vzOMjPksf5eNSHizHfqr8KLm2kLiAKOP3a2br0euL5M2KUKtJIzaERXvPrt0+
-kMsx7SQLvbUL8nU1p43ZYasrTsoX5z5L21POKUkkxwQNiZY3pX5ro846h0EsjpiPb808OpfJgH2z
-u+qYDbJnt+MXu9rxURIU/XswYUrpx7J5jNCQ2k7QvHf1MwPiB1uqkjXRBQ3c8pPl7MWj2ByVdrNt
-7Q/MsHs6gNivLCqW7COXC/Nx5DPskFnu8B7vRozPN0fm1MAJYjgLl/EgEmeds5C7F+/dWZV45hhD
-RqYoj45F177wv4Piu981UjXyUkhAihHNxg1x9GsiomE/Nt+hEVcMgqyS/asR+BBtNGbsN6uDp8py
-7UasR8v7Wl9LpEVp+jnMEJDb7N54Ne6qF32+a6eGdrF1k71QcbHWyWyQvUq+r627E302rS2LThZk
-RXzIvAbnv5OXxzRwaPvwOffCl5exvLP/oC0HijlKWrH3CxIaXml/THUQXEoFcrzxW//gqBJv6lw+
-hBNWXdOCldRWu5l9H1m0TUfdVUggBPZYW7vzEe++OGQ6HR762H/LjPdSAAJf6qX7V9wP/7C1Pmxv
-fDTVXF3StPgD/LLC6irPKEbsbZMQzZLnypz/+5Au2Uvjc7MAr0q4zVE0fsZ3eBQrnITxbnykOE+e
-San665GpaAMe+0oJPBiqLLwszXyZGBpfMKV8B10XfwKkG3jznWOysLpMlkzuUoLt11xich1o0AY6
-jF4ZQqtt1MHRNwtFpOhotTOjuoeQ5u/RKsfzPUbLVfX4mNXhr8JI9VzKbzXoDM/pRGOJY+lkUsY5
-yiXx+U57HIYQr9poHVu7fSRLxlnFNkqioccFC3Z445JaYKpuV4Ssg7HHx8d80ekmmuwcBDxPErEY
-PbO4Br4/Ozksa3fzu/cWoGqTkOrDpbUf27J8w8qxnBa3f23l1O+VHnp0ch8h+6p1OfME+YzLMOlR
-F6OwDD8qbqqNp+RaRbDvYXbrdfCra4lOj2dtg2o275HkEGGDhw2cgdA5zOWD6JrkYCIBcBwynB/K
-4vG/X9U1qFS3YikgigfW2COrtAGXti53CNuCu8FTn+ZkrDacLc2qLUE0BECaLyzDlk3ahXq1jO60
-dUflbdK8YCNZDcuzd/bGcJsDn3z770MtkRCkxJZPo3e9k+tUunwhiWwP5RSnO+OEhHKQ4Lw1URE8
-uwPIrtZhZfLfp16Vk1ARp39Y12wdVB3fwzQxIMgJ/uBqI6tJFvXald2LgxZi7VSc2KHL5oUU7BNT
-y/olS5fXkmioFzTyWGjF9IrCtd5Lpxr2CC6rR6Wbfw75gVzQF7yqy660EfPlfMWNV8ERBAt4+Luw
-b36RoiyuS+Z9D3kz7hHosG8QB81RegncPr1iD582U5A9obgCTG+8dWlXLJJsMTxGbfcYh/z4UlMP
-N7M0T13XyoOz2kQeEQH85SiTENlvpAqKU52i8gjCDtI3xfHFsE8GYA+lIhvqdufzOkJScYYTClL4
-8fBNnJntBRivIO4vaZjzBDaxhuYOeL9V3a9GMlwH+GntS6OhzQUnL+A6i6w83npy8W71PN6Ngb/i
-xP72qwWTBxbIrZN2DRt4ZiDlCFRMBgEiuTrYp9h40Rkn64mZCRev/kjcqrs0IQTLjIaV+Rs5AKUL
-ZIAhJb6Wd68usHhXNtllmkGQ06GcLBLfQbk4bVIctPuOMcDQL3LtaaZXadV/z3PCdhfp7RqbMzWA
-HIJzhTjqKEsPe67KNpYWSGxz/9eS9u61t8y8+ijWiy2dba2UPptxWBUhUs6UVpuJvBf0Obh029tw
-n4F3bZnqQvfA+ZT5557j8dJru10rxWk9YCO1dPQRCae8JN5MwhS0zOU5ABDodlPzIEMYHssIU13H
-Ah1i6UxPREX99upwOno9lwY6k4sl9VM2szUvQlb/qDLZWrEM20Z+5TymCGRtLV+aOGh29WjmrTL2
-RxLL+Qgr4493L1Rme+ADsMkTjCZw8hLsv8IXBqwnxz4TgQfRhDqw1Nk5Xm/vWF4YjEiVA0EiACMs
-LbENYhcSg7DAyQvmPpZfcqoYMlKY1aowaF7cMEHH2IyHbKIZckdRXP2vcASqXLdJvR9ozS/6/z4k
-hH1umUN4QJy+6om0HiYB9YkjFd69HvRD0p4d9gunzHU/lHnwBEVA0gE1HvktvV9vizkutkMvdwjE
-CDpqo3nLoGsvh3k61CVmnlSW4tjdHxobwOJ7l0yfSA6Ptck09UsAKIWfnx+XqDliUe6wiWw6DHoX
-5RXHQZlo1Y0FSF0WTee0BQ1B/jj6DMf2dm1DRTv1TkhW8Uz0UUmkJXW8D/J/9shYBnVBT7nRiUWY
-hp/5OHs2wW1sRsqvpeG2rLO/oo+Zd8zDublLMAZj3ZuenoFGN6QG349hGMwi5dRZA+sASCYgpccl
-XAf3ZykIs/IyNw4+9HSJ0l1En01JJbtdPsy/k3ScTpi5p1PHq3H679P/fiXc6cv0Ybj9///UDMnf
-eu6RRVVyPIHLepLDV4Lw6bj4YDi8pjv01sC4YRl33tKwfI37bCsTYmDSZtjloxM8i+ZOcc7rxzLF
-GCdHv3oxhUvHL1DlZWLP0BgcvnL2MmdSUdqXO2OZGrN7UxEBRtgISHkb8BJ0wWcAKHTH4vJSYWw8
-iWx8qNDKrWyXvToyMLYYJchqog3QQAl73Xb1a1mH+Nkd7NRkfv1CGtEiVXbUo8UTruw837gjYo8u
-zniSY3LZMxtIcjCH7t6eBCqsyI1hyTrxtibxboOnrrnlaaFuQ9f+C5LkI3csQLFiqigQs+DJIzfa
-u1sKesoPzgyK/z5DRavePede0IkMblEPsFpTxXRoSy15Xaj1zjpPSCAdCE9nS/0Y9iN8TOgGTxkL
-jQsp91cY1OcmwpnhczftGA2r1WKy3+AfCIJZvE9fuHvfJAuYFr2rbMBePfmk//0ZbdAeI24Zmtml
-BfdCzBB8xvw5zEjmtuPSbPS9cssrkl/szrmGeio/TEUky1BhE9eAWy3HgwME8SmIpXgYBEesVsua
-Rd12RFOMWm3pTu1sqSN6hWMSE0ZpEAzfirZ/5ds3rFF/+mfTlCEnEErfZPmwRVV9lSFI8yquqbAs
-ADfarl9aAeWGvhp8DlSZRQ/1u2JlN9TgJHyX9c6ibSK6StelVkqTp4FtPacImDV2/ACeUrElbT1D
-3MYBaxKnerBqvexcjF5TG5MDM5YvYQACIQ8jSJ5p+VymrvOGIO/kEnG5BzAT8E3+Gtp5eW2S6jes
-S39DLUPWTa/fs7j6WdrYW1PfnWET6E1XePONeYbepvVfezDTZoDRd5gc8uOyeZluDuNkSPP9hdmz
-IdiTJ8ydJJdC/KSn6FdbjNlz1P7OBvQrhmtq17bWczd/p72tEJ3L9hBED7pDWR10LIDjMbTINI2G
-D0ZnYsMKs93msfmZnyyoM/2I3HpkU3zkp0jIiwi/J8kqluHrOgiS8kFG7idamnUev7TZiGHRM3Jd
-9ojZ5zG+KAyKq5G/37d19tQVNCUWOKPKQsk0VS1ZaUr2qJ4IBwWN/jD2amF3bX0rz87QXkAsadvE
-ehKhKXeOo6wrEJSCuwlwfIF2fCNkFT/nNBBkODoUZ3U27KwqVU8+GojKuUdq+vxkW8OzVlN9HOZJ
-pNhj+tduXOSzYMZ9ZALdIN3u5Dqr6x+6mQMjWLi1aMJs2c4PCXuDyTbmEdUqUJUihJ1rFektWLJk
-i+kq37M/qAyxfYyt2b/7jObGLLaRoI3FFk/rHaJbXhNr6pitsX0LAUBwRmElLHo4a1FYEAPjBPIX
-qrCDLVDJmK67pQn5nYP7hc812NlLKN6BZlw18aibnM3E48gFlAAHPrTd3R8cUvY2KF+rZdQbqvh/
-pQyWlzQTy8H123E/1EN+yDlfuQT5E9welDYqprU302DNMPyOQgQPWTrmVyTOxTUNRX71G5i6fssJ
-aqwEaKsbnFwvJpCkQoGezs06tLCJTcn81c5ucls8P9t3iqf5v09Jyvb2GG+JX4ljtg98t1dIPwfG
-E2F0Ixi66Er/EaihUhlek1sXhNX5v08CplGXAKLa0tjMJYTAzDX7DjyleSk31sSaGmUGynoGzD6p
-11TX3BXMTyuHdttN0ah7IzpCdyaUAYGdm5vwPClrug73D6lIsFBX0ytNAaMo1Kl710DYAsKP3cS5
-9SIwLyURvw7Vz5KPwZ5Lqnh1WJQfsyQjo1FircUK/0+xq3kBHYX5c3gZrSQEb70DwBei3Rm5hIjF
-fklze77Ksb7lIqov3qB+mgoVGuMrnSJ+cBMWvBMZvqPLOEWKSypyUpkKBLVRpX6D/W/PYO7jyVu2
-nkOBbO6iqGaM/gY6Z2qQdNEGHQsiGO8G48I5G37mBLlFZ3tkeaOmnGTEivkXHvQX0NA0tWAgeyX/
-OaSRDU31k3phsO6JON75gQK35RAQ2dfuET1oU+YB/TNa+1n2jLOrfNn4jjOeOAMW2qAINHuKRW/y
-Xu5H2jez33U7anmJYtRKgarwWizzl9/8JBm/obcy/aridNhmIRAZVMFcq5YJbkOKVqoTxTk023zp
-ohMkI3TgUWJvVatY9AlI9RnWiW0tyUDvRpsY6diEyN2KTQA/79KkyGi8bir2CxmMiIzALA6xulle
-eB5mIIleyaVUV5iTE18QpZ5bH7EX3iXBPXtkJtCrtGCbChs//MzvlK/Z5gDjm0VL3TBpQo9AQ/Hj
-IS36sLyxpn39RkvfvNs2m0jSOfZhV4VQ3XhtLZ+n258H/y0qpydYemZtkSp8UiIVT4JwSHr46laE
-v606iF5CL4EXIcfp/N+n1QIqcyiQMcpMtRtCT5sXqg310sndwv2KHSKpUed7r91AA9YlrB/hoV/b
-rItei1Gak8Mykjt5uloLyneiDzwGhCQN1YOVbCT7LhRjVv00bbu6i/9oAPirNs/EJVnGX+AIwjVe
-khPoeec2MqVSpX7q+ih5i3uuZh2uUSl4p6EY9JbYT3cjFqJP28EED0i5B1KWw/BJM2ZceS1xJ7ru
-X8KB57dMLNwWFNUJO7pdgrOGdWVHflXJykmT4kFL4qvPwsXg0EY92S/98ouRf8IYaz4YQU5Dn5lj
-6dPQlAFfk5nPrH2JTww6Qr/TS+Bn44tCKAN4Ef0Y4G2OVUo5ZkkCzefSHoA9xqzLS2ej7vNEo0Yf
-T4rwL72xy8NogidZ6Z4BTLjs/CX4PfX4MNw4ODtboabuoR+Nwe4/f1ZBOe/HjJaAiZkgD5tCJwUn
-L5y3JhHZESwC6xNmSl3LBtJj2mUW23kGl0TKN5yoI2rFhaUaWnKNTsh2IYeO80+fBu7are7RcSGN
-sD3CYXdT71ARnf6yDHQ5WdACQ2MXxbGxT1vabDjvCPPt/iagl3Njo7Tx8hft2jT66Evx8hfHZuSN
-j/Ou2gQDqRKEdcywvLxhV5gQi2grxa6MY8K0zGPZNHrfZ94ta+kxqIp+iVaz7IiSGnd/+eXqiio2
-YKoXDRYesPxAuva/imSuazA0y1arCmtwXOhzm4AhLO/ruiXHSpq8eUkFWTe2b7ZwMwTI5RsaLDSE
-qHGRpTYHK2/j17A0+362/F1clX9tyD7oNKHJVi1rHAqVVU4oCIa5jKDdgNw3fP3t2kfTxMr0EJuh
-36R4agnnAxprFljBM2kDWeG6l+k7dKyJowCgSG+GYasteLG+ilY84/ZK4umPElnCix3fiO4IHss7
-VQsc0beK4S7ZUrODy/KNSfLPuA4FvNB+nUELxTQUsyBBWPyIqtPamMLiR75gXxJEM6aR/9ZbHn7n
-Pj2yvyNGsKRIWLzRXCjrNy5BKd/xyI+0os1a2ioBYPSYSaIZaukmmOHgBeL4uo6RLlcat8IOBwDu
-OtXsiZfqT8g7fhBEAZISGUToWP5klV1f9cDLS4l0oLgM10kU579CDuq8mp112fn31LHF3cw1YJAZ
-p817mULJwM5hf0/O9Jo79z1oT6WW150+YHn7jM1T45rlzczVv4bstTV3Rb1HDIuEXkRPuakY7OdI
-70JTb4pAhFs8sztgnfgQivDZKmx51BkS4prFy1PIiC+vrfBgCqasQ1Htw2C6SRZCK2dw3riMWVVC
-ysgGY/PT1CQbTszQh8nYG/r++eBW0wUnONICucC6GnHiliBT6FBhzGIi3jlw5YHHTAftgg1WiXgX
-prvYDlew3ZU3zYyKV3EgI3jgPbWt5El2gpwN7CnVnR2PWvxr0g5JhHnJoVHnEFRIq62afTkC1W/u
-U1wcRifac/cSWCFRCHjrYTpa4kDS+VrEGU1T1Z5cSwE81nK54OpN10PMOxoF0LjHTC3EUdcJAjX4
-vVJYOybI7wTG3cqE5BA5/DM6dT9qEaCXKryVdKb7FIEIu94r1NaLZvDFNpc9BqQHmSH+CmxvOknU
-7Zihv10yqb6E5aOSsGVydRG/rqyabWKd55g27ih6SZP27LEKosue8hV4W3VIMILv6spk6IHJRM08
-EunogHUcFNdYVXen5GuESgQsOEVFbTOcrOEz4oxnpRjST6F43Lv6pRvz4SnKAvJ+2/HJ9bTzUMJT
-zFu3pviOqldKyl3VOtlBmDxYCT9Fhlv13dFX1TVfsuoPY6ifOp/exjZn0gXd5eKXyOEr4vDaPMCJ
-prFcSrCp3D012P77SDlksCgkoct9mMTb2etfZhUyPwDXCtK/Wxe5H298loiutq9x2f3owXtPJr/a
-GLanY38pvEffUb/yjMTSsmV7ZAcdwwE8Ga9FFjCPRCNOekGzi9JyePAdaR4kuWkDjJwrcumSibJj
-D0x1HHS1GK7Gp7jU2wb6Cpb2525sgjOFhb+uuCvRRKNKc8PlNU9FeGsRNHp+gY4/UY/tvQ3EVfqF
-/Cq45xwGm2pGi52NdXLxPSRbAFQVfDrFoRb03S4C9OJn6cd/XxfxKMmmTm2EzknfHzCNFetpcQ/I
-oeU+zmj76rBGR2thUl9Fo4g3UAiydURK1ekeHCkDMb1NOrp0tnsjg/PHKhR+kaaHb4RdXWHmR9dv
-/2nvdlq9SGKJplYTIm3OtXKcPVRD5zCCl3SHyN8J3zwlU5Zf//uART3eTCboX9xz0zodN0Vc7k1n
-8e7XsX5uZtciH5dRd5fhpRmdOYWoCbVhGfzrHIY8AY5nPUCb/G0Paj7bQfWSR0OJ16Y6BT7Pw8Rc
-czsU/C1F1qCBhaY66NC9VkRjo83KwFIr51HyIF1nL3qx47PBSXCq+McHTOYq4nBOVje5zwNVnltG
-fN1BiJYKeXyAe3Mzlc7CRt1y1yz0sK6MAxtMZITreFrY0viClOMRjqyYWyb7ZLobp1p2jpRgouDy
-KDm+ycW32FKyFBJsja+Y3nd9QqXfqhdryqpbg0T8LQW7hGpt20RVy5kaNuDimy0RRu4aTEGDJYHX
-FYfjfd9e0sT5wL9r1I/CCc9tgShXtKiYFv0GocMw7aCdLnQ0Efk3cB6gm4z1w1TX5qspiKRw6uIp
-neZm51hR/85/EH4NW6OsPzuqG7g91cwc2qQHq/sfeeexHDmaZtl3mT3SoIHfrKcXrhXpWpAbmJNB
-QmuNp++DqBybyKicqunNbGYTlpkRkSTd4b+4373n6kyoxhFIExL+VOihO9JipSGzBco89XtvIXke
-x/vCoVJgtD1QN7RQcW6t1CrnYJIHc13x+l3mRMEq7+1DHGjdlupRUgLBeHkAJ7FgQQRNn1Pr6Xv1
-StOLrywvEe9GG5zXj7IwqepVUwEgop7bT/uVTR3Dzs0PjpnpS40T7swDj6A6ibsdA26m7Ifbprnr
-XRTs7Ex8SHnhvhCOI6VqSpwc+tHWKFOGigbvIXr1eLzjjEJdoR9zbH34XzxlVWrGLB6D/z9/6Xs0
-toRp+DqtCnmBsMl5JLDzDZ7anOheDccqpFvQTtD0GfxP9eQwpJh7s5B0ENUkY4DGjWFMDxdJzhku
-OOkwy1SVXFIsqEtXNOZIONP63LLOpO0+W+TPSSt15THoYn6BOEESsr3I1uegxd2xS/VpSMfKJss4
-3FhmRFgxK3Vqigp7qVSOuySosxR+HNxSTfqRuEzU5NCACkZ8NXSgYlEk7+1yM1HnTVRd+lRStiLD
-lRs6zvCmNbAKjDBnrynak67yKcb9iv9vbgjf/aGaJTdNOVBYSAP+fx0mb8zu5mvKDgpv1Ho6weCc
-IweDeVAtmYrqayZnb3XBI576Qr85YWHMG84VHdsUUVEvO/ssnnGi0CVG2a1Gll50oUFpo6W9yvqX
-0I3s7IngbtBBxWwY6w+ABY26Ny/7iKF2BC4FAIIIX9sBlPZDyvVCM7mQcDN5FkFqx3Z2lPJs1+sO
-7e02PVn0S1K6DUG4Dyr6srVAntAk7U5ZeJuZTHvDaggTOlgHfW4MUrMoB8WimCK2llUyLrW4hEiT
-cdR0qjo7u+pUcasPoVU0TWRw+QoYugT/sh9qnTxs81biZl1IafaRJ1RMJ7rJlso+1kK+DJSs3Lh8
-AlexszVqT3yViXVl0pAusYD42D+EDGpVP7h5DYIiEnt4aCT6ZPOt6uVkZYWWR/5CaiZS05rb2sTA
-FeT7EW3qCg3V0qrmBtn6hV9o3lQ2cI8zDQto2OxJCdoK45q4Bnbj4tQo2mcO33hSRBJZp/gZDGq1
-Q5d8NWwn3SWE4EpyxvDcxTmQQgo1PXTYxj9qDuzgqHdWrsorznSczyNl09QNLck/mhzcs2zHvNDG
-h0Jnd+X0eG90Bh1lBWclSTWCDo1nrAlknEMdlgUpidjREcJjdx92OfHrwqeGN9SbhezmRz2Tod5y
-vuLHDd/kSGJC7KQXDy143ZWwRzMXTGsW9i9wX8bUCq493U/tlYqxsQeW5sd5+UofHYNK1oIVCdxV
-O9xoP83GE35le3tHYtSo9nqw1PKRc9YYWy9wBo4pLhlvibQAc8pqknvGvfSlT4fr97ay5jYV9k0l
-IzNQnoRDcKx0ZHoTuY63cUsL5w6VdzM3oAe+h2nRWhyI9ZLPkC1L7VIY0IG9Khq7ymsAGEV3SgMT
-FV0vXgn0Jju+oTWNAU3rKEBTGIs26OQU97XpzQ0EhDv1kLSMUobWghjO8A0Ug0ZXYR+TP+Wem5nZ
-u11IPg52z1/6XbIRrka0Iq/xtpCiQPC//sRs/T8jko1f6DPN+oLGkqr8z//48wuPgK+//Mv8J6v0
-WH8V/emrrKPqP/+Dv0m55Pgn/29/809k2L+BjSmmooMblSF0/Z+pp9eqehbPEOLYj1+RY7/83T/R
-p8ofZPqEqSgqoR7MM/Ao/0SfWn8YFr4wWVEsxR55ZH+CTzXlDw45qipsnIkaAy2+kfLPXiL7D37D
-BodqabKOa/q/RR0jVfUX6JjJt4Vv1JQtExqSZdKS8FdYJg+GqcFk8FYpRrg4zN2ZKAUIHy1Pl5Y8
-EDlEY5mWiL4713DyF0BO1dfAwOoIyqqMOSqZHDZhA7G5DklHF854O5zKaVBOyN85Mydooys3Hmcu
-lDrEJT2WPLiWkD9Nv9dWDIWoEtclg4UZg6LS2lwNjIbDQxHIrI1dKGDoA55wVOL3EfGvmRHYb1JC
-6gWrya2XKYEUuAAI8aUQ5WE3ygB0XlOJva3vUCcdSksuA03CMZs1Hb45uYtZD5WJCgbbJ/pDlyvD
-wRDnbBgu6Pmjr6TpGdsDd6mmcu2eQemH68CV8ikGdP7/FvPzIj/zGb11gY2n3aR9PorjqYdRLgdT
-bIN+DM1vA3on3xhxL8oko3AzDFm1CBvPAznfjYMb2S2MHxyoiD5IukvmoUe69OaNpKT3AViKOst8
-m4268EzKDy2rXzeAKS8s4BJ2aNU8hh5HkLAIG5hi8t4crcRep0fPjOz8vK+MRSNXNgnmsa7dooAE
-7CVjZ0H9qGZnBktd0O6yAgUpgnkzsYt2zbr1FgdQWyuF/yJxz1iPAPipTCB0VjTyV4nPkNONfm7h
-okseE9G0eElb/yOUBoTcLmqXOUGISRJZ9bJogmAltQEtcqPs1Gb+i17V0qq2W48307Fgg7mCaM9w
-k+F4k3mB92yG70FElU9Ma9W0Iqi4CJhkNKAALG9K/DPelqibi6ZkQg8RcMJdTJ0kyIsofq670LUK
-ZHwmfzZuCCG74zZRiCqchmM2pSXLiHlO2FcXE8uiIr6ydKUxzoDtC3tegTE8aUvcw6pHXLJRJNCq
-bDcWMZspmPWCE073MuDEmJSNQTIoiM1D4QoFeoASznPYPMuB4o9ViiOK3YWdSBlUC9HLrdlnqvyS
-aFU5Nfq6PlY9hjZcRpjvSywTjK8gq+MrwygnZQc6BN9lgnwLSzT1SaaRaEumvXnDTIx+HGF8jFqZ
-nKU8cMWxQxmvieYEu6APqZo18Eel7KPUcCjKO7z6iheid9Y9FkuQ5Ip4WKFRby1JM0+k6DV6ih0L
-JgfhAxwiJJ9VAnq5V5P+RWCYG4Vv7ZkCwMjrYvMsoRkvK26CDF5gPaBjS6fMNrnJsLPNC0FPR816
-c/ADmkSiJiaKGthnzWeMMagdJvcKc14kNzZDJjY3jaHdxKiIqWVSVGc431qFrgGoDlz5QNdmtn7V
-Koc2y1yyVqpH9Jn8AO08LflyumnNe6G5INFMKVjbVbxTmmaURENCTx2C5FV3Q+1gJnG6iQ3mEx2q
-9NyGhzoJjS5axk6srXCE0u5oXBvDlF9YrhkBE8KkAtR5eoVEVQgifY99U4udW6bjqrGooFiHrRJM
-kyEp92nEcaVQfH+eQ1SZydJPjHOrLepOokHXYHunZJ0fbrTVaeZbabTZaP8oQeMoCc8xZpEPP/TC
-p8p4cekk4wS2wNuVqEVaojWqZMo9GzzLBMChi+fJGeigFHZr3WTW76VkV8oe9ziXniEuDgiUODmH
-QC8Z8jHalUW+UggVCatl6dR87p1BMs1jzV/rabzHRkhkw40Zg5khN+GKhhfyV7E1DWTvlucan1hU
-IuxpCDd1a5sAEfgbHnOXSQitbGY3mgzzw2HOw+C5uAyZrhPl7IajrfTVa1QCC0w6dTm0zpYgxasB
-9Gx8DDDb2NKtFyxNhccFuLATeePEVXaXyY2uTO6gy1IjAMv94dvVAoypVmfOsOsS5yZWMEHKOA2R
-RMOzVBLTrIWXXqCB1Zc6oH48jPRiqRMiQ9zBtAl0DLkBgyc12pOEIxrxJ6XgLTSzvd7GFxE6GM9w
-xPesJ0kaH3PZqDZyJntT7kQgh3KkXDj27djCcv7l7PA3HHDD+iuE/J93YqoNf8VWe06fFYaGldiF
-jxQtrcikUUC0bb42maE+yt5Rj9WA/BrWpajnBF6qYG4mKFrCMuSNALWH5Z6xiaw2/kr1cZ0AMaaZ
-bzDiB2PtlvCbwBjgS3R/BbiNEIuGhKxFA5BhLfWxzRnV8uVTF7nU25Fx3gk1ZeKc1HxR3ZTItaZa
-ztgtajlV0/w5Q0wkqlQXpbQ3spBPTlX7O9dGuqFmyZ+JalDOOq3K87IK7G2gKYIrH6uZF2gCmpYJ
-ocLI4QYoSuwsmISbZyby/j7MzHzJKQi9jDMB3ouqHTaFpXRzP4rE3FISqn4N19CmVZKYwLRypEn0
-XLKjE7fpQ/rbxNhFpfNR6lP6H/gR9ewDH4x/rvxamgBv0CcCzDF+YjVftk6HdFcpxsOjnAHfukRT
-IpVsunIwqPSwEbQz69OXcJwQI20cYlcRp/oi7OyJRBHyOisFmApu3sUZBzgjtgT5+ylpUv/S4yt+
-F0FnYNi1s0PcFFo9z4WmzsKcAFMRIKlgx5BfbD9PvlVy5Ati193CoPnYBSBqQdai1fDsgsbYmBQ/
-HhvN4MKgVhS4TCTTzmZBm4hsZ4RFDZKHEM+XyQGI+NzAGB9zpJOtCObkPzIrBlkojR8ufI1pP9eR
-+K1J3acU4KHfdU8vy1OqbBTxXvVVRdFwjHuUWGFzDzpaUbyg1+dlpIpNJfGMUc7dk0TtiwTxLcG9
-pDvNaEEXND6kud+fOx+wa9yWymHIjCKcpj/XMpCFHRfX0XY5LnXBuOilvmd+NONCWLIe4L0wYNID
-FvXf059rZuIJmNmKG/vlq4DWBKatjaWC8Z9kvwFXC79Lt69unmR2K7WpymVoJTa1WAZjjcY041sr
-xwYZHEfSmVv/3DtgfZqHTA0iKIxaaIIV8VX/VcWixZfHTDsnfykfaquSvFnX+9qW9j4HV3Yi50tK
-GMllDz3E7cio/GsW9aWLtutEMKdswbAhHHdhbCvKQ+5TTm2lIq2xcZlbjoZjXTNRpuUg5/6hIe66
-CfGV7HxjPGvousRAcDD9lW30sHqiJOoPcRe0M94xc0eQoMF2Z2K80DPWYt+RsHQbjEZ55Bj3TpkO
-MOboi7Z8BB2uKN8BPuG7hU72pwAtYecpEF6LEYnlgxBF+IzDV59SwYM6Ild6w2gBQaUgCDOB93ZI
-GfwYqXDAHfn2ojcd1m9Lyg9S6hf71g3tu5Zr1l24hvJDMvvmYpGzOroww2dK2GffKp5FfnzVuNkU
-PHTT3JLDV1fCNZgnmvatkfugiDClCTB0+vhcMPJZhFqIQsF2O6xtUwlXtWrbW5lUD+4Ot5wy0XHx
-lxHluqChQd5TKrViGKb6J78cYVzqIIaVLSraCgLC22keUlGW1+CyKCCyd1bkaPtEKhwsrFV3k5O8
-WSmSLBg/xWiNZlm/EuZPPnoKaBa6osbvau2L98FQi72Nj2WpdpI/8xs6lgjNeugEauh5bwFt5zAs
-nKbY6rWeEibEJNYErrNqcILsqzahf0/mJK0NqrkoC1KRuppW3H1SiFRlRfOSRt/rzskT+1yzL31n
-tlAuFURxpobUsKYzMKeCkQ77MvOSJPoh94OLUzust0WQOG8mbu83H3vUrJAByiGg0YSCYjwOiud9
-L7pXhlERYEvo5Dyg/QJACGjPAW0rZoqEMiL4ZPqOy4rSQ8wdDTUKzWiGFm0CtiCQF8ElswaALmis
-yiIrSY5OVY9ujLLFgRy3zHJJMCY+NVFpMlfIj6+bOoV+kaPUY1gOHf9GjA+Lk90iUygYnGd+5Kt3
-zW8Q7VF/6aama34S4e868GJlH1mt8fI00r0tw+jSwV9dmSkZ1IBjCP4B8G9thqtX9hqSNy147L4E
-3FVZ0bAb1AyrpuPg3FRVTg5DyfXBxgts4ORcVoZno5Yo1laQGJpKikFU01PkvTz4yS3GHQsRRQq6
-vUsNFARnJ4X4ZniyDn1fw+WCp/W9a8LyoqhpcTM4YZHHYdKqmuT34Hx3j7gi9Q7B39pUajY8ZQo0
-rrh9nbNnRA6QxcTOtzGGf/5MX9F7nXuvCjO8mcZHn8MeyjalSBqk/kTelb4fP9pGbgBGuplMQKtp
-skWrBjQ0yGqoTHohecSdBNaIrdoOarKISb2cfVkL8L1TZPAlt5byw8X5nMxIRZsRflYrzhZk4FPM
-Ja7EQtfqlXNlyEqrxVoulQF+mNF22WsxJPa+FUV0dCrN/4oVU/SkX8tuWtiGTdIyyC8uMc4ZBXhj
-C5ltng2zTeFEuO9Rb3W4q1o9muOSwwnheP5CC7gTFUIvFmrb1EtLcfVNbbXZKbHjnQ1oOMlAznWU
-EBpc9VaQV8Cp+i2XAx3/5NOtVWotaqHVs9DQ/QOGjWFdDzV5PMv3OQCp8pKzaPdulR4YJoForGCB
-mgJczkdiwkUdWm6RKua+XBIaXbzEUDYqeM/Xik0COkgrnaswrkYagcnYJTFf4A34PyrJDXn0HDGR
-UhcsS9G1gAjb8OKRjyG4UdKAimmd4lfZnZdDUy26GFRxj65ydS2i6jbRUMyeTmuQtXSMmWqywEys
-JCFB6Bup8mTeYM6NphFHI+xopBingIWFIp+WgfHKv8VT28V9VRMSnw/DgDzSeopLNs3vDM7PSjXP
-CCmgbPqtNfcckh5B4lOZCWyDKhZfjjZW30oboh7NXCk6EuydqZydSnjzvFWBIOFB3BgwMJbYP5Vb
-Vbi0XZBPX8Emba58qRJfhDlwhnRlyX9gWUBdbTFAy5pWzURctK96wMcS7VW/ebGufcqOwQhPhUlj
-cr6fJb6pgkfCS0VBnb2y0NfnEDCTbzsJ7RezNKJrEJTWgntoB33L1BfoCdnGzTiyWIEjr3XFqDiB
-hRycOEd+tKX9JerenNH5IMhUVEeDIkFHp6C3F8jBsSbF065IPiUnnWU5lAh1oJ/a5kw2b4tA2RhB
-zJapxumLVTEVTDWVZAGJntHrVUHGS2Laf3EmzesyrYgx8o5OvLI2I6IHEe9/aJgXPqjazEK3Cv5N
-Y48ydg+hpLtpsv7xP/8H1wJVs8a+AqpsbNmi8uiv1wJRcLTRaUdd8pich4f2yJ/SIz+1r+URdnJC
-3uz1X99EdFqVfvmKlq5omiLrwqKlW2DFs36rJGqhwlP/7TvLxrSdjygF0j2lx5BSS1kTODRSHF0H
-PeNmhxFVar8VY+Ch053wm7ouIY9YnXSptFlo02EswCAMjsYLF6R1HUCX8/PbYDjSnQsZUpYlULDM
-JAVnxNdkdIuhLz9DF2y6ERrPWL5THNLOnX6K0xAFUFe4zRkg4DRIWt/gmEzsiJKP9zXqzzT2ZIBu
-Arq1uVDmPSGQgOdjXQjShBiPipvualKJLVON7v/mZfu9dkjRVRnAhGmi59JiYv9WO1QKoYVNnktL
-SenyrVNVsO3zCPDvkAfXjIgIbICmoXkw9ZlZqpbyVtqel1ADbLk/bKDAU6FRg1ZJSrCV2BsPNtLw
-wwMKBwMhJUJlZzufpCWWDwZKEw0CFBA5KQt3YRhApuqTsj0ouqboc0m2vCvQRmsTmGoPJX0UFDXB
-0RhqwJA8weSSbIgrk/r3YdQgw59yZPBTmhyUQgCcNDKFUxXn1ePP1+n/53GBJlNY88vTMg4k/tJN
-cvbD0I9/nRL8+Vf+nBDYf7AQCZBGP+cDPycB/5gQ2PYfMvL8P08IVPsPReUPCs1muTOoVPvfEwLr
-D5lPjUyjiS6rZFft/04vifXX1cAUlLPxXVFNYpsMRHRjHCD80qblaJ6ctBRZrCKzjmYFoWtH9s/q
-UZzTm2r7+zQ1julTPORbcwmjfIN+RAE4ZIvG5GblPLImn7mmWNFhvgF6S3dvIr8Fsrxnq3gJM+8e
-d0j+wib0k98J+y6zon8JP4qsSJfZJ4DNqa/SIX+Lb/GTsOlDvWWl+oGuoe1yV0wyrzp6YMXGsE8Y
-XGQSwBNVV95SrTx5RkvwNIT3YQZgiZi4UeatSBMN3l9lhNf8gv2He92kwGt+0kzcqCNHjbb3ZYLX
-zUheiStqJOCIA/zy9v+N2qP9vqr//qqOv//Lq2qM6RDfpvuC9C8Mt7I+Mfzb0/WuyN0ch8yaQCgt
-mCeTCUrL5XkSKouuqMAkWQytBQZab9uvh+RzeMnP8Tm7tvfybsAVtn7kan5xtBBQM/3a/uEfH99/
-TNL+5jsX/7Qh/f6t/7Y9sCHHGZyeftX68i4wlF2pt+FS8smP2jZnTV5g2kl1gPYdy++JbtF62Xj9
-K1f2pdaoryHdMV1TAM7LQV7JCMAwdXeGzeXYShwYNvFONjD08Yixmk/CyLw20AFLaFhtHh1tfcBC
-JdNKZ0j4cmBkzFCxP7rKrNAD2J4cPdrmZBxn+giI9IWRLcvBP0WoyE0FTsfuP7gxp9DTR5SncNZe
-oeN/LzuMPA2gbClFkKIS62XIvc9a15N1mIO2Yn9xZgMABCxpdOtqZO8ABtTHkeaeepgKe3xsxM+a
-rRZI8drQuqWVhxzzmGpEqCeGH0J8jIOP0KZCCybnh9UFFFywEDuAtGeYjFZhUiUvWsTYw6vJgNRG
-+y0VJnf1sTJziChrA215coODyVs7vsUF77X9A1vMurp39/xKs/YZGS759LfKbgh5fcIm21YS741U
-BSDgh+xF1yv0EzpLseC5G8Z3wdq3pQOWNTGHfMe9JJIXlcklU585nesvAqv+bJENyGTwHFa6NTqH
-2nUKNMSr4le5MOVToFsvXPE40I6C3IDWQfADuQxqM73grrTAKp3NAaFd06NfqhD27/V77Nob8xaW
-0R01f1m/prL2RlJS7nfSo3zGz/CpGxN500bSQy8TsXXCflUFpjTr634jD96lNrgnAW7VTMR6Q2Tb
-/Boe02OFskADhFLd9VI+ZiCskbGQtHjiGt5xyq6v48vkKsaGAMmbeIjP0CjnooXTeYlv2Adf8qyk
-tDcozvQMcEUPd+gqrxE930kMwIGD7Zv0KQXlvbwx+ICiX9obpBwyAH4VzmKj1IiDSufCdZyp2Gq7
-9OTVgN65ZlM3vJEeNYtZoBr0yjyaR0xOduIobOGlqIhkKnDaa3U+iA+ndtQZyssrko83x2k57wp5
-pexyXIv13RhKjIb+LgRv3a+d6FPGVtptqo/uQ/kAJQHS2kynY7JaCmbta3XJk7PEzxo//afQPwGt
-LPOT9Ghv6ROukjGBbQW3FAx6EOq4mNquIUiunnz4J8tQq/d0+mSExDCD5Mly0JJn6IZvSagN03Bb
-v+pFv08O2cU/BZeA6FvEwC57k/bO0SIENWO5ozEnq9a8KznOc057eYhl9gmgqZy1aMyb1O1HcBLY
-CqXqV36N3XbY5YVM+9pKPbhXSrzv5bW+5seG6ULhLPINptLXPmgzCCs1WAAO6t4YQbx0Fp2/rg7U
-QAyckpLC2n4MOrL3EOLH2ddf5XuV6HMt8xysGlzvhbiUlOoiQbZzKauv5FE2xqv1ah+6QGJ7ufrv
-bUh9QJfHeBBDHxYdnQkWKKRRG6i5lcFrfsbYiyNiy8GcFixPnwdwyIj4KbOYechCixPi/gGhGI93
-nhd3Jx+qXHpK2EOmkjCeJadsRhiAbLMChFhUPwGdXrjq4yA5+Nf4Oty1e3pk4HKw5OzNf895ngez
-ZKbdhq9YvR2nP/OMhvSW8FNGe1zQ66HcxtOhGJZZJCgCeHffy6/2msNOCCTGgyA+Gi9ep8y0ErV+
-DtxwZ2KZa8q0lulaND8Rcc6BDL8Fc3IRBWABu/Qdhs1a5vFW+xkSJgmTyJt6kvPFDIGhwXKI1L0C
-lXwawfQzlWm/cwJnE5xiyJS9bZEagxIbeVo5a+Z5zoB6m4tVpA8f9aW7xRf14Zzts9mb88CkKeq9
-HM8C0UfOwWBsnCzuznhaSMZzQ8QBgs6Ql5ADRad3bwp68cyv6o1b2asIJpic2Y/cyswZQDNbhOiG
-6aY4lXwd/aHH2lF1qaK+GEd177TuWTMGwltZRKf3m6Zm7tTKvUfH3kSbdI5QqUhf9uSJV/cdt6o8
-iS/S0TnHA7G1cpZEdIskjOmezPBvVFokP6iQPygB3MfW/jZO1X18jMa1p9lzBUltMemZK88ikumK
-HlszXbykj7IzDwoG5Hw+0MPQPoQCeZMulWji4mqRAXO9uOxI9Yp6hLUbVN9Oov5g9CXKD2Fll/5h
-nkGxHUi0TGXnJbkFN+0FyWgscgRPWX13TGfjEljEMI8Pwck7cfGdIFzKMa+Dvo/tJeCn4NbvoZJe
-AIWiSy2MAnbTPGrDZwksmF5RCHFnda+9ZJl90V71gzjF1/xaXkFvE//JeVzH/Ui519dolvA5rVb+
-1Xkb7vF7cS6PUby3vbNUpiuQZfyZ4pwU8ZHYm8pApRfRmRzV3OIH0D+ld8U+h9lFOfaHpivXRRd8
-yA/7jEX71bkUd1JQIKyjGcVAm1LVb0Jet8x9+dmkkGiyPZFnmDwQ2xaWtXUjZ9M8nU9ip1NxlF5a
-q5l35a3uMLAk7SL2TtqxIuuQ3fVZ2fOwWHNXArr6Um1jD+Ke27zFyyps9poo+Yeay5uBnUJPdxah
-qESun4GAzxo228Ryl2NzfcC5LLvG53xf7rO+u6LTaGToDsqtu6mdWOTOsVCh3j61TUt1KLPz4C0H
-7DEtwDOkrjsN99Gx8LRXx15Ih/AcmeTTt7CIqC4bfS7z4Cv5Uj/oi8UiNjPekq/gHcRdlqz8ID8a
-ur1MjXVyzI5FngHnLKbONj8kpzGo0iUsR+qI51c4lm8qaumppcU+AhEQX8hqGOffQr+iNjk3KzO2
-Mup+w/IYyPZw9EV0iytAXoE4qHCkdxl/vCv7BbvX1pWpngIWKyZ55Z1NDTRHawWPuuEHjlWYpUnh
-vYQWNkWV2GeoNjGkEL6PvCd3QkUz3ERjUyAi+HFGg0Tv6Gtfj/OJFK5lI+OE5hcPr5M2tYjlL73P
-X7DR0U8sdNrd65qtN14R6LuhItkToBpkJooPI7IwDCG7daROcWdg9hwif1/hG55kNeMbXDrrQS5U
-cE4CVd4mpVcM9IoEWja1k6ZcxJ31lUYOtHrbytYEIrRaKWahLl9jlKdx8tYSaYXLCLp5ZrNCYWSM
-iQHie5wMFXkdw3fIavu8uwzzEe3KFfABd5KZ7oZYarvyAr1b4Jlatokl71QpgVwSU2TolDgoTWbz
-BNX7WZRTZaib9MjGuryI1HJW4GuJI0XDMzHY81bHzTP26TYDQ3ymJORSKZycZDGAReS/FS2Lmzgn
-py8N1Z2j7RnKgbtse4s4uC5RrcdhwWpteHsWUFnZ2jBxO9WOUsypiHTkQ6OB8tC1mwwSbUaycN92
-8qsOaAi97hAE3VaUJfm5FkxhuBG8NRw2ocUqfvAdWRhRS6zrc+yy1o6e262u9MuA9MvMtUDlFg6U
-WjV0SMuoJA7HITbKe3Bw6wRsiV8t5eHLpJx1UlPgUhj9gSB2h4VDWblWSU1HNpx0nxOHryXTLqA7
-rpTiMzo1bbmtlzH9Ohvuj1YKlLVdV5uyHK3SLaiQf327U2gf/1VC+3lpZjTFTclQVA1S4G8123aa
-tEGCo3g17NVjfJPr2J+FMPM8P3m+VL6qQ9UH5sTx5CKf+mPzwBmnBiv9mN66Nt3TqExyKrokl/hk
-GXNHaifgIRbMtpSKaYpiVmI67JvH8LDTVwmTO1ewg3/zn5lfXgzro+aoKek/dLv5Zny0tpVm1W4M
-6o40ZcKtPebZ7sCWT1xyZzkWrGJunBlmH/R3N8WPzVZEKHfejZsTljky25N6n5+rq/ceXcu7fvLZ
-z2T2te4AA1b9Ee3UKLwpn0otFnRuvJTz2FBIct+CS41DDuxdI6r3fCJPRe1/c8wuULPTx1AXuJL7
-Jccb61sFF03TyZrDQH2ysh/eKTzk/vDexDYtgRPl24u7g0g/k+9UjX6kuy7FuOCEL5lOGfTA1Saq
-xq1pyUwhnoicZU1fJytP7/Hr28+YLSDiB+ace3bJjTohjH8mWcDhzSWMAnVSaExHAW/QbYHlCFWN
-8QSTEyvRCIOjr8Nk2FvNezkcnHOZFAS+HXcV5iNab1vnNIN04711tN6MFiv6gl7k4NBY5MInNS4b
-iS7FacwuN76M/b29O+x+lncOicjw36L3/i7evGu5yjbxIpxVV5k/U961Q8BuCu/vAf3kGl3tk3ZQ
-X1N23X/9xKp/o0f85YH9TbwMdAjtVIZR10AXKFFouodIC9CiMZEf6sN+DLfIaXfOBJTBm7prZRiK
-bnDvLxR/bKr3urp7XOqSY8IF7998Z39txf3zo2TJuiLzC6iw32wxSivhBwo7ZQUp7hY+tTD+qDkI
-dAfjLCvMXS7DZ/ut4Wx40c1tbxCkHpJJor2Z5Vx2TgpAZATpeFpxSLA4LOR3PnL/RjHHrft3n/df
-vknUwF/lHAkGSMMTCQzOJzEXqV/EXqHKK7Y7Sd81LmTVR5julkQ0IB0fhUeLS/XByePW37KDz9Ai
-AOD4KvYtBOgSK5X28AENjR//8rULGurrYKwDvbxwtol8JhhTJQOWtZaP46de+O0+v+XP/iZNmoU4
-5zfoLFs5XIlP8ajWs/81N+hv1YWDi36UzhSHNJQc1kG+o9eJ1PxJ1S7hKT5lh3Cbdf2BPKy+jWRz
-pF0ZIOXjDDwBBuE1RSx44LFZkixnHMiFduvtGKir8PuIiPgYhrEA528UutTsg0sD4+4kGJcyRjci
-qFexUtMapBwYKyy1+iOAYtIQqmMnLaF/YJ6pCySk4JbckgROjPqIL8NNFYyXw60o4ISkh2BLOmq8
-W2u5gN2A5KfT04YhRU1oSgeh6jOrDS+Fnt2Lp3JrL1bcBlyqEEwsjxeU3mI2w1pKz8V4z/8v5s5j
-uXIkzdKvMi+AMgfgUJtZXK0FNbmBkSGglUPj6ftDVvdURlhOpXUvxmbDJDMjGeS9gOMX53wnODln
-/9G7D1G9F6ZaE//5wuaLQYs8zPO15pm49hNhT5hAmSLQ8zFSMBktTDSzgN4ZN+T3+F4+S0YQf3P5
-z+udP69/eIa4roXfC6G4w0j3t1BoXZOhrpGhues9YjKuIRsT9oc/4++9qR1yOGE7S2RyIZj5e0jz
-sGlvAq9bwAsH9IBymhXBTTFZeYxnPUIIRj/y/mbzYf26+fjnLfrnn/G3ETERHPgUjcDcYWk+sNGM
-NqxBX6ev7gud7EcV/Wx0VE3iJZnM7bBX5dPw1kimJnlif0Xz+ES+FbzH1c10Y5iV30aOnPKTf+E8
-lA/ylFORUOCy03QYaeQf4qv/qr/UcJhQcqXf4Jvt47XOIKRRaovr8HU8gebVxt2/fyvMv/g1Gbfr
-tuUgOOFmnyflf5rZJllv04tXWEh69Qqs4NGvHzrYdgmY275uJgIWMSNPweQvy69u8aOdwIfPETFO
-lj2B+EB6Xc89gzF3DzVtRLrV2ndYQwx+jtpJ882VvVZz3/F3BYk1H5K/XUW//Oi/jZuNBjm8KHpz
-B6XrKa8MWGLOJgXNHLFqYgAu1z2gl/ruvCYMCLrXuvXWMv9qUII9gn39GL7sdw3D6z0Ul46NeIL0
-svIRTDMtd+0beXHrrt2Pd+txeAtnD8A4YL4J2PgaDC6Xnb71r/Glc94skpfJnNbuBJc+qIts+6tx
-UodsniKJIXw30/Tzf/C2cQN5tqujMZLeb7VYKvShLrNI3xnS37BQe68fGgWJF/Hx8Nxc1RXCFJMl
-1gE0bOzitikj3MTB/ZUNn7kV7tlBX+0SKe0ISCrxzwWIUgM6d9uevOTLKaNjosKf//6nNuYp+u/v
-2J9/6t8eyG3v1YWeB3JH4OXWiCXtJNPPuFPvjr3FsvxkkIEBNb0v5n3BLKQ9xcfyUPkbRtbL8t48
-K3rP+JlsolvxN3eC8RfPZF5OgTxQ6IbFP3+9E8I+0hRZRAKbPL0U10fxw37HBzlTes2v4kfyQ6c3
-RX2Y0amax4yuNX0M7kDna3rZ7J5eS3rbmh5XmlT+uv7pD967U3Bw/fuX8a+WFb/8pL+9jDxLzS61
-CrlLu/oHn6xaE43UIDY14z/10fyIrp1kC6rRfz5PhvU3x7f+V2/j/CIJA2mYhfbn11dKLz0865Mt
-dlCBT+qpesB0QRte045XTKpLa9+3ah2MMMf775z0f9OJuH9R16E1+tff/1thwtXRNnjk5c6OwZ8m
-gbejRI7s9VdzbR7N14qpjJE/DLZi/LcS5+JOhfocPkpacos2ojjPN0fG6HXEGmjyJ9QjLKJd9Vw8
-gx5FLrbjDnpsmUwOryTRYpc1TtZX9YMo2sn4rLuziWdgOkTp1rAvPfuJ+buRuIdZraLvct9TU3x3
-GZWOu5qxqcn4NH0OGaXW80w1B/Awz1g9hq3pPHXtGb928xx27kT6eTLr3OyLvGSMa33GtmKe3/77
-S+gvXkIpxOy5coXheYj/f30L/XDoKyfyzZ16s9xPvQD1iDoBQvo8rfUZ2/rz/LZmkDvd5FmtjJ7p
-dlEiaU8TXPFlK5eY/JSzikrmH8pkdnYiJXiqvp1seg0ARXJUS/1ikqMwBEv7cX78qc9uJNgM2p5C
-seeCH1s7xdHJtM+uQ1xTSHzlA4LR4J6c8c09mL6xVPq4NzLhLvUxetCT5BFU+7p7Vj+094DYI8a/
-I2PgdAlRa2AwnFyjazxPih2i7RgcI5MuGSNDiSKqgVon/LAZMo8Mm/O78Tq+8r48mzesslwIf9N+
-/FHF/HraSbgdlueyF+dltn67TTUdq382KROlsrdtc1IPnlpDO7DnAEAQAgWBY88yU15LH/llhtM0
-/Fmmy3YePb9U8xjafR4PHVMV9UFCOhBX0l1CoyXYqnwcf2YOgKgRqna5zxUhSZApP4OsXhBECp5Q
-GIuwlafBjVapq68Ta/xBy8fUaKh+WuMHHP90rya4L+iQDuGE7zRAFQ0mBibcYsQ2PfuulnZk3jE5
-PtrDm7H3d2n6s8qSIwlU+yI6VS7gtK41WFda5wQGcZXHH461sF2Y4xlM7WDojmyp95XXLP+4fv+f
-6S3+7M7839sfxeUz+1H/YdL89l+mzX/aNP/Pl/9/eDixxNgU0/93/+YTXX/6vy6f39tfhBn//N/+
-U5gh/mFapum4hmfNtQNSiv+ybtr/MHTOAxuBlIsK40/mTd38h/SEJwRqKJtS0aJO/E/zJmoOBx0X
-zgHpOJbpCfu/I83Qf63qHOlgE3CRFfEI9gSPmN9OJlWZiAU5u9dRUN6K3rlg1NvBobjNi19paQiM
-QfdkzcUhy6AMNWuBmmOBevY5s7AgAmyAFrP902v4F/oAQzfmOvhfN7MjXY5L20LOglRL55f97ZlD
-cIqIewKH17Ux4qS25jSFmP5LDfo323XhDtTOnermXtnxuossbiKXVpHIBIB6Gukpbu5/r3B5LkoX
-0LCfHKpJH29VkOZb6SFJDpP2IMc427vZdz0W5GnKxjnVJS7HHs74Po/yG8pYBrBa8NR1/juYHv4m
-C6Ck1iMpsE1jdj8UX6YJYBNyJbYGv9m6LMJV7Z1hNTGj7sj6nAVWSe1fPBLNB920b5y7+Qn9FZu3
-ydvJtM/WMtMQba2wsHvE+9LM4AKIzlhH35VjOlurYo2aJOODKJlBoQIn1c72UAtUXf2Ua+MA8aVm
-F2iwqvWwWz44EIfOcaVdvfowYyMz4Ide50XLhGSeRRMOXyXisVVq6+nGQ+BCol69kFnbEMHnj5dE
-vSQiLDBLBM5T7U3ka+b9LAHgl7ex4yFWJefJB45gCnXDwIZnxIKGikePPNIDU9vCnanJIcHM+cEt
-xEc5ekcrTloi4gD6KQsdfTMhWnDSGkagwsFIKxa34OEUk8Jey3e1Y7x0Kc2emzbsduVTgKGyEnAV
-x7CbDlW20nx5cqWbEQ/taOuK+i8S+lZ31SFFlxCbNHi9cBaRmXwIA4dliS5Cs3/oEY8H6coP355X
-eVoOXyB0/YOdPHjtd1kb6KTdr8EA+qZaZqRN256bBMx825KaVFB4JSm49bjAL4xu/qbrCfB1L1oQ
-FTOgYzlMBShdAfdx4RGqgF1JofVHsaeZy6EMtHMkK0bTjfo+KWd8dp3eW5enBH3tc5HFXIGR/Cgc
-f1iJFIYdVthm5UxD/BhUxbscy+LTHNpo6TAQb717yhu6SXuB1cvpXoQTOxf2pnPKZ4QlY4KpjSnA
-3cJ2mqePebIwQ6/axnOURxwIgERMQMNC165l7j2Xjh1vGx2gGybJfkFka7WJcqbnuKpv5Psh6S0t
-KMp9d2xJbT4iOyfsMTfqrSQJZ9vU6ZfW3vgFgiM0F7IagR20dSvXQ4e+pWJYvB0gkqcGFnAXUwMy
-RS4orHzRGjqdGaUHlUt1d5Mw3sh6zFZ9r2tHYgkfKj/ZVZUnWUIaQCt4ag9J/c//xMFab6uO4a3O
-QbQP7ew9DisMHeahBe9DcRWSjoNvJ5qGixaw+5xk+MJE21+IwYPubtvleugddaSu6FEd9dFmgEF9
-ifra3yJC/kGycXx2WhQdg1kdwD3VSxPD08Jj5cOgWesPju1dlPvTCzt/PVUEhVS5Q9XRnj2F8ctA
-pcCr7fATauotSyLsuJP5nIecDtjX1V6kebsKI3vYjFyJC+A5g1/Fj5UJXFvv2MnFYXufuqq+S5WQ
-bGvGr64e5uiosx41jwXuLAsOJquo3RAhOGu0GKlTbO8haI8fjr8yO6/eh0FXr8FNYAbImyPOP4+Z
-sF1szJHgLa32gYYc7Gzy2NnDRMYJwO02pD/dMGGr6b95ROocHfHqAnY65t431AJYJEbQyxBlRohz
-U85YqLtFyfSazj5tkAH5llyOdpmYamNVicRNNr1OEtZtGshrpLiL6gikayDxrUxQwlcC+RxesH45
-OPopaqTam8jEsVmaIBmntVQhNNQk9baofAPMpsEFcq4OmX72kLQaTZBZHobeIKpCPJZNr/ZBD13P
-wvrvjtdCWPVCFOUEFQh2Ob6f0yjOXVEgAci4RcMO4fvk8CGG9GGEc/pyVj5Xwd1UOpGQxg0lP99J
-lMUN3zqwyAdd50+TXoqbxRLvieO4hOUWTOCtwjqHLYv0gEGlmi6FPszUJ9aZpt0mG+Qa44NWJWqp
-Gl8t8SxPm+ol7ttuY0fDi9Xg4+9rlA9/PPRqnzBCJj6rnvp27xD/u9Bj6NVEWNRr2i4dSn6xamzO
-ncqC29jod02+xJO+H/C78jYaHViB/susw41tiT08JW/p6hWOJlFdYQh9Fjg/MaNH/TboybAYvas5
-8bMMDTdoOKGOCl3nTRr2C3FqEB6HdTNZ3doUUEqIr7/VdfnDBsz4bpYAs/Vk4we4XHEWg1NqYS6R
-SCoXpNFv7YAi2gqhJSCO9zdZ4zI7sm32pewgcw/FiN8yEeLiZY9tBcahBSa1KB2Je5e0jVMyfyA6
-AVAe+S4OdRjD8I7Yqtp1TrYVwoIU86cND8xGmOMRI1R/LruCJ1TaaCszz4Yzcj7CKdoq6DcqqImi
-y6Lu1PnFTljkUTrWkwz9b30SmnsrDekMm+pjBBSwHWycwIp7oPcEXkleitM1drXyCDJLHfVwJD/g
-jw/zl7ZfVMcN3Bsy3pp2wtSccbSui1JhZFFmfgQzVhzzwi/wR3NvyBBiIpFlsXtwUyeaRzXfqCFq
-DLdYreqeNrapeBQBmgLw18XNpfTb9hjZ7vcG6DGOlLHZRMV7Fb+gSz9FOU1C5vWfng5NOSyieCmg
-Ex9HLgVCyZ5FSxJw5HZHvikW96TwD0Gg3LVWh0gYcznsu8GCnhMZwykOPskesfdT0TGNcYNy6wdW
-f8k6SXrz1J463fvhJ+1z5wzB0bfsABIdnwU2n/3rS4JUpoXRaQR/za/PmDhkK5uRyXST+QnX6GmY
-P/D7Taug+ygrMt1HrpeLTwsxu1nIErEreRQhhlHdzHGYjV15aC2Caj2nQ+QF1DYs2dmZZFQNA1ox
-0ZDT10BRWHZMNm8D2dB4ynYmWVcPso1fNE/1B01PEH/qG4KQ5GEo8B4kIXZT2wYXUgQFVjsfV4uO
-xjOq6z2w5vDMhgVhjNXIFXP0QDP8c0m2wtnP+vNktcnRnsGh0QjrOtfDvavExaNuPSeto58bs4V2
-3rBbDABDLNRoNbfaikiWrnhQZ/XaTbm6x7Z4MpB4ZlldnfssZpsngKRZeUjY9fCMKKPcYYqFpoax
-jezlzg2IUyD6WoNUMfUk3qp+0wWEZ4/ZvUfzd80s2S2iOUhMqLc6dRqiWGBj1xF/2FbBdzgs2sZj
-grQoOUdWFqRCUHXTEro7iybuOqum4rQtnDx2SzqpqLIaNXH/GHfNeJSep8FFTYt1NHgoKPSj21U+
-ZfeFhwMyI86nddXIO5j47MzLj0aZKeh6Ut6Hq03xXg+RNDYAJMnNWgBtZ33t+TClapbME1GaA+az
-lYcVfcWzlgTvoSMKefJXmJAXbacNlxrqLM46iu3Ymy0/Xu4fWhMfBbaw5eQkwcaWzxzf+84jxsR2
-0OmJmmREw1Gg15zvwbzFz3JSVKZqL2cWdJxb6QeXHuVlSfRLXaWIudO1gJpWdH3yOCRqV8waCbOb
-3IuV6N+nkNcs5DH80CFcJNf1xUrEvXMr45pq7p6HCM/e0Xppyl6s3EZLIX+ECFREt2IxLbaiTPaq
-rnhU9yiRGHQsev41HUIkFqVOskNOkvJl0sE9UPUm2onY0G1GXjkpSTDVqJektcTBjecFZ1vykRjU
-ib08qGFW+gLuspujgu4WTPlOqbcih9weDQXMAts79D3yAgnafsflv89kMG7TMJ+T0VzngJwZ4m2F
-eGR0V6oYSNooXNAm+jju8jza2y7ufW/qogP2HBSCXDIDVdpzByFy27vUu04I2ycvpPZhwp1mQ2lw
-N73URghVOcv0BUUx3vAp+9ZGpOVlxsHkJ31k5GHtEl8PNmlWlx86itYKBPvRLgGZTZ0LlNLwP324
-GG4TsB1oWzJlZJiv207fDVXlE6vh6oseQPZ3UV5q6FiwL4HrZkMGmKaZvBvoeJKkNbfYhLYrF4ZF
-Ytako8WpDMR51jCxn8iy+Cxq5W+9TKc9dCxClSIY9Y3LRipSh2b0nF1HkU0Wm6PuGQa1wA8OBs3b
-okG4vSK8pL/wCUPawrhbsXHB3A9oe/7Kofm8G8D8KpbUt6j6CZmnu3DIB+HUrGK3ht4M2X4JJk2j
-ijGiUwjqxMO2drB6Fy0WOvO9Gzh7n2L1UnqyPiuEkF3rrdoiTFdEEiYXUC9LjCMtZxB/2sr7F5lS
-7TpuI1hVcM7n2PBog6/cqc2qi/Kf/RSFC4xPIccl+Y0aoPAck57gnpomP1jyCtZ31SgqBkvqi8B7
-Q1DL9s3xntkOBmvd1kqOM3ileoZc1ec5tB5c8N3Io5yTqHyoTjhVUYT62XXUzO9YlpptnLY7h1uS
-ax2jIeIk3B06IKk2W6uSqjAZnHUtNOMwEQJ4wM7+1JQjuE+NZTLDM22RtC0rTdTeB4Qn/iE56DKe
-G2vXv+Y2FEkrHB2UrFH9XJoHI8Hc3hn3MRzJ8kOsbqCjWsmWR6CRVOoojHJ+CNj9kwEK15SfTaF0
-ZHXOupgidUctYsER1QnQ48hpYSGFptW/dhMWtTnc4cbh0kN6NB55SttvobZ2M9G/t1SJuzwyR67S
-ykDkz/g0E8IAasq+ozS7ZV+UzGAarnY/9w5RqFOnVvs6SpHgOBl264gwUTgqNzSscLh5jwg0JI2l
-HOxjScYP9fI5742Vw3gJCROdx5B02RG12hzlQVztTa8T85bV9bQnwpxqFCCqWbKPop7dTJZp39kH
-+0ugEaciI4s01iOeCLI8kG9AwjhCyfWYh/bb6J8D33PfB8Omp46IYyxNks31SJd7pVfD0kuMaQXM
-rtnpmnvo47S6MUaBC9MP+rrG1Rq3rrNyHLSNlYYguo+mA9LpBTMhZ9+Zdb3VFeKL0aTfigfahCig
-3SRPEhQ0hnoCeDlwUPiqdFePtMJePtzh/ajdlBIOoTJSwsHvY0V1ELRZwj40/acrQ7LPPSKXvKrY
-JYmTIY9O1AFyyo8KsSDWGCZKnTpZQEAXg7AIL7c6nYd2JW+mlwY73hVzT/uwJVZMXxIw+xJFSNAa
-p/3iSTndhEbxXxBeVar0K0u1em+krIrqwf0EM9Ye5liZtkusDdvC8SqKHO80TspdUb43oYP6Hq/1
-juQftHYVg+UB3OBq0t1nQwbFnkyn8moBN736AG5XMZFZrELyHTL0huypSKww1zARqkr7AnsIay+P
-iYcU9BjErcC6YWlAVU8KW9515snNmTZxqIC2UkLbhkUNlBDcQmCNHeiocBW1jUFRbrWLPunNxRjU
-FR58994lUL2UQNVsF3VIvDtdTYKoriay6QKN/oE43PyJkV157GRPFzEDn/P0pUAHPrdO2fGCcbF6
-sgtCfcayX2dD6UCBd5KNIpvSlRQEg+4Zt0znd2Cr9x65UbxVot/CHlrysNJKLKSx1p/A3hu7RCIz
-CR2BzaCjwwRRaH5aGVaMICQ+gLIGRkL/DJr6q4KXDcW62PSJlSwzs/NXHbOFzRCAS/QKi3zr0B77
-hVXae32Y5J75yJczQuImMfDe+8A1cm1ttdAOpEfxHKvRvRQQuJLCbV+nik3rkL2pgiE/SIJv4GXF
-ZqBnulWdO64qVw5PpabgshQyeM/b5Fvli/apbOo3SUKrTXH0Zgawg6We1Ii0o6+yIjks7czgAjnE
-3aTJ0F0Glm24mgDZdJXCCcOVHJWfrTKGe52QRTJ41TKi2dp5iXdXcenyqnL1trBvM6Lu3KHKj205
-cad5vbp0nC33SGi4mkW5IoIn2Bt1kW4GNJBXgBHZLnU+yLACKRs109EPWIQjQFwVsIE20IvJM1PE
-bMOT4bOScNwx3ZmV8h88cWG2PZ5blhtO2ahDXlmPrkQTk2mAdqIkXzhm0z+BN3sZ6xKAX9TGZ9sb
-cMNUpBBNTr7pNWtYaGP7YxjG8TZl3dmLvD1iEfMyDeUy1fz8FNWjhMc8fRNJMz601lpEizAvtBdm
-ZYS32Yw4XVX/0GWqlnlYd3srG6IVhFOHVXeGHiqJv2V23VEGdS8qd5Cpuai5tShG+WWEXAzp6MEi
-Np1LE5xjZdcPVRges5aOyHCLahc55ArqGZqAKEIjiKKzvhdFjRoCTUkVRfIQ2fTcr2CGd2MKRhBx
-tlpk+CMWur5vrXzjmuUFzCAyXR5y3NJVe0BODI+13InK7q/j/CGf2naTMO6h/Vh7DA1XvlbH+9Ru
-ntNGflcQtlYD/7tMXaTHmOt3McAPJiw/NY/nPazicl9a6XGU+nfFzbnqrPowixWNCVtvt/BLhJYR
-oWKr1ASAW9qLyuQgVM5T4aGrSRlydgXmzRcNZcaxTYw1dHlod3i8URkZmykDqru2XQW1ZMz3IuYQ
-tEPIx2mM6Am+xbbQULVLmlYoLcsi0XlS+qjUGDyaEo3XGL/YMcu6yZCUgsi76zGOmIJSdJPXIcsu
-XeLBQQqQ12t9bD8GaaRbZlKf9XC1WO6Rq+B0pDpjBGws1J1eTboG+zgPo385R8kkN89ichsUgAYY
-6vaD+6r13uz4Ibq6yBqSxxAs1lap1r2xL4uW+k9b+rb4nDJxNBz5ORZyG1VeQS3hnYUpAJFBguIR
-xO9DG7CPE99aOkNZrRtLO/md+5OyZVxAXGcRpNZx3W0LExWDMcctEOiWVC+W/WoxNySPhVl+JEFS
-6HGEt07pn1BSUpgz5rGHpLQgFEY7wd/ZqIrIvxTrK1nxxBENImHXGDD3IQXqDAxyfvM585Qjl8zo
-krWhBXw/lKdVzjscDA4NZfKJhgVV8zgQAQiBZNdw7T4IvPExrg9ZfiiuneWUTcOK8OC1CfzxmAag
-GVWRX3SNmaXLqxRaxUuftpTK+i2z0g5VO4wMJmJ+5mi7dV27J1Ykyy662kQmLKJa5yi4WFosV54H
-5073V3Fq7EzR0qUwkl23Dv1AkPPuCSgAqPICPBDOBbbZ2vRbiFkEhxYlljpNB0mYWlej1g/GFO4I
-1a5XLrL2RQcnkNDKATw/TzZ0cYCfXHAps/6U5r5cWrEVrDn5zxBY/E1RtCvfhSGQ1cDxiF9zDjx5
-Xhiw4HoaMg4fm6ARIqtbl4l3XodI2d0anjZOJpyY2rKZPmx3cNeut+3NL7YUC+ltlT59V3m78fvx
-ZxW7O8uITXYbWXr84wNpFmI/UgIx9dDILWKqbHrsFSz0HZay9vyGqy6PwoPXk2pAIA2Da11eqqJ5
-S7Lge07xT7msL81Ia5DXdwcpCTNl5vloKp75pv5mj8OGeoJkmax0rnokvkgUm0iXR7JPKup9/iTO
-9fZdGXjV0n4Dl8dduY73I1KZsbHNoFzR9zKu8JCd4cFFtUHWNJ7iBoi+Hp+1ActEF3bOGerHp6Iv
-Wel6NwfCB9WzmVkIFErSr6yu3JuT+kgljUKi9/USRLNY6BlElADyNu9GvvE6xzh4TQzqHwnesAI6
-FeFBaEZw65z/DJkZBZDPfMjS8dxXQXAsa9SLTPGC4x9fNiVumugtjqvmaLu9R2VeljsPZuMaqcW5
-gUm5hIzuHQwMIoknD2MvbmlO4tSgqmRd5Lb5JG6enCLSx2GMlrx/nKNR8tMACIiEqsYgaKpz5Q3B
-OtD1Yd9H+V30on6ELUvC1ks+6eK7JPJQEk5QTG1/mFjwrgLSb3c6ZMKF6t3pVPjTDgQsKukffWuW
-5yFudmHmeUuer9aq1yljIDGNyyF0HPzOwy4SvTzDXF9ompdcCGzro1qBJaEf9Yf5rIpQdY68Mxe3
-0gh/aHxtnSfOMiTW5EkIm5CHfibfynPqkI1Lwg4H59Kr5vTuAJtRbO+ES6InPXVxKNuwXLA91E6Z
-xTGUJvbJBbN+NSNQfUw7smfmlwSvr/ORzw2bG4Tb6NoxHgwZ1CxKbictNpq9mZj7VJg57zzTK23U
-xQq0Nr1syEKC0Lsd7Wjx1EgiuSAgAXaXU/zU2P3Jzm3jvTeat84VCbqNOtraKXqRTsYkValEbAh2
-6bdCj0CtRpO38ShMVyoTizQtzJOaBrBkHDT80QfRDtOtDrvvTjRp57eiAShOtiCItnRctorvwLNe
-PrkGJV0YVgubhIOl0/ZPSZa9Wbro11OWFogzR30TOS12w5JK3MmzozFg+BI9Z0Iu3WuQQly1kb3z
-2sV5tRUc7ItZV6LDgp83gzwqTeKA6GDuXi90NiGk1g8FkNlm0vtbEraPUWwVtNZCMK8Rp0YjhUJa
-lnmHcjRusDZpoGOjnS8yzDK6RRFSyrcugnYcRt1jWjvxc6VXjE9zlm7evA+PkYvGfv0VEgLHvKc7
-GzrjZIK1/JXmDSP5ee6wKsWEcXA0SeXE/7QMsStDz5IQGovMuMYy/iSzT15bGLkXha66rzQC5X33
-ajSGc8ZyI0oSX4JCu7VJ0u57j3h7CbJ5ERCpsezL0d2jF1jKoH9wJzVu9DDVmKEH5p6R8iat+mzv
-IIlhytd39yR1CS7EJmUNg/cc4YodwiFlk9QUm9oyuzNQ/TOCbgY2OU8eb75NGFwMy7aJOyxMoTyW
-bszWqRZPhIpRw2RrjXTno1+btYeDV2mbNG55zhLQcG3qD44g3FKlgQW4s+Veywhrz1JnCw0wP4jc
-EOcqbQogkIJot8nTj5lmlXtt/oGZuJKea9Ivhym2QFF1/bKh265xnE4ikLyfdUIUmntLRaovyrFx
-z0MIZaxUdbljI6cdXKHwloX1q9Hoxg8GntSOcC69UqCrzTKSNMZWrpRpIP9PvO91AaNicspg5ZR+
-dQ1KXKNyGoE4j/3Frib3hDx7OcikeyUx3VyLkdFuIEomnRYCrJQYMEm2yMGv0veOdGw4A2oL2o10
-gYE9EhrHYIbsB68sU6h9TBi7RhRBm/IXsZHUD7XHIGRNtGpMbC1BuJOWAsKlKqyibjwpQ44EqCm1
-U4FzDkVoHbKusg50P9ticvxDSSLeqp4MfzmNnyzVGQeaBdBZc3aiinHZpGO0YK9H1dnHj1IRM55Z
-XGIj9j5KWhNltIKsPelrPcJ9U4gof2f7PoCl67qrX5N8ziT+2Uus7MF1w63eRe8U/uWWzHCCzUSc
-r5u8OzuBSB5GeY6ZCk/6NWndF1+vWjgJTAfCyYh3iSBjomEVZcL7XpWJ6o+tP1BFhv5xYO1degYB
-7t2QX62CZUbfOvB7DflcxsU284R2otLmZaqHo+mxHshYJKRdr45WGgRvbQYppCzN5zjIzUs7sYhM
-Kyd4w8pzslqbwVaWYj5sYs5j6ejHQsaboJliNmvl3uumYT2V1PdVTwTd5FTWMdA9AMExh9SI0C8b
-k2rTw+pey7TN99juw6VepzfUgeo1TV9VPh3iOu4eDKq8hPLvkPiBCSiUp4HyGWdZDguSOE2ztR95
-xS6coDljQUxvpclQ09Nags7r7BJDp0YJa6D18IOL2ZQvDMPKuxRkK430g4eM/AWlmdTmzI8eCuJF
-lkbQyK0MAmsDk+ih57faZQLvfJaQjDUvREG+AEnQekoi5lNPvmwCVnLOlYc2YT9dVr86WnSd1mne
-Y9QOxm+tUbZPRIx5bhU9V1OTEkIYMTnrCchBGywC/DJFnK67atKOoUBSz/pmMYYCt0y5cwLZ3bo8
-2RgWXkrlBmoTUbZZBkmotekQrzoxocsldauaW+hi43S6tRUiDVa9Ejw+S1esA6yDoTpmTBDdaYDu
-7knWkSHECgmAd6gz/eCxjFvAmCYX25k2Uau/GgPmWN/XihUMRi4fUA0LmMQxGOs5gcYqCjZrj+Ce
-xkMcPsF6ytaJzSPFR1Wyk0yeFnYstDO/P8TDxMe4Zvb+2XgNgC+dgFlcgHUTGDcAb6/NgsZVBBgb
-64SAx8x8GMtY7FMTlWDBhbPMXfs9nlB6jWZfLaG8sn+14VJ2JU5OE/T7RIX3QGKoXsfk1lluAN+1
-wMENj4sUsE2eCLXv0SgRnJtiMtaN/aBXC3QF8mIz99877JBg3mJbJwN9j6mYHLzCJk1bcwhoY5t7
-BiVvNe4KmPO4NO0iuig1jX+jwTVmydgvkjLLQHnLasdEiAeXDGHfn60XkAmaNo1kszb89MOkwEhN
-Dd1BkZ+8wbyg93qs9PKtx+uYQ5EfQ3mfRu2zTAmNFxzpp44uQnjdg96yYaEogkQffrmT3EkyL2fF
-B/nS9Mt59pPWDmWHqv5GiP6rYt6RTEo8WwjsB5Qe6IlnnfifvSN+bZAYqzVr7sybxpbQ9+3mECWK
-9m98ifX4Plh18jdaPF2fdbO/v26eMevwBH+v5f0mxRtBEAKDxLGV1/6LBBNMHQx23SjM/2DvvJrb
-RtY0/Fdc52LvwEIOtXWmahUoUjnb1g2KCkbOGb9+H5CUTMqyxzOY2sOLZc2Fx5IbQLPR/YU31Hj2
-6MWR1lRfBbcAkexSAAxkSg+JKTt3AjC1iNKDXp/lnnxZlWX8BVvvW8rtexCk9WkrAASohbOocdAe
-CPpLmJLmQeQ35WF90si1Tvsf5E5FVgKezgH/AfaGJF+iVxJjvySTF4Jk8Guhm9IuDAtUDhrPUA5q
-E4Qf0kfCPhXWJ3x2nb3MM8/sDFSTr84aBw6/14AG42x3E0Tv68sCcCHSiSBijlsxRpVViW+Qej83
-YnjiCsosJBthdCQKiJdH0cySjFvkqb8VjfOsttq5j1opSjoL3U8uvVy7DOz6StOSO7mWX1RBv0gL
-/bZw+nsNIfvOiuZ+xjUyS7jtO/tEdJxZiUYCRnD+ma0oR6kjztzWvkzbmLqof+dcNXED0C6/caP4
-Ug9BeTXBQ0c/yfL1KW3NK6MSFDRyxWmKXvkgC5xhe2FWB2agyzPLU6qpqyJ43bU4QXiV131BKB4A
-EdYWmK3FRwpwqkOgNENNwezRNRSEQ1hj5kkcHCLqaa5W8v/jif/cEwZrH9DAG3jYH4Tebl/CRews
-YjhKL0u7mkHDUdKl13+5hhVLEwVcE0oGOuPJogJw980RRlY0UwTTi/LslieMZE0Qol0xEOCUq4ON
-zBpWLGkTE4VIy0KcB6SbBsvk1RvncrUbAMn+qcKXYQ676eauoZObSDrychJsKYVrbm9WHubsheI3
-DlAsTfliAm87qvysoPWAUQAKTIV2Wbu6MqvSBJKD7/cCAWshNgcJEkgXhJ8WoYYvyFM1KeNTp0zK
-2zTtBXQ8MWQ5iNTakA4GrEg5LfDLgetJhjzw/DMHu6UkTxD2xrDQ3qMkap4YbW/OQTogWkVHCucS
-FdTCeSaoWF8jGY28KAIBDU53eYViUxA4j14aQMjAMYGCrOKBwty3LYW0RsCaEi+3LhKv8Qhs6UzU
-Soj5ae+K6XFHO/W5NSmlkBq2MW29Qk/uVFtDR0QPs+LG74R07mW6e45fa1fxOqbi5zgLPWLuoEVt
-zbADkSILqXCDiQIqQHoGvkONbzEBQQLAKyPYvzHRx54JyQRn08hC5wBHOXTt7RJLE1zlfZk0nD7t
-M+1T5VQReokaQVNaVPrAkHwuCZWbfUj+7Y3MH4cmr4kGXltJPdTsBNzvngVcSQV8kATHagBias/q
-SmuWksQtLXKCeRxp9nVlNdkVCXZ72PhgWRDF6OPTqFfNKwc0xjfXUrJnCY32s9aga4kFWg8Yx2jl
-aVXFBD6i3h5Yfa7PDNIu9PgSAB5B6k3VpupmHIPxcYbLNSC/Lr/AnRkDjcAnirMCEakqHwXninqs
-qib2XBaQl4n6QHzIELM9dlXHvkyAGZx1vo1+sJnSxsNABB8thA9muZT3czwirX0tbZsDLzMNSnRV
-O5etPL1LCfqnwO4T3BqdwNrXU4t43AK/MaCt76W8o+RBOom2RQt3sSNZtujjVWkFkZ/8ft9KVY8q
-l9DGn5ve8i4oyqb0+OU8mwKpxJE907Jj2S2se0m0ioVKxQsusCIpuPJFOrhcvaybQ/xn+7NCyATI
-hAJIAnB6M6ks60t8HXJUEZQ43wfW780jS0kFKHK6eh/7pnquRSbyyB2nLIFCdIL1ACvcaLxvYh2i
-9ewoCQbHRkw3J4ycfL+qTOvWiKmI+rjyggVGePjMEOOIuLmhyYKT6JWaBSgfaQpyBn2Za4u0hSxz
-0JWOd92aJlV8CajckagixwZWyj+vdEk6xnNOOxdBE3yWszCdd2ooRZTxNWFWtGp6WNQlXjh2qtW3
-RFLyXRUZzQzsfofBQqx/Ds2sRLPdNsvHUGzBzvVu6VQo1eNUvqcp5MfYa7gLRbXA8TBDnb5nUy67
-yOMCB7vazYFT+ZEywL387CgLMGWFOR6RUNouZKogvnCRO72tkTM5tnNNvuGdqWfQlBKi0krRoGd6
-Kk18cMAe6wBMOT3KAu6Y7kACyASakKRv5ZlVp9p5YmoVGoS2It9bQgrsKOhwWB2Mxk1FR0PPp6oR
-I/lGqV4KoLcZeBYBD0ylWRUDpUYJSUTSP6C+CP0PylAuSNItQE/8aqOM+AepXOHeCMroyqSof90z
-8eySJZB9+Npd+03xkd3c87WKzqwGt2EaUF8uIB20WreHCxCse5O3eE66EaCG02RUrq0Gr5sWCQb/
-IFXYeFyrBDCD2ttV3XuArsxO0I9FyiPHWawa31q7RHPTI+IDxZilhzQLgODnZX1i2YICalBqO0pf
-mdTSuMPC6QTzCxwrE61q8BixzHkI9JkOfWEAFYhhNvROxOuYuxnkvCKvjmwpjE+zztbBh+AFFh0l
-eiselpiyfOmayPlW62J8LfSFeNDoGLxT6QXxJys1rpiNBwk6RR8tVPBsPKn9oVcvt2b0LUfj6CHJ
-tBinER/3XqXSYLwVZgkgONcoi4NIPcgo8heILw5qYHpuuXgcKDoNozAOju2+T08oryKsSFZ0U1Pv
-0/fUsM5R7jBIEA5jcs5kL6ma6BvVT9pSLmvoXq1T+cwMuuwxMVTlDoqC1gA/lUVac751xVGuGLPQ
-bdKvTSkY6LKVNYoEnqHqGB5Af30BGlp7h8gYJLiXIBxy4pDPgE4BHowtiZMCgOQYD6q9RI+QpzPa
-LsLGo1JNHCA1+znhta0P06SWrwtQkfp+jii5vw8gO/XxUa+dz9h+OCd6UEG0RqbpTpQGoYkkILpG
-B6glJM84Cuy+mDc+4oA0ljISXSOkcV9SnN/rOy087AW3WhhmoD3yjhkvnm/aMyEzkwu06gyomXml
-4CvQ6nOqfQ1dBToMewUBDceV2egvWeeXD5GruSdmGAN3CEsnnzUxSpsknnkKbyeuwV8hnXmZh11z
-xEjeA3Qj3kqIBkcQAP1Hr/QBm6c6LmjAgf1rjzQmBUmrAmuVyabpR5ePDX4892gb3zkKOuqcVSa2
-K71LlxH9PSv+3PXFXWs37pRysHGhwkieq3Kn0pdzXbwzvFhTDqLaj7/UpY6qeFyHj0UTFGeaDm7R
-6iA/GVVeXKHdga5GjbZ4C1umxYAEznPfUGNHZLBj55sltupC/y67M03LChjXiUEpUk6lHh2rUHsy
-OlSHYoAi3V5TwdeoJFqvhdGpt6nrSXPbqvxF5OtfgQkq7KoaOqlxUYTXjVHYV1ElB/fa0PCNPdU9
-Rn5c3pOLtjhO69JGG7vT6F5X6GF3dm9fETuYpxHWDac1JtaEB7nHEVwDjkhTF4F5RYyuXE1uUIjF
-WRKPXV2nx48Bu/o15iWbAuU0FxTM1GaPRMb7KkAQOwvxOHD2nKq2ZkaMTZej+tV5qUrmV3w0mmkh
-APOY+xKlhf1MadS54kjolvZA648tw0bwRkxUmgQCnCQNY7opHmDlaUu7TzmMBSs+Vtqgu0d1Tn1S
-yRBvS98prgX67nNFs/tn3LOoF9tIK5w6kcYf6fDmd3oixgBW0yg+s0JdPc4qbNeJEpIvbuxpD1aM
-ox5TIEzNxlanCN+nFFk8q5yHoZJfFbhNXjlyiGpBpaNYQh75RdXF4ijyROMwd5zkNETOj9Y362Aq
-FnHVDLCX6JgiSntg55mMxUocf5ESM/+C5yE8qiSv5mWeucDdrOi4IFE7TB2VHo3YhPmTYKG3daB6
-YTD1axNHddtng0zY0+O+cQ415GHPfB8pIMWRzQvX8+U9GBbdvpQk+Z2YZ9l5FUj1nJmWHmhRC7PS
-6Epg4JhP1VkaLnyzzsErSca1W5mY1KixyA4TRdqj4/kArjSoBJWpc9ApflFddans4UwiZtKZbzRI
-8hqJ8GDJkndklLrOKznoTKDihjAgbdL4US9N6TKHi4OnkoyUlmN77VESUDSnDt2mJ30dsULMuFLn
-aQHkDBBdclOTSNwhM1tdBXKTnclZL+9TXjTOFLnq7wWZvp6eNjB6y9o/K3usDaOg8mag/J2p69Fq
-FwoitFpJyjnIn/JrhnDcoq+RGpOwebiwUwHTXj0xOF6KqAfbSBOIuMQ6Av2hYvpL9xLqTHoa96b8
-UESKfZdj8jdN0KY6AkGMHbmHMu8p4gIWfsm91sJyl4T2NMM2CpGmgU1mGFJwXCRpcd21iTm1c998
-Eq2OEpddcAZ3oW08WPoAzRZEM7hP3VA6TK3OOseTKvyC7153QbldohYhml/12GU314JYuuwsTfum
-5XnyGVSMAP/Ib9HBL8WnFoseWA0FW4UVWfnC6WzvCPEl6QqiMRe0o/bUlOyWECrLb8UAI6nQwMSl
-hlF14IuleinqGRhikXoZpS78hu7CrI20vaIGPqrpgnwoyCL5RciZew3fEk3oQv4GXMc6djAsoMoT
-q+G8AVV40HDu3ue4Q+znItIkdPnUdCqUcAxCzU7rQ5c2wX0tRc6t4cMpdyHxuHsmu8g8ceMm2lMj
-ubhEKgOv+07zscdzkm6W+zId/CzK6mvcRuAEJprYn4S27hyVqa1dV/C3Hh3dpxkdKc7Mxywda9DM
-PJWdQWcLdMidLmKxUEausC9EIgz2NhYO3FB3bNKb2p83tBlxLrKjOdoK7LN+nX/JA0W8sWQb5025
-MaYgFZX7PFc1EGdSdW4mhnjcxiWUDLuhh+i8kCZp0AVS0YE+0sjACjB4x8yyC+JLKtC+s4fPlHZZ
-JLAGKfPLwBrqqL7J6Con++i5mV9o1nBWyr7Fy6hUsf+50ly1H6TOsDqD7DdVEpNsMrMF2JVuHVwB
-vXUuMVs07orAHHC99ASTCHlnMe3Toybzw0vsxZVTyZQeGstQD6Q6C/FZ7kj//LKg+iN3ObxNu2/O
-JN7iA0303QvRULB6duUKhEwT6F97DEz2tULErkfU7XMbfOc0YoeAhZRpBi2zyKxO8L7RwgNSdoCb
-RmpEw0plGRpagm4bR1s7S2CZEJiogIDa3q/hZ4S1+SDZmJbQckoN0LNoo3Iy6O1NWgTxoxHp9lTv
-K+/rsoDyf1ZvGi60Y9R0Kj6UVGCmrydhKCP9roHxL62P10WnP6tkoQcC2Imi08/J8QfIa8efsDb+
-BEp0q5j19o9XtSxDpiwFFV4y1u4FPNm6liVOTENBJkYiwOVotah5r/2NZXHCT+DG6wgc4GMw6Ceu
-a1n8CBNJxbIIsVBQxL/gr9SyrG39E+6JghjcNon/iFY0kQtt1t3TXMgowWCJASjrW2Xo50auHaW6
-detjHo4tqXQ4+BPt1YJ9Czz5Ku31r2i5HlXWg9ugoigJ0KDc/j6odFhddL+orfqnvQ9voNHAtIcY
-59VnbiPeZ7JyFJQOG4925Pd0UjEQDGDgh1DM8n29Mqd6I8CRRl0ZTnbo5zMVVkqgK1d6rp1rOlyL
-TL1SbQk7YWinzmPruFOInnCKshuIajd9i1YIRsMone0HA2KifOzDmw4bdD/qhxB7aqjNmZGac5RT
-TqVUPYcJdp8qiAGV1J018TDt4IXAnfBz7HNkm/J1CGTIVm8L3ZnljX+BITuYTiCjYOiAYdsNAFkn
-vCodY6akhY9BUf1Q5tatSEiE4HtLZKAeKbY+z4SACKt8EkrlIEujUywi/6QDtFRZ2axJLr9IA2ML
-hQXFynnXQOmiHFlcUVAPQ8rj1BlwZYhOnSa70LruwsgFUMouQOjeOBQAo6HFvpLR+GlVVH3fgtJQ
-axANXdThglN8W0psbXRwCMkI5mTPPhwaT2lKc73Kp+2AD6g7vNxwYr7AAodKqd1f+ll/D/5LOdUk
-TZhHOsIExt5Lp5Q5kXyu79cYMk8NyaZTm/SnbZjPKiwG9nXTEeZIcgMVHKCPWhgdHMVNZ+HwLFFh
-aJAZU8DNt6G+l9DfnlHWPMla4HrgcsTDqpCfOBTJQNr+qhK9o77wpH3ev89KJp/YRgtxuzqJMzc7
-TrLUWSkd/aVt+sx7ypMi+Va+lwfZ3IL/uIWVlES//JWfDjRiM//VXvtWHh924suEnu4t3SP0ZLur
-73bzv/VLr3X2jwf6zf1ZG2r7W3vz8p6W9/KrIcIFt1w9v9By0CYGelMInom0BYbPvz6FdOrXPzbo
-JehQezQLct/wWTU1NqboZ5Pw6+f78XD6cZxfPcBWz0Q1ZQhqIydCEScSHRbIxPrqSRlweyJkkR6M
-MYi0bB/IP9757zzd7/zO1gw8JVUMj/L6xfGSeOugHbTMfmcRvBvh+yKQZdRr0IYxNY7T5ef9s3PS
-6ibHLFBGPrSB/iNTsHiOvPjAK8rceyq3pmAVa/zmPLwb5vs8sAYM2VI0xGNXD0oQsLkG9Ilh0h43
-NGM1SxwtuzUPsiGrYydB1icaAkZgAdZP+W5HUCZDdCSbkrGao11cDGS0+tgNQTYmyDUp5oDDWH54
-8TcWg6VPEBpWOOfXrwyaS7u1GAwLIt/o5SDJk+FlwFKQ1b75/DKtZKJlyoTrCdi155fJJpb3tArd
-3g7av3A68i6wG7AGOB9Xnx/mQMZajS786qe7dzpaujl6EpQJ9FR2PeAGy8+7XdGcoHiI/yOm7MvP
-zk0CfoWrQ3vEQtAmGEyaROHKR3Ng8mMRiTfV+k9FB+/OtI34aHk0KqMXgUoiDrtS33jdN3cDTgXm
-x+BwXC2CVVy6g3Hi6ImQJsSIAzxP/nAlyBMU6NkUxF1cCcOBNTo+IFCW0eyThjLNxhIwFA5EUZU1
-Yz0xOxcdUXsaylmodf9OtPzujfoeJeKoqasUnkT94yjRmEiSpgKWWu+HOxcYsImt87i/vyEqHArs
-iBqh4NsLv7kYtCE6Ipd6/fHOTYJhiYouj10LpM9sieDUKE2uPtvvhDrBEXWwZgaON3x2Mlgm51l9
-PX9/OcjKBEAOkfIgfLqxDqwhStSRP8UmevnZueBgWAeyMjo+IEq2+KLfjr93SZNELmEwOfzK6rNr
-wbIEmHT0IrAmmP9yLrDKN9aAQRCtipRoBr3X4bNzewEHA7rdA+Z93MGgTOgjiOBPtr99S+Lv5aHD
-sT4Zd28XoE49ditUJLypqXa/PeW7NMGYyGy40tDn2dFVQOdnqCSuQtdReyGlf2Ikc50Vbm+J5Aqa
-rlJr1NdHxs7FSfS/5LF7ASB0lQjZBIu4+rrZYbf3BAm+MVruuxcms0jH7gQS2RLsHVlVP0wS2BGh
-KFnEYTtbNyCVXa3Lv/8eSOJE5dSnCPVxiKhPqNrLvArrMHrnVgKdb4WGwLChk/bKoHPGrguiZovD
-xpRf2ynbB4VByZG0QeWoXL00OxctEd+MLqxKZNAIOMIY2d4YDYJlKCQUrHbufKTyoY6uJ+ur81Fa
-l5MHhMHGjmiKHAs6bZjXU2P3vvtVJWn08cj5R1EV+POHzSaCJdkwWATizobK31lao8JFyZgQCuF/
-IL17D6yJCE2eCtM6Z1qtvF2qpa1WwtgYgeq6yFwSFX94QFjqRMWKy6Dntvqsdt8dmgeA7AP8ZNwq
-kCYmaFqdHHT1lNvbAg14Xoahr7eehNX1dmkSVNpkIycBLJfGWatig/uWH2/ujawE7FFUas+rWdi9
-A4JId2xwMDQc6akSaXzvqG1OgjnBC2aIHNYLZefSaIob4tiVQAveVOnc4QqzdTwa2oRAkfSMUsLy
-s3tLYOUHNHYzoHVNgPA+NOK7x9UWBMrO7YHwpKTVd/H3MwWqh7zdkiYaPN7mkjcmFvL+lvoaKfyF
-L/03dsg3nBZu2uHzEsblvRQfAbl+9guvIKcff76G7ixZ3eBztn5xQN2urr1q0w3//8dWu2GJedv4
-4Sv+d3md9T9fP+CPl9661utTvf7lzHvJF/mT2y1/0K1vc7Dq+ve//id+dvPFp8t88fxSuFv4miXQ
-7PsN/ftfW7e7sfv/cvy8ihdP7iL86BIrqPPoSxTFItq88xUIYOywsD8W+eawq5by2GFni7x7LwGw
-qsOOHtmLfjrT0qrYN/YSx4soqj791yJK//vTyaJwI29rhtZNprFXOVnkMVDLYLE5+0RLQ4lm9Ni8
-CoNJ7GqclQDDsuwxduDTRVC4i+fm5SXdGn2VPI8d/Wzx7HYfv6YrtMfYC1w8e9z+5p3Lqxhv7MCX
-1XP15L7kebc1+CqKHj947C8etwdexiNjB75e+AuU7xZboMs10m7s2DdeEHhbG9bgEvgPrO3bX3oW
-LhHLH5I/3sKXX23kd2W5yD/axNd1krGz8vmlKD/tvaCPEm5+n+tQY+zoZws2czasMt9a4+uq99jR
-EThh9HLzvt9ajKPHTrbu+K2FPXZcDv43Fs+595Q88u3OCwRqnovt51gDCkdf71eBwNCMW8E3x17m
-zOuTfDscWHf6SJ3GDn4LU7zaXkHrwf+Bt/dg8UwgNpCqzhcOX8ZsUb+E3utNL0+qoWW5BPOMfZDh
-CsNX/W50kDLKPzBNZ4t4mKcPBv8HpunsxSGaXHRbbwXfwnDvlCnHzszBS+i+n/Q1gGj00G/v289Z
-cyM36X1OrGeP1bMdyS9nZ0AFj32Efddd4DBZ/HCFdRv1H/h+l+fMIhge5PV+1zJZr5SPsQ9xzFHw
-0/H/gSX0pzJfI7/k08Uz87M5OR82rX49TR9lkm+U0x/zy1fmykf/bDt5Hn7jKXxZ5H/8LwAAAP//
-</cx:binary>
+                <cx:binary>1H1Zc9u4tu5fSeXhPl26iYkA9919qpoSRc92nKSTzgtLiR3OE0hw+vVnKY6zJbQo+mj73NrWS1db
+IdYCPnxrwgL1z2/9P76lD2v5ps/SvP7Ht/73t2HTlP/47bf6W/iQreuTLPomi7r43px8K7Lfiu/f
+o28Pv93LdRflwW/YRPS3b+FaNg/92//6J4wWPBSXxbd1ExX5O/Ugh7uHWqVNfeC7vV+9Wd9nUb6M
+6kZG3xr0+9vLdVKH6/vu4aF8++Yhb6Jm+DCUD7+/3fmHb9/8pg/3N9FvUtCuUffwLEInmFs2tYV4
++yYt8uDn3zk9MSm2LcHZk7DrdQYPPFOLHzqs7+/lQ13DTH78V3t4R234bvn2zbdC5c1mxQJYvN/f
+nuX30frtm6guFo9fLIqNzmfXPyb52+5a/9c/tT/AtLW/bMGhr9HcV39DYxGuQbtgLcOn9fn3wSDm
+Ccc2YVRY5o8P2sXEOuHCZIgzbv/40CfRj9A8T6X9yGw/qwGzOH1VwFyvg3UK2Dytzb8PC7ZOTAsJ
+AVR/XHd7BxabnlBLIA7YPH74k+hHWJ6j0H5Q/vWkBsn15auC5I/8fp2t8zeAypvr6FvxFaztWb0B
+qX5aqn8fJYRPNqzBwgRabFkyG58IgrAliPkLvUfr+QjPkcrtR+zgYBqIf4AZe0UG73Qth3UO5vil
+XA+2T5AtkE3Bw2zhxa0TQk1MTfqTT9aTyEe8nqHHfmx+PajhcHr3qnCALRbK9Ztbub5/qF/Q+SB2
+whljSNj/4sk2LPaJbTGKGMQKPz5kF5bnq7UfHf15DaQ/bl8VSFfrPCqVfFqif9+6YXrCCbWItWXF
+ttCxyYngNgRr6GdoAC5q28g9Q5/9sPx6UMPj6nUZrz+kytffwnX68rzB/ITZhAiboUf3j3fMmW2d
+IJMTbj2xSjNn/yPN9mO0ZwgNrT9emYmr63X2tIFfgDvgURgFhMC2PX52EYIAAXMGZo/st2xz2kyg
+8viYjsT7V2XHnAgy2xdEgp1YYKYYYuSRK7sJjoCvTduyqA0c2jZfs2rsh+DnYxoEzusiw3INpYbH
+0BkyG/nmdN0+pNGPPyx/RdXLSD2t2AvwxTxB2MYUQrMdonACpgyqAozjR/S0/PPZ6uxHS3tcQ235
+urLQRRiumyaqX7ZAgKFaY1mC2uwnAhp/MBRtENgyU+PPc7XZD8zu0xouiw+vyqAtH9IwekGqiBOL
+EmKb1v6KDT9BiFEOFu/RtWjOf1ab/YD8fExDYvm6igJe8YK5JCQvEBpjYuO9Ln5TzWTYsi2MH3HQ
+ipozuuxH4cdDGgbeH6+KDZ6K13LdvCAfoAhjw0L/SkN2S2UcQazMTSLgnzx+nkQ/5vbP0GcCi6eJ
+6Hicvyo8PjxAUSx40SoL4idQR7EYBL+7ztw+MU1740p+5vPw9XbI9SxV9oOx9agGxwfvVcFxGmX/
+S0kjQSc2Jgx8+V5HzvkJJhZGxJqogf0PFNuP0d+npkF1+roKLp8e6uaN8wDkSZ/28QsEwlBV2ZS8
+TA4l/a1qi+AnNgcTRn8mjLbmTp6pzH5kdh7WQPnkvCr+3Kp7BWeoUg4vhwkcWAobIwuT/cyxTziQ
+ikP9+FeGuW3WnqfSfmS2n9WAuf3rVQFzvs4y9SOFvFjXYRbJl8OHkBMGOT5j+w/LONuUwywIl/dH
+xI+a/Z91Vv6/N8/QbT9QewfREDu/+I9GbP/B0ONOfjRsO//if3jqjzFUxDAzBXuyYDv2jdubaNoS
+zPpZ0tTs289z+Wlt9sPy87Edxf+zD/mv1lD+AoY08iVzFfuEQv4OnsV+NFGQrG85Fzj/QqawqYm0
+JP6Zyuxf+52HNSpcva7Syjlgkmy6L17OaGFyYsFmx7b4yYfdWBnqksyiiMAh8mPWohW+nqXRfly2
+HtVQOX9dqHxsGihOvvipJPRe/AiU0U9LZGoVLxOQscCWPQGnnUo+W6v96GiPawh9fF0h8sVa5utm
+nbykKYNTSQQVYUr3B2NgyiAWgGr//pOVZ2m0H5mtRzVULl5XCebHFlu/sD2DRjKwVibUin/WWXbt
+Gfh3bAIonGku5pnK7Idk52ENlI//2dHWjrbQannxIKGH7OX8CzJPKJRZEHx+1b12XT41oSZG0c8q
+sgbLvDr7EXl6bmd6MLvXVSi+XN8DP14ODMhQbGQigZ86WbQaJZznQ72eQgPSY3imuZR5dfaD8fSc
+Bsbl6zJXV+v7cPhf6D6CCIwRaKJk7GfFC+0GxeIEC2FbhPwkkAbK89XaD47+vAbS1evy9FcPAbS6
+rIcXtGAYQmBookCE780Y7U0bORReuLm/sP8sjSag+ddkdFRelx27isZCvmhfCzkhJrR8wXnKDll+
+dLxaJrbN/a16z1BkAoqnGehAfPmPrqXsaAve/eY+qsOX5AYkIYiYlBK2z7sL6A/HkO1D596jQ9Gq
+KfPq7Efj6bmd6cHs7l4VGLcqj9dfX9C7myeCYkTZpodoO8ZiJxBeCUyhufjHR0NhXo/9KDw9p6Fw
+67wqFO7W8bpuoKjyckBA5s4EhTN5aEx9/OzisTlbgRoX+Py9eDxLo/2QbD2qoXL3uo6D30dJEr1k
+IySEtrDaxMRPzag7kAhxQjlcQIL2u0dItG6VeXX24/H0nAbG+9eVE35YZ1H65np9r16OI3CYZaJN
+kV2/fQdImBxgYtpdoucpsR+G7Wc1KD68rm7uD3LTXP+SHpyccMpMqDTu5oIQ1nKKORyF/GSE5jSe
+ocgEFk8z0IH4/+y8py9I/ro0uoSaofvjtunWHcnD3/6YM1yD1R792V+y9/jq8Szp7H5zIxVyu193
+WDdD7PSl7Jw9/fr3D+C9fn9rc6AN1FggT+Fwe4hagGYHjQG/v7UgfzTJ5pYrNQlUxgikl3khm/D3
+t4SfmFwgaNITAgkI4aC4Xxdq8xXct7RMOOQXHHMIHmwIKZ6mdlukQ1Dkv9bh5/+/yVV2W0R5U//+
+FsYpH//VRk0DYhJOuYUFWNXy2/oOLg/DP0L/18ZRa9Vpz92GhWnojOMwfAqx1QMnfy3DnuHBMuwd
+Hrbo9vAxN5Kh63PuyjpPg/M6jRlyuCnrL60ce9vJUefLRYMaHi4OS9yMvG9Cm4luTygbE6ES33Iz
+2aL4BqdmNSxCspFLUsbl2WExU+sG22JbTG2ZVtwFueWGQ9lSp4xGoZxwxAVkI8csHMSL2+NzuzLL
+2B4sV6GSXlm2wcVdY+RouBxEk/eewUdLOtlQlUDaQwKnJgR7cFtgKcyy5RuBbWrz/rwIla8WtFZh
+5B4WsNlR+4AxdwWIaOzMRhHminQo4o9+FJKmdUw78dlSkkoMlkNrlvbvD4tDm3H3yONAt50J8axO
+WD0wVwVBWy0EFh7JerloBzs1/lLK6uPlQLseO2rgxiVOTEHShREInEFqf2hJJ2bMIRHe1iANhqxN
+WcfcTmC2ILL4HrbDWWW26bLrg6vDQiZw2zQDbQspgKydGBrmDkPNPwdScncgZnp6ePSpKWjmIRVx
+ZNVEMjchUfRgwosILuuacseE9rHCoU0+rA4LmoRLsxSF0bGyChlzjcAPHb+3/sSs4YvAsrPFaOPS
+UYEKlqmlWgdn3cekaZeHJU8t4ObvWwZDpl1clrhiblMY4+hKJONgWcKtquBIAZqpwH2AxJDGlmuZ
+Qdo7SZJkwaJnWeTPCJgwspbGrMxuOxargHsNRZlassDqyneylkZyQarRNs8bI7T5O3AZxDrO/HHN
+POF4MPKiLg0vLwZu3TaFGI333KBmMGPGJ+bENXNUC1OZXc+As9ynXheFTeoYbZgMThZXcmF0fXga
+xiOZETe1CbQltIuEpgoPvlcYYsxWnURl6/ZRVrTe4V024ZY2zn97lxFa+KIrDcCoUbg5za0iN90x
+R2nvllHT9TN8nRKjmZyqaCuf9JnwSpyMHxI5hDdV2cjbOi7Cm+NmohmcLukF6kxme9joI5eiKkwu
+7E6Af0qYSPrjALE0wxOKoEwEL4UnUzqcGdlo3tgBkqlzeBITeFu6tfGjwYQVsjzFK9w7ZtzTv6yx
+KN3Dw0/BsBG7ZVNUywt4IYNleW0KMPRJV7vgzPPUiZAqj1whosmISD6kQyw8WrdJ5KaD6A2nNodo
+nFmjqUloHE9sg1V2v4GgksReVaGKTTcSpWrOEyPNqyPXSmM6xwOpkdFbnj9k4xW2x+q6HmxyNbQs
+nYlCJ9BmGvn4APqbkM56rYQ180I2oGaZ96lBZmg34SaZRrs+GiqrwZJ7yAgIdwqsLLYsbeUXTp3h
+VjixojKaETZhGjdZ+PbmGoI4MLMOgGdZW/KVqZTRXaYYt+2yCHiErhPWcvNSoAb1fx3ez5uF2hNL
+MY2NaR/4vBg734MsJETXRUDH+luNx7B0jVEW1rskxmkARicNm0szxiX+PFB4l8y7w+Kn8Nvs0C06
+Db4F4W9i+F7GDbUMaYoXncXL5eHRp0IPprGVtU0fVbiyPWLCZNwR+W3jiiBOBy+oBxV8Kg3aZad0
+FDm77iGDy68wJGzxZ5FgxmbYNjVHjc4ij1lZdBH1Su7XZGGN9kPZ9101Yy2mdqhG5lQSCw19zD1K
+os4Lhi52pUjzO0MUo9dnvprJW6amobFZIWmJOA6oF5hj/CUWlXHrt2kwYyumRtfcdEWCPDYMbnss
+7cx4oZDIRkdFcqiP4xbVLEUdVQPDvRReM3Q+PqO8wfjPqiR0OM0jVWYOHq0y+FZmY41nkJkws1Sz
+HaTLU9hH0vIs4WfKGaFlqXTGJKge2gECuZntNSVFMxojHZNKWZAchEGauFaThcu8DPAyROWRMRTV
+jITl22YeV/3o1SpoPBxZ7TItGV8dZukE9Jv3smzbAKhThkYP4awX4yhb4AbFS38o8HEbi26kblkY
+yKIKgSKgAq6r3DFD9CkPqJxBeEp1jdrIKnPap8HoRdwY33VtjsmyDQw6FytPja9xO4xVUxI5jJ7h
+Z/aZYZJqBcE5PXJpNEaTsmVlk8DojY/pgmbgzQYz8Wf25ZTxpRqlRY5H0XLAFSX1knTqlBj9VZYF
+n6mdvO+F4RmJteJlv8AZPzu8lSYc6Kasug12bBrS7PwawC7jv0wjMpxA9YOT0rJy/DGoFnaTzoia
+oN3mLHxbVO6zcByR0XmdwR4gvU3aFW2SMveajlszSzgBP9GoTVre5nHidx4Bgt/ZTRG7iBbJTLi/
+0XSP6ycaq5scjF83Wp2HaFW5QMAvRpJcdiWNHUL9z3WRKsf245nNNgXNZh23eIiaLPXFGCuvZsxw
+CknYMhjxaVKqbOkXEjtln85MbGrZNn/fEgUe308SRBqvKmIfLSTD9YKHfRIuD++yKeg11jM/qBNj
+hPoT3Bgqzxt4sYTTZkV6YedJPuOtpqagER8Kt0aLVNyspAq6+r2PgiS4LFWePhw3BY36CYraKmhx
+7/aBGhfpMH7gvLSd1OfBkXtXYz+LjYQK4bdulYZQoK0VdirbVjOjTwQ9WCM6KWOK/Vi0bpkbfwV9
+Hjptbd+UdXzelCw+zrpjjeJJOUrDqK2fU6C4wg5rrbkpTECMdXIz4SsRota1O9t08Gb0+vgF0sid
+mG3ppzWMXo114LByuA1K61qJRDmWheMZGKbmoJE6pEwUcJwIBRWKHwqSC9enxnjk8m+EbtE4gRen
+iiiAwUUtMnek4eAGnRXCWfuhEu6EPcIaifsGyk/pkIDqWJ5SW77vG5o5NR1XbUk/1dxMZtZoShDe
+nUYWljgviKlcOKnwutq8jpPqlvXx15CQUyvKZqrFU+4Wa5SuR9mURdgpN4jQivj9pUjsUyOtFlZi
+nAbSdMOWvssitqx8euTUNI6bPpNkCI3G7dUA8UPsiZj6Tt1Ha5qg99zuj4sQkcb2qrb7GIJ05caW
+HTpWHKWOkpjPzGLCnG8urG/vM05iI4gMu3ELalirwLAaJx9rfgO2MJ3ZbBM8QRrXe0VxTrmtvBHB
+K38dY8ySdDH2IefLo3Yz0uiOq97OVBm0HkuG8s6WzFqVmQAs6IgcU9rsKhtE5h0WNjUbjfUo8rEs
++kx5gV+n53Zco2WdxIN7ePQpODTaK+mXJBiY8hqbfKmN/qKvs8jJhTGzVFPj68SvhzgbBqPxotC4
+Bqv7F/GDd0mZvTus/oRn2tym295NdhRlHOW88eDoM3PCLjCdtgjvWhGc20lMjtyzGtnzpDakLZTy
+ZMSuKmkWDhSjbhqr/3R4FlOLpDEbTrK7soYY3cUycvPafx8N6BNmGfTWHDK+U8bK1Bgtoi4wIEQY
+POqPpkd6OCpO/KRxRlSkblDEkcd9SRZUNsVVH43BkiqZzazdBEKmxvc2YCpMYGQvhfDwehjSfJl1
+Nj41BsFXpUjVTIYwJUcjvapSbKZ+oTwaxTdJlrQOXGfySIktx6rs74dXckrI5u9bTtIXUcXbSCqv
+a8vSQXK8ybIycjgub+GNRMd5YnOzS7aE2LlFo9LIGk+g+MFSLDoHg8NvD89gYqttXqO7PThucCPh
+XeRgTdruGtXBDRnbi1L1d8cNr9F9pIUd+2GiPFOWhYOLwvW74ktaiSPV1/hOO9p3EYHxhdHdJrm/
+6uLiHGE64zmm8NWIXnS+HzQkaMD1Ge9as+odJXrINIsITgRIPkOJzZbckwqaGt0RKks+GtiAaLG9
+aDLqBG3x0edoGVTVtcLVTIyyH2q4UrELtRFCyiELWKtEQUDnjy4m9crPQvcw1Pv9Erzkd3d4WnYD
+6eHEwS3G9lR2+IKyGRSmFNeoXA6ssYoSkleCmrOyLk4zCBdGqmbM4ZTiGomjtOlDpUBxXLw3SzhC
+th+OW5HNfLaIm9qxLMcEcEWFWGO/uk5sfnrc0BptVdUm/dBZjTfUMfowDg32YkXq5eHR929IZGus
+he5dGpup3XjIv0lC6hVNeiFw6UGb6Ttc46O2Pdq0bm8vT4CbwCipabhgj9+NCC0M01pX9Zg7gVk5
+pZEeuTE1EsOur6rUhJiAjV25gKO3akFb3s1Y5x9R5N/Zi2yNvaJueUNZa7j9Snj9WfiZUgcy4uCL
+bJzhpnVztzCW6Tv50S+Wc5W2CUYIjcphEFa0CofGC6vgqjGjLyyoU6cw/K+HN8DU+BqXO+h6GIbc
+r10UlqcRnHEsfSO+i0IxzGA/JUCjtFTKhLNOECBSdivK/Cu0bVwJyz7KLaC/dd9RNpiVsGtXZuS2
+x8nXFKdXNWczw09YDLGZ1RaxURdxQnrUeHZH6LVVsPq0or01w779TgcJjdthTdsUInDDJaNqnEyp
+r3wsFnZufEQRqY8EQKN4byvaJTYYEHjtZxctzAR6nZZMyDFdllVRz0V7UzhrHC+7jPpwOtZ4AS3X
+Rtd+6ljx2fTTmXB/aniN2i0hprQILFVOIzgV2bhkI4VwnKixmUFjSoRGbxm2HKr/PWQUOLyUI/8S
+R92Vn4uPh5k2sZX0bro44yblIam9oSJXMjYiN6Ii8g4PPqG73iinAgn9raqFZIsNS2rKM2EJN+3G
+mT68Kd11EjMjHwKS1R7GDC+wJF/sHlXHbVCueeUhRDEUnprao0N7EabkvOiKm6rNZig8QbLND95s
+UxjDMSd0DBvSSzr/LhTWeRqbHwpQf1H51egeXv8pIRqTC9bldktBSGVHZOHb5akQwV9Wkd0bebI6
+LGPTML0nekRcY7IqcZ2EqJOehQovq6H5lyE8ODRj96RDl1Xr28s8CM/gcCZZdGFYLiOzfE+NpvIy
+35xLUqa2mkb0ziBgcakCuEJ8UzfszqD8Q22TPw/Pcmp4jehNR+qwtIra8w3iBZhd9WV5ZmZz5bv9
+w5s6C9loVXhzpuQGPoqvWzuxLzsrzk47asafjpkBNJ/vbrjQiEk7tm3iNTH7s/bNpYWrd4kxzKS7
+UzPQuMjNZsgMq0s8Mtalk2J6Vo3NZ7sqZpKHzTh/j3LgZV676kMvTBaMdZ94UZSnGJL3QTauPdSh
+XI5ZZYznHA5MxFltGzGesbz72QN3XndFosqG9/O0LPGM0rBcmnTpKqiyFbz+InIaqE/MZBdTYjSS
+hoOvEJEk8aoyiKBR34CCPR7OyzxfWV0tjzJn8NsA2mTMIFKJVIlnpSp6DwEjvRFh0K/7GBkzOcHU
+FtAoaPo2D3BZJW7dk8RaDmnfiO81LcfmNOqgajiTLk2tl0ZFiZNAtRa0nsCviiXJSrEeOV0M0XqU
+jQIvRJu1MxOaqFPB3ajdRQtCDh00Mk08M/vui88Qo7jNSL6XMVn2sjxLkHDhhZrXjZyTuImf9+xy
+vZvU6Evk8zxPvDE3TkMULqERxjEbczFWjdOjzMVpterFkZvC0mwCJ34ixpTbS+hK4c2ZndZsVQi7
+GlwraFNzZoNP7AtLMw0MxrYiaJFY9oUqL/siootKFfltahlzVd39kQA0YO4CBX2FVRQNMvY4Z83K
+ilCwiAxz7urJ1OiaIWgjsw+IQqFnDUSsZDREizgNvh+2y1ODa/Q3rRKlKU/9JWqjc9MnDi2smYWf
+Glrj/Oa6QA2ps78cRwr1imDVoso7rPUUphrXB+ipjWq44rFMInwhw+bUrm5l/O24wTWGJ9KEd6Na
+0EZfxl11DsXBeNVHxl2QxqvjBGi89hmHCxvEsJe9gps+Ii9rhxgmc1MjfDgsYcp06K2pcP1F+gx6
+ULw8lw84qj5DcfAazjPfyZ6sfMO66duwdSCFfsjKuX06YRn1btXA4oHRYhV56YDTVVv4/TmqwDrW
+JECLIGNixi5OWCm9UdUYergMl8kIet7JhST0ym/9y450Lrz9CY5qykvYd6OTq+N6xk29S7WPzUrV
+pLCXgcyNbpVv0kbouhbj8jBYEzxhGr/Dwm6qlOY2NJ5Zl0HLVgOr/jpuaI3dQ9j3QRZAYJc2Co6x
+VA6mPGV3hwefwkHjdwvpyVgEhb/MSv6n3/GF0X4W9ZfMLpYkx3ftoBZRNpcPTS2SxvgRWsXqtikj
+rxsCc9mEg/ruy9w+rikdfm9y14Lb2QB5aMLspaDFiJ0GhdXKKNB31fqj4Rxer6kpaLRXVu7nvCI2
+HPiMTp+8Q8Vcu8uP8709jlvvL6XWCIU5yHI8NBikvciSOCNrbvWWuehyX56HA0ulZ8A9Qrj0Mvam
+/a5rZFG5HKrizTocO0m9BgJ0ORMuT0xVbz7tjQpBa0ZjLOFuRROcJW2eRauYp6WxOGotqebU8yhq
+4OcpQ75U9miwc5HkQ7+CK4xwRHRYwETAr3edyiZRY+uXylUFdKMnfnsb+dl14ssHZnYrVc3VTyeM
+pt5/CiEjIyXJQE4ZhxBjmVdJHOROrYzTjPKZSsWUEM0MlLyltd+AkFZ1iWNk6BqP0dkwok82qme8
+5pQMzRrQUEFrhMqhTQKPqzwfb+ug/cwt9uDn6dfDmEztKs0GFImA92gRv3FbHGaOMAxoJ+mpuTpu
+dM0EBGJITGoQ6MSA6rhTJDK4Tjlp/jw8+kTEovej0q4sCbKqxm3MOnciy2eLsrHRIhR0rgYxsTx6
+/2kkO1TkRdq4Phw5fiwjCe10ljnymZhrE5XvsTF6z+nIwq5qVAtXjiRsUFXD1VCTXeFInOYlPc0D
+8Snkc5W7qalo9IazFzISwWo3slG2YmaeL4Qx2xw8wW2995R0mIxp0tRuVQQu/G7XNSVN6Nh19V0h
+KBbFw/1hzKfkaI5ddRV0a/Khdn2U3kVWcJvx8CItqxtaD+9xyKIZxzIlZ7OKW/V4lijLIBUg0yF0
+I1u8ylF2l3ZG4vDcXw6ReZxVJxrFjbHMKj8l0OTFIrm0oZi2ACM/1/A4wRCisXtUivpRK2uXl/hr
+lNJ3cM78vSiDmahxaktp9A6zMCuKkiqX2SF3DEzxAo1+4R6GesL6Ec23pyipcFJAelb4SoXuINUA
+lyBUFmWrwcKpXFFZ4rlLnxN46/2nfkt8imKYCtyW/gb3WK9CVH9uMQug+iDOyj7+eNSk9BbUMvR5
+01ggx8igqFax7rove7VIQnEqTNs7TshmklubN4nBsIgRS1eUvXSauAUHJavWEQ2+rTN/pit7YnPh
+DW5bUmw4aG0yxqTbJqpdZaHATmTw9DIYUHccC/FG9JaIISOWNcpOughqAY5tlN9GGl9mQXjTWe1X
+VBVzralT8Gt0H8OMjgVUulzbTisnMcrzLDFjJ2DBDW/S73nVziTwE5ta71LN+cAbLvzSjZI2dErK
+Aicey9yRVisd2Zsz3JlgJtaI71OaShRbIKapwkUaJMhRWaxmIkU0NbxGfIWG0VcygMpJlns8Me+C
+gaySoOgWcDvnsuvgyCYx+k+M9mdwlnBtR7Rawe0D6aCKrRrWm0fuD81E+AREKWiTdcOq+W4REUEv
+afk+qNBVCf25VnXckRr85MTuPqQI+QW8jMJeUYM5dmt8K9L8w2GuToQAerNqgjDyE1LxVWWpbEGr
+Lnfsjvmnfp2pi3YM1J9mk2AvyfxwdVjiBHh67ypKC1KM0EK6Gv0+ZYsaoaa4sFCaixnDMCVAMwxl
+LRTkKqW9EqFwi7pyUvPIgBJpBgH6SKtmwDB0i7E3Rs3S5nMdKlNab/6+ZWvgNQmRH/IKlmXTbyeC
+Wi6ySh3Xk2z+OGrbHt2E67bjUNBln8VLlieXuSxvTYvPMHJKeY3vJjMhuMsyuoTD8VXP8A3No3eH
+t8uPnbgnSEUa2Rm0rIWS5BRuIYoHnHbsHi6OqnPl+/ZdUbefSRf/pUp5bclx8PqwVadV3iR3CXQq
+uSoLTacfisJBqWoXKaHvCPy6nhPbyVzz8oRF/VGu21rZvERVnKqCw9FKHn9Oq7RbdSMa3dBA1Tm8
+TFO+P7wOE3L0DtfISEoqOt9aZaVRn0qqhvwBK3iZ52mQjV141UDkM1d8gJ8V3CC3Z9X1plY+YD9v
+4yp1w7rv8n6B0ijFpVswv6prR6YMwS4NK5ThRSixzalDknGALMIsqY/FAg5j4Up7kZZWmK1KFMRJ
+5qRjAm+1Cf3B8NeEdEnpQZIfN4kzyKCTnSOjiKALO4SXxVy3td8h66yHQ9cqcXrWlelHOnBRfChQ
+LnunxfAeEWgWMuFSAIkzsyoXLWqqvlwNY4l4sByqtoP3RVG7gETDjwrD6bmIz0lCmkWeh+VHBq+5
+ctJ0lH/JYqTf4a7wUDt8rAx+AdfjMt+JIdUdHTvvUXEOvYDhedlZ5tWQ241a5EPUQ9KX2ZlReznz
+afSlE6g0zvM8poFyeCGj88SKLK/LaeopM5Q3uB7gNDGJkDOMIkzgxnhG4LpIwYdsBdVdFSzivgtW
+zBipE9HoLA3t8XOokPkpR3Ih+mCVWvlZISTbUMwmizTq+n7p+yRbWLEpHKHMRWpRl2A7OoOus9YT
+eY1XwyCWScnuSzlchk0eLxDvr0hXrVgBfQF+23lDm3oVtqul2Uq0iARf1GYMR5JDehdaeCGre1xf
+xEVXOUVfL+BXFCp4AdMFXMuAK8kruwq9ukrP++EO2koWOYqdvr/ICvC4cB0sTJxIQTd5V4DnUnBv
+LvlCx9RLsFkvVK2cuv4agM/JJDxVNTd10n/tjW81iu/hLvVXYnwtm+ZqrPB1L0qnTPLF0JmrJoW1
+gq49VXis/NK295BRWv1dh9/LQZ5DM5MjZXQWYVixUjrW8LG2y2U41pei/bMLwmtY8yto1jpjffbV
+tFsG1qGHbTxEDovGWzMglRNE8J6xBhrr+rSI7nwrhfY63ypOexurRW+09X9TdGXbcaNA9It0DhJo
+4VXq3d3t3U7ywomTDCAhtAvQ18/148yxHbslqKq71T2eZ1YVVHR3lUhxtEVNTZk1ZjyzPqVhh3fz
+piNZoysFCDnOgeODn/pd2AZ+x0dLSoeqh78B9GzXsT80JOfJ+te6XrJydOmlHc1VBFblNb2vyhxI
+KG6JWH+Oq3yv1fqPZqmBX63f5RCDlwt3S7lE6jMJ8m2Zp6d0wys3DLQsQJLtrVFf3Zb+jm30yTj7
+mjZ+M7muuuAeFuJ3KkreHc1gvGpDRYgi+3xQPwqoVfiY7Jpkvhvd4L1o1z+Rq6cSsUd7poedWF7b
+QqJ/PMgeoqs1dSWasRPR00fD41eq6Y71Y16Grn+hG1wk3N/S5BP7Ng4wUu99nV5tkoNIYvx9debG
+iXmRyAMItb+avNin/QqL+7CL2gaEw5lm/BDF8d2otoe9bbpP0P6oadxJRc4dqU9LAdp2KU4u9ses
+9w9S2XKo44dBzo9RE8ldp7v9ouQZKWaVbvRPHLdyM+JRyvApyLRDiFW1xT+bLX/KSThEWV4uoEsD
+6j2uQaU6nH1IUzm/a+g6SbGWsX1kXXeaN2SUNf1eKP20TNFhyfq7xCule7tH4sbewSUeT7zejYt5
+lHo8LeZfnv1JaPMhk/podVFi7N9nTXpJxFRlI/tMtMJEq0rannuuX5MiOZMeURMSYxUcyceEjfVO
+2vSaUHJoEOZRDhrPtBiduU4uVeWSFF8hrg/F2j3RZWjLfqVf8KkBZCu+kr6/b99Gdr9eZGyvgevD
+CHdw2RLrvm+MN0TSPFm3naRIXluPUqpC3FTZPKKdT7jcI/zzCdXIl86ltOxo2h+yhYhTrhDjhwXp
+Vd9PLZzAZsNLsexWzM47n626lDPEnUvE2M+tEfYV4Um8L+3sN7FflsS+LTX4pjJolT/NScFea+95
+UebOLq821mE3qA6PvxlNNev6ToL4m4ZxrGw6zFmFr12617UN0ROLF5iW9ICow2MdxTjXLZmGqVRF
+kx81o+qTtfDyV0nKOziGlcmHMkvx4Xxwh6DBUokCJj5ds7wthejFXBZ0Xt7YutqPlksYTGKGK3W3
+QcvYlavq2302EW0qJAr7+cHpEJ4EfCl0H4SR/SXtMvO7ACn+o8iBsnXjSO+MzdEt8R2rhDNoodbB
+S3uY/DJG+zbmaGfSLW6ObZTOv2mUt8c8MP0THppEVpmS3Y/OquUYxwOr1LrZq3C6qELb2rNK8BN3
+iTfEnqkZlnTXCtgLzlkdVn7tWxE3/7IonZaXuG7Zq5ccOpTERIaWcx/1vyev/G8hEvtRNDPBNdGz
+swdveoOaNvh9j6r/L5h+jXfD1PObXNcfTcujhzlHHNZ+noYUR2yN+LIzU6HMLlsgemNxlx7EvNjx
+UJuZ4y5fkg+dFPXPTagOx8agYL7O09Sd5zzWr+OWkj9SqmARt6I8va4tH/6T7UTJHnksy89I9/6f
+butxJ5xsdpux9DxGGbs32id/abKyHs+RdicZk3DXeIq/GsiWoNmcx/uKEL8/griZPW3W8OOEwvTU
+smx4YW1jX0M7DCe28BFnkGWFreYuA8Yn/EhOovPFeVMyLlfWFp8aPwqnNB/RN7Bpe5+gu6gv2JaS
+n4d60DuEUvwaYzbZfeOpzl46Puqf32lsCSLyivTPHCXLYVr4lJznCWbqxwU2H78zKwrxEFiH88W4
+RWEKzDxmvpv2ESKEnpVL3Y+2iP07m0j+1s1xewEDkB60te7Yz0ofYH9LTjzNwx0X5vo7W6Nxgg/c
+1btmnosTk/idQmDs4TuNtOK8iJ7TkHTHkNXdUOb4FHF/RFGoUObW99HHtt51dUhXUEE5p9dNrW1a
+6bkz//ltaJ/SegowJq7qwTqX/8ipbKtIqbiyLaOVS2OLf2VABcMEqApE9TU0q82/TIGbwX1XWMRS
+HN0wjONdFyz21WZHXL3BG9q/1GHwUdW3y/C1+LUgtETvWPwYOWefRguibgOSQiU/dwhW+rIwhekd
+4sDivCqIjNdz43WS7r1FgyNKv8HVf/JpDxnOltolKrfV90/prNOpjH3up1BlKWR6B3gUwbaqhkhZ
+5r1y4j+DF9VFJTGbGSRE3/myLvvQ9oAkz4a5eRn3fcL9e2scRFhc4YJ40tD7tVWTNShivGgrq+3U
+jhVSpqJprYY+UkvJsHQvQcNr6Yuu6+SXofI19SKqZjlEAgPnIF4RKrOuZUpFhrvP5e2b94m0aAAL
+KYezFKY5b5lK0cCISMf7PA1zVBG02OaBWjr2uwW34IsdpdBXVzdpxf3mx0MbfB8q5HuS6DcaniXc
+SCt5cuRFmid1FQZl2bXIHV/+LQvyw15dE4326OJp5hebuHhkkBbBv7RVa9Jy/aDN0uTPHUNiZlf2
+3bxMV7cm4YY7pgiHRNex2TvdRvwyLC6NdshZo+TFDcqFe4sP+2cPKLFAj5isBDlHM32Ha7deK9lQ
+B3TftPVv6b9HOZdjofqRtYPtSk0UtALEJvaTNGgtdl4JBLu2xm/pbmJoGFuCRr7km9X8ziEYDTsr
++nS71SPCbp7WmvllzwISafcFkro8PnMv/b5pi5DvlKNjc7ICBptd6Kz+pzu71Ke+jevhE88msPuK
+ZLWlolqRpRI48GtFBpePyDma0GDFUEiO1YYItgYc55qJA4Xlbqro3Hb0gSVzYU6W2W7ZIRtpY3ek
+nOVfZrK4fPpQq25v+yxqy7W3oj44t67pJZocoK+UdDPbQTpe1Kdp7JZhlw7KZ6VOYnyGCVPI4wgE
+4Yi135TYp1sy/ycdFtUg1iLNzJ+tU/oTByvtdgNsbY/FROsN8LObbBUPQ5uUKx1re17mJSdV4bjp
+KwRs5eqQNXEXbi7XU1HhWyP2Z26Y7SumHCbvno3rOxLhcHWLeoi+tp75/+aCbp+jjs1cLbyGChYP
+prAnJKyEvMpDHc2lbJLtPnMiD7NtumnXr0gOPNSqN2q3SR+PJd6NeDlyGS3ZrmsbQR7oFtG0TIYc
+XyPh6NbnSHg27j3vw7BbfIGEB/xE1xwosgAghZxw8OKLHMaa/k3TGYNNCmr1l2i1w1TQ0OhvnQ00
+HPusXaMT04hKO8Gr7J+Fzpp+Z0yim28/a0LKvMXSBqSQ1qLdJZke2GPsGnGPuzW6QOu1/eEmbsva
+pXK31t3IK8gM0d/BjVq4iywcSw7DHIu0hImB/sB9IduDSDID85Ap1ns3zPnvgLbIlgoPU+18LNg/
+m3uz3aXuh+WUsyx5G+HSLvY6ZsjIcd7M6x0laBOl5V3mdyFeuqyK0GaIk5paCVFbvORJFeSaf21j
+U6TPOFlDfqwJn5qywFNMTopGaLSkE9F6rZM6jx9W2uCN9YY1/WEbYxzOzhSie1xSjtfBrnLwOymi
+pNvHFDLNQ9QHUmAgws/GBNHF7lBvuNIfJJTp8EWtTSJKUCA83JUn41RxbGTY9mHK5g3VtDXTCyyX
+61Y1G1klpJkkaQ9UUhHvcgi68jKPou1TNxMXO9TSOSsFK+KP77fyKbXfRsc6avv4Ajwt+/3daiYl
+GnI2l5MmYjnhioN4WSle9xUvmn6oYK+Pk1JwPONyE2ksjk0Y+/yYTxwqAefwwZVpHZavybTTvJsd
+dPe7ebLJtzKqlVGZGTRdl6ZWE9kxlJ9ll2dqnK84unS+yEVtaPQlQTJViqr0Iy+8shXDQInJNeHi
+qZsVURf77XQocwHlZDVZNv23jYvIgGPk/a0YRYzu0094ZU2mPBwiOQiriuQswG4pLf9a6BxsyTDD
+tedGSERrbzjvpmK1zp8QyTd/BI8pF/6SxX66qE+fmwAdlIqiei6H2KU54BNJgP3ApZidrUaXhNEX
+QSm4a4pYvgHxMxpCt2aD9IDKbNO3PLLRVAakQY8C8NCce1vGW/99D7hM6K0pa2G+b2m3rDT9QG4d
+4r6/A3ub5qUmyxQjSrX/rp1LNMxkOWA9iph/k2hOal/Ojg3Ng/OTVKb0SGLlJyICwF0fTCPvKQqz
+eeFycdnNof+enieDy/O8zpvjx6WFmWw3uESEK0XU7RN8JHJ66/pegGkJYO7pURB0eX+UZm32sK1d
+Qe7AnUZxsCxKhssgF2YKzOpmdnXpPC3Yn0lLbR5jmkbT2UOVOt46eBj1UK5INcS4xEM5uJHH55jy
+aX5MpyGyvxPtC3PNDJ0AbVnVGvW3d+PYXRfIRsyjIkFuHyKK6/nZNG2q7pPUNT0jGCEzNwRVIHJ2
+3yzEZHCxR1T825DS4THUjuvytSILV6MHRVJ8fVH1HPpTD+VQIsskdivZT30MemzFm5G8WjQhF5q0
+dDiDJV+TG+k1kmyrMY4atHjTQNxuaHO5lcg3cP+AS7Qou4gBnPuynZuJonjrxPxpkrZzz6wvkLso
+C23i1xT8DPmPbFwl5zRiAAHmEcfxSxaQdNdl3nSN/lqhU4/QQdGh8a6ahpyN5zhayfYF55maz6JX
+c/K4jARpmegU+C3vZnueQLOsV8wImfpF1y4Tn2RM6fxJfICEG/dvtOBDd1RuANT6rYdZpFRZvI2k
+HKyN2scinzf/N0L+HIUoJ7bbDJketzo1Ve7kkj1oYZPw1Yx5Ly8zLYZoB4QXvpdS4lk1B2u0LP6l
+8yLiN4zQwh9W9NrrE4mjInojU1KIy9CaerxxnTbbbiTK9y8m8mln8Hs5JDeUU+bhT7vVG0qpK92Y
+F4C3eb04IEoTR7HD5R6R8ywm0hqws6RAhnaBNm4FnIIILwwdFLgoO8nUZfbkobBmu0ypqNlZUvTi
+y2S9A9BBPWmHe68GlfASRn7fQy2azbjWIKvq44c01mx9jC2Bs3PrVcHffJ+Q/lDEjZrfItoVeO1y
+EkGQqTNVw1qU0g2oKa7/7aE3XRd5QHvpiH0AvWxqfEHKpvE26xG/y7cCtpG3AXmq/Rs600T2Jatx
+h15EW9QzJBr2+yaQI8DQrELUXUb3IxFJXyFtYGk+6wYCkfZqFzEGDqQFL95Hj4NGP8Z6DBSIHkH1
+plVuaEc+86IPhu7kjG2hmFqy1SyuJKQHqhmtY7seG4/T8DMlo1sPSd6YuEIrN/lL1Mm5RjsklytH
+v+zmksa2XS+FcYXuqjZrQSo7SPHmHTb/xcspmsKWPoB/ztN3Qnm/kHIxIl5fYEyq57ZyU87XK4uG
+7+Qz0OxZ+GwcWm1XtcLUoKlpQIb0Ee0hgzRlBgv2OCSZoDdFJXdPMSKza6iV0kkZqH1oNrqpXG3f
+yANH95Mfu6SWM1oUM831IW2tri1qVayBdBRda9MOqHYzuuvaey5LtNRU70kdDwR/2DzzvbDt0pbu
+G8SAJzmb+n3q+dyfDDMR8FU6zBJNUt/9WtQ3LrpOmO/KRHY6edZu66eHdc4Iu7TTumwACuyALsI2
+vN3NItX0AkEiHfeAFca/YmtpcUGL2pI7klem+dBsna9Rx30zXUS/qWEnsUIie42nRNKv0KZRUaEN
+i5JTr3vNrn2kfQRrf0jCOeFpA5BExzV/HOhCAbXN0ZLuKUUAezzE9GTkMDeHDccA7lJw26Ce27hX
+J6lT5PpjmbnKYCWbGn3rSDp/QHCBuVLUQDx2rZqG7BDAV4t9K12H094umCshuWKujOqs3Z4Fsnnj
+PaJ0C1AWQDCG/RIE5W/NLBdzzjei9N95Y8AbGqbBOwoc0fkngbUkOXR1KuaXJscQ8J7Hcba9qnhL
+44NcMTifkUMEOQbsGD3CBiyjyBV3bIbMnvgMYGqt6ghVfuSkotMa5g+ATttyj7KFxjtliRaHjJn1
+2hbeT2fKlmw6adGJ9hFA1/jY6SCbvfFpzA+TNEYeUOCiacdWrTVSgbeCVNOEVliVrjPc7fKxIOtf
+u/RZswcj/C1LAY8yY4Qr0vE/AFFNfUATM/uSioXaBzHj8jspm7v41tVRQT58F/H8o0kbfmbdApwU
+oJrc57mEmsUHKtlVooyIqhmtzne179LtTflxq4EPIGLoBHIosmW38dbeR52BmVm7KMN9PS4eOCLu
+jM/MwfH3UThcjj8IlxheS0RpK31B19o1uz5QrAJQ3LAfRqPG78WSNS8LMgPRb3CzumdozJvug+Q6
+/cDQghnEqxlYJhfUJHc3tFL8hyAOL94LLtffo26V3S9euva4gGf61r+DXXmYfZ4Bl16zQl7Fgjb7
+AeHmxYQ2QXT23WctcA6WtDJ5z5wMPSt5EwRLS6NptGBhbCi6k477RhxrSpQ7MaD6/y00UNx58dZM
+omTb6EdQKFCojiWUNeZx4Wq8Lfhe1A5DAzQcyAR+cjYDdm+6UbzIsQXVsorlbMOc3wmifZ6TeHH0
+OXEJKIEkXQtgodmYNherxDYAdsnpv4mr7ViEhV9bUqS/MgzLh3T14cAUQLvG54CFEwWoduYTqIOY
+m8uQQqnPuJuuYA76I2DY5lbAoXXI8P92c7YVu35CkjZ1BnFxG4WCzdYjPbqWcqCUsX/uoC/4uTCa
+Q3kQWXwj9EN3ZbgBcLy0b1YEuCqKLPnHpFeXpAfl1Ivtp/Bh3SNHxroy67n4R5dC/9I+aw5RPswV
+UKHtECmdXDMFmKXcUHlvTcHpDG6oTenBDHx9wBoCerY2Gb/RDYbsqYaySnIufuNxRr9qwVsBlAYB
+oM4WceWTDYIZ1cfjf6myiDdNt8W+k2VuHzsz+iNMhhipVMdaf4iSca1RGGSfVLLowLgxiXxEyJxZ
+2PM8JRdotNMzSVZ9SjTtjyobDCyOafujHzZ30I4P+1rjx5Q1YiU00GFGa5BZfjtHoS2aChAyefEQ
+19zbycxXnnT1qbYLoBaWRcPedXTYMXQusoyXDRm4fYtxYBmn6DHtG3Ij8A9cAX/G+5B8g2TzFr+y
+udV7lJXioU3iGIBXTfnfus0wuKZDIIc4bsUBQQrZa75p/dj02QC7fZLvWuqbHFs+3HYZ89jvtTF8
+j9wqy8pUprSarc3qkgx0jstuxlo3JMKExlUNpwxW96k+hq6FI23Fu/M1yRmGQg04jmNMK/ko6L6T
+CUBB4YsXDMnpD1VLzXe4EoypOBZSP6WRKooyRsz5Hx2tFsnqZsVUF4wx5YhFBCXmCYuoFb6qXQPx
+0OvMR7LCP5F0vyMahRv4A/GL1z4911vRP7XrCFXkwCnIr2FGF1cjOdpnEbkhIcn+l8hvLqvDc/a9
+Q9Us0Dhj7EzpegbGn0BR5QBFgLWljfVlv8gNkFQvZ5wQ2CXvKN5IVMNuZ3mq4zl/Y4YkD7TV0zFG
+0Q9VHq9F/J1OBxzSNinkrAbGRDgfU7dbEZByHVWe/wpF6G+iBo2mmja/JFGIu1KgSb8KiPz2YTDj
+RW5D/d6vPThYs65r1XRa3tYkj38CksfQOXa5/FsYWVeckrCbMXU8REU8PRWYWH4o1o1HE3Xg2GHC
+0dSEXVbH3+YmoH2sbKO+uTZIIVvLYCe0LozGbB+RXL3XUUfvvS6aoRxVtl5FnoP6H+wKbgEl/1nQ
+OHpFKlg+HYAcgDlFPtcAOse4+QTs7RtsTTq0MlM33ib0Yae5bdx9zWj37OpUAw0GSxoniERzvb6x
+GeL6BbXgmMY+heRQbw9Y0QLtElDeJMVbWBuNDrijNSB8Ex/qIq3XckRQQdWGvn2YinE5rJP/IbFe
+siQAYzAt9MU5ayP1tG3ytwyrh8RMDSWvh/QYOQUS2xVrBTHCjMVBejwSzpaqR3291qsB7btFHzP+
+mX2DSYUgruVrQ9P92UE6VGkYgeEnFO0hTjfEHcKpUo7FlJ08+5YBRAYJnkSF7jiYfDwYmGDvy+pa
+gCqTuMSpp/95YaM7rLHfve6Yua/gZnLBjlIC+r4ge95s6jgua4J0mGJ5CkW93rOcJ8B0WlaYknS1
+3WUpiUtMnnQ35W139XmXfQwa/DacOeMJ8Dc/YcXN+JTZzZ95xDVmta1FM8Tn104hmXGUKxijTavw
+L6d8OXDo06tQWFdZTKdVvnhapZTDdT7K6BStQ1/CqR6jxBIFECx0/8Xd8logJLpa0rg7KKD1bxL7
+KcpBAtEtcREKkOZAU5NRviQotAeSgE1H9LmK9R0A3oCIA4KNJTc75jR9Quke+wOd7I8JM7EMuxUY
+6HxkY6vxR69bDYNv2SyKSbpHJ5UmZw/oLvuRkhqx1TIjYbmThvnoB1Y+hO4w19k6xOBahZcvXT57
+caOILsF8D1OtXM8r7vvZ7MAJBoIYxg4Q1G6zEFgCOJUsd20Jv7e14AxS2fwtsL9l+FUHvYb9mBbI
+3bYqCXhEhYZyQQObOI75AgADTTvi964YZLy+4TNok/02IRuRQZIhcAeX45TP8UPhl6R/ZxRI0iX4
+yKPDH1ab6lMYrKqfM+SG1/8huhg+RJLZEVE3M5gp8wdTk5loGYexW/GGa28f13kYYqwlk2SU75Ba
+GCzZgJxkOyew4ecPakJUP4r/NNHmJnJR1G8bCaz/l6tFtv8YXzujy5jjlP1n2UpbdPEO8QkHvo5Z
+svPzRug+aZJmArET+q6GfmBtzCkreDqebF33TYHpZMnrqtO41LsKwazTdloxybTPahPOHztOnIUu
+IFHiYZSqVz/9mo7sj4OctY8ATptOvNhJQwdWWiTlM4xgyuXYdJKhNv1pwQL45YRWKsyQGpEw0UfC
+PDg0IM3Ed6dJIEMfKJ7BhoMo8XNzw7vaDKctnUWAcr0HGZkCXeV/eU+H9t7aBO9zOzKUfJqmlnwM
+0dSC/wtxWCKEInS++Q0Ma0AxQKxINH0N+TBMpwTp2PM5RiHv37kfEU15MQRh6Vh5t/T2jCfAkWgR
+18iw7+BK6rrhb5avU3vxAk2mLiPMSsMnNbbNr2kXR9tHMWzxeEs6P5s9Xgw81gpqUbz9Bcd/2F3H
+MHrtaiQMuEtGfM3euzHGzVQ2MjXxP8K3Ub/jJHbrK8xj35G+UmTpeElITKA+yJChA1S6CDz/Ga0o
+Xb+ydGLtWzLZEKOwIoF0+SgIoGnoV4B57iNsakme4g5bYZ9TqicsQ0CDLwJAAmJnc8NIO0QPnS7W
+cN8kN+Ga+94M4QI2sJ+n75EVkRvUkEV+JJuw094KgijsBTRk8sRA0HR5Cc6T5g+itaE/OJq78aA6
+5Dzifu6bbLkNWdqlpkSfu0VoTIxo9Lme5iz8WVfguujP88nHb9Eku+WkmMshUQbflm0HhD9LcQrM
+5oBBQbhv8XuL3VgWupOUNVh3R/0KTniZ3TsviGn7KuLY12XP7eTQLeom8PkiNDbQl3RLl3mvMHn0
+z6BneoChQ9EKCpYvBTmB8H3W1DbZT/CGTendLMRxd8Ojg+juMKl6atghzbXxn1EbFI9KFc+0Ww4A
+o1bgF92Wxc0vpb53JVbTKnE26yCkfERfPbkAoQnN0OOwBvhfDolY9720j4+bxFlNgbBg5ISYoush
+elF9HX0LarqleDScA1Q/Q0bXgyzYaJ2P006ufCGhBNleLPXe5Wwp3kahEL+PW58tzUcfQcn0BCxl
+HJ7rsRbFP4DGfH1NG03TdxXjgLz1YWnil4JgwMd5VoFtXwWi4b2HRrOdAHEhIMMXdAfD7lw8uH71
+8tqopsiuMdv08Ez6JYSb6bxye2MmM4CWJ0SQqrH9Mj0EXYT6hiWYKn8Wae/8Z1h6VYP/nRgo7qUt
+wChPM9IJ2pTk69tmYA6rvgXc6VUptpG/RfztVzkBqm9yEPwijBB1mAioXJEs/WmgOmWHBKmY7otP
+jtWgprhgD4NoVog+ejqlbj1DqiI5LuGMpKKcVzHFgE5BSo/V2E/SV6PBAAwAb4Oe7ALhBVtuAYk3
+Vj5aWE2a65SOS/ExjABfSubb0O2HZZ7dvjPG2r1tArlCD0FeaqMgkuEjhF87jb1Iv9poht7IO6Dv
+e+swMYlok68UjDvSeUILrpjrl0jirgECmyQODI6NMQxCO2gfvjGSMwNcFkoKoLs5OrznQ7nMMDBe
+gIRR8xCSArDNvA60A6QqknmXBQdxoU/6CIC4kWmKEgFw7GlMgHneOWB//tS3wCdWLIjkgFcfMUDl
+Y3vNCM0Ccnt6EjZSId0ni94TJ/1Xb/CeZZWaobO7R+AZoKXZVtPtoI9yooxyjXkq+X5PTbUWTXYt
+OoXdbsgkKIBIYu8UJCjZuvmKcPyNGC1s9hd7KiV5BtTJ1MFA0PXJDYI4HiVA5Q7zLe/dDuoNC63f
+GNAqJuuUJHMJWr9Bt9Buso2fhGSZv1lrZ3a2atMYVkHbAfudAkxgLHC3vsmY9r8QW9c9ccnxO2Gq
+yd293nJbnCh8fPoOVWneVKvFr3PcKCr6sanzIb02Gf6eEiPylL0oG0ehFFgbQ04MFQb8mJ4wz0jj
+3A+sFxLm1gwi/hwNhs1K1lM0lHUiluQxxmBlrsOomH3qCM3rI1IrRkgxWmgV7v8zd17Lcatpln2V
+inPdOA1vJrr6AkAm0jDpSVG8QZAiBe89nn5Wqqq6JBwls4dXE2UiJJHwv/v+vdf2rVDxnbqJivIt
+MQuNQvJI4OCmqKIE93VVsQZir7lMPaMNNP1aGBGXOlplDCib2FsqSrfQ4thy2kzLQMswgacTTjT9
+Ti0N8Stb/FlMeabUfTsdkk5yOwEbkN3lgRS5tVb5rDD0ebpTzaIqnNlQ5sTxqfrp9sRXKm4ny9e+
+xIY6hqtQFSh5CjgDhLVGZy6xgS71T7nRUHEKS8RGhq03U5gkdpPFmux1xVgMd0kus83ByhPGr8q4
+KaxDjPLGjZaboeAxQaW9RmNMhMAcKdHrPI9juaKq7Yu2BlxB3ORpW87f6LZi39FV7nhF8i5Vgnia
+JHkVJBBxDz7BlkRZTVX2VZ/aJln5Gu0mFTOkEciORaSQ7EaiVQwbghBE9mKsFcPGaLh1bnbfdb9q
+1QNvLWHhEcfhm5pKeu2iHSRMJNa1hLyqup9yh+7NpyCSUfVzWGDX8W6ytM74Pg6VvO/00GBcySN2
+TJBiT/qN2dMbupU6yKFLLGnR77VRHwO3KSg3rYopUvcqPCu2VpNiZnSsmuOcWxH1Al2MnFSmk+Zz
+NnDBVPC3hpTqo22wnmruGXjk2A1rPVWvyhodkpMyK2K/O+MXRAQzjXI/N6yknEzOhmCjFYL4aqZF
+85WxQJHWaopW0xFBCicrpQ3KfTei+3WLVhhTh60b6woBXSbYgzTH711pFJmdhOVkXdPIojfYWyx7
+DL1JLMRX7KCwLspMsfKIqbS026JvRGR0VHzEWyUDUUBhVqvQ3Eq1CBkzHZTYv+hkfRJxJtD9rdSZ
+jCnm662kulFkNc+MOHG8poKsIqzTBfktHKGlIQkdGj32upZSvKPFo5Xua2KxgB0NWBvcIOgEeZUN
+w1zboTrVe+g6fbGVAmF6rXOVacA0VazFWILP4RV9PInGhRQytA0S6TQuKoWY4ASTDXq+FyMfrwS0
+gqaTCQk6OeCe/cFiyaRnbh3G9fwcGol6o8Rl+K4HI4U2u8LIlzkSBq72pWOv1LTHnO/DHiNamjt1
+PYo131eD+r5PLFHf+RTe2S6bM8Gp48boUcKYin6H95MtyALofg5JrTLncvwqjIxLtmAVfjPZgR41
+/sVYNlX5OFb4Q01my4o1rKSMavLIopVdX/a7W0rdsa0xGLNlr/pMhHMbLXmHL3MQu6KyVvmo6uHX
+RusmfFjdAIuz8qakb1NqKwGCNx/OmtELEgm/YdJP7n8MM+tMJtSmh0I+dRgiZsSwUPpjMkY8dimq
++1xpG0ebuu6mnQRxlYURW9aNoK2iWkdfz1QHPZJQXg9T+SyOZrtmY6a7FRPd2lPX7b8S3GVdkw8m
+JbY491RxEjFZBaUuratKnjYIgfKbOW1zr2/QvouGJNqxYGlObE7HdB62OdCqCRcdApUbvW41R2gQ
+y0RxxrZ9UXbKLhjLY/22UDcUo8pHXOjlXd9nvRsGnbGvmNkodqq0PpVeih/pMA7UwqP6EXlV5xl8
+gysiBLKNQvjGgzoHwdoUpRw5sDrZPasWu601qh2FGu5mg8mGFJTFYypa1ZdASEa7UgMCwoK6mJDr
+KtRJCyVx0l4SnNGkrmZooe40flKjiR4PM6YamyXx7PoU/K7VbhzvK9ScHosDf/Mf9WympZ8r6QYJ
+mwqGNPADxa7qSkPdacX0LB/bXH44UX9nPFmYR3Um3hmB5emqXQcbXH0bay0/iitZd9SV7DFJt1Ub
+Q6aXuL3j7+W9ucHWt1K/lQ5dkjucu44T7lJxYSLTUqUf2RNJV37wJJq1XYT7Hh3fxzd5ysC4BKAX
+Y4rKIzKMtUTHuNIRnCpOX0RoPCGL2iGbcl/QukpbU6q6FdO8xC5zvMbDoCCkMJAjb9oEyRcrqPPX
+dDQt/u7BLwxoVR6BL55wAlpDLTfrtDXV8LpgRKfuKrPmsilIz9pGVtIm8vo2MDoHSUNoOWwCF+dC
+bE65nJRfXXDBOJOwKNTGmjUl4NYoZNZl+Ii9mUCpG5Slurn9+B2cesELy1pdNVOjKoq+ninqGXet
+RIyDK2XIFDZJVLB9+vFpTjjjxIV7jU32ysoGWVuzoSCjFJLyVcXO5idvYmFALWutb4zQ0ta9kaFY
+kCgFBJltlNMZPMBvH5JmLQHrbRVUWRn48IuoSdg4ZLa+FV9OHeuiTzweTnC0pf7knmsxfyJ11LW1
+qVYrPKBoq7FVf/Lgi67EH9lb1VjsrwOEArZZ9/SQISXbz136ooeQk1JBt8uzkedMt42W8mgzF2fc
+fr81hPNcFkZTvZayAdc/n01I1fatyaPj5EyfZDwkzO+wQnWYxqlZtVr5mehbTrlo/6EZUCzz2eej
+YKx9Uau6uYwltlw/flo/LLJ/6V44/KJlG/Gk6P0UqOvMtJgVNFZ+3L2U+M87Gbv6o1rkFn+Tq1Ku
+e1EZ38cztWCx8YOHuoj86o4JUbiqp/Rt7BUykOzWmKkVfXx1v33cumQs2lHvs5KMU7X2hjZaGTJl
+a5btN4FSd7ZsRgdW5O7HJ/p9dwCr+NfvPZpVv6kRP3i0JydRkTmbn8wUWKIXB6GWU7a/ai/MemaC
+taHHVMFKzDmxTJzSx9f/2w5Bx6X16/Vr7GYhxtV4UFN7LYCkTkP1C7tA9x8f/tTjWbSpUSyaVGcn
+yCOjuNlA8God3cqUMw//1MUvGlVw5LPUisyOlip9GeL4Vma3ShXKx89d/PGmfurLwrEqWUWGjafJ
+kTpQ7oYC57DlpyRnrv/3g6OkL5qQGgaBSd2j9uZRuIky+T6tyusxL7wRRtPH93DqEcm/3kPK8oH8
+FE7R+P2hMoND0Y2bNjoXQ3jq8IvRMDUnP6v6qfZqxfgmssfpCKbc3kjBEJ0Zb0+dYdGSZaMXtT7i
+A2WJ0dhVKiEyLlO7jK0z0JkTJ1hiGDOsGO0IJNij8F/bwFqv/FC8Cmvr7VNvYIlcbCmmogvjDbBc
+3/eTvE/C3DP9zyGIpSVp0RqCtIuroPbyJHoUFe22qss7vQ+uyupcituJz1RbNGIiUWuRhAI2RElO
+1BK0H1J1MZrZxVCbq889pOPL+ampEVLVslsjVB7zwS96oF9MBKWmSfX0ucMvWjKWgSwJyrj2dJ6V
+bVUBplbNDNCFf255IWmLptwqOCGox1degkVoHOcbIMQ3nWA9fHwDxwv9y2CrS9qiGYsiURq5RpnE
+NFN2aMO4oqWNRXb38eGl43F+d/xFO6YMGM/s33L5VfkwG9l1bVaYnZtXpRKGlVjoD5HBPnJe4caI
+E6PDKI/wI0WK8PEFnLq/RSvvY01HQ4pNbMad7EgNppsBmfKnDr4kL3ZCTnl0LCov0OYQNYChVEX5
+blp9cgbCc+LqlyhFdSrQq4059Y+yQRGCdRNLKtUaKMmfu4PFKD0lXWfWmY/YRKMi6VJ9LPGGU38/
+N20/0cSXKEWoD6I6wEPyYn94I+fpAlFx41SQ5sUa+fDHd3FszL/5yJYcRcMYR2SIYukpSf2gRZNm
+izpUFIUUlDNv+tQZFu28TSnpNUpODNA85+/sGkw7KkzJSzKN7Nl/7i4WLZ1qDgLekUdVhHFhtxR7
+y0RGtiV9inYjqccm+lNXmMrFkAlGV3rUl8vN1IjNekiL8Mxod+pTXTT0XumVqUyH44vW5i9i4Qcb
+FaX1uSzTU4dftGOFXhYyPa/YohzYrI2O7UBb8wv9HGP2xIe6BChimUiKHPmTZxp57DUEQNW1+VDk
++YsWqJ+cVy4xiuAX5ApTPJ+R2t5FQXODOveLZTbex1/QiYekLFpz4E+4dpA2e0ZuPefFIFFyVs8F
+P546+GKwrrLJMIUO5WZLqsezoEvytkvO8u5PHf3Y8H76OGF3hDG6nAJnDXBMgmzcOtX1z/VyyvGk
+Px28ngR2blMObhYtdsFc2yb52cjv44LsN52Psmi2VYS4pDRxQcfodYSHABlAhXsPca1yq4udUu+F
+0IfF2/mGOV03hm+U28qS9dKR1E4ztx3wQFgJquUPk2cGpTK4wzDF9QtSVhBMOelgDJQJOJZtNvgB
+Qj0cjTE83zjUrpUmYQ8L7aHeP4PfSqI7i4V5u0F3YZhuVKFTWg8jkv+VriF2+joaqupft8g+41cx
+0JPuLc0NNhLKpEWoohOoIgHXiY1p3yptPqwwNY2TW9YSWyjWmMkTnGq/qtdSrkzdxtStOdgMVg9c
+LTNKXdwCHI5xVLOF5t9SFw6lvVj5WK9stVPM/MzrPNEZy4vXSf2xNRB888Q1Nr61pHqsc7RXmIRu
+P25Hp06weKVUWhFwmGXh1W2FCdOatGIrkyD/lWVh8snuXl50x1IeSQg/49LTwaOPUKCi8h1b+/hm
+CNyS+/GdnGhWy2jmNqswY4YtX76afh9KdYcrpnI+PvaJHlNedMllx/5jNRkFC4RCv88xBD8ls1C8
+secwfJ1gt33/+Dwn7mHJBs1QOvKhKoUnEAxrF0PuauZUnLmJE69aWQxbaEpwBFZp6aV6/Nyjb7Ok
+YOcb0efWB0s0aE++IhV8rl3rfAaVdGcUljeb1pnXe+LqlzBQDenxJGV8Q7LFFpsvWACwxvjNNOQz
+c4ZTJzAXPSeEIzzbUknuUBzbBSOWMgjPelzff/xuTx1/MWLFPftsuSHSlEWgomB30nWLLXFTYHL/
+3MRkSf8M9UjscllvPIMMxO1smBKL/Vo901UcL/Q3vf8S/FlnsEz6sqeBjVgDVLYi96xw5lU11vJ2
+wrB/AZbrTI39xLmWcEcUqrPSI+T0cCTMqECO5CmbvV/5okIIh5MUftRkjzzAl4/fzomWt0Q+DmWe
+SuSPMF0x8XgV3UACUnQub+bUwRevvjQGP54DBmVlamvH6iQgQMIgep+79MVsZRCnqdEiKl5AsVPk
+gnmyx4cqPn7u6MfP+acJRRPnQeIXBc0674xdmCviM4vcc3spp57M8e9/OjrBP9WMZ670Ej9Ntx28
+MI+Mq3OB7Se6bWkxuLEr11nRscczM3OnpuUlk7hnJZoeMaeciz48dQfLsa2Wxm5kcewJU668w0aa
+32eshO2ZTvvU4RedtiYrOUa35GiRQAiwRfGB8McHLXUm5kk6DmG/adU//v6nNzCJsg/Izcw9xCht
+ch3lkPEchNxyyb5xIdwD5LsUTAPatt7SwexMfaoRpQqadi5z7MRbEhdvKRME4BMmgoJ5wLkQtYOH
+AvwGitNBwCD2qa9YXLylNkzrAKt37kFRUFaq1A/46+v8cy9piaFEZc/sN2ZePICDAfOYxVRBccaV
+6fpzl78YmxAGon2vmH/40Eayi2RsTMo8Y9Wei7888ZmJix5qFrtabXo59xRFihhZh3jAHpKovWV/
+fAcnRr+ldEBv5qxGipZ72PafmjbZQHv40qTCt48Pf+r6F71U2mZTa3Vz7pV1DoQjUL7P7HKeufZT
+Bz/+/U9NJEBJ3jQJkLFeVNepnOxkufncpGO5Ew4ehmU3T8ZDcjxfBKI0uljv43vVDOUz386pJ7+Y
+uzb4eQsVUr7HAH5p9PPe12UvxOb2mSePSW3xcEaxUvW6oGXFgrpRAP1t0rL8XBUBS+avRx+ghZp9
+omSeWiCwQBtd3xex2m9Co8vP5Tn9/gEhgf31HKo1Foqei0jd4KIcrUEbX5Lvqml++NwTOvZ7P30+
+dZkHAdgUnhDsnwsTeo/LOCRff3z0U1d//Pufjm4NydQjoGBaqYS+vLU0VZu3YRurkztgUjO+f3ya
+37cBXFu/nsacdB9dVkAXR5wcruzcMjEqCiIhSB+f4NR9/GUUwByOCSHz5LS7TQuksq14G0j+6uPD
+/yAj/3WcE38wfX96TkVftSY+HuYxaeOaAi4u8BSVmq1E6JUVZr5CUw+T4n8X4bvJ0bl6zKnbWozf
+eWzCa2jR7zazIm0UXPHrfhLKuzzU8k81cHGZTJ5GudSJcpN6UeeXa6mJUq/MFM0D2GZ+7uUsg8jL
+WchEXCWp1+OUKqp0LwtFRBViPlP8P/GUzEUz76Y2Rz/DhTPpN0MHz1H5HBlafTWnVtGf6cZPnWTR
+ztF1Q6ts6xTxnvGqgYMrwvCujKczM6kTLWQZRq72IlvpbZZ66EX82K4rJbw3uvackuF4lb/5fs3j
+Xf30/UYYizClH18B8l1X7cpqN4XtU4z6bZUmAj5bSIJnvqhjz/S7cy0aOyyNbpxrbkWqpUMciRFB
+BTV0Jwl4gJnA//24TZ56Yosmj/LdmDRMdJ40oDRzow5Lt42pvWo+pwQzF7M+MG1+yfSZ+wj1yYVc
+pl41JWqhOZTKT771Rfue9IidhgEcTiAFI84V3GGXslxq3Zlb+FGd+d27WAzfuqrIow4k1ANsoWVX
+iI5FzQ1JP5A81Ze0fo2pBDYO++9i4sW1b2qHLDbD4oukZbFXYrV3MkMVbo1gNNnqmnQF9xXyOCF9
+KgsZ6tgAxRu6F3rub2ho1X1fxu0Oymy/hmMxQAS0wgj3bxap0CikZopvsDjNE0SmuAsukV8Ls6vg
+CG4OSqFAcFNkchn+Ma37z2/j/wnei+t/3Gfz3//Fn78V5VRHAVSJX//43/dFxn//6/g7//Mzix/x
+3ovLl+y9Wf7QL7/Dcf95XvelffnlD6u8jdrppnuvp9v3pkvbH8fnCo8/+b/9x7+9/zjK/VS+//2P
+l7csyl38U3X0rf3jn/+0ffv7HxIfgoHd7aeWcjzJP3/ieBd//8N9eatf/vaSv/3t8iV4qf+2eenf
+0+j3R3l/adq//2Eof0IEQu8sqYDtROu46zK8//gX+U9LUlWLc1LPNWWTDzUvsGr8/Q9Z/FNRjjJD
+TSEESj/WdZqi++e/iNTTRVEVZZOcdD7Kfz2RX97Zv9/h3/IuuwYc3DZczC+9iaFqaOoNQ7cskSsB
+kLT4kuO4RUPmpz6VdlTxIca2IsJSEjJkwRMYVe+nZ/XP0/98uh8Fx3+3mOP9a7olSSYnxZbPH3/t
+MQOM+EWpNVAd82JtGZBNgf1iG2zMy1C5DYHZCWKH+7KzcwR+pq6RIZi47UVU+BCRNacdvljKup5U
+XIch6Mr7oMZIZ0yvofKE+9wG3OwgiHAFcCRF8KLn8ubjO/hRUfvLHSiyamKV1UFDL4ZFv4wKSyeL
+alWGRCIn1VbrZXir6lqIr0ZhuIvvBhm5dFCvZvZYDAHkPcxx8gNs4Cwu8HveCQYaLrHTnKT74lPf
+0loU/SHEOc319XMKZeXHUndxyaYM8klTdF4yVrRfH3oWGqUATNJnvtOFnhyrW9TYwUU6Ws+CsbH6
+prwaQ6DZrYDXo7bmeJ0epfdDsqsxDHwdC5/JpT7vWBdlTotVlFVor4IUzp8hp0UHU693cEH8Vkr3
+lTmijxWGAT5stC2NfJ3OM3RhFahTPjzL/vfBTNxkCFc9IGl8BHaUIPhvvADCVpbBxOygxLTPmo5f
+AMf6gKQFrAKzwdnVnxBE2spk56TQi/TvVhmvSzWHitavhVcZuLymqfa0nZIX6BXuqPYYPjSHXGe7
+eA8azcEH6oJ5c9WqdzIgE7u2uuWDc4fOsjX4tmD76/G1qo57YOyJ6eoh6kcvwiMyK8BnZUg/0EFq
+28RtHLQ9vpb0MqnrnToou3I6Zr8znSw9MWh2gmZcBKG+pUZwJzX9VTkC+IOOU2oq5BoiPijajqbr
+K+Ci52dRUdiqMrfHi8It5Ymhhi1Pc0CprTLD32lh6yaADCw/vZj8ZCUfLYYprHTFWI+NsmmazE2n
+AsNK1q5BusEKPqh+d4DThDe4+MfVFoa/8jl1LwZ7Aknw9305tpUU2oqpAn/l9lqFOAnx0oT5i5gE
+y/QXlkXQG1U3Bp3cgEPp20tLI7Ak7Wyzee0EiJG45wwoavKE4WR6HWaeZ3lRlLOt8/V3FqxX/xWC
+ph3hJ0EescJp6FoSJxKUDYEpdo73pIBXEzSxO5ivepG74driEeeyDSDa0qCZA3+rXkdzZwZXlRFs
+geHZEfjwgdvTgLoRDrYqVdltrBthwMUVQ3KO7pKh2Aj15VTSIONy23XOzJ30sb9S1VdLy8DC9gfq
+aHYefKt0PolyIDSic00YsqkMQZBB9nhXpsS/mcY6yjDFltkzkRW1mw7qNzUXHk3BMC+i1n/O2LHT
+x0nYTVWgukaXXMGxCQ+aVN0MlpR7UqLxpAOaz2xIvoMNOV2rimasszlttiBRamfsem2rhb4AH6Gh
+L+y/A/GKQ1vtTQ+QD4jCLNnmzPZ4tNyUOfrlRijBWMRSVzmCKmkPEB4zpwnh0OA9DMnDxIS8MQb1
+Drh3+FA2YItkYArU92BJCrobaLXpUoWDR2zVLb/pP8O9WsP7FQ5JY3xTwx6Kip/VnkGi7kovdUA2
+YavZueYqJeZWQfbNSyuFqy8oZbON+zjY9YJ+L2OuPpjJ1K0lvQGdJck0TZNkk0kTtR0Q2snRfOEr
+7j/zxtCSi27o9Ac1bw7HneJVFdJUrSF2IvaTv/aWuSXzILjoyi9hX0YXSqdc9VQi7FKRpk2QVNf0
+Pv1BUPPAac3y+Uen//801TlE3+ADFN/b5UTml7nPyZ/6/3G6w2hw7HiZE/znv6YQf5nvEBTx0rZR
+w1wn/GWW8+9f/sc0x1T/VI+TEs00FcNkWsHE/h/THFP8U9aYy+iGqDLFYjbz72mO+qckyhIVKpbI
+moGg/X/mOZLxJxR3ZkBAkfhVg2nZvy7yfzHPkRFrLKY6uqkZ4HAtwicshRMuRkHRJ96P/wFC6iBo
+zgAlnAC4/yoKazvqu+KpmgDMTOBdtuG1VE8ag2LerfH6BXvgVkQP9LGThlL8oFndTQ1fGzd8qFyr
+AuB33EeX3TDs8qY1rwYIohfjWKyRMyi7GCjLOhm+W6DzAC/NEocMlY1U5q+pOJv7SDXtqUnl61E3
+IYkJzUWCo90e1XFNIsNjqNGH6S/+3Jtu0ME6rq9DIb6soi5FEi46fq5huPg+aXQTmmE+sNrQVzTE
+GtscutMIcy9YB+i8My86m4I1Xrqg0GlyuEwqgnUQ9ClfyUgqovC5G/0L8sC/YANlgRY3oZvnB32s
+FDuZJIxrcklUEoa9XBndQSaIM2z6C1DTj6EJqT+aR7IutvIUzrYGaXQ/WPJKZgDG6BfZZYnHM53e
+xxjVhGUVjhy2D+Af0g1lEtiMvhcN5YOB5ahsUoXexgdj1o/Q4Rr6phjljNQo4DWN5CWNK6CaI6J4
+OZP32kXt03k3+gSUX2kvoa+FqzgvvseKBKiGnjoP32Wjk1e9MteOxp7yeuh5klon3JlNde8T6bZP
+fID301RciL7O0moF1PGqUHxMp/oEPjFy5RmbKcwTD8Zdug4U4PdZWa7hXBhegInd0Sx4JS3xUdB3
+jaOqPoZsxdpL40MbYd8xGydehBAZO9GVNWg/DyBoaCdNhTfXD0RiPaznui6ZESUv4NZmu2+OMHWx
+8+ZZcCU+oVhGcqPb2HSh07UznKNu3MbYjTG7Rk+dGmM2LFKN4Zj+HJcUzIteJgVL7OPVWOXWtsv0
+pzAC/B9a4m7Egw3IOz1gsHd4y+O1SEHDLXqqYpJYtis5NC56Vo6vtI97xUq2miLWD1VShq5GHAnr
+V+M6kSxlVwskCmWrWKnK54YnHh4TNQxV8l+a4KaKqvsx7YJt3N3rohy/yqwxRDKdmPG89IGv3taA
+PhwlVmSvVTp2SpvsFdkOwOdQwcjlA0lIyR4Bi9RmOO0Cf12hFkbuioQXXOuwT6foplGZEnBB4U0z
+M7eBOu8zbAXzJpuTcidQyLJTY8RsnMeD11DLDC0eNdsrjwBzE8NHrGbFq0AkJJEQGpKwN2mefouU
+Wsb7CK9XPzK0SKC1h6D+3tXDJUggUHY4hGpA9IbPwiMyZQgf4rDK9Q73aUQEhg9aEBSDU8os53uE
+UdIVSOVNJwUen76d121NJnZzXwG1tUt92BhFtANRNOxVPtDWjBLOoX8FkxrdsgEIosxSVmGbRmzC
+H6fUflbYXWdYuwmaA2Qb0geMmRllVD71IfOdyOqeEAkzQWvn9FmThw7kuOglgp9zBnG8ghx4Z+VP
+mc7mmxLG90rcYLjV53gjYm/Zy/IoMNO9aOgYjAL7cVLVnlkLL4Ui7Bm618M0gETLcLJ3VnaRdfJu
+TpSrOBrIgZitljWF4ZVW3jI5wNJLOjQI9wmVQFE/znF8yPVtZBSHUYZXDQAy9ISgt8N+eKz0rt5I
+UWPsdKO6An8YXIQp2aYRW8ab0vegDmgHIDS3GU6NdcObs4zuyh92ClfnjZb2zQK9d9UJ6b43VenV
+qCsdpr24D9Vx3ig6i8eqmd3QPGoY8LBtixRwVqPh0x27u1h0c0OqL0uj2iWGkV2WBKbAsMhn+uWk
+tIXZb7cp3kslVYmZaghp0h7i1vo6lUDT2JPdGyHkzLROWYUWZG6Hb0oXEudj5ISHE1DmBKjqCl++
+iLumx7CaGi4ctFRrq3U8EEM7WpQro/o6Bs/tojI1134+70or/WZ28m2el881aWLymByqQ6kl37qg
+FW3qzb5DGJao7ApgupcklLBhbNWmI8etuhpSE5ISfdbeLIdDrgTpvu0l7jwmNgruf+PGHa9BUQlX
+IYDQzqdZ3vqB/9j0GXwVCSwShPdsbbXBVg2iXadjrG4b/63X53dWciANMN8GIsGwcC5MFsUIEeGV
+b/uJoLZel2qXGDa71d5mTSdjLZxYRw3f23DYjlIKBV++VXj4HiERoOWM4qjHeFXTqlgZOTpb/PiQ
+xRXHT6hIapRznUCcGBR08wFooYI5eWYg6G6VBsiWJHWPgtVu5KQb7UAmp7K1BkTN8GBJrL7PjsRB
+3xz3hlBZrlFZkVtUwU0Q9eLllCetI6sRUWRhpB7mmLWmyYrK7zVtW9bJPpUqBxzY+JYoiJIQ6pEe
+VaiPUpizMIS7+lUlfSO+bPP+slWL9LYewBTAjh73RTrfSpMQvGsZULQpVlzZV9o11PhdTcjTroNp
+Q3b2cF22EbPaYDQ8EEfNNlXAj2tB3HuzMYPvsTSCGwpgi8f/kypfvVR4/VP+5MNKvG+h6vQ4GNdC
+wlhhyJW/6SX92qzydA/rFUhKzwqgzHNzBewo3ahxvhpAz1yUEFacqtd0NtuGypXYlXls9AwIYdWE
+66LQ1Q1ALCK4FfGVgK38fgzfS0tQWDoX+iVptbMdYrPzJLOa1kGBkxXEOBSiJNkLaS5eoLQaiMUb
+ug0dlbKn0Ez82tyuSber96RxXCe+Ze3nQEHhrq67sMqduCPNQiSIgdc/yQddtdhTK25RlM6XRn1V
+SW23H5ryrcPosWOYg7pcXee+Jq8JvXrN6q+TOGd3BUksipwc9Dq4arpK2+Q9igYx0yHaHZMT0vzA
+oBHcigHlA571Omoz/eDXmnitaelXJcxfkoqStRhXgBO7wVwrsJOOoJU7WbeEq7SZJiREsyvxXTmC
+WHc7MDNvGhjSedxgooeVSESHDZW7fkpZAAZCzzMpNIh9cfAUyWXtTgLFny4gAdEgcrYKFXk1qMbs
+Fh3uFSogBrBIuXF4O8K+mdrE6/xCAmFZXbDSrF25LgH2WNNMLKX42uRz56lmV+xbK6ArixsnFmsC
+YmRDuEwU5XoQzHwHTzK4UvWLupHzVaT3HmRa44IBLNiBC1xHfCfwteORTSXd4UHaBuEbsShcEIV1
+U0zFbZ7NMB/jA2vjR03OnaB+TWC5AI7dtHr3NYv1J6ZJCd0GgP6WLLeeMrf6HiUSfP+quodfTs4S
+xUIn6tSAGktdbpuwNa9l0LMqXBM7H0gejHX2gC0VupElyEz++uAiKyrFibPxrpqZ7KEy9S8BK91C
+si1uy05udrkaZmQejXBdKKC7iZAQA8FfadHwoMnNM0K8YeerfnhtydZXxBwbI5ayG3OWUyBuDWlk
+bUaNr09ouoNAwBmZHBtLiCwHShIc096/67VIv2YA3ymWdFkMYn/fB8HlwDzxoq7F7iq2up5skGlm
+CqsyBlQI7c2sKy+JZsxXQq9ieKlz4RrOJ+WRSXyycnIUWW4fxkBrDpUQtYdCmN+UBCrJ2Aku2+TV
+TaYY+iolf9Nmhlk5FV3jbUCt0oFCPz76tAg7z0ZpJwnpQzV098SedW5XAecppltZVy57S6J/FFIA
+o33zbvK8XVmbJreZoA8DAaY8EdfM2w3ASGjh+6dshO0E3W4vCMwlITtdRH00OrlkPVi5qTLxC59B
+5uOHgBDaTuJXahaDO4XYGrVYDZl9wq02+7t5UpmWs9UTwsS0R9G/FiPxcmjLB9+a2OhXD9I4J48J
+WWJi2rlZkLd7EgJllE8j0/aUcSVnGt3DGroMjOLFMiSXQekd/B0xHD2A0fCIvgLmWM5Z4E6qas91
+cJCj4TtIYaBZRveYZuOFaarAbFggQRCSd1GufGuokDq9rHpRVVq2ihGTuSblLxPooqNLpksggeEo
+U/wkCE10/WhplE/ZJAs9qDwA0poe8OcowWsqS8DtTa27YSRiHTenbUcCDlZqAqd83e3k2bwUBmh2
+x+pWKD0ABczXqOcP5FAemuOA6csI6gmQWP1f6s5kx3GkzbIv1CxwHrYSSc2Sz+7hG8I9Ipw0ksbR
+OD59HeX/d6NrUUDXsjcOZCIjMkIizb7h3nuURbGb0k5gqvhQieL1YtJMJiS/MjEj0conC/AcwbPJ
+RzFDcsVdKBb5UhjzsfSKF4JUnqn8sl3Siu2IdEXDZ0XQPjXAPJ0dd/hUCTE/QbBSeOrWr44nAodU
+9Q71i1wzDdsxQLBHuxVqR0QiUefEUG0o4DlL1tHFm1zonPJh4/vDWRDMvxs89eJM3Sw3BtSNOBd1
+sV0hEsY+h/vRZU12A5/KNEsjZq2CErYljyN9wGUGAAFKYCxaczqBNNGVsLYtgVnbqvRGSCXtzXOA
+Idd9euy4snYSBixiMXe8SbI/sDNrWB7X6WHKpaIM+pHV7J6qlATXlq/Y0YQfWsiIn5z7j86cv2vL
+CMi/lsC5xpQ0+SFz35t13RMhM1z9wH1pTb8mYDC/5QVvMU8gKI/ZPljt5JztcZkIrB7q0CQXPB4g
+vAOlSGGuzgkCDN29lOOsxZ7RV7d6dE6Gkt8Wyb9vROW0vXFhSLHE44ywbh2dF+KaKNq1z8kz32Yo
+uONMT1HUy1vuZF8NKOMAmBDpfvZHgpVwX+jevkc5NLlz/pGnUD+lCrLYW4fLxG6JmLkdYb7rcZ3V
+NUllsvOnkYzPkplZAEYh9UGyBNUYVR1FMxj1a1EM2tYcph6aF0lXI8n6sW104yHxrQN5gU04MtPZ
+cm3q7f1RP9epYYZ1lYycFnp5MCWUPj+j3aE5FCFHyfyiOfJXllnAerXsQ9yfzLaSJ8KcB9L3jOLQ
+63UXlVqfgwQDItx3JryxliD0JiPeUtcb7XuAQmlyg7w5juGxMPCGl6rLzY1J3pHUcIUw5Z6OOS0u
+yLFy76UaHXhididWL8c8YXTRrsWyMQnd2xiWRiZ6aeeHQB9DrSizZ5X/qhZ3jMglHTn6vCsxuO0B
+k0jCqNhIN5NQ80VrsVs0uddd+2I6+hYJa2tTnys1TZc8JaJ5ssaNRmDomRSYLMLQ7W21qVM3BdXk
+ZDjaxXCSB+ku1dVdK/+5dLIuSiDDxY2XfQkCxx8I5wW2kgTle+cS3ygp77HaWuSjLpN7Nsk32zA9
++2L/axNXpfIHq5mHgwMinVDjQuwSlz1IPZEgyNRWnBzOW6U7C5BiUj6aiUaDLLObjlEntCyKBWXa
+UERhdB1Ij7t0Shy7mbWCkM4vN6h2KQ9LVpSQjFeb8GjchsDjEoKMZNcehY4e2B+dr0m3mjM2IO/O
+V0oiLDzq4AU4SWDjiszUYzvJyZxX9MT5ZA7vQ8VrqWlV+wnO4CAA2h1M27Gjrs7+SBRREIuI2aBo
+t4Ook2S40r6BqXMJ0RVV3K3kTRMGbfKik5gF2ePWZ/JWjWLZwbYCdOQZ9qGDZkr5ySiklZO3cxc5
+vk5LtDRpPBeMMOhagBKMHJdOdmsEh8/UBHYM/WvlYk0JMQ+0i1xy4zwTFXnENH/OiSrermqZ98Lk
+k7Rt7a9P9vS2Vrm3qTz3lio2FlJSlIqJLZZD4hDtk2+c8DpGrlvII7MmGcN2Iv+zJoQuXX15Yxbx
+VDJfkKBIdoNREMJaNR5QkqAKK93uCf1MRqrTTKdcAPtILmEXycUEm2p3U2iAMEOR677JAn5xf094
+9DOXjzuvgnPHaAasorZPiGHc2bb7gnVePnu802YeNcO4PEus4tth9cQp8x8N3urnpWfApwVUklZX
+Pc5TeUzKxrhagqlRn4AidvP2qdNpK0lmtPe9P32yNlYnNUwWCJHFL088Xui3jTd0qqm3fBnl0jMT
+nHYq8+jOiq2+tsULy0TnCqiCfH0O/7MjWPAGDud0mp9N1eTnhuxmYLpVusv5fZ2KQUKCX9s2RIxe
+on0e7Bl9m5M+Lva9hTOfEX8eIA9YH6ki6Ky0uKqWtbi6dsICxqDTnbvUJ1Ww/6vd/0bNeO4N8kg9
+UqNXtx9OUBpvi5jsXVayihYVldsoZUQoXbdtHJ3dklnAdCo09eCjQfQmKzs4sjM21ETL4S4IJaZ2
+YeInO/5b4XVnkU8PuWaCjkpatobB9DwltRkrYw2rnhzdhG0TRYvNTFSvNgWf15TK5zTPv5LCK85p
+Mn9jWT6q2jtBEDmtTv45rId2Dn7XJeEZej3+nUf4J6D98gO+wlNVlv7Ot2Id1F7U3bdWIrH5K/uo
+IMTHOsAWrmrsjB6EN2QmMyv0/GRX0+OSc+2anUdADYYd6uvhySuUT9Aa04vcFnFtCRFJjoGx0bf3
+P7wAFt4QDLea/XOa5ccyDYbtqOlfBg00j2T6rKQ8m1rjE8YrGF+6ybfVaX/GoYEixxhLJIQsjMuh
+Ut3NmZObcceY9MrYl3Wl9uQD42/+3fQaqb+kvG7uAI3S1fdprW5rVpzRPru87GmYjc6ONEICc3Xs
+NG7/Z3Ype4NRGKEoMzc0TCMWbqsz2h4X7pTuJTDWyAnG7zXT5VF+shB/8PJmj0sATB7hdCGtkL4p
+NDPWO+t5Vh1nBY0eUw/3F1G463Yy9DTSu2RLCFQdBa4fw7J6MN6rlJDYfPEI5qutg9ZXU1w4gE/s
+5MQMZlsOf7LmdxMs4uCm67XQfgYS1FoXQvkMtBZhTvomc++dTHXtlCMYwOXthPyvv9aa1oO5H8Ot
+NjsNNjSXFpAuO/zRuNh5d8U79kfkZf+QN+SEFw2Td3rcNhKSe4BrJXssKsIxsWexle2XUyZBtJPC
+2hOivyzH9v4jb9KDWdIh+0CJJV3qmOX2ybNrenEjNFunPmfBu4Nd4yQ9V6cvbj6TPGuPxJdwPfvm
+HwLVgWGNiTh1wbjze+uR1CNeV0qzgdHKhBAS8AE0S5uJS2uDGTP8tYsFqs6t50iP63U6uav6u5If
+mk3mK1z1r6FZjq5pnvFXE6Vo23v6JDL8cLigGftMnPZWmbIHPHCgBLyCPntbjfx5nPN5m3feZR6m
+LwItd/nsf7i295DNiBCGh6b5jWuGIq2C2G1ZSTzx8BSNfiAzdtM6piK1Uf+NQquPemMK9knJF70u
+xsYAT3rIc84P8pkhD9FPjj4PBw9vZnjfshk9OkUodwQ8JnvOJVBCHqN+rzEjMBY/Qqs/ipF9ikda
+99ugefxm5mO5zhGUIE5p1sWM+vkN7Tp9DhbvxTULNMnNR0pqNuERdgwe4hUR9C3L/S2RUo9r6r9o
+Fl36iSTVb+X473KqP7p1hqRLsjxYJ3Y1QNVIYU+74Wxzwl+ZH/ZG44fVxHGQbplHJZGupV2Yu68+
+jJhQgW2LYMaE/gBHS1kVG1atild/7E6+AUoq0BtjM/jaRHgCE8Fa0ZemZR/ETmn2zPZ8/7BM3ZnR
++/zSBc+wwxAFpHZyrY36wyod850VXco0oP9dOwgji3L6kxL7EWui+Oqb6ssF5/b4S1lU/3mLYCBP
+J/faDSUh++aXbvjwp/I9YtrqZcBqKAfBd5BNMG8yXho/ICHf4FQ9lu288CxRLGhD88dQtbUPCp0s
+RqPNI68UQ6iVtDKBSTc/WhYh83fbg/ycPQGafSY0wKr+amQ0x6pnFyTIDt54WtNtUsZn+1mJdPvP
+b0o2yrpd8rElED0jZtmfb5nZcqsRwxtWFgPMpLDoMkhgVawm9/AY9n26mmcWnrtOk0Td6h2h79N8
+7wIKGa3czOyT5DllGGsrdidMdvg4FtBStJnjoJ1JDAJ8k0gWYWr0T1kL3r2KCE6OHLHqB7hF16Yw
+HisHqw6moDNbkfwyE81Nu2bspp4dC9yXeHEW/9T2znnwwMGQfjo9Br51LVvT2c2QG0Km+G/mpOUQ
+ti219YrmSkZ6egrAce1bEIVOpYqtmEHKJ7kdVy0CeqzarDX5vvkrL0OYueziAUgRkOwM1oHnkuDU
+IL/TX3+ruQ7hDXNFlJLxKqP7bSB7g+MfOYtFfjn5gx816rR9pgdPLvSkTUOAxHXqB0LWqv44DbO5
+01XLbKrRL1y8+XNQW38Iw7xzLRZw7vrwNmVF9hbqHvxfabCQgPxH/Qh+DsvwvWXTOdeR0P8EiccM
+j060H5P1T1HQFXfF1vDq5ZV8dc5WMRY0PBpS6Ja/Ym2T1w8Waka8MxpctXUZyVUdGU71mxmb0Z4P
+L4bj+8woP3kAxYRqhuF9Y8y3hgjpo3bs5WRt/DITUZZnazT53Y78M6ekYyjH4tEcJ/9Y6DRoBtmW
+W+XpP2ta15GLageatLiRmlI8sGZ8Ay9nnLvAIv69MX76Jl1ODiBt0oCHo2JltXMdTpxRyTPQzq4p
+f+mN/goxO1o6x373EvOt8Xo3YuzeHJp6oL1qm+FYsPyPaBUjBDRn2BxrOI/NWZsP3iJYHudyP3bD
+Uw0Y7tL3zmvvtkasMx9F+1pd/KY6NZX9PZtLfQzEVD6sxbEQifUwDDlmF886YmGatiUhgYekBy3Y
+o1mLXDRl0WqYPoP8Fnxc0/4Ao/qLgNoAzputxNH67wasNpTQ6wMim8xjz9MPIrTaV9nocAJBflPj
+q8WWezFLXlJO+dBRzldq0YlAbviZ3YpKKRs37VBPO1y+P+Qjs4wEWr2TJSJeYQBgX+gEGau18RQQ
+I87eJoSb+eRWXrpz2I5s1m1rkSEOR3TcpSvqI3QEW8LmQT8r9oiaSWdcM6OXa/e3cEcnYufpF+zE
+XfiifUo0zLTU06ZtJmufqGSnL3I4Mw+pGYo0UDqHLi4Mp90PCnxLqTMRl/cC2fyjADfGBqnCIRB4
+EU9mwDnusFIC0lLFDl/4xmy8hPXWCOpkjgLhiwim7KHMA++geZfKrtUWuK4RMaXcK+tmaRI2bbv0
+T6tW2btSDetJaPFa/iX7Xz1b+TvxIyjfev8onAQjCFDZjZGg28rLDhhC0W/hDR3WemwgHeWEvWdL
+qDHLjhzfLWGLtWiykm7eWKymhUY2iBtY007qDKxAJToML7pkL0mXJcg6jcbV647wJAns1/UTwwdW
+Yyp7MgradsdbEzhtmg2oG2aw4N4xGEOR8Z9GnUsUP6ny2XZdUhDNvLRBU+k7t1h/1ru2IclNml2C
+TRNEDUDr+aS6SWmRG2xa3bbfLekcqeR+N+O0MhxlXDW7zXsaVPN5Yt00GUyKqiybXiFcXyJYpdZz
+b5jBEWHDvG3q5SQWmNql0pFJDa33mpfOnxL8FHwoNiD6cwowk4R+/VLI4lNTzVu15nY0DOgWUMZN
+MK36IW63ZEuy6bMW1APVndhXvua9whzB6BtNQex3wtzOC2o0s/S+6ngxSelpbY/RIHqNwBdiO5Vy
+vDSlCrE9fg8rr3BCfzJnsgpVmoxhUXixpkkTFgg5qV6dH/26g6Trdc/O4lA2GIG/6Yzgw58ozrJW
+vt6f/Q3R6CIkSYkU9m+rYpOXV0W/cdPludGt70ASmW5C7tKzfASiox7rufeIjRw18vfL397SQJfq
+Gzw8yZvt59NjmrcXt+YlcMCtcgAoKi2Ggo1+++c1Kyn7+UP3hwzuQmh71PNBOedxXVi7IrXsixz1
+aT91iTyUC8Ph+c30KFD6Zq22PXnx9tiFqWhP9r+6Hv7vvWc/3QPrw4JMWArsH7kyZpsn0mJnCxKd
+JpZ3pwCwDEt4CJcG0du8BlRLoqwiBqanlOzNS1HDaIR+1I/Z36VKvWjWFIfGwsIm13dJubgUk9O+
+Xfvk4o8fREF5OwLILaDhFBxanQXnYmQdqzM2z3yOEtWMVVwsaB6sNDmCvPiCVoDXKbfzE9sgc9vz
+5u5T18hiDQQc6cJNEtWM8U+ELxQXrZ9FNI75+O41xq5e220mSvODgkaPUbFKgrss4wPx70M/sbCS
+MF9CBcLluZdmzF/7G0HsCIPA0W/2PHNZWEfGhcOLqYJraWcaG4853ZVe9VwvVn8MitwOIcmzjBy9
+9Uale+1tEez0Ihenhoo+SPr5OdMk2f51dnQhHV0aQmT6LlcPCnlTW4j0wNTwg1/OhaJmJ0pdHv9p
+QCg1kLZv24hdO68dLivnS2HqEyt8S4+WPKVDrakn3XW+/PMDIs0A7oQZ3gJ498bmDjK2el6E6Z87
+0lO2ep+x1wZjfGoWd2dxDNiGuT4uif6qF30d6gQM7MjgZ6VDr9FKYZ16s/kenUQcSXbvHxk87tRo
+e5ehKtNduyrGngN6ZMLwd/pqT08Qwa1+Yh/W61c6gYwam1O+JWw0KYwzSuCnIHPXi5OaEvhvM4SG
+mlWc6NZf3xvzy8J74i0c7QZ016ZOp7BUDspZ9rEuUMNL3coLEczdFgm1GQb9MO8Ydc8AmMejYXdG
+VK22/mDXQ3sAXeJuYEZEZSDFX5imbyOT1DNkWdAKLS7oYSVj3ir9Y69SdZhF8Ji1tb1rLCD0nkOg
+W1uz1pyAGOy9Ead8wwU/rqZ1W8dsBx1T8G9sfT+2HjLm++ApgcQVkz7oP2he/4MawQwFw5LQ73w/
+7LUORzcFTlROcgnrgiUIqtUusgKkWSJvHlVQMROT/TEvwItZOelvHk7A44qGVjjiRhYs5feQApgY
+B3HTxDDu+bLfCXBHUnf/IdLu0MIJ2/uWtnWVNzILRdTKk4mqpD0XgdfvS1RMcTahEMjMi4Qx+Zkc
+iJmft5nn+NGKHsuVDkWPpep9lTD8KPLik2K22BdLOeJ7QgeT00d4c+reGaFz3LGmdRuhH+xEssJt
+i+KYpCrbOl3DR+t9lEipUtRPL0rwmkDTWMmf/17ai1kEryhOCqbsuXFhyunttaAbo7xrHksfyss8
+O/bDIHt71wcu8VPqi7lnD8rFEuGQtn9NqUuWWlMQFgIdCmdIcxm4fm5dUYXMEvOz668B9F2I155d
+dAeEtZQmaL5hJkFyCND6EytQbU34Wu8eLzb6xFLuGqXHDhTy13rIT66uFXtY3Ijx5PJgJrrYty0o
+jYmcp43VdhpVvr1sXTFcusG0mYeXT5mgWu7RuMetRHfsIlm3BkrM3mCKBpWGuclqsMPW1ku5SGZc
+FaxVVMOQfj0W32MDKvAeB06ycpijPWnsvEeUNdhbulKWUyt/GkKrj3o/o4ay+Pak4zURY8cyJt4p
+ffBGBA9CjRdwXE8am/lDKuQGI/u6F2P9VBuuPIJG/Vju0JjFGvKdKctfTM6rMPCTamc6a3UxGWAr
+A5zLOtbLrtMbGYJ9Zt3Yoss2mnW5VvBq0TqqU7f0UYt6iw5TP7c64apaNhAD3f44jypZk4d7NFbe
+ufcep+te7GH6XYmR7BfsCGjbU2futxyiaTzUzY9GUa5M591C57TPcolgKFPI2rQ3vmH6MEjQueWb
+O5Al7CG15J0+jsBbcj+gpGFalm3cC7TUfuIcWpaRC2ymjevl9X6wu0tn1BmCeefO2wL1yVMX9U82
+SeN3TE6f9dekdM0Tn3CL8GRB3WW7CNM7/0AaQAkZDizU9xRIZp3cn2uf83Gw9MzKEbp7YiKMR8LV
++z3FIQq+zlnPup5yI3krc83SmLZdmxrIuLHhBD3yUi3gMkjgthnresmruduYdNM3WLhiwfbWA0WW
+hvdhL7oXilpVUTOUP2ZA5aAlSDM1M30o1kqc3YAqSSC9XTfgYO7aIvspW/KdVS3ZHstDTCgOijRP
+vsEp2RDQ/Zscs/oEr6iFwrnJVr/fA2Ld51NihJOTvyzlUG/LhbF+nxBEHcxfgcoRTpbTuWSLNUro
+nICX3QY1gyR4c9Malr4ZR1Fv8kXbFXI4CRRbvF6nOtXsqLWNgzHUbyDH6JX+2EoUMYzWz9nq4pkG
+JuIE9mIe8Uy3YmmPqEP9MY87x+IMamdnOyDGzMQcDnzBIeIUylubub9T8KdiOlYuXXfq8uCPxXD7
+ri/4qxOKDvF2fHfAEoSs8VsGwcCPkUCOCIPhgWq58eOsznFdHUhWEvOJo7tTFA02H/1ScoGYg4VX
+Z7mSj2lvXUsMSP34OkGF9M3IDqaoHiY8rxGtx9DW+wCmB8LMOkyc4RVuknUKpPquaxmyM489p36i
+OCNWZxHywg6Tynilh23KJkoz/5zniXkpHGbKunD2YHgZlQQtxpj2/sFPaNKcnpKS3URJo832cPU8
+Nh2qZdOASrnNx81aLyo0Rg84uftkic9xhHE2TFT5JSvKYhqgryXOQtGO2yQd0egGXYE+IvAeStfK
+vro6//IK9DSWct4HMu+MIol1LzWv+dIlz8MaIO3y6reU2QFY4H2QdeOdIf7buistDTKof/kJN96w
+o66pPrqObrRYG7RfZbD36QFC1wnmfTb6rMRh+UQFX3AIOfdUjPm8650RT03CIIUhvrVhfknKd4dO
+ctIzpu2pK5kfj8tj1qs1Qn5mhv/8o5m4y6PV6oyIEqmhUmO/4lfAnpDmP/cBORL++OcOYDRNdhaO
+RYin7sDKZbVsL+rZ8xRD4u4kmtY4GU3wNBXk57ndJKPEFcCsdfSwjU5FwwDdaeviy6LJ0HHxaM74
+4zgCRO0n/f8K7iZ7BN/kd/s6T7AWNeXZ1Mdqj1B+4yddt28WiuqmvqZrkGzJk/G3kNqPjqHV0QQI
+DdokqHUkCgw2uF6k8zquiMcM+lmt/xF1h5qjuZiWdZiEYb4kDOyOCKU57OeqeR1SDT1Y658cxSu7
+qFzeHAxDclmbqNV9f78UrnbAX2VtfaIcJw9FlePrfpwN63k20b6uZT29GBLSWbpUxGVVWM9Yj/LF
+LGAf8SOrUGOssrUSZr/k3hCryGx9p+Q1y3X79M8PNJXVLmvHZ2F7HAu9f6HltU5+eZ8WwU//l0/+
+f+RE+X8w3f63NpT/Ylb5/8iaawOLwAn/3/tULl+8rl9MBrqv/9um8u9f92+Lio7fFttpgODXggsf
+YHr/P05cpIOcVx7+SEY892yz/+3ENf9DNx1sLcwlcdP5ASbdf1txDec/XOMfZwsqNtdiFvc/sajY
+zj+RDf/FqGnT82GMtSzf1Q3bu3v/f389sfDEumv8L3NY/PmOnIywMnCdriI4IvIPjpPp+P/60ec5
+k0nX3q21WxyKRj2mPjs3V6hXMVM+c/VABbc3ZZL5OFZKI6SlCc3UQ3Xi1BGtt3+Fr4k92un/YXxt
+YZsOD3wABl1pULKN64pwrbHa1nWmX0unRTisloPMiz9JUyyXxsPYYk52GmWgjujgkJUv42MPcueo
+7EHfwb07Vb7WnFpYo/Hir9+OVP2pyQfUOO5dyCKPIAmLyPD0IFKlgxskAyDF2fpWlXZ/6xo9QgB3
+TQy1UuojVmKq+2YUq39wJ2N5YCKFCWVowsGtamR78n21u+5gDkO1KYPMj2Y+5L3HBYc5NHOiQXUL
+iiRnvFgWwOfOE3HOEHFfUD5A82tu6v66j709HNHmUwXM8mr3xkIv9dLqdBFOa1U7Tz2kg60/icQo
+9zM6a49tnbb67vNEO/I0aH9KdpC1JucjTVVzqtqQyRl9bLcGl1o2//4x1AVhqLh58CfqCBZoV+PS
+Kf/KmSg6kgEG7kVRho4zC/R5fKOy5PzKsDqSukNMUO/shEOODNVOGuZa5e6ZBztnykQmSeWQXAfd
+YMHYMDm619r/9AVzlr+WgTHEizb0iGru2F1PSy8pEvAQQUv7WQWke7tT+c5M7K9pVaFpQLaf7fGW
+BRKpletXv5J8eFJtVX0Mqb3r2LVvraGCQqv7+q5caB5XdDuPWJ66zdTr68l3SuDKuvGmsiXdD95U
+PyTVUh4NXf2t7S/qsOUzZ60ZslsCeD5wxaXcNAg3t6K0l78BKrypch51iEoYBMY5dBmal1LfNRO3
+A4ynGJjfBZYelr/eTw/1ZSkpMByct5cabur+09cFzUdQNmdbLb9cEudOfu48OJisIFb58gQmrGLO
+UryDEd52wmpvtPr2IRlotTPSdJ7QPKMIHvTmz6TOTtsNf9HPY0e6j8qzzstPxTq1IF61YTejxe7r
+arjMDfXUvOQFCk3DPkMyME89zyb0uuoAduM4MVnZtkvZYuX15o1q75rqKW+PXp8dVIoTwp29k37/
+0a1rWCw1ohNENiHQyfyKsyqAAEhnbAG9Oi6e95jVHc9tPVkxG4IkKvVsT969c1Wu/N0mWnLmQeKd
+SYwgbBtioYa6tg99uTy4vXwY50G+ZWUTSoNprlzYOXp+dlNWzny9WZrNwjTjDLsRgUVS3LrZqENk
+MN5hkoVLpVfKyNCldraMK/UXVbe2qF/+5P3kiToli418H1tV3H9LE7E2KNTlNLBkjxxV65uO1fkt
+MeeDUzR7ZunTh8XRgSeKsdjCYjsuujJ2LbZBhJW9FGM6XWcXR3Jds+uDe/+9iORiBlcsBsYvdBXt
+bhj08dSOdhFX2ViFpYO8zsny4TLq+g09Bv++mMTW0BiuB/ZSPnJZZKHI27AzWJUqB9GguSImVQEF
+yuqlxwzDYKRV5bJzqwXHAzDumXkhm/5VQJkv7VbFRtGYG6Gnxc7qcy0khzguhybbOVOrtgi9NWC5
+6sYablXjuFXSc+KKOTxQXKaz7QivajJu7IPsizsp+g+eMQas07aR2d9Cdy+GZrKm8F1orzUeeVS5
+LV1qOTsw5QRjwjXR/5Dbcl7bkf9CY/aW+GxCGDXiVDiJ1tuvqQtsla2nGsQuKBJ7K9onHRX/rnLl
+o+lOZ6KkQh5ua0t8WMsCTR5mrTvPgjWUo/OZZ2gckfxdIfsBu9fR8hN7n21LZ+8bDEgt0iMwkbww
+XwL4RtXtdqLZQIo1Qpkf2Mv3oSkEpqzeuQzr/Mn2VexMwgW28wjXthEvk5h3FgYk+pATvIw+blzz
+uliItix9+mWJ6ptggWCLKvCvp6HzRPZMC7b+kHvNEWlooS8UdiwKaDnmFnoQw95gzEGeX/5uGSmt
+OU68bpz2o44wzB1YJWXvK1Y6N7gb/0Fh09LTRWQzPHfQVRIF69b1WQEP5Z9utPnwEvq/ITVio+az
+zvL8nEvtbcIXpZIyxbXj8fLa83EyMGjeFTJ+cUG4tLtDCnGzuT8GQfLHxQQfhlxhGwSyg8N9H9P4
+OmtjJMdFpnv8ye31NHXOh9/Ww9YTvs34Jjsa3Ax4bJCidQtGqqZcf8Y1hyQrzS6a2m+Q3ZgaS+HH
+Ax9iRu+8MaV/bdMGEYzEtUJIZJnrDyRmv8ye+0SQxRHJ6oho4jxi7yyXcdwkdxBTAmuFtG90BAiX
+Fxp9nsFHr0VZsKqOQyI1XoZ6fcASGFtB06A9Mw7CJ29DMx5Xle7YtAZhivNtU5RIRz15sKTpnJaB
+BUQ9lke3w4oE+CMPa94N5iBs/JdRF7Hlo5JGY2Q/pUlx3+lBV8pJUCWwzX4jijmsc3d8c8FJW3Ya
+RFnv64hxEFx0vh3zm356LcaqyW7phRlCkBssqutYlsVlGt7SQBpnlVnDSffUsRw+S6tub8U4zw+B
+sKLKqIZwTO1i75pacEwUvEmvEzthdmUoyzU5cYl9VrqeAcUyWgUrpJkhaQ5miJ5jV/O4hQrL8DXx
+p1dtJfrHnjF9VJ2lnqrc2CRD/7t1gu6Jlizj5l/rsE2QXxVtFY8a3oRKGmu88NTtC/BVHCzUB/Wq
+rrQueazPRzkYzdvgPMz/QGSqFpFgkhpb5p+8sw37z8aS3+bo/yrMeowTY+5fBv8D/z8qhaydr+Bd
+FbBTuZJuQXwfQ8ystOuv1etnNJwDalrL+9KxiF6CwtkZw72OdHAjYZRBf99bH6NW+7tF9XGhy2Lb
+9IrLEybMBq2FoizJ8fS6lYzZMYmtrbOULtgI71IxKfLfeWyFX1/RJJL+UPvq6ClMYjjG3MxVj0I0
++iMPBuFyWjNqH70unnRvutaagXUEwMZ2Fj5dpVGEk9GwRtTbT6IBuqM5zSmDZI1Nl62CU5YWl1TK
+csN57UPVHq4OK4rb7GJP8yiajkrq6BbS5eoSrd5Kq7v5PkB5HQWTyVd+CpKYtZ9/VDBvEYtgYTRT
+LMypNQpUP0rbMW9wd8TFvVtzOj/MZkeORdc8+FkTc6U60XinPqNPyrb93bfA5zNvTEO470aSAAVO
+H3Gs/SdJ57EcuY5E0S9iBD3BbbG8U8m0TG8Yagc60Puvn4M3G8XMpp8MC0RmnnvSPHjBH7+vWfoU
+GPYVPHc8Md4AHGCQokz7zRhEfiL+GO6VJenutt0u7ez2aQKGqoxheJmbdeTJb7YLWAdBDiYR7ij2
+5SKMKJiW+hVNfpRzRbXTYn5bvF4czGqG5qUSdw1p/ggdXT+o+Mpq4rvHQBpUejH5jA3RlNVDVCkS
+ntKsueyH7AQOaI5XJTmiVvrh1lgbf1uy73vDruL2jAgS5hoJFgcku2ZJ4ZmbYBgGPp9Gsx8Es821
+FUclDFqNZfVWTNaHt/B45XXWvUjyxCQklUS2wpaBNQAQbfm9bAMhx6gxm5eFgeuxNXxxmNOzzfD2
+bSLAfS9n77KGnBLWFDxY5TOqsoY4oEFm986lsMVvPGD9md3fw8nwCT2ZvbGF6PNYpZn2b2EYm/tS
+eHnkDfMHS/rqEyPJ6oEill4g/8l9HYbNdkzta79eC7aj0WJbngaTCw9r7Y9mMoe7tTFOIremR+l5
+yz7oYOiCRrKgfPVfZvK+Q1Y/Odpv1lV/297pnmaULJF8p1xy7tOsMNDkwW1hfrt1ShqjHRubI7vV
+dhY35vIK0fEmy9e2Gc39srSk9cg27Bai6/Qw6uwSsAR3Symxz+htHGaGG1vVUswBF/qbZAA0DRl/
+ODayExwd4XHK2FGaSj5Bc8Di6ZFUbyOegDjXnUFkw4Z8X5ID7P50Uv9MHaUkmswPHownK8mYPpfe
+P8P9t5pSXsc5X546Uf2RZE7N/L2P+WV4ybIc42EOdtJ2PkYrfLON3j5k/H5eGIqymeWgmoCrubdq
+OYFeVJy/9sb0kauQRetxA1uTheaO/bLH2lKXWvbzgaw8v8hIKtCm2Wr+soD8l+8yZlzS4Kt2OH15
+fpZjkttHT4zFLmSRVxKuxi6T2T21SWIuC4kbJQEDBDdWeuMkbKbV08lJsWwonwxwx+nZL1bxXsZf
+60c/y+xh9Yu/Hb2S/l/WE4goXMYe5i1MhvBRjrLcGPwdt3zM+XaVf+1U/sPrJ3WLBRO6OSuOyL5y
+gjcJkEfCSvBahO/lVDvPdEsPBCVAjbFhRxZz9hPzH+A+y/82qf6f/J7rpUvq2q6ILo1ulT3Lhvk+
+1Hw/+c7V7hprhwz6nsgivxZNMbGBm2dy6MNT28ny6EvzOyX0faqsBtCTEBhxUrpTmRNeDZARbzYM
+Zl4lZS4jXxY0DPYeZdOtl9m5zh1i06Bg/pDku7oKmgeJwoMx1+vJq0dQGf1XhGwv2EBLtAGHD69w
+Gl4hO7wm9eqNq/NSEFjdcNT4UT414dPsjXTSBHsI6qA27lWnedeyPYoYEUDSMsu1c5nvGO0UF3MM
+uDmknToSz7g3Ll7FAi70OM4BHWcWqSupE/PEsgtOiHmmLlxQ9/hT7JytJdCdT+wYNOU58+0kPIWO
++2Wx5ftWWgkcqJp2vJPlafLEpUK6cIWf//QCAEneduyX/xwwBgTkp75DwbS+t+PiaC7VBz/tfCXx
+AHtX9yQ3YBm9JDCf0ngEbdCTfCQELKzrRHGdlW+dZMYYpZzKAynvlOCHW75OkqPesQug/SrJbkRl
+vSOZvb/2zEDcpdjwvXHnxZN98YMUDMlIDmMYBufRL69J3cFfBhY8Tm+cfL7fStRXy0vV1mmTq+OW
+yUEtNHH0/vfGi/Mokc5pTNW1Hn6FsXjNivhq8osDaw7+5rUz0I2ZnlcqS1qh7aabmO9UiYRSb5kK
+j8elIDPajOmjiBsZGb71o+gcyg7Xv/tOn+JoW1/zqQ4ewzGfBMV5I7xNtaB1Q0RIuS7WfSDFzdPo
+sGFVVqSaMyvjux2Fbk1740sARm88ZyWQ+8oakrPP/b0IOVqmUnwtdgH2l8g/BrqDPmcEM9EnRwXl
+n2Yu2aepkJfeQrOoTMQWXX9I7BmYsioAE7MyYl/TX0skYhOnSRm5Od0IkdMd8vNm09lOdmiJlW7U
+lN5Tbpfb1XUS1Fv+NsjMn4G0BP39+Z2lOgeT6fduqIFJsXXQonjFukpitXV/ibl+HvvtuNafzIOG
+baeK93EcfxBRor/HBKJdqY8Kgzlx/a8zpr3MgAs7DRJwi7xZZqIOrCr/x4oUePh6Q2Cfc3+Q4ZHm
+x7/AUeuBEayxUWKlUS614xV7GCANAXyDmGg+4kVW5q+qn+P7aATxPbdisWVWke40a0k2o2O8wpkQ
+uaRVqTA4bNBF9DevVyf6hMVXWeSCyVDJ1Hpuho1brN0ZygeJDDVkkT8xGb+DBHW3DEakk6EbEXtk
+iuPWIUkUld/plbcnp8juMHTMCxfblpccjSO1oDdeAnP29u5IoQaMWVJvNn9901UbI4+nJ4a37s74
+cgIlmFimV2siz9tVAtbcVvtMkC9yJq5ANeOUUxhDBea9ax27bIRP8Gw29Bqz9WBZkJTG8JRTuA8Z
+1qpK9WvUW7LfkZBxdxYr/bZuV3ESDukL3dFvJy/Kax+bxW7KunhbdXlB3d9m25aPRmPG4Vs6pA/u
+uJdAZePXLGQWicnwI15OSHDSKnlZE9xT7Bzq33iRbPkHmp2w/OUw0CM6u/O4DRkSRkBqyxbdzVva
+A4R2bvAJKvBit8YLIamaQHfcHlufoRE56MMYW18ZipIbtQCYCycgYSEmfsYIgZrDFLUkoepp76Qx
+cYx6Xg+z1iIQUaWUov7hAqi6LSuDFh4hhQnuPK7yq7PwE4wmkCIoCq+iSgtHYvp6do1EwOt/ybR+
+xC3QhJ/xIVr/iJkXrcshx+wp+7C65PfoBdNWIAnKPdq4UjiI8CSgAWOsEv4SeNRFyeHRZ26CLuQy
+VXdRubjyVcXGp4qHqBd59sms66Vh4EOkOythNp68yVX3ltHWphwMekuNw5uhU1HFe/tl6iJfFnLH
+k7RHV1fv27J6VrXnP6Wiw8fOONSc3K1w/OfE9I2N6SGc4TFtLqg4L2PL/V4kYDGWZIbWt5CFSfHW
+CC5YaPWzIwsgbZ9xjcHNs1Vj+gZ75O3KnDVOE96fYAnMR5p0x1b1ySFgkLTpp1NBVXQhCmThpARe
+96sx4sRdDzgELuJpaQf/I0WzyJt1dfYrURegkC75YivDPnCcq9Wa33z0yl280rWh5Rzeh9nfuFh8
+jH7NnpLkVHIuHciN7XKnI2Vb2WLbLgXvFscndUb5uqlC65D6ks5n9Zaki7yxHXUzy3K6wilQhxMS
+wkDIuelxCyQOR4K7b8moTmj4OEZEvifL+c+h7bbHrviT5SrilBNPZG8rDj5EicdKixWCeyvbhfBC
+bm4xM9Xn2uiMaG1neVtTsuJLTM6z6u+qJr3phcFn347OxnfzD27vedQC/i+8TGRq/g4yBna9S1/Q
+4fcquQen9hZrsn+wGh6ZSgr+eqgmPXIJ+DAfVek6J5NWZWTHaOLq9TrmvbUfGzKzhlLnWXGHY/x9
+KTorPsjK1hdnTFn1j9kg1Jcu6cCSJmFu/HF8Jabv7Rv7uQQLr2jZbZCuZpt1aKBM0oAOYksMsPdP
+ahi9zWACR0ySQzC3fBx9oCBkSTm4mrcFIAFFofHOOwEkhEAeJh7vZUmzq4QK2vph3dDGx8M3DHxw
+ShpP1OQLuOImZiTe6tk4FPwPCnA9LffQnjI/z/butJQ7m09gq+fr7L7oUpXumEkMh6XFj9nxjJTS
+PC8GOVDVi2l/42BDdejxaBiKgwBzzFnm1j//vwm/nvWTfUWXqef/viYBEpAA6iNjL4AEXE0LgBT+
+UZof4F6IEIVySZMFvWYMCL/h/dDcwTg/iFF40UisIRprYKwBtBaDCqduSOMqE3vLrVcA9W6/DP5P
+VCT5PvD/zK53ZAL73gJA1JqEUEN9gZ/fCN4Go5DHwCx4S9SIPIcVesJvPIiKmdxeT+ADvXUHchFr
+9kJO5ncbIolJKl4P/VIheyzeck1s+KAbqWY4Uu5Vm9UGWI2hO/A1tRa3/KJ+XwdYFSsf95nrJUfL
+Q8PMKOglgQj0gEYM4JEgJBUES8IU5BEMorraXGV4JKp/TYpCyc3pU/A++TTn7OwrfvXsnUOzI5+c
+CeRnJsedtxXbSgmv4JLKfqJCs4+jw8itsngSWkGrkPhWiunBujZ4zSI23fVnsy9uknYT7ddmpHRI
+ud+x2srwXyZFNK6Of80LUicOn0Aw8TJTwvg5aM6iGZ1Q0zot2A5V3Lai5dU9pNEFu1TTPTWYT6N5
+nx7wx9MEECu3400NFBQAB8EOLygzKGtDwCFw5eDshjaWk+RzSBUB+QS4tnT8jaW5I/LU76Umkay5
+QJBiNsfO9j4Y8X/1QEuWppcMF47JY5ZY8oYKJkRC+fqb6VNL98Kotg5yMLIv8SN8dbr+n+4HvJGw
+pLmYWtdU0g9FF5H7dn9B6PFaOyEpFws2PuwJXZf2oLamJrEGzWQ5wFmOprRizWsZmtxyQLgax8oO
+bDMvDgl4V2nBeSUAXx03wuNEaz6TKjzxiX8hzY3oE0wMWY58rJocKzVDFmuazNJcGWXYmbVHMW08
+mLNK02eN5tBygDT8XqxWVu+TJtV46cMWI4bbJZpjU3rK1oO28a83BxVTR/aae3M1AVdrFq4FiuOa
+Ou5TzcmNVvkyOoZ7aQJ0lWm4RK0xkeBuJj4LRucAG8DcZWp50PSIWbwEj0cS6UJzfv3RgOo1mtkT
+mt5zNMdnaKKPEHNwTDXll4D7BZr7E5oAVP+xgJoKLDUf2AEKDrMzPSl2peKQ/89mBU9o56PaDlX5
+t9Ksoampww78sAdDHDWPuGgyUWlG0Wnb5zWcsQdgxeLq0oOixX5OisH4sZg4pbrkF9AnuLmxcZ0C
+71vrRD1YpA8eaWhOUrYQkyQJ8gufCPPUgVMOmqsUmrDMQS0x0KNe0/RlK3LcgKtiSqgHGaBsxyYU
+KDC0Rk/zmwYrIiLCDZrrBM+4QZj8yDXxCTPdHRUQqMu9ZrAdVKdmivBnxQqSyf7YDN1p1Mjxf1+6
+OvxYfWs8eho8rS1mAbxAMuj6LHtyKI01l+pqQjXXrCq3rPOg6dVcc6wuQGuhydZaM65K066e5l57
+TcDm+pheWATAC6+xt23a/Cv/I2Y1O8uSEOcI5y1OViGtI2K3FP9GephWqNtimF5GweyIVjhpltwR
++5G2Hp9GrgyYTl0KIgNbTdWfMjc8K0WWKu/ZSWmFhdyudm9dq0Z+QBOkf5eZspquLjEVuzm19Oof
+tZit3TrMZ47qeTub1nxQmjHONG1cgx0Hmj+uAZFnlnVdOQMmmKpuxq0tMjJoz8L2spvd+39tTTQL
+zTb7ADIIluGdMaS91CvBpL4iqVKam0IU6X0uwaqUDy1N0l/T0wsYda156lYXRFgyjb3XDMEtbLkb
+IJ98XiuAnx4km1MUpAZIu9W0tqW57bwiQtaUzg9XpeZzS9+hEAFbQF1x6VjfGo05QJ/vG+KapPnw
+6pPa0ZQ4ulHKa02OOzx1t/++xJorZ45ClBnSvNDMeekCdfrmcJvs3DgrDmpZ01uQDQlTOUCtT5pf
+r4L5swEyOiZOwF3J7XhlpttAU+8h+HuqOfhYE/ENaLylW7u9puUX6d7DWpk8anxMarPCR13K/jyz
+giTWvD1OE+M40CThWUGZ2Hpnl9KCutZ6spNpvLVV+wsCeu8tbf+q+nrZCjfDnBDaj1Tj/35Ld79K
+LRPz7mJ/AkdE5WofgC7ICWROuitaiy65QdQ3M8Z4l8WzDa4pEgDMQhwNnTtweDIvrs4iyMT9XsL1
+ZNT2T4epz6YUKUFaR5faNDEMHkU7LKJArntpl/c88INdOfGZG4Pgy1H+sxiyIqJ/9NmnDftvCNW6
+wVOqyJjGI72XisNnnFcKe8bz7dh9U/AGfvEcuMmHZBUj0/KN5c7lhmv4GuXYNTzRIyQlZU14833p
+LA/7JREORR7qMBoD81ELyjirHkvo8GqdeYGUgI5kq47jmLz4GAgOadHzr5P95T4mG8GkC4eKlXO3
+D32GOkN+bgZakVlZ6EiIMLcrOqcoWf4ZeOp2duINkWRMCdXt7xVn8q4saC1W6R9awVnvvrlj/R5a
+1Ap+0v8JyviVxbeSNSTEGgtPbBDqRGVS+iDH3ywfns8OtSRubfM91JPbuTN2ovP+zEmzDYnaBkQm
+mnn6ZXs5/CF2Z2H4BFd+Cf9HQDADWzMxOFUCFSxcN3DPc24bmyJdJz21/cKPFTET25jkizamyZxz
+9qnkkbOQbLMuxRzTtvOCbQBLovuxx97rr7g3IkwazUYsACVBQ26M+p5SsOh52WAEm9Q074JgfVtr
+nECWNG+0rWc6gXDOvFgLHJrmj8o2IpcmzNgk8Y27sIHK9RGkDGEr0hobUcLM9U3N7374YMyR7prS
+fFnRWZApIdJvyrPl1R9CkfIdpHLJV/Z0xbuFcJ8X0C4dTtgIHqmDfd3oinfYj4Sm3Bvzrte8D7AX
+0ZWX3dBtuuXVlgS+057mZ5ZaP60ueAO0vLjhy0pJ0fgWzSbenJhPYB+57xqwGVJ9YdNAWlghUep6
+qjtiavTIbdno0wV1H7e8tSEesY59v5kNfXOsGX6aobqrgVPLRJtol1y9Fjd+65zfRcaujyXvmQBy
+isvO+pG5SCe9JNz3o/crLlkAkGmf19Dab0MeoFlfJBl0q5asvmb6Ts0Z9aaC7mqzncGfjNkugdQ6
+X2Uk/RnpgQge7cqJN1ts5Sxm0r4Nz5DlLm9laL9ntt1uXcksn0QBf3enXfZYNX8Nii41IG1KMLra
+7MAuz3zYwn0mF+bIpf45Q/c7xaCpq+aG9FGer/ShGUDXvb8VrHCiefNpyiEm1UVjP7Eqlh0s+IZm
+FEtyGn4G7pNLWmCTZBjME4ZLEU6Y9CDR6+7COamoK+vPAFosmpJ0A+3yDxnEns6LNmkEDghv/hAs
+JtwG4CwE7n8byrp3CaiUk5tPpOngiff5+F136gdA2odn5v6Vh8ZYfpNcYjbudxWUev7LtTWXrLld
+Q+8zYos0y67va0g14H/EDZgYIjQy5LIjw8X4x1ogepCXbk2PlWGrfF+UdycUNESNnBGzNfnF8xNv
+69Y0OYewAr8o5m1dcJShheutKgpe2KnJkyLOwzIm8LrcACVvjtk/AWPgVFKvi7Uuu7hYT+nqsgND
+eGLP7fpcpCTyQnYl7lduJlBVzaVb68PITu49mIIZTYFeyRpbkV5xlKydu7fa6m9GNDlYp3vPxuL9
+SCw98iaSrPNoE1GaJogom/dlYvfnBvX9nuJnYjbsA1WJNT25zXMRu4zYXCLujAKjYirZGAEiRHKU
+amRsyaVmiYNwwzWSaChRhaRoiOCXSVMmYH6THSkgzFd4rttaF+5RzozVkswLD2Hzgqh7wvGaEyem
+rMW+iPDakvq6tWreyDrO3JVMr+cBluxmvfz3hUCX/f//5WBxmiSVdl96T3FPUmdA4ZTW3L7I+LMy
+u5+6m3Cml4Hv8Wg7Q3pKC7we9GEebpq5D69jBMW8qQmz5IZcKjgUiA5pTjj2taZ7SvTJekFpWh/b
+VU0RPlN+JN/DAp3IU5j6v+wABgH64mbyK4ymqaIkc+iQJLvasp+p01hHgBTZwM2JJeA5DaZr0LY4
+XUVJvG/wjxMJsM2KcSHjLN3alSYPQ14/a01oxnaugZRPK9URu0LG9orcEB5FBQ9Hp0NLNoVcvcNQ
+VGe4qV1gSfx5E233sV0xsrDT8VhqmTnoj1dzlHXBd87l79z51ZHdhmCBkRtMT7Hvb2YRNx9WPsF0
+YGhGk/FbWeUtMCVThDDDbjBUR8ZC+d1LHNS1C097kwoOv4FM6pow2GVqfmw7tz2F3DPx26bMKsiX
+0ibl5V2VF1om5rmomvEe50LxZDU5qxuaCVlI1uzF6pzD0Qnvjjno5xSFZwsokqwzpEBGwMWWZpQU
+jriQYhzIaopgixo9iPCAETGzSjqBQJCLVM6um1HrOYs3wXnb63Fmw0ZpZvlJ8K6rPFR5vt+k1zCk
+M8YnOj6y+ePbt9tjBy34ZA02Q4KVaFbgmPvRsw6jaGlUe4veIwGyVFrBqfVD7saZsUetOhxLHCVY
+wab2LEfeSXN9zSWtF298OExQngoo+qijc8AuosU+UmQ5cK1IERIEF9dwDV78rqvvtbYLkG24LvzU
+P1L6QI5jdgfbDMJo9ZENewoAxuR6l37IMg3vPp9hTnq/2DWxzTAPKKhGRfQYHeurLDt0rePwmmT9
+cq9dyaw6pm7oHYwRfjkxPQ+g/pf+nDSW2lZuKO65jVN2lA2p2LLhYyrwec9YfuBrJkFKRbkdnygn
+W7kjpvsxjcunxUepK0fDOolqCi6hSKCD4mcXtOG16oMPgV/jbPvlrcrq7q0yTeviBOuHuwycGhCO
+O3TDtNDiPr0TQK25Y9bDfuB2eWFxNVZgPzzOTvjb9EznhwrXJ9Q+7a+UqF+MmVkEjhvZhCVuPSwK
+Lo8p26KOl6y8KL8W3mQO1mXtOVw99cnA+TN38mpPoGuflEtFhDPmZTwz7eH+8y9o6VOKRD7wnXDC
+psOjk+iyVcAqaPCLmAgXoxUX+5mq8NA5c5KfTGugxkLwRP9XbBDymPt8Vu9cbrwThDouiyQu6Bgb
+Jmbzm6L5FAws5RhHpvqVoEGYLsnVZWHzwbHOiHfZYmEs57zs5x3D7gUh7zUtOvlIO+LeLEjb18aI
+PCSk78z9cEIi0BgHMk8PuTTDtXXTflvOaBLD8X1ySe4QgBmrnMOtSP9x+JBT6orvxHfMi31KiGLz
+LbPymqRI0NCoEvUy71Xx3Wbe77abBSmXo5jMd8cqtkm+ukfyeP5NGOoCdFZ+7TqEEB98dP1N8Y3L
+Nv8ppmY/1/wUiz3Zr14WoOXH1wNKatrRlNbxw0Act2ltTtPSstxjz8d3iB3CdWgHT9wg3qRn52Ar
+Q4HBWXnXbC1JiARFd8gy4vwL/pKXvPi00neDlmfCbOXFNttfso2RNayOz6OPlwdRzW72XX/HBSI7
+uKULRu039D5Uh1dpSZz9rN9atn4IE1zjpDmKmiKqrK/DEFC3V527nYHMIgcIKGd5wZ2FyjsnGZZz
+K9dDOyKL6quFZBcf6b6RZ4+d5KhW6oeZ58mFiZiRD0+SJUsvnsKI1iCVopkrIP5S5hKre9cTr/t/
+/0u0HATUqFk0M1WxtDSOwdhPYMuU3Ahtj769BaDFahW/Gxwzr6J2XoU1vCqnTq60p766tVFntj0Q
+8Wqb/hAbxVVO8b3vih2RAPLzdcDWId+m1J3L4dHbv5K6F29oxjqYQxM6hKEJgZU8eCoLO9gl5OB3
+CCP3deBUG0ZG9YMODVUCRMW2dXPtIYn7J5UYP5ixs++uUO1xWiRRBAM3UJprPm++JvwSPRcGMra4
+75Q9RhPDfO0Gv93H9nIflWxBRWNjJw1EO4ubljfXJjdrYa8xPO4OU9kceoMP11KKb0yz9jVsmw9J
+1OsSDO2/eF6aQ5sUxd1JQJyIIVbbIrcDgsR8mcIcO6i0X9fSa+7VgieL9d/k9V3w9IFNnJNt7DmP
+dpOHuq1R7cNK4vnsevF7FlY9MmC8ZYjP02MPJudV+Q+HNsyGRT4M7PWdrmClYzRmKTVA07AmLe13
+6TCJHSaG32SjjpNZYtctk5++gUKgY9OfyTVdNIGNkEB8douL2IDLf8A/ndc5I6Aa8ByIKQWmZKhC
+ZWsn+UUpWgODTwkUs82V0WbK/GB97bnPRGPr0a9oA5yp4jQjNNukQFtYfwZ6iQFtdQ69RdKvIaFY
+mnz36bgwL+12PFcGPs+Nq+QLu0ySb3y7RDhwKLjGXbGvYsNBvm7HcoXrghAyDac9cq4f5y79hHhf
+T1N/mDMv/egceqk53vyINg/m8SQePzlyItGs/A38lf0R3SuFVv4m5u46OAI0CsvaCWwXEqbrvw0z
+Nh8ZSQocw/1xTSqY8iIZH9TqrwxkshdXIGcvug4DKTp12Cbzc63R/eD6ZBg0Wf8qsyzPeWx/GkAH
+AmNCkm5lZiZIT8x8Hze871pWkVXC/m1IynmnWaY37q/pPmWrkAOGtYWr4NwPKCO9fHkwOofKt1Bm
+ND3xjsWZv9hJ9sC4R37SDNKd0+bBOcXxM02000kVb1zixTvbJGKc4P+L+VXtVwV2mBn41JTgxG5G
+sEDfVoI1ccz5ksHZ1jIdjrxp+diSLasXx3ow37axoAc496cch2DDkyozJTc5V34WeVzGjDUudfC7
+cOJ533Hs32gr8Mxw1dv4qwaElPu+NPF9Tez4TEOBw9+mv2mRRHDH3obVR8/NQfao6i64FcComowq
+65zNVUn22tdsJiuUf+ZN+Hty85MaE7Xva7FvjAU9UP85qL44+Z3g3losJ3tqgu3SjPhVnXLZoB1n
+INiJLbqIL0A6jgSMvGA59WkW9UcXYjYVwyE0jZ/22v8c6wbFGjnyrZQBazOcP66B8ChkHl9E/MDM
+uDXFktvL85AQHUjZgqPUvRlvVsEQlTkfSVswRJ75kuFRm7TPtUVlUvh+uYWeeuZkmk65w1yo/265
+5W1sI0452mW66YG3vQGYcZbgtRP3hgi9E81YM3sJaKzbZv/mrROuL+mOF57L/m3K5m6HKrrZW+Vl
+csPhkDXGT89hMOIgaz+bJC3CAaKq8yk8wkEPoOrIKUci1H51qcj1NiWbzWi6sxBmdrZFOmMIUlRr
+rU3Gku+6pySmdsuLn7jG+PgioXHGKdkW/sOFvFMLu+6GNorN/tRyt7bLM4PNd8+d33Cqw1QPNFkz
+bhC52pZovBjbvrVxAWAx/smL8JyrDD5XmuR6hHOjhch/LjZ+pml/mWPzKW+JIyh8o8eObFyEAv1t
+GhjwMbfHSbY2c2TXwn9qy3qfMLTamQCden3ZwGCKUq1BBbHFsA1XKBSxNWtKmY464+lCqPjTCLzD
+VN7MuPZBsk1MUAvGyUbu59npwTJpHuPwzWMWETl2uAuGKflBBKZZ0sccjPugIQNWVM9Y30HlDYeJ
+3hK8irE/V8DTp6CbyGh6Djburtm65srK2tX1MPW5rAoR9UvjEtQXaDB+2TiMpsx1D0m8OIc1r4hU
+UYZHnoZnbbcdnkJ4K8Utfh7K+ZSP07krmuQeAO4wb4BlEo4l77NkErwQnU2mgB/LAdPrqdmFvVBa
+zOabgwD+xGsPR5abphurmbBLDwaKouQI+tkBtBYmahT3pEIJR2VjCfCd+Ev0bKBR28aZPSAYo3pz
+MC+vxoKdJMx75EZWd1uHFiFEyMCFdUy/QIy4anajsRuc8StMk2HDarz0LCwkjV3I5pmBu14B7koY
+RVt2y2beqfHNpIS84M9nYOerbzko+s/19AX/REe9rgj7ggRvGGJ+pZBb17DJ2k3psiTPlvL5vy/8
+/fm2cu8PK4bCqHPzYc95dKpxHtyR0CqSeLu5kMY2a+r12K9c9yC9dhQNy0e2Vl+8BvazquZ3z/PO
+Ibeyy1QklIKIT824emVZjnNgvdNTzAgxB2y9w8Rj6fAq5xayMvrA2hDGxzKEKpuy81BIpLq0INiR
+oo5LP+o2A970NUm9reFKCdmJyDJscYuh8vBkvnHdmp6SJJoBAmnRfIWTXEU7IxSTb+FA2JmhrPFq
+ewOuoHlsDxPphkcw82BaVQz579nV0etyIm16VG+vzQ4Fc7MH6fuyOm+C5LAatmuZLKwJq+A6F4Z/
+RZaXRPnKjk1j6oerv5IEGuc03IfTOSG0x0aC/okg+J8Rr9OtMMlB090rt0aCXJQhFw18w46qIf9S
+Tds9Exw/+s6qHnbBdEaN/bDj9vO0fDhsnSRzFnxjY0O2XttHn4vbyZ+99EWVt8Ij+pzPglWQWXwq
+ctSFo63ktewC2rCeTnMYRcAZQneAdZP05aeEyPXizRfWswOjAGsyYl7v/Wqs59lJX8VQ1gffCtXe
+9AtzO6c1wju3645ogBfQROfQpuhkCameJPZbfQJbqfXGTuLgYDOKpxuW9Hu7SP4y53mIUvqnApvO
+vq3XX5ycPPKmnpzOtFRHh5dxSxPKNk4jbVtY/YwlOuVxJJL2tlJU89fotp4my7qaX2MY+BA6QWte
+BStwmTV6J4vk2eO/L7B1X36exxx5ybxtiZXQSeb/pt7kHxsjp4+erefSS5OndOqewIOWCzU7Larw
+t73WoBBOx+0Lf9slQ0TTVkHUL4X7PNcMmVeLFUGj+K2G3jjTc33vAzKlFGhProNaa3XHGSrJZUV8
+Fv6c4p7NFsOvxGV76hAXHz3pN2h+Pj62FVafM3hN4jrLT4tVkcIs2WjhJQyDXe613VhccyR+C4tl
+nYFBNzF4A6aYK0viq/leiMY961TSirSNHDvLyXHEJpFZ9OkVJmGPVtffGDM336xFCSS4EQVeelu4
+NUcGMf7YtOjVDQ80jtxaBE938KVspByLHG7JbP4hUQ8rWqbUBOWpdwuFRRMwo18wbLmsiUr/x96Z
+7EaOZNv2VwpvzoKxNXLwBtfpjVyNSy65IlyaEFJIzr7v+fVvmcfDRWZlIQt3ficFZGWGgmJjduyc
+vdd+LKC/0D3C888avjbTqNsB5acUlXCgZwee0kwxOaWkAek7o5jTNTVTC1UVmQNqdpNDddUSqMbc
+/cOqAZ4tubhU87DTxlM0hk/BiIbJUR6aYWZvqpLwqW8s7XHUwuhhsgOEhF3CWS/sV1lP4oFtR9Vj
+IoCAOO+NsDQsiYa6r9Gud6v3a5cGodfwQIbREyqD+YY8WIeCUn/0ojC+H6qfmoqjHD13n6iAyoCa
+slGRlXwFKk2nxuIW4UhIk/sZDs+RNM03V0VeLljNsT+77NYqENNwiMb0VEimSTv/gVb3yQyaEID9
+ROmrQjWRGrgHUIMZLax1EBG8aViA0BYirhFx3l2n9U3QiHWOT2xbhlbxEJYt8iYj39e5ThpV00xP
+8cjag7oMDDD6kzEhxLPL0mivT5GyRyrEJzn2+4o4kV2dgjrOqvGhdevAdzRUr6jQnqoqYUmT3UuV
+D2SN1sF5CZCc1aFdrfDmKWPoZtAY1BsF/peg/SHT+At+JqrNyLrNE466CAnU6SO2kbc492md6ps0
+zhMMYuYzjYEWBnv1UY7BZTDHc9/sNd19mSd8IpCnX0IT8Q6ntV822l050WGhk1mtRcq/h4j1MLbL
+PssG0hbSm/Cx0yyTqR8f8+jOSEOWl/IR1f6482Kmw6gz2AlCyrDeFG9hxa8IVn9FK2VaDUE0rUpr
+qrkvOpeMJjR2RpJWDA0flZe8EEZUdTa83MGzN1kyIUxSDkAAPcJv2vY4JiAcp2fiVD+z3vnOk/Fn
+KNEhRDF6+k6sK7K6V5zPJSz4WDh0B1xD9wuoxH2sH2KLm77oy1cbKQx6dgkS8ImIH34KdG4l0Y+C
+DAZPSJ3VJ36GWJpu6rEYd2OA58GN+WBKYhID4jIAfWBGURlV2KZ26h6IgV+rlJAWmdJWyILKiW9e
+/RrRRa+Y1iuWSTMO4O6KdJdpyDy9LDiMS+xsuo46aSwB+8tZk7hMViLkj8P2G9dlTlzyWHTlXpvr
+TWLUGxmTKmHmDOvKSX6NKVz+rFputSWTCLJTB/QxCR1W8upZY0EHm6mQS0jUbafn+z4hhXiwaoDl
+AApXjQzzfWqMNjP0+tyAShMtnNykDjdTADF30pdzSS8iEOpMl0TVmjWydS1jK4X8qKaXxLibPOxS
+5gz5swtThImpRvlF+ZRDDYzSqn9o9YtV4LFFbSTWOmkHgKnDR/hmX47VBuR+2r86eCd+6GIDhVAa
+4MmgEe9FNQLB+UWECYm4jvnSNQUCZXZBo+zFmpNEhHHfYan0ysfSPeVN9sOOecsM9RX0Tvw16gGq
+MwMhMa2Sie+HLiPdqI4mA+tjNCZf1hyfkNFif5mw24IsRxZbPzKR+8xtLrat+9yf+aToO/lza72g
+CM73QZ1yYiyyd7xWz27jiZu0faP7YfocuRhDtKR4Ikmo1rEg7YK26jaLikdj0l+iVBM3JiGavomV
+Ajmu/hNABg7ohQNVWLRPGk3dNfZczL3wn1ZGSAfGtbXHSIyHihEDgdBGuZk12ssGQ22Pk4jPs53Q
+VTabSYibTi9IATzP+H19L1D9m2FiehVJQj8XuWIAuOujkGeZouZjtHJPY3BD6Bn0phj0ls3G4dPe
+YkC1sgPr1U2SX4Rb8pEV9a2rguz5Jh8DrftFyuFJqsdXTs26nfqWYI4LiWvhpp7cfOOic4zspfYL
+HctQHvDzo4amVcBKBl1wW5n2wxIwriRzdEeYiyAp7hhObXWyRgdAYeIvXi7fE28/yOBNMxxoYNCK
+qJAYco1N9KDljrzT6Y7lZi2PZX475GVC0YYtME+Tx6wKsauZ9lroYFlnHTASByPMKZWiW9l0HSxx
+g1LOF5L5LW6IdsNJeqMlEeJ9iiKJakv3ND/v7V3dgEG1ZYcgEfJEkeL2xXYPWiOwoPeG8RedNIY4
+l94BkYNgadv1QMWWynkucBf4kobIyurktkWJsrEEb0fV5Js5ZO7Fd1Jsse+sasreFTMHJDBEIJCj
+ByNzrJCmG/EZ+W7klwvnfBE6x3GW64Gf4qdkR9GcAL04JfzScYJiFQa5V5CMqMV84T18Vz9ou7uw
+Yloyt6640R3uNLU1x5+uvU/M6Caa5e2EZWRtLuyztAz93hCEx3FY8YVBWHfg5ODkwZmuiw5PB07U
+7eS2HXWD9gMcq71h7JjubNfWt2yE9a1TPMPmHLdxk6DvEskrs28lEsHaU8zJtKp1r91MaWwhcnSe
+B6+4Qd5DG1+y85keyrAqwYYefUU2OFpBtTdO0S9uhVinLIA+PnCyPpIK92JAB7VyUH6oj6bJ+08d
+8PCw+JBlIRgks5LtBwvtvOhYQ1b2l1pn2YOXMhluulvGHiw0wQJdSNe105tN5N1ZfeQcBS8vgm1Q
+TSApGWxrMzVX3azdLrGZfW+ivH4ng818olzdzqVtUwnb6K7wFVdOhaoba/rOBWkmPe2EL4QJ9RTf
+Z4PxpqkYzoGidJV609rF7TUP5R49ycvoMCPu4dz5M+EWACcqyh1TkaqtH33SvYNI3+LVGXh16g83
+Cl7ByJh7Uzc/ett7mvIhgFLH5359ndV7XaeMwi27GbakIlDfhvOK2Xa7KZtdwlFKHW5pd2JUUyng
+PylB36KYmG6RfC0TO3uO33OdvC5e/6A6mRRTDtaiPmVwv7CH2j3/A4+LDN6paJEy0muiviY/seWu
+S9fHUxD6Uz2eJ91F0hUF52AcSbDMQxv1onjhPEpUn16skfKGG6/n4XcT5Gkve9OIB91aEZM7b5pI
+oJmWAgj68tMburcymM5ThOOiroJvI+gxXJhMG8KKS66Zv636ut7xmhA8aT1WczRvwNCRzxxQXoxY
+kuBCQA+wqHp74AghSYK+HfNadzUa/izNGZXjPYTzg+1udoenEXtuzT7UTaiKQZDxvvFHphxmjKjF
+6VoTMKXNOI9ydG08thXO1BRtNj+KyNHIlx2eXFQXsLcEnC5GexnfYappz5NO2eshAe8KZ9rRvC99
+MmJ4X53A3rjCYVvIuFshgznoolgPNsN31Exi1xLoh0xj3l135TKa69XcQMaYkXIsRbDDcJr4emme
+NLd8QA9EaWnD/aLyrRjqXHfHMB/ocTsU+zS57Y1uNO+tC+HZZnnIKfQAcdzCnMZLhUAnjvOvOCB0
+lcjglyFmMdJb8Q4RAf5uS9ioicmPUcj1ZphB8MWh9Lova0kj+cgBQSawaF1ykFWJVroQMJgW7lM9
+3kWEce36aSHZ0Z7OhjY+iF53nxORrXt70B5Si/VoabH3qlpXY/mIyPFMgCyDNxFnZ2KT78lf00dO
+6NUNYOnWD5xQ215P5MYAza7L9MfrPyElggdAoeuCaXGcqd2WFZUFsQVdJram0dR84Z1PJuRtUPep
+r4HG9gN7PM2SlOxrnTenxs6zl2pPyxZVpkSRaJdbt654KAF1rF71z0AUn0hZ/UJ1DWwl10ipo6MC
+E4hNh5E0tnj4jaCGoYBYhw4THEA+/VZVmMm8nJdGMExoyruRInJth3Q74mJfu7i+Y5NPoiXzdtvb
++4SdmQkEqzxyMw7+BOA6DrfHUlUd3nOQ2hYU6alESChA8Kdl9qXpLE7ZoLqhpP4MGu4x7Jy4gGQt
+0V6yxvnXEi8VYt8FLH0QzMXaKdGJmClDQFLsVmaR37qFaCk4fG4JujocDjAC1kXpa1bt7siUtMOB
+KGSeZ1rhN8FtvxksvtTOOroeGbQTYlHOq9q6FZweOk4ERRO2ICu6HYKQL8uupe+9EulyDiPKkDxg
+oZpD7xm762MEe6Tvy9nHJ+hPBnV2b6qyP2CuSohTUMsfCcimlFBcKLi+7WovZk3drtmULnbEvbFT
+907HJtmN1LgwnyJ/slQb0Xzm6zh0IF02BmYkdub9XNHMR3G3bgFHILdC7E9RuBWlW661JGfA58nn
+2s4sdfiFe4uM8cmG4l042T5P0/dQ728ZOp/Lilo+hGVsko+1DYHip8PUXVdH1+ZF6JqndARTPNCB
+XzekBWouSVPxapgHuqcNBbnmJl9aiOVZ8hUEFLXX78tgYaDTcZfDQmLoRUHQhhv1SdjUjSsvnV7b
+BF255e6ivLvHy8Z74vU85I77NhhspjEpH8gJ6Uk0w00eOb/alMp6GbsnMap2UsRLm1Xx13WHrTXu
+ApN3qBK2qqunGk7KsPySleVPrKGICikPschZsfXiQRFHd8ztRUfIca9gUYS79UWjBoQAVvhqYLss
+WsbVQ4kgZrbYzlzeBnILWWmGNicOWm40hlo++y73T1CEodvbOvGAoy132SPUSbNJAQp4WoG2WyfH
+JpJoLUy7YLOE/pTGh7JuOFp1+SWnz4rgs0LFWQRsaB5OENf2MBwzVbDmMynUd4FlHWqD8pwEJGJa
+mBwtDZ9Yyr8eFgvEshufYrvApNCfwVDcBz1T6LGbvwsvOzQVfxB0OKmB4XRLwiBOk2VAb0pxBaql
+3Vh5vtUiQDSIrQDH0UbelJCSLKtEKugwHRBjQWMeR908LK9TPGSkb0C1zz/sTtAxLxhlosybTp59
+iAdbbEcWws0YRh/S422MdXBmNQaqGztNN7xEgFl7jnhpy3Een1mhkIneaN/1XfayWLxWQwwPqu0S
+5/eRNeUoSR/GRZ89pod6Wsh+oKO61GzOVTDjKoY54bNXACpJ/SnAOmamQ4EMF1vd1APNRPphPGLF
+ZtfkRMzH+jO3S5q7I5EgkWUPN1o0iENYR0Q5Lj9c2/DWDVMu7JAcp0UV3fFV/a4/pMt9R/8YrbJL
+Y96x+qVIb5H/k75n88uaVUYhYexdDu6R0yz7qcIFpC8lisQ20tYZeYmAlGS7m2Mewhi4P9AYTGwA
+84vdqPnvLLfLkgBWlicxcrrN3YJ72HZwjMgCjWvzUrthComCtSk2PgH08XFh46N7to+JjHGNqj9h
+QPGeAwosi4/nuknROOCR9jPRowSPg633FwsZQAMeTY6/WleKm6kU1PpCfiP0euBz7rfARlap2dMK
+izWPFjZp3iCoKV85MsVtyJimbModluDXKtagn5eGsWk5dPmxdKd93LS8cxVJspFu6WQDMZNAIPqE
+R6zkDFozdGVfavrc3RFP0N/15rwXrdc8hsT+rFFp7aamiR9kMLPaG2z6UlrWhrab54tEhzY3ss1n
+hMgxmMrDbdfQ6hnthpF4grFymkjJw05JMoqU6cHgRBiUYncFTv4vm/M0V9//9/98fOX0FHm5mvhX
+90fGpgSqqVvm39E5/6v4+sg/in98FF//OMS/ys+P5h8A5vjH9t/+pN+8Ts/8p2cL4TnQOk2pC++/
+eZ2e8U9DOCCxLQ8ntC1doJz/n9epm//k/zE8DzKfJYWh2//N63T+KVGeOJ4LIgGYJT/3f8LrNBSN
+8w+0Tpf5mhRcmc6VwQflp/2J1tm2Nc2OeGp2bqb9AHZ9k9j5J0w6sjCk5JsgcJ2GRd9BUog+K2cT
+gFOERndreEhq0ZsYAO1yBmm9kxorzen9OS6hANvHRROe31mp4ePCuXFnY6Mv0R2xKNFvmiyQ1/C7
+fPp9rf8o+vyJjmKnEKLGX38F1/SEZzuSOwba7s+/gskUWYAk41fIA+oyzdvLLvpMHfsYRmRCOhES
++EiLP8lKXNNcHwjlXKUO4/c/vAz/7jp4kP96K7kOyyR/nCft2fLP10FtULkjCXG7pjdezGa6MZeJ
+NBA2C9gEe+jCflRXzL4I4PZbG6+jx9y+RmSRWeaTV7c3f389vCJ/uRzHNYVu2cKBqgcN9o8cVoBR
+IL/yDJ1Rz5HU0+Wpj9jO6uL+7/8eT/2gf3mFXABy/DWW9DzD/Jff21nofABHBBAXp596/cYZSADA
+HgVBGAjDqd89w94bjL6NCI+GS9YXYgsgDpmMv6rcvUWDoWitfjSYTxzVbhYGvi0SlTq2jxFHNjr3
+NonU5wURcLccnA5ZxQxXjg4adll8YYGrbSys1dhM3wfDpUKfeRMEe6E1oUJoE9S0cXIZyrjdc+gh
+9ov6OiWBphE8CyvQWsRRGuBL4WIT7c8zxRM9INCdtXU0DX3iJANAvYg/u7Gj22PESK+6vSnkK5KH
+l7hCR1gw4+UQh/QcrqF63aKAXwE/xRHEjJdrJ9GgLTE8k45+fAR0X6wCYRzDQnNXFh4w0px4TIYE
+f5Bb9+3y0xjsyl9Gix8CPnXVptDGwa34lcFJzrVuAPoQAtSmlzanjyURhfbVGRfASbMA+Flaeq8t
+zsHuk4uHbtN1jF3RxZ9//+x1Fsh/efYsAziHhO5YwrJc9RL+AfYrMcZlYVxXtO68XdltW4Yvq07F
+UdUUk4hXOdSWziEw6EpbEZ14pJv0LTQOpjI4/f3FmO5fLoba1XEk2lnjuqL++WLA08qKuHKgKLMF
+5hO1kW7wBZpS/DBM7XZ0Rw3zZfNgjhzkQ+gEeDVNOKkCYkzIua9znXDT9kLzE+SMfaIxFFlmY22h
+GhpsHgRV2XcGWqaNnM8qrE62ZH0xdYMGSjfuwoxI7npEEOvwDAsAYKRrvpcRqtCiR6mHpGNfmjbS
+K2HRwEr/08Mw//ohWo7uSs/lg/ccwMN//v0FeIRhZha665GNroqkOdqcqOmUypNJFw2BcoqkZ6CO
+ysdbcqVpedBkkw2NVydjeGYnN2HnrezkJZdYt0rOpEg4E6ZK7l7WkNZuxzREqeC1AAGc/XWl761p
+W9r3UiUO2Dq3o22805w+u0b+CSsddh/6Fs88SEueUoJ7dCf4D+uPLv762B3DNBwbu4JnW556R//w
+DuIO1UQDGmM3YlelyOdKGJNzgqeTZzSg7RqnYitCrSkivjPNyoz/cAl/Xfktx7AMz6FXpAtQEX++
+gt7Ig7H3GrLj4Ob50LDwusSouv/+/f43r7fDYkOjSvBLsqb/+W8psgqaXU2Sw9iNONON8nH+Qe42
+TbrdME/jrgmi//R5A238NzfX8qRhGORPY0z+l3eKkZSUUTJkOxgVl7rOLg5nI9KlUN7SR6M5Afso
+KJdfTTjsHJV/HeKf5j+YdOaZJC+N7VrmvIRaHH7WmtxAoNx5LWteEQYnLF8XDBEHojxKkmTp7bEr
+t5LlOKQtOGkfdtHjPp3QD6UpmicNkELe2drGNLrzrDdIVWyYpyFmw7rnw3Kzl1KH/HJd1s2CeFFa
+yug55AE0ymUZl5M9c4nx2LuoeuLjPD00EJ9CJiOG3ZDdy/cxUufAk1AUbnxnupVvGHKI7L2k8Smm
+oPRtnXSccm7OAJgPY1o/l2Shq0Ru5fBf6CPYtAPjC86HYkVy2uW6K86cUU2tOpNPqaZO8WpeNOZn
+zNAxxZlHAkQ10Fre0xj3iNjsdVc9h0S7r6HKUH95mcGmkd8IfOSG0f6YOvY4o0L0D2TiM1/iTzsx
+j87Am6977BCNfUnt+DMXERQAiEfzbdvoz2PwIzC5t0XyHFR0xkl750zOWCBqxCZgWE8H4vczCSGZ
+a9Oyzch9HSgaWsM69mVrriC46x1N4XTw+MjU5x549HuqoURNkH1er8BaiP5UCebNezfCiDVLwEX8
++ngETqoguK5JWpfeC2keo8r96LCpe20J+ka2Z03PzdUDG91ZL+DwFKBUff2ZPsh4CJpun8bx7c8K
+tTkbXAMkqkwbToQtGHTeAQ77qr9Ox4T0C19vCkZaVKmhfO+fi4kb2RgyXWcjt0u4jBqY2Zp1bdBP
+LyrfZmQD0sbVeX2deIY7UFVYTJUAHFAbcYvr0cajHbsPHXFqzHOzT7hLJ/bmT/WEZZZcZppwTmXf
+Rd4O6ggnuZzbmXOnwq57xjnwHUT0ehBobEYzuy8rew+cgb3HZWuxJyKqYyoAi32hJnm0RNlmtF8z
+nE5PpwYiWX2bI1RUb9ESphcraDy49zzPOv1ppsXBdjFoh4oO34M2CxqcWbzHNDwMkhh5G0yLF9Ku
+nRhHoLZeaDAMaXRJJb+lGWf3QoFMQgiLbvWj7qLSj9XXEOtcPoYmOo9VsBsN97Y+gNL5qYETUFoe
+kk5Mbqx0cIWNc3pZrG9PNjfU5LtAFp99b+6uT3TMy28gw21fKZ3DY6kT3OLB+if5hg5qN9s3ZQ5O
+vhLuXi0yeYsjIJLebe9SDubphfQ2D13b3MKj54panc5cmZ3jJWTKiEuvGujMFWbwiOPoMHfLm12b
+L3pNwREnxGfCTUFWnu4DmW7p2TArrnjMrpF8thOvtQkUpuhQLqdq9ZiH9KKF2qmR026ZQOTOMryA
+tj9en7ciLQ5jIOkraFjFpuXInBED4fCY0TmwzXk7JRCCpiC8lB4/u4ioxtRCN1f82Ki8L6LmgGJ3
+G6WqBF7yT8JWGfcVH8EiKEuCIVj1HiMMILvJykkW4n0TeRSdfW6NbLsk0acsunPSsLJObLAOXNcA
+iTdLYUwQrDzNhnuaAhNpHSMGyyhJ9zYfQ2BMK2dKLlX5tYiKCDpTHnS1RC1WeMGmR7iA3dFHZE2Z
+wZX5M8W5HyD7xXIbYaP6cgM+TDtkmZGsHb9fyTn7JLHnUGLrTFmE9I41rULKCVj3Ag+B5amYtl3r
+re2GDBeF39ZzsLNcYOXxN1bQpVeBhZldrVx2Y99XXnGaF+eHXu5PWKI2uUkMG7DmtT2oPQRgjM/q
+ZUQUmWM9v14/avhkHDg1/moCCkzIQcOLHlc4f/jlWsESl7a8MdlXPqfRxsHMinqbwYDQtI0OxoVE
+PjGwYbm3GVpE7By7601o2uw200j67sL+pUgB6zslxUXA7544wY2FNCjMDCWOI88MV84yjM7KsbjL
+y+ICPx/0O4Q6KlU6epni6auuJm+L6C5qPG0d0vj2ERi+hC4Pjela7bfiUb0gncvKvtRyr5ZiMtN5
+07u3LHgFj0gWoMZ2kTr6kVkDoIfOewMG4jGph7aU/pggXuRs0pNh3+Rd/q523CE4WTFYg2o+0rQ9
+smSkiJy5yFzYx35CjaW/mo73gQNxp96OfrSOBBkfgjrhteTzbOxfmjX8IOqYqN+BX75Acu8n0FVW
+XQaRz3F4Q06N3lEcT9mNPRt3tCyYMSycrhjlMh0ev4VlHtUKRIds2RIpvELjPfh2PQkf8gvqBWTv
+DvhBFBf31xouQ+fiAOq4XqVML4bNquUwZamBHK5QikJhd5IL7EQ/kCYB7ZryKTndOuc85MfOQlON
+YVQ5PYg03E+2rXhmxrrKu69CByT5HFX6Ux97JzfhtZJSnoqIND9b2xkGExdXwMwo1SOHfc8lm615
+rLvsos/hJSnas1qriy73GTyd0rjaTtG4VxtwlYh9mfX3UYaCOGwNv7chvdsJAj6iaeP+PIbb0srP
+ce8cktg5qCrmWq6m7C4Gzr0pYDtoJk5P13W31Q59YLzOWgy6D9wZ73bEJ4jxpugfKqEf65i115ph
+Ogj2LBN9NiWgU8rDJPlBqWkf54YIElIN1RKmjtNqIZKOcbxuWaoumzoaEV2wJ4rkjrkUnAgTPERC
+OjqvQSvoOOqFqlTKmlOxtnJaVAQWK3WpN2c3Hr674PW6dzvcROiDF5xbnwAP8Hvk8qi3e88bvxrB
+x37de9EdGSjS3FOJEpeJj+fn3khziJUQUCbw9qB/ELbUwAqAYQE9AD/cOU1KwmVl072BLU1x646h
+8vn0jQt/qVoeE53hmDznJiGTOloV7B6EtD4Wv8/rCKWQPjZG96Lsx/ZS3qcRjngU4Zx0uE2OOrqI
+aW101auel5feq8/64p3yeRNPnBEh1WVrQqq4Xt+x2THy5owNO3XEIQ/y+26MLiRTvJPwHiELroGo
+ABPIoT6mXDVlXQT8aTOMLEEoDCRJiCv8iWyqoC87ZHke1iq+Je5QymBiygOipVjmtHjRN7EFoZ7V
+rfQExxnNOuYuSJK6/A4W4Ca2JEdb/elrOXj96zLFA2yLjH3YPOpNsDGmuoYH19+YgRpXzjw5ix9I
+Mu/LtLDURJXBtuZSbLsclCos47wOI+I7Ruwxz6PiWyaHoPKv9eEyo4l2gS6YHqcb9Rm0SXOOC3aG
+NCrI1uZi6ubQVTn6BtUDCNWezpfTMcFVNJa3Ec5JhirYN3C+r8pWcLlys4y8Yv00syggU1nVSQv2
+kg2FrycZUDSFESsPfOuWc7YfzO2to+oNQ4EskwqYOvrYBAe19dbzjqgtLLVPBBKco0hzcR7r3UY4
+zndiavs04lo79VkGRniPD/6Rxj4vH0FjjOA+zYgTpJjSz+v3xzf+CYoICUT6WgzOSfVrEKEcDJEf
+9MpaS1UAw4i8jCG1r1O9ulNKQczdxJT+ZpjkN9Ztc25Nc0MK45u0uBrYzx4NJBSpiCet5MucsCR3
+XvOu0zNaual1TOosXRdbCfgSIgAxLYba2OvB5eAQHrL2pSMQBjogI4pkPli23CaY+G5CwwDGOeoP
+vdWla9EQwms6X4Oe4/STBKhqJINtzCp8RarIK2iDUsI+DN/ByJCWLNoxVQ7AZfyedObhSd2pOfR3
+hv9kJQsWaryNW7Nmw3YMGfhaIpmgYqmyyf5gRwetpmnDvixKImdq8mISzJhaB0UVC4afHidk5v3M
+Bbpxu8vcmJG6xakpnuKLg5CiB0kV2bWCbhXrqJ+8fdi7C40XsSX3k8W9C+HdBkA5+n7BajdT6SI9
+cstkTZsTik3VvZhCc5ixVfkKZ1QDkDe8h9Pd78ZU/xnrUe4LS2fUq9E1S0u0sqmEE5Z4i8tCEpKq
+tIibMFNEK1ypE++HHt3LofpmPZ/gtWzESDwO2ObbrCZZllfhZajwTWLni1eFjmEBVz3f1cB4dDaY
+91ZnPF13jYEQRWTDs8BgmJi4tNValyI/Qm6yB4eK2LDHbmNiWlhw3zH/v/acfOGFnyl7RD26yD09
+8gnovFOxBwQpwZBbkenVkygSE59AFDntc7ANkPkr1jyvdDiqcv7IcexFnSUQy1bg/fQ4XTu4FNcD
+5rdIFa197cHMCA+Q04mPw+vpF8jIYVckm6mAnNMgcsFnjeypVSRI+TB44tIN+a4V/cCaS05LRJ7i
+Su8jQD7Wch6M5nsop8euEGAYsNd3NDE5VTC7JbVpGxKbAWyfit+Q1r5joSXpl6SQvqIwckTr0zVC
+jB3158Esh1XK7Azo522lNwk0ZCtYRwTVUanjaLd0riBaCujPAZRTO0CekZ0GMz3p7WOsNxEGct3b
+hgQlluj1TG04W1XxFJn8gISIMS0kQGIigIRO4q9KjkDW51+OPoPVQZyr6VHBzIArgozyVublVqMA
+AIWbPMBKuTU6Rgqdy8nXq2A9OHp+kyQWGkt6Duu8fK908ZIsKU6UWTvlUFcTOwV5m36SIXqca+eI
+F/ZY2RTIYl42pHUwhXSeNOTHaBkxlLsxko1+q7uUPUU73Bnjz5yzpLIBMLK8c3rv3bifUzbZAZ+c
+jO50vf9xrYjUyj1jAU1y47Fy2DW6IrnPZYh+gVTKUHtsZEvGcjn8SHvtg0AeuIhV9p50qmXc0Szt
+Te+Oi26a4H4qMwJgxX2V1d/RTw5qJ0w69zhnP0XScxCjDRga7Uci0aaNjUFmOlJfyG28P/XelZxZ
+s5keN7ghsSwpb1t86an2+Y699cLQcxVRDPPphoTBYTqwlZKy1bQHzRbBurPkZZzaj1boz3bivuOt
+ogawrRxs4TpMsagT/oZ9KsGHhysk74bugD8DhW2DtVADQlJzjKrPimrEMOFT09nzgRfpjUUiUG7e
+eKo6RRyjOlGcD8ruBjDig6eGE9cnq9HCwNOBMhKmMqIeBD1kC686gY7IYwpfsPYjieFjYjMHKZ3h
+Jli1zO1WciIks4e4iXzK4CbQMFaTF9WRj9IDeRhv5HWzAybf6YI+BEAIpyBlqovlu+oKu6ogSSN5
+uk4QbK9q0cWoqirHeZ19ppwMgt74eDOc8LOgCjQHFVqEF4QhcvRprKfe+pkNHIWMkCeiB9/6mK88
+ZzgnLpfjzfLUcJhOi+EYoXjeRIP2HeGbWpnJzUKZqO7U4Ipji+Z9xTuKcMHR6fiqJoRZ9j8NF5xl
+9BkZOzDrKO6mA3XYBZXEMRqWQ71k2w6jsa95FMDhCDtc2+o6V2j3HiSTRTXQOIDQbP7E42f4jPUO
+4TSWmzC8E8bMSTjhD16HdvoHftFFbfjnhJLaDalXQ+2NI8gtUjuMP5/QMk9jwztfp026SsAV5PF6
+7CYIlCUR8y0NnSodHlon36nb1mkO5vHbzlOScKZGvysddwxnv8bccN39ce4q/VgEw5WaDOEj9aNn
+EhD8HvXGbf4WOrif5/yeqKbopqgj/fcF5zNSMcPBxzZuGzPbu5DUynGgfFT1Rae2AXBeW5cSAvIb
+VVgffo4iWJi3HrXabNdOxW/XlmC78R+ivGKPNlUZ5sJCbqJTicifDTXm74ZeB4COt097FTRM17x7
+LViD5E5P6bXL7Llrodz0+cAxPUUr3+Ic4z92SwK+IGS0/bNmU9fOOZIYoYPrA/4ouKc0zZFh14h+
+QmDLQo1OiNH4BGby5MYB7X8LWr6r1c+GmmvGaXumT3ieXcoJe35DTnNXOxR90jEPIgU1YGWvc5+s
+C40zWRBAR26jEdDNGwJvonRUd8PIefWHAS01uL1k7hAcZoiI9ICPMBlZkuKQiDQJKlB9pHtjcb4I
+KdJ8UJNIMuFfFhIyZ9M+MQq7hF1LeO3QkfRrH5Cp0gbWzc3vD6HIjkPaPqtjLRTlr1kbbxPXNG8q
+eoOBxZAq5EgWphyvqU1eJzWfUcfh6yTtZ1yyfI7GFO+rePxJVE+xU61LD09yb0U3FrWrdOx0Dfv/
+2HfPIe4fLtu/TuBcz91ZbnpPVOPJMuw1ov4HQgfuAtUCD9V47LoERcoxULBkD815LvnayOo+FWZ3
+j19tyH4a6ln0DuPiONNPMAOglPUDC5u2p7rxScLhsC2Br6EswZvW2TgpWWGGYjDAt+qvES4P8O7f
+eoQTFg7puhHgxzx2BMyzqI3i+Q4KNK4y/iL2y4CJLYxr3KNAcfg3QbPvBCPduHI3TUxttASYgpMa
+M15EJT0n9ckV5n2vQR/iGE7Rw6CdU0d0WZL0QjXHOASCAzOSI84ZPj06YA4S15UmtZsJ9WG1gKbk
+fbgWR706gkxeiU07nBDlcAL5f7ydyXLcyJZtf6Ws5rjlcEdrdl8Nog9GsAn20gRGUiL6vsfX10LU
+tWcSKRPfq0FN0jKlJAkiAPfj5+y9tlN1T3ieB4dtN+Fc4HrDvkNVOvd7tCx6LUGlo8X07svQRWJI
+HJLdksOQUG9liXXrwCe2XF68yLiSMlqX/njZxuy+5xZZZB2Mwfw2T1K7lqsTXJ03g0HDYTNkBObY
+mnU1hTjManVpzpPaED/ifM3nRpnts7a1uezosgh9EenxtbWtFDTAaIAqkFsrH8fK0vU7GnkYeuAn
+DNxT7gnCgBhYgH/X9qSHzXcJVgpab5Xval/SQ9Kc+7nTq0Wsl7Qpd7Uur2nGzG8dxLlX5EH3Gbor
+s2Wr8jr7vsmWXtNfnHdnITnJ1C2frpUCc/YNEDD8iTuwmwTsg38fTf1p8mjh1rIhV9kEYXwYA7ey
+RVPGkWRreFwr+kfOgbRxjYa7heedHr3kSGgap3Dudf79ZzNg+8OMCgGCJI2Cny2seXD2ywCwizq7
+8yPiQuZloIkkAQHZIVbzAb9pnic5F2vcKznYV+eP4TyENUWxQ7lC9amjpA2RbdPNsXTeJBcPigvf
+W4zWNoE+RFDcniV42WgcmM9N68yl9pjc4jXUiOnjgWxtoa3nFgib0g287U2ZDo8EUkAlJQOmLV6M
+jj5uO5csc+N1vEBq/w5VaA8Wnv0l4KeOHNQTY3oklPp0bhDIxn+ARLvNiuD93Cu2dfmDqvfJ9sk8
+KfEFxFm7p4deUu3xksyCF+QDzwWWkVx028pANVAaAzEF9o82ENepMTCoLigu2nBiHBUXp7iB7eLg
+m5JMvRwzOwQ4g1dtzIxPK148E4C7G64aNb8WtLcXpQSI7lKJ1YIN6NzatgHlAmla8gbglEmiFYiz
+763zw5qXRESIoI61+6ymRjR8ui1DwJjBYw65CFGn92gzsVWZzKfit1hHaPH3Z0N+1icglWLAL22E
+AQJxxe+PRpQQqeRzJVuv5sEs0fiucoWcHdSSD23Tnft/YLitfiYys+mIW0vGR2kmFEh4thjbb+e6
+NZy1HLqXbEkk9WnDtbBH2GNoec9tjL9fsz7rlX7X0xiOiyzMMnTFw/dxjK8cpzRDGUPosGv4l8Dq
+yXTQ1rKoaNBrZHpbJZMKNP9L2qLBxouy9wx20hdX8YdX2hWKlGnSBAAZGh8Gv4lUehvGcEIc6BxM
+9UvWjbG98ZrBupjksO7FqGNl6u4Sx3FvkBugVkFJ4a1xXD8OrXwXBXkPXZ4+lpjeNzqc/rq0xN0X
+l/mHd9/V8ZsYiK6Ezgzr9w9YZY2gq80x31H3PYfNdWslCaY/cWtwKW4I3D/J74e6olc2D4ujiVRU
+0yP1YzQlxliJkSk5/P2i/jCoRwbFZTHNPav7fr+mlCJXNZnWbOsK+8irKg21xOALELRN70ujuNLS
+2//BT6R+sEzMLZ9VfE5TSBMRIcwaPTSWRqHbCyloTBvyHYNFTNOuXY9NEn71en1WD6JEMLFHOa7U
+Eb3N6oFfVt4SP4HChNhs41tvSAUrHPugaJz7ZIhSMj8R89K5a1xq88mbccfhaz7RSO+d+4DCEW70
+vCJyjklzJ17lGSbcUmwxUmLrrY411kd4f0AuHE1fe+nJ+OKD0v8gHZmFmZYpeNCRb3zYt/o8xQIu
+oF/4wv8OXTLZ6kO/rxgUbM8NBq1g0SichgBC+9CNXn3x989NflaOmCZbpoFICIAjUs/fb2ArKS48
+QnK3TmiTdEwNQIPr2McrfVSneZojsm6VewbrL92IhSGY0RB1B4cg1syr1AHaw3kO2yeLuox/jKnc
+eUZ2ZHB/NNz+ObW4v0XwldLI+vy5myaiPZP3jXXAkh8ll85QjL7t19vUBeOI4IWFnVGaNp/UuoAo
+uoytcr7YuYUFpBVmDT0JDUivR4bhYt7aJuJeHQHf86ycIDmUppmWP9PYfe+RI4RqU/fd9zTlMJhU
+s7reQO5B/xm88ntAxhTS1Pz5/BDNve6psffzmEa60bsKAhb5u3QK3oKW+HRcE57ed8yTGV15M790
+buQmswK0MxguAQDBTxOwT1H/l5F1GwbGnRXPhR6Krd5Jd3IcntI+f64ZzEMFupxFlFnH+dGHTSLo
+n5ZZupfEO1jadK/HlMF/f0zOEsrft4RZH2waqIVd6O4fVbqu3g0NDcpi63v0KrDHQUribDiPJPsw
+ihj7T6+2PmwLARBQUsm3GpqCJnOvfJsvmO9Q58JIjzMXtx31kD+Ht59PPjrV/rnz45XFc2YDrW7t
+lJ1QB9jSzQd5CVdlGSB5rNL0iNT+MFrYYcy8Qj+vif08RuuU96jV7m1C2tJXu+HnN4QUBCEZnZpI
+i2BlfnhDuob9qepQGFrzLLeiPhGPRql1JEtlxBdYV/R9gZk41XpufwSzPCD2qYfcwkKwn77//aP4
+vN/YWFV45CV6bmEbH578wCpyy7d8UjJs7kbPrZQ8dnrzZRlw/k4fPnNb6LBJ0fDa0v64tiK78kCy
+xwX+5pPDBKLMUUhhRuU3mxshQ88rVuGhon+/EbM/DT/ke9k1L7ZNWyWc74M2dy+AO2VxxXW25HR4
+oQl8h+lRX9Aqosccxc0hYDLIDYT3ZeNwWmmFuAsqTmd6c0yD4X7u+JHbxMmQ5jKqjuN5diYyez/L
+XF2fwzo788nT1TsOyuF/8AAgZURiatqwHCmPf38AsqaDLDEFBcZlzsxu7r9S8jEAQdM3L5BwMTlj
+zI22kuHHUEfAO42rMWbraMvgfSQ7+u9PwOfd3bZ1E5Glksr4vNcmsoUxpOvFloAo/Bijgntd3psS
+8UAGICOh/9iPX/1Q4/NOZdsKQQZaW4WbxvlY5+R6g1NVFtuxBx6ceEimipDP6NyfGqZXU2+vAE3Q
+AxwhA7vu3D4yHjK3Xyc2YX+t/aYwAK+ttr+vUZGw2hGKset4eSPow1ExPZZptm29fNdUjwb45OW5
+52lO09vUHc8No8JHJkUl8d2ZzDc5q4lkYW1llz659fCNVjy85IzBS9B9ccf/oDLmlzdnTa8N0p+P
+9/dHoDIHZNEDa0BvIiuYySfiZ0PtuhC0JRB2N83RcjwWtZacbkH7hKG2WEH//ELneRZyfnwn0Zry
+PHKkMM2Pb39Cxdfnpcy353Ho+Sxo5AxAhAOt1m28Hc8/74y/ier8MiLQhPRdGE4JzCrBdhPMYqt5
+2uoM7UPragtssFzn3Np2Ff2JecJ51sKo7LuuX/VtQ4s2YfTJtKR0GzQyEBen+dGGpAEaLaa/2H83
+fZTOCVo0zBivA7KuwP/ZNQhdylFbn+XwIQLwwKLCUmbzbBM9qRX2/blDn81CLC1ZyQSsRCMd7Ohs
+uE1P5z5sTo55lyQ0IA0RvCVd9wRem3aPSH+I2AZySCb7suq6jJGHvEkjOlF29IiPnvElPOFlqjPj
+1z2m80a3L3R2Fj8u1YI8svcEj9qSmavh9aRdBHDywUmKBtS10YNcnFe2WT7kjv5DMOkIv+J3QN6o
+suqT6u+13i1xdnIQG9hvVE/nO5t3Hv76JshiqFWUjH9/6Y3PFQ/PnjJwy6D0FZgdfn8EC3jyQcVR
+d6ucfT2oo9nScFV2N8CJZUdWNFpSo3om2rJhNcKmye8QhYZct2MtISM0MB64Kjq9qIgABa/96raT
+fH4turQ1d8Ky8c+0nJm9tl21XXKc9atTVMUXWVPcDMphHGGS/x2mmb4eRfVQC3pMTH5fDZdzddSH
+TORbokxbfXnWlWYu33iKyEpr5KYKyHtpafZtbPJoaOa3D3+/QfrnfdphO+QQhgVEAK74sE9XvqH6
+hunSNrNpe7VDz7G6dmb6D1ndHjjmjIQIv3LTZT3Z+mlAlWjoxsZwPHul82qUnbf7+yXN/qkPB2ms
+yLap8KVgc9I/GnJcxvEu3dp8K5LeWVH/w2GdmxVCkVmHwMT0gdVMzQVW0VcHdAChdi2Bc3HE6NpA
+J+AWUJLM8kmfjnZZ4tiEzbNkV4ChpcmLswxm0NAgtCgdRaCuaj+mnZS56LuwnqSm990HeL2lfEG/
+TJdYRABWy9zaZXb1HAEXDXOxnE8/od89NzldYkQ1Vo2Wx3J2bR8gKEuGy/Nsrp8qSUQTweIW9Loh
+x7TcJ+J2NJGvorWmG1VZc7ORYXPKbK6arYIjlq6l1TL0TTBTgqHi0NAH+zpHt1US9hSF5HKgx78g
+zslnDjPyUHbhBjXbvVIoBQWDLTdMY/THuaTvmk+oUubxsDVQH7rYVDMHK0paGEdBCkjdT18cz9Sf
+PkBOtI7uuga1nzU/c78cL7uSOULUB/m2iFFidDzms+aEPhZBbzr91MjB0OwlxLsILwBoNS5sSKgR
+i9QUUrmSW/5eyRz3hY1CtL05K5kgKHMUSEzuFi7i88BukhSSSECWpKayo5cp0l2SdZIHf6SOzIiJ
+3UxO/EVN/7mMcKRFWcsySw7pp8YFPD0CPjI/32qOsdU9Krp5cZ7yNa0Y1vd5KJEgL/r7K/HpvGnz
+QnBko1liUFEL+0MxFei1N1bYj7egTBk9TuEKqAHTjcn4EaYTOhCWLRI2X2FV0rek1qaBgzAbGHup
+FNCPWQc493HBln6XMEocti3Hrp/Pf+EWwwll7LYY9BPD96/W4E+n9fPFmyzDrC+zv2deo395HKwR
+FIOGdnCLL/bO9q2LuDyaPRlBI8Us5LIDrJEb1RrXQET2f79xH5d/fvS8vOEvUjpn9U8VSFwAJPDz
+mAqEg9Vc+4MPw2zIkGRJp+fLU895bfq10rDZKVhO8aRiq9Pd8wf5y+8aVF1uTVUYzB1Hb52YQFwq
+bUiI4+xQTBrVHCCBvCFFogCIeCVEL4402nHowIsOM59JaOwAq60QEuf70Oy9nWsSj+qPchbrcrgL
+QtRnWlvqoNptZosEMgU1TWg0btAJ3G5VWg1SAcloSur1KZDBCichYh4LKVJuRwxHieJealN339hy
+i6/+ex372kHfZSpiwt8QLYsu5TWcmoxYUWyRuBUXIfEsswjnVLU9GUFD+y0v+hs0jM8tmLFdqp5H
+5h2bTudaBXHuC9snmJdIEJ7HtHlqZE3eJALPJWdCEsFqREK+ifgLGc26HruHwes3hRmXgCQRjwz1
+m2+/jqL8Jmg3rzsFr8UHH1K3MEZdAp8KHHKOrba2VIz8OHAtRvhFwkKqTGP0wiq1iJldTeL8aDKQ
+Sk6+DONNFpxSS46oW7xjkjkOupT2FTrbU5BGz3TcEYexdLriWTAPoYGUTFRT5rHXoSXkLkExwZOh
+6/uUMh61E8b+wqjgRgdWszQkXTIIVW3QhMTcyuLQKNiCM31NdWJPEAFLORAGZEwFZZb7PM3zYpjF
+5NnXwYrGNcG2QDfK4Aa0nz9T3rJNBcuc4OZqO0nwk4zfESMJDvFUEMS9T0T+GVmMitZT28grJLQG
+eICMmdKDO9xphUcmk3ZXNMa1H5B7a4HWMEPvwqHbgXZH+hy0Gn2llWJcK1Pby9QgcIDeEbIObt8X
+L+LHPcGG7qxj9AJEZlqCzuPvi4Dr4zTUEpfk1qnxl6TrudT9HE4pTU88W5xSa2EAKh5xKAka/2MQ
+wx3eWNZSOb5G2FDyA1fOSU2kalvMgvktQowusbEaq/DnrcM2c5AlcdZ2dB21nbUgsm4xwWxm9hq8
+geol4sbMXh1kPLClEH0TAcmzktIoSQOkM06EWi2BudgoEvGqjMAj2GmD0A6uX49rwUU7em1fwHs2
+FoZbAQ3w+FZu0RuEJTfXTSDvo8Z60MPuOTMa/prT4EoA71X1PqFCd83+1uNUvBY5+7Dlp5d/v8Mf
+CznMkyxwrK4YCdkkxIdN12sK3VRl7GyCaiKjYJwP919U059GHOefYdsOvRSBUk18+BBLqlEan76z
+6ev+mPKrLvKOCeuIXASYk32rHOunScJX4Wrf1TiiJ9cQ9/399/x0quQi2AgNKnoaC6zrH7YTX3Os
+yAogJ7k+vBUY7Qj5fBdAUjb1TAasHSCTk6lBAVOOt5LYx7a4QVZ5Jahom/grv7b8eMRHqT4fbiXn
+eAZVtKR/f7LHEh5UlOY2HLFCIw/tgR/rQX/XNu6E+IgDXRTxo33YHJyMLJrAIxxhgDNwkG9rPadu
+zOCQei6ARWlPBMerZAXtHtYeNoy/3zzrjxfLsFXSAsFbfq69f9mfYm2qbDLgrY2Fz5Tol/SpG8t6
+12vaSnIggcoZR6gJBWUWbuuDnuvArrNslZTCnWGT0TV2DF7d0xBW5tXoEaBcJIG2Vb2F3rH17srR
+qpadFxnLKRvvlG2ttdieCKJHGlzpaO1gFZRNtdc7aFOgPaZlv4l0lPKkWu6wOalFqvnfWp2VHFVN
+tWzKfN0CRcKnV55a/abnsdqnnFXTIEh2uLD9VSCFs0QwttDLAcSVaV/k5jjdyCm7jgsaWy0D/4s0
+sQhYyUBqiajjvJwDjSV/EAkAp9i/32Tn06vIeRNssaWUYnZJlfjhiQgbC4CoYdGvkdEOHvv12GsQ
+N6EgzcA+POqypZlQvCQe9u/z/bFzfVVSq1wGme6gIvNi+NvVOxxWHT8GRLnMLx69gJF3Mt+sKYSs
+mAIwCuKOdBq32UaCIXnggD0DdFYMNet/+m4UHIyGSb6nk3qpBheed4fINC+Kneykv5SYAVRziCXp
+UOhLQMiO1LA2qoxpmt15SXc0Rf7mpLW5nS7p0zJub8K1E+OI0cy5gV3433B3dZDem2mRynweWzS3
+bb4vGzkt00JOK8+ywE9CNwscsTby6n5sk3qnCq1Z1Iifl6J7axDerJz50RtM977sKZ1A0n0bpwJg
+Kdb9sIIoVAAxhDEEF6ALFjZFOOlDkAcLlT/Fab9IQ+CovRNqX+xc5qdXhk+Tqa6kl8ugUn1sHhWu
+64VTSBhhmyVXdFEuolaraJl0BEn3d2lqoNrNlFx5nLHikqc/BGOwlJDLlqRJi2XKs7+IHdizpGXx
+G7KtZOmsAnLpvKDuRipu1nDXyVFM8stYz/M1wCkXQNDe5tw3dcOzAC5+IJCVaDpZXLMCa6tQ8QRk
+AJCvVHLoBr8nEt16H/v0hR6XYJiHqzDTOgOQDyF1rbZpJJdmhQ+Ikq+13POwuidQrkKFIph4yC+O
+SZ+L/rnnotsGU0aWx09F/ziEAfod7lqX4GpFKpsIm8n3OJBZgxuNBjq5kuJZRzG3GjXvKwUB3B5e
+st8qcUNQrIBIYtwlXfujuRuJSCpFC1W09dtb1433CpK6isJ+FzepWMdVCizV8+F8TxlRKPacYKd5
+b0Esq11rNy/lBMla8weO+s780NnYDwlWKME5LphPfKuIO1gMXckB0CHiFDXLE7OaY+9bl95k1qTz
+kBhnXcClvO6KGHn0eWGMmuc4Cm6IWX9hIjGtCPXNEamVxypis/KrMF7OszBOgO+D1ZubBr/4UnYv
+ZkiKvSQ1HNE1z5BERhIN1uNQwFqtCxfaEaFfXbNvFfsxdRXGeQTrMhnwvdXCIi9H+YzU2CujUVXH
+YriJ4RXdOLNuhsCjFWAPJLp4Z5gFYWNO+ufKgW2GBuMqNnRoAx2ghSQt1nkIp0ELu0tpJNd6hJzL
+ltapcTIC0lx3X4y2vrIqPA2GhYWBeJOXpAmI5KnEdUBMwWHuaQJSiDaKWAI0pfJQz785OiF+AYzs
+tLrjbs2Cs7BD702y2vG+zzu3NDFbSVtHw6IuANe6myq1IzpCw1bvFepByt1UM8CKo7CYejNdm1o2
+rvB4+KuIHJYtVaG99oNh4xpEAlUZhMY5EdlqRbWMhDkuzcqgkNfgeo4pf9a1wQTkmcotIZvU9X7W
+HYVoabHG4Xa5hLOKuA+DyNGq6JWVnoexwagxLkO538oBmXfTE3qekB39xcv1sQdhG+CIoC+c2QVz
+2fH7/lITvxeneM83DlPRJZln/sY/8STTxksorY2Zgsxx6Itd7dNZ2tCZVFDgKNOh3jnXZb+UDlHY
+jBaTLXPTyYCoi755jN0ZKuoGBw+YsSjsFjQMko40jKtNVsGETA12G+zACWEC62j2nmjOcJkOE/q/
+CvVbXuMg0FztNE5lcABjTfRHlZs4ffQZD7CtcpppUeAxGC36HPc+AIDeAUUU8nmspjbf5KTybCAz
+kuVZYI0OUOdgKczeSIbZjxRYm0hwJLY8pFfnZVPlww0au3YRDyZ855khEkTEfus4T88r9kzkpe2X
+Vi/DGOhLOPl3faeeCyXfq3Q/uja6W5iaDd8Cr+HRHFqH+DOOEpA9tn2QKHhzoU2pZJjrrHRusHvy
+YNPcgaUY7ysfg4ObgJnrEszjBQFLk5bdCBemcdC1nGVp/G970ua7OEtXqWLNFCHJBXiXbkqTtlmo
+AUv++yf7icREMa0zoDIcVCgs1R8brszM00qbcnCXsbF0x4pShQnmJusonmTk3wNY+zmV1n4ap3QD
+IAbhcK1fGHH/xYXIM5bi90VbCdO16BwCr7Bt90Nt7+AxK0l6MTYt6vB1OLqI69ysIOAkdhbeVMeL
+mO7FUpt1ppFDdmHr8CIaIZmONgGk+oEgtXpTzdmJ8wa00qk485TP0QZuu7yszcEj6IF/LQWffNR4
+T6Jj9SEGvVrCQr9zzCpZFUQXLOkFXNYpGZ2ZH23oWbAkVYwGHBtyMjkek+lVoIb4sqrfgOJMN2aW
+v5CiiYHBYEuXVn0MSX5aVSSbt266j+ZVNLIahlwS26iX3rpN1HJaLTcBmxsvBgJbR9R0ip1Lpy3U
+eqj2ggOEE7xJOjMUXumdMeaPILYnvMPcGZJSsmWv2ucWoe0hPjGqgdbVDinFQ3Vfz9rXXGM8AWTZ
+rhpOGF2xJB6a1REiLHR3p6eMYiKZ9hZDGJXfaWkCPgwuZGp3h2FgmGhX2p3Z01iNUwtfh6EzMgPY
+AEmwnPBIdhlT5u5H6jYFTA/yDbMY2qTrgY9AoYx9DtL4/GLSwcbEsawdHJ7hgvC7QZKy4juLKsRW
+TA8cAHQxEI6GGCWVHIZqB1fwZGSruGNfKKXlreiXUSFpVUSsOXJUtFEGAZX4eFf2GPhAcG8UiS/Q
+Q8tTGMakY5MfB5LFRoZC1dWmGsnuwt/oeBlWReUgw2QaZcPzwm+gcKdGiM6TXNvYBOCNab8JUmjy
+RqWeu/TOjqmdaj1CXs8rTl2l2GXImBkrvqrz1I+J8S+WNuYIIeiuhfPaEWJBF6y0TCTezTCtUIe4
+G29m9vhFdzHH0TQViUaac81yviCKIdiZWLdIYK9WwGpPVWk3K91PraWH2hMnyWvToBBtMbrXlppW
+Wq+JJQe9o5w7Fr49HYKUiJcJbRfUaoXOQb/gw0aaP9/583JT5jPluIIk2WkT0u28JRCqq98N1+ej
+ClID5QmMWPjHvHq9QcM+k2vMDKTxJiMIU3I4fB/IpAzddxhBj8IqLhuf3cbvkmkl7WZJIRRtRClH
+grLwL5aJtqIgZwnHptNaXbJyrZZTX2zPODFxfW6GFS7nGW42dTNnoNHvrXUYcEHnNe5/jY84/6C3
+vKCX5AdN/Z///NcPXr00L7/9xxoYV0M03M9qvP1Zt0nzn//8byLe/H/+v/7lv/08f5cv0Icc4eeT
+5X/8+hP+9ZVXLynQxOsfYR28/Mo4/NeX/Dfh0LH/YfCAUFNxVBW6acl//7f+Z938n3939H/QP0IX
+OG8GIF5nYte/CIdS/sPkD4EBMIrQ56/6v4RD3f6Ho0udpFCX5ZtOiPv/Rzjk//+tgjcsZx4iqblb
+yATXOm9bvxQcpBGXjpE30ya3BTCEDotdX+C2rFP5oOX209RUR59Qsgq6qYFWn3T6Zm+n3nYI65+T
+47L6Ye4zBK+4F2abXvhM90IUKVkBvNtu2n0Ty1Vd95fJs+ganE6UHTDpDkUT1lBpIprJGjE8Zdks
+qcztLbKMnZ9PyKgT/6i1HoJzM7vVEW2hunCQY3jRocmzy7r0H9g7aIIP3p0i93lhFdZFSOC91okZ
+Ajt9a/3ZVJ1BV+U8iCiNl8ccNO8GZ9zbOKfy5iTU8CXaT9149wqfs8SdYHi9Cf02PNgp9sw+2o8k
+6DDAC7Vdr4ybdNKT66naIbaQd0xCV5DRqQ77eu/rNq5TwskX01hKKrH62nBzD43wIxML9spNqNnh
+yXPcV+JXS0d7GKs8BRDGybUuBvizDaGEBruqH3GjI0tbilg56xQF0qqNnu0h33gesS9OTtMRRwyO
+hjIm26sSj+R7PyiXcKSyemqs7N6s+h9mol9ydl1mpOV18Ix2pEThCjQbSU5C4m9wlzKfqa3+eSoo
+a4laclrZv0V+eC2E0W1gLRQ718Ag6ifdcFUKAgKNadiT1UWNFpuC8GqcwnXU3WJ5/KlbJLVRlDYo
+xj11U8SO2LiBYx3DGl1KnZa3BabYS5Q6F4r0tsvAJYCwKCDPq8l60jvtWU9IQa7mRN4253ye2rDQ
+GyO78IaJGGrPJqk2xhNVC/177mbRPYB9Dv+dv0n0VtyQP86J3DBqHHPDdejRLa06f0QIYjgovoDh
+yNG/72wrOE3QhUi5oJdCOu2Fb3BujojdqZQBpL5wIMJkU7aehjw/VmXt7ewA90iuoF01tJmUO4s4
+y8bZ0VizTiBpvOGloP829/r1ddB05X5ycqKKRa5xeH2F1dCtndY4qqEzN0wybvQyW7WGWa28aqI3
+R5DrrOIlnT5Vh8K3nqWbHirlbzNlvBIIu7bBzATo2ZA+AQY25HXrkuJY9HcVRwkig2xKCututMts
+W5cKqzSJoQsbl+FyZrIxpbXtta5zlMr9xmRAAeTfLc3dhJMYa3DsrkbL/G4BmN/IjuJJHx0KMImQ
+X2nud602v4uU76qVFY7nKti1pQA1ViR7nTBhL9fYsWAg4YHYwJ26MAVUwMJ+dXIQCKP6XvrqOx4Q
+kDYrkwTwpWW3V7HiCciYniES/Wmq8BuEoQs3szGWCG5GW3gnEL4epV0SRRFm/h99Gv1w6A/cFK0x
+LR235eRZV9diFNEe80q/CzhXulPaXCB2yA51rspNld+2GgE68TRxfaUSCzIA+tko7r/53h1JFY96
+Ahs/naajjrBzQzYo/gaCtaGnFxDxciaBaZjfVlX1w+3uvRx5w2S73kWpY0P2CU1aNZbKDolv3Bot
+wOSwlRX5VOSj9eQZH3uzJ+eCYplQuAh/QujuQlH88MvWuNHoIqwiAX8k5vx77IrcpVnNv8WS0C1X
+1/p1OdQXpje42zalfRimP/2qvc/9djNl1V2m+WCkhNzyPDwN8X2XDBMtSFS6RnwV5nl5AApIHdgH
+05IuqnEkFd2dYxWYajlz7qvlvnpJXF9NXfoyGGWzEZpLwmJnsTgBxcGWBGlGUEldTNb0zULMd9mG
+PdKbcdjrHpzR0VaEZ3rUEn1qxxcpV6y01v/e2DGBfWQV6XWjXZHGPaCdmyE1wPVZVcHIKbO64ZAI
+dWYOXfFndAaMdYKvvGeTzLGLFjNlgfz72IWdOLSJvi1rMzkUo/hWNG38UDv9yjr5fqm/ehTMM7F2
+uAGmUBz6htG91J1hJ8bilQ003bWkhC6JRfbWbLSvdW1OVIMlnX/G/KTXsl4PFb9NqHpUQETsHVxN
+v5HF0B37xrqPK53UM3DaB1j9PJi5YAShiS1ry8EW0UGYJoFqNoLoWLQ8ZYZDkF1OHkONf60pnCvl
+wn5IQMRinvd/2AQRLOQou3VJG4DNw/C2YVo8xY56q1Vk7hok1UYlfqSTZWyzHtyrrTJwKAIJUGOO
+aq30A0PK7LlDj3gRjCPoP7O9QHxy8LmVpndhc5JOUByy3inQdaq8Si9CQrcJgB5IsZ6sTZm7DskW
+vfVYc7ysavWGI2G46iZ1V9d+ho++Y0tPo13jZuUGR6p2Jbpy19UqvCYCGSgg2EyK2RbsUugVG9KT
+UhpILDdO4zTrKOMxOf+DPLp0MQyECkN4oqFQmC8Wpd+isqCDe1M47dPKAsXfjOEm6qth6xMvKIhY
+uO8Jwqx6V3uEn0Ld0XhrKyCd1q3C7qGbGIL3E1mn5/8MYoJLGrshsawlm4JvZhyqyX5C859c+qU3
+wD8PiCRT+joVRCRCs/LNoT+EkpOusOk/TXwK0GfltzSmFMB4erQnDirB9GIZu1K8dmlsgpavi1Xp
+cqjrOjFt3STaxkJHs8RBaWEm8WvhoQ9Wrs9OaRJn5sRocOPoFAvvFG8gyD1HKJcKuP70GDMSm7RT
+wAFhtslPNsK4EDZDx3K4Kjv7ZhLhCnhct2qmcVixemi4gDnwNX7ULIPaajlZXnKfoMji0VjlQfAY
+pv6hh80eMcVpdnXjXUOKMlj2Wnddi/C2QuujBCeE+mBqIiH2N/gxuIPFUX08WBp/XRbVnaMH0UZ/
+rpL62Jjew0STvPQ48nCm7y9cvx8uVKso9RSUsUpO0RG7vrdhJb5KZnqdJhlBmEIzdvATt6GFIauK
+9RtdMIAb55fRlwbPrz/sJdKAk9RiB9CkodZ0AHpqooI19koPSgYpHsnbY1MzzAFYcSz1UV+6bRmu
+OFUhWPLidmdSXmwcVUIScvtZK2hvyUKaU2v85ApJ6GZop/d4TOJ9B4GTsoluR86ReR0rHvupmtxL
+O+0erS4MFnNpa3De2jtucayc6DQZ8KT4US64jTu3yT38OJW5lC0JmXmVhmsSUYZDSG/2xu0nUmlm
+GiegoJpkkVo7xHGwjVT3LXFqtcn7EEIyMaSLSRHzYeB5OYSoM/pAaG9ZO3cIGuOQB062GSvjLUQN
+WiZQe0LHa0nnxbkBb/ciBG68JgGBSEV3Ems9JXBXBkN2obvWjeLP+BTTvbAaCvAoEye6Mc4xCKA1
+k0puf/fT6WG3CSivXmXbfKstinzbTOv1VHzrCnN8+Y7767KRevGt9kIW0ajS7jUyGNaEe1ha4J9I
+GPZXCcXzk3ABu5RtoV3qaFwZcuAEGnrvZ5JkYEkn+WiSYqkJExdLOYLfITDpW8AxWW9EccJ+fIVF
+pr1sRF0u0rjIF4MWaUfy1G51Zb+yQj5qpoqvg5oksrqN9tEk7BPPqlzkYVL8UBqRtV6Rv/oWKKnI
+9eiD1Gw5Va+uxlSlyzSLtJcqbC/dqXMe2shtd3ntBltWXLErMyB8vXsnm6Z/rH13IiyA0zcx1OaT
+EZrhtm4gtbeOuGlE2jw4dpBtfFJM15WDXzkL6opJt6IRn9F2jRkB3QfNJI+FVTGeD9EH8rtfpbVv
+H7IuOIoqUw/TmKmb+b/0zpIPdMHVTTmOu6C5iBOn/y/mzmQ5cqTNru+iPX7DPCykRQRiHhlkcNrA
+yGQmJocDjhl4+j6Rbd0qyUzWpo1MmyzLyspikBjc/X73nnskwfPpj5b+lMGwXNlaZYTFYEzUPKFm
+4nn2q/XfP6ardz44JR5fLxvCxi4jBI/Jv8yB9C+T1NIDQ5dL1hSvlMgZu3Eibu3YYIAYCtloX506
+22XQbv2m/NanXJ3//uIYi5lZ4IV+Lw5VY71mZlxe28cvFE2U19hHXLZLfJe12M/GaN2C0pKnuD2q
+sbjUYAAmJppMoDLoTUPJUgSCjhpXo1rTQUgWA+bTLvGNdotoA+KAk966M+cIdCUgH4hHY216YWVS
+1E1x45JTKEuerXX47hftizcJcz2NUFFSPvbFLckUTWxyxrLtfzArDVTs/cZlzl6PlsPaHt2TV/nG
+FbQLMHD9tY7c6ReETkMAAVV197v0mn2ZDmgybfnmtrRbR4376Q2MgczHtUr64dsZzPzMihYY6gn5
+GGeRve81Fu/oMczrSvLiuSDB6OK2F7G3dkYoc5YLcsy20wtJTl7xtZR3v83vta3qdSG0bIVdWXwx
+ZcqS2dpTPj4jwfT2PqiSSwcDbG+DFc3inUYAOfS8zNsEiDbgAM3voiO7gFkzhxMVUGxvdQx/Z29P
+mu0JoVUxu182dkKH1xQw6DNiPYRJgb81H0h+uDkyMiibYDdUIw581/XCNrmxqEB/7lBhRwVGiRDf
+MR1KFKjZ97bFBAZSeuYWqLq4tLQXHWs6d5ZuxTRMFB+JTh0il+BWJ/NwbEw4m/rU658SGg++LO/m
+UnhzBC0d0Br0yDzH1b1Io+KZMqXgoNduGv79731mQ8JW5c/jqFRJSuqc2Hy3poJX+aYUbnDtcsJV
+E3U1Gp7vk8U2BZBatjWwpBHpsNe45vNwhsMZDs1r5A1sN1BHC9Pm84/CW3MfL2wIFi+pEW+INWMA
+J6W7FUWcsaVok02tbH5cXiMpTLTmm+h8cc4CdWzyDU3wjw0npdQVm1zb87NVIvLpnYLZDthjo86u
+l1i3aqYc+ZQWXQUMeIbYjPyxtiLb45DUt+e2rgRAViZ+Qe4hqQbz+FKlqf2E8dhlipypznjDeGwe
+/DRGDQ44cLAKP8HiLZbYmocnRuHikTfjzUYNKSSRqDgA2rU3fZDwTMxjuuoNBHwr6+ewl9ghFLnf
+jQd34G4W0ysDvfyZXpXzmFBo5KZztwKRMdHOZlhoKDQolZXBgR+H965ordXUKVBPQGcpkGrFM/QJ
+zmGzDryGzcaixRe5maSvnTBAaScLb7XtDx6cphi3gRWRlkDuAhFFK9S6UmiUHcCNtdPxAzHY/aZW
+HDx3evLOM14n+XvKYnUzGmGGacHA3OHsyZs32TB+iMmJCHNTjONHH+sfXuIU1PEATscVeqxaehAj
+M90UtXmiN87HsFx0GwSq/FQk/lNdT+0+y+JDhBSzi6z+Whj1g5yFzry2U8qp6nq091mbK/YYsnwm
+LSqfhV0dnO4so1n9YRxcFPTWBoYQ7P9AtPEtYw3MBtrMiRQu6On6nTtymymPFLdDE4gUL6ZmUsIz
+f0wD450x7z8uIjK/UJM2BmAbUno0NCiaF3pvJBzBYTazgo++xKfgYotf8vH/1H4dL1O64tv4a3CL
+ForsPK41O2aQxyEUtAhFpJFKXjNezFVRbGatVWFqTv666Z4iilw3emZ/ulpkh016jqYx3wdO+VPj
+C1xD0cLMLduTa9NAprXSOWRGn4ZRm6hVaxHDnuz803BmczXZQm513s/HYZM7dXDBrJJcI61azHlb
+7vtyqg56fAFgLJ4huLlszlgTINxK3u7qas/07lFWMb7llnydUDdWeaURG/BhKoP+EfS+Ovnx72+p
+A9um/lCv4M9164hk/1V59FUjLx0qf3pUBnNGY0hxGIekDu1kpBvEZLLeVbpivSzFpoXV4ACMAoZk
+OJTIRsl6LoC35gobRJs/1W3QPpsUzx5qJyoWFuyPzsyCH8IZTJWDV1K06ktPMojxilzoXGj7xFfZ
+c5WBNc308dg0wVEWjvtSgQFCyLz3ZnHpCnvei9pK9xPjCcxI4mjU3R2ZAEZ4TBEzb2aesrIvHlje
+eK3yOMHdymA0G8WDXTZbhHut6AkvfbG2HbSVqiwevWIM0Pvadi+TN5uLSiX7IBpstss+rEtX21n6
+aJ7+/qvUE9Th6vx/+m1KQ/bZsgQGTSX3XqnXh9a3xFJnYqWRgTlhO7Wep+roZuZp8E3n2+nTT6M1
+6q0d5yNM3nqDgBe8A4gaVx2hiUGJlFN8laxsEXB7p9PKrQaELqwFuGDorTXzX4Q0bBG9PFbO0KuL
+vad0UBYVtbFJsm9Zi/o4+FFmxUyYEopTpJnZokw+6Eotl13bwqQNVsTckwUq7KM/FFHPS36aeOJ0
+KHLsCUIrTqY/rBudsAi2u6XtFeTrmKN1tRq4ocv3+ZWkEVozdudlaaCQ5a0rwjJVOH2b5qtMe2hv
+NtCXh1vfKFCe8VgtNcvaxaLVFqLHS2HE5h/XyG45svbGbaVABeI04gXPSepUn3VOkbohqRzDXf0U
+FbG3UrLMw974HFt3PDSYywBKfpbSkefqUasIYxDli0rAdZWbcdibk9xLnC/OZAx3TCXRpvS9YSky
+ubYm92Q7YBUbtEUNEeEPDpYVpDEkIttqz3M88QAO6q1OHHflRicaVgXVWgc9GdN9yjlmKfSiWMWm
+nC6z8sfDoLdfLWe7hyJifViDt6P/PNSkRmZKiaPvvztGS1ygBBOZg/6+m/ODiNipcT2Beb9E2WsB
+7T8tvpsxOXaqbNg+A3hPZ3MLHhY0dJLusTFg9je1p9hjhp4U2meT0jPSg7FetNS6SGLlIf/Lxx5l
+vtqF+BXFFTO8mOqXOf8TT2cczRsve+yQioK9H6Pvqa6CBdZfGhxNaztShyYqK6x787MZqFItDRb2
+1uPdM2Nuls2ehHi80iNzjbMhwLhiARnnpL3t3dze6sBIGPz7DfBVH3hLGRmHKS6Au3Enjq327pgD
+QTzu9Q0gtw8l9QjltdeuvcKcWU3zvh9B3DhTo11gjkMWbDpeyZEAfYshZkW81Qmdnjt/iB+95Uk1
+LMkP2byD1XBzYyNiJ0Snbl1b/NjGuAtzo9fX+WgXTAgImFicc/Qyz65Tkn6llfvmFVbPPs7zcN14
+4k4/850ut/iXQcQxwT+F7o81uOuDe5sZzy2uIzlMMzV0gsJ5CpTpXPYv8QDxT8bFfmyux3lpl272
+ZlnpeBmC5Ev07b3tnJTvRdCDXRvymKc0vEUaO5tGli8Y5NduV+cnjcNyWLbtR5v5xVpUQbYxjCI5
+pk72kaEK3GZMiCvXhqCqKLdeEo/qdxOZgWdfa8edYnBC0zoZUCSaYoOn89DUXnm1m0HcK4Uh0+iN
+XZl7Hh6ChrYLgtyNnZf7xjOGUAseNcR6ERzHLj5UEDG3RBHv0nHx/BRdtk51crdRYBZ7/XG2Yjjz
+aAl08z1ZQmxcsr96G9HlSFY5IxEvBnfnI8Yjh22KRxBCDGzn3KHYEcOk3Yuj+Fime8BvID5x8ZPu
+p6vahP78KKXv9dPfX6xpq9FO8BQEs7bP8bRlMtoRIhkqMzkJtpEQsIPnqWGJBG75H7/EJt+UgvLm
+RgK6eG6ap46uksj6xZknOWuCenSHStelrJ3qKMCethkvNnw8SOqszxkLN70QxRvfFThWKGruCKut
+qqcXRmmcUHxvWfcTRzN3ekrKejx5+TyQZW6crfnYwnmBSFYt9/MuFYAuLXbUrOPUNQqjVvukom0W
+yxuvYM/gUFCjusKu5fmKnea5oH1y0Tu0HFe27oFzsq6CKdlmrjm+uAxbeDOt6Ex46yCYXsdxTK4A
+VMFkOsa+ztpTMvT6i5bZGUFeaibwti7FI4L3dwOQNY4d5oH5Re4636mCTzPC9WCMMctwohpoE3Pe
+Oml9v2FjCQ6kcD7UGC1kEO+dND0VKZP+JNfZSsmanbtFYIPHKWYfWg9L489ol7ATW86OYmawVzYc
+szvOZGGfoAoEbY9BKK26HaWo2VXUCFm68r5MLyHF4BXukW4esYpGCdURH9iy1AfxVkfs46bRsK9G
+pX12pswoJPe4o5SHe2koOW46/jWJo1NixAM7jri96HHtwYIqGegIYzrGOa5Qf8Jc1hbDqc9i6Nt5
+d8jnbt/aQ32uhyRexGk2nqoSUzM1lBFSK9MlVu1z3LgIL5Pbr5rsI8oh6fs6NRzCzna6pRnLTvUE
+ilJGVeToyL701Z4HsD48jP14anSxTQPCTogmoPzHKTTVuJ0NjUbJuO9eAjl4IUuk+woEa/8oRfgu
+kxxjChvXdV2bdN018wO01GR73UrrVck2etd1IEDIJR5S8OrHadLe0EPEBpnmw4AL98hgpyEpU6YS
+ev5A1DViN9h42uOJMchsgvTzyIIvMoIRSzNW1JO25g6yaL/z0pSGYDA9S9NmFfJlpRHC6c5F3bBu
+BLJflbFfrUzOHQ1gq6M39JsgZkyNF/bsZOO895ONbSbt0Z+7E49nsgaE4WEeHbP31ig2OGe3WlT4
+W0xl76MA6ySMEu+N9ukH/Ss6oLto2ZVhVX1VKviUWMZ7yq3rx1HJMOhXc1VjnB6Qobh7rdzs23at
+Qx+n8uKMSluj/58gDA7Qc225baEqswOBJGllbHesfhq4AINzLEZ7F3iMHtKcmWEeZJfK9MsLHi7w
+fVF3Ljlqljhf3xIYyAswkTyPlDksG3P8dg2jumFCq26kdsAY2uYeMgXNH3J0D1bzJ7bTx2SwHK4K
+M+qSLeQlkn3/EB8Uc4tYbHob0qVGV6E9l5ean8FJdToSHKCbZTQcprwdDv4MqJ/I3EAqJ4uvWc5D
+bJNLWBY9NalqTtTFb00bS65Bz2yQUdHqFPk6oMK6gC1Tv2QjRnrl+1QBlGSrchbCuXc5rJI4472B
+8MhRiJBC2nL+Tp9SLctuqrHZazaTfJO0nwvyxx+lAmzSRTQGuUAXXHTSKEgXHviB2tOZLSTL2HPj
+jWXhHvfyF71gcZuKFz92j36AVdz13mvbgkmoilsZUUDWDgmbBMJlEcPeQWXvivtn4bCDdOirWkVR
+cWoSiSqkFC+c7oQKIfFjGXczZdQcP5pgZv9s0NmAGm4vCO6HORGPnYFn321qN+xpzWVU3PcrkpEc
+fQOUt9bPkk3kpPHxOsdpevVE8l4MDaI7mphnaA/LFdoHTxD4YMWeqDNtckckeWnr+pVrvblXTb3w
+fAYI9MYfB697Leico52k/cM+5qgyDEeg3Nk7VeuWoUFUgNfWClmvKJn7qQLcom75hXlOnAteMrbA
+WRXhvFzmFrCOwg+aQ9WwZaGKcRyL/NWKrVOkj5tByLsupzOex2uQUnRF5LOmQI2RkwVvvLJeg8JI
+Fq7ZAbESbCGSbPoQpO/MEmema0YfVW8zE2u8O22zw7ItrWMcW9RjRfJQVMyvjeTdpFukgB7BPYn8
+8uALTSkIVGeaQh9lPays6reu4TwD5EObrmacQcxC22KXlCiq0avmhT++l8Vo7DXFsAaH4/iaWA79
+FdJVNysHEFiMHP/kI0TDmUE9GV0U0mvOcaQcfybWvlOQ9M2pywRTuCk7am2tvzclDUc1++iot+Nw
+CEy58h76T6L8ZuP2NpDOZpqXacBTrGq9u3BzNEdsMycbzvfLnOpnZN39PFrONe6jZ5dpyMpnPrwU
+heq2iqjQquxxNxttEdHh2IiQQ6BYuZlRPGEepmc8+AgYUVwnzx/2ttl8tm57rwcQ4rqtPcfWxIqK
+HWE9Q+ZbBHbb7HvLkrfRdW/VEAHom5NkxUv5WZQKAlvWxwgqOscST79yOGNR6ibGmQ0jJgNCap20
+/hVTe7Wb0BcXJQh7zMMZfzMvX9Ax9ZWsfhOabVc0k1gdBFVjRj0xrHeGVR9pMwLo1PBefgURetDo
+vOZxduLsu5ZTeWtE95TqTHs9+5taBHBZLksUvtjEAtLqxCBDaALfw8f3jonbMwzm5225x7Eq4kuv
++XKfWdYV5752TvV6DLGsN8smiEOLjoBDTQH1xk/0bxg/88Goq3yJ/R3vha6ObVQayIttvukchlVN
+xkuo5stQIjIp3oeEqlzxMP5bEw1TSeGHo+aQharwD2bxe8T2BkWmzw85xHm2TfW7Hmu48juSjElA
+zamxQm5EOE67fRInuFk7IKbNhPbmBtpFy/rnusLjY0xM5OlexdytKOvz+vxL1KzrAmMLZFnnxDhq
+TV0AS24UxzerFZSzuTlrCIp6T79i2+Hn8Gq0mCkWJ0Ql19SKZ/ZJlV58z2ZsrbVUXRv0EopqMo4E
+FWJQ2x18DnlGOmPIKG+eDW9kmswTuuBAwr3Xtj1tQmxP+NtS/+1PenCwNfNqAA8/+H3TrmVhb2dT
+tw7zQI8Gs9VhSQJqPpoGBBDfMSK848TRZD6tAyIkG3fUeRvWtF6qQOOYl/xOJ0O+JJb+jdunWxHX
+sLe5apJ1C5p1DWuyedWMQfH6ctytUiQ3xl4ERwd8qOlIwXFU+iu7N/udbYMlbVSUHyjru3LQiags
+YJs79IguHQloDY3wZZbvdqsvTBXZZ8ctCfY8flEB9aTeLJZunPWbwsLGGgWIhvFceZtWd8ftWOvD
+tQOk1KS2tTe0dm/xnlsHqF4hn/RgTlr8myzzjS+CDDBgoujsUtzYq5/T7FwiS8xZ/DE+RHeRedbr
+AGyjsYEn+6MafxwsCq2d0qs5OrtG+gzblXXKIgvPReCXENXzljFer59xdD25CvCoq6kgDDjkCyVq
+4lLuSwOdY+0HLEXM7heg1ka+i3arG91rhhNjoaLu5hTzUZuYbuuuf9fmqV0wRsqWAeF0zDEAo6du
+xxSXBgYq7VcY8L9Tr2QSz2nDMxXP0ajfBkO8gqve5W77BxMjKK2MPLH6eZSkzbHHYR+MGparbidk
+S4F9OfoUOpTQQ3jhlxPvBUCTv5M8+V2Mj5PZmO0rL9l19HGsW2MCgm9VLEJ1/FZTvrjj/LIw7YeJ
+qxP+ojXmJpRZqy8rSXkA58z8QAf5CR9HdbCFwzeeISf1Qe0vdbaJoZwt6+x3e3d+Q2QmM9ZU+qJ0
+8l/VyRjzE0jvH88sPvVav7Vl9otrvKfJyl/3WmOHaXxlUaCLY+hxxTutWltwAxju4fQhkCcj86jp
+wwqfOxKOjQsCABH3e/LDphsFXOIIcRMHmyOyZUVEhazWB4Hbe4RfcPbcX2MyHaM5atkGk17SUkkn
+YYVylXleQXmB2uMwphFND72Rpq3G4SQq4pumF8MuZjLJfcwY2cvg70bVvNW86WCNBQiWhzOma/ID
+a6x2HgKQVH6tbYJhr/led6mzlZiiYt0Hww1Di3MKzI2bgbcKZliJM2TOo9LKi54Sxa4QAbZB3r1G
+jNDH1ksouuMyINqfHjWnWXYysFGN8YTK5bvJEigzLc6yXYyGu6GgGGNDOmjLKbcuzFT3kRRHWbJT
+Y8vLuqQP6zKNDkGtffmJ2rilwY/Z9Y8DxQwWt+zsRVQ6uHO2NbOGnQzOwRfhDgtfvqdR8Gw1+njJ
+IGEeKCpjew81gYik+PRK5NUk6N69ueqW3FfvU9Lh6OM8uxwbppsdeZnaQWog1krkilPvRvqmtdJA
+wxRQFG+R6X6MnZMdba4+J+D+wA55X7rDNrWo6JihmnmJ4lI7JHKZLA0+B6qHYNZsg4Dd2cgkTaOy
+KrS5SnPXblnBVonP19fsSEAKo8rF50zh+MGRj32OZfknwPnmUGmyHHW89uCTTQrB0l+6B7+1OA0U
+Ma7SIFvpgnwW8ZHBlK/i4RVrsXQz8Og3Y9TxxR7Zx07zyn0NyGXbUniCzlnCm4Bj/IQRt10kU/yk
+e2Z/kBblzypN3QV+zmCN45GqCZsGvK7rx6Vnd9NuSnggEwoJKkvkHGN7E3M9sNQujuzbrL5mB6eZ
+UVIThCXzO+9eJhwCu9SXL/g+uKGjLyM2AM90ilisX36mCSMHdikYkvcyca4wEuRtKvIkbDVZ35Hv
+d1PZvGS5232byjmOJv0yg94bLAuP9vpWG66DhT7h6OJkuASTS13fIxHtOhs+hpLBjlUuW0U9VOIo
+4IzrJwSAmA84C843YJfz9F0jRMtVGZl2kWgWNhQDk6XCz8yrPvyx5ig06nbj5bYEAE2wAhPDlyRK
+FfTup6GCeeGnwNy0EqKkaeQb4VrrRJq0RAhMpbYBfYuGd0bMPtp2mq2KUcMjpwj2Brp5L2egFaNC
+7elyQO6WSXgkSMRaT3xSXRjvOmgi0p1WVDbmj5aCix7qyaMbJK3KY4NIzd2L9lmUL6hxz32PjcmO
+eS8xviRg43XmauyjH5JNVtOZG/YKf7SBzZ6OhOzb2PJ6lstldOgm/dDWPeVCWl6FfpV+0VERQOGq
+GGMpXBmioO2llwGoigjpw+eylvJeqEdmTGx0BLytkeCQYGrbzslI0qf/XVb1yxxgxjYYCffsnAKO
+rQdulmnR+FsMsLA/oFuRqXsNQCjGY6BgMw7hwIEyH4sSl85I3ygOC1ofCUOD7eDK5ZvUMd4KXgzl
+FH20f4BxfNQlER3fwX6blO5TCtyO88taptqnmWJWBbjxOGurjVlxQFKR/3eAe5/Iby/8X4WtD8zu
+9eVE3JVISnruz1rLDzJmnC1IzEGvmSNW6ux1cKZ9Vndbq1U5BznpMNDJIaul3U5r+7uedtQ3jd1X
+nAYz5x+dJ675wDlohQPkJN86MQnr/4uYoEEE4Z+5W5sKayK/DsQ/HdweqRb+/B+ufYReVXCdZuaw
+TbOazMQMxej5wFfwWzBksRPXCPs6YDKpaxv3ATuw+vKNpom9SyLqv4iUGQ8y0j8SZXwcTyeHj/3Y
+dz3gn4+P+4+PY6ZGOVMfOm6IeAnoq/llGMp6pWYaJ2Jk+ZWt8t8MvlgsjPTTbrVTpXzoTo3725Na
+EApZcenGu1tH3JKm8V+ky//SKv73z0e0wfibtiAp/Uif/+PzVY6DjF40MCokYHXKrfRtZUdy63t2
+vxhqQCQJat/CJazbMn3Ip6p5n7xvM6tYavpRsaITNBzqAcsAd+T/29TMP0Mz/2Pzu3zkUpq/2Zn/
+zNL8e3rmP3/7/0e0hmALUWKLbMv/OV1z/oq/xJf8+We+5n/+vX+P2ATOv0yAN4FHcjZ4JGLs/4jY
+BNa/LPK7LpfeIXdp+sTX/yNi4/4LRrMdsMaatm5aNn+pKbs2+e//zXT+ZSAwcitDq3No9/b+byI2
+hm3/rw+rD7AeRJUFMcb1XfrP/z7M/7j78rz1SquZ4x3arXWCBuROSCVxKrQ3q9Kr0DXpNK2YAr1J
+m+iAcowNzbZ4i+LMXg2ZFa10bTqAKdUXxkDrqtBMzC1p8Bs3RYwabd5Y8YDQZf4vy8lY/GO27Mbo
+IbWKbWllxa8I7jukOqq+qqhAYIc5XaItq2hgxp+xSwgIiy8UWUckAbfdOV70MQ95AGXfdXgls8zr
+NSGYwBQLu8O3WJA9oYxGZqXYqUd1geWF0gmmAz8e9jTNQQhtXavkzljvZBr1LpmfUc3J52bethnh
+C/YG2/phQOmzXCZjxI3jWu4RQSziRHJuipWWdlSTz8TpKh2koIipGLJwm6PJRykyEgW0vF8T58R7
+3GM2DXAp8lJvzeHgK57z9JhL6ACeEQsOWokGCakt7knuu1urgw5rJIN2oDHYOLiERFKr1tjl2/CL
+SBAHyOx7HxbcHnB1s2UXvZYqn/VFCjfyXGS0ijVOQmgJ8FQ+eq+j0VZHWQ3VMi6a9FIYhknwI/5J
+jGpVdUxYsZ/ZoR6P0SHzSX4SsghTg+pxL7rkBde1i6hiGSWqF2j4ORUBnmdW4KLgjD/hq2jolq9T
+fLYlNY2k58K8Vi/QLo8po8JdLhkaVe2bM7rnamyPERcz1/vXQIH0YoNPdCPxXwBDucxpu3hZN/kT
+rdIk0w4xjYFRA2DGqbr9aFGJC6uXo384pR2GcvbqJuerjjE7y1+oRibTMuU3OH/QCmkgrlT3I6Mh
+pignSg9G1BsIkR2nbbug7bMVHSErK2Lqb+dLqk7dRVesq8J6ZSKDfKEjOVI2qiC2XOQUGTv3kWWx
+lf0RuFW3psQjfyOfjn+/k8WhePzWzsdzquYNNblrdknaUnpfsZeCv26Pqa+svW+xv5glkjVmFQrx
+5L1ygyxkw7nS/Hsj40UvGxxPuRsKe6XPub7B967jXm7YFOSUL61LP/2ZTMtfWz0hWAxnN3fkm7OS
+Lc3HNdRaq45vSTVcC6md9NRe2dK/qypdO/x46cYbDgCqqxCb8J/MrfJnB6rIYpze5mNNALTsCES5
+9fwNUpPMiiuPcyN368G0ajrepAPImgO4z/kt9FXUAyQ1Lo3x0eXJfjR4HHKaDZcTUKOFaTHTMg3x
+J1ftpWzw+JLrqnCFLSZj3VfFGRskaJx6QQRm28hJXts6pMvUqblDSPZX56Hg/OOlBuJ/HsCFG8n9
+cs9BGhqP0XB3S5zOjpRvg2KPSI/OvIoFgmLGdr7xqW2pOHtvZlkQFeoSNtxT/UzZybbqsEkRqED2
+TURIWwhe8Gpp0420EMFAhMwICQXvSrv6ypgEtDU3vk+ZeM93mrcIkHKJUOTLt8Dwwj4Xm2G4l7q3
+aGtaKEXtfme0l55M2LcL1yjSdWBi8xoWWW6i7ST1c8qcK/0MakkDjcopeKXiQmBlXPSzVtFagmD2
+A2Qk5KRFcKG99oAGZq4f/n5thxaHqwrzWmrlZ+KOm66r15o+XbHPLSQZNidF5ADNEcJ+CR//wn9Y
+84Z6PQ0dEUABLFUFT5HDtSvhRttc0ujVKR28ncxeFXH28knZ7m5EqO5rWMUTr7xmhXViVWL7jfRs
+X4eOznWj1iNeD9gXAYtSWyPE/CT9LTeo1vCxArvZMYR6n/UuWwVutjbnx/T+afTpL02Glamn677H
+sU+uizK9HFqCxoNITfI9rwu+rUAtevIyac+5QaS7JJZh3A1njfM2k0VoxC7+Uu27mIBWEb2blqY8
+FkGnbRGOaZ6l3Y+eJ5agzrJX+FTTurkGHsWuuPI4kpRLskLOAk/3U2+WjGnBLIBJQdmh9hQ4dxLy
+gO7HccK55zlE5dLp3c7nldl0b1ZSrHnsPJm9C4f0lmtxlObWWEyxlm3AU22Zq2wZSDwLwrU76uGX
+DwXjQqJpZRXlLfdcc2MQ2M5ETDm6KaFDmhlzPNzFQz4FK4/iNwyTE0Hz7Csd47cBmwAOr7baGCiu
+S5D7eP7ck4m3HfcCKRy17G5Wsml3/ayuyIFLvUaUcwat3aQTo0SM/A46zBsdRnVKGStmX/O8qFvm
+LyX4GJbDVVCGdcOwImxh5UYronY2coh8W6KUtyizeZhjsi3Tm6fvErHzs68iXiEI2M0Fa2pT3kZW
+foPRSXwcGO+nFj3Qr6n71vdnTEjiF8TUznoaESdbwLV3f8LWo/vhaaCgrvmlqFGM4/euGBdUzrDx
+Vb8L/bMEXWtU+GA2Uc+ng73c7DSK6GUIAHUd4t2pj7JNDvYfvf/W6IY1zOzUxEVYM7JZCKe4Yz/F
+fX5mDw+kjrrt9qg17xYXena3rb+zOoO53J8SmSiXz7V3G/obZhYWgmcRX3FOFN2vio6pVHrLpF4F
+BZaLTRZ8J4+CwujLi+GflBhq889yrsIgedTfUVNDTDMYsGd1N3cuUu5VEJy6dJl6PFI9MBb3erdN
+yj0xflVsm/SPtC9alSyz7KJXx0IddWtj+MiFulzG7sJkBlkE1cvsUVPsnZ0Bpk90qdL4xNgSG/uA
+Y9MAnQI3fzEAHI3T57y+MigCN+4t1hlsytn8yXH55ZAHcZIuUsE7X69g5k47q3Fe9DsXaz1nt6Ju
+r6EMvnDMpAe4SBhftpn3C9Bhga3Fw0NDdnaZRtMLFznoDhaw3RGzQVsuJ5aB1g851KGg4MhQVuGR
+wkQ8KWmq6KyXxz/9qXd4/pE0GMCe7GpKqHh1uhAXDo9Puz1xspUcdxq6twd1JGy7IhJ48DjzEJGE
+GwTO4Csagbk4v6b8zfTeCc7x9d6T2nhr8fjWxjU0h6+EaXCwrNODGo9TtZfDh4kIV9Ird4zkT1y9
++vpL4b/gsQ+b/tWwzjTsNaiUDTwx59fgn2X/zCSG/e+TDuFoeC2SJ8f608uMlROUvfFhkNZEF0vI
+VMnxKR/136V4NImQyYTyZwQsRL63C1wQ8GLiZdqg3fFG3AVmN3xM+RWvZH4fg+mTrKxxAd34b+yd
+yY7lSLZdf0XQWEyQZjQ2Aw10+9b7NiaER3gEW2Nj7Pn1WreyBKme8AC9gQYChAISlciMjHB3Xtqx
+ffZe+7cqE3IFUNF/JXXjcZRI+4J9DiwVteYH9jZHhGPxPBPmv1YkVjyJ2RWzj/0FkQAduCeJkmmp
+1n7e5oc4vC+yQdzHXnxPMWm4b33fwrnEXxaVxwx7qN75sKhdgzHpns0+HAeAEVgkR/729pe+8N/z
+LJ/vW9mIFRh0+5lUrt5pn66tVDRH3qHOcbDqaRMki/W1RNgZ0vIXznHWs71Ls6ufBWv2i8+TUAHA
+GAj7qaNZfjXGuuEykse0wMpZBc3ngvRE3HTO59VcJtP1Hy4hTZ8WMlPAzlLNCOyZRoWOI62usCvc
+Q5X3Fj6+naFn69u6GSM0xdfPlmXNjDt5fsZC0Vwlxs+tIKV1AhNm+BA0g0eweYEDJYefChjFmmrI
+sIm753JmlBBwjp7agaJld4icU1QP2bnlKnJPYqHz6uG+psLBR2ebV9ow7RBeXqkG213SMSXNcmSR
+lVbF2YRQJ1UwmR+6sJ9kNfbP+Lt7cq7Z9R8TaZSU2RkbRnYWxIdP6KAkKqYnt9LeWWuwVjGmcO5V
+MjspXmR8XOfK/bLKCozenBdEBYOLC7duy3jT3esq4Z6kOpe4BwBopKz6qlxAXAzY5WOMTYiqjulP
+uHcxpbPKBj4e3RYFEdzhEH0kp0QR14zV7NtGf4Iz3/IYZ0d8R8eprqZNEUqi+GBsnvxi2KRcz7K0
+dl8qu/XwIo+cZE4ZIc82vVw5oea9FpEq0x6uVvoE58e6aq8tSuM7D/HVtXhfLkkqrwiU026x+LFH
+WYWJoMA72ZAuI7lVW9sWq92jTgAwWG3EdaBMg3O6mGuQm2CP9s7kgBX/bHKPgGlfPM7cps+xn3Sb
+2kdYogp2ecR6XzEtS0hAgHd3ylCtvOiZF42Riskja6+6po9tNgmgXGqEtTU9gHBMV1r4zV7CSk/d
+Vt6FkWju/A6ZUDR4tyI3sp+rlgMBJT9jCKKGu8fW9oIlNN50WRQ+1RE9SQufHpoB/Y3dkykDax9f
+PLHRGBI5SfBkimSZ12MTnW3Wlkwh8Nm70DuIPBrXZTI0aw5hb5ENNg/3gg2DFOC1SMa7coHBdnPL
+yIJJkTA06Frzs/Dqk+33elUFDri/aFzWIPDBXSIXwdRf1gOYbIhAFWH3sTl7Pa/xmzoIWoHG3pbb
+h9X5r+yfxzsa1JfBnmC0VXtJxA0+hh0cYg641I5/zmpgujLFMR8CayPHr8DIEUsxN8a4zZ9ty9lr
+p7rT3RfJ189BYWTg59NrxGCTgLPwk+CBXNIz9sHl1NVdwo3ydr4lxdafym+8L+B7dQSyYXIfycbo
+lZtbtHSPzs42WPQQmp8ZTt+rVL404O/dMuHFRqq0y+YDm27saTP2R06KQEJgJeW1NnWp7zAdrJU7
+Jkcyk/EKewB7FpeaYRv1WbMtLzzDr+/HceME9rxpugmcZu4XBwDGv5AJi73IrGKfGixR/cT4NztO
+uSV/124nMTBBGJZ22T5N7OrPwMvQmSZ+BDP4Z7IH0RWj9v+X6P5P6Dec6yjL/74899/K78R8/acH
+8/X9u03+RaT7x6/8JwPH/YtqLB+e8Y1S6bg2kt/fDBzf45/AF/Yc8DcuWhL/5J8CnRP+BRDUp6gG
+UJnHrwGc80+BzhF/Ic2FYajov3aF/R9C4PwDcPMv2jB/NMcLqVFAnQuU92/KSzySBYND+HFn+nhs
+n2lFC1783lmaTZJ25kFMQWWzzExs4uVl9eimXGmkkNHOtTv2qF2s/taD/yYUPfz9W/8n4O4PVVp2
+7X/9zw7fmn+jp/MH4hUT+jcQuCcBxv2rXm2rwUstGOxb6o7bt5w5HsBrGB1BltVHSQLosTP0HA/5
+IE+ArtVeaUJA1hhQrlKWiDXzRLd12nj6rcO1wZVhTve3RMEl9gZxzp1l3MJ4M5cmzIjT6vbX1PUz
+o7dEOmisnt1lYy3deuKyzy3FT38lfFo/RL+gFWY0EfNOy2mJCG+9plTXcbCM/eQcSVtOX0JKjoIx
+mSBtpKXVrJUsWIpTau6D5OMdQaSbfcK3kxv1UkTsi0OsxKwuQhzP+dg+pEXOENnycv4zNwO6WXmj
+FfpBe+y9wdybPEvvG+2BdAYtv/MwNz3EniTB35f+drbQVnt6ta+jU8d6n3ZZuak89m4JOIHd4kne
+dHbQUaXj+OqthQJ5GS0NrGEofrTWYm8mSUWzT3JnpVRR8gYP8X5TOfHQp268rcem3vp9Iyh0na36
+M1Ze90Joh5tJCmW1852QZTQY06Ic1YcdLMF7IsAbcJLpk9bGfU0Cmb5kcW69j2Mz7JbQNQerCMg7
+UO6z4aoDeZht8ScQhupQLrZLlhBfVdwG+nfkWf2VhRC+RauGxu0P1Hqg+e5wnyXXmAzsHQ3RGVah
+0LwHkWWw3XXTtu2wtfgU3JHiSjm7JLeXuAfZFBsgTH7flptRm/QwLz0t55aVge/JO5J5cbcvsbGz
+1Y+7tcSUvc1qlsKo05wSTZw8aAX5MeRGTeVKUOwa2y63tWzBGmW2Qx2Tl2BUmeAwEL7aj1Mdvy/k
+40rmmGG+WgwNq7xoxI4EtrPDsDI9LGNDoLSTastVxTrZnPN32Ej7R+JFRGKFqB6qihO/TUgqZItu
+mRF8/4l1cHfxW9bjUqTIHHPdECemQEqUhI6nBsXMDHJ570lfxqvWb6yTM4b6ZTEdMT6iaNs+o5K1
+Txrv4OlYrsgkcdgk+HFrQwpA264GQS/xqBJgJpssbx4ZKCEnpkpE3olR0c/Dbm1oQt52WSeAOkU0
+rbFFXeSP0sn0fQWnnXdHFEggt/XkUxIMBO+Q9YU8zbgxAS3i0uSIphInnBtzdqUZ7qYpWPCd0/so
+8N8eahWb8yTL6J5A5nQwrpNf5sokNDFPPZ8kzKsONo4L8SL7fkG1+Ih5+x7mvvWBs0YFTqqhvpaj
+2+HOyZKzndd8ZbrKk20zFPFZ1EF68rIOEgli1i/jFs0TL8jgOHSZ9cB8qJFVMmB3eFKTdZ32QLY7
+MHy0LWcKGS/ycYHvg4QAOasFi2sm4BiGpdWgZ+vBdXq6yNKGV+M+sxxJ/h8IQLtKgtxnAJTJu8vd
+blkLdavVqZNbfY2nmil4C0e8J6skClyUgozwF1zzmgLpQHb9i0vR1psO+YFjVgTWtCESb1V4cGu9
+ZchOC/i7lGZxW9DzQ6Qyi4xrVOBsV5VXfAVFqz4CPw0OFRGdO/e2nxQ3A0c0FtrdDM0Uw8yZAExs
+tQNLoFELS39tqe5LWqTQfChSnyVRVBIZSVx9VGXS7x2ncdcs1LkLj2mwnrUmBS/4L24sEU24DCsi
+wGiFDblgHY3udPSyeSDVCgMg/+1RKtc/8dC4z1McMiWLwsId0tU0T7c8lV9wwMq3gAf83Nu1i5KY
+WtcRy+a0rUPf/T0X9UC0hnzZNR6Gj1yH1rnzU42lq20oI04HK+w3BWY1KPi35891IJOCsC7NDpJ2
+uEO4F2+pCLLPJUoANvYsMIrnrm2rI6+49Nksyv4Vx8mMq8ZJ6PwadNj8Yfsh7a0auv7TSuvpd6oz
+fJYjhStLUcojSHz3Lk8n8S3FAEg8iahzj1kC3EGRiX7kC39UO+rM3RAH4ldkj537sJTUTbfoug9w
+bpsnl2zp86yb5uD2IcQFzs+gxDzsEWWKMOkdItxmxwWi+2pwdfCe8p+ilZvcNadPu7y2tAllJ2h9
+/pG1Ayn0xPphHLctt/kkU++J92b6OaoMrpwN9/pXZ4meTG3YimPXDk1837sEMhAu6QBqZhcFrHKB
+5DAHQ2r2popALa7txwTp+0MHzvTqtrb/UpEwOIVsvHZpWY57BvF0V8tYUDvjz3dt2A5f3mAZLtn9
+yAW9Y8tCIXi5nWduWo6P943pxXpUM/b2mYRUg2Q/iV1AVwyabBwNr9DrrxZ32ZuVF8IFaq0Rd9y4
+tNrU7liyVEoGjWqxUOo62o5+UNjpCSsMybkcR//DlzH50ASyKpZOuY7pIfvl6kV9913hbSonaLZL
+4SY363jGJsSquARQgY1JcJ3jNZ/OscvlYGeGvJ6+dD0CTTDAUcI37NTeiwaethIqvZmNJrJuHuRV
+mCZIz8Gw9F/TFHEyO5l4Ck07be2yXHbJMCkC8SEsHs/vP2N/TDehHpyvoW2qDa7rHlsNE1IywIit
+bxtR7Cqvga3jA3hPvTcjZeTazQAnWFzLF7+y1k6A9TzNqnFNNxeLp5l/pbDNT2qgHzs+jZSQHHJS
+lFUeoQ14UD9bYE/9ZZI/l9j9NPO5E9jgu6ONVJPH9UsXe49JTAjkPDbtN3C1tdNT/lfhPBs08nfv
+PWaU9oVt8lo2KNw1uFF22URjIMlM4pLN5bmiX7QwL1VxnaznLsq2FRVdPYWI/dwd/EIefdJMHUEP
+YiF3PYo/4IRv7SagUqdbjzFKH7RZyOObciI6LJJjALxYJtO6B2U6lemuLLCA+CTvG8GNLYgudpMe
+vYUVi+WvbXf8SMrpdy0gziUX6X3lki44oDBOkZypylglPpLM3D7yzBcs8/S+y7uDYRlTYPsM+z+1
++7vnRGvHR5ffuOFIF+WTiQE/2Ui1waPio5mGr4V5ZsXYs7Tl6vBS3LIo06c9Tpu2e0hg4pbtfUZ6
+x8nZCA2bHJmBaKRUTyFoB02XkB3ZA7HbPHhHl9ErFoUPyRIA+bOjP8M0BJjUXCqAXLzCJuN38UUf
+ADboLLk2N8BFeAsMo4OAoGzRSr0JTnT6U3gQpya7C64eFrFzG9UUVjKxEJsnb05tJR8lV4XPYzqm
+18Abr3VrXbx8qV7cGYiFj7B7EE1xsKTXn+DjObsWmvousHK6kezC3qhWP9Ih62zGmRVMtVRXxwrj
+fU5EdQWx6Ox4zMNuQcZiVVLHc0XSIwxXFuYr6YJq07czbDQ+prBoneEu4dA7Do4G8NoFQZmu28km
+VqhUGay0pYc9L5Xwmop+BozuY2yurRL2WfRQj+3vcrQeOO3jw2hAT0hZT9801qbuISNf9nsQQL3W
+1N35H+ChgQWHU8MaJYS4zmKFzxExdB5CoswMOZnLQs0hXv2ST6kAjsXuNItWipF1FRFuL3AAYjBA
+vBpbsJ21vfO53x+XytQEpUCDSK+htJYS85XqUmR1MySk5xMnsX4iKnJMFa69hS7dhqyDajFcPJXU
+3q7O8o5no+R7mt9IoxOBPJ+WO1hyR84mrLZL0vf1ZpSxs3PGGLBGko/n0pPpYQnqad/Rn/arJc0P
+BGqyOlAXQNHaSpTHpbertVV3hnAed6vAzAuGAtsA+TGB+65wTrPRnVyKKqXpw52razwPrUxZdZFt
+eTTAn3h6zcCxGhIAUaLyQHWxjWggNLPMHILkMqmU4Lv2STGNAUZmR1XVGxXNCzphY24XDS6D+7wG
+y+QXqnlaRkhp2G6FvDORTakfzSZbMc3hSdEv9liRfXnIJDgy49bsTWJQCCCnh4NSS0XhdiSPdtDD
+agopjvqs3AbyS1ixW6ih+sBj8a9zUiRvxqCHuWaadoCjInIIUeOuuAt1F2KL+dnLDeprltzufpmx
+N1joxNF21cwHXhXY6MpzURWvBV41QH+2cy9iW/BjZjqrKm19LIIobUp0h+NBmmtWgHmcPbJkKgvz
+A9PZ8jO1u+mjt4t5PxLRPs5OgpPNl9bCRkkEBCri+jJFVc/muqlv4dsLqQC2tmVOvlrj3PDG/FwG
+sDrYArJBdQIynV4y+BdNqwdk95pWCWaEcCPakBo/D2dfA4BA6Z6u9FEeOodaNjqUiYBzbuGNRB+j
+LVzne7aJ4hhawWfhYA8JXMIIUyKzKzW1B+Ka6178qeP8KAg1w26ipLZclr5eGaHsDTOh84mjAfxI
+TwAXI7N6gTQqWUNj+N4qlPRLUEYQmODmrdKoyw7smlJc9nH2Cr8Tez5PEG/U3kEwS+Im/LBV7e4l
+XX9HVfvZpo+nlvbvivGxKgRvj9Z5j5cBvEWpy+rNH4X9LFPbOVqm83ZOPZgTHakRy8h6fnWGXj3l
+LMi/MomETk+JGfaGs+aaaMZ3m63JLwfl7ZhmMv5ZYzPclbwJtmiU+lJafooCkbYHMQ9A4sewPXDS
++keYLlxoBcwHWOHB07zgmHMoHlrHXZdtABVGl8kOR9iO5UzI1MMZk0dyevGnNPskTArAwGQTYaxu
+3ELsaE86ztm3+cGHE5PDmrAz9WX0Afcfy6vi4k0egfhhgUXYmwiFxR0Z1SxYkm029foQdp6hqQ+T
+MO1/5cHXXX+Jwtq5pn0pz55JrK0PD/cwtXH8hsZvDgal5BTc0tGzN0YXh+D1a6gscTdneBamaELX
+7L3upxQZiV26bgl6jbfN4zi2F9VW/iN7etjrkH33LOq9Q4gZC2hBVMYnYS1cYzIQtXeL1M22dlL1
+mqssuWRDp9652TCTeH3AcLcEutpXoYXjqR0ksBxXEIkxPdwqUswB9ZL5DaCOPN8iA5w92emfNPH1
+a7RwmElFVp0hHBS/x1qNd6yksh/zkIs9EGVWNfIWW4+rng22X07uhweiZ5+lXvhIOzGIqdpOj4Hi
+uh5GOHuNsMpf9E21YKSkji5o6hNOmf7mwLWg6SRF71/JkIkXfxhDABRxsh01Sn7ROwk2hCEGsub1
+z4oZ94j63lP3mpX7PC8ZVW1CP7jOHfsbBqi8tOxjdrzDrbXvYGutmpFsr6VHVrK9YLBpOL2NMGLD
+woL3udf9DpsovPJlEZMB6/RbhQvhfiKJD9Pg1c8NTwKnbN0+yDRU9/C6GppoBrLdwPNJLDYo6sDM
+gjDNn6K0lZdIl+ooq5scAufuze3G+g5TfHqajPSfx4xYBqNNsFMam5114zzoqGYT39883IvHMnzu
+6JsBHZM+cktud+Rz2hdrBp5rx118n4MruIq0HY4e9JsrJaioGQFRRad2S3IYtz6DuoMtYXF4b9vR
++pBYf76K1CEgFUsf9iX7i+e4qaYPnGjRF6vCAm+B1Pp+KNiNjHGAuh7mywMG3PiH8XR2HfLsCJIt
+/DWH6bDlAxMdaxHXB+nH2mCjq52TigdMHXk2Y2Hq5BKfwqo0LBZuJ5aHvIcDWjZ3TZfOr55AyMBK
+Wx8zzRc48TrdpAmu8mLE2eZINj3WQsExyGDkNbCt4zMVIZIvnX0Hxo2GVWFanENZB6++VzRHZy7G
+bSXZBUQ2N4+evN2p66x8H9alOdTFWL+Iqcj+ZFWpnyuLdHkQhR6pYun9SDK53LfU6VEDSGJlNfk2
+aaoBy58g+8x9ZQv7NQkwKI1EopfZsr+5oTcPkZTWNo9HuqHxqDv3jM/xvuI+DmbQ7+hvUqPstjKu
+sd5DL2XUXAq/3zc0hb47iIt3IxnSLbF4to3uNPAIg7TGh5Bmya4lJTpcud0Rq0xHU7wXTYtvv23Q
+ilrLcV5IwznzSgQ51oKi0tllwph29qPagVkCIm2qQVlggdfMXBPukjuMtOmZJqXm0OWzODAaRacl
+kuJtHMWgN5lTWRcfq93VEEjaU0ZiwSpsHNrErb5f+7fneV02qUuppp1VD3aX0reUSIuzzSjx3GsR
+n4pZiBfeCeV9Njlm35p0/LZNg4eelXezq0ie0NJtPDpTLd9+HjV1Sys/vn2CKg6HLyegCSqLDNkI
+iaGHuK09MU/3ed/9rHM2VocuLr13oO7Vj1qY4KhcOb1G8zw+e7VbENgiB7mNlzo48FpE4hlz61Zi
+Z9T7jG/pLoo75wQ6MLvjkOze7TyR5PZxa6+pu0yfmqmJxQbblPoalKwx83uR2jjgUR7rbAyPMpv0
+xVEmvuZdSjNJOaGEDH0QvkCBjunNImP4A18ijDBnKOod5O30j2uR2hyjXJ9FSnI3bAjfAuNy70qi
+im8lj7C10lGRHYuhjlZjN401gmq0PAiHn1XpW/Epj0tWtskontvMxtZWUqMbkMvI8OwoRy9PXNrq
+jwBd6pSO3PPXOBbG72Wp68cQjA9Y/J6W28ROXgjDpAwLueP7a1hO9sErTbfLEt8eWZODj8PlGLiA
+dkodHvz6FigaYji0SKQUVVmoZ3snNPVrTyKatw8UHa+exk0U+9weZWDAA2XmMGoL9GpQ4y0krFej
+VJQs05M2eoBWvpz6cLZ/SKttdmM5RUe/1/Z5yEe1X6QXkJQNRhLjGG184iuHPgYjNPce1QJIwyfe
+4fNBjawSlyQqN5ob35sSmccf1pk2zHMVThYYlE1Su9vZH3kG2L941zSUzXdZZvVvjk4gfX5dXlzS
+iVB7+JYzJozNo4ae9lS1TY6tMB7h4jcDWl0XG8Al6Jsn9I9Q4HWzODE71iucf7GOw9WUdd5Z4IF9
+5IPWPA0sZFjzqm74mXH9aagnWNjmlq4tLw5YqG9OW+KxpEUCJqZhmM12JJaGhbXNHDQtBfpqNfQt
+9Gk9Jl9LaVcXQob5Q8Ja+zCKXv2yddsA75gWaPYZyZ73hfP2XbE8YRoFLndXdrI+eklknm2pgJCr
+uZzeID+BHXRaDUp9Cjr7e/FGbDdxV7Ryw091sFamEsU9FhVFtV0tvd9Znih7tUyRrdciz1oKaeq8
+ZYU+Rt17P4kFQ0AKkGPDYyXPVeim19pyA7MWclH3vheJYMt562Mgzvi4tuymz4PAV8HvxP82xpvq
+F8wL5aOUtvpA1+x8rojg+HelO1BS1kygleiKWqxdRY33C8oajYLGFTsWVEAzuTSKO6Yq78mCCEvH
+qFYwGye0oTNEJ/VQkl85wKDgtuknqbe3sjmkOCn2wmOPVLRu2rz82Vne9Dz6TbJjoPVQVqImQlPB
+6fkrtCeAO743gYdcQrbdAVbmg2SpyPXAmCgFsW30n3YIre/Bhsu98Ujwn5Nx5pusesPypSnjiB2J
+rdxiPSqLMEhWL/T5SfDvR9fmNwMePDQnIwQtypnX8lxDvHCAzfNnjY8SPOR+7u3yfsT88TaWI6bM
+HruCXdUEyzvnE+QJ7jlj9BvOC+x/uL9WPvBPnuildzdYXGjP5JrsYSxAr8AGTfnqKury5EMExVTt
+warETMDYPc948ClH12xDTl1Vx3yVAyunvi6qvSpc9Xr7GVPakEC3pFAIAH+GQx97ZRwUny1t2kT5
+kuxSRBLnLM1t15k8wFnVfJwH/j0U/Xi4gkQvvwjpJV9tB7Uvr2tz5rhKWeC09hPvuWFP0pIrrdbD
+/MSXysenK8foGU3Pu6tiQTiTdZDzwFd6A8u6M1HcqFdrBFcY8otJEAYHe3b+eHmOMznmDY5uhe/8
+FEFdhCzMifeqLDTJsOdKgSvdO7qFn4VIN6o694PbwVeurYfGViC2m7iMTiL20jfcVdHj6KGiksjo
+vwvtUdloFdGh4KaXohPlPJP5oIRzY7P23dZD1qatCd/GyifL9dNfBsoLxrgpVqNzMyjStu2gxoqI
+2x7JEHZSYM2nrTUKiBzGGc59iDxH3lj5HyrPMtQ81VJPZQe0jFPvkf0jXJg+dU3AayMMWBmtpsbG
+6bNYOn1RuaJWYrz5XRcPbXOdRLA5VvRVZX9ERbKhd1iV9vq231WcTY+6IFNBQyeuohXFsZQadYmk
+Gj00eb4AAJfTsUrKsAaTuoivHsM4MBzrs0Gvfr0VzuwG/u+GwSb9rt2hvXVv3FLdKoV4bnvJY10z
+7mRQMZ4nqC97OTrZobIX988E0Oo3KXTzyrtWXnQ8Th+BKQiPmti+uUhscwsF9pjoUF9AYAY1XYPx
+bRqlks7DxjEPL81iFUT0ccytFxl0O6eNQbyqab7nus9g7RYn9u3ZTy4mydZQZQR6K4YtAY0vfwSl
+RId6HA/zvqFF9KV06vzqD1165X3IuOeHUCFiz5X7ATcPK0jLHfboMzJHITPOXSZG7jeUm7AwAEkJ
+Nb4ENI1fCpWIXSz8nzJZrqlnIFqROHoxlqaivAs1vMIup7HUSTsUrJJkBOonoimIqIxfKidM6oiR
+9EfV+kGoxb+b53T80QyBXA+FxIlLnwEwdDsn/zE28fRoY+B7ggoDpdpypwecCd7PZZwNmNCuZGpK
+YliZXf1NL163DdVQfJolQTsYZoQa05vlagZ/2EzAoo9IKS06e+Qi1/C6fms1dKMNdMDstRG6fBgR
+2ifCAEX+VuCK+4Gkhj8p4I3tm2rB393125zqCsU6Dign91dWm72ElDQYXdNXb8L+tPBxelzg93m4
+wttba4UV30Ul7jgeOfle2oGDkbArTvXiVofctMwbTltfm4C6mzyOmpc5q/1L52ufedg0NozEtGAU
+duhv6NMRIyYr/mut64HPYFeey0Zj0vdGrwCb4hQ/Eqq8kF51uFeuq1+R4WH+dWxTjoR4xztEnfmS
+OqJBEfHCTVCGy8EnnYxeGA4u8mNZ5tsSX9668cZiF0O1P/A1l+SkyMvwgq53Y95B/5n6Wdgrg3i6
+5fkN33i/DOjEdby8ZDRxPdWGMDhirjqE5ORBD3e2jUJXK5IS3GlQd6hKGbp4ukP3GQ9hHyxPGGTw
+YwWR88y9Y7xv5tw8OTUcntLF94jJLAqeRZGG70noBH88Ujpv4e1PgbDSF2vtlPk7BxbkJFAi3UEJ
+N+J6oMJ3XA3zCTtaD1q+sjb4HpGcSpUcs1HRHQy5ZUOwOTvwlhgvUR/1x4qOxJoW5Lw6DnYDeKgY
+PWaOlMFsB1R1foTU41yAplYIBvP8jJxJ9V2/zGwgOO7FlfterhhFAQ6R6QxQ7oRYfqS9y/7H0BZ1
+Kr0MGqyeC2IywZR+MO4iWap6Oqb4YdQmELAdV+DPxFNUN6SHKNpFyKmVZh9tYatQNgJpAu1k7XdB
+/wDl1fdWlrxlmWkV+gPReHguSzMcJzFH903YKMX3pdAH3ZGmE43nEZszN/kgUuWrmAJGyp73iotU
+gseCwW1FGga9FnXGfdZ9YB3cBvvDBmqQuY+byYFwD+XIyXmKV2UFTMT1U+siOrhqvp+2az4wlJD3
+2BwoMcn9nu+5BGewFBnZFGpYz6yBuRXVtwQE7+g+eXBVah1dlVt3biJ+1J0ecL5KNAq+MC9/isO8
+3dPkNz+VUfos7EysBwUp2rCUOAoG1a0aE1JaeTG9pk1i79xFexu/SuO18sfpp4gKs7EXslNhVrP3
+aqwo+YBtY7IVLRbjDkGkJXTmo5NZUAd2vi3dM0Bp92e6OO2hciPrHDL/rMOs4cWc6Pm5LQfK5mZR
+QCXUOWsnfJd/iBvObNZi9bw09CoPVFBDa2vCbW2rYGdnpb5fsnJeN5rtxDy0vs2loMdrgRYSYMVW
+N0wacpxhBX4r1M43aLVmH8SptS8Ru57bYapPfre05zSR3GpRHyNyX3IWf5bEzXDnLuH9FCfpmg9c
+uh+s3uOxy3pzb+ta3pfk0qlN8mjeGiLojNuExumPbqYzRRUFavV/CVAes0wUM+vHkZ6y5qZtTyoq
+PvOeWkNEYkZo8oXWPTyz9tkDbglMjyfrzRFz8+iqRFw8a2Be/r/iP/x/Kfzrubec7r9vLTz/NiR/
+/8VS+Pcv+dtT6Pt/yZDUL2FgCbtW/c/Qr+/+FQSS0knPUeR6pY+h7394CsVfaD8OdQW+DHwvVCR1
+/+kpDP4SLq+OMHQEDi3alL3/UOjX+d8i5wzonnKUjbCMhU96fLH/a+Q87DNrZHpFaY140KDBXeS7
+lmN0ZdCMWVD0KGZNZF0rzyF8whR5YNSl0pac+nboXpaE0yJNXlIWRGs3tVhITaC4TDcLDisAcRFN
+GJsoHWC9e/I9ThzIPxVuJDyHq7HVzknqYi8TlGBAHdEK2xMuaA40Ybdni1Yq1izbOCeta6OabCw/
+UHtrHqrdrLtHbWb3ni7qLZHqTcjrb5uBhkLPMzupvIB7f85x4A4PXX0ARU4AxMdanFIgPTLBnWsu
+Cg5nyAXycgwc8OotLBnx3xSbKGjSV1SCQdT9yxzPvya0i3vwUn5+3/tL+25UYq9bGd5zDsSHJlH5
+CzaBtU6AhS8Nc0CZow6VdkKfXkwCjFvkE4AwtZNx5+5vuNt1iO3hqbUAT5Zx87gkrTgpGzKG7vL6
+cZHmrZqq5C5ZJnEqQVwtQoDaMTnipV1t8mQq4NmRJdQyrw9D1OhtMYzlYXA4w0Or4xsmSrnLyU2e
+BNL3oIfhyXLtE/FON3LNe2LKB49ReT3WbBXp4YKIl5pm1yqq8SJU2x2NgTsrt9WZ5sX+Tqag1BJm
+sC1mLSoakvxzDHLQ4YU4Y5JJoPTgMgmrTJ5E2lyQQ0AECjbgAw2kd0Mh5CuW1VUou/hjmpU5wxse
+1gu9sqHd/nfqzmNJbqVNsi/U+A0R0NsUSC1KF7mBFcUNaCCggafvkzVt02P/YsZmMYvZpLF4eYus
+FCH8cz8+nXDRbMsAuJpOmSYs0n6T3EPXLkQqe5hKdkiylnNinBwoH6eBjngU//GU2jbOERLjJmM9
+Gnl4n8mgcY/0fuEb6v13cFnilq0X++IrM3twri4FSzyYPsqrO3esd3JIfgRQN6PMKZ6VFb0ZLb3g
+C8TJybS32bM9jeUPKpCcTQYpjKBDF+Y1UDB/hmBVOt6FWR8BMjN/gdqQryfO1wS7bNpGiCpWj8RA
+31MCXMa/ssGL1rjZgo0irgiHXewYTTjHfNDOkaJt4FBLsx90spy1tOdzTqCUq1p2Wgx+wqyt0+2l
+7crpdRjG9rmVxspK2wT0jGWtrdbfVpWlPmzccSvAEFvm5pjaS6fZjXmVXQ2d/3BUD6pp4lMRWfMd
+FiowkwRNrtW8+vS6Dh9WwoFFL/4ZQYxYgb3Mh7iOXnzG6TfTq7mmPVq47Sz401qyYlJjbZx8egCB
+ejTVGasCtVokPexc/vVE/UHLgY+wYxrHQPI+zUuKyhmvUdRsxGIVOe498eLsCiDJInzeuluq1zMP
+ULpwJ+/EzijC0Vc1oXvuqaXh1IdgCcSpsrkYNXlXbUUpzcvSZNDKc2+nyoTvP7j2IaildebeMIV9
++xObw3SbKkKUSzUbIa0hXbDyPDM+xXZJnzSI/tZ81T6zHlxrHCrwoWJALKd1zEBzDf6OabsbVICV
+skvnWMPFEx1rEB9CLl5Y/6YpeCOD0YZ57l/nZRyefM0/uNAQm6k+CltPWQcZY3Axa3qJ7XR+jh6z
+dZTIg+pIp1kdz9oQIB10DGsPoHCfTCBve5+qrk56lyjyb5M2ugc0aAXRLr4aUWLfCKx82ekkbwYZ
+WY6yKNoeoLp1LTlRaDLjWzUTflUR5NwcA9bGEl4btmj+iZiCfRa1v7gNBZshoE6ZQjHj1Ah9Llov
+fZNxMmAngXNVA5oVjrqA8+puXZQQLm+MdSY9glXA8qj96MCxlvJstYF5dPEr7vx8fIltNd2DdGKz
+6GjAjHMOKph+qydOwgQys3PsSlJG9mNtV2wpc1rqnWdMiCpxjuhf2f5NjK0KrQdt1fQewfoYunqK
+STMnjhSaRV5x1unxiDvpZ1n1r54J/5ySMY2RwFu1pWe/0i+D0SeN5/UcRfN1pPH0bPmVgVA8/BGE
+Nu5tkz37CZQvqxsJpT9QaRNsx0dm2sYiEWbD4zsM9sigAQosfTQTNWBAJ/NkSXbYDTIcvOOnW1fW
+D2eEk4Zn+hWqnTjD2evWxLkxYLW0sgplAEt/8IENF1Lagqwe20Z5sDPI/pnsDuhaYbJkhHNK92Ba
+Q3SLEhxxYLffkoDNCP8Qv0xT9mRwdtmtyNxz6Vj9BqMhC2cf15yZh+oofLDBFWp1Pqnh9DBJeKnV
+r5223gM7MGRnX/CWCZMAfTIyDIVqvna6yNgGuOkfk6H52iXBuDUmRVo0aL5LdJstGEalIlaSaFlh
+/LYvEfM7JmL+dTD5lABSszZixsmXxwnrHKo2+mFNzwClVYHYj1rsDfajc52RTx+FZLOKeSJG5jJH
+i/sAVhOiR7n4Iz511Tzoz6TwVFo/2fy02JsZ4jQYa26PzFvWtRdkQfMyZfNPYv2/EtOjW60r27Aw
+YFO0ECnO5CXCIpi/PL/rDhFhypWYqvFl7mcypjVeHWbZYe1Fv43J+RW7LQ135sQVySe3oFLr7k8c
+Fxz4Udui54NMpY5Bq3OugaW9s7P5Z3gn+ZpqtXprGEpts7gTqzib39PF7855qt0NOTm8/v7gIuzt
+7QjTnakLnO2cyoCTar2abXOfiq7lXmo21zmfjiyn/H5ap3+thWFX6pceWQYjX1tV29ZkjMM2WgKK
++6zymDwevn/Vm263ThkW4A2hxK1qk+dKPkiR2h6BoxGCgJCd3jzbPohpnKAtzBhGh4ELDmRK6dPb
+IlVWboOS7mLP8NpjL7LuOHd010mYyasRH/4elW3cDgwEVjn6c+inSbPD9stksSE1r2kZYO9Om4ND
+smxjRN05a3V/BmcGI68fSozHwcJgfcrpemnytZpVsI+nBgsV3RurOGnViao96wkbxlNmKGSmqKx3
+pMKaq9UNkJaDZkDvyXYSrOC2qOx+j5YbX+XD/2bmGxIS8z7B0vQApS+nMjCeMF2Bqiz6UDcIRoIS
+FEVpI1jCRYcGjvpNLgjyjp09PdVDaay1WeqDnrg3EiNYQsYKlGdSBLUd6uHBpKzeltS1jm5s/2PM
+/RhSPRiFQZdwgh7ngjkP7ZnBoPZpPt9To/oJaKDfzxTMngLfgn4zyHhlRwt+Y3wyV8PTe6zh7amE
+g1boSjBbjJ01AxzzvMDtLQZiAJkO2k0/eIrCX/FGrzEDHd4bW5eBwoUbZYn2MlIXnzsknR2OHw1H
+zrMRWM6OKhQGyDJ/Mx2ckH49UJDjtzQtNQ1zsPxESJ7Dsm2mACjSGk6gKAgnPnR7sUQOT2BPsL8A
+EucTC4W1nFSvizcP56B1/4FUjI8+nosTM0Yu0wM0FQpPkB7ca7tU/TWaijs502wjg4gATCWDJwva
+x0p4nXXKn4okkK/tWASvQLIpji3zq19zyGtl8VZ0Lts9FW7t7ziu+1ts+ruozkGupdYu6tzqRAge
+ICvbFQ7XFsv8IyVhlm0SmuLRuNl53R6078zaLM0byD7K8bRTrp3EItXLfhOqJo+eF6tunuhsZQo3
+Rc/fv5VnZkaoI3Dx9/AnQMKxqZYjrqQZpcRMA1wgzDOog1b+JpshIAS4CcF2yXXsBM1mqZgQUFvy
+q+yyu6dp43TBpB3qxZy3vV8aR9WO013ZFivAHMRvBmTCVRdBFpLZUN2X+ajTxQDCmLXMlFW0F5oJ
+nifjPQABKOes5StnQqQhl4TheunFm+csLqCgmde7IdtQ2i5Ca/8C5u9Hi+a++/4ruJGcR+B+G8Og
+EHL08RgwjOJcat5xMY5nECmMCIt6i6y5sSpnX2c719YfXW4Rr1A2MynzQwe0DCL/JtV7lbLYqaM1
+/hCmfsnq+e5bBFD9+GWg+Ki2YdPKaEurgFgFVJ/kC9++ctla08b6bYAxAuC/E1W3ayQ1oREtpBiW
+Ugcmnz2DytaI5mNVPA0TlF0a/rpVOpTNM8cO/azB262xFBHO+J+/Z3AhbY2lv+XY5wD3xf8oqf8C
+sv0ICvMA9/Jt1MQORMy5rIuzV2dmFUAi6VbK8l8h82ycPo6vQ18wk8uLIzuEfsMqET2jMPKsC/0G
+VtBZ+27Fck8AitWccaa/QAe26vX0Fz8KRwHBdhxPer5ZQVI855lXnoFQvI3f/9Ef4VYmsGTtpC53
+2IbmtW32VJWN/fBOU6n0k4s9D/Hlm9m9+LR52qCCQm/wAAqr2t82j2O5iLG11Tihc4oGKIKYsEw0
+1CxLBg9308B+Q5raX0udyisBtJzzfQ01ousF/ipbXCdhMPL3OfIQk2bKypa9lG0aplnp0wjtF+AF
+u/YQ24x3gs4Srz0SLmbMmmqnx5djQa0SSnvOuseXXNGbg6/6lvQKX3a9mV7dVr8z3YxeZnvv+I28
+2QD1poLPaN6oTYtqeJ05hC2qaV6+H2paWHDXmuPx+0vWv+LoKgX/agY5Iow53TEITu+uV7GL1c8R
+1sO7wEN1zJLhjRAHkj9F6OSaRLt13WJn+1FL+Y35q/RFfSq85YeS0VNKQok+wiW5EQZKblx+Tk3M
+1LXjzULFS3zEh+Myaso/HXTYPSUu7yJQtMLh6Ej4bHAdhzMJyYD+Os6h8Bes+zjT1PIBn1jdG8c7
+5oa2j/bj0D57hd5EtYdFrOUP07CtQ+iCLRyetDmRKuHYP7jn//EAN2zljZFD4GDS54ABzb4cpxtL
+IzM89AKKtvh9DNTdPvfdK5MYdfl+iCnO1vRWn41FB0ctmVsYaiEL2uufS7bYh9kSmMpQPViv0yvj
+Gip0zbrmylo6uBuT39+42u8HgM1rE4gn2DOecDctmldDE8x0mI0ev79MQLSFTEdAclB1RfRwTM7c
+W8aj1qWH6WawXztnzm94Xm5uIa3X7wfEehzQXBJdRivFkr0mOcZ7m1WeFt7qAQpIux1qhGB/VMtt
+RuY8pnFxm5yxOkb+8BHwMwEeiy/JyD6k8E2jMmQor1m3lR74gGK0uNivOH7OV9xr0VYVT6U3PryF
+wruLBCf6kJbLLzxgNzTu+F32CDHe40amWG1pxuhecqRpUJ05vOOEd99UNdSCpaAVLDikFJadUZUo
+GqryYMPFtEQYkhiJrQvB+Onv4PSnpaAYwIDozrtr6TgA9eUVaEZ0NP20DyHYeK9cAqh36aPkr2y4
+HDj2gqWqbjfOMmfrvBVIQsqsdvQcTEeUbjscWtb7xdW3ZC6vAQ7QFUJafu5KLM2SEdfQNIdG+moz
+zY+baF3RVhGLr9FIQmthfmpN8UeHFY2lw5lP2HjSK5Vl9WaoR2onJu3v4hRnK9V7tyRPiOY5MYPG
+qhiuBknUzX/IVHhZRvptO2mBfmPTSZ9CR8EmtaqZ7Kz+w6lx2vR1r+kYs37HgXcmLUZDmzk/hpcd
+lGg9lKuI3vums378P1GcL8nvpmqrf7p/503+fwuldOWDbvq/0aW/mvKr+8r+TZr+/r/+S5r2/+U4
+kqOHlL4pvW+05H/F3e1/4XJ0Xdf0Hg+k6/9bmvb/ZTtgJ03b51uRe/9vHqUQ/4JC+cinS2HzC9f/
+v5Om/y1bTsjd96TjWmTeXYTyf0PHuq1j1B6+6q1DdGWmKc6Nsn8E1dNDR3Vf5m6x524s98Va8k+0
+lub/wIqVKOr//i8g0S+FA9rBdRx+qMd//194mCp2rMVd8n7bVYihVk9CXE/uBZMaZ6+YWdTUgctr
+sv7nHOGD8v1RUOrinsyq02/kGkFDpiSWk9T5Sgt0Qqpjyg0VGRckJnmpGYAitWXFBmiJs4s7BrgO
+Ls5N3BQy9LyACuCF9DKm0lDLt6QU/Y8g7T7S1PWeHr/wmZ+TSjB/panp3WKHvvvZnh/HWvmZQrIQ
+3Ytdjw1JTVYSas+OgJ7WBeBuFPLkjyuGz9kW9rUqwHs5D/MEd/BjBaPJdhrnkJDqQLReQpzBXCKV
+uriccharFAegNvnp+0F0pbXSY7CPcHBa7cBiJf9U+b4xExaeXy2s8dz2t0785eMF2NQuDurep6WG
+KulnmiyAdI2E8Rju7sr0kalaCjiQzjssVO8oS1tBxob5qAqkmGggDVCrK3XvatsJLJGTOXNXj2hp
+AaC2rl3AjSaR/tFKGBja7CW4NHD5LvFetOKYOTRIxAwd8hp2QIZ5WEY9l2K0BDBaseJ2lOczexKo
+rAKtAmuTFWyhajvrJJd7kxLrIOPqTznYxr26nUPTXs4Rqk9uy0BGLY3OlNZQjFx5fUrMgLU9Hw72
+JO4D4+Egad4pfmq2Ezl0TFvlNSblk+aEB72m3GJtx+uAkZOJ4E8U8quJZO8E3fyMW7Pa16XgrO3h
+X62L8mskfk8RMJsdgCtaiIgNPEgpbOzg6gb+UIys5ummuzSJ9RTkFcj7GJD/pFqCqCPPsUnJDrgf
+42wnnDrNwUGMryBGNuIL5yYZVJtTbBDP08rVJhqC+yEy/Q5yYt/J/L0GOJm1BPVdq9ku7s6H1LQC
+mv4Pss/Zoh1kS4U8RgInEwev4c7mJgP3Scu8unFwSXXAe62yd1ElvxjOnxDDvnDR64o0CvGoznk8
+SwbKU110W7QovDMDT7bK3Q+sfHFldRsqd2PY8ck9BwJmTs0eXZ5ch7mWHcUKee6cpokUnqg5YpnF
+zRfF12xLaC1z/5MS+K1pN+nGqYd8Xediw21j5w+w2YooALrZer/nBHJ2NqfvAAMJB6W7YI7492QU
+sS64eLXt/1G2Ebai3hUp4Rck7G5DLhT3HlHJg0cJEX30AKDQ92RY+NEvVDoIUSUzFt9TpyL5ENqp
+ziA0aZ7a5UvwqjsUI4Rzi5tlQlKPOzOvMEz3In1snHm4aIJ7YOc31Pb86dryFBWyPkQB8j0de7jc
+wf2XChuABeAA+6UPwd+ZNlPm/ZmSETkXftPEuGDjQ1JaIAQtBfLYzFvwZj4etNT7yKMDnJvjsQmE
+B1sjg4LOSX1wAE9HBznhjmi9qsFgDt4TF+U++EjdB1qN4nHfTM5gndonKa32KeW0spJFY2Lcw6aK
+4qr3fb4wQ2cMZ2VF9wyO0moS/5pjAQnNPKfSkBvdqp/QVHATkBl1p/eIMOExdvLfPXByfGqlF4pc
+kmeszOEg7Zz6p2z4m3l0dQRpSS3IIIx3XFvy4Zh3Zgy44jcdgDZ3u6o64/JeJyYZtSgJDmYxXOZp
+nu9NM/0dgWcwME+q0CN3vnH4yg4IT7kpdr8hjt6t0h1fXYFlMYjJRyytfSy0gx28a46Sldu32/ky
+6WvTGMFzEu3qOip3UYqjcG7GbBcz3VvR5JSHIpE2yTSxZ460nJa5sJl30DZAYyS55epGjvchEHvq
+UNhOTWuq2jL6yJ+QmRp6QQFnesSDTpHBAkXt5cmY3DvNPo+Yh/EE8v8h+gZ0eGbFS9fI6Smuv/pO
+V3t30I9Im4vLoTbQ8jMKs+RoHGsWzxD+QAckDDqvX6ZPbtnk2FCK+tCr9CVoe8G0JqKRpPSu6iHM
+dK5V8rG1WOYclYTSTerzQ+g4O4+HlBW/KGL1BD9/bCNayamKX+O7hTXcxWsznj8qp5o//InJBDUA
+7/QLjusRluyxeB74LyvMplwqvCh6ozWFt5yI0n1tdC8j3uFnZ2yOvpc560q3bZhkhX2Q7sigOQ/i
+zeI01RHbSvRB8cEOdTOlTvqHM43dps8CaMzUvdGPYjevTu+3+K3paW2HrURo3XOV3xrOYSyRuOci
+L9ZgU+JtRofOJTC3UUVLmdFUGNeStkpoa4LL5gFMMOvhN6i4o6GG58YsxIc/6hemT59YiNA6A4+Y
+VUDhymTJm+95YTXNI8lMhoDTo6MYyqnjdiFmTDKA1A5q4BCnuZLdyVStScscHVGM0wG/1E5NCjvL
+AcQUWMVdG4Nxa3chRufh4XZG6c9/zAlvX9oGujB6EC8iQz/6CtwP5ZfUQdfYZlP7jfVGvMakNCuq
+SluaXuxc7ZwU/mLF6GJOGwoNvB/xYAY/GpgBbsS4pxDCCc1ENuDa/soArU8n1dWfnPI4Mz82uuWP
+AF1AwpYCpDRNnpQrD76gvtYmzgL6Dbqcm9oCaZrpoP+TdqTNdylnZFsvVjEkd8clrP6IbsUwXj88
+e9ngWNkUxTw+ExBZCV8u5B2nZ5LA6QnjWA0QeqxWkAnEaRgsKoxZ47eFG/UXkTtrijz7nRuXOjS7
+xd9aPdySIs3PVX+hMCPHnaDd9ynASmfNHepkWyF76B6vtFV94a8FEc7sP/DgoJsC4un3kPb7Ybbk
+OiBPe0IwKi+lYAY6OfuxttsjHMenCL/2p3p8mHShTrPO//jTrE+M4PRpDqI9tzLngE1fXzJM2Ze2
++IotMW8lxIEwoccpE51z0y3LOaVmxWmKJV6B2a0vzC5/lxVsm8bnzxf4jTaVxPvsZUa3GR2FTclV
+nAMsyhwLcpA0mEnLsLdBVN/MjIqf0gZSlBfz1mks2Et54hOkiOd9O9i0azSRtxp8IKF5N+bHgFeM
+RAyEkD5xzG0lm2Qb2z2tgU1CgbDhcyRGTKd5r/YZzuf1qqZZDQxe9iR5C1zBkC+rfErEDjucTYQf
+R69MKU2TdfUkB9GdIjqp9uMy/8JwFhyhIiyrhhAh0/zsb48BY+eb72nWF2/GBXE3eE0NyhJ7n2ty
+H0QsndlMvs1zXuZ4Gc6VvdScWUuaTBYICpkwh/0U19eJ+dxrbzII0UhxbwTwgddzqk3HKlqnopmO
+VZY9ywJUeT+QIIIaB2thYiRuu94Z9/PbHBm4tDP0civATp+bkfXc4KPG/McPR0duup6rhFN/C2nJ
+McHECvfP6Hwx39DhQqRWxPrsenZ85lSsEdooHDHYczYIcHFo+YNcA7RHbo/zT4Z5zcGyon5rYrmt
+2Tix7zmXCL2CnPOj00c5YOB9eR3Nz8hYxhd6Zugsr9QNwobcdZYXMHyqaBNriECVzvjL4c29Nkwp
+f/HhAxXmVj/EOB5KFQxny4vnXTMLWiAf7pCWzu3Cy2meZqXBXdcmAKSQPoI6s+mpLRj/afrffaPk
+cOTzHFFQPYTxkt4N5WtOwENyKqXdHQ0MIhiwD1VuvA6db+4n+NCUA8E06OMmuXTwy8y86e+13VBH
+RS4/mUiVNVZ6tSTbRD+47XNfCYKXjAHNasB6gZuB2D5F22lX9Kisi/m2H/+kmoOa42XVCSgvGQvz
+aC9/MwyJKq6Wl2CIEH05uWS5M6w4DZVAegLK95YuBfKdlqdRtga2dVWcyGVuvQBCom1Py1Y0VrKx
+zRotN1GM/DPzZFd2BxRbbQtFDsfk3bstqBVfx3bW4F7x9CmNFaUr3TcJvXC2PbOuEFG+Pc/Z+OUJ
+3vJJGoRG5QWnuDaiqyvN6JoWrCORh6tnkN4BfxQOktHm1lbG3nq2qvRoDDN2kKl5h6C0uFV3bLQY
+DmM3X6p2cqhgUOJtIYW7GcfY5Ijb6eeYUGlgyBOkhOwyVFwHBgerEMW8TM0F1F27ib2TVQHW9avT
+pB0U40im22X5HdluA3PL4hpYI/JpcrvhANB17fUEl+Xoxtu4dV7rJpZvXWseeV16UuPBb+u16QlX
+pUC5DK2o24tTStJzpMBJnmr9KmMOnoFZN7R3ESIXErm0AF+2nTwAzuRxieglVK2WfQwpYWTLV+Ai
+Nr4fJ09Rm4W2TL/o+GKOV1hiF/Q5PUfAF5682r3HVWfd5g6RPHrI+4XqE1R3HxSe44vtkBr9DYNJ
+vB9L3MqJppbJKiZF8a4YX0qUForip/GYGTkiYTXCmAfeNHOB6KssOjtZ4l2spVy2UwETfXaEuLIf
+ryEgmXfP7iyIlQz+kH2bbcEg5eB5V4S/9MTHb1sCtTn2IDjwXvvHAUDvsayTzyJx94mmOaBwaKEy
+ybYzLMHEpoWn9i6lXxoQzHmBs0VgxFzC2e/ERwWVvVkY440OdBOTG9su8/Bus440T1PyUbu+fWl5
+m+E4I28JQG0uPP1HO96LpdIt/ZLtZVhkc26H/BNTonEwRv0+Eyo4tIrGwqbv/aPB2AmxM7hFvVoo
+gQYeQgHxXxiu8q+B/X2m/lQa3i3iLfdCLORnPNOFvQTJj7rI5VEW3U/D8POjoC79cYP1aS3KjAOe
+g7+IAz+HWHH0xrq6EspPr3GOhjuN3hP/OI929ZGT0/hsA1N49riFeLn9zC1zJTvPXS/kK3c2Suoz
+BZoqXBxr5nRAg9Ig9MHuFUJxV12iWAc7v5X+iUG02tePjiXDm/As4bwDt1uUGL64u2U2FF1Dmqdm
+yTKqD8tkmyVFzgjPVI+V+mtqJ3PPDn0OPJWfTBJhl6HTfzGwfAzacJ5osXKedF37K8k0JNEwz5yO
+tSZlIUnjqj7XRvwquSZeEvKqvKisQCWgJbcad5XtdbvBS/qdIdxoM+IFOhV8m3Bc6j8EDsr7LHCy
+NJZYubATdwQg2rfGm8yNgM3LEW9Hw4R4V26e4QpgcOJK7BqtVgVsahBRsjLvlsE9iIXZ38uBywLD
+dzKxZL8/i8ljRhNnR9HYN3rlp1NXDzvitN5JyuCeEEQ9uthnOgmC1uthcdQGn78c18YpqRKkKWzf
+9UPiSQG7HmNRt3s1dB0XcVHvM7VsgOL/6TpZf/G3r1KgO79bZPRUp+rK9IBPNwejHdWs5WH2nTVV
+3c7FbeXrAhnuySk93EaZfYxIdexgPCy7BDLlRtMhiwJY/po4jLI3QfMTGKvs0Y/veZpAkG6sYx5j
+n5DjKUo5NBO2DJsAnJdK4+tMsGdljlhhSq5DQA9x97dEksioLJtufsDamLFnSYevzXTDZN7YCltW
+Y/BCKnghqavCXDJxhj9Arm9eENn1T992gfYpATRaeDhq+uFOCfNVuDghdaI/co8vHPU1iZJCiRyU
+UZskG8PJo4va0rPXqnRn6Ron0QQauyus0+zlEpVt6aHCOHC/9fDmG1SGrpwAd40/4thDGjJC5LR8
+o1v9D0i9dkds4iaAlt0eZn/2Su7KxNwTcir5V28OybnByHq10QYYsO9Gy04xVVE10I22s0351tvG
+4NxTe/QG6xjDOAasg/fYnvLJCK1C7vK2foljk0KscfydRALUu7i4MNE27pgypSL/jMcX/0CDoc4Z
+DOKVkwJRV7+XZN/XcDUAudTj1S0TdRBtSoy4frXtmN6K6M84Ae/RsTotPKGgEqhKh0bmAZNzR0jH
+YI9N2bI5+nG8N5rpt5GNGEK7O6tuza4C8Sw/E50yOOcQLmW8lIeWhTNnyOYvP4JVb7XNMwPcPx0G
+YF6lCtCM51/jpPRpdhN/yYB125y0e5fnRNo1B+mabSRYcj+cRNtT1Q4q3IyD7M6Uv9tU8+RhIZbt
+SU/VemgbBOpqKI81PercpSEHomSmn5arzpSf+quKNzS258ZfTbTOflLfrkDjp8bRJ6O/bWmaPsJn
+LdZOESQ74DL5pqKTcWPjoCOqwdGatjhmVXHBXoY3S0SFfTN74O6cRX0acrw8dJWuLzjjuLNX6R//
+Mciy++zu8mn+pXlLqY7+RkYBq66xFBpKdqRlVb4O+DudzsC4XDo0xMBWtWziqpXroknqlhu3PR8h
+26wTP1uOo+2SAcvYwvv6dextzCoN5NHKTZ888WabQ/kyRNmWeEW21j2HlIrT915OO+aa/OiStgaP
+OETqU4Y0wNTbsvYioL8k3uNYlajj4MzE6MZ/Wh/IkhqDP7T97e2KEzMFtrx5E40XSf9VsZowKfah
+b0a/mFktG7sbPtF1sUaNTXCkt9hfwexInjA5zus0kWSuSFmHkV+xOvpwnDpujZcRTEeKsqoYx949
++oxHeJM0Ac4eP1Pf8S9homhP5OISc6BVUBJcN4MhhTEvRnrem3tjBuDYCFgBHKsL7KcGzJ5Rj8zT
+VLuN9NJvVAzCk5nuvqSEdF+ky0shnPjEk6Z2wAb53o5bnL8f0pgVu5n0oRONOEh88ttkyDZ88n+O
+zWLdAzMNKy2MU1KOx3jJTr5Aq4tlwIVnrIbNkGZ4YWnzo4QIZ4UBBc8EZtnK4NMtUTiwQnfnmDs0
+nTtQwTPDx18+UzOrvP6D+MlrOi/PCSyHnSYUg+86CEJv6jZ2C1SGk7K8kn0iihx5I72DfNk1BX0i
+Rs/Wx6h+pyNz2/ZLfsMO+MFcBL+v1d60Mqzn0TEPjgY+5VonjgbAzUz3d8frHTb2oA/xXB0D+gJW
+y8PlTirP5L5sndNFzgeYH/FRe2N5aoNm3PuAyC7L1KPZul10HTrb22L7VU+lhtCjO1EcJsf7tOZ4
+vIH01MdKlS9SD6ySAuSSW6nxBZF83rrqYvfC2c1sBLe6F0AHM/M6xv1XsHR4w+HJhaYNy03A6w5c
+5sb0f1PFQ7HztvXs6q5YtYymDK4KlASfkvonSfjgDkU3XzdF1ewyOQsKMIqo2VjA+KJmOadp4XO5
+gzXfzQarS2oEdA7nyy1zmG8wCBl3VIj1VfO7WSDs1Lm6YGoSL25pqA04tORQZ8u0IncpAbKSg0BH
+6Ek9qYrKUZ5VR0V/R6//sg2F5tszWjd7geO5djnGW0Rma5c2raQgvuuWVXGfIvE7pQP+roK+QbXN
+Pku7K0C3zf46077zlPGpleXsb/rZulkgmAqfMXRJu+pU4vYZkzdzNrmyVdzPLHBOonJWbtGCBlgQ
+bOcuoXF5WEJepEaQjl9cD/QAYJXJ8gSZE+DtI+VPISFT8HIytGT5k944K3RToDeAtYm5EYvbGooI
+ZF+kQFvyr3qAIghWbqdIni7R3CM0EVPOcDKeWsVSDZnWPdUPL0Jm2Z85HaYXpJ/1QEjn1cydbZBP
+ZFQgSK7SVEGz6KEIlarOuQeQDE2BVV3rTDvcNVtNZ+sIZJMVBesI5PeWN79amBQVZqHB18e4Kcqg
+vJdDDguhnz4qHxtQFERmaKqkex2E64SQ+wxytdY98sf+AAqlOxbS/60lRjhkzFXjDvXRUu8q8rw7
+RRpcnLyT7TntlTPH9Donx9Zw/d3CX8lwTT/7PkH6oXnAU3ymTbig0gN+Cd7RJbqRD77sOXcxVsfZ
+8jE4bvlalNHJitx9UeOEDLB1hRiF0fAi3EeEAagYGkdnpcy0wZtq0tNtgMImSY/e05oBhlfolRho
+MRV1xmHM0iqs3M44KQlZrGBAASHGpMcNmhlvyGs7Uhdc6xRr83+ydybLcSPZtv2VazVHGRxwdIM7
+uNESEYxgI5KSOIGJooQecPTN178F5rMqiaKRr/JN76BolWaZBAE4vDln77X1+T5GDQy7lk5ok7uL
+SGm4c4lKI7ke/UuuPs3C1NaJV7q7qMZwWDnzPrCrzQQVaIv7sLsdpbyIRV1fgf5rtp0FeSTPiAFu
+9NTPdONugrR9xKJ/kQ4pi05mGJfsMMWxbZ7ViA2zEdeqomnbZcL67LHaA4Fsa8o/MXvskQ0p/m9r
+iyhiV6D1QbPOrbdiuI714nOU6Pae+qvGph0Oa0d7ElejRW40pcrtEGrOIZI7bLz10dVFfMSCy4mk
+qa/iQCPqyRjPI2PcHFTCBNdC/wSQcDV7zTlhP4D1AKhBS+ZU2qbesQ4onYsBxWdUWvXB0qvHkILu
+vgmGdCMWZBAuj7XCY07dfDi3enwbVr32xRHBFl93rDgNR3Z7k6LVa0d3FZRue5A50WTUQc9V1ZAl
+m1TtNp06ax/Wek3gt0lEckOIVULKNHgw1e41LPerCp/JkbRinDNkqgxa6e4Z0V+QwdX0XfXhOiLq
+nA2judeZJU5FSo87zdFx2/nIVkqV3+zaD/sh38OtmDdU6YnE0rXhTOUQFGz3Bed7c8duuN8FmkVj
+O33K5lxeunQ5F5Ahdpei6veAQ4p9a13D51IP83joHTPZheXcnpcSLno1pkLDiS6cvpt3WJPxxWfk
+9gW4fdmjlxtporZVqDJvva75nqNYzGuzvTVHYiDI4oLb5A73Dfnn56IXxKgnxj5oOkJqPTWu3UhU
+FBPQQ+2Nqns0LLATTLzsztw03hsA9ibL8A5DKNOLUhSw72MTExZw8Nwsq6u8e0ToeuiwgB5p74jL
+sXsYOAyf2JnT/mW12ZdOou3gv1AnaCKQPkLuAsrmMfufrZSht4WYtVKJ3T/kk0mavG0+mISuDXHZ
+IKePADFMHtXI2rI3U9LFOyCCxlpWWFzsQk82Tk0vOyv77DCTlChzwzr2Djr2DOBji/+OXoO30dsQ
+14W4SdzwG3Ztf05bBRAz3xmFIDfQvOstzoFm2XOC0e0b6kSU7GrOUcueLqjVJxDhq3yi1zIs+dn1
+pQgJmR96FyGce0u7+y5P9OtmOlS5oC8VqokDBW0/mkycnOsVe3JnF7ukLEoHnYSB00aC0Wjr4Sc1
+IWSHOvkqCr/vyllsJhPtM/Dp3XrwjC8Rkuyjng0OD4K+QmhQ2CVqE9UAavRhXN/NBgcvAwTuIYzt
+n1Y3AlEnazl301NFUMshDK/IaDy0tuYu2ZaAOpdg95weYpQkl0bZXHY2jN+A/mKFyQ2C+LO9ZIt1
+jlesifdUuCUoNKv4seHlc1hHv6yT0g0p6fNs877R/EZ1PyCcT8gcia+UGX9vTPMKWZZE64a0S9Mo
+cRaKA1PEdE4QOZ644SfZRiDYG+CzXfjD0AYPc2XxJMHtzya1zMpm82WjwGdsSUxgZNKhJlDx3dQP
+m4V/vwYiF+/7eXyUjXUiosDDkWg01HcvoOwAvMkwtSTWdN+FRAyodqnPlSsHa8AxpZfh6hGGnWFY
+NzaTtwxOmcwBEefoSuCQJVuhKqbYzBdVXiFBTghxgAfVpf2lA59IH7piH7FKpQEkyrZjy0gnawrt
+68qzLvIZS6EyF2+fu7L4QA+F2a1GizppoD/rcWis09EiUw3nnFBAwdlRNANlnMgjdNC15QlW87Oj
+F8M6lDAnbUL/0FKaJ1ldqb5mw1hzMMznkCJ+7li7qe17YgO3tdWi1ED0kNF+Xlt9HO17KKJGk2iw
+xsJ0D2KeDpSs2t3EPgDiUDHsGp39/8oqJhOCRzCSDFVyYk6hzkWLza2mcNdZnqBHWXds7ipsqAS8
+AbHIbgyNQgMlLRSV3pDuBl2/sqOkO+WWLTAp9cWGDUoKY0fvj6q3wcwOHZCd+Uys38lStvNUyp8c
+lSEPxkZ/buf8DgWI+JItYoBEtTvSjopdIlxwva7ZU9ErLnJAGn1eOFeZjdu912tzi0lzoiyPead9
+cqep3GngwLd91Rx1Q0Ljz9qvc++wHarPIzPo5YTVZCsFRLImpSZntkNJETy5EsHc7ypTTy/bGPp/
+ZybanuIscagiJTeAquHi9B1AWT44TY6kfLruy1L6tSJbUgXC2wxhKYGNaAEfVf49q5R1poJ+4ZQN
+y1c5mLuYCKF15Xk35DbUBzNaUi0KwiBAhSXn0ok2sGkJP+BQs6Hz5xyr5cdYOcSdR77WJ9UBI2O3
+HQOgJmrKqssFrgcIoGGEIcuoaYi6Q2gcRSrk5bAEu3rEhexS5bWnrDXPkWZ2e9cAj5TVU3KMJ/DZ
+IOVAFJtO+4OUWSfN1LOMBJ9uPA6YSYtxbziu6Zt1w4SP/gb5zGdHuPkRgFp+bFOz8ZvUvK4mzzkO
+Qf8VgnN56WqkJJ0HRMEXGcW005jN5bY4RY0e+oAHQgQmzinyqnlXDs1Phj1YbJwjTTVuKP6UpzA3
+byyIRNMAD5kd6DqwR/wkWTkDGXEYwsjMmZOmRyW/GXr7Q8OtxtI5lNddNFFf1sUDfj/omY0+HytD
+1PAHlboZyVQAb8CGaZbhvDOxt62pSu+VYeVf8qi5jbvsK0ZJt1qxsF0FdD8+BXa+GXT3xzgk2Wfg
+fnsMmOqxNBxQ+pERnsy8JpVD66CjeovcJErui9RLLtMpTy/Z2N8TNQDGfU6CszkRN6toRV7GWmFf
+hDCcNgRTgFrMdZJjCPsCrcUGFFC2FUM+RXwXr+MkZj1GO32JlKokNiT7wZaJoI6Y6qfFkIW5n8bb
+Iidh4OXHVM/eCTAj32G1QUukjqAXxwNN11ULWyvRm1tK2/Yn5RAEOwSAjATU7Fbqt3Z7LSuTsaw7
+4Ne9O7OhC4tuNj9jLmATJTsKD5V2JNj+qqE67JvgwS4SjXDTGqezRYvtBMcaI9ZEn7wA9o2XUMKl
+gtm4FUu3fsK9QbxC/pl+JIEDoVIbGlEoSKrp2jIq13dS50ELy+Gyg5p5GAL8Q/m8ddq2uQrr/sFF
+5bVtCNHDLal72x7sPR28PqdDv2o7euhZkjaIC8YnpRMVkbuaOoaqYvYpgDkvJmRvbG9UXWePmUNO
+mDOF24oswJ2m0ulUJOnz2E5+blVyC3RPP+ulbq1TeiGbfEKlbmSDwKVcdNelA5MCMfCmiki10ReL
+oEFdsEPOc2qscmPXo6R9jISyoUJO9aYMNloZvwQiFmuU9YjSRse8sDuFbzIfyWTTwqNXlBh2GwFF
+TjDCYTit3emSM3F0XyX2M6IcOFejfEgA2m4pZwuUlVF/U0wDXrKkP4JlTk2SxiCHljf9gBHJ8dyZ
+5mBS3mhzPFFybWzs+j5d0vYhh8d6Ldr2M1owtnbSqfeYScD1TWT4uejxeUdkwRISuC3mPDunED+7
+MaDcbgaJD8Ihugrohp5na8COPfyY4rZ6cmR3TJJJ+rIf2v3kqbNH15IFpe4uhKQmUQ/W2Zma0+Da
+JMv0EfxzFrFtDmBxPVHahoYKBzEV9jEMYBWx2lzYtBdw3fKDEJ5FIZjZBPA6dPUd/DF0qzYzrYCN
+QmFCWq69HZoYYb1JUU/YX7DdR+fONX+UU8V66EEADUCndZk8GLLDszzqh6ZFxFa7nstMUNb0RkeH
+kKaGEzBowU3Ux8jvC+erURkenyI7TUehi9TlfGc3Oq7moP1ho25d5WWYXwgXawIuTihADu8/ACkI
+8WC+tk1sVmnWLYzMhQXv53P34AbAaL2I6OcpAlQ3SPaLQ2t/mSb9TMEa4JXZPJLVSFknINTcCr0n
+YjYoJAAsnJDfDcNtEuuswnwOG3OicYxId7eUkLyFxibWkVIPZQEzqg80H909ug7M5lFWnYvESNZa
+Tqt7cK0nnZrlJi/bh4CAD3KmsU0SfjPK6sHW2mtcbz1NJs3nvxHHgjIPIIX7aNKvvRqAojN33NpS
+55/0GWsOXGUvTW4t1GvCaO+wtiS4tuFau+iLEQJg4yLEHDbCpJYgwgeka2LdleCgODIeAcVfOVQi
+9+DxEFZuLKMNPlG4azE+OYdZec9tQXoRNOQ+m/Awym/ULT5NwIpRGRgmWmBo/4ZGvEVh8ezb0bh+
++QOJaID/5jreSslrdgJPVRE/ALS7NJrxHPSYyIX3tY+YOMVAiGeVBZ9ziaSAVi39p2DfG7RTljfp
+FbRaUDYtrjl1kMIrrrTsWrFqTK7DQquwGXoccHeECTinRs2UUtPA3tlmi/uiSz8lNiNKdznu6pV3
+Q5XvMDudjbispg40V/sqxSg8Thr9kOVFlkssNRitnQbmGcKTdRaLzmQqh3gv+zI7Ux3Z4HuyqLkG
+ZKpaaMU9DY1cSKRS0+FijRtYTvVjLWPnAnnfJk5bQi2r/vsE+zascCNm9qGIiUughMg9xpyqG3wW
+5IURUginjPMVO5uIB0CCzVOk0IhGcqR2TE9mo+pxXcsBW1vOiKN1S3Yw51IUVTHUyjq9HEX1ib92
+uOjn9CIZvRnAp/kUNHXp17XuIy5Vx5a8mTUlagxsQdCeKYVb9Gu9Efe00C6Rgsu1iJdU3o5k46yL
+PAr5Hfyw+jNcvMEXoXWVqGmPPulWS9hJddk0r9LAmdhnjNMJ9PO4hXVt4RRP8iVQBIcZSy42WgcN
+urCyy1Q6UJMqnkydMFLUYKMRCcrqGJZIdAyaZqw380ZjyKwHbKdsmvjSu4xJwVmA+ETUryvbAWqZ
+m4d8keHFOS0TJquiAgWRuGnC6wL+Z+bAvuO2uyE+14PHkFNU7CE6t+x0fGJ751WHjLDA2rXNQoTB
+VRkkVy8/YI6kV203fo3zNtjoVv/cKYXaecixw2dtRV6PGEieNVGLVC5VTJxuxHK6e1fcEt+TXhY0
+Fy8hUd55huX6pbD7A+C9T5mePJRtgzawsjUUejyDkb5igZnsRupkzrXNHnv6vOlgQY10lm8ozD8s
+ZMZT2Kg9PJ/5Ksc5hlh4p99EM1XkfDHW6ovFdl7MtuFiu81eHLjGYsaNygpb7ovOc6r3CY5dRy3W
+3YCjLtlfdN9y5zpYDL78NTOHLky/7mL/RVQUr6fFEmwt5mC2IUjidAzDWi7u28VCjP66QcxGkcks
+vOuI7NtLkpGsdbaYj0F2bhwTO3KAL9lbDMrmYlVOF9MyNCOwtKkyj3As2guzyx/pbF+7eJ3bxfRs
+LPZn98UIncXk5BRi4Fxv/wQGJg+JU0H3xEA911ip1WKqRoE172g0tRfUsJRPAw0l02LDThdDdrBY
+szVnMWn3GDVZTQ7kRKD3jdqdYWmcKxzvhjl3IgJ2JkJrMX4nLHMCJzi6lOicLeZwRAYOi2q6Hxbj
+OBpJ0ugXM3m/2MqTxWDe4zQPFst5uJjPh8WGHi6GdNgH3oW3mNTnxa6O0dBvFwO7+eJlTxZbOx/i
+pewxuheL5V0t5vespvDgLoZ4Z7HGU0FvwB4jyRdzCTg8zssLDNNEjSqqneRrt4d+cdnDAnPWoIiK
+LcvjuBsXS35NRSVfTPqgYccLirmINDDwj4uVnx0YEq7F3o/iOr4NFsv/IpQ3Iq1dNz1SiGr58fL/
+3Mb1fFXuKGZAD+CYjr58QQoYaF4RreY/ODvDG4jN6dAtCAI6hjhboBKUuBcJNrbtlUsr6mAu8AJY
+R+MCMxgHNiVqSm0SYPLuEsvnQ4p+YZUIguDNCjr2vKARxAJJMJ2HfIEmpAs+IVtACnJBKtBYQtS2
+YBbgZt1MC3gBqwnoIVgMWOq/Wwki1nLBNIzwGvQF3OAtCAd7gTnA//jWcZ4A5JheZgvwoV3QD9EC
+gcihQRD09zjiATi5yCydbN4WAu6aN3TQ9Ccz3EZD1JwSzHps08qLMq4g8tUCE0mgiM/BHnqarwcr
+l3ciQcg/xoXajoN+nUD3xneI7chzeWlOuG7T/uTaRb7tahyVlkuhJqbEemy6+AufPklc4bFdfpSN
+qR1e/hGXyYl9TniwejSZQYXWPE1a5KsBkU7Nogx0QW43VPEd4/C/brn/p3zYhb9mY0h7xzD3Pxz/
+v30nn+DNmNh//YK/vHOe80+JQsrTmfOww1mm+Mf/jYr1cMGBjCP0VQgO+s6/qW6G909MRxjZLCls
+w0L4/S+qm2H/E2gchCeHny7tl//MOrfErv6V1+o///c/XOnajjAx7+kg4lzPsfnjfjWuaR7eoiw2
+pe82ABQ2fVYTO+XhjN16eRBCCDUofAfgFYRlxdGGeiT0rh4w6S/P742A2AUd9+efAbTWE+hgpLek
+x/7in5MzQrAwMaTfxfkl7eIny02q9fvX+D2B9q9blcIwpL249Az31a0GHlKMSo8sX7Fti1be8/u/
+/q1b+PXXv7YADpNWBy2/PssjygApxWcX5O37F8FN+cdzYjTZLqUi3eRB/f6caG2HTECJ5Uvl6QTP
+dCgHanvnJJwcazvoP3gtS1Dw69ciLVM6rmQbY79+LYOd9w2h9ZZPTIx3GnVb3RsZRkDyEtTd+3f2
+1tuxMQaYnCbBLhuvMosbvSPt3k0tv0dRuNbsEiVPle9008WVIAwCEgEpvH/J5WH9fneeLhYuokk0
+haSU+vvD7PSoYXvasT8okesW2kMbKYeIY+RjjhneNUqzvxaOiMHWBMUHg/HP0eLBUVw+Yz48z3XA
+Nv464IuZALTWriVIfK9flf3IUSDVt+/fIJPWHzdoCGKrPNt2cOe+Gi3SAFEXV5X0sU3t2hDip7F6
+/wpv3YZpCdPkGtL7Y4AkOlUCqlZsOEp0VmPfEdwWhh8M+rcv4nIusKQBzPrVswLEmMPn0kyfQA2i
+fMd956qbv3Mf/77E8if8Mv9MNeFQZR0yDdYgAZqnsYYt8v4l3noZpmtwGgDtaemvX4YzNsINlwFO
+KkC3j70QlVsf0l/Sn7D47xgiOiAXGhTvX/bP78rTCRaXy6VdVL2vxkADYz0O44zvaiTdq1Bl+ykY
+6DE0KRlPhaWq+7zuouP7F/1z3gCea5iMi+WaGJd+f5wyb1IYDlT0s2k6g3o5IIJA7ap/8NbeujeL
+Yc2M4fEpy1dzhvJKSZpeZfl2fk3zf2eM8m98pra1LJFME1K+fnppoMu2nRl6uMXscUVfPNoUoVl8
+f/95vTU2XOEilWVSX+oLvz8vbHYcy91C+oH1WaAvnT4afG99Qr9eYFlXfhnfKbqxfCZJ0i/tHGFK
+OapVLKf6g6f11mt3nWX7xLMyDfvVbegYV9PK5CqVNYXXURHPuBec8ZYgLN1//4mJPzcuniHY/lgG
+U7fJUPv9jjQLHVgdMbe1VqkORuYEXwNQXNDiZJdt+j5HsyeN4lMsXVKHinGsMcNJeXr/z3jjuRrc
+J6sIthgde+jvfwU7vqqyKbz7FD5TJHTBDQ0y94NP+K2LkOHoMTKI8XCMV+sU5tIKCmRPFcHp5eM0
+I2OdkUP9teGHWhH+IEA8m8Ky+K+iy1nAirb573+8dRXajxabTtOGpfDqViwbn4ZeIylIBnnZWuaD
+w8nngwHyxgfLbvbf11j+hl+GYTgUE1IqrtGDVaQVpaaLcNTog7TVNzvSffRz8oOH98aY5Kty2ZnZ
+kqH5+tNC7m2WCP0NX3TmodfMi7jevD8G3vh4f7vCq29ryrAtkeVj+NKjTxBPtnm2q1Zum7Igl6HP
+MrQ4ndySlpht37/yW69sOTgYOjtCGBCv5vba0r0WkK/hp5OFNykldQ2fWvo3nqBnCoffJm3JIvz7
+S0sz/GauIyx6HUm+K+ehPZmO5vm1NakPvuq3bghSNVgQ20QU9HqLPiCx1RR4e1+NvaRZGH6HaR5+
+8L7euIgJ3YFNprnsWLxXA72KZiCDdPt9fAeCNELRQvh1gw+G+hvjDvW/5VgvTG8pXi2B4FKbBl+p
+7VuiBGlEAXeNlhE2QQqU4P1h8OalXJtKAmBZ7urV/IBjkcSPrHR8L7TOoXdVoaxR/QdrrSnefG6/
+XMb4fRx0mJR7M8LClZgTrgHDJAg5zlMVb9qgoNvbBt5lNNKaQ6WWJNdNaVXkw2WhBjbBbNm9S3Nu
+v9Q5cEQyZnC614mi1G0WcFYjswMYlGLoitcQ1fR5beMpA0MFIfxgo7h9GtBY1AixbGddI4PCzl2T
+UbXOFFz+naMS9C8zJThChCcsTspJu09jQsVya4STuPcCr0KMb5YDEglUvOcuqKprldQOyegWRjpr
+UNoABWRon1KvMg5dHkFWGsLke5DnCTrhgCAR7OCknuwgrhf3cBDgRME3D75Grht8VSNyZlJminjP
+9wrEKG3N4nrMNfNrYgTRt5ou+67rPDWvrTLDL9k4aMG3Y4NcfRMZdU6onCBRDVmRSJCFLGfucTl9
+G3LuiCRugp07Ngj7anSh51FBeiVUTSfWq6ACKDS3uE3jxCXob9nTtcvuLvVszvJEcfiJ0078OyEt
+464LUC9b/W5yqvZrb4j4Tosa44EIuuBBoKpMOI2Q0OaUEX1vnViWOpcm0VV8IdJxWrh8SiFmjBxk
+8IIWPWZWAgsiD+Bhxg1gA8JZG5u6BIXa2ohE0llHlBDpqJcjr7tVmSZPKvXCo2US4hqNhnttje5E
+CbPqHUmblNgEfK5Vw9hwcx1UiI5aocJjg7xcavK2iAKZ7Ts2Zl8woZO3jA0YjGdRB9V3+Jcz7zUL
+NnQDCpp4jLFuVZCi97kWI94P18pJcVJ2/LVGV7+w+RLM0SZ+Z5CxEqQu0jUNBZ0gchKM9GzQskp0
+Ktsr2Io5CKE6tblRfBp7xKphQjefBAdyyzJaLXHeiU+LTL7M6KzI2h+k0vWtCjKYukyiGtRah6GE
+fsDUs59Z2Naxj6jX0gGPJINKt9UMGXlHnnDk3mkkC31CIV7SaKYjosVGfoUqfroalU1JFW/HNzoF
+va9MhsdT7kS9uApBaNBxZGe+lh06WhHgyldxaf4UHsjFbijmddORp1dqXU82NKwSPKKIILpmWheB
+7PZNzGerWUAcbUKidpWFSXgVWuSiIHAhaIYInOnW5mNMV8MIqXtl2BDqKs4zP5hV8Z5ArbtNxdht
+E5pU2yaOOr9PZuGzjFDOzk2l+Wnn1BvMsO5Ry5HBJVkMM7UmLI2OkLmeVedRWS3Fqujz6rIOKUnN
+gZd+bwO7R+FT5J/j1ioWTUGym1uvuUV2GF4RKjNsCWjh5C714hsCe+xoYqyA4Fjll6jOrkoTvQ/K
+Bm04WHlkXpRu5l2WVWhvqdwVqNgIIg2JL9lhy3iqm6J5pMebVuuItJxHAmBwcvVN/6xb9bShjp9D
+uCbArOxljE8maajaJzlCHM1hoJq6eVXFGlLqjGREJyHKD7+5jrR7StzH2DHrn7Tlk2eMlMHPup+b
+YdPWizIxcVX2BQ6GdyRzJie/xlZPBAxXu7iNwiv0NcXnoZb9UUcXt+qttP8ZRDptu2DsdwSAFwTa
+JCQGD7WxxYoS7IvJqpgGhOYdQmxwQNGRKqGTifnOARlAGkYmJGWBgiarNKZmM9XuuSCNiNwRZ9ui
+d95URrz1Isv6Tvrd6OudWx1GOzB3kRi8bSskXXW86Id+dsZNWZPUZhDn9dx3ybTTrQTXYWqnBSBf
+imJZr7sX0imtrwB19Psq08WNIpdIXwVBNVxTpIsxHM2zbzhWeHbsFFI6XeSdW1naj2LOwu/vr54f
+LWuvtgNu0zAlJKyeNcsmrFGUXjZK6/cvIsw3tr6m/svqufwZv2x9NXpBxTBxGTIEjGFdtKF3cM0y
+PAdEtVurwKSGvB7zftG2daTeeJH511qI/xyeVYZr0WwR1BIcgNayGOhI4bhGNGzN4GxWTp5mN1gQ
+PGNv8swcaEXT5LPRIcJulnAopdY+D5mjn9oeeWYbsSqHgMpJfYyL8NHIQImTXY5dM9ZUfmNrxvTg
+hum8b9RYngdSPvYS+g75rVldHslOC649KhZHEwbmJ5TYPWianDaOPcTBVqVFAgYiwfFvmdpTpvrO
+3OKyk9vACGN/0Ibmu9Jp4QOprbduWhGxOM9aVe16qxKYJJqwIBEj6ktasraFemrDXpo4DeZCkk6N
+fIb/GSi7eMaiMOCWFS02Isy7daRNj2YWopIYoQojcOSQiKBiBLayRbjZ+KnQ6McvDRTbgYzVWukF
+uZy2gQgWwzcffuWyDsw2yo660DduNabfy8lRPq4MjXuAzobsXjRPhPMZOwBB2ZYAgGDrIBldout6
+/A3LI1FJJI66VnQ3eaGXRwkc68mxkxgyxJyehl5Oe0/mzt2AzgDLu0C5bwhQ2UVX0SSyKvjcqLyg
+8dnPGn6Oi3mKlK9R3tlOaNGPcmahGnsgXYNWnwNtHPa89GAtLDqpdGd/5suK5/BKoP6M5ql+WQxF
+r3kbmrrzdb6slZTTDLgnXYeoDN0IAc+DUVu36mWlZXuAZs2bDfFTvazFWRU2S+t3WaP1IQ2hzBLj
+0axLSwQnbAKOP+QmWRvvfzhvfZ18TB4nKCqYfxzfsIlkc9jmNl5FeYHuaEd3+INv863ts3hhFHLw
+EH+couYpmASCEdsvKpRTjZN+9jCAYvsDS/w3bsaydNcjmQfB2KuT1FTItGOhtP2obustpVNec+P+
+5+d4R5qcAjjwUh55XRhxlVU2grcPDcBTJzeeQ3BSsRn8jcfm/NXW8iSMx9eHz8COR3Y6rOtV6ZDp
+QzdVV2wPTOb3/7ya6BAOIUxOUxxwXrcG2OSmIzpP4VP7NXwlFkOZDQYVPdUHo+2No7zjCjp1jDj6
+UK+vFEoCfbS81H3GS4Or1S0PpLN+6tBjgGYE0IXNZTXreJDeHxhvX5fiNic4vuHXR1I+Qysdq073
+JTxuAtET7zyMgzFd5Fkm7qOG1N11Ew0gugj0+/z+td9YmFyT4j3tRAk/8/WgDCIhgizKZ98um1zd
+DHNLAcsxe/S55VAjpW8wZqGs8D78HN748FxqMpbEoC2oFL86tzaxAifdYdsskwYhW2n1aA9yM4IN
+2SYf3OWb1/KAl7oc0ajVvfr0SnsoG5UOkw+IsDnM9NDWFH0lErv26v3n+caMRa1e2A5FA4MP/VVR
+xgnYg01Vwi4pik99g+5CBJv/r0tYS230l72E6/UjOJ549Hv0yWT+VOXwwU28NSh+uQnr1athdglk
+06Yj/tgQy5u+FvDsir78YNy/9VaWxhTtI5ipnvHqWRnKAi6f2qM/1U59wgBkf55AQl8Rmhnev//M
+3rwU9R7orC7/k6/uaJhnR9VBOvnV4IUaO49ZQ1Ym2v1c5smn96+1/NmvGosvQFr62IItwMte8Jf3
+w4k2ci20QL6GxjBcp/mYby17pkThtTBezKlAqJYbwtzL2W7hP0Tj9EEl7Y9GMQ0R3ebqhFoxTb+u
+5hpsozOo851voKka15alAZXutRSgrJ1+tdOyjD8YlG9e0SUagi4G3abX/S3slh1mZSyrDaQ0aO0S
+AFPaN9N5knED1a3Sv7//lP/40JZkO6pe9IxZf/jdv38FnYVjKyr7zsfEsnXJLLfy6YPy/h+D5iU8
+D4CxY0iXO3s1Pk0qViGb1863UQFC8SpPxJP6ZRs+vH8rbzw7QbFDCrQnJAC+ngkJQe8z4dQd1RBE
+4W5zpc3Gui7jfWA6F+9f6o2nhmqE/QENLcQffzQTykqJjkgeP0N+x+pmqaOHTvJvXMQTwlh6z9Ch
+l+f6ywdAqlJKKOvEqXQGiEf/fkEyxNL7TzcGS9tP0q8wlsI+/aDfL0NbM8knZfV+1HQqhrKkEWs+
+kJf9mfIusv/3b8oyXs+K3JFr67pLud0zDP7h9+uVZY1JIdIj3zWaHvkZ1gJ708bldNUUuXk/lFT9
+FcTHdANjAXO4E4ov5LYWd0WlTds6WvKK3NojQEVmPZUUJexsl7YWiHTDDsjgFQPJPKVL8WQ16IOD
+NNiBbrc1UMXoK8IJIt/qcne4GsGZosBO5+Gh4bx+6yU6BhmEtkkZXqp4dk/zDNKjrZCFDBQdarJI
+TBOeCfkjI6xbqpLriLg+2L+qR95ceE0ALr9DF8mw8IEfqk2ptGer7ePdWE8cz8x+vLBGcFMevkFk
+fhQ/qTmH69AL2gdSHojukPpM4VQkUO5mUuaDnjNlIex0sxD3OBl684SeHk4OQX8CMPRe94oYoXk4
+mw7qV6gTIvQy8L+oI3ZNgxooC0viWbVMI19akXenkTN7zKfGxJjRxIeWI96KBMXtbNbpLo4VtnSn
+Ag3RdX1zQQq6dRnntbp2a2HfFxqBYL0Jfa4KSfAYShw7oT6RCaDbSFMHhcyavc89IpDcRDrN1emY
+roeUnvwa3FP/aIb8wrorbTIggtC4JWPXvaM6bF/Q+OP5ScKykYETURJXY3ioaixyTTLZ16i57Wv8
+yNq3wYAkGWVlcR4GrQMFFU43ZVTVP5k4u7MnszQ+GODyn6UdlJRiiz70iudskupLJm200W7KzpWj
+Y2+d1ax6Y+NkouGU3AJ6mT/hwol7iKScqgnNwnKq63BLldUJcRg7D9WTTn0w2pixGjH2EkseH5zl
+lI+Edf7GuTF2trSyzGBnjRKf+zTGYbZvXsoK9lJhkC/FBvVSd9AEruIm09Lb4aUmwQCjPgFIj1pF
+mpEgiyt6qWFUMHDuh5fKhjKwMq9HsMEctIIpPOdLGcQmsz1Yp6Rw3BSqnr9IvvYfPObuIqKsz67b
+LCWwa9IeUT8a+arEnXzdTXia/NGN3XGLGbJ4sK0kZdlJ5TkK7O42TDzvS9cQMmIvZLyuk/NpJqKS
+7Da9Lj4xPZSrKneno6DygFgdUNFqBqB2sN0BRqqcsDbbKdJdTRjNepm59xmZiTZuQeT3bUaskMiH
+yrciGJH88cpbh1013vT4IRdmCjlIadcYxEVZiQWdcBofa3wrGI4J20DNiqD8m6a67lhMue2tMvzJ
+zcrIe2wHOTVfYMjovit2CWCNV3YbJ7exCLxvqqnGOyHH4hKHN0SYsTAIV0BAbV2Mg5fFG+Lr8HXr
+JPiho3fMm5jslXxtWlNfb2oJrWlrx3EjLyT+rEfdrTX4kAz4lVYEmIVzvY1uNZlU8E440S3g3ufE
+UEB5Ea67nwWBUvRZICl5d46tRxg+ioS+gMlvJv25rgH+gq7/Shp1/kmNen2v1yQI77DqAYtPyrrA
+DZRyc3FeZT/piRVf9akfseXB+ZpWndfM4boxgXBuRzlET1NSGsG6bB3vEYaf9Z2MnGZGea2s4jgR
+MKZ2WuE43TqlQ/nVMZuOqaDWnP5CRZ1DVYioZ4sG833RWNF1axfu0/9h7Dx6LEeyNPtXBrNnNbUA
+enrxSD4tXKsNER6CWpmRRvHr57ysGkxVoxcFFLzSMzJcPGHi3u+eQ91+ePaVAyek9coZNZOoHTPu
+s7K45Nw9ObOQZZ/COgUWsgUlrZucgV0V5kpC/uoxkkSzBwh3XivtzzDaTP1Uuasz7MxaUnP9xfjY
+r834ie7W+k41uUgcjvyNYyOn/KnhHYUnMAPaXBKtA7vBWC0UdNfAb1J2KYBETZWKel7u/wQabzBZ
+1HB81OxMPYH6yW5B6S8ZDQQ5s81kK/lhAME3JNzBE6DF5mqvQjLSJLohbkzOAbHQE5MOJCL5PK4Z
+sRaoFYPih7C1aWfVtB2ighZYAZeMXYsFu7Ail5cn5HvNkv5GkN6v4spjDgAEUjmYlKbAPmOQh89k
+53VuIeKuAdMXcw7noW8Wd0G93c17CmF1E4H9SF6aZGi+Sgai633OTALUILelGTLN/BtIKuNSM2dk
+WZ++26200kz5MfaW/DOnuo+ECjZZj5a1SN8MMohEx6ueWcFk1BztLMdRI0i9pj17pijwcDIckCeX
+dUxMpv9GTfUYQWmZNUEmbqXRYz6ZVMpEtj1J5mH1KdWp2QndujKndK+UzlZ1SN2pC3brGMBOMU3K
+trce5+kYrXZDgZhyqH1SSyMOY6+3V90o580UeMw0QDuYAvpIHft9JoVkEL7X7pAHM9sZcy3fCBYO
+v8DHaAsjNXMqaMZULk083oQ/6Dgp6DgNGhTCmH3EL2IuTLtP3mlNi+UtZXAWyt+qBUDJgq4YN9Yd
+1k9ToqRu3/MOQmGmVotZCL8/FOs4vNhOVRgIEWZC4nplNWhcuqE64cOomP+1512FIWaT2tD/99TW
++WIUyHAmDDheMFbdV6Mu12mHsUhaJ7jiTbvN63Vawg58nIphqHNKnXt72Te614LxDdwuXrrMbGM2
+mSkSyHbXTdcP6c8VLtVJ+j4xR8qqkImCxm2HsGY+dZ/MJSScKbN1FOh2Af3Bmju7OxrL2K1MVLYM
+KAccIvSxqF/nPuh/O0x2HXQtaN4dp8zeDLs3flimh7oL0iDzOPawk+7ixnTBuu1KIfYPbqe2iTrU
+DcWWaSx4ET7F42/F6/uYZqM8GUCnW975nvPT9lJYbm7QOS+eEutx5f5xmIepYApkZqKwguQR8W7t
+b03Q5vdWSlU8UP1lTrxdQQP09HeevAAjsddx5AtTCYLMyTr3F4id/nv1HY9mjd7UYcUM0EsNyp4m
+VsZgWeWy0rPMlmytunNMMLy/my51W+XnakcvZ0J36nvNrQ10r9xkqnC4VirzrraoqletudujC9O7
+dv3U7fm5CTLWpCG+stEC7W53eYkk0WYGfAUSK4y6/U19iZZA59UWsz+uk10W4ZuvDBgH55TJrp99
+KaedKqvgxkml/R7mdcRLxBghvb8Mx+s9N8ecfrrcG0zVV2FNDKg3ChhUUMH9b314J/AHgr8XD/7j
+XxJL8r/+85+9O//t0//692Q9L23N//67z+f+jX623SLyNBv4wv/4xhEqnH/5BE9nPiyP42/6mr95
+Ow5//UiEqu7/5b/7h//r978zfEBWxPynS8n9G/zjL15/1L//z/8GxfhD/LNA/u9/4e+DBr7/N5qK
+ZH0J4lLh0O85kL9Lenzrb5al35POpuUQ1/0nSY/p/c0xKUj7pAPvaZj7necf/njT/ht/w/UDrtcc
+FQxu9P/vN/9HnOzvz8b/HC8zHe9fr56ezffxLcPgqsbYA1+TX/Wfb4W9ciE7BbW1m+Wjv07T1q+B
+hRVUXZGpBkwqtYzm0x0mzHAPh+WIThstbhemdJvJewCkXR713N0od9EApFgNs8STBODNvKht1u3V
+LTnTK5/Rck0yo9QKwEIAizfFnVxa99184oAVZxU8yuo13ytr8PZdf5/s6rI9A/5oFQ2zOlWVzRi7
+Ph7aabkZrL/RbC4rXFBjP7nFb7r7zmtXm7/MuUYK469Purv+rnwGrbs7ZWLp2Gd1qnPVGOzZdfgw
+L98l+oO9xuSuREiGS9fVN+08R5YRlDeo65AWCo55UOVGDRAaUBHnwUrv+s/+PaA8fOHMTeUZqJ+P
+mZD5ah6VZceFi/5ZgntT4OtNoL/7wjqP9tK890n6qFb8f6P+QC+dZTsRRpxO9W20yypMhLZsqbzd
+vX6Wv1d6cQmWhezKlCOwSZ1IVAEoFmnEq4RIMMqpPwVeBTohP/sLs8R9DwjNZYoxThgXD7NsKHZg
+slU4Z0AxzKmB7Wav6b7s2TAros/HNnMKzGNIvumzZ+fO60CrsLeiexnTk5nrv5nX7gCFzBJrOAbK
+ucFOYvmeiOHf2jtN81D+dAiQajIKiDGKB87PzJiivNlUbrMrh8w6O0mwbe+4ZXvRjQcC5T8ZDWWw
+b7D3UGhABMwroS+CX8syDkDNoLW0KDiPHZIPNu7JvQwMpYXNwpkXtMdCM7P7KPN83FqL9jwj4t21
+BnZsljZuJkFpbAnHF3t8c2jCGdfcSOb8r4jffpltv5CGR9LpOPLPgjTh3BfcYRKGzzrU2UytoZXw
+WnWe5jrMimDd57q57KqakILvm1sm+up9wqCim0kLHnFZkn5fOew0ZXYYWmIZFKG/8Z/wM3ANv7c8
+J2wHtGIJDUC2GmcEUXD3lxXxvZtk5iHwU1CpNmeq0YW364rk5nL+DekK8D5q1/k8MV/rC26vf2HK
+s5oDB0gaO+6t4I7lse4MSUBFppeeA1WV23rSXGBKnheyx4J0aDjxGQ6jiFzDU8zE0ji4K5LKdV6v
+FYGPvQN7ZNPezQ1cmYlS3+lQBcWNulrPWYMfoLHcY8IGU+utfYYa8Z0ueMhV5k3bDuAFwgbc3nio
+uCq4nKGSGVS3rp1hwEdyoKJhNK74tSTNJud1NNCj+tON5R7UpPxhL/cDmdDHE8mW/prP7q+mAO6d
+JUv9xIXjnQtCXmCX0dzgYmJ3uiSGcDaOPw7YqfIgqm2DBAuZ0p1a3Le1ApfoonoM/bL+kcJ2vbYD
+6aJxKk6+lV/aHNpAPpA07Kz2yWUUUtheZLRg3p0OyKGS5zl1zHMnci9C0cAsN71+CkEPM96XulN7
+BJ9RKbx6JwQOJQQdsa4R7FKNPBcOqqhuwfRKXIKaxZbGPNioAT1SwU1uK+8FdYuoh1WAx27kC7nK
+9IlZAJ03TJnE7gpH1SuC/VDrjGAuLJMOx9Qd6OWwk3W+G2XeHM1gbDeBryXPmUPb3M5dAE0wvfb9
+e1fNy7mS7YuuhL2jcf/YVG3yMNoGxB8OQgfCW5e81Y0jxZDppJL1RlHBDWVfOfusnX+gsh5flBUC
+WD4mZgvrsOlUNBn2y3gfd1crotrM6VACU1zbeDDMw0QGP53FWQ5VW9U8BzwETLyrE005x8cVofk7
+J6jfiB6WL4Pzq6nVEsGyABDEgW8blMFHOTrptq6rb0XcOnYSvf9LExW3huS5pKq0z2zk4XrGfDoM
+j0qC3DQjqzzjq1cvzK6Ppw7odmTpLcpMS39r8VZsLCuYTpQtYOMJI2BkHFJmzZ6SV3198pUeqVEh
+8ljcFYpA8iOB1/IQ4FVKByONRn0AreUu+wBKzCaFj7cTPVOkys/g+5PLgYb5c8nql0LcuJVSZ1sJ
+9JjBsKtAZBng5jRubvslcEIE3R5AieuYLdkx14J0Y3Qluw2qxzhv5MWp9XJPLeHS+z1uqrVb9xLE
+J1ixwQfePSr9XhjI5tBoc5PsHCBEZswpf0zcVAgT+LFbkZVIexeS6f3DaErQYT7+jkAf/L2Xoi2S
+s6nCfoH0aFcLB2Zv0m/LCO7cSxYtMrgUbmr0NXs1YYeqHf0oIBjCC4HBl8+KjFpjEK+aoS62DL06
+XarvzcR/76VVnpKs/ASXmsSNvyO8gg/LpiOb9u1uRai5S9/LUXMvQTEfM+2eUNBSTgodEC2oIne/
+c1GGUFTKLdnlUHDqjV1HfjrarOH+Umvs6I6KMh6WrSjmN3Nk9qxRzDJ3/lSE3sRDqj8sVtntCeq3
+4SSgSWgzOvFGM06d58D91GuHQq22N0CFvMzqkhH0hLYVjouNGKdal40/091N2l9gDpdDE/gw6irf
++lgh9yWULtN6TE5aF4AQhdBbV6N+SaoH6gDuoSwbGHTj8Nhkxnr56wOAykehrLv3TGVH1OGHdoZ5
+ibWmhIYX7FfABTegGfmQ7AvR5ciVsp74Dyq40FOqe7BmH3FFKw6lJj+rqf9spDZueMdNl78+1AQX
+C8huexNMw1QYsa5D3LNWdS0B+rJr5afM1z/MGlKG53dPk1k/CbskVSj1iCHMdaOX5TNcI3/RwO+t
+JFvxC6O8dbfOCJ2sN6xDio9vI5gbz4xlDnMn/1jeg+DYGW8eU+bU1qbnTpcdIG6qd+0y7OwFbZ9V
+d19+ArIgfV7Z6eoKHkFSpNmeiaGWNdB6m5d5iqE+nSZdfNFh2czsBuizMSxYnqltPLogNGMirugx
+xeI9SPhd5rotL1TrlVrda2CBBERGypGz9FBVA/nt7nOBBviGNn3vdRnPwuXhtIytaJznbrRecalO
+Zfm4XLzFeTcZI7sSq4tnw5m/2caxrVBGerY1f9gyz+6csl5+lPWSRPU0WuRgSUGzCsptSY0h1nRb
+O2qjCzfac6tXMXYKVt46hkNdbc3F6k9UKfIrfQAXWd/9Nyrd76RnxYCJEYnFIirbfeUzrigN9gD1
+Q66KKIXCaumjTm9AQhWQDsgql8Uxk4YfSeSw6QCqhBn56pGk/qlPzPPiFd9zk//J1jYjKcSsgUpr
+NpuRYRE4yX+Ro+G80kawmwsh/h9F11OT9E6BU7+tnn0xpbtTlgOjmjfOU+nhdXJx4EgQAPsGGxf1
+VShiXgvikwYH6UnYrKvfuVFbL2PIcnq1NPOhJVbOdjafNJ3fvOAsPeddTimsso66PqHI9ZrlqMF8
+poo0nu37B6vlREbr+dUUv9PZrA4sJSdfVgsJ+XDg9faYmd3y2FnuGjUJmcnKzafNUKTiSel9iL7Z
++S2EeE2fxtHszjV1moe/PuAx+qoK9aCVVsk8LI6EZBTLznaU8UiJqw27SQ7gc9GELeanyFbzZ+YX
+TSiMPrkBZtJYxUNAOPmFXbc9FSgpC9PkRIi6G+YZ1hruBz6sBunRIJ6bdm91afkoLCQwXaFeea/O
+N70zk51mUmpHBCVofkzLZTLQ/ASAqkKp++tDMdFCrFywDX992riN/tDoFYhn3+qOLCi18LQj9D+0
+CTwGKetDOJfpq+Ha9Vl1KfKEjsNWHnzBYJFhPbEulx3TLQYcmZ5S3taCzqlrsMSnjPZyPXzqytbJ
+njbAmooXPCqoKATWTS6sUVF06XZx53G7epm41Gu2nUgsha65djumqZ6KwfkSSEt4eweIoKuPdpVA
+YsQFRti1SkGKZVUVUcsc9y6MjFD3Zohswn5q6wASCDcxoOpMdOhV2rO4Q+0hrMM0CWBCwfdPiLCN
+Ur6VqZ1sYL8bx4V5oMElDpITYHyplpq6/tJd9LG7FRPBODMXCvcPqnHe5Nk4PjisDGEA55KDXBIK
+eiiRVU83zizfgNn6EzcuC1gu7MHC6rcySB4Ebnp4hBDSZOkYYdDTBiuSzynldDJbCyetmiNTxolm
+yVruBxnAlURbyjjjyJmbJaxuzfllBXK8VKVMI89wd0FmPJicpTkQzn9sq3lvZPWho5uv5bS8LRTQ
+GAk/O6L5wkBC/9/ERTHnLlBVi0WLCLnaFpNst1ZGxU2vpHXy2RJBrFwUdoudqH+ZzoEnG5qncCJK
+dO9KJL/sSt4qLthbb62eusk6ZxxbYWAtr/MEP7LRbdZLo5EU0dcbdu5lswr7py6hwMleffRQMHqN
+O8CS+zt+rzYCEkWwdfV/5k6GgU+RUtOLZtrXOvtraakzL26odvlbLexky17hlGl9VOn8R9DtgzFJ
+7BtsEHjf4Zx3ZJpHE/8VWxMaCg9VXubJR9l1LHva8D20KKJSb32yuXMbYlB7oembe9LlzP3KEJxV
+Vs90woHsk8LGw0vC7KJU++3YlLTFSv1/Rt0eekwMXAaBUCXVO1p+a7BEHkjBfYLXg9fnxtSQ7rAt
+nyfTUSFTKB8UWdjR7+C7wHt3gBEGFW7Pwslje8m+rQSY44LFPXfgyvQQdpqBnccRJeA+5wz1tn3j
+qjmBT6VHo4+YEhJTuVsYSBcthTbgWsPLfR7nZKbUFcgDT3xd+Ykol+Lu7M33t+1LDkVv7yUFDJZg
+jRmFgXvrjm3szIJqyjyA/gMGmvbndtIeJx0J3kg4ZzM02hI1RAo2tcf+oae2figEu6aWg19szj3t
+2winBBJEd2/QDKMvDWy+dzNtl9rWRzCQEg8EDEb/E+PpdLTsVIta6dvs5csQJqk9x4psTJlnp5y+
++gMCiQiZJoJDi9MHVlFwZqrveYzbYdtYCXg1V3c2GaY1JO6LjDOSzDQBi5dUv+ZjpsPKZphHUUfx
+xeBQbDGOIC7vDTlzQvcrP/OOFkQKKzec0n3OjynSqypB2DCT8KQ7PWMFzXrrZ/Zr1Y90vBx773HK
+O+l11p1UVV99E+sa/58VU/5ps+W6fpymqR0XBUSi3q3bOH311HAMZO2yaT93Dr0lFrHluNDbeSkh
+CviEkbFQacUup/YeTveQAK2bZPTTJ+O7xS062d1eKDPdNcoqmeBnUVf1/Kfqjd+WYoHMKGkw51H4
+kKUp0zJpUfj6DyB4V+lSqHCGRkct2Or7oS825j34X9kpvph5ZQxC2pGX59ZDY/hXmxt5bSvBfz1U
+1GzwWDiN2TMWUsE9nyr4h53j7138V8J3I97MsLbH+Y90HPXaw1UFAVoenNQpow7Gs49Z5CEbebqY
+Isph77IQZzJvT5pNJyevgpQatPtjQMQTgkAM6Xk0OzrHZ5aDNOLIv1HT/Cn0MotT0K+wmAGkuSrS
+dMV7hK4dzzJC6BHPYMLI04JGZaJJHavWfxfZ8jTDO9kADN+11bkWpsUFjWIAl4ckotfMgZ/nwvYn
+K2ozziIkcmKjVexEpdjmzvDaiIIVo0g/VZLRHbPRAnkbTNgVxvv6WVaodvFrAPitT9KSO6j/lI8y
+FQ8+6AosQ7xY1uLGwLUHmVjDFoEza6eKQdtmqccRoFgeVl5LmcUW6d43+sVeNour76Y5+ZpYSuK0
+oMAPT+1kDMLccNGgaG81sVSMgXFsfCNV6e2ywn0Gu1DTZAGE7E0PSln9vg0ohwU2so3AeVjxTF2G
+0WNfTdVL9W5nb0mVUCLkTlyiXtu0VGoPtF23RsnCpVLxks76imFsBSg6ZF9e1Wx9e0ZbmRQZj6/9
+y5bJF0i+92LW5k3LNMsm6AL/UPmRY6hTAcl0I/D7YXIGG+0UzzA/C96VtCPX9o3L3G8j5VEqbc4Z
+sE73LhDbGBz8L9Fz99T6KxQTCzXEOO86o0azwAaRjurOPrV3pEHkMdCqA537nCLAeEu5gTBCSCtC
+Bpp9aubqNEm67EY69VxjCmfrOrW/M9yg2cwerMeanMBmGuyKI6M6s4zWh3rWYiqZ6Fg85sYaiwJU
+Y2onCyRXbHC7YV+q9kE+FU/DADMYoG0NGRvmYJ1jewh4k4/loWfwzuPMVTMRYJYWr9tvplbYUPx8
+O/jVvuU64TDagP/xMN8htwMDC1YNcJ0bFVzL3CQp4WrbZHZZ2qrhHHTWNU9wDhrWgjN7/SRC+5n4
+tQzNkeY+Urqrn/jxnHaPGl3yveeMv7xx4HiVEYhyMsxE2pcuaIZrnEnDRVJl09XFae12W9mXCZnl
+kbBxY5ZyV0/z66zZr0lVPzWY9tgl55Tm6VCGC/cuFFx1QYmPQqeNfNC/0Kik4S1MPZwQNTOwNV/H
+vFkg1Z7qpOpPVlA9rKq4CfDsgDeb13xgTZsKnxs/jeuwtoYg9hne2Bly6ohzc8Qcggz+pXWv2Y78
+7ME73pQiLhvWQbXWyMK9zwar2SBAS0IiIkrfRsWgoPyuxllwcXTk5O1MQqubRMdIOPRPfU+3WvY4
+VdzaejbNRHvKWW5PszV9pMFd2cKKqyifDk7wCtSNgzYTUiFzL2FqTF+4Lqyws8mr+B90+NdNY5rP
+jhCPQjMfNae9NWPSciQY74/9WdTWg9Y7NLzwEd6DBGD7Qs/VX2cu35txwXcOUntTpZK0gwfijIHJ
+0n12W0oeTN88YdAZNnf7uZsOAD/d+0mIWlw+eewjehcxhEIlM6C1H2gxN00RN2xs8drV0/vCH4Zq
+cuSJrTC7wJgNNnb71BEcvyIP0eM6U0fD9GiHeqwnpZ1rF1dV56YymlhNeknb2XbOMAy02Cejs7FQ
+zVFbMPdONj4kyfpgK09GhZSkji6+E6bNCHi1WpIr96lLoRfj0W8SijDVEs45aZ7U+ulJrztTV9rV
+NnqP0UL0B8l45wfEFxghNaesOEOu3jOPI8NJ44w4+W9VXlSRSJKbL93hDI95Y6d4r1kPBmCj6bYp
+Je4CoJloNBA3mFQAR1GDRWt1JGm1fk0NJ4Ip/2Cs0KQNDiKyqF7Homz3g05pdgHVDIEgPwZe/0Jf
+iGxNGTjg9U0VrSYMfSuHoskwmqSbzqigyZRQNX3AoRRTeRiagKrgkjMIMLkHSSW7ZCKQ9ICzHHVa
+8zBGN6U3IEk1h1sjQIvWtJ2i3q/SsKP0Qw1S98ZLN9p8XyajQ35dzpqeHHZULTa07vb0pD9bknKn
+ibM0Dszm0ce6wKk+7tHEbadZhdKxuy0DEZyuE+iBmg2SuIzGgYYEY8Luhs6GAklPs2hCZkoZzx5j
+DIX2RiNOg/rU3Qtpc8Sqh7g2oEHOfOvGACK5SPcu92R3K1NIxXPA9SrLqOebsWDKN6LdUG5LQ70U
+pvxFcrs7+6LY1hocfWnWseQUE1sClGOHcHOsASJWy0+PtXHh2rCM2mHOyDgRegypWrJCqnI751Ud
+68xN7ngqnDrXDjl7IdNT8lyP7yiCvysDj0fJEFtodm260/z1j2E3pD1tG3dWr6fbwmcSkuHmFkl7
+/dR1rfMmtaSPi1GPKJm0+KjQePZtIeLc0YMdzTeOMVTDnoumAw9fbTsKnAfkFEWoYHlv6FrcRMP6
+PKhERgz8Rth5ggfOrRdSU5+VNex0w3gHYurGRlMfyeKXoU/XPRqGgJNNc1vM9KfW8iyToNo3XvHO
+WZLkAL9ambXZfiqCOMcsAQxXUVHrQ2TrRlT6Tke5idbFBPdX9i+mR6OzSLxyn2vaBy+rwL/p2OVZ
+4OgBTntxMd7KOqFezskEfnAoO0Zg8ddfKZ7zaizbWJrNOYOMEWXu80h2dGPO+W3Cbusv/kgFuIE4
+7TqPo3S/bN2MxmJCNMW0ScekaHfPpDJKRHFUy0/MdseL3200YMWbRXq/J9080r4iDMoGs7nPmOb+
+t98XTErzglGa/e3UhApn7dH0h68JLSqIV0TMkxJTNE3nFWb11QieKr23zpXNRjwa3heDWsfc6OZP
+yjeRuF+FO9uzX8rsoa5F2WxSSxx9s+n3pSUySNWJeHK75DFX/E70TpyrKFfnJaNxh4bu1eI0tO/S
++8M4Nyp2AOWfbK4RG0SX/Qabt/akZc22rFhSOcod6MSATpftXbc2XZYmmy9//RMVUgipAmHpUKb7
+//+HqUkEM5hQ7VC28q44kfyo4uygcAu7HHsx7bT1LhmtuxxuSB9FprIt+Mv+Wk+rtWu8D4eM7Wng
+FredVwqNSByKQ9tyOZK+TopxluopSdK9WRRxJdKXiZnFC35ZYh/m1iRTR4KsKfW9L+iGmYN6L1rj
+SN6Jq6BVgbGsJvik3uqH62QSKTd4d84L3NDWx18TTMC3U0XFE66DTu2Tk4dU2R5+U73zCODdfHNv
+kUK6zbJIz7COL0Pbm7fa08/dtIgzjunvYZ2C7aiPW2+aYi9xzJ1apy3A2SwyaSg3K+z1ge7r6FUs
+84a6G7UkaRMnplBzaYnCNrj/NoxPcuG1WCBVt6W60TDcUoApJWL9wOT1K0It69oy2/woU1ZQuj22
+ms1nF3lHzJNAEYN+EU8F/IYkOWAFyFhhvwpkJDtnRnE4OrWG2qOPsaWbxJnTDCA/hzg44s9Slh8a
+XRr/roNsfarRgNd/9pKTu9PVr0sfO1oCzj1fDDoyvn7ItXQHGACDa6fjv2rDtoPe1YsBN5XIdg5B
+XbYnD+bMiJFxTKfd3Rqqt941m9hECvxENoEHqx23SleP2j20RQAUOx3T8HI4MfJK1UppIurml66z
+rJ2RIngcC+PqB+NrYYxE9yZb7WmpEo7oso4uS7M+CAKQFEiutouhy1iWYlfo40c2lU9AwuWOLtsF
+7VyxH20oHUs3caiu1DH5QZY22dYJQYtlWBuwxbkZtYGFRGRlOlUdMOk+p5Mxxyy36cYdDSi6g1Xt
+0mnc2ov/MtTquXSAwaZeB21B0c9MR96UPo+5NnV0DUzkvXZlVee1sekojFp7TlfHCcFc0pjIz5xT
+k9vsMUdsUT/a1ilNYK3DKNb+UAQGnxpunsrT3lW9NMCv9duM6QEq/cIFEsUvBS6Hm1GFFDznjFnN
+KyHHlL1Ye6P7z+WtCwLc6wKZzRJs6gaeBXxBjWIaonX8XM6u49q/cVG9RPbShilo7bieedb8fHxA
+UyQ3Xtr8zIOR7ivVs8UHo5BRCs0ZTaDew42DpLTcGjmxCsW0T8lKSbF72g3TKkMAoEXcZTYXK8pG
+xHwnKnyjb0ReQHV3AFbdl+Qn9NmNvdKQyEP4IMXS7Uqw8mEKCGDT5nS62t56HFShjmsuDxz/JXVY
+rreVRTs5SL9QjhWhmRP5MitxceVXaSXdd+olR9rB134WTjg14wcBAlySChdZ4LwvMz+HYZXfg6GR
+3+OyH8O3trcyL0cGlT/zlCrIECw3mmBo6kQX27K+B9FNUotiouohj9KtnaNLtgHdFa4C8qtQpvhp
+k8uihuB5Uskfb3F3BVXpTWCV7u4+1cH49bfsh/tJSJfb5tRy+XIZHgLy0o9b2PWs0jl9KokL19U0
+wuxC8eaHtSAHjmFWdiGOXEV5yjh9qdmcIpDrQJp4WtFSxskAPDJILJgM5Hr6uzZ7zEG41TbXwb7l
+00WMrJRUjcuZgwKMOS6HdxYNyzAVIYeawEyHq7TbL6aPPpko8IjY9D+DFumMPWuUDYbnKUvItIzp
+u9YxxZHbQDooRWkq+cVDyww83kwEWVPodzyDtjOuz7k+2dQGbT3kX1E7JbLKnk/uVzfe5DRonMTW
+X54gU04GteSA5lylqJ5L16NSP7aYHZo0pkC/0ThNYz9iFKKp9pPwPlbzAxDDNyQSfssOM3pD32Zj
+iuDqFbQPaAskUSnlbhbygr7F3tiKSYyuQdwWiHefdghm7ry7Zdn04a50J9o8O0OkPiTBGoBlCX6P
+d9uWngvAFtlb6X35ns+9rXG/VJMB5Mn1uESXzSoJRFnD8IVBQo2YXIm4zLZ5bgY8xCuo62ViWCJ7
+TzQqt2Lkh6wcXMT5yqfOlNqUUJITrHIn0qrpq6VOs2nlzbcoY9WCgAHRX9eqAELTP+VAgwbJyUsq
+6Hx5KVE+JTmaLCEuKbg+7NPlkRvCvoRuC5GLYtSUH/NU25suRSWAYHHu929u8Op2znnkSjFigLXU
+ys6tMyWSpS9Vlu3AXYMI0D2XIoKO/1GemDB6r1b/BMpnQ30/bHSC1Qm+1X59aif/cm8I5TaZLs1F
++M5VKBo18Wm6xnsCzZ6elD9FudVHJOjZZvT0C2vhpg92rtHCdbWhDDI9w63oNJd0mOmEFesST/pw
+WBJGf2w//c7RSDPUUtCCltdgPuNqkzFwALFRvvZS6MTM2vleXFmQrDVzcCjGZC8Kb1dYTJ548yUn
+R0LnLeG8Zf0czKeqri+D0Z07XMtqvfl8/cwSO6PC8AXnKi4lZlpXXE1yQtmCHM7Lm02xYnjSkPu1
+o0Hvj7pnUPCd/SohkHTP22RaQm6jOng5vrTJqD67IDl3VhJES8SpNxypb7Kl8La2aHAzWeS8rRJh
+V/fDwlkcoppAWmTJmvstlwcAFtW9n9lKjFmSG7bEULZ4+l6u3KfZEw/B6G6RiXkbHT9aUaibKvqH
+ycteddOmekxjxp60iJmZR3PoMMWhrVCVZFee8drR+STjIja80mkU5etGDAT1BacGAvjhMsD/N+8G
+WJcbvTZ85b0qsG1Z9om4uaC4OoMQMZKv2Zbi5Hpgk8yieRn5aXZL2hfROhgxoKvxODucnubeZ1oS
+MyOrPZ0g4b41rb8erXWKizxIDqtrfdcWhqJ8sF9ZIvojWBbuRiM/dcM0l+dUF0K8mBrrzb1rSZL9
+BdvPzZ5TLlg5N/9639EJ5tFFFgI357QadCjHeYsVijN8On8Lf6bPUK//l7nzWG5dXbfru7iPa+TQ
+cOMCJJgzqdRBSVpLyPlHfHoP6hzbp447vj1XreLWCluiKAL/F+YcU1nkVV1QryyCaEmuQ+tJQV/A
+tyC9NUT64rXtZjRfNXsM19o4gHifeuaOMWJ3JrqP1rTjVQWfHveU/FG0nA3gm56hyz1iBKuN17Jm
+38uwXsxKHG/TZ56KlU4tWg8g+tOoqJ5aT+liEsHk9k5z1Me/Za7oNyVnq1mZxO4Ryoc03yR0xwnV
+BSryYGEgn0xmiCZijI9499aTmlyzkZMliNH+IztiMDcgUihPSJ7Eih+W+mXrfeHVMnkroVHsRVCj
+WWtODX3fzlrksdwwXWhxsFV17JcqPbhSQVDKSHpYohJudjLxvUnf7DMWEowW400whz6NsbQC/nRn
+VS2du6TCTE/+sDzMJmq92G2MRDnnDmpUjVelmsIvXDDcYmZ1XbezOOBHs7ogWVnQWRWkh7smpDms
+WLkn6Ziv0fkgc8wJVhn1SvHNdM72Q4HPLjRFtmXMKg8U2XrR2svC4rqTFKXdJr0+MGOTUQXoUGVZ
+1rVO8QOHaKuIGT7KFH+Nkf1t6TFqeZonxvM3Q+5XhNl7ej+kbk643DpU7ENNjkLlqD7aCHqmEOGL
+rGwGDiSW1o/GZIxU7Ytn39+sptrc9fL8FUnmSz8jaMtURuBXyUBXQL60cRwjBqsT2w4r7gC5kRoN
+8iBcaFGIl+J10BDwpRZxmYTbXpu0XP2qUzGWyC5LWm2px9lnnSgbXWkPocgLoiCwjmS2+letZmNZ
+Vhb+JiVme5H30QYjjYdNPttbghiQgNTtcnS0UylnB3sE11Kp7BMMizeexg11hZ8vo7FqfiaSK/Yw
+Ebay0BDgJQaaoHoNbTtbmYaB00nGRRloXzB2rLVBA+makaAgRM/wMBIuOKXDkadN4VvY969Gy8a1
+S8crOQ/LMnPiFUtcSm8jYPKhJKz4KaxLS7PPbVEC7mEcvMFp4ensC7JUnW8ok+khzeoPyevlWiL3
+CKcVcxfBEZpo6T+c4/8lWT1qeX79u2D+X/Xy/4/K+9Xf8qlcb//9U/1/qL1XFR3t+3//XxL3/0t7
+/59t+5n/q/b+H//DPyH/5n8QCA0/BpSBaVoo6f+39t75D4RfgFLAjMs2bmhMw0XZiOh//De094gM
+DfDfpm1ZBCAhmG8ZZD7/Sv8PRCkGfwN38ym+V/5L2nvTeTrVy1/m6z84/+jtHYs2A8aCpSua8m+O
+bPZcgxyhil8rdlSf0+uIs5dNrMlElZvcwfwI5XlcYCFoF1U396B2hmhV5cpdr1L7wfSaIkuS38Os
+wew4S+purDRnqc6IwEV1EjNR7AlVkKM2ASNrI3sZoTMyDuNc1Sc2dIrmd2EzYrRh/D4UE+ZaA8w7
+3QYj6zpGtj0elZxmgI06ab02Ygi7nQlyGVhLiWBw1lafUUcXor4r9biZS6H4QBIbX1jJ/JrPTwQ5
+CbBUARsboCOi2jbb/35k6QzZVJUQw2lIuy2LWF/SZtU1UPZ9j8NFmAOVOvo8Vrw03wW4HNMcF0Zr
+naORwZlmZItcwy6UBfXOHnSWd6JyDb1BJd5X1PGdW1Z4yOAuvpQlNdKgnBxuZH436gjTz1ONkTAJ
+ObQzobAe7b9MSviZVT9ItGwmubrDes3QrLnLikFMa9EsLDPaxwMjb6P/orC0fL223i0mCq1OxGkQ
+dhWku6xbiEy1PCRI7JKdbxPQ5KpkpDMKCjsNSKEHmvIaMC71tHFnieQ80m8t0BFfWTui7ZTOtQP1
+qTYHVLjNIa3aCPVDtCZ2vXDLcnI8u5V2HXduN5X7T6V39lOI68jR+pPTU4sZobosistklugAMKIO
+aN49gG+HJFNfWSSR0Bcx3qxmBvFlK+8HY/Q6OwkxcVue00U++sPCY1+BLnAlKewYiA9clob2R9jp
+D2b71ZC0eylBphCo0gRgS8r9iZ8vofHDhkEeDtks+Mb/9ubUxBwh5nHYDPmWAgk0n0mJLmtGIbZA
+itLXjr7IRYXvl0HN0LZvczjtEin6mwZp4kaazqqn64+6PRbsgmdUsP3Tnv6cAtBpyt5sJw1NAC2i
+ERAfqb3XcWOjyWjJmy/5a2FdZqP+MzYq8wvWrlP9CY/L16EgxhkCB7M3NL7Mnk3uZpKfwq92g+JN
+RQLEG/4PwZo6AzSH9q7S7yMRM7BqdoVeb0DvvM51RpYbFSxnVCtFbF2H8BTF8Ypgc8TDfq+cszR4
+DhO0c/ZkOwrk2dUYs8TgM2iy9BXYOrWdSbhwXOvAAgLqrVTCMlKizcorFKDjWuphHobhcWTcEgoN
+5oshVSxBicXrj7FtUzwgKSjrtF6wJv0TsNACvdy4+YOj669ldu8MesgIVVnh60Gu0vzGm14PxCUO
+m3XaMnNOZ/scKNil84kUIMfZ9ITjkJONqrDNdWBtglArTLtcLwnSXzvot3ntwPWeECKbQrsHEQVw
+G7GYS7QhW5CoKe3SitQ+c2R/H3RcqWHJv1UZB7tzwsjDUrVb+1RD8wUweci1woySaphl7QIeQ0zi
+FUTMnDxopPWzslTS5sEUqliVkvgGbIppNdZI/i1N0mR1ItWrGZRBHuc7WZkiQEJSvkrQL9Uy0ziT
+uSnNfMAwvsiPaWQrMBLIEO/daLICFtNS6MJFXCM11hFZRHACiByz5LuRV6+95dyUhhT4YlB8g+nB
+op4AwuujfpHzQLDvyFMUxMUfCSM3m1oWdxXjDd6oM8tcCxIfVUQUdm7PHcvvs8tAQ+32ffquBh8E
+sB4VSVlBdLoBAGQdbLFLaKTPNI3Z9zQZTudn8lqRfA1M0TIUO2srRjKL2XRVhFy6hrZXQT4eEw1B
+pd7QJYz5jHGYZfNUzAeMgqC8RefB1VNZd8Aa7bSWnMna8IxgmBk+UafOVpcz92i2ddR9PS24c0xM
+tlqltApM2SN7PPZmUR8Iq1LMPbiemq72tWmYSKjYqryqttdzywoQ/udzcSjt8lmboN22gCxqQegf
+4qR5DPe2ivfXHuxFb8bNJROoGIy4Dq5ObYaLvB3n+5TzGSTqfXfo4P0GUq3ccrMfvD6YWCMHan1M
+9FZDHjOtCtWqV0Q5si9rCFnFY8VyT41OZPzRJ4n2QOIq2u9MDVxhDMl+SGbHnw2ayQY1kJ8SMn+h
+yssWeJrbBSs6faeL5IKfI13ZgSTh4iBP0sIjs4rm5gAagxTbJO/WgeiEl3IxXfKxZ08R2wH3fYG6
+NikdVyLYFxJgMPp92mqHMjWqRa/oZKdq0avCqLwMpumiJg75jUHKQN3J8zWiJoRhoIEkN7Zpq5nt
+mtse7MKdgepSwxJO1Lh6jSynxcxbEujIVoLVWbKpe2WZGuV7mhTNSibJ3CWgclxJ9RJNw/P0NjBv
+2cxRuJ+M1fSjTzm5skV5ycLnYk1WqkMTTe3C7CfdC5CGuNjvxQkzuLqEyLHXUzoaq+7QcOWa/gkY
+YUrQQYbp1pByHCg4OlZsbc1dG8fTFXOTZrfWNoqLZEcdnuy6OIh3RZYcZHTs9Nt2d+tK9aoApf3Q
+0kGgQEUiQr587zG9Qfqp6uJYP/3TtIo0JZNbEnjDwNismByMbjMlxsmpejLoqkLdykY1LkgaNa+N
+SuQuSm0aNlQMWM69cc6HrwFDWBvLwDXQVTyDwYNpm1R2uhS6VR8c5Ak7EBYzxXun3xokKCg7DOlP
+NAMJ4JQd6qcDIxrx+zVmwTiWUA83qiXeawmiWIVODU8NVwmhyBlHGkcSvFXxXoPGW5Yc3WgTmG6Q
+qMktlQw6X8yxQyamcrPk0vYCI+6O5myoxK2NxXdRndDhhF9WRWvZTCYsv7TddFVIx5T1uY+UTr61
+gp+mbHdQuTLr1W6GGs8YD1LJRthGk7eoWKucgP0az+187UqaCHcyQs1/PrSGg9YuPlXshk5hedZU
+sis1qlXPjEL7MrUQggDAyZ+TxCwefx56rlQ54GbTbrXTbRrZIl5PK6MVDGCW6NHYvFg9SpSJic61
+m2sM7up7jjftGOMQIBU5ddZDbBpHHZ4gEnLtTk1pHRL6WF4Bo3uZZ3apMMbG1zSoHqMYm7NdM1r8
+fWBKKEhBN2N1jxwbdxYXvjdJYbfoy4Rs9edDDk4iaAzZMxB/7pjOa/ukGdxo0E50B+2n09lrTe5x
+M02JtFEHRyzNXqB6NBBAmCU7daJ/tHPdIvBMp4iXJH+JhKYuO065Ywe1YWUYg7JLBDJ7GUqZ77CO
+3sWQlpGshcqzS0Xb1YhbjBnxYNh65TGC8MwkkckQ0V5seY4uvw/I9j7JtrFvKa9D1nXjW9hwp23s
+sD5buY4NZ4qsjTXN0qHT63RZkT57SlNnM6d59FJNymc6Tr0vGuyGuMmrldKU4Ji7idjEitNDFeOC
+ov/hTCEiS33yYryby5ExGXZW66tIKuAr9K0Um9YBQAlhvop1lyqGOE6vY0NwuL1a1hs5aM0K9h/F
+5eSwaR6t10qr832gSVjfIMysx16jQAMhvg1VGvs04rDtoEH6UZmH27BPx7MDEcrL1cLeKxlZQUPN
++MGcVO04p/01V9XopvMnTIDUsyb6Ez9949ok+gGq+KlrDOuEGmfyjckROwWZGduaMnCjaiCIuVoG
+bb/uMueMQtLNw15m4AK4hdj1nrlvu9X77KyLmLq4XJPj7qICNbAOBUE/+LnFrQS596nvm2wfhZm2
+zEGW+4DfuAG0+vytZzrCcKkkF9RstvHQzzt1Iu7PLpG22XndXX4P69qU6+uYhMo6M+IAD2vV3/qK
+CTOJhNwJoENSqLNOb0tN/cdD3jBtBpOFJ7fIOaf5181GaT8JfWy2YVu3mYv1h2+pQ5vrO7n0Nyvm
+cCVzZ/P19KN01DUEF0KTn11M0CqIFbnGp7aUNmVtXYZupZpI14bMRkmL4M6bTVcqjT/zILnZ0H3q
+Y/BeSnA1kgwF1SjKVYdUx+sEohRVz4n9Nkx/mvTI7WQ9HFj5tMu4rM2tYriaUO0LLLPqaBNpTFq1
+uk2Zz29/P/p9aNIhd2V9Kdg+cuDU0Ytm4W4u2x4VQR3lj1JsyQPvuBEP+SFR4/B1mBPfTnjPRxYK
+H1kqo4coB7/XxHD5/R1IhHc14m5JChuCkDhW9gREK/vfj1puDEirAtkfQnSUij1GK1WaSXLcT+hJ
+u5HYVi18t2LeGjI0dWo4DHs9+p9AeTFvzSxeEu4Mq7Zl8SRKqiRcLrWfs5nyMMbp7IsDef+QEhYt
+CAWP1bW+5/fmJbhZlnxGBpdtybQu5SsKqZOEj87DJNkmm6kKvX0inY0LKK29djSuHNRVvnHEJ+47
+6SJUwtXRK9XMFWP9T8jk3jxZB3kjiRe0Nln50vpWfsx2+rnWFxzVGvX05nrFIhA/T+yH0isQzeyi
+PE6SqVx6cXWk9gzqT78T+RndKKhZc2jTlVEaSHm1vuVlgWBeNrJd2MXNTckceiFVXZs5Pu6JAfd9
+oBMivjz8i1082CoomLyorYDvpHQbE6uXmstGXKa7zn6FFyL9fSFSa62fxDb2RPay8MZHd9IQKt3b
+c4US5GT82N+y2Caf9m2+oEbTNbq1MxWYu+Qc9oOTguUYx0pwm5h6c66mspsytMdyyMRhlSXbXuQu
+uzPuamtt3tjRp/7WkG59mN7MmxrvW39lTIcCHJTLhuZY9Ps6XhieVaeL+N34aaWD/T3+WOqd8FIi
+D3CV85/sRT0VmG738jlTlmqCAy9za+yB9SqJT2Z8tCprYy6yGo0/CaCpWDhen0SbRlGW15QwVjbV
+y7qnvNTZ/E25O5EZYV5hDS/eHWx3NYwnZ/VctbyjoboBZsOA53NVa86RX82PKHbqSTto1/CR8KUh
+/B/jRFrlBwRxa0yDIJku2WlG8kBF7rLyfCg8yydvn0G3B3rqISjYrkFCKLFaHQxtXeHeixZDYnnP
+oAxrwwjonnDId54qlG49lMUroM19IPjcbY4qorFBBREw7FoXkxJi8uRTtlO0D74rwdPd4alQP8Xr
+SFzOmqh1YxldgZjxdg3wEFZ8e5W8brh9i5eKy0E9iUj3CroH/a31kRuWo5+8KgZiLNfca1c2mu/h
+h4ZI6yQbr3lKHQtpjvzddboPNxk/vp16Zg0YP6Rr+SgfNVxxvw8WMzEdwu2s0f/rOOUSm+TSPHfj
+Vq4LV1py9WMypIl/1A8kAm7im88x/3MPqbAG/QpwNh/dqvuM98E6lQ23C76fN01+VpTKdrgbQX4U
+n/p3n27t2/MFCO7WtX+VlCVD6yqC9rO5G5T1KKXWyQgn7FCccAlUdbApw2vE3bpslz3rfqxuLqhv
+/WoczL16bl7Tx/yaflS39lKgPtFPz29+eHTmcTroADLGckMXkmXi8a0lleR2oV1smikkKotddhdP
+qm+Yu6KlnzUS+ROnLEoUDhaypBfTa5aiSRnc+Kaim0ku+Skk3by6hM1WpjUXF2u4jh+YOZyX5tq4
+gnI62cWWumIjMlouLEDKtnBFXm1CajCazVQP1lVZLpXhQDdzy+Vgra6TS8KBZ1v7tbyO4NWdoqWt
+b6RzoK2nrzBjqIQbZe4RQ0p+8+gf7U3ft+f6bnN9Vi/2jSrSeIuUdxyV8cMMhl3YbKS+XCa5vZBF
+cM7NWt9BuTlWBIRsJHlr12yic9WJ/bbiNUfXH8LJcptq125yrOokIHskNLvFMeVWBEfqHtwazfBf
+4/ls2itA8XLga8VPlRQ+Neml1NgNaPd6KrXzkOaUBTDXLsHOEIlb80RL7l/hXcmoKZhsmdaXIVee
+cuiP5Xl8ye8VnwKDz1YsM5FsVKlfMl5JWbEF7bDRyHKJiXNY4gR2yaMpfmhutvo8xas6cYzVIDn3
+uW26HYZXggRDNXqjsNulXSZ9a1n2oypTfa9Uexeyy1pErW5t5yl09lU3qmTktNN9HEzsPYYenQHc
+I/BQcbbW4xjenuirjcgwjiTmJN4ma/bBmBkLuSjN01PqiWFH/8s+4z2Le/ktqO9OWH9m7DJ9FaWU
+tw0Sso6lBCOM7Y9w+MLJoG9VpW11La7iRWNwKIddvqhc0qEt1/xODN6TYL9xKL21b2ppxn7RGCc5
+lV9wpGjIGBTGt3X5BXN2Z5eD/j123SsaH8WvcttZBiXSQseJkw0CsBsT3MhTnRF3zGzON4gBG86n
++gafadmaz6ZDCdRh948PkQEgLp+jF5KdL5nda7tlIL9oLCXd1WBr4zJR+bNZvtM0I3qJmGaudULb
+6wHlwUqptHwNXwTa66bvJvAGmnUEfIyE4fdDpksn7I3lIij52YrCGvbN8+H3I4d8mVgzylWEkMRu
+OtMjU37KIAQo2KADP9B/LT/xEVLWGEjrYpjv5kKvnXRx7TSbSlIOc1y+ytoxRhV3a2qtehMleiXG
+4MhIDfdsT3xm0fA+z4kIWsbqdIuSjHo+nlGVYvnHhu7zWkZoI41qFeU4blUFHCm04ogTD6lvPzr5
+0RFPjfdeOSoNcVZD/mludDbwW7HWq+ShTNTOeWs3yBL1Hap3fZszTJ0Ut2JHfYOj5SVN++HamFlP
+1U442Bcgdrxi04QDadHZmSbH5qgWh7apywMCm/JQVNkVoU6xseCL8ImMGSNpibi6F7esRdWlpjhD
+9dPcF7FvZmW8fo3z8a+u7Gsii464cT+0qowWGdLX6acNg2qJZmVWZWDnbyqD9OMYaw3SPucnk4z0
+DJKQVw5d2joIC2aqw7TW7TY5mFrEHhGKlxuZsrxtcjJbjFgGnNnXwX427UUciJq7dcd4YA4O2cA8
+SXdjTWddjRPxeTiFD/t9/ko/hkd7EWfuIi3ogVeuW6EU5zrelUlhemhLE88pEzQyRYb5ua7OYT0e
+TKQVOzwBgYMSYrpbUlksA6sEk0FeU+MwKkKgCo7m6aYvkNKozODz/tvomwR3WcnANIkiaiKGHdrT
+76v8aUOGLYiGxDGCLsraeZqRy46MFwD2lFP0aioDrsLqbCj6FzJ4QI2K4KrvsvcBakRWAXTUxZYn
+AYd5RGpgPbcquvVCt/ShZuBRgmjlZAIgoRFuCL1ZS0XjxlZ2s0tzXYRNwiQyQ8zUaN+qU60zq2MS
+Es00UIAPDftY8+5cCBqLiYm450gaDOYeMy2wCcmWP4h5S1DyiOIAOcJP01DsLYur2m5Dmxo7E/5U
+nBqp/nCEtKpCmCfzlqBE1MuMrLx5Ro5towYz1Sv6YDft9MfUdemKoBQOR+VHr8VGcZJqbSvOx1QH
+nmlJ7ZL8ZXyIFvgQyJiL4Ol/tPuUqTYqR+yQ19gM21MXfEgtdw78oPhdShS4Rq5g543HN0XIr1kt
+B7DbRLC8J3Mdny2JAZ0TccyZuQ2a0uyaRZ7UJEWMbwiAnY1ZXbJ0q9ndvKyGvFqMSP4b3TnPyDi8
+SWv9qk0/qThB3SrrEq/AEjRCvNZ+IkxEy0Dr4k+hHBpbfMtZ49zJ1GpdIxpWo9T060EDr9Axklta
+dgUzMAAyVKTfOOOZeLIDGRgHAnycSAXXMOOOWe3G+Cy9uTCVvarEySos2BDqTH9aC0+58hwB6XDr
+CpMxFGhJgYRlZyJp9hJkcpwtSCf70rj0Thu98699aUaqqcBxRRhUzlsCjzSfbIAXVqZ/GlMUdOaz
+smVWoWx56/M8G2iw8fMLjqoa7ijdoq0ZfXRdeMvQUvrz808TqWLUQLAKCyCDlndolpGokX5Uib0O
+iuQjdPpvLuLRox8sPKfov/CLmygIdIoyyfQHuaYgBI7sB2dtvir5FJ6kKcBL2TvWwmgG7kFjmBOY
+nuy0FlUcMMpdIar3onY4KWPL8G2JYTIVGFlkqp8l6Bti7sTrPhQ7Yu2KF2f+ktCqQjOdouWgZvuJ
+jhG/J8rsEoN1LjUvrQ0LDYhUyuyHRlqH3ztP6gnWD8limAzdUiTHfFZXVqbVQAwH5RA6EJPtTGBU
+HZUVVJa3eeRcbTWig/SetKimZZaSRNWC8eXsBXV5LZr4UOsRbGqjJgiZH33cMAN2Kqfyq8++M3DM
+4nwAUqMtpwS/TFgrbp1kxkHLhdvjoqPbwXiCpPNhPnvNCl80qhV0g/molCfEi9VpqC5z6Rh7pNeh
+X1Fd4Af70+t3dgIa4/hKZcmUK6dgCLJ7a6i6F0dms866mlexkc2lgzRuB7Z42AXN8N7VAexbW1PX
+GFESYE1Wtku1aS8zBjz8PuQRercnjXxmobSzkL/sAidjgzr3bCOSsthbsvOG9f6SIXXcWrOmu7Oq
+pcssjp7CKAPPnypWI9s2noU0b2bL3BtF51wIbcvuFbQm6Kvzaibz0Z/HFPtgFt0BWGKnAPvDVrZC
+iDbLJKVES0Z0zkb0jyLKq9vUvlWVDcczynsYzESFyp2evFQMbiOYxte6SLFsSVG8grM7+/WsqZSO
+peRW2NeWhuIsJc1560lxW2IquFcSS90YpWn4ZBpH+ZSimX7JDB2wR8kIEimlG/Mdhkmv8smAe5q0
+XjdYIcYYlUjIzRc9x2gVSuXEqol5uKx/oNuDWtR2e26cBRbq5lpioVPBdWJj4+XRUuxibfoDPeVS
+mIYXSeo+JEopT0IQ9ijBuplbWCo1O8cxTBQCDho7tGUx3Av4TmSD2V1xbIJwmwaRth0ioXuWgqxx
+BsK+b7O4WPSA9jQpVbbInF5CETUbS44Rg0LFnNXyW8oSFifgKsJi+hA1QnnIyCg1paBZQctGxRkn
+aM7J/Ft17aXuY2MP++AgbBChI/7BzPmZC4lGl4G2A0vLlUui6FCQcnzKNscg9K50MbIqkmfaA6Wr
+IaTqVDeICniWrwHGu0VpDQgMqNS3CMI47ZNup1m95UPSYYIrvTtNqZ6rBDBb6pQWvf+4g9M4HEoZ
+J25qbbP2bM6kMxhY3MuQpVFUfKZVN70WajTBR41CbncNfOe+t7aVOv4lMsWCIwQN6F2by3Fvmda4
+dwakAH3AW13Oct7q7Uot0A3pSr6ppa5+qFG9R6Ovr3InJE/Hsc9Iaqc7K0foQVqHgQPvzWfENA6o
+V/8+dhK7zrrxTR3HUqRG+oqzGEZu0nRHI2pQaWbAkzl/2adb3Q6TiQ23tMrXdgpnQqrifNXJIzS9
+SLsTJLvCqp6f1UF60JaYPqfEtxQhYq+bCgAOW4+yLsWmL9geFxOt4lRwG4pNOtCGuK5gRnVvaUV0
+F0/lezpTpv6ub+PcsM7ETETrMGY/Z82yvg2N5l8ffv8sS220Wr9/oxjjsC45Rzm8COMYZONPa4j5
+YCC/W6ks0leSqLRXQURn7yjvaRE491KhgjVqTT0XYtVJXbMXXdbswy61lvEA9ozdgLnDg2Ts2B4M
+2wE71+/vCLD/i/AL3tjTEjQmoiDaCyvRVG+7Suu3SGdVSowSJkvvN1xId0cCNgzgp4Yk6xjH3wfd
+Un+wF7TrMJK/Q7D9t6qxWfCKaY38gHqfJ8qdB2l/L2fiSuA3S6ioPVmh9T3KhA5KCiXwkA8ba8z6
+DYRw+gFEOahmLfHKeD8aJuAXY5MdsfHI3J6Z0QuQBTeR9eesLvcgEsRnmDsqDRPvmmnAoKsKSzuy
+EPqAPgBsLiyUB6AEliV5wPRrZKoxtbMEqRiVvv30mKexhkRUCF+Oh/AvyuFPwATFhdS2A4mk+caM
+IA7p3Oz9xsn1k5V3fJHQMi6peiGx01myDZPXBbEJ7w0jlVTLGVl1LaME5UVRQvmKR6JaSxUzTALp
+ysolBaPagacEQDOlm8EK5m33fPj96P/8Vu1RkPZaxeYFF6FYsIqwz3ZR+bWt2gezI/EOIQOxdwOY
+kbEk89sq8H7aTumpLTOy8F3Tng10knSICvACz9pRgaqHbWYHmWSB1RUTKFQyV4+KeTMBbCyDgoCB
+Jsm242TG1FYAePA7GcvXeJKaTRQ5OXSRZk/dIm3zQjIWBQznTeMoD3PKeoarUeOPDK6fO/FvQPg4
+DB8JSdTEbTbUg9NrVWN9omNbmlAZggZ0RCjj+kQF4pIjsXU6kL+p8gQfJtbLPo+uds04PjRo/clM
+5RAYHR18Kpcw5iCAkRNHgJomDpspaOIzyDmpYWYsWCeTkGIfowbwXDpGjymJzYuexwDNcCxsJbEI
+Mzs5abB3NCXDvVmXuh8XFA1YZQxvVKW1iWaBUYIEoipZGMZVGl9DlD5e3ARXWYa2Ijva2u4Z5pMF
+EW7AOx5rETR+3eUnk0uixZ696aviyhL1rVEj1ZuZQXaccn1fApFRDo6i/lEq80tqrC+SrseFRDOy
+QSZy7Np8qddByhWtuwSGH4lglH+ygSSsyKpYfMX5mdgAnlc8rShp2jNRxRD0slL/BhKkRdp3oLTO
+2ULzBRMrR9tfrkFCQHUOx/DcduMygHpzI82BEREtAXF9KhhpbDxIVPp//tYIGljV/GAWBXCGpdqB
+jpzMrY3iPFO1wzTo6WqE3g/mQHqE5Ba5Boqxcyhq45zb7Xhquk9RWQXdk9I84TapV2jZ5BOLFa0J
+pbqFZG4dOeEFFuvCK6ncX21C5HbQxRBFk65xd/Cx9Q2KIAEW5lSUgbEFUJ9h6nDmF6P0O8BnJCjE
+xqmHRnelqbubc7+oEjKSk1KIrVVBoZ0p07yoM7aWCSXdE7N4z4sBtptk8ykY5xxrjVl1l1g6r/Rw
+R2PgEGjQyfupYx8m8BAG8gdEeLa2lrAOHf2sDxICuiyJM/7soPOC+Iu8pG3zTVMQ4lXMgU+9vc6C
+ODxnoEl35lz8qHEQYY19sowMq73bIfLporPjZdZb97GycPukizYat8XTcYx8ZwIQwQ4nl1B+99Q5
+oJ3QCKVIGy3gnFFMXlQaeym43EAtsJFJEF+BN15iC6NFP+1KrfK0IsHaGREzxtPSy/tEi6k4072e
+MVG0hbZFbDxt01j2seNYHqmhijvYybFshhfeAtxdzMo3wnxYTfOEy0EjQad3SHVoyUozoxx7eVV9
+YkLpF9MkwZmvaj/J47dEP0Hctp9u1tDDe0GfReTlwrCaTcC70HeGaSfmUscYg6BgjASbi9grFUaf
+FuiAvhBHOVNYjSA1Ykgj4C1UHt/mqaB0f+B9cSRD32drywqlTYFM261VnWaqcK6iBZ4QBMIEARmM
+KyUHo9BapbYPG+0txlWBbzY+i9HetqOcvijBDPwCWcga2JUnt5rucyDkevGKNQCuERoj2GjPFbEq
+KLW7/8neeSzJjaVN9lXG/j3KoMViNqG1Fpm5gUUqaK3x9HPALkFmVZPT/7o3NBZVRSAQuPd+7n68
+nLWInG9sUlkQ2YpctcZsJ7XgKPvezEBBFvifILrP/dzxl1ZrSvOM2MBMzfshl/AqpL2wrCpJWVGv
+zDzNVVHN2ELqPRNuvVtHHIkwU7gHPzcuocKwvjwncvPhplo7S3s5mOkpgZsntVAVHPtGuf72A8+b
+rMq8o1tCt8hV0lRogjPmUO65JMM/SbWU5SSWq0vnmmMFzMUiAm6B5mTTQNJV7CBFTvS9XG7w1uS/
+6CuShxq4n3l+h9ap71qYlLaiejQp2yX4LP/uNEiEJRsTvHOkRx2W5yDyn2UpmHW1OgFKK2NowMny
+rnPHYNqxOFRkgj79zjT9Oxf8/zA9OSReXBb/93+MoZbr66syVWYyqqwbBv/mj68qS2KVx5eAZtLu
+xHk6LNqIRLdihXeCfpl41MUfHcqVqCSjFCZoBpHp2JqPZMiHT9WTvFO3yt4619nxKXNw32nBshv7
+5TCAOdpHPZdP2YNoH3RhQz5EN+WpunW38lIeDHvpEEh61bSN42bEZkezqMLdNmvQYAk4jAyBiKM3
+gAErzh+ljprpbvNkdjxqS9mCS0QWfcLK/osaK8n8W7GUKOEel1Qo7fi9OSH/eE3wGsgliclq2e/l
+Y9ush8gIoZVkTycrgdIU0c9m2wsqW0cLWnpWBNqUg9ioVMluauaJ3hOyU+z08B92o20RwupIx8cM
++bBCRqR2vJyYg7DIoQ4WNGKj5u08b+9kfD22BeeYbzVd0/4gb/tgxot4Iu/UaExhGZ2vav8KTEv8
+FNMdvIjuEcfhRJpk8cRQNy9mO8IAa8wtc7sWEWc23s179NlWeUoeRfPwzWXVLyxxMvGFiIj3KhDn
+wiIX+4m5BS474izUyZPoVrMBBdZlk4a2ZltdBZWSHR17illJOQc35a3AfkVnzKgT9+WlOJm33pvU
+++46Qyy7MQTZqMfAXw4feMEHDsgoH+u3CjxqO6qUpF4ASWYXlorGFpeHMmpoxjjWwaKvjXii+VVM
+jsh/TtAvPfAN0cVE04yhNhljrFRonXzzHZRPqraOxwItFID1NWDfZ6GRimil/TWmI9xluwsGe+8e
+gdWMFjzJF+HWRWm1d+xkuM7CRT79/BtFRvBvXylJMlASVIscAfD/L7cP++hASBnEL/02nSY0eXbd
+2qyuJoDKl1g3niY8cZ+4LI/uVpyaHbHVa0EnjjDD6U81EbghCvteBd7g0VKX3rSr9t5KWoALNzbg
+dIIjDAsUuotlT+Rmm6Hb0S24yFRGapA55UmQYoIYOwt/iGPeukCdKxsXQQHT6yV97ssxpczmqTpK
+aIUuvs8j124U7/l3BzXxrKMsRsG6v2dojSVPZIpi4nEpyw+jlLHdBxuZh8nMp2yEML07qYIgWfrg
+tEb0HzFKCZNZA8JgEDm3pb6rr/JdeNbVPSnl/Jic/Zfu7l+zO8DErbTPgjMoeaMb0cSK639a0mnt
+FBwabNpExtE+39JrOyqRX1XWxXOjLRMXyDRYw2l110/WBXDXMbj55ar5NN7c9/DdTNc2NvHozJZz
+5EXv/iD7rvStZT4mZberVtWrqL+A3uibpdYs4MMOjShXR7kOieNBUJ5yABqV7Uo76FNas5Cl3ksE
+aLBlpY/pZuLLs3QbX+OrfXKvgr2QeAS1xrxZgd4xIPNO2nQUBkQK7lWwH9688Zzd5RNvV0LQW3l3
+R50l0bs4r6NnoCyuCUvlGHFPaE+xzhzTXKRL00zH7AYaBjuj8NIIU+mpURbNqLgX8sPdZmuqukYV
+T+WX4QJ0Ie70o3C2wZ2rYAXIcldYKJEO2ABib6uU2l+GmfocZopBwqMNdg7KE9wWHPBpk88ovQH0
+Znf6uBTVgyfWFSa9Pp5aMYM8RjSflmMURNsKfwFCZ6zVmALcjmmzbcXGonWrx8+/RMrfAzIkY0SD
+DI8oIW1qX7r9mPm5BkAxLgR9ybKVITLW8g1JY2+LDo6hF+dR5An+f5W7sPt0MxKmWHwoaiDET97s
+Kb+UF7/Gx4vJmQ9T2gaLvCFKLtuiNd4zvkdYB8ozq2WPVEgDiaJuc84HBn0IcgaRwzbkpRFk/inK
+MUn0dlNc8qRjlgSu37bD2S/e8NfOSUtURF2kuMwcmj8M8cvuIIcqAj/SIvmqfGKpIta2zTQBqx1K
+mtEui8imH4CCF+aMerBsZ0LWroSzxGpqPSWn/NDtdNRrPXsrM2/uQuBLePI2PHmzk4RFQtsURwH9
+OxGRiBgpu79YNOV/fP2UkvB5KYaiql/aRPDUy3FoRuXSKY2RcAY0STdRr3zWzNG7cRYsMhT/kWDp
+s+iW3HSX5o2bzyGOSLaC/bs3xuaKDXsOwSsQZuR60OhbAig/v8z/9DJZ1jUiYIahq4o2lKJ8twmT
+o4LaocyLl5ppRwsXo5a+dVCBJcEPgMLV2moSu1fFVpU1xdDtdG1oTkH28r7ViJisHTE4JpZ/U8Uy
+Hn+TqTmzwjqADTHKQsducFlqjIoKHzXK19Tdz1++9fedCY0yqgLYcWjZ5Gb88eU7ARl2rdfgJjM2
+Gxc1pEvoxACnxxJPEXZICNWtuRWi2NwSS1pGTIpX3/7r26/LCkAnXIobz9E/qyoPMfnSmKZFAgBg
+9oBBJGin1LWKHT1oa6yj2VwkkMbijL9dq2Vj/e1nqeEb8PWFRZV6zRIDkraxi17bfPsZkpU04XxT
+ct6v13ZFx2/cUqxpSkQ/BkW5RVouBo05WRuD4jzxEJ8bpibJoEaLgy4dcl5CpTZylUA/k10ST3in
+kLKLhTLo2tqyjh5AksuJyPYzpUkYn2PM2JqNFOclE2+yh2fCYkc98mV2VWHOKhIkbjPDPRx3cjNy
+Bp3dRXAPB+U9GjR4eVDj8Wv7iDco9NWg1ReDam8O+r2IkM+zJ5qUg7Z/VAadX2NM2l/qQf0nJEPG
+2xo8Ad3855/6t97lH/boVLfyILR0noUa0f6vn7qgOiU2X2+phM9ZDB5MnBcmU3yzkD7Z68WlCx6m
+fum6INs1woZ04AeWNLnGTWwQh1CPcpiF7JcBOvBoJ9KsphBdxXDnp4E105q8w93hQm9EfevNeCf5
+jJ5tyqTGQ6TlF2/mb7cwe2s2zxpBS9KWVJ3/eAvrmVtkjlO5S3lrmOjvrt1O2AULPaE3ybK3DhC1
+zJcz2mwKcZXqSOAKvRZTH1bAxlXCg1dNy/heyyo53l1+rK/sKF6N5z93cv+N3jLAob3q8R4h1nhF
+mXtv5fdJ2iEYy6f277O3Z48I0g/h29//yp/NVxZ8FlkFkqephGlJt/7efGWSyxV1IDySwbGLX/8j
+e2sSsOUXyOOqkkbVL8fUP7K3xm8kCmQRapwqynQ8m/9J9tYY1qG/vksUjvP0FKk3J8uriqaqfSkp
+thVXjBtGk0DYK9CGDaddER/d0TonN9n09vD0j8nDehJvNRJJtgooKoCCkBW1PjEV+ymts4mjWyxn
+9Qr4fzqxUNl9Udxb0ZDYdO8R4idkOKit2Z2p5TzNu23wmqd5Mk/f6pYiCNmYBrfoFj2GtVu+pYX8
+moVLhcgmbg+3PLo4yuySPbh/IQiojGhPf06U4uRqTbB3gmqa6xAh2qCsZp7C9kcpskWpBdfsQlpS
+Yy48aAgnhUGKGZPRgSJLdZS+1OKdBQQdbjTPwu8+/n+YIig/ThH+flWH3/9uWdWEjk5Us5MWlM44
+WPOrU6jF+yKYSKDxOtNcZkj5tnzSY3vSaLTpkctp81IcmUa8FixEA3fdLfv4jdTama7Sa3Mv7hpp
+ZuMdb9jFVkgmgacSvMPx56/ckn710r88j1LA+mmeKh0ZFZEaH2lTqBSZCF7Di4MaFQynHFtQx33W
+ApE+xalQzWu329lNNFdqeRfIGvj2vB3pxCInBNJHIMs2mqmvJSO2ZzKwVFFDcOcWG6hJQahfaxk6
+QdoOgYijSec8T2WZnK5gRvQTEQhW9FfmbuWkIugEjYiAlFjiLKO1Bb0YH1jRe6fQVK91CbXJ7F4F
+LU7mAjLCIoZT4uYqAeqixUtC0m4pJOJMCp1o22fuW6Wq8TLIoH9pGnyn3oHC1ykO95EvYYL2KoJh
+LH9ulMwxfRkka+q1wqBgqSntHE81aE6bt9B6Uxg/sBIj/zWgG2tqmPqrwaDWFbGh2K2mTnoTyA8c
+6S0VrExqK7Je2BU+hZxwrAEzfdxj+k3IeVINfECnFoaPOOezNt/1IcV+b+/ZNT7nZ3ErQvpaS5s+
+4PoENQY1gc9GKH2BsFa6VdUSLcWUwPX4zooIvb9EtTjIomNNac4aqTQezDjG4nudUPHpzXyjemsS
+ceISmSLeCoyReEGzTIJu7pbRTsx18eSrxjbS6V2TY7SZXiMQjnphjHwW+WnnCDNNoqYpkf1rcvQK
+eVuX9+olcsyVfguK8N6Y5Cp2iag8y4zIu43AYT96BA9VG4mrJhSYXMbW2g66RenrAulDeKW9e6m0
+GfJrPFL0Ih9rVrrOrmw3j6WifCJ2S+VdLcQj9W4zGnoHXrGe1Xzi2aa6DpcJ1OqqvbjP1pP1Fmi4
+RJpy6V4YwOzVbZYWALf9/EzxLzTqYEOv7A4FaASbyx+pN/cZ6dfncHlLTZ2AdsFmvNEQZ70ymEQa
+0+S8Ec65Y9tja61skhN+CDyFfrQGYCJwCIkevgzctH+qn6Kc7LAtKfWoADbPmCCZKBWTfevVpgR2
+YoeMusjvT6NMmra5uMARuFOl6q71yOOit8HoYXZLO3yDlVK0q/K1fQW//mJS56Qn4x47vECN8668
+IIUKvNfo4T0s9S0Pwnl2EjjzJA9dsrWRKmKsU02GbXR6TtwB1eqI8gmPIVMWpdoHMjM5ClPYysXz
+XkHfd4JnnDQQFdbVDp7APj6kF+/kX3wdDzBJ5fRZ2NtHw5zXEx53Y9QbrGjlPXMt+NplFmA3fGh2
+VUyguokrYNyDRdiZaxKasFf1m7rfZDSwbtIFXvdrcG3vxbW6ZpRUq8C3Z9mKpNCu85t0hMezncrQ
+dkB/oj+3BjlaR4XQY/USFW25sX7tCWcTVqXVbV99FC9lrE6V1IUT7DOVt6xLwRhHiqncodb6GqfZ
+StsZO/PQ+jTERVfvpQmEZNpm0ZbGV2oiqmYCqoJy+AzXr8ODCNRfdFXVcAPnfsrE0AWmrxkjgCqD
+CUdVZ0oU003gaxxK+eS5uKQpykx4CCpSh2BpjwLHGSXSOXPaPMPPXT2Eq3oRBVZUZgzXCIe8ck+O
+fdEdDDF99l4y7udeL5pJ1lDiAv3X7s7co4HPTNPfh/sOp2EP6wtBq5+nQJVdQBkvxUdzzSDk+oBR
+y4AWFzdaJv2Qeq8ePSjPiTXPFMBWYqRP9TcOQ2dfbCtwauROfFiybfICTGgpcnvL3eRQN0A8weyT
+3viACbux5HkfyntJdq1x6Iwa2qu6je3bq2Ey4E8605hTeEIDq6sUk3qaQV7115m1CNX+tboMRnL5
+yT6bZ532Wx9nhvRSDHuB8DVjYxCxQcjv9rBbiId9Q8gGwh42EmwoWrV9lsIqncCMWjnUeYVdOhFT
+8ykzGJAz3zEZdBRisspPBf8f9UmNlCOBgL1z0Y4yfi3nrGi0+FGujXDzrAABIBbjPrWsTRSVZ/lI
+k4QPc/QwivyF9kCEkItwtM9Rjxe6QNsOt1psztxHZLq3dlXH7/K5O0jUcviN+amdyvtwGw3Pnnpf
+jKzEtEadgVubbreppEbGRLW2yVPR6gfpKImkxnHmNU+WVA8pH4MxH9tULIfWFqRXVi1qLwLsX37a
+sfyO38cqXi0jvQwpn0KrDj4hJREN4ebflK3rwCtI6XMZl59tQtde0dCBNY0O/sk90Tw66sehSCji
+wtDRnNvG0r/RHHqyLyBP1SKbaXmrjqdhEzyKgKLFxmXoR4JF4SRpXpSderBO0RWM1rVpnadAps70
+MKxH0r26hpOY7yn9g1f7Gc7JS34ujmG0N90zbMxFe+/5M/k5zqOjtK7kFiOrFZ6bdj01eAPqm/Ai
+Ef1ML9KxO9QtgNvWfxWfhmyUtLMv+d2kpYNqrEkUJKtCVm+0ATRpPeK9DQAG2xyJE8v0YAVi1iE6
+YK/qh/3mkW2wjsK2Meppiz2T8aNBeBD7gHIsV1KQ3ik1o7BkBNBUUCbOtqSyUa5JQD5H8zKoCWwV
+/KRy47Gmzjs12Ri5s4zF6uFbEpCDmgY9Zz7EsH32Zek1Omf7Yp927dUZu/QlFAfpRj1ba80y+0i9
+gzZ+YBwTYN2Bc3zOZCgmuQFwxHGYxIdAd5Wdbc6EQ3CmXXkir2kPBGEyghg79T/iD/nVAUneJRPt
+Of5gYv5ipVSx+NkR4xxO72V8TI85GO88woW/zg7xKfJC2kl5HGFlAnfMtnxVtvOAHry128raBLce
+iAIsGJZ6NR3XvtGesRa7mpM7bDdqmY6eFd6iUn7SfOsgp3KwSfnjbTFwPBKGPknNsAfnN240xuNQ
+ehrDf6oQRrKIeYIW5+42QOtBI2U8LxPVzkNeR9bFk4AD8EQgmZB3ydyLiOjKnc1QX41IZgdLUUvZ
+oXn5k9sKq8qKxA+1Q6rJ23gSWqR3m6pi6Y0WYsSd71P/Xksc1oX8VQvRe01YKm2mxIvEkIxpH3r7
+MtBxI1aIqsAScJ3BPsFBT3uGyUwc9XVS+CjiJk6ZWdQauKBo+7BNgwRGc1AqKZ8EqnjFJiKPEytr
+oCfCEOj7DMCb2EMbhexe97U7IrAtYJtGSLY9Pl3dnFFUWiwyhzK7VHdWWlw0C9dX25lJk0gTAyiW
+hZhwY2RBCSraUawD24SN05GxE3bov9Jaj1RxFsoAvnEkU3QKO6XozWkDnxZOqTuue4V6+Aw/e2dZ
+xiiN4BR6Yrhw7BIiCXNRoS/vbG3PNB44QAnAJZLBnobDZsHADJin8IRgRq4sMThVtpRPj6ZJuWdN
+6DFSlZvYYx9Ow3LftAyVDG/mOO0BPMHaKgqYbE32qQYri4+GzaagjjBYf4a4oSaFXNMk1VrGRoMh
+pErQY2IjmGCRaqa5rWrUT9ggJ0kPUF6l4Eqz/YNTxSuRmmsagz9gZ+JZiPMp1PqD2XHjRkyaGLdT
+QJFSjuSx46BcedxCHh8XQnRui7ZhYo1P2MzOmvPOwEpamlW5YtYXTIJGTX6hEUvWj4rWt+OdqUsc
+nTXwtZCrvgygzIRS2LjopcUgiEY3sQL5yKwaA0b82JYenmC1zbFPjK2LeOqO9VMVrGSCOMcE8FSy
+ryfyoB9e4kt0AjRt0wZUltmMsjipBPwr6aU1pqDqqX8yk52A65sj2GGQLVOvuGjGK72TOEDeVbP+
+zJt4aUq441faXrcViTG3TMcFHg0AIM5DKUkAUMKsnYPWPKgvTrITh6UIpNC0HRYnc1im/FG1z87l
+1X0Jr8VdPcHO/6TdYdQe7Kshv4cbOUSie5Mqa+Zb0baYRhqI5ejmX6pb66dwSq3yJRuJIJNQRpoy
+JwWYPPXEA2LgQWxvjE8Z7A3RryWbgepkpO/uKSBJ0r/UkQmQYiR9ulF7sJK3+DORw/dkQ5PxqLaD
+baqmsLg42jCWZGmaW2oejayMx5q6jBeUoeL5Nx8RS0DIG2afe3YqAIsgfjWjp3Uk0ed4y4ghKPDa
+eyU92YLN4gFZk2fxsC4os4JKPgbyzd6oX4r+YJ+LOKcLCap5kGkL1VtXGToq+IyNCISBxstglFU5
+3u1DjTg8qLc8ssoiGUescsNl7O7N3Wb1M1yoBvucXwvR+Kxnl3FtuopmwaS8ivyZ4g4dl9W0ZlXN
+r+k1vJon5SDvElbdn5/q5X841P9www7y0nfzCB90IJ2a9DcIbUrCiLrTFS1oS7QkyjGfzKf+FtrN
+xh6pgfQsbxoxnpuOf+8uIUe48qUq7y6HuvgYc8D7xSsbvipf5k84HBF6RH5QTf2LziM1gk3Wq5UW
+g4oePJQgeq3YCLQH7SxKFze99G/NJ3D+8VbV152mvrh4MGLlGZisaJ+kEGOA6IIzZJNgsFnI7nzl
+fqEyMIv7xYscZrjfXT7Bs6FbJj59I159sEL5wxRhrUeSCcP2ReFABtY92cw16pub7mi5PefoV3Ye
+yE3pwVsXog+zeWftGzAKhSJOMB2RFB6+/sWu9WtAaB1V2oF7YW8Tes0EAEoK4HkpHodvPd0+++yW
+IY+jWM+sc3YTJGVNVa71Zj2Vy4lx7pHPh9/HeBDNVYTPhgTFAIH1sw1pisDSTzIO51N0Sg/BOm27
+A/kttARRpznJ17ZtTsWfVs2jAIJbNTWZgKj04RyhVK+jtbtR9rH8GSQ7AMUjAYK6lj0bGKRYB+ea
+TczCHx5lNk1NfrWIpAqSvXQoeJwr1atPR3tNxSAraTHD8YMMmzNC8m/xLY7B3MhP0aW/ydYyaoK1
+lXckiA/0U6+z4WyNqHCG86lg8yBB1udyDHYA9gIxxBFpezW95w/p1lyMqPE5VDEwMVwuKHQjFkMg
+7ud8OOc7G2Nrn61jC5RcpJgmfbQ36VYyaFFXw3ytvEYMDbRheDBMETjzMVJQGC30HGZRlRg3xEf/
+mF5VRhC/uP0Z8f7t9ge/qGGQkAxGul+8ERLcXkkgL7poLNzte/eisy+WP/33RhFwS2+chSbiqKMl
+QSR1DTxPmREIGqVcL5/0S6iOokPOZOXsJ6oKDJBBnXX/+Wv85s/4+hX9/jV+GREHJfZGUXaUhZYm
+K+wf3kwaKff+tX7Vzeol8z5LiT538Rb0yrxd5umlfSpVpiakQ169YXyiPiV8xtlBMf25lr51PHLS
+B79gnNKTuonZkbDBpX3KYKQRv4ivzWvxCowRX7YVvgUMP/ypxCCkzPO5kxX3buMy8+oWP3+bynCp
+v7xNxu0S9jGZFLf4VbGl5EvnLJ5JCwwAd3djnO3iVJctgYhw2hRlPxLMmmoGOq7H6Ws9+sCdAogk
+T/GAR5fcmqjqvBjODPJweig4RoRzoXoOh5NFsRY2gk3wbpoP545fbUi0H8Xmb/uRH176l3GzXCZC
+LiYYItSGXQUEQDc1ZmEnL721YDIAp7uoU+bF0SCC77zU96Kypmr8Wlov5Tl6CV4o/33GXaIdXXFX
+Szrc9ogFkMgA03ITvkDpQUpfdkft3D65GZ0RXbszDadc6hhgqByQ5vbe39XUhUD3RocSjt4hPMFJ
+rpq9vMlX0TBFElv3maj343/xsfEFsvTBKGDiMfrx2RyKUgst25MWMqk/clLPxanMSXzS8d1eyz0u
+4TMwBPgDGQe2hINbyAg3MMpJH7WPWHOXYQrvIVWLcacBarEJeQh3GSx8VW2s4NVIvXWQu58/f9Xy
+MEX/erN9/6q/LMhVYxWJFDsqSQG6OnyV4yTTT6zWz4Y+l/TqIo8iMYM3nwx6Ae3SzOLX6SqzZ4ys
+x+mxvOacPf2rcJEOyS++CfI/rMlcTpEsmijhgPxqNnEbT8jLxBQXNifNhPsj+dCf8TpS2z5SXpOP
+4EPibArNMeKkqqwjTq3h2TkKbOU4y0aQOlLOthhscaWx85ekh91azwaa7C90ln8SK354pV8uI2up
+Uodaoi7CuvjgJzh74mevFWcF47/8pfzw9jUIsZHA+fPay9ovHt/SP32Mw0USZRMFV/7b7iW1qphi
+F3EhK9Emv2QnfCUcw4uhVYtJdaotmyqfwvHENf/Ok/4XJxHzH/Z12IL++v9/2Zhwd1SlHebqQvdt
+Oocca8EW2dOnr+W+PCv3jKmMHJ9aHSY/gJ1tcmSHegUzxZFc4xhBbJ0vR8TotSOIofAn8jPWyUUG
+cQTEYDuJFnyDzhWTyfauYA/MTHmjvWYf+JF7+VHUW4XcA1HYcC7ruwZ9YvjXOpvxHX2JydSkjEp8
+NxmVdouCsanC+DS8uoxSYeMDzSEEPcxYLYatlHrQVMD4tR7msMNJpBkms8ZB36k76O8rm7GtOMxv
+f/5N/IdLqIqiAaiOmMHg1vmyuuHwbjLDA+KRP8Eio8mNdRZVBSg601qbsS0FvAWfqPCgZm6bYzFk
+up2kMdJPYIdzytLG7SnJKWJLmX/kCrOzDRHPPnvb6Jw1yNyrNDJjRNxiunDG+nlY/vIHXLODT5d4
+HmJww605NbB/RMKjrkVnTO3lxmwBqzjHYBuX3kkBfpBL3VKORHMsdR7EwOCcMuStr/mH8OzoLwS4
+CIn383DcFTQIhstg7+39YVJMgYXF4JiUcMoYuRvmySl7HfcFg9Rzx7A5Psp3GCpXfD4Uf3JcU35x
+/Pi2i/nxaaeK0sCLRhfnMmtfvqaCVHPm73NAKZE1B6o/oXUAvgY6B8EwYLFui02EWgn4PHO5jajb
+cj/TcFwNo+dbNoyhzWu3ogLVzV9ieBsTnjvEQUC056RUPyODZrgOT0q6jPPAnZA3JAdWjPIacS8X
+yXFW6qY1PUjsAx6y++DIx9SozT617sVx03CZ9xQWZFACIKlPbRy1hYANH0mn87qpXjD+1j3lmHb5
+eci6L+0FyBJYp2tK45eJt6FBj5WykpErtS050RmQ0hdwmyC6vGkk3lunrdeo1MsMAMK3+/e/poxf
+mDIknnqyofJA/Pe+jLH7iN8955G739s5/vqb/7JnGPpv3777qgHqXMSfwXL4L3sGv4MtQxZF3cRm
+pnznz1DE3wxrcPcxY1UUth0sDL/7M/gtLB6DnwJbj4RFSf9P/BnKj1s7LB6GyVMJJwivggOy/OXx
+VLkcCJCVOzYFKTi2QANR6GSpPo6ZqDHbBfysY79oxEBamb0tbEWRU6nCOPRQCuJrHsnljCYyf+3K
+IcbmdCeT8t81VdGNZQEzFKQvk9sdKKInee5RM0QFTaBJIELa2iSNz2BSiau0LTIBsXjSZfWsjlIG
+quj/e4XAnK4otLMG1TwOpN/jGP+9u///7m6OKP/+7p58hK73Dzc2f+n3G9v4jXtTI6dt6iKjyuHY
+8OeNbRLnYC4McV8hIMpd9ZfziNMPt7vO2FPFm8SJ9Q/nkfnb4DjidtQVSeJflP+TO1sWh83JX6sC
+tzZdrbKlqpKuqKRKzC9nXy/WIPhbcjavADNbdc/B33o0ohdg6LAxMrTXSENPIvg36rEJ0zpTK2O7
+oirNxwE3VdoGwSKPJ3nmkcYVsAj5YtXsYtfAcwF7f277HrlrwNr4FRCvbP+jSY3iKnk58YloDEyT
+7KOvTUN9GNUK1UnOc7qDGJxK5Leq9tgM/pw4xI7BLmubhvHGi+ISG69sL3PHIdKS7COl745uz9YY
+PqCf1da+jhhWSFmDvDxUmyJQ5yEaeFUMBYCdMhEwfWY+RoJYLYxlXWivfaUWO55215JyqtdCXpdu
+Nsmk4t4YIURWlRqo3mlnHmg+DEwdZQStY7BAFc+yqKgb7GPzwGPhqunXSzjfxAq12GZ1pxgOdYNQ
+NS7trJuKY08DzM1A+C1GxnWAlUI6ViZkY5O9GT37uv5UpYIylhonGS0Vj7rOQh/ZmSRNmpQUWNzm
+I7HOeQegT8KkfTKCS113S54RDOR15yEb0MUrBfeOhXE5e6W4vR9zOIXQlNMrVPfGIAzjHmE3GEE+
+Q7J2iBkUg73ZwXsxbuw9MkpGxh32c4ux1BJcZY07lpkz6iGTJBcKpeeywdL1WWHuW1cp13XUgAzv
+WY5za2/qaEkSXXg0OfjmOPPsMS2h1SqUVcLClRzNJbFTZqbCwDhRKN6x46pgIxroY1TFYDOo4RsJ
+z69dCP28YleD+NZCli3ZSQigQ6YNE36YdG62Khzn4OQoAJ520VVIHL7DmMux9hZN4k4oW/DCG3Er
+w36GnFgsDVrX76nbr2Ql11eYrbsJzZzlDIzbvZWIzAdkXELfvlsNnwapV0JBGDsw5vCJ5Kuub+Np
+lRPn4ZtVrOHE1IuIkhjO2bCleyle4NjeRh3N9lmJ+JHbos3mpDoppLAPRK2uZePicHU0Nq5eJm/V
+qgKL05Cvczt93dp1iNHEPjLTn5Vdl29bXQpW/92wsAUvAQr81EVqkGjA6fmzJ/o8Yfjx8e0fG2pR
+/vwbvz/O1d+oadE4ofBwxub7V4mLofyma4oqGxKJtH9ZQv94nEvabzzpKVyReNQaCmvxn49zSWXf
+o7GL4REh8c+x7/mjXebwr8d08eW/vw9OfjmKGwz0vllZmcBouiGRFPxxDsM3v461kJJV3+gnqtld
+7LSZVuCQ2xB3QlQjcqkioHlLeBQoL7ntvpK38cdGkz59d9F+f2nfv5QfZ6p/vBJ9OJKrmMSH6/T9
+tD504L3wNW2mvQo6v1edz7onMNk1QvuL+YP6bRTy/RrGu9bMwY9LCgErujiMUr5TBipdkxXFdZup
+LBFn7426o3qFPrUQ9WsaZ6E1pytGoWAFapBaKXAKVUAyTr2trPBO5t2dl6byYVOosmuTZ6k1zHGD
+626vg+PIvNZYCI4eTpQIlI3YerD3OnMhdYU+NzyVcIWgy6tvP6QhASRcfws4NPo6kxscWXBWKvo5
+iFkXUELd2MQL5eo0KVTbYSy7k1WWiyAH4V8EMX60dKfVTTkP/E5dsnKte6/MXvu0+RA1wnLkHnaS
+ZLl7SbH9JYEAk0BdhDsmCncNlVTT0IH8U2VxNIMx8SKJOOsqyyvmfgByQi5LKA5EmD1PL2+ds5Qb
+lkNH9Dqgn35yZLTXL5smJV3XVZCOFJoiaK5Bra7XSdccmc/Vx6gjcx27Qjg1WvUmYWEY5b7+npqe
+e7W6TU17gy01ER5vSZnYceKucadC34rarcG6tuDykhmLDSotZQrindRLlo7u0TsZGzTcSlIxpuJB
+nYF7ECctfS+nWmfNMDgCWkq86nTmIgTyIFf/P/bOZLlyZMuu/6Kx8MzROmAmaXD7lrzsyZjAyAgS
+fd84HF+vdeNlVUVGPWWWyTTUJCzDIsnbAHA/fs7ea7d3usJ2JDx6vgaaAQfH9+HnH+gr0Ape//BU
+gFotrMTWhiUgZXZTU4hd0eGkmQG5I86iHZZDG6htNBYRzP2aTUJxbjVTcz4aKiXfRjqErlhEd/uh
+FnBmAGBJSOSx6VcrE1DD7WjrPZXIcDQiQ26bOejvPV2ve/8KtjLq6gIjYxP0nflQxOyL3nil+2gx
+7aH6cX7OlLUOOjzOKoyfsgohVtpFmNXBQcBaTz44We9lBH0pQmvLArAApv9qyPJUau9R+loCqoeR
+FNTG41SWO3hIdyqOv8Y0AZ3dlojQrkC2AuurHR7qyTyMIoU/z/RsbJw73ct9dp3beHRbVhNRaDC2
+eVLH7jjD78x3TigQ0iU1EClmX/OVxiQsjjF+CXcX+Y8isrc86mlA4p2H63QS38Z2BksefZQQl8hm
+/wpBquJ8ea488dFAnIDBc02aZ2xYyn0dQZau23VYh90eL+A5U7bNjcQ2aDX2xvB4obJJPvzxMzen
+74WFijMAyRxKILYk+FpgbnHQEdzoPMG+eaXqwDQ50dPy/WqPY+QER+scVOphGuUNTv2LG9c/ktB8
+ybtgGcP6pE0afwB/Qp1sAPMJ4ftkkXU3eFxDr7zRzbhC77a0jfb9+m39fAHp8ZXhVhWrlgYt1Cpm
+gWabEtFi3/na/U666Tli6E3D6VmY0ZccDbKb7Dt3SL8gSUDmhUubCb1IzetsTZSnq8uY4Vn6Mvt6
+WcWdWFF04pb1eI1t7qk7B10LU7j3oWqtZem0UE+Xsgy+rHoTK75gaKwfiapOAwHbZsi360K2lTEK
+XMN/FPG+lvKM1Ai/OGSL2s2hsYUXrLh32kXlb1UkBnbli2G84C/aj/YVExMvotzBuRk+XpfwIEi/
+Vz8mV9zhCryQqXEIhYluonRgKOqXwZf765Zi0YED2DzejCiaheVl6yyksSfSrzH0b2zuhyxITiOy
+cBJ/EJOb5anQfrJE2/DsfKt0cSqj8NE3vBsv5EtrnG5hB4Sfl6pbNBYf1IAXupucjvBnIjkWEj4T
+VGQ9spZ56Z1bdddgTHSR0ZUiGzgeasmqHy4D+jMWX0DaYXNrIiisVKvOhres4fwdm969qZtPWmi3
+XmTfkXIxpdMl8v3n8drLhoUI2XoLR3dp6WBTRw0bapJ8mTHbWlZw72Bym4ipddfYP+/KEBivXSNN
+hL5VeLvQqY/YmKDXBA1SD8fnRpQA/8MjpzwXj695NxACHWnk33H36lMvyxLODF9WP/B753y+6ab4
+cP1GIDJdpmjEt21ka8MqXn2kOHaefWigEYvOd+466ZVLWJNvfVSceOsHBOQU4MNB1MNLWM4/vfy5
+Sj46MW/jhWx5FVKbVvXYvmb6QUXmI5MPLo3dwpOHb5R4H3mHda9k9q28b4YwPgeOFuSGPdaDS+Xu
+QKd3zezsk5swyvFSRAziMwIluDBXC0lUHWJR3LUieBxzPk8pi9MIZg9hmM/R0FhnIC57skYXY1k9
+//9q979a7Vo2ZqP/c/8Cmtp7+97/XvH+/Kl/r3gd6VLQIbWShOH9RwPDwx9FZ4OeAY0xOnT2Lw0M
+h6adhZHOY457/RnexL81MMQ/riQCn6Qgy6JWYZzzW4X7VxXv72UmpSW9OfraAjATgsLf2hcEb410
+hie57jlU06KYNSIfDc0TZ166+uWb+Rcl7X/qAtJOpL63KPs8iw/322t1HouLikq63AqsNF7nCrXY
+DJox65H5R0U9bv/6BelS/tac4RUZhTu+EICrTP/6778UtkGBvWTIQhLfTYjKyAsFTfDBiAvF82OX
+qwF64EsaBcU2tnEJMRcfyFUutW1uS2dM9hMmzaPZjNYaqKa4MTLFIdacsvr8N2/0zyMwuki80evB
+5+qgREMk6cT++kZTqLRaTaWEMmwEZ05gYLy93kdeE8vqpHqN4EmpEbuOwFdLdTCx/3M57yMouuTC
+Tf0hIszn66/f1m8D3j/elo1+8opN4U7kLvz1bcmgEXUaoHEfzNo59yrPCKa1qvjLU31yhC4eHOwS
+KbHIUvVU9Km/UpH0d/HkyBdLR8WtnmLW53pPLuZdarKGhUGYHcNx8NmIkyD7YWDJ2NtW2uzyyqo+
+hsjMtgSp1Pd//UkQYv2LWwFyB31C23boDf52xgEYq0Q/2O66HvL41E4q2hgTML/cRDpc6VLeedic
+CkSbQ3sPE0H9KD1FMk1elIgdsNo+oM48CTyr0L9QnxUeRccQvRvk7SydFHGnSG8rJNbJjOxTlPaE
+UMhE2a1kcsbaUCzteL6UDoMdIlNSPIyPmZ3u+jLZGVrS9evQztTYdhd22hxSSyx7dtklYoyefo1/
+ROe7GcajG9yNjf+S9WW8SBtgL5W2HoYWVdlYHsgOfEhnvTEGsmx7sRwad1MBME0cEHk0FZMheiyT
++17GORsZyVlNeMzpDC5Kxag1Ea+dKScQeRB/A/09UmBLkg5bli4qf+Fz0RaRPT9X9XCMsfzT9N9I
+6Xyg1PwR+9AIMTulTXfsaoh9lnmyq2SjrYoDHhmUtWD+mAv7qVHTD0+xc5NDHNMexF8zh/c9u/Ai
+LqA6pFLK9aB9Z2Hlyj7bw4DSGaZaRgLfYNdHoODzuU8LntMYN/3R9CwSDTJcO0i6IrBx/xxNkbMb
+fVb/YtG6Lvf1r4djHk3GBchk6QeYtvf7dLyWRYfxClmFGdoFucZZCS9ZCZLv/K1dTO3yiup6CKoC
+NqD08B7Q28rVl9fk7QdOnPGJhpTxIxAqQ0vpXB0ttUsoYV8UoPEocKq46nbjqKrXCPIpyqi60D8Y
+JpsPA+euY5BPxqtpZxhxZt2Sn0xa+cKcY3ctSZE++tmQbvoBd9vfPDDXFec/fWxQHbYFSMplAfjz
+o1/7oh7l9dFHvqbhJBDSvkwtw9nX9OAvWEOZE+Nwp/jM5zsradtTEcyYFJQ06oM5O/4Taob2yw0N
+8+Ov39q/WNT964KJUMHzBGf8P7+zPNIFcgnlruGuu0u7rb5iureNQDyJteNvVuZ/8TXQDLoa9cVV
+VvWT3fDLDlKRAKPQb7trrTtJrFcrsVYiUP+/+Ei/vMpvixOevcTr7NZdZ3aSfAqEx6eO9IgF96VX
+wX0v9eavX9C87rW/XV5GcvgUqCF8um6/fYncoWldW427LmFSHCc/y9FOdkOKpWF2n/3KAQ+rFIzy
+mGn9qy1EeQnK8O/waf/qbQQOTCUKI/pc/Oefr2VlwG8lncpdG1EY4zH1ni23hwblQd+aA6uG+zdE
+K1zdI/Af9ZRhpP2bL+La0fv1i3B9yAUCdgj7G370n6rZXy6wNTEm0VjG1oQlg7aGcjqccYTEaKUr
+nypIaZQdnCy8dLTvmmwGLDObHSKtgZzkv1lrfi/GXFqZDmQy0qMhq4ifhuxf3stMim0zeNxipJdl
+a68v4hWYXoumTm3/zUv9/hBRZlBwODbLoxdAL/vt+sdzaOVEAARrCSXo0Oep3BfmpM52Fw6762T4
+775nRsq/fdM49KlsqPtYRSU0gN96q8oisLQwVbgm41lfusghhymc1KuRVHOHYjiM1oAgSeKtCgSs
+kpiVqO8xr2gzXJs0nLbUFvlaWBOxuUmrdj2qiNsOrslyDLL5CM8c5sy1h7xk+Ui3fqHFuM68wFsC
+Gkm+W0y+UIAX/rJkZrw28VwewijQz3qkRycMMzPxhtuFtaqA5Z5hl8Q/+Ibim95p68+it5230Gk8
+jnLuZz8K/R1So1orKyxIufSKbW0ILFHVVDkUB2BdA2IttmmfuOspd4tlA+XiZnad8uDYMTPvyQuH
+BXUP7yR1EMGOPrbemL5ZZ2f+uUANsknMyFz1deFk0D2vRPMZdi+WQofcP6JO5VPVxUyYssyE9B+S
+YxgtJpmmB5Gr9lTbHglZCD8maKNTEDR7PXUrMdg+vVQK0ecELf1GORqKuxtXm27oR3ibjfncpKl9
+NyZaEB5JnMF3JxPwHpFTExwmrBMFw7ApoUsux6wGxUJuVbcKKiIk4E4nO3PO3Us/+sUPvCXd7dR1
+ETRWkQGngt2+q3P32lbprEOHjuW1bGo6yFY3uRvVO5qMrWy8GEDr28UUidhdFlZDDFc7iqekp3lq
+h3p4qi2aiiXHe6ifU0XGkZHdGHUT7eapNe4z2SY3aMZjWsaWYIRZyG00e/VNOBvDOsMItKZ7YL4b
+uIX2bpsM5ysccgWUk8CcWtvfpqGIlo6W3WsaQaiJ9Dy80ZUp1wbtATB9MqOoyqrv7VCN5LL14ZfX
+Os1zTjNzKskhgWNvvAyeas4z+c8PRmWPb63d9N8nmsLWRpcWvtnQdZAF0SjE7y58pnGm/CxVaBzD
+qHU3YaSsheqJbJjcgXBCh9v2HIceNkSdTysffdO6xlO5pL+FTnzqwlUbtN6OREF/L7sqXbo23Ukn
+iKc3MFvzsUbhR5sHP6Uw4eUMHDdOQCXKfd4qlhu3S7dZ3hP4OIVzyhcHt8VwakAHRkTs3BT4gLRG
+Y5PZvn8bdnW21qHBEmmCE+8Z8C+TAlJcV7nZtqztGaqiEx3Iiu/kQrkywTkbZ8+cjsutnF1zjQEx
+3sSBAkA6GM1NhYF/DZmxXjo/X9gipLlq4vHSOD5cO7dMN67T6ZU2AuxRge6e4khEpFDo5JLMYX7n
+yCLfKK+bTlbUv2IAhilJrsC+sqdoF8KYXoclWQ+kAOAzMybru61SKmK/IR4QXuAa7Hx/Yxnw2hch
+34yHq9FzDuRpILpsOtfFJY4xYJOXDhNHS0w3tpjMZa4T60dWGeGdxnJGlnPbkLnOiqvXftbgT02j
+ahNn8L6hkKar2cGA08eEDTTCIuQApd0NVNzxPBZFkKzawe5uY3MivWbM2959pFnc8XJ9bO0m8M43
+0RAwZ7GUuYyVPYP8zzzS2TnSQiNoDGMtxsH9UdkGz4+ZNPBd3f7khCaRv63zjpRLvJXkWNxmhmj3
+wjLlWxyIdmeGMnkGJxtth5AlbmGYaiQf00gYQ18jUSef/pZXx+8BMK1DntN4D0k1OAAqEdskE8zt
+RSVTCLdGfpztxiBhJhPnbkSfsPLoJj/6vSyXngFkWlqVv+3TyL73osw/Em6nj9oooncxAR6tyyk7
+JLXbvE5yqMgwyM37K73taMDoWmexlW6dtk+++ZVLdA5wrlVS1sVDN19tBLASbzrGCWdLjuMLhIro
+1e3b8Sbn1n4zNKf2AQscZ/fRqmit2eo0Ybdas6FwYDM51LUhzmi/UTCYzImFfpxXo67OZG3V2wL+
+LHnH1AkcglR4HE3f2AZxbHIurCkNy2ocyWg2/GarcjJx0oiwLDe3jVPmtMRfIQo9zaYuTFZ5GnVq
+ENajZK6wikuX9JAJqVPQZPa2KBACk9ZSlQfZiTHkhG/n016jsCT5PsrKtxJ8H589n39wsaDJR+Dm
+f+JJ6nMajTMReeKlLEF3xJzKX4za6Ilp8OzzZKOzWtt5W+JYt811M8TZa1Yk8mu0R/FIT7jf66gG
+d6ZwvjfMstgLs1Q8wc8Ybvq+i544J4BQNr223koeoWghuxFtvB1gvG2led/agBDMqpYHIyzD8zRN
+HbT/RBREwsTxoyLw9GIIx/20JxF8Z9hVHqzJiNdVEbZHE/flijDmlq3d9WjUZmp+ayZbv9uAxe58
+UTJ47T1DnSff9/amMc2bvHFxRnO1TrmavGGR2kZ9jGJ/hIDo9F8lHRcGDX63cwydLy0SR8KVGZXR
+OerzdoMR2n/l6BKewwK/wcKxlDjyLDEVUYaDZ7oDJ9Y2KO11Y7s5NhDqk4WspbFKnap9S+2kfB79
+CVOuJjYKs6ALZGwNK919UENvHzMCKUimz8aNKFSxrnXYkk4fGu6bU14her1ZvZLHRThxETmPncCT
+NbdRsHWLnrFM7Be8KJB2e8060FAeNcZ8O2U02FZzMqUHzmPWhplafujHSO2hvOhuoQqIkJEEIeTZ
+LgR9YUl5VZqQIbCwOGOcMj9HgOOqhh2sCw9OiVl32ZVGcz9NWfHdKRidESwQf4FWGZ4lNkPIazFD
+uUU++gRm9llMokMQ2l9t5drVNusMQjFy/BOp7wJ3bev4IRlSzUAgaQ85swJQlGNALlHsDFiMAXek
+2GYZty59ZQ0XXgucKZ2v7H6aBTd0q4SNGESpz6yZu3dH0Jhn26s2ZV3LHfofcC1kUqUckK1pVTnQ
+rdH5cZHcMGjJktHq2aRiBprBNSxb35CITMLsHkFR+60WVn0rLIfP0aMkKfIxWw91kxK9Uc3qxyTQ
+RxAm6TGT6PgO53ywvs1ObZaMqSZymdxiUOMiY2J0H1mQ6fU8WpcWms68IWqzQTBgO/OefGQAKYFg
+Q0ycymYYOhHGaEyy4PckhfNamnb7DHtPHO2KARMPcZ484nvBZh3hXV8llMJfvZXV34DlN5c5bJwt
+VQasACaE1d6dBZh611UE+hlXjwWjma/KzEkINXo+ObXdfVr4/juef7zIcYNS3iJTDw5f+5k7tb8K
+41Femi4rvjhmWTdDZlmsm8Rk8Vui7wPgaKg3xM0OqmhcNkzTOsyNqoEzGMGTnMHR1zh1bBb1qcGE
+azir3MjqXTyq6UkJnaSrLAUl4ieCxUCNGQndZbMnUyTbEUY+n/I+iW7MOcJcwMg1XUgx+y8x9cs5
+VrJ7q3NTvDjD5H+PCAJicoxrEfxt6Ofk0GH+9h1d7hvCybsFyKHkduyi8Tlz6JpMpLYeOt2Jiz9Y
+8UWLtrkzZ3aKztM+8AMI70fameKr9gNk+3NawonhzrqLDemocjGSeh+tWssB95G1JWPRyeARWXbY
+Id6aFHn42hYDUvSqmQVeKca8TwNCl9VMfbsvdYuPEx8VxavZ2OMtFzt4UZbPNRQRUAw/00hY/VlY
+Z0XbjuUElz6PAzKBs/Ky+ZuII8g7yslT8rPMPlUbF6bAYyX6dNoU0i5eJq+H3l9NBT6WKGm+50UR
+lkj/SrJy/Yaj7io0Xeo4366zcO2PNh1IlB39FkZsLFbGrIkHGy2T8tLyw+ae1kA4kQari45GgxEg
+vj8EOgFYO4emxMivs1atMmD2xq1w6UgfIVdM0Ymfy54TYh1h+Y9V7xPR06TV0ghjOLX0CSKeZ0xo
+faOuJpJ5pvBCaYfCxJC1uSamIyxWVVjJ7EJrIUT9m7geIwj0gI0nxydwAsWNEaR4d8XUX+q8GdbK
+EB7eCsiBqe4VXXpOXjhXvXI6kSDe3o9cqVOoylovJfGZjMbVaJ/IQZ5fLDSKXzGSn3M/DsnEkmS6
+55hzquAsHw2ntsux1iBtc0q4zIXf3rikB9w0mZ6oCOG7H0Z3FKdWhoXExO8KysKwqm8R+8e3Y2A3
+b77oqOSlavyPNG2zgmGwU75UnlUkDJBLf99XY/RQlM50O8ecELtpzkhNMWTw1DUBF7NNoicAAjAb
+xzxZCy+pSAdI5xw3pHbfjdQiR9mq1raCzCDGhKgLB1KFMKs32cz+woCXtQUl3hMZGCBvsYMx+AQ3
+1G8yzrCHwe+jS0ZOdskgMXdJ6W2nfKfLmW2/wGnX6o7QkYELdUKPSQ5B5Y1QrEL7qULjSfnLtvZF
+LvK7VGZ3SJ3G/fAsSbijj6JBqarfVXGS7XSSyIvIaGWx6YgugCSdJ/fFSPAURZFtdgvCAsYCQdXM
+YjmN8xnQcPMhQlu9I/2udnkzj+sohv1FamyxLLo2OlhaEkdGi3aTiyupCkQMB1/dnPygDk5W6hmf
+ZHYl0cKzzGmXMNvdSKOvCYWC978gQ1N873M8n7qzirV0q+KDTjuBJc7cYeMNk8r4yNOERd5hqBHc
+C5WQCz/zFds4HwT6Asb11yF4wEm7meZFYFWEz8Rh8eIHclhmtho22iHFLahIq9jnZOjd+4MJ6sLl
+IxogxqKUeNt+BDWNw16zlY8g18n4+JIOwGIL6NYFgK/96lOHHbqWLGbfTHiM0A2tfaVvnaj6MQbu
+bvAIGROawbqtKodM9tAflsiimkNUYMnQJUGisaypI0JnFUV9QPin26wcA42MKP0rIJyZPQdIUArF
+AC69LsalAfuAlO8SM5Ri6+Z+HzL7pqzT4gu167wJewRK3PPWYz8ZLmOEiGreJiTKliGqU5o3yyiP
+sFPmSBAoM3LbXiXs+VTUYwP0M5eS6isqSKLnsi913TB/99nTl03ot+ckMbpdiz1hAbHKWveGadwS
+TFdvOhbdRXtlL1aT7xYL02UqtI6AFz2Mnoz3lpOm7Eg6JTXTl+1WmeASBqYFq0nAY0TQcz0vFN0T
+cwsgj0HSvI6mlx67SQDZ4WaDSq6ZaAw+83JINTEDhcE0jKtZVBBMIu0pwBdFj6/Ow3YpckvfKBxM
+XwAO6wdYp/O9YUTymYFp1QH6mgcNIzBHdAZZhoQnPuwuGE3zB4Y9f2UmnvnSEu9zm3tienKNpv+G
+fCdaGsgIhyUxzcpemEXFp0mk4PBN0m+8As9FiCxogSe0ab3YGFFq4i0qZr1j7Mc10F1Tw6VJ1Hgz
+lBLoThyGJKVyslWLYbJ4KAJX4WPNdXoDUj485Ek2P5D0HV1M2ciD2fLuKFOsEHANz8/TdcSyIFGs
+2jRgsQHq9qlzcajLmRFlWpwicrHua2q/ZVPa/qHSzMXIdS6xZfGZbmOrvsD3dR4Lgre46e0AUTJN
+JOujVJ71GRpz9ODNBc7ivvU2DEY+/Midj6p0wC8yvDkJHST3oSunS90X9Rb8ptikcf9lGCZxSfTE
+9ZEwwXZpxQ5wLxQ361LU8aUrKu+6kabjfVlo51O71ryOEnfcO3XAHgVIpeXe9fz+Zg5tZ2cMbnwe
+tO6fvSRI73JVYcK3NMclZcMGXanK18gAbS0OfROGW6IN3H0dBNd+dJedeb/ANsJI3KVGq5dObZu3
+fZGr7SiZeXEWBeodp8FEIoTrPU6mCSxDuMzRIit5K5zQ+eL28Dmxp+SWclgn0krrRD24mHUWYqJr
+u1F+mUxLjqtdRLZOWe/Dxu82ajDCRdK4yS7iaLEhmZroNuYu34B+2aekimn+Edo4rvLE/ajYbh4K
+msgfNAmScFy2o2lE7wT6jvIp14F19mcmKdD3ZpKCCb9IKC3IsvJJCSdR75nDW7BE4zf3n4Ns8tpY
+TgEjye9R5pnqTVq0TW/8MKnlmsqoO2hrhJHtGyGZWa5gpXKiQpabqXHaH8RLOW+K6da5DicSryST
+xdYJBkLhAo5FGNSjbu04vgV5p7NjczOmnv0G5NJrNi3pvMuBmcuq5mT5jBiU9dUxXCQ9fh+T4obg
+TequfHUjFX20jgVcrakaLv0EF2vICig1NMJj7iOwaoXbgHroLHJAhqrsNkFjXsk0YyfWfkMW6F2P
+GoMW8TjPyEdHsfSreLbpmLr0caKhJqc1sZtL35M8izizOOahDJ/LQTNipfVQQhOFO7lyoyG5kIjV
+f0vMtCuWADKnozZrwgKqqnM2VjDCmkoNZJVN5izDqa/9RTN08T2hWtVro0jZdhSNk4TG9JK16DO1
+CKsNWJ7oFEAT1d10Tiq35UtxaDmQKG49AcGw0fCmnfggDA04e65xQCCwzDZFdZ0xN7lLmYPo6VgN
+5LEcWU7IdSivS2VBWPOtrePue2IW6sjJM7xJxqiEGdNqdFRJgSL6zjCmCjoVWaPeomskUW/eoIx7
+zYQUvKELs2iRAGkyF0BR7X2dacIffOCJ64RhNr3AqDRJAyzL3tlLSoe7eZ5z6J5Os3dhyPxII27X
+VUHmJKVD72eb2VfhtHEKKtpGs1dSN8iT5HD8ZE3gNLdpDIkVo4tdf0tYW5ZZEmV3QRRcr5g7Y39x
+SQ8DhQnQ+z4LHfIvgOcmoEG5x/1MkAVaVgOMcJ2mr0oW9HOGOn90oVcveZPNPWcmTpljOxZLrwhB
+TY0lnohtI50S/JFZuRt9JRsxd2YLzyRg12kmd/Ma21wBeAObmywwXDirAbBsCt23SN7dDO3Blbbn
+vMalaegF22YZLFTWhbdVNvGU+cV0jErwSWq2knsmCjNx4gl+4nkatxj+rdvB1OMy74l/vFKRL25t
+tc8i9+y1z1BilRHWucH6xL0Wh5hYANMsedKRuBUemT4wVrcB53/OVCJYF1VATkeGjSJzwbxqcPlA
+1eEmvBRZzAo/NHJDV5wcjxp/ijuWxpni2nhGwjqusr6YeHyTNtuqK5l/3UdhCoA5id2HuW+IwRBG
+dxqhCBPFVRNTTpN3O3ge4G+nd6myKusw9SZkwDpOrG1r5PoxbfsSkKOwZQpkDDkAYTSp2y+QaA/5
+zXRt2jaD4dy7I2Dnse17Y0VjORKLaqytE1m81A2qavz3XATMFAfh5O/EnNMJJiIgE9e0RUOfg5nJ
+w7amnh62YSyI7DGiXF/RQd3F/lkiKwiJezOlLpeNwGiY06IRINlzPQHClPJiTnNwKkcz3DnUN59K
+99V9ZUnjPld1Cz2mN93XoZX2pchc78GppXjrbWW8OKNMiX622pWYPaIsEIsevbKiSiqSCqKWGmM4
+vWl6b0i3fUGP2m4cvyAoncRBfx8JAz+7N5gPAVj3VR2KbB14M9bocnQ53eb1yppHsuXsgNB4gno3
+rgYtFlIOIkfsc3XoMzM6Rg6JckQiEX2bhlAznCzfDYkzHo0enfUiaHnyjaQz1kYZjDfTaAFyZtgE
+TjXynkVWtLu+E8Ft1M4/WsZt4FEMq72NHQOJ6dQMV+VKNMuNbiWPF+mqLx5o07dyNsyvtFUPcyfU
+fSk7Kv10sgq9Qt+MXb1MaA5DPLT6I2uHuEQjCcTIJLzZpNkloARrk1pjnhP3BSWk9yGUzQ046UDe
+suuiQ3FjK1v4FKFHwfKzKolr2AmPDvWi1YkLPjAQLyPhjltLdsBYy/AtrwgMA2fbqbY+DrFuiRVM
+J+9KBhpbKuhp3Oshko/2lI33Wdrpe0rP4TWrvO7iRh6VlhlzilnllSDKzc4ci15xJ7Z5FBeXoozU
+Fr4drJUx7DaNQtfTFmOyYapeHxQWwdUEsx/LfcwJdBqbMeMYpjgG0HU8Zp5nXMBc4fGaornbGMVY
+P1cJUtyFoyu15AHWq9bt9SrKwuHONiOLgAuTxauIuk0nEJx6QeSBSMkUYFSIrtUiTdgrOBuXNvOm
+NDnqpNNbPfZ4c30DGC9D4309ivgWHi3sXXldLPI240QnIQsYREtgBhyct0kV052g17hy2gBxjpuY
+8s4lyuKrsYfgBZty8lkrAWgpajSRdaZfb50myLfa9OT1gOTsOh+4tGP2FlLm1ED4HflbY0QRxaqc
+1g9z2CMDNovuxS1nNo/Mmhe543nr/04Uq09fogzXAeaMb9garBvqUQpkOROnOnnet58qgf/XDt7t
+Z3XzXnx2/+P6i79XOOkTDqv/689/RZ35x+uu3vv3P/1l/VOUejd8tvr+sxtyfvSfOqXr//lf/cc/
+vFd/Y+QybYCwv0glrq/wx09eP8L//G+795aMsfdfha1//My/+3JdnLeOy3TS9TxMtv/uy3X+4cDL
+FMRi+mgLfv7LH75cbOU+ygaG8LSe/avE4T9krfIfno0KFRkqVe7Vpv5vH/7yT7nGX6laoU79rvdD
+e4TiM3CJrREcxO2rrOsXLUUG2tfKsrjcgmF/qifaiGrYCb9XjxVHzm0e5vVWtXP7zbq20FNINTOm
+n0JkH5WTqRuJ7M6mRRe6mAR62DvWaU78ZZflFr3u7ttQ+8bJ4/DkW2l/0tnErLzy1gVY4GAwt6MG
+n9h2vUe7KHoUjHDWo1TeMgmq/mJqzOtdgdOqAowxde62bc1yNVk9M8XcukbHjXvmExVTNUUsEr3E
+JTM3ue+FU5MpWXE8yAGjebQ2cRmDFe0CWazVhAc+Meybbvg0golceLf0EBD2hO7FHkRnj5Q2b9J6
+kxlEfZUTHYnWc2dwM173LuSwhnYyn42uvR96RUoH0c3LsdLJ1ubMxukJpYZhv/QtKC/ODRclzfI2
+EnW1zHMb3noWTAf6TM+dMK5bwKpon7raeswHKgKfprGSYL4bOqfIboczMc24UlrvgkE/aZpbpoo0
+RCfn1vLoedndcujfx5bk5C72rKXsq0NWIU6cG2p2cjE3/I4vhyxwlrJuzWqZrUQS2Mu6PLuJly8Y
+cF0LGG9lGI69cqgNG6KVQCdvxUiprbK1GmGqJ6SSBhFmHa9cFXZQb4JaciST5auJOzrNrRMt//9N
+3pktx41cYfpV5gXgAJBYb6tQqJUsbqJI3SAoUcQOJIDE+vTzQe7xtGhPd/hiLibG4ZDVljqqiCXz
+5Dn///0Gewf84daBPhJLjsKRyXXPvzqx7+/wpDqb3Mqa7WiJ0KKhtOGwfmfjFygaAsZa/FyTln6b
+B2xtaz9I+lfDlkDt2/5nBDYv4LOHsOOUkk3IKTpjRMIfaz9KzTxaNgzcWZ9DRWQ50ekzfgfjKc3u
++MG/t8L4WgNIP2r4JTji8oeuFbg6YcldSgvO1n1ILVIydgHXipOam59ezIV2ByePezxz9t7siRGn
+keJ4yyFx0y2thPnsmuk19h2SQVvvSVn5q2MDPaqSlvCg7L2LzOya9e279dG2N1UiMQvmdERLV9/R
+AT9LetgboVCyRODWNt3So4/1T4anrpnbvA1pep+m/srDJCO6ImzMYBi+ZNYWcVaz8+H0wihjfsed
+G7n8GuPzytzYjcyCTqNGiPLqVEtG1Uva3GoCcm7n9Ps1qjkR5DgOukUBR+QB+Q8btWjB1BTJvRVD
+6YmsHyMx26GlIfWwEOZIzzzRs+e4kkVzECkrhKeZBREjUewhVGLLlzG174x4wTEeV1ePtgF4UI/s
+I16nofiGAjE/odBmFEPTadO12V0mlIcsw7n3aVMMtvdBWO4NmkV6TBPAedaSsFkMzhNNOzL5YKbT
+YPEyFNGuufywVo+/VSYMapLuC0gEqE/4/zn4tvt6RQLkOjpe3HqKA5IbhW5fVkHW9k/C1jCALZZP
+wByAgXlFDbQrdICq6TEGymno8mbUqamH/k32dX0Xjc15Xp3R9EFgk2OW1jBNz6t7ell91MnqqLax
+Vjerx5rYhGLfr77rAQO2tTqxWyzZ3erNbleXdjXj1+4wbkeaqg7xUOHlrvsDVsrhgPSO6NvV8d3Y
+2OmsVmtODYm76eoLx+XKjG98jVbHOMj3+9loQI4WX0t7UWigNNzli+4wltBP1QjQUw7qGOUtNkOy
+lW5GGIs3k23+jOu7gdciTC1kPp50nzDqPndRcmeagJfoYFq8H/jeTQ5kNGUnuR9WV3xklMS5WP3t
+ULr9peRHuXgLZBITuRQSkZYRmkdzeFK2CMWAU8Du0SbbsSR+0I94x2tvC6Z6OHusYpuWze86Gfq5
+bedHv4j7c1fd0aZwkTe1yblfnf+FDQPAAwbgrVSAZOUDGMi4kpUYMMq72G4IK4BFjfuKkp32zqZd
+OQOMXvtNv7IHzKQgz74bqAIduaZIfzet4intkxdnIvhz6BJ3m1TmY3PbY7TYSl1rNqVtvYx9/kAg
+HQME4rc2yhKbWPdfVGb8ELp/buVo0LzAQFQ7vYUrF9YtRSZgUubRaFu+K/YC+kFMVJfl0azWD4bh
+a7gZ/s8I592Us/5HtzCmiTgcou95Riw1GmW49K73kTnfaPpBBi+qaYM0L6wFOfBYLWi8tAklPNEb
+bIULIFnr2eQouu9nweKINk+DXA5GSX60Wf9BfUjf9yjrpNj6aflaQtfk2IANEFmIWbUF5Snju2ru
+71maEGNjPqQ18WEz5g8cPX6ZZuMRJ3wLpt3+EjNU40/lIzteHdTkm823QsWvaRvTRybduJBDWHXw
+aWb/pXLWrmKmgGkW0dYtibCubRY3+ebp9VdbM96kdKB2IFZCoY0Z+WJM1V3Vo5siA7SuU57/cV5Q
+FDSPnXEek/LiDi9Wat1Gc7nphsLcxY2Z79zKZolW7odFKjhKBObiGZPMWNRAPXKG8WTbPxQmDRUt
+nsjfNLKZH3qNCmubYNGY5+m0jsDF0cGeRgX+YcJiPNAh8H6UdnVf2uC+yJvLEdYy3GxFtxlQCm8X
+piobu/C5yzzssTSjoDDbr0oLDWd6a8ZObRluAc7s1rx3OVybWEtD1k7UOlr1wopmhp7BiTNX7bbt
+k2xvNpI2XZSOtEOVtR10jmTQ9Eg8yFqsFUb5HWWkV1XRNnXnc5ZW9xx7RtoWap8mP6N2BSg38ynN
+2PnVqJV7AqCv2tioLU140OwdmlGGXBdNh1zmgXZjjjPsOE8Sgy68c1SDIU9KAWmLLs1gdXUw0MPf
+WP5yGw8aadY2rhQAWWoYx804uJhFp/QghonoIpm8Zr7iteaYE3X2pYiWoOClV3FxUWlFau/s31tS
+fo8yBkJaMdqB0SbbykvuZ9+OQqSKHDoFu29NIIN2qT1b4CZbpl3ZynU3yM+dU4kr4sc70ckkdOsI
+aFrRHRP7p+VlOS123AU+IP2wyrqntvfyI1U1KBIPFrf0MoK245sk72sEMXqC01l0N2gY7hUE6e1Q
+akTb1cLmUEQMzuA+JtMjtMuKcQnwYX/QHl0foz9QwXdtSmbaTt5D570QO63xlEV0G/PoI/OXYUO7
+xvaTn+24LKEs7WNs2Veaae6zm71p/ZTvEpLIZzLr5961dmJW8+vCGHhO3IsTyeFR6tl0AD9gbJXU
+jhlnzVf05ocpX1tvwMew7qNLKlG1RiPF0Vo1TCLvt8zoibSLUuZJLTZHP8CYcrLoam7E6H1Bnmhs
+M6kfCm5VGCXFQzZjOijudYd+l0tEPfN1fikorpnsx4eWk/A48sKWfZUiJpwDrSLqa65kKF6StNgN
+xc+k4LGpPSBVGNO6myaSuwaG5rZm6hdMQxUmxPqcu2ZEN5/Lo8ji9FA5y8VbhQMWnbwAyy4qtN4K
+8zZ+pkROjjEWcLWElW3Wz7U2Py12LS52Yn/ofjkzKUpvi3zODnVERHNcxjB24E30wiLvN8dr3C2F
+fILU4tjNjd9dIjl5T8k8H7DmIoHLkazpTvGajkV79mL2/yLRVCAzK90rx8lRltnRndLzgJN8sfcF
+UD6mLdMBb255tqIxOc1Vi2qlmKNwInsCRra8T617vX1vI60+k4JVXIb1l6wKI9dgCJEmBWqx2Dh1
+rnwphdfuRmEU594QCdLaUd/VnvGK0y597VL9HsTWGHSLBboRDcsRlZnHa5ot9y6Hm02iJcsx5nnN
+Z5oyjZHfmRUnkRrkIm8QIFpm1Okmt/V517Ccb6XwSfhE/Qy1qAyyclK3o1eaYW7yXvcMFhiP1YSe
+uEl+iRy0G4XyxnCwCvHQBdZXxpEvyI/mpybps6eeZquNJ3iIQVZnS9lQHNHpM1a4WAxlLDaLe8Zo
+JL+sALIOEhmi+RE1B4o9XenaTe26OiuCd5h6RgVLCdF57NP2vJhNusG0MD370/TUJtXBYgT1pNND
+vF0qgpRGYAikQtHow1wYsuGSLDr6aHHoNO0WT/sGpeyuAkt9Z2f9EtJXY41OjAODihK1CaqO1rDN
+EL59xlNsvxdO7R0dk7WlHuWNllbwI+qWM6G9xEjsurvEc5p9bUpnlySxi3S7Vltr9MQ3Bl4Ppnak
+1MyvsHXYK6Vm7vollqjyqJkcbvJhROK1tyy1E24dh2R4p6gJfj1+8lDn6XKIxqh42i2Sfrfs7OYH
+zT/+ht8+cxLxw4VH7NhjcHlYJlDxJpkPtW2NT9ZkmHu60xQ3up6FqV/Rj7YTf8+A/tvUDRZBbbV3
+k8KLDNwKuuOg+7cGMTygE+zQbUm/jZ0rs6v1jHllhH0qJD1ZH639jbk4KT0r8lFmXzz46y/piAop
+rd9NaaOXpmmMegA9a+wl3Fyba1AIdYmNc1bkybORGgkI/tQ+2kNWfh3sGA2af9YH2zz7CH63Jo6o
+w1SQMMByjmBQeUXodotzH8f0+ICbFIPp3U/geiFa3YliHZkwHdhPmTtTOyPDioz40qT1G55y7wY1
+743SB/GocBxu6YM6e7qB5r5qDHFkXp3ydGuPLFP6m3JZBgXnJNcW5FqbYBmBDGQHu4u+tbD1EH/7
+6Jmterg67YKGlz4G+h79tXG1F6pZ973LULPnFqtDMTl7OUozdHI2AwZ3RpD6nKhls7S7Ps6qrSwL
+mvSRTPeFBYNLr/TmPGqAEYZUmt98znlyIs4BB8B6TEc9zsSs2iEY0u7rXqM7OO3xiDlPpbNMD433
+pTJOdO2m29qr5ts6RcYmKFBvx/GeLn75LdPS3dQSRMAN8L+axXgfJ5b8ac/Vyec6vSROvEMVdVGs
++COVJQWGD9E99NNa3gxSuWSg6PDX41newEOgvoHkcGCf0G8T6kxHNPc5KrKjnPrnae680Ldql+1C
+JwM2jw1eoPY5Yaj2GosfemnrJ7Zsh2ysWgWRH5cPdHbOld4hkpe0341yMfEU4I0YB9TovFEAUQcx
+7A12n73OLJqwdXDWroVG2kJZ8JKtZhKQWT/MRD/MdWG8txlH2EHLbut1diJ8c9hpDoDEzEjn51gj
+B9aAfbSbkNSs24I8RHwlskdgieuxy31ON2bs9EFaOjUXLEKXTwVAv6sWByHLr33ctreziog5ROhZ
+T/c2oSsfop+C5icSSCKmuopMl3oq2Jtrmhm56q5KK8KlVfOlt4yGfnJnXKVH1IxG8O4Vnlu+mZeM
+/F9/fjXtBG9Hle2jKRv2emeHE8vYBY03sV1jfdDKNv7Sg/LaVF7+OgDMZ+jp9fsMef1WmIzLhoZ4
+6RF3zZVpKsGIVfpB2gtV3/gsVhGDZjsaJ3z/MBd2uhtzIimp5Me9WUuuCOrPfCTUVuWXVZSwpZ+x
+VuaPtA2Sh4Wi0HQYM7RGne7aXBN7FmFsuW3Eol2kFz3p8j0+zCxsmxK3R4kM0xXEAuFcdY5iltZm
+MonW7fsa3fRcTcfaj2/VRDeOSuZSmHkBe4b10JvoLBD8GFgVUZxdSjp2l2rJnXDLsyyT5xSn1d41
+iwPzmPQaeQ11tOdelGmB40XhEsimMEIHS88WTZO45pD8vdy+a5M2u+jCuetmTd6NtNmYC/ri0I8m
+arE6LfeUbynBB7QQCHSRtyPhhqrEUe0tpr+z2z4KvXnK9k1EKrQ5C+0LWpIvTgRbqtGF2km7rSn2
+ZnXwSj85KCr7TUwT80yu6EQbIOhjTWyotmrMt7kPMqSkWJzFtmbkt+8Lq2MgNxNrhAD/Fu8dqcqe
+IpGkkTZdHx17v5W3Zw0B9C5D7MYGk61aSe8Ck4b5lV2w0RMkoVIC6+hjIrdP1Rc0S8cmnl6WKMqe
+mwqxnCp7+9hanY/g2pkOjaXtSa5fdl6m0Q3snDCbyYPxVj0kR/Ka7OejaYNvrvvbxDS/JrkwTnFy
+5vCsbv2mqegfoUFfdMt46JrXegZOPKZOtZO6pZ1//dKuv1tqu9y749Duxasx2vlNQseGhmo9sgvx
+IDBTeUwQkPcxfRPknDegFlzEiTQUBZFXgbfgbpSSbzOoxNjyWGA2E50emlXjh+SLHXvEqLRPMG4B
+G+Oo7Trq0DLVmsuyOM2i9PmSA0b7TH8naX0+1r3+tRz7mZ8slRwtvcdiSE/TMhnXXpQ7Qg6WrYdv
+o904eU0ih6PurEKN1G9iu/DyHJvO+oHYYb6TGh3CymfrnTujDnvDrW/FOid+zC0X4wUEROAUqCqV
+/7U3WoDRZrxvld5sW70TF9kzbpptvBFaqTYp/9kw8REBo7XsYs0q38Vh5in9XSGbLqVU51lnYcq2
+8LFoQ6MoQnjsC+d7RHMlQEmSBrgmjoU1mEfhDO4Zgzt/i3J9O80xoK2y+2aqZgjd3AIdq8bv+B+q
+fV1NQd5oxt4mBH3jInTdjDrptOb61PhZoz/TRZOFaWxyJ05CrCgbyyJ1FWRge8Guo7762CuXJdkW
+XRMdyNFy91WXeNgumxDPRL6xJekmlj7rO1HSw0YC8M2I5fclG46LX4kHm4nHznQLKnb3lPfELTQF
+K1bdtbSjfPV9IYwHfVXVX/wZgs2oanUpvUdIUkHUI1w0nOhaDt1wsnwOYslQNWFuNS0NlobyBCXW
+ZUg4I7eMXBFrzfmJdb/jUIuYYgIQEG70TdM2DqeMek2hGh58r6Ln3rTX0e2Ha8KTzh0zyfahnwOP
+4I6R4hQ4ZLjd0Du1LyQEjRNd2z6rx/2cim/kyOY3M5Pgx/c4cstDJUpxShNiJHQyf2OnWkIzjhxM
+hnt/KT4QOIJ6GMjQteOp2hMTOT0JBG2yHuvHxhmfaOdVj3PtnxjiTqH0tSGYfCrm0pSPLnm1W4BS
+VBpZTBDRNNEeQOTwjQPEDhXcu1lm/YURpnuPfMYK0EQZaPf4xzmp/Z0yPGJUJnDVqCobYP/J8qqW
+F38axU28fuXS2QOaSL78+sUcvZ1JvOmw3McZ5HFjlCKYRwrnuPUALcTzgmupVxdZ9CMQOdR0UwyM
+bTJcdXIG6W5NxXGcR2THOAAGudvnt2UE18cED7IU+VWshfSv3ynfpvqp44ObObe5Dh7WmQux8ZzF
+3edL/+zP2HoaBiKPzncgFIpDZtzfUaJviVkuAnRq3tdCxsaGoru6YR7OHGfkCDRVX3236C70Sbt9
+NTZPi6bNJ4RzaPMb/Ro5cRM6ayKuI76Uy8PMZOcWR4+2cbK8o8sNUoifLgsro04CO1+iY+FFUF/7
+sg2FC450pDoeU3Y8Yz6rSBoUTfV1rmqN5de5uPBkGMxP3jbSzUONJeFEZwitCTIP3rBvGdSveyTP
+3w1ZjVc9qwmHHc/u4ObXpJftrRpaVJc40w5wpuSeB0Yidme+nkWsWLNJqI9b61sNFXoY4+nZWdNy
+nPJs2Gij778slfFNoTaG3TZeQM66l7gpvy5plVCIuAfwqz+ZUcf31hih8FrVc+MQn8pSihc/jjdM
+LCwFbETkj4Ie4fnXL2OCuQIGjbFLpXfOJ2rBOMnfVQlJaxHj1fFI08iwy6KYbj+yVJ6SXpCw5X6h
+nz3cJrWyDzR056ORQ3fFHLCjLGVJsazs2GtNMDRzfvUh5W0sBnzAq4uztBrrYE+0C5WWexwDXrzY
+T89pCXrNk1VzthLKJ44XqOK56PXqAUJCfB6stjg6DQuBPmbaARmNRUOnnLYoIUJ7zOCfaqLf0RxZ
+hQQs13LCy9Vi8ORF4AkifO2+n4vouvTZi2FnycXOiO7UBJsc2qetMRPiNFGy3UYVEjrrxnNB0ru9
+fWOZ3ywAOHs315+idLYeCocnKWVUcNFa5PZIVphO6hptnGnqiqOlcA1PNvvP0MLyjbtNpgrMi+hM
+91UsQ2BA1mYop/nB0bMojBnFIdai7WSrEWqc9qxZpXZIOisHxtnEAdbHFIRh1B+TTJ6m1l/ezJlw
+XskmWTXM/+8X9i90SWQijkV9dSY32oi8ey4NqgArtvIwNbUuQPlSHsd+oAYhJ97rtQe9rpxjIw3t
+jFgcQiAzRcem9uvx7egmwwO/Q6GjefnJ0fs+jIYO+qAHDzQ18zlk4b7F3iHuU3TGbgvPf0mm+Es9
+Uvp5YBnTHNVFOVfJTWuYd9jXikPR5ytOOYuOUdXsmAmEOWIT7Bc1wWBYKOt6MI65T5dY6mPAP83b
+KprnHf0+FFpNAhfZRyoxAnnOG+wtpppZCQTmYvARSMsy++DO3hXnuPZ1mL0B5KJp3iKZtI4aGymC
+p6IIB+W/+2hK8iJ+ag0ZCKuR90jMtUeOFtOW3jezgAZuI890ghaYpYL2Zt32RmBSSQYZgUpBokQ+
+bQT+GLpnJdOstVLxamwIYPPKQ5H176O0LzLXhycXNA391TJl60YM4nYJiauWf64rO77FF8yODD0q
+jLRhCGti0bd1NMpzV2CKwE9Pv2iqWVnLBeMOk6F9nhCUjkts4ZmN2HSy7HmOvBn3mP3j/4r64yb9
+0ULm+FC/6z1+yRj+txjk/yWNyMrT/SuNyOUt75K39/HnT/mbTuSf/96/8GdkHPgW5H9hubw3CDH+
+4Leb/0AjsgYCeNA3/hk/8IdOxDD+4QJF89GBWAQQ4Gv4l07E+wfhXKu2A1yta1qO7v83QhHxO5QC
+4umKj6dLZziOCVLNX//8TzIRuwYZ2gr4iw6iK5oZtJ48AstKYnc6xhaWqwd0ZioGMOgEvbjfwrh4
+xomvXxjAveAjf133NNosJISmJoRwDn5b1ai7LK4oFsgZC9x65uQwLJu+THhDsIvS9bTvsSO/jPBN
+acKf4MCB+mLj3I7IrM0xu/7ptvyhj/kzTPh32sevn9ITwrBh2IAxAujz+0+JYzhRBEBbAQqDwLD7
+kNZ+1co7GCHb/+6TuM/Q6jywdPwXlsknoAsqd7GIsqRMUzRSCQ2xzSvCyEBBNfnrT7I+k1scywGU
+gjoYMyv/8xlhMzvpWDILwpBbxMVWy0jsLOrlWGpFoGg4blD5HaOhjreFs3oQW0thoq6qcBTiyY2B
+FoPZVYcFRaqVuq/8paeqKm/6nOPGPNQPzuKfYm081477ZibcRdTwfY3PX1aJCNou+0Hc9mW2kKgg
+Ru4DBifpphQ97pwu6chyzKedpZODSLH95gz4mZv0m2hWw18OWuOvL8anDCfogpbj+RiRgCLZDoGu
+n+AqWCaAIAnND2rP2yds6dgr2bO6d0lzU9YRit8XWTpvxL9hniBaNUWoYg3le6ElP//6u6w4cI71
+aMmrX8BvvotrGMIkB5D8Oc/7HEY0J9PEHMNOdoVC2esJOKlKtu5WG8gonYziB/vfmbPpvjP0vWbC
+07YHaW2FhLZR+ua96NvHbEqDyW72Vuy+LVn8rZwNDLn231Cu/u2rug6pKLwQpqO77pqO8vuLUWWe
+p+VqSnaJFb1icyQMQR+foJvRVcRALVX61DFfy3znsNApTTlMagn5AT3D82RKAgqfYDBAayiDem8N
+mHecJ+S/1uavr+m/3V++qG+DFHMsXiqbxe/3L2rHjevgrtOCIS0eMRPZeyHa78DUrqONyCDqjI2p
+xXTwlw/HjN/zdvk2cLKY2ZgJjv6bb/NZW/fpy3zOvNAdaRSFW0TgqZncS32T+wZuNDSinrnv/vbj
+rM9cpPXz0BOSHMO94oj46eF2RYTZqXD9QCiEaH3M+NSDDNSXI8+F9WiQUUCLC0/sUKNaaF3NOOVl
+Xd5kWdTtOL4h8/erl6jHwcE0omSYuqRFTiuI8Xcf+VMY2em99Jpv3hL/VPT+NLFc0sYjYR0aC9lT
+9iMucLoeRCd6I8o2HmdIh/0ZxFa2Zf7CAKNmJj56UQllYfoi/a47KPJVdzVqDsyi2gNkC/q0GiUU
+5Ia7v346/uP1MXVoaIZjuLDRfn84ViBZVyvux4JdGs4w86JXTMThX3/KrzXkz++1S8StI9gsPVD7
+lrA/7SI2Hl8E07zXIsNCR79zszTDs+XB+6Mh2Qd5PZ8kDYxsGh+tZjmqfn4Qs/kaeQwJmNV/ayOc
+NXb3HrvLpgL3TBfwPBXq61QX+7/+rp/iPmmnf/qun/B1Op3EmNI9RxPlcFIewy6nA69n5UvE5s1b
+PgxBIsF2MIDky82r17tIOfctTF/qcdFuHQv1O4lB4pAvRAY1w1IdMhOKHxbEaG8MM1Nlu2+DxWnz
+556A7q1s1C0wVfqa9tWSPYMRheJSy5JvVQwdwNEHUEYL4bA4+gnhwDCwHv4QQCyCLcuIrU1l1V+x
+/b5FCRPoCvzQTpZxfMQ28WwunhMsUzJ8wEktthOcoDDqIc5UwAvCPCme//oK/l4y/LqABpoo6iP2
+cQJ41kX+T4URrRX8G1blBxEHPB/FhVyxjm1FCKD2d5vXv68nv4oSAnvIfTAwWP3+WVOmY30StR8M
+5iLAgsyEwA9qOJQQBl6TkewZzmzbRul7W0cbxYR1p4i92SoP25gN6zyteSv9xTjgoEzuDP/vcHn/
+/oK5AsE014KFiJiJT0/+7Cw1c8wcxn5qnlvOLX5z12Y//vqK/6f3yyOHnYwhPgMa76fL0Jp53ENt
+BxFpcBbKIlJvaHJu6LDmQWSrPW08VBUdqju35cBfzMMNEJQvGWnNdid2mV5bW5xJ6HgXkpCbNq2I
+SbCgSuhRcio0OFJt5Fp/d/Oo33/b7XnTPMdD/b8+J6bhf1p8gLCxta75A8SOnqn2jxitrI3qkx11
+9RaNScW6iLPItuYQ4EhQ8H/MefM3W9L6Kb+tTRAETYbUkOXYyu3Pa9PglTQ/4zpiUuc+R+NabLwg
+0y7x1uMOYGrXw6j6uw81/tOnOhxvHNCFbE72pzuGfkNnxAwAAqDBvjTpLFNSkuku7ZG5n//UaNFL
+20nI/P6hSaw3MI9vjj8FonaLQ6LV9W1hYQ7M7HsVxxduL9LX9m+ujPW5HHPBYFIcUiZzH0D3fYJL
+Tlpj1LqJTaoD0ppmJEqhTooy1IoArhw81ktx9nr5pUrsBoEhOr26nULlRK9tszCGdKwHcxw+CHtY
+R6thTINro+XpHcgKDuHT1wamji/hoc1mHthavlxJldgrXxxR08/71Bufht64I9+Atrbd/ZxL/Qm/
+5KsBO6ebq3BoAarBkq38xtsOgn77X79X7n+4AA7nDvqSNm+W/7k2rtJUcWJJ3KAb3CeztO9TvQqQ
+XPRbmEmbJCdLoPBVu+swBS+WjnRL76o9Dk8yeMeHGqjNRi+raZfi1JzM9gLRSofxp7+4jRMHpd9h
+ARLtJe4UGRIzi3wDXLgdwSW5ZX5xY4SHjJ9Lgr3GNyfGvy78V8NMb4xYBPgJjmDNfoIsKLZlRqaW
+G78u/fKeZANDR7O5bfs0GCY6c3p5LYrpMpEMnhc5NszGfhuUCjSBdT2rxr1Szk2t5ftmdT/jwdfW
+6hm0USVMKIDNDt9wFdBS5Vw6s6YauROKyVkBdMbJJNJ6bONrXby4C8Rg9fNvbsLn9xO3B3zvVeVl
+ENXzeZXoySDDJCUo4Uy8DAc6tUN9aPC8Ixv79Un/P3t1wBzxTP+fIfSHtHz7kbwV/+OufXv/2SW/
+NWP++S//0Yzxabl4HB9M3wSKbv0pfcn+h+0znv5XkBJL3f8y7Yh/mPBR/8iO/INCj5Pn13LCeM6w
+XVbA/yogkv3tt+eDXZXjolhPi67vUeM7n3dYTWHjyWP80BHKP1AAzcVyBg9DeVOjGTCiV2Xn/dmv
+Cwwe4KDx+0bU0o6hW8dCkxawQ1Gus7SxHV74++2Hmbju49hOLTxJieUtsur80GYGlIhlnnZdvUod
+BHyHSrEAAPIq95OTadcxi6PDSs5F/G4RujAlzcWFlYNiNolMTh9D8pqmiYlzcbAwvkVjngW+bWd7
+MSbd1fNmBo5icN7nQSfsFXX7d5O2wK2Tq3SvazpyqIrkWrNSE3LANjoOibSu+dJ5F00hnYfowLh9
+GsYFmKnydmKBJEGInVyThfEDlxjmFKgvC2AOzsKnBDAZVKqiZEVYK1hUR2ChqVYI+JDLkUlHj/N7
+mUFqxFr5qEzbCFrTAVLUADT8iLV6fJ0zEJr5CCZq2+ONf+4nBwdSPsuPZNVfwvkR9zSmhydwDRAt
+kP0+Y6ZFI6PVGC8hbF5RKgwnfSmRqEHHDvU2nx+QHjpbt24JpfW6SW2MufLvUzUkd5gH89thrJik
+J4WR7hNM04EU/RJMMpYPiC6SQAdsxUjXyH+UUNOe6kanhYAYTVxFNaCXJkIjnIbEgRzS+foDwwd+
+i2QlgXnVTWdYG87FdPDi51Ux37n2vAYtYUoLI8tp9LUcySH3LcVdP9rGadab9E5vJBkEkxHPB+Ie
+nXPfGdqRvhkz9yE3X0TiaNg8PWBzMiohWCaJkIHjzCkETdc8VUOqvfhLTijOmBsGVv0YNd8Qt91V
+QvJDCUwbEPl+5DkIkbrSp3fYjR92B9IgSAoKOm6MNZ3GyK+vtodabZktC1NlB53RbozHapDReKB1
+wwiopz+1nXOHaXdS04pfRc3+bRPnqXZwMfmk29pMgZRxI6p7Mx3610RybXezXtvXTgKpCNxO0hPT
+9VZhfNUkK7Gv1HTAyDu7W8DD3ncaVSY67WlgLxO6QoPZWw50N1U2h1LBnIq7XKcL4hSoTWQBNdRf
+UGNyyEuxNKlKYqAFD3vCZoLbJdcd/0T2ICFU9FRhRuZtl8JDILkWypKGRa8DvTNBrA4KX5uOvs+b
+mA++vvW7oj7ptWvd2aXbYmqyejw4Nbr2zq2Mm8gQxkEwVYeCWCL1EG4u9y1duLDvU+OjsXx1NyHQ
+/pFm2nhdIAU8a32mHk2+hbMd+mJ6YDXRSAqH/HKlhBiRqKakwKPD6Q+4VXJYCx1Ak5FGUrthObTv
+ylkmJxnJ8lb1g78qH9z2O2kJ0X4pGpw1dJ1fcqHbYRqPEqdP7Hm7zDPNY6tJwCpJRr8xBk84r4JJ
+savGcnlaBiFC15nAdmS1cwd21d4Ww4iEJhuX7CvNx+IIZUdvt7JHnVjHMXabsq4OvtnZwJhMKDz+
+lHU3jqzinTOM/kEHrrwzB28OK9xwxSY3gTFty0azrvi08kM6tQ6EfifGWxQbXLzZxSbto5aIYJKY
+4uQ6Mj/n2gzCyvPaO7cAkbMF4FruZkS8d2ms6a8AcrJHb8nGE+q4+JwAyIbvb3nOfdTr45ciqq0Q
+bTQCJdGW6ruqdfulVNDUlMyh2ZJwxJzPqw7wEPqdxnjtbEof9qrmqmJnzugYIkPjgRImw8WyNqeb
+ea76E2YgRAAp4js1/k/yzmy5cWPbtr9yfwA70CS6VwAkSIpUL1GlF0SVpELfNwng689AeccNu7bv
+dpzn++KwrSqxAZC5cq05xzToNie2RF0rGBD1mrHAgq7jKcSBkO9NrKhv5AOLU03q6n7IjeWq5RgK
+vGpFXCArp905BgD/flLXLaABcEjrdqAOF4S3uYusxu5M52buNNYxzp/F3TiI+JgsbRTozeZ21ESD
+97NzF9ibcfkh2RCuUQ9yLx9aI8jIzN6tFjafiAMwk3i7ARTGkJFBJ0EO+FcRubGMwogfOCotCdoH
+dZoxNMZmZEJhaif57rTa/KxGuXkaXCcJq2yQxwbpTJgOSnSpGbOc8OnMB2KstLdlGMfnlZnvFhyS
+db6hNS8mdXDrpZZRfgJ9xMpUuOWjQNr4kKV5hTwf3S1K80qh+61M+vOKzOAG6nYSoxQrBL6AVMKG
+aiuuZFJUWO9K1aquWZmX+4ivd5+qsjgYy+QWmPZNKw0YFExnw07mt0nTsXnZTXfSUSfzKOBQnKci
+YhTrZDcV5yZfbaFoCbwciYerxwxJUMiPU7Mi9GOfCU20r4fRpk+KLlfPABeI8Qk6El9VB8D2kMuE
+6lhbur3JT4iQLuCiZXyzLMvO9s3QXtYRvI/eupginIqRO6WdjPYQdxEQ3EIhacJJ+6pEfZRMjZ9v
+skNk4fat1iDuVcbOCVa9QrRj6i25iKWxWxJjDtXRyoJ0LtRXJFuIlkdd9AhryvrMQLN5QAaBvq4A
+R+TPSZUIdKA6AnIn1ZdnzbLrOrAJg8DAlNfjU4q4PIgh1j7RnVKxAUkOL4EYOqcKSzUantyWzVBV
+9faOnge/K/8R9WvAVFccJHph9oRRj5JLWxPL1WdqfynqiqaSkzYP5aBn+7VUImUHDcy+auaMNg5p
+eahYq7xMdYOGfO3dx8603GBsJvAZU06GjtebXXdAtDrcydWOwUxVzdvcsgEvTbzepLCBTJBVShc6
+CYhXH++l+IbxKnut5nhjH/XiiHo+O6Vzn5ytAuCEk2C7HKOi3FVKL/EVweGtxucCo6OH7HS9pMTJ
+PRa1ZJzWrSKCsbLFGfYJp6FyNdNHUdiwkMiCVN/TFpX13Kn5ZWL+hJKjXKevBdsGujt2QHeFSrqC
+PSL7zDYBkaRYJtbROcNPISduyOWdq2SQfqxlpUmgtTDSBKAOnvNCPraQbG+Y74w+cvjup7oKiDkI
+u/w8HsYQ6HdyIbaL/jcQERy2Spc/tXG57pAiZ2/tRDIcVM+UnuL2CHuDmqLs1F04ccrSnHIBfsTI
+auNuqLGu+W5p0Bew2/S7Yq4lAcNL0exciQiWkD6hH7GbGthhlMyyvLqAO4tTuMq6oBPIs+dszG6W
+Ku1Bd6/2x1BplBxY0BdfGVM0XDoycMTbqm+rPZ2KrG6aQMqNfJIa7a2bG8NdDhLrNPIm71hL1V1h
+rstpjQdC/ixqTpSF0zNJb9W9pUQlziMM66Wc7MCZFA6cs5nMvp7aE6mG2XBQdVmek7rpKauQE0GW
+zsAr0hHRGk9Zo6ryNcuZXwfLjDLgyarzpFhxeqrNpXkRQzTc4NAdj+pi9SRTgBR8hQAGhQUY3JXs
+nZIaAwxaK9M1MO0mOzRo/g60EaOgb2RKl7/PCY6IECGUbhQ9DW1Z3g/0Yr0UReUB0lbpT3by2qqm
+uRfTUDxpGx9EdFI5k4ZSv+pJhysFNWS7J2Mg+/Gn89nfDGQZVf/Dgee3BjVqQUJJncGhToHTN4hk
+l8N/waiERWothiosuhpv36RPHns/TicsRtjLp+eJ1/JafAuD0faPED6pYFbgIY5kLBJvpByZtfSm
+RbRS8dcXBZgeqTWXduEQNMFoPXZTdUmmLDv0DaqzUtn8ppZ7Hkvcras6k4BnGQddzs/TbL9VykLf
+R+lQAc1D3n7QhUVV2bdk7dnO7OcOFjyrRfDhOlN/ctxE2dMrlXs8cNW5hvjA5FRuoMdoCeektwGD
+GuX7rKXJZ1fJ2YdeDImy1VAdraPbc3mqyyAAqVj1iDFIJypca9LlKtZ52atj2h4SC+0Z41z7hNLN
+/cyB4LIdJUsEPyga90QnJHQ6ex09nGZGL2mSV2+Y/sGRpwju4iJF2F63/mLE8s1glzwuulqF/baJ
+x3pxAX/q3GHwlDtorfWhTrBEsPm72KxNekBjv96b8xyu+jr4bjYnGkNfawmjokKVj9exeSEEvv6S
+WKBvq1z2J7Tuz/BuMDNwxrs37FYwqzNJF+N0wszMobSkbhs6JuRR0i8rwl909M6CidHi9ntDsjOf
+KE6GkzZOfqq14PVX+Ya8NYFWmrGslZn+o2CtQ67e0/mMVng8TqQ5d64oN/17RFBQm/bivMpOf7K0
+iVOIESk4SNKpkGwTOdgHNWfWnenlBcx2fehW+3ktlFOppTYIvz5ZVw/ATnXqcGm+pH1pfLYdWVKa
+Ni8dpCtn3A8RagIskMSmZUr7Q0G+7AHYdjE6jerbFBOH2G4HBRfJdFADwTjkAG0uNhMXGJWTGRrL
+/BxXpP5GHAR6D/Oouzc6OJwTXvhMdeUGmSnxdTNQ7hz3HQxh9a2kqDqOOrCMSdjlXUoQr+13TkJR
+Ow34XlICMu1EfJZFvgYxqtPNYfRlp3r8kgxyXD1NA5qdo80zoym+NINanmW9up9mI+KXmZE1pz2N
+PXAgoOwA99N6nmU9A/NzyLrKS51Fwiirh0pVE4Loa9GVUE7H5lNpsru+U3BvMLDcj02m367GUm5O
+tc3HbXRhY/ApaZsBR9K5hcHtFS/mH+e6sn5sdUIxyB8eX0o7K54jUh1upGRHMlyN1q1ol51bFnG4
+TmX75tTIUsbBXff1aoD+GZewXstkN0dcLc1Z3Fs0Aad6WIfcN5Vp3WmLNry1M4zQNsniWzPJzTu+
+dQd0szaex3gR+6gYE/Aitbx0ObdKw2FeFxpVYs79WkNu9Yu6O1MjYkTCVvxR/FokMOkJOqX1e0nR
+55j20VCSxOtIUMXWk99jfuT81jrozuHclmK20cCDBSxmNH0KrhmZkRxm9CFO9mNTWJk/VtZHhe7V
+y+vpUctZ0B1CkR4Z3ir/kFGj/97OJ51GZ8isopRhjiGc7ed/mnlFNo4TznlRiP2b5NaZEG5Ivu5U
+DgHjZMJMuAV8WQLZBjeoa0ZPEgTy47dhneRPClFEIElV3Fid071wnlZuyO4gjxRoY3J28xYYYsWu
+u+PMLsrdMHQgtyl18kdAlZRsRtIbzA4wVVjHrB2KiyY28igUY/bNEe3lH1CjP4hBf7cHbVvMn2cm
+aDRcc6Mqarbq6iRq/fXjYhbRowj9VagQbrUzRWZ9dPGEbY5B08K5BcUuD0z+zcRW/9XlYNyDBGvU
+A0nLw7cMno2zKwTjYIjfK+B+tREfoB0M0KOuOrJjwTWJ8cUl4O6SOKPk7WDjHnFvOKfUrBGL9p00
+/z1M/P+4/UuHdZuI/r/bv9evfvg/3lcVfy/+3Pn999/7o/Prqv9SmVJZAimeYJbpcjP8IcNzzH85
+tIMJmLU23d42dfx341e3/6UbKvcGAzXEdvRn/68KT9f+ZQpV04nGsx2eYqH/b1R42l+LIdRLxAe5
+Ojo1aIUMqTbV4Z8fPFsocVswZQz1KvuWlsXFFiBYLPPgZs270uPspdPI1AImOGyFuX6iG/i/VQzw
+Hli9dIF+XUViI34beGf6HG18Kjvs9AKfu+n+RAmBWtyZdux0VeB+kP1ByA0iv5lgun3/atsR2THL
+JAOKKaBlrXNYCJhUdAcQ4irxatD6YfNZOfip3eiRLoV0W9U4i9t3S1P8NOsm8bcydjAMBXvHwv6C
+3Y9q1sTPgrKAH7OfHCryB+DE4slfySnBEs3uLc+Gzkwqs2Fzxh1DxJreiGLE656+zL0YkDZAFeUd
+Hbm0aSCF8g8l7G8t+18XjYY9YhCagCwkvyrcP62WSFzAAS2lE5qRoHV1g++8DHL1oG4KmroSByz2
+k2/KmICsnDATh+5jgk/Y16kMG1pWHhveYUAML9X0H9a2XxqzP69t29VkGdc5CVusc+Z2x/3pzeVO
+a2FHHJ0QAxou7wYOaTXuHT350KTzDCwn8bV1nfyq7U+lzVsk5OL5Tw/h36yvv+8m21vgCzId23CR
+DLibwuJPb8HmzgCemznQg82DmcvrXGBImjr1KtgIJadmtvxoV4Go/YeZ/F+HKb+ujGmofGym8sx5
+fn+cOr3T1Dlz3JDOC6c9eF1KP9MDmOkFAaXyuUG9//5Zt0H3b1834LZfAglkSGQZ//Wz6lGutdKM
+aNIQFQ+idpEeMWGPU5n+g0jib75UdAabBoPPxrj/txcyFZRGv55S2yk+KmEGpUL0Nnff1GSfjHPu
+00Y7Cv0f9LPa9mv/4/NZ27ppQLwz1d9edmYSVNu9sEOltD8027jDx3HCYvxCth6QT+dSGpykyEz3
+58w6/Pfv1v59n+ZGYmiNgFewRrIf/7Y6pugXVziadigS+5anDCpzY7SBgx6Co5qM8N+svqIHduHi
+qJhTfMUD/YBOJa72JU1JqgIWvo918cSYZw2SfL5OGooeXNZ6+OvPt4VOPq1KKG+WOx2aTNpwYxug
+dMx2rjhqWt+G2eR0fuIapL7H8IwRtkJhhVw50deyV2IJUlNeVwWIe2OJH3bZ3MIly/eMtCRjuty3
+FySSOpS8m8hIzumqQIlC++yVszKyQOByj0iZNRfRhkgBu80p8AMMxOJFsL0C4lXuZ23Wd2D8Ex8g
+14k+QbmvNhx9ZqxJgCsHx0DVBnEDjMwyeKSTEaUJLcddTxjhDtXsm4NdDhs77aKCrJN/uE5bXPd/
+3CQmk0xqKSap//HYySrVpbmkxM1Z+U+lUtBOkJ+SxuZNOVuHUp/umdp8c5b8nSPMz0mfQ3pLzMsG
+5iH1PV71c10399BrUIlb2n5oEYfL+DV1v/QYRzRAQQ2+Qp5xIGsjaRLU6/jrxJ8GNnjbrAtAQbu6
+/+8339/e+S77O9xQJPl4zv76ZGNOF3AoCjdc2/qkIVAAcg0vrhvv2jW/hV+eLhHLvUBQoBtm8N9f
+ffvlf33s3E09RLaUQVH/H3c+YJdeuhleF1G3z3Zt3ytuft821nNXl+9WpV6SJu7/YfFkHdmGzb+/
+LCpTFTWaMJhF/7Zyt6WGSELveeBcor/7sr9UzLN4Iyo96vK9c+W17wSLKU1KrgcG+UWx04MOfVto
+EW4gQo4i8Ef1srFqxviiBSgKq7OqODgJlpaU45it2XJUD2QdiY9O7aEWbf3Grj2As3OoCPIL5bLN
+fC3zFh5e7sUWsm2wrSeCwJ6HXg/yX7mV5DzDxtkYRjGWGfzgHvxYGws2/es5+1aqs/CapYYbQ+6C
+ZT6vax9mY/qznIj7EkniYm2YHs0ZRFiWT35Tzte1rRSf3pI1uB/o8MK+UD/wmhHNsDeVaj+OrBD2
+kNAf50Z1k+Mg6j7ESd5iST3QxwwLxOarUu/GRiVWA29k0HSS/qp53qoeDSqN1kFqAyehepZszwNG
+D8922DR6bK5qOv8oLLREq9OcKwgQXix7QGhx99BK67pVMl0zo/PtCnKKBHu4KxO/ia+0rOiPqOVt
+0RDyGBnf657/gXD3vW6UH2DxHzvkm445HQmbKviivybHsKDCaZOvxrBO0o5Z2PSWIejJFQiDo1We
+S6mCmdBX2ihJ+S4Zr+0Xr00nlYYmAmghdhhBruUE9Cweqfuq+mfrGOCPq+JnGS17LRlBVFVPxbA5
+6/HpF+UHM6cnd8sz0Fb8uMv8aNW8GhkShbfMpq8NzIkMUbyOJrdWMVykzhRDLsXPdaquFUMtg1xP
+jfxAw8WJa6XzeTQ7LegznS8jbUPseUTARc5zNLOeANSU+QiHt+owggEJHSl+fVkob3kWH+KYBQSm
+PBpLnN1eGQ2hrnZUagjvtZaWdkVJClNh+NEr9Z6FOYVBqU7gL0z4eM9zPzygjcrIz2wQvIoWhjO/
+EOkf/RT7GcmH6mux2+1zmX/0dvZa9q7lqaK+nwdaU4YKmzrr+BsDllTWkk9lAe/Wj8TZW8GsrBuA
+H5/t2mSDJzAJtBXXyWlxoC50vlZZ7xGBMnHQuzqQUCrdmEehNhuaSA7zqdbJbS/prSsLabob+E94
+y+NFO0MPB9KWEdOaDwYUdfGVlDRDNJN9I0Um7OmTAiW/T0NwCt9y9i2evTI+aFVyQMhNnIKJn9Gh
+5Qzvjgn55gIZ4pftjtFIZcECAkLKtq+1xNfWjLbqMwrVvUIpb2w0IOTB2RPu5jZIkS0cQFnDFGyH
+K+YarCr2Cqswx0zppj5kEFBSWrordIYshFOAstDdxo+X+FMxyG5xqVp8I3V1b5vUKtkMYk9xvcQC
+OphuOyoruJcju0EzQhluTDQXLk7+JFvxo082qWYUgfCEXqGNRZiRUO8rHfxy5p1fgsQLGpPYIAvt
+oct4mjD5wfxLK9itUXZoI25gSk3kDKnkkTd5kJrm3hqo8kcx82q0UYgRSg8IyvctnVj+LrzPOO1b
+n6Y2Dk9PhSC2d0vu/UZpXsnBBhhh8Ppu096rDkqNnAqv5EYGSHnN9fQjGpv7suArytXyfuqbsxKD
+t9qOaLJiUjwQnNcdY6tZwqLqgYsAmCLavWeIgPq02VxZap6gJh6w5mAAqlXlWua9E/QzumLeRsaH
+1hu8sL/21lJhbBNXG2+/bG4sHkgram/mUnvrxkIBxaH8aLbxVyEpmGpX+h0IO/6CvI6mqfkmsEht
+afL9jEfTmxiRN7KE5dppFzJqaXdp3Ss+ojZc8cMY9XI1Zh5F9OI9ApcJHpURcoKKWd5qwkd4SLwB
+LdaumbjeAjahzOufboezQUkHovEmYlCwZwACXuhoIpt4o60MV81ecfss1fuGAFbNXvF0UbaBMhGc
+m82PZZlqQb0G2IrBmTnkVRA49azE/UPVUK7JbZXq+UcMg9NLnezDEqW7k25PYTMdzbr4aODOe3Jm
+AqGPzf7XTcLGRMM2Eo9Nr2LLhxSiLndTaoW6QaO8meg16nWGq5OklSxGQzNZxq2ZV/tOtDtFK8+o
+NnrfPeqruDXK+t6K2GzJ90opfoxD3c4BqrnbKh2Pet7dkSngkX/hg+t7tEbp7vI8az11tV/dpnxg
+PuUtbnGnSk27NDrqISYOHaoeJmhxPVo7hgtPSsHqoDXNhlU0ex+1rwzmWbtWNW3JKS0/c3Qiwq2+
+L0byrcqKjrApYFYZun0FhRf5U/X3ChyCNwxkLGPJOaU1BogJR5+hlfeUFJfVnj4k+QMI3LSLThaA
+mjs4khFbQZFQ5lwPCO9AL62334HOPhGEARZ6ydId6mCn4snrRXmPJaHwWiZ+Hmk5LKUw1GOmpEzs
+yXMe2IVI5WPcgKYGQcxQA7LM1fcRgtTu1xY70U/0oA5wAds1lLCzPaOoDn0xZ6wgakf47R4DveKr
+SsaaL8S5qpK73MUwU+jymBO7cNC3FZ35q+lPGrfYsBgIvg0lzOGW+I0i8Wop03nrGkuIu56ZWO5N
+lBdnsd4SZofyzBYHVPrkd8ICAKvVnRdJKuOvCmbijTaxq/vrzIcha/NEBusTSlboIIu8QVvylk18
+FVnK5zCNpyJSZ68pIwceNkADkY53taLdrGVPUNUa23urgRFFjujNLPjVYx19qYP2GDnZT4iaFA4Z
+K63TDNcJ4GtriTutqM5Jzu+DpEveWAcYQyNp2zcSXlWU5VNXMyMU8feY5tk9rxjJ1DciQyWQVivD
+iQhdbi/oyY5iebRTXxprbemDNuBBfEU6za3TGNeea7aRe3u/iMuDVEBLjbH+PKQkfELRtwO7t492
+QwiCMWiwRJU6Dts2qY/KBiYjTEHxSmf+MSH4YBFxun1ZyZMJjizUunoA/ZJfm4nelQJlx7MSYqm1
+pSDpQMkDPSPqMcvfm9ssR6un1MurOW2S+a25xnAl8XtBCvGcbpEZcggnXdxxZgsdqZg3bQ0bu1Wy
++9huUK9fE1pSp6GcvDrFwo56w09lbwROztlvndvbQmuToyCw1EqfVi3Rt4awSmJGduTIvJwy3bkU
+cab7RccwJJ2HO70EnxPVyZErvQYDdfPenlEqa9MSTq06nAhSQJuUDyPHJRZzJhOLBTQVKGHqMKch
+0BhrGCG4qBrcgtqrMXZUmjtbFJ+pkmLuqsoCtIcbWu14zbvlUeExAnV0O9GNid3qnicudCsSQDtw
+B1K191qkEcM5aAEX4Utx1l2/2N6exkoTMn06Jc1yn+PcwR16xKimBOhxjF2PetOf0z1Vy3TcQK5E
+MQAE0TXo2CUGQWFPQY/k0mOy9zCI6j6BnEnpmmOENK/rFtptGl9RurUJLyjyC2zvAEwjt79fqGzm
+pGTxZxxhWavvgi32yUpNAYyGrpnFgTluLbfIfRLUT0d7YYuP9S7eLUz5zZZiKWMF1xXH3Gk3Q9X/
+BEVKVnrF0a7O4XB0iQHr3MgSkFfzAwCvxJ+Ss9FlRA9V4PuWwnkmOxZUSQbJEFYpOVUzrHnkC936
+2jm/lOgtMWyuvCAWsXe6vCDBP/QDd6MKnWLfgVrDHrVTwaAENTAMJTNfLQ7WBA5pLymnc+EsIHYs
+ajqtIvebCa7fmhIgu/olrefBMqKjBTtX1DG9AFiQGHSBeJQk/xXDTWKs7a6pHiCKxoFBBlYxlGhK
+e/cGxFTmVeA3mFUqZyOqODkp9+RldkjsWUJh4J8sS39Va04edsy3tDIxbpPXXMD+SfhQqz2+Gkk6
+BYbJ7B5wfUK0JybQHpXkoCQpGe4Qo4ngmvboDC4A76tPZ8ZFUOrJRZvaY6VnD8z5YQLNxPECho+K
+dWeYo7hphiPIHqazBqQeLevuV2s+L32U7+NeeV5Mh6ActHUKYKAAVPpnW5Ktm+vReWKB9A2XpIAB
+iLoizTPdKswdYr3R2/pYsKVQYj85omr8Koke7Cl9lumNHUGRnvunptXHneZk2k6O7zI20A9U9r5r
+xoAKhAaDFj9LZ/ITgu+9KM1tf3SUL7MtPxSlOydoJam9HpE+UyUNgJRaM/muYcXaEfwOELnJnjgQ
+7CpLmsD7kc4khHDKEbjv4JRbti3qgfSXVRinPbM1zZ/X4ajPsR6YYN91QFPsrikzQyaWgGoIBSCj
+bgfLlxQmt34mOu5JaM4D2V7Kzhzc27gdfaUQIzNkcs+qrSyTSpr5sUokdPyASeEp46vxjWykxjob
+0/BmTjCleNpoSJEIzFnK2ledROsVT18m8kjPVihx1t7WA8hdKI8M2vBNZFnoDl9GzUTpzZHVndeH
+qreZljF2LnT70qrkxkdmTxpCHBLYeFni21HQfEsFKcwaKkWYiWpI8O5+0OTbMh6k3NWZmey7MQM9
+h0IKmBgFCHVmhO3bIzxk+0FHiy+YK0fba6X9WDBeDbXEga8hOIYlUeJyVODfauWwpncE5I47twNB
+lqJw4ljv4aH7mdUEXmXZ8KAQq2nPP+bZXXcsJBvs4IZaBA+awglf75fPZogoprIRBk26tTBEZe8k
+OXkV61yKGM9DvS+5kGOorOvM0yDPkwLQDklxvxqfAqDzzhiqN3vLllqSm8JNUCTCeVqoy3Hdf2ru
+cWgk+Vpzclaz5luUL76xTrcqjQavtJubFjkIyYwUy2aKy6bktsIuF/lyfu0mHkJF3Uep7mnl8iVm
+bLelQl9Q2I+tqD4Z9oTGpD3PW6gHMvC3zFZ+tIkMS2s8OjVor4zWpEjRK7Zk0Toq+pGpT57cNbpr
+Kd27bVCb0/HgegOwdt2QCE0yzTLs4rqvcUShpO0O5BLer2mz6eG3xX5zjOvh0F4s9BhkBHGwb0Bv
+4SIjJXyOyLbifJQvB0spN94Sq8GiTXyIGXa7a/lICFzOwz8j1OZos6ZdjjQAPHRx4rQMbU1TmEW5
+yHA7egODPjcEeyJXmROmfh1pA8RKwfHnLjTmTj+N43Ip0hV7UR3nWANN2O/57Pq2fuR5uZYNXELq
+gAd7Ddjc8ShLxgRtR9aasHj0YvZKsZIaSrSZS7+JbSLG7CSX9pCj2617KJ0b6hcYgIfu71io5l23
+hRtYhD6gMANk/5a144uWILkdDo0z3w8J/C8QMJuXPrsaa7SzuX1Ebd4ghYNW3OBcoq/lg4D4LjMJ
+4wvlDq9YfqCHPSAsKnblPH+MSf2VOLixc8G2O34wO/Aww2+Q2u6jxZSBhUvzeyt1vBqUdbZsOkmT
+M3milReSuQmV2AhXMUxNUH1Z4dtd+QPDt4+rNvUtWX8ByoMuGlGDJTo15IoMRU058zt9Tp5tgdJT
+ZEBsaRA4AMzwb6lvQ+k+Ogg5Ed8DBSf5LmhIIQ9Mc95vChsPt5sMpNVcjeYbw4YUTYgZ06iKP7KK
+aIpEqGQIbBFam4oF3ikdzz0zdrIudbpMQM0ooM3TbBcdF5Br3YJS8VGefowdK5M197cpCtxmyt2T
+0VhqAM+nY+1cj2SqogmCJkSR59HL2zW2cyFJz9PBhmca2XHISx8Se3h3P5boiS9rDYH3BUT4fYyP
+WrHSQYpZ3zsSAdc0f4P9CKA6r9n7ZMVpT7roZIzq1h2q+0gjJNNB/ht34qE1b+vqRa26/aAaBpqz
+YkT55bDZtoGttXwlFuuOqYA9Zf99G4v8wUgws2Maek/xgVQVxv+VcKx51r/rvWr5VY6UwAbDjvAY
+2lFPPF5S7LISfthItNxYAQbRc/ehnaJzq04dkSTRw+SSNtkURoXWKH0raI2FZFWn0ORV+F5Yw+sN
+rsl5jgkSY8zLpOfLiT1kl1lG6i9OPVFKRl/FgIcmchsOzqiY9VGNj/VjXBsXZWECVOPO8+Pcfk8J
+7SOQxn12SE1EVMSOlS3qATOeyiaYgHkG98krDpvWnqF0uNq2uNEhVVFmJMdpNlBKKvMDqZOWt+bF
+rZWqO3cusJUa4sHlpUfSXfeqXTch3VE4J0YUigIsU9QWQUFv1G80njLpsGPOEsrFkiG+7El7Y5lL
+Knq+sZm9R6gPj3nVByomVkZY6s2YqQBckqTeFXPxkoz3GXGr6J/LYZevbbErXGDSbZuzNMyV6zME
+bgJNdX6CBrvMRkft2zgf4ChQd1bZ7Fks84Q8kHoxTQMjq5h42UyYpk8f5tIqa3usCwgfRmbuMg7L
+BN+sZ33eUnUFA+KIeJ4R9WMgRihVUPgj+LsqIk1A7NT1zrG3h8azqu+MgvDmN85LC25SQ411KFQn
+9dFbySMpHazwqxKTdoPbv53CpRSdb6r2kYMEfYWYVm0GPzL4RYeVWuw8u5H9Hqv91oas7CDvIAVy
+iDa8AlHEYZyNTyKii0NvmBesMbfKbT4pzWFVp88UlR34PQc2c3Vnk5I6lWXij1uCZ91H7TnloMtB
+sDyIrmEhzaHnW1X6wXWks1lc1WikV2w2lqdA68kL0/bdWP/smXpIQXhqMg0+6Dza++WuFv2uM/IT
+02vbB3xOkJ6hEp1h6Bege9oEqMCCgZEvzr6uhxc97rqTPdsMyMZNpybLrYQOu3GMvLa3GjII2uMC
+p3ntydMhK4+ow8ymzkW2uRUE6zA9qz0cYu6bn9aaUsGS8+DTt2JgUI50Ycx9mdOJK8zJ9kQ/nPWc
+lOJaN48uwcEGTjZZ4iaIkA2R7k0bY0GvHXfGY5Wb7xqjr0NsfBcD5+bEjUg8L6OdSriKP9Pm3/S4
+Yjv7KaSej9bwlq04uCJtCNI+P2O/edOdAZ2gCUUJHxxbydvssiD1Mw3ZiLDWYBzqdieGmN0VaLJp
+M++EapjvdDYQ+qVPiMtfGo2NmO3yOFfYfYkfeZSzmOka59fZqobdYgHBTirlQKnZzn3uLyuUbpMC
+VVoXBoAMMiJlvxriZ2QjlaflfbZ4HHA+qxD5cpOcyPgZ+A1xseljEvcISxpsub2f1kVJvhhcE2iV
+Pxim72eMb17VGYpXD/S+UDPku7HInmRBv89e8dCnWYX5Jv+M1FTx10HRdnZaof2/mXRwnwsV4aHC
+o+hXnYnuz7W+t3b/oumqQMmHvG6x4z35Et7SIWA15zjbEeZNK/R9Nu+KlmqD7z5IygTY7vCyrq4a
+piQRIwsKjFk2vqI4FBzCPEalvnDi777SjgcOPhR0cSYBej/wuevM8ht6e/tOXe7Jn97F6tr5jk2E
+UpJu1A3WX2lx4nCcJzeVd2rR3PdqPO6JUNXQF0/qce04so2p5SuQc0/RYJTHUqv9aFUeDZ3cJfLE
+78esqnYxBid8WUBdeoKf0vg+SRwZ9hnVEQ/HB9Gd2mNFCYU1wcHp2Cj7oRxPs4kNTU27a6ntwNrg
+fMQ+WoNNVntlDDpscC30yXiLN4GgHgfQEH4IOia+wEIz2bOXp3Dm9Z56bmHWQrK7B8rnSlIrxgzF
+HHy9LW8JFvFWZ5o3c3npu2bzNlIBHFupk5op9rJkAbdp75Njs9Wgs47TvtQwmcbRtcuM3O9Sfp2V
+rd+UvF8J5racgKtGV1A7cx3vySYC3KslLlAanezO1bDDuYt8ZdOq5gpb7EwQRRgvTNjct+LJ1d34
+hif02Z5QnSrpD5SC8wljFEdtfZsf1BZJH7LbJQUCaJi2DucZtsZpVi9lM7+obYNAqqB0yAlzrnXB
+eYdSsBPzeADcrIaZ3oVm9lzbUrzhqmKPhWFPeNi0z/viXVeNH4xqZsY7GSJYN35tKu0Jx99dlwDT
+wqezy9Dj7pW2cGmHV+H/kHRey20j2xp+IlQhdCPckgQzKVHJlm5QGttCjo3QwNOfD/vcqDw1U2OJ
+ArrX+qMlxduk6K3z7J8gGN8bz9CbvgGx11gsLPLpMSe6P5mwKO6rAm9n5dXXJHLCl6si9EqI0WSQ
+3qEuuDCiTQftFrJ5Qs4pYTIXkgvWU9TeoZBFNECIupnTktGc7YoXJMjJdKYV1gytRa2DxojYAyEr
+oazPo0se1EztA8x492rjjdklwBRpAcyL9uFcyBnMgVbs1LG9wx/BkLxnfc2gL4gWMif89ul9SNOz
+dCMXFX9wW6ieS3UCRuKyoZHD4lAhqv6ImqlRe5niEvS8Td5kqGn9Df/DGz4RujCbfL5VpIZy/QAb
+L+0vLM/ygF9i6Uhzl9a8d1sL1msATqm6PNszloeTrf66arF32iSUOmcXsWjn3imq83itmq2yqRNT
++2waKNcrxv9kkj76uSt3wOZGmEJ5F5Gd36zcvvdlSuUPat+8td/yADxvxdvvcbEAia8fqzTJtoyD
+v6pOl03pvrnTuG/IOQWfzH8ZlJqclFVZgLDFKegeA7nF27zq9BUglfPViblIh0PpjURTTvwOp2g6
+jWNJJpMaf6qm4teYlDymgXnnUazfhQ9pjcF7kc64B6SYd0rl3QZEWpF6YbInu+2vypF/5oEUi5jk
+znaoPuKGkr5+Kp+4mPMQEus5H9ksE08y2w7c3A09G9u+K2/jevXRV7DpSvkHxTmdgiL0k+ph2awU
+tGqz8VVOt2vnPaMZDE8/4xIa3/osqsCVlxdVARi6SFwwrS1HD2B+ay5YedFQHeKcQh++RxKEAY4Q
+O1PZI96kJA5/8bqQsI6PfpQ7Esywc5sWFKRx9QwBgXDpydpGIai+pJB/GaYGiqfHj8iaP1g7/bH0
+d07mG9CIqLAnkX1bJbklSfRLlLHNNC+fDJGcy7k+lEwYZcspSQAS/UlJow7t8jRrfZosRcmFR2ot
+8bY5AADucCobquI00NkSI6AC91zyPQROAGreDiwxi/gu+vqtqfmB6e1+j2L7yY+wP4pC/Je2kd6N
+JnwdPuS/hsemyUPxPAfN10RTX+wP1C3yaFfIiOfFPWhlnufFOAyjxNDkeqR7kZftwATUtOWajn1N
+qNKiBareiyz4m0zD3hvg9WXGpb+g6U+DjgUT6yZKB4oPC0O8FxiSkVYxV2tVwwXgvTD71ZeOwlNS
+b7epDP/LjCbC/+avspi+uGzRNyDnSDMBwUR624YWu79lNNwyD7W3JY8oCp4qZ/lqRzfgES5p0gCT
+sbPUOqTq3gWo5VjjRFga6qIrrDUZgo3dMPNfN6T4gQK85q4hN0aDuLIsnO4kB7qqZF9dZnJcNi0j
+WpshW/DThC0MIpJ8oem4Cv9iKY1wDmJn24pHvNqXg65mFU3nbzN+ahTa8hmQHCvwyciuIxoBihgk
+xG35gwU3PVmVsebLFj7TnH9r8wi0KC2QVGGZBHXq3A0Gsz9uZqN66LgryK+k2669RdwBQOdzGI/U
+HrWLhzW3gr1MzOqd/CYVKmTwu7Eq/7luRG8DgUU4ksTaJzLu+4rbZAHP3cLAwIT1w1/R+WcPuwPD
+UUbMfbxscv5EJIu2NjRmEC7gbPXgXbsMkqZuubYbpqt8tF6syru7qPK7IbjowX5Q8lBk8Hiyp3io
+zx6QOXIzmx2JN9Wet8ramHnLbz+N6I4DkBX3fpa0CLxp6f6CDBr3MdY+/lIefpyyJCnqsxrW2jub
+xnZzqLflrcg9i24GtYQYda8zipON6nlBKIEhLq/6LxmByBOUP0G2/AIhfJ+YmW44tXEiswFPNCkS
+mW2P4pGrXr8O+nNOIsLeR/XszkDg+IpBuaPyAAvoHtPOuDtR9jUmxohX58loA++1A4ZIVPLTjHTd
+52Q6LGZAToXzhiNvOnslgWdI9DjHxJaqyx1RjaFYS6GNtsNSQtRlMr1Xpsw5gxi2bf2KlfYSuOOT
+NTGmdqSPGWqtdZDH1P0o2n7cjrS5EcA3bqOV0OrwrVYYg/et0ZCIauriYFHYGKbYe7taZvTFprx7
+ZlZsvH6SB0UdojMyglf6PYnot6N8huu28ZhDc5LRFkV/VI/SwSjyPack5atDfXNERtP30P7zVnuz
+Tw/IJvOovVsaknbK5e7W3d0m/b42AHnIMjuppCv3ql3bIYua/s45PlU9uBKtdMCm3AlrYECfxW/m
+JPsd5oWPNvPSq2XY6a7XUAT6YPXdpSM2fsIIZ8d+d/KJakA7Mb3n5oSwpmPpCTzyF+pTU/bX3IlS
+Fj3aR8bGQiIjqw9PxY+YPoUt6Zlh3vs9lxC6d2rOV23Xj9Guj+Yyv6Lt/YfIz+FgaPyw1xNoPRFN
+cCN7LKDf86SRakwoT6zkzZ8ZHKwczm7QyL6zoPxaCKQLCeX6iGLg5Nq82FK/piQwH/IoJuEhWIMZ
+ZnQjnURwFe3dUtZHcs2zyP1wEfaUM0dXFH0tHe0eJS5aCPC5IMsgDuPBeyLJ+qPIUuyn2M42eeRg
+ml+dh5R+e5t0ICYlBhfIY46GqK2RDbUOUxNJHLzwDj6Xjccws6kbHNp5UI68JpLn0VCvORg32OvK
+FawVh1AOdi6ucYB0xu4JpRjJZJxgbXeBbexFn9xtxf/X8ZZim1VoM6wBtRtPfO4b6c4yvJ8qR12Z
+Os1WzKO574yGPRwJgd1jGNMlKrJMdMmB6+WFiHLCtX26gFq+98nFotaqzcI3shnliTXGCxG8/y6N
++AVX/S9P4rmcJpq40mIst6TkgYcKQsGN5RJkSXumycsAr5yNMPDokDTVFXbLvAN5XlCasJ7kdVi6
+8fD801X4HlkUUQXUIfJQus26uQlN0L8MQn3XRVxia5yUM86odj0ed2BIVBMNRSdTSRMq6BmKIGrs
+2dnH3wFk8iaR19rO/nall18857sX1DD1ycMbqofD1U2cyKarOCdx2Y1br8QW55UaIJvc1aKJSMbC
+Ghes5uFRDPWO+umPWiob9BHYRoDaYkT4KaU6NDO+Wp28ayUcNBN+u6vaWz6ocEmdLaFjZkW2CHox
+f+nMTa1pJcl9rmBRIp5hAwGixVMdJ6Gr7DujF14kat65YNMNddE3WRKeTgoZGWkwR95viojDLkCJ
+OpnwrE1zxq+8FOXX0PJp5nH9nZoaRobccmVmErpmfh5M66WJu7e4hNdMjfGSgXNP3njpJL2BibnO
+hpzGtFauLr8ZPC7qOqyCSfXaSGM/RRWpX226OrDx4iItxEs+fc+DUaJfQUkSNf1zU3aP1HaoWgoO
+5cKl4hD/y6+rCn3LelrICioLkj566T5rIJ4NeCOuzFUQtLqsY1QI9hil8BFgLOQnd4i1z1OCzkzm
+FuI3SR5Jn+LWRC1HwSQJQnVtEF8JKFZMRIKAR14Qb/31KDSHutVqOzbxS1dSS1OOBi0zxSdAFiyl
+umWO/M4LmCyrtapTD9Ntpbm8FG71L26qC1vqd+Q3tzoLdvi1T4bNleu5DPl++tknwUm379NERbTZ
+wDNLXMompUIDmRyb4oA+QsD/9b8kEqdtBARilcZ9McW3x6AtsmczMfuLmfQ/mvNw2+vqz+D8R/wH
+ORGdgyCa9jl3GKm6mgRLn5lG/4sHCwLD+z1k5fcsjkTToSVyyN8fy4mNR58s0zqwMYrQeMwdi3E9
+NVgfOypTc+9ztugTQn4Y7xYiXffSLk5TQQ4QV8Z3kTE+kqVibEhcAad5uGJ2z9arC24Jc87sSBfz
+Xi1iKzs7fqPRb0ASEzynkKvEIgAaZjYRqAXSDhMiFVnhXi+ut2mCj7wc/zP6GlQ7Cy5j0FLBF8ln
+TjHaDRzxoeEfT3EGOG+zX2fxMJzbOQpdp/1FpmNE6sjySxTNp91PPLFE1m4tXqesZ8in8HRLzfmJ
+D9W4Zs3qMfIVO5q78nTQTi16Xn8awzii8rkaRoqK9bsVpPx3nZ7pwnhYGZ1GvWjfhhSUXAflvTP2
+pSgsMjjsTd067+h3gq1QOQst5la89eeZvq8TsrFXRSfZluATImB765qCFm5EP5tnY/mlVrsvQpi6
+fKYutdhTJZZe3VkHqNA8a+fLNkwhd4ZGT4dkYL8mMOOeKedfW5r/NMxlZKFpJhWgrK2TXYbJjJgw
+D2gtZ+Yq920/xVtlLMgY3FVBEdUHA6u56qzh0dbZi8Vh0Q7USJHQiRZKUdzjPbPt/dZjtl/9j2ej
+qs9lVH+AXUPcGlStNm59tfr2JUqss06AWBZq6AX5IDl1htysrHloE/l85t8F2VRboOpfSc9mESwu
+psct4VRcEHXShk5NfBabd911a2eucRsAcmKiHPTE2h787Yd/TRl49yFLt3ipXlpXXalT3UVZ9VoX
+TPH5gkdS0ryLT97bjEF0GyUVojV86dhb+hAnMBlDeqEIHLP+TB1cNb6lLc/I6IIvqeTkCemRFNAd
+GHhn2AJv2Hp46Td55Xz79JHvUHIx3yYA96b71w8ccCwO4Q1ad9CLIKNGNTI3SsmnTC0so4ATCvxu
+UyvKcTTBY8iA9l3qD+sLspXDnH9EuljL1bz8WHrIU1r3N1N/8woCn85dgNEzXWFA8wS6RHqab0h8
+2oAacfIEJFNeijTL9xxW5sEkLkLkvfGS0Kf86lnZMRGsxgX6d+pD2JmgvEPHsD0Yb1KOZcJHVvDD
+neNIvyVT+74UAVUetQc/RNoKQgZ7uTjrF1145amOIowiIrj59RDcMns416QaXMhU+sF2mJ66phyP
+42T/5zOG0dXWTxdhTEsYyJSLfULXFvtWvDPwrr1p8FSqRdQtyHKxigRDYxbPOdfivm3i+VIhJLqU
+rvzVF3l3yMp6uSai1gi2mnSbFTWIoZM8zIKMxxyZtK8NOCsiLJQd7IWblpvUxk/djOI+qwCYSix/
+3egRiOiL1Lfq7BZJKLv8EVOE6SbdH3/g+MV5johlhCwoswkNTKSuS2IBtOajw6MVedtmMqjrGU6L
+Z+ltN8OVmjlZCLmkKV7ERFhzhYR1PKTUUoFoMzSdEks8I1Qgk4BfA1Br/ZYZAKBA5Ni7eZ386i1Q
+IJ18DJ9qrpOQ0mU4Qcqb4opU3r6qfiXmM6Zo5kfpO2fAqZ3h04qDK+FbW1Bb82jN24VEVF2iDEKP
+qzdzY3OvpObNzjKC5Ub5QiCeiqv+bpmfSctZ25o27aXuGm9bc+6MzbnNQdxMJMfbji0fMoGrsTaB
+r4a6+BIMumnChYxA3wvJG2HomZNrGbl7r6SvhQi89mI25JYUy6tET4I73n6ZrGjg+4zyi5XiuMF1
+ENPbQHyfDqIrhzIbNd4/ljSgzrJBsJ/DqfYefxfZLcauo60Iyip4D3BKXztZ9aeCME7poymxxfQx
+tTkKcrotNvR4jYz7ErET5Uwbu5QIS2f15Ci6nlTR7jraBalat3bZMui9KzA6KEnFmhhQp1ODy3dk
+0kA+fAqN2sxmfqpqcPKe+RDvvzp1OJK2jTyBbZYXi1DF0VmWM25/Dm7HulpOCQqqwUZWgVcQZdQa
+e0aolqjce2hZnhsCKuwWdV6m1/YpOpiR6gUtt8BA9c2cjsFV5ctrmgBE2sMxmfnJ6UYqDyhjjnme
+wAhF+lVNSbkpKyrV1Gm0mS7UJLbgh9NJLP6GDnMCl6rvbNbGTk7YUypSk7pi5uIdiG8xOuIeMBgS
+JmEiAYLtEsH0jtMMnMfN4305eegtVNnup3YIDVNF7BrUOU6a1YfekW3MsQXkRTFlBHm91mCtqbec
+klodgYFBeDSCHOyiGSohk1GMgkPILSN0i37XzY4FlvUvgkE6lCsXaafDg3qxkkel5jdI4bgrOZW4
+I/PdKER1Mtvkj0xaEnKyZd8Pc3rybFaJtBNZ2PXBaYHPPdLlUx/Irf6vG8SuWex308pfMniBgydB
+/FoC4Diyi4tVueB4KmYAEP9l/bjLJJHBiWmDh0QjMUBt9sDvsXURBaNL+hKTBPx75EaA/SS/JkbM
+4YeOMRLdC/sLA64od4VRoQMXDq+YfY9EdVjK6W6wG++t5YlVvA67yhMIpzhnzROAK4oh0eSHMTWJ
+uZ2vxUSlkq+WfOcG3RmxunVa9J9EQ5i1dOnNClcHXcyvxFN7SLLJgRY5A2mzvNBKS/9PZCH3M2Bm
+5PwMfx8KkaLpmp5mTJZMB9VZ+sWz8hZoG3vMQptGWbzNswxBYSdOJJ3vhNIHV8aXXgfe1ccZF1YL
+UI+dZj+6w9UQOZ3eUIos7OqHEzM9+Xy0Gbo+6aV7rU00YurD0bxjlXA+lrG5BX5kPh9sD3Q1Ht0P
+zvVDNRj51p29ZEf1+JZrNJxSdI5JIroDANCTZ4y/ijbRYT2O57R1793kf4iEKdBqV10uRauE+jLe
+C40MjXU/7Bp/9XR/0WC0E3Ap+wEDGJDKDxlqao+DkBRPAYIxKWQXOihOEOjod2uf8rF5tZkOR5L3
+r6gh4TPytXK4Kdowd6Ofckp+1gl6KtgUEVzHh0wi6oridlfMGVP7UB2o3ApRaBn3urZ/L4j5fQLr
+jiNyDTyi8ERw+gJhV/YkV3nRYFOgYk3tBb01js+k2fFMW46cz/lUvONC0dcSvL3O8/RdEmHfzvGT
+VTbqbIvgVw53qR29bOOqZLJyDQN56MYxO5yova4h4R0fk88/3wQtoLlYktNFVja8SKcYGl3XFnBX
+8xM24ugcOc6L3afPg4X9tMw98nzsf4EAbnEUolY7Lo2T43j3ORItDxFVWZaBkKoDMe6hP8e2fzik
+Ol4b2m/X+BK4SH95LtG8PttZ/qdHG3j+3z/5aKiIy1ocgqjXma5G/D0IicEP6fEhc4iPnBuPcD3f
+POeYkh5WQZpxlExESK9v2RIggq69ObtSHYNcrlJImUjrO2c+CR+DlU1bKgMiLyFmcoU0bWzcf9YQ
+bmGOZyso6GpRrD3KNDXSNTc+4MQR55F4mhvmjPe0z74UVRgBgBJBI0v5rzL7j2koTToVesY0syVf
+CXESuJoRkiqAEtpCwKvWL1Z7N+uouA5tfGcQ8Y6FwcDnNMG7qEEem2W4euuX2I5vaa6qS9P1xK8Y
+hXNWFfkGNMaT9JM0l9TvL02dZZvIz+Fm9OskeixPXe6i0q0OyDat3UhaH4ya4e8zMB0KhBHI1ZSz
+brwVJe2KArxlZrggc2tMnZso0w+z8i41IlfL/VsHoropdPlFVwG8wVepwT7RGGZtp9oyoHjSJFSW
+/2/xsv9qvz/nNMB5cMrPo0OmrBlTF4fDi/hBcTBSiNU0hYIp7gkKEklULUFrq9KUyrx5TtJdnTRf
+7YwIwa2GnYkCK9JMNgSWQ7/naG9SAOv7UlgDtHPyoMthZYq4a33PLd7NcYGlkZXBQAkbRkqUETLZ
+5MxbS/I8tH7DPNr8rl165MGMon0v7eZFSZpDLKMfvrOsOlpdm97dWf7SNzcWN28dH613vG6vS2Dv
+gxFs0507sia8j54wop3fDM8IqY6ZIV7tCKVI4zJSLG3z3ivxSOwEQU+iD11bHZuK61Dq7RQ4F1Q0
+BlEsaB+IUQbC0XTVLeWXb5EsNHNbppHzkYDxbRvTmY5xtXbN45/zfQpuIjvs7BJBDHxXM/cHxGws
+D3yYHBN0Vd5VhOyL73gTaASiDseCvK/bQsqjt1VBfUYfBZlpm6dsbZ+T2Jj22nZQvmLeNmoCqvzQ
+yvPX2rb4/Bk5qwFQQdvli+sjtJpYhalp/Z1m6UXNiYeYZ7w7hvuj0Sw7vBA5Gj96SlF6yHh902Lj
+tkQeoRuGuGqCNjbZWD0tJMNt/XFsnps5p2d5zP6MHU/AFoNRe4LcjgOSOSaIdANvdTwQVCjL5tPJ
+0UCo0YmIqWXuHmaIPAW3jbLEuBOs5Z6gmItiMPF0IYFSbsDEXbNhkNJGq+aHQhj/26COloKWhgBM
+2EK/K+6NbSF0mYWxzemj3RbiQSIFvfAtIsnSEtepcc8I4OSFFp8/Ca/KjpkXTRZnZBQnPQAPSvFl
+edSZD5/iYYcpeeTCwoz7UCI+twI/C03S00I1EdQaP7kKqQjc+BWC73VY7OCohH5ozWPbMRKwfGrj
+4uSWjwf3M6mdP9PASd13yrxbYwdDPjNwsEPcuNOWpwtyP72Thvg9CP3dxiu7EpEwncHnEWUNjlj7
+n0x5/nfGH6aotU86qspDwpl9xf6S7PTkBsiX5GXifdkhSnxPPOTShT+yzsRXaBbeomhCl92Q8WpT
+RmJO5rERxBPTo0skHr7pYKCXq+rM/jET1bJf4GOYgxp9IdOI59L9TjEq8i761jseJiw4ICSSbOkr
+GRNrzmPxiHHj040Ao7BM5iEyZ3yNUFkUm+4L3BW7rkQr39q95upEnaNS5GaRxybrBA3ySCP6Zssb
+SW2F80lGP7kT+2GFsYIYDZbhwWAKKiEn5koQ3obLJ2qi4RxZAXK3jlwET1kXv05I3EyyZy9twDUt
+RSTM0r+65VaYXnqvh4VRs/arl9zzruRRzVvTGubjtCAYt4nkPOkFZ98iJgv4nUEiTabsxo12KUqn
+5kVgfeXsMeBAMZfrQGS7qYzUxYwnymAXg5DspXYuhOil4B7t8OJm8mox/GxSltp3d3HNmyzMfy4q
+/TONOlkoCuNTsqbcM2ZXnM0Te0Q3n4XsOKKGXeSCIdtRB3OyHEXcxmdo7Br3Ll25UAMoA8povPll
+O95E0GKbH05EOEaCyLS2RWSVHJIa2yqc/nDuvH5feiI665kjB9OGv/NKGAeiwaNt31T5wQ6YzQNA
+rQ2J0sXdbD6tanCuMPbtecIIFAzFeJXkpF97ui6yOHgYrjlePUs9SFMFaCgt5oMYB1qaHFgGuHKY
+QalcLj473+RtKbunZqRpQfQ50dQjHMFkjdfeyj81VriTFSVUQ9OMhyK7qHfxSOipibKVBtLl3Asm
+o6j2Lij5RkYakZ/yf+C+CWrU9vdcJsWrcaNK3DorLM2sneg0MIMiUuqCnw7/Mnmh3EZkwqulzD+R
+bn+LwimuNGgDSdkFUUPW9NwUlibNM40OTtvDfecZ9RI5FqaY25tOV/aQNN4lquj2aoaAhz2cz6Zr
+XioU1Lj+s5zNUQcXx8FJRIfryNDBMUQuU7C1h4bwdnvIjmLggFVpfm9nnojcM/YxWkKkndatXnXC
+EencB5tyj10uPgiEVWwAKenU0zkph+IS9eqz78kS0Q1wA/TLzQisozvb2LDU+0QrxY5jud161GaQ
+sfgl2zH0HBsta2MrTgLcdmyDG6BVEy1987x0/zGFAufOCL8SFxVqRnZ1T45S3xOx3jTTb2TUrMNt
+9tqO1YtVLtxtdgbDCH0S0CAKOMDVINhs5vhR99ykLSXvF8ACenwl2gNT/AyudPddSyNyzTg13ukc
+AL2chgtqlE/Hc08wYfHG5MNLynkvFMS47fP9Th7GVRX/ELt9xO3DXUbwga/YqOE4PpvGfSM16N5n
++c4pLVSpKNCAa119yjtGlkG1f90chzA1zX8BBnMDiEnmtEeZXkfMsay2eboTAn2lnUqwDate9cBM
+bFnARZu20LS+wxNSVMwNSNMKhQ7Egvsy+/Gu+uA9Cfxm3yJCnnJcLEaEBK/wCA/wFW6epuXZsZPn
+FoXqiAlnk+HjWKR4suXyOWLRi530RzTOY6KhqOncr6RAfBHM3puLWSXw9ItTR3jW0/+WJPruOjhF
+mK1m01noAnr1nyVuVPk+ZRXG2Srg36pm+m9x6key1F9r7IXRgV2p8hp1I58NbP2mb3vq1nsQfveE
+8/a3P2fBprO9HM1L9JZK9EB5sRkHSq5p06aMzp0frDO+HK+8nyfTjGrY653soJRk8a/q82J113Mq
+oU5Hprsr0/kq2sili8sQRNLiEiCdEXhl6n/7Eyl261NjL2jPNQmOU/fmw9AsqCEbQRIP+bFnzC/H
+HIcWkJEHG4Mquh16SovjfmtIg/W1XjSKmBBBIvdFlBKj0AJDGEhiE1YD8vhmMkhdn7hoomCZgJ7z
+5EN3C+7OASN5Uy5raDYLIRXr+9osih3r/s4KXj3q3yD1IGMJOV9jBvxX76zL09wKHjcLS1glH2RL
+3H0pUQLSkIATXjYhiQ9WPOEEd+M3qxtauK+Gv8E/24vx5NuriJMUGpMdleCeLwHFj2+EKFCpSUas
+AwQiXG8xa11/KNMXkmKuwvCsE7WICQP3YJMKOyWPvgu2Y0q6QFu5M/oyUt27xpYEmdXvRKSUz0BJ
+pm+uFye7ICzKHRTr2VAOqohkMHZRtLR7AjN+OhNwn9yPFztrmcg8gyE1+3ZHNAV2Y65TQUEc66jF
+ickH286RtXRZ11D/IpMZOT9PyZLE8d5yp/6tmpbjkvQPZsqPgZcmRmNKWoFkRq4ELc0E3GzVrPtd
+DCrFVpg14KpkHXRoTm9i0viuzJ1gVOUtNI8kAgXo5yAn/GjQv1n/tqT4DN8idh4tMdSk7Qcnaff8
+XLo8995rCwd7XpwGQ0hO9/jGQygXejGKR/wHxrjh5MMlRppBA5YI037Myti/mYO+OtnGSP+1Kj8B
+C+IVdMACZPBka5KPZAmtiALw2UOoJHpM0EntvbcGXhDf88NZiPdBoyCihmM4m3hYniHvnidjnmh4
+8/Wur/oXw08PvWPu03KZwuWmJejLrJ8pEeMiMfFo1GCgoWdjIR5P0ulflV7eBFjcDuHWn8BBlGO1
+76PCdTE54BxT8apVhhaskeHCTY74xnjjPKthdOIPqsFzZMAmeveUnm9irxdO+I1nGj8BpdwrUvA9
+mOUlwfKXVu1z1o4nr13+BN58cFCMkjSW/5gUMcRYeQ6qw15uGvgg4cvawV8b7Pub58ZPPpjycbDq
+u992yb1Cv52kpJMMkccQCmZ0sT4hdJn99ejsx2WIbnlehcqGBkqk8AHP+YYXMiyvejx6ef9kkLbz
+XvRZdqAXXmxTmja2WbI6Rl0yCzhvGFRQf5KsYEZPGenbLVvGgWxVIndxUZf+lF9tkF6MD8F5Ifbw
+SHTKNTDM7uwXZXqqNOCTaIObB7cbsbexNfnmRUq2D6+xX+fCNE/AiN9t0oXzEpRhrAU6PVTNup9u
+Y1y8WXRoQ9RqxAK101xFUS5nLdpsZd/+UlHM6gnlRnrBf03uwoQJeci61ua9WVk6FHWjS+hny4Zu
+mZO+tija7BphkHL4LSXDRNf5CosOQf7Cj7o3o3Vow7N4ajtS1SkeexOEB8ggzZ6y8cX03ejsKRoW
+k9lroBYLeQnobdv7ToxkrKhDd07KDyuy/5hdQBt7TGcBCj0qomfeUsQjbS7xb6VO9MZwGvrpk6Rs
+4cskZWXnUzh+anS511lerHezeS66YjnqKX5uHDM9Z3FiXZd5Pi+K3wXJM/KQSta8GT/rFZHvCBH/
+FFD7Es/Wb1CG8Rj3osQuVPPpkW7Ng7hwtKKIW+MomekHgcs3WsAc0FsAD82W/nEy80SsPRiPyeGJ
+julqqSEsS+yBg03SoDGcopXEJDmkIKGjl86a7k+dgKeXzWR2xGMkfnzkG0bvRK/K0SyorZuyUd5n
+0R016WZfi0hPLsE/3eAt+O68+ap750gI2h8kEvqj8bJH27l/wCTnY1AUv2JooW1sp/k5U9ZDc1hf
+nMD40aL/rjpP37RW1j5e5CvbPKIkuyzuOjH/eYLtpLdr6K0xcJDum6vjGc93h1bhoqxyl3JeYI/z
+32g7sQ/CbQ4WLXdcJmN6C0rvg1Dn5B7Pd71KbKzGfWL/45bLao2eoMjuXDbHYqL8s29M0ubW+ZiY
+ngk5YYnQzDRcIhsA7M3cuSxDl16Gor0M7SieTZ720Ks8L/R7D6N4WlzHQeb//6ViB4AbN6aN7Yk8
+RD/1p0Oc/8vNCrkroL+x10qSOnHb90hgwrGsi1c7hYdrmkvfDjN5em95mSfP6foFtN0u2/nq8owe
+MXEl4RDRnYy8oHwLeshfQorSXecwNja5QiEeVf0tV9h2a7ff66n7a+dufu7SuzQibFWt+pdUfYfp
+BqAGX46DpWpXAM4OHUH+0HVvlVhZI+2cO7r5MIAsek+uS3/P+/i75ZH3idV1hIMUmzCHoc6treVH
+7yrLwkLhGFAOMgjQS0RtFGJVgXOYlPGL+KM0Mz/NgLa9tl8+kbX9wWdZTYA7Tk8r1SgVUhTmy3IA
+vJ+ojVYJyfybntahDR9/EZo2rwP9KAi8rH+IZFZO4MIFvyp/nflfOTrexUnjiM/G7fYFORR4953x
+OcgydTIxxYnE7K5F4j8MR7FWDYl7yIEbwJ7Vs4127FBmwUtkdMF1ju1f6wsNdK0/BuUim/TVYaLR
+5Sa9sj1MI9Nx0aLciT5dP34sAbbMAlYuDKyGrAerSG+CA6/EFz0khn+1AxNNn1mgtCehJfFLEA2C
+LgJbW2FecbNXmHxINii3OsYt7mbq/1g7rx3JlTRJv8qi79mgUxOYnotQDJ1aVN4QKam1dD79fl7d
+C3SfnjmzC+zFSaBOVYqIJJ3uv5l9dpkXcnmdSD/1El2wg3fKbXvCM+WdfBMz7qTXt6LClhsXcGAd
+Ykcmdkxm2pByhjIigKkBkkWdPGu4MRmB55+2kT34HADKFt5fb1GXKEgwso1+msM5CbSw+RxrLztA
+VeeU43dbkCX6qnQcVMzeO3ao9uyxh3EHxsFeJ51pH7zsaGp7Md3FyT17KrnhFeHqCl37ZGgOUH+T
+4V1Cg/lP1ywPom1vY2a0tVAvnuYzjKL+DhOkRZyl9Ks3p8Ou7WHqeNroDA2GItIOOC6HQ4Vj2t2y
+SwtvrRTDG1DToCkYoiUJIQcdO0AvDSMona8oxt0ULy8VIZatp3cdCU/9FFm4tjuXGEDM/KQe7DPB
+hvCW52bRmOhIBT7uPs7PCVz7VfnYQVZjlJhe3cXeu/Q5cb4zN+zabhtak/DVKRjFO92Mm6ZXTvkE
+73G0wEWPQm5yYTS33sSEGgTBRFqRp19JC2fsKtrMo1XzN7pIvb1lvyIus+Uo7S3K908a4y/D/EFf
+j7EbqokN2MyLGNPRZy031pVtbKTDjrMhncaajC4QJcwRb9zSwXQTw6EyMuB7fK1Aj2LcYiz8tbiX
+C4pCM9Ptaev2x72+HXR+FIo3SQQ6QNv0RG2qOg8xNOKL6lkWdE20b2v0nHACfNJKTM72DCAi999H
+DwTPLKLXbiF3NLVctE3jvhaCdGM462sYL59VYuL5XE55DopidAeASDj+Uk12qMWEVMVcPmBB2vrN
+8AVvDOndgysBioIC4wllmxymbMOfKnJvW5E/orngbiremslM8DNChBgE222Lw1ce0+VoMjNd0JfY
+smxyZliA/JIfo0Pkdx2YKsSGSwKFvdd9pDV7Lnhb8Hd9onZOz6zQuutDzrMhhWJppKM4JzzFa5eT
+S8161PYA4OYFp7pXrBgJMCGVzldXzA92JTl8cqiWLZWkk9Aw21Yvk2CJk25GG0Ycv7NJHGb+GiH4
+JtI0d6fH2IFng9WLhNN6lBKDRf68GPQGzW0RMEWkL6rgnFFCgVp1xgjpr+Ek0xvFTW8QIXDxhoYo
+NCT/+FDI8mr58bmKMNXR+aBx/h53RTI+j8BvRc07j+Keyzg9+My5nO4tSpc5MKAV4Gqub6mV5lMk
+NGSbXTe5SnatfW8Qrxl0TATWzuIwE1U9KWGQkIKx8Tho3/GQngXQV6DFk1H8cM+cCecDNCshurD/
+uPw5h/M38bLKZVSVh6+//UURhX2abEHJceiwSIIp/u8/sYxj8k/0SzReMIbmvA39DqAboD3aET65
+y9fSR5nBrIRrTwGwOj05T313W5oObHz9SzmV186MBZrajqPL/hsbe2DUj6ZrXJYir49Egy/4IJL1
+Un1U8fSLR+V9lo3QsYvqTu/7LTQUNolYGXiy+LX3MYoTbM7uf8AYC/PfGa68UM8xdKjYFM15fwD9
+LqyZXuLPXsBOm6LuHtxhHZFDlDZmHewAGPVex7ZzAs8oCJqNNV3iHQF6rbJhBoxc2619iYZuj1KE
+4qlAyD4rmMkcjANdeVeVyCNmiHIOk40Ro7FxlvoDX0VeV4BXmFql3rGPSNi2zPOpzStZgqqTWTnH
+vOemaZuHvMbyMSsaSedkd6OZ/wKh86rl082kaeoyYnyCEkgWInxe+JIrhNpTkhANkROGvSymgiPU
+yHmIqQ3wS9sUitjz0aoCQweuOJj2/bhkfPPYPGr0YHIuVCsMCwYO2BMORPKcWoru0fN/pblnt3eG
+qatjiol8LlnkfC95/n3j1DYgRrBFR1N6LwQX4A3tonaoDhbkW5A2m1ZzDoXrzCuXXrZVl/cPeW8e
+MHq6DD7JrYDScsz4pXP665JmP4Bzfsom/ax1EoQpt69ZdHRJufKgRwgVjRbAIoNP4XAlGml+k9ME
+3jnpGz1zG5eqNSov0Tyncd4jaPor1HTmH4bx5AqAAPmj5VMLzNnYGwF2NRohhXm8mxL9BT4eDkpG
+Iaxr+ufcNfXWKxx2N4Z1jHW+o8krTsXuz++63zDrP9x1vqX78PqZM5moif961xVlZ3FBWrB3vXBV
+LOwraoaccEKor2SogaOgcSBlFF9V14YBIVViYTzSPXzZJCKbizcPX4tbGJvWZYqsMqChq71xBCLX
+nP90ou0IlTkvZK9BoDgEN/xk77R4Nyi+MTYxSCCaaJgvtHyFiowsRcX3xZzzV3bzU+qm3PZafiJE
+sez1FoWCvLYKSVXPThrxzXk4zHb46s7DY6iiKDUI4TUSEY8JKJugWngZbUevI9d1WOMRd6tCvbEH
+3waubTFvNXilXgFzSDoCYAob0z9/h+3/4nb3bUEbgsdHMMMKvf1P61pSjiEoxdanhek1HpMXUaui
+9JN0ENvSmNGPEM6IySU/wDYErWsNGy2LEPuF1Nk8Wr+mjkOwO5bYHyk6G0fQe3H06dsMdQYNhbNK
+YTjU9TOaHmO0ee8m42eUcIfm73YHQ1REF7O19tDqjnXXv5QFV64v3BfPmPYTtTv4+yMiYmABbD3E
+3ZKffz872fQTGHGp2UvsAz/tZ15jdmvSt6Rkd+Qlbcmz6PvP3yxVOvFHLDKoHMdjYQQXSlz8X9+s
+yIg1RziFH8xG9SbN9FNgKwRU+/w2d2pLgWgMGzx/k1P441kzMjZIYGCz25BGgI1ujy9//gO5/wWn
+mZoWQ1eLtdB98YcfiEodzWLm4wcuRjDEm+Tdyx9y6nhx2VHCPR1LXfu10HnFrMI7lOFxqNsH6iTY
+ZhmY+PDPc7rn9pCm+Qnk1EhjpgA1eZnB2GYztwAK11tS1EdLQTktA6pp6NmvJvQOXYPaD7r/K/tO
+k4ntWD6+FF51rDKqznyed5uh8wWXPEwoWTwa1L/ts4ZQvwrQ5cYFBsa0oWYT3jDFWmAz+nuKFtu7
+pQsvUwHA09EQyCezXWtfpUc4C+Lsy9LM0QWfoC6U8TvK2doUNGqbeVCU+VktdGbD9TZaya9o5uzn
+ChoOYslDid8M9Lm3qbYf4np5/fPfg/VHOr6ro23Z+A7B1MKLNP9QtoAvc4EAzzpV8VNuaEalmwK8
+7cx4rHezc53dW01+lyTJJwTYg9TLjzRkR59TwmBRVraeFV4Z0aNckQFeGRqngBQCbCK5wFmOkwE8
+NM4Fc/KwuXv2pustqZoMtlRNUuMmn0aH7TSVF59FTvpTa6q7mRHBBq7qFv+bt3aS6KZTNyfMJt6I
+2vv7OvL/u3TmknyyTlY//X+or/xZ1bJNEOr/8z/+5U/Bd3V9L767P/6jf/mc7j9//3X0XW3e+/d/
++cO27JNe3gECk/ff3ZD//ev/41/+3/7l/0L/4Ks8yvr7b395/ypAUCQdu53P/p8rZoQjqA/iEfVP
+F4z6ef7x2epl/O0vx/i9zeL38uu/+cy/F9R47l99YLhcRMLFmu2pjph/FNSYfzVN3bJ4DP6jg/z/
+9NPYf6WAxvNYvXXb1z0+o6uGPv7bXwzxV59VyqeVxObvHMf6f6mnMWBw/dvSZ1Jg73k6X8+y/40I
+rxc6HAZNLkFSX0eqNbfk9JsXeCZMlZPhSn+NidJdbtvKsmEp+vuo0+rvtPMudlntas+dUKr9MHCk
+mJ4qt39farc80lgboQ03gJrVFd2kKQtSaZdXL47e+k6/iCUla5O+S8QqTqmFu10sc7nDPLOjm48z
+QQ3cvGwedWGZ77JAV/FIHwWJld/bjvVTi6agiprpb1vaB93vWGlQcOQCPgA2EpwUC1CBNrxXfoeC
+idUL64Hv8mXRCi2gYBvt1WtbNrwwvEJIEjBTisDxvHXPs4xNz7TrIVpfmhz3Uc/YdEX33peAKtJE
+hMaYZNB2TQSwJN1rVLSg1vEvjUgR/i0vvbQG6dAJHACCDOC85KjV5MkbwqNei0Citg8VSG3LezWN
+7DMLdXgnlJq69STI1i7bStZqYR3jLe7K5EoOboXhbN7CDQ1fGSkFlmjmHazXdm+NydvoGfaHnRqX
+ucacl5oPoT0sl2UGuuKZGIhpVz4lTXk0zDy9waI0XuNx7+vmOnbziqD6ZN0Z+mxcckc7zLNn3f3+
+X1UTE5BiLjy0lnNjDhQtV1UhdqbdAFMnYbGLNTO8Y+5uqpn79JLnyIp1FsF3wi+5Y0ZW4P6Lzacs
+mqKtdKlw09vhScZGfpaLRXmelhwJHepHV1Yk8wf7qeJ8WdjggDr/bJEXP4PQeI08RG5Ju+sRABtW
+EOoHGqtt3l3/2TTRLul+9b+MQmx4CAG0HWKyd72PdJPdpY0vKB0sncBKwhjsIXGNlN3LTRSHe23G
+2tUzvJz950XYyQWdnRGvNm60qG32cEq8h9EbgpZ5sDVM6SmVJgeE1oZuqmbHvz9YilhK+w1c2t7L
+rmW8FNQkZb+kmjxXagZdSOeZPQ0AfDWeZoR17R2hjKYunJd0fK9zl1JCFyNEw3g7VHPuWeZPeete
+wn6WZ/qLl9uswNPAcFyqKXnPocpmyA/IS4mt5ohXRzU4GODK9zymCRBZy8bsmb0PagqfklTFEQ7q
+fliXak6vaeZxgh8iHLaHDPK7ThB4VbN9hyjplOLSTfpgUsP/2Re3uZIDRiUMFEoi6CXIRGIxHmcO
+BIT4t5SgRIUiW17xUZzcUZRcZ9jCHecsNW47S0kSuhInyt7Yc4mIczqJ/hhn2ZlMdXbQpB0f9UJa
+J1+UO3JQ815gqN7mw1C8+clNiUmefoH8uVUySVMCTEoxf9wBk8JzjZiij3QHlBCZY4qmnsJlDJgo
+zuTiSn/b6Et91uOZgFfpD8iVjPV6xiRi7tMbz4LHnQ+c2IV138dDgecFqadg055nffegKxmIZpRi
+jZMcRQuNKEncfYzgc8prp73GpgZ3RuZbDh0EqEo/8NGaUH3Lh8UUeD/LtY1leFdKimbxRJNpxT95
+dIpx5OwKvs6fRBXkwnqu53SijwNECdQh6Cc+QZeA1nKdFkr0sF4pYwKMJ1eafsKYi5ZnJV9yidDR
+0Il9paxpTdcenco460p1s5T+piIX4ThqR2dRtcdKpHMS0lIWg73R43ocnQXtWol6XlNb1yQDtiEK
+mp/BkTPEVDJgJNjx+JM8iM6Buyjic56wkrph1x0yjrm8V+XWJr1/WRrD3IHNQnv71SntcRDC3/bC
+Af0z1HSCldqVQO6V0bm7h8951bTBuo6hv6W7AfemS9S+OrOlcQLm3VfyGj+iaT+1lmltZHzi/jg4
+eXfbgsQzygp3p/leNzwHPETVBRMUtKqVEYlsg4aI+7h2CApP70vrY5FAm40z5h09fc4Ub3RrLp+H
+GR0X6ARiNLCQUCm8cZl9MmKPqOahlRxOBd+TfuK3WmnDMrvGhbFHdJPLbU8a0z9JQavEGBe0/iRB
+3Yz3jZKbJS5qJo3RI1B4+4aYPkooNtqVMXXXiqbzWgnXkGaeigFftI6BD5zgrZhJ3gkld4d6fJti
+0liNPNisMDkM+S2GUy/zL5mSy81dpi3pWjoe8QhpwriG7MHa1nBuT2GhEbPYelZFtrpxObNRAS2O
+dvkICrE4+mZ7m+CuU/5utrb23ZSGQD8sjLh9I19TpfW7SvU3lf6vAw3INviiu4c0iyixxG3IwLXD
+NNDhr/ejQt/YCr2/UCawZ6prU3a0yxL29KswRMKQ+nMzRae59vtH0RhiS9KEA2Lm3AyJhjXatinj
+0OTeRedRFofG48fGFequY4Kka5knj9kQ7luCnTtGdd+UnhC7i1mmcOk7W+optY3fav6+8a0XWyyq
+gUD5LYDFkmY7d2bb3EI1erIsRkVzStqO7A5EpFTkwVQ4K2iz8V3YZx4sLWFv9SiLjr7wzs3z6DjH
+VvlAKMTBn2/7eCAGD6p6SJzBxjjiYRkxVZ2RcpS4Y3o75DTF0DucRFSluFH6qCsXSselrVwpQ6xE
+A+VUMSuf+yC+SOpTZLWAPLXdx15ZXBpldrEWAbFzBaN93xvwaENsMaLXk5XwDXOlCDwMJG3KR/Sn
+QblpDGw1osngnsYUYfXeBIYhg3stKijuuHGwjRGgzmttW4kJ4ORNPpWgPhzkRR5q2fAB+bamgpc6
+vt60541246c9CFicXVvLbGTANqZnSKM/Rvb46ofdK7sFqjIyPFF2khxMwb9uorRee0b6YU/VmVAI
+oBmUYFuF9WQzbjIaZu1K388uOylM12N2Dx3hruO/SQcyUdo2WJL8o2YvNLfuscJRuOnj9BW61n60
+MoTpNHtAbWWUD6Ik7RnclGCPKgWA8pW5a047ysFcGM+/jV8NwpMYTaiUNKpp8QN74A8JNjmHQcrM
+En5fVmwlHdPEcXGWZQaWsKwOZ5zkRr6TCtVLhEoQodLn/uwXzIWBumQ7LVTp0uoLORiPoCi/bJCa
+OHGj+MhUhS0igoPOwFBHvG7AJBh582rXwLxa17xkoTw2w3jCrEbo8Yr9/EQe4FhGzFrnOvsxePd1
+3dkiwgHOwBGdRuz/HIBW7QDXssso2PptGsNaZSYpMr7pPw4YLvEiPWaOfPHICsaoCuMCPs2EmvNM
+cRrWr4a5YElTThPGHxVZuETyy7aN6jwbHfDVVVzzfZQgta5mnIeVuQW1cbfM4Xb2vMfaZPS2WNGP
+bqF7VNrBsxhu0qeSch/wOZyjH5sJoYDMUNu/UkG4b/sW1AN+awYHhFQACpnpjxE6h6oApgfY+dHF
+QfT75XEAZrhDonllRvU+09PvtOb9MFxyTxazC+WDo/TR2JaFcZiWCNRj+QP58smZIB32yQeGW2qb
+rq7mXOfnJl7eMsMPJmN5LLioQpfeg7Z4KAgNa5j3UwNKuMYXNO7sIf1pB++gD81rVvAtfQ2SCF6u
+SO26rcG9ui01fCL/sPT0Z8mHV53O21UHiAiLIKbfRzW9bUf5Xnk7an9K/8ONwkd7sIPa8R+ThRSf
+W5yjPP3QG04WhWFfRWddizR8bAtq5Eftuy7ZdYKvpccqKbvXoox2YZN+DHX+MQB6Tvg99u6Be+o2
+Qynlk1yHF8ArzafkwzeNO3ISh9whijt4364OymoGcU8PAIs+j0n1/X2nXHsa1LGO4FjNtph9LETE
+cfQUpCmwavejioBgiKp5LcvkA0DZJk9ejSo/m1r9Ws/irhTa1vWNuwqNjCqFW/Xymib/6XPvkLdU
+HMWg9krffwwnfvY4vouz6Z46pKsR4JSAQ8l56jhnM3P0Q1kL+D3U0XCvEFcZKgypnUHPRWjbp1km
+dxwLFe34xWgQwSAN4Y3EoZiz1cJfjdXVmQma/Pa+wt8TVvsxw2Mn9qFFB3Mi3Y8gM1Lwy24Hy6Js
+P4QHtleZa8lTEbfAb5sp4607sNVpYYWYif6G+/A8K5PuqOy6pR5/Tq5/u8z63pmn+QLeHXfj0gR+
+lnxa0BOOTDKPtp7uvV4ZxfKXWOb0JKdIKLiFeSQo87CSaDu8142eiUuLv9hURuMYgAknMMbw3sQk
+UYsJUXrAaI5W1oJAqcvhVCnjchbWFVsm79CMmDdaMzZRWEj8jCn0LmskhJkXGnpsNuwkxcrnOllu
+Ra9YaEmG7cSK5luSGkSBMFRrTIlOWoaxs1duaw7KTGE/Tc12bnysurg8tezoYGjZjblGuG3AYg73
+XVl4HlhuXxtrqO8USGfUF+5Qf4R+Kt0TtOlNr5c6xq52ow0RK7ZyivsW1RMG8e2tmdW4A4vkF0C5
+8YxGyincJhQh5m5TZl5zO3XV3q+n/JeBNT13hXZr0/E4UJG3IaD4TFReHBwM7WiF01lBlvQJ7crn
+l3Sa43EkTDIeUL3Cgyer7EJ5hFtM2EGVad4ZhQioKzd3s7LUR72PxyWj34BQEOcT/Pm0vphU7Qhs
+LF7pkyEF+1LhPJdpRtwu8KYi6HMfjUUZ+hmWjBetwOSfGENIAJOLlKJT/9ikh8HHRp0ZpGzn+dlW
+YQEqoAJiErSDJ04F/F7WN0PkPUepUJ42IznWQ/KC+4rvH9ryyR+mj6FvH+gbHe4ZDX0WMURdraPR
+QuLwX2FCxGI28a5lC3jOzqubwBsGe41l0bqYfkP8iGiER+HkTqq4RNmBsLZ1qnkTp0/2lRNpKPYV
+zDKnO3hJlTyUCYhRN53SazeSGomde7xdR08FNQwtu/VcZrB4hYtzDfrQV7EOXwU82DlkAX6/Ytk3
+DJbXHTDRu6puN9ZCPh4vj7ya7QCfK9NPifqgFeW3XVDgYnVphSBRY/XuhcThA6jbnN3kkRFUuk1F
+g/PLWU1+KQONQN++y8oLUHi4dGHW30aRu3JUwCU0/dXS6GKnqfBLPmIq18jDzORigPoRkFFRGcIs
+xS51tP6Oqvmc8kzmx0lCOluFbMjD7LHq+xuDeHhlCmdN0wyeWLI5s2HBPomNHeSAJ7ITVBpF7oX6
+tHDbydHCJyk9HB4ZvwKhAw8J7W+4fx74PPu7K7INIyrGMGynKGLoe1Zy/T3Jtadcn6xNgENsuWGD
+ctHmEqoS1seghB98nXSGQ3MM7M+2Me2TUwpVYqkYyehZaUsZqTneDfRR7iM7ftBU0skl8pQSfSL4
+12dRuzVUJsoLm40ezRztQ9/ZLB7xMcoqMKGYO8MDczdozFc19PVO5a0wTgwbF4mbyhaySrpp7iOn
+BrVGPkJfsCPI8WJUZfJYwZucdGAD0NnBUJa0EEVyXM2thLZlWhjNU7+C9y/xphwb/ClI5kTXGRpR
+fJjOzwnB8J1osdmx1aGKIe21tdM0v2yAbtvOluuwyygCYXi1ll5N/rt2EKbxAKwTLcoIQQEb5Whz
+iV/0pTCDyMCZaelkiSei2y7RpjALtyTEfnEozU5MXF780Vo4j4EqKkDLFd4o6Xyl9KgylmqjpbIN
+xn5i8kSitKQkbG8U7KS8UGo8RGOWkkm/sQkXN6tWWkwjZ6wsHkgNBgq5t1/qaUFNzpOgskb/+vuD
+MwmDrqTW27K7adZGh7FaH2kYqZF38If5E2DVztrbTc7xg5qBTJ4cO172NYdukifpxcezvHeG5kIH
+Ecz3MWYilBJC6WMZH53omlCCfka+W6ehN+5jp32DJoQa3wU0wnj4mEP2vdGNdNPHMqo/xUIsZsnp
+vGMp3WpFBjCVtCy0Ain3Rdc+YYyKNrVO2xJ2XzLp7nsKUhMSIhNVF3penDfFCY0o3i/5oupQfB5K
+I/cUN+TJIlLOxks+t71TvwkJGZuLYTh5fTU+tpzpkIhybaJIwCMHiZGf+9rpm44VqNNo7zMJDzD3
+3Ey+47Kpyz8gP7PtyfxXC+zzLsH4ckzdmt9a89VRSPCY69mzIdxg7Obq7iXJ6pGzP6VxWBwZ3Epb
+HkLD+TQnog+mil4kNsr4tHD/ULvFGiysR4tx2yYco+Fgi/EIvFHL4+FR4GT3et/aI/biAI3lDe6z
+8SSHVhzdLL8MvUuj0yzRKl3Pv4Xvdkdk0AqKrnpscgZ07csyTu1+She85UvNmiuX8MFpcHqjDZdH
+sh6cQ6Dq9N6IjSw3hpVNyHarFIC9A+yrjJh+dFirN77eR/eu9oDWPzBDLw1ODO0lCYk84j/SgPYU
+Yl33cb2zk2Mj431m8xZMZQfLL13Y4RE469oxYHgIjkWq2FI97gktabzZt5LZkx8ld02buBsZ2QZj
+FthtqsOokh2oOtXN5Rwbs7pPe9c+1EmfrH0zuYwMP6F0gpXtWvvqZ8W7y3WxpjqRiA3jTXQxLQCh
+HK0Siyhjvxj9nvEWsLCCaTiMW9g06YTd6QPL8IsoyuK+Smdi/DO8HtrCrnXJpaNGLisOY917M2T7
+YY7lTzpz5qDHyCid9qvv2buMlQCVo2vnPAznfb9gAsEZwEkhPzVOSvFF7E47PNjdrsaPVuoVJiyy
+pC2GnWNSejcV/Yrnako5j0conznNWBfkb750tYoLjHNlXi5XskPnrO6Ie6gAVF10ww6iPzAWjQaf
+2HDddTlpbFBHsI2mG2Ht0+V2iUwifUQnOaPDKAQdxxBjls0p8yhyUn/KCcmckfnYeLYFPNM2vBnR
+HMgZ47qME7aKiW6LA4UYRF+shfarpeYwyNl9N3GGn5ZqokQBeE7TNzzkS+NjTmhJoqk+OgxYmdcQ
+6LEtskRyJZH8lEBGXM9Q7GO6QnVDBhjjlv2IMjC41XjGp03vDbN0zJS7JOQ873CMOOdR88NBgH6I
+KcZTLpMv5tDZ1VtU63SJjG9BqNwvPhuNMGe4WIsISEjuQaHo/YdsJNWYm8XrXHdy66r62LooOEnr
+hXPple3CSsaGXwZTASSRfktYmLroRQQI8OG+iTkzhyr2ZRmfttTFbV1w7Tqhv6PawzwT/Qw6iNp0
+PtXUdyQE0UufOJJvQfu3zWLdTq4ZWB6sC1kyGrN0WFiZHGgMgrYXFM38Xdt5dPInwlKg5fp1PQzx
+GREB7yWTs01NyvjogaUgIdpFe4MMA98ra7alUHMULpIgtFnNpQEWmX+SHHxoMZuC00PoMk7pwEqY
+boJ3wpRiO6qiAtrRvCkhe7C0SeB68QWQjLcnGo0PS1hyNyxRTuybHaeTiy0I7WoHy0O/TetrE4a3
+Rp+XLxnAHcOEHutWWY3N6SQWA0R4GclgFgF0kXk7TsmuIcAWGoN9oYH1BZwZ6bbCvh0JLUNOyPSr
+qxOxDuu9Jfzspp7njeMaOFF0Bo6t1pDEtZEQZvlR+bG/J/2wB1Y3H5qa8HWBa72WnXPKkvl7zqbl
+vkAgyMflS5iu9WQl8XcT63tRVcvVLtm0Vct04/JEPmS5tROCW7Q0aWdJNQ00H7cJoEl37+yKpySP
+xMWE1Pg73pyxOQdhOKwI31F32pvY1r1JrJsa6HvVe+W162xsj24LDZB9FPoG24kM4GnYzRlDVvt2
+UpEnN2VPMMICjlNLw19HmtUK+/OISSLBs8tMTlWjavW0y+M7ZLMMaGr8EnUAGaMRWaEEHKo59Vdt
+9kVQZAYYpV7b1S5lbXpUH+hDdslqmt5tKuatEGke5AhQONWjaY+ZNQkQULdyyOZ7pwOtPo4vgymj
+V0MxeNKeutNOFE9u3C9rR4MC0+SSgbj50ddyJjTGYuCq+WQftvs8ZT3oqQQr4uIoHWmeU7//Ga08
+31qWR4WRq85TYTfudfbW64lF1xLSvCmSnOclrQGJjouibYc1qgNANcCIq5oaou2Q9vZ2TvXvqsft
+PdVhcUD9pdprOUTwEm3yKvRmKdOzumCpwwk0l2yYy0RzNtVqzDUWRwe7tKJNN/r+zgMlaEkGajLW
+Tpwo7WuEiX3TVPcSbwjYmDuEzuelMj6Wxjl1QWW2066qcXjkeMnLp8ryb2ZdHKyIcb3jkDOBEiGL
+YTcRWiqT2uMcBcvSjnA+6GPQJ9VDjeEXXzfaWOx9Spl8GP0Cgr4oOJ83P1V88SwObL7a6GSjReqL
+kCaHPVqNLHpRtx0Fy2sXpp0qoJrIopI8rnO8/JjeNJflF8/3uCnnutizBf0uNdVhk9bDicnjgzeE
+KWdtnNoksci67v3Wk/is/PfWTIZdONCIt1g8eaFfdriTqV1KJ5Ja5aFVWWyptY+ua2l0i0U7lzPy
+AQc5Z9O8PYvymAKjB7g2srVHDF/VBnSLpW4SlKQupQ1bb3dcv6PrnEBe3Ay0KoWRXZ7BUtzqM+7K
+IvbER5n5XUBvHBEMXIexRkZnMjdzZKknDITc1srcoylo+W1ToMsOKfKqbViujOGG36MqUkd9DMdn
+SVsL9mVKHH0XxJzWTkYgw2RgBGgtl0ja1W7w2uRubmpOYZY7MASx9V3BLeNWsfnLxxCqh3H1SgkM
+4suefNzwa3Dcy9j63jnT40NE6nNfVeZ7WKGBDCIJr84iVpUZ9btlQkuYJMjbKcWDMMVIShaWUl7D
+fNPrzvQQdtVR9DJakXWpzoCZ6MmFisxIoKK+YXrXMfNt6MdZx82knfLUfTGM6HlKK7rpnYyZhAN2
+Qfuxo+UqQic55NZnNnyViNu9FZ5SO78Ju3KCT8pxGgv2ilaL4qy/0DJ76znebqqjekth6HoUerRt
+iUpga3Z+WTXOvomi6dXSmg/sr3dVEemQD1ubUC7hJdMq91rt3+Iti/UC/tf44QkcAHFLS88od7GD
+2q4bYhfngN+8MRGbyRGUvfmfswb2sHFdTN+5FeCQJadnOSsZZ2e6AW6q3NH3Y7mjQtfGgQ/cxFk+
+GYcFZOa6fcZKXfv4HqgBuCn69oa0txO2eWAbzq9hqIet0WpfgxN+SJNKA0HWaB17XF1z8lDXCham
+6e9ZhJyqRWA0je7Bb8sHh6hJW9Y7ojdAP+ygNJNkC5qJHrDFO5mILqCmhvsOI95atK7BfgcXlFlO
+dx1bTGPoQb67nb4xy4oPgw8WSXsppfcVh9a2yVVPjxXHJOc5nOceDVf9qZzn9JAvdFBy4vqe0IK2
+jet8Fu1hrOO30RlP9gJDlrmG5s8fPuyuM0yk9zEC58EyuPi0Eusy5lw/cu5XP3xsys0YVqw7/vRA
+JTbNcMrZEacT6tzcnvsCbJvXAsg1vdigSKqWBzgKAuXRZHH1vT0Kan9rkZcIKpQBDBQxzwyqkmBs
+sVXvKXhIBtMKmIfdcJQmbs+0M9At4963zou+iOvUjN9TG3lk30lu2RbpqnkB2mQiy2tMIbBeGObr
+oFsHVDLxkHSPnj5EdxBF4C51zYM1Y3YgNHLxfM+40RBFsygKsLaMXLdRenalkZy7WbdP/GqWqNFo
+M6IkeTYH+6pjX3icmhw0sP8UeVOg57J71hz5HlMT0RcCDZ5GcRYK2HAGgZf/zd55LFmOpNn5Vdq4
+4A5FwKGNu6tl3BsqQ2xgkZGRcGjhcKinn+9GVfd002hDm80YacZNVKUKiev+i3O+Q37AEWHHuwXY
+ame4rX0gzPchgJ+waomBWms7IrYiZrhot8SWhs0JmbG9MBvXfIyD+272k2NOZPiy0v30aKVrr8o3
+s+0Wj7bjPRVe2EMku1WGDASdtAyJ7sOUTg+DRzFDpS077xZpivTRaYcVPApn6YwVq4cw6pCfSvN2
+L/fbwgT4rSJyp4Wr/RU/xO4Qsbbekqe9i6bkwZiC4iKqAgtI49+yGyScd77gg1UNa+EEFh0KLHU5
+QDTPCzSBhlKAKX3vUnYpCeW1Td6iEXxNhRrI82nGXTIaPNBOfKKODw5F6JqnPo2g6Hgmyh76vXgQ
+DiNcgNEZupULfYzMmUgAl9M/vRwmm1o3LEefG7fytyT1VXT5oEuqvnM4hTT7SuDl21YWFznM9aXG
+hazHUVxLjHk7z/SLjWv7LrSJT+MmyRWWgyEY7C6LuyE3DqqSvyKkOHyQttyPcb+fHSbx5AwjduaO
+e4HZSmGaxFRMDcoQL2nDZ3pYH2IuM38RwX8q/GWV6fqUsMYjUhWrYhbcvh6ifPDjYAZInfQ+Hnrz
+qUm788Cu7tA14WkYR3ntYIRcdSZf0nztRrO8TPiCLlkS663r29cKQgwKFn4WeYaIzEAS+4gqB/pc
+m99KXgt7ILxdePqQPTKrbQ5TlttLYQCHlTlCBVVP8x6JM0NfxomrRpvurjdRplqVNZ5ZZJChN5Vn
+HVDIYZ7Ay8JnWVc4BoARC2mbu6ysX2wrlVhSsEISIGUD8BuQdTobHtuG1zLLQeRL/tYmAfSuKH9p
+bnA4ofaZJgdOG4RNVsGiOiRu9tebUXXwem+dUqftbV8TnQsaGZjP3kTHIIPAOLRlr+5nb5cL1zx/
+v/FBqiVDKI5mGAPeS6KDWT966FB5xwVHaL+XHpln6LCm11uzQtIBfZKH5dRuzk7vDb9kXmHP24Pg
+76+cdet8SPNDb9SYsuiOn8XAeoboECQak5lu2sBgK5WFz1UeEuKt42NmFuGJV2/JMnQAq0MQzcG7
+mRPKQt2V0HvoA3trXzXWylY3ih6aputsOQCoqZ/h3ItVM0b4Du183HtzYz/Sqek9XgvAzx7HNlM+
+giDFNDxMjXyTdRifapAmW9e0ig0qY8CyaLOmWWbnkWVbanjlUz8EemEO4yH02/IUqDzdKE1hOto9
+YrLswx+68TKAfX3pV6+Dulbo8w9GD0Eu7AJeNCldWl5cioEHRdnxBgz0Y6778DlssgExXYRFEtLe
+RIAlSplnE2H682j5Pr0q5fhkBS+gFD5UxeKf2TZBfAyeVZGWl0wRcwXlUoNAMZCLmKgB3NiKTjOp
+oQ8oiJytkjWrqljx/oeb26yk6wdXLNcVoITV6DjdnVcLqpfRNi44vQhu4nk+6CY98sGNKwihaIt0
+/K3zkq0jBvxVqARf457yf4yLdVRF1lHVKIv5LXU3YyVczIIRZFjQ5Ekb0xFuTVQpkdh4rh8zI1QH
+NYJ0rzsfZjYpyQO06KYX7xkJgUNn4Quwd2FDbuvY1mwXnY45G1tMwKOc2reFa3BXd+XvKSs3RaCI
+jPDLT8rDa9eM4zLNRpIwVLhqc/pSJp7Z1rLlB7s/SnFHPpCdPbIDTg8oVJByGvhvqMlxpFMtmkV6
+ksXPnBSdMGWfPbUXNkHjRscY1eCXAV3wYL51gxwYQLzmNX7LtAqvToblb/CxnQb2m/LY/fVm9zE1
+wXg0rHK68FAD5Mbng5wEnaZEVxWP+epbFPz/NdT/Jw21a4cYG/7Htwr8L5X2v+qnP4pC/+2/fxT1
+//zb8UPJImn/RUn957//U0Xte38wXw3s0LIsWyCiRsj8p4raR0Udmi4jHdPjPwzM/tvf/tJR2+4f
+FtJ9NySe18VcEvr/EFLb4g/BntwKHBTEJjpq6z8jpHZs3tM/WUgMrk445Lbn/C9OjVLo2NJazdtW
+jAJ7pW/9aBxZH8BJ93e1k3nV2hFe/B7Ay0AS0mdyYxpNc5zYRuyrOG42MP/cO/ylclUYlrku6cf3
+uU2mqhlEyKZTwR27cgW2MuBDOM1Q7S7thtZsiGx4PFU37Qvh80qsBBV4kpPDqgZ/Ow/esBUuYyNL
+i+zFnQ3jEIQhciWVdkuiPvUBV1tIgzqwVU7KYg3HuD3g7wR0USXWGws/SGKJ8IExTT2xuwm5ypsg
+deotDIFicwvCeQEe1DCaieLscxg9+44Zq2MszMivYT53gb1xjV48dVinHkaiq52FnUfMUBlHV0/z
+rMZLVhfllnEo3aR0fhWDyu4UoW5ABQEjVX5JlBOhJFSwgaefUi8Zr6SZdOd5dsTRpfS+4wSUe9Nj
+6FczcLnl8biHzJfTk86w8x4V7BTO5UnKZD1mtW7IdhLdXdk6qGQE0/MK+vnRZdfwE+IUKAyJQTZp
+wm6dEk+3CpXZflUpFwh+dhKaO8KKTacWr1NuFT8CkSPQ8/NCPoIu1R0ExrjoVho0ZbyROP1Y/9QJ
+MC4v6EjJQOWBILhzI8dAgUbt07puVixiAG8/ejEOHaI/CzEecXiXORjHZ1aRtyRroz3y/FYfgMh9
+a6nttmPKPxq7LI3EPYVHFK9irCQPPbOQO4Mpc7vuqYTujbwsWNCF8NufCzUBu4GTHJKn6SneT8Wc
+N8LwBk89RD1zxdlFV8aQTZJfg0N8MfsGyXF9zqif6ah7bIaQhoH3Jq5talYfOh01OEArhv0PyWBi
+7UT+8OzO5qtMamIFuhhKxVR7bJkV1W8OPVTy4S2eBokZvREPvqeij9DUSO90h/ZjLhI3xTKPFf3E
+MmO8uvBe2QGAy0kYk6LPmrRnneep7jZBGCWfhI6RJ9NStS0Ny4Z1krctszWcDCldVjbhyVO5TL5g
+H00fNgy2H35f2wQaNan4QpzOC0zGLkS7dpQG95o30A+qGCzGz6IvA3tF6YmpJshFVa3GHvFxyO0U
+bYThB87Vg8UBqIJ2N/6gjlWP5dhB5rRrg0uxc1UpyHrsUi4xP2l/Eype7ZnEYv3rELGgxIpLmhiD
+zfHBIukS4Wcehg/0rD3ptO0MloE8dXnvaMhFbYiBGhxGjTzcSOMP2VT6PSOS5UQMd32vwXOv87YP
+aYiL6ldeqwJb0SwFkdRDzzd9qAbrGOVJgZ0ohR3hhPjscR+GbKLy1LHv3VqX59xoSma6QEJ9uF4k
+AYejCL4SsIr+wsg6WLkGX8mVaDTNDNIlGClujWpYMG503g2I4kjCkta5g/ljojT04AfQ2UBuyMb3
+RJY96KnYvgjbBI/aoY6LUharc5+jTtKtuwbyEb9IxVZhOVnUFA5cO7a3kYTe1DDu9ftiRK8sbwjf
+nLQj0ORRwxjMnMg/6QOEB709k/rT0n7hW2x9BRsh75hUhFP8o2h1yNNgBnfVnN+ztMuWvc94pR0d
+d9NgosRm4UP3R5Pj7x3X1EuttfPp1kZ5mCti0lmzUtNU7vwEDCRZE64Kz2yusp3Ag7yyesCYdczI
+FEYaQztoAWcZolv1gBehfskH8lQhwWzreLZXtjc6F7J28iO6qfHc42cmPyidF7hT5rWNlYt43t49
+KaEhsbpD8IhB2z85WgUb1g8TjowpBnTA31xYPiKCxZyGKXijdgIthl+46f2SgV5O7IATFRc28DaR
+mMIql9ack3GLoY70o85wz2HTYj2zRWO/Tc7UMN80OvCSY3cPdEnTDPWAa0vlSl4f2rGfuKZHDDzC
+eTdZPz3PZk3sFYqICHO2Z74wviyYNo/MEBbpWMnfjK8te4ucv7wgFWWlhzplYBpbx9XanaeWyM5u
+WJp2N55Zr7MgCtGabUrPZ76V9IN/X4w2HKN29lZwXv070c7GA6h01S3GzC3u8CgMl07SMtHwRL+S
+lojcqAjj50h2qGabW8fHgKj9Ml07kXcY+OYPJqTeXmv4eF02mwISTwW1LZUdaAqQ9DEHxwKv0G3X
+0PUvQsXpphGDeR3Bhr7VE/KAKFLuPmXkw6ABu0GT2fWdSVZbuIj5J492X5V3MoCtWhYW8iuTP1u4
+9BiPTgOMc5E7lXoXaCX26C8I1GGYw2sOnmj2IXi9tSgJRXyZG/Y+C4TP6YlBgL2MW8/et1FL1dsG
+MXSSgFV3X7BsAa6FVWVOhr1XN8WnkbfJPgGUeSpqY773C3bGAAvSg/KC5hDHXfMcDVyuSibzAfZp
+vcG9hvIqqoatEUT+kwL2AFBlsBmhoIrgCEqO1W2XeydN5teqN5z1CJOW6y/1fCYcIv75X1s2/9/o
+KiRBmlLsPzQVnr9i+ZF/TB//Ugr/4x/+WQ2H4g/fNYXtUb9xWjoe7/IvT2H4B7Wu53lWGPh//cnf
+XYXeH7c6KAxDP/DAd4aU0H+3Fbp/mDAQEI+7VMvfhfLfq/brn759bJl4Oani//r130pdXKuk7NSN
+osGH/6dq2A+oxJ3AdtlSBcA1sArw5//kPmcq0wXUwt5uFOFTC9d5jYSQdXFZdU9sPoiezBI2LV1D
+lCOKHTfo4utUW4SKGqir2+4ierPYO1U736Ba7crSBnyF0CI1L+jkxjZs/4yQLzjPvf3e2qbYEriN
+kcQ8EYYbnih2nvScu3d05wZRkFl6l/RpveFbOS7Zmb+hWybkOI/9A0p6bxmAKlxmLMFQ8qXF3p9Z
+tXXd05CV8YNjJu6l1/izvArtSzj/gICU44Xj1tbu2F6GtprJBDPXrSHFU+BxmYWOB9CGhL0X4OGY
+qbuOxheDZTU1j0xC5M5XatrwobMlLtpd7Y6VAULiQ1v2eHGoAa9gc71rXIInnT35Iy9adWSamG27
+Coq6OV9m72BrNBoVINW1CXCPgrIl5T4T5p2Z9i3ivIRT+fbLRoXtFmMSFEJ3Sh47Pa65keKrJXv9
+kFY7IjeHVaDxXRiWomWW9ieCGZh1zmeFdAhASKWuHnNGqyXdlGOquAaS+r4YYJvko/nbqaI7LsoF
+Jmawf+C0YFPdYUhL9+jcUSXbzk+z9n4y4fs1tefZyexFoWoOuIxo5Js4Khhf0zInEUeAwpfmZzKx
+CvcJi5tEc8faN95zGnWLbBQ760bbasrgYZjHfDlnL2H3EM3pKg1IO+s5DCdh7CBtgAS5TTHzUTKp
+m+GgO0r9kHmQXmK9QqhbHli3MQ9JE++ev/ScAEs/VH4T3LlM5TjCAe058FAzqhDRK0w+HkrHKKVQ
+tWOg80Et3QX72WmFhxiHKY/SJlIPr206+j8yGFE0qpzhyOG0D9SSu7NbG+34m43iYhjxpDUQXclQ
+fSGvBPWiRxR8JZ6Dlj9gi2lzH06mbDf+BFwIu/1zShGyj2yCCBrbNA7UvyeqMazNTqn2tBBdjCq/
+N7B+WCRzDkQAEwWlcHSw9qzaft53BhrfLtQxQxLE0dZ4NFmxt9D30PRcKbb0ijwDNIkfQugGlCsF
+td+oJYtse+9OkFl9PUdXLH+8sbH/Zmm16QrXvxIZnRTFQ9tXIMY7i2JIzAfnH2/+/Ze4DDPmfYiQ
+PL8+llMOoDhuSDyqG7veCSs2H8Rg/cCEp9YqQurQ/56l4bw1eWzuiAEK1mZzL7reve/7itgsGdiX
+YUyRkylTnGySt/atjk6o4cr7OLA/rGTgPEODSaKW+Q4UGTVIjZ9oVthtGPew/am8kGbVJUiXbdlz
+BiBykfjde0E2FkUXx1atjfEJRxNKrNlXH6NZnMaiu8oqKh6V7Vkr9APmCa1yfmc5kMtuMfeZ7l78
+2xx/tMOEiVbe7x3yafdt3r7nleW/G43zGUaivWg1LX3PVQ9pznLFtUzrYM83bILbTTuqsnsJSftR
+8pK48a12LgnxOLhLezHbTbPAtq1XdDd8gvDhRYgdW1uCvZfdH2I9NYfi1VK3vOku790Dw2N/Pdbp
+1zcHGmoYj1+HWvNGhXZvunsP2zHVZ+StCZ5BEqRZQ6do6xpbXGsLC3ReRuHTEFpvDEgJS63tF5uA
+1K3HIG3buR04VdP9VWHexJOi5/XIpnVXRYlzGHWDwMFwQCR9//rf33z/HivdBOW1H++msCPbjnkm
+K89WLsbYVmtD+fGTlg5uHdf0ITP2qyTUzd1curxRRYxANu72WpUuOXkVT7FQa3ITPkXjeBvEQc86
+GTmyfEY0sSWeIg9pTuXn26wc1ZrVX7EjfC9YOOWkj5MrCK9IrDWriWHp2rG+m0odEgxFzDn9LxQ+
+mbUb1g6ruW16aOyQlKei/kA0N6yJsJcHKYhu06F3xUZq7vFnO+wpq1NTJpRcZlegJSx+sQBGtRnk
+R7MUw34UArnJNJ7a2BhO/o+iau+V7P27MNRfxlT4h7IrklUU+ERwwTzdZX48vfTMt1sjYKChp27j
+1WfLcGPw9dpaxLy21sUboxvxjMXZPsgu3sS5/zh1AwLOwn5WXUyLxUagyIAN2l4BDUqOYF1yEoer
+2t5HKAiN1lyxELP2jSDYNMBKv+xLH4Ejms61ZcI043aT8A0QnGuGUs6nM5ETKxou3bImDiXPquhQ
+RlWwGKvTLRVtk6XsOAoVrSpfgzrnSF/oOWBWMyOwiplKsExPF8LDTgzXRq5oRcql4obf2hyYmZmC
+d5aFu3HCEnlsEBVnHrVXVCnNxZ8H6yFBbNp0zOwVp/ra2GD9yi6M/8o/30yDi1BP+ViB3EcsRuNZ
+VXg7phKY2wSOn+71llLvSXsDGoSMjAEb9y01y7fx1Exd010j5ISdaSerMppORObEjI4HQNwB7M8o
+wfbVG350xw/tjDxyOulhXsqidJjbcVxPU/O7x/GRq5vLyw7bjVehQxs8syLgIX01YpbJWcLtB8+q
+T2SygSW470x2dH0bXJgM9Re7W+JeODKSsFf4pm+lVf2RavcpU3CQQjrVZdGr964kKoZ99RpMsIaB
+WV7jiF6/mRgrOKT6gCAkjHia8IBd2Ln/kJXlbNqUuA7GsuUdci25yNDTQXdgb1p6ah2jUNwTd9ST
+2ulg4PLaigm+f02zrNvKlMMkjUikSLNBrYjwxkMpsXE3zcYbm5MQ+X0Ip3wixWHZ4mlmcoqW0prY
+O5jclGOArR+TwLYeAYdCB7UMtkFhRPCWbhXR64Y6TxFiioSA+Ti7BTiAmARdA0iu8yfrPPX5hxGG
+ajPAZvCtqD/1dR2da5Wjy5hvBimQpFZefDnm/FFoAkrA+sAMHAMWhagONnNkEJqcddZ+Kh0UzqnF
+qIQNkVvO5tUIyluS0KhXQx8fOtzdS9nGXNBkvKMNq5ephWZMEcdXTILtL6F0vapeFEGju2luQYpL
+oz2UIPd0Gdzhdic/nk1hLud6VcLQiGXCyt52SHLEdsLcmmib+d1l9UzPnSF0bEcY4xU/9rqfMCsM
+J80ElK0nDPLMxwOVHVvccvvilmtidDULQKSEopH7kXwmpsQcjJL3yn6w3pq4AHOURPtcIp0ci9SB
+DQCumh2VGDHH6665VLJjNFb5L62b6PuR+Lmw/XHzLqO1JoM0YWjcGJhODSibNn33kZffWx2LcD00
+8b6S0jgYuYssrGY+7M1UKimx5DTAM84/MyKeB9s6Kstd4gTdjl62paQmKxQNzbOhiGerEcDvGHYv
+G9vbCUcxdU4TtSxUEHJqr+feHFj/QjPr4+rgNkT51Teqjps7X9LI9N7Uc3ptmBRy3jlkLL95eX8Z
+iCvcBGJ8ry2kVe51MqddilGbRXb/gwEYZPOsf6TEJWpTKAyyDNwhc0NHs9CdOMp6d11WnuYEV8NC
+eQ4HgOIfExX1do8btewtzLlsO83o5FU3XLV/qAfHvxDRjmSfnJ0aKuBOl5gM68RbhzhZvJb54EA7
+UFevfZWxhlbIG0T71kgIshXgXeLhnVMzQz9wzXWAOBz3S/lDYgw5IJfIq3R6TIT3WpUOGD/Fj/q/
+thH/f5UBxHyJztGDwWV7/I+AEfkfbbNOH78+MvnPXfv/9h38BQUy/7AFXThYsRsFD07b3xt4X/zh
+2hZXEvQf/ue25/r7Nsv/w/QDFk0B6yy669u/UX9igdhm8dmxy8KjE9qu6/j/mW2WRe//Lw38X+ss
+UppuWLl/atydvAPAlnVylw+oRzglb6L0MrfBkSubc8TyEFfMRFpcfaMMtsjrrMtkGtMB90TyWYey
+3wDTIMzdphJA/1AGSPJY4KsT0tTiV50WYBdnZyzJJxjBVqGqsr9MNjUvRZ2qezzrzrj004Ktte3P
+VYLuEVvQzcETI5iiYE0XFlM83NotlyoDzMpFTyZc+wAuLdqMQEx2c5vrX743hDkr7Q7lQjaYX5NM
+1I5smN65Q2BZkqQB5+1oJKRPb4qaIAwk/WQ6E9sLwmat5lJ5S11baXOwGHA9MGFt0A66qITHIiqw
+xIyM8aVpEAuaV0hGUR/d8sCitIovUNJqMnri7FebQsLdhFSv9cp2cBOscPcWAIqzzn8Yy+QW2JHa
+/WfqGmgYOKgO7JL0cx1rZ9kEiXgsEE89OUj07w2/jK9zCIt2EGa3ZMVHlnVOTlNvjuWavd8U7vzB
+SX9PFYnUmYxQslkl+8VetyQPxELLT1PnVrw1oy4Xm1x4PfYZdNxHDPf2b9LXs3WaZ3LlcghhcRwK
+1vCBYTSfIlPmaxFrlgDVUNxUhzljEE7V+LmGjkNyBuzte7785L6FX/02GAlmKC7qlqtUYd5N4354
+luTMbsjPRE5OyN0N1OGbz4G2JLWI10wZF4foXqcIG2JKNuO2JlhnFZi9C5+3GY8wMdQVxDZZMoML
+T2olbcv4gWy7O6UsLhvSvOqOm7Mo1/g/se5PCqjR0lNV8hYiRnsjokT4ixQf4Cqhd+TysCMI8lTr
+bl8hQ1ROh4MqINkProkOzjgaIUf6zNHlwi2Jpl50FlusO68J7QvB4Q0ZTVNajuBdWpDsiacM8zjM
+Pq1ywabHWZPLZqBUdGb/yyGRjrAvNr3zkjhjt6atErkFtIPAMTZFbf0+c80cMxagO4rxsbyIYYTK
+owQ8AL5VeTFg5XBr1jI2jFOSkWO0nhpibrBkpEvkXk4qNC0n3088DGC8FWW2Hf1O0trHOpyL6Avv
+aE3YXzKzE0zt2Ds3LcwQ/A9mQESV9MdnI+jY4KGXSeEM1PorR2w4blmdol0PSY1iQTVqaJZ1XA67
+Gxzc2LmejO/IpKyyda91iOIyKqD7VOP4EaZG+Ii+1N33jgXsnhLnnJZzeJoz2AWNwP5l5X606dmX
+0etlCPPJb8Hi5c4W6wB/ONLSJ6ugvd2s4GxItXM+E7PAdt9c5QgHXlaut67CsSKQr5nOATOEdTBM
+H3wxQAPoy+JfRkR8FBpuoqrqBElOg03XMTuHu5rPKbdyQhhFjYLVAWBi+f25snv5Hvui21aEFg+a
+YjZrWc22BXSDLO/BR1BTAkZqcIMozeaw70vEvD5Aoa7J1oWZjZucbMsazNLFdVC3sxlkbuN6gj1Z
+dcGJmq2bYnjLbDBTkaydTZUAkJoEkCRRO0dicc5dPuwCmVXLoQd3yEpQkXg/Zl9IkoAGZAz0bq9R
+XyXxckDMSZil/UDMK+bZYFSQNC1A+i1kTkIer7ad8rR7DFUTNYO5DemvS5c2K6jcCgujVGdlZWKF
+TgEYeTcM+8Jrxi1pP2yMWFEvWtgDx9GOrFU7W/a+EoWDUmfS5jou3N+IH55bG/tvNozYX5yLFcCn
+0s5htln8ehPW8iS4DolmRIN8tey/xhTJD2XrQrMYqafg3sdIDkCELGpRv7ah/IW+9c7zaPmDkTGA
+a+1GJQ99JJ9YZXI6OPMiT18xy28iF+Y66jPgC0n4KqQ490HZrF1eQF0w3lsI5xlr7CzIWzQPNTzL
+Fm5bFgHEZRMYbktMPCnbyKbhcA26JdLQh6YJXwfyYJBrvaMk2ElejossaX+g9z2zN13HAFp4uTOA
+wZANpzw7BmW2i2PCEqyHyPtRE5OrIS2D7oL/a1tIbL1fVnZOvGbl3iBlte4Oim8sZgtyCowDakfG
+fAMPaR9wvzrW0a1mmoMSyKPMdnjAfejG4TuQvJBQrlfXz4eFacSX25o1KOMl2aUpyGSp7orpGFcx
+62Ox1MOWFf8lC4NXEpw7NpfvImLiJBpjWrbYsx64ou+rtnxoh2ZH9Q8jPCxgXw3JCOu8PVbMbxeR
+lEdCJyHsor2mFtC/IRM8WXSHo/ue+xB16jYZl1grmGwK5jzMAK2L73AxejVfH4XxDM3Th8hVVDc9
+5+0276IKk4BFO+O2TADIdF3ZzY1M7lbDcmgJ64hUS4sXRAgpgWt9etJsjlF2E5BDzF3Cx9Bn18FK
+GQ15vEq8uNr7pvGLc4fBgcGQ1egZy/LT+1ki7tsKGpjRNScg0UNdvypwR5ih0TJw+DpKf4jOnLD3
+d8ZZ+zI+h8qlicR8Riht3Y4/57mSD06Aqsble0OBHo1H6ZTNSx8KJidw8Pp9XOnytaqkv/ZJPtpw
+ZOvbrL3EQtn188EOLLZ+XmrFR49NMYIzJ0jf08QxMSOEbUJYQJe/lNjLnqxsTvkCAhdwe5ZVNolt
+Qt1SEezZBEXXduTG8cDQUfjIQOimJWgcM/OaT103UGZ8Sw+vaQaNdG+bVksCGjjHgnHPGFY8RgUj
+92Doh6+ISOCfOaKmp87RiPo0tZ8PIrpVL1bl1K8uoNmQPn3Kfg0RXyfaH799aHLJdrIdJuN1Dhkp
+kErDdQb6MmVKb6XZwyzsLrmXTG/mZVGPtYMBa2JDCa+Ii6vKq+ohtmQwPaeFOSEyNCdlX2rG/GfU
+2O4bkMLcWfkEW1PjlPlZVpl6G2UsfzeiqM9BFFYPep6IfPHQRZHIyzHu51mwTZsoJWs05iGLJnTz
+5DP7yc4haJH0pjT09dJMBSIClPuNszL9MGt2aVCRmR0mt0jShuTFls+rXTgdcpNHvBv1Fjd/DOu4
+5WPm+EVEhWjBrG25dVrjZhjzva+J4+23PZbWCeRXTkZIQDbeJqxCEhLNdHguWofgWUziDaFtwClZ
+5/busNXCck9ejLcDhYYqsPKU7PuJ0HQZi5tjYFa3tIVkP6OTcJbWEJv39NniJUiHiFKCaAO9SAuZ
+XJmo5+8lyh616h13hjtD4KzdBLw4ylmbv8MsUMw04UqW9WBhbGH/1JQy2mZaT+8Ti4yHMG7ZkfMs
+eXvb8aPXJIYtshwwF17q2Jv309y4KBNIA7u2felukHZFHxJ6wwMGD8JdoGNx9Md4ZBeW3ScPkz9I
+wFNGZHyh6AA5gXr+pq4ZAytcJFNvX1qy0i6d09dviJjp3WOR1eeZH8RRS81M08n78lImStwrVLbd
+ArNO/+i5SB6cImf7E0wD6mDP4odqJeqKdWjcYefySUtg2raNZ50aq4kS7lgNIA8AlCTbQYNEqsJG
+vlodTyE2VqHfJ9Y9tCxYQLFKeZ9W0tFjIwgxv9gapoh0s/C+EUp9jrFVX72OkSFrMnqBbG4V90uG
+edWCkxB7bvIYVp5kaTW3z7Mr/HfQmOm0rHQ+PntOwqvGHYr4K5KNvBSRgYtP136xLHJQY+UNmTXU
+HRL/joCEtx5Kxc08Gzwajs3UqDGj+K2oJ4cXbF0zTPek8W4UTUIot6GruzpMva0MaiYNLjgytL5i
+lQeu4sROXO8OcdH0ExgJLucAk6zLZ+8in2Cm2D2F01A0EJaoqld2nARiwfd5ArdCoLk/ucOP2fG8
+jY8w6CMUXnjjJubjg8bd+cO1S/+BdS1CAtQj8TaMxXCyUBcATEmi9j5pbTx8WgnKc1SSSBlENcJy
+rbVsk4Of8plvdde20b6fwnhCABmMaLMRujxlhtaPWTyz97PnkgonJk7rYPs+BRheynbAAhV1j0ns
+c7RVDmKQVc/aSy4DHDT2UouGrOJoGtq3oUtaPFJ9iJTIdKLxkHjCrmD+oRtUFrEOQCGS7iOmAMah
+yGz7AQtzoxcq0M4A860eL3HA6YRGuXkYMBq/B5E1PAg7UTxNrjyx0KwISbMa7MbqW/RFwYSMyg9i
+1OnEtKvHItMi/kBJhFzM+paOsR5HRsZmiUSAb3FZ9i0047FHdFb1eQd6I1HUSemUWCll4MzGAKTL
+TBI7erOFzILk94B1wcHK30fPSJXEz/Ymdev5Z91ubJOy3bZ4RDnzm6liGJ+m9ToxZH7usEadVBdO
+z0bjte4puintypvP59iZyjzbFcNlnGGWWFPkowH0vmV69GcP5rd2jyYDSVn7rekb/9T33aR+YZD0
+N9M6X9Bi7ptqg2q2hF0Hlw5w7k0yCKYG9WBKgBtpXHJ61jdxoR05MJHKb82h+a0/5JEQy+gmSrzB
+ctflt1Jx+lYttt8KxvxbzRjEXSsZjM0sw7hJqTYtCtEf0bcCsg2a8a7KE/GQoU2Jl35i5WwW8hEm
+0iyGS4O3BeU6buqPKWbRwQ0YHcKsxWdexrjlgAfOu7xiD7WkLUKgWbX8fao3eVXfCk4SoX10UGli
+PPVGD7/Flbj5Voy1PbHtbN5bxZP3OX0LQ2fHih+4BUEc2FSqx5QObc3GMPjlzENzMg3F6LFp0XjO
+qT6ZGW4MWjB7eimJj9gQ5eMcOK7M17oeCXFJ3BuWFjcx6TMOXR9uNABVPaYtgCHJipw4go7dLD5G
+VTydW/vfqDuPJcmRNTu/Ch+AGINwqG0EQsvUYgPLrMqEcEiHxtPzQ9vcsZkxcsEFF1zcutbdlVmV
+EQH3X5zzHRMbgdaX8Epw5eEBn1nfMKuhVMAIeYoKoyPV2Sv2I53kTidHasPYiYymRqpP3uXwi+k8
+Wv84S8SWWOrhJWpK9yGCRzwi8dIiwniEC75uDO9T3BofCbvie2i0OaYOgG5wiD11Z+ThHRynkhC+
+TIvM48ZEMeYm9q6UuvlWs2CtV/BnEIjVOM8PWa2Jm95DgFm7UCYISO5hEHuS1aLNo75PNIRakjVG
+c5HGXC2Hq70x56ggNo0Q1pIPaZBNnq7WkTVnh2SY0zenld1PGcXeltrHuTuI8J64jqztjDbiuWxs
+Oh6nRKobpU7/XGtVRGPvIUswZ7NUOFwSUrmM1HtPKVg+PWgaPPKsQ0k9gG9wLbhNjxYTjHtPM0Vc
+o+eRO205urzYmtXRScRIpM159FZhkaY3hRxyCmw912hRO/cQ5tGS7Y0t+8nCRPQap9pw87XI/uPo
+U3sn6dj4rZu42So/pY1wcS8txU9tbbRBGG8VJh4w0rrestSpRIctEbe6FbnVg43l/JARiQxJMgr3
+0tfGA0UTXp1ZzCdNR80VJizLqF5Km/hqf7zOJa/MSnHzgNgrTP+e6G32FALAeWZFzwJm6mCosTYc
+QB5KyI/AOnFVlZphrGU2QKbiHQQA4wAqw8tl/rquQrDuNkz+A9euZ8Aki1iiAzvaS+kVj9kohleH
+67ENPKtmRZsYhf0pxTit/6diW1qFhYVFuMkFi1snhduWcEbdaoVfLsj8VG/W/08m37v/f7j2WCYX
+Mdb/2ZPx0rZf6n/c1dffn+a/DLP//Sv/fXwt/s1DkqaTa+mQoGQa/6E/cxlSwxzEbiHMf9Hu/zW/
+1v9NGEw5PAbeyOBYI/7H/Nq0/s0TQucrib0wYHKY/zfzaws+/n+WnwGvwNgg8IM4OmFH+EX+6xS7
+LVrfUR1S2zpxIB6BeF4C/7rmlcBBtxh3mRvdaIA6IX/hJDz0mf+8/I+2gW0NAnWJ/hf0Y1xp92S0
+L00F9copfSIQEd3eSJq9ub2RvbiRfjXYYMn6UqA029JFre1QT77wtlewhHlQ/9Nb8b8R1tlC/+/J
+IAvIxMGuZLMJMB3P/m8/Gjp72Y82tGv+1JmRTXMcKlx+fQISJUfPn6MgG3qLSWtnMygbd1pXpCfE
+zBY7LhPwal8xaI6hBLfVZzfFBliVrjoZ9TusYTDZDjgiXdxV3VCKF1NEbHsQFlr+hFz3oNyJSf/y
+i2y0JuAbChp/Yzp1brWWjEZWbu3ED1MWpSd3IqOiUSDSGA1witLk3NUQ/5Rhc0XhxsK28rRNSDW6
+k35ySqB9h2Iq0dKgSzd9HDQOQWjxJKfbaCBvjjJApIv5f1wwAHj+EH5URYvDnwFC0YZX5hPkGLr2
+V0lcwD6DKDAsaAESNGgaKakhz+Lg32HyKN9DaATegiUo4BNoC6igECALpgVe0C8Yg3gBGkSkFF3m
+BXLA0Mjcof2dT2HeIkCLfQy/5fQKyfxeOzRsZGOzXVxi1GuRnapSOXsMOGvcZu5x1MNw7YjssUqs
+PRqWhCGsj6/TCvSBd6xVBLXEaeSStp07oMJS/VjBzYVHLZ7s8Yeq9gohZF7lijhB3DAmKgwJ8VoS
+eZeN2PJogZJjFTFOtbxnj6EgbMme+qyBQVE2kklQrH/WvSFfWjLAdnZWvzSYSVfYepgnjEN5RIKH
++sZ50/XDoMXMByJsvmlnFluGm83aLDYmaMuqLg5OPhtB70AinvT5u+QJXA36tCX4ayeb6uR2IPrr
+BAtGHpd7vU6u1oiX1s5vY6Q/g8VZwT7WDQn5YCwumk7Ug59SuKVkJ9tRV0O9EC9gA8yt7ljfMgHr
+SIFEcI03HyflvGZGMwVwkB99FrUHSm5FjnrWH4vB3Cxda2Bim98Z6VA81wibJkLrT5EZflZwW84W
+o87V6EVonUY7vebD8Jm1iyV1rm9j6+2UJlAAKNJXaA1MWGhdn9koB+l55ELPG0uU1HOLTjI+WyRv
+rdoqfxCEG6SYbmAIk1yeyhes7Pck7W8yJcDLxjHgdc7WHATZ4SbOVBdX8WzinyUBifd/ZfcqCUzd
+vDBpJlS0yRnOUHO6NVt5/4/mKqTxsffqlggQ8IFH27ZnUIqIdz1tcKmipPHDM5SLDweK5cpvsoPh
+cIS1C5pYJtoqZNS/6q283JSFdUEUS5IlQi8iPPFSIiq0YFKVcOyxWO8d6h+dJ4eKSe0wY6whVEHB
+u1ZKnSGqXBrzMTasP5YRHh2HUYozzxdN9Bs4dTuyU/cpgJEmZoQncgGduHci1HDJy6RDaZYZEhJv
+hBneXVXYpHx+xnUEK3ZeAlejtD8U6TxtbFKFdDZKc3MqI5z2kBTBgFaBAxuvII1Opp9d1KAcsZi8
+G+heTZYEqzAXb1DdP2TjVoGtOTmoEpdVYXPEVXpJ6/lRIx1XJ/e5jODxe8SKl+HJLLw33k8OP/Mg
+dJd9ymAjvqNORnvwnCRYvk1Gd2Xlu1sw4U7knp36NcnbV8btG8MZ6ctbxA6wDXSgagDR8H6Zxb5U
+ksgPmK6zUhc7BvanZ7CvWkLtAdetMLVcseFgoz6YgpLLdPPALqo7cu590dwQjVor15w+BxbEnEbh
+iY+YAB2DVtHWWEcUUGc4IfnHVMRv2TRcFM1hybefhHl2wuGsBJNKwOiagXxXd+cNtJXdJAGvF9xJ
+WCk/UTajjnU/VRK/Gom6hb7/O03+j+bPPjNCC/hbfE5CFCFcee/OfIub7IOlmqfeyiKXa+wNeBaS
+yMaP212oOHexnjHEtboSdYN2TSf+jmjL3FUSM42FXfOtm+9Qvd+1Md97g7gzklBrYCkrmssIeONU
+rnF/UvCTxje4SKVNNkphjNGhMf96PbIxL3kjqqU7ZD2aRrREVNYJsRc4hcWOOM/5CYBivupR05Qx
+8OMcJh6ArPgHRZTYOGz10gVPZSdvQ5zi2tL6J/KItZVdaw/d3P7JW93dM2790EvQipiH1lCy9U1v
+ubsO2s3G9CICOf1ZDyJAvoHj9UdnMGtayo4o3pnLz2n4xyKFcTWThbvxW/gzRT5vunR+nCEigr4S
+G9jiA/N6OwuyPr3INiR1gadab8YH9m5s/AAzh3kjl7Fui5yr7rZ2MzKHzbjcYW7ozVYXQw+R4U9T
+pQ6jHoDDPQHsK3L2dlG9YCNt238ayqse+yR5gDUZ4obVKLMl3UAJCsrxOA5q2CAPX3PgEHgekWCA
+63Db+NMtjkAn9P0HP2R3kb4UW/Zf2aZBkLXSLfm9TPGCsPLeJgPbVEGobV90IKKVvYZWeAU1eEyt
+sPq2m08jUxcjISAyUSSz9236SYe58RrHWpH0iiJ6aA9x3vRHoewHATSO0StvITN3HpmOsTLyqeb8
+zy8EGG0S9H9M5GKYDvhd/Y6/h5Hjm0LtDBSDJTubEwQxIwPYdZ1ow64F77VSzcYW5BVjGm+wpSPf
+qxU77IZ0inWWLR8w/1b30Pa8qPhjRimncNLdi5FI6Hj0aTb5ZCZunQSG4u31baxryBIMuk/gaTXu
+tKODRJRvCuaflQLFgWBbM/ivjOwQhkMCEmaynH9XxyQmTbg0tCYQL4ytug3UT78N+VTsB1d7K008
+/HGdPUZt+aVpSMMi5yiMoiH11SWpGavnTarkjONiT6goYzzAFme9EN3azqzsbJhSBtFYGZvUy7V1
+3IUPZQ/sMXYJJMrstll3ef9kk2seDzC1WvLVUP2WDPz833hYMGZe+rSkXeCiO7FEflYRc8SZ/CfU
+jggu5yEMt9pX5nPjAkHd5zPMwI6GeB+ixJy0otklg3yUevduQpvkDBps0ovza9NNLGYJsimrGOeA
+VBRvg+j3mAOHHSrXlz41rmYkIihvFtu48bnuNeJoLEIw2/YUV4SFVr27iQasc4PePzhWCZNxFFiq
+i/QV1xPTJfdKbVHCC9iZEIy4/Uz34NAkSsaCO2yh66rCpaHl5bqHKQe8MTw4lrad8C0chmRCprag
+3RGismfPXxSXjEynP5XncK3OkinMoAeNnb971fCUMaPkaYjiTZvHJmdAveltXnK8rtkK5EO+gyie
+ZtStsouOthy+PWk7Aad2h7CDy7G0fPPJ9+oHT/QXAeb8gSGSdY2i+YWABufe0eGv7MwvDlVmVtts
+AhQDyEfJPEYDWYGGsC4tWu3FB7caDaJcXFyTsWPv5xDmHfEtu9zz4iC1x60X2ubOG+gS9A4X7eBv
+U8P9bmOKp8LVzx0D+BvCxwtcsegsCs28+ebeE0N8s/OGn6TpY5yEgInjUd/FvVMewoFAI/zWuLYn
+eqrGAOOmD8iYI2+GXZwN+obwPtKmlOedZImsve3ffAWtMykkBZDAHR64+Iu3uD5HJPeX/J+kFGhB
+VbIflOgfdSb+jxHmXLaliojhdiSog73FFuV8f0qrD+xFFuxzt75aqPO2Ea/qQ55CpyfUOt/VGGiO
+6Wj+VIwIpUm8RIeC6mrXrBARLZlBUqrxMhbxyNpBRXsQwZ/JRMoePvp//QdN5wQaUsCBk9YcoHhu
+5xyd7mRrjwA4KN3GEmu3X88nORb9hsQMAo8No9j7cn5JpmnTMGaHTBHa17Rnh+xW4UPNXPwxs1RM
+ZEhR76OyPXaeJ1kwN/caxsBzE9PZ2NUcpEY1ftieeeyxDOSiRzmu1xZ5748Wc97rOJxHxuBBn7HV
+LD2TB7EdPus5fqRE/3Jn99u0SSmPI0WUivetPKo9G8IVKdjILMwjKuifKJkoYeoK2QjCiSY+sf4m
+zCjjRWzxQU3pQH6p323ZsgE6sj5nx35Qc0Hk4uQB+mNGieICcxTVTOI8JQ4A2dYszpNRlxu30FcO
+m4m2CgdylRVcfSJNANy+xB/oeYe9po8bz2LvFE833EOppr0XMGn2ubA0og+bZ1b/moD+qhMUsIID
+ZQSyVWu8S5u6YPwUFeEmi8t4P4xiYnkF4dNN3yIXxyKeeM7j9I8bljd0Czu807zhE4HmZpFD+VNE
+48Tizda6ne/pH3akXeKk9e8N/hqQkYveeSK9pDFug4smIqrHFI7TEB3aIdvCBAoaVSVP6eAghUI3
+tUuySm2sxjLWfdWXV9npQUvk/QZbus3MIX9MZVxeWJDRNWpI8VsewsAU7IYjf/61qjLaZVDd17lh
+pVtNl99F91ancXNO+cl8o9YOMNgAvsPRcet8wzUht2bdbXi3FtQiUp+p4/f03Y3P6YBddGNrKXUU
+l0MNA3cZ4o1nbqz+JauRrRXZiKE3RY0QJY731KS9s7XSzmJ2nYo72pdNk4TJdaiaF9uY4o40vYC3
+/q6jtd3LvitxQ4Xl0Xc+UBYStDdbOgiidPaCZMAw6pYTgmIv5YXD6tiZm8H12JnHF7fANKWsmUYB
+1ew8b8BR+ivKqpuhYaNN4QRx0gdtQfhT+gOBwEVedUIhw8s2E87rtCi0I61ZFaTJuEX4V9rIiTvX
+3M/d/DPr7Uvliy/dnVad922J9o+BIXbddExTc2oLoqcWBq8H5ogRQ03uIX1DevXSLPBn61xbYpt6
+8XNIjM3aMtsHbNbX3svQm0WhAjquobtVzsMEjXnA8kvUMB1SNRBtqoB4VjmM1XTK+nVRj/PKDGV+
+9WI6PSecQK37OX3xrkfevUWaTWy8b7W72v9hhhpfWIqPa2tRnuma47BgliiiK4K0q3rDSd6uGBG7
+RLOj6oFvnbeo8Ii4af/Q25FTY7bTlj8uWnUpDJ6xpHDB1sbg1RzfSlHnx+hBU20fiB518hQ1xRY+
+GMzMrlkX7dAdgZz6p5p8mkCbwwp9WqRQk3CeYJK4eB7LZzWHK2XI714Zh9QUJL1N9kHW4j3X5JpV
+Fe6o0QT9FCHKt6ybqM/JNKpdSCb4qq+Cvp/3fgYk11PdzQ9hSNazsa2H+q3T3KPfLJXWpMPh4hBr
+w/a9/UefFVc6TIfoNfR/a+JqiALPKNodKP34IqjanQ8o4U8T6DZE2ywYBzYeKyYMQc/jDfjFXjWY
+2QPREmSu5pOaelpEeekqe9vlXNKiENgeK1j4uHn8qLgITW0HkPqH0hlBZfFER0UdTNq4s0fvOcJZ
+c04bvIGxCLfJiPNZWqZ2NtwnSARw9gv6H1qTM2WtkZsbV9gY+8p75DnsLf0cuLlSN9KgXBh8aYEA
+B4yjwOERRRICKWTmDdQKna/Di4qX/4HaSq0JgRE0w6DBB+TiLiYIY0ouE6RLJo/13bYM68zN7zF9
+4PbVk6Q9tSXbq8LIwpubjwTkTo91VBkPdeZQboXlYzzmz56f/xmp3s4+DiJIoPPz3MITVe1gvINP
+/Kg0MzqaBKytBLo/8ucsgLigpb3J2Ot8PAMWi/OmlvqhYAUUtTW6HHjlO7NQh+WjjiYx3auQlzmP
+IUT7rpGeCncWiJzqp8btfqmWM56rWj2FwKOdolYBAXzF1XaOXInuCd7kqz1MzW5CetEUmQ38hqKz
+NIc5mHv/gUcj3jBjRs9mNNaB5eLWUd5FocpcqWr+nrUxXJPlhJTXXBlW+YLniM9JC6JBw7JThBR1
+hUCMERV5hwrsl6c+OxS1FQaRgMBnzoBlcIF4k/s0kwcHDE6u4OJO3Gvyrw8c/NE0py+90/UX6Wjl
+NhwaGoE6na+CHzZI1Cw3sXIEQir9K4vb9mzoYs+dXuOKbWDP+LqGe5dMnyScbpF4I2UEukll0EUM
+ZJV0UAP2qVsrBIWqfVdW/UiJcleNP8ID9voHe8DFqKamBw1pctIqubf89AqR3sOpwwo8A7neecXD
+hKnn4iXJ0zAkZzEnwP861FtI7CQyMZme5PCcp/e4yeO9lainshwvRRNnuxSTig3YjRlKnzFeLV56
+fs9mTtij9p34aDRR/DBH3Ci8mScCVoDPj+nLwAqQg2DDH0cl00EtkGjrD0VGBT7LEc13BdKAAaJu
+tP5GgHbaqiKZA3bOrwZ2XZ2R18aB/MWIL+Y2bJaEd7zGgywJkdWqGRQuWWyImojXc54jRtprTGrO
+ZTRKTEnQR2siAYamYorSYaZJ3GQX+fnZy8SJpSBC7DkjJYPZ3mrMo9dJ5Ui4FV/rSYUYFchKxeq2
+nNKTDwu5l+6733QIgUx+cmeL9PXWRtVJGd2jQSEoabvG6Awfac8uCmRITU4JI0Wt32qz/l26Y7UW
+AmifRMNcRpAZGNlDyYTESQYQIasW8UfyNE0NDtq71/FY8CVULPkPBRIaO19D6ZCccEQxegZ2Z/Gm
+6HysyvZemZjohZN/yUQ+00crTk+qg5LIAO72snTywJtFxR9QBwhSqnUVOjv+s0smbGyte3vvyOKD
+hzPQmKLtkmJYa+bEySfPDgc7W9SbaKBNUTQTlpAA+IjAjWxGh3MasenWpN8DbjMmNjYxnDK5f5A6
+Vllr5EJaVgKj273wGt9oaT2+ASWzOcXcp5p3mVg2jJN4trRuXY6JhbLc6wnscdkEFK9arj8DacRM
+055QfR0tE26n7bfUeUb38Y/Sr7N/HKVOo9dyBn0IjyNYNsN74+ggiEKfE6iLdpUS34P52jjGIex5
+fWbid3EEafFzi3SRZaexsVvO4T4X8ATI79r5NP2puYq97tEcgdQY20iQYyZz7yHvcxoryNTsuJjE
+Mfn8bfQJvyRBhV75KgxCknzvra+ck2UB3nHpCGEc6A+cbs9N1u5aUZ2aFnyOsEB3Og2xv2Xfr7hP
+6M6hVKLhYcZLsFw4ezlYIfPYUjJukrZfSQrUrmHdP9zMJr36ZaH2oho2BINewzh5rWuGvx57rRUu
+ekyzNSo2nRF/n41P0hN/0sqg4/HPbVu9YThg1FmeXeWfOlP9uIb8KzxEzGVdPfR++ObGYhXX/V2L
+h5+6ri9cPb+9iyAPdyBpE+dq9oot5FyECIXc8SlkflJsaK6JW/FxtenxQHoKGHhoPftMK1/1iJxW
+9NAJxUrmMJ4k1i50PxEEmkGuz49KLloFlIphFaFwlw6sri4k2Q/c8irsmAdbtvHeyfAna9HwN3bv
+b43StQGoEuTQtmqrU5SWowfY2B1g1WDh74tLYvNxsupeBHWvTpr70bTdcFKuAUC6rgPfDecAKUy2
+yXLns8O3hrMVFaNn4pNux2OB1JFUPG2LkL3eTI1mHsJ4YqiRNBtnat8S3aAqx8oZmP8ouqvjTAe5
+tCvviJrERnNgQUlPzze1P/ZbjwCFVdiS0iOdKtyIGCVzXh8a2GJly2jVmGARjvQdhmYZx7jBcCAy
+qW8jjLLMwsi0TluHFEJKDhN+cu1TZhG4hdC8qvSd0UntMNgcGW4jjx7e1XIsMyjMoR6MWYTGvCee
+gkCUQx2C114g+xcjDoOxKU+W1uQfhZyfJv85TaFKomWImfj0LQhLrQ5QC1Aq5jacuC/NcBPGDCGj
+JKvHEOBiF6yzd986tCG+6agCGVnp8geT0qklnnNlv2GGQIpFWw3kZjx1pfGKeJKxW8kDWVbNfvTR
+5ssaHVASzIZqA3yeFTIG0qeMLpEnRjvXGYrfHkAkYwZnkaqiCwCex1yxHL4GZsKu4By1x37VGWMS
+TMO3WSNodKbvYgTOI4g2w1OMJwW6z6oICWkeNPFj994+8oJ58vUr1v8xwEFIwJzlmrRw1VPiR39L
+Up7vstRv8SgoskaJsgnB3raqluO08PJdYTIZidu4XndTt/JcGb32QvxCqjrR1jsXoEJbZxJMDckB
+IX6Gv2hFAbCVU0V5EebjIZLZ0SNl944Y9cvN8x3WepzIFh14bCZPc2vqO5as9XFgPAgJSnEpxdPG
+0MKz2ZfPjgr1bal7csn3IUIPqbafhFkQx8V7uHQ6lvD8VaimH26IK4MkktNTPL1zV+MPILCqpFgw
+tIH5Ip/OdY/hsNA6udEEblwMyd4RQNKSUA5/YdSSoHGVjheeutSYSdjM0+aGqgbAUxRIPauuQ6S+
+I1DdNJQgjYe/CNO9Vzk8MEbVB0bUDNaGTQWSwkncM0ovMLIkCh/rWnxlbHZWKcXHHrDKMamH6r7E
+Lsah8V5kqbOhIzPY+lIB6Tg/WxLGtn9oFuDw+syPK32b5TLmwp84plpj3CtSzxujmg+lVYhj45IQ
+Ci/jauF82pKgksTU+SiQpqvHMQxWOv+g9HbgADf1c9+79FJZwaU9etTBRDutGQ1cUIf1l4Y+H25Z
+7m/gLQYyL9prHCY4fQsUMmXJRWb1KM7hQqxqHFu91JG8xN4v+tFVZ3qvfkIoXkfheOgqdafhvEsy
+wre1GOsdBXnFpKQZxI2UufTuunQwdccqj4eFoIKCHAAtzf/4XQUJtvSrba/5R2IqkcMAipPh2BK9
+ZFEvOJuOrSVwnT9JkzmnOcRulnQ+R00o9HVmgPVC9L8qQwzG/hiSmDLHr3ZVmpspn/4WKYvAkrP8
+WNFaU3BBUPTL+MmqB347F8s69YYfPWZVgaDSCaKQJsCmfgmZS8F5Z3n3T77XWG/K1BC7Yqbp1Ano
+2cw8x+t6WJbAyz6sJrZ5neGdPSZqdMAD1iwaEME/eMVAaY/yfQF4kBqWyE2jA5uADn/JIpDw8xCz
+omNmBKY7BKkFGcNmx7ImfnGDtGLmzVVqZ/R1tSlEY/OJEnJLlIyz0r9mwRNLok3aedYF0MPMaqic
+N1VLuRnrV2HFiMfNnGkmFI+gM3R/k+dLDNU6zaIWErLLUBlBwkqyFuxHatNC9g94+NpHLFeo8l39
+uc9L/YD9DrVGzIEcm8aLFbOtFO6vO8JaHwvtoS/JJmsN/dV3pL8L+YYe7o5jOOOpkNCl80y9p3N1
+aaIkfYECT+Ba1T2pJA2PRgZMpc9qavkOK1xBFd4uZvKWm/IdaCYbYODbBlKOnaaJ+tExI+8kbPul
+dGzq8fltCUaFFXUVY/UXkg+Plf0w9WTCdYTdSftqUyKgmbUe+P+LHqNSmzzmAguaU1NeUJraWjd5
+0cuybAKTqe7oh4927d+HcKf14p2gNWT5hb8GY/IuBFadzgLmv0SrFs5wVBpUkd52D96C/l0CYVPZ
+vCfJ37Arv5LoN2qBWNNknIVyr9o0vQ/FEmwHkD9Cp8Gb/2ba/mPqExOMIQCpM02mZTx4vXFUcQ1b
+o0P6oDywe2V1SnREs1by683Vu88WnA7nV83xr8UBE7LLJUQ7/WgaymL33UBM/Zvgq1zZ/G490b0g
+VfqvkY4wuuXRBYbvk7kqYehx4XhXGqDnQa/PykcpmGRoa8en8bMpEbd2EO5Wg7qblbObITCLMvuw
+2JFj9xrKIEZtvfxbvyFT1BvuM8TQxEcx0XvkmahpA/l+K6bCPGk++MconNWl1Iv47itmTNqVTZX5
+zZaXYKVYvIYT7s8WHYifUhv1td1essEGPF2N10RLkQ3U0w6/DDtPND5PfawtcPH0s6cvXpPU7QR6
+vYAdClfdUrzBZ2PENGCQHYuNhQA/MTQ3JhQIh10GuN58ytFVjkn9ncq0fo01+z7MH3ZT65s5ncqg
+S9A7VEPZHkajQF8riI4QRsjWz2yCzJQ2M9Uqu0TJUBDVZ3wj4p/A0wPraqL+7DJbOuPuOMMYap4N
+Tp6VQcbQuq2SJkhHNI9zucS4+9OKsEotgLqjb3Dni60TeV+RWRHcaDjHkUiri1ySkNyOGcNoD2sv
+A3KBf09u+XvbR5L2VrMmzV0NzwETaRGgxN63iAiAybJ4n8qxOjpxD2Wp927zIKJd50D1yHl6sdtn
+O5M1asRkJFCOt0iG66tGvBFLR6pQApO2TWiOR7391Ez9D6x+O8BolJ7KvmYSlISBYHD42KfiNRou
+btepY4UxcGcudji/ig85Jp9ty/kdWK4drno93PJx1bFFDfD3o/pIWAEAKWF9QV534kV33pP50keQ
+xG1tptTLWfiIHJVmaNGZ1hl7t5yTa+249qV1cvlsW/UxG7N072CyjNIxeXeqX8a05BzEJGKZM5RS
+gK4sgJYuZYjek9yI9pEtdVYp9s1LOUbShQTf0Sf3BFAhJf0Ag4NGaPJiyPGi2Wrm2V+ULuNMRm1S
+6U8LyJ1mhTCoFM7xysmVexjcwQ262RU8tsOu91vj2Lk0k6Ej7kgu2lM/CbWtxwQDC6N6n6j3TUwj
+hzy3qhmrlSSdAOBHdUwqrQkbhVWUD5wsiYzLCPy2addx488fZkElJfCVXCkmSD4w6QXtIlo8dN4r
+kb3T2YzR2IvJcl8JhSz2cV2RlcOTJQkw/xxbxuCYSX76dHpoe3mUbB/Ond/Gz43XE7ekXLlzSPFC
+y10FdTwhI0kS/Ak2zLvI+e4Gvl6ppVhL0D8sv8zOuKhmH5LJe/Hj7JHCj9mHN+0HpHJr1lcvg41R
+eiKkyOgI5oRjzIg+sNMMiEgdESkc+eYqn92bE80lNgvqkHCkUIIPt5YM43AKjx9ME+g3+Ia+6w6o
+ffzuaarts2UTosWc88NZlBKT+M1oXF1TIcAwPsPRcl4Hx2InaB00u5m3jh//cMFaHSoEVbu/kPAW
+by4FCntf0HePabxY//vyL34FRja1z3NPzHPvYVzx5VPpJgzV5kOI3GZLLo6xt8MhXHuxeuBGay4j
+6I+FeVEeWLBeetaMR9G177j0STFeBIWuVz1XIiYV1UNDIgSxoW31E1n1QSuchcdDyW22/V1qpJ/E
+WnIyM+QRXQKMk2wzayfNs+i9H41VqtLIHB9pRFEGxA86wiuWl2iQEBdzveXf0eg+jAD14NGb8jxm
+RzjCgVek9tmL+4e+ak6GE76bS6Qe+Ow9nxgPoHA7rLiu2NYu0faeDw1turIZCVeDaDDnZFOBdTyy
+gAz61zrB+wrZGRYOO0QuhGw1G6yh0Ku5Jovi0QZxxdq3hceW3/DVsiRJXRYP05FLoCSYJv4hAnFX
+WTZLmJiPEDsTnQUOnq+1HcvvBm7XSsxaGcyVNgZGg1mF9SWtkpNhM+ycZKfr9dpjZEyjIs0t0Q/v
+YQqrp8IHse2q/qYDV+B2Vcm2GniGqrL/GsV2rKu3uDJRMNpYqHSxWO7ZRXYWiAelkHpLh+2UnZFt
+wF97ndnFw5x5f+q0f0WgPgztvGN77e9mqLu8viMlwISIQhn9Z22k0yaMRvpnk0V7VCDgSrm3NOJo
+afrqBz8fqMldcvPyWfxaMRNBhIzUh0pD5USNNRQmuc7vPenFiqDoun6qCHmgdGT0kNIS5h1ZbnN2
+x3w7kZXQ0RMbfIIIBTO+XL18s6qvrOR5dXLCMICWr0tgeK5FRIXTv6d2r6/tFAkFYMMtIKDAbKMP
+40ISJyMMEpsro3gaLBJq+9JCa9mqwzAZT7YevaOMGwK7+u1k0YMsIBmO3d2DQsm4MgrYiQmEgDyJ
+uNSk+1Tp6Ueb+mRu7RDQsJWq1G87VL+hqyJiwjEXTTiZDASdu24Ur0ODS883oTzpDILyiaK5sKxq
+R64J5CN2MarFCZU4nyzkfi0WE6v0fxF1JrttK1sU/SICLPacSqJ6yZKb2PGEiBO72JPFYv/1b+lO
+3uAGuEDg2BZZdZq9187YMUjf/5J+yaaMnJ5lgGrpVPSoRree2DQzsqBhWJaX9hFyM2DmY9nytSTM
+NlSiqfHZyVUeC1xDUmmpZgQ7ZIYnvKB/jSX80PS7iw4IXZeIK4F9Pheu81HDwGcEhRRjPpN//OIv
+AeFoWCZ3ZJS9W3P26harzrb4l7ESHkZP/hkb3pp+mA9e/prX0wfyWmvL87aBWshIcWk5gAexgeVr
+pUyiMUBRKPYLsV4EyX2w5c2YDz/xjW4MYqs2PoGToWz+zjLIowAQdj5HyNi45L0KLfOk30u72uZd
+P5zCYY6ylE3cbO3KuHPOXaJ/j+h1Z3e58nqQHBrNckJXhyqQZQzJ2H73rhMeZeuEfXH54rN8M9y0
+u/ba/cK94JPxWVO0duGavbO9GZB1b1j3bHLpsFXqqGMK/8pgmu5cDeGTRoKbsw63ynq+VzFbyYD0
+qZoM8pk4uy1d6hlo9qUsPAiEXsUbOd0NM5hIolmJtp3OgdE/516O+TVzo2qY5c0fS9ZFpIzlzQ+D
+eHs1Mg44o+Z1Fd66ZhH/AVHVNpi6KJdohPI4vfRu8DMlek3+2t0YZ9aVTXFbKInRXYNjGAIrP4qh
++CTUjkk9BXInkrXOC9Zey0Pjad/AjbyNEle5Zb3aQZ1tyOTZLrhNN7zy4qFjONqpG9mwo0hJK4Zt
+3lh/R9Q8hfTkfVriTd60ZAvI/p6Z3q0ApL5lzLfKs3G3NAM3JHGyVWM7zJqKowYbxUuWg5Sn03hU
+nDHF57nctFn7kzQ0U7m0VJSg1qPiSPYlcAvM18sxSWnP0/SO7uvP5A5PTnkKWLytLWYOK+sRhcso
+v1xNHC3sdyInR8foo8QgPuAi/w12/U8rnT15SfLP70jwckP8/U7+O2iD17Hl5DdAnKp0xKzPOC2F
+fJv7GTLpap8TxrdjP/MsFrZvLqmicgDUSdE5U+MjRHIlPDzGonCLaspOexPQu7SEutFaBFiS2+V9
+ivVXkt2MULzOllwwrXFSgbra2i7Jhowxe2n8zcL+v54H1AeXo1dC7ukl1lHepG8sOJJB+RMh3waL
+cnMP0eUTqyBLDH/aOgxqhzm/1aOfrtBpbol4ghzWjUhkGdRHuf0r7ibstih2tKcYZRH7vupGts9D
+b55Ni6Qjv/pIpNPyRNsNBUW5WeIHKxNz/TCEH0MeLdz7WCgefuYJKKbkk3MeNH5S8Lokf3cgm7Ny
+vSxpaANjJf9yISzLnmOY+awX4TH421npbcYCZl2F5VFrYa3522Az408kO5DExCaAwW4oqGNzVz+F
+RPK13s2RnH58jUujkHoO/kLnAAs475EJtI31WrRvIWZT0gdWYSd/2TjQjmVhY0XXiMBl2VZP8Zjd
+qHMdmKGT/e5otncs7NuG9Fe0XCgWsCMfW9U8p3YMtcTtor7U+k/Vm6h+vBZxJEcNGdjtvC0V+9Wq
+tlhmOw321DLsd4FT+Sc/mKcNZQfb+YeuBdxRzCvaEmnsJP0ne9I92YX72veSo+wm+vSk5EZtc5bf
+Zj2s+7q2kMtx5ToWkc+Vi1CXxOqtaVeg77TzS7tVsQ7CSbzY7adpZvT1IWdC2JrcGhKaOPsUtL9N
+cvcIQt17YtkBN+e8qxbrBHEzOZG0fbYJbndSA1dYju02hpbbIMdEaeRsaOtiHBa1PDON+kTis7wO
+GQ0jzDvcXTXBdJZXwaM1lboOsXXAVUSHVTZkl0APwDlb4uyZ2owMLi4W8DB4+k3KlBlibAuMnkSy
+6UXHYkHa0AzPS0aNCrg+wjpHk1O4ZKlDgGIal+TbmUXijjmHfsSqC0zFTE2X6icfmSksNMiwm8F7
++OI+4oE9iJ5IVWVUZ+Ga9YEPKLmUD3Ybh8BxKftnu0/UHh/Rq5cwmZABOLe0RE6AhwCGugvDIBxp
+wfB3rAwGmttG5GEUf+TBS5eY0BwpXlhac2n2m9CFi7T0AiRlrrde9VLNFQ76nup7YZIt0SFX9Bmh
+Pb0TvIecbUMJe/Xj8jfsFXMNO+AnsBHxmD9FnBwBD4BYeYTFJty3uyasLuiG0Cg7NshCzBXAZE+p
+OPJ4svhI6TEmZP6rru8/6D+JF2+oKFV7yQ0JhzY4T8FEQyq5AP2pQNpnOW/aOfsInHxNnebmpM1Y
+o/mF449AudG6knuF5IJTIfAFq4Pfw4K4iDD4r1yLo6fJba27nrzsTKL8yudVXPQRVurPek3vw8Qo
+AjO7neNf2ZQcm1h9BHnnopXjghT1JvgrwRLbdXwoumUzCQwXYvnj9eG2qZtvs2EM0bQ2O9A03/Wz
+I4CNPOhCPUkOghKb7AXE25BLvSwPD53kOc0LtgPEeLJl1UYGY79cuD1ppUEYDsvJbXs4XIVuGBjq
+7wmn+CYdpEPHMpZR1EnHu/RCmbsxKf6x6LJj7wAuhAFOaB9Dtx9WQAoYX6YJKbRBfGlTuA6uDfui
+HMDYAFjf8rbNEDsJxlCpeM1e6Y6CvU6R55FQE2xsw3y1mp6Fq8iQlwh5ZLaZgCtq4LYGFhq4xu3X
+sTBec1gOZ08Q+Iq+34XFSD4ggXS0KjT5bmA27/mw2FtvItAMiK/30Fp0btIe/NmJ2habR9YiuOic
+fz7Uhd8uflvW+KieobNV7H3933CziqPlq3HTE3KBBM9+mib/n+mYyWbsmr91kIy3PMi/EznIHTk5
+iCaxOZ/cAzCF9M6MZ5d3obgYiRRsaDoEqP5YbcJavKfzozI4AY3LrpWhq+toaOOCyBpzjCLel62T
+2ZyY5WYX5UmycwmAG3XWRYPnHZc8bPaNYz/z49KVtUz8a38kJVd0sMGGD5sxpzby++Sab2NuM1oy
+8PxWOScJ4oqDW0+bubj6gb+H3PYGlELP8TZrRlo1TQYTZkLQMeMl8VGkBWpce3DmokbHbzKm4Abi
+W6zzh4bVLY4O5ZysAh6pybsJVipsSnizXRzY6byGzc5SuElfJbCvlRrDd4mgravFXyqqcmvB0uoQ
+/K8nBkxc5OlJwPWOpjC5jEPn7quGxrRfhvzup+GepePzIuVnrlTCWAEl3Yw3JTGwNdU9c55M/Ugx
+4AQgpDNXOJ3YpOD4YD/rVAv/OJGEymMUjz5w76v6apXo0HFunIq7COKKwTf2j8JLonIysINB0du4
+YuP4tKPgyX65nhtgNCYrkEIsYE62tk1cEYIEqK1Swcky2TDXKAQQgGJ9MNdqcNWukvW7EQc48Kox
+3lcMfx4l7rozvucYooTEfceBgXxFFd0hSAGMIGoriSjh+n78MbB/1gnfDi7BtUPfhCybLlGnaH28
+gTytGg7WOIaQRHHrRd2EJtUNqz96BLMPsIHdSlB2q6Zr35JF12zR3J2fI/FHGym3w1j8hv5gI+/j
+p2QY8ekbKByaJVwRYbo1QvPUQDWaW//VmgkXqAtxm4Hgdh0OBVCkfgatOgFT5yTerpfFVzr/w94C
+4UtRF459glwOon3iHroS0iK5Q9+iby8Y6wo2XSX7k1E+G6MM9kqo4zChq0y3A7N9pnxhx0NGQkGe
+WHffKREBxk3EOUaZOgG6TUGhMnian/CL8wGB9t/mDD1Ddo471YNgAYu7ojz7dkE6OQ65OGwx31BE
+IZjCd2jOBuLhBHE+pNTj4z/2K9igPNaZLRvDekQQKy/E70iQWHQPPd8Dewvoy9l1SvDOclp2G6SB
+5srxgjMpovmhneGnMW5ap8VUnSmWaSf9h9bSAcDVjn8KUkS3kmQCKkhm6lQrdYe+i+CzTSDiYJug
+ei1GEGGD/WL21RFLDIHj1p/eMa79Yw4ZHK0sRQw+2fveKk1oCv1d0KYyOXxySUHkrVrPHsH0XF8d
+F6A2ahbuDoICNmhOBFWFzcdyGskCaq1f8UAuYgUMaGUaCyOIwiJ96+gu1d/ZjbPLFJvZhQEFNyvm
+iHWT3mz9GBjO9RbiCMt6armN3ePfrGYkqZ0pUxYwJlhGf34M0dz51OU8VrE6mKYDc9aiFikZNPfe
+ezfB1CUBuvHgi1DFYZtH3lwh8kW89yiprWf0nATqau4Kn8owTXeuI01EbOknYprnsO5pwIp+zf6i
+Whs9ADToMWg2g0h0JGxk5lzCVYeYWzPxD+4YtNfQjYCPaY3IMXB3XZXQiFcv0Lj/+YqFH4ByW0I1
+7nyFXqz+TKcQNLNtPrB6jCWWfotcHAZDrIx1o5S1ATxPFVQQHBpo68uu+eXV6suPRXyQCTQy4DPr
+buBJeSROdLki7qd5t+T47JpcKcBMYEya96BuX3xGhVa5PIsHcZD8oQ3QPRfNFlpds3j1Bxv/XUHu
+pi7NyBwbtYeLjAhV11GhZmPVqeYwZDrYodMH5A29EMG57J4NxUi4FeayHwBBEQFcHMnKkttC8NUD
+vwTZN5i/9BKcx8L611EMbw37YUqT+rVu4/dEWUeMfceq9c60he8QhmA8VJGKvWM6Wi85S/NMNjRk
+xS+Sf1GlfyRJo6FcLFRWBRoUI1wVNDLr1BxeFa7JZE6ek1J+zuAWV2x3n9GBv9qhH3nO9C+GO52K
+8Ii4JSSkjpVwaAxHwSoyljazwJG73FruSIu+iqKLGiY+vO/6VLVYbwgbZHXz8PJaFb/L3D06ZX8L
++bR3bMbpp0wdAgxc/CNr2BMmqPzY25CwQUWInRXUpNfVyIV8NWfbXkFWMixjipThHbukK25p3UST
+535OQ+EfCaR5chj0cC80JUX0gLDkgbqH5AqyQ6TFVtjGsey8cSNoTDbTJ/GJ96ZDNQdAKzDUXUlz
+B69vF9spuU5F+42/BU8K0cqW2fE518y6JkXiSdMwgfTng1sUb4PlbK51bM8vdfyEz6lAFGSUaytG
+iTULRmKnua8gsyomrBDqULNwZ60afFVLjeGtnk9pN9ZrRQpq6AiL7qsG3GUZb5PDTr+yPjNtPKvS
+es98noSsmBB8cNqG/bhZJtZbfrBehF9G3lgn27R2f6ch874pRUmYJWCdiZva+j4aWhYkTOsyjiDd
+biw38Q9NGBwx1uJ2MduNpqJcK3B1AH+G9+ZRb3fNiFSattplAIuMLI4vDi+Xapv+mKMF2wL5CMxM
+ndVMrrBl+i+xmxyIwxHrjgluLtw2ksYxTnpakoGXr8RphgVQnRfIAsc5GQ9QmM51GTdPNlrPXbJw
+pofJUTgy340oNzZMCC+qUw8QNwrpIKfRH5kh7WsPnriWBebIOd7BLWc+EJKiMdq1zcIr6Q6O31KY
+PE6eGisJgXxRA8ZvF1RlvWtNe58XHUUl870IieR3+crS37wzDH7iZTHOCQtY0UFoF4T/clE7ORuq
++S8nXnYe5fhn7uJkm4zttG0bO49aY0TjV43m0VfIPktpHUDdpPuxZRDlBvU5NMYbsg7Pd2ZEnUB8
+gc0s+0YREJyW9ryFz5ueO8ls0hEdaTCdt5zLHq/z47lAJzgcJ8g9+9KvfqCMtccglZfOAl1AoDEO
+bk+c6J/eFbRhUmX/hhqToZq6F6M3vw03AFw/hV+Q6nGaMk63JiV2KWLjTY2saXOWZDjfG8dd95B3
+d4k6u737CLueGAfPqHgz5M0cbIzucWyBeWHOttKSCXDf+OYaB/OxnwhxgNJzGLv2STB2Inc5eJPp
+tM2MMt6BBszWpXNG9z5eM7q2ECpCTLWSxvHyu7PYGrntUmPRAoM1peaLptDZoE9nXkIBvypdgznC
+0xw/skihjK0p/QLEkd415eCNzF5/eN7wZSbdC9W/uW+rl8YqIwYf5XZAILtKkA5Y5QhKPcbK1Vtx
+v0YWviZi5my6wxuqmu6Jr/mcOyR28G2hF+u7CoEs6XvrBCrwoaFf431CHzgylwiFQtBiUhxOlEtG
+dg9c+81b2EK4NrlPZCCs/8xm+88Wy4cdJk9xquq9N3joFmz7D+MJ9OmqSZ4fipDEmf8IfsyTik3W
+uOhaIma/e38xmLMk6atb8rMC+fy1oOLhKbduQYhCflR352FuR0yYRpnXKFrj+B/Y5mXt1t8sH0j4
+kdd+QZEVFvOwaRaU76w3r1TuKP9mmvpBkubdJLm38r13dgufg539ydCSoVyHX2myLbSLrjrOwvp0
+g4lwD8JbsfOk/gomYLXzxvnZzcbsaixbslQYsUNRA7BHFmIKK2udcqXCNuXfnQ3/VEjkcUJI4gtT
+Fpm++bB+dfwiubsdlgkIEJspo3waWYr0zN/WGJ/9N666Ye3MBUomQZYP5oFDnj1mCQ2HW+bOzgkP
+KXyAWt4d4mRWnFdXQFHAtRRKHXdWF9nkwT5vKtQ6gfmJXUk9ZUTei3xyviS7e1fpexsUhzKo5ks9
+eAbmyYqtUZbtJ6//qdXLbBJWjtggiFFeet7fcSEFlGiGb6zSzsby+nd41zeVd78rdZ46RIh3MZq8
+ECiIpibqrdQ8xV745brBpyICBJkSTyL79YSjmqqOJZ2Dd19f1RTp5qHMCJwTXufPybrFqetf4aKP
+K0v7axgXXz6yNHZwHv1K+Vb2595LUIwDPNAxvmOjcp6d2M4gUnHP5BnLWg+o0r6mkfZHEf+x52TT
+cQxyyTymMV7zgpeAPBp9JdNoXCnLURvF6mQ3BhrpWbMALG+t79xkO6Nd3JjlsASXiZ17AsI7H5A8
+sBlEhBrY3l3kbYnnfNBvMI1vutblsffc5JKwU6Adz14KuwdAXI3GHml6+9ipE8HUzvMm7aV99Jwy
+h0o1Tts08x5+k/mv7T+S3cfqBwygdZOILnc2vePa4F5KKcnHHKzvXBd/BivDeiUC+M8EkawpHrcB
+VqlVkeZ7mG0n/AO3fKAByxvAgLP1ey6JS3IwaC8etGtQH7cALKa20b57bTNEtentHd8NDm3+3DV+
+TywOCaOl7e3UZBzNiZiuPsM/jg2Kb2WJ0WkwciN7/YsI5i6aahJ+qjB9zIE+yOicLpjbrApjB83m
+HNVrhD33PCUGLyXIzbbAbIVkaHohstjZJ+CjjwX5GwZ7tMC/pR6eCkEY3SMph7QdBjWChz2x65NH
+CnziNPo8jUX+Yqnpd49veKzJhcfilknINJmvH4KoYpMhGpjY+QCR1ySBieDXOJV34SNynbJ3e8At
+mk/RXMTPRd8BE4n9beVaYudY3ZORVD8hvdiWAd9sOSeA4iY4CVvtq1F/FKYHU6N3zraBYIgawIrA
+43QwdrtnYQ79oX2aUrlc/a5yrnIU5s7H/TUPzp5pJbuMCbfRkEvxsHess6kZbyi8S5Lk2iir4gxX
+UahA4ZZvvdW85rIr72okekjq4VZWNjXMkvxzHZd3BwHebnZCB6UhE6swoQ2qcfJeByExARAa3cxi
+3g1ikvcC47wt2Cp5ZYxZTfbpuU6tedOYgjousfK9kUtER2V1/f8f2pO3ifZo56se8KFvFOdkBJSf
+ogA6FRxoQ+/mZ7sJoyTO4094tZvM8V9cVyTPcWn0J2dJvIgNLqinYi+tUjxhA2tuxpLis6K/l09I
+KIJ3LlxmjQPfGP3zdC3dh7+sC1uiVTquXVpoIqCMbwZ0Jm5X8p5kWt3J9piPg8XuOVTy3llW9pVo
+nCrZcPMI8oXpQtQuGacpGJzSFc0h/pQqJ9WnPtDMNhfPR8Pnus4pnyfc9LX1gNjJbe+hpOPzC+54
+tKxYPP1n3kYP3kd2bNyFDs2jw3uwdul8t8JQ07oMG/9EuuLIp1nbXMbg9NKZKjCr4z9DsVRXOVe3
+0AiZbRR1xeITO6hyxTZwAr1NTGM8hiPrQHYV+ZaqgJOSaFgceMQrmjBVsIjna2IYxCWjz1/5cUXq
+zlwLbhXTv4ayIzw82enJ2/ncC/8SzJvtUu41QbWo2WN9imcs8kiHr6w6uj3Bw5jg+pJEA8Yc67pC
+W9AkS4wHdtIHBHYcfPjmcfU/FoCB5x+IS9+YogLB2FrxczzRK49G7P1b7Fck/hvNaXECHtfv7J6l
+3TBIJl+BoQECWl915cuP2pV428vYfMqc5VOSP7YlOiY+zg6HCq/rNo9zhAyPTjA07Y0jUXpbgkU5
+C9Z3J2xOqir6I3W3OizFw8/CfGTXpBcrM7z7MpaHwYWMEOh4O+ec9FaS7OVEfz0OBJhxXF8eQ67N
+kNd0wzTdu0Fb9ptZByW+Qv6XvgQKxVL0+9icQ1IQLH2HtFcDuM/RGOZuNd8EN0U0VEQDzKN3VjQ0
+CdSoOhugZFX47RKl9ybLzrds6r7N+ewtCI4Ha+lPzTzgliqXc2K59t7hZICyAVyvYg6XzN8oje2T
+B/RYi+dqLOobn/RxyNFKMWXO96j1QVa7FhgsXjqOFOtiE4W+1uofA3RF8l5qnhtJQMEw2Bt/qrq1
+36fFrqT0xlZmYmFG4cxKjeiROSy2bvAwClXm3UwTxnpMtCFspNC810mijFOvu6epCdMdbEeGDmMa
+33pRbwsPWXri44xbulUNXEuh437pdXEfBAdIQaLDUafGtcjtu+4T3kevq/aVuXzIntMSEwTUpnIz
+uEUGf73kNSMG+PGL5Exh+udLGjoEY20yyEuaJQff7adTw9xCVCZsroBQSKD28dHSy2s7ddsuZH6b
+ue68LzsNZ3b8lXaGem4Y6q8zsQ9gZN4DFtH7RGs4CCiIFha8b/X4yGXibWEw4rYHgfXxwNagX5dt
+ax2JA6G2FL1/RPL3L2CMkwLpvrG45RYZzXyLhreJmjR16Hn0PhaO2tcj2pMi7dR6zB2gE0CzcTM6
+O8sJxIkpQBsv7ssAzvdpVuKeNkQkDf1vdkXh3kZqxXZ+jnEd2ds0fwiYH/FsUv9t1Bhxqjifppeu
+fbd1DuG8ZNvEw+XYlssKKoL7bPgI5kFrTlHjUXUyMqustkGmS5Xl1V0Ux5gRULOtAAK8NajlIkHS
+4MpLn+I6eQcDNq2WubQjiETn2OQza3X9E7iovRJtdVERyB5S285p6uDUjml3bhBMILJDMYkcH+p/
+WWxyMlyirKjeglLj9e98IGITbg0drEtTAPydEXtYKp/uDe71zYLWfC1U91P6qvicTHVqvIi7fjrP
+9hHztN4yCJYkPxC+Ae/LfziZkuMiwSJbMXoK3YE10rhGvMx3ztVsFAe0Mr9a7fgfXsCKxlEtVczj
+f33r1wgB6z0FeH0aW+9Bdvqb5MV0BjK8Xizu0RwqVSIfYWlOcFjANgB8d9cvFd0JCkOSCxCi3JGl
+HiTcwVUm6vfQ9JKNTSIBUpc3beHAcq3qd24ubzIoGPsY87Wwg40rnqQ2nyQkl9j09IopZQE4p/hX
+9SX1sFv0jEWqXyhaLy0xk4Fpz5thNvsdq9W118xd5Ms8mkD9YIDpELe29rle9i3htAnmeSDWwG9C
+wmgJJyOga9UIpgl6KZttCy0fUMklCWAcddnwY+v+UA3jPYjj333QusyNrbcqGz8J2HKiihFhKR+i
+AOsjz92zZCi+snVabZnjBw5udm5xCayBjfmIYK/lgauHO46Qf/wlUsWxSHO2gFhiFMN3bWTpwTO+
+gsph5Iu7AVKWpDVE2MK0SDsOCLtuIFCsbXBJMV5Mcv+19nriC4X76jwguY66lOrBQQAPhpDqKRmB
+/cymiVuI9OwVjkvrsFhgZjDlFhvR1afBZ0oRNGJHwY1fcSLkWBE1QT1Y62Np2szeoP5oB83P3F+r
+soFvo9DEz8AxWm84T9wlkIK6BBxTvBx1Zp8JXxZ7IwZ3PvDvUR7BQm0HYV+H+gy69U6K6fJuQt3x
+B3zrBLV0xMPonRomkh4Wau6WN2WXla/JUvkbFdjJH0vuOz3ismota9v73q8hy83L1Pf3hg+OEdC0
+6geLIdyIlZp6c3kKi2yKWIR1B8GFxPj5obAeHH0x4cED8MbECoCfgix2Vj6TXFrPSkCc+sZ845He
+5h2kLG++w8JA4xMjaSFBgR4sN/uG7d46p3K6Dctj35gmblTW4D/qlrTUclGE8xCmuOvZuq51jSGC
+a8W7WSiIwOcUEGKz/ltuOS7owNswfWq9rt5U1kQeRVszMAdmOSINI/Id4MQoUd6NPdqoumNizHEr
+WAiiTmpb9HHzPEww5ZBl+J0ib65jfuHXqdw3AMfW+Lv7NXTifJe2VrZqzKraTjmezVAggMKjNSo1
+4iAkIDOsqldnMv6o0jGOAbVIHmbhWYsxfXrsoqwlb54FmlGD9N9ZxeGtMlgXJ10gn4nT2cDlDPd6
+lHdzLlgHIaEmqdo6695kg0C20yodpywiKRWJJkBuFZjxLRy6EKmc1Huibn/jrCZTxeRnUqTZUsU9
+bB5M9zoMbeQicZW1BFLZS5tv8yWxEAUhaZ06L7yLLs6wOKr+2XfYTCVe4TCbEicY2R4DROw/uoUQ
+LDWa9QeHPiQW2aJSU/6VsM83xhBE6fTQCAccWZmjMQeZzVcWNyaBeajtq7okfAQ8/kYujdwPNfun
+4q7be9ktzcsU119xaiNN7b9s/ZkMxQiJETeS8CJ6G/eJiIPIGBJ1CExMW/aAjmYBnzI09XJk8PlG
+H1kdixjvV2bSzDcET1vNHwKyNrFsfnldJl4p8H9PRKgEbe2erI62iRkmCChIsPvaiZnx9K3ipce+
+RELA3gs69yQ1DgpDY7wm+HhD5hc35qhPS6CPnS6tX6UaWSy643BvSvPH8mMudVN8Lq1ifTslmAGV
+G3klIGrDtfNdUsFOZUwN8MKdmbsTv3Jos9vikhw+4WPJUpyn2vtlwpq125heOQAqVjnvzYgxgYCy
+dC0gmzDDMLcJVzDt1VmE8X600QOkSbJpczxqxPXYdNpbooHSjYHnIWN+9HAjv1kW44CqWozN5BIm
+ivoKRulFVi23sPGw9RjwUCCCrer81a7qm9MKcVCtx7kn3X2QAqDo5tGN+tOiB0JfCxtioApuFudZ
+wZxqbvvfS+9H7cxaAj0KbO+4+XCgBK7qLdqQQ9eipUM99weTJzFrAi9lmX6EEwFOEOyptM1gxbnD
+mpTYgfNI+2yO5UYKdHFthowxIM9zAP/HNIjpR5+cDR1gfnayOjLF62K53EXNV1ByfpFjC+ts9ubD
+XFr3FC3zplGeFTnUEgwaVgv612vjtTeftJIzrozLMLv9seqlS42SYE7z55eKWImotIrIzai/Zl7g
+41zQpIOyxi6TdZhGc4aeAfEgLVUDDUgBWWXsoswJEQ7YTJ6zTt3n3O2ubbtWLQvlFDG66XzmNee+
+Bwo/WKphiwedxY89IXMbEVvm889QOGSJuvzOfD3u3Sy9BP6zKIsQQlS3CkhJXhN85jyNafrZKzgU
+Cqd8ChH+OMkW8aZmkK6G5tQZtdgSh2jvJumuMxkyG1zYqCyBJPe+dJlMsWJ+MO2BytaQM2boFAdF
+8Bd3nHU1auOHJrCP8DbNHDmoPSYrYMpiNVQKBSUiq4KI45pG2XKxr6iY6IoSHXXn/5fqU9ifRB6+
+9n43H+qUVIaia0CpOBBKWTnsRPOqKrIf8PjjkOuzIfJwXa80FskdeqFvqw8whNCRWEPfXsMk/vEf
+J1VKY0mydfUy+GKglwbqVgyt9Tb0Qbwx8Qyt6BkxXvb9dM4axWIlhlcz0847KkxeMJkT7ykxJzcN
+JgmfwmdjOwCM8BwkiEolIoQZJSKtic1GiXSHsRrSYz3FO8siYmgiPXXdgmtZx07rH+1m+cMBXZ9l
+zx+Bl4MAzuiE4MavyWldTjBj4qipbYMLdhIsnmEEMPrwWXUzvrRJHnsqUrQTqkuq/cxC8D4py7jH
+BGNn2kGcgu5mVRmdiBykcadixhInKpZpyRSQI9roCBnoyoNLv5oS574IwLeJ4vwrz6QNwz4QmOCF
+H35mArT7AA8fYybaS4JhYpLyGAoPH6aCs+zMDGMZbeMwYIu9uF4exZYH7Hd6TydgVRat28pUwWs1
+lBCbu0PDTsW166deEQSAzC8w8+dyRiojYwrpxvwwxXhvGW9c3ZChRg9KZVWYxTmf2q+gBotDFQld
+/4sXmSrISiOPEHV8GXIE7/BozkK+YZkCXAjDdq0T91eo4DI4rYLtT2Pikiq+xg2NRIH5NVt8E/ki
+9NlYD1tcNYdSJ5tybve2bZ6Umf0FW5AfpfimE3JQ0PAoidaOJAE+K5ExQx1zihggIus4t2+h/2HK
+5MuFecyxjJWgTNMf28t+rPYRSTTzSw0M70q4R7OGk3sfvc+5lSdsBVGBKCiv2/QQtwIearsq/PJc
+QNLAAxcfzay8VYB72JQNlIYVe6n54aD2+Px0EW4ZoeP+o0/K7Ht+wLD+TbgARu42fJWLy46oI9Uu
+BFLXZz/C6D4eZkqwPsR+T+7dql+QXDE5avsPAsa/8KF9mXX9r0x4XVLva0zFE6puKHCcX5QlnZyC
+jTEZ306O9vPqiFIjyDwOXXcLQwM3PV+L5GkUJiUefosKydbyx7BpKthePEpKoCTypQaG2ITdK7lP
+lDr6gKT6Yi0PqgZfNQvpQ+yRZprK8Z5ZSAINHeJHli/u/9g7rx3JsTNbv8pA9+zDzU0LjHQR3mdE
++sobIk0lvfd8+vl2qaEpHczRYC4HOIBQququ7MxgMLh/s9a3GuMck8+06aj1VwAabub8kJPhFkfS
+WDB654ZNbhbarOWvl6irHyVImnVKyhyJ2adk8h8j2hJpta/6zAIxpL2AxvlI4YwBLZC3qhipzvz8
+px0/z2xkF3qRskY1H2N4bamvrUuTK99LlId+84oz+aL+3+vvHYfHv2kcqZH9HektNvnK4CpFYH1w
+ZnZuNyAtmUxefmPyqBcXvQrHvTujSueZta5pdnfY7RG+zvpn1ZCfqk28e6W+712htlNExYxsvhr0
+DK35mczd9ZfhwLlqkf06Vilq6+Ed39m5G+ORqK/4oZHuM8C/y4yF0GA33XnFXVoOb+U0nQmzQy9i
+mjuvQEFjGcapxU7k6uk79PmnCaG3Nbc/i3g42lbmAOeS/lJ35/rvOPv/Q+Bv8JMJecrzL2/+9u/8
++bMopzoKwvb/+uPfHouM//27+pp//J1//oq/naNPWBDFd/sv/9b/ohAGDlFBsO7/O4Th2n11n+HP
+up5+jxP+88v+TGAw/jA80zIRUFoGWhpJqsPws2n/+hfH+sMype5YFoJO4+//5s8EBmH/wXqWjAWD
+HAYPOj/pAQ2OyPCvfxH6H67hCsuTf2YziP9JAgNJDv8UwGDbKo3Y1h28Xjq/VSkGv8UII8nl2Vh2
+Fesn64c/diTAYAAMgs5ZpkMP7LLqxg0lxqnM5edvV+q/yEiw/5tvTUjy79/aiIWTJDp9BbZw9FXg
+CRZhzFI/8T+GSriLf/3dpPrP/f3G3n9xrU2HQS5YfVdaum2ahsHb8Pu3i33UhqwJJ8pNlmRDidwO
+H9kdPghScIJzTRAKyHkDjXlTckiguNNxNWmyyFeolNBB8EksGI4CK9PxbNvdq+jEj0h7JSTMnIPn
+aKag6zZT65wtPtmywxhDBZxNxfNk6Cc5a1d6C4aA9i6isBRkRK3/9Us09H8Og1av0fOE61qOyQ3F
+Xafe7d/eTaPOGsfuK5MajgTK2NsmfWYwnE66q9lZbL9bDXfPHDxVAnG31s5gjZmAQgopFiIsX+2W
++eWgXWRKq0okUb40fesOvYMOMLL7SK1kWeopkr43BpCkex0mKPkLlyWJOq9IVdoaRfIBUgNsQOw/
+thX8AbQkyGcBkGZEQsfuPC8CuiNLd50D5xcweTOYtu5U7fnH6I6If16NoB+nxE1hMaFmbwwPGfd3
+oYFNR8yAvRA4lbWIoVz4pBKM7rQ1rXiXygkISroDhwA0J1wDO13lvQ8Lwju5hXnwGbb/2q9sTOhf
+MXLvIjAQGO5MZt7iZGDfXGjj4q2nVTgK2u8ChDd2HkvfKdQ6u/bi0EP/2ouSAxxg3zbW+5UR2vm2
+oXZdWS5XacwlzBwhtwSk7QcXXK+d6DfGRM8xzJmUELL7KczFxkzEF8R695LHjNbgnO4YpyUPGGK3
+BHGt+VSk+y7DRlQInJ9Bnb5xCemc03KfZjn51h1c9PpnpiGrS1qVNlGDUxo8GpuRDsMxn3SUoZva
+gVBABODW0nzv0LtKmF8yToJjS0pFJKAN2PYigHlCR+ZvbNsDjBOCJBuyqGWWkAxHLOGk3pNcEOBf
+QCCmxiUeawEvRcME7je37bcx8b21NgXJykI3f0buc+tqq1CL6Q7E7sXpK4Lj0NhEEZ5JsjzXgx0F
+q14YqCmH6UF3mdFaHaNHsADciX1Sbl2jPOUdP6bOwWf2XLPCZojrZi5m9wZ5MlKiL3ecUbwQ1blC
++orE33qtihZTdSX6xYF0llti1XeNgXALFG4xhYeCNEXo5Vh2QnJVzB3I65VCKdZQowGsr2pfztss
+fRJ0ocsyhhQzZD5agKypzoSoALsqHh3wJad//ck1yYr/p4eTa3GI8yw2+ewatqOy5H//4HpBIaqy
+ncCBJ97JAPl/oGpUiQPqt3//BS4IkrDujVCw7pT35pK0qeGSgx/d9qN6NiUaFdP4FkXGeBpGkMJ2
+bo57Fe/Htjpx12kOfaZ0K9wGBZs1aPwo9+XTaChAjp8fU2yMy1IC0uHOfA/z1gI6kZ5KqN3GD9Fg
+6CBOTZGr3a+CmJZjn6B5iBwyihu6snM9sOcIhwjPTk5TbyLn+3WR/n8R8jiVP//6l/evLMpXEVi5
+6LP9vZoQHlOQ3+6n1Xv7/m8/8zZinPGe8ZXn969wev+3/yIK6s8v/Uch4qJVsx1Yv7qlE0v0j0LE
+/IMiXUew7KrSQt19f9Yhhv0HbbXjeeg0PCGEpD74sw4xxB+6Y3Pg2ChDLVd67v+kDmEFrg7g3w9o
+W0AEE7ZhWMj4dGmpeuG3wysSmgc1Z8Y9NabVYfLrgFt2hAtLVuc9Eru7wlvNSRIe8e9chWkNN8SL
+ATt8TFJgA6VPAAsqu61jGTju7XLdaLm88BjcphBCkQiN5qrtHKxtU16e8KGVm6AlMl6Qj80uJ9Uh
+z4ZyU/cwzVKTEbaFjHyVt028FaGG4mAmvkkJS2ywCNchwaPQFd2H59rw4RT7IXpO09d5nIr7RCGL
+RzjvhBjlPAf9DAzB0CF0sGB5GlP62Hnj3vdzJGIjW6159Ew2d025I72OtWDDHBimr7EEygryi+TX
+deS7xgMRlYhWRL0JNTd5sz51D0yVG3bxy5khMoRILTtWZmyfCZE1d8Q2c7IjiQ93TTO6O7yDn8b8
+nmjmuJG2B1+FxGpfhSuMNGBiH9i01Gxf33Pf0BeTn3xjrkiwrq7MDhTBkE/PaKfOkGdaustKKafE
+tdQA1kdyFUzGsxb7y7QedzoBO1OQGyzUZHAtWiSq7FSTYh7XHhrPmgRPpnWHoLGmbZXHJ2L/vCXS
+2X6JPypfAkbb5tXZaliJMf/OFgRp4Y6ycnsPove5qVDmmJ6LojukERekBptjmOwzbtRVxxzhUOO8
+Bh/ig3RFRlZTWOA27q4Y5TC8hcHVrilFJjLFxlHiie/8iWcWHJwZvWMsE0wXUf0qs/I1cOOYxQHD
+qeIjD/IfIbGQgPyHeEXnR6zWGJtnh5qfPp41oU3xSrrGB5flzgWQ+iTa4ItcQZ/gMcaAEvIhlLZu
+k0K2RBloRpcMPegiQreKIZab0HDml1zXxTGPS0g6dn52UpA2eeu8SAH/2678G1EBNwdD7xGSlNhD
++IzgZfj5XZ9GGxe09wKNa7CCGspQEwk6LqyHwZglaFgg9viGV7TqLMe5fpegAr7CKujgj5M4TkZ3
+KG1GjqFX4U9ALbFm1Dldkr57oHkUm0GKH5XphteA7W/tG94ptG04CB7zg4HKm1DF4EVfebrLTNUG
+FyaIbl4aUm9UFAGzpXB+Ih0DhVBPodA05cWdnftARvJE9RgAJmFtDE0RnQmHPMA7sNJG7td3pdVf
+Y4SkczMq6QmuVKs+1LpmHCgnOzxSeJVwJp/bXDj7eLDOPhatB/aSBN9YYls5Ut/IZBbnsGRtFyUC
+Q3eLyHV8p1XwIdj1qJ4KPTqZXFK6beJRQKrshSQt2/DZkM7aADpXY7ES8CPmVPBS5JiujEmuB3N0
+lgOJLmye2ER6feAd3SIFuBOVwwpT43iR0alOrZ5YG5FvrDDyLwjcDrpXVpuoHIdtgQsWxkIC30bX
+e1heln4YnOLYzOzDY4agRLd10YHV5JpL3Oz7Nut2WtZvKODElVAe4nJzqa3alDglLBLJZZKi2IUC
+3ht2kkUq8jODiE+MRcE+9MGOAXR8IbtnIZ3hjpuBaJiTnla7hIfzIak+UiOPN2V8isHuqXxgY9fV
+M+GyA9BFW1Cum0nJEL08pPvaztkmBT6W5dS7WuS/QqW1SPDKKc3tQEmxxAmUVk22OMBe8mqXEfbJ
+1cQ6unDVY6ezd6FL6QAjltlO0p+0Yrz5vnkpTDaDbmqvC2Hcek4D2XIlSMthz4UcxQnPwoHB4jIA
+E2GwhyUbrSBb2oQNcRJ4CU/TeIiM+wJIKTIN40QoDSi8wXEw1MZA7sF1QHh4kxEs/cGR8hqm8kHI
+Ltq3cQgdXw73bjuwGoVAj4kym8CtTUijoLziYLDu6jrlsYWbLjHFUdcr4/jrd79+acpfdGq3+Z6C
+zNixliWDrI7vyCtYBChHzrUNphVp4PDsV/dRbHlb0KsFk2OqUoe8ISMIvQenkkuP+DcntV4qkrfX
+bY7gIjTZgRNQKmgBOLXEPEyL0WewO7pDcMIWjzibbSJOnvZSGDecKNE+jkJ9g+6BNGY/GDaZ9NtD
+4HjONs2nk4jseUFZjBuCG205SuLkZDcxJCZMqS5+RnOjsKRMyf3IWJoxqj2z0pds0lsg0BUnblod
+pyTHHlMHPDx5NptFfigoRzgHiFb2iasbBdLNPMgeEHERPQ02jUQuJzeP7cRWSAO+0zMYtO8bAM9z
+/8hHCNQT2JlV64FlLwtYSLjfV7qX4nw2tBUgOVZkkcNTJHhmhLol8iZcNWIaNuFknIKgedUKOniv
+ktCSrRdADqdEFMgY7YDCt70raqRlBhzDyko+TLsplnGMT8GfPiFmmqg2EAQPL22SPOnBe4PDn6za
+OZ/u6nCMGLSLS5fan3JmPlfjKQXEeZ080o565XhgULDB/fPdA8C3ERMhtCtfLSDfqwIhBIpMZLht
+aZYK4oUUPmRmbpt3Wt+9Jdx7eDTMkuKnXHiUcosERPpisqpXrLJQgTjkcmzQcTKfyjo5Bxo+l1A/
+9oPzbhSQ9XPykxcN89aNUVoHHnqI/luYDT6qP0Vp/yjaCVJXImHcgadZ5K5TE9JgPY+4lKcJJTw2
+kQ1P9AokJpJ7D/msZhGhViTsFznKIc04aL50xLvrRvlXTVxnUA9IiyyDrTPhC24TqDPo+h4j8LJL
+D+wMRBrrw7FCbwOg+6jV4inoze2Y4DYdQ71d69nXaPqP6AGnJQs8ECqRhTS9uEhW09jrrRxiC/Pt
+vJXktwU4RaMopIVPcVXUjATcgvQ8C/omqivC0wP9R6s5EO/jzTSb+qUIETYTQ7+YEuBL3n2vh8dQ
+9x5hL7xFA2zNzFDPfv/BNFjZmaT7bNzOu7FzeTBJmrCoE/0mfQ5lCTpEdFeCC/dh4zvLJiNI25xQ
+EJmludB7+scybV5IYD4kA8JmCdt5qox7HwHyWobji+4N5cYhIzD3gMfaUT/sQIB0+HMX8VBjEUJW
+xoOaCAbjyZgnYDGSBRyEsXGhBzphnAZxfg4MhmwYUcjay6R1dvhBNIXOKjHBOiRWpQMOhDHGDm+1
+Jw0/V4/8YdFbDvJkH+V5Lo6lht/bRqU560C9Zz6wix6gfolrj4X+D2s08IdmbCXAQ9RrhtFrI4Pr
+Y0crVPvNxs2fhw8H+TtbiyZcCys5Vun8wdDy1c1wTAPV0YXx5RW++iFZAsfTc6wuCBToEdbrO8Mf
+UA7Ul2QGoBWCHCtNP9gCxXmwwvbLFeRlBhl6ptZ81IcrP/9XRiJOWjHjgMNgbzT0oQIRDYsdxNLB
+9D1BSmE+5TKsAkK7YKrJndolh96zx6UtlN/BJJUogOCEI1YL9X2Yti9WMsbbeYzvAzj+MCjX+TgQ
+bO3ZLDRQl2d1hnKHeVM6kNmhgTimYofH2kn5HFvpnem2chHX6BsTBhW6CYoyH8yQ0d/OJvSPCol8
+CN7rEmCwe+zGGVdMQZqn11M/sSTmLbMo3mgSIjBE+fzqwC9B9GXf6tr/4dQqmdGxKeREfoEYhwQ2
+hAekZ9YWKAvTBGcR41iqwwZlZ2m8kYO2t3S4+EmaHUcSyTZCd2HstFjbm8pb1mHtnbR+hMyjMNEV
+LKit7r1GKOHOchh3iHrt/dTgb4K05vWzRQmTOeskT36ODYKhtHgNe989p+NwVML7dZvFUKFZEWE1
+Qn/KuItdTjy9TJIrNbEfWmQd4YLC+k50Wa9MQwfL5oOey/p4DUxAX4VRdezNvl6R19qWM/W/i2rI
+ey099mwBEYL7jqTFnRu65jlP5NZNx3gzzLj5Wt2auJDtHp4SJVzGAyHVkDbECD6oE0VHFI1TQBMI
+Y9joDYI1ow1eFCKNXJp4Xc3FZ0PhtC0qajgAUjcRxqSvGB2OUOUj1eWHneoPJELxSMhFvcKCMgDz
+sTRC5lZxnvMq0idvYPPSCO9VCA4+e7IYzWjtQ9L32TIlZ+FQowOedco4t3JB9/j9agozpso+DHJm
+gKDEqw/4oKuCifs51ND6mHnGEevkSlFYr8qNTJ33NrTZF6quamjcjZbKq9boKQJtplWIio6eVM4I
+RNzgrqnWNoEdjUsGd0x3eDKtHVk/N0b2ls/6GQThsPCDRwkscRO6rONcBwSgdJ4gQdTbGAj2ssJZ
+GTrZuGRQ5B2azpAPZ0sfz7HTDk/myJkTsPwehnFkCdq8WHZhHVKFbg1gdTkmqJoks15w1zVDqzF1
+xBrT4Sld5A5vihl0xjlncmT74jucO32r8VjWJ7rmsgVmLCfsOVND1tVoOVvDn7yN1wSf5RwTY9lb
+/spqrX5VILO570wSFkte/swucy6S5sBSkpRKTreuYf+PpZcPa4hqNEoJGpyiosLeizedvf0i5kO9
+8qow28wWhSYY+Wk1YuSYip49fz8CgwPFVcXY3cva2nUV4nE+0fm25Jq0DPPQ5r9YRtw95OJnBO9P
+l2S0Y/XdNrgo7g0tQ/4l78Tc7CY8G2weCwQGzpkj2933gbYP7TBec9isDRsTZRlrO+Hx3sgiRl7j
+ciwNMgTGlnbRZkTguSpzA6poYqH57ONThm/Rh8/WINbYzUxOIPLhqCw6FZExdCdEa9ssx6xJnC5S
+znqAwWjTqzuMVUX8Eds9yp+6+2kCaVrNcNirFolSDZ1/pWHBC2ew+vi4hm2l9q49k1IeJb8+Zure
+78NmNSKHI4h3rDZ21pCXYjtLNlrWyi3jYhuMkPCCcfiuu2JghtIv0rmTGy8qvon5yIBWuO8UBMhi
+R0UwSIN85yYE0BZI8D1G79UTtwCk+dDRtvPJdLr5OhYwZVxM3H47P8QA8lGx6D/ruP22Lej7mue6
+6yqu+rUeBOAFA59RdeoQGquFUJqrxDx0RXppytK85sxYYye9ppVTHIRjfyRecQRoV5Ainm3dcRSb
+RjhPQJHmc90N96ZdZTsNrkeAAKkvT1aA2tBNq5MgEMjVHBMM4tQdWigCC90wGNRHs73uS+t5cvgk
+hF6/prd96gqZ/sBY6BvZaUocEi8Gd9tMMV+ZGmu9L6fjHJvfOWjfxdSY4tSb6XPv1snVT6M7p2h6
+yoCiWHcO8jQXoBI5o/Fa9oN7yNiq2yl5FxW0KBfVJ7kwAGuyaK0Tm7WYT2nvBoeKMKy7YT7YukTY
+OvT+tZqqBz2RmykO6p1P7Mkin+kO6i5da7IX65Go8lVpUveZ1QTcP9fSLSFRyapp+dQaTjE9jTXx
+Uohk2t6fv7IuuPq+o905vvut60htC5UjGUeuv62CBDKPGAg+dtJySe2XhM+x3j2DCy+Xmey9lV/I
+L8wk8cNc6mfRqhfTjca2YQjBVLx7qlKjuDhAiheR7t2XcUwvr2b4kyx3TBQ2ZLKKrUDFCkYhtIi8
+rcGL65gyI/OzGIjADLVqG9gdkFSTjiOymT1ExdStiLX0lw3cUdJeUL5qMYTieeJB3eDktTV9AYK2
+3alQyGOuVRdPo8XN3Cq55b0Fkol0ltLwrC1X6tKN2XjrRGYvSFw+jQR5HhljbgLpG1utKfj55nIN
+djg+RxgtHDQmZ5HK2yS1C4Jlfc/GcU2k5DqVzwic3SNdlrew+5HWoUQiCGRo0Uh0p82wCkxJbNhE
+FJ4suKUwb8iZ6DnTRAQ9G5rDGZ+ZR93DcQJq6JTP8a5h90ygoYbFjDaAq15QNIJFDowKsAzsrbuE
+/JCos6qLIzrIHXUjd6LNqP7dtIRgA8fR9qFS4ukAyWzoirz5MxsJ2oY0B3xOxG+DVr9QIz25RkSm
+BGMszFqccbqo4jWu63r96z/qd+VXMJTWmtCdaal7en5wrSgEEUpYRwLfYZt5FH1GR3iN1eWcWAwp
+knJftNY7Be9SDpiYe+AzaItzuaTiKACrNg7Vlp69FyPlf+JOX8PUmhR+zadjwSBoPc14GRjxkUim
+XRpZagtZPtLvTI9T1p4cH6wUbVbDFG32iFQkOElX2OKurBA9la1YJJIKBVJ7zRo3u/em5k2WBzxO
+UO07azsN81cXiw0wk33QTStMa49JO7wG5c94BlhCFWAZxakgQiAr8h8yMy/ogMCa9thLaGhtR3s0
+2MIneYQ4tVhFKn+bEL0MWm4BtGT25W2G27BIY7ICPw3nh1ZgEEG3NKLD0snkG3sNx1QE8UVjA1um
+1or8veNQmSDXoe0oJUuEpxUQPFIsJPDq6P1OvfFYa9knS1OkM7l5CxLcl6KoXiHzftBwuW5BU6F0
+z+2IykmauCJx9DNfJp43+galPzuEtIvSvGSBiiELXzNEYzyL3EdvjN67y+TSkjlcItgmNzy5CJQt
+QDdC/RwOwCWmYA6E2Sb5zkfkRUwwlhWHllK1DSL55nEOIl5aN7ex94Qyxkt3jiH/lj3V7BFY/cdE
+tmzIcJxHhvdVWd0mjKOfDSZjH7Yc3TQzr2yIPjKkW41PPvqcrDRJ0nYQdtygPipdq7MhyGKZi5Pq
+TOaJ5ohLn0UZPAnzTu+m4M4qPH1dlzQtdYgEUeBctU29p1AKvk0s82oeu4LSxkviJkL31kBQ5FPj
+Z++ezoxr4NKaSJOWFhdrCrwDTtirG/BX8bK5LM5JNaQwu/RAxIiHy89d4e/amgvj4fHvvFSNLNEM
+DuCOYcjoYu0y4mSIECPaA4BPRGNwT8up3aagzHdUxSqfBkEiJF6WmkqkmHMrL/ykRAusJIyWEjNi
+hJqPBQ9hoYSOnpI8hkr8qCkZpIkektsdO5aSSE5KLNlx8fi4Uz2bMjpEvUgAp5nQI4SHmN9IAVSC
+glfWTX/nKjkmjLOcyg+JpqHEmpaSbQ5KwJmFCWFvQ3G27WQkvp58DRQLEAWV9BPIvhKBIgcdlDAU
+CfJDVY/pUWthcQDA//YpGS4+elL5S1iKwrRVUlNHiU49JT9NG4SotZKklt5DHBbzNq4JbOnhjpk9
+pOpuSqc9AudHN5c0UIj30eEy3qqQUrDt7vUz36ti9IosVlMC2UpJZSc0s7USz7ZKRjspQW1Qat+c
+/BfmD0htlei2VPLbUglxKyXJjZQ4d1IyXdhME8uO2Tl6qbnkhJLbsIgEYIcMk/6g8NtheY2V+Ldm
+JN8rOfCILrhUAmFPSYUFHKYS+8nFzR+4FOdx1oddze6fvJd5k07fnZIdV02HoGwIOtCwcEPtRrtL
+lUxZmG81SJElFPON7PmQxd3FHszq5qJwTpTU2VOiZ4H6WVZwuWs/JG9HSaOJO6aHV3LpijakgmR6
+SFMWAtQzxJRDTchQWRtKbl0Xtkm8NbmVHVpsV4myK9TZupJpQ7G0lGy7UgLuuEXKPaPprpS4G9VL
+efSU4JuK4ENHAZ6Uj5bHYVhjo+Qs1Y5hONq3AdU4tDeo/ejIg6aRC+KYVyMvKlNSc7ZNiM6V/DyI
+keH4KNI9lOmMzI+g8HACo1mHLDJhdxH7kgcy9YTBkM5VIve85xGio3tHcfkjixiUo4c30cWnSiCv
+K6l8f+yUcN5TEvpIielrVPWWkteb6OzL5DFUsvsgQYCvo8QPlSQfg8E5VyL9yVoWSrQvlXwfK/FT
+ogT9DIB3hpL4o/UH2g2QQIn/Y1wAqJW65Yj0cA7BZeITsJVhwGrCCwEYWEOUmaAwX3RlLjCVzaDJ
+0nc9f0mU/cBVRgQdzU0TX3VlUPBFR4ChnpCmWiVIva0h2TrK0oD+1VoPIqLf1MPzmJpvhgdSscIJ
+USlLRGbMLRrD2XiWbXeok+6Yo0vdxcpKEbT1OVTmCkfZLFL8Fkyk4S8qC0apzBhEDVg7PKBEjymr
+hh5p5tFj6MXj5cfkGvpjJrNniemJiLvyvStfQ2X8SHCA1MoKMo4lJlhtOrC53M+yNkgSs5jzMWja
+F3hJMmUq8Rnurk0IZspuYjZvqffR1U6BsJet3KCVD65xE+ltwKsSKtNKpuwrhTKyOMrSAksQ1ysu
+F86jCoc5SUTKAEPaWrtoCv0JDdXF+2WSwS3T4JohZNjlGHzUlZ0mYBl7AjhzjJTVxlWmGwYx7b2l
+nlSA1b1bkdBjNakrSGrAsKMr646uTDwU6dtZ2Xq8nBnNlNfXduLCpxXiIynkj6aw6p3lIryxp9K/
+tmY1L0NcQ/jY4rWnjES1shT1ylwUCX+r656zawb/alDJ7iacSJGyJIFKQ/xBUXOdUSNZ+XABAFfc
+0/4tWmVpSpW5ycPlVNM5HiAVv0tlgFLZOpgShj2YtY1d1OldCgG7TcN8EysDVaqsVIYyVVXKXkU4
+FrY0aBKL3EqNZSgT+DwwXhc5JtdlPwOXJYSLYlkZt0Zl4RqVmStUtq5RGbxqZfXy8XxhHe+3jbKB
+2TWGMK44L3sTK6OYjWNMKusY0EL72io7Wa+MZXaDxSxXZjN09eLgZy7ZFa56EBlU0FHYs6PCpmZe
+E2Va85R9rVU+NmVoC3G22TjcXGV1C5rvKO44W5UJDseuiUmN2nBGRZfkOibFoWvOrYTaWMoeIx1a
+t72vzHUouuY7tkxEw/RY70Y8eNUvM17X3Tplz2sd+5nROEx0Zd0jn6NUVr5Amfqi7LFSJr/ORgQW
+yRb/AA7AIOZT4SpTIBo9JsbYBAV+waE4Nco+mDEDXUF1MBiiYi60lc2wxm9YK+NhryyIkzIjNjz2
+Z9yJdMHNK7Wqt5i7S6sMjB5ORqYEkLWVubHqWtIoMUPtLY5oNXPeclj17wauyEzZI7Xc8/ZeHRr7
+SJknZ3Qld/jY5mWurJU+HkvfLg+mDvjTTNed6zyaFjw3I3cfSc+7COABqw7oN80zq6EZ9giF1D02
+gi/AetEycZEU2t2nFjTRvsxEu54bBsqjE0jYNqiXOjv+wtl4U48XmNkDbRH/jARTRG0Nukuq0CLf
+BC7j+MSxT35qvWYGVm1oiXOKFwiK3puDetoQvYVBJXwrGAyaOFopFr4jF4srYXCNsry2yvxaKRus
+ofsccRynKOSVTTZShtkGifpQg/Ak+gZy2GpS1lpCstdOyXZTw3ULy5vgcmXEJW5kAzr5XOHQNZRV
+l4yGeBka0RddYLr9VS6GlLxFadyJ4GoZ3qrTy/mCM5cOf34iyfOHq1gP7iyeUBjeYwGGNYJ7OIAc
+vaA73XfVeJtAUEHrwGr8KJTtWMd/HAiMyBGO5ElZk7UALHSFbmIArqoVn2Zr8LmwI+zMs+heZPmc
+T5XzGnhwBkn+0rG88McWoFqhjNGOskj3yixdyByBjmaz8TLaZz+uw0M1lg6YY2zWtTJcu26KmKc7
+hJhFTqlOBjxGdYFwJRyr7zwdwPagWID/Yw63BoT80SdhgfGTw+SJcL62de49ZQDPPVZwlaT6Is94
+kHRFMMKBelOi7Cg5m1Oh+Q6BUtvQM1omBhQuoA0ClPkpacGGdtXwooNOlOtY2dM1fOpOdEdbRyi8
+MrCbxvBkU8IQBJ9xECgcrU8sWBSXB02RarHBj8oQzy2FranFJM/Sh2uGbR5ADjnwbWzugQ9Dq8Fc
+X+Gyj2g1XWW7t0vze4gNFNSVv8ORBwqTZzOnfNj9iIJjVc5YJ6L8jum+9YAoAIGgOMJEhyGiTP8j
+7n+UmJiaFBBA+4UGgBFQKViANrEjNKMu2USBR+QxpeE1mchhGOIv8PHOIVBbdTCCxsHugBGUEMf2
+pQibfZLx1BoyJD0yF/LJz/H2tQnRwxo9IRoAedPcnehYpUUQDO6LenrutO69R8Cxo/3INg2sBAkz
+oVLwhEFhFKypN5Yp+2ttTsdjHIf7RkEXgLqDX9D0YJODTE2czD5l3jkAlrgZFLTBJwZ3NXuPocI5
+FDqwr6DKUfDynlmRuBEseQlZPxxq9mCLrIlvpQJE5JAiSN+kYwLLBXh/28KSmBRUIhwoowYFmmgh
+TgQKPUHyO/KhaMu70C8EdApylXWUYy7uQJaYlNjZpmqhk0wKawH1nWcPoAubUc+SzFeJEyReTQqH
+USswRuJ88iqCpZUwwe7yhLjfsV5lhFSxjwKsMSjEBqC1Q6GgGy2efhgcg4JxhGX/06o9CAZDt5Lw
+OgIF7tDS+VQolIczVt0RsT2MtQkvVftTKOxHVNGBKhBIgcb2kjSg8adx8+tC1uCsDIUPIa5lutYK
+KYLHPV1tMNk0NyPERRx6Xruzkxb+xKznW7dTULehlE+//lgXCWu50UX1qmAmxgDWBM7UMmDkvJuZ
+C9kKfRKH6RZ16D6TlXNLG97SodzqCpeCs6Ha1wqhYsFScbvoxZ+VeM1xh2OvgCuTQq+4XnQbpoFW
+gdKgglV4AAfgbBKILQDGdMQ9ioOBUoq90vzhlVazIb2ZgdLMEx1pC5ZrQvOw99arPHkKus75MgKF
+pKsj7Z60DGPb0VbmVezunbYatlkCNTUoEC0PrsVIWiFoSgWjYTBKvJ0C1FgKVcMys90Znnb2EyUH
+r0VzbCpIg32Rcu+LXR7znfTc2rq+tvGh4XQKiwMwWCzgKru4CFAICob6ZyFMegKPW00viUhQkJ0u
+1oAS5G2yCUlXAqplAONRWB4aNPQRgHrweOXrsYwgfAzl1em8/ALS5iOKM/rCRp85Pjq57jRzWHY5
+bWI49COGSIEOg5SaJd0erESXkrJUCCG4gneTwgo5i9ao3VuvcEOlAg+1EIhShSKyYRI5Ck7UK0xR
+Aq+oMMP37rXT23KfKZyR75w66EYR2t4NieAUR9XGatPkA77wbTBAIgUshQ5DVN7cQWT7yQuVR5PB
+j25bh0xBlVyFV8otQEu+Qi55v+BLfBA47xP3JWbaJtbOKMsrDrISzY2j31U++icIOkXrwAuIjA4n
+E6CnxHQe1OEQKQSUCQtqUFCoDDpUNdD9RwoY1Sh0lATYv4WXPm5ZlV4jhZr6z1986FM1UTa7VIU8
+MfqY+DgDqXIUrspU4KoMgtWgUFaVglqZGnirAc6VWYXDZUQisaS7N5gqxpTQjdZsbYXIIhHtK1fQ
+rDxo+quKVHbnMLtlQ/6YDslTFYEgkc4U34iuXM/sDaBf+P21LNmVeAZiU4MVhxuKECqN3MEJPYJ1
+1be578qLp4vpUt0hBOv2EF7ucwUBmxQOzFBgMBNCWKJQYf/B0pk1x4msW/QXEcE8vNY8aSzJsv1C
+SJbNmJBAAgm//q7sc186Ok4ct6UqyPyGvdcWjJWI0ezImAcjpuGJJfkl/h9erPnnuepJoC46OhDI
+glWEBw2TjOrUNYiyhhUXY47fUI9fFhhmFk/ceQ4Y8Be0z8qAzkaDPBsM/EzsZgRyB7ca7w5stNlA
+0jKDS1ua+im2qApj8JV4UYGq4YDAZPSQG9hajmxkMvg1dkrki6ObDQyajQEyjltgbT5BotuSDXss
+wxfotgbq5hi8GynQjsG9tXDfBBNISGywIgwSzs+cr9pA4nipkW4xiBAZ3L+YfIQtQP3LqAL6EI7X
+PHc5Y/0XD1nzuYFDBxtk2tNHjsA1YNTBqltCoHVz6Tj03+q8tL+GmZobyQb9zBw/ozW7ao9KIy3g
+AcDCq8iC3sqBILJyccUG3eXnZNB5OQy9MgWVEMYNIaxAjzL0/fxS3b8Ipe2VhuZPF5T+TVQeWL6g
+r3ZdK70LlrJllxl8X2pAftog/SoD9wONUt7hTIE8BvyH304A/fWe1VwM7zplbcZTEr5kEAPL/9iB
+GRTBGZpgzSr5oQ9mPM42qEEBc9CLyT3IRlJEwgDQZgGIczchRIGe2j12k76ubnMHWOjBtKuIIyQY
+2ILk9tm6dFyD5ZzsgZB47bNBzawF0E7lvg4DRd0SwwU22EQTteZV7wnVKMu36UQ4zKeRVK2I0pi5
+jNGjwo/v9r9Z3l97g2aUek+P7bAZTDw4vw4XdpCPKXLDbW/QjqoNf3Plf41TsF5LEHVZp48uMt5X
+ol/ginU3qOp8WeVzOg4fveP7Ox0Ff9FvI56rcFyO7UURD6thTkrQkxAotUFR0slu5AScsjGYygFe
+ZW7AlaS9Bk3hf015us8q0JaiX36j2fW3WU+UgBO2TDUK5rQGiZnAxgwMJDMyuMwEbmZlAJqrRFpS
+l0A1WwVeEw2ivAYQN12D3owwMb9PBsepDJizM4jO9D9Yp8F2jqUheJJMxAeTBuWFMi8DOa2OmqLT
+skF/5gEQ0NBjCzOHAlZ8PSYsd912i/YO9Hr5GKr51dINqP82DTc1gcMbVfCArVBHfYMfrQ2INIuR
+dRk06QyjtIBVGocfXQ66dM686ewuEgutAZuST/nYrQZ1aqCnPFJGvfSYWW1PpsRfy8xLCWL/21CU
+sjlgtYicgYvBhcQIbdyP/eepSi1g7vEPnqR4W0NgjQ2KlaSIU2fgrL3BtLoG2FpAbp2oPJRBuUYG
+6rpAd40M5tUqAL76kF99CLBdP37zIfENblk8MDxL620SeO8t4NiE5xotIr03n6Nv2LLWaBBClgVP
+EO4soF9mDoZFWwKltWBtxsjt85zQRU89VcXyri3rZqGpcaty2gay8I+eId0WeK/7qGAX70/iUHvI
+z9Z760r75IDJZTT85YDNLQ0/N2QH5RuiLoJK1IQ1mwaxPqV2tgs9SPuxD4dXGSIvqj/7DgMUrauZ
+5Btub2kIvoQFgCBHwjXnBxJl5keAjm4P87cy9N8cDHAEDtg1XGCtoBetznnSEINn0MGThCGMuoer
+wXCFWer1ePpsKlVDHWbDBYpVGSWwYRIX3U1kTnmsQZn7nZpffvrwCnaELGEnizScSi84BBR2W0r0
+Pytyi8PaeH8Ld7pLgqrRY7V/qCd3i6BTXEpUFyXLH9n0lyGEj1JEPTi97h9CTXVymmG6dHWMDh0Q
+c2uIzIEDm3k0lObS8JpLQ26GrmKRZAmIKmgCQoGccn1q4JVZy3MlhbxlffDcGha0b6jQMXjoynCi
+B0OM9vKkwhNHRbwanrQ2yCZsYTcBarozzGnXaDFdw6EuAFIXhkxNoO6TtpX9Mv6oq+Uvi1bNfwKW
+9YBOgvF7e+wM53r4j3hNyeu1OibcV736jlTAjxbvyntc7sdiKcCjhNxoXJfkL2KZ1453GmjlN7Y3
+dLvCLA7dJXyYgdXvXDPeg/xZGEa3b2jdbHvkExPQ2wrI2+qooZgX3VIB96rKKAN5MuB/IwNfLO6H
+qTxg/HOoBsszwvo7I5n0VCnOQ3yOsWxZ3ObID3zWUizfSF0xzHFl6OOjgkMO6IJh9PTRrTkhZIZV
+PgMtD1bo5S0Y81R00Zls535nY8PVoM5Jlln3JfDzwlDQuXxG2mverNCLfhVMTQ7TlDcIGncTa0DS
+Uux515ttOoB1lLbuQQr3g4rpda3YenFteoao5sNmlxN3ijRYbsNtL5EZLYDc28g/iTUNNoIkXAaC
+abbvYlUfrCtQDoklb8TajzckD2gxWmrHqlrvv1cn2DmqeV+ByTeSlQqr2GMFPGnjGeI86He9tYDQ
+W8DoLUOlt/zkuED1sjP1EoCtp/Pb9n7+svx2DdNeeNa8k11+VaXE5ooFBLQzHDninGkcQb2e2lG2
+my4IoHSPGFjL6HcJRH80NP1Fx5feJxm5CD34/Ia5Hxj6vmM4/Ish8is2ntsE59HFbsXVNdx+Pptk
+G02w/FHwEQcB3t8znP/AEP9FLs9htFxbkwWg8/FaK/YSkNfBW6RfuCntl5YAgYQggYCUJ6n1RXJm
+MSJE97I01iUhfCAghICc173bWW+NmF8Xd4DQTVxBbZevHNrvJTEGwuQZCIINEgIOdOGH0ETAdiZ1
+/itad6DRflSZfBts3BSOf6edu1hEJmgCNpS1fLREKUjfviB/5gdIP4ZmfFs9B1Ks5kngUvi2u/QW
+Bu6PyOQzyEEGnM7k5haRuKwJ4vOBV+SU9S6JQibjASRzdnJN7sNsEiC0350D6cJakYyMOxaYdq27
+U9xCJlPdCHDSak5wIt4080Wd818vBTlTeJH3HgEUMZLWoZJ3P1pe6phZdzrNhNEvr/AvPwAGEdwH
+xmKcYuaLoOvyHNv3pNIzgmrf5F9UefAVjg65B3XDpMSf3F2TkpdR4/whl4v3UrK8mX20UWymNr7f
+/R6j7h6VI1WuizqEyWPizN921NwHpNJlTFwNk6cNcUbNPsCb5hLmMZClsVSXxvXgK1ro94d4H5n0
+j9KO8cX0TgOzTI7boJ6fKF5fK0JDfJMewnNwlMSJrMSKYFKGdKb9V52XJJONiBwbmuWCMJLOpJJo
+4klGTYhZGH+I5tjR0pwGk2og1vNock2GjoST3GSdIMAHLGfyTyKbPqif4mrXx6Sj0Gu5CBFNYgrR
+KV3xXJgklcpkqiwmXQUjRvkQErgSp+eS+JWh8phrmkQWSIZmC/BDq+jsENkiiW6pTYaLP1AADQ26
++5Fi1KVlLvLwIBuxVQGbNYJg3NE3M6qXCVHFZtbeSbCjwk5+oZ09TkTJ5Jn9yQbm6hAxM3t3YRJn
+ipxxrYa+gry03vkifXD14j7a7XDOKr0TMck1PRE22o9ee5Np0w9sVcmIaKhQMXWZ5JtFwZzJlvTW
+KebSGXw11JscsgsRV/zxKSJBh4B41Is15nTbBanYwqdpYz4ZnkGEQD+GogVj2hLkQDKP/Z8Aw0KB
+B092Ow3FO3ICrmcCfTTBPpFJ+OmJ+qGB5p5GMOlT2R5mkwfUlXzzCFe3aNRDDAEZmlvQobHJEapz
+BBXsmJkEkzE0d6QNIZLVZA/1hBBlmjSillii0eQT+SapyCWySBBdpCURcs3inUdETsPS5EdNzBHi
+aM7m5Xsi/mj0yUHiCO9IXnu0kaqbnKQFVhv02ee0qaBgVcFbR6RSluIfRIFVN0jLGr9DLR7+bk0K
+04xCYRvl5a+S9O7DFLqMNAPvqBSnKab2d1SGDPQEQ9hB04GFhD2NGlpkbfKfWHySBDUhtmevh+DP
+w6SBiIpyj9NwNhlSijCpdSJVKsxASYxsJjcBkVMoDXetyaCaTRoVMaJXGGFUOoBxTF5Vq5zLbBKs
+MgvFY5u1H/1EupVj05pkBzmSepXGiUdNEl7dFsu5b7KxEpOSxbtuUeVsw5D8LGq/H+3AF6Rm3FIj
+Uall6OwEoVuDSd9yTQ6XeAlMKpdHPFdsYrpMXtdskrtC5FyFMIJMhsIHdBiVtxgRbYyrEVFg1zX/
+Rk+UJ2YUZ6/P1G6YmUC1wGaZ2QNVFTVIuDY5+xrIZhC0D+WK8EunP2ZjrWhd5AVLrp/ckgbLLfwX
+OyoudmoOnwrVX0KjUyRPWN2QgNGhwo2iz+l4BhmTIHoWmHoagRhMrxZq5IKxK6jqbz8vXtQCo9QD
+DB2z8Uvem5ZVSTwxdkMrAEgSPvvAe48PMrvGlv+7DfiGMT6B3Wc219X9Vwj+biNdoqo7HvO0gP7p
+rv+EmF7FE8oRoID4nraKD1XObQrOvXtAvv0tiTwnzfLVTIBEb4OIbBE3OiJ4YSjF17IkD1oh9gyc
++WHy0EXR/SSZyct18P8GZbNhJI4gG4xoi5/IghxXiAl5Do8PzRGpySG/xWI2ZkKzzp4qNEKGG9LZ
+/DhZ1+38NGK1BEMM3BQ63YqhXEel2DUFw3CI0KUdhDsPdSp9EVt/hgykZdWvrdNMJ6THDw1Jkzx8
+wcz+2D6GJLlHHRKmOuQrio1ahpxT4nf/MYF8LyeEuD5EhC2k72ATzWSQRP50WsYFCsQ0tQxTkCG6
+pEaxvzCON6m3iNJGkndrPDLjz6r3xc6Vv7ifQnSOyNDdvqdEdcaHqucBJNK9YyfCHjez1pnstYx1
+edBv19VSPMkrb/Etq7Xa2TFiJqcKNrgKMFc3kDzSwH223emHmIJfEQlV3A2Bj9re2aAhJ+MbHnrX
+PRSR8+X7Jj9BMr5gZfoc2nN97UX27sHt5uUmhIADreYWXzwmH5NnvTfuBeXtvCVUaOZK7o8r691d
+WvHzjxFxCmhVSbQez2s0/m1xYR0Xrp6QcgjiCuVkw6amih/siZybGJh40TeX9C0T6APoqTwU5uIC
+1MFFoBv/c9LkxashpQz1ei6Uy7nskYouws/Q7gdCGUZiISCLmBNeYNEAK4jKyysrAP/ls68g8wke
+vj3JZtj7XwPbi0+yn670oxyKOSr9yIIqmgXlvrIqZ1e9QaCkbaIC6iJ172WGtjpiAlMUJMAj9qXK
+mIpdnz/I3srYK5o1pqAXBUR3K2ebNBuFCm+uZrXrUebvYN5sWjv6DJckfHKEYB1N41lgQ8mc4Jdo
+OI7GzMFrm/x1vILibvIfI1+91F+z5Xx3KsEkxZkZxtYfVIOP2gs6DI9oQyxPfdvxUlNd1W9R4XdH
+tOakIPJUEOaMQcegfdcg+lUCldqEzpjuU+mrQ8McaG2Dn+T9cZ+7OT8e19y2KqDyul6+oPFGhFsI
+/7edUhOkQfbLpkvOyJY/dfYzLPDzKJ31ZfKrAxAQQJo1C9hS0hH1mL1x8yDX77sMVTwQFodOt5Qi
+OBH58Ec1/D8ZiiAJHIl+QGqzzOTN0zxFO5+sL8csBfG3ujPvg62CcJNHIO86+ttzdAw47DdZTWEy
+pskPNwv+jckgDi1U4V7+GDL8SsWEwz3jhUgjSqwIK96YMbWRa/uewLS7pEru2VukKC0ARvt5TuKT
+mf4QUFKuz5HyeAcAZD4m7tyjtCYzFHLugV95v8waq+iaAPSI1bnl7Ly2kftcF9ySYwq9kI1KRpYa
+YrjUYdCYgvcXkYu8LvrsZ5GwkY5P9krPBy4Y/XeIG0yO2EeWRB6scP3s6+lsiynduY55g2MeSncZ
+z+1buaBHLIDu3eoMSE6QMSeDg7ApwfxYVJsPwdIQs+fi4nAddR8IQ9/4JT8CzQOySuo7uAzrOpJB
+asW0d8i6+VixNdcB9ilP3LuCYB/FkbIxw9oyV/yVuLL4EpBFRVS57F1emmQqT1nTXbEjEauQqnPn
+tnwdkk8FQh4LoamrrS1aAwTP735uA2UQety0ub7odnhOsLvsKoFrIceTvpZqPVcF0zMwn9skywDO
+hoRjuJGzb+ZpeVwralSLZlB/j2uSMpkAxN8lwYSE3Kn4anl/5mbEMptPTzWVywG/eL6DjW18Su15
+SXOGbhVQxz99yaAmHZxiP1blT5JzLaaZ3nzqWH0/1E254AvCSdIyZDp4BE7eQxgKuu7qx56yS6Ld
+PcuaVCVCpcqLRJCsm8k9D7Wz8GCoCnsdqnzMHxVlZnZwurE7A+z5F7h2fPco5qz1DhTHvosPtjf6
+mXFuuQ/lyuFTrgdo4v59jHqj1UjzvxFGhLZ4UwQ5MBshXzbpradZMAUfoIfsUBxnu0RlmGjcQh4o
+zJiRDXsHCcDbiBHkKYv1s+Nk9mvRVASZBdVftyWVdMhRFgyBgyCpYo2P1gnXIgCRVyPCcDwIR3P0
+NDdE7AjC5fbAnj6BFbj4tMZa95vODRXG07m/ViW0Shfj/LaL0+gpToAldLAh0nzIn4OR+2HE4nIc
+C/bfDImZ60djd0qy5dsqh+oSldZ2aCL/Lutwg83k6ISIs/scQGLpolLxRqJ6h4DkjnhaDzoB/sBK
+qtqXY0m2mu+c0oKt3DQG7mGGP7XPw8U+LP14SxdsPM6ICR15qL76fVzv50E8EIONpk0nFoobx9rC
+bSfXL+Pa7nUsN2iHvT/aJlJgxCDU5q57zFF9b9csce/CsvN9umK8RsRjotkasFNhiIHE79VLtGhU
+ll0XwLGgoEUxx/4+nvcrotkNd3T4UA6vuIQpRjI13QIGGxttVUgrPYQGXSGs3dyT+kZX+ly4wH3S
++GlUo73rC+pXx1AQF5PKtCyf+ZhwRSNrJdUrHBaxbYYwPtR1ex8V9XC/Bn+I3dy1QmAHnbxD684/
+mCieZO4bhzWUDClMprW1SLPEyY722WL2cemK+MTCBmvpbA4DRzAg4+5wgEcflsIlIcp9A6viY3ZG
+IwJcEnTRvBBxoek7WcxscqcrfvqmTfbTfmdFxXTXHHkwhe34us6DYnwzkmaEacNaM8414jbCOnop
+Mps+ysXRmThPNJTRRq4AmnEKoTnl4pKSLF2hnF+cVM2B+J/3sfS6K8Cs9cJkYPCc4Nq6BH4E2myZ
+4ueeHvLoDs57On24Ftri1J0xn4j+lM/fDvepOs0OXEyIkBhYrmSiePDNSnc3IghIhMuIJkYxyPgK
+/YQI/0yS/F5CrMg0jZF3sfZ4R+CcQyh3cAWW1Kpr4Z2TyWa4KSZovpbYc9CEg2ReGw/3so//OKgH
+YHNdyavqLuPMRBPbGoN4WreUWU5KOt/GOlQNaNNhnjq6RTZXecGqnHAClDZWeWA+f7Mt3M2iq1Yu
+i5LdMisT9kwPTGOqi+U4b0zP9Z7MyRcccdUhHGewJAMhJywBqa1A+i9yuhTVsi04n9DwNh8gz+uT
+37s/7Yr1s8NcukM7idtEXCsrp84K6mkHcQKtfhrss4jZBm84kQYunrIqjT4JI9lbRTkc3VVA3YWL
+cUTE1p+F4l4lw7xlQOxPr5A2n5V67WDd/ZlV+Ta43OvSsxER4xRusskAVKBSWfIgWAxtYCKpI/su
+50J9RHeAoVURdoYJTlVHNnA92Vf+cvWx7h/njqwZNucZxBTmknY3+w/5WJCk54/MyoL502f8DKQj
+nzHFRykzIQsPR1+LfSeC9zQZljdmhAQlOAM+/wWNqodflQGut1wsl76HLr3fDGEwXC2ZcYRIv3hJ
+8pgo7QVdSbZa+6SdfPJ7q7uTJ+fSCe3XBGwoKF7vTAkTPIyY1umzeGIKvnHcE3W1d2tHv1Zx9ifp
+HolUih8nn2Wbm/TNfkxzUCkBaToxL+pRWqjDPBw554JBTmk+rimmOYvnZWDLRgD3IBfcNFO0EoSW
+422lUdtaTD1ko8l8aQE5O4iJ77BzdwPSPUUe/Xs8IaDvzfYYUsijCkhHaGIBsCclpzZqf3PE9w8M
+eY3S+pTNHQl+a8/4bWTJf4sCMdx1TkO3ThFItnIxuoSAEeQaEhhl49uuJwbkQ2y1bFvL+j5FxcC2
+zHn16qBml16xapJOc1W5Wk+0DWHs6Tcq2Kc4/QvQzzo3w7A+Lv3UHLk15f+ekmDxHjw0jIQi0D+Q
+ivIkIK2QfwpRYl4zyaJUbGK4IvfZw5I8mRTSyd4TjD1dF0TX+zIqWRfFAKqDIXuaFDojEQ8WIe7S
+usg0Zwo/qzftjYdQD93WLvROhwnJzSt4RsRA2yQvhhuhkG+VbG9RUUXPjCuYg2P3zdsa5EMCk2Pg
+1x8dZGIo3PVewEXZRuzub2U9/U3zveY1IVfNh/Lm5dRXefrgzC3VTD8lG6vObhaMZizz9HuZBcgY
+scP7pObugXav2eWJclkiyzfSbNILG0XYhoW+uDiDPcMrKQUCecfsyIeVMX0ZjxerY7HPGFHmPc1Y
+jc2M+Egc+hHxFdJxUV2QRsQwKGb8Wr6Mto7OmsB4+hDg4kkVAqU29rpxXK9D+6tzk/nT6sloNZ5l
+gBOXpKPVUVNg7foyAQvZ2FDgkTc9rgx1tQYNon3v7MsZTKkIyGJFBzVGhKIs6j2N9fhkD9R6cp4H
+KJRjf2gWhliEBdPSdv3LqOLqMOXYQCaHZA/f8dEpBxbFu52vt6Z4S1s7vYFTsm5egElzScT3ogP/
+efTQCxKiDRKFmoFRErRLpyBSgtWiZQdvjUS1jExq1/blN5pA7u4gg1+On41Axb8dw9i81wyRSJnk
+6eZWQH95pn0m3nL1jxBMjmWq6TBZ9sHS0h9dMseboBp+D0Zf09sR40vWX//9V1VP3txgsx+VwPl4
+TT59Nf1mDgyt2sgh7TGw8QAZiGPn1xxj3/gX9c/eiV8LWuelw8ARsEFrqqo+Ye87FZM1MGCByjO1
+3HQupRzm5iEu2Q3BAuebx9eA2I5Q4ERiFIOVzZNisRykN+r7dtov3nLuUOATe91sBlWeCycnPXj4
+yaVcnF0WEk8dBYhw/Y+03SM6dFFVLt1TKOdPL2Ao1THLSVPFn0cdEC0hsve06dEjE2hXo9r9wu92
+JnLNPrfTkJBHGl/l0OgPApY4BIfxjb9YPg6hJ46JLJbrvPxio68vc23OtD5gbS+Ku2UoUXjC2800
++ueS04B7ugYz5FoVIrwOf50ljlM9FKSp7WRODkpVpExdRP9o9/AQbPsLfR6m/D78XSUrhB+HKwPV
+5XjM+u8AdXGITEqOSf9DRhpQQXgNEf1tZrcno/Slq6b2LUv02yohRLAp7q9wwi6yCsLLamU/LAJl
+rjn/Rob9gCt4LMV7H3nX0CearYqc69BbyeucCl4RmCGsG8dbFPWQDGTQbn3LvYLeGe4Nh7zyE+t5
+zGloWVZVYT7dOhIxNoJZP6FoHq4FNrds9T5FQmEW+0myHQacfDYQiTIyx4ya8TKX3WM8uZSjiBt3
+QVg+eMLXD9OY/y3zbDpHQ5dSOHZfs+IHQOwqHoCdUoIUuG8Vxp0LBlqiRox1NxQeyVPEnz04WYF1
+qozxrHt1dvZRQ7MXzh7QspNtzHRTOriF62BwHkuB8xh2u7+d0oDAXPrpWzPzs1ae/7LYWjx7VX5E
+2ExRGE3fyinJoR265g7bKDiycbBO6wxUT094wAWTUZ1kNcF5qHNmhMFTWaTnWFQRIRqopApUvGcy
+T/Yge/IvP+5Ba/fqX7IiKR2HMD2nloMmMSlvYfJtZaAyJ0YfD2M3/v8/cC9sA63FJZjc6Nozyj25
+nXvjePUuhDgwxW0MraoPAGlZ3UfBttsiYwgBa5MZmd5DX+xdTMl/+BshTuHqJ02peK4SSvyRX7SJ
+vQaBF5N6iegqWlr7WnkSaWNPExalPZAspkNvuLubiUmmrFHSxEviMTLsPeIiZHV0/hSOPxzsbrR/
+KgG8X9YVhxPYEJz6w6nqyYliMnv0UXQhMGhSUPoUelYnozMnwg/MYL9YRBHF0zUtAhONYHcZt8vo
+phtrXdWLqyk0S4ftM/pHuV1E80UCGLf93Dx1QVTuXZP15UrYd2zL8QLIkwM7qS7qgeHSgkVfO3fI
+szanpct02gFjmDB94/OPGBNV/KWZohm0V/rjmNrNsmx1JFFPbe3QSD2Z/Tlri6yoVJde5uQ6WnWB
+mBM5EO6c+FhOI6LdQR69BvxqJXZFtUeQSEjTRNQz1lVNtnZ1rL+IzBOnyi2ROGQrx6kNiGczDywD
+55xzSTkeXBroxQTPzct5Yil4sfPHFWvfQbvetIngmh0CJ9j6Kja0HglAykvt//0ja3znkKoczwzH
+wlZUICTshh2UFRtaUIzlqV+/lZvqN03sRsJX9Dg0+OAp7cquDi+p5D2owK+R+D4uBz6OZevK1wW6
+zC0D4/biF0JDxcz2zdpr1Ajw+qfM8H4S+bVKppwccESkfPxHlR17/Ht24SxXe3TvLQfKFgdOup2y
+4rvFqbKNktQ6rxgLtwyZyAiZXVyMY//uRe7HPPoOtliINwEOc2IZ1quXGnnZQNDqyNPLWHyaHpkV
+lhDXRHeIBjVv/VFWz//9b//9G7PZS9FMzW1RA1idMskOYpWGI9PVcBrxdJEHlKKs22sPcBOrwfnF
+CcmRSBWpT7kPGwufJfYx2V4XmESB16mrKtQ1tVnkZCpzGL2yxaDfIXFgfFlZNrmjXWzglmKQaLL6
+CUd89VT56cfsSOaXahpuoJae22aZTtg856O3auY6GdXNWsj33HPecx6Xl6nO3vsm0PhQMwaQp6mY
+5CMvtvqlh+hxqX6rIs1uyaSf6URRurb1PpuWBiHdMmNLDIKbW+b2rR7T9x7i2StFjP/KITFtG9zu
+jCzN3kkAOOrsAbW66P/EY4PRTRSf7QIjJG/x4zau4zIn6fOPwf4OOpE/pBnmjyiQnMkmhNqZftRJ
+/JF6iDP5JF5X7GWbMqRK7Cer3VM8/vTHuQRbUIo9+JcFinCon/siSJ5aWa5b8AhnhuY+4Rj8Q4+K
+mGna3OsQDqTiDVgH1x0tNeipjF4n0O24i72lPowxRAeRUDGShVU+QW4gcwSb+K7uvXtsR8F7FEw3
+bPw4ukILgVOA/w1gymHIZrT8ETMDAHgHuZAjtUanwlY/WbPR0FUV8Ci5LQlo3HUglXJYxTHNQZP/
+HMvJuoYKFrUK90BpX7BNkwXoPMZJ+Ya0GX0j10LjAWzkgizd4eZ6lXtFbPc7FH6MlLR+AB+PwFM9
+CAfNnAxZWIWXCrrXZ1v5h1pv185DnL9mgl23/Q1m5ivokUtbKdMQUoTr23AWJTkqDpk4H8qMvNi6
+kllsUSPnRZU/oSkjPILJNmRuHwKB2+zwFng7t0P50a7E3aR5/4teu3geFN0ktJ2vuJr9azAtXHNq
+vgBMHbfNyB076ZHHaDx7Y1j/KBMGzaWfzL9r1f5iarwJtHAuUSqi06TD17z2l++cMdtqjeqEhzfd
+6kLlWG07Ym8GkoARxP9mmhs9l4V8xJSKH6H1R1KTwSD0bt0AP9c0wH2sd07S6q2PbGCvnfbIRNH5
+ol9ixsnd+NSLtCOZCQSUUgRH42kLHrLwmD7qce1/iRjTXMJYmROBLWRe9V9rtqwPOrfeKCepEtBd
+vqbE+gBkzchr8/i9UkQyT9YACDJa4ubBtTBRdUXVHQZkmLvZGY4yhk4YZPqMOJcOZUKiqxodbj1I
+NTuuF/Id5yFG64iYMeytC3YjQN9DeiOOfT1VU7hecOUAPykjeVqsuLjBR3qKRXtQFDzfYxV9qQAw
+ATLQYBclqDonxnH78BuNHglYBcFcg2c9o467i0p7e5oobHVzcemYJCAQw5s2VszN0o6muezUeulr
++en6gFDRG+Lada5j29R3q7z3qSoeB2eAeeZUy95VpZnL9m9EDR2FBiJSeObXJ2CdNBVLdiSBBryN
+gun8Jibep1efc9J9LPBLQow57fTP98FQDkvLtA32Bsu3hFWl8F/Nic3uE9cYXKhly/X/XyccnwFo
+LSp8SazZvtoz8qlkYh9ftIn7TL5bBGv0ZZDJZWmYjk7cRb+cZNkCRMtuS+pJSj7EmzIq22uLC2Oz
+DvkbH3D4xN2gsRsN+WlWRbEDI4Lfp5OHKenEmxZ8Jk1Z3GIFCVYlFRsPoojjecUsFRL+B1bOqZRz
+J44PfMSKxNtJ1Ae21HPHwDubG/W/Qk0soroFw3NcQ+0r4kCj/JQvbd/4uyUO5rci56vpeWb3SQMj
+kZUgxUAbpteFmK6taljGiVLrQ46y+cCgssO2niG9TmZo6wV28KFpiqOjHofKggC7ipEbMSwumcj/
+VPPFdYNhy5mNojrkmVLhRWPl39HbhEggbXnpGBOWHX/UsT0iM2l/dg4ZUDhCEB/1OWaCooOe4sF9
+7xN6mwyHa0UIqdsjmVmHbL31oPjEqyrRVsgGW2iTIlKeUMPrHhOlmxDq19CAMenLCo61nD6ZI1FX
+vUWNj0ePL+NnhXbb9yIgF0UeXZgev1dD3N1RhFE4LKk6inGmQZ/CS+v28HrCp0V7KMNK6wUAbH4k
+OFdTazX6Ql1wytPFOcoSIw9VBbPpRafX1aqvbgIRoTOhTSoNm5MzJ+WlK21xRIMDYaInCzDC29Y0
+4yFoquwceNl7XtfwAhmf7yRqvZVS/Ba4wQrshpatCPzs6HQLhwb9vgy7G0T7iyXRMC4W22jCDV7t
+uNgvq5fcijYik8xpBC9Qf3bLVZ/9wUI+tGbNQaVjtykDWd36DNBTUz2DxxMvydQZylwVHcZ6/gym
+MXzOM9IzRhOF1HeW3hc8Em9OMCHG7ZDJd0VNOqHMog3+UVxkhdIbT1XOCY002pYwM1N4OWxxrlCK
+swHei2Do2Td3oCsydC2zRbiWXff2p5weMiEe8/IH6c7tYfDslx4v/8aOxvkAR5SYd/xOxGaIv75A
+Vx/HyQKhbh5YSM2/NbVBhajVrijx2uGDRlWevUpa2ykej3ICljlgF2sgqwnZL5uOnQAYkznazdW4
+nMMgOQnp1Gc7+smghSt0Tg5YltiLCnG23eJPha5lkH3LnCUv74JPLgFj8lih55ND9AAF55kkkmbr
+Tco92wA+pOt4DLVB/i25m150lz6Ogllnx+4FuwTJmCNFl801+hDk8Mrr4c9YIoKPryVru5aekr1r
+3rHcFKRn3IAw+2zvE/fQwj5+TnrpQFggUI/m8vR/7J3HluzadWX/pfqg4A5MjSo1EEB4mxnpooOR
+5ia89/j6mmBpSBTVkNhng3zke+/em5kRcbDP2mvN5Ycd7d9YXgRJ9l2J2Q/nPFkCSQdI2Pu15dlm
+5a/zsOYYkcnD2zKxg9rEGQt4JiL8b+YtVk06kL2ZTKAjZRAecCp8lK2/Yk1tebHiS6tAJNO1Mc2V
+ZZvBVR2z0g3Z+qJ/R2u1moa7H0CjzC31W5vgZBDNh7ZpJOtCiJDoUxa5ZjOBykwa8V7kQ76fK/0X
+k5qyBsqKr9CS5XebYJRrpE2z06zx0LdG/IS89WymJNunsChc4qntNlJSSsd9+To37achUQBitLXY
+keyhEXVEaMyz5C43z3zala1Z4UMFP70aQ0rjpk7BVxcoBGC1vvOGWERvurzBcDrvhiZ6h0G+bRQJ
+3lxZbYim4bCzwtlNF/Nggg+P3HhYsVlXeL1WWhY8xc3EZMGW0Wg9gwA/xWEV1goMOWBeA7fF3w+k
+qkgYXVj44AccMuDw4PEQnOvalmgSZ38RS8qzbPnRwbb5Hg28RF1a4SWQ04M+QeAMNZtgTQQ2rh2Z
+AcvkrA3Zy4AFquZkdYrBf29EoLlJk3jy8nmRWDcILX70ci45uoiIetTfFbVBnhyhCFZVuO5irEOJ
+jwvRBGDlomZSwabz1QMaeSECjM1vjrYArphH7KK9asJ/lUN/xOGV1deeBg5g7h76j7TG9VGuLUWs
+Uxi82BRrYOlxDUFYfy78moRlIJnUPPJfeh2X6GkktCtOu7PNim5jdPWvlE/twap5eCeNepwM/zOs
+YmLcc1dtMN28JQrYsCD1IZw0+WmQ2EmqIUVoXYauZKvTue4MKt8l+XnKW1KPBe/1IZz2ac0NnxzE
+cWyyV6mMUqefgk2QstiC2ILWE0ovjem3SHZkWKAewV2MZH1FgL+8FqbGRzH118GoyV6WqqZXW4l5
+CWQhnJCcGl3OJhf5srXYzXzFndVeW9q7OfIJXyiYNxwCUZ5E3T3X8qNdV+2m8i3cpnOVUd2tf6Ra
+GR6BkD2bpYbnPe6fCZV+53x+5FGrT7yvorrCN03/prxkpwe2KSiDBMZqsG5YrPXzXAET/+v/GqPD
+PytJ/los8t9VksgKtjLtv2klyaOyq/9Tk8m//7L/30hi67ScaTJ2KJ0sIj5wOruGP0s1mq3+hWIR
+0xbEUtWl/+RvKknEXwxbNlVb0RVVE5r4j2o0VfsL2TdZ8Dtq1KZpmvGPVJKowuS3+ptKEku3bNx3
+hqGosgZKyDT/rjOMgFheSnJibzsLdxg3I26S5q4Z2lck2bNrI2dP+Eh9qDtx9wUHUfEZLEGy/ioD
+oyxzl9hy87i35h+m70r6SPBYAk3xTANwnkI3JVClkQJlOgeCBazGTvU5itPPVFOsXZK/+VJ5BzQV
+CMCa2cQfZ+aqtakHNC4VymFYceoLInBaH0AZTXVXBx+EMet5zWhT8ZtPV6R5jM1JtA/1n7Qm0OAn
+4c3isyxH27kq5YPZKj80WYCtkG22ydah4ZaUzqAgNbaribRrap9RBLsuc064Zg6HSTV40wJ8mkZ5
+O9lTvmchuAe+06/iMfwSi71ZJ0w38eHPW3nvM0+sca7Q0Y0rGFxUc40/Zm2COmpRFF82Fm2rUenx
+8O+m+QyIYb+Wxwvlytx5m0NqZ2foW/4mS9iAlRlfkmKy0ywa5VkwcOXKieDWjZIoDumoPs7LlbqE
+9Ickiu9bo0fC5jyMmKk5BRV3qtTfxECGNJoGorrfwWrpMPRnnbL4ewn8FkOhO2WN0AXB20RlbDqM
+83rFnFeO31AfbLft5VeDQJlna4TXNXsz13fL78KrOlXsHUjfqGkNTL9r7nZUfwGdoocVmPJ6REpC
+ACky8vpEg3Upeq6gik/TWK+HqBpxDHTWJkwI3baCUEIAzGc9H7Meyb+t5a0wumBrh/a9JzwNupn2
+tXlEvTplegzLMVlnYrwoy+sWptRc6+dIjU5+mexVsU58jJIF7ZEFkRy9+BlTxCCXGq21UeKxoPrH
+aTS9cXN9+hXkpDX1j8vKfW8T38VqXDD/KECdxGDArbZbgOv3uCrojKgbp26onyB5SHKpF/i/I1hC
+idhWmfSCGg9wghQa8tG4GjpQTun4phs1RjY9atxBSt5YZPBzF6zKQ/k8lNGWaS3nKf9WRsNrPxKR
+ymEZmsGLbVQ0XPse70j2/MF+1qorvSWr0srOOaPOWN4bskWOHCrErjL/O+ESzKTla1uZApjlO0aD
+gq6kGfq2NkPjkCXlSUdjdEhPsKITXLwVCxi35Sh5fgN1FoOIcSXfh/SnYrKJ8BvAzsqvthphkdBU
+itsQgzVEvexjyNSL1ciP4WXw4RKruupv8i68jPDaKVvFXgvE8Z37xxHVaxMpceE2Zl7QbIFpmVaR
+2Byeg1DSDpPZ38oUXng9YEefSDC0mdoycs+A34bnBCWxoVdXmBhJ4iQ7gwkiGmU0GxFY2E5bs6MF
+lYUdqbdhW0BjBpXTHTpBKpJfvw1YA60EhB76As4RKDSQ5Wj/tqUduupgKhU1clr4psoPWVYMVgEy
+OmyyfNVlfFO04KfS+DCyjeXd0pHCBIEB0rB7S2Nt2EB9u8w0rKw0BYMg2wZbzbZG+VrVGlJUNW+g
+ruML6JK3oM8ztr8EcNLl/4IO4r5X6R+mZKZeMfnKrpEvYuIwCwnmO4wA3I0G8QqCnh3Y0n5EjUcQ
+00xiCd69OOShlRNd8VRgYAuKMToUPjp1Go4/g25ZSzYc0r46OlPPMkFkqSv7+GTmQkoOQ3us1P6Q
+dr0r1BYzMoUEegOLCmNLOLdbSydmI8DPJASvpmBlLk1GdUnToQzLf+w0PJ7++MqHzWlzysBH41yU
+7VsKSyQ2M20XZ/nRSoo7P8cAqUjydwYnqqz8qXThZrDlnKKG4t/LFhadcKWQKsRcagi23ZrMQuUC
+W2fa5z3dQ+xanETJ/UOphjqWkXB4Bg/poUR9+wR0nIFVxCUOsJ6AcCiPsx2brzbTmhUG5D6m8GDI
+Cs18aIeyYxcaV1q1AWVk9nsu7P1eqFNClw5zXqTVEtqaK8ehclDDQTrQETJhuCdWX+Qhk7CwWfYM
+FgTgPKKWfk6iI9uWT8xasAdS1qr4LkwvtYDxavyUqRoxfSpZ0GJxjaXqPjWonVH1UODYKppzAe+J
+QxW8vU3sKUfVxEJrw9ouEhlAf0G9Y11nnHSCfLqEVJM9K0q9M+L4xNT+kuBPAbVxCDvs8lI2H5BE
+JokdfcbnA24VXjTo69gA3Zq6REeqEmVjqflnH2qC6hjb2ti19cFtvt1FOrVfpaIgtYOn3UYGfvGg
+838nfBY1Xb079AqcIMzMYO3T74YWSvrpXV8jnj0LLD24JL5buVedYJTRHpJgVZfGn9KHnBmm0gT6
+iJdVrsdDYAwcaNSzepqkyxSZo5nEVblT/NJ/m8rI3GHdxVAwaP6bkbe06XAeNYF2MsqHkiX+qZ58
+y1VH/I1DlH+zPyh+rXgz1v3PpPbmk8254M2KQop5aSCI60EctXjhOFPmtBEpSPPRKl5M4ugs4yQ2
+oOo8rhqquMm5cG2qA7IrVcxPSuPzLMc8W3UE72cJiBDEaJIOFqaYbLHOA3GvuOp0NrKq5R8kHFFu
+Uie8k8KagE6m3AfYFasu42lBSBOBRp+3OukyNmrclvEYsBmwCA/GMfsTutUzDE5OZybseWfjmjYW
+uJZguX+yXtTkYMd5BP9u8WGrZgCY2ADZWJh/0hdTJ3hh45FWNeNnSKGciXbh5lnZPjf7M7mn2hal
+F7bkVCaih2Xun/y+ecQSBm/q7JMe4dM2Msw5iWvkSMCGQYmRDXXbU2XpK+QFqkY+C6E5HCkc6NHx
+leuI7wA16Frg3JOtbUA6j1qeSy2xe8zwk/aDxr41vfi69La8xEKrD8PCCit1nCPME2YY656Wxj9q
+N7KeXOdas5vl6EQ72Q4MKL4CehsE97dijj0ZoAw5tU90t1OLUkBlxY9Ui9sCDFiY/EBPagsOofLR
+ahsQaKpHLzi2HbCmK23UqZ/o0PDBmIwrNPx8PXX9mTkJXI6fcKGXwj9yMB3Gpnmv2SeraG/c5TWd
+44elQzAyFvhU7h5ZnQOa1AlKMOu4JZlteWzfGVm+WxIz3Oe7XTTW6RnhKVvbqsSMwC0NR0FzbJfr
+m5L/5kL7SaMRqgVPFHUtFQHw2Eon8kunUKaRG7Li4BAEbBcgJClxWaxRKBgYZStDypnf9Fg66aKb
+IF0x7EHsOmb5TQ9UL+xG+YQb/TIHiH4qxRup3H/6cse51kiHvJjQdmWAy10fbgHlQhDN6xP1oaRP
+kLQ6+WoQusBy2j0NFbEyrQ+vc3GAYQeQQDeecNyRdgpjLrr8LBGvoM8mHMMglMpmaZaQA5TYlM0S
+gU9MIaq5A6b0MXe1ifbTf0U2swOLt5jXymXzuy7n8t5TuEsqE3szqCopA8cIbq0oexopWsVlocS3
+WE3r8pxZMpsUTURrvbrofTJu9bJ6zUviUTwPMxoRsdvm04oGGI6adrqKqjx0Cp9UBX+Hq4xUoLfi
+OvfKCLyFj5JBQ2FaYW6CKMglGmAzj1y5lyw3Dn4HZAPWhd5Qi2wtlhv+rKXnbOGE1CoWU1Tw77YM
+77nP9EGW+2qquGcQgvb8Y2TJ2LoQa4pWgZqoT/CHc60cT7bCVFQxKdGOtBi2YknetFG+EaM/7AOb
+L6GQ5mwfGcAWTL2nZqe02kMQ4tCxCcxMA/r5AK2a2Y7zGd/NrM7VV1IK+lbI0AW0YbHJZwade6z3
+hS0W+uNrDuLmBCZWPNG8ZqeJfo5Rji8Nrh92wnicA4zkfbDrhc6TgIU1nXQxD2d45M1cr9rB3Pko
+6SPS3Mg4YRufGhmakSXOSHfMFC0RzffYx/h9TobXOD7XE7m/mwL2LQONfjPr29psN8bUnEpQqjbM
+NZp91IMwQZMdeq15FCceGzbC82TzOHvStXNhXlmQ6vo+obU1nieHAMyOr/RCFWyvkol7wNJwGNk/
+woIY3zPhu8kzOhwqR6CGirnHHu2zXwiaFA8GnjD1o5ffZr58i6OTPkpHFPcp/ZM1Z1DM/p9A5yjH
+rXocAXpHBEtK+K1Kf7fCj3S6t9Xato/VcMbRSsNfVP5R/At6m+dz0q9l+pvas2XeZHMdtU8jK812
+m7cH1X+K4mu9GErEdYhhhe+09hBxFWKKJDKmz+eedRmicLlxan2XVm5gHXgcD+VTaOzz5KTImyo6
+ahyH9m00SLZDVQbyv8xPWfVESuOs5R++OBjqpVbfZKxgr5D4AwYUxt7kMtn3ub5FjAtnfmNNO+by
+lRYKFLoCj7LwwtnhPeajVu4HxaMoyqK2myOZ86/Y+tnaEN4K1oDWnTG7+brHB6cMt4V/iLId5hgj
+fR8lQj0eUn7XY7VkM0gf9Jpnjy82c3ETWAeC/dSeW/kQKBiXNrRdworXC0wRDrQPvD0GHieslh25
+T7dj2pN4vx06w63B4YIzbvudWApqOG6pFdyk4MmstQJ7K13/9RrtVhCfKajkoaip+9A6RAD3p02U
+nCIQcMlRF+uw5HFz68qN8VLioI+0x6oDuzZutMVbt2eZR4DhBGyxNa64LBuxV8bnsHZj9sd2ewp6
+tIHXDiU1OXJ+Joqnl3srfW/8QwUvZ6UNp8xe5zSNIiKDhYLQ/xkPHpuevnMS452tuMvMU5m471yO
+m6Rm2HNYg6bJurQv0fiqsXaJr0F3tfiwSY5B1UG1rtTDvXgkT4rqJqYr1wej2KnFTtOvbXkKlXUm
+rVaktgmwrmSbuAQ+4P3UnTv1Rck/05iyoTPMLAWDSv1eShe7PPUoAOOa/ka2lsBY++QwsvkvNzGs
+63G3HqRzN++g9eJftP19mYB7BI7t0o7GWEC0axPrrgwOA/dBuVUXp9pKkMC+QAd3a8PNaMSUdlN9
+aOJ9pK810wtTtyLQn27gQVUY1JI9xSf14MXpfujpJ1uBqqp8wsuoFhtCxFMGiWKD753tkUFzIhhW
+/CSsxqpNKq4uwg3/atV4crpqMiw65Fp3GuVIlWsqa1Iz2L7XGZJTyVuD4KDHZl9Nt9ye3FQ9pNq6
+ZJM20IS9IjEBByflmGTBAlgwFl41OXCVMKaa8OLD5S3F+MdtlCb1Nj9K6Olg2Fhgxa52p7lloTRC
+olZWdQCMyc3aFV65YXbtwak/geqQe6GbDeBo+WmFG4tpL6JWj+welCqH4BnVZtyABdHGGytbFdpp
+6tI6Qx/OZ/3i1yvCQqx6WR3wVgkoFOpXFHmOdKs+hOkBBkAAQyOI/JVEknmhomLW5Ep4r6PfsX1U
+AM5o40o98oQ1YdGG4ltQWOhRhEspSHKJzs6Wm0R8ehwe6axECpXg4CmkkR0vgeXgoXPAX2Bmm1eo
+RMpn/ghj1/8kGx0BOOZfUk7LeM0n5JcI3di5gQw1wvMv0h/F5BHnIguRb2dBGGOa4Lr+Y36y4GZO
+jId9PuzYK0IokQysLytMPo+g3UotwYUC473m+2I11vkPGDvQ0zr0kmR+6jKfITT4DTgme/SprFev
+agvqJIcpEVB+LGdDjzs/q5d9wFs8Rgxr1IKzxgomshEDuGttvmXMNYXi32QaJpGi3PZPJh5CBs0D
+r3+Gkk0HE09vYtBq6l/yLPvTMt0YYURLB7qlloEAAqbigRx4EwGFOOTQyPQBKYQsmNHi7Ce4Pis7
+nZhViiUFDPmW2to6S2l5JDFOHJoOAy14tgwQE1FXO/1OUTSe8qDt+ZEVQF+SjivaMMHfKiZo+2Te
+sPd1eN0bdqmrCk87YICRvCvfQmdh9cukARaCuBiR4hlGxk5TSimEgTE+H6YNK3+AE0Tax6YAaU1/
+BWSD0imBmMcDNfKZUnPmjL7X4NORljQkMZQQRiTbIoysfLCss6JO/MzNYO9z3ER+/8iKlOwHR5ww
+HwUV0cguJlWfTOyzl5rAhTPuZpsBuUC2SHBA+2GZrWK2UApwJSQF6ZtS9Ddk5bCHfwLLx7HagYcs
+hVb0lrxXYYlpL4+fRiwsSljoVOZGb/nRL1/hrJKc4hA3JIkgY1FQC0siJcYgFnRrmESWk0YAHnyL
+UdW0AR9SI2PIhblKGYKiTt/kPUxccspModSc6el8GfmJZxKLNipVa52nph19oKvEfMAVs96OhfU0
+cu6F472W31X6ywAAzbwdjgNISW9ZZGrTm6Z9t5nwtMRycRgBE4DzizJXXafE+GnBWOMzGhftOJbn
+jY2/PzVZ4eedTWm2j53qEiT+RQvBBaE6jPjQyEdW6if/ectqqhiAa8H04v4HpVGHtMLy/Jkya27l
+4yPNpM3Qmu+qlQ0HiRZDk2wMQxyfQD/b/nMd9D9cBy0LGQrb/+Vf/8/3+L+DP8V/LamP5qL+zP5u
+HfRvv+zf1kHaX7CVqJaBJ8YWmqKy9Pn3dZDKPwD4wA5GYxtDdX1e1G34f/+XqvOLDFbfLH247AJ0
+/NuGepvtDVhJy1L4tcY/tA4y0F7+bh1kCP4e6yVDwwWq0EbEP/+bhnrNhoNH7Lbf6on2WhryqyLH
++JTKVS99+MYZgI8EsSryOMFsFR37lAM3JXGKmanjYog7goAm5stfsp6x4eicKDDJLaeavVp/ZQRR
++g0sSNG/U405mvsyOxETUWkBqu9VcI/U26Ru7AOUrYcNl5GalPQ+UUQkn+vGrTsP0+XslRyCL6WO
+VuRGYs12icsROQ0+MzBQco1IPw+WXf3e6q9+5hmWWwIy62RvDX+VnJs/M1wiA6OSYYLDH3gYsOSk
+jEYeJRMDS/ZhV2JTblwaBnEq7hYwNZKQcBvaDxHeV0N6VmFagQUud9K7eOca2T1IMXTfMFuCHsiS
+41R8lL9Yu7TXnH86QSpaEfROfQd1EBO0/KI2sGf3S2l9/IRVvrDcEx3wCnRkhTifo3woF+1nGR6h
+ZOEKbjxaBWcwD5zcmyRwwK40r9ZD2gIV0N/6m0/2D1rZC5gh6YNEX7Dyz/Sf4pSydWyiMwU2Vss3
+31putQG1Jp/Gg3FMf5nGHTIzDmCdgSMV1/er8lYqHiVWKlES1V0cwPlq3WucdWtleB65vJSXHOoe
+vc2Dus+iE4MkP3OKdToKWCgU6H7T8UakyTqqhRcPpCY9wEf9Ny0OnKgZGlu50ik9IuNYHdU3DAeb
+hGdH2FInMgJJp/7FKWIetzBOsKHO9443mnSaO8TsJwpkuTjTE+wa4lQPO6N/Ee2plrFg6OZzIXfr
+kRzBiLyWonaW8Dbh97CqA0X/rIx3CepS+SNvuyl8g/b5wYfAs+JTqV/pJzT0HVW/8GzKU6w1P9WQ
+/dKqB1f9N9WLPbXlrl4hgKjcu5lMvGQ2f3HdMCkPKVMM1oyeNgPymWsCwBbP6NlsIwfyx69USx/T
+GD7UvKP5bfhZ/to32ddDxBlNh9mXMmZfRfTeNOVdI6ukExWp2KfeJytlQMh2M90AYSy7GSJhqT7j
+yIKT1Qq8sEw5qeIwhjKMjN8tkEgEuUdlmNEmixR30MDzdUcRgxYRAboPjAWV8ZHwUZQX54rHkFr9
+0YBs9wfKcBaAojVgd9/hPSEKWDU7k9Y6Jt1sq9bmVgNaGXP/6Va17FTmEREEswOKAFwCUzBoWLCM
+M0dB/9VQ7jFy+3wwlqtwyB1FnIGBQC8A93vF8lsFaD4Ud+yD9AXk3SnpPUnA385XJBNWRPMhDtnR
+0agO2KCNjDyTsVqHwaZs9gS2CEdRXYI6kNfPE8BNPvyKcgvjLTu3VomckiJX5Qu2Ocb3cvzyAwDl
+VwjZ62jat9jrzZr8HkUyxYZ64aArXRsiStV/porptnm4hfC/Gqmn8aloSw5RB4lpfpeGK4puvCxe
+OnARWDu66YEzx2nN3zx8lGj60vSqEEDspf0cEJ7dS0PjON0LKQcEpHPEJV1XH+q4ZSbiLTvsi8na
+BBnQGpMaVwPGq0ITF6numjveCWgWjSoSEofiLL32MsVRL9FYuk39WucPSd/O4gIMUuWeWpwAR+Nb
+fsLFS0pz10hvxnixjHvRBdjuD3P9rgB8WCBR3XPbPjMMW/LDL9g8//TVLg3OIuLsrm9uUq/7/o5r
+YdWisMka6yncvYAUSWwa8671t92XENcaiBpezFJ5VqtvZZRcoKAmOBSbxYRfczaSbV42FK7Bw2Lq
+KHef0q8i7X9CP/yarO6HaqEvu2p+lr+XJ8avLC5zWB5TAClCpi62R2N+klLjt+2an6xJvrSUf3kJ
+x8QxomJE4dXIHydrB222ubd/VRRbjuZ8oOzl1JCmjn31ki8JGXpXw3KrA1eKGKfIOkY5nekM7CGH
+otXh5Z7CXS0/wVVYkYtx+n6peOfmCT7iRhIQdorXE3cNjZeg8EJ6ICmP54YMjWdUXJkC1tpZ3gZq
+uoFDTWYEwSRAXBP4UJ2lGFSebkb1WyHSILppseDWQsKAxiq6kxyjeUbe/4Fr1hjvEacv0vAG7/NG
+N/E9klqAV5D0Fj73lnin6fqq7Frsi1wNgZbl0lWCuWvZtqcGjKSBcs1GfLxEDwEyHYMRFWwEtvm6
+7pRLIjiiow+zi/bm/F1hn/SR/fSEk09dcLjsvrF2q2TnLNna6BK3u15j5hZOTeK8MiIP+9quBkvQ
+cYfEbkd6Y/CKMPGEwWO0OqjVK8qHorCL3EGk8az8uyMLWcZPcrJTpEsbd8A1mmcKHR2J65kEtM9W
+4R0kMonZh8UlWSnejZDnTWm/a4nhafBJa6yVuYicUTw1cLhgMWzjRa7S28WJysYO/QhPPdArdYsk
+TUh/byuVi4GzIkwI7nlDlQm0GByPLMGNbq2GCaoRfB9esTz9HOZPUiOuzqNDacd3fzg5LEC8Nh8c
+kXXY1C13Ctp9j+9PAjPb1gWuCvOJ9M+0bzTLHXdoLYl2qhR2AhTaC4zGKpfk6Q2WL9f/D5XshJ69
+ge6hmWosDhUdti6bs2gzGOqxKyaF4iD2xIl+88e+3/T1czhxnxu69m2Wkz0BjT9Rf4zqF9I5nq4a
+Ltyug0lhEoAalzQfhlFOr8ibww7ZEZQ+L6U/DRhxWlc0dzIWgBF88hsUErwMdeA2U/OjUH3mqORn
+g2zRE8Bn+RAh0hT3PUfdvOPE5b2obJoOWhmcbdof+eaN8mYE9q7rATWE0X5uMRrCrjPiiFgGWqYh
+1qY/X04sO07YRVgbX23AUpA78B9gLsUQbLNYonDNMK/W+MHW0bXBLKVBw7lXUSlJ1Dmo9kQRnnMc
+k2gw+srgGhog6MbyVUUcsRGZGhJYgDSviZlvdW3ajBM25QAARiARranlS8DOoCWX6bbQZVZiHpft
+8LVlhqRMxAHRsartXZ9irR6/BEXvS5VR7vNCMV1hHhluEh2w2jnwxzcDb3oJiUeWfiW5eFbm0Fvr
+kxPdKEwDqzKAqSyomHc1SJFq8GckeoiVnxQTBGycQXiaWilaWXJxlQC6hyBybYKyIuIjjgHUir4k
+fvMqpb0queoASdZN2xJpMVaBwh/afcvpjwJFNn9OCA9MprxlKbRlYY4MDSjS1RAYl3TVHAExn403
+iZdaZ/s52cE+st+pA9NL2B/A68Zd2vK7wluFk43EZ4HdVbs3yw7ZF0anOpjcaDIBBL7WiXqucqjq
+fu/0ikwkozeo6yG7be3R7Gv/pbMw9nznIkD34LBDrqBTtrpBs1uT/EYDMNeakZASl3cYBNwUWJiv
+B2+1XsHGvbdfy5bcAMA0Tazns/Fiqg3sGEjhNT0Ei5F/lD8U3xDUUJTbPh9ApYffvt0D/I82fAAX
+lmWtnLB5qAtVwpSPGQ1ZVSuwEQS7MbEfeQL7oRM/uG93uDIoKLO8yHkoYXKaVmOMXmBvKTyj+m/k
+PdjsquqcpPl2AOqk5FjKYxw2RTWQidOvsAoQiclLmKNFWCF+slOW8kDO2P7JF+jH4ASD8F1iI3qS
+YKg3jFvF9FUOf5LJ31vROQDOMNo8oRi+ili/hVpSOch86cPo9Ss1RE7E9kk10t0UaWcpZufTEUOu
+/du6pcKKNyyuVhAWEaG7fKOH2xFfEx/2zCNH+BQvRovhEU7yE8UDXkyIKIxv+mS8ZuAzKEE2g/O0
+9EvQG7nGrLGxquCdQqJtY+iuweoqNI1tBSCqRLqhRNdZR+iTa9u6GN1Lotz6etyapXI0+atMY2Ik
+s07Q/BW0+V2bRrva+CG0v1egIrXaBEauA87NI4mIArTIle4bx6GU6I5kBSlSviNeKSB84tglwUOW
+7EsnpA1Ay/Vs2i55HndB5uXU+5kqlMUh3kzZrzx1H/Gg7TMOBKv/VeR2PfMK0tj2BxjgpiBMwM3V
+y3muLBrKRM5PrrHaV2+FX9xyc1633OtIOTxZbfIimuViInEmqitZQgaa8rVUPRKK5rjdWWvTvPYa
+uulACQdN0qAI6QtnCYFYan7kPCKFTSOsAMTH8kS1YIpH7P2ayCPtmbeYqllh+bP+WmffqsYmOlPp
+9ppHbyCQ8qH1BcTOHPgeklaAIEeqLOEKZoYoWl2z6qOSbQplP2hTgfIlcSaoDBgGHw8UUCccbzVN
+fLXgEwM5oPChjHTihLvm0FvzE/0VIH71F9KtxHFnx5UJP9ogIWUa05VI2upLDIGNZ1s3nmrQlXnu
+ZUzq3DK4EYB/sYtT1WVeVxobqbigQniR/y6XP7ClLjq7kBncY6J7hClgSqVu3DMIAUg2jZ+59g+s
+4fe1kPgSuv2McX9Grg4ZJc2ivUgQNIYRyGNVLIUlnkrXN+U9Hi4VPUM6M0d8HLSmMUmLnwQ/WEmP
+ZARpiXxcYb0X9VeYwyUUPTprDVrz7rO8FeZrZXyEQwg1jMFNyZcZaVW+5ygTBdVhDaeozr5fpvBu
+As2TYOcT7a3mVjlf+V5jSn7xqc2cnipPQanfd2nLqsIkzfQ0dodyjYCQUwfY4pw7DeLdIA1gy6+t
+tTMWJ4f/EifHsCZcv8t4iAh8Wz6XadAbRh+tZgPzgAYLJ/ydc5oT6Oa1aJV9YumMueOYzZuoOvCk
+dyoiNam9MfmxkfhxaPhOiq/ZQuLXGJqunNj8gQN8oZm3gRl92tJ9BuSmCjSD7G5Fe0u9CQTE8G7k
+16a5DuNRgaBIyE3Gv9ZuZl4OA4hvtGozy5Ea3s1MkJm4mwSDs+kk7F2mMG/mD32+k8ZR1OtEW6bV
+sO7tnjIweL1ynoCb2QrNJnejPcFD45GJSPNTVorzyPK3QLvxg6hsDFDmazI+VdgciowLi7XnxfAt
+9sCPSaiuMogtoEpQ/eZFUWfMNMDm1D8Y/UjMvFvVS1hIazmmOABigEm/UUHJC3jQVcPm2+n4Mg1i
+E4ld0RhuORbyfx6xSMkOUgijOutqAlhsa0h397t1CdIDVCP9WPCTcI74c7U17IxU+VVBbeGpoAff
+mvGYyMOl4FZCad9wnlc04Skk2zsSDzrBjsek6Yc8vPqW6dmW7+mkq/WUDukmPtjtq7xE9l7qKd5C
+9T4Z2JD71j/YHOxa7SpJw7n5NEKzGyaSHyI+28EX4xk/eOxg9ncZofp++RG0gP4jUakKEK7a+yuQ
+85u0id2qjtym+4okfjHteXP8abJsgR2TF8pS33HzIWj1sav86Fa1ANQfYHIX3q3jG1+lONnBcVDi
+FfUGq87Wdu3s7yQ8W78W0bq03hsoWx0PPi8lL4qVgNjlinZtHm4HgXW48R+G+Oh161gvL2PWeEG4
+Awa7yvT7gsMzabub7eQrmO/zVi78dcGIASwP2ic/xldrpkIq/MGHl9geapK+1nEhuETXrMY4mjwC
+2cqS5nKmzHAlzBYDHzAhEscNzL3BSjvajdZXg6vQmCJPs0qyXntlMne2RQH8ClLLbjLOPNf+H3Xn
+0eM4l2bpvzLoPb+huXSL6YUM5RWSwiliQ4SlN5ee/PXzMKtQU13ANLoXsxig6kOZzIwMhXR53/Oe
+cx4dsdHaWAXR0KxjlT+tZBBxSbIeVZXmZAIZxHDQ+hgJxujsR+NG2lTicoVSVybuGUNp8czS+YXv
+wmKdXqv3uKAxEhZAqX4lTo9u2DMLDhtB6abt8jTHiOUo3xHLsJDMzWyboIqvN5NbSQa8ZRwQzF4T
+qXsKpdAovoTpLH3bWNbRb5JSMP0618v1LAv0J1yt0Rp9lqmOBluT0hPh8dw6huS1+EDNdvHB9+xH
+n+oD2MnoeQlGTkRXa1gp1cjfOuQVPAzqnVI83gO7jCPVYvFUhNz1rBpH5d46Ac7j9vdl9sTz7KNK
+kQ+6bQYG1DAMGm7Zov/QT8qHwoxJ1e9rkDt6zScCkdQ00NVstD8Wazj8XUHnsU1mX7mM8y6YmTPy
+X4VGYEZ715xw6Xp+++UmtFu0X4x4CIniS8rHJvqO6FtNb5b/qhDQrh5UGEgEwBBrD0Fnc8lSH8Lh
+d+pYVyn4tMY3GTy20aHCPKi4VME/5sonSWqoqj9lUy1EmD1MbHxzm/um3lNkY1DY+JoCprc9nkpp
+wxnPkv5FAw04QBOa1SrBPm1Vmv3SGfg2uJEi+XTBBZvuJgwRv7CgsapaKTjq5Xjq42JTWCu1j3A9
+3VFuFevBLPtDk+K2IIT9zkiLp7HwdIWvu2snf9sjc9rWzuSF0LuTjnpTY1Q4T+I3INKFjKtTnjFh
+1nQluy6Vl7l5pxBN16AnvVMmZbabKNyRzUVTfpDdcSgeEPNi86PL72N1juQ5FfDsiGdUQIKLA7p1
+jVY9cMaHyQefKpGOr33AAyWkkk6lQOvHwlxhs5ilEHsRR7eoTAn2U0DZ3n1ycfNM5PP2rh6jmnRF
+clhELoL29Cay84D0JjQwWt1mCs+UpoKT5lQyQJwKFveCh//JMi9a7MG1WLBaXPThCR6OMX479feY
+sNcSxfqU17vVIHeSlWOgvjFYrvzKq9r55f6FQWlBj5n0T90oMdq+0uZAz+ayZEz1FY7l6AZ8CM8i
+Sj5+blOln2YkN075zEikWz4YHYShPY/1wZG7MWy9OCYSYf2a+lfZDoAR8oUSENcmx2a9QmNaZM5r
+7nxnA1JqP1ceMERzngfTtblYwVOSHvJyWyhbbtL6eEm6Hepnl11Fv5aNp01eXO/8bJP0q4nWDqnt
+p4rU6XHEL0O/sMT4+55Md1ffuhKIGAtXpodha3ABmhgyERWPAWuDdJEASZMfVJ63Nk7ntwYtc7T5
+JO4UbtOjwzFgnzVecFc9I35q8RdBQiT7fG0PEJXZKdC0WGHe3ifFT6icHOqCcyzSLgWoCtcjOX40
+9neAtI2hbU9En1NIrL3eOTvSKxWPoF+KNYtxqI8e9YxGiq1gkYAFFx66qnie6WLGuBnuNXc2Jot1
+G/fXnussYZZNKDajknE95st6SeOBksSdQCfwtBt5jcTOEaihwwtFfgANRHjDi5M67xTehPWTOb8L
+213MEjjVPzmkaQtOqLmMVRzj15bFiZNQEayhnz0R9+dIZzqlSdw5TeI58I+QQvCINtpBC0jy7qu7
+bsgNMrNYerMKPazqfHzCLKkb55rR0XlpxYoLpi12tv3tWifX38BoysWR9z5mVIw5np3cevfOKWN+
+MyOglKA1bFQBppwt2CHAvym5TR+dmON1tXDNTWRc+8pGJj0Fki6OW43MbJLYpnvjxtjboFTgwy/I
+vqjXiWVPxafIE7BaHfTlA4X3JdYLFkhYBAPlSJZyio7K0C+aAMfRJjwp5UNtPXL5JKrT+i9cOQCX
+Wjpv+4ceriyvo0O35x4bW1ld2XPH2iF54Rgtc0+OmzZdW/aBnGfV7TP7HhYPWKMA2hjiBmsjMPZp
+szeOrXNs6s3onwEnjLZHOVSqPs5jVKQ9QEp3ZoHdPdsJ5YjefEtvMH+pO7ve8vBc0dK5oCyLzhWu
+ZCtHPWiQxEwYsdeS+d5cGe0FoEaUryf7Q51O6lJ9pqqHG+VKZ94FBoDJENAK1yTqRAim9+/qegaZ
+ohvFNOi1ni02of4cxIcUExbFeqii1HKw+OLcInCvLu1n66s0PQNwp7JzftTf4jb+ON/GWYf5s2x/
+hL7BP8Gz22HR/wbzM6NRHEcGKv6CNyWqnyffm8fqYn/l4RojAh9tUBb8pfrnhi/CO16lpoSzA8F4
+Ub7q8SqvD5aNjsQ61DOUQ0ODI7JWevXbB/AJybC0qUzC8XedruZJ3xWnAgF4OVqexHx3aX86sTUL
+UivoayhTAMNXur08lP3LmqUUBeRMh3AB0EZP0XP9kz7yl28+lRsH86HP8TGJrf7tJx7mDfo4SVcx
+iPEcSeUawSWycTsumRIpDlJ/sWWjJQ2QM21CIIB6IMQxgS3Kt5FrTkzN1SKztlniTR1VhV7A6pDx
+GW9XuOLhMrIVpJZrYbyyk6kNj3bgDuNtupbkAGjxTKA4kA5fIu8xSC+qofoEaU3AeLhQY/vaSUyJ
+XfgyzuOukuETVFFhq0DfDLS9FU78BmC1oj0Um4sPhmlissjN+NbV+VlTqUPMwWWpjXvPjS0XEkrU
+4vgWxGAKPsS44XYNDYflqpe0QBqwcq1HUg3RmqLThNRz6Q0TntZVFmxoaI8GInU8XnykxuGi5/iL
+ipG7f8cE4w00TPJo9CEijcmnW6lrw7wNyHo6C+3BEWfPj3cyONESHpJEQHfgY13IA/p+3aWbuTdV
+L/NVjUmsbDErWSCzmGRkuKHEnzjwc8bSvCkbxnN7QTPI2uTeEeDdt3ijBczD1vREdwCDDUWc/Dzx
++o4w+sYPajE4eOgZdNYKBbBsFA10656rT+xzPGA3CxVnrfOJWFCkz8eueR60T5sHwAEONL3f9dLX
+EVW+JvtbaS1a+YlU3R8sM1glxdHtf6M5j26shTz3Fu405kUKfRer7qjVxr1U3ywUATiF3F2WnkFL
+a73Xh1tOY2BDzp45WrPehh7b0vRR1N68ZKy01tt5Q3ZqoJIscVhxBQ5Mm7fzC3cR3dmlwFsH/To0
+xw4cSOlBB2DqFskqvzTHTC7drXkpEC5eubQOD3zv6Tczh7ziomWagNeEro2IT6GQQa86YYI2WJX5
+tlW2Bi72ftODArZXd748eHi6VtApJlgFfOLrEalym98GZzneQ+xpOa8kmSvUcK+ogQITfVo3MbGx
+DR9FXote83hvrTj/u2+eqHO8n3Zff10ZnB0eoPc8WQ9iheM1Fb8uruYe157ywkrKUvDeUY9k7GYt
+UK5o8mIL7QerqfL0Af2LPl2g9/PnX+swTeEGpshhZ/Ldcsd+49FLBTBoliWzcSFRWiiHZubyenqb
+p+1cNG8oH1Tb5YKkkEtukdj6YXywOGnFKkyQ01a8ri2LTPBA5T42LrW2Yy9aZDy4NhkzT+l++Pod
+JIB+jQFxUlF+51AF0znD8vibzHby5cDdjtajtGG2oECBL78Mm8tYHGl9BNfggBXEnEnGKkrOIzAy
+FqYvyhc/M9IAQ0xN6N6iAbVeAyLEFd5zaW1P5Eu8mTzoa/kLjJhf11r19oZxKkwYCx+js+K4m5BR
+bg7ExVWx9ZSBDhg2kHkpsVrDXCYe5Vu31HnyBuWZdRwSgNKpp5iuAKwAEa+iqrotVyiEDac9BZwk
+MyijoSSp+jDVV1N8hVzIbBfOfL8FibEYvmzslE7/6dXink2UHLtHArEo5BRfQBqBqwIYln5EtXwf
+zJeKTn0pFjkeT6TfhYNmrjE+QJacRaaFoXGxqbhmI4BYj15nrlWfoI1ia9VDqZvGOc136WzNpyWo
+PqW49Utc++ps3x9nI384W/q72dyPLejQuYn8FGplcoxzz3Ed0qzwIbI5HBCSEtDmuIAzBwfiOUJQ
+zmGCAIWVXY3W7wcrnbtr1E05hw+qOYbgz4GEwiCaoEHWGXv9Bm4wYkLHhuZM7EW6vYbEqnuEW6dL
+DFmg7OInKcYvw+c5rUfYc4whP1tzQGKYoxJhGLJFpeE++NXmKIUTUz8zhyvKOWYx7yfKUSjb1upj
+MBBXi/bjr0BMjOv00JPbwZCtp5B2hI+6ZGrpUVY1hQnzf4onnfbYIlzmk9i1djy9KjQKeSp4I0+X
+w87NG/kEmQeStN+7W7vng+3W07RPqEHaaCXTyCBKMA5xf3bHIDpWPHMOREddgiPKsCva8OAXVAHL
+TieaCf52Uaa7ZhxBIXR1+kIFMM2AuHsHWWdnkyIX7rg7LQAz5lCocQgmdrkNHawt1fjnojbsZ6Bx
+T1FdhhuN5qKt0mlEgBlAVvI+sXo92SRmUNazaJ9cBhK3F82lfTab9OZoqGzXxhaaAMUcrL9a7syS
+o2ECQ2TlevskzbLctAXlc0aSho+hz6A7L6yixgluVSujq6GzoLWbw59/mLVguMgsSOiNzS3bLChc
+Yy6o5HiQWmUfWmToqr5WOeFxKr3blXztu6La8GSMwxcLahTrLZ7ZbVk/8bsH8KSMwsYqc1jR0fS6
+z6tJbInTMxQAJMWz059p6ufUYEkzDnW0En7/ZJBm3GRZ/mNSRULZCjsj0685vRVo5rlwNnXv/nYN
+3ySljwFg2wpiolZ5cKq5M/60LcmCUijvXRLjFzUACtBmPfuicrGzFJ1Mgn4PI0hYBsdSaFlP5I7J
+6CibmFRQ1tv5JknZBChguhe5jTO6zdS9WtufNUxP5NWEtZYcWy7CdntU2pSCPuQ4Yf2SRT912DNU
+yoiWHRKhBJduUNvb1EAyHS36HUcWiAoipa4ioRkyIZpLgMt020OYO5c+o5iHuuFwXQAt7Yd60+ju
+VSJqyIwHrhsxwBVN9CJhR+cWlyx9shqvBZUUCGbrwahOWufieaA52UFEX85nq5YAXmCVzZaF522e
+/uLcI0ctVA+e7DZt1asP2KqthmMxMr1Y3OTxRDyXBamDWj/5Y4yZikyp0ZGm17TwyC5qqztpuEmx
+/LGlwGE2IWbprFOgp4K57wnBlH5HlFzddjj2klZ7qiOXu4k9EIDGphZFjidM8V1xeVZdQYXkANTA
+plmBhlosg/Ta2xljxkLY8VnMSkJPx6NeJo+dzhhIFGLki1Vu+OaD72CZ7e+AH76SwXunW0hf6AfI
+7QbOMd5Sas1b2R8PmZzJm1PyQgXjJppy0kH2yRIO7RCIH2aDVjBUT0UOLEBW4XaqjS9rzjEaufIs
+iZVZXXhABeISkyQvnLZPlVbDTyxRZYkzs65HWc3ti1riYIltNpVUg/aF8ijVLOGGbwP2oVuR1gnK
+YYxLb+C3Rw+8OU5+r3jWRMjRuVC3DWU6m4m+gU4Felv4zQBRk5wcjgZfxtaydrunsa5frUT/snyK
+NblFTpE7zyfVTIwsjaWjzOSXkbW7pOE4q7PjWCKs2/leKXoC801trOJoriFsoVT31nOEn3VFZzbR
+FUMTiyEwifSzJWCdifNE+tCjs68ZBxuoTEVTCwdHQ/EOWbxY/UTgOco5uJjwqukyBej9hvXUifRx
+aJS3QWPEqAY624ga71Sz25VUZi41wTUtgqVIMd33lOBsGav+QKnjU8LJuaqmXGNnpp9jIhfjqN+L
+4Jn8Lf1Jz4WOxWV+pa0puvQaTnzT/Aq14kcIfoYJ1V40fGGB7u5xLao9rJtgZWZJhPZfnBTH1teq
+Zm/VfCDjyItGLaCiYxAgkrdyBXv2AkIDb2yOcEM/umn9RlFThbCegOulzJ5wQxYSvWHJHcj0k65H
+ooTiU+jKsTPjvYaQhKEuX9YKbBoOg67wgHtcO8H01FrDAgDOVx2A5QGZfe8SKkv4yUYODdODSid6
+AQM3sI0Dn8MSBbb6skvM6V1HFBZMlo6UaPnF3bS6czfVR600etaBPXqwXZyE6u/cmnuZITSxmXhj
+QMFGBddmdCsRNS2c+pU5MJE2pymLHpLSMUH7mbySUN7SmG2xmjhHWhDt06iYj3EKNUaIkhNNLbYc
+jPVBh/ej1oCdW785YGLYTTkvrz2Z4NCc3DPs8qFKSViZzFCOJXdYFWDXIac6NsITDBvKOFjk5Wwn
+DX5a6diyem79T4PKo1Wgs6Vv0a7icDTo/Lx36bh14zDaBYH+ITkxyBK4QYQ9pXBaTxuphrYlORvT
+PmCmsGh1j5/hHXth/4JMl3u+Bhg8zOwzvoS3pB7OliOBHrc/eqVfozmcF5TtxYgM49wOHcvWyiTU
+zdSdE4MJA591cAWOI6rBdmMo4smm+DwD9ZIadM3G4cD3EcNrYxubY5KcMDzrfkMoOv+ed5O8tJQk
+PxnYeuYJzmEPSbabXkhcFSPLX0yf2qf5NXtDZyQqC6Df2e1Z7liRfqlhS/Ek3QK+dUn8fmXAfUZm
+Gz4BTgqaFRGR7De/mwPLSvNt+epyrF944Pw4tPJQDBaspxyfiCUKMRtd4InJcwOPgc5BrMF7I3aO
+tYngZxYcoChJJmm30sxWs8GusFxelUXJ/Zc3XThNKcW2E9FpJ1OR/oZVz3rPtTeNVLdKgR1V9blq
+G8cwI7k+O/f+mPCYScmJP8SaBLDo6we7IhZpO7+Urn33dfLlXlKVPyeOFC4WkJDmL8y/B4enMpJL
+QZY0mYWEIfm0gFXx+gMgk923pLO5VXGe8me5/Fk0kz11XCH/fCE5iLdy3IjY/a0NXqWutH6nlKd/
+UjzTmPn95xd1wNRHEk2zXXf+krOxEHfXou/EN55alKL+LXDGh8lKWIWVzlomv2mnHYYcK6tjQCnO
+ZjdUjzuTizwnIcacNCHxW9SK5Be4q7q2D7JhGnZVPGCxLu5KGiPFWBLKtQYdjG1hlUYetFNaeeOf
+gN2TXJOwYhvmoNzm9fO/zQGD//m3hMGlSMegyOs/iYOvogQwF4TNv/zXf38qOLKzP7/nH7/mP/6O
+fz9FX9RKFL/Nf/qrNj/F+SP7qf/1F81/m3/8yXz1v//t5vzDf/gv6z9Bimv7U423n5r1+D8nJf6r
+/+f/+PmvxDF0+rGMPy/V/yWLcQES/vH5z1GMv/+Wv+UwbOsv17AIdAhD00y8F/+o5bIp2HJMw3Uc
+S9jC4pryjxyGof9larotHFtzdEuzNff/5DDcv0yhayq/0ySEYan6f6eWy9aIgfxTK5ctVJtaMByB
+ri5M/iX+pZWLh1tiRbmeb8CnYLzLKNbYBo7hX4LK73e5M+LGMFlDU5Wl78GktwdCaAbFzVhXlgbd
+gguT1r+nKhw03pGm6e87rhnkSXH2YYWNtlk2KFunRSunlLwjtUGUOWkq5WLZE4OyVYWfTVr3ZMFS
+euJzAzh4qmHBGeoUXz4wdkq3ouHsS8EUT8tN/Yn1xdhqsBU9WnH0hwCvIUaj2n0v0bdeJkWQhkza
+kGS7o7pboxVAWDUeLJPI1J/RRUJbBHZQfQObyQD+DuFsnA+bfQy5hOJSSYs1d12Mpibbi7ou8Lvz
+dBb7FFbeSUms/FAEfUvGqzDe/JQyX+6vKauzNCyedQCmZ4Vq7pWiD3y7oO0wCrHnqe4k7sUVxgZ2
+2XZIT5mp5Wc8jninqhILpE6mNJuwB3O7GW/YtcwdlX5lSCC1SDZJycNkqOmZZUsgvtygiM/OoOsL
+n4qpFX6P8QwiWXORtQPzUXQtuJpSJZU69zPWrSXvVkQMThFj+WVN/i/hOfHRh+07uy3sDOPU6hsc
+zdg/IqbpC8EB9y64QnAXZ8yFYzqeIMuk346edbQ++O1LbfbUv7Zu8iA1qVzyqXRqLjKuiTpOjaLI
+EySJUbJGahJz2NQJT5gWS96JAL6Pl0Y1d3UMxB5jUgX+QWerTE1dfcTvqy+pDY7OPM1pMSt05P6S
+nPY6U2bM1wiS8xJYRXKmHZJxQAo5vXIbpthNFPJVwTV0mhqZbiKaso/S1+aDtAENhh9tOEtaX3ia
+InRuy6YTKzpi0dKlLl2v0qROJscodoFqhGw7G2tjt3rvRTwovHqs7Cc3UTqvTLP0wwo5qK16voCa
+lgLdo3TtxylXlOUwIvEDg5KrUnG4Cia2joOyV/jD3Ca90RE9PWilYNSB37cHu3iRRbgv8NKd6Y2i
+kQ2zG1qSbj+VgE2pkykILmsVGaYglvsm5pmaRMNsh48m56pIoh5cjOF4V0zPMaVXl8lPQKYqleBb
+ykhGRDFbFGzTBi39kGxK+CCUp1QNnzYl3uPkqD1DlwmfT1/fWg32Z2WURbmUNKffYn8yqX4Tuqfn
+Gk/3MdcOOGUaeGzJtPWnBt0f6k5+ojiGxJEBIFwJW2ftR7b7aPC9M0BkwUHU5rgszGLyeBflzLIj
+FSFx1wn2+72dYKYhJ7ZmhtE3E9UpR70LrXsuevdUOxOSt5UkV00rwdO3Cqh7jRrgsTSjVVDx4mOD
+mkklFbIZEIvsJPrW/4Fj1hP6CqPHTNCb0bj+sOHM0ujdKvxXI+Uak4wGdxC37/aqHKjdS3sAezhG
+uXzrUePpUR9e+OhQAhGFdGIV6sRr0WNzKJdqFvoMb2MK4ciimho5wwk/fPyxW9tteSrLLnAeUlG3
+tBWM5T6x0mIHEsF46AFGs13uuOJXHdzxBW6NGDE0wykcioRmaNyMtQZLgAVBlZz0vOOt04BepYQ9
+2qh8Un6rCYHcHXv73KVN99AZdNctgJhhc2vykjb2wZTUfjb5w9RH7lIlpnmsbavbJHya9gBAioWb
+J/ojnhm4WADvaDadup+pL6g463oUBYQl1hFdb5HzN0LEUCbK21iHLSRdSpc53+fdIGyVZgmx3rw1
+TV2fujxB867iD1Ub9l1ep6tRGeOjmdLnGw51eKwUNQYuSgKgGIJkpY9u9JKUlcDrozrG0k60aDsy
+GpjI1B331CzMy/sw2QGamUUfVCurS6HYzY9N3VKMzQCakT3V7i2aIHpDWJjO1BtS52gO9Emgk74C
+qKC31Q0RRTlHARmz8BmOVUEqPKUNMVnYShMlVwN2GpCLnxzeBs1LTvCsUHv1IAcknB4w88FsKnyw
+XR811ioqO17AUBmLx3hSybgnRfuYqZ3POgf1Y1rZcTc9qa06YZAJ81DMVSmhuZQ5ods+jeQ1kX1x
+LJneTxWWcAFuaCQL17LRlCVv00JmxhoQk1yrfOiodUydVdtXTPOSogATn8ijb1XJd9iWmXH088BC
+Fte6/FDxTtjavhWxRxRFQ20xtt1FmYwsHiIpur2AQrAY64TK5XSESenyv1GyFmzbNMHwI6FZsaHq
+LfvTrUv9GNoqRU08N9GjOBizdTbE+KsxiK7NfAhXkmXMmTJGhPI0dryErq6HrkswByvR6JKJr4N3
+Gr/Mgp+AaM+lCMt9E7baS+5L3fMnPfg0bAYJYKAMJ02nCLrK3HynaTRLCFziRRIdlKHGlEnT01ZO
+tcr+2xkfXQLMrLZtQEx0sHmD6OQB91NDqrA9WTGbgKTBdgxu2L/bqanfDRR7hv6R/ktf8bduaNln
+RjyLNELRPLtqlb/wg5BUwfgFQ2r7rWs6JlF0Q09MtJYYYaPc3IY+gbSqOza5IgSIPISAIUwxocFb
+IuYx6jj1e6WbzT0VUXKxgFCwYvZ1+WGL2KHhcSTNxoQONMF1xz33CR/EoIOaM1KAp/OwmpZaQKdL
+0oBEgv7QH5vctw5+oLDoT2sgfk3evpZhwxgaOdWbX8EkbanW83GeSBRImcgtBcTKJkwNQEwBg5mV
+ymZczLi2qxoQLhm4VJxKnuhXW836U2HaFK+WfeBxcTK+Jn6SG5erxdlv8I7lquafEj+Tj6qJvLfw
+fZncCtOipDoI/BNFtFQ0gLPPPsbMTuKN1gUq5k0czY6SJ2LRALlYixCQYBHU8qVgBH/lshFc5VSo
+G2it2tYqXOWMgB1vWsOCiSSH4jOjLBx3adLelAYntW5mtEq1fb/zNZNzW6PKKJEACwsgz3DiHao1
+/FzkzyU3rXWg0d1Z18xDZR5e65gOKDtWtyncG+Kdvtgq9dCfbQO/o+X6Jj/g3nzK8PWuUxmiV6kh
+e15f6AFPhDHyysHwPY3S6U9VYXUW5Jlx66e5Aq7Wy2tTlv2za/rNs4LD4JTpsn6xYYWt3Z5miHB0
+iod8qLuDo0b9Rw7XfY69GQLgdVS1j2oV97ew5fELoInq50JSC1RQI7efS2s5zW3NOJp9lfxKRxHs
+LrSYRG1N3Z7VkU2uLNWkASxiOcAC+yHkEN9TJ8eFtY6LEoUnaN/daFLXCGrDlqLzYaVFkfKq2FV3
+b1Tfj7l7GsGxcyfOudykwsFALU6XRhW69xJOym10DA6PJm1naCN1XvSMBVQ/y9S3njO7i3Z5og7w
+/hxYD6k+3UuzBC1tVPw/fjeia/l1fbZSl2KqEmdSOdErPUUF+2ggtRvZ2sYrk7NirRpf49lcgEXj
+jzDXkz9n3OxeLbcxoxWyQEU9KcZHGgkk1/PUYy3Rv5i+a8VrmUeyZ0sXIx+kykBhUhdVw9kuOuc4
+GZToG6Ayvio/nxSaV2xSamooB6AS3AvfBlINDTkzpBUSYk2FezvP4zM8rPwc6aGkAyaAt9uHJV4h
+ZZhgL8/RhinSBtapinsfYGI9J4xWCb/TwkbHxEVqyGrchZHLYJ3kPDqszG02dhlYtyofkn0WhNqu
+0QLjoaYsbduWxvDD+xAtDGYt9S5xan8azVS+8A27B19qxc4GGH7tuXHS9GJV/qq0FBp2ACE/mlFO
+3YxlRbgukLG0By5kuNtoa4CaBbcvd0cN54zkYS7M6tjXGoGnJE5uqh0jihIRTF7MPgue1MgMtqYC
+hHXQOJCE7XP81yIuvLJQ60OhadYpqo32PS4UeuXMkmKlBD5a4lg1qfixwxZVNxWMCd15KOGW0WBZ
+1NbVDSrrpZC5so/iMLz+P1Em/n/SHGxd/Keaw+0j/qib8CP/D7LD337X32UH5y/dpvNbCMMwXcP+
+R/uD5f4lHO7dFoZFwXZi1iP+3v5gqH9pmu66FHXrQv2bVEFJ8Z9iCOMvVXA20yRhqJwlpvnfUR2E
+Zsyywt80pt33//o3W/D0JCNlObbrUn3uWP/S/lCo5aDkSlNTdk/bUsTxhrmEt3lwGsoILQDJNCPF
+i2wwrmGYt0uDJ+o57h+bmd5T4TvLdeh2Aq5PZ1QfRqRPmAR9jNgBJPO2Ywc5Qh5ZO0Gy98eK7VVp
+GOugcB8zHbPYnGhtZ6KQ+d3+4Qu57NfHmTk0sJXg8Hc/ieD732pF0ZNOxqvJ4mNPkGWLIYasBawH
+CAMQjSBznKqwospUqAox15i0FRQTxbVwts9MpHamIwHboriyM3FqBMNOzgylAPSLk1nlKpqk9OiH
+JC84M5eCBh3R77lIRS1eY/DbkLpnSlM485r6mdw0gnDKlXw6NX3x6cx0Jx93spfPxCf08OpNOYfW
+xu3gQXFJYA0SYgfKjbw6pmGMk4UNONmcXP8EK7chxROtdZdda1EhzFoze6rWoVA1cxVrH8TdQ+Ko
+/qpz5DnXO/tiKsY75BeCjozSFHfr4ZGJBlalTslvg4bZDPmETOrgt4aJJWY6VoFbK3TkWxfWw7uR
+qShFXZ5x4921Q2ses5myVZtmu9Rjvd8L2jAZCcUhAcqlNl2/jkoruvh98xYIHJFZJ9sDTyF6bnCi
+6H3g73if438wdN9LNeqhSxsGM4XGCKYdXwxdI371A1Gvnb05lGz5XSvYWBUWwLiQn2znv6eZNcb+
+ZAZaLssZQmZAI1PAklHWx/ijkVc6AfMieNDnMH4pLRv1/l1XGv2QgDizsaDkM/Ms1JfDzEBz4uxp
+VM7d3COuFfnVrCa4RNq27YRysNu7Fsh6089ctepBGSjciAKaRMcKqSfidA77ezjZ9hbzY8oE4zlp
+St5DHZaq7EOPFe9bz/G/L2eyG3uBIyX/5nNWGY9ypr+1PRy4YSbC5TMbjp8dlYozL84aIMdNZEBh
+Co/ZlrpLIB7vjQXXypx5czynceLwdyS3zz+qydyVM5+unkl1Icg6NW5Y2vWdO3P2cuoZJvtez4w7
+BtzgaPgsjJsgj27ZqC/NUnm1MwrHown/tYO/WgGbZ0n4eY363aqCWoya+IUrlGhfWLJdZSL5SFhZ
+f1Ig8iVtDPl2xpynNYzkRQ+vr57JfdrM8GPPa94ysH4G/bxHJzTNI6jcebCG/pfiGYwCQHxhN13m
+6qejNb4jpJyrPmjf+pwWwyjZlZguDNqvfuImembFPl4jChGaKSqfucEtxUwkBN3Qb8qZUujU7kX4
+oj5SQo2In4T3aAYbGjb1s4COWM/WrDxGGiCGAQZi1CxLGyYixcKa5zKGwlBrDsKQzWFMzTtE8oJR
+BKCi1mowCqn0D1WCzaVq9te0wfg1KmtuOQp4Dujc7OvSVdvyfFcBuHjEoDGHzURHCLF7E2H1os8E
+yD//yanJBEYzC/LP/xbq8CH1NEjJLLUIAiH+jWnmSGJlWLP+LD+GVmjEcPRXR2+erQxDcwQnB9gx
+Td/OzKYsZ0plD67SnrmV+GfMpTOJRzTJ8dBUTLZ+gBEjeS1CqJdjicOjcEsaaXA0MR9g+ZzYuDjg
+Mo2Zm6nwyb0OJSxNrbxNUz0u6RofIVXD23RLyJvRzODkloO4W5ydEDpnD6bTzKrxiXP+26iVXdWA
+P6tBtZB10FlVioJcboKZTfg+7M+ZB/rnH5M6aQgBlCho+B8UtQN+lNpkjBPL8JzqPF+j93hK+ONV
+vPhDy/taJJgU0evpwCl1tvXBDCiNdVilKAVQSz/pqd8wcwwPbQfVNEdMwAO3JkUaJ7W2xhFUcken
+39wmiY2WgeclVMINGg1rrD/k1JmhOh9kvJvXFXtMQnsNrJaZuNqpU004HQprOfNYGQPtSzEzWoOg
+pf8YG0GGfIOREJKrQn15EsF2VYG8StWlTxO9da0HBw4Chh8TIixDU/5gB+1yABY7RKFEs9dQzBSb
+GFWkNFfJl8BUQF/YzJv93zyd2XKcSLtFn4gIZshbVRU1a6jSYOuGkCWbeUzIBJ7+X/SJODeKdke3
+LZcg8xv2XhvoHUPENYM2XdTvcBjee3cNGl9zap01sdbxNS7+gAPJr72tclnai2CsUQaK/MBEcGfO
+ibnOmmWUfqmQT4oZDtyMNSm3WzNzG0V67tLdwzVNN1xzdZ01YZdomh7ffWOeodZeSVtqNtWayFvR
+wBZM3/CHjNlzmcI6ctIJ/fzkfMNCIF3y6uI53Mdr1m9K6G9B+K9NwOcp+C8QWMI7Ap7mnBjuXro1
+NdhV5Ae7a5KwxVk3dONw/e/L2JI3HK/Jw574gX2TI4+HDUw27jFcIC/KUv9rXB1DVwzSP9rqGE03
+8kg6UboNyDED+EnisYoBerjSvZR2Ve76NRe5XBOSjc5B3his7o7R28ejXd8nxnsPBvTwHxq2TS5R
+MFlh9Vw4mfdS8RoYPYnMPD/V6lXlnVzzmgtP8jyvGc41Yc4iJ9W5dObk6hD0HLIDP2jfafAGhwPw
++qS8emsydLNmRDdA9rZyzY2OMxKkpzVLmtOsAtnp8VnL7o+/Jk5n6Zo9bcc/OUuKa5lnV8bzJQAI
+kqpHejN/za6uKzT2HmMprj4BDMQVm5g+BKGg/CLntj8lunYuVTlx1CUYYVGWXRwuSEVoNtsY47lB
+w5mGo7x7BGuPa8I2CpCV6lCDD5rpRaEvnAq5iJsM2XaCDtkblX0mHAIeYJZj21qTvAmWK86YEd+b
+NeU7Je7bnpP+PGPipZGbXlk3Na/li7JxUXsJCIRQ+dxweit63b9nAOwH30Uh9F1k+bhPc48UhFZD
+1PCdzzlgVqhNQkGX9K/Vt4/8cBELi8Qi0R7+NAv8gkBzc002t9eM83BNO89sAP3j6B6LNQk9XjPR
+c4909J6YdLXmpU8Zyelq/u3l3oSIUlf7lLQrzir5KmpEYFbs6Q87DZBT480lqc889p5/TN3E+2PZ
+XYWC0eiOLOVICuwRhk1rsru1Zry73j0g8r0cyH5PGlLguZNr2/0gj5vUg3F68uM+O6bG6kQqGM6k
+xxjaC+NHvSM7hlga8LspK21nTZ/Xaw69vybST2s2fb2m1Fshs2Gw4RDJISI5a5Z9Rqh90foHAmFJ
+xCbuntK3OJSDjnx3KU5+Jv86RKISaaZ/yeC7aiidxwSjgTSJuiliOVwNmYO9GNTnvPhfXChyM0kQ
+YbKfduj2Bt4PbZDNC7J/ED1Hs/xsBezQRUwfwzT0hyxGMm/O6LCRrElOclbkGSpoCR4DLsRD0uMV
+aCEPuPPfoGD4+d/vWgmk9ImVwEvEkAgInAG785qHECYtJnROQ8JBDfzxwQuTORoc/TZNnvsMUOEH
+UX+4L4Ma9wyqhUuVvTZNv1wIiet2bm/M0eI41XYxmmHHHLYEFju8zDrB38oADuHk2EcdIXOoCdHH
+8pSOT9ztb0plFZoy81mWyjtp1LRyghMcTBMxJ8uNvYH9SNkClzMXOHMVTlwvFepE6o95qhktbZY5
+mhs5fUn7d2o5y9mCmOIlBmiOpe53Q+DZt5ih59EsypcWbD/sHWrknpS/A1gJUh6Qk1hrzWd1Y/8w
+iKHecykg9Wc5UqKmoPgod0ayDp3CVFyrHqZpN50C0DIN99uJ9e9ruSBb70Jdb3umkSSuZ+9NQs5S
+2i34MBq/P+dBehnbRTywG1WR40BYK0kNDhnLcUIL82QTqiCmv2pKUecLzyYA3Jl2yio92DdkuUlR
+R8RWs9i0ehtBo7mpe5qSMG4vZs3KbOmpxQl6weWI3neYgjcTx5w3AXjTzhgNenht4nRAMNoapzIE
+szQO2H9chC31BC3amGre0tAgqnUM1JnMIHNNypWbBvVKMIL/Yg7GXK09V3XMpromda8UkG7MVCNV
+1iRfzs61qBN1tYwFzAuNzr6Scnl0S/xCQfw3mMsnL3Sm16TfQ/hb1jDI+jwOjEh7N6kOInNv+doc
+JLYq7wV5IxtmONi6XaNBlp+CCAPgvu0z1m0OIrtIuNDzDDHL+6/KUWJXhgoE8IJHLJgLNnTyl9Y9
+6W59BUPVwxnlWtDmY6DkjT09qgajrs3fTpq1+dbnbBLyFPOqNd7dJvS3DWFUFFToe8jXxhCzBgmq
+YN1ZzzxIFmdaoGeJlpUiiYJYXVMeq9wHrTMsNmdpDv3ZN501TwKPfYyQG2sWWJqZtdEjZRq0je84
+SefbmEA4y9DibGKJL0XZmPjIqfWuXeIcY9jzUBt882an2EKq4g6dxH0vuQd2cTMXCP/Crdu62UvS
+oZAffE+eGSwQj8P7EtmGMZ+IS2YDOdNNImxoQZ/l6jiO3vzaqeAtJd10t7QkIWof1jBuDo0NWxTn
+2tNfygVSka2uG6vT7tVQmANQTSfbRJRDxOR/2i8DtVulDd4c1mN7ZgfJLh+0jbOAM8IYrZNyxmFf
+FqjZmOUzk0cl+39PiYk3YQEbYRJeqZfytVvqghX6TZT1s+UV+lZbHV0umSQP7Oz74+IH5n5kCrdd
+ap4Ssl13xRR/5WLVKQeQrqCnITlLY2/HmfRYZD1WKyNFZx5X5zk2vR3aDRSKhf3X6+1fUHrLQz/7
+9UcOJC6nzhNzq06C/KHEa+U2LAmQCUZ9ndVURIPMXsa6nHaJjSTXtghsqqrr7I//upGFYA2qkJEo
+cxX2rhdp5BEyTOTLJgdPFtAFFg1WXxSMGIn3tolNt4iRy5aZpAThqVV6ZEyoupMSZ9sAK1v04Xcf
+ynsgWx5+87sdkGyYlTrFak0EyZyjznFNdw1PzBRY6WFsfFBBDbxrSsgHvQoGhsr/9puS8iTkViAY
+y9mDLXmo09ze1mJ0ELU652XYKAsRMtwE5T4m+oek9v4gbH1jPw4CQnxY0nrrKHj3ZRI+G+4EuMbG
+8OJY3jmbb10wLSznHQY7bvum06KOiJb4PYQeqsV4saBtj/x2GM/jTgbrtvtJZeZhzrEmz7V4seUw
+HrBOE1/nHKSLb9XUcgDJYYbkJQeE3oSZuvtu3G+9ot5laOJ+5Rhz9ZSgbrTtEtziPF2ItpsudWMz
+NcjfMnOtyW1S0sK+33h6dA75pEl8EpJcayUOORX2SZ48gM97empw8S056V4LIVrM4Yw70z/Utn4X
+SjkRmOqHniOoW7zvYQARU5TNvZJ+iMvQRlDLK+XaLcCX5DuY5y/Ce01IIBRtfuBi+ltMopmfOywP
+mzCV6bPb9Fvf7o2tQLuKr6tBYlcPhG/MtrqgfHDh4N2QmgZXJ0QG11ih3rlmZhwLOpe267ytP8Nf
+X1zu19r38e/09CIxo8aH0YfgOlqo4Oumde7lIGuU3MLejwpmn5WYB/pR59tw4RyJWtSbwvCdvbQs
+Y+NOwoAkukaeUBp7Pbnb7dJNZ3tElGKwpuR/HS+ZP5sR+qRyR1COE9kSH5kKDOtgsFCpO1HskLjM
+G4Ng7Wjw2qOLJmVX2OQJOWtsjzfiZvDGei9W8IKqvbtCN7JYoNfiZP6RwdgdtAdF3a5A+NtlOu7R
+ubJ7Iz36OQ+5lhlLPnQGMJNY4GcFTA0aaaj7c9Y5w0PMkukhtj0GhSuq4CtOfFIDQIJEy+w9tZIF
+YeFdcmO0b82q5vEcnKkDUoDdkCY+eHhS70qv+JvXGGVsPq5bGmKw5M98ShnpvFqYutpkfhursIni
+IUl3rm4w+DHg2rqGGo7pKJ5sApQPoLNaMGwZhpmdaRIertg7IUWv3Xua5ksUtNjrvCLf8XJMz/XH
+VPrLHSEQCXCbYWjCezsG/yYmGcA/AORVEMhs6GrM8wZoiaVFyVMr+9i1Bj1GkbMzY4RYskUEJkdU
+sDCKR5Kjt26D0wkEZh5xIRKsBBf8oS/m6SoJvT+IESsWVo9fhrSyHWz3eM9BI5viZYlTNDELGmVE
+y77pg7jl/oxQhj9N9agfzADEpcFpukYfqUglAK3UwoTEmn7oHfdmUX83Ws2PqxWKtJyYOQnupmC2
+lw0qAIAzw3LMEB0hKOKnO8I1pYR7btPpNFVIb93G93eB8ebO1suCYHRTDKzWJHRJ+9Dbjf+QdvFw
+zD37M63hlhKYdqDpfRkCAxOUxksH1QrQE/izjod8XG18feZM8F5ZGY3NxQo4DIYJw63BIooocxM9
+s5OdPXKJ9IQRuenzPfc6VnBf3c0KfK8/40lNFh+AKiw1cq2wRowV8w9SGjpWZRcVwjPR767wx6MJ
+PyFi+b0zfQbIxqKPy2B/9XnRReXSRXNBVexMaJyWha1nH4SHTlesMrP4i0eEcBGgI6PIIfVoa5MF
+pDnFySqFrkEfs9p4dns/PY9TiAt3gY3CKviQtA4ULjlGvU0Qe8LsN5fIYeFNVcQjWM9IRDY9Jldc
+gQRWpcEv3XKvMlDetU0Vn4age7OFmWxxidBfwjKhRhrWa/VgEnYM/rN/bwmHEbKKYj/4N7bJB8FR
+jBEG6ME18dY0bGVpk1jSCIDOrUDz7wx5NFn/XPLiYlcRON0A/pkXhw1EobYz04y0SyF2me63U6L4
+ThP6wMxXW4IOozmEOG14Foa0ilhyh4y4B9bFkMrCMhr9xHzRlnOcjWfX8aZDiNCLvN7fUtlwKTEQ
+ESne72MWMyw8ZzxGQWptqg4bepZLZ+PYwa9+Sv7EYTxEnWHGhAejw1BtjHq5RZYymCR/SwdTtsjO
+TgU82Uma10L5qJxG/VOW7Ni14yFByMLHbMl+ugTyFu6iyLXdH2TX7vBCBtOj6WRM32zxd0gsTJDM
+Vdwi/D0jHGdSB62RsxDTdvDU1PFXj6NRsTTaJhKelCXhQRkVrY7U1YV1pOa7KgOaL+ZtBEtNpGUE
+LpvbDr0qJQ52dabpkBsSVkVzw6iU+Zh8Rw1gbRs35qgp7SjJgnKvETRQGOmzazrhodAD0rxz3AbV
+jiKRdpdx6uCAr5s8pm9lvfwiuwu2LVNz/JJRwFPGvfOlHUi+PmRI6meTgwL/oRmLl7EN/yFXsHd9
+3pwoQV1gBpa/E699RggfHYk0M9AOQlx1okGLetHs+iy2ZXltssDZGwvGnFEfCySSPBneX9tT9ELe
+qLGfyn2mXb3xR77kLJ2S1dBFAFvHiwuPEh5YU5Kkkn0hbXrDpl2egyZ/NlRXbRrhtluqmD/8/K9y
+uWazW+yS3GJuyu6fXPNlG8fBb7re95GGV/o8ac1EFAVATo+7ioJD8kJUj/bAU6EC7MqTAB+MWWWj
+DU9TjNtw8WLd4UhlXr9Y49WiGXzwQ75/XIz+xnZ+y0EA6g1+xQnwIttBPVdo4kIojA/jwAMU5wws
+rQlsku+ijHCI4TIQs26Idufv5oN3Qs8MpNURbwXpswIHmQjIhvLxBYUd7kvfBYoxWnuYgeBSJCI1
+w6muNYjagypvKkeqjFVuwjpAEoxa1QcY6Ovt7BArI8WLGXiRaZKJZs4o+bSDQqupmXuY3AOxS2yH
+r2AR9BWTzEmjT2A4/6CcfEaBsEaEVuoQuwHfhIRHUW6MxcNaLiocD4DduY3ZHsDI0E641x7w4Hng
+r77wJAzsINsmeFnwKXId8HjqYaS/zW/lBNw6J8SOcSfSsfhhHADpuuu30yDarskQUTep7X+Vl/+I
+Cp0Oqe5RprsYe/LwxwNOZqg0WMVvmM0M95NSOTmHGBygApGW2pMZ0uJqxbdJeNBsvIlka47xzzjX
+vz2WGPDGf8yMcI8ZqQ9wNIoRl0XshgeM25h8oDpmC4lyi8BXY2jIpXkOF8zifdHdlxhP4hJkJytz
+X0iag3SdkkZsMxlVBfkVSKvflS9exdRd3ZaPIGkJ/6gYb845IA0zST5Zn9zCTBzUogpESwUmdWl5
+ELVzdEz4bhbJHLBsumhERbRxDHGndabHnedvt+/fei0+Ur1+ly0cuTkLYfvMmwzTz5RgebPt7sGb
+XPjPiKN0jQbPQ36TeIy3+IDdgS6lk/Ebyxy5U0OlKSxIoGPmdG2mPTRK3JFtpwiogucSPtqGeGXt
+fZjKR7fBhDvLI5GS2MQNMnZc7Cbk98xvhZG9oLx57AwJOdwacH2rSyLppt2i0aR0ODeMvC1gcKZB
+qNh26X9qn6S/KOwI19Rsz8KlqCDD/goiazKkcUWSgaB8QrrSnvOZd9oL548CpvM2zyuuxiyxHspB
+WFc/wBfaYd71jyXTkTPA3AVqi0r2ZVj8bcNUP/PKf1uuyYDDd39qFCVxjcuymku9JYWiPI2DR28T
+wr3pO0ENAdLcqALvd9r+1Fae7oy2RSoPyH/0APQFQalOven9sNj5kPZK9pjq9qPUHHnkXT9kFcVi
+mxPbmlEpwAmJcfSM4rVtqedwSIC0jgHSo2ynBLMkKcUTTf3Swfh36d8dFgHFCI4hVQifjZfCs0y6
++jU5jbq710YIlMCzr1Bw4WtlZAiG8dXJ0nDHMi2DVT9S6jB2Sy3dX/sxPI6I5NLyR1kdnXbi+tcr
+8ZmY9OfOvZZ9DBHdG//yObRPCBCg7lQenPOaUJd28Lxd2LTgJ6yJUYpElr5NY8jXLETEMaDMl3J9
+3GzquJLFe+AA2rMrQCQDObf7ko9sU7jjEefPXx+ymVHbXxquUQHzxW7ioy7jq/lPzu0WN/lTUICV
+waL2CyHiaYoRQ1H4hNPOwse5cXX9KcoRkBvgkdCukod6GM/I3XNqIuuUNs6fEYAzU63f4YSImzqY
+8zAg6sJ+HBZGr442//iFIIoSeTcO/JRFzDUz/DejZyPeV/BEyoBdUqZgIxnJP7/rr6ZgizaUVD0j
+K25NPnGWQdlh/8z1JE+VLNNzYvnvHA4Oe2bWVqK+omP39zO1+bbmrMbOl5x8y/wnnDdj6f65Eyi3
+MK7W7/KKt10U3pUx0sciqsglhMxdWjI8Bii0Vi6gPN/KBsiXAXyP+XuxM2XIHYX7e4CKimZ3F6r7
++AVTDoyFRbJXLFr+7mjAD8jOrmhf0La1KflpIYqmAEE2On3j1R3T7qBafevNMDmNdveLpjy9Qmdp
+jpnVXlI9pBtNZX9E72C/mEN3yBcv/yx1ys3wbw4YgJWpa93D0ZCHDKDZfsybgoYEonNaev5FCmR3
+BVvF3Wod7dtW3VDELedcTnfJcPCCr4UECU6SnKXSdqT32NRUP5dJge72aPwjxyvwDiKWIwvOZmfX
+dY8O+bakb7kZJPZG7jSrvYdCtMurHbufLsKCMxKAGAs19VYjQWfMTMSQoCFQczMSQPXJUBT1PF/n
+oV7s8+Ak+PCsZU/IdnCI8zaFW80AMUnbiLeNe15YpC+ZeXxz+0+BVe0+eHW5gQzwbjm1Pufd0ERZ
+DqZkMA3/ZGFoHZ0ZsWk2MG0ue1LV8egSI7uO7QMfYwTzkNbWhwrB7WcZ9y62UHKM7Bn/sZ4qwBEh
+Sn7h1pzmlRj3nUfoGRRtOpvxL5hLkNrgzcz1/WWiwlaDzo+FGsNTxJ5WlA4WfIIlxvLYOTD+cR5F
+FgMkHOYLTuMiAR4K1UY161C7LGHpN8V1wJBtz3p8zEUzPOuA1bLkjt2R+XWvVekfgmByWRZRgYAK
+8NCu76aV0mTnJM6yh4IgYlwYe4DCLUkryMKNkBd0LN1bJX8tvKkhE+qWPfRjbRZ/4oIhr+fxilbw
+M/Ky/2yDGDwgGRJ0Z6l+rUuEN6Oz63rzrTa9b0xZM91T/m7PMXSaNb2Wmby3rU0JljVGohOiwX+q
+kxn0HBNsUNJ+e3aXOYVVaquoWUQQhQu+wxbe9mPuinOdtwNO7xV5spD27lgrcH5J9KtOAEb6+oe4
+rJpEeLZe1uSKU+61sCQkSXnYOtcx31SjtYi5XFvq+21ZMUseAm4TRPQhrybrangAbUXIeVyUySsX
+Vvui5m67qCl5nZZID+LHSMsySpbE3yf+RIhAb7MUmUO17SrX+EA99STHGpwcYL3GaWy00kASy66f
+yR2Dchcuwd4PfChzTtLhbCa+KkFetjENqupcdPe6URatJI32MlSfRQK8CLdWJOpu15V5fCxGBM2y
+WwhgscznyhXJtYvJtM1bAUV6Np4cWWAcEKjVfIg4En/Yi212QGzjKfJZ6G1skzHXDFghyvCInFrX
+O8sMdl/OKflgDpN/9Gl5U+q3TvTGOQxi7yhG49bM2rpMI0hAs6+OmfIlux23iGoLyiFLsfdgwp8C
+OxN8MmRH0wqa975+YUD8aEJvYU10QQO3fGU5e3FBfnA72BkoDMUMW9IBxG5lULFkH7m/MB9HPsMO
+meUO73Gkq2m+WX5ODZwghjN8e6+81aPPQm4t3vtzW7qHhjGkGIuS2AW69oX/vCUImbvGbxv/UviV
+Q7wK3EQgLq+JJ9ReN58hEGkRrKtk9zp6w5Hoqe6R/WZ1cFrcg7ZgPVqua/3BR1qUpr/UTFxel62N
+VwMZyZN5hFicdrGzk73XxsVmSOZxV9Y+nysGA09mUILIxOb5oz/InAaSsZWXxzSwaPvIc5OeCyq8
+zHdOWnSboGWOklbs/YKEhtc3P6Y6CC5l6/C8uJ17sNrVyDyXWO9Q+I7dXDwNRgfmDHM+b5ez6Ssk
+EN6IXGGwQZX3pQfvJ1WPMnbfstGBqN+elnrp/xXr4R92xofp6KcRKu8lTYufcjKrbWf6ZzZqJrQm
+FMV53o7n/74QrHRvXG4WiUyB2xxFI+ERKjmxwoHrpuMjxXny0lTLX6yjB5N0ut8pHCRVZaigm/ky
+MTS+OK7zGfR9/GuYmf25iXVMFlaXyZL5URogLeES8zfBkEKXDcUrQ+h2J3pCV8eFItLrabWzse0f
+Q5q/J6PUZwuWtd3W+imrwz/F6LcvkChbQAcopicay9RsTiMIuaS1sRNwOT8rVNm+rY1jZ3ZPBI9j
+dDJREim4wz0ZdcDpeD2qPipC1sHY5eJjvsCsE5OZR8bAk0SGsmQW14CSYCf3WC+3IvCdtwBVG1kO
+HF2d+dSV5ZvhNMtpseVr54NCaQcl0cl9hOyrAAfwBLmMy65VS12MwjL8qLiptg72KYgJI8kPOPGD
+P3Bwl3s8DyYpF+O78DlE2OBBzWIgdA5z/9HrG+wzAgKWWRZPbghA+L9/qmvbfARwOaCuBrCvNas0
+YLPOUEYI24LNbAXDaU50teVsabCIjnofkOh3YRm2bNM+BIeswZrYunW2aV6wkazU8kL+jA53uSjS
+t/++EG6WZukUxZN2riOpQW26/EYS2R3KKU6JYQlJcE4bscOpGbzYyiZvy2Jl8t8vnSonzjhOf1jX
+7CxUHZ9qIvCny2EpcbXVGyIV6o3t93cLLQSBgZzYoc3mZWnEiallfc/S5bXsw+YeELuVxN70isIV
+tbtVKcg7snpqh+afFe8rLuhLo8clKk3EfDnfcQOn55TGQXX4u7BvvvteWVyXzPlUACn2CHTYN3gH
+2GveJbBles1iLvopyJ5RXOEXBM9S4sLbJCBBnkTXP8UhP750rNVtXJpnjDH+wXogaYk8Wf5wlEmY
+1bZ+GxSnOkXlEYQ9sZAUx5eRfTKGHhICMlVDieB13MSlpU4oSAkbJdHImtleqDt6eHlJw5wnEK4K
+0Z8QMrq2/9P4DNf70jf25TgQ0hucnIDrTBh5vHP8xbnVsz4CQyAYyvx0K2xhAG/gTqZ9wwaeGUhJ
+YlPuBwEiuTrYp0MWozNONhMzEy7eAYdE1V+akOQVeBLgT31CY0sb4yVDyrwz350aRo/Gu300BgZB
+Vo9yskhcC+XiBNnNYpfPGEDJBWvgwPQqreQnjiO2u0hvN0VnUAP4KjhXiKOOfukcjazNtsbgIbHN
+3T9LKu2rNCCkfhCxZ5K7VrfQBUetIBoi5UxptZnIO4HMydY0VzgMd3Dwn5dlzvIznf9Zcjxe5ACW
+qG05rZVFAO0gPv6DbiXOvJHLPJ6Xl8CpNnY/NZA2RuIZNAGcw8r5Q5A4ASmxvp06nI5whTYeOpOL
+4Q/P2czWvAhZ/aPKZGvFMmwn3Mp6ShHImoN/b+KgiXD2zQA1zI8k9udj4KMjXAuV2VR8cZEbSZxv
+FYh0Rk16fGjmPD+pUNRQskkAZqkTWY40I5YXBIGklbWx2iA5Sh/8ahDb6bb3DLJHYRA9GG7JqTIS
+qM2stg2D5m6HCTrGBvbbRDNkg+u+ur9DrXqyqhNchbTml+H/v+DZqnfMIYB2u7/xitg3JgH1iSMV
+e+ughsekO1vsF06ZbX+046PjUQQkfZ8cCVGT0iXeYI4LsOF+hEAswFMk5h2Drr2v5ulQl+T4pH7p
+Hfv1oVk9QO99Mv1CcnisR4COxIlgnOPn58aE6HUx+Rl9xcncWeGldYqjakesPrqQO8mi6Zx2LqVL
+OaPPsEwcxg0V7SSt8LEf5xnRkyu31PFwe+G6bhKiP3x6yu1A+CNPWwYdU26Dm2405dfScFvW2V8P
+5mHazurcrBIMNRpr0yMZaPQK0x25HAyDWaSAXlasAzIE2ptZQxcJPABuQZiVlxmnCnuSRaSRoM+m
+pPL7KFfzdwIAhXwjRFg9r8bpv1/+90+ePf0eZRhCPeS/+O9fNSr5i2EQWVTl61Pm9M+++p0gfCK4
+T4OabvoDAGzGDYsG0tWwfI3J4/ATDG9po6JcW8GL1wRRLPP6icRBaiHtVvexsOn4PVR5mbdnaEx2
+amvt/ZxJRWleYHS01Jj9WytIu8dG4K5ROOa2D34FMfsAFpeXKlb5ycv0Y4VW7sG02asjA2OLURLj
+QA4uGig4tV1fv5Z1GHIW9yUh5M0fpBEdUmWrfTJ4wlszz7e2RuzRxxlPclwiTzJBIwVzaO/NyUOF
+Jez4ONlWvKtl4mzDxm1ueVq0N9V3/4Ik+cgtYyDBfaooELPg2Wm/NVzcBhjcweTMoPiHn7W07btj
+rQWdl2X8PMC1DVQxPdpSw78u1HrnIU/gXSpPALccn0KpzWejKs3njIXGZZbMkOPs3AicGS53U8Ro
+eAWxZt+2R4XULc4v2BZ7d0yWK7PeCPvhCRVZgjaB36MLuqPglqGZXbptL8mkL1B6vIQZlkczLsft
+sFZueUVMuEnCD9zG8gNiGxKUakCa5kRsdp2NXVectwQEPSqPI3Ygno5F3U6jKUattvSnbjbaI3qF
+YxI7OWJQO79Bonrl41MgsMhyGJsy5ARC6ZssH6ZXVb/L0MyPVVxTYRktR4BZ3ztvugb01RvZmsNl
+GVT9jjVsowgXIcuP9c4ymCZTR9umVkqTZ8W2nlNkis/s+H8Ys3i7QaBDTywO2DGxqkejHjBQVoxd
+u5jQcF3ew6A1IEILUg7S8qVMbesNQd4JGyHOTw3rxsWp0c3La5NU33nlAvGtWVkJObxncfW1dDEp
+bUN2nn0FwLVw5hvzjGGX1n9NBXdQhUVymCwXEcq8TDeLcXLGgJJcSCQOaPQ54CefSyF+Hibxpyt0
+9iK670yhXxm5pqKuM176+TOVZovo3MfQLB6HHmV10LMAjjWMTGEL9cHozNuywiSUIx6/5mejQ8ao
+kVtrNsVHfoogV73wc/JZxTJ83QRBUj4SD/gLLc0mj+9dphvSqMHUlhIx+6zjS6sshAT8+a45ZM99
+QVNi9LxZBkqmqepWWKAvUT1la+bi8qhlu7C7Nj5bx8zQXrTMe7vEePZC7ImW1RrXzioL7qYMViXa
+8a3nV/FLTgPxgGeY4qzOVISntH120UBUlmFxcfGTJQ2HCR7Vx2GevBR7jHztcZy+wIJAVlXRZAdZ
+T3RMXX/RzRwYwdYPLpow0+/mx4S9wWSO4xOq1SqqihD+tlGkt2DJkh2mq3zP/qAa3eWDsTX7d/gn
+SIZiEwkaVFQv7KxNapXXBBslszW2b+GMniBvDYEiV4AdCwsyw6FX/UEVdjA9VDJj39/SRIR7Zf8m
+sCeIzCX03mfHvQ6iQRbPZuIJJMM+mbmAYOMNRx1S9jYoX6tFD1uq+H8lOJh7mnnLwXY7vVe1yg85
+5yuXIL+DLUcm/Aa57TMN1pwsw9HzwHKlOr8icS6uaejlV7ep+SA6TtDRSP6mIFVOthOTXl2hQE/n
+BrAdNrEpmX93s53cFsfN9n3L0/zfL0OiwfYJ9Rj5UTHbBz7tB6SfREy5obiN4R6gifvkbs22zfCa
+3PogrM7//SJgGnUhSAfktclcwvMwc80uMJZ8XgDBTKypUWagrGfA7JIlRnXNXcH8tLJot+0Ujbqj
+0RHa2NMZSwOzGcPz1BrTVa1fUi9ZHpJqeqUpYBSFOnVvjzZrG6j3XMs36QXjvWzfuaHnzZKDt+WS
+Kl4tFuXHLMkgwfp2e/EH91/LruZeseGNa3XXRhLeUKhKA92C42ouoarr7kS/zldfE/LlifriqPYL
+J6y+Mb4iKiDCss+Cd5oeZm0zTvG9S+rl8YMoENSKqv3O87E7Z/kunkixxLZLl7yKohot/gYD8I08
+6cUWHQsiGOc2W5Z1HvmZ76xJnE3N8qadcljXFfMve+ruhqFoavssklC4rLBnDld9pQ7xVxIXbeQG
+7WHArUh1UMMhtUGF5wH9M1r72ZeMs6ucrB8LLC1nwEIbJKqDkWLRmxwY93bxyex30+nBv4gYtVLQ
+Vngtlvm323wl/2PuPJojV9or/VcUWgtfwCNzoU1VoXwVi7ZJbhBkGyDhbcL8+nmq9cWMNBFaaDMx
+G0b3vbdv0wBpznvOcxR/oDNU/1JHiQ6VqEDrDCnbqjEETzrBK9V62Ymcd7q08ug0yHq2jM2wbmoG
+fV7DYY/oRFj6jrluRxCsczQI7G7ZJgAsfK4SbDROO2U7KOQVJiMKTwBIPBmOOOl5IBWRsykRNV/u
+ANMc8LnxI3LE3RLcMUdGgaZ1g2kqMBzxnnLpW88mCxjfLK7UFUoTfgQuFF8O1qIfhkNhTr584qWv
+3kyTSaQYpp1oC3FrTV5bw+Xpdmc6vCSw8kn4gD9HgT7lJd7NA+HLHb54ygSo5UA+Cyem+tAfp9Pf
+3xYLIEqdYWMEO9Fs1P0yyGmjfm797cL+ShwiLnHnOy+t5gLWxowfEz+50HckX7LRH44wQQlJL9PF
+WHC+JzVpnbygUq3UBvBB5l04xozyNoUtpKBfvebU2KTKO8fL+D1PASDflv9J5VhPIypVnfe3tpPx
+a9SxNfdijUvBOepM9+HQBvbGW9Lu3OghuGLlplVCCXHrkRlJvtfUHpTds9A8v3lskLbgUB0zo9vG
+JGsYV8LMMXJGTn2W8knlbv2e2QQcGqCJbCLLN5J/jIw17weYjKJTwyF3udDkEPtuw3xi7LtrYMBe
+wRueA3hWzzVGmVWt8Y9lFiGXu0USLcnD80lplD3h67Kd3CLqjZ441KNLJsVzz91g5vtxCG5+0XcI
+MIIGgSX4OcGVi+woOFmhV0/ttRuH4YpX7b0A3riD1qQxU2w9+vg46CTBJfes1yr21KGKsV2naEpt
+wwTSQe0aFtN6VCLyacNz0gNuxYWhGl5yqmRK04ZFPc5fXRJQJVxQd1mC3GvMEZaznTj7Il/y50Vz
+y1FB89IzqYe9DBW/4ZrduXRYkyV/8oz2yI6N08ZJn3sQSb2Pv7Tqq+xQjbzxUdoWm0CXGIxipniV
+cDRwdEFEtKHzM4+iXSSGh7yq+h0UpifVcMfgVPTtNT3DDhnDkuzyD5tahE4GqHpSG2TA0r09Z38K
+K20vga6WsK8LosFR1lMQTetXfh/XLSlR0vjViYtgW0bmk+nZsAyG/BUPFh5C3LjYUqs97ZPRi8iH
+XTdDZoiK/De4sRmfZr/PioYxDgeVVTrdxxT0aGIJpsvELgl5uniaGJnuo0F3m4RM7ZpIM9zKxQ6j
+OV82KrPt8/QpLGNiKaAnoBu0DnuqOYCzyhXPuLny6WqRsZ9vs3J8dfjGPuSzlR5omf2EwrqsTR9E
+5EBB5xCn71EJplPyY1Ipdw/uFQxIMBZDanGMzZAZ/MgX4kuetSGg4752hkPeuaPebiSahoeYugln
+HM4c6ze21tVnNPIjLbhmLU0R77lTKB/kVenbMWE4Gv1IfF1GWFernrTClgQA6bq6AioSdEfsHV8Y
+ogqOZooqhsj/UlS9XXrNy8sRac/hUqxjGaXfgoU6LWDS5y31dGB17M1c2pKSiCJ/yxMYF8Q5zM+J
+ovXUus9BO05qadn2eyJv79EA1X9YXgeaHKtc8Qgi7tLsMWCh9+QtHQqE/RTrnRhKYEaeCMnMbs3O
+JIeQgdXKTP/QKyzEJYOXm0DiS0tD7IcMlVVnFFoG05PPQGhlaeuVzZhRJSgzpQegEmVvrPMJDV1P
+g7nh3j/v7WI6kwTHWuAv+xgYMQ5wzeRvARQfESLeWstMf04y7XswyOs69t68oT2bFluw2eZPPRoV
+r6K2V77mPTWN+Oa3Hj2sxFOKGZMJbvGPqaeGWKd0QttlKtfTq+uC3M0hDgF95o5BwujI9dw+B4ZY
+yDfwnsfK8PYRvSVepLg0Fc3RNmqxL3t/OZPqhbgc8Y7KwJhPo6LNewKzjkGtPC++Z2xRkN/yIH7K
+Y519+frP0Cf2j9KjjSTPnJVvTXcVgU7Jzsnq0JGz3jKe4m8OsquvMH8FpjMdfdzthKE/7bxoPzzD
+xSVh+vHFxvy6MkCO0cqREtqgnHfjc0l7dBgFccue0lVeJfU+Jgi+LQu4VJDM67UCmrHmBtxHQXaJ
+6uKelHyRuET2FQgf1i7EyRL4Dsl4RoqC+xSOx53dP7djqm8SaBmKxnizgcte8zm7pY0N3HCUxQtH
+ym3RAKjyhpQiGDfBhlt07cGti0u6qOIXMtRXmU6vY5OidJV6PLs5dvjCd9iuApJoPZFL3w9W7D0l
+YMC7pCwQFuHHmbtOUKc9O93zXAv0A8pMB8YE6yx1o43LENHuzUuUt1+9dt7iyS02A9PTsTtnzoNr
+1d8pBGZGXUyPTDBoR49MxgsUXvRIPOKJkVVbSoz11bX84epra6uLArLaPspRlC1To+pY+GoJXI23
+iJ6jSpeUr1aP7VgFJw4WMLHYK/FE40qzxfKSJp54ajA0Om6Gjz+uH5r7NZBU6Qf2q4ClmXNYMePF
+VmMZn12o2esuplaiaGoWtaBrtzKji0clP/5+Xn7ixBtqPjA6x123JzRGTfJi77FD+7tIce0DoYKP
+1iCkDi/OizZQCNRaxn18HOlz8gNvep16eW5N+8nucb5lNXmRqnv373H1mjA/vn7zV3OP0/aLX6/c
+qekPkTvQuWVZO2m31n402c20dLeeO9xg3KSXvx+IqEfUAwXds32qGqtlp4gA0rUw0K0y6h+r2TY2
+5HWKh1aRpQGelhxkC7Vh0e4FIBRPgOUY14xyclNTlWQGxXMqdU7WpjgGLs/DhK4Z6oy/JVMVHljA
+0roX9qWQeYY3S53Jq1gPPg/SZXbksxmdBpIEFNPGxwBljiI8cTTayX4EjJ7bueTzDgReKuzxAenN
+zZRbCxN1yPUM9IiujJoJJjbCdTRBJR5dr9vAH/Y3HuglugOLNb0wy9byfUHFTL2r/fHVX1yDKSVD
+IY+p8YXQ+7aLOek39bMxqeKpwiL+msgzI70qrGTRsKaK6oK8HgZpYq/BFFREEnhdSTje5+05lzi3
+pTIL96NniVOTYcql+/FSLf0rhI4BtYPrdNbLaT/ZmvUA32TUXyfoeB9VBifRKrNbMs10xRiye+Mf
+eG4JWyOHhs7pJpxQ8dGh6SQBhMiE6j4C0RnhTyuv3McO4joyW2qFlZoTiIUJx/s2shkDYHtoMoOy
+h7nb23dAMbtY6FrJfK4pVN83s7gVqTOdioCg0ZTeLw/gJLYsiGeOO2DeVTLsHbf9XTcd4t3dBpfM
+d1mYVPVe93uOMyRGqnkPF9Y+x80t8mt353DC3STgEWxwbqd7wM03VXbS+oc75elZ1PLbaFrqAXCQ
+bTMf+k4y322NZpVA3+kTRK8ZjzelRwuP8GODrQ//S2LtO8fbFPfg/98P84zGBrmtPFTwlLYIm5xH
+UgFXMgdO3YBp3RVZv0noduSgSK7XLW9Lhbm3zkgHiQreRgQM7pTmy4thNgwXomrZ1LZNLqmQj3CG
+HOZIONPmJgieSdv9HJE/V6MxdY/pVPAB4gRJyPHFpCTIKabHqXLXmZe7x7rmcBP4OWHFunO3sm/F
+zuqjmJozZClVpG+VY/wqYyZqZgY20SC+mkVDRrPQkpwb+ipCnfcvc2VYJ1njys2iaKH6GFaBR/c1
+ht3xybV5i3G/4v8LPaniX7bfcdOECslCCj0ymzB5Y3b3rxU76AqEzVeULtFzHmEwT/sdU1FaQWT2
+MbQ84pWS7luUtV6oOVdMbFNERZP6WbF4FqV1XTpjOTlk6eWU0fkH6upqur+l69XPiUx/eA5CXqKx
+/gBYcPKrldTfBdSONP7Rwk+4Q2N8KFNUSkErKF9IuPk8i00oC1E/Gk19nl0Y6qAa1k5AeY4pC72e
+0z5jUJGaq6VErWLh1RuzSAPahsoT+RU39BYQpt1iBWGUFtAvy/tSi0uINBlHzagf6ufYBkLXf0un
+91hFLAJ/Troh+Ff/sofyXfhvHW7WrVHV3xANl03p+myp7GMj5PjUqrtjzBtI3+4Juq383ZXBK5OG
+aocFRGH/kOZJLe4tbgYQFLl8KNOKRJ/pf/SzWe6DLEjIXxh6ZQCfPA0+Bq60oWloU8Ty3mMX9KFH
+tn6rWidZmx7ucaZh6SFYIL5HwmJcUwzAbmKcGu341fgDyYLcIOtUfKULnSfoknBWo+pcEoLryBlT
+8CSfUyPbkEpCh9V0mkRTiGU+2sc233Gm47yPCd+BOd6Rf/Q5uNf1mXmhwIeS4/2PZrw3LoOOroez
+UlYOQQedeAcCGc+ZC8uClEQRuQjhRfyQTQ3x61ZRSJe5emvGzaNbm3aYcr7iy80+zJzeOww+Lwla
+8AF0HFfauAmxB84XuC/31AquPVdVghKNrZ79Za2oprgCyGdQyVqwJ4G7H5e32trX9xN+L5KHyGDU
+aM9uunMaIde19k4JZFeOKTEZb1DFK+aUNJAm3o9OGT8jrt+nPgiFYx91byIz1LR6ymEAccH0Jo+j
+5Bh3Ac4d2HabOLWrwwzTYgT6jOuHd0iYxriT3pyz7+QOy/gAAKOdaCDyUdHd9kqgtzzzCQGJAzga
+WUBTGItqdHJgs2P1FqdyM7f2DWSmZgxIXXjB8A0Ug+PQ112QP+WeW/v1p2gNiH8w/ncKhKuMHaIV
+zYC3hRQFgv//Ywr6/4eAc8dGpftLXPtvAOcvX9zl/uX69Wv4z7Sxf/6x/6CNCfMfDmSwQNjSE1K4
+d9zX+LvrIX35/7Atk/oPdC7xTxDZP3FjlvMPV5rSNE1H+oEtPPt/Q87FP7DY2/wpPOwBiHTT/5/g
+xiz//4KNBdKxheSDx19nm7bFv//59UQcufv3f7X+rW2ce3OGjxktrm8V1Nyhc/ecYW4Zhx3XM0LX
+5tpX9NcAH1ydGN4qolS0aszXwvMhQd3b7erdf/oe/hOn/y/lgGKoyp6/Bl4oX99/YaAJ0wx8D/A6
+uh3cNT/4r58WplsTsbbOw86eeQu9uxMvBbbYTtZPH6YlXOXgsausxwbEoVYU6c5ioOsV6W3NTCpa
+0Rv9q/FSwZSZIXWUHZvFmm9NnJc7V+KLSjK63ee0OIjil5WaZDHdPjh3NfOhEY/KoVTlzU47KnQM
+GhB09MEVj7/JYxhBRRfHaseeQ0wy347DcIapB02cd2xZelAobBfu+WQyNDlRi4Rn1kVXQBSryXL8
+W+VycfVT6xP3jNy7+ViEWMwoJdyw/Emi4T7fY9Dpl67sP1oIcTtgAprylfnJrNH3+nvvZOFLirMb
+3UE7o1TBVZ1esyRXa2mo5SngtkoHm/Egu+N95FAgnEst1TrD1b3qk+m7hvSyAYeY0xBK0q3AJ+wW
+Q098K5qvWfuWmUnFThcHL51cyGaWY33qDb54v8Wwfa/lUBEbq2O2N7ibIAA8JmlEDcmyHsfmTyXu
+E/eEUH95FJX5Wc/y5KUZrZYQ47CugCzo4R5EQY7tKGrDImmnYzogLYKjA2tR7rvAftP54uwEGVWq
+A1/ie2egiSY/A646NsXGiNyzcPHZ2yowMO58AW+xdijhR/gHq9QZv5mVBvTgZJ+mXfi3ui8vhv/b
+UoXcucL9jHwgmgj87E2JiI5+9iSHX25nnzslvicbwbAd+jtadbj0GRYlAvEAagsunjlWnbTCcTJ4
+2c2yMow7Uq2wGU/nzj0uFWNYk5nBSmLIo0OnBWpLWtmAclPHxkW5sEryvv1FVdf8KoJRhqB5SpW9
+VoD0On7En1UQTRszR/+ccmZAwTKlz3FTfUCor76cid7ZYIXEJx9zfqDbfDTzXRDoNzNIA5pj7XtC
+lBpAepigZRNF2KELgMfIaFRxEtns0rsNNI1NLrO0uyeVZTzUpXzFi5DuelrjNmVDyTNxX9jFpcOF
+0Jkg7Nry6OEDx0qpSSBQLIJHiaBgaXc7elDA9nb5tzHc+ALiEzcBcn5slEM3uOGk70Iw+cjdhJsl
+t6PmItI42vx9oPDTw/XPDo7Kj23pto/gw1KQG3OxGUfLOBFpe2qibN800r0ksc2Bh67sKev+41+x
+sHa7RqfkAlmIDolffKRJE5aWcxy4Gq4imeCsxnetlulq3CFRi5u8tSONfeYkcQb5PgWJY9CehINO
+X0aj2k74F65q7KJdasa/ScWnl2BATJic5ohU0K2dgQEVnBQKOQdjpHAbepr4IxNqNPHX5aumDK6u
+OVxkK5hY+T2JrzjgMzTad8qS+m2wOK9lwurgq7k9mHlJZb3yJzqbeVG5eE3URDyTUWy3lp4rzpfD
+46Kb7tFtM1LRTvpDWEn5yphk3EENRior4qOz5Go/0Udx7Y07lS71D7gv5s8AMBWhzAPwoi7kqOLs
+8rI/EZOQKz351daZCW0YXcSB8+gXi1wPJvN0aWAoaKb8j0iycVtE7xI79inAIYgocCrlz2bMxBrG
+uwi5jcyolUu5M5S+qWz5kd+lZWIKlL0pyo0zB+ppk9Giuiw/Fpc5aR67DyB+F7hvjANjV5RYFjqx
+Mf35NLfce6fAOqvebQ/O4IMjiB3k/CV024RJWgb9p1dFjKE1vjJ1pZnTBvJtD0aLabk+TqONzdF8
+rvuxPcQjyqwHr4jGmcqkScms6oUbJb4XZo/n2bzoqsKxWPCKJtoiNB/wIeWUaCf35H5RvzbxIxgu
+4oT2jUwa/yeT3o2MnI+ZPzGk60OSr+QwPfMjCwJB0JoCU7BN3iUZ5nc/Hgxo83CpprtiwMXJ8YcM
+nHSHM6DJ2nXbRy296vmybd7ScdBbX01vXk/ubexy2ojum14XEWSzJcsgtLhDQHR8ZXHNXmN/7EK/
+bS0cVtWGWBvWNw/Nv7ceDfctXazDFJOhaBAJKBoav50uwZFigptoaPayIP7cXabcP78q2XHn12rc
+xSP+x1k+OEAOt1PPip8sIBESEby7tv9GFIfpwBT2i6dDx+SEC/rk1nX1bx9R/4NqupOwsm0UI3ZL
+MXIVH7ivk2Z1V5BMdnTY+qFHPcC6tslWQJM/GcL3sU7bHcAJxwKWReiAhzcOW7hUxwEhYlUHrqQB
+KqnO2f0DtjtEVrzBAcc3JC9N5KETwdn3EuYIhFqCc8+G2ZsO1YqlGC81LmAGGL2xccBzXSh0w9g4
+NPG4beOOGFOhNA24FQN7soyB9+Im0c8xS5yDlyf+FVvx56y7aTf5brtreQdGadZnj2/F+SEVRn1C
+bmlPqCB4z/5+uP+WJrHmtOXORD6oHxYGnwVLa1jVLSPm1ilPSFTVqawimpRN3g0X5hffZlDxR5EH
+aler7CdniI6koqItZiyBhzZsRYgUiMMw9K51NAwn5YtfPQNz8p9zv1XVR5O+FXZ+5uDlIZKNXxJu
+2ikB97QGwl+eIEisCbS8mgMpciWg+DQkvCZqH45x3FJt3N11rNKdDnryuHkpezqn8Re+Vf+wVNpZ
+UTdZ7/4yDQvtkvxfhrO25O8oG151MFFG4PkxKia/in1+9X9+iwl3oTXBIDRy//7MGZOnxVHOzmzV
+g+YZPU/3D3x9C4W5n3UDD2TmeblGVDKFntb4UP3GPZkJsVfyMgCnZwCFA3V6gQw0PaUMRJO6Zbci
+3zBNtMmZoLnDvgrw2klH3Ca4AllV7h1yEk/ukL4ZwM6OhpVtDMJOmOhd+hckXJ6ks+58egKkMUg9
+UAecLmR0UF13YNCfXMbcJTLv9XTYFyRz7ehS48u7RBDjF2/ITv596KRmfBKllRxEa14l59ZLNgTW
+pXdoiqx7o13F2jJW7ez1t85TUAkaNuoCDGvO001PygulQmEBfO4yFnDAehOBjbIhQAnTKzztej92
+99pVKEbk9rWIseKBTTDQTBe6j5t2BLoAeGEuHsfGCh8Kz9W40/HHmO17lwc9Nl58FZ3iP/bb+FfR
+geFEPhlXNevIxkPlRuZc7s4gUDO8dV7HidP3YpqyIezAg6UaZWrH51T388mVElqUovdbTXJej9ZJ
+6Ibmmgx30jzsNetT2PTuIxaj4sK3P9tY5LbCpZWfwljSg5UUaFcMH8hcrDD8VA8cRNEjACdNCzFM
+Wgd7WhP9ZsNeC/1h0sTol2iDMXc1aGO6dkwsgfly2IZkP4U5jbzHwTF2FP3SHx9kMdi1V5bvg5ZY
+YP3AAVHRkaqzgxbZLvgV38WygmJokCbk1Fil0tLLP3n0OF5ScmJ1TX7AAx+aKG6VHrPnKWv3VcoY
+yNGLuHqZ9YuWbUJTbMNPOmcdUvObl5mPAGbth9wQBzYR9t7Ze+sB6VGBTClflCbVTpl6kxSTuTPr
+7NB2DVv1mFVHT4Kd5x9zQ1DmqrZwBZak8K+LtcK4Di7IOBM5BXgF1IWGSovYOHL1OmvhWdoFfdif
+mc05cXSP7USnJOJB5/enFmUQYum+bd+rEtePmqriRfryOI4FDbHYovY8/ofCjeddnpT3VI0IoADB
+9bsHg4gUbdpqwqVZUbgMZWTeU5d3gB7EXWPR6jgMbHEJj8zEKe1VM10AB8p5FzYX88KK5lgHzwL5
+Zpu36a274/ywaVhwKJsQ7Enxc1AkrQr76PCZPkODpuUvsuJtXnT1pzXYYYN95+TXiGCLFgw07OgL
+2h+Ilzh6SIcBP7KblECurf3UNBGWTGGB5I37X2Z97VBWmJswmC2mwl8Z/SJv2I6gEBjgWhJfuDBU
+SFsslrLXjQ0KwpvQpwBFpBeza6OdBIG3GgMPQ77C39SLbW0q2KezDEBtjz05nqB9LATO6Cg+2lze
+Vn2WQ46OcaTyi5CiefvRS+1rOdiYNO6/C7h8PtoIwY0RFTfV/EGW01cW+ThZ+k0qOib/uKLWSGzU
+Ys+2Oic4ueSUOkdwe9EJG118EHFwIAYcX2vpdpdW7nM9yM0AKXFDnC275nStej4n0mzgv/ZKKCQ5
+p90Ah/ou16zzpaHeuQY/8KbSfaTKP+OiEroNx4TlkuyfgcmkRD4zeaeWJYrXfAe7x7ZvOTF4rrWK
+5bt23ebmBPLVUDIOLd+oWc6YdVmQYTiGWyKcBNYPs7WDs9lEEeXXfFkVtsmH2XB+GRYicppDeuKV
+5Fn3QFu45iVjvOM4QxG2NadCskphZxr2cSFABsYUuwms5mNgOLzgyjFW2TAYx3LMjWPAMeOYHem7
+uF+sKccsfSYQXkJB+NKq7rV2jnZm0oRlP87JTA6MFlm7ptKTPCuFu1nTnkwbojIJxfHFZozquF99
+1QJeC4KwWlQLihjpWrcW4SuWnKHG7+WAqNTLkG7uxsAbi8vIlMB+Zpf238H0UPE4fgycEvelcmae
+0sY+eI6YwFiYNgOxBSmTpOVY1WgwPU97VMqjSizOqc2hU7nej0CfQ1cRRK2QEiKBFbfjZ0QYDidv
+PfmnGn845+VLOdqbAHlpPaXcPEAKFqeAywk2UKLON6vLnNsdvXcAf8FplGGaU9v+jvPsdvEc/9Es
+3Gg9uPm5KsixppZiR3DrI9446BTQd8O5TPz3ObrEkRQfE7V/Oxfe5La+81csZbmH1mqmtczsZYMQ
+2u8tQxxpbmhuyCgEU8bJCuHPrtNBBJsgaB66e+kjl6/laGCXQxMKDtrpup0FAXeFM5Yo4cQ1QcVc
+N8kiYiMYlCS8zYITprgN9t3MVViW0yMJ9na/5BgLQcwCptLu0ZsD4Eee6R/78Qu+DdwMiV1fNhW8
+p6B4MY2sPdat97sp6vFkMA1Tuj17DJBWk0nxrPK0xabduDeqUOM9PxViIJO/I5JirQknvynQrrs+
+GL7ZKZebaXD4rwg+1G3+XeRGdwAajz40ia9I4se6W5IHnXlbDE/zg1mVmLoCi6Bg/dEnwXTss0Lt
+cY3HFBOZVNshVW8WS7zablwdyAPUDx6DsYeI4egmJW4RmazoNZkscgvK3PhugSLU1P51niJMMWwT
+T3kKuo9wiXczrZ6eaBI8JR6XsyAPuGJRydg4TJpxaKRYW7M+xN6sP01qjNSd7hUhfazGDOYP1arN
+WuAC0dnCbmUyxvarLgENwq0my0v8DEt1xcn0RJS6fOH2Up+0C9MzuZsFyvytSrFTc3UqTtcENNOL
+X2EIn+uR+qQ6wEEEgLUl1yhcDgSTJe1bYfE1VFJ/KKHgHZnjrmS8zWZl1Gl8S43xjGXK3meuTxQs
+MOnx0twwkbedL69IXigTwXrGsUa61fiKreG7wWuBA6LajpmXrcFCAvBHW9hOMVK7rDzYCIkPLd2r
+/YM1LfRxWcZ3MOPiIG32OEZGsCoNgoxFs3clh+e0ncUVMg0Sjxh+LM3OZpr33lZLA9Nb/2Q0CRCN
+O9Ot0WLeNMKFvmu08ZrdMP4oh+xnE5nDS9137y7pXp/D0bsTM3d2wZIdskZ91w2pk1w78TUqTYqp
+sklfJ9D1We7LMNBNC6eYJ1nVX0NrT49dho91ks1acdnay0w+tmkt+K7y9A7MTQtiUmJq4GrWUHId
+ObZXzdryqExjYy8U7GHfjg92V+XbSTnlQ3q3hubBJ/kHxpGqX6hcsva2st1N5Tf5lsk3WZgWRIPd
+3xmngIZ2c753mjZ6ouEQbZt+xDwhQdpTUt94z8JN3WNhUJuusnIVOP34stjB29zVHrObIb34ktb6
+DoxdsATlFnbOtDLm4fc0zfNtKfSFrvZDQknHdZnqNRUA5Vl1s8ssf/lpZv38NHihSZ9vWRlUxCiC
+Pz4Sp2i735abt+sy6fTBKya1YToWbAe30Hhy0p+F32mOQZp0cDCeScyNW0OlIJpt8KVePkvm2E5w
+7WO6DvzuqUmSUzFwI7JF1eypQaTwpqDCVimoHZbtAHqvuu4xwP3eKOUelc+d+wcj6v2ce8T3ggp6
+0cD6bVmHAXSacGqKPMmDl2xyvNLNcIxsBLi23puNPz7M9w/lMgzbDLmH60coEQ03EZTgQ+73r3lP
+5ftA39DEH3dzQQ19bBr7FCY+CssfQ7LfM+euDzXQIxzYv1pezo32uqMRhYUN5FHoVVSTTYfXm29y
+h+EpLIvGYSFsg5dKinQHYMzX1Tky3+j6jk/EdUKcSRRoiejbMuhBXAoGsqEvWrxWc3kALZBwKWNq
+nqcQcky0x8qId7XLpRVT17qiLU/MWAtw3vcOdhzYLG9+mqSrxXY5CpLh6+aUdmh6twDVQTHV+Xpx
+4VrlZRda8/A5uTZ077L+6qYHz4AlZeWBhgjgn/C9pcCyOpyZVpjJbj/VdxtydpMeym1cOT364mac
+xA9jlAmBFbAHVdGTWiFv03l1G442deoD5z9jHfnm11KYJztwvyh83KlGVpwl5MV0qKZUzCHZgvh6
+uAYc0oyOvmCqm7D3jHOkKWXOppn6ux2DoDZMO72rHEoz7btVjzBQ1rx5/g8P3RAvL1q+cp1hY6UK
+22hrfeFiAPdNafkY4U3GUGycRVNt24a4GPxbtDSqw/9C6FdGjO5DggBmOyTimJ83Xht3jUaXhbYR
+8//rlltT8hPGBMOFMvvC5zCuaHskPmbZ1b7n2X0yrWabmhHT7c+WZ2e9FMu0IXhOhLH0Tnk87pq2
+Kq+WgWYp+C4lXvU24tH0JutWeLk+0DYFeyeloRGke9h14syIZK3Vg4/dbqU6eG0BUfbU3UiZNVj+
+N2lu7x1z4JaCJBsOAfeBGBzTCnAXY5+E/gh07SSaQ4fSpDYjdFrVxH0MC9da7j3YIFvsJdkDZIDJ
+6jJF1RRBEXicsHaxs3lWAHlVRATqovHM5b5ewxiPQ1b+C4k0msUo/ogEJo6iY2ZOdCc4svO8IbAU
+62WCmjb7mFTBHQwCxbvskqchEh1ejNTfZILMTb98Ug4jQiF3o/PNlAKa0a61ll9tOWyjcf7TpGLv
+2anDbKPIT38/4IQ0gdNVa1QPA887qrIjmSt4zZPntXSLFAklpCo5yhFHHGZmhGv6c5uqf8+K+Bfw
+XcFx2Vo7NBUcpamPOBrbM5rnM2SZcXasd3+etpwncCUXdfBgURhDGoVe0rT/AXo4eLz/IoVB+9Ha
+r2Wdj9s6WMSGWqLfqi3sre/EoHQ6Or64VLi7EpGSOdcMvCPqMWABmDKmqcQXqwPAW8ALuZdsLEvf
+YSJx8+oUdBkv9/iep+uDs7SfuctFIbPGjjoKfLpWUfpU+gDT9dJyK3VgH2WfYhPrW5wHtMqrdZ7S
+zhd5rP+IzEgBZPuPRT5fxiaOT3XnGEdUvPj097d9vesHwK9QVE6+oCNAA4rZS78sQliCl57E6xpX
+jQSjTSuldI8zSbq8JK0wtU0WVqQRXsybdBcFuaJWl5qfH+uoyv7YMqn2ZQaJdXLaSyOnmBo9azqM
+qnw0R7N7VlB71/VbuVjmL9g9qYuxrVqG8bgw4N3EJKf3VoLbvx3Fcq6iZQ+/CiDqb6iz9QWb1D4p
+JE2kc+FtRotjDGWtMySwILhG47RX5uhe8OusDENmV8I+o+paKKrcR2mnZK1ScqQ9R81XAfcU+Bil
+niWdCwmW2BcTdDKGdLzvPXymgFw17mwWThjgd/JDrMGX+HtTkAblTl0d64F+P6aHxrmAfbr5X9Sd
+yXLlSJZkf6Wl9/A2AAbAIFKdizcPnMnHaQMh3emYAcM8fH0dRERmuae0ZHVtSqR2GRk+BMkH2DW9
+qkez1L1SWHRu7XjG5VFG+QX9EmjHls7E/GK5PCA8Rrc98mCEULPSPE5GYrVHO7UhaNkFP3nUK2My
+xQZbBnfZiIUEgakD19HyqZXEOUZ60q5yylCeWne4cjFLvw1W+9oD1V9HS/cDTpIlKpGQcqhTATYT
+A4UwgYuFwC13PoPpps7FKstK+6qex50X86Lhlz6Ibpzvmqj/4cWzcf1atphRyKXdWIRy113Nn8BZ
+L5+UxUgXRZQW445bQ298opf3FVM//P88K3cp3q1d7NFsGWkmca/IzxYsgBXQHGzdUt2GWT2vXGPU
+fO+SotoLXuyLGR2ZPveWzSBHJeYMmxvMvT8AjoQrgQm5bEH9zOZwl0bdY0wVKFdrIdBrxFVr4GCU
+jmPfJ5Y37eqsBo9FY3gg8vZ2MB2GEC1f+zhdmRHw46zxkktlVsinBUs3f9mHJ6SJkoBKcAJE6D09
+hZTIyYQy4I3640T2ik4rLeaUgxTScl8D0ouIFqxmLSvAsLl1m8jkg7yXvO1oXLupyYwQAARGEqhb
+q7W8ay8l8YVbOCwpG03T7jj4oFEkvZz0m9r+GoKoOuIXWMtweFBzPe3MKDPQ0MGWIynvMqCmR6/i
+4B/nob9PM0XorW92zjj6l7gEDRjRR+iacJEax+6vMWRdF4WJYFNw8vjLY4JwMcKpT/pNPUbyrFXC
+1qkRTwRSmGFyagTq6Bw0Ni1ORV0buyzpOGcx9922zTuvoHGntIUnuXfl0cgBfeSZt6dqqjgJIBXX
+VdbSFQEPBUSOb55zA2SxsfwHo7iSvLa5L0eZ551F1Q/rltt2Qyn8LELJz7NJidGou0xk5kpPrboe
+I3Lnum70gY2ccVKiVitqv16s1rS+EDyZHeGe+Vp46F05Lsypk5ua4th3O/V/NGWE542axI2nA4os
+dEB78zzBQ5uGG7ea1VWCX3CUaf8CbQPW64S0GwqN0uk0011GhETiSz0FVfbWQ1YgIl3vMZLiTBvZ
+I9k96yYMWuELyxRmHxsImRXHV4oSafDnzUPjI4RsieUmRJ4JUc9Glp5HpsIq7qer2pIT4Zu6PtSh
+B4Qvck55Xzknbj/7cvaCkyZNtWlmK6CO4YOlOnKgXU57lBsuOWKCjDZRcwvccK2H5FHWICpyh4/Y
+RCKQkRaMv6p3jZzNLTUUzqaE4fLG9n3E1NT3t0EDNQMl/gICDSCiivZmH78x+Os9vAlCMSIptm3R
+X3uhSB8meZ2gCs/mLbGZ54Bah023qAPRbCWHVOBPbFlF2WXgbHRaD+cuGJkio+A8svbWPi3gdj8W
+t07JMoOs0Rr8l7zopNznvqD8gveGEs14tn3WAzmLhKwf6rNDK+xrl2MZ1Nq+JGFh3wCZwwpQeeFr
+0KCwdy7CVg5ApW4pstLSM8+lTHZhOyds1vTR7+cREj/zfTUQX5q9yoEY5+8oAOAlNRHJzicAwkPC
+T19mHczdGS+A2WR3cqrrlyx7qYv5BC6gf7CY8lLGv1MaQOl2Ck6DOkDOcsC+HJIsyykppzQpmsEQ
+ijDP7rSNqOkbFIC0Tb40vhwyvny8HkF4Y7f6GTFM30uBL3/iPnjK8e7VxtK8g370UGJNXVthK/cy
+DB1MmP7DwFd1yEUUbPKUVMWyEF0FEFevaIdZV+hTT4FsQ1Zy3i2HNkZxMtAvnhHfzjCMBnFLUvV7
+Z+nuiXiKr6r4Us1tRoAtRjkbMFeHCx4zLa/KJNv21WycqRCDmgZUc4pEfOYZ9ELZ31HLvbMcQO21
+CutdzNjmWKRoG9sjmjuj0BWSubVertAlbBoTyJnIws1QC45PrSjAGGlxqs/gH09qHqu14UvWkVEV
+Y+rJ9mNDw5/PMm7V5CFMBfp64858sSBRHoIAYnzf4RMq7A5cI8HvFcMcK1OnLNmsPfa6m05J9FTG
+YU6HHEdKgKvkIFGeVm4ijGu+fizu1ASsMPFTOPwS9lF0pUBdlhHzYje2zq6xSy6uIqS7ogHRVVHQ
+O+kEErPtt9QtJ4STlPsGkM8gYoHjOfcq9q9uiuFQSwMkD4UyTHgPpE3NhhoD01HhLY71dTqU7ZIg
+2VFyWx8HPEqErrMbfKbw9eiAxVcgb1x0fxCX3OMIGr138DOOcVKRoaJ3ieyFR7iHbe61u7WdVm2o
+bqNKyy3jm7qep+1/YipbLGNYUcOy+LNWE6HBFyarHRsjniklxr5fnW6F1bVdFst2awXZu82Akdk0
+8s1lceWP9g1+r8fK1PSBFEc6ffiUyPt5Mj50BnBE8Eq/6rlFCL9/MDs2LAxFq0FHn3S9HSR5ycXx
+AZuA+3KR/+Rqh7Ojrlb/+iv4517Q5QtwhVDSZ/SQQtBO+usXQCeQRdrYaLc8mXcGW8IgcNtTnNZc
+/6ZnEI/3o9Ok/4kXzzT9/8f3zbcWHx6WYeH4/2TFm5q5t4ZZ4httgmdZ4JmhHEytrdKmJMR3mz1c
+ijeDahMqNBEAUwvpoVRWeDGwqVE5+tPtqbux7qA7FK8gIZ6Q20G+kgsYDYwAvXGd05+Hr2O+8wpw
+pXkytNv+PFi9y/of507HrQQ/XYj/A+8Nl3yTXQnMPvIuyeJkSHqqhVgXZg1s6iEG19grHH4+c+Ia
+hfU7Ge1wVcXqOqhwNSXyAALqhNcBNxhnO63Ntt3fNfgsSvMDR8xpFEW0iuziMXecG6+oXyNb0VFC
+Jw6lVoZNiI8mGtN7spL4ZzOEP+To3CQ1jXS19eEm5V1cO3dp0N87TnmxeutLGi7VAu5TE87PTm6s
+Jj8/JhV/R+UbT/MUnOH4HlrZMO40CfxOew8q/RCNwZ2mESYfk0t4PxQDRrv6McqLO3pPb+gpfZ/Y
+J/mJu2Otee91hn3sgfDoNJP7WVBYr0fonip1LWpzqPeJZIF/eMTuT13L9BoDyYrY+KwJ6hR7GzsV
+PfQkyrKU/g9FedqWynN1LtKtYWBK+uOTvDh4w6/yL4dn87d/45+/syKt45D3ze//+LcnFotl/m+/
+uX7/6Zdcx9/rsil/tv/yV/0PKi82XRNbOG7gXx78zUf78b++ijZup5uP/Ov//u+nr+yjCD+Kj18t
+xb/8zr9sxeY3G1+T7UuXP88SNsbdv2zF3jfLdpTA0+uanqk8XnR/txX733xTUmMsTBRIIV2e9ebP
+FmPT+aZsSox9qRRON8f9L9mKPbW8TX9927rcTUzXUuwtfEW7yfJW+cVXHAP2aOwEjAywTPtVYW/b
+d0nVsHqAVXdok8a56yPXPnQaeHqWJJQViYm+bxi7TnHL+OkzaiSGtZOw1q4ATbVPcJOB4spp5NCj
+LMAEQ+HP7a4RDiHYhBsyhRpBFWLVL2saVDrCbvRGdbTEUECjjjgdWoSE1ApcGib7FsC0BJsQTLn9
+XbRBMpCSqrtmFaRp+BnrtEGncBGROJRxYa4D3+ZaYxBrJAc05eKBfNnIZqKnmGBDOl/o07QAv0aF
+lMLVcKREkAqY8gI+3kgpK66ax2Th4BDHjm7I+k4dj6MWL0WVxczcKalNxwtSgcjCVXhw0x7wFYiX
+YJDFE1GG/FnELQBUv2D6WCl+xKRicz/IV6SRzHEbtA1RczUlFtdw9rQ/WJ/aV7Yxw21pCIai9OEh
+eWkZlaExx7Bz6YSGNhEmKqR0rDPngFoNfL/QSzXviiEHdStTHFOAqFv/oLnEgT1tqvRI30Lw0PlD
+dc8FG9BPgpdliSEXV/ks1X2IG+Nn5NvVDwpC3evRY2tJfGbGjAPSctctlca9cEHTzjVAWK5dz7qh
+lwhSRryTwMgOHIPFia6EbKFW1rck+41bkSZMcX4qaPFKwoPbocdKCfjZMppqRwGKeK/meT5RCBjc
+ldgMrifggTt+Hqzx+pzOv4EOi0Nt1vORfKG/BgQwbOJKgaEauvFo+bW+aIb+Hbb7kqRfmPprV/vM
+4z7+jcVt/WzSBpVTwgVncD0GJu6QWfvs8TrdHYhcj9BqKdpC5aIr7WWY/fgWUVaz47fqiiTdBM2D
+mp+TFTX+syn85kOieKXsck2I92bu4st1l1JnssvwmozKWJUepDYLn97BbNv+LkxgKq5yu6jX2Prj
+Y+7bNLxgApHPRaLkjUMz6CGH3PbEoJCfHSPiE+4N8U/RZ3o3hHZJON4r2OZkORUjXQfH0itQROn5
+FXiBIa1de6LImZsHliykUO9llbpcj2ydAliqnQ89VpB/J6BsDyOAYb02scrthezbF7xSyU3nmibs
+uMK5EbgJXqwq08dJZksLVeYYh2aUetv0beSuA+30T0xS1qXLveGAd3/6bMLCfclU1aYHRNb2MxMj
+3rk5amGrxNQy1ivH5n5cTFb0YUsfHw/focldBchlt3VB+UjcRzV2qiS3F7sXWN4qJdBL/QCdzg61
+NbpLi9soTeynPrfCU1A71iPPTH+YwM4wlXa2c11WsWSJjw84XkhRvCa6qUn54YSEAGgDwfVQ2O21
+DzudCl2ngxoR2NYzqCpsRynF6+Cpq4Oy3RgEBapGUSxkw4xisWzlwfnEHkgEqSuwUqdDJM6mStEX
+leOY1O8YpvmE0ZOsM9kleimcxHgGZ57fK0T9h5lvPG/JFsv+1hDT+NNOfLawidOxmXXINkCJHnKQ
+SenoTCvQCLlGCi/yI9eNdB/nA53yvAyojh4HsUCHbV48kd9imFFmft/PMaYrNRGhFsgjp6qQ3s8x
+aDVlVEx8uBgrvWVZgAW/bvszFcg2rkFznJC+KhP4DX6ulGKrjLRj6XTDtpl8dcywPrOhbzysAgXJ
+BhrFeRzrqCK539TdnvKS4qqaAhd/iBuC7SrdUVBjZEyv05CHP3tXFA/G3IjN4AIHQenF8WfZQPTN
+Ie5vM90CTrbJ+537ZNnVW6PKfy6s3veycgqyXwnJb7tzSOE2qsUQXDvI4jhSNxUiPxVakQI259Z+
+BBvbBuLIKpvGqXnWQIh94mncih579D53JbO+BvPjcUHYFtw5S9g3Q/4T9ZO1VMRn6Fn22rpW6VR9
+lp60L0QUnAH7qSVYzSX+PUe57R2yaNBvQ2t4pMJa4L0rSnzceIOBNPrCGtqDIBbUvmxy+ofOIfcZ
+3CnYg4d1CiyWtlWpUkiMbg6v1RsnatiMTirSg07wo+Sx7be67K2HBlekC3kXhWCNIVtT+qn68GWc
+0vDspt34GjVFchEmKAne9kzX9dhAVDMox5C0I9IgZ7HMMEIIQKGXsbhvEecJmTnZdjai7sNTqfPJ
+M+Z9xYmCyVep8jZp2bcgv3Y29FCwzah9kFEh+5ApZKDhuFKD+1VNSfueR050VlmB3SFrw/owFD4B
+g17XtKvqosd/JQnZ1hkdpvxJ8TtxI55KggZ7JazkM24TzOaa0pMVduDkIeYao3HSSmytFrdp9tHt
+5xCU6XNi95fQHnODs4q6eN4nbBmXWqniheKyyxhQHI8c7N3KUomjtCbJXi6Kaur3CkCfeZ8Ur33r
+ZheKxbPPBsLjNbSK5OhPhJ+8rm7uqUzRxPWSgB56uxjJizrwHAY09jrYTbz5DmUAlh6753TtOFUz
+bqfSQ4q0tDlfp0hU370pDu5BUMppNXTkNTqT1WvjTfJJR7F5DPwu+cgT9w2boM1b1VGUzzZN9jB4
+TXCfd1b67CwL3yKW0cm2CmtlNWNz0n0brNxicthed/24noI5uGd2UFewRdKrHgAC40EdcwT3mCO0
+juor5sP8PnIsoDURqUTy2a7Ljh94B9BNHrIdVk71gWAmhxUXmfjNICB2nRnEamknpjyPEstsE8qk
+u2mlqd6UT+3twkjVx8REWlhXVHAd7RB+ymrGWn+ioYZyGFFKlgQGmSSnDa1d7Zft1ci6z94Whl+c
+7DGdnvNmkN8lN8QnuIjNg8He/Wg7wfyjzAR6MQB38yrMHf4nG9764pYCtJgLPP3ap67jVMGlpqVv
+Ll+jInbe/SJLT3wLqOweArlTZqsRWWK/pajKru8b7jX3tF4b67yjJ05xj3yVrmj2eSy8LdXa5RWc
+IIPVN5+DnWgoPltsL/kJEWWkhBgkTiqL4tUET/tq4ZxAUqwpsKirCLubn58aLmpbHUp2NGLI6u+G
+P9sUrsZZukt6BY0jSHhBwoLbFfMQbp3JdanbsGO+d5a6jeLEgp2np7VZlvVF1JQadKnZH/lOm++s
+qI1D600tNnABrKTS2Uei+hq/kuk9RB14/JUsBG+YPHc+wzjBcOUQJeiUy0FnJ013P2krHomAV+Z1
+4g1Ap6gpffctM6YS2HV5JCcSVLGfaX9ZkxafLsCxu5oszrolFRQTCokpNU8RzdGhR32e+5xPiCoo
+gdYNljNMdOVjz0XiMqequ0+tobq2gNmskRe9a9vq5mfDYq/n6sHf44pMrttZRducuvMDLv9wF8Ws
+2o2GCQ3yW3vE+dO+VaLsP+berFlrzONtoA0C31Qocrw0+Yy3kSUQc4m/x/0hCYyzvSQ6o6+KWVnv
+TW4HlzqHI1AKJgccxKAs4ijH80CXE1n72RnrVQF+6Koq2EYgK+T+3vMo+2xK3TxMY6koe0jUd+FP
+SFxBwxkMmd17993Fmm0IlT7rKDO3mtr3m5ZS01eViukWuR1ycCTUm0uNGT2IaWHeTb7j/HTqunzB
+FWOQP0rGzRy04juoQpNUQ8Orws/9+iOcghjCE3HIEDjsagpA6igzGBmhqvpJpFb5kXl63PYkqjaJ
+aOUdOEQ8xAK9DKlrVv6F/vncWTU99lHHNawtWEfuFxln7gN5y/joNdZP7Dr+KczpRaCfVWbHAVfh
+ZuDcfa5j6jVq0XQYxkqpQZGTMcicQEOIZU3w3Jt5+OQlU/wQEeKJKHlS2bGMigGmV241d6nXwkmZ
+nESDl4L/UCcWG/wqr/qHsKzIBJaOmM9ZQBlnqwPnAYxR8BlC0l/7uQ1/CNDG1jcrdWWF+L0BXTQX
+V4AObPPIWBu56C9st6jio80TIN/cJ8eBNSO4jyA/FvPMezbp61d4neIRrqu876zB2+FUtJ/rWjo4
+zszuRpWeOI0EWndxMLBDDL+4JlGlkmoREh8ZLGwFwEFAw05pcYcCnYQrGqWdu6YkNYjMD5Q67PP+
+sWKrXK4Fq4BXljWclVbi8zDa0Nxe6ASSM7YVgjEJYb+dXSpuk1VgkK6kwofexTC8mwLbuzSpWny9
+7ATL3J12QsOhB6+T3YGmsK9MaFeD70FU7KuMjP7E9S9pG9Qfa6rJbQbzcG3yFG8ckUS3wgNk5kVW
+h0NmSN232QwMekmEWHXCDW4C/J27nDcEKaTK8ViZ5ao7O3Alsw1Xdoybnvby5ZPKx9BzShMIZ5eB
+FSJlwmAiMQGNc0KhAotc9W4GgJNZOWkP96xXRZwM1FrqJi0+vdwNdi702rf/Xr3pN5EKIesvoWuR
+bn77h+0fMs5991VPD19Nl7V/CFpIYsuv/P/9l3+JQU+TRgz6+JHHxSZu2jr+3v4mCAmTFqVFjP0/
+v/4lvytJjCxd/buO9I/f9qeM5FvfUI+4kQllL+H0RSz6U0byzW8mmXBLuupPHQk5+i8ZyZLfcFAR
+z3b5LYqkM//qLxnJsr4BmBVSYVu2BClu9V9Jpyt/0bR/kZGUcG1XEnKXrssaBt3qdxkpTDuTVYvZ
+HZIwerSq4bXPsCcl9nvMSoNNmnia2MRUOElaNqP0R08bLMp6FSWjsRkiDYUnOlHE4LWwpBU4yIll
+LC/O68E0SUJgl6FMpu82Gv+An4kzl/il6HHjD9S+sQT8ERKcKKp7rrhPdJAsxizTp836I3zwLVa9
+yu3rc9nsEr/+SqFDruoRjLdfbg281ZR83mbWyCPhIKqkIzfY+dQIrqgWtxsuIvRe8IDQUE1k4E07
+Bh7vKdrOznSfeBfBwYwpBGPk5Jz9hneBUTyw0TTR37mMTDlLdqF3pfUuQvuzHonTpMYPGdo3dsYF
+OIuwzUyu9+IP7IJ4armdUKHWOT/w8I1w+A6OMc/IMvawFjypDIlGcS6JXnEBPBhzeQVLqj7TJzDt
+e/o8Zjo73fAu5L0y4w8gQtQR5+JWm4zRljqmmzZr3ZPERBi66hwZHY7Ulq/Ow+M+ePCKCbjGh7gi
++iOCfUf/7yo3qEOTqTFssl4+cC5xtPqAIQGL6fva5Eo3dAelyZ/2HKNNb5YHD0+bP5wDt7zOQuKT
+YzSjDngNP9Secr0yAEs2jgF/B5a0AsxRpeD9Z4azuOnkWpOew0Edx2vXC+99H6akKyBKu2z96O0W
+vB3HbmulFJ6Y9rxe0A1HxlyqRuKQPVC/wU807OMIJkE1w0cIGkYId7jWUXIzOxf6D8QV+ysTuC+X
+9F4B15s0BCKgO9RD6iV1HQI9xFKx8UfjGLuEwqlrFeuWsp2uiumLq4n7cRP5KubsqKcm27UAnan1
+AFw6NX298TQsv7Bgim4ynR0xVn722pR7DJY7j/ptusRPwZCfa5f23KTJbpuWvhDmerESPdD9iQMy
+4e7Hnbeq9nQEB+uwth6ylrpTfJA2Jxi7ne6F68YN9yXLzwhFqbjbF26cYZSN6P2rnq3WeIctJHe5
+2SgumD1LzMWunuYEMrGNthaXp6TO9vOImQ4nLj+IpW6rhSobgH3xhmNZgpgDT4iWojHJRDPLzoBT
+F1frdnKN70pHIOqWAGsWTcnKZIg1RcniyVEUAbnEAtKIgHtOIT1/OFA92y2yfevEl5hk2OCos2rm
+H+nsKkbOUayFqB56LjU01UbAT3074gcavXht/ihhlPbsObaADeIVZS13pMzOeSOuEL866AR5u4YS
+xMXXwCjfZz8dbLWEZnpmu2jvlf67abLhHnJiQ3l8LSuCu2jSLE77K+iY/RXVv91VEZCWaZoA53YU
+fPa5OJWe26yTmpqn1GMF3E1xCS4IfnsZ4SjOnmLXfZJUCcVx1h69zHqlvhiHRy+BG5sAQwPCzUnN
+687X8YflZgQ45i+APB/aM+tdVdW8HUAdDW1EVnvwf5ZS7ecUVpAbcJ+LJKioTIbJPg/0lzcFzn6A
+XQVkLd7gJ9rjvhtXtZjY4toshsEVwAFj3zkU7YlsfXUig7SZiZk6JdVUffckBkBZjKqU3yXRMxmw
+viQw+wLOuYNmxosUNMY9O7rJEN65qaaznUH/ccoFguMtJR38qJJX3uOfZuinlFsYBEqs4ctoH1nR
+P/ST/zSPyV1hG3zU6H7HX7F00R76SNLNLcZwE5SBfaodzzhmzIc1ts061C4FMMoEUQ0LiVgITk5e
+w0LBKMLra9+6Az6oWib+ZYq4N07azb+TwcJmBr8spUdhG1vFQz07KKlR0+4AG0WAsJJiDae12QgD
+FJtl3NYe6go/Gg4gluehj8teFvF9a0w4ERD6aAgkW6pkQ1FROBzrzN7ZDS2YGVamtepUvKsSh65D
+xSc1JJW18I/jGZ0giyKqcRfKQXzzhzPRTivz4NfDdagzfO18dLZ1SxaXRQRiYRCsR/ONYzveaT+F
+r9+y2bS0BTHSaZ5HM7j8QQSyzAKtrYCnNLXuPQuY4QQq4liM03Mr3UtWp8Fq8EecWdnTyEfixrLd
+pxR9eF0aw9mZZxB5RvhWWlm7dwuVXdWTuW1b83WuQ2xYQUd8qO8Q+UiPpFZFmp9uyiq0cXrI6t7l
+CryNGm7Wf5B74yg9aNVQh7HM+ik+xC6ovxQF8suH4mYYKYigeS1nwMa4aDtbAGeYgkOc9ukwjZTn
+ev7GYCtBNV21Nar4qYq8t7ZxT+4cTKeW/h1DVqDExl0PvZXKRIdyCKOQu9gs30U83w8mNeO2E3Mo
+QZCKwiDZ+V47cRSU7sUvT41xmJ35JZrF8UYLjdIQFdF+Ri4QZpncUqnKqU5nHPr555CbPzqD9I7h
+2Wrd+eK0vBAF2DLRBMRETAxxCfjmMlDGo1HAGCMN9dhNydq0RhcXBHpor9RjDERka4RRsE1ANh7z
+DAO4WXN06Btsw4Qk96jy7NYbeTd1JPH9snc3tikfu7DzOOBxNyaS4T92KPQTXrAWEUbJqLGJLfOL
+TNYb3Dww4MXtncR2BzhHQSHX8CAdJz8tjaIhQ8QGU5S9ip1Pm2Xtg4zyR7zS5U1XkFfPZw2e2svv
+WGTpUzZeSUpKoD4gRYc9G26LOpitpaMfuvBIvJgRNiOycq6A3G5am0DPDhul8Q5wvgHUAXwr+Bp5
+tnuaykpT7eASgNqphgfQ5ObOk70BRBzLjWkO2yjofnZ58tILyVIMU/zaVWznjdAZbvzmxjCs5pxi
+bNkVcTVsRMpA6LEJgrZBOoH+W4SeMtq3LTkHVmRYOmB2IcemO82M0nkVqYz5lokVSr1FRrzqrK8W
+JhhzSEKJpF8cI1+sU0VsgPgifXROtU5y3pGTVbwypdU33AA5ViHM5iMAS2Uz3vhES7ZVGT3aPTsX
+3J4Y0yflU6maHKHTEuYzpmbnEUKiIY4sInPZleG/VUFh7aYimTaO4GNSVZCZR3N64jOw66G1r3Gt
+3DVTWB9dXXwVQ/DZxSbp8YawowVwJox2VWO/EIpWuLnwQY/8V8yw7EYybatKBvt2LsK9kXQklZl2
+xFzdW6qAGFcBuqxH9yNNnW1MD7Wamd1Q+/bYqfwNTUcb7XAdT2f2X4EfELLjM8v4SVlV+zACUx6R
+jmcE0ZWRTLs49NHu5fSRyI57ctJfYIDGm87Ex6p0dylIt6qJ3kuzKaHH0lgB2Xt+xsePtMBeN2EY
+AJpFFq2wnHVNu9xcPtpDSuPTW+8xcRRN8uIn9nT4A7HZh3W6lj2N5xmmTgov5IoelWNrEC0KWI/t
+eaatZiddbrCN4MnXK9on34y8QgWkH2VT4LKCGWFt5tj5mhPKYm0Ijptgdn7ktfvdIRy39upUsV9t
+uPPm9tNoh6fWtl/SPhkw7Pbh1qofw001etHC0iYyVQTPQgJATs34qXSKk5U59tbu5Ect9Ve9clvw
+xL3LeQW2+AB6aVAFhxnRR6CgLpqu8+KMzs7KqR21E6Q2k730mmZueY54xODiYG/NQoVyUG1Nnc9X
+SQ+WjwFAwmG5ggNbZXa6rjR+nRIq3FIBuFGur/dWcZfV+FBaWnepaHfwouRDB6a26L8c1R6pGnpU
+yI69rfyVMzXs3CvX8NFcnXideDNkBkljJwBjH7s1Nyr/a/QqF6dsaqzIezwkbjFjB8BExZRYZYd2
+cDp87ICj3GylWWJtaQoYth0rKxKf5ELN4qFEfIN/44uNRlbbAKvKjvylb1OFUlTRPRPjNa98/SNI
+5KegE24VDg5NMVSDenBP7WpeR0q9KDAsvHnsa+I0u67EHq36luFlQtgag1MejT8SLkNzcCMCULdN
+p0gELaiM0L2doj0Qt0unieQbhzoOKA3p8d0r0lScQepUpqBf8pBK3L5ZHONGsXeM7tHUJKhnUPm8
+he8Nx3zOLC/a8n3/mqytCR0S5o1GGQnCO9OHPu1H07aheZAS8uIrtK37UTU3LNZIpHAcgIlVSPpZ
+cq0gtIGJJQTuVEW37uhL4+1MaiQt6b+y6RHA/d6QmPHN4pKU2Xeqaph0ECtreWN4BAP9onhjscMy
+H3xkB/gdPup2do1t2uXnkkU5MPEDMIEfZg1ZoDTqTdCaxbrv1I//Xl3mV3/R3/5n+YCkskAn/Cv1
+5tK2H/VHGn0UfFf/NAgtRkbTNf/+e//hBBISZyCWHuHidVlMPf9wAjkeUWnWOb/7gGzzG/Bky1oU
+H8y2rvxFwFHf+Bc88MpbDEKLe+jv+tJvvq7/8Hn9SvKzvUWg+Q8Bx+U/i72iK8ByCM9znT98Qr/4
+gABOurYzxdGhbFr4uVW48Rs/I9JflXtPzAxmTIDrBhXiKnQAg43sSb5mirDu3SBv8tUg2QevuNjC
+j5iLkce+cAwTxSJhX07QAIbGkF0gqQcIwF3KhtJzjFXo+eI7cC38RSjJZH8NB+ArxcfmoKAeOT1Q
+4joRMFfHlBhqBiCKcb/YZ6WLJJqoN6NAdqXC8nkSxOx9EoMYX8pFP6DRjeH3hqdiQO7HQEdoUz/N
+eMVJLZdq2HBk9pspMIq15yuSyhUmx8gRuO+zNMXBrh2UgYk6QJsoPjJw+KgmKOMEtHEP9yZ/vkcv
+X109wv58HhN1I0vXXmsmTCBOlcENxVQo1Kn700kVU6smJsp5xyaLdXW7S/EAA2Ycl0IoEdbOD0DN
+yywqQ5hSE5Uo0bY3zPJltvLM2uhYoQnXkctF1fOmY68i94nbj0GswHKRvUjFpXXaH+Qobt2lojwa
+ZfahOzoNJ+zFPRCMFX5zvsfEA1d6JCk2+TisbAUPgeXycKVrmimyqqUvox6O8FDf8iSj6Nnk/2Ha
+o9OCF9papIa7qXvx1bgjE64lHwcYWwahHEaB63KIP1OMBRsPK9ae/AXpAQSoPcum5GAMnLXmwhxD
+YbmWbWccOjVE/DADbxNZob9H6HoWLa7edMj2sZu+JxlSS15SRtaSK90lyklwpkkvWueTzs8Yqbpd
+39D8R+6F1ZwkoUptCciZMNxJm9iO0uJ7H6ZLlJK1Tu236AKsjTBEI8tFra8uIeWYu1Z42T40MJFV
+1MkSWKqZIYoBr7tjRXBQQAAxePZyBa2ComyAyZCTx2s0C8h9vTPz6YZcWIe+uXMCM90y+MHf4Aw6
+QDViebwQbk3C0//O3Hn1to2ta/iv5Orc0WBfJA4wwFGx3HucckMoscPem8hfvx9KckZynOxkuLGP
+hLmYxM6StLjKV95CEc6tF1pe5Q/gUlCD6ur6tiLPpnYBM70qsWLEFitckJeS+VRSdtN2GQR/i6KR
+3dR3cmja5+HKaT7ZOJlOGgRDTtEVVIZYEOl0elR4WGpOcBF0oXFuGPCgUtnNkVhSlM8xcHMmonNO
+u5o+Lv6L9kcRGvU5uhzmXUG74lw2HHHbtbAJ4OG5i1Kt8Cf2aonqVxDPjcIX6Md04VRGmOVewotm
+UbkrwMFa5868UJPuMstEIR3F3Dl94ey45ry58QPEKCOgXRM5sO7hfEbkKit4K+SaGKByaeYYbYHf
+G+7KCtVMKIzweR2ZGippYL9ASh7uc2bp77XKkanzSgLdNySIPKzU0km7olwbu+aHQnPBy5hScGpV
+8YXSNIPVSki/f4XRyXvdRUwDnmF6BmAYSgxuN3MLaZtJaKwiaiuxdiKbA0zKeN8YpnzJcY213Iqa
+E/oMS68A2kYcXXTYQmux85jpuHWKNBKnIdKacEuS8prutjovFN+f5wLOrCyVISXuVoP6IRkYQyMb
+3GMgXCN4KGma+ak0IL5gK1n2iAUlrGN0h74A+Q2XKrZlCycZnN0KPGMTlaQODxOQjseeRfMMedHU
+xUvV6VfUrK1WPMqc3wvJqpRr1KUQU+/j4gbjkwRCaqCXmIch/wez+0RRpUdbtBydmo+ePfURyAb+
+qZ7G10A+K5B8MfZawBqJ/CRSYLePBdpn3mOea+xYGT4YmibAq1vLnNod/8JDh2kS9mU3sxpNnkW2
+AxQMQ7viAYqaPq3DVX9rKV11FZUJpnArddG3zjmCklCy49WwDODoWdJjZ3M0FTAw54WVyGdOXGUf
+ZD8DQ4i2/aKEXzL3E+UbpUYMr+FhzLABLyBbQP2tuuIOznVHblzW/qS2vfQh9tP6oQ6i5AysdbHQ
+2yrHNAIz6InnYWOAcXTRcD65gRrTKi54hIh16C06SyFYlElbAl6bJEka3+aIiJ3JGZVNs6xgUOao
+5vle0066Kr3fiR22N/PuTWyIAXH7q5t4UALeuYnhT6NwopnqAgwh1BQRmS0V7rbNT0282T6W8PBv
+qx5bl7Au7RrcVlYFczPBKcMWhnxml8hulAZ2TLLa+Ceqj5slglzRad4b8Ufs8lqk6mwMB9Hyo/SL
+iykqkn1CxtZYRn8qdbGF9rXw5bsVlfuruIyqC1tNcbJLat6UJCyft6kG8zBAmGwC6j+gPhBT4gFe
+I10bWcjOgeF74VpYQnSA72ekDsq9XsGZK6uAhqmm2NOEqtOdF2j2EycnmENan/KxosTOMQ575j1O
+f/51mJn5gigI7AMxAZ6O9OHPCgGGlkQRSQ0lAf5quIYGjiEBRyTnWJ7gEyMjWeE2XQgIy9ZAf+ls
+pS6N84ENqGdAFyv/vvLJNOyGIx2CLhA4V80XLfXHu7xSjI9e4Pr2LAUehy2NqSs3ADSRCFWaTHz1
+JZws4ck0jjzrIkBKBQ2liZRXCWgJu/FmKPoX9zjLQ8NEPipdSprUXULscj7bwcrACNzKbmK0Bet5
+DjZ8FuZVD5UYqwZsHuVLy8+Tbyp43OMsjVdQvhwKk4kqUPbSI+kexJl8hk5Gf9toBhR6tQIkBvDH
+ymYBsCz0DlEWQ0XRzu1nkwCoYv9iD0hJ18lOOgAvT5mI+4RmO5sLBn3aoY5sWMizdWmkz/EFWS29
+LE/hDin256qrKqr9Ma7Uaak0H+jZ+Oh/dYjkDDqzUOPVZgZfFKQbeqCo5SS4oupOk4JVslvvFHxm
+d7/y3dVpjAzeTZ8ZZPrp+ixDj2KFIH6PnfNw1AXDoUcWaX5phoOw5DxAHcag7ls4if85XZ+ZiWf7
+XKRu7JdXNj37FUpEMWlPnUnWJwU26LfS7apHj0b1iUoFcRGKxNKmMNPtm8Y048dWjg2YKo6k44e3
+vjukrENyWA1Q/7K00KxQTlF9iMco6U+QHGvnzXCD1aKSSAE7Xzs3XMtBrjaR84U5XIdpT6dmFhmV
+/z6LutKF24di3xSsBiZG4XALY4epfJS7lKitVKRTaDioXiAvc6LkWdYMJBD/poEccgYaubjwQSpN
+Cc+Qryl70z+xSOFBJSRRdwPFpKU21pkXkpo22PmaGDrqGWex70jRe8nAco0lh43cFOAJ9YmuaMuP
+wQq3VWj6FUaKBUWjqsj6GWU4eaYLrJeEr1TEqm2MEHEdejdql9i3nWGgkmalRYWoAJ7efYqUkJHa
+zrET+dZxZzqc30LKb6TUL65bN7Q+aLlGD9M1lCfJ7JoH0XJMuQEmlErYZd/UDLGiplSNR7TX1dU0
+F3J45Uq4EeeJpn3TvJST3Ehlhd3TxffQyrLjUAspJnHd9qeWqYAzVi3rXC5BxTe9W04rJXfxrYVC
+A4Z6ZSIlXKmUwXPVv/NLlx6e2tv9CZg2aw6stJ+leYiCbF6jaR0K37oQkaNdJ1LhnGpJtXqUk7xB
+/Uq2qXLEeJiYZX3VmFHypRNVc6wravxZRcrqM6Wo4hoEcLBQ0YueoSlCGwH7ekoaKlDET0GcGP00
+cug367Wennkp5rMNMsonDbj5a1TB02NVJpLWetAaZWEYSLenSNLpKRqR1PYTrMxs+cJBEvW+5l76
+llm28lAhhYwbWRva6Qy5D3tmdtzL+DAl0ZPc9S4YzrA+R5HA+WRShfrkY7s6K2TAnBhzWDMZAvEc
+A7p519mrK0yuaBEOHUwWKJgUfCTmxMzqNMad6iTDoGUW+w7KnW1HFWUw6qSZLRtadBZwBdHUCx7Q
+oHBQ05VT5TgDGIKur1evjkt6NGx1POKmPc6wx7CtkrkixckpPQaRT3McgDBCDx2gSFmGdarVYn+g
+YJxO7c9XPyDEBGkEVxkXwH7dTyJ8Y2+YrOxLVmtMTyN9aMuQTkfdEhWgbr8ICEPwJZTpnsHdOqZl
+WAwAXLKekh5kJaL+olczLKAdB0domDoXbU9nIbbwGDfklUEj0rPOMxg651By0qmkGMWl7Cnytdz7
+yWPsmejmFFKwunbBTSLu6qSagaSMTDUu1nDPRJnkM8oI5QNg6+IRpEZ+oXk4uKF5CyFDyKuPcRU3
+J5aaibNKzfqlHEX1ewBGzr1nRIid6ImVn8ca0aeldtVcL3PvCsW9YKax9Qn2cMxRRY4kpZbIaJ77
+8ce2kZt547kZLSipaeALoIAPikcNFUhrkudw+GK5eA4dUE2O4zTu6VFoYLbQK6ue6f4Bl0gx3J1J
+ZWJGC3kl4uy48QQNPiwjOehaxCneG3VhTL1TuVTg9elGu8quqGZZ161dRLfAEfznWDGRdtNWQJEL
+y7AmbIr8wbVqaRboqjVtKF/QEGzhdhju56gTKyR1Wz2a0wqD/OB4/rGGagJZmV4cA+yvF0Jx9bNa
+tNldYsUXlmtNk0yDVV6Upwap3km70hLaBC3JgQ5ocOnWg4JmbaOAERq6f4MRZH9a93V10guwAzxu
+eUEsuvosSnrUrHxzokDRQPeGJoBheA9qTwe+BEsFWcDWIAIlaMqowLCvKi6JhZO20j0qb9WC49mc
+6ir4lWiV+E+V5IYsPRTPpNS151axau9k5PYfvMx2zzwHnINGi+lceLI7h5hZHYNpTqewvt33rnCB
+7koNlAHVaSFVAbOaAe0hChVJkvtTH2TWEh8jFJibxr41whVyqx7uYoUoq0laBsYVf4qnloura20P
+NcGebvGk9YAMeL6/Moif0bvOpMrAMcVvBT0Y2TsO0K6vJlKkINnoy9GZ6FrkF62imSvFSkdr01Tu
+ncpGRbdF9DKIUoTkYXovsJVWHqsCRdlMLVmlddlASXRL/BbNnhjSlRGlNHzWPGLj2Z2sIdlkx0V7
+pQdsSzxd9Ecv1iFvOQbWYColapP4fpb4pjrXWys885XYQhqxque1myXfrCS0Ls3SAMUdlOKYPJTm
+ambqcMqq7MzNCFkE+O1TXUEDs4tCAifiyC9taT3bdWfOfIzkzku5ujXk8tjRbZ3iNTYzsSbF01WR
+fJWclAZm1aKipusUj5ivtgiUM2MgG3VqnF6KCrexFHD2WaYig5cZXjUnDAEduNJ9Kt+QoKbwmgAu
+emVNURyoJc8/NMwHNiptO+pWwb8hFStwD/fTAlWDEm3YBlU/WVjKK1q0XRDa6KsO7eGJuO8/ah/z
+pfQxv2uvylu6Ism1FF39OhPRX3t7KGBZZd2GGajbpiaLAfO1k4i0jqvHJtw8ELjohkVp6VdTI+Tk
+msia3dDpxSn2Rs/I7KalLrXfFKNn0elO+C2QInroqEKlC6XN6Luksl1nYGJB/06DFC1IRMT9/BEW
+hPSBhIxSlrCpYJlJ2ipT3hNLOIjO+b2OJNAKnVwfuz9a4ieZutLvYEBQAdRRRmgMSINa72ff0iIw
+sTmW/FMDCbj7iHYJ7aQgbrBO8vIuxV6H9XFa2F18gaFp8Qj+SkL6HA3uD/9m2uS9ByV0iJuyjQuh
+ST0XOJz1ilFZYuISNnmOprGyys+dqjJxEouKM7fPg/cZYgHALpoGoxD0Ai4bVSifSguJxWmRCveJ
+llAwtTW5m1UIrSK6rpQ3FqXhj54ORiOS0tUxFbsLX4s6rCQxqppoaqtgXSJl4UUIWQqoS1K2N4pO
+gxnekfDem64kzgJT7aJZPRQUNZvQmNZ6nyyLvgbaH1emx3071CBhQVCODNalyZ6ugkvsnClEVcSr
+t+t5+q9xiw8Q66my7ncn4U/QpL/Eof421JRcWKey/3Oo6WyJgec7WhXvZn69166QMfdZ/+NNt0IA
+EFVURVaETq1rr1shH9FzMAfiqi6gUQxY0BfAqXzETwT3OmBUBWIjn+UFcIq9komkgw2dxlQMVdP/
+pF9h75+GfCZrICtzKdJlUSzjNd40K6Qcui1LHAG+b7Uwr0RhLDLTfggwGaPMqMyHeGPSSM4DUrS3
+WW9+EoW7qO3PXlvjeikhee/1j2FtLjIfpRN49MFFH6AR3RroF0ckws2l18qPuaotwsoFZG4ssEk/
+KSgIhLgtRdgJFFwC1rHZSoPVNiRZwv6gONGptYSmBnbGuDJMdLVz/VYHd4m3rmq6X1Y0+TH1QD8+
+v8eU4L4HEOrQONAx8gkHdazqC9bTHXZpQdzD3TCBU7SXIrNOa5eaZqZfofr/mGmAJCs0Bgzs2js0
+wNHJDrD27lQHqQIsoJHRewCZcFK0wTXGbeh3Ig86KQ0kdx1sUAM3uq1ccaJlZUDA0XyuCvtBhv4S
+6EybK+sLzTFPcymETVN9lejB5ll8QclnvrP63ih3Kft9p+2DFDL2ViwoVs6rS6aLC7X0ZEmfR0gh
+wCmdxCK+cNv8GuTHtSg4oz2Pmn0v5hLCg6TJ019/AH2Qxfi73MYHsNdtL9k0TAHR2nhVboN+A3FH
+9Z35IDKSZQAb6uJ4NWhBNWTBczor11xpsOKd/ibI+0e0/rQLQwEEHJu0U8TkuQMxAmurMHFX1/xj
+oTio8qT9xYo2fZ2HIXgXVzqVK3QLYUZOdSOKZwvMx0FQFQrdsTaatzgLg+AyJyn9qRMo7Of5CmlG
+NNhkog31KwQI2GaUUWvZX/Slr0zZf6Tc6rkjVpj04AGbe/lZmmfu+e4JtX1CrzQfXv3xr9/Td0Al
+gv9+KQHx04FGHOY7GP8fkPubL7LF9a9dzB5QChkkHHaw/7/1Sy+91eFI/3Gg3zufuVgJsfbO5vVQ
+68/yqyGiJR+5foJmoBpHREIWy0uT1y+2U4Qq0/bHFj+WATvr9uaNdubmxw/9443zz35n75N/TSnx
+DawK10+TvftlCGh/57u/GmHnu0OBMLC/g7KA/MXw2vvuwh4uGNPidtlMDQEy7/ffn4KfUkGErXBl
+/uY0vBrl72lQVJ6xLJMEcFTuPHsYIkj/0P/RKG+vX4f2/RVhm6+RFH+6ARTlSAWjgFYJI+18e6Ef
+rcEVAw7iwB67Spj0e0v/p89cNVn6OngtBQvI7bPd+fLDo1cFF5m93RmbNXZQS1+mY0Wm9DsnwE+n
+Ae0btjiSMkSWb0zDsAYMHAxMADPr18EtBQVq1Pg5gIaEnThP+605QDnIxMjDYIusXwe3FEgp5MF3
+feQ8qOIIK1a2BFpn6xc33u6WMI/g3WmC63DzIqw7rNuAWRgSrrHXgUbKpdqcDtZwK/DajwiEeSQs
+9OAEfeb1i0vjwOZhi5MbfUZyM7CsEN1T35oIS+WCwI3EkP+/QqNXx9rzOg5dIwXXK0HbrNCNNNv3
+MPNPYkPzSEa3DDqnsl3z+ztCB0toKYLlsHltJvyALonhZGDLjt0RqnyEE7GqK0NhYudIEBpHAkGC
+IbYL5PC2wuZIGHtNqtYRXNzBcfrtI0EcKYqhIwW3XScHdzQC+uSWH50rESjbhAOEnW/tB6FwgQgZ
++rP5/ccHdjKiDjj6ULCPFNtiKxAL7e4FAkpdBtmsb0+Dg1sDCrWYsRsB+DRKQjDgORPXr1d34yDA
+aKrKUMtcvw5vEsjkN6fUP78WFPmI/s2Qer55LRAggG9XwTBtD4vDux7J98feCZp2RHnPNigUf9/s
+u9vBGKJFk/PyUI/EFzbB2PRB1Y4odHI/IiOxfu2n0RSQDJbCACPd/Pjw7kg27NhQUdGPBJ1NVadT
+99a5QO7AYqHGdrDpNI9IVsltOL/4H0SHxk4JG8Qm/rLUl7zxVXGNbIt4QefC2MzY4aWV1JbGTgKb
+AzkUciVUed9aF9YRCDNa4eBT16+DmwT2rbkpeoy4L5Qj8nMi5dcVNouLQsgqSv6HlkLSAVTHBkqK
+faSTOVoob26e/X49gWsS6R1bJ0I/tG+/KSSMPgEQCxIa5oscKJvVvX8C2BpdX8hmlBK+//jAwuVN
+Gj36huQKpJyCtuebbQbkllQIcpaQDzVt0FjEo09CznuB6yzb/fvT3omXLM4CQdmJPtNmsxxe5LzR
+zxp7KnAjAHyixKjtx0nrZosJnRh81Pp1cFeBKtTRtUXaDnDtScXZ+ZvXfhLJkUBArXJjblbBwdXb
+Vbr7Y1MHykkG0Zaug717YxIsymoqtwan5qFOgom71frSGhUUWAiGmlRlNt/yVSZtH3EkDktu89Oh
+CH1wl8NbMnx/2n7kPAAxMsTdr25Hhb9XB1TUdn4ObytAUxm7Feg1WDrtTGOAF+xcB8I4onwAUZ6a
+0vp1cN+egPZNQ48/ff6KOCI1QFFR2b8PAB/I+KLRfNjeB5v21gEV1wntBvUAduU/PwW4D9b1NFQo
+N6/9U8DipERoz1BfagsHdym+VFHGTgQbgRoJGbi5DQJ/WA2kSSTlxsElCxryE2MzRA5BLjxERwVh
+5s4xYIkjW1BNRwd08/qDY+A3dsp3nBYchuhpDePyn8u3gFw/+4WXtf/jz7cYpnU3DqDS3i8OAq+b
+99607IY//7XXzFuDjHZ++AI6Wr/P9p9vv+CPb733Xi/f6uUvT/znYll8RVFm3S3cfsyN/9D/JU9e
+sXx3UyyfnktvD2u1hhn8/YF+kKf9fgr8cvyiTpZfvWX01ltsoM6j36Isl/HuJ99gZcYOC/d6WewO
+u0HejR32ZFl0r+2eNi2a0SP78U9netsIGfsWZ8s4rt/9zzLO/vfd+RK6k783QxQ7h0h57LucL4sE
+hGS4fBlqo4SzLtmOHputEL0aeN0eGTvwxTIsveVT+/yc7X3sDVxt7OiXyyeve3ubbkqWY9/g+snn
+4+9+8m3aM3bgm/qp/uo9F0W3N/gmnRg/eBIsv+wPvI5Qxw58twyWqL0s99Cn22x47Nj3fhj6ewfW
+ttgyduCHZexH766WT/XujGzLuWMHXwtUvXWIb2PCseN/eC6rd5NnvPCivU+/CTXGjn655DDnwKr2
+BdK3Nd+xo2Nmx+jV7uf+jj4YPXa6tyuHcdcYyLHjcvF/Z/Fc+V/TL8vi3WmJGeFTuf89tnDj0e/3
+q0BgAO1s4Hxj3+bS79NiPxwYBqfMSBVv7OAo72Y/l9hfB1dDoPbPIqXZ8olAbCBVXS1dHsbJsnmO
+/JcPvYV4baFNY7/I8A7Do341OlDCAUA2dvTLZTLM08tAO+g0Qv3Rgz+7RJPLbm9XbLsXlFPGDj97
+jrzXkz4gLEGRjB76+377OWtu5BqaDvqBPqtnP5LfIML+A5HZ1POWVYXwxet3+Bt+OXaWfkMIceQk
+nXEV/FRo8T+whP6tpevIz3+xfEIo8mU9DrsLxuWPnfxfP4i3MsnvPJcf88sXms9b/2w/eR5+42v0
+vCz++hcAAAD//w==</cx:binary>
               </cx:geoCache>
             </cx:geography>
           </cx:layoutPr>
@@ -9052,7 +9060,6 @@
           <cx:pt idx="14">Shows</cx:pt>
           <cx:pt idx="15">Sports</cx:pt>
           <cx:pt idx="16">Travel &amp; Events</cx:pt>
-          <cx:pt idx="17"/>
         </cx:lvl>
       </cx:strDim>
       <cx:numDim type="val">
@@ -9099,7 +9106,6 @@
           <cx:pt idx="14">Shows</cx:pt>
           <cx:pt idx="15">Sports</cx:pt>
           <cx:pt idx="16">Travel &amp; Events</cx:pt>
-          <cx:pt idx="17"/>
         </cx:lvl>
       </cx:strDim>
       <cx:numDim type="val">
@@ -20617,7 +20623,7 @@
         <p:spPr>
           <a:xfrm>
             <a:off x="6580416" y="985942"/>
-            <a:ext cx="4593772" cy="1015663"/>
+            <a:ext cx="4593772" cy="1323439"/>
           </a:xfrm>
           <a:prstGeom prst="rect">
             <a:avLst/>
@@ -20635,10 +20641,10 @@
               <a:t>INFERENCE: </a:t>
             </a:r>
             <a:r>
-              <a:rPr lang="en-US" sz="3000" b="1" dirty="0"/>
+              <a:rPr lang="en-US" sz="4000" b="1" dirty="0"/>
               <a:t>Rates are not provided</a:t>
             </a:r>
-            <a:endParaRPr lang="en-IN" sz="3000" b="1" dirty="0"/>
+            <a:endParaRPr lang="en-IN" sz="4000" b="1" dirty="0"/>
           </a:p>
         </p:txBody>
       </p:sp>
@@ -25315,8 +25321,8 @@
         </p:blipFill>
         <p:spPr>
           <a:xfrm>
-            <a:off x="0" y="1996257"/>
-            <a:ext cx="6449787" cy="2834367"/>
+            <a:off x="424543" y="828855"/>
+            <a:ext cx="11538858" cy="5365115"/>
           </a:xfrm>
           <a:prstGeom prst="rect">
             <a:avLst/>
@@ -25557,7 +25563,7 @@
         <p:spPr>
           <a:xfrm>
             <a:off x="6580416" y="985942"/>
-            <a:ext cx="4593772" cy="369332"/>
+            <a:ext cx="4593772" cy="923330"/>
           </a:xfrm>
           <a:prstGeom prst="rect">
             <a:avLst/>
@@ -25572,9 +25578,27 @@
           <a:p>
             <a:r>
               <a:rPr lang="en-US" b="1" dirty="0"/>
-              <a:t>INFERENCE:</a:t>
+              <a:t>INFERENCE: </a:t>
             </a:r>
-            <a:endParaRPr lang="en-IN" b="1" dirty="0"/>
+          </a:p>
+          <a:p>
+            <a:r>
+              <a:rPr lang="en-US" dirty="0"/>
+              <a:t>The states are highlighted using their views. </a:t>
+            </a:r>
+            <a:r>
+              <a:rPr lang="en-US" dirty="0">
+                <a:solidFill>
+                  <a:srgbClr val="FF0000"/>
+                </a:solidFill>
+              </a:rPr>
+              <a:t>Uttar Pradesh has the highest number of views</a:t>
+            </a:r>
+            <a:r>
+              <a:rPr lang="en-US" dirty="0"/>
+              <a:t>.</a:t>
+            </a:r>
+            <a:endParaRPr lang="en-IN" dirty="0"/>
           </a:p>
         </p:txBody>
       </p:sp>
@@ -25671,14 +25695,14 @@
               <p:nvPr>
                 <p:extLst>
                   <p:ext uri="{D42A27DB-BD31-4B8C-83A1-F6EECF244321}">
-                    <p14:modId xmlns:p14="http://schemas.microsoft.com/office/powerpoint/2010/main" val="3927101075"/>
+                    <p14:modId xmlns:p14="http://schemas.microsoft.com/office/powerpoint/2010/main" val="2665303323"/>
                   </p:ext>
                 </p:extLst>
               </p:nvPr>
             </p:nvGraphicFramePr>
             <p:xfrm>
-              <a:off x="424542" y="1077685"/>
-              <a:ext cx="4572000" cy="2743200"/>
+              <a:off x="424541" y="1077684"/>
+              <a:ext cx="5475515" cy="4397829"/>
             </p:xfrm>
             <a:graphic>
               <a:graphicData uri="http://schemas.microsoft.com/office/drawing/2014/chartex">
@@ -25710,8 +25734,8 @@
             </p:blipFill>
             <p:spPr>
               <a:xfrm>
-                <a:off x="424542" y="1077685"/>
-                <a:ext cx="4572000" cy="2743200"/>
+                <a:off x="424541" y="1077684"/>
+                <a:ext cx="5475515" cy="4397829"/>
               </a:xfrm>
               <a:prstGeom prst="rect">
                 <a:avLst/>
@@ -25954,7 +25978,7 @@
         <p:spPr>
           <a:xfrm>
             <a:off x="6580416" y="985942"/>
-            <a:ext cx="4593772" cy="369332"/>
+            <a:ext cx="4593772" cy="1200329"/>
           </a:xfrm>
           <a:prstGeom prst="rect">
             <a:avLst/>
@@ -25971,7 +25995,21 @@
               <a:rPr lang="en-US" b="1" dirty="0"/>
               <a:t>INFERENCE:</a:t>
             </a:r>
-            <a:endParaRPr lang="en-IN" b="1" dirty="0"/>
+          </a:p>
+          <a:p>
+            <a:r>
+              <a:rPr lang="en-US" dirty="0">
+                <a:solidFill>
+                  <a:srgbClr val="FF0000"/>
+                </a:solidFill>
+              </a:rPr>
+              <a:t>Entertainment category seems to have outliers but it’s the number of views so its not an outlier.</a:t>
+            </a:r>
+            <a:endParaRPr lang="en-IN" dirty="0">
+              <a:solidFill>
+                <a:srgbClr val="FF0000"/>
+              </a:solidFill>
+            </a:endParaRPr>
           </a:p>
         </p:txBody>
       </p:sp>
@@ -26053,8 +26091,8 @@
           </a:p>
         </p:txBody>
       </p:sp>
-      <mc:AlternateContent xmlns:mc="http://schemas.openxmlformats.org/markup-compatibility/2006">
-        <mc:Choice xmlns:cx1="http://schemas.microsoft.com/office/drawing/2015/9/8/chartex" Requires="cx1">
+      <mc:AlternateContent xmlns:mc="http://schemas.openxmlformats.org/markup-compatibility/2006" xmlns:cx1="http://schemas.microsoft.com/office/drawing/2015/9/8/chartex">
+        <mc:Choice Requires="cx1">
           <p:graphicFrame>
             <p:nvGraphicFramePr>
               <p:cNvPr id="3" name="Chart 2">
@@ -26084,7 +26122,7 @@
             </a:graphic>
           </p:graphicFrame>
         </mc:Choice>
-        <mc:Fallback>
+        <mc:Fallback xmlns="">
           <p:pic>
             <p:nvPicPr>
               <p:cNvPr id="3" name="Chart 2">
@@ -26351,7 +26389,7 @@
         <p:spPr>
           <a:xfrm>
             <a:off x="6580416" y="985942"/>
-            <a:ext cx="4593772" cy="369332"/>
+            <a:ext cx="4593772" cy="1200329"/>
           </a:xfrm>
           <a:prstGeom prst="rect">
             <a:avLst/>
@@ -26366,9 +26404,23 @@
           <a:p>
             <a:r>
               <a:rPr lang="en-US" b="1" dirty="0"/>
-              <a:t>INFERENCE:</a:t>
+              <a:t>INFERENCE: </a:t>
             </a:r>
-            <a:endParaRPr lang="en-IN" b="1" dirty="0"/>
+          </a:p>
+          <a:p>
+            <a:r>
+              <a:rPr lang="en-US" dirty="0">
+                <a:solidFill>
+                  <a:srgbClr val="FF0000"/>
+                </a:solidFill>
+              </a:rPr>
+              <a:t>In December the sum of dislikes ids higher than the likes. June has the highest likes to dislike ratio.</a:t>
+            </a:r>
+            <a:endParaRPr lang="en-IN" dirty="0">
+              <a:solidFill>
+                <a:srgbClr val="FF0000"/>
+              </a:solidFill>
+            </a:endParaRPr>
           </a:p>
         </p:txBody>
       </p:sp>
@@ -27126,7 +27178,7 @@
         <p:spPr>
           <a:xfrm>
             <a:off x="6580416" y="985942"/>
-            <a:ext cx="4593772" cy="369332"/>
+            <a:ext cx="4593772" cy="923330"/>
           </a:xfrm>
           <a:prstGeom prst="rect">
             <a:avLst/>
@@ -27143,7 +27195,12 @@
               <a:rPr lang="en-US" b="1" dirty="0"/>
               <a:t>INFERENCE:</a:t>
             </a:r>
-            <a:endParaRPr lang="en-IN" b="1" dirty="0"/>
+          </a:p>
+          <a:p>
+            <a:r>
+              <a:rPr lang="en-IN" dirty="0"/>
+              <a:t>The views are higher for all the months followed by likes and views</a:t>
+            </a:r>
           </a:p>
         </p:txBody>
       </p:sp>
@@ -27370,7 +27427,7 @@
           <a:p>
             <a:r>
               <a:rPr lang="en-US" sz="3000" b="1" dirty="0"/>
-              <a:t>Q19</a:t>
+              <a:t>Q20</a:t>
             </a:r>
             <a:endParaRPr lang="en-IN" sz="3000" b="1" dirty="0"/>
           </a:p>
@@ -27489,7 +27546,7 @@
         <p:spPr>
           <a:xfrm>
             <a:off x="6580416" y="985942"/>
-            <a:ext cx="4593772" cy="369332"/>
+            <a:ext cx="4593772" cy="923330"/>
           </a:xfrm>
           <a:prstGeom prst="rect">
             <a:avLst/>
@@ -27504,9 +27561,23 @@
           <a:p>
             <a:r>
               <a:rPr lang="en-US" b="1" dirty="0"/>
-              <a:t>INFERENCE:</a:t>
+              <a:t>INFERENCE: </a:t>
             </a:r>
-            <a:endParaRPr lang="en-IN" b="1" dirty="0"/>
+          </a:p>
+          <a:p>
+            <a:r>
+              <a:rPr lang="en-US" dirty="0">
+                <a:solidFill>
+                  <a:srgbClr val="FF0000"/>
+                </a:solidFill>
+              </a:rPr>
+              <a:t>June has the lowest retention rate and December has the highest retention rate.</a:t>
+            </a:r>
+            <a:endParaRPr lang="en-IN" dirty="0">
+              <a:solidFill>
+                <a:srgbClr val="FF0000"/>
+              </a:solidFill>
+            </a:endParaRPr>
           </a:p>
         </p:txBody>
       </p:sp>
@@ -36148,7 +36219,7 @@
 
 <file path=customXml/item1.xml><?xml version="1.0" encoding="utf-8"?>
 <titus xmlns="http://schemas.titus.com/TitusProperties/">
-  <TitusGUID xmlns="">9b7508c3-0136-4771-8869-2424bc4ddcbc</TitusGUID>
+  <TitusGUID xmlns="">8519f264-0366-4638-a780-542de6510c33</TitusGUID>
   <TitusMetadata xmlns="">eyJucyI6Imh0dHA6XC9cL3d3dy50aXR1cy5jb21cL25zXC9MYXRlbnRWaWV3IiwicHJvcHMiOlt7Im4iOiJDbGFzc2lmaWNhdGlvbiIsInZhbHMiOlt7InZhbHVlIjoiTFZfQzBORjFEM05UMUFMIn1dfSx7Im4iOiJDb250YWluc1BJSSIsInZhbHMiOlt7InZhbHVlIjoiTm8ifV19XX0=</TitusMetadata>
 </titus>
 </file>
@@ -36157,6 +36228,7 @@
 <ds:datastoreItem xmlns:ds="http://schemas.openxmlformats.org/officeDocument/2006/customXml" ds:itemID="{787A30AE-0A8B-49B7-AD6B-623A7215D733}">
   <ds:schemaRefs>
     <ds:schemaRef ds:uri="http://schemas.titus.com/TitusProperties/"/>
+    <ds:schemaRef ds:uri=""/>
   </ds:schemaRefs>
 </ds:datastoreItem>
 </file>